--- a/DesignPatterns/Structural Design Patterns/Structural Design Patterns - WTG.pptx
+++ b/DesignPatterns/Structural Design Patterns/Structural Design Patterns - WTG.pptx
@@ -5,10 +5,10 @@
     <p:sldMasterId id="2147483648" r:id="rId4"/>
   </p:sldMasterIdLst>
   <p:notesMasterIdLst>
-    <p:notesMasterId r:id="rId12"/>
+    <p:notesMasterId r:id="rId14"/>
   </p:notesMasterIdLst>
   <p:handoutMasterIdLst>
-    <p:handoutMasterId r:id="rId13"/>
+    <p:handoutMasterId r:id="rId15"/>
   </p:handoutMasterIdLst>
   <p:sldIdLst>
     <p:sldId id="264" r:id="rId5"/>
@@ -17,7 +17,9 @@
     <p:sldId id="275" r:id="rId8"/>
     <p:sldId id="272" r:id="rId9"/>
     <p:sldId id="276" r:id="rId10"/>
-    <p:sldId id="271" r:id="rId11"/>
+    <p:sldId id="277" r:id="rId11"/>
+    <p:sldId id="278" r:id="rId12"/>
+    <p:sldId id="271" r:id="rId13"/>
   </p:sldIdLst>
   <p:sldSz cx="24384000" cy="13716000"/>
   <p:notesSz cx="6858000" cy="9144000"/>
@@ -142,6 +144,7 @@
 <p1510:revInfo xmlns:a="http://schemas.openxmlformats.org/drawingml/2006/main" xmlns:r="http://schemas.openxmlformats.org/officeDocument/2006/relationships" xmlns:p1510="http://schemas.microsoft.com/office/powerpoint/2015/10/main">
   <p1510:revLst>
     <p1510:client id="{037A9CA3-FDD3-4549-A1D4-BD9B1626C030}" v="76" dt="2023-03-19T01:03:48.412"/>
+    <p1510:client id="{90D147C7-6DF3-4858-A037-194481D7D906}" v="16" dt="2023-03-19T01:15:06.109"/>
   </p1510:revLst>
 </p1510:revInfo>
 </file>
@@ -819,10 +822,1828 @@
       </pc:sldChg>
     </pc:docChg>
   </pc:docChgLst>
+  <pc:docChgLst>
+    <pc:chgData name="Nancy Li" userId="afc5209a-cf39-48d8-a57f-08cc8b772ec9" providerId="ADAL" clId="{90D147C7-6DF3-4858-A037-194481D7D906}"/>
+    <pc:docChg chg="undo custSel addSld modSld">
+      <pc:chgData name="Nancy Li" userId="afc5209a-cf39-48d8-a57f-08cc8b772ec9" providerId="ADAL" clId="{90D147C7-6DF3-4858-A037-194481D7D906}" dt="2023-03-19T01:15:14.201" v="78" actId="1076"/>
+      <pc:docMkLst>
+        <pc:docMk/>
+      </pc:docMkLst>
+      <pc:sldChg chg="addSp delSp modSp mod modClrScheme chgLayout">
+        <pc:chgData name="Nancy Li" userId="afc5209a-cf39-48d8-a57f-08cc8b772ec9" providerId="ADAL" clId="{90D147C7-6DF3-4858-A037-194481D7D906}" dt="2023-03-19T01:10:24.066" v="18"/>
+        <pc:sldMkLst>
+          <pc:docMk/>
+          <pc:sldMk cId="1405898962" sldId="270"/>
+        </pc:sldMkLst>
+        <pc:spChg chg="mod">
+          <ac:chgData name="Nancy Li" userId="afc5209a-cf39-48d8-a57f-08cc8b772ec9" providerId="ADAL" clId="{90D147C7-6DF3-4858-A037-194481D7D906}" dt="2023-03-19T01:05:41.963" v="2" actId="26606"/>
+          <ac:spMkLst>
+            <pc:docMk/>
+            <pc:sldMk cId="1405898962" sldId="270"/>
+            <ac:spMk id="2" creationId="{22DA5C28-F0FD-47D6-8E92-1C9E6EA87F96}"/>
+          </ac:spMkLst>
+        </pc:spChg>
+        <pc:spChg chg="mod">
+          <ac:chgData name="Nancy Li" userId="afc5209a-cf39-48d8-a57f-08cc8b772ec9" providerId="ADAL" clId="{90D147C7-6DF3-4858-A037-194481D7D906}" dt="2023-03-19T01:05:41.963" v="2" actId="26606"/>
+          <ac:spMkLst>
+            <pc:docMk/>
+            <pc:sldMk cId="1405898962" sldId="270"/>
+            <ac:spMk id="3" creationId="{15B20483-DDDA-4E06-872B-F88C31FDBA35}"/>
+          </ac:spMkLst>
+        </pc:spChg>
+        <pc:spChg chg="add del mod">
+          <ac:chgData name="Nancy Li" userId="afc5209a-cf39-48d8-a57f-08cc8b772ec9" providerId="ADAL" clId="{90D147C7-6DF3-4858-A037-194481D7D906}" dt="2023-03-19T01:10:08.792" v="14" actId="478"/>
+          <ac:spMkLst>
+            <pc:docMk/>
+            <pc:sldMk cId="1405898962" sldId="270"/>
+            <ac:spMk id="6" creationId="{E381880B-6407-741D-7496-35FB7A32D4AB}"/>
+          </ac:spMkLst>
+        </pc:spChg>
+        <pc:spChg chg="add del mod">
+          <ac:chgData name="Nancy Li" userId="afc5209a-cf39-48d8-a57f-08cc8b772ec9" providerId="ADAL" clId="{90D147C7-6DF3-4858-A037-194481D7D906}" dt="2023-03-19T01:10:23.621" v="17" actId="478"/>
+          <ac:spMkLst>
+            <pc:docMk/>
+            <pc:sldMk cId="1405898962" sldId="270"/>
+            <ac:spMk id="7" creationId="{07492B32-A0A5-6B6E-5295-D51AB00A6F1A}"/>
+          </ac:spMkLst>
+        </pc:spChg>
+        <pc:spChg chg="add mod">
+          <ac:chgData name="Nancy Li" userId="afc5209a-cf39-48d8-a57f-08cc8b772ec9" providerId="ADAL" clId="{90D147C7-6DF3-4858-A037-194481D7D906}" dt="2023-03-19T01:10:24.066" v="18"/>
+          <ac:spMkLst>
+            <pc:docMk/>
+            <pc:sldMk cId="1405898962" sldId="270"/>
+            <ac:spMk id="8" creationId="{DC45491D-551A-5A4B-8A1B-9E9F2A459920}"/>
+          </ac:spMkLst>
+        </pc:spChg>
+        <pc:spChg chg="del mod ord">
+          <ac:chgData name="Nancy Li" userId="afc5209a-cf39-48d8-a57f-08cc8b772ec9" providerId="ADAL" clId="{90D147C7-6DF3-4858-A037-194481D7D906}" dt="2023-03-19T01:10:05.584" v="12" actId="478"/>
+          <ac:spMkLst>
+            <pc:docMk/>
+            <pc:sldMk cId="1405898962" sldId="270"/>
+            <ac:spMk id="16" creationId="{01917DEB-5F2E-FD46-EA71-AC804F46F551}"/>
+          </ac:spMkLst>
+        </pc:spChg>
+        <pc:spChg chg="add del mod">
+          <ac:chgData name="Nancy Li" userId="afc5209a-cf39-48d8-a57f-08cc8b772ec9" providerId="ADAL" clId="{90D147C7-6DF3-4858-A037-194481D7D906}" dt="2023-03-19T01:05:35.020" v="1" actId="26606"/>
+          <ac:spMkLst>
+            <pc:docMk/>
+            <pc:sldMk cId="1405898962" sldId="270"/>
+            <ac:spMk id="19" creationId="{8C49EDF4-36FB-C946-1E16-8F5CFA5DD2E5}"/>
+          </ac:spMkLst>
+        </pc:spChg>
+        <pc:spChg chg="add del mod">
+          <ac:chgData name="Nancy Li" userId="afc5209a-cf39-48d8-a57f-08cc8b772ec9" providerId="ADAL" clId="{90D147C7-6DF3-4858-A037-194481D7D906}" dt="2023-03-19T01:10:12.772" v="16" actId="478"/>
+          <ac:spMkLst>
+            <pc:docMk/>
+            <pc:sldMk cId="1405898962" sldId="270"/>
+            <ac:spMk id="23" creationId="{A7FF6CF3-8DE0-E9E1-F8C7-4D9ACB5AC97A}"/>
+          </ac:spMkLst>
+        </pc:spChg>
+        <pc:picChg chg="mod">
+          <ac:chgData name="Nancy Li" userId="afc5209a-cf39-48d8-a57f-08cc8b772ec9" providerId="ADAL" clId="{90D147C7-6DF3-4858-A037-194481D7D906}" dt="2023-03-19T01:05:41.963" v="2" actId="26606"/>
+          <ac:picMkLst>
+            <pc:docMk/>
+            <pc:sldMk cId="1405898962" sldId="270"/>
+            <ac:picMk id="4" creationId="{7DE68868-76BB-3644-9932-5DD0208BC91B}"/>
+          </ac:picMkLst>
+        </pc:picChg>
+      </pc:sldChg>
+      <pc:sldChg chg="addSp delSp modSp mod">
+        <pc:chgData name="Nancy Li" userId="afc5209a-cf39-48d8-a57f-08cc8b772ec9" providerId="ADAL" clId="{90D147C7-6DF3-4858-A037-194481D7D906}" dt="2023-03-19T01:14:01.875" v="65" actId="1076"/>
+        <pc:sldMkLst>
+          <pc:docMk/>
+          <pc:sldMk cId="2895557782" sldId="275"/>
+        </pc:sldMkLst>
+        <pc:spChg chg="del mod">
+          <ac:chgData name="Nancy Li" userId="afc5209a-cf39-48d8-a57f-08cc8b772ec9" providerId="ADAL" clId="{90D147C7-6DF3-4858-A037-194481D7D906}" dt="2023-03-19T01:13:04.845" v="55" actId="12084"/>
+          <ac:spMkLst>
+            <pc:docMk/>
+            <pc:sldMk cId="2895557782" sldId="275"/>
+            <ac:spMk id="4" creationId="{BE48293C-EDDB-8FC4-5951-09057794EED3}"/>
+          </ac:spMkLst>
+        </pc:spChg>
+        <pc:spChg chg="add del">
+          <ac:chgData name="Nancy Li" userId="afc5209a-cf39-48d8-a57f-08cc8b772ec9" providerId="ADAL" clId="{90D147C7-6DF3-4858-A037-194481D7D906}" dt="2023-03-19T01:06:50.555" v="8" actId="11529"/>
+          <ac:spMkLst>
+            <pc:docMk/>
+            <pc:sldMk cId="2895557782" sldId="275"/>
+            <ac:spMk id="5" creationId="{19435D87-C913-456C-BB38-B7B60DB6A9C7}"/>
+          </ac:spMkLst>
+        </pc:spChg>
+        <pc:spChg chg="mod">
+          <ac:chgData name="Nancy Li" userId="afc5209a-cf39-48d8-a57f-08cc8b772ec9" providerId="ADAL" clId="{90D147C7-6DF3-4858-A037-194481D7D906}" dt="2023-03-19T01:13:45.587" v="62" actId="1076"/>
+          <ac:spMkLst>
+            <pc:docMk/>
+            <pc:sldMk cId="2895557782" sldId="275"/>
+            <ac:spMk id="23" creationId="{5D9EF3DB-0471-0ADD-96A0-E2C7C9AC1F9F}"/>
+          </ac:spMkLst>
+        </pc:spChg>
+        <pc:spChg chg="mod">
+          <ac:chgData name="Nancy Li" userId="afc5209a-cf39-48d8-a57f-08cc8b772ec9" providerId="ADAL" clId="{90D147C7-6DF3-4858-A037-194481D7D906}" dt="2023-03-19T01:14:01.875" v="65" actId="1076"/>
+          <ac:spMkLst>
+            <pc:docMk/>
+            <pc:sldMk cId="2895557782" sldId="275"/>
+            <ac:spMk id="24" creationId="{967D2E9E-C056-3930-DA7D-FA67B71C1BC5}"/>
+          </ac:spMkLst>
+        </pc:spChg>
+        <pc:graphicFrameChg chg="add mod">
+          <ac:chgData name="Nancy Li" userId="afc5209a-cf39-48d8-a57f-08cc8b772ec9" providerId="ADAL" clId="{90D147C7-6DF3-4858-A037-194481D7D906}" dt="2023-03-19T01:13:22.573" v="59" actId="1076"/>
+          <ac:graphicFrameMkLst>
+            <pc:docMk/>
+            <pc:sldMk cId="2895557782" sldId="275"/>
+            <ac:graphicFrameMk id="6" creationId="{9692540E-9C44-5F9E-BC24-C0D04663C3A0}"/>
+          </ac:graphicFrameMkLst>
+        </pc:graphicFrameChg>
+        <pc:picChg chg="mod">
+          <ac:chgData name="Nancy Li" userId="afc5209a-cf39-48d8-a57f-08cc8b772ec9" providerId="ADAL" clId="{90D147C7-6DF3-4858-A037-194481D7D906}" dt="2023-03-19T01:13:50.331" v="63" actId="14100"/>
+          <ac:picMkLst>
+            <pc:docMk/>
+            <pc:sldMk cId="2895557782" sldId="275"/>
+            <ac:picMk id="20" creationId="{C788CE5F-A780-7B7D-D75C-4C174B252F05}"/>
+          </ac:picMkLst>
+        </pc:picChg>
+        <pc:picChg chg="mod">
+          <ac:chgData name="Nancy Li" userId="afc5209a-cf39-48d8-a57f-08cc8b772ec9" providerId="ADAL" clId="{90D147C7-6DF3-4858-A037-194481D7D906}" dt="2023-03-19T01:13:53.523" v="64" actId="14100"/>
+          <ac:picMkLst>
+            <pc:docMk/>
+            <pc:sldMk cId="2895557782" sldId="275"/>
+            <ac:picMk id="21" creationId="{C9DF44F3-4E58-50F8-B777-846C8CA6ABC9}"/>
+          </ac:picMkLst>
+        </pc:picChg>
+      </pc:sldChg>
+      <pc:sldChg chg="addSp delSp modSp mod modNotesTx">
+        <pc:chgData name="Nancy Li" userId="afc5209a-cf39-48d8-a57f-08cc8b772ec9" providerId="ADAL" clId="{90D147C7-6DF3-4858-A037-194481D7D906}" dt="2023-03-19T01:10:54.533" v="25"/>
+        <pc:sldMkLst>
+          <pc:docMk/>
+          <pc:sldMk cId="2672017147" sldId="276"/>
+        </pc:sldMkLst>
+        <pc:spChg chg="del">
+          <ac:chgData name="Nancy Li" userId="afc5209a-cf39-48d8-a57f-08cc8b772ec9" providerId="ADAL" clId="{90D147C7-6DF3-4858-A037-194481D7D906}" dt="2023-03-19T01:10:33.826" v="20" actId="478"/>
+          <ac:spMkLst>
+            <pc:docMk/>
+            <pc:sldMk cId="2672017147" sldId="276"/>
+            <ac:spMk id="2" creationId="{9DD345F9-1520-F3C0-82CB-4AE356DEB6DD}"/>
+          </ac:spMkLst>
+        </pc:spChg>
+        <pc:spChg chg="del">
+          <ac:chgData name="Nancy Li" userId="afc5209a-cf39-48d8-a57f-08cc8b772ec9" providerId="ADAL" clId="{90D147C7-6DF3-4858-A037-194481D7D906}" dt="2023-03-19T01:10:31.980" v="19" actId="478"/>
+          <ac:spMkLst>
+            <pc:docMk/>
+            <pc:sldMk cId="2672017147" sldId="276"/>
+            <ac:spMk id="3" creationId="{57F00022-7883-62BD-8CE1-63A6825755D4}"/>
+          </ac:spMkLst>
+        </pc:spChg>
+        <pc:spChg chg="mod">
+          <ac:chgData name="Nancy Li" userId="afc5209a-cf39-48d8-a57f-08cc8b772ec9" providerId="ADAL" clId="{90D147C7-6DF3-4858-A037-194481D7D906}" dt="2023-03-19T01:09:55.108" v="11"/>
+          <ac:spMkLst>
+            <pc:docMk/>
+            <pc:sldMk cId="2672017147" sldId="276"/>
+            <ac:spMk id="4" creationId="{9B3B5248-60EC-C858-6B0A-A905DD92C91A}"/>
+          </ac:spMkLst>
+        </pc:spChg>
+        <pc:spChg chg="del">
+          <ac:chgData name="Nancy Li" userId="afc5209a-cf39-48d8-a57f-08cc8b772ec9" providerId="ADAL" clId="{90D147C7-6DF3-4858-A037-194481D7D906}" dt="2023-03-19T01:10:34.962" v="21" actId="478"/>
+          <ac:spMkLst>
+            <pc:docMk/>
+            <pc:sldMk cId="2672017147" sldId="276"/>
+            <ac:spMk id="7" creationId="{7D55235B-0240-BE51-3061-57658A7C02A7}"/>
+          </ac:spMkLst>
+        </pc:spChg>
+        <pc:picChg chg="add mod">
+          <ac:chgData name="Nancy Li" userId="afc5209a-cf39-48d8-a57f-08cc8b772ec9" providerId="ADAL" clId="{90D147C7-6DF3-4858-A037-194481D7D906}" dt="2023-03-19T01:10:46.967" v="24" actId="1076"/>
+          <ac:picMkLst>
+            <pc:docMk/>
+            <pc:sldMk cId="2672017147" sldId="276"/>
+            <ac:picMk id="8" creationId="{68274F01-4D4E-2DBB-6CAC-6287E4B99B1B}"/>
+          </ac:picMkLst>
+        </pc:picChg>
+      </pc:sldChg>
+      <pc:sldChg chg="addSp delSp modSp new mod modNotesTx">
+        <pc:chgData name="Nancy Li" userId="afc5209a-cf39-48d8-a57f-08cc8b772ec9" providerId="ADAL" clId="{90D147C7-6DF3-4858-A037-194481D7D906}" dt="2023-03-19T01:14:34.870" v="66"/>
+        <pc:sldMkLst>
+          <pc:docMk/>
+          <pc:sldMk cId="3495813387" sldId="277"/>
+        </pc:sldMkLst>
+        <pc:spChg chg="del">
+          <ac:chgData name="Nancy Li" userId="afc5209a-cf39-48d8-a57f-08cc8b772ec9" providerId="ADAL" clId="{90D147C7-6DF3-4858-A037-194481D7D906}" dt="2023-03-19T01:11:13.369" v="28" actId="478"/>
+          <ac:spMkLst>
+            <pc:docMk/>
+            <pc:sldMk cId="3495813387" sldId="277"/>
+            <ac:spMk id="2" creationId="{5FE14034-B37C-441D-B90F-A953C35F2525}"/>
+          </ac:spMkLst>
+        </pc:spChg>
+        <pc:spChg chg="del">
+          <ac:chgData name="Nancy Li" userId="afc5209a-cf39-48d8-a57f-08cc8b772ec9" providerId="ADAL" clId="{90D147C7-6DF3-4858-A037-194481D7D906}" dt="2023-03-19T01:11:12.397" v="27" actId="478"/>
+          <ac:spMkLst>
+            <pc:docMk/>
+            <pc:sldMk cId="3495813387" sldId="277"/>
+            <ac:spMk id="3" creationId="{F6333E95-1649-57DC-670E-DD9A67450A39}"/>
+          </ac:spMkLst>
+        </pc:spChg>
+        <pc:spChg chg="del">
+          <ac:chgData name="Nancy Li" userId="afc5209a-cf39-48d8-a57f-08cc8b772ec9" providerId="ADAL" clId="{90D147C7-6DF3-4858-A037-194481D7D906}" dt="2023-03-19T01:11:28.669" v="34" actId="478"/>
+          <ac:spMkLst>
+            <pc:docMk/>
+            <pc:sldMk cId="3495813387" sldId="277"/>
+            <ac:spMk id="4" creationId="{5F95D3E1-526F-849B-D8B3-C74CDD6A38C0}"/>
+          </ac:spMkLst>
+        </pc:spChg>
+        <pc:spChg chg="del">
+          <ac:chgData name="Nancy Li" userId="afc5209a-cf39-48d8-a57f-08cc8b772ec9" providerId="ADAL" clId="{90D147C7-6DF3-4858-A037-194481D7D906}" dt="2023-03-19T01:11:39.477" v="37" actId="478"/>
+          <ac:spMkLst>
+            <pc:docMk/>
+            <pc:sldMk cId="3495813387" sldId="277"/>
+            <ac:spMk id="7" creationId="{6F4AAEEC-C0A9-2305-409F-44613AE89CC4}"/>
+          </ac:spMkLst>
+        </pc:spChg>
+        <pc:spChg chg="add del mod">
+          <ac:chgData name="Nancy Li" userId="afc5209a-cf39-48d8-a57f-08cc8b772ec9" providerId="ADAL" clId="{90D147C7-6DF3-4858-A037-194481D7D906}" dt="2023-03-19T01:12:25.757" v="47" actId="12084"/>
+          <ac:spMkLst>
+            <pc:docMk/>
+            <pc:sldMk cId="3495813387" sldId="277"/>
+            <ac:spMk id="8" creationId="{3F86087C-F8A4-4C08-7470-2328A9B7DF77}"/>
+          </ac:spMkLst>
+        </pc:spChg>
+        <pc:spChg chg="add mod">
+          <ac:chgData name="Nancy Li" userId="afc5209a-cf39-48d8-a57f-08cc8b772ec9" providerId="ADAL" clId="{90D147C7-6DF3-4858-A037-194481D7D906}" dt="2023-03-19T01:11:29.494" v="35"/>
+          <ac:spMkLst>
+            <pc:docMk/>
+            <pc:sldMk cId="3495813387" sldId="277"/>
+            <ac:spMk id="10" creationId="{FCB376B8-539C-8DBB-C460-444AE6D443A3}"/>
+          </ac:spMkLst>
+        </pc:spChg>
+        <pc:graphicFrameChg chg="add mod">
+          <ac:chgData name="Nancy Li" userId="afc5209a-cf39-48d8-a57f-08cc8b772ec9" providerId="ADAL" clId="{90D147C7-6DF3-4858-A037-194481D7D906}" dt="2023-03-19T01:12:42.212" v="51" actId="20577"/>
+          <ac:graphicFrameMkLst>
+            <pc:docMk/>
+            <pc:sldMk cId="3495813387" sldId="277"/>
+            <ac:graphicFrameMk id="11" creationId="{640EA9B6-5A62-5219-FE7B-484F50127C7D}"/>
+          </ac:graphicFrameMkLst>
+        </pc:graphicFrameChg>
+        <pc:picChg chg="add mod modCrop">
+          <ac:chgData name="Nancy Li" userId="afc5209a-cf39-48d8-a57f-08cc8b772ec9" providerId="ADAL" clId="{90D147C7-6DF3-4858-A037-194481D7D906}" dt="2023-03-19T01:12:57.907" v="54" actId="1076"/>
+          <ac:picMkLst>
+            <pc:docMk/>
+            <pc:sldMk cId="3495813387" sldId="277"/>
+            <ac:picMk id="9" creationId="{92B3ECFD-0BF7-089F-58E6-B9EE090E0CE9}"/>
+          </ac:picMkLst>
+        </pc:picChg>
+      </pc:sldChg>
+      <pc:sldChg chg="addSp delSp modSp new mod modNotesTx">
+        <pc:chgData name="Nancy Li" userId="afc5209a-cf39-48d8-a57f-08cc8b772ec9" providerId="ADAL" clId="{90D147C7-6DF3-4858-A037-194481D7D906}" dt="2023-03-19T01:15:14.201" v="78" actId="1076"/>
+        <pc:sldMkLst>
+          <pc:docMk/>
+          <pc:sldMk cId="2067632723" sldId="278"/>
+        </pc:sldMkLst>
+        <pc:spChg chg="del">
+          <ac:chgData name="Nancy Li" userId="afc5209a-cf39-48d8-a57f-08cc8b772ec9" providerId="ADAL" clId="{90D147C7-6DF3-4858-A037-194481D7D906}" dt="2023-03-19T01:14:47.112" v="70" actId="478"/>
+          <ac:spMkLst>
+            <pc:docMk/>
+            <pc:sldMk cId="2067632723" sldId="278"/>
+            <ac:spMk id="2" creationId="{5BB34700-037B-4864-43CA-939CA0CEAAA2}"/>
+          </ac:spMkLst>
+        </pc:spChg>
+        <pc:spChg chg="del">
+          <ac:chgData name="Nancy Li" userId="afc5209a-cf39-48d8-a57f-08cc8b772ec9" providerId="ADAL" clId="{90D147C7-6DF3-4858-A037-194481D7D906}" dt="2023-03-19T01:14:45.818" v="69" actId="478"/>
+          <ac:spMkLst>
+            <pc:docMk/>
+            <pc:sldMk cId="2067632723" sldId="278"/>
+            <ac:spMk id="3" creationId="{496110DC-63FD-F670-5703-52B3667911CD}"/>
+          </ac:spMkLst>
+        </pc:spChg>
+        <pc:spChg chg="del">
+          <ac:chgData name="Nancy Li" userId="afc5209a-cf39-48d8-a57f-08cc8b772ec9" providerId="ADAL" clId="{90D147C7-6DF3-4858-A037-194481D7D906}" dt="2023-03-19T01:14:57.510" v="72" actId="478"/>
+          <ac:spMkLst>
+            <pc:docMk/>
+            <pc:sldMk cId="2067632723" sldId="278"/>
+            <ac:spMk id="4" creationId="{E2C8A0BF-2B1C-EDEF-418C-3D54D33EB5F4}"/>
+          </ac:spMkLst>
+        </pc:spChg>
+        <pc:spChg chg="del">
+          <ac:chgData name="Nancy Li" userId="afc5209a-cf39-48d8-a57f-08cc8b772ec9" providerId="ADAL" clId="{90D147C7-6DF3-4858-A037-194481D7D906}" dt="2023-03-19T01:14:50.168" v="71" actId="478"/>
+          <ac:spMkLst>
+            <pc:docMk/>
+            <pc:sldMk cId="2067632723" sldId="278"/>
+            <ac:spMk id="7" creationId="{A39F582F-EB85-F51D-1B8C-4AF4416EC20D}"/>
+          </ac:spMkLst>
+        </pc:spChg>
+        <pc:spChg chg="add mod">
+          <ac:chgData name="Nancy Li" userId="afc5209a-cf39-48d8-a57f-08cc8b772ec9" providerId="ADAL" clId="{90D147C7-6DF3-4858-A037-194481D7D906}" dt="2023-03-19T01:14:58.348" v="73"/>
+          <ac:spMkLst>
+            <pc:docMk/>
+            <pc:sldMk cId="2067632723" sldId="278"/>
+            <ac:spMk id="8" creationId="{E6C53180-0EA2-9775-F0C1-9F71625297B6}"/>
+          </ac:spMkLst>
+        </pc:spChg>
+        <pc:picChg chg="add mod">
+          <ac:chgData name="Nancy Li" userId="afc5209a-cf39-48d8-a57f-08cc8b772ec9" providerId="ADAL" clId="{90D147C7-6DF3-4858-A037-194481D7D906}" dt="2023-03-19T01:15:14.201" v="78" actId="1076"/>
+          <ac:picMkLst>
+            <pc:docMk/>
+            <pc:sldMk cId="2067632723" sldId="278"/>
+            <ac:picMk id="9" creationId="{A22B3F00-08BD-C7FC-E9E4-C80379BA22A7}"/>
+          </ac:picMkLst>
+        </pc:picChg>
+      </pc:sldChg>
+    </pc:docChg>
+  </pc:docChgLst>
 </pc:chgInfo>
 </file>
 
 <file path=ppt/diagrams/colors1.xml><?xml version="1.0" encoding="utf-8"?>
+<dgm:colorsDef xmlns:dgm="http://schemas.openxmlformats.org/drawingml/2006/diagram" xmlns:a="http://schemas.openxmlformats.org/drawingml/2006/main" uniqueId="urn:microsoft.com/office/officeart/2005/8/colors/accent1_2">
+  <dgm:title val=""/>
+  <dgm:desc val=""/>
+  <dgm:catLst>
+    <dgm:cat type="accent1" pri="11200"/>
+  </dgm:catLst>
+  <dgm:styleLbl name="node0">
+    <dgm:fillClrLst meth="repeat">
+      <a:schemeClr val="accent1"/>
+    </dgm:fillClrLst>
+    <dgm:linClrLst meth="repeat">
+      <a:schemeClr val="lt1"/>
+    </dgm:linClrLst>
+    <dgm:effectClrLst/>
+    <dgm:txLinClrLst/>
+    <dgm:txFillClrLst/>
+    <dgm:txEffectClrLst/>
+  </dgm:styleLbl>
+  <dgm:styleLbl name="alignNode1">
+    <dgm:fillClrLst meth="repeat">
+      <a:schemeClr val="accent1"/>
+    </dgm:fillClrLst>
+    <dgm:linClrLst meth="repeat">
+      <a:schemeClr val="accent1"/>
+    </dgm:linClrLst>
+    <dgm:effectClrLst/>
+    <dgm:txLinClrLst/>
+    <dgm:txFillClrLst/>
+    <dgm:txEffectClrLst/>
+  </dgm:styleLbl>
+  <dgm:styleLbl name="node1">
+    <dgm:fillClrLst meth="repeat">
+      <a:schemeClr val="accent1"/>
+    </dgm:fillClrLst>
+    <dgm:linClrLst meth="repeat">
+      <a:schemeClr val="lt1"/>
+    </dgm:linClrLst>
+    <dgm:effectClrLst/>
+    <dgm:txLinClrLst/>
+    <dgm:txFillClrLst/>
+    <dgm:txEffectClrLst/>
+  </dgm:styleLbl>
+  <dgm:styleLbl name="lnNode1">
+    <dgm:fillClrLst meth="repeat">
+      <a:schemeClr val="accent1"/>
+    </dgm:fillClrLst>
+    <dgm:linClrLst meth="repeat">
+      <a:schemeClr val="lt1"/>
+    </dgm:linClrLst>
+    <dgm:effectClrLst/>
+    <dgm:txLinClrLst/>
+    <dgm:txFillClrLst/>
+    <dgm:txEffectClrLst/>
+  </dgm:styleLbl>
+  <dgm:styleLbl name="vennNode1">
+    <dgm:fillClrLst meth="repeat">
+      <a:schemeClr val="accent1">
+        <a:alpha val="50000"/>
+      </a:schemeClr>
+    </dgm:fillClrLst>
+    <dgm:linClrLst meth="repeat">
+      <a:schemeClr val="lt1"/>
+    </dgm:linClrLst>
+    <dgm:effectClrLst/>
+    <dgm:txLinClrLst/>
+    <dgm:txFillClrLst/>
+    <dgm:txEffectClrLst/>
+  </dgm:styleLbl>
+  <dgm:styleLbl name="node2">
+    <dgm:fillClrLst meth="repeat">
+      <a:schemeClr val="accent1"/>
+    </dgm:fillClrLst>
+    <dgm:linClrLst meth="repeat">
+      <a:schemeClr val="lt1"/>
+    </dgm:linClrLst>
+    <dgm:effectClrLst/>
+    <dgm:txLinClrLst/>
+    <dgm:txFillClrLst/>
+    <dgm:txEffectClrLst/>
+  </dgm:styleLbl>
+  <dgm:styleLbl name="node3">
+    <dgm:fillClrLst meth="repeat">
+      <a:schemeClr val="accent1"/>
+    </dgm:fillClrLst>
+    <dgm:linClrLst meth="repeat">
+      <a:schemeClr val="lt1"/>
+    </dgm:linClrLst>
+    <dgm:effectClrLst/>
+    <dgm:txLinClrLst/>
+    <dgm:txFillClrLst/>
+    <dgm:txEffectClrLst/>
+  </dgm:styleLbl>
+  <dgm:styleLbl name="node4">
+    <dgm:fillClrLst meth="repeat">
+      <a:schemeClr val="accent1"/>
+    </dgm:fillClrLst>
+    <dgm:linClrLst meth="repeat">
+      <a:schemeClr val="lt1"/>
+    </dgm:linClrLst>
+    <dgm:effectClrLst/>
+    <dgm:txLinClrLst/>
+    <dgm:txFillClrLst/>
+    <dgm:txEffectClrLst/>
+  </dgm:styleLbl>
+  <dgm:styleLbl name="fgImgPlace1">
+    <dgm:fillClrLst meth="repeat">
+      <a:schemeClr val="accent1">
+        <a:tint val="50000"/>
+      </a:schemeClr>
+    </dgm:fillClrLst>
+    <dgm:linClrLst meth="repeat">
+      <a:schemeClr val="lt1"/>
+    </dgm:linClrLst>
+    <dgm:effectClrLst/>
+    <dgm:txLinClrLst/>
+    <dgm:txFillClrLst meth="repeat">
+      <a:schemeClr val="lt1"/>
+    </dgm:txFillClrLst>
+    <dgm:txEffectClrLst/>
+  </dgm:styleLbl>
+  <dgm:styleLbl name="alignImgPlace1">
+    <dgm:fillClrLst meth="repeat">
+      <a:schemeClr val="accent1">
+        <a:tint val="50000"/>
+      </a:schemeClr>
+    </dgm:fillClrLst>
+    <dgm:linClrLst meth="repeat">
+      <a:schemeClr val="lt1"/>
+    </dgm:linClrLst>
+    <dgm:effectClrLst/>
+    <dgm:txLinClrLst/>
+    <dgm:txFillClrLst meth="repeat">
+      <a:schemeClr val="lt1"/>
+    </dgm:txFillClrLst>
+    <dgm:txEffectClrLst/>
+  </dgm:styleLbl>
+  <dgm:styleLbl name="bgImgPlace1">
+    <dgm:fillClrLst meth="repeat">
+      <a:schemeClr val="accent1">
+        <a:tint val="50000"/>
+      </a:schemeClr>
+    </dgm:fillClrLst>
+    <dgm:linClrLst meth="repeat">
+      <a:schemeClr val="lt1"/>
+    </dgm:linClrLst>
+    <dgm:effectClrLst/>
+    <dgm:txLinClrLst/>
+    <dgm:txFillClrLst meth="repeat">
+      <a:schemeClr val="lt1"/>
+    </dgm:txFillClrLst>
+    <dgm:txEffectClrLst/>
+  </dgm:styleLbl>
+  <dgm:styleLbl name="sibTrans2D1">
+    <dgm:fillClrLst meth="repeat">
+      <a:schemeClr val="accent1">
+        <a:tint val="60000"/>
+      </a:schemeClr>
+    </dgm:fillClrLst>
+    <dgm:linClrLst meth="repeat">
+      <a:schemeClr val="accent1">
+        <a:tint val="60000"/>
+      </a:schemeClr>
+    </dgm:linClrLst>
+    <dgm:effectClrLst/>
+    <dgm:txLinClrLst/>
+    <dgm:txFillClrLst/>
+    <dgm:txEffectClrLst/>
+  </dgm:styleLbl>
+  <dgm:styleLbl name="fgSibTrans2D1">
+    <dgm:fillClrLst meth="repeat">
+      <a:schemeClr val="accent1">
+        <a:tint val="60000"/>
+      </a:schemeClr>
+    </dgm:fillClrLst>
+    <dgm:linClrLst meth="repeat">
+      <a:schemeClr val="accent1">
+        <a:tint val="60000"/>
+      </a:schemeClr>
+    </dgm:linClrLst>
+    <dgm:effectClrLst/>
+    <dgm:txLinClrLst/>
+    <dgm:txFillClrLst/>
+    <dgm:txEffectClrLst/>
+  </dgm:styleLbl>
+  <dgm:styleLbl name="bgSibTrans2D1">
+    <dgm:fillClrLst meth="repeat">
+      <a:schemeClr val="accent1">
+        <a:tint val="60000"/>
+      </a:schemeClr>
+    </dgm:fillClrLst>
+    <dgm:linClrLst meth="repeat">
+      <a:schemeClr val="accent1">
+        <a:tint val="60000"/>
+      </a:schemeClr>
+    </dgm:linClrLst>
+    <dgm:effectClrLst/>
+    <dgm:txLinClrLst/>
+    <dgm:txFillClrLst/>
+    <dgm:txEffectClrLst/>
+  </dgm:styleLbl>
+  <dgm:styleLbl name="sibTrans1D1">
+    <dgm:fillClrLst meth="repeat">
+      <a:schemeClr val="accent1"/>
+    </dgm:fillClrLst>
+    <dgm:linClrLst meth="repeat">
+      <a:schemeClr val="accent1"/>
+    </dgm:linClrLst>
+    <dgm:effectClrLst/>
+    <dgm:txLinClrLst/>
+    <dgm:txFillClrLst meth="repeat">
+      <a:schemeClr val="tx1"/>
+    </dgm:txFillClrLst>
+    <dgm:txEffectClrLst/>
+  </dgm:styleLbl>
+  <dgm:styleLbl name="callout">
+    <dgm:fillClrLst meth="repeat">
+      <a:schemeClr val="accent1"/>
+    </dgm:fillClrLst>
+    <dgm:linClrLst meth="repeat">
+      <a:schemeClr val="accent1">
+        <a:tint val="50000"/>
+      </a:schemeClr>
+    </dgm:linClrLst>
+    <dgm:effectClrLst/>
+    <dgm:txLinClrLst/>
+    <dgm:txFillClrLst meth="repeat">
+      <a:schemeClr val="tx1"/>
+    </dgm:txFillClrLst>
+    <dgm:txEffectClrLst/>
+  </dgm:styleLbl>
+  <dgm:styleLbl name="asst0">
+    <dgm:fillClrLst meth="repeat">
+      <a:schemeClr val="accent1"/>
+    </dgm:fillClrLst>
+    <dgm:linClrLst meth="repeat">
+      <a:schemeClr val="lt1"/>
+    </dgm:linClrLst>
+    <dgm:effectClrLst/>
+    <dgm:txLinClrLst/>
+    <dgm:txFillClrLst/>
+    <dgm:txEffectClrLst/>
+  </dgm:styleLbl>
+  <dgm:styleLbl name="asst1">
+    <dgm:fillClrLst meth="repeat">
+      <a:schemeClr val="accent1"/>
+    </dgm:fillClrLst>
+    <dgm:linClrLst meth="repeat">
+      <a:schemeClr val="lt1"/>
+    </dgm:linClrLst>
+    <dgm:effectClrLst/>
+    <dgm:txLinClrLst/>
+    <dgm:txFillClrLst/>
+    <dgm:txEffectClrLst/>
+  </dgm:styleLbl>
+  <dgm:styleLbl name="asst2">
+    <dgm:fillClrLst meth="repeat">
+      <a:schemeClr val="accent1"/>
+    </dgm:fillClrLst>
+    <dgm:linClrLst meth="repeat">
+      <a:schemeClr val="lt1"/>
+    </dgm:linClrLst>
+    <dgm:effectClrLst/>
+    <dgm:txLinClrLst/>
+    <dgm:txFillClrLst/>
+    <dgm:txEffectClrLst/>
+  </dgm:styleLbl>
+  <dgm:styleLbl name="asst3">
+    <dgm:fillClrLst meth="repeat">
+      <a:schemeClr val="accent1"/>
+    </dgm:fillClrLst>
+    <dgm:linClrLst meth="repeat">
+      <a:schemeClr val="lt1"/>
+    </dgm:linClrLst>
+    <dgm:effectClrLst/>
+    <dgm:txLinClrLst/>
+    <dgm:txFillClrLst/>
+    <dgm:txEffectClrLst/>
+  </dgm:styleLbl>
+  <dgm:styleLbl name="asst4">
+    <dgm:fillClrLst meth="repeat">
+      <a:schemeClr val="accent1"/>
+    </dgm:fillClrLst>
+    <dgm:linClrLst meth="repeat">
+      <a:schemeClr val="lt1"/>
+    </dgm:linClrLst>
+    <dgm:effectClrLst/>
+    <dgm:txLinClrLst/>
+    <dgm:txFillClrLst/>
+    <dgm:txEffectClrLst/>
+  </dgm:styleLbl>
+  <dgm:styleLbl name="parChTrans2D1">
+    <dgm:fillClrLst meth="repeat">
+      <a:schemeClr val="accent1">
+        <a:tint val="60000"/>
+      </a:schemeClr>
+    </dgm:fillClrLst>
+    <dgm:linClrLst meth="repeat">
+      <a:schemeClr val="accent1">
+        <a:tint val="60000"/>
+      </a:schemeClr>
+    </dgm:linClrLst>
+    <dgm:effectClrLst/>
+    <dgm:txLinClrLst/>
+    <dgm:txFillClrLst meth="repeat">
+      <a:schemeClr val="lt1"/>
+    </dgm:txFillClrLst>
+    <dgm:txEffectClrLst/>
+  </dgm:styleLbl>
+  <dgm:styleLbl name="parChTrans2D2">
+    <dgm:fillClrLst meth="repeat">
+      <a:schemeClr val="accent1"/>
+    </dgm:fillClrLst>
+    <dgm:linClrLst meth="repeat">
+      <a:schemeClr val="accent1"/>
+    </dgm:linClrLst>
+    <dgm:effectClrLst/>
+    <dgm:txLinClrLst/>
+    <dgm:txFillClrLst meth="repeat">
+      <a:schemeClr val="lt1"/>
+    </dgm:txFillClrLst>
+    <dgm:txEffectClrLst/>
+  </dgm:styleLbl>
+  <dgm:styleLbl name="parChTrans2D3">
+    <dgm:fillClrLst meth="repeat">
+      <a:schemeClr val="accent1"/>
+    </dgm:fillClrLst>
+    <dgm:linClrLst meth="repeat">
+      <a:schemeClr val="accent1"/>
+    </dgm:linClrLst>
+    <dgm:effectClrLst/>
+    <dgm:txLinClrLst/>
+    <dgm:txFillClrLst meth="repeat">
+      <a:schemeClr val="lt1"/>
+    </dgm:txFillClrLst>
+    <dgm:txEffectClrLst/>
+  </dgm:styleLbl>
+  <dgm:styleLbl name="parChTrans2D4">
+    <dgm:fillClrLst meth="repeat">
+      <a:schemeClr val="accent1"/>
+    </dgm:fillClrLst>
+    <dgm:linClrLst meth="repeat">
+      <a:schemeClr val="accent1"/>
+    </dgm:linClrLst>
+    <dgm:effectClrLst/>
+    <dgm:txLinClrLst/>
+    <dgm:txFillClrLst meth="repeat">
+      <a:schemeClr val="lt1"/>
+    </dgm:txFillClrLst>
+    <dgm:txEffectClrLst/>
+  </dgm:styleLbl>
+  <dgm:styleLbl name="parChTrans1D1">
+    <dgm:fillClrLst meth="repeat">
+      <a:schemeClr val="accent1"/>
+    </dgm:fillClrLst>
+    <dgm:linClrLst meth="repeat">
+      <a:schemeClr val="accent1">
+        <a:shade val="60000"/>
+      </a:schemeClr>
+    </dgm:linClrLst>
+    <dgm:effectClrLst/>
+    <dgm:txLinClrLst/>
+    <dgm:txFillClrLst meth="repeat">
+      <a:schemeClr val="tx1"/>
+    </dgm:txFillClrLst>
+    <dgm:txEffectClrLst/>
+  </dgm:styleLbl>
+  <dgm:styleLbl name="parChTrans1D2">
+    <dgm:fillClrLst meth="repeat">
+      <a:schemeClr val="accent1"/>
+    </dgm:fillClrLst>
+    <dgm:linClrLst meth="repeat">
+      <a:schemeClr val="accent1">
+        <a:shade val="60000"/>
+      </a:schemeClr>
+    </dgm:linClrLst>
+    <dgm:effectClrLst/>
+    <dgm:txLinClrLst/>
+    <dgm:txFillClrLst meth="repeat">
+      <a:schemeClr val="tx1"/>
+    </dgm:txFillClrLst>
+    <dgm:txEffectClrLst/>
+  </dgm:styleLbl>
+  <dgm:styleLbl name="parChTrans1D3">
+    <dgm:fillClrLst meth="repeat">
+      <a:schemeClr val="accent1"/>
+    </dgm:fillClrLst>
+    <dgm:linClrLst meth="repeat">
+      <a:schemeClr val="accent1">
+        <a:shade val="80000"/>
+      </a:schemeClr>
+    </dgm:linClrLst>
+    <dgm:effectClrLst/>
+    <dgm:txLinClrLst/>
+    <dgm:txFillClrLst meth="repeat">
+      <a:schemeClr val="tx1"/>
+    </dgm:txFillClrLst>
+    <dgm:txEffectClrLst/>
+  </dgm:styleLbl>
+  <dgm:styleLbl name="parChTrans1D4">
+    <dgm:fillClrLst meth="repeat">
+      <a:schemeClr val="accent1"/>
+    </dgm:fillClrLst>
+    <dgm:linClrLst meth="repeat">
+      <a:schemeClr val="accent1">
+        <a:shade val="80000"/>
+      </a:schemeClr>
+    </dgm:linClrLst>
+    <dgm:effectClrLst/>
+    <dgm:txLinClrLst/>
+    <dgm:txFillClrLst meth="repeat">
+      <a:schemeClr val="tx1"/>
+    </dgm:txFillClrLst>
+    <dgm:txEffectClrLst/>
+  </dgm:styleLbl>
+  <dgm:styleLbl name="fgAcc1">
+    <dgm:fillClrLst meth="repeat">
+      <a:schemeClr val="lt1">
+        <a:alpha val="90000"/>
+      </a:schemeClr>
+    </dgm:fillClrLst>
+    <dgm:linClrLst meth="repeat">
+      <a:schemeClr val="accent1"/>
+    </dgm:linClrLst>
+    <dgm:effectClrLst/>
+    <dgm:txLinClrLst/>
+    <dgm:txFillClrLst meth="repeat">
+      <a:schemeClr val="dk1"/>
+    </dgm:txFillClrLst>
+    <dgm:txEffectClrLst/>
+  </dgm:styleLbl>
+  <dgm:styleLbl name="conFgAcc1">
+    <dgm:fillClrLst meth="repeat">
+      <a:schemeClr val="lt1">
+        <a:alpha val="90000"/>
+      </a:schemeClr>
+    </dgm:fillClrLst>
+    <dgm:linClrLst meth="repeat">
+      <a:schemeClr val="accent1"/>
+    </dgm:linClrLst>
+    <dgm:effectClrLst/>
+    <dgm:txLinClrLst/>
+    <dgm:txFillClrLst meth="repeat">
+      <a:schemeClr val="dk1"/>
+    </dgm:txFillClrLst>
+    <dgm:txEffectClrLst/>
+  </dgm:styleLbl>
+  <dgm:styleLbl name="alignAcc1">
+    <dgm:fillClrLst meth="repeat">
+      <a:schemeClr val="lt1">
+        <a:alpha val="90000"/>
+      </a:schemeClr>
+    </dgm:fillClrLst>
+    <dgm:linClrLst meth="repeat">
+      <a:schemeClr val="accent1"/>
+    </dgm:linClrLst>
+    <dgm:effectClrLst/>
+    <dgm:txLinClrLst/>
+    <dgm:txFillClrLst meth="repeat">
+      <a:schemeClr val="dk1"/>
+    </dgm:txFillClrLst>
+    <dgm:txEffectClrLst/>
+  </dgm:styleLbl>
+  <dgm:styleLbl name="trAlignAcc1">
+    <dgm:fillClrLst meth="repeat">
+      <a:schemeClr val="lt1">
+        <a:alpha val="40000"/>
+      </a:schemeClr>
+    </dgm:fillClrLst>
+    <dgm:linClrLst meth="repeat">
+      <a:schemeClr val="accent1"/>
+    </dgm:linClrLst>
+    <dgm:effectClrLst/>
+    <dgm:txLinClrLst/>
+    <dgm:txFillClrLst meth="repeat">
+      <a:schemeClr val="dk1"/>
+    </dgm:txFillClrLst>
+    <dgm:txEffectClrLst/>
+  </dgm:styleLbl>
+  <dgm:styleLbl name="bgAcc1">
+    <dgm:fillClrLst meth="repeat">
+      <a:schemeClr val="lt1">
+        <a:alpha val="90000"/>
+      </a:schemeClr>
+    </dgm:fillClrLst>
+    <dgm:linClrLst meth="repeat">
+      <a:schemeClr val="accent1"/>
+    </dgm:linClrLst>
+    <dgm:effectClrLst/>
+    <dgm:txLinClrLst/>
+    <dgm:txFillClrLst meth="repeat">
+      <a:schemeClr val="dk1"/>
+    </dgm:txFillClrLst>
+    <dgm:txEffectClrLst/>
+  </dgm:styleLbl>
+  <dgm:styleLbl name="solidFgAcc1">
+    <dgm:fillClrLst meth="repeat">
+      <a:schemeClr val="lt1"/>
+    </dgm:fillClrLst>
+    <dgm:linClrLst meth="repeat">
+      <a:schemeClr val="accent1"/>
+    </dgm:linClrLst>
+    <dgm:effectClrLst/>
+    <dgm:txLinClrLst/>
+    <dgm:txFillClrLst meth="repeat">
+      <a:schemeClr val="dk1"/>
+    </dgm:txFillClrLst>
+    <dgm:txEffectClrLst/>
+  </dgm:styleLbl>
+  <dgm:styleLbl name="solidAlignAcc1">
+    <dgm:fillClrLst meth="repeat">
+      <a:schemeClr val="lt1"/>
+    </dgm:fillClrLst>
+    <dgm:linClrLst meth="repeat">
+      <a:schemeClr val="accent1"/>
+    </dgm:linClrLst>
+    <dgm:effectClrLst/>
+    <dgm:txLinClrLst/>
+    <dgm:txFillClrLst meth="repeat">
+      <a:schemeClr val="dk1"/>
+    </dgm:txFillClrLst>
+    <dgm:txEffectClrLst/>
+  </dgm:styleLbl>
+  <dgm:styleLbl name="solidBgAcc1">
+    <dgm:fillClrLst meth="repeat">
+      <a:schemeClr val="lt1"/>
+    </dgm:fillClrLst>
+    <dgm:linClrLst meth="repeat">
+      <a:schemeClr val="accent1"/>
+    </dgm:linClrLst>
+    <dgm:effectClrLst/>
+    <dgm:txLinClrLst/>
+    <dgm:txFillClrLst meth="repeat">
+      <a:schemeClr val="dk1"/>
+    </dgm:txFillClrLst>
+    <dgm:txEffectClrLst/>
+  </dgm:styleLbl>
+  <dgm:styleLbl name="fgAccFollowNode1">
+    <dgm:fillClrLst meth="repeat">
+      <a:schemeClr val="accent1">
+        <a:alpha val="90000"/>
+        <a:tint val="40000"/>
+      </a:schemeClr>
+    </dgm:fillClrLst>
+    <dgm:linClrLst meth="repeat">
+      <a:schemeClr val="accent1">
+        <a:alpha val="90000"/>
+        <a:tint val="40000"/>
+      </a:schemeClr>
+    </dgm:linClrLst>
+    <dgm:effectClrLst/>
+    <dgm:txLinClrLst/>
+    <dgm:txFillClrLst meth="repeat">
+      <a:schemeClr val="dk1"/>
+    </dgm:txFillClrLst>
+    <dgm:txEffectClrLst/>
+  </dgm:styleLbl>
+  <dgm:styleLbl name="alignAccFollowNode1">
+    <dgm:fillClrLst meth="repeat">
+      <a:schemeClr val="accent1">
+        <a:alpha val="90000"/>
+        <a:tint val="40000"/>
+      </a:schemeClr>
+    </dgm:fillClrLst>
+    <dgm:linClrLst meth="repeat">
+      <a:schemeClr val="accent1">
+        <a:alpha val="90000"/>
+        <a:tint val="40000"/>
+      </a:schemeClr>
+    </dgm:linClrLst>
+    <dgm:effectClrLst/>
+    <dgm:txLinClrLst/>
+    <dgm:txFillClrLst meth="repeat">
+      <a:schemeClr val="dk1"/>
+    </dgm:txFillClrLst>
+    <dgm:txEffectClrLst/>
+  </dgm:styleLbl>
+  <dgm:styleLbl name="bgAccFollowNode1">
+    <dgm:fillClrLst meth="repeat">
+      <a:schemeClr val="accent1">
+        <a:alpha val="90000"/>
+        <a:tint val="40000"/>
+      </a:schemeClr>
+    </dgm:fillClrLst>
+    <dgm:linClrLst meth="repeat">
+      <a:schemeClr val="accent1">
+        <a:alpha val="90000"/>
+        <a:tint val="40000"/>
+      </a:schemeClr>
+    </dgm:linClrLst>
+    <dgm:effectClrLst/>
+    <dgm:txLinClrLst/>
+    <dgm:txFillClrLst meth="repeat">
+      <a:schemeClr val="dk1"/>
+    </dgm:txFillClrLst>
+    <dgm:txEffectClrLst/>
+  </dgm:styleLbl>
+  <dgm:styleLbl name="fgAcc0">
+    <dgm:fillClrLst meth="repeat">
+      <a:schemeClr val="lt1">
+        <a:alpha val="90000"/>
+      </a:schemeClr>
+    </dgm:fillClrLst>
+    <dgm:linClrLst meth="repeat">
+      <a:schemeClr val="accent1"/>
+    </dgm:linClrLst>
+    <dgm:effectClrLst/>
+    <dgm:txLinClrLst/>
+    <dgm:txFillClrLst meth="repeat">
+      <a:schemeClr val="dk1"/>
+    </dgm:txFillClrLst>
+    <dgm:txEffectClrLst/>
+  </dgm:styleLbl>
+  <dgm:styleLbl name="fgAcc2">
+    <dgm:fillClrLst meth="repeat">
+      <a:schemeClr val="lt1">
+        <a:alpha val="90000"/>
+      </a:schemeClr>
+    </dgm:fillClrLst>
+    <dgm:linClrLst meth="repeat">
+      <a:schemeClr val="accent1"/>
+    </dgm:linClrLst>
+    <dgm:effectClrLst/>
+    <dgm:txLinClrLst/>
+    <dgm:txFillClrLst meth="repeat">
+      <a:schemeClr val="dk1"/>
+    </dgm:txFillClrLst>
+    <dgm:txEffectClrLst/>
+  </dgm:styleLbl>
+  <dgm:styleLbl name="fgAcc3">
+    <dgm:fillClrLst meth="repeat">
+      <a:schemeClr val="lt1">
+        <a:alpha val="90000"/>
+      </a:schemeClr>
+    </dgm:fillClrLst>
+    <dgm:linClrLst meth="repeat">
+      <a:schemeClr val="accent1"/>
+    </dgm:linClrLst>
+    <dgm:effectClrLst/>
+    <dgm:txLinClrLst/>
+    <dgm:txFillClrLst meth="repeat">
+      <a:schemeClr val="dk1"/>
+    </dgm:txFillClrLst>
+    <dgm:txEffectClrLst/>
+  </dgm:styleLbl>
+  <dgm:styleLbl name="fgAcc4">
+    <dgm:fillClrLst meth="repeat">
+      <a:schemeClr val="lt1">
+        <a:alpha val="90000"/>
+      </a:schemeClr>
+    </dgm:fillClrLst>
+    <dgm:linClrLst meth="repeat">
+      <a:schemeClr val="accent1"/>
+    </dgm:linClrLst>
+    <dgm:effectClrLst/>
+    <dgm:txLinClrLst/>
+    <dgm:txFillClrLst meth="repeat">
+      <a:schemeClr val="dk1"/>
+    </dgm:txFillClrLst>
+    <dgm:txEffectClrLst/>
+  </dgm:styleLbl>
+  <dgm:styleLbl name="bgShp">
+    <dgm:fillClrLst meth="repeat">
+      <a:schemeClr val="accent1">
+        <a:tint val="40000"/>
+      </a:schemeClr>
+    </dgm:fillClrLst>
+    <dgm:linClrLst meth="repeat">
+      <a:schemeClr val="accent1"/>
+    </dgm:linClrLst>
+    <dgm:effectClrLst/>
+    <dgm:txLinClrLst/>
+    <dgm:txFillClrLst meth="repeat">
+      <a:schemeClr val="dk1"/>
+    </dgm:txFillClrLst>
+    <dgm:txEffectClrLst/>
+  </dgm:styleLbl>
+  <dgm:styleLbl name="dkBgShp">
+    <dgm:fillClrLst meth="repeat">
+      <a:schemeClr val="accent1">
+        <a:shade val="80000"/>
+      </a:schemeClr>
+    </dgm:fillClrLst>
+    <dgm:linClrLst meth="repeat">
+      <a:schemeClr val="accent1"/>
+    </dgm:linClrLst>
+    <dgm:effectClrLst/>
+    <dgm:txLinClrLst/>
+    <dgm:txFillClrLst meth="repeat">
+      <a:schemeClr val="lt1"/>
+    </dgm:txFillClrLst>
+    <dgm:txEffectClrLst/>
+  </dgm:styleLbl>
+  <dgm:styleLbl name="trBgShp">
+    <dgm:fillClrLst meth="repeat">
+      <a:schemeClr val="accent1">
+        <a:tint val="50000"/>
+        <a:alpha val="40000"/>
+      </a:schemeClr>
+    </dgm:fillClrLst>
+    <dgm:linClrLst meth="repeat">
+      <a:schemeClr val="accent1"/>
+    </dgm:linClrLst>
+    <dgm:effectClrLst/>
+    <dgm:txLinClrLst/>
+    <dgm:txFillClrLst meth="repeat">
+      <a:schemeClr val="lt1"/>
+    </dgm:txFillClrLst>
+    <dgm:txEffectClrLst/>
+  </dgm:styleLbl>
+  <dgm:styleLbl name="fgShp">
+    <dgm:fillClrLst meth="repeat">
+      <a:schemeClr val="accent1">
+        <a:tint val="60000"/>
+      </a:schemeClr>
+    </dgm:fillClrLst>
+    <dgm:linClrLst meth="repeat">
+      <a:schemeClr val="lt1"/>
+    </dgm:linClrLst>
+    <dgm:effectClrLst/>
+    <dgm:txLinClrLst/>
+    <dgm:txFillClrLst meth="repeat">
+      <a:schemeClr val="dk1"/>
+    </dgm:txFillClrLst>
+    <dgm:txEffectClrLst/>
+  </dgm:styleLbl>
+  <dgm:styleLbl name="revTx">
+    <dgm:fillClrLst meth="repeat">
+      <a:schemeClr val="lt1">
+        <a:alpha val="0"/>
+      </a:schemeClr>
+    </dgm:fillClrLst>
+    <dgm:linClrLst meth="repeat">
+      <a:schemeClr val="dk1">
+        <a:alpha val="0"/>
+      </a:schemeClr>
+    </dgm:linClrLst>
+    <dgm:effectClrLst/>
+    <dgm:txLinClrLst/>
+    <dgm:txFillClrLst meth="repeat">
+      <a:schemeClr val="tx1"/>
+    </dgm:txFillClrLst>
+    <dgm:txEffectClrLst/>
+  </dgm:styleLbl>
+</dgm:colorsDef>
+</file>
+
+<file path=ppt/diagrams/colors2.xml><?xml version="1.0" encoding="utf-8"?>
+<dgm:colorsDef xmlns:dgm="http://schemas.openxmlformats.org/drawingml/2006/diagram" xmlns:a="http://schemas.openxmlformats.org/drawingml/2006/main" uniqueId="urn:microsoft.com/office/officeart/2005/8/colors/accent1_2">
+  <dgm:title val=""/>
+  <dgm:desc val=""/>
+  <dgm:catLst>
+    <dgm:cat type="accent1" pri="11200"/>
+  </dgm:catLst>
+  <dgm:styleLbl name="node0">
+    <dgm:fillClrLst meth="repeat">
+      <a:schemeClr val="accent1"/>
+    </dgm:fillClrLst>
+    <dgm:linClrLst meth="repeat">
+      <a:schemeClr val="lt1"/>
+    </dgm:linClrLst>
+    <dgm:effectClrLst/>
+    <dgm:txLinClrLst/>
+    <dgm:txFillClrLst/>
+    <dgm:txEffectClrLst/>
+  </dgm:styleLbl>
+  <dgm:styleLbl name="alignNode1">
+    <dgm:fillClrLst meth="repeat">
+      <a:schemeClr val="accent1"/>
+    </dgm:fillClrLst>
+    <dgm:linClrLst meth="repeat">
+      <a:schemeClr val="accent1"/>
+    </dgm:linClrLst>
+    <dgm:effectClrLst/>
+    <dgm:txLinClrLst/>
+    <dgm:txFillClrLst/>
+    <dgm:txEffectClrLst/>
+  </dgm:styleLbl>
+  <dgm:styleLbl name="node1">
+    <dgm:fillClrLst meth="repeat">
+      <a:schemeClr val="accent1"/>
+    </dgm:fillClrLst>
+    <dgm:linClrLst meth="repeat">
+      <a:schemeClr val="lt1"/>
+    </dgm:linClrLst>
+    <dgm:effectClrLst/>
+    <dgm:txLinClrLst/>
+    <dgm:txFillClrLst/>
+    <dgm:txEffectClrLst/>
+  </dgm:styleLbl>
+  <dgm:styleLbl name="lnNode1">
+    <dgm:fillClrLst meth="repeat">
+      <a:schemeClr val="accent1"/>
+    </dgm:fillClrLst>
+    <dgm:linClrLst meth="repeat">
+      <a:schemeClr val="lt1"/>
+    </dgm:linClrLst>
+    <dgm:effectClrLst/>
+    <dgm:txLinClrLst/>
+    <dgm:txFillClrLst/>
+    <dgm:txEffectClrLst/>
+  </dgm:styleLbl>
+  <dgm:styleLbl name="vennNode1">
+    <dgm:fillClrLst meth="repeat">
+      <a:schemeClr val="accent1">
+        <a:alpha val="50000"/>
+      </a:schemeClr>
+    </dgm:fillClrLst>
+    <dgm:linClrLst meth="repeat">
+      <a:schemeClr val="lt1"/>
+    </dgm:linClrLst>
+    <dgm:effectClrLst/>
+    <dgm:txLinClrLst/>
+    <dgm:txFillClrLst/>
+    <dgm:txEffectClrLst/>
+  </dgm:styleLbl>
+  <dgm:styleLbl name="node2">
+    <dgm:fillClrLst meth="repeat">
+      <a:schemeClr val="accent1"/>
+    </dgm:fillClrLst>
+    <dgm:linClrLst meth="repeat">
+      <a:schemeClr val="lt1"/>
+    </dgm:linClrLst>
+    <dgm:effectClrLst/>
+    <dgm:txLinClrLst/>
+    <dgm:txFillClrLst/>
+    <dgm:txEffectClrLst/>
+  </dgm:styleLbl>
+  <dgm:styleLbl name="node3">
+    <dgm:fillClrLst meth="repeat">
+      <a:schemeClr val="accent1"/>
+    </dgm:fillClrLst>
+    <dgm:linClrLst meth="repeat">
+      <a:schemeClr val="lt1"/>
+    </dgm:linClrLst>
+    <dgm:effectClrLst/>
+    <dgm:txLinClrLst/>
+    <dgm:txFillClrLst/>
+    <dgm:txEffectClrLst/>
+  </dgm:styleLbl>
+  <dgm:styleLbl name="node4">
+    <dgm:fillClrLst meth="repeat">
+      <a:schemeClr val="accent1"/>
+    </dgm:fillClrLst>
+    <dgm:linClrLst meth="repeat">
+      <a:schemeClr val="lt1"/>
+    </dgm:linClrLst>
+    <dgm:effectClrLst/>
+    <dgm:txLinClrLst/>
+    <dgm:txFillClrLst/>
+    <dgm:txEffectClrLst/>
+  </dgm:styleLbl>
+  <dgm:styleLbl name="fgImgPlace1">
+    <dgm:fillClrLst meth="repeat">
+      <a:schemeClr val="accent1">
+        <a:tint val="50000"/>
+      </a:schemeClr>
+    </dgm:fillClrLst>
+    <dgm:linClrLst meth="repeat">
+      <a:schemeClr val="lt1"/>
+    </dgm:linClrLst>
+    <dgm:effectClrLst/>
+    <dgm:txLinClrLst/>
+    <dgm:txFillClrLst meth="repeat">
+      <a:schemeClr val="lt1"/>
+    </dgm:txFillClrLst>
+    <dgm:txEffectClrLst/>
+  </dgm:styleLbl>
+  <dgm:styleLbl name="alignImgPlace1">
+    <dgm:fillClrLst meth="repeat">
+      <a:schemeClr val="accent1">
+        <a:tint val="50000"/>
+      </a:schemeClr>
+    </dgm:fillClrLst>
+    <dgm:linClrLst meth="repeat">
+      <a:schemeClr val="lt1"/>
+    </dgm:linClrLst>
+    <dgm:effectClrLst/>
+    <dgm:txLinClrLst/>
+    <dgm:txFillClrLst meth="repeat">
+      <a:schemeClr val="lt1"/>
+    </dgm:txFillClrLst>
+    <dgm:txEffectClrLst/>
+  </dgm:styleLbl>
+  <dgm:styleLbl name="bgImgPlace1">
+    <dgm:fillClrLst meth="repeat">
+      <a:schemeClr val="accent1">
+        <a:tint val="50000"/>
+      </a:schemeClr>
+    </dgm:fillClrLst>
+    <dgm:linClrLst meth="repeat">
+      <a:schemeClr val="lt1"/>
+    </dgm:linClrLst>
+    <dgm:effectClrLst/>
+    <dgm:txLinClrLst/>
+    <dgm:txFillClrLst meth="repeat">
+      <a:schemeClr val="lt1"/>
+    </dgm:txFillClrLst>
+    <dgm:txEffectClrLst/>
+  </dgm:styleLbl>
+  <dgm:styleLbl name="sibTrans2D1">
+    <dgm:fillClrLst meth="repeat">
+      <a:schemeClr val="accent1">
+        <a:tint val="60000"/>
+      </a:schemeClr>
+    </dgm:fillClrLst>
+    <dgm:linClrLst meth="repeat">
+      <a:schemeClr val="accent1">
+        <a:tint val="60000"/>
+      </a:schemeClr>
+    </dgm:linClrLst>
+    <dgm:effectClrLst/>
+    <dgm:txLinClrLst/>
+    <dgm:txFillClrLst/>
+    <dgm:txEffectClrLst/>
+  </dgm:styleLbl>
+  <dgm:styleLbl name="fgSibTrans2D1">
+    <dgm:fillClrLst meth="repeat">
+      <a:schemeClr val="accent1">
+        <a:tint val="60000"/>
+      </a:schemeClr>
+    </dgm:fillClrLst>
+    <dgm:linClrLst meth="repeat">
+      <a:schemeClr val="accent1">
+        <a:tint val="60000"/>
+      </a:schemeClr>
+    </dgm:linClrLst>
+    <dgm:effectClrLst/>
+    <dgm:txLinClrLst/>
+    <dgm:txFillClrLst/>
+    <dgm:txEffectClrLst/>
+  </dgm:styleLbl>
+  <dgm:styleLbl name="bgSibTrans2D1">
+    <dgm:fillClrLst meth="repeat">
+      <a:schemeClr val="accent1">
+        <a:tint val="60000"/>
+      </a:schemeClr>
+    </dgm:fillClrLst>
+    <dgm:linClrLst meth="repeat">
+      <a:schemeClr val="accent1">
+        <a:tint val="60000"/>
+      </a:schemeClr>
+    </dgm:linClrLst>
+    <dgm:effectClrLst/>
+    <dgm:txLinClrLst/>
+    <dgm:txFillClrLst/>
+    <dgm:txEffectClrLst/>
+  </dgm:styleLbl>
+  <dgm:styleLbl name="sibTrans1D1">
+    <dgm:fillClrLst meth="repeat">
+      <a:schemeClr val="accent1"/>
+    </dgm:fillClrLst>
+    <dgm:linClrLst meth="repeat">
+      <a:schemeClr val="accent1"/>
+    </dgm:linClrLst>
+    <dgm:effectClrLst/>
+    <dgm:txLinClrLst/>
+    <dgm:txFillClrLst meth="repeat">
+      <a:schemeClr val="tx1"/>
+    </dgm:txFillClrLst>
+    <dgm:txEffectClrLst/>
+  </dgm:styleLbl>
+  <dgm:styleLbl name="callout">
+    <dgm:fillClrLst meth="repeat">
+      <a:schemeClr val="accent1"/>
+    </dgm:fillClrLst>
+    <dgm:linClrLst meth="repeat">
+      <a:schemeClr val="accent1">
+        <a:tint val="50000"/>
+      </a:schemeClr>
+    </dgm:linClrLst>
+    <dgm:effectClrLst/>
+    <dgm:txLinClrLst/>
+    <dgm:txFillClrLst meth="repeat">
+      <a:schemeClr val="tx1"/>
+    </dgm:txFillClrLst>
+    <dgm:txEffectClrLst/>
+  </dgm:styleLbl>
+  <dgm:styleLbl name="asst0">
+    <dgm:fillClrLst meth="repeat">
+      <a:schemeClr val="accent1"/>
+    </dgm:fillClrLst>
+    <dgm:linClrLst meth="repeat">
+      <a:schemeClr val="lt1"/>
+    </dgm:linClrLst>
+    <dgm:effectClrLst/>
+    <dgm:txLinClrLst/>
+    <dgm:txFillClrLst/>
+    <dgm:txEffectClrLst/>
+  </dgm:styleLbl>
+  <dgm:styleLbl name="asst1">
+    <dgm:fillClrLst meth="repeat">
+      <a:schemeClr val="accent1"/>
+    </dgm:fillClrLst>
+    <dgm:linClrLst meth="repeat">
+      <a:schemeClr val="lt1"/>
+    </dgm:linClrLst>
+    <dgm:effectClrLst/>
+    <dgm:txLinClrLst/>
+    <dgm:txFillClrLst/>
+    <dgm:txEffectClrLst/>
+  </dgm:styleLbl>
+  <dgm:styleLbl name="asst2">
+    <dgm:fillClrLst meth="repeat">
+      <a:schemeClr val="accent1"/>
+    </dgm:fillClrLst>
+    <dgm:linClrLst meth="repeat">
+      <a:schemeClr val="lt1"/>
+    </dgm:linClrLst>
+    <dgm:effectClrLst/>
+    <dgm:txLinClrLst/>
+    <dgm:txFillClrLst/>
+    <dgm:txEffectClrLst/>
+  </dgm:styleLbl>
+  <dgm:styleLbl name="asst3">
+    <dgm:fillClrLst meth="repeat">
+      <a:schemeClr val="accent1"/>
+    </dgm:fillClrLst>
+    <dgm:linClrLst meth="repeat">
+      <a:schemeClr val="lt1"/>
+    </dgm:linClrLst>
+    <dgm:effectClrLst/>
+    <dgm:txLinClrLst/>
+    <dgm:txFillClrLst/>
+    <dgm:txEffectClrLst/>
+  </dgm:styleLbl>
+  <dgm:styleLbl name="asst4">
+    <dgm:fillClrLst meth="repeat">
+      <a:schemeClr val="accent1"/>
+    </dgm:fillClrLst>
+    <dgm:linClrLst meth="repeat">
+      <a:schemeClr val="lt1"/>
+    </dgm:linClrLst>
+    <dgm:effectClrLst/>
+    <dgm:txLinClrLst/>
+    <dgm:txFillClrLst/>
+    <dgm:txEffectClrLst/>
+  </dgm:styleLbl>
+  <dgm:styleLbl name="parChTrans2D1">
+    <dgm:fillClrLst meth="repeat">
+      <a:schemeClr val="accent1">
+        <a:tint val="60000"/>
+      </a:schemeClr>
+    </dgm:fillClrLst>
+    <dgm:linClrLst meth="repeat">
+      <a:schemeClr val="accent1">
+        <a:tint val="60000"/>
+      </a:schemeClr>
+    </dgm:linClrLst>
+    <dgm:effectClrLst/>
+    <dgm:txLinClrLst/>
+    <dgm:txFillClrLst meth="repeat">
+      <a:schemeClr val="lt1"/>
+    </dgm:txFillClrLst>
+    <dgm:txEffectClrLst/>
+  </dgm:styleLbl>
+  <dgm:styleLbl name="parChTrans2D2">
+    <dgm:fillClrLst meth="repeat">
+      <a:schemeClr val="accent1"/>
+    </dgm:fillClrLst>
+    <dgm:linClrLst meth="repeat">
+      <a:schemeClr val="accent1"/>
+    </dgm:linClrLst>
+    <dgm:effectClrLst/>
+    <dgm:txLinClrLst/>
+    <dgm:txFillClrLst meth="repeat">
+      <a:schemeClr val="lt1"/>
+    </dgm:txFillClrLst>
+    <dgm:txEffectClrLst/>
+  </dgm:styleLbl>
+  <dgm:styleLbl name="parChTrans2D3">
+    <dgm:fillClrLst meth="repeat">
+      <a:schemeClr val="accent1"/>
+    </dgm:fillClrLst>
+    <dgm:linClrLst meth="repeat">
+      <a:schemeClr val="accent1"/>
+    </dgm:linClrLst>
+    <dgm:effectClrLst/>
+    <dgm:txLinClrLst/>
+    <dgm:txFillClrLst meth="repeat">
+      <a:schemeClr val="lt1"/>
+    </dgm:txFillClrLst>
+    <dgm:txEffectClrLst/>
+  </dgm:styleLbl>
+  <dgm:styleLbl name="parChTrans2D4">
+    <dgm:fillClrLst meth="repeat">
+      <a:schemeClr val="accent1"/>
+    </dgm:fillClrLst>
+    <dgm:linClrLst meth="repeat">
+      <a:schemeClr val="accent1"/>
+    </dgm:linClrLst>
+    <dgm:effectClrLst/>
+    <dgm:txLinClrLst/>
+    <dgm:txFillClrLst meth="repeat">
+      <a:schemeClr val="lt1"/>
+    </dgm:txFillClrLst>
+    <dgm:txEffectClrLst/>
+  </dgm:styleLbl>
+  <dgm:styleLbl name="parChTrans1D1">
+    <dgm:fillClrLst meth="repeat">
+      <a:schemeClr val="accent1"/>
+    </dgm:fillClrLst>
+    <dgm:linClrLst meth="repeat">
+      <a:schemeClr val="accent1">
+        <a:shade val="60000"/>
+      </a:schemeClr>
+    </dgm:linClrLst>
+    <dgm:effectClrLst/>
+    <dgm:txLinClrLst/>
+    <dgm:txFillClrLst meth="repeat">
+      <a:schemeClr val="tx1"/>
+    </dgm:txFillClrLst>
+    <dgm:txEffectClrLst/>
+  </dgm:styleLbl>
+  <dgm:styleLbl name="parChTrans1D2">
+    <dgm:fillClrLst meth="repeat">
+      <a:schemeClr val="accent1"/>
+    </dgm:fillClrLst>
+    <dgm:linClrLst meth="repeat">
+      <a:schemeClr val="accent1">
+        <a:shade val="60000"/>
+      </a:schemeClr>
+    </dgm:linClrLst>
+    <dgm:effectClrLst/>
+    <dgm:txLinClrLst/>
+    <dgm:txFillClrLst meth="repeat">
+      <a:schemeClr val="tx1"/>
+    </dgm:txFillClrLst>
+    <dgm:txEffectClrLst/>
+  </dgm:styleLbl>
+  <dgm:styleLbl name="parChTrans1D3">
+    <dgm:fillClrLst meth="repeat">
+      <a:schemeClr val="accent1"/>
+    </dgm:fillClrLst>
+    <dgm:linClrLst meth="repeat">
+      <a:schemeClr val="accent1">
+        <a:shade val="80000"/>
+      </a:schemeClr>
+    </dgm:linClrLst>
+    <dgm:effectClrLst/>
+    <dgm:txLinClrLst/>
+    <dgm:txFillClrLst meth="repeat">
+      <a:schemeClr val="tx1"/>
+    </dgm:txFillClrLst>
+    <dgm:txEffectClrLst/>
+  </dgm:styleLbl>
+  <dgm:styleLbl name="parChTrans1D4">
+    <dgm:fillClrLst meth="repeat">
+      <a:schemeClr val="accent1"/>
+    </dgm:fillClrLst>
+    <dgm:linClrLst meth="repeat">
+      <a:schemeClr val="accent1">
+        <a:shade val="80000"/>
+      </a:schemeClr>
+    </dgm:linClrLst>
+    <dgm:effectClrLst/>
+    <dgm:txLinClrLst/>
+    <dgm:txFillClrLst meth="repeat">
+      <a:schemeClr val="tx1"/>
+    </dgm:txFillClrLst>
+    <dgm:txEffectClrLst/>
+  </dgm:styleLbl>
+  <dgm:styleLbl name="fgAcc1">
+    <dgm:fillClrLst meth="repeat">
+      <a:schemeClr val="lt1">
+        <a:alpha val="90000"/>
+      </a:schemeClr>
+    </dgm:fillClrLst>
+    <dgm:linClrLst meth="repeat">
+      <a:schemeClr val="accent1"/>
+    </dgm:linClrLst>
+    <dgm:effectClrLst/>
+    <dgm:txLinClrLst/>
+    <dgm:txFillClrLst meth="repeat">
+      <a:schemeClr val="dk1"/>
+    </dgm:txFillClrLst>
+    <dgm:txEffectClrLst/>
+  </dgm:styleLbl>
+  <dgm:styleLbl name="conFgAcc1">
+    <dgm:fillClrLst meth="repeat">
+      <a:schemeClr val="lt1">
+        <a:alpha val="90000"/>
+      </a:schemeClr>
+    </dgm:fillClrLst>
+    <dgm:linClrLst meth="repeat">
+      <a:schemeClr val="accent1"/>
+    </dgm:linClrLst>
+    <dgm:effectClrLst/>
+    <dgm:txLinClrLst/>
+    <dgm:txFillClrLst meth="repeat">
+      <a:schemeClr val="dk1"/>
+    </dgm:txFillClrLst>
+    <dgm:txEffectClrLst/>
+  </dgm:styleLbl>
+  <dgm:styleLbl name="alignAcc1">
+    <dgm:fillClrLst meth="repeat">
+      <a:schemeClr val="lt1">
+        <a:alpha val="90000"/>
+      </a:schemeClr>
+    </dgm:fillClrLst>
+    <dgm:linClrLst meth="repeat">
+      <a:schemeClr val="accent1"/>
+    </dgm:linClrLst>
+    <dgm:effectClrLst/>
+    <dgm:txLinClrLst/>
+    <dgm:txFillClrLst meth="repeat">
+      <a:schemeClr val="dk1"/>
+    </dgm:txFillClrLst>
+    <dgm:txEffectClrLst/>
+  </dgm:styleLbl>
+  <dgm:styleLbl name="trAlignAcc1">
+    <dgm:fillClrLst meth="repeat">
+      <a:schemeClr val="lt1">
+        <a:alpha val="40000"/>
+      </a:schemeClr>
+    </dgm:fillClrLst>
+    <dgm:linClrLst meth="repeat">
+      <a:schemeClr val="accent1"/>
+    </dgm:linClrLst>
+    <dgm:effectClrLst/>
+    <dgm:txLinClrLst/>
+    <dgm:txFillClrLst meth="repeat">
+      <a:schemeClr val="dk1"/>
+    </dgm:txFillClrLst>
+    <dgm:txEffectClrLst/>
+  </dgm:styleLbl>
+  <dgm:styleLbl name="bgAcc1">
+    <dgm:fillClrLst meth="repeat">
+      <a:schemeClr val="lt1">
+        <a:alpha val="90000"/>
+      </a:schemeClr>
+    </dgm:fillClrLst>
+    <dgm:linClrLst meth="repeat">
+      <a:schemeClr val="accent1"/>
+    </dgm:linClrLst>
+    <dgm:effectClrLst/>
+    <dgm:txLinClrLst/>
+    <dgm:txFillClrLst meth="repeat">
+      <a:schemeClr val="dk1"/>
+    </dgm:txFillClrLst>
+    <dgm:txEffectClrLst/>
+  </dgm:styleLbl>
+  <dgm:styleLbl name="solidFgAcc1">
+    <dgm:fillClrLst meth="repeat">
+      <a:schemeClr val="lt1"/>
+    </dgm:fillClrLst>
+    <dgm:linClrLst meth="repeat">
+      <a:schemeClr val="accent1"/>
+    </dgm:linClrLst>
+    <dgm:effectClrLst/>
+    <dgm:txLinClrLst/>
+    <dgm:txFillClrLst meth="repeat">
+      <a:schemeClr val="dk1"/>
+    </dgm:txFillClrLst>
+    <dgm:txEffectClrLst/>
+  </dgm:styleLbl>
+  <dgm:styleLbl name="solidAlignAcc1">
+    <dgm:fillClrLst meth="repeat">
+      <a:schemeClr val="lt1"/>
+    </dgm:fillClrLst>
+    <dgm:linClrLst meth="repeat">
+      <a:schemeClr val="accent1"/>
+    </dgm:linClrLst>
+    <dgm:effectClrLst/>
+    <dgm:txLinClrLst/>
+    <dgm:txFillClrLst meth="repeat">
+      <a:schemeClr val="dk1"/>
+    </dgm:txFillClrLst>
+    <dgm:txEffectClrLst/>
+  </dgm:styleLbl>
+  <dgm:styleLbl name="solidBgAcc1">
+    <dgm:fillClrLst meth="repeat">
+      <a:schemeClr val="lt1"/>
+    </dgm:fillClrLst>
+    <dgm:linClrLst meth="repeat">
+      <a:schemeClr val="accent1"/>
+    </dgm:linClrLst>
+    <dgm:effectClrLst/>
+    <dgm:txLinClrLst/>
+    <dgm:txFillClrLst meth="repeat">
+      <a:schemeClr val="dk1"/>
+    </dgm:txFillClrLst>
+    <dgm:txEffectClrLst/>
+  </dgm:styleLbl>
+  <dgm:styleLbl name="fgAccFollowNode1">
+    <dgm:fillClrLst meth="repeat">
+      <a:schemeClr val="accent1">
+        <a:alpha val="90000"/>
+        <a:tint val="40000"/>
+      </a:schemeClr>
+    </dgm:fillClrLst>
+    <dgm:linClrLst meth="repeat">
+      <a:schemeClr val="accent1">
+        <a:alpha val="90000"/>
+        <a:tint val="40000"/>
+      </a:schemeClr>
+    </dgm:linClrLst>
+    <dgm:effectClrLst/>
+    <dgm:txLinClrLst/>
+    <dgm:txFillClrLst meth="repeat">
+      <a:schemeClr val="dk1"/>
+    </dgm:txFillClrLst>
+    <dgm:txEffectClrLst/>
+  </dgm:styleLbl>
+  <dgm:styleLbl name="alignAccFollowNode1">
+    <dgm:fillClrLst meth="repeat">
+      <a:schemeClr val="accent1">
+        <a:alpha val="90000"/>
+        <a:tint val="40000"/>
+      </a:schemeClr>
+    </dgm:fillClrLst>
+    <dgm:linClrLst meth="repeat">
+      <a:schemeClr val="accent1">
+        <a:alpha val="90000"/>
+        <a:tint val="40000"/>
+      </a:schemeClr>
+    </dgm:linClrLst>
+    <dgm:effectClrLst/>
+    <dgm:txLinClrLst/>
+    <dgm:txFillClrLst meth="repeat">
+      <a:schemeClr val="dk1"/>
+    </dgm:txFillClrLst>
+    <dgm:txEffectClrLst/>
+  </dgm:styleLbl>
+  <dgm:styleLbl name="bgAccFollowNode1">
+    <dgm:fillClrLst meth="repeat">
+      <a:schemeClr val="accent1">
+        <a:alpha val="90000"/>
+        <a:tint val="40000"/>
+      </a:schemeClr>
+    </dgm:fillClrLst>
+    <dgm:linClrLst meth="repeat">
+      <a:schemeClr val="accent1">
+        <a:alpha val="90000"/>
+        <a:tint val="40000"/>
+      </a:schemeClr>
+    </dgm:linClrLst>
+    <dgm:effectClrLst/>
+    <dgm:txLinClrLst/>
+    <dgm:txFillClrLst meth="repeat">
+      <a:schemeClr val="dk1"/>
+    </dgm:txFillClrLst>
+    <dgm:txEffectClrLst/>
+  </dgm:styleLbl>
+  <dgm:styleLbl name="fgAcc0">
+    <dgm:fillClrLst meth="repeat">
+      <a:schemeClr val="lt1">
+        <a:alpha val="90000"/>
+      </a:schemeClr>
+    </dgm:fillClrLst>
+    <dgm:linClrLst meth="repeat">
+      <a:schemeClr val="accent1"/>
+    </dgm:linClrLst>
+    <dgm:effectClrLst/>
+    <dgm:txLinClrLst/>
+    <dgm:txFillClrLst meth="repeat">
+      <a:schemeClr val="dk1"/>
+    </dgm:txFillClrLst>
+    <dgm:txEffectClrLst/>
+  </dgm:styleLbl>
+  <dgm:styleLbl name="fgAcc2">
+    <dgm:fillClrLst meth="repeat">
+      <a:schemeClr val="lt1">
+        <a:alpha val="90000"/>
+      </a:schemeClr>
+    </dgm:fillClrLst>
+    <dgm:linClrLst meth="repeat">
+      <a:schemeClr val="accent1"/>
+    </dgm:linClrLst>
+    <dgm:effectClrLst/>
+    <dgm:txLinClrLst/>
+    <dgm:txFillClrLst meth="repeat">
+      <a:schemeClr val="dk1"/>
+    </dgm:txFillClrLst>
+    <dgm:txEffectClrLst/>
+  </dgm:styleLbl>
+  <dgm:styleLbl name="fgAcc3">
+    <dgm:fillClrLst meth="repeat">
+      <a:schemeClr val="lt1">
+        <a:alpha val="90000"/>
+      </a:schemeClr>
+    </dgm:fillClrLst>
+    <dgm:linClrLst meth="repeat">
+      <a:schemeClr val="accent1"/>
+    </dgm:linClrLst>
+    <dgm:effectClrLst/>
+    <dgm:txLinClrLst/>
+    <dgm:txFillClrLst meth="repeat">
+      <a:schemeClr val="dk1"/>
+    </dgm:txFillClrLst>
+    <dgm:txEffectClrLst/>
+  </dgm:styleLbl>
+  <dgm:styleLbl name="fgAcc4">
+    <dgm:fillClrLst meth="repeat">
+      <a:schemeClr val="lt1">
+        <a:alpha val="90000"/>
+      </a:schemeClr>
+    </dgm:fillClrLst>
+    <dgm:linClrLst meth="repeat">
+      <a:schemeClr val="accent1"/>
+    </dgm:linClrLst>
+    <dgm:effectClrLst/>
+    <dgm:txLinClrLst/>
+    <dgm:txFillClrLst meth="repeat">
+      <a:schemeClr val="dk1"/>
+    </dgm:txFillClrLst>
+    <dgm:txEffectClrLst/>
+  </dgm:styleLbl>
+  <dgm:styleLbl name="bgShp">
+    <dgm:fillClrLst meth="repeat">
+      <a:schemeClr val="accent1">
+        <a:tint val="40000"/>
+      </a:schemeClr>
+    </dgm:fillClrLst>
+    <dgm:linClrLst meth="repeat">
+      <a:schemeClr val="accent1"/>
+    </dgm:linClrLst>
+    <dgm:effectClrLst/>
+    <dgm:txLinClrLst/>
+    <dgm:txFillClrLst meth="repeat">
+      <a:schemeClr val="dk1"/>
+    </dgm:txFillClrLst>
+    <dgm:txEffectClrLst/>
+  </dgm:styleLbl>
+  <dgm:styleLbl name="dkBgShp">
+    <dgm:fillClrLst meth="repeat">
+      <a:schemeClr val="accent1">
+        <a:shade val="80000"/>
+      </a:schemeClr>
+    </dgm:fillClrLst>
+    <dgm:linClrLst meth="repeat">
+      <a:schemeClr val="accent1"/>
+    </dgm:linClrLst>
+    <dgm:effectClrLst/>
+    <dgm:txLinClrLst/>
+    <dgm:txFillClrLst meth="repeat">
+      <a:schemeClr val="lt1"/>
+    </dgm:txFillClrLst>
+    <dgm:txEffectClrLst/>
+  </dgm:styleLbl>
+  <dgm:styleLbl name="trBgShp">
+    <dgm:fillClrLst meth="repeat">
+      <a:schemeClr val="accent1">
+        <a:tint val="50000"/>
+        <a:alpha val="40000"/>
+      </a:schemeClr>
+    </dgm:fillClrLst>
+    <dgm:linClrLst meth="repeat">
+      <a:schemeClr val="accent1"/>
+    </dgm:linClrLst>
+    <dgm:effectClrLst/>
+    <dgm:txLinClrLst/>
+    <dgm:txFillClrLst meth="repeat">
+      <a:schemeClr val="lt1"/>
+    </dgm:txFillClrLst>
+    <dgm:txEffectClrLst/>
+  </dgm:styleLbl>
+  <dgm:styleLbl name="fgShp">
+    <dgm:fillClrLst meth="repeat">
+      <a:schemeClr val="accent1">
+        <a:tint val="60000"/>
+      </a:schemeClr>
+    </dgm:fillClrLst>
+    <dgm:linClrLst meth="repeat">
+      <a:schemeClr val="lt1"/>
+    </dgm:linClrLst>
+    <dgm:effectClrLst/>
+    <dgm:txLinClrLst/>
+    <dgm:txFillClrLst meth="repeat">
+      <a:schemeClr val="dk1"/>
+    </dgm:txFillClrLst>
+    <dgm:txEffectClrLst/>
+  </dgm:styleLbl>
+  <dgm:styleLbl name="revTx">
+    <dgm:fillClrLst meth="repeat">
+      <a:schemeClr val="lt1">
+        <a:alpha val="0"/>
+      </a:schemeClr>
+    </dgm:fillClrLst>
+    <dgm:linClrLst meth="repeat">
+      <a:schemeClr val="dk1">
+        <a:alpha val="0"/>
+      </a:schemeClr>
+    </dgm:linClrLst>
+    <dgm:effectClrLst/>
+    <dgm:txLinClrLst/>
+    <dgm:txFillClrLst meth="repeat">
+      <a:schemeClr val="tx1"/>
+    </dgm:txFillClrLst>
+    <dgm:txEffectClrLst/>
+  </dgm:styleLbl>
+</dgm:colorsDef>
+</file>
+
+<file path=ppt/diagrams/colors3.xml><?xml version="1.0" encoding="utf-8"?>
 <dgm:colorsDef xmlns:dgm="http://schemas.openxmlformats.org/drawingml/2006/diagram" xmlns:a="http://schemas.openxmlformats.org/drawingml/2006/main" uniqueId="urn:microsoft.com/office/officeart/2005/8/colors/accent1_2">
   <dgm:title val=""/>
   <dgm:desc val=""/>
@@ -1766,6 +3587,335 @@
     <dgm:cxn modelId="{989811AC-B1B3-4006-B958-18683BFB114C}" type="presParOf" srcId="{A2CB7BB9-0BE7-4BFE-8B1A-CED735C5A7A9}" destId="{67D108E2-F3A8-4B03-9665-E728DC09AA33}" srcOrd="3" destOrd="0" presId="urn:microsoft.com/office/officeart/2005/8/layout/chart3"/>
     <dgm:cxn modelId="{68CDA6F1-1914-411D-BD21-FF56DAF3E1D5}" type="presParOf" srcId="{A2CB7BB9-0BE7-4BFE-8B1A-CED735C5A7A9}" destId="{F68DC9CA-7588-418F-8207-F81E893AEA67}" srcOrd="4" destOrd="0" presId="urn:microsoft.com/office/officeart/2005/8/layout/chart3"/>
     <dgm:cxn modelId="{BD8F389E-5890-4829-97EA-BED53D279C98}" type="presParOf" srcId="{A2CB7BB9-0BE7-4BFE-8B1A-CED735C5A7A9}" destId="{98A35975-A234-4BFA-8647-216DD2B717FA}" srcOrd="5" destOrd="0" presId="urn:microsoft.com/office/officeart/2005/8/layout/chart3"/>
+  </dgm:cxnLst>
+  <dgm:bg/>
+  <dgm:whole/>
+  <dgm:extLst>
+    <a:ext uri="http://schemas.microsoft.com/office/drawing/2008/diagram">
+      <dsp:dataModelExt xmlns:dsp="http://schemas.microsoft.com/office/drawing/2008/diagram" relId="rId7" minVer="http://schemas.openxmlformats.org/drawingml/2006/diagram"/>
+    </a:ext>
+  </dgm:extLst>
+</dgm:dataModel>
+</file>
+
+<file path=ppt/diagrams/data2.xml><?xml version="1.0" encoding="utf-8"?>
+<dgm:dataModel xmlns:dgm="http://schemas.openxmlformats.org/drawingml/2006/diagram" xmlns:a="http://schemas.openxmlformats.org/drawingml/2006/main">
+  <dgm:ptLst>
+    <dgm:pt modelId="{D53BCBF0-7E8A-4FE9-AF6D-37F1C455BE21}" type="doc">
+      <dgm:prSet loTypeId="urn:microsoft.com/office/officeart/2005/8/layout/vList2" loCatId="list" qsTypeId="urn:microsoft.com/office/officeart/2005/8/quickstyle/simple1" qsCatId="simple" csTypeId="urn:microsoft.com/office/officeart/2005/8/colors/accent1_2" csCatId="accent1"/>
+      <dgm:spPr/>
+      <dgm:t>
+        <a:bodyPr/>
+        <a:lstStyle/>
+        <a:p>
+          <a:endParaRPr lang="en-US"/>
+        </a:p>
+      </dgm:t>
+    </dgm:pt>
+    <dgm:pt modelId="{90EAC4B6-FAEE-424D-ADB0-367548C9D944}">
+      <dgm:prSet/>
+      <dgm:spPr/>
+      <dgm:t>
+        <a:bodyPr/>
+        <a:lstStyle/>
+        <a:p>
+          <a:r>
+            <a:rPr lang="en-US"/>
+            <a:t>Target (Client Interface)</a:t>
+          </a:r>
+        </a:p>
+      </dgm:t>
+    </dgm:pt>
+    <dgm:pt modelId="{51983660-2A24-4469-89F6-5485649395AF}" type="parTrans" cxnId="{88C33C9D-3F02-4375-9BB3-BE0833E33A93}">
+      <dgm:prSet/>
+      <dgm:spPr/>
+      <dgm:t>
+        <a:bodyPr/>
+        <a:lstStyle/>
+        <a:p>
+          <a:endParaRPr lang="en-US"/>
+        </a:p>
+      </dgm:t>
+    </dgm:pt>
+    <dgm:pt modelId="{A7F8042E-82B9-4F5E-9F18-052FAF102F72}" type="sibTrans" cxnId="{88C33C9D-3F02-4375-9BB3-BE0833E33A93}">
+      <dgm:prSet/>
+      <dgm:spPr/>
+      <dgm:t>
+        <a:bodyPr/>
+        <a:lstStyle/>
+        <a:p>
+          <a:endParaRPr lang="en-US"/>
+        </a:p>
+      </dgm:t>
+    </dgm:pt>
+    <dgm:pt modelId="{7943A428-1C2D-4CDF-905C-4AAE6726CD17}">
+      <dgm:prSet/>
+      <dgm:spPr/>
+      <dgm:t>
+        <a:bodyPr/>
+        <a:lstStyle/>
+        <a:p>
+          <a:r>
+            <a:rPr lang="en-US"/>
+            <a:t>Adaptee (Service) </a:t>
+          </a:r>
+        </a:p>
+      </dgm:t>
+    </dgm:pt>
+    <dgm:pt modelId="{2DA980D7-DB67-4008-B34E-4AF1E97B1544}" type="parTrans" cxnId="{964932B8-1C97-41F0-83A5-E546884BFA71}">
+      <dgm:prSet/>
+      <dgm:spPr/>
+      <dgm:t>
+        <a:bodyPr/>
+        <a:lstStyle/>
+        <a:p>
+          <a:endParaRPr lang="en-US"/>
+        </a:p>
+      </dgm:t>
+    </dgm:pt>
+    <dgm:pt modelId="{77E8D252-DB06-47FE-AAD8-10DF9E64E374}" type="sibTrans" cxnId="{964932B8-1C97-41F0-83A5-E546884BFA71}">
+      <dgm:prSet/>
+      <dgm:spPr/>
+      <dgm:t>
+        <a:bodyPr/>
+        <a:lstStyle/>
+        <a:p>
+          <a:endParaRPr lang="en-US"/>
+        </a:p>
+      </dgm:t>
+    </dgm:pt>
+    <dgm:pt modelId="{167E1D7B-6CB0-4B85-B05C-D971A42479BA}">
+      <dgm:prSet/>
+      <dgm:spPr/>
+      <dgm:t>
+        <a:bodyPr/>
+        <a:lstStyle/>
+        <a:p>
+          <a:r>
+            <a:rPr lang="en-US"/>
+            <a:t>Adapter</a:t>
+          </a:r>
+        </a:p>
+      </dgm:t>
+    </dgm:pt>
+    <dgm:pt modelId="{BEA364BB-F7B6-40CB-9464-7204A07E8F1F}" type="parTrans" cxnId="{D9B9B289-6CB3-4568-B6C1-A56FC4F78C68}">
+      <dgm:prSet/>
+      <dgm:spPr/>
+      <dgm:t>
+        <a:bodyPr/>
+        <a:lstStyle/>
+        <a:p>
+          <a:endParaRPr lang="en-US"/>
+        </a:p>
+      </dgm:t>
+    </dgm:pt>
+    <dgm:pt modelId="{FC7618C3-C079-4386-8578-5360D1C264EF}" type="sibTrans" cxnId="{D9B9B289-6CB3-4568-B6C1-A56FC4F78C68}">
+      <dgm:prSet/>
+      <dgm:spPr/>
+      <dgm:t>
+        <a:bodyPr/>
+        <a:lstStyle/>
+        <a:p>
+          <a:endParaRPr lang="en-US"/>
+        </a:p>
+      </dgm:t>
+    </dgm:pt>
+    <dgm:pt modelId="{C7823C08-90C7-4B69-9817-B11257D16185}" type="pres">
+      <dgm:prSet presAssocID="{D53BCBF0-7E8A-4FE9-AF6D-37F1C455BE21}" presName="linear" presStyleCnt="0">
+        <dgm:presLayoutVars>
+          <dgm:animLvl val="lvl"/>
+          <dgm:resizeHandles val="exact"/>
+        </dgm:presLayoutVars>
+      </dgm:prSet>
+      <dgm:spPr/>
+    </dgm:pt>
+    <dgm:pt modelId="{03B1707B-F4E3-46AF-B9E4-CE78029B70D7}" type="pres">
+      <dgm:prSet presAssocID="{90EAC4B6-FAEE-424D-ADB0-367548C9D944}" presName="parentText" presStyleLbl="node1" presStyleIdx="0" presStyleCnt="3">
+        <dgm:presLayoutVars>
+          <dgm:chMax val="0"/>
+          <dgm:bulletEnabled val="1"/>
+        </dgm:presLayoutVars>
+      </dgm:prSet>
+      <dgm:spPr/>
+    </dgm:pt>
+    <dgm:pt modelId="{F9826CE5-B87E-42D6-B2D6-58B038E26A36}" type="pres">
+      <dgm:prSet presAssocID="{A7F8042E-82B9-4F5E-9F18-052FAF102F72}" presName="spacer" presStyleCnt="0"/>
+      <dgm:spPr/>
+    </dgm:pt>
+    <dgm:pt modelId="{7EB96007-84AC-49D4-AA27-A12E1F11C083}" type="pres">
+      <dgm:prSet presAssocID="{7943A428-1C2D-4CDF-905C-4AAE6726CD17}" presName="parentText" presStyleLbl="node1" presStyleIdx="1" presStyleCnt="3">
+        <dgm:presLayoutVars>
+          <dgm:chMax val="0"/>
+          <dgm:bulletEnabled val="1"/>
+        </dgm:presLayoutVars>
+      </dgm:prSet>
+      <dgm:spPr/>
+    </dgm:pt>
+    <dgm:pt modelId="{15B386A6-CA18-41C1-91D3-786C33FDF5FA}" type="pres">
+      <dgm:prSet presAssocID="{77E8D252-DB06-47FE-AAD8-10DF9E64E374}" presName="spacer" presStyleCnt="0"/>
+      <dgm:spPr/>
+    </dgm:pt>
+    <dgm:pt modelId="{F8A1933A-B491-4214-BEAB-8FBF738DEE40}" type="pres">
+      <dgm:prSet presAssocID="{167E1D7B-6CB0-4B85-B05C-D971A42479BA}" presName="parentText" presStyleLbl="node1" presStyleIdx="2" presStyleCnt="3">
+        <dgm:presLayoutVars>
+          <dgm:chMax val="0"/>
+          <dgm:bulletEnabled val="1"/>
+        </dgm:presLayoutVars>
+      </dgm:prSet>
+      <dgm:spPr/>
+    </dgm:pt>
+  </dgm:ptLst>
+  <dgm:cxnLst>
+    <dgm:cxn modelId="{CA3D0609-B12B-44E6-9647-B3CC7C3869AF}" type="presOf" srcId="{90EAC4B6-FAEE-424D-ADB0-367548C9D944}" destId="{03B1707B-F4E3-46AF-B9E4-CE78029B70D7}" srcOrd="0" destOrd="0" presId="urn:microsoft.com/office/officeart/2005/8/layout/vList2"/>
+    <dgm:cxn modelId="{3A0DD017-E1CF-493E-8E63-B03841FF8930}" type="presOf" srcId="{D53BCBF0-7E8A-4FE9-AF6D-37F1C455BE21}" destId="{C7823C08-90C7-4B69-9817-B11257D16185}" srcOrd="0" destOrd="0" presId="urn:microsoft.com/office/officeart/2005/8/layout/vList2"/>
+    <dgm:cxn modelId="{7210FD82-37A6-494F-B1BF-A77F71694005}" type="presOf" srcId="{7943A428-1C2D-4CDF-905C-4AAE6726CD17}" destId="{7EB96007-84AC-49D4-AA27-A12E1F11C083}" srcOrd="0" destOrd="0" presId="urn:microsoft.com/office/officeart/2005/8/layout/vList2"/>
+    <dgm:cxn modelId="{35DED684-D496-43F6-9986-3480B01A4CA7}" type="presOf" srcId="{167E1D7B-6CB0-4B85-B05C-D971A42479BA}" destId="{F8A1933A-B491-4214-BEAB-8FBF738DEE40}" srcOrd="0" destOrd="0" presId="urn:microsoft.com/office/officeart/2005/8/layout/vList2"/>
+    <dgm:cxn modelId="{D9B9B289-6CB3-4568-B6C1-A56FC4F78C68}" srcId="{D53BCBF0-7E8A-4FE9-AF6D-37F1C455BE21}" destId="{167E1D7B-6CB0-4B85-B05C-D971A42479BA}" srcOrd="2" destOrd="0" parTransId="{BEA364BB-F7B6-40CB-9464-7204A07E8F1F}" sibTransId="{FC7618C3-C079-4386-8578-5360D1C264EF}"/>
+    <dgm:cxn modelId="{88C33C9D-3F02-4375-9BB3-BE0833E33A93}" srcId="{D53BCBF0-7E8A-4FE9-AF6D-37F1C455BE21}" destId="{90EAC4B6-FAEE-424D-ADB0-367548C9D944}" srcOrd="0" destOrd="0" parTransId="{51983660-2A24-4469-89F6-5485649395AF}" sibTransId="{A7F8042E-82B9-4F5E-9F18-052FAF102F72}"/>
+    <dgm:cxn modelId="{964932B8-1C97-41F0-83A5-E546884BFA71}" srcId="{D53BCBF0-7E8A-4FE9-AF6D-37F1C455BE21}" destId="{7943A428-1C2D-4CDF-905C-4AAE6726CD17}" srcOrd="1" destOrd="0" parTransId="{2DA980D7-DB67-4008-B34E-4AF1E97B1544}" sibTransId="{77E8D252-DB06-47FE-AAD8-10DF9E64E374}"/>
+    <dgm:cxn modelId="{FFA8228C-2D66-40AA-9667-DD13F647C737}" type="presParOf" srcId="{C7823C08-90C7-4B69-9817-B11257D16185}" destId="{03B1707B-F4E3-46AF-B9E4-CE78029B70D7}" srcOrd="0" destOrd="0" presId="urn:microsoft.com/office/officeart/2005/8/layout/vList2"/>
+    <dgm:cxn modelId="{5E0F4123-59BC-46D5-9D01-4CA0739AD094}" type="presParOf" srcId="{C7823C08-90C7-4B69-9817-B11257D16185}" destId="{F9826CE5-B87E-42D6-B2D6-58B038E26A36}" srcOrd="1" destOrd="0" presId="urn:microsoft.com/office/officeart/2005/8/layout/vList2"/>
+    <dgm:cxn modelId="{8BFA2E48-C4FB-463D-A951-E517FD583D52}" type="presParOf" srcId="{C7823C08-90C7-4B69-9817-B11257D16185}" destId="{7EB96007-84AC-49D4-AA27-A12E1F11C083}" srcOrd="2" destOrd="0" presId="urn:microsoft.com/office/officeart/2005/8/layout/vList2"/>
+    <dgm:cxn modelId="{41283A49-CC1D-4449-8EEF-C2FF2F280FA9}" type="presParOf" srcId="{C7823C08-90C7-4B69-9817-B11257D16185}" destId="{15B386A6-CA18-41C1-91D3-786C33FDF5FA}" srcOrd="3" destOrd="0" presId="urn:microsoft.com/office/officeart/2005/8/layout/vList2"/>
+    <dgm:cxn modelId="{A53C3C53-F679-4EF0-A5FB-C5C5C9DF1787}" type="presParOf" srcId="{C7823C08-90C7-4B69-9817-B11257D16185}" destId="{F8A1933A-B491-4214-BEAB-8FBF738DEE40}" srcOrd="4" destOrd="0" presId="urn:microsoft.com/office/officeart/2005/8/layout/vList2"/>
+  </dgm:cxnLst>
+  <dgm:bg/>
+  <dgm:whole/>
+  <dgm:extLst>
+    <a:ext uri="http://schemas.microsoft.com/office/drawing/2008/diagram">
+      <dsp:dataModelExt xmlns:dsp="http://schemas.microsoft.com/office/drawing/2008/diagram" relId="rId9" minVer="http://schemas.openxmlformats.org/drawingml/2006/diagram"/>
+    </a:ext>
+  </dgm:extLst>
+</dgm:dataModel>
+</file>
+
+<file path=ppt/diagrams/data3.xml><?xml version="1.0" encoding="utf-8"?>
+<dgm:dataModel xmlns:dgm="http://schemas.openxmlformats.org/drawingml/2006/diagram" xmlns:a="http://schemas.openxmlformats.org/drawingml/2006/main">
+  <dgm:ptLst>
+    <dgm:pt modelId="{313F3E2B-8BA9-4C2B-BC9C-08904B20463E}" type="doc">
+      <dgm:prSet loTypeId="urn:microsoft.com/office/officeart/2005/8/layout/vList2" loCatId="list" qsTypeId="urn:microsoft.com/office/officeart/2005/8/quickstyle/simple1" qsCatId="simple" csTypeId="urn:microsoft.com/office/officeart/2005/8/colors/accent1_2" csCatId="accent1" phldr="1"/>
+      <dgm:spPr/>
+      <dgm:t>
+        <a:bodyPr/>
+        <a:lstStyle/>
+        <a:p>
+          <a:endParaRPr lang="en-US"/>
+        </a:p>
+      </dgm:t>
+    </dgm:pt>
+    <dgm:pt modelId="{1C67EB16-EA02-43AB-8CE8-CEC3D229BBA5}">
+      <dgm:prSet/>
+      <dgm:spPr/>
+      <dgm:t>
+        <a:bodyPr/>
+        <a:lstStyle/>
+        <a:p>
+          <a:r>
+            <a:rPr lang="en-US" dirty="0"/>
+            <a:t>Facade</a:t>
+          </a:r>
+        </a:p>
+      </dgm:t>
+    </dgm:pt>
+    <dgm:pt modelId="{5F16F1C2-2EC2-495F-8B8B-80478C6E345C}" type="parTrans" cxnId="{1ABE8740-518E-4F0E-ACD1-8F2EB21811E5}">
+      <dgm:prSet/>
+      <dgm:spPr/>
+      <dgm:t>
+        <a:bodyPr/>
+        <a:lstStyle/>
+        <a:p>
+          <a:endParaRPr lang="en-US"/>
+        </a:p>
+      </dgm:t>
+    </dgm:pt>
+    <dgm:pt modelId="{74C53260-5F90-44AE-8526-3F0772DA889B}" type="sibTrans" cxnId="{1ABE8740-518E-4F0E-ACD1-8F2EB21811E5}">
+      <dgm:prSet/>
+      <dgm:spPr/>
+      <dgm:t>
+        <a:bodyPr/>
+        <a:lstStyle/>
+        <a:p>
+          <a:endParaRPr lang="en-US"/>
+        </a:p>
+      </dgm:t>
+    </dgm:pt>
+    <dgm:pt modelId="{EA9B4AE1-E1E9-4472-ACB8-9CB11B586288}">
+      <dgm:prSet/>
+      <dgm:spPr/>
+      <dgm:t>
+        <a:bodyPr/>
+        <a:lstStyle/>
+        <a:p>
+          <a:r>
+            <a:rPr lang="en-US" dirty="0"/>
+            <a:t>Sub System</a:t>
+          </a:r>
+        </a:p>
+      </dgm:t>
+    </dgm:pt>
+    <dgm:pt modelId="{EF6AAC46-B092-4C44-8CB5-99E9F315C714}" type="parTrans" cxnId="{B7ADDDDF-C3AB-43CC-BB35-57914F3C5A52}">
+      <dgm:prSet/>
+      <dgm:spPr/>
+      <dgm:t>
+        <a:bodyPr/>
+        <a:lstStyle/>
+        <a:p>
+          <a:endParaRPr lang="en-US"/>
+        </a:p>
+      </dgm:t>
+    </dgm:pt>
+    <dgm:pt modelId="{E3C29D4C-4720-4EA7-A2B0-BA3E68528A4E}" type="sibTrans" cxnId="{B7ADDDDF-C3AB-43CC-BB35-57914F3C5A52}">
+      <dgm:prSet/>
+      <dgm:spPr/>
+      <dgm:t>
+        <a:bodyPr/>
+        <a:lstStyle/>
+        <a:p>
+          <a:endParaRPr lang="en-US"/>
+        </a:p>
+      </dgm:t>
+    </dgm:pt>
+    <dgm:pt modelId="{1DEA383A-9A38-41E9-8C71-E6AE4DE2A568}" type="pres">
+      <dgm:prSet presAssocID="{313F3E2B-8BA9-4C2B-BC9C-08904B20463E}" presName="linear" presStyleCnt="0">
+        <dgm:presLayoutVars>
+          <dgm:animLvl val="lvl"/>
+          <dgm:resizeHandles val="exact"/>
+        </dgm:presLayoutVars>
+      </dgm:prSet>
+      <dgm:spPr/>
+    </dgm:pt>
+    <dgm:pt modelId="{9C7B1197-804F-4EC6-AF28-3EAF890A1086}" type="pres">
+      <dgm:prSet presAssocID="{1C67EB16-EA02-43AB-8CE8-CEC3D229BBA5}" presName="parentText" presStyleLbl="node1" presStyleIdx="0" presStyleCnt="2">
+        <dgm:presLayoutVars>
+          <dgm:chMax val="0"/>
+          <dgm:bulletEnabled val="1"/>
+        </dgm:presLayoutVars>
+      </dgm:prSet>
+      <dgm:spPr/>
+    </dgm:pt>
+    <dgm:pt modelId="{69FAA13E-8832-4EB1-8949-16301EE9CC0F}" type="pres">
+      <dgm:prSet presAssocID="{74C53260-5F90-44AE-8526-3F0772DA889B}" presName="spacer" presStyleCnt="0"/>
+      <dgm:spPr/>
+    </dgm:pt>
+    <dgm:pt modelId="{EEC37688-3E94-4F0E-9090-A468194DFFC5}" type="pres">
+      <dgm:prSet presAssocID="{EA9B4AE1-E1E9-4472-ACB8-9CB11B586288}" presName="parentText" presStyleLbl="node1" presStyleIdx="1" presStyleCnt="2">
+        <dgm:presLayoutVars>
+          <dgm:chMax val="0"/>
+          <dgm:bulletEnabled val="1"/>
+        </dgm:presLayoutVars>
+      </dgm:prSet>
+      <dgm:spPr/>
+    </dgm:pt>
+  </dgm:ptLst>
+  <dgm:cxnLst>
+    <dgm:cxn modelId="{1ABE8740-518E-4F0E-ACD1-8F2EB21811E5}" srcId="{313F3E2B-8BA9-4C2B-BC9C-08904B20463E}" destId="{1C67EB16-EA02-43AB-8CE8-CEC3D229BBA5}" srcOrd="0" destOrd="0" parTransId="{5F16F1C2-2EC2-495F-8B8B-80478C6E345C}" sibTransId="{74C53260-5F90-44AE-8526-3F0772DA889B}"/>
+    <dgm:cxn modelId="{01EA5672-B1FB-4B48-AAB0-1AFB4F901C34}" type="presOf" srcId="{313F3E2B-8BA9-4C2B-BC9C-08904B20463E}" destId="{1DEA383A-9A38-41E9-8C71-E6AE4DE2A568}" srcOrd="0" destOrd="0" presId="urn:microsoft.com/office/officeart/2005/8/layout/vList2"/>
+    <dgm:cxn modelId="{A32EE3D7-038D-44B3-97B1-DB04A5B747DA}" type="presOf" srcId="{1C67EB16-EA02-43AB-8CE8-CEC3D229BBA5}" destId="{9C7B1197-804F-4EC6-AF28-3EAF890A1086}" srcOrd="0" destOrd="0" presId="urn:microsoft.com/office/officeart/2005/8/layout/vList2"/>
+    <dgm:cxn modelId="{B7ADDDDF-C3AB-43CC-BB35-57914F3C5A52}" srcId="{313F3E2B-8BA9-4C2B-BC9C-08904B20463E}" destId="{EA9B4AE1-E1E9-4472-ACB8-9CB11B586288}" srcOrd="1" destOrd="0" parTransId="{EF6AAC46-B092-4C44-8CB5-99E9F315C714}" sibTransId="{E3C29D4C-4720-4EA7-A2B0-BA3E68528A4E}"/>
+    <dgm:cxn modelId="{72AB16FE-8A36-4B7C-9D27-ABF1725D6991}" type="presOf" srcId="{EA9B4AE1-E1E9-4472-ACB8-9CB11B586288}" destId="{EEC37688-3E94-4F0E-9090-A468194DFFC5}" srcOrd="0" destOrd="0" presId="urn:microsoft.com/office/officeart/2005/8/layout/vList2"/>
+    <dgm:cxn modelId="{FE0F77D8-2FA5-4F7D-AA60-FE361F2CC379}" type="presParOf" srcId="{1DEA383A-9A38-41E9-8C71-E6AE4DE2A568}" destId="{9C7B1197-804F-4EC6-AF28-3EAF890A1086}" srcOrd="0" destOrd="0" presId="urn:microsoft.com/office/officeart/2005/8/layout/vList2"/>
+    <dgm:cxn modelId="{C8767A9C-1C5F-47BA-A56C-52FF8D6FF4ED}" type="presParOf" srcId="{1DEA383A-9A38-41E9-8C71-E6AE4DE2A568}" destId="{69FAA13E-8832-4EB1-8949-16301EE9CC0F}" srcOrd="1" destOrd="0" presId="urn:microsoft.com/office/officeart/2005/8/layout/vList2"/>
+    <dgm:cxn modelId="{9A889EEB-8011-4D2E-AAA3-D1021A3A784B}" type="presParOf" srcId="{1DEA383A-9A38-41E9-8C71-E6AE4DE2A568}" destId="{EEC37688-3E94-4F0E-9090-A468194DFFC5}" srcOrd="2" destOrd="0" presId="urn:microsoft.com/office/officeart/2005/8/layout/vList2"/>
   </dgm:cxnLst>
   <dgm:bg/>
   <dgm:whole/>
@@ -2008,6 +4158,415 @@
       <dsp:txXfrm>
         <a:off x="2532924" y="2521720"/>
         <a:ext cx="2791030" cy="2742064"/>
+      </dsp:txXfrm>
+    </dsp:sp>
+  </dsp:spTree>
+</dsp:drawing>
+</file>
+
+<file path=ppt/diagrams/drawing2.xml><?xml version="1.0" encoding="utf-8"?>
+<dsp:drawing xmlns:dgm="http://schemas.openxmlformats.org/drawingml/2006/diagram" xmlns:dsp="http://schemas.microsoft.com/office/drawing/2008/diagram" xmlns:a="http://schemas.openxmlformats.org/drawingml/2006/main">
+  <dsp:spTree>
+    <dsp:nvGrpSpPr>
+      <dsp:cNvPr id="0" name=""/>
+      <dsp:cNvGrpSpPr/>
+    </dsp:nvGrpSpPr>
+    <dsp:grpSpPr/>
+    <dsp:sp modelId="{03B1707B-F4E3-46AF-B9E4-CE78029B70D7}">
+      <dsp:nvSpPr>
+        <dsp:cNvPr id="0" name=""/>
+        <dsp:cNvSpPr/>
+      </dsp:nvSpPr>
+      <dsp:spPr>
+        <a:xfrm>
+          <a:off x="0" y="6679"/>
+          <a:ext cx="8064896" cy="849420"/>
+        </a:xfrm>
+        <a:prstGeom prst="roundRect">
+          <a:avLst/>
+        </a:prstGeom>
+        <a:solidFill>
+          <a:schemeClr val="accent1">
+            <a:hueOff val="0"/>
+            <a:satOff val="0"/>
+            <a:lumOff val="0"/>
+            <a:alphaOff val="0"/>
+          </a:schemeClr>
+        </a:solidFill>
+        <a:ln w="25400" cap="flat" cmpd="sng" algn="ctr">
+          <a:solidFill>
+            <a:schemeClr val="lt1">
+              <a:hueOff val="0"/>
+              <a:satOff val="0"/>
+              <a:lumOff val="0"/>
+              <a:alphaOff val="0"/>
+            </a:schemeClr>
+          </a:solidFill>
+          <a:prstDash val="solid"/>
+        </a:ln>
+        <a:effectLst/>
+      </dsp:spPr>
+      <dsp:style>
+        <a:lnRef idx="2">
+          <a:scrgbClr r="0" g="0" b="0"/>
+        </a:lnRef>
+        <a:fillRef idx="1">
+          <a:scrgbClr r="0" g="0" b="0"/>
+        </a:fillRef>
+        <a:effectRef idx="0">
+          <a:scrgbClr r="0" g="0" b="0"/>
+        </a:effectRef>
+        <a:fontRef idx="minor">
+          <a:schemeClr val="lt1"/>
+        </a:fontRef>
+      </dsp:style>
+      <dsp:txBody>
+        <a:bodyPr spcFirstLastPara="0" vert="horz" wrap="square" lIns="125730" tIns="125730" rIns="125730" bIns="125730" numCol="1" spcCol="1270" anchor="ctr" anchorCtr="0">
+          <a:noAutofit/>
+        </a:bodyPr>
+        <a:lstStyle/>
+        <a:p>
+          <a:pPr marL="0" lvl="0" indent="0" algn="l" defTabSz="1466850">
+            <a:lnSpc>
+              <a:spcPct val="90000"/>
+            </a:lnSpc>
+            <a:spcBef>
+              <a:spcPct val="0"/>
+            </a:spcBef>
+            <a:spcAft>
+              <a:spcPct val="35000"/>
+            </a:spcAft>
+            <a:buNone/>
+          </a:pPr>
+          <a:r>
+            <a:rPr lang="en-US" sz="3300" kern="1200"/>
+            <a:t>Target (Client Interface)</a:t>
+          </a:r>
+        </a:p>
+      </dsp:txBody>
+      <dsp:txXfrm>
+        <a:off x="41465" y="48144"/>
+        <a:ext cx="7981966" cy="766490"/>
+      </dsp:txXfrm>
+    </dsp:sp>
+    <dsp:sp modelId="{7EB96007-84AC-49D4-AA27-A12E1F11C083}">
+      <dsp:nvSpPr>
+        <dsp:cNvPr id="0" name=""/>
+        <dsp:cNvSpPr/>
+      </dsp:nvSpPr>
+      <dsp:spPr>
+        <a:xfrm>
+          <a:off x="0" y="951140"/>
+          <a:ext cx="8064896" cy="849420"/>
+        </a:xfrm>
+        <a:prstGeom prst="roundRect">
+          <a:avLst/>
+        </a:prstGeom>
+        <a:solidFill>
+          <a:schemeClr val="accent1">
+            <a:hueOff val="0"/>
+            <a:satOff val="0"/>
+            <a:lumOff val="0"/>
+            <a:alphaOff val="0"/>
+          </a:schemeClr>
+        </a:solidFill>
+        <a:ln w="25400" cap="flat" cmpd="sng" algn="ctr">
+          <a:solidFill>
+            <a:schemeClr val="lt1">
+              <a:hueOff val="0"/>
+              <a:satOff val="0"/>
+              <a:lumOff val="0"/>
+              <a:alphaOff val="0"/>
+            </a:schemeClr>
+          </a:solidFill>
+          <a:prstDash val="solid"/>
+        </a:ln>
+        <a:effectLst/>
+      </dsp:spPr>
+      <dsp:style>
+        <a:lnRef idx="2">
+          <a:scrgbClr r="0" g="0" b="0"/>
+        </a:lnRef>
+        <a:fillRef idx="1">
+          <a:scrgbClr r="0" g="0" b="0"/>
+        </a:fillRef>
+        <a:effectRef idx="0">
+          <a:scrgbClr r="0" g="0" b="0"/>
+        </a:effectRef>
+        <a:fontRef idx="minor">
+          <a:schemeClr val="lt1"/>
+        </a:fontRef>
+      </dsp:style>
+      <dsp:txBody>
+        <a:bodyPr spcFirstLastPara="0" vert="horz" wrap="square" lIns="125730" tIns="125730" rIns="125730" bIns="125730" numCol="1" spcCol="1270" anchor="ctr" anchorCtr="0">
+          <a:noAutofit/>
+        </a:bodyPr>
+        <a:lstStyle/>
+        <a:p>
+          <a:pPr marL="0" lvl="0" indent="0" algn="l" defTabSz="1466850">
+            <a:lnSpc>
+              <a:spcPct val="90000"/>
+            </a:lnSpc>
+            <a:spcBef>
+              <a:spcPct val="0"/>
+            </a:spcBef>
+            <a:spcAft>
+              <a:spcPct val="35000"/>
+            </a:spcAft>
+            <a:buNone/>
+          </a:pPr>
+          <a:r>
+            <a:rPr lang="en-US" sz="3300" kern="1200"/>
+            <a:t>Adaptee (Service) </a:t>
+          </a:r>
+        </a:p>
+      </dsp:txBody>
+      <dsp:txXfrm>
+        <a:off x="41465" y="992605"/>
+        <a:ext cx="7981966" cy="766490"/>
+      </dsp:txXfrm>
+    </dsp:sp>
+    <dsp:sp modelId="{F8A1933A-B491-4214-BEAB-8FBF738DEE40}">
+      <dsp:nvSpPr>
+        <dsp:cNvPr id="0" name=""/>
+        <dsp:cNvSpPr/>
+      </dsp:nvSpPr>
+      <dsp:spPr>
+        <a:xfrm>
+          <a:off x="0" y="1895600"/>
+          <a:ext cx="8064896" cy="849420"/>
+        </a:xfrm>
+        <a:prstGeom prst="roundRect">
+          <a:avLst/>
+        </a:prstGeom>
+        <a:solidFill>
+          <a:schemeClr val="accent1">
+            <a:hueOff val="0"/>
+            <a:satOff val="0"/>
+            <a:lumOff val="0"/>
+            <a:alphaOff val="0"/>
+          </a:schemeClr>
+        </a:solidFill>
+        <a:ln w="25400" cap="flat" cmpd="sng" algn="ctr">
+          <a:solidFill>
+            <a:schemeClr val="lt1">
+              <a:hueOff val="0"/>
+              <a:satOff val="0"/>
+              <a:lumOff val="0"/>
+              <a:alphaOff val="0"/>
+            </a:schemeClr>
+          </a:solidFill>
+          <a:prstDash val="solid"/>
+        </a:ln>
+        <a:effectLst/>
+      </dsp:spPr>
+      <dsp:style>
+        <a:lnRef idx="2">
+          <a:scrgbClr r="0" g="0" b="0"/>
+        </a:lnRef>
+        <a:fillRef idx="1">
+          <a:scrgbClr r="0" g="0" b="0"/>
+        </a:fillRef>
+        <a:effectRef idx="0">
+          <a:scrgbClr r="0" g="0" b="0"/>
+        </a:effectRef>
+        <a:fontRef idx="minor">
+          <a:schemeClr val="lt1"/>
+        </a:fontRef>
+      </dsp:style>
+      <dsp:txBody>
+        <a:bodyPr spcFirstLastPara="0" vert="horz" wrap="square" lIns="125730" tIns="125730" rIns="125730" bIns="125730" numCol="1" spcCol="1270" anchor="ctr" anchorCtr="0">
+          <a:noAutofit/>
+        </a:bodyPr>
+        <a:lstStyle/>
+        <a:p>
+          <a:pPr marL="0" lvl="0" indent="0" algn="l" defTabSz="1466850">
+            <a:lnSpc>
+              <a:spcPct val="90000"/>
+            </a:lnSpc>
+            <a:spcBef>
+              <a:spcPct val="0"/>
+            </a:spcBef>
+            <a:spcAft>
+              <a:spcPct val="35000"/>
+            </a:spcAft>
+            <a:buNone/>
+          </a:pPr>
+          <a:r>
+            <a:rPr lang="en-US" sz="3300" kern="1200"/>
+            <a:t>Adapter</a:t>
+          </a:r>
+        </a:p>
+      </dsp:txBody>
+      <dsp:txXfrm>
+        <a:off x="41465" y="1937065"/>
+        <a:ext cx="7981966" cy="766490"/>
+      </dsp:txXfrm>
+    </dsp:sp>
+  </dsp:spTree>
+</dsp:drawing>
+</file>
+
+<file path=ppt/diagrams/drawing3.xml><?xml version="1.0" encoding="utf-8"?>
+<dsp:drawing xmlns:dgm="http://schemas.openxmlformats.org/drawingml/2006/diagram" xmlns:dsp="http://schemas.microsoft.com/office/drawing/2008/diagram" xmlns:a="http://schemas.openxmlformats.org/drawingml/2006/main">
+  <dsp:spTree>
+    <dsp:nvGrpSpPr>
+      <dsp:cNvPr id="0" name=""/>
+      <dsp:cNvGrpSpPr/>
+    </dsp:nvGrpSpPr>
+    <dsp:grpSpPr/>
+    <dsp:sp modelId="{9C7B1197-804F-4EC6-AF28-3EAF890A1086}">
+      <dsp:nvSpPr>
+        <dsp:cNvPr id="0" name=""/>
+        <dsp:cNvSpPr/>
+      </dsp:nvSpPr>
+      <dsp:spPr>
+        <a:xfrm>
+          <a:off x="0" y="78142"/>
+          <a:ext cx="4772437" cy="1518659"/>
+        </a:xfrm>
+        <a:prstGeom prst="roundRect">
+          <a:avLst/>
+        </a:prstGeom>
+        <a:solidFill>
+          <a:schemeClr val="accent1">
+            <a:hueOff val="0"/>
+            <a:satOff val="0"/>
+            <a:lumOff val="0"/>
+            <a:alphaOff val="0"/>
+          </a:schemeClr>
+        </a:solidFill>
+        <a:ln w="25400" cap="flat" cmpd="sng" algn="ctr">
+          <a:solidFill>
+            <a:schemeClr val="lt1">
+              <a:hueOff val="0"/>
+              <a:satOff val="0"/>
+              <a:lumOff val="0"/>
+              <a:alphaOff val="0"/>
+            </a:schemeClr>
+          </a:solidFill>
+          <a:prstDash val="solid"/>
+        </a:ln>
+        <a:effectLst/>
+      </dsp:spPr>
+      <dsp:style>
+        <a:lnRef idx="2">
+          <a:scrgbClr r="0" g="0" b="0"/>
+        </a:lnRef>
+        <a:fillRef idx="1">
+          <a:scrgbClr r="0" g="0" b="0"/>
+        </a:fillRef>
+        <a:effectRef idx="0">
+          <a:scrgbClr r="0" g="0" b="0"/>
+        </a:effectRef>
+        <a:fontRef idx="minor">
+          <a:schemeClr val="lt1"/>
+        </a:fontRef>
+      </dsp:style>
+      <dsp:txBody>
+        <a:bodyPr spcFirstLastPara="0" vert="horz" wrap="square" lIns="224790" tIns="224790" rIns="224790" bIns="224790" numCol="1" spcCol="1270" anchor="ctr" anchorCtr="0">
+          <a:noAutofit/>
+        </a:bodyPr>
+        <a:lstStyle/>
+        <a:p>
+          <a:pPr marL="0" lvl="0" indent="0" algn="l" defTabSz="2622550">
+            <a:lnSpc>
+              <a:spcPct val="90000"/>
+            </a:lnSpc>
+            <a:spcBef>
+              <a:spcPct val="0"/>
+            </a:spcBef>
+            <a:spcAft>
+              <a:spcPct val="35000"/>
+            </a:spcAft>
+            <a:buNone/>
+          </a:pPr>
+          <a:r>
+            <a:rPr lang="en-US" sz="5900" kern="1200" dirty="0"/>
+            <a:t>Facade</a:t>
+          </a:r>
+        </a:p>
+      </dsp:txBody>
+      <dsp:txXfrm>
+        <a:off x="74135" y="152277"/>
+        <a:ext cx="4624167" cy="1370389"/>
+      </dsp:txXfrm>
+    </dsp:sp>
+    <dsp:sp modelId="{EEC37688-3E94-4F0E-9090-A468194DFFC5}">
+      <dsp:nvSpPr>
+        <dsp:cNvPr id="0" name=""/>
+        <dsp:cNvSpPr/>
+      </dsp:nvSpPr>
+      <dsp:spPr>
+        <a:xfrm>
+          <a:off x="0" y="1766722"/>
+          <a:ext cx="4772437" cy="1518659"/>
+        </a:xfrm>
+        <a:prstGeom prst="roundRect">
+          <a:avLst/>
+        </a:prstGeom>
+        <a:solidFill>
+          <a:schemeClr val="accent1">
+            <a:hueOff val="0"/>
+            <a:satOff val="0"/>
+            <a:lumOff val="0"/>
+            <a:alphaOff val="0"/>
+          </a:schemeClr>
+        </a:solidFill>
+        <a:ln w="25400" cap="flat" cmpd="sng" algn="ctr">
+          <a:solidFill>
+            <a:schemeClr val="lt1">
+              <a:hueOff val="0"/>
+              <a:satOff val="0"/>
+              <a:lumOff val="0"/>
+              <a:alphaOff val="0"/>
+            </a:schemeClr>
+          </a:solidFill>
+          <a:prstDash val="solid"/>
+        </a:ln>
+        <a:effectLst/>
+      </dsp:spPr>
+      <dsp:style>
+        <a:lnRef idx="2">
+          <a:scrgbClr r="0" g="0" b="0"/>
+        </a:lnRef>
+        <a:fillRef idx="1">
+          <a:scrgbClr r="0" g="0" b="0"/>
+        </a:fillRef>
+        <a:effectRef idx="0">
+          <a:scrgbClr r="0" g="0" b="0"/>
+        </a:effectRef>
+        <a:fontRef idx="minor">
+          <a:schemeClr val="lt1"/>
+        </a:fontRef>
+      </dsp:style>
+      <dsp:txBody>
+        <a:bodyPr spcFirstLastPara="0" vert="horz" wrap="square" lIns="224790" tIns="224790" rIns="224790" bIns="224790" numCol="1" spcCol="1270" anchor="ctr" anchorCtr="0">
+          <a:noAutofit/>
+        </a:bodyPr>
+        <a:lstStyle/>
+        <a:p>
+          <a:pPr marL="0" lvl="0" indent="0" algn="l" defTabSz="2622550">
+            <a:lnSpc>
+              <a:spcPct val="90000"/>
+            </a:lnSpc>
+            <a:spcBef>
+              <a:spcPct val="0"/>
+            </a:spcBef>
+            <a:spcAft>
+              <a:spcPct val="35000"/>
+            </a:spcAft>
+            <a:buNone/>
+          </a:pPr>
+          <a:r>
+            <a:rPr lang="en-US" sz="5900" kern="1200" dirty="0"/>
+            <a:t>Sub System</a:t>
+          </a:r>
+        </a:p>
+      </dsp:txBody>
+      <dsp:txXfrm>
+        <a:off x="74135" y="1840857"/>
+        <a:ext cx="4624167" cy="1370389"/>
       </dsp:txXfrm>
     </dsp:sp>
   </dsp:spTree>
@@ -3319,7 +5878,2409 @@
 </dgm:layoutDef>
 </file>
 
+<file path=ppt/diagrams/layout2.xml><?xml version="1.0" encoding="utf-8"?>
+<dgm:layoutDef xmlns:dgm="http://schemas.openxmlformats.org/drawingml/2006/diagram" xmlns:a="http://schemas.openxmlformats.org/drawingml/2006/main" uniqueId="urn:microsoft.com/office/officeart/2005/8/layout/vList2">
+  <dgm:title val=""/>
+  <dgm:desc val=""/>
+  <dgm:catLst>
+    <dgm:cat type="list" pri="3000"/>
+    <dgm:cat type="convert" pri="1000"/>
+  </dgm:catLst>
+  <dgm:sampData>
+    <dgm:dataModel>
+      <dgm:ptLst>
+        <dgm:pt modelId="0" type="doc"/>
+        <dgm:pt modelId="1">
+          <dgm:prSet phldr="1"/>
+        </dgm:pt>
+        <dgm:pt modelId="11">
+          <dgm:prSet phldr="1"/>
+        </dgm:pt>
+        <dgm:pt modelId="2">
+          <dgm:prSet phldr="1"/>
+        </dgm:pt>
+        <dgm:pt modelId="21">
+          <dgm:prSet phldr="1"/>
+        </dgm:pt>
+      </dgm:ptLst>
+      <dgm:cxnLst>
+        <dgm:cxn modelId="4" srcId="0" destId="1" srcOrd="0" destOrd="0"/>
+        <dgm:cxn modelId="5" srcId="0" destId="2" srcOrd="1" destOrd="0"/>
+        <dgm:cxn modelId="12" srcId="1" destId="11" srcOrd="0" destOrd="0"/>
+        <dgm:cxn modelId="23" srcId="2" destId="21" srcOrd="0" destOrd="0"/>
+      </dgm:cxnLst>
+      <dgm:bg/>
+      <dgm:whole/>
+    </dgm:dataModel>
+  </dgm:sampData>
+  <dgm:styleData>
+    <dgm:dataModel>
+      <dgm:ptLst>
+        <dgm:pt modelId="0" type="doc"/>
+        <dgm:pt modelId="1"/>
+        <dgm:pt modelId="2"/>
+      </dgm:ptLst>
+      <dgm:cxnLst>
+        <dgm:cxn modelId="3" srcId="0" destId="1" srcOrd="0" destOrd="0"/>
+        <dgm:cxn modelId="4" srcId="0" destId="2" srcOrd="1" destOrd="0"/>
+      </dgm:cxnLst>
+      <dgm:bg/>
+      <dgm:whole/>
+    </dgm:dataModel>
+  </dgm:styleData>
+  <dgm:clrData>
+    <dgm:dataModel>
+      <dgm:ptLst>
+        <dgm:pt modelId="0" type="doc"/>
+        <dgm:pt modelId="1"/>
+        <dgm:pt modelId="2"/>
+        <dgm:pt modelId="3"/>
+        <dgm:pt modelId="4"/>
+      </dgm:ptLst>
+      <dgm:cxnLst>
+        <dgm:cxn modelId="5" srcId="0" destId="1" srcOrd="0" destOrd="0"/>
+        <dgm:cxn modelId="6" srcId="0" destId="2" srcOrd="1" destOrd="0"/>
+        <dgm:cxn modelId="7" srcId="0" destId="3" srcOrd="2" destOrd="0"/>
+        <dgm:cxn modelId="8" srcId="0" destId="4" srcOrd="3" destOrd="0"/>
+      </dgm:cxnLst>
+      <dgm:bg/>
+      <dgm:whole/>
+    </dgm:dataModel>
+  </dgm:clrData>
+  <dgm:layoutNode name="linear">
+    <dgm:varLst>
+      <dgm:animLvl val="lvl"/>
+      <dgm:resizeHandles val="exact"/>
+    </dgm:varLst>
+    <dgm:alg type="lin">
+      <dgm:param type="linDir" val="fromT"/>
+      <dgm:param type="vertAlign" val="mid"/>
+    </dgm:alg>
+    <dgm:shape xmlns:r="http://schemas.openxmlformats.org/officeDocument/2006/relationships" r:blip="">
+      <dgm:adjLst/>
+    </dgm:shape>
+    <dgm:presOf/>
+    <dgm:constrLst>
+      <dgm:constr type="w" for="ch" forName="parentText" refType="w"/>
+      <dgm:constr type="h" for="ch" forName="parentText" refType="primFontSz" refFor="ch" refForName="parentText" fact="0.52"/>
+      <dgm:constr type="w" for="ch" forName="childText" refType="w"/>
+      <dgm:constr type="h" for="ch" forName="childText" refType="primFontSz" refFor="ch" refForName="parentText" fact="0.46"/>
+      <dgm:constr type="h" for="ch" forName="parentText" op="equ"/>
+      <dgm:constr type="primFontSz" for="ch" forName="parentText" op="equ" val="65"/>
+      <dgm:constr type="primFontSz" for="ch" forName="childText" refType="primFontSz" refFor="ch" refForName="parentText" op="equ"/>
+      <dgm:constr type="h" for="ch" forName="spacer" refType="primFontSz" refFor="ch" refForName="parentText" fact="0.08"/>
+    </dgm:constrLst>
+    <dgm:ruleLst>
+      <dgm:rule type="primFontSz" for="ch" forName="parentText" val="5" fact="NaN" max="NaN"/>
+    </dgm:ruleLst>
+    <dgm:forEach name="Name0" axis="ch" ptType="node">
+      <dgm:layoutNode name="parentText" styleLbl="node1">
+        <dgm:varLst>
+          <dgm:chMax val="0"/>
+          <dgm:bulletEnabled val="1"/>
+        </dgm:varLst>
+        <dgm:alg type="tx">
+          <dgm:param type="parTxLTRAlign" val="l"/>
+          <dgm:param type="parTxRTLAlign" val="r"/>
+        </dgm:alg>
+        <dgm:shape xmlns:r="http://schemas.openxmlformats.org/officeDocument/2006/relationships" type="roundRect" r:blip="">
+          <dgm:adjLst/>
+        </dgm:shape>
+        <dgm:presOf axis="self"/>
+        <dgm:constrLst>
+          <dgm:constr type="tMarg" refType="primFontSz" fact="0.3"/>
+          <dgm:constr type="bMarg" refType="primFontSz" fact="0.3"/>
+          <dgm:constr type="lMarg" refType="primFontSz" fact="0.3"/>
+          <dgm:constr type="rMarg" refType="primFontSz" fact="0.3"/>
+        </dgm:constrLst>
+        <dgm:ruleLst>
+          <dgm:rule type="h" val="INF" fact="NaN" max="NaN"/>
+        </dgm:ruleLst>
+      </dgm:layoutNode>
+      <dgm:choose name="Name1">
+        <dgm:if name="Name2" axis="ch" ptType="node" func="cnt" op="gte" val="1">
+          <dgm:layoutNode name="childText" styleLbl="revTx">
+            <dgm:varLst>
+              <dgm:bulletEnabled val="1"/>
+            </dgm:varLst>
+            <dgm:alg type="tx">
+              <dgm:param type="stBulletLvl" val="1"/>
+              <dgm:param type="lnSpAfChP" val="20"/>
+            </dgm:alg>
+            <dgm:shape xmlns:r="http://schemas.openxmlformats.org/officeDocument/2006/relationships" type="rect" r:blip="">
+              <dgm:adjLst/>
+            </dgm:shape>
+            <dgm:presOf axis="des" ptType="node"/>
+            <dgm:constrLst>
+              <dgm:constr type="tMarg" refType="primFontSz" fact="0.1"/>
+              <dgm:constr type="bMarg" refType="primFontSz" fact="0.1"/>
+              <dgm:constr type="lMarg" refType="w" fact="0.09"/>
+            </dgm:constrLst>
+            <dgm:ruleLst>
+              <dgm:rule type="h" val="INF" fact="NaN" max="NaN"/>
+            </dgm:ruleLst>
+          </dgm:layoutNode>
+        </dgm:if>
+        <dgm:else name="Name3">
+          <dgm:choose name="Name4">
+            <dgm:if name="Name5" axis="par ch" ptType="doc node" func="cnt" op="gte" val="2">
+              <dgm:forEach name="Name6" axis="followSib" ptType="sibTrans" cnt="1">
+                <dgm:layoutNode name="spacer">
+                  <dgm:alg type="sp"/>
+                  <dgm:shape xmlns:r="http://schemas.openxmlformats.org/officeDocument/2006/relationships" r:blip="">
+                    <dgm:adjLst/>
+                  </dgm:shape>
+                  <dgm:presOf/>
+                  <dgm:constrLst/>
+                  <dgm:ruleLst/>
+                </dgm:layoutNode>
+              </dgm:forEach>
+            </dgm:if>
+            <dgm:else name="Name7"/>
+          </dgm:choose>
+        </dgm:else>
+      </dgm:choose>
+    </dgm:forEach>
+  </dgm:layoutNode>
+</dgm:layoutDef>
+</file>
+
+<file path=ppt/diagrams/layout3.xml><?xml version="1.0" encoding="utf-8"?>
+<dgm:layoutDef xmlns:dgm="http://schemas.openxmlformats.org/drawingml/2006/diagram" xmlns:a="http://schemas.openxmlformats.org/drawingml/2006/main" uniqueId="urn:microsoft.com/office/officeart/2005/8/layout/vList2">
+  <dgm:title val=""/>
+  <dgm:desc val=""/>
+  <dgm:catLst>
+    <dgm:cat type="list" pri="3000"/>
+    <dgm:cat type="convert" pri="1000"/>
+  </dgm:catLst>
+  <dgm:sampData>
+    <dgm:dataModel>
+      <dgm:ptLst>
+        <dgm:pt modelId="0" type="doc"/>
+        <dgm:pt modelId="1">
+          <dgm:prSet phldr="1"/>
+        </dgm:pt>
+        <dgm:pt modelId="11">
+          <dgm:prSet phldr="1"/>
+        </dgm:pt>
+        <dgm:pt modelId="2">
+          <dgm:prSet phldr="1"/>
+        </dgm:pt>
+        <dgm:pt modelId="21">
+          <dgm:prSet phldr="1"/>
+        </dgm:pt>
+      </dgm:ptLst>
+      <dgm:cxnLst>
+        <dgm:cxn modelId="4" srcId="0" destId="1" srcOrd="0" destOrd="0"/>
+        <dgm:cxn modelId="5" srcId="0" destId="2" srcOrd="1" destOrd="0"/>
+        <dgm:cxn modelId="12" srcId="1" destId="11" srcOrd="0" destOrd="0"/>
+        <dgm:cxn modelId="23" srcId="2" destId="21" srcOrd="0" destOrd="0"/>
+      </dgm:cxnLst>
+      <dgm:bg/>
+      <dgm:whole/>
+    </dgm:dataModel>
+  </dgm:sampData>
+  <dgm:styleData>
+    <dgm:dataModel>
+      <dgm:ptLst>
+        <dgm:pt modelId="0" type="doc"/>
+        <dgm:pt modelId="1"/>
+        <dgm:pt modelId="2"/>
+      </dgm:ptLst>
+      <dgm:cxnLst>
+        <dgm:cxn modelId="3" srcId="0" destId="1" srcOrd="0" destOrd="0"/>
+        <dgm:cxn modelId="4" srcId="0" destId="2" srcOrd="1" destOrd="0"/>
+      </dgm:cxnLst>
+      <dgm:bg/>
+      <dgm:whole/>
+    </dgm:dataModel>
+  </dgm:styleData>
+  <dgm:clrData>
+    <dgm:dataModel>
+      <dgm:ptLst>
+        <dgm:pt modelId="0" type="doc"/>
+        <dgm:pt modelId="1"/>
+        <dgm:pt modelId="2"/>
+        <dgm:pt modelId="3"/>
+        <dgm:pt modelId="4"/>
+      </dgm:ptLst>
+      <dgm:cxnLst>
+        <dgm:cxn modelId="5" srcId="0" destId="1" srcOrd="0" destOrd="0"/>
+        <dgm:cxn modelId="6" srcId="0" destId="2" srcOrd="1" destOrd="0"/>
+        <dgm:cxn modelId="7" srcId="0" destId="3" srcOrd="2" destOrd="0"/>
+        <dgm:cxn modelId="8" srcId="0" destId="4" srcOrd="3" destOrd="0"/>
+      </dgm:cxnLst>
+      <dgm:bg/>
+      <dgm:whole/>
+    </dgm:dataModel>
+  </dgm:clrData>
+  <dgm:layoutNode name="linear">
+    <dgm:varLst>
+      <dgm:animLvl val="lvl"/>
+      <dgm:resizeHandles val="exact"/>
+    </dgm:varLst>
+    <dgm:alg type="lin">
+      <dgm:param type="linDir" val="fromT"/>
+      <dgm:param type="vertAlign" val="mid"/>
+    </dgm:alg>
+    <dgm:shape xmlns:r="http://schemas.openxmlformats.org/officeDocument/2006/relationships" r:blip="">
+      <dgm:adjLst/>
+    </dgm:shape>
+    <dgm:presOf/>
+    <dgm:constrLst>
+      <dgm:constr type="w" for="ch" forName="parentText" refType="w"/>
+      <dgm:constr type="h" for="ch" forName="parentText" refType="primFontSz" refFor="ch" refForName="parentText" fact="0.52"/>
+      <dgm:constr type="w" for="ch" forName="childText" refType="w"/>
+      <dgm:constr type="h" for="ch" forName="childText" refType="primFontSz" refFor="ch" refForName="parentText" fact="0.46"/>
+      <dgm:constr type="h" for="ch" forName="parentText" op="equ"/>
+      <dgm:constr type="primFontSz" for="ch" forName="parentText" op="equ" val="65"/>
+      <dgm:constr type="primFontSz" for="ch" forName="childText" refType="primFontSz" refFor="ch" refForName="parentText" op="equ"/>
+      <dgm:constr type="h" for="ch" forName="spacer" refType="primFontSz" refFor="ch" refForName="parentText" fact="0.08"/>
+    </dgm:constrLst>
+    <dgm:ruleLst>
+      <dgm:rule type="primFontSz" for="ch" forName="parentText" val="5" fact="NaN" max="NaN"/>
+    </dgm:ruleLst>
+    <dgm:forEach name="Name0" axis="ch" ptType="node">
+      <dgm:layoutNode name="parentText" styleLbl="node1">
+        <dgm:varLst>
+          <dgm:chMax val="0"/>
+          <dgm:bulletEnabled val="1"/>
+        </dgm:varLst>
+        <dgm:alg type="tx">
+          <dgm:param type="parTxLTRAlign" val="l"/>
+          <dgm:param type="parTxRTLAlign" val="r"/>
+        </dgm:alg>
+        <dgm:shape xmlns:r="http://schemas.openxmlformats.org/officeDocument/2006/relationships" type="roundRect" r:blip="">
+          <dgm:adjLst/>
+        </dgm:shape>
+        <dgm:presOf axis="self"/>
+        <dgm:constrLst>
+          <dgm:constr type="tMarg" refType="primFontSz" fact="0.3"/>
+          <dgm:constr type="bMarg" refType="primFontSz" fact="0.3"/>
+          <dgm:constr type="lMarg" refType="primFontSz" fact="0.3"/>
+          <dgm:constr type="rMarg" refType="primFontSz" fact="0.3"/>
+        </dgm:constrLst>
+        <dgm:ruleLst>
+          <dgm:rule type="h" val="INF" fact="NaN" max="NaN"/>
+        </dgm:ruleLst>
+      </dgm:layoutNode>
+      <dgm:choose name="Name1">
+        <dgm:if name="Name2" axis="ch" ptType="node" func="cnt" op="gte" val="1">
+          <dgm:layoutNode name="childText" styleLbl="revTx">
+            <dgm:varLst>
+              <dgm:bulletEnabled val="1"/>
+            </dgm:varLst>
+            <dgm:alg type="tx">
+              <dgm:param type="stBulletLvl" val="1"/>
+              <dgm:param type="lnSpAfChP" val="20"/>
+            </dgm:alg>
+            <dgm:shape xmlns:r="http://schemas.openxmlformats.org/officeDocument/2006/relationships" type="rect" r:blip="">
+              <dgm:adjLst/>
+            </dgm:shape>
+            <dgm:presOf axis="des" ptType="node"/>
+            <dgm:constrLst>
+              <dgm:constr type="tMarg" refType="primFontSz" fact="0.1"/>
+              <dgm:constr type="bMarg" refType="primFontSz" fact="0.1"/>
+              <dgm:constr type="lMarg" refType="w" fact="0.09"/>
+            </dgm:constrLst>
+            <dgm:ruleLst>
+              <dgm:rule type="h" val="INF" fact="NaN" max="NaN"/>
+            </dgm:ruleLst>
+          </dgm:layoutNode>
+        </dgm:if>
+        <dgm:else name="Name3">
+          <dgm:choose name="Name4">
+            <dgm:if name="Name5" axis="par ch" ptType="doc node" func="cnt" op="gte" val="2">
+              <dgm:forEach name="Name6" axis="followSib" ptType="sibTrans" cnt="1">
+                <dgm:layoutNode name="spacer">
+                  <dgm:alg type="sp"/>
+                  <dgm:shape xmlns:r="http://schemas.openxmlformats.org/officeDocument/2006/relationships" r:blip="">
+                    <dgm:adjLst/>
+                  </dgm:shape>
+                  <dgm:presOf/>
+                  <dgm:constrLst/>
+                  <dgm:ruleLst/>
+                </dgm:layoutNode>
+              </dgm:forEach>
+            </dgm:if>
+            <dgm:else name="Name7"/>
+          </dgm:choose>
+        </dgm:else>
+      </dgm:choose>
+    </dgm:forEach>
+  </dgm:layoutNode>
+</dgm:layoutDef>
+</file>
+
 <file path=ppt/diagrams/quickStyle1.xml><?xml version="1.0" encoding="utf-8"?>
+<dgm:styleDef xmlns:dgm="http://schemas.openxmlformats.org/drawingml/2006/diagram" xmlns:a="http://schemas.openxmlformats.org/drawingml/2006/main" uniqueId="urn:microsoft.com/office/officeart/2005/8/quickstyle/simple1">
+  <dgm:title val=""/>
+  <dgm:desc val=""/>
+  <dgm:catLst>
+    <dgm:cat type="simple" pri="10100"/>
+  </dgm:catLst>
+  <dgm:scene3d>
+    <a:camera prst="orthographicFront"/>
+    <a:lightRig rig="threePt" dir="t"/>
+  </dgm:scene3d>
+  <dgm:styleLbl name="node0">
+    <dgm:scene3d>
+      <a:camera prst="orthographicFront"/>
+      <a:lightRig rig="threePt" dir="t"/>
+    </dgm:scene3d>
+    <dgm:sp3d/>
+    <dgm:txPr/>
+    <dgm:style>
+      <a:lnRef idx="2">
+        <a:scrgbClr r="0" g="0" b="0"/>
+      </a:lnRef>
+      <a:fillRef idx="1">
+        <a:scrgbClr r="0" g="0" b="0"/>
+      </a:fillRef>
+      <a:effectRef idx="0">
+        <a:scrgbClr r="0" g="0" b="0"/>
+      </a:effectRef>
+      <a:fontRef idx="minor">
+        <a:schemeClr val="lt1"/>
+      </a:fontRef>
+    </dgm:style>
+  </dgm:styleLbl>
+  <dgm:styleLbl name="lnNode1">
+    <dgm:scene3d>
+      <a:camera prst="orthographicFront"/>
+      <a:lightRig rig="threePt" dir="t"/>
+    </dgm:scene3d>
+    <dgm:sp3d/>
+    <dgm:txPr/>
+    <dgm:style>
+      <a:lnRef idx="2">
+        <a:scrgbClr r="0" g="0" b="0"/>
+      </a:lnRef>
+      <a:fillRef idx="1">
+        <a:scrgbClr r="0" g="0" b="0"/>
+      </a:fillRef>
+      <a:effectRef idx="0">
+        <a:scrgbClr r="0" g="0" b="0"/>
+      </a:effectRef>
+      <a:fontRef idx="minor">
+        <a:schemeClr val="lt1"/>
+      </a:fontRef>
+    </dgm:style>
+  </dgm:styleLbl>
+  <dgm:styleLbl name="vennNode1">
+    <dgm:scene3d>
+      <a:camera prst="orthographicFront"/>
+      <a:lightRig rig="threePt" dir="t"/>
+    </dgm:scene3d>
+    <dgm:sp3d/>
+    <dgm:txPr/>
+    <dgm:style>
+      <a:lnRef idx="2">
+        <a:scrgbClr r="0" g="0" b="0"/>
+      </a:lnRef>
+      <a:fillRef idx="1">
+        <a:scrgbClr r="0" g="0" b="0"/>
+      </a:fillRef>
+      <a:effectRef idx="0">
+        <a:scrgbClr r="0" g="0" b="0"/>
+      </a:effectRef>
+      <a:fontRef idx="minor">
+        <a:schemeClr val="tx1"/>
+      </a:fontRef>
+    </dgm:style>
+  </dgm:styleLbl>
+  <dgm:styleLbl name="alignNode1">
+    <dgm:scene3d>
+      <a:camera prst="orthographicFront"/>
+      <a:lightRig rig="threePt" dir="t"/>
+    </dgm:scene3d>
+    <dgm:sp3d/>
+    <dgm:txPr/>
+    <dgm:style>
+      <a:lnRef idx="2">
+        <a:scrgbClr r="0" g="0" b="0"/>
+      </a:lnRef>
+      <a:fillRef idx="1">
+        <a:scrgbClr r="0" g="0" b="0"/>
+      </a:fillRef>
+      <a:effectRef idx="0">
+        <a:scrgbClr r="0" g="0" b="0"/>
+      </a:effectRef>
+      <a:fontRef idx="minor">
+        <a:schemeClr val="lt1"/>
+      </a:fontRef>
+    </dgm:style>
+  </dgm:styleLbl>
+  <dgm:styleLbl name="node1">
+    <dgm:scene3d>
+      <a:camera prst="orthographicFront"/>
+      <a:lightRig rig="threePt" dir="t"/>
+    </dgm:scene3d>
+    <dgm:sp3d/>
+    <dgm:txPr/>
+    <dgm:style>
+      <a:lnRef idx="2">
+        <a:scrgbClr r="0" g="0" b="0"/>
+      </a:lnRef>
+      <a:fillRef idx="1">
+        <a:scrgbClr r="0" g="0" b="0"/>
+      </a:fillRef>
+      <a:effectRef idx="0">
+        <a:scrgbClr r="0" g="0" b="0"/>
+      </a:effectRef>
+      <a:fontRef idx="minor">
+        <a:schemeClr val="lt1"/>
+      </a:fontRef>
+    </dgm:style>
+  </dgm:styleLbl>
+  <dgm:styleLbl name="node2">
+    <dgm:scene3d>
+      <a:camera prst="orthographicFront"/>
+      <a:lightRig rig="threePt" dir="t"/>
+    </dgm:scene3d>
+    <dgm:sp3d/>
+    <dgm:txPr/>
+    <dgm:style>
+      <a:lnRef idx="2">
+        <a:scrgbClr r="0" g="0" b="0"/>
+      </a:lnRef>
+      <a:fillRef idx="1">
+        <a:scrgbClr r="0" g="0" b="0"/>
+      </a:fillRef>
+      <a:effectRef idx="0">
+        <a:scrgbClr r="0" g="0" b="0"/>
+      </a:effectRef>
+      <a:fontRef idx="minor">
+        <a:schemeClr val="lt1"/>
+      </a:fontRef>
+    </dgm:style>
+  </dgm:styleLbl>
+  <dgm:styleLbl name="node3">
+    <dgm:scene3d>
+      <a:camera prst="orthographicFront"/>
+      <a:lightRig rig="threePt" dir="t"/>
+    </dgm:scene3d>
+    <dgm:sp3d/>
+    <dgm:txPr/>
+    <dgm:style>
+      <a:lnRef idx="2">
+        <a:scrgbClr r="0" g="0" b="0"/>
+      </a:lnRef>
+      <a:fillRef idx="1">
+        <a:scrgbClr r="0" g="0" b="0"/>
+      </a:fillRef>
+      <a:effectRef idx="0">
+        <a:scrgbClr r="0" g="0" b="0"/>
+      </a:effectRef>
+      <a:fontRef idx="minor">
+        <a:schemeClr val="lt1"/>
+      </a:fontRef>
+    </dgm:style>
+  </dgm:styleLbl>
+  <dgm:styleLbl name="node4">
+    <dgm:scene3d>
+      <a:camera prst="orthographicFront"/>
+      <a:lightRig rig="threePt" dir="t"/>
+    </dgm:scene3d>
+    <dgm:sp3d/>
+    <dgm:txPr/>
+    <dgm:style>
+      <a:lnRef idx="2">
+        <a:scrgbClr r="0" g="0" b="0"/>
+      </a:lnRef>
+      <a:fillRef idx="1">
+        <a:scrgbClr r="0" g="0" b="0"/>
+      </a:fillRef>
+      <a:effectRef idx="0">
+        <a:scrgbClr r="0" g="0" b="0"/>
+      </a:effectRef>
+      <a:fontRef idx="minor">
+        <a:schemeClr val="lt1"/>
+      </a:fontRef>
+    </dgm:style>
+  </dgm:styleLbl>
+  <dgm:styleLbl name="fgImgPlace1">
+    <dgm:scene3d>
+      <a:camera prst="orthographicFront"/>
+      <a:lightRig rig="threePt" dir="t"/>
+    </dgm:scene3d>
+    <dgm:sp3d/>
+    <dgm:txPr/>
+    <dgm:style>
+      <a:lnRef idx="2">
+        <a:scrgbClr r="0" g="0" b="0"/>
+      </a:lnRef>
+      <a:fillRef idx="1">
+        <a:scrgbClr r="0" g="0" b="0"/>
+      </a:fillRef>
+      <a:effectRef idx="0">
+        <a:scrgbClr r="0" g="0" b="0"/>
+      </a:effectRef>
+      <a:fontRef idx="minor"/>
+    </dgm:style>
+  </dgm:styleLbl>
+  <dgm:styleLbl name="alignImgPlace1">
+    <dgm:scene3d>
+      <a:camera prst="orthographicFront"/>
+      <a:lightRig rig="threePt" dir="t"/>
+    </dgm:scene3d>
+    <dgm:sp3d/>
+    <dgm:txPr/>
+    <dgm:style>
+      <a:lnRef idx="2">
+        <a:scrgbClr r="0" g="0" b="0"/>
+      </a:lnRef>
+      <a:fillRef idx="1">
+        <a:scrgbClr r="0" g="0" b="0"/>
+      </a:fillRef>
+      <a:effectRef idx="0">
+        <a:scrgbClr r="0" g="0" b="0"/>
+      </a:effectRef>
+      <a:fontRef idx="minor"/>
+    </dgm:style>
+  </dgm:styleLbl>
+  <dgm:styleLbl name="bgImgPlace1">
+    <dgm:scene3d>
+      <a:camera prst="orthographicFront"/>
+      <a:lightRig rig="threePt" dir="t"/>
+    </dgm:scene3d>
+    <dgm:sp3d/>
+    <dgm:txPr/>
+    <dgm:style>
+      <a:lnRef idx="2">
+        <a:scrgbClr r="0" g="0" b="0"/>
+      </a:lnRef>
+      <a:fillRef idx="1">
+        <a:scrgbClr r="0" g="0" b="0"/>
+      </a:fillRef>
+      <a:effectRef idx="0">
+        <a:scrgbClr r="0" g="0" b="0"/>
+      </a:effectRef>
+      <a:fontRef idx="minor"/>
+    </dgm:style>
+  </dgm:styleLbl>
+  <dgm:styleLbl name="sibTrans2D1">
+    <dgm:scene3d>
+      <a:camera prst="orthographicFront"/>
+      <a:lightRig rig="threePt" dir="t"/>
+    </dgm:scene3d>
+    <dgm:sp3d/>
+    <dgm:txPr/>
+    <dgm:style>
+      <a:lnRef idx="0">
+        <a:scrgbClr r="0" g="0" b="0"/>
+      </a:lnRef>
+      <a:fillRef idx="1">
+        <a:scrgbClr r="0" g="0" b="0"/>
+      </a:fillRef>
+      <a:effectRef idx="0">
+        <a:scrgbClr r="0" g="0" b="0"/>
+      </a:effectRef>
+      <a:fontRef idx="minor">
+        <a:schemeClr val="lt1"/>
+      </a:fontRef>
+    </dgm:style>
+  </dgm:styleLbl>
+  <dgm:styleLbl name="fgSibTrans2D1">
+    <dgm:scene3d>
+      <a:camera prst="orthographicFront"/>
+      <a:lightRig rig="threePt" dir="t"/>
+    </dgm:scene3d>
+    <dgm:sp3d/>
+    <dgm:txPr/>
+    <dgm:style>
+      <a:lnRef idx="0">
+        <a:scrgbClr r="0" g="0" b="0"/>
+      </a:lnRef>
+      <a:fillRef idx="1">
+        <a:scrgbClr r="0" g="0" b="0"/>
+      </a:fillRef>
+      <a:effectRef idx="0">
+        <a:scrgbClr r="0" g="0" b="0"/>
+      </a:effectRef>
+      <a:fontRef idx="minor">
+        <a:schemeClr val="lt1"/>
+      </a:fontRef>
+    </dgm:style>
+  </dgm:styleLbl>
+  <dgm:styleLbl name="bgSibTrans2D1">
+    <dgm:scene3d>
+      <a:camera prst="orthographicFront"/>
+      <a:lightRig rig="threePt" dir="t"/>
+    </dgm:scene3d>
+    <dgm:sp3d/>
+    <dgm:txPr/>
+    <dgm:style>
+      <a:lnRef idx="0">
+        <a:scrgbClr r="0" g="0" b="0"/>
+      </a:lnRef>
+      <a:fillRef idx="1">
+        <a:scrgbClr r="0" g="0" b="0"/>
+      </a:fillRef>
+      <a:effectRef idx="0">
+        <a:scrgbClr r="0" g="0" b="0"/>
+      </a:effectRef>
+      <a:fontRef idx="minor">
+        <a:schemeClr val="lt1"/>
+      </a:fontRef>
+    </dgm:style>
+  </dgm:styleLbl>
+  <dgm:styleLbl name="sibTrans1D1">
+    <dgm:scene3d>
+      <a:camera prst="orthographicFront"/>
+      <a:lightRig rig="threePt" dir="t"/>
+    </dgm:scene3d>
+    <dgm:sp3d/>
+    <dgm:txPr/>
+    <dgm:style>
+      <a:lnRef idx="1">
+        <a:scrgbClr r="0" g="0" b="0"/>
+      </a:lnRef>
+      <a:fillRef idx="0">
+        <a:scrgbClr r="0" g="0" b="0"/>
+      </a:fillRef>
+      <a:effectRef idx="0">
+        <a:scrgbClr r="0" g="0" b="0"/>
+      </a:effectRef>
+      <a:fontRef idx="minor"/>
+    </dgm:style>
+  </dgm:styleLbl>
+  <dgm:styleLbl name="callout">
+    <dgm:scene3d>
+      <a:camera prst="orthographicFront"/>
+      <a:lightRig rig="threePt" dir="t"/>
+    </dgm:scene3d>
+    <dgm:sp3d/>
+    <dgm:txPr/>
+    <dgm:style>
+      <a:lnRef idx="2">
+        <a:scrgbClr r="0" g="0" b="0"/>
+      </a:lnRef>
+      <a:fillRef idx="1">
+        <a:scrgbClr r="0" g="0" b="0"/>
+      </a:fillRef>
+      <a:effectRef idx="0">
+        <a:scrgbClr r="0" g="0" b="0"/>
+      </a:effectRef>
+      <a:fontRef idx="minor"/>
+    </dgm:style>
+  </dgm:styleLbl>
+  <dgm:styleLbl name="asst0">
+    <dgm:scene3d>
+      <a:camera prst="orthographicFront"/>
+      <a:lightRig rig="threePt" dir="t"/>
+    </dgm:scene3d>
+    <dgm:sp3d/>
+    <dgm:txPr/>
+    <dgm:style>
+      <a:lnRef idx="2">
+        <a:scrgbClr r="0" g="0" b="0"/>
+      </a:lnRef>
+      <a:fillRef idx="1">
+        <a:scrgbClr r="0" g="0" b="0"/>
+      </a:fillRef>
+      <a:effectRef idx="0">
+        <a:scrgbClr r="0" g="0" b="0"/>
+      </a:effectRef>
+      <a:fontRef idx="minor">
+        <a:schemeClr val="lt1"/>
+      </a:fontRef>
+    </dgm:style>
+  </dgm:styleLbl>
+  <dgm:styleLbl name="asst1">
+    <dgm:scene3d>
+      <a:camera prst="orthographicFront"/>
+      <a:lightRig rig="threePt" dir="t"/>
+    </dgm:scene3d>
+    <dgm:sp3d/>
+    <dgm:txPr/>
+    <dgm:style>
+      <a:lnRef idx="2">
+        <a:scrgbClr r="0" g="0" b="0"/>
+      </a:lnRef>
+      <a:fillRef idx="1">
+        <a:scrgbClr r="0" g="0" b="0"/>
+      </a:fillRef>
+      <a:effectRef idx="0">
+        <a:scrgbClr r="0" g="0" b="0"/>
+      </a:effectRef>
+      <a:fontRef idx="minor">
+        <a:schemeClr val="lt1"/>
+      </a:fontRef>
+    </dgm:style>
+  </dgm:styleLbl>
+  <dgm:styleLbl name="asst2">
+    <dgm:scene3d>
+      <a:camera prst="orthographicFront"/>
+      <a:lightRig rig="threePt" dir="t"/>
+    </dgm:scene3d>
+    <dgm:sp3d/>
+    <dgm:txPr/>
+    <dgm:style>
+      <a:lnRef idx="2">
+        <a:scrgbClr r="0" g="0" b="0"/>
+      </a:lnRef>
+      <a:fillRef idx="1">
+        <a:scrgbClr r="0" g="0" b="0"/>
+      </a:fillRef>
+      <a:effectRef idx="0">
+        <a:scrgbClr r="0" g="0" b="0"/>
+      </a:effectRef>
+      <a:fontRef idx="minor">
+        <a:schemeClr val="lt1"/>
+      </a:fontRef>
+    </dgm:style>
+  </dgm:styleLbl>
+  <dgm:styleLbl name="asst3">
+    <dgm:scene3d>
+      <a:camera prst="orthographicFront"/>
+      <a:lightRig rig="threePt" dir="t"/>
+    </dgm:scene3d>
+    <dgm:sp3d/>
+    <dgm:txPr/>
+    <dgm:style>
+      <a:lnRef idx="2">
+        <a:scrgbClr r="0" g="0" b="0"/>
+      </a:lnRef>
+      <a:fillRef idx="1">
+        <a:scrgbClr r="0" g="0" b="0"/>
+      </a:fillRef>
+      <a:effectRef idx="0">
+        <a:scrgbClr r="0" g="0" b="0"/>
+      </a:effectRef>
+      <a:fontRef idx="minor">
+        <a:schemeClr val="lt1"/>
+      </a:fontRef>
+    </dgm:style>
+  </dgm:styleLbl>
+  <dgm:styleLbl name="asst4">
+    <dgm:scene3d>
+      <a:camera prst="orthographicFront"/>
+      <a:lightRig rig="threePt" dir="t"/>
+    </dgm:scene3d>
+    <dgm:sp3d/>
+    <dgm:txPr/>
+    <dgm:style>
+      <a:lnRef idx="2">
+        <a:scrgbClr r="0" g="0" b="0"/>
+      </a:lnRef>
+      <a:fillRef idx="1">
+        <a:scrgbClr r="0" g="0" b="0"/>
+      </a:fillRef>
+      <a:effectRef idx="0">
+        <a:scrgbClr r="0" g="0" b="0"/>
+      </a:effectRef>
+      <a:fontRef idx="minor">
+        <a:schemeClr val="lt1"/>
+      </a:fontRef>
+    </dgm:style>
+  </dgm:styleLbl>
+  <dgm:styleLbl name="parChTrans2D1">
+    <dgm:scene3d>
+      <a:camera prst="orthographicFront"/>
+      <a:lightRig rig="threePt" dir="t"/>
+    </dgm:scene3d>
+    <dgm:sp3d/>
+    <dgm:txPr/>
+    <dgm:style>
+      <a:lnRef idx="2">
+        <a:scrgbClr r="0" g="0" b="0"/>
+      </a:lnRef>
+      <a:fillRef idx="1">
+        <a:scrgbClr r="0" g="0" b="0"/>
+      </a:fillRef>
+      <a:effectRef idx="0">
+        <a:scrgbClr r="0" g="0" b="0"/>
+      </a:effectRef>
+      <a:fontRef idx="minor">
+        <a:schemeClr val="lt1"/>
+      </a:fontRef>
+    </dgm:style>
+  </dgm:styleLbl>
+  <dgm:styleLbl name="parChTrans2D2">
+    <dgm:scene3d>
+      <a:camera prst="orthographicFront"/>
+      <a:lightRig rig="threePt" dir="t"/>
+    </dgm:scene3d>
+    <dgm:sp3d/>
+    <dgm:txPr/>
+    <dgm:style>
+      <a:lnRef idx="2">
+        <a:scrgbClr r="0" g="0" b="0"/>
+      </a:lnRef>
+      <a:fillRef idx="1">
+        <a:scrgbClr r="0" g="0" b="0"/>
+      </a:fillRef>
+      <a:effectRef idx="0">
+        <a:scrgbClr r="0" g="0" b="0"/>
+      </a:effectRef>
+      <a:fontRef idx="minor">
+        <a:schemeClr val="lt1"/>
+      </a:fontRef>
+    </dgm:style>
+  </dgm:styleLbl>
+  <dgm:styleLbl name="parChTrans2D3">
+    <dgm:scene3d>
+      <a:camera prst="orthographicFront"/>
+      <a:lightRig rig="threePt" dir="t"/>
+    </dgm:scene3d>
+    <dgm:sp3d/>
+    <dgm:txPr/>
+    <dgm:style>
+      <a:lnRef idx="2">
+        <a:scrgbClr r="0" g="0" b="0"/>
+      </a:lnRef>
+      <a:fillRef idx="1">
+        <a:scrgbClr r="0" g="0" b="0"/>
+      </a:fillRef>
+      <a:effectRef idx="0">
+        <a:scrgbClr r="0" g="0" b="0"/>
+      </a:effectRef>
+      <a:fontRef idx="minor">
+        <a:schemeClr val="lt1"/>
+      </a:fontRef>
+    </dgm:style>
+  </dgm:styleLbl>
+  <dgm:styleLbl name="parChTrans2D4">
+    <dgm:scene3d>
+      <a:camera prst="orthographicFront"/>
+      <a:lightRig rig="threePt" dir="t"/>
+    </dgm:scene3d>
+    <dgm:sp3d/>
+    <dgm:txPr/>
+    <dgm:style>
+      <a:lnRef idx="2">
+        <a:scrgbClr r="0" g="0" b="0"/>
+      </a:lnRef>
+      <a:fillRef idx="1">
+        <a:scrgbClr r="0" g="0" b="0"/>
+      </a:fillRef>
+      <a:effectRef idx="0">
+        <a:scrgbClr r="0" g="0" b="0"/>
+      </a:effectRef>
+      <a:fontRef idx="minor">
+        <a:schemeClr val="lt1"/>
+      </a:fontRef>
+    </dgm:style>
+  </dgm:styleLbl>
+  <dgm:styleLbl name="parChTrans1D1">
+    <dgm:scene3d>
+      <a:camera prst="orthographicFront"/>
+      <a:lightRig rig="threePt" dir="t"/>
+    </dgm:scene3d>
+    <dgm:sp3d/>
+    <dgm:txPr/>
+    <dgm:style>
+      <a:lnRef idx="2">
+        <a:scrgbClr r="0" g="0" b="0"/>
+      </a:lnRef>
+      <a:fillRef idx="0">
+        <a:scrgbClr r="0" g="0" b="0"/>
+      </a:fillRef>
+      <a:effectRef idx="0">
+        <a:scrgbClr r="0" g="0" b="0"/>
+      </a:effectRef>
+      <a:fontRef idx="minor"/>
+    </dgm:style>
+  </dgm:styleLbl>
+  <dgm:styleLbl name="parChTrans1D2">
+    <dgm:scene3d>
+      <a:camera prst="orthographicFront"/>
+      <a:lightRig rig="threePt" dir="t"/>
+    </dgm:scene3d>
+    <dgm:sp3d/>
+    <dgm:txPr/>
+    <dgm:style>
+      <a:lnRef idx="2">
+        <a:scrgbClr r="0" g="0" b="0"/>
+      </a:lnRef>
+      <a:fillRef idx="0">
+        <a:scrgbClr r="0" g="0" b="0"/>
+      </a:fillRef>
+      <a:effectRef idx="0">
+        <a:scrgbClr r="0" g="0" b="0"/>
+      </a:effectRef>
+      <a:fontRef idx="minor"/>
+    </dgm:style>
+  </dgm:styleLbl>
+  <dgm:styleLbl name="parChTrans1D3">
+    <dgm:scene3d>
+      <a:camera prst="orthographicFront"/>
+      <a:lightRig rig="threePt" dir="t"/>
+    </dgm:scene3d>
+    <dgm:sp3d/>
+    <dgm:txPr/>
+    <dgm:style>
+      <a:lnRef idx="2">
+        <a:scrgbClr r="0" g="0" b="0"/>
+      </a:lnRef>
+      <a:fillRef idx="0">
+        <a:scrgbClr r="0" g="0" b="0"/>
+      </a:fillRef>
+      <a:effectRef idx="0">
+        <a:scrgbClr r="0" g="0" b="0"/>
+      </a:effectRef>
+      <a:fontRef idx="minor"/>
+    </dgm:style>
+  </dgm:styleLbl>
+  <dgm:styleLbl name="parChTrans1D4">
+    <dgm:scene3d>
+      <a:camera prst="orthographicFront"/>
+      <a:lightRig rig="threePt" dir="t"/>
+    </dgm:scene3d>
+    <dgm:sp3d/>
+    <dgm:txPr/>
+    <dgm:style>
+      <a:lnRef idx="2">
+        <a:scrgbClr r="0" g="0" b="0"/>
+      </a:lnRef>
+      <a:fillRef idx="0">
+        <a:scrgbClr r="0" g="0" b="0"/>
+      </a:fillRef>
+      <a:effectRef idx="0">
+        <a:scrgbClr r="0" g="0" b="0"/>
+      </a:effectRef>
+      <a:fontRef idx="minor"/>
+    </dgm:style>
+  </dgm:styleLbl>
+  <dgm:styleLbl name="fgAcc1">
+    <dgm:scene3d>
+      <a:camera prst="orthographicFront"/>
+      <a:lightRig rig="threePt" dir="t"/>
+    </dgm:scene3d>
+    <dgm:sp3d/>
+    <dgm:txPr/>
+    <dgm:style>
+      <a:lnRef idx="2">
+        <a:scrgbClr r="0" g="0" b="0"/>
+      </a:lnRef>
+      <a:fillRef idx="1">
+        <a:scrgbClr r="0" g="0" b="0"/>
+      </a:fillRef>
+      <a:effectRef idx="0">
+        <a:scrgbClr r="0" g="0" b="0"/>
+      </a:effectRef>
+      <a:fontRef idx="minor"/>
+    </dgm:style>
+  </dgm:styleLbl>
+  <dgm:styleLbl name="conFgAcc1">
+    <dgm:scene3d>
+      <a:camera prst="orthographicFront"/>
+      <a:lightRig rig="threePt" dir="t"/>
+    </dgm:scene3d>
+    <dgm:sp3d/>
+    <dgm:txPr/>
+    <dgm:style>
+      <a:lnRef idx="2">
+        <a:scrgbClr r="0" g="0" b="0"/>
+      </a:lnRef>
+      <a:fillRef idx="1">
+        <a:scrgbClr r="0" g="0" b="0"/>
+      </a:fillRef>
+      <a:effectRef idx="0">
+        <a:scrgbClr r="0" g="0" b="0"/>
+      </a:effectRef>
+      <a:fontRef idx="minor"/>
+    </dgm:style>
+  </dgm:styleLbl>
+  <dgm:styleLbl name="alignAcc1">
+    <dgm:scene3d>
+      <a:camera prst="orthographicFront"/>
+      <a:lightRig rig="threePt" dir="t"/>
+    </dgm:scene3d>
+    <dgm:sp3d/>
+    <dgm:txPr/>
+    <dgm:style>
+      <a:lnRef idx="2">
+        <a:scrgbClr r="0" g="0" b="0"/>
+      </a:lnRef>
+      <a:fillRef idx="1">
+        <a:scrgbClr r="0" g="0" b="0"/>
+      </a:fillRef>
+      <a:effectRef idx="0">
+        <a:scrgbClr r="0" g="0" b="0"/>
+      </a:effectRef>
+      <a:fontRef idx="minor"/>
+    </dgm:style>
+  </dgm:styleLbl>
+  <dgm:styleLbl name="trAlignAcc1">
+    <dgm:scene3d>
+      <a:camera prst="orthographicFront"/>
+      <a:lightRig rig="threePt" dir="t"/>
+    </dgm:scene3d>
+    <dgm:sp3d/>
+    <dgm:txPr/>
+    <dgm:style>
+      <a:lnRef idx="1">
+        <a:scrgbClr r="0" g="0" b="0"/>
+      </a:lnRef>
+      <a:fillRef idx="1">
+        <a:scrgbClr r="0" g="0" b="0"/>
+      </a:fillRef>
+      <a:effectRef idx="0">
+        <a:scrgbClr r="0" g="0" b="0"/>
+      </a:effectRef>
+      <a:fontRef idx="minor"/>
+    </dgm:style>
+  </dgm:styleLbl>
+  <dgm:styleLbl name="bgAcc1">
+    <dgm:scene3d>
+      <a:camera prst="orthographicFront"/>
+      <a:lightRig rig="threePt" dir="t"/>
+    </dgm:scene3d>
+    <dgm:sp3d/>
+    <dgm:txPr/>
+    <dgm:style>
+      <a:lnRef idx="2">
+        <a:scrgbClr r="0" g="0" b="0"/>
+      </a:lnRef>
+      <a:fillRef idx="1">
+        <a:scrgbClr r="0" g="0" b="0"/>
+      </a:fillRef>
+      <a:effectRef idx="0">
+        <a:scrgbClr r="0" g="0" b="0"/>
+      </a:effectRef>
+      <a:fontRef idx="minor"/>
+    </dgm:style>
+  </dgm:styleLbl>
+  <dgm:styleLbl name="solidFgAcc1">
+    <dgm:scene3d>
+      <a:camera prst="orthographicFront"/>
+      <a:lightRig rig="threePt" dir="t"/>
+    </dgm:scene3d>
+    <dgm:sp3d/>
+    <dgm:txPr/>
+    <dgm:style>
+      <a:lnRef idx="2">
+        <a:scrgbClr r="0" g="0" b="0"/>
+      </a:lnRef>
+      <a:fillRef idx="1">
+        <a:scrgbClr r="0" g="0" b="0"/>
+      </a:fillRef>
+      <a:effectRef idx="0">
+        <a:scrgbClr r="0" g="0" b="0"/>
+      </a:effectRef>
+      <a:fontRef idx="minor"/>
+    </dgm:style>
+  </dgm:styleLbl>
+  <dgm:styleLbl name="solidAlignAcc1">
+    <dgm:scene3d>
+      <a:camera prst="orthographicFront"/>
+      <a:lightRig rig="threePt" dir="t"/>
+    </dgm:scene3d>
+    <dgm:sp3d/>
+    <dgm:txPr/>
+    <dgm:style>
+      <a:lnRef idx="2">
+        <a:scrgbClr r="0" g="0" b="0"/>
+      </a:lnRef>
+      <a:fillRef idx="1">
+        <a:scrgbClr r="0" g="0" b="0"/>
+      </a:fillRef>
+      <a:effectRef idx="0">
+        <a:scrgbClr r="0" g="0" b="0"/>
+      </a:effectRef>
+      <a:fontRef idx="minor"/>
+    </dgm:style>
+  </dgm:styleLbl>
+  <dgm:styleLbl name="solidBgAcc1">
+    <dgm:scene3d>
+      <a:camera prst="orthographicFront"/>
+      <a:lightRig rig="threePt" dir="t"/>
+    </dgm:scene3d>
+    <dgm:sp3d/>
+    <dgm:txPr/>
+    <dgm:style>
+      <a:lnRef idx="2">
+        <a:scrgbClr r="0" g="0" b="0"/>
+      </a:lnRef>
+      <a:fillRef idx="1">
+        <a:scrgbClr r="0" g="0" b="0"/>
+      </a:fillRef>
+      <a:effectRef idx="0">
+        <a:scrgbClr r="0" g="0" b="0"/>
+      </a:effectRef>
+      <a:fontRef idx="minor"/>
+    </dgm:style>
+  </dgm:styleLbl>
+  <dgm:styleLbl name="fgAccFollowNode1">
+    <dgm:scene3d>
+      <a:camera prst="orthographicFront"/>
+      <a:lightRig rig="threePt" dir="t"/>
+    </dgm:scene3d>
+    <dgm:sp3d/>
+    <dgm:txPr/>
+    <dgm:style>
+      <a:lnRef idx="2">
+        <a:scrgbClr r="0" g="0" b="0"/>
+      </a:lnRef>
+      <a:fillRef idx="1">
+        <a:scrgbClr r="0" g="0" b="0"/>
+      </a:fillRef>
+      <a:effectRef idx="0">
+        <a:scrgbClr r="0" g="0" b="0"/>
+      </a:effectRef>
+      <a:fontRef idx="minor"/>
+    </dgm:style>
+  </dgm:styleLbl>
+  <dgm:styleLbl name="alignAccFollowNode1">
+    <dgm:scene3d>
+      <a:camera prst="orthographicFront"/>
+      <a:lightRig rig="threePt" dir="t"/>
+    </dgm:scene3d>
+    <dgm:sp3d/>
+    <dgm:txPr/>
+    <dgm:style>
+      <a:lnRef idx="2">
+        <a:scrgbClr r="0" g="0" b="0"/>
+      </a:lnRef>
+      <a:fillRef idx="1">
+        <a:scrgbClr r="0" g="0" b="0"/>
+      </a:fillRef>
+      <a:effectRef idx="0">
+        <a:scrgbClr r="0" g="0" b="0"/>
+      </a:effectRef>
+      <a:fontRef idx="minor"/>
+    </dgm:style>
+  </dgm:styleLbl>
+  <dgm:styleLbl name="bgAccFollowNode1">
+    <dgm:scene3d>
+      <a:camera prst="orthographicFront"/>
+      <a:lightRig rig="threePt" dir="t"/>
+    </dgm:scene3d>
+    <dgm:sp3d/>
+    <dgm:txPr/>
+    <dgm:style>
+      <a:lnRef idx="2">
+        <a:scrgbClr r="0" g="0" b="0"/>
+      </a:lnRef>
+      <a:fillRef idx="1">
+        <a:scrgbClr r="0" g="0" b="0"/>
+      </a:fillRef>
+      <a:effectRef idx="0">
+        <a:scrgbClr r="0" g="0" b="0"/>
+      </a:effectRef>
+      <a:fontRef idx="minor"/>
+    </dgm:style>
+  </dgm:styleLbl>
+  <dgm:styleLbl name="fgAcc0">
+    <dgm:scene3d>
+      <a:camera prst="orthographicFront"/>
+      <a:lightRig rig="threePt" dir="t"/>
+    </dgm:scene3d>
+    <dgm:sp3d/>
+    <dgm:txPr/>
+    <dgm:style>
+      <a:lnRef idx="2">
+        <a:scrgbClr r="0" g="0" b="0"/>
+      </a:lnRef>
+      <a:fillRef idx="1">
+        <a:scrgbClr r="0" g="0" b="0"/>
+      </a:fillRef>
+      <a:effectRef idx="0">
+        <a:scrgbClr r="0" g="0" b="0"/>
+      </a:effectRef>
+      <a:fontRef idx="minor"/>
+    </dgm:style>
+  </dgm:styleLbl>
+  <dgm:styleLbl name="fgAcc2">
+    <dgm:scene3d>
+      <a:camera prst="orthographicFront"/>
+      <a:lightRig rig="threePt" dir="t"/>
+    </dgm:scene3d>
+    <dgm:sp3d/>
+    <dgm:txPr/>
+    <dgm:style>
+      <a:lnRef idx="2">
+        <a:scrgbClr r="0" g="0" b="0"/>
+      </a:lnRef>
+      <a:fillRef idx="1">
+        <a:scrgbClr r="0" g="0" b="0"/>
+      </a:fillRef>
+      <a:effectRef idx="0">
+        <a:scrgbClr r="0" g="0" b="0"/>
+      </a:effectRef>
+      <a:fontRef idx="minor"/>
+    </dgm:style>
+  </dgm:styleLbl>
+  <dgm:styleLbl name="fgAcc3">
+    <dgm:scene3d>
+      <a:camera prst="orthographicFront"/>
+      <a:lightRig rig="threePt" dir="t"/>
+    </dgm:scene3d>
+    <dgm:sp3d/>
+    <dgm:txPr/>
+    <dgm:style>
+      <a:lnRef idx="2">
+        <a:scrgbClr r="0" g="0" b="0"/>
+      </a:lnRef>
+      <a:fillRef idx="1">
+        <a:scrgbClr r="0" g="0" b="0"/>
+      </a:fillRef>
+      <a:effectRef idx="0">
+        <a:scrgbClr r="0" g="0" b="0"/>
+      </a:effectRef>
+      <a:fontRef idx="minor"/>
+    </dgm:style>
+  </dgm:styleLbl>
+  <dgm:styleLbl name="fgAcc4">
+    <dgm:scene3d>
+      <a:camera prst="orthographicFront"/>
+      <a:lightRig rig="threePt" dir="t"/>
+    </dgm:scene3d>
+    <dgm:sp3d/>
+    <dgm:txPr/>
+    <dgm:style>
+      <a:lnRef idx="2">
+        <a:scrgbClr r="0" g="0" b="0"/>
+      </a:lnRef>
+      <a:fillRef idx="1">
+        <a:scrgbClr r="0" g="0" b="0"/>
+      </a:fillRef>
+      <a:effectRef idx="0">
+        <a:scrgbClr r="0" g="0" b="0"/>
+      </a:effectRef>
+      <a:fontRef idx="minor"/>
+    </dgm:style>
+  </dgm:styleLbl>
+  <dgm:styleLbl name="bgShp">
+    <dgm:scene3d>
+      <a:camera prst="orthographicFront"/>
+      <a:lightRig rig="threePt" dir="t"/>
+    </dgm:scene3d>
+    <dgm:sp3d/>
+    <dgm:txPr/>
+    <dgm:style>
+      <a:lnRef idx="0">
+        <a:scrgbClr r="0" g="0" b="0"/>
+      </a:lnRef>
+      <a:fillRef idx="1">
+        <a:scrgbClr r="0" g="0" b="0"/>
+      </a:fillRef>
+      <a:effectRef idx="0">
+        <a:scrgbClr r="0" g="0" b="0"/>
+      </a:effectRef>
+      <a:fontRef idx="minor"/>
+    </dgm:style>
+  </dgm:styleLbl>
+  <dgm:styleLbl name="dkBgShp">
+    <dgm:scene3d>
+      <a:camera prst="orthographicFront"/>
+      <a:lightRig rig="threePt" dir="t"/>
+    </dgm:scene3d>
+    <dgm:sp3d/>
+    <dgm:txPr/>
+    <dgm:style>
+      <a:lnRef idx="0">
+        <a:scrgbClr r="0" g="0" b="0"/>
+      </a:lnRef>
+      <a:fillRef idx="1">
+        <a:scrgbClr r="0" g="0" b="0"/>
+      </a:fillRef>
+      <a:effectRef idx="0">
+        <a:scrgbClr r="0" g="0" b="0"/>
+      </a:effectRef>
+      <a:fontRef idx="minor"/>
+    </dgm:style>
+  </dgm:styleLbl>
+  <dgm:styleLbl name="trBgShp">
+    <dgm:scene3d>
+      <a:camera prst="orthographicFront"/>
+      <a:lightRig rig="threePt" dir="t"/>
+    </dgm:scene3d>
+    <dgm:sp3d/>
+    <dgm:txPr/>
+    <dgm:style>
+      <a:lnRef idx="0">
+        <a:scrgbClr r="0" g="0" b="0"/>
+      </a:lnRef>
+      <a:fillRef idx="1">
+        <a:scrgbClr r="0" g="0" b="0"/>
+      </a:fillRef>
+      <a:effectRef idx="0">
+        <a:scrgbClr r="0" g="0" b="0"/>
+      </a:effectRef>
+      <a:fontRef idx="minor"/>
+    </dgm:style>
+  </dgm:styleLbl>
+  <dgm:styleLbl name="fgShp">
+    <dgm:scene3d>
+      <a:camera prst="orthographicFront"/>
+      <a:lightRig rig="threePt" dir="t"/>
+    </dgm:scene3d>
+    <dgm:sp3d/>
+    <dgm:txPr/>
+    <dgm:style>
+      <a:lnRef idx="2">
+        <a:scrgbClr r="0" g="0" b="0"/>
+      </a:lnRef>
+      <a:fillRef idx="1">
+        <a:scrgbClr r="0" g="0" b="0"/>
+      </a:fillRef>
+      <a:effectRef idx="0">
+        <a:scrgbClr r="0" g="0" b="0"/>
+      </a:effectRef>
+      <a:fontRef idx="minor"/>
+    </dgm:style>
+  </dgm:styleLbl>
+  <dgm:styleLbl name="revTx">
+    <dgm:scene3d>
+      <a:camera prst="orthographicFront"/>
+      <a:lightRig rig="threePt" dir="t"/>
+    </dgm:scene3d>
+    <dgm:sp3d/>
+    <dgm:txPr/>
+    <dgm:style>
+      <a:lnRef idx="0">
+        <a:scrgbClr r="0" g="0" b="0"/>
+      </a:lnRef>
+      <a:fillRef idx="0">
+        <a:scrgbClr r="0" g="0" b="0"/>
+      </a:fillRef>
+      <a:effectRef idx="0">
+        <a:scrgbClr r="0" g="0" b="0"/>
+      </a:effectRef>
+      <a:fontRef idx="minor"/>
+    </dgm:style>
+  </dgm:styleLbl>
+</dgm:styleDef>
+</file>
+
+<file path=ppt/diagrams/quickStyle2.xml><?xml version="1.0" encoding="utf-8"?>
+<dgm:styleDef xmlns:dgm="http://schemas.openxmlformats.org/drawingml/2006/diagram" xmlns:a="http://schemas.openxmlformats.org/drawingml/2006/main" uniqueId="urn:microsoft.com/office/officeart/2005/8/quickstyle/simple1">
+  <dgm:title val=""/>
+  <dgm:desc val=""/>
+  <dgm:catLst>
+    <dgm:cat type="simple" pri="10100"/>
+  </dgm:catLst>
+  <dgm:scene3d>
+    <a:camera prst="orthographicFront"/>
+    <a:lightRig rig="threePt" dir="t"/>
+  </dgm:scene3d>
+  <dgm:styleLbl name="node0">
+    <dgm:scene3d>
+      <a:camera prst="orthographicFront"/>
+      <a:lightRig rig="threePt" dir="t"/>
+    </dgm:scene3d>
+    <dgm:sp3d/>
+    <dgm:txPr/>
+    <dgm:style>
+      <a:lnRef idx="2">
+        <a:scrgbClr r="0" g="0" b="0"/>
+      </a:lnRef>
+      <a:fillRef idx="1">
+        <a:scrgbClr r="0" g="0" b="0"/>
+      </a:fillRef>
+      <a:effectRef idx="0">
+        <a:scrgbClr r="0" g="0" b="0"/>
+      </a:effectRef>
+      <a:fontRef idx="minor">
+        <a:schemeClr val="lt1"/>
+      </a:fontRef>
+    </dgm:style>
+  </dgm:styleLbl>
+  <dgm:styleLbl name="lnNode1">
+    <dgm:scene3d>
+      <a:camera prst="orthographicFront"/>
+      <a:lightRig rig="threePt" dir="t"/>
+    </dgm:scene3d>
+    <dgm:sp3d/>
+    <dgm:txPr/>
+    <dgm:style>
+      <a:lnRef idx="2">
+        <a:scrgbClr r="0" g="0" b="0"/>
+      </a:lnRef>
+      <a:fillRef idx="1">
+        <a:scrgbClr r="0" g="0" b="0"/>
+      </a:fillRef>
+      <a:effectRef idx="0">
+        <a:scrgbClr r="0" g="0" b="0"/>
+      </a:effectRef>
+      <a:fontRef idx="minor">
+        <a:schemeClr val="lt1"/>
+      </a:fontRef>
+    </dgm:style>
+  </dgm:styleLbl>
+  <dgm:styleLbl name="vennNode1">
+    <dgm:scene3d>
+      <a:camera prst="orthographicFront"/>
+      <a:lightRig rig="threePt" dir="t"/>
+    </dgm:scene3d>
+    <dgm:sp3d/>
+    <dgm:txPr/>
+    <dgm:style>
+      <a:lnRef idx="2">
+        <a:scrgbClr r="0" g="0" b="0"/>
+      </a:lnRef>
+      <a:fillRef idx="1">
+        <a:scrgbClr r="0" g="0" b="0"/>
+      </a:fillRef>
+      <a:effectRef idx="0">
+        <a:scrgbClr r="0" g="0" b="0"/>
+      </a:effectRef>
+      <a:fontRef idx="minor">
+        <a:schemeClr val="tx1"/>
+      </a:fontRef>
+    </dgm:style>
+  </dgm:styleLbl>
+  <dgm:styleLbl name="alignNode1">
+    <dgm:scene3d>
+      <a:camera prst="orthographicFront"/>
+      <a:lightRig rig="threePt" dir="t"/>
+    </dgm:scene3d>
+    <dgm:sp3d/>
+    <dgm:txPr/>
+    <dgm:style>
+      <a:lnRef idx="2">
+        <a:scrgbClr r="0" g="0" b="0"/>
+      </a:lnRef>
+      <a:fillRef idx="1">
+        <a:scrgbClr r="0" g="0" b="0"/>
+      </a:fillRef>
+      <a:effectRef idx="0">
+        <a:scrgbClr r="0" g="0" b="0"/>
+      </a:effectRef>
+      <a:fontRef idx="minor">
+        <a:schemeClr val="lt1"/>
+      </a:fontRef>
+    </dgm:style>
+  </dgm:styleLbl>
+  <dgm:styleLbl name="node1">
+    <dgm:scene3d>
+      <a:camera prst="orthographicFront"/>
+      <a:lightRig rig="threePt" dir="t"/>
+    </dgm:scene3d>
+    <dgm:sp3d/>
+    <dgm:txPr/>
+    <dgm:style>
+      <a:lnRef idx="2">
+        <a:scrgbClr r="0" g="0" b="0"/>
+      </a:lnRef>
+      <a:fillRef idx="1">
+        <a:scrgbClr r="0" g="0" b="0"/>
+      </a:fillRef>
+      <a:effectRef idx="0">
+        <a:scrgbClr r="0" g="0" b="0"/>
+      </a:effectRef>
+      <a:fontRef idx="minor">
+        <a:schemeClr val="lt1"/>
+      </a:fontRef>
+    </dgm:style>
+  </dgm:styleLbl>
+  <dgm:styleLbl name="node2">
+    <dgm:scene3d>
+      <a:camera prst="orthographicFront"/>
+      <a:lightRig rig="threePt" dir="t"/>
+    </dgm:scene3d>
+    <dgm:sp3d/>
+    <dgm:txPr/>
+    <dgm:style>
+      <a:lnRef idx="2">
+        <a:scrgbClr r="0" g="0" b="0"/>
+      </a:lnRef>
+      <a:fillRef idx="1">
+        <a:scrgbClr r="0" g="0" b="0"/>
+      </a:fillRef>
+      <a:effectRef idx="0">
+        <a:scrgbClr r="0" g="0" b="0"/>
+      </a:effectRef>
+      <a:fontRef idx="minor">
+        <a:schemeClr val="lt1"/>
+      </a:fontRef>
+    </dgm:style>
+  </dgm:styleLbl>
+  <dgm:styleLbl name="node3">
+    <dgm:scene3d>
+      <a:camera prst="orthographicFront"/>
+      <a:lightRig rig="threePt" dir="t"/>
+    </dgm:scene3d>
+    <dgm:sp3d/>
+    <dgm:txPr/>
+    <dgm:style>
+      <a:lnRef idx="2">
+        <a:scrgbClr r="0" g="0" b="0"/>
+      </a:lnRef>
+      <a:fillRef idx="1">
+        <a:scrgbClr r="0" g="0" b="0"/>
+      </a:fillRef>
+      <a:effectRef idx="0">
+        <a:scrgbClr r="0" g="0" b="0"/>
+      </a:effectRef>
+      <a:fontRef idx="minor">
+        <a:schemeClr val="lt1"/>
+      </a:fontRef>
+    </dgm:style>
+  </dgm:styleLbl>
+  <dgm:styleLbl name="node4">
+    <dgm:scene3d>
+      <a:camera prst="orthographicFront"/>
+      <a:lightRig rig="threePt" dir="t"/>
+    </dgm:scene3d>
+    <dgm:sp3d/>
+    <dgm:txPr/>
+    <dgm:style>
+      <a:lnRef idx="2">
+        <a:scrgbClr r="0" g="0" b="0"/>
+      </a:lnRef>
+      <a:fillRef idx="1">
+        <a:scrgbClr r="0" g="0" b="0"/>
+      </a:fillRef>
+      <a:effectRef idx="0">
+        <a:scrgbClr r="0" g="0" b="0"/>
+      </a:effectRef>
+      <a:fontRef idx="minor">
+        <a:schemeClr val="lt1"/>
+      </a:fontRef>
+    </dgm:style>
+  </dgm:styleLbl>
+  <dgm:styleLbl name="fgImgPlace1">
+    <dgm:scene3d>
+      <a:camera prst="orthographicFront"/>
+      <a:lightRig rig="threePt" dir="t"/>
+    </dgm:scene3d>
+    <dgm:sp3d/>
+    <dgm:txPr/>
+    <dgm:style>
+      <a:lnRef idx="2">
+        <a:scrgbClr r="0" g="0" b="0"/>
+      </a:lnRef>
+      <a:fillRef idx="1">
+        <a:scrgbClr r="0" g="0" b="0"/>
+      </a:fillRef>
+      <a:effectRef idx="0">
+        <a:scrgbClr r="0" g="0" b="0"/>
+      </a:effectRef>
+      <a:fontRef idx="minor"/>
+    </dgm:style>
+  </dgm:styleLbl>
+  <dgm:styleLbl name="alignImgPlace1">
+    <dgm:scene3d>
+      <a:camera prst="orthographicFront"/>
+      <a:lightRig rig="threePt" dir="t"/>
+    </dgm:scene3d>
+    <dgm:sp3d/>
+    <dgm:txPr/>
+    <dgm:style>
+      <a:lnRef idx="2">
+        <a:scrgbClr r="0" g="0" b="0"/>
+      </a:lnRef>
+      <a:fillRef idx="1">
+        <a:scrgbClr r="0" g="0" b="0"/>
+      </a:fillRef>
+      <a:effectRef idx="0">
+        <a:scrgbClr r="0" g="0" b="0"/>
+      </a:effectRef>
+      <a:fontRef idx="minor"/>
+    </dgm:style>
+  </dgm:styleLbl>
+  <dgm:styleLbl name="bgImgPlace1">
+    <dgm:scene3d>
+      <a:camera prst="orthographicFront"/>
+      <a:lightRig rig="threePt" dir="t"/>
+    </dgm:scene3d>
+    <dgm:sp3d/>
+    <dgm:txPr/>
+    <dgm:style>
+      <a:lnRef idx="2">
+        <a:scrgbClr r="0" g="0" b="0"/>
+      </a:lnRef>
+      <a:fillRef idx="1">
+        <a:scrgbClr r="0" g="0" b="0"/>
+      </a:fillRef>
+      <a:effectRef idx="0">
+        <a:scrgbClr r="0" g="0" b="0"/>
+      </a:effectRef>
+      <a:fontRef idx="minor"/>
+    </dgm:style>
+  </dgm:styleLbl>
+  <dgm:styleLbl name="sibTrans2D1">
+    <dgm:scene3d>
+      <a:camera prst="orthographicFront"/>
+      <a:lightRig rig="threePt" dir="t"/>
+    </dgm:scene3d>
+    <dgm:sp3d/>
+    <dgm:txPr/>
+    <dgm:style>
+      <a:lnRef idx="0">
+        <a:scrgbClr r="0" g="0" b="0"/>
+      </a:lnRef>
+      <a:fillRef idx="1">
+        <a:scrgbClr r="0" g="0" b="0"/>
+      </a:fillRef>
+      <a:effectRef idx="0">
+        <a:scrgbClr r="0" g="0" b="0"/>
+      </a:effectRef>
+      <a:fontRef idx="minor">
+        <a:schemeClr val="lt1"/>
+      </a:fontRef>
+    </dgm:style>
+  </dgm:styleLbl>
+  <dgm:styleLbl name="fgSibTrans2D1">
+    <dgm:scene3d>
+      <a:camera prst="orthographicFront"/>
+      <a:lightRig rig="threePt" dir="t"/>
+    </dgm:scene3d>
+    <dgm:sp3d/>
+    <dgm:txPr/>
+    <dgm:style>
+      <a:lnRef idx="0">
+        <a:scrgbClr r="0" g="0" b="0"/>
+      </a:lnRef>
+      <a:fillRef idx="1">
+        <a:scrgbClr r="0" g="0" b="0"/>
+      </a:fillRef>
+      <a:effectRef idx="0">
+        <a:scrgbClr r="0" g="0" b="0"/>
+      </a:effectRef>
+      <a:fontRef idx="minor">
+        <a:schemeClr val="lt1"/>
+      </a:fontRef>
+    </dgm:style>
+  </dgm:styleLbl>
+  <dgm:styleLbl name="bgSibTrans2D1">
+    <dgm:scene3d>
+      <a:camera prst="orthographicFront"/>
+      <a:lightRig rig="threePt" dir="t"/>
+    </dgm:scene3d>
+    <dgm:sp3d/>
+    <dgm:txPr/>
+    <dgm:style>
+      <a:lnRef idx="0">
+        <a:scrgbClr r="0" g="0" b="0"/>
+      </a:lnRef>
+      <a:fillRef idx="1">
+        <a:scrgbClr r="0" g="0" b="0"/>
+      </a:fillRef>
+      <a:effectRef idx="0">
+        <a:scrgbClr r="0" g="0" b="0"/>
+      </a:effectRef>
+      <a:fontRef idx="minor">
+        <a:schemeClr val="lt1"/>
+      </a:fontRef>
+    </dgm:style>
+  </dgm:styleLbl>
+  <dgm:styleLbl name="sibTrans1D1">
+    <dgm:scene3d>
+      <a:camera prst="orthographicFront"/>
+      <a:lightRig rig="threePt" dir="t"/>
+    </dgm:scene3d>
+    <dgm:sp3d/>
+    <dgm:txPr/>
+    <dgm:style>
+      <a:lnRef idx="1">
+        <a:scrgbClr r="0" g="0" b="0"/>
+      </a:lnRef>
+      <a:fillRef idx="0">
+        <a:scrgbClr r="0" g="0" b="0"/>
+      </a:fillRef>
+      <a:effectRef idx="0">
+        <a:scrgbClr r="0" g="0" b="0"/>
+      </a:effectRef>
+      <a:fontRef idx="minor"/>
+    </dgm:style>
+  </dgm:styleLbl>
+  <dgm:styleLbl name="callout">
+    <dgm:scene3d>
+      <a:camera prst="orthographicFront"/>
+      <a:lightRig rig="threePt" dir="t"/>
+    </dgm:scene3d>
+    <dgm:sp3d/>
+    <dgm:txPr/>
+    <dgm:style>
+      <a:lnRef idx="2">
+        <a:scrgbClr r="0" g="0" b="0"/>
+      </a:lnRef>
+      <a:fillRef idx="1">
+        <a:scrgbClr r="0" g="0" b="0"/>
+      </a:fillRef>
+      <a:effectRef idx="0">
+        <a:scrgbClr r="0" g="0" b="0"/>
+      </a:effectRef>
+      <a:fontRef idx="minor"/>
+    </dgm:style>
+  </dgm:styleLbl>
+  <dgm:styleLbl name="asst0">
+    <dgm:scene3d>
+      <a:camera prst="orthographicFront"/>
+      <a:lightRig rig="threePt" dir="t"/>
+    </dgm:scene3d>
+    <dgm:sp3d/>
+    <dgm:txPr/>
+    <dgm:style>
+      <a:lnRef idx="2">
+        <a:scrgbClr r="0" g="0" b="0"/>
+      </a:lnRef>
+      <a:fillRef idx="1">
+        <a:scrgbClr r="0" g="0" b="0"/>
+      </a:fillRef>
+      <a:effectRef idx="0">
+        <a:scrgbClr r="0" g="0" b="0"/>
+      </a:effectRef>
+      <a:fontRef idx="minor">
+        <a:schemeClr val="lt1"/>
+      </a:fontRef>
+    </dgm:style>
+  </dgm:styleLbl>
+  <dgm:styleLbl name="asst1">
+    <dgm:scene3d>
+      <a:camera prst="orthographicFront"/>
+      <a:lightRig rig="threePt" dir="t"/>
+    </dgm:scene3d>
+    <dgm:sp3d/>
+    <dgm:txPr/>
+    <dgm:style>
+      <a:lnRef idx="2">
+        <a:scrgbClr r="0" g="0" b="0"/>
+      </a:lnRef>
+      <a:fillRef idx="1">
+        <a:scrgbClr r="0" g="0" b="0"/>
+      </a:fillRef>
+      <a:effectRef idx="0">
+        <a:scrgbClr r="0" g="0" b="0"/>
+      </a:effectRef>
+      <a:fontRef idx="minor">
+        <a:schemeClr val="lt1"/>
+      </a:fontRef>
+    </dgm:style>
+  </dgm:styleLbl>
+  <dgm:styleLbl name="asst2">
+    <dgm:scene3d>
+      <a:camera prst="orthographicFront"/>
+      <a:lightRig rig="threePt" dir="t"/>
+    </dgm:scene3d>
+    <dgm:sp3d/>
+    <dgm:txPr/>
+    <dgm:style>
+      <a:lnRef idx="2">
+        <a:scrgbClr r="0" g="0" b="0"/>
+      </a:lnRef>
+      <a:fillRef idx="1">
+        <a:scrgbClr r="0" g="0" b="0"/>
+      </a:fillRef>
+      <a:effectRef idx="0">
+        <a:scrgbClr r="0" g="0" b="0"/>
+      </a:effectRef>
+      <a:fontRef idx="minor">
+        <a:schemeClr val="lt1"/>
+      </a:fontRef>
+    </dgm:style>
+  </dgm:styleLbl>
+  <dgm:styleLbl name="asst3">
+    <dgm:scene3d>
+      <a:camera prst="orthographicFront"/>
+      <a:lightRig rig="threePt" dir="t"/>
+    </dgm:scene3d>
+    <dgm:sp3d/>
+    <dgm:txPr/>
+    <dgm:style>
+      <a:lnRef idx="2">
+        <a:scrgbClr r="0" g="0" b="0"/>
+      </a:lnRef>
+      <a:fillRef idx="1">
+        <a:scrgbClr r="0" g="0" b="0"/>
+      </a:fillRef>
+      <a:effectRef idx="0">
+        <a:scrgbClr r="0" g="0" b="0"/>
+      </a:effectRef>
+      <a:fontRef idx="minor">
+        <a:schemeClr val="lt1"/>
+      </a:fontRef>
+    </dgm:style>
+  </dgm:styleLbl>
+  <dgm:styleLbl name="asst4">
+    <dgm:scene3d>
+      <a:camera prst="orthographicFront"/>
+      <a:lightRig rig="threePt" dir="t"/>
+    </dgm:scene3d>
+    <dgm:sp3d/>
+    <dgm:txPr/>
+    <dgm:style>
+      <a:lnRef idx="2">
+        <a:scrgbClr r="0" g="0" b="0"/>
+      </a:lnRef>
+      <a:fillRef idx="1">
+        <a:scrgbClr r="0" g="0" b="0"/>
+      </a:fillRef>
+      <a:effectRef idx="0">
+        <a:scrgbClr r="0" g="0" b="0"/>
+      </a:effectRef>
+      <a:fontRef idx="minor">
+        <a:schemeClr val="lt1"/>
+      </a:fontRef>
+    </dgm:style>
+  </dgm:styleLbl>
+  <dgm:styleLbl name="parChTrans2D1">
+    <dgm:scene3d>
+      <a:camera prst="orthographicFront"/>
+      <a:lightRig rig="threePt" dir="t"/>
+    </dgm:scene3d>
+    <dgm:sp3d/>
+    <dgm:txPr/>
+    <dgm:style>
+      <a:lnRef idx="2">
+        <a:scrgbClr r="0" g="0" b="0"/>
+      </a:lnRef>
+      <a:fillRef idx="1">
+        <a:scrgbClr r="0" g="0" b="0"/>
+      </a:fillRef>
+      <a:effectRef idx="0">
+        <a:scrgbClr r="0" g="0" b="0"/>
+      </a:effectRef>
+      <a:fontRef idx="minor">
+        <a:schemeClr val="lt1"/>
+      </a:fontRef>
+    </dgm:style>
+  </dgm:styleLbl>
+  <dgm:styleLbl name="parChTrans2D2">
+    <dgm:scene3d>
+      <a:camera prst="orthographicFront"/>
+      <a:lightRig rig="threePt" dir="t"/>
+    </dgm:scene3d>
+    <dgm:sp3d/>
+    <dgm:txPr/>
+    <dgm:style>
+      <a:lnRef idx="2">
+        <a:scrgbClr r="0" g="0" b="0"/>
+      </a:lnRef>
+      <a:fillRef idx="1">
+        <a:scrgbClr r="0" g="0" b="0"/>
+      </a:fillRef>
+      <a:effectRef idx="0">
+        <a:scrgbClr r="0" g="0" b="0"/>
+      </a:effectRef>
+      <a:fontRef idx="minor">
+        <a:schemeClr val="lt1"/>
+      </a:fontRef>
+    </dgm:style>
+  </dgm:styleLbl>
+  <dgm:styleLbl name="parChTrans2D3">
+    <dgm:scene3d>
+      <a:camera prst="orthographicFront"/>
+      <a:lightRig rig="threePt" dir="t"/>
+    </dgm:scene3d>
+    <dgm:sp3d/>
+    <dgm:txPr/>
+    <dgm:style>
+      <a:lnRef idx="2">
+        <a:scrgbClr r="0" g="0" b="0"/>
+      </a:lnRef>
+      <a:fillRef idx="1">
+        <a:scrgbClr r="0" g="0" b="0"/>
+      </a:fillRef>
+      <a:effectRef idx="0">
+        <a:scrgbClr r="0" g="0" b="0"/>
+      </a:effectRef>
+      <a:fontRef idx="minor">
+        <a:schemeClr val="lt1"/>
+      </a:fontRef>
+    </dgm:style>
+  </dgm:styleLbl>
+  <dgm:styleLbl name="parChTrans2D4">
+    <dgm:scene3d>
+      <a:camera prst="orthographicFront"/>
+      <a:lightRig rig="threePt" dir="t"/>
+    </dgm:scene3d>
+    <dgm:sp3d/>
+    <dgm:txPr/>
+    <dgm:style>
+      <a:lnRef idx="2">
+        <a:scrgbClr r="0" g="0" b="0"/>
+      </a:lnRef>
+      <a:fillRef idx="1">
+        <a:scrgbClr r="0" g="0" b="0"/>
+      </a:fillRef>
+      <a:effectRef idx="0">
+        <a:scrgbClr r="0" g="0" b="0"/>
+      </a:effectRef>
+      <a:fontRef idx="minor">
+        <a:schemeClr val="lt1"/>
+      </a:fontRef>
+    </dgm:style>
+  </dgm:styleLbl>
+  <dgm:styleLbl name="parChTrans1D1">
+    <dgm:scene3d>
+      <a:camera prst="orthographicFront"/>
+      <a:lightRig rig="threePt" dir="t"/>
+    </dgm:scene3d>
+    <dgm:sp3d/>
+    <dgm:txPr/>
+    <dgm:style>
+      <a:lnRef idx="2">
+        <a:scrgbClr r="0" g="0" b="0"/>
+      </a:lnRef>
+      <a:fillRef idx="0">
+        <a:scrgbClr r="0" g="0" b="0"/>
+      </a:fillRef>
+      <a:effectRef idx="0">
+        <a:scrgbClr r="0" g="0" b="0"/>
+      </a:effectRef>
+      <a:fontRef idx="minor"/>
+    </dgm:style>
+  </dgm:styleLbl>
+  <dgm:styleLbl name="parChTrans1D2">
+    <dgm:scene3d>
+      <a:camera prst="orthographicFront"/>
+      <a:lightRig rig="threePt" dir="t"/>
+    </dgm:scene3d>
+    <dgm:sp3d/>
+    <dgm:txPr/>
+    <dgm:style>
+      <a:lnRef idx="2">
+        <a:scrgbClr r="0" g="0" b="0"/>
+      </a:lnRef>
+      <a:fillRef idx="0">
+        <a:scrgbClr r="0" g="0" b="0"/>
+      </a:fillRef>
+      <a:effectRef idx="0">
+        <a:scrgbClr r="0" g="0" b="0"/>
+      </a:effectRef>
+      <a:fontRef idx="minor"/>
+    </dgm:style>
+  </dgm:styleLbl>
+  <dgm:styleLbl name="parChTrans1D3">
+    <dgm:scene3d>
+      <a:camera prst="orthographicFront"/>
+      <a:lightRig rig="threePt" dir="t"/>
+    </dgm:scene3d>
+    <dgm:sp3d/>
+    <dgm:txPr/>
+    <dgm:style>
+      <a:lnRef idx="2">
+        <a:scrgbClr r="0" g="0" b="0"/>
+      </a:lnRef>
+      <a:fillRef idx="0">
+        <a:scrgbClr r="0" g="0" b="0"/>
+      </a:fillRef>
+      <a:effectRef idx="0">
+        <a:scrgbClr r="0" g="0" b="0"/>
+      </a:effectRef>
+      <a:fontRef idx="minor"/>
+    </dgm:style>
+  </dgm:styleLbl>
+  <dgm:styleLbl name="parChTrans1D4">
+    <dgm:scene3d>
+      <a:camera prst="orthographicFront"/>
+      <a:lightRig rig="threePt" dir="t"/>
+    </dgm:scene3d>
+    <dgm:sp3d/>
+    <dgm:txPr/>
+    <dgm:style>
+      <a:lnRef idx="2">
+        <a:scrgbClr r="0" g="0" b="0"/>
+      </a:lnRef>
+      <a:fillRef idx="0">
+        <a:scrgbClr r="0" g="0" b="0"/>
+      </a:fillRef>
+      <a:effectRef idx="0">
+        <a:scrgbClr r="0" g="0" b="0"/>
+      </a:effectRef>
+      <a:fontRef idx="minor"/>
+    </dgm:style>
+  </dgm:styleLbl>
+  <dgm:styleLbl name="fgAcc1">
+    <dgm:scene3d>
+      <a:camera prst="orthographicFront"/>
+      <a:lightRig rig="threePt" dir="t"/>
+    </dgm:scene3d>
+    <dgm:sp3d/>
+    <dgm:txPr/>
+    <dgm:style>
+      <a:lnRef idx="2">
+        <a:scrgbClr r="0" g="0" b="0"/>
+      </a:lnRef>
+      <a:fillRef idx="1">
+        <a:scrgbClr r="0" g="0" b="0"/>
+      </a:fillRef>
+      <a:effectRef idx="0">
+        <a:scrgbClr r="0" g="0" b="0"/>
+      </a:effectRef>
+      <a:fontRef idx="minor"/>
+    </dgm:style>
+  </dgm:styleLbl>
+  <dgm:styleLbl name="conFgAcc1">
+    <dgm:scene3d>
+      <a:camera prst="orthographicFront"/>
+      <a:lightRig rig="threePt" dir="t"/>
+    </dgm:scene3d>
+    <dgm:sp3d/>
+    <dgm:txPr/>
+    <dgm:style>
+      <a:lnRef idx="2">
+        <a:scrgbClr r="0" g="0" b="0"/>
+      </a:lnRef>
+      <a:fillRef idx="1">
+        <a:scrgbClr r="0" g="0" b="0"/>
+      </a:fillRef>
+      <a:effectRef idx="0">
+        <a:scrgbClr r="0" g="0" b="0"/>
+      </a:effectRef>
+      <a:fontRef idx="minor"/>
+    </dgm:style>
+  </dgm:styleLbl>
+  <dgm:styleLbl name="alignAcc1">
+    <dgm:scene3d>
+      <a:camera prst="orthographicFront"/>
+      <a:lightRig rig="threePt" dir="t"/>
+    </dgm:scene3d>
+    <dgm:sp3d/>
+    <dgm:txPr/>
+    <dgm:style>
+      <a:lnRef idx="2">
+        <a:scrgbClr r="0" g="0" b="0"/>
+      </a:lnRef>
+      <a:fillRef idx="1">
+        <a:scrgbClr r="0" g="0" b="0"/>
+      </a:fillRef>
+      <a:effectRef idx="0">
+        <a:scrgbClr r="0" g="0" b="0"/>
+      </a:effectRef>
+      <a:fontRef idx="minor"/>
+    </dgm:style>
+  </dgm:styleLbl>
+  <dgm:styleLbl name="trAlignAcc1">
+    <dgm:scene3d>
+      <a:camera prst="orthographicFront"/>
+      <a:lightRig rig="threePt" dir="t"/>
+    </dgm:scene3d>
+    <dgm:sp3d/>
+    <dgm:txPr/>
+    <dgm:style>
+      <a:lnRef idx="1">
+        <a:scrgbClr r="0" g="0" b="0"/>
+      </a:lnRef>
+      <a:fillRef idx="1">
+        <a:scrgbClr r="0" g="0" b="0"/>
+      </a:fillRef>
+      <a:effectRef idx="0">
+        <a:scrgbClr r="0" g="0" b="0"/>
+      </a:effectRef>
+      <a:fontRef idx="minor"/>
+    </dgm:style>
+  </dgm:styleLbl>
+  <dgm:styleLbl name="bgAcc1">
+    <dgm:scene3d>
+      <a:camera prst="orthographicFront"/>
+      <a:lightRig rig="threePt" dir="t"/>
+    </dgm:scene3d>
+    <dgm:sp3d/>
+    <dgm:txPr/>
+    <dgm:style>
+      <a:lnRef idx="2">
+        <a:scrgbClr r="0" g="0" b="0"/>
+      </a:lnRef>
+      <a:fillRef idx="1">
+        <a:scrgbClr r="0" g="0" b="0"/>
+      </a:fillRef>
+      <a:effectRef idx="0">
+        <a:scrgbClr r="0" g="0" b="0"/>
+      </a:effectRef>
+      <a:fontRef idx="minor"/>
+    </dgm:style>
+  </dgm:styleLbl>
+  <dgm:styleLbl name="solidFgAcc1">
+    <dgm:scene3d>
+      <a:camera prst="orthographicFront"/>
+      <a:lightRig rig="threePt" dir="t"/>
+    </dgm:scene3d>
+    <dgm:sp3d/>
+    <dgm:txPr/>
+    <dgm:style>
+      <a:lnRef idx="2">
+        <a:scrgbClr r="0" g="0" b="0"/>
+      </a:lnRef>
+      <a:fillRef idx="1">
+        <a:scrgbClr r="0" g="0" b="0"/>
+      </a:fillRef>
+      <a:effectRef idx="0">
+        <a:scrgbClr r="0" g="0" b="0"/>
+      </a:effectRef>
+      <a:fontRef idx="minor"/>
+    </dgm:style>
+  </dgm:styleLbl>
+  <dgm:styleLbl name="solidAlignAcc1">
+    <dgm:scene3d>
+      <a:camera prst="orthographicFront"/>
+      <a:lightRig rig="threePt" dir="t"/>
+    </dgm:scene3d>
+    <dgm:sp3d/>
+    <dgm:txPr/>
+    <dgm:style>
+      <a:lnRef idx="2">
+        <a:scrgbClr r="0" g="0" b="0"/>
+      </a:lnRef>
+      <a:fillRef idx="1">
+        <a:scrgbClr r="0" g="0" b="0"/>
+      </a:fillRef>
+      <a:effectRef idx="0">
+        <a:scrgbClr r="0" g="0" b="0"/>
+      </a:effectRef>
+      <a:fontRef idx="minor"/>
+    </dgm:style>
+  </dgm:styleLbl>
+  <dgm:styleLbl name="solidBgAcc1">
+    <dgm:scene3d>
+      <a:camera prst="orthographicFront"/>
+      <a:lightRig rig="threePt" dir="t"/>
+    </dgm:scene3d>
+    <dgm:sp3d/>
+    <dgm:txPr/>
+    <dgm:style>
+      <a:lnRef idx="2">
+        <a:scrgbClr r="0" g="0" b="0"/>
+      </a:lnRef>
+      <a:fillRef idx="1">
+        <a:scrgbClr r="0" g="0" b="0"/>
+      </a:fillRef>
+      <a:effectRef idx="0">
+        <a:scrgbClr r="0" g="0" b="0"/>
+      </a:effectRef>
+      <a:fontRef idx="minor"/>
+    </dgm:style>
+  </dgm:styleLbl>
+  <dgm:styleLbl name="fgAccFollowNode1">
+    <dgm:scene3d>
+      <a:camera prst="orthographicFront"/>
+      <a:lightRig rig="threePt" dir="t"/>
+    </dgm:scene3d>
+    <dgm:sp3d/>
+    <dgm:txPr/>
+    <dgm:style>
+      <a:lnRef idx="2">
+        <a:scrgbClr r="0" g="0" b="0"/>
+      </a:lnRef>
+      <a:fillRef idx="1">
+        <a:scrgbClr r="0" g="0" b="0"/>
+      </a:fillRef>
+      <a:effectRef idx="0">
+        <a:scrgbClr r="0" g="0" b="0"/>
+      </a:effectRef>
+      <a:fontRef idx="minor"/>
+    </dgm:style>
+  </dgm:styleLbl>
+  <dgm:styleLbl name="alignAccFollowNode1">
+    <dgm:scene3d>
+      <a:camera prst="orthographicFront"/>
+      <a:lightRig rig="threePt" dir="t"/>
+    </dgm:scene3d>
+    <dgm:sp3d/>
+    <dgm:txPr/>
+    <dgm:style>
+      <a:lnRef idx="2">
+        <a:scrgbClr r="0" g="0" b="0"/>
+      </a:lnRef>
+      <a:fillRef idx="1">
+        <a:scrgbClr r="0" g="0" b="0"/>
+      </a:fillRef>
+      <a:effectRef idx="0">
+        <a:scrgbClr r="0" g="0" b="0"/>
+      </a:effectRef>
+      <a:fontRef idx="minor"/>
+    </dgm:style>
+  </dgm:styleLbl>
+  <dgm:styleLbl name="bgAccFollowNode1">
+    <dgm:scene3d>
+      <a:camera prst="orthographicFront"/>
+      <a:lightRig rig="threePt" dir="t"/>
+    </dgm:scene3d>
+    <dgm:sp3d/>
+    <dgm:txPr/>
+    <dgm:style>
+      <a:lnRef idx="2">
+        <a:scrgbClr r="0" g="0" b="0"/>
+      </a:lnRef>
+      <a:fillRef idx="1">
+        <a:scrgbClr r="0" g="0" b="0"/>
+      </a:fillRef>
+      <a:effectRef idx="0">
+        <a:scrgbClr r="0" g="0" b="0"/>
+      </a:effectRef>
+      <a:fontRef idx="minor"/>
+    </dgm:style>
+  </dgm:styleLbl>
+  <dgm:styleLbl name="fgAcc0">
+    <dgm:scene3d>
+      <a:camera prst="orthographicFront"/>
+      <a:lightRig rig="threePt" dir="t"/>
+    </dgm:scene3d>
+    <dgm:sp3d/>
+    <dgm:txPr/>
+    <dgm:style>
+      <a:lnRef idx="2">
+        <a:scrgbClr r="0" g="0" b="0"/>
+      </a:lnRef>
+      <a:fillRef idx="1">
+        <a:scrgbClr r="0" g="0" b="0"/>
+      </a:fillRef>
+      <a:effectRef idx="0">
+        <a:scrgbClr r="0" g="0" b="0"/>
+      </a:effectRef>
+      <a:fontRef idx="minor"/>
+    </dgm:style>
+  </dgm:styleLbl>
+  <dgm:styleLbl name="fgAcc2">
+    <dgm:scene3d>
+      <a:camera prst="orthographicFront"/>
+      <a:lightRig rig="threePt" dir="t"/>
+    </dgm:scene3d>
+    <dgm:sp3d/>
+    <dgm:txPr/>
+    <dgm:style>
+      <a:lnRef idx="2">
+        <a:scrgbClr r="0" g="0" b="0"/>
+      </a:lnRef>
+      <a:fillRef idx="1">
+        <a:scrgbClr r="0" g="0" b="0"/>
+      </a:fillRef>
+      <a:effectRef idx="0">
+        <a:scrgbClr r="0" g="0" b="0"/>
+      </a:effectRef>
+      <a:fontRef idx="minor"/>
+    </dgm:style>
+  </dgm:styleLbl>
+  <dgm:styleLbl name="fgAcc3">
+    <dgm:scene3d>
+      <a:camera prst="orthographicFront"/>
+      <a:lightRig rig="threePt" dir="t"/>
+    </dgm:scene3d>
+    <dgm:sp3d/>
+    <dgm:txPr/>
+    <dgm:style>
+      <a:lnRef idx="2">
+        <a:scrgbClr r="0" g="0" b="0"/>
+      </a:lnRef>
+      <a:fillRef idx="1">
+        <a:scrgbClr r="0" g="0" b="0"/>
+      </a:fillRef>
+      <a:effectRef idx="0">
+        <a:scrgbClr r="0" g="0" b="0"/>
+      </a:effectRef>
+      <a:fontRef idx="minor"/>
+    </dgm:style>
+  </dgm:styleLbl>
+  <dgm:styleLbl name="fgAcc4">
+    <dgm:scene3d>
+      <a:camera prst="orthographicFront"/>
+      <a:lightRig rig="threePt" dir="t"/>
+    </dgm:scene3d>
+    <dgm:sp3d/>
+    <dgm:txPr/>
+    <dgm:style>
+      <a:lnRef idx="2">
+        <a:scrgbClr r="0" g="0" b="0"/>
+      </a:lnRef>
+      <a:fillRef idx="1">
+        <a:scrgbClr r="0" g="0" b="0"/>
+      </a:fillRef>
+      <a:effectRef idx="0">
+        <a:scrgbClr r="0" g="0" b="0"/>
+      </a:effectRef>
+      <a:fontRef idx="minor"/>
+    </dgm:style>
+  </dgm:styleLbl>
+  <dgm:styleLbl name="bgShp">
+    <dgm:scene3d>
+      <a:camera prst="orthographicFront"/>
+      <a:lightRig rig="threePt" dir="t"/>
+    </dgm:scene3d>
+    <dgm:sp3d/>
+    <dgm:txPr/>
+    <dgm:style>
+      <a:lnRef idx="0">
+        <a:scrgbClr r="0" g="0" b="0"/>
+      </a:lnRef>
+      <a:fillRef idx="1">
+        <a:scrgbClr r="0" g="0" b="0"/>
+      </a:fillRef>
+      <a:effectRef idx="0">
+        <a:scrgbClr r="0" g="0" b="0"/>
+      </a:effectRef>
+      <a:fontRef idx="minor"/>
+    </dgm:style>
+  </dgm:styleLbl>
+  <dgm:styleLbl name="dkBgShp">
+    <dgm:scene3d>
+      <a:camera prst="orthographicFront"/>
+      <a:lightRig rig="threePt" dir="t"/>
+    </dgm:scene3d>
+    <dgm:sp3d/>
+    <dgm:txPr/>
+    <dgm:style>
+      <a:lnRef idx="0">
+        <a:scrgbClr r="0" g="0" b="0"/>
+      </a:lnRef>
+      <a:fillRef idx="1">
+        <a:scrgbClr r="0" g="0" b="0"/>
+      </a:fillRef>
+      <a:effectRef idx="0">
+        <a:scrgbClr r="0" g="0" b="0"/>
+      </a:effectRef>
+      <a:fontRef idx="minor"/>
+    </dgm:style>
+  </dgm:styleLbl>
+  <dgm:styleLbl name="trBgShp">
+    <dgm:scene3d>
+      <a:camera prst="orthographicFront"/>
+      <a:lightRig rig="threePt" dir="t"/>
+    </dgm:scene3d>
+    <dgm:sp3d/>
+    <dgm:txPr/>
+    <dgm:style>
+      <a:lnRef idx="0">
+        <a:scrgbClr r="0" g="0" b="0"/>
+      </a:lnRef>
+      <a:fillRef idx="1">
+        <a:scrgbClr r="0" g="0" b="0"/>
+      </a:fillRef>
+      <a:effectRef idx="0">
+        <a:scrgbClr r="0" g="0" b="0"/>
+      </a:effectRef>
+      <a:fontRef idx="minor"/>
+    </dgm:style>
+  </dgm:styleLbl>
+  <dgm:styleLbl name="fgShp">
+    <dgm:scene3d>
+      <a:camera prst="orthographicFront"/>
+      <a:lightRig rig="threePt" dir="t"/>
+    </dgm:scene3d>
+    <dgm:sp3d/>
+    <dgm:txPr/>
+    <dgm:style>
+      <a:lnRef idx="2">
+        <a:scrgbClr r="0" g="0" b="0"/>
+      </a:lnRef>
+      <a:fillRef idx="1">
+        <a:scrgbClr r="0" g="0" b="0"/>
+      </a:fillRef>
+      <a:effectRef idx="0">
+        <a:scrgbClr r="0" g="0" b="0"/>
+      </a:effectRef>
+      <a:fontRef idx="minor"/>
+    </dgm:style>
+  </dgm:styleLbl>
+  <dgm:styleLbl name="revTx">
+    <dgm:scene3d>
+      <a:camera prst="orthographicFront"/>
+      <a:lightRig rig="threePt" dir="t"/>
+    </dgm:scene3d>
+    <dgm:sp3d/>
+    <dgm:txPr/>
+    <dgm:style>
+      <a:lnRef idx="0">
+        <a:scrgbClr r="0" g="0" b="0"/>
+      </a:lnRef>
+      <a:fillRef idx="0">
+        <a:scrgbClr r="0" g="0" b="0"/>
+      </a:fillRef>
+      <a:effectRef idx="0">
+        <a:scrgbClr r="0" g="0" b="0"/>
+      </a:effectRef>
+      <a:fontRef idx="minor"/>
+    </dgm:style>
+  </dgm:styleLbl>
+</dgm:styleDef>
+</file>
+
+<file path=ppt/diagrams/quickStyle3.xml><?xml version="1.0" encoding="utf-8"?>
 <dgm:styleDef xmlns:dgm="http://schemas.openxmlformats.org/drawingml/2006/diagram" xmlns:a="http://schemas.openxmlformats.org/drawingml/2006/main" uniqueId="urn:microsoft.com/office/officeart/2005/8/quickstyle/simple1">
   <dgm:title val=""/>
   <dgm:desc val=""/>
@@ -5906,6 +10867,432 @@
     <p:extLst>
       <p:ext uri="{BB962C8B-B14F-4D97-AF65-F5344CB8AC3E}">
         <p14:creationId xmlns:p14="http://schemas.microsoft.com/office/powerpoint/2010/main" val="2184113037"/>
+      </p:ext>
+    </p:extLst>
+  </p:cSld>
+  <p:clrMapOvr>
+    <a:masterClrMapping/>
+  </p:clrMapOvr>
+</p:notes>
+</file>
+
+<file path=ppt/notesSlides/notesSlide6.xml><?xml version="1.0" encoding="utf-8"?>
+<p:notes xmlns:a="http://schemas.openxmlformats.org/drawingml/2006/main" xmlns:r="http://schemas.openxmlformats.org/officeDocument/2006/relationships" xmlns:p="http://schemas.openxmlformats.org/presentationml/2006/main">
+  <p:cSld>
+    <p:spTree>
+      <p:nvGrpSpPr>
+        <p:cNvPr id="1" name=""/>
+        <p:cNvGrpSpPr/>
+        <p:nvPr/>
+      </p:nvGrpSpPr>
+      <p:grpSpPr>
+        <a:xfrm>
+          <a:off x="0" y="0"/>
+          <a:ext cx="0" cy="0"/>
+          <a:chOff x="0" y="0"/>
+          <a:chExt cx="0" cy="0"/>
+        </a:xfrm>
+      </p:grpSpPr>
+      <p:sp>
+        <p:nvSpPr>
+          <p:cNvPr id="2" name="Slide Image Placeholder 1"/>
+          <p:cNvSpPr>
+            <a:spLocks noGrp="1" noRot="1" noChangeAspect="1"/>
+          </p:cNvSpPr>
+          <p:nvPr>
+            <p:ph type="sldImg"/>
+          </p:nvPr>
+        </p:nvSpPr>
+        <p:spPr/>
+      </p:sp>
+      <p:sp>
+        <p:nvSpPr>
+          <p:cNvPr id="3" name="Notes Placeholder 2"/>
+          <p:cNvSpPr>
+            <a:spLocks noGrp="1"/>
+          </p:cNvSpPr>
+          <p:nvPr>
+            <p:ph type="body" idx="1"/>
+          </p:nvPr>
+        </p:nvSpPr>
+        <p:spPr/>
+        <p:txBody>
+          <a:bodyPr/>
+          <a:lstStyle/>
+          <a:p>
+            <a:r>
+              <a:rPr lang="en-US" dirty="0"/>
+              <a:t>Imagine that you must make your code work with a broad set of objects.</a:t>
+            </a:r>
+            <a:r>
+              <a:rPr lang="zh-CN" altLang="en-US" dirty="0"/>
+              <a:t> </a:t>
+            </a:r>
+            <a:r>
+              <a:rPr lang="en-US" altLang="zh-CN" dirty="0"/>
+              <a:t>Those</a:t>
+            </a:r>
+            <a:r>
+              <a:rPr lang="zh-CN" altLang="en-US" dirty="0"/>
+              <a:t> </a:t>
+            </a:r>
+            <a:r>
+              <a:rPr lang="en-US" altLang="zh-CN" dirty="0"/>
+              <a:t>objects</a:t>
+            </a:r>
+            <a:r>
+              <a:rPr lang="en-US" dirty="0"/>
+              <a:t> belong to a complex library or framework. </a:t>
+            </a:r>
+          </a:p>
+          <a:p>
+            <a:r>
+              <a:rPr lang="en-US" dirty="0"/>
+              <a:t>Usually, you’d need to initialize all those objects, keep track of dependencies, execute methods in the correct order, and so on.</a:t>
+            </a:r>
+          </a:p>
+          <a:p>
+            <a:r>
+              <a:rPr lang="en-US" dirty="0"/>
+              <a:t>As a result, the business logic of your classes would become tightly coupled to the implementation details of 3rd-party classes, making it hard to maintain.</a:t>
+            </a:r>
+          </a:p>
+          <a:p>
+            <a:endParaRPr lang="en-US" dirty="0"/>
+          </a:p>
+          <a:p>
+            <a:pPr marL="0" marR="0" lvl="0" indent="0" algn="l" defTabSz="914400" rtl="0" eaLnBrk="1" fontAlgn="auto" latinLnBrk="0" hangingPunct="1">
+              <a:lnSpc>
+                <a:spcPct val="100000"/>
+              </a:lnSpc>
+              <a:spcBef>
+                <a:spcPts val="0"/>
+              </a:spcBef>
+              <a:spcAft>
+                <a:spcPts val="0"/>
+              </a:spcAft>
+              <a:buClrTx/>
+              <a:buSzTx/>
+              <a:buFontTx/>
+              <a:buNone/>
+              <a:tabLst/>
+              <a:defRPr/>
+            </a:pPr>
+            <a:r>
+              <a:rPr lang="en-US" b="1" dirty="0"/>
+              <a:t>Facade</a:t>
+            </a:r>
+            <a:r>
+              <a:rPr lang="en-US" dirty="0"/>
+              <a:t> provides a simplified interface to a library, a framework, or any other complex set of classes.</a:t>
+            </a:r>
+          </a:p>
+          <a:p>
+            <a:endParaRPr lang="en-US" dirty="0"/>
+          </a:p>
+          <a:p>
+            <a:endParaRPr lang="en-US" dirty="0"/>
+          </a:p>
+          <a:p>
+            <a:endParaRPr lang="en-US" dirty="0"/>
+          </a:p>
+        </p:txBody>
+      </p:sp>
+      <p:sp>
+        <p:nvSpPr>
+          <p:cNvPr id="4" name="Slide Number Placeholder 3"/>
+          <p:cNvSpPr>
+            <a:spLocks noGrp="1"/>
+          </p:cNvSpPr>
+          <p:nvPr>
+            <p:ph type="sldNum" sz="quarter" idx="5"/>
+          </p:nvPr>
+        </p:nvSpPr>
+        <p:spPr/>
+        <p:txBody>
+          <a:bodyPr/>
+          <a:lstStyle/>
+          <a:p>
+            <a:fld id="{01420855-62A1-43EF-8815-D1313CE67D77}" type="slidenum">
+              <a:rPr lang="en-AU" smtClean="0"/>
+              <a:t>6</a:t>
+            </a:fld>
+            <a:endParaRPr lang="en-AU"/>
+          </a:p>
+        </p:txBody>
+      </p:sp>
+    </p:spTree>
+    <p:extLst>
+      <p:ext uri="{BB962C8B-B14F-4D97-AF65-F5344CB8AC3E}">
+        <p14:creationId xmlns:p14="http://schemas.microsoft.com/office/powerpoint/2010/main" val="2704153329"/>
+      </p:ext>
+    </p:extLst>
+  </p:cSld>
+  <p:clrMapOvr>
+    <a:masterClrMapping/>
+  </p:clrMapOvr>
+</p:notes>
+</file>
+
+<file path=ppt/notesSlides/notesSlide7.xml><?xml version="1.0" encoding="utf-8"?>
+<p:notes xmlns:a="http://schemas.openxmlformats.org/drawingml/2006/main" xmlns:r="http://schemas.openxmlformats.org/officeDocument/2006/relationships" xmlns:p="http://schemas.openxmlformats.org/presentationml/2006/main">
+  <p:cSld>
+    <p:spTree>
+      <p:nvGrpSpPr>
+        <p:cNvPr id="1" name=""/>
+        <p:cNvGrpSpPr/>
+        <p:nvPr/>
+      </p:nvGrpSpPr>
+      <p:grpSpPr>
+        <a:xfrm>
+          <a:off x="0" y="0"/>
+          <a:ext cx="0" cy="0"/>
+          <a:chOff x="0" y="0"/>
+          <a:chExt cx="0" cy="0"/>
+        </a:xfrm>
+      </p:grpSpPr>
+      <p:sp>
+        <p:nvSpPr>
+          <p:cNvPr id="2" name="Slide Image Placeholder 1"/>
+          <p:cNvSpPr>
+            <a:spLocks noGrp="1" noRot="1" noChangeAspect="1"/>
+          </p:cNvSpPr>
+          <p:nvPr>
+            <p:ph type="sldImg"/>
+          </p:nvPr>
+        </p:nvSpPr>
+        <p:spPr/>
+      </p:sp>
+      <p:sp>
+        <p:nvSpPr>
+          <p:cNvPr id="3" name="Notes Placeholder 2"/>
+          <p:cNvSpPr>
+            <a:spLocks noGrp="1"/>
+          </p:cNvSpPr>
+          <p:nvPr>
+            <p:ph type="body" idx="1"/>
+          </p:nvPr>
+        </p:nvSpPr>
+        <p:spPr/>
+        <p:txBody>
+          <a:bodyPr/>
+          <a:lstStyle/>
+          <a:p>
+            <a:r>
+              <a:rPr lang="en-US" dirty="0"/>
+              <a:t>The </a:t>
+            </a:r>
+            <a:r>
+              <a:rPr lang="en-US" b="1" dirty="0"/>
+              <a:t>Facade</a:t>
+            </a:r>
+            <a:r>
+              <a:rPr lang="en-US" dirty="0"/>
+              <a:t> provides convenient access to a particular part of the subsystem’s functionality. It knows where to direct the client’s request and how to operate all the moving parts.</a:t>
+            </a:r>
+          </a:p>
+          <a:p>
+            <a:endParaRPr lang="en-US" dirty="0"/>
+          </a:p>
+          <a:p>
+            <a:r>
+              <a:rPr lang="en-US" dirty="0"/>
+              <a:t>The </a:t>
+            </a:r>
+            <a:r>
+              <a:rPr lang="en-US" b="1" dirty="0"/>
+              <a:t>Complex Subsystem</a:t>
+            </a:r>
+            <a:r>
+              <a:rPr lang="en-US" dirty="0"/>
+              <a:t> consists of dozens of various objects. </a:t>
+            </a:r>
+          </a:p>
+          <a:p>
+            <a:r>
+              <a:rPr lang="en-US" dirty="0"/>
+              <a:t>To make them all do something meaningful, you must dive deep into the subsystem’s implementation details, such as initializing objects in the correct order and supplying them with data in the proper format.</a:t>
+            </a:r>
+          </a:p>
+          <a:p>
+            <a:r>
+              <a:rPr lang="en-US" dirty="0"/>
+              <a:t>Subsystem classes aren’t aware of the facade’s existence. They operate within the system and work with each other directly.</a:t>
+            </a:r>
+          </a:p>
+          <a:p>
+            <a:endParaRPr lang="en-US" dirty="0"/>
+          </a:p>
+        </p:txBody>
+      </p:sp>
+      <p:sp>
+        <p:nvSpPr>
+          <p:cNvPr id="4" name="Slide Number Placeholder 3"/>
+          <p:cNvSpPr>
+            <a:spLocks noGrp="1"/>
+          </p:cNvSpPr>
+          <p:nvPr>
+            <p:ph type="sldNum" sz="quarter" idx="5"/>
+          </p:nvPr>
+        </p:nvSpPr>
+        <p:spPr/>
+        <p:txBody>
+          <a:bodyPr/>
+          <a:lstStyle/>
+          <a:p>
+            <a:fld id="{01420855-62A1-43EF-8815-D1313CE67D77}" type="slidenum">
+              <a:rPr lang="en-AU" smtClean="0"/>
+              <a:t>7</a:t>
+            </a:fld>
+            <a:endParaRPr lang="en-AU"/>
+          </a:p>
+        </p:txBody>
+      </p:sp>
+    </p:spTree>
+    <p:extLst>
+      <p:ext uri="{BB962C8B-B14F-4D97-AF65-F5344CB8AC3E}">
+        <p14:creationId xmlns:p14="http://schemas.microsoft.com/office/powerpoint/2010/main" val="1027438650"/>
+      </p:ext>
+    </p:extLst>
+  </p:cSld>
+  <p:clrMapOvr>
+    <a:masterClrMapping/>
+  </p:clrMapOvr>
+</p:notes>
+</file>
+
+<file path=ppt/notesSlides/notesSlide8.xml><?xml version="1.0" encoding="utf-8"?>
+<p:notes xmlns:a="http://schemas.openxmlformats.org/drawingml/2006/main" xmlns:r="http://schemas.openxmlformats.org/officeDocument/2006/relationships" xmlns:p="http://schemas.openxmlformats.org/presentationml/2006/main">
+  <p:cSld>
+    <p:spTree>
+      <p:nvGrpSpPr>
+        <p:cNvPr id="1" name=""/>
+        <p:cNvGrpSpPr/>
+        <p:nvPr/>
+      </p:nvGrpSpPr>
+      <p:grpSpPr>
+        <a:xfrm>
+          <a:off x="0" y="0"/>
+          <a:ext cx="0" cy="0"/>
+          <a:chOff x="0" y="0"/>
+          <a:chExt cx="0" cy="0"/>
+        </a:xfrm>
+      </p:grpSpPr>
+      <p:sp>
+        <p:nvSpPr>
+          <p:cNvPr id="2" name="Slide Image Placeholder 1"/>
+          <p:cNvSpPr>
+            <a:spLocks noGrp="1" noRot="1" noChangeAspect="1"/>
+          </p:cNvSpPr>
+          <p:nvPr>
+            <p:ph type="sldImg"/>
+          </p:nvPr>
+        </p:nvSpPr>
+        <p:spPr/>
+      </p:sp>
+      <p:sp>
+        <p:nvSpPr>
+          <p:cNvPr id="3" name="Notes Placeholder 2"/>
+          <p:cNvSpPr>
+            <a:spLocks noGrp="1"/>
+          </p:cNvSpPr>
+          <p:nvPr>
+            <p:ph type="body" idx="1"/>
+          </p:nvPr>
+        </p:nvSpPr>
+        <p:spPr/>
+        <p:txBody>
+          <a:bodyPr/>
+          <a:lstStyle/>
+          <a:p>
+            <a:endParaRPr lang="en-US" dirty="0"/>
+          </a:p>
+          <a:p>
+            <a:r>
+              <a:rPr lang="en-US" dirty="0"/>
+              <a:t>Since t</a:t>
+            </a:r>
+            <a:r>
+              <a:rPr lang="en-US" altLang="zh-CN" dirty="0"/>
+              <a:t>he client code won’t get into </a:t>
+            </a:r>
+            <a:r>
+              <a:rPr lang="en-US" dirty="0"/>
+              <a:t>complex logic of one or several subsystems.</a:t>
+            </a:r>
+          </a:p>
+          <a:p>
+            <a:endParaRPr lang="en-US" dirty="0"/>
+          </a:p>
+          <a:p>
+            <a:r>
+              <a:rPr lang="en-US" dirty="0"/>
+              <a:t>However, the Facade delegates the requests to subsystem.</a:t>
+            </a:r>
+          </a:p>
+          <a:p>
+            <a:endParaRPr lang="en-US" dirty="0"/>
+          </a:p>
+          <a:p>
+            <a:r>
+              <a:rPr lang="en-US" b="0" i="0" dirty="0">
+                <a:solidFill>
+                  <a:srgbClr val="444444"/>
+                </a:solidFill>
+                <a:effectLst/>
+                <a:latin typeface="PT Sans" panose="020B0503020203020204" pitchFamily="34" charset="0"/>
+              </a:rPr>
+              <a:t>Subsystems often get more complex over time. The configuration it requires grows ever larger.</a:t>
+            </a:r>
+          </a:p>
+          <a:p>
+            <a:r>
+              <a:rPr lang="en-US" b="0" i="0" dirty="0">
+                <a:solidFill>
+                  <a:srgbClr val="444444"/>
+                </a:solidFill>
+                <a:effectLst/>
+                <a:latin typeface="PT Sans" panose="020B0503020203020204" pitchFamily="34" charset="0"/>
+              </a:rPr>
+              <a:t>The Facade attempts to fix this problem by providing a shortcut to the most-used features of the subsystem which fit most client requirements.</a:t>
+            </a:r>
+            <a:endParaRPr lang="en-US" dirty="0"/>
+          </a:p>
+          <a:p>
+            <a:endParaRPr lang="en-US" dirty="0"/>
+          </a:p>
+          <a:p>
+            <a:endParaRPr lang="en-US" dirty="0"/>
+          </a:p>
+        </p:txBody>
+      </p:sp>
+      <p:sp>
+        <p:nvSpPr>
+          <p:cNvPr id="4" name="Slide Number Placeholder 3"/>
+          <p:cNvSpPr>
+            <a:spLocks noGrp="1"/>
+          </p:cNvSpPr>
+          <p:nvPr>
+            <p:ph type="sldNum" sz="quarter" idx="5"/>
+          </p:nvPr>
+        </p:nvSpPr>
+        <p:spPr/>
+        <p:txBody>
+          <a:bodyPr/>
+          <a:lstStyle/>
+          <a:p>
+            <a:fld id="{01420855-62A1-43EF-8815-D1313CE67D77}" type="slidenum">
+              <a:rPr lang="en-AU" smtClean="0"/>
+              <a:t>8</a:t>
+            </a:fld>
+            <a:endParaRPr lang="en-AU"/>
+          </a:p>
+        </p:txBody>
+      </p:sp>
+    </p:spTree>
+    <p:extLst>
+      <p:ext uri="{BB962C8B-B14F-4D97-AF65-F5344CB8AC3E}">
+        <p14:creationId xmlns:p14="http://schemas.microsoft.com/office/powerpoint/2010/main" val="4235469888"/>
       </p:ext>
     </p:extLst>
   </p:cSld>
@@ -9078,8 +14465,8 @@
         </p:blipFill>
         <p:spPr>
           <a:xfrm>
-            <a:off x="1080000" y="4105581"/>
-            <a:ext cx="12264128" cy="7665080"/>
+            <a:off x="5849296" y="3977681"/>
+            <a:ext cx="12673408" cy="7920880"/>
           </a:xfrm>
           <a:prstGeom prst="rect">
             <a:avLst/>
@@ -9185,10 +14572,10 @@
       </p:sp>
       <p:sp>
         <p:nvSpPr>
-          <p:cNvPr id="16" name="Title 3">
+          <p:cNvPr id="8" name="Title 9">
             <a:extLst>
               <a:ext uri="{FF2B5EF4-FFF2-40B4-BE49-F238E27FC236}">
-                <a16:creationId xmlns:a16="http://schemas.microsoft.com/office/drawing/2014/main" id="{01917DEB-5F2E-FD46-EA71-AC804F46F551}"/>
+                <a16:creationId xmlns:a16="http://schemas.microsoft.com/office/drawing/2014/main" id="{DC45491D-551A-5A4B-8A1B-9E9F2A459920}"/>
               </a:ext>
             </a:extLst>
           </p:cNvPr>
@@ -9210,7 +14597,7 @@
           <a:lstStyle/>
           <a:p>
             <a:r>
-              <a:rPr lang="en-US" sz="5400" b="1"/>
+              <a:rPr lang="en-US" b="1" dirty="0"/>
               <a:t>1. Adapter</a:t>
             </a:r>
             <a:endParaRPr lang="en-US" dirty="0"/>
@@ -9364,8 +14751,8 @@
         </p:blipFill>
         <p:spPr>
           <a:xfrm>
-            <a:off x="1079500" y="5702588"/>
-            <a:ext cx="10838657" cy="5979948"/>
+            <a:off x="1079500" y="4841776"/>
+            <a:ext cx="10838657" cy="6840760"/>
           </a:xfrm>
           <a:prstGeom prst="rect">
             <a:avLst/>
@@ -9416,8 +14803,8 @@
         </p:blipFill>
         <p:spPr>
           <a:xfrm>
-            <a:off x="12745244" y="5702588"/>
-            <a:ext cx="10477500" cy="5979948"/>
+            <a:off x="12745244" y="4841776"/>
+            <a:ext cx="10477500" cy="6840760"/>
           </a:xfrm>
           <a:prstGeom prst="rect">
             <a:avLst/>
@@ -9452,7 +14839,7 @@
         </p:nvSpPr>
         <p:spPr>
           <a:xfrm>
-            <a:off x="4050556" y="4514835"/>
+            <a:off x="4127104" y="11914569"/>
             <a:ext cx="4896544" cy="830997"/>
           </a:xfrm>
           <a:prstGeom prst="rect">
@@ -9498,7 +14885,7 @@
         </p:nvSpPr>
         <p:spPr>
           <a:xfrm>
-            <a:off x="15787750" y="4514835"/>
+            <a:off x="15359325" y="11914569"/>
             <a:ext cx="4392488" cy="830997"/>
           </a:xfrm>
           <a:prstGeom prst="rect">
@@ -9534,69 +14921,34 @@
           </a:p>
         </p:txBody>
       </p:sp>
-      <p:sp>
-        <p:nvSpPr>
-          <p:cNvPr id="4" name="TextBox 3">
+      <p:graphicFrame>
+        <p:nvGraphicFramePr>
+          <p:cNvPr id="6" name="Diagram 5">
             <a:extLst>
               <a:ext uri="{FF2B5EF4-FFF2-40B4-BE49-F238E27FC236}">
-                <a16:creationId xmlns:a16="http://schemas.microsoft.com/office/drawing/2014/main" id="{BE48293C-EDDB-8FC4-5951-09057794EED3}"/>
+                <a16:creationId xmlns:a16="http://schemas.microsoft.com/office/drawing/2014/main" id="{9692540E-9C44-5F9E-BC24-C0D04663C3A0}"/>
               </a:ext>
             </a:extLst>
           </p:cNvPr>
-          <p:cNvSpPr txBox="1"/>
-          <p:nvPr/>
-        </p:nvSpPr>
-        <p:spPr>
-          <a:xfrm>
-            <a:off x="8375576" y="1673424"/>
-            <a:ext cx="7632848" cy="2308324"/>
-          </a:xfrm>
-          <a:prstGeom prst="rect">
-            <a:avLst/>
-          </a:prstGeom>
-          <a:noFill/>
-        </p:spPr>
-        <p:txBody>
-          <a:bodyPr wrap="square">
-            <a:spAutoFit/>
-          </a:bodyPr>
-          <a:lstStyle/>
-          <a:p>
-            <a:pPr marL="571500" indent="-571500">
-              <a:buFont typeface="Arial" panose="020B0604020202020204" pitchFamily="34" charset="0"/>
-              <a:buChar char="•"/>
-            </a:pPr>
-            <a:r>
-              <a:rPr lang="en-US" dirty="0"/>
-              <a:t>Target (Client Interface)</a:t>
-            </a:r>
-          </a:p>
-          <a:p>
-            <a:pPr marL="571500" indent="-571500">
-              <a:buFont typeface="Arial" panose="020B0604020202020204" pitchFamily="34" charset="0"/>
-              <a:buChar char="•"/>
-            </a:pPr>
-            <a:r>
-              <a:rPr lang="en-US" dirty="0" err="1"/>
-              <a:t>Adaptee</a:t>
-            </a:r>
-            <a:r>
-              <a:rPr lang="en-US" dirty="0"/>
-              <a:t> (Service) </a:t>
-            </a:r>
-          </a:p>
-          <a:p>
-            <a:pPr marL="571500" indent="-571500">
-              <a:buFont typeface="Arial" panose="020B0604020202020204" pitchFamily="34" charset="0"/>
-              <a:buChar char="•"/>
-            </a:pPr>
-            <a:r>
-              <a:rPr lang="en-US" dirty="0"/>
-              <a:t>Adapter</a:t>
-            </a:r>
-          </a:p>
-        </p:txBody>
-      </p:sp>
+          <p:cNvGraphicFramePr/>
+          <p:nvPr>
+            <p:extLst>
+              <p:ext uri="{D42A27DB-BD31-4B8C-83A1-F6EECF244321}">
+                <p14:modId xmlns:p14="http://schemas.microsoft.com/office/powerpoint/2010/main" val="4230995491"/>
+              </p:ext>
+            </p:extLst>
+          </p:nvPr>
+        </p:nvGraphicFramePr>
+        <p:xfrm>
+          <a:off x="7722854" y="1494243"/>
+          <a:ext cx="8064896" cy="2751700"/>
+        </p:xfrm>
+        <a:graphic>
+          <a:graphicData uri="http://schemas.openxmlformats.org/drawingml/2006/diagram">
+            <dgm:relIds xmlns:dgm="http://schemas.openxmlformats.org/drawingml/2006/diagram" xmlns:r="http://schemas.openxmlformats.org/officeDocument/2006/relationships" r:dm="rId5" r:lo="rId6" r:qs="rId7" r:cs="rId8"/>
+          </a:graphicData>
+        </a:graphic>
+      </p:graphicFrame>
     </p:spTree>
     <p:extLst>
       <p:ext uri="{BB962C8B-B14F-4D97-AF65-F5344CB8AC3E}">
@@ -9781,56 +15133,6 @@
       </p:grpSpPr>
       <p:sp>
         <p:nvSpPr>
-          <p:cNvPr id="2" name="Content Placeholder 1">
-            <a:extLst>
-              <a:ext uri="{FF2B5EF4-FFF2-40B4-BE49-F238E27FC236}">
-                <a16:creationId xmlns:a16="http://schemas.microsoft.com/office/drawing/2014/main" id="{9DD345F9-1520-F3C0-82CB-4AE356DEB6DD}"/>
-              </a:ext>
-            </a:extLst>
-          </p:cNvPr>
-          <p:cNvSpPr>
-            <a:spLocks noGrp="1"/>
-          </p:cNvSpPr>
-          <p:nvPr>
-            <p:ph sz="half" idx="15"/>
-          </p:nvPr>
-        </p:nvSpPr>
-        <p:spPr/>
-        <p:txBody>
-          <a:bodyPr/>
-          <a:lstStyle/>
-          <a:p>
-            <a:endParaRPr lang="en-US"/>
-          </a:p>
-        </p:txBody>
-      </p:sp>
-      <p:sp>
-        <p:nvSpPr>
-          <p:cNvPr id="3" name="Content Placeholder 2">
-            <a:extLst>
-              <a:ext uri="{FF2B5EF4-FFF2-40B4-BE49-F238E27FC236}">
-                <a16:creationId xmlns:a16="http://schemas.microsoft.com/office/drawing/2014/main" id="{57F00022-7883-62BD-8CE1-63A6825755D4}"/>
-              </a:ext>
-            </a:extLst>
-          </p:cNvPr>
-          <p:cNvSpPr>
-            <a:spLocks noGrp="1"/>
-          </p:cNvSpPr>
-          <p:nvPr>
-            <p:ph sz="half" idx="16"/>
-          </p:nvPr>
-        </p:nvSpPr>
-        <p:spPr/>
-        <p:txBody>
-          <a:bodyPr/>
-          <a:lstStyle/>
-          <a:p>
-            <a:endParaRPr lang="en-US"/>
-          </a:p>
-        </p:txBody>
-      </p:sp>
-      <p:sp>
-        <p:nvSpPr>
           <p:cNvPr id="4" name="Title 3">
             <a:extLst>
               <a:ext uri="{FF2B5EF4-FFF2-40B4-BE49-F238E27FC236}">
@@ -9850,7 +15152,11 @@
           <a:bodyPr/>
           <a:lstStyle/>
           <a:p>
-            <a:endParaRPr lang="en-US"/>
+            <a:r>
+              <a:rPr lang="en-US" b="1" dirty="0"/>
+              <a:t>2. Facade</a:t>
+            </a:r>
+            <a:endParaRPr lang="en-US" dirty="0"/>
           </a:p>
         </p:txBody>
       </p:sp>
@@ -9913,31 +15219,42 @@
           </a:p>
         </p:txBody>
       </p:sp>
-      <p:sp>
-        <p:nvSpPr>
-          <p:cNvPr id="7" name="Text Placeholder 6">
+      <p:pic>
+        <p:nvPicPr>
+          <p:cNvPr id="8" name="Content Placeholder 5" descr="Diagram, engineering drawing&#10;&#10;Description automatically generated">
             <a:extLst>
               <a:ext uri="{FF2B5EF4-FFF2-40B4-BE49-F238E27FC236}">
-                <a16:creationId xmlns:a16="http://schemas.microsoft.com/office/drawing/2014/main" id="{7D55235B-0240-BE51-3061-57658A7C02A7}"/>
+                <a16:creationId xmlns:a16="http://schemas.microsoft.com/office/drawing/2014/main" id="{68274F01-4D4E-2DBB-6CAC-6287E4B99B1B}"/>
               </a:ext>
             </a:extLst>
           </p:cNvPr>
-          <p:cNvSpPr>
-            <a:spLocks noGrp="1"/>
-          </p:cNvSpPr>
-          <p:nvPr>
-            <p:ph type="body" sz="quarter" idx="13"/>
-          </p:nvPr>
-        </p:nvSpPr>
-        <p:spPr/>
-        <p:txBody>
-          <a:bodyPr/>
-          <a:lstStyle/>
-          <a:p>
-            <a:endParaRPr lang="en-US"/>
-          </a:p>
-        </p:txBody>
-      </p:sp>
+          <p:cNvPicPr>
+            <a:picLocks noChangeAspect="1"/>
+          </p:cNvPicPr>
+          <p:nvPr/>
+        </p:nvPicPr>
+        <p:blipFill>
+          <a:blip r:embed="rId3">
+            <a:extLst>
+              <a:ext uri="{28A0092B-C50C-407E-A947-70E740481C1C}">
+                <a14:useLocalDpi xmlns:a14="http://schemas.microsoft.com/office/drawing/2010/main" val="0"/>
+              </a:ext>
+            </a:extLst>
+          </a:blip>
+          <a:stretch>
+            <a:fillRect/>
+          </a:stretch>
+        </p:blipFill>
+        <p:spPr>
+          <a:xfrm>
+            <a:off x="5063208" y="2105472"/>
+            <a:ext cx="14545622" cy="9091015"/>
+          </a:xfrm>
+          <a:prstGeom prst="rect">
+            <a:avLst/>
+          </a:prstGeom>
+        </p:spPr>
+      </p:pic>
     </p:spTree>
     <p:extLst>
       <p:ext uri="{BB962C8B-B14F-4D97-AF65-F5344CB8AC3E}">
@@ -9952,6 +15269,339 @@
 </file>
 
 <file path=ppt/slides/slide7.xml><?xml version="1.0" encoding="utf-8"?>
+<p:sld xmlns:a="http://schemas.openxmlformats.org/drawingml/2006/main" xmlns:r="http://schemas.openxmlformats.org/officeDocument/2006/relationships" xmlns:p="http://schemas.openxmlformats.org/presentationml/2006/main">
+  <p:cSld>
+    <p:spTree>
+      <p:nvGrpSpPr>
+        <p:cNvPr id="1" name=""/>
+        <p:cNvGrpSpPr/>
+        <p:nvPr/>
+      </p:nvGrpSpPr>
+      <p:grpSpPr>
+        <a:xfrm>
+          <a:off x="0" y="0"/>
+          <a:ext cx="0" cy="0"/>
+          <a:chOff x="0" y="0"/>
+          <a:chExt cx="0" cy="0"/>
+        </a:xfrm>
+      </p:grpSpPr>
+      <p:sp>
+        <p:nvSpPr>
+          <p:cNvPr id="5" name="Footer Placeholder 4">
+            <a:extLst>
+              <a:ext uri="{FF2B5EF4-FFF2-40B4-BE49-F238E27FC236}">
+                <a16:creationId xmlns:a16="http://schemas.microsoft.com/office/drawing/2014/main" id="{FB25E7BA-6CEF-CB5C-A4F2-E65A4ADD4C55}"/>
+              </a:ext>
+            </a:extLst>
+          </p:cNvPr>
+          <p:cNvSpPr>
+            <a:spLocks noGrp="1"/>
+          </p:cNvSpPr>
+          <p:nvPr>
+            <p:ph type="ftr" sz="quarter" idx="3"/>
+          </p:nvPr>
+        </p:nvSpPr>
+        <p:spPr/>
+        <p:txBody>
+          <a:bodyPr/>
+          <a:lstStyle/>
+          <a:p>
+            <a:r>
+              <a:rPr lang="en-AU"/>
+              <a:t>© 2020 CargoWise</a:t>
+            </a:r>
+            <a:endParaRPr lang="en-AU" dirty="0"/>
+          </a:p>
+        </p:txBody>
+      </p:sp>
+      <p:sp>
+        <p:nvSpPr>
+          <p:cNvPr id="6" name="Slide Number Placeholder 5">
+            <a:extLst>
+              <a:ext uri="{FF2B5EF4-FFF2-40B4-BE49-F238E27FC236}">
+                <a16:creationId xmlns:a16="http://schemas.microsoft.com/office/drawing/2014/main" id="{2CAB7213-A998-488B-B7F1-AB8EF273E75F}"/>
+              </a:ext>
+            </a:extLst>
+          </p:cNvPr>
+          <p:cNvSpPr>
+            <a:spLocks noGrp="1"/>
+          </p:cNvSpPr>
+          <p:nvPr>
+            <p:ph type="sldNum" sz="quarter" idx="4"/>
+          </p:nvPr>
+        </p:nvSpPr>
+        <p:spPr/>
+        <p:txBody>
+          <a:bodyPr/>
+          <a:lstStyle/>
+          <a:p>
+            <a:fld id="{67E7CB4E-0848-4774-9F85-B38117CB1B54}" type="slidenum">
+              <a:rPr lang="en-AU" smtClean="0"/>
+              <a:pPr/>
+              <a:t>7</a:t>
+            </a:fld>
+            <a:endParaRPr lang="en-AU" dirty="0"/>
+          </a:p>
+        </p:txBody>
+      </p:sp>
+      <p:graphicFrame>
+        <p:nvGraphicFramePr>
+          <p:cNvPr id="11" name="Diagram 10">
+            <a:extLst>
+              <a:ext uri="{FF2B5EF4-FFF2-40B4-BE49-F238E27FC236}">
+                <a16:creationId xmlns:a16="http://schemas.microsoft.com/office/drawing/2014/main" id="{640EA9B6-5A62-5219-FE7B-484F50127C7D}"/>
+              </a:ext>
+            </a:extLst>
+          </p:cNvPr>
+          <p:cNvGraphicFramePr/>
+          <p:nvPr>
+            <p:extLst>
+              <p:ext uri="{D42A27DB-BD31-4B8C-83A1-F6EECF244321}">
+                <p14:modId xmlns:p14="http://schemas.microsoft.com/office/powerpoint/2010/main" val="3954447447"/>
+              </p:ext>
+            </p:extLst>
+          </p:nvPr>
+        </p:nvGraphicFramePr>
+        <p:xfrm>
+          <a:off x="1232681" y="4193704"/>
+          <a:ext cx="4772437" cy="3363524"/>
+        </p:xfrm>
+        <a:graphic>
+          <a:graphicData uri="http://schemas.openxmlformats.org/drawingml/2006/diagram">
+            <dgm:relIds xmlns:dgm="http://schemas.openxmlformats.org/drawingml/2006/diagram" xmlns:r="http://schemas.openxmlformats.org/officeDocument/2006/relationships" r:dm="rId3" r:lo="rId4" r:qs="rId5" r:cs="rId6"/>
+          </a:graphicData>
+        </a:graphic>
+      </p:graphicFrame>
+      <p:pic>
+        <p:nvPicPr>
+          <p:cNvPr id="9" name="Picture 8">
+            <a:extLst>
+              <a:ext uri="{FF2B5EF4-FFF2-40B4-BE49-F238E27FC236}">
+                <a16:creationId xmlns:a16="http://schemas.microsoft.com/office/drawing/2014/main" id="{92B3ECFD-0BF7-089F-58E6-B9EE090E0CE9}"/>
+              </a:ext>
+            </a:extLst>
+          </p:cNvPr>
+          <p:cNvPicPr>
+            <a:picLocks noChangeAspect="1"/>
+          </p:cNvPicPr>
+          <p:nvPr/>
+        </p:nvPicPr>
+        <p:blipFill rotWithShape="1">
+          <a:blip r:embed="rId8"/>
+          <a:srcRect r="3872"/>
+          <a:stretch/>
+        </p:blipFill>
+        <p:spPr>
+          <a:xfrm>
+            <a:off x="8015536" y="3689648"/>
+            <a:ext cx="15985776" cy="6062772"/>
+          </a:xfrm>
+          <a:prstGeom prst="rect">
+            <a:avLst/>
+          </a:prstGeom>
+        </p:spPr>
+      </p:pic>
+      <p:sp>
+        <p:nvSpPr>
+          <p:cNvPr id="10" name="Title 3">
+            <a:extLst>
+              <a:ext uri="{FF2B5EF4-FFF2-40B4-BE49-F238E27FC236}">
+                <a16:creationId xmlns:a16="http://schemas.microsoft.com/office/drawing/2014/main" id="{FCB376B8-539C-8DBB-C460-444AE6D443A3}"/>
+              </a:ext>
+            </a:extLst>
+          </p:cNvPr>
+          <p:cNvSpPr>
+            <a:spLocks noGrp="1"/>
+          </p:cNvSpPr>
+          <p:nvPr>
+            <p:ph type="title"/>
+          </p:nvPr>
+        </p:nvSpPr>
+        <p:spPr>
+          <a:xfrm>
+            <a:off x="1080000" y="1125271"/>
+            <a:ext cx="22201232" cy="701456"/>
+          </a:xfrm>
+        </p:spPr>
+        <p:txBody>
+          <a:bodyPr/>
+          <a:lstStyle/>
+          <a:p>
+            <a:r>
+              <a:rPr lang="en-US" b="1" dirty="0"/>
+              <a:t>2. Facade</a:t>
+            </a:r>
+            <a:endParaRPr lang="en-US" dirty="0"/>
+          </a:p>
+        </p:txBody>
+      </p:sp>
+    </p:spTree>
+    <p:extLst>
+      <p:ext uri="{BB962C8B-B14F-4D97-AF65-F5344CB8AC3E}">
+        <p14:creationId xmlns:p14="http://schemas.microsoft.com/office/powerpoint/2010/main" val="3495813387"/>
+      </p:ext>
+    </p:extLst>
+  </p:cSld>
+  <p:clrMapOvr>
+    <a:masterClrMapping/>
+  </p:clrMapOvr>
+</p:sld>
+</file>
+
+<file path=ppt/slides/slide8.xml><?xml version="1.0" encoding="utf-8"?>
+<p:sld xmlns:a="http://schemas.openxmlformats.org/drawingml/2006/main" xmlns:r="http://schemas.openxmlformats.org/officeDocument/2006/relationships" xmlns:p="http://schemas.openxmlformats.org/presentationml/2006/main">
+  <p:cSld>
+    <p:spTree>
+      <p:nvGrpSpPr>
+        <p:cNvPr id="1" name=""/>
+        <p:cNvGrpSpPr/>
+        <p:nvPr/>
+      </p:nvGrpSpPr>
+      <p:grpSpPr>
+        <a:xfrm>
+          <a:off x="0" y="0"/>
+          <a:ext cx="0" cy="0"/>
+          <a:chOff x="0" y="0"/>
+          <a:chExt cx="0" cy="0"/>
+        </a:xfrm>
+      </p:grpSpPr>
+      <p:sp>
+        <p:nvSpPr>
+          <p:cNvPr id="5" name="Footer Placeholder 4">
+            <a:extLst>
+              <a:ext uri="{FF2B5EF4-FFF2-40B4-BE49-F238E27FC236}">
+                <a16:creationId xmlns:a16="http://schemas.microsoft.com/office/drawing/2014/main" id="{40EDA1DE-3240-2AA3-9B3C-6120103F4000}"/>
+              </a:ext>
+            </a:extLst>
+          </p:cNvPr>
+          <p:cNvSpPr>
+            <a:spLocks noGrp="1"/>
+          </p:cNvSpPr>
+          <p:nvPr>
+            <p:ph type="ftr" sz="quarter" idx="3"/>
+          </p:nvPr>
+        </p:nvSpPr>
+        <p:spPr/>
+        <p:txBody>
+          <a:bodyPr/>
+          <a:lstStyle/>
+          <a:p>
+            <a:r>
+              <a:rPr lang="en-AU"/>
+              <a:t>© 2020 CargoWise</a:t>
+            </a:r>
+            <a:endParaRPr lang="en-AU" dirty="0"/>
+          </a:p>
+        </p:txBody>
+      </p:sp>
+      <p:sp>
+        <p:nvSpPr>
+          <p:cNvPr id="6" name="Slide Number Placeholder 5">
+            <a:extLst>
+              <a:ext uri="{FF2B5EF4-FFF2-40B4-BE49-F238E27FC236}">
+                <a16:creationId xmlns:a16="http://schemas.microsoft.com/office/drawing/2014/main" id="{3ACAF048-7676-3CF4-568D-A1AFF7B8108B}"/>
+              </a:ext>
+            </a:extLst>
+          </p:cNvPr>
+          <p:cNvSpPr>
+            <a:spLocks noGrp="1"/>
+          </p:cNvSpPr>
+          <p:nvPr>
+            <p:ph type="sldNum" sz="quarter" idx="4"/>
+          </p:nvPr>
+        </p:nvSpPr>
+        <p:spPr/>
+        <p:txBody>
+          <a:bodyPr/>
+          <a:lstStyle/>
+          <a:p>
+            <a:fld id="{67E7CB4E-0848-4774-9F85-B38117CB1B54}" type="slidenum">
+              <a:rPr lang="en-AU" smtClean="0"/>
+              <a:pPr/>
+              <a:t>8</a:t>
+            </a:fld>
+            <a:endParaRPr lang="en-AU" dirty="0"/>
+          </a:p>
+        </p:txBody>
+      </p:sp>
+      <p:sp>
+        <p:nvSpPr>
+          <p:cNvPr id="8" name="Title 3">
+            <a:extLst>
+              <a:ext uri="{FF2B5EF4-FFF2-40B4-BE49-F238E27FC236}">
+                <a16:creationId xmlns:a16="http://schemas.microsoft.com/office/drawing/2014/main" id="{E6C53180-0EA2-9775-F0C1-9F71625297B6}"/>
+              </a:ext>
+            </a:extLst>
+          </p:cNvPr>
+          <p:cNvSpPr>
+            <a:spLocks noGrp="1"/>
+          </p:cNvSpPr>
+          <p:nvPr>
+            <p:ph type="title"/>
+          </p:nvPr>
+        </p:nvSpPr>
+        <p:spPr>
+          <a:xfrm>
+            <a:off x="1080000" y="1125271"/>
+            <a:ext cx="22201232" cy="701456"/>
+          </a:xfrm>
+        </p:spPr>
+        <p:txBody>
+          <a:bodyPr/>
+          <a:lstStyle/>
+          <a:p>
+            <a:r>
+              <a:rPr lang="en-US" b="1" dirty="0"/>
+              <a:t>2. Facade</a:t>
+            </a:r>
+            <a:endParaRPr lang="en-US" dirty="0"/>
+          </a:p>
+        </p:txBody>
+      </p:sp>
+      <p:pic>
+        <p:nvPicPr>
+          <p:cNvPr id="9" name="Content Placeholder 4">
+            <a:extLst>
+              <a:ext uri="{FF2B5EF4-FFF2-40B4-BE49-F238E27FC236}">
+                <a16:creationId xmlns:a16="http://schemas.microsoft.com/office/drawing/2014/main" id="{A22B3F00-08BD-C7FC-E9E4-C80379BA22A7}"/>
+              </a:ext>
+            </a:extLst>
+          </p:cNvPr>
+          <p:cNvPicPr>
+            <a:picLocks noChangeAspect="1"/>
+          </p:cNvPicPr>
+          <p:nvPr/>
+        </p:nvPicPr>
+        <p:blipFill>
+          <a:blip r:embed="rId3"/>
+          <a:stretch>
+            <a:fillRect/>
+          </a:stretch>
+        </p:blipFill>
+        <p:spPr>
+          <a:xfrm>
+            <a:off x="1216562" y="3473624"/>
+            <a:ext cx="20910167" cy="4261863"/>
+          </a:xfrm>
+          <a:prstGeom prst="rect">
+            <a:avLst/>
+          </a:prstGeom>
+        </p:spPr>
+      </p:pic>
+    </p:spTree>
+    <p:extLst>
+      <p:ext uri="{BB962C8B-B14F-4D97-AF65-F5344CB8AC3E}">
+        <p14:creationId xmlns:p14="http://schemas.microsoft.com/office/powerpoint/2010/main" val="2067632723"/>
+      </p:ext>
+    </p:extLst>
+  </p:cSld>
+  <p:clrMapOvr>
+    <a:masterClrMapping/>
+  </p:clrMapOvr>
+</p:sld>
+</file>
+
+<file path=ppt/slides/slide9.xml><?xml version="1.0" encoding="utf-8"?>
 <p:sld xmlns:a="http://schemas.openxmlformats.org/drawingml/2006/main" xmlns:r="http://schemas.openxmlformats.org/officeDocument/2006/relationships" xmlns:p="http://schemas.openxmlformats.org/presentationml/2006/main">
   <p:cSld>
     <p:spTree>
@@ -10095,7 +15745,7 @@
             <a:fld id="{67E7CB4E-0848-4774-9F85-B38117CB1B54}" type="slidenum">
               <a:rPr lang="en-AU" smtClean="0"/>
               <a:pPr/>
-              <a:t>7</a:t>
+              <a:t>9</a:t>
             </a:fld>
             <a:endParaRPr lang="en-AU"/>
           </a:p>
@@ -10950,40 +16600,6 @@
 </file>
 
 <file path=customXml/item1.xml><?xml version="1.0" encoding="utf-8"?>
-<p:properties xmlns:p="http://schemas.microsoft.com/office/2006/metadata/properties" xmlns:xsi="http://www.w3.org/2001/XMLSchema-instance" xmlns:pc="http://schemas.microsoft.com/office/infopath/2007/PartnerControls">
-  <documentManagement>
-    <m31bf1e07b944e52adeba921bc267c6f xmlns="5b887053-13c9-4ef0-8e1a-18d371f97b0f">
-      <Terms xmlns="http://schemas.microsoft.com/office/infopath/2007/PartnerControls">
-        <TermInfo xmlns="http://schemas.microsoft.com/office/infopath/2007/PartnerControls">
-          <TermName xmlns="http://schemas.microsoft.com/office/infopath/2007/PartnerControls">Template</TermName>
-          <TermId xmlns="http://schemas.microsoft.com/office/infopath/2007/PartnerControls">4cb20c5d-8684-4c01-8767-8f31339dae89</TermId>
-        </TermInfo>
-      </Terms>
-    </m31bf1e07b944e52adeba921bc267c6f>
-    <b0c2500a83b44d29aa19c43daa01cbea xmlns="5b887053-13c9-4ef0-8e1a-18d371f97b0f">
-      <Terms xmlns="http://schemas.microsoft.com/office/infopath/2007/PartnerControls">
-        <TermInfo xmlns="http://schemas.microsoft.com/office/infopath/2007/PartnerControls">
-          <TermName xmlns="http://schemas.microsoft.com/office/infopath/2007/PartnerControls">External Presentation Templates</TermName>
-          <TermId xmlns="http://schemas.microsoft.com/office/infopath/2007/PartnerControls">caad3a6e-0773-4fd4-8a19-b76678610a1f</TermId>
-        </TermInfo>
-      </Terms>
-    </b0c2500a83b44d29aa19c43daa01cbea>
-    <TaxCatchAll xmlns="5b887053-13c9-4ef0-8e1a-18d371f97b0f">
-      <Value>529</Value>
-      <Value>535</Value>
-    </TaxCatchAll>
-    <SharedWithUsers xmlns="5b887053-13c9-4ef0-8e1a-18d371f97b0f">
-      <UserInfo>
-        <DisplayName/>
-        <AccountId xsi:nil="true"/>
-        <AccountType/>
-      </UserInfo>
-    </SharedWithUsers>
-  </documentManagement>
-</p:properties>
-</file>
-
-<file path=customXml/item2.xml><?xml version="1.0" encoding="utf-8"?>
 <ct:contentTypeSchema xmlns:ct="http://schemas.microsoft.com/office/2006/metadata/contentType" xmlns:ma="http://schemas.microsoft.com/office/2006/metadata/properties/metaAttributes" ct:_="" ma:_="" ma:contentTypeName="Document" ma:contentTypeID="0x010100EEBA5D7D688A8D40BC8134A23630083E" ma:contentTypeVersion="17" ma:contentTypeDescription="Create a new document." ma:contentTypeScope="" ma:versionID="6c9f025c4a6d5a921d1240212dd2136e">
   <xsd:schema xmlns:xsd="http://www.w3.org/2001/XMLSchema" xmlns:xs="http://www.w3.org/2001/XMLSchema" xmlns:p="http://schemas.microsoft.com/office/2006/metadata/properties" xmlns:ns2="5b887053-13c9-4ef0-8e1a-18d371f97b0f" xmlns:ns3="0cb0f8a9-a4a1-4c3c-bc15-be6ee1e258a4" targetNamespace="http://schemas.microsoft.com/office/2006/metadata/properties" ma:root="true" ma:fieldsID="76276428416178d444d5a49df65bd1b6" ns2:_="" ns3:_="">
     <xsd:import namespace="5b887053-13c9-4ef0-8e1a-18d371f97b0f"/>
@@ -11216,6 +16832,40 @@
 </ct:contentTypeSchema>
 </file>
 
+<file path=customXml/item2.xml><?xml version="1.0" encoding="utf-8"?>
+<p:properties xmlns:p="http://schemas.microsoft.com/office/2006/metadata/properties" xmlns:xsi="http://www.w3.org/2001/XMLSchema-instance" xmlns:pc="http://schemas.microsoft.com/office/infopath/2007/PartnerControls">
+  <documentManagement>
+    <m31bf1e07b944e52adeba921bc267c6f xmlns="5b887053-13c9-4ef0-8e1a-18d371f97b0f">
+      <Terms xmlns="http://schemas.microsoft.com/office/infopath/2007/PartnerControls">
+        <TermInfo xmlns="http://schemas.microsoft.com/office/infopath/2007/PartnerControls">
+          <TermName xmlns="http://schemas.microsoft.com/office/infopath/2007/PartnerControls">Template</TermName>
+          <TermId xmlns="http://schemas.microsoft.com/office/infopath/2007/PartnerControls">4cb20c5d-8684-4c01-8767-8f31339dae89</TermId>
+        </TermInfo>
+      </Terms>
+    </m31bf1e07b944e52adeba921bc267c6f>
+    <b0c2500a83b44d29aa19c43daa01cbea xmlns="5b887053-13c9-4ef0-8e1a-18d371f97b0f">
+      <Terms xmlns="http://schemas.microsoft.com/office/infopath/2007/PartnerControls">
+        <TermInfo xmlns="http://schemas.microsoft.com/office/infopath/2007/PartnerControls">
+          <TermName xmlns="http://schemas.microsoft.com/office/infopath/2007/PartnerControls">External Presentation Templates</TermName>
+          <TermId xmlns="http://schemas.microsoft.com/office/infopath/2007/PartnerControls">caad3a6e-0773-4fd4-8a19-b76678610a1f</TermId>
+        </TermInfo>
+      </Terms>
+    </b0c2500a83b44d29aa19c43daa01cbea>
+    <TaxCatchAll xmlns="5b887053-13c9-4ef0-8e1a-18d371f97b0f">
+      <Value>529</Value>
+      <Value>535</Value>
+    </TaxCatchAll>
+    <SharedWithUsers xmlns="5b887053-13c9-4ef0-8e1a-18d371f97b0f">
+      <UserInfo>
+        <DisplayName/>
+        <AccountId xsi:nil="true"/>
+        <AccountType/>
+      </UserInfo>
+    </SharedWithUsers>
+  </documentManagement>
+</p:properties>
+</file>
+
 <file path=customXml/item3.xml><?xml version="1.0" encoding="utf-8"?>
 <?mso-contentType ?>
 <FormTemplates xmlns="http://schemas.microsoft.com/sharepoint/v3/contenttype/forms">
@@ -11226,23 +16876,6 @@
 </file>
 
 <file path=customXml/itemProps1.xml><?xml version="1.0" encoding="utf-8"?>
-<ds:datastoreItem xmlns:ds="http://schemas.openxmlformats.org/officeDocument/2006/customXml" ds:itemID="{FDC47B46-8518-488D-ACE5-55099526A1A9}">
-  <ds:schemaRefs>
-    <ds:schemaRef ds:uri="http://schemas.microsoft.com/office/2006/metadata/properties"/>
-    <ds:schemaRef ds:uri="http://purl.org/dc/terms/"/>
-    <ds:schemaRef ds:uri="http://schemas.microsoft.com/office/2006/documentManagement/types"/>
-    <ds:schemaRef ds:uri="http://schemas.microsoft.com/office/infopath/2007/PartnerControls"/>
-    <ds:schemaRef ds:uri="http://purl.org/dc/elements/1.1/"/>
-    <ds:schemaRef ds:uri="http://www.w3.org/XML/1998/namespace"/>
-    <ds:schemaRef ds:uri="0cb0f8a9-a4a1-4c3c-bc15-be6ee1e258a4"/>
-    <ds:schemaRef ds:uri="http://schemas.openxmlformats.org/package/2006/metadata/core-properties"/>
-    <ds:schemaRef ds:uri="5b887053-13c9-4ef0-8e1a-18d371f97b0f"/>
-    <ds:schemaRef ds:uri="http://purl.org/dc/dcmitype/"/>
-  </ds:schemaRefs>
-</ds:datastoreItem>
-</file>
-
-<file path=customXml/itemProps2.xml><?xml version="1.0" encoding="utf-8"?>
 <ds:datastoreItem xmlns:ds="http://schemas.openxmlformats.org/officeDocument/2006/customXml" ds:itemID="{3ACBF87C-9E24-4F0A-85E5-D0AA1A6E191C}">
   <ds:schemaRefs>
     <ds:schemaRef ds:uri="http://schemas.microsoft.com/office/2006/metadata/contentType"/>
@@ -11261,6 +16894,23 @@
 </ds:datastoreItem>
 </file>
 
+<file path=customXml/itemProps2.xml><?xml version="1.0" encoding="utf-8"?>
+<ds:datastoreItem xmlns:ds="http://schemas.openxmlformats.org/officeDocument/2006/customXml" ds:itemID="{FDC47B46-8518-488D-ACE5-55099526A1A9}">
+  <ds:schemaRefs>
+    <ds:schemaRef ds:uri="http://schemas.microsoft.com/office/2006/metadata/properties"/>
+    <ds:schemaRef ds:uri="http://purl.org/dc/terms/"/>
+    <ds:schemaRef ds:uri="http://schemas.microsoft.com/office/2006/documentManagement/types"/>
+    <ds:schemaRef ds:uri="http://schemas.microsoft.com/office/infopath/2007/PartnerControls"/>
+    <ds:schemaRef ds:uri="http://purl.org/dc/elements/1.1/"/>
+    <ds:schemaRef ds:uri="http://www.w3.org/XML/1998/namespace"/>
+    <ds:schemaRef ds:uri="0cb0f8a9-a4a1-4c3c-bc15-be6ee1e258a4"/>
+    <ds:schemaRef ds:uri="http://schemas.openxmlformats.org/package/2006/metadata/core-properties"/>
+    <ds:schemaRef ds:uri="5b887053-13c9-4ef0-8e1a-18d371f97b0f"/>
+    <ds:schemaRef ds:uri="http://purl.org/dc/dcmitype/"/>
+  </ds:schemaRefs>
+</ds:datastoreItem>
+</file>
+
 <file path=customXml/itemProps3.xml><?xml version="1.0" encoding="utf-8"?>
 <ds:datastoreItem xmlns:ds="http://schemas.openxmlformats.org/officeDocument/2006/customXml" ds:itemID="{D703E6E5-489B-4004-B595-51B1421CF944}">
   <ds:schemaRefs>

--- a/DesignPatterns/Structural Design Patterns/Structural Design Patterns - WTG.pptx
+++ b/DesignPatterns/Structural Design Patterns/Structural Design Patterns - WTG.pptx
@@ -5,10 +5,10 @@
     <p:sldMasterId id="2147483648" r:id="rId4"/>
   </p:sldMasterIdLst>
   <p:notesMasterIdLst>
-    <p:notesMasterId r:id="rId14"/>
+    <p:notesMasterId r:id="rId20"/>
   </p:notesMasterIdLst>
   <p:handoutMasterIdLst>
-    <p:handoutMasterId r:id="rId15"/>
+    <p:handoutMasterId r:id="rId21"/>
   </p:handoutMasterIdLst>
   <p:sldIdLst>
     <p:sldId id="264" r:id="rId5"/>
@@ -19,7 +19,13 @@
     <p:sldId id="276" r:id="rId10"/>
     <p:sldId id="277" r:id="rId11"/>
     <p:sldId id="278" r:id="rId12"/>
-    <p:sldId id="271" r:id="rId13"/>
+    <p:sldId id="279" r:id="rId13"/>
+    <p:sldId id="280" r:id="rId14"/>
+    <p:sldId id="284" r:id="rId15"/>
+    <p:sldId id="282" r:id="rId16"/>
+    <p:sldId id="283" r:id="rId17"/>
+    <p:sldId id="281" r:id="rId18"/>
+    <p:sldId id="271" r:id="rId19"/>
   </p:sldIdLst>
   <p:sldSz cx="24384000" cy="13716000"/>
   <p:notesSz cx="6858000" cy="9144000"/>
@@ -144,7 +150,7 @@
 <p1510:revInfo xmlns:a="http://schemas.openxmlformats.org/drawingml/2006/main" xmlns:r="http://schemas.openxmlformats.org/officeDocument/2006/relationships" xmlns:p1510="http://schemas.microsoft.com/office/powerpoint/2015/10/main">
   <p1510:revLst>
     <p1510:client id="{037A9CA3-FDD3-4549-A1D4-BD9B1626C030}" v="76" dt="2023-03-19T01:03:48.412"/>
-    <p1510:client id="{90D147C7-6DF3-4858-A037-194481D7D906}" v="16" dt="2023-03-19T01:15:06.109"/>
+    <p1510:client id="{90D147C7-6DF3-4858-A037-194481D7D906}" v="178" dt="2023-03-19T02:25:27.560"/>
   </p1510:revLst>
 </p1510:revInfo>
 </file>
@@ -824,8 +830,8 @@
   </pc:docChgLst>
   <pc:docChgLst>
     <pc:chgData name="Nancy Li" userId="afc5209a-cf39-48d8-a57f-08cc8b772ec9" providerId="ADAL" clId="{90D147C7-6DF3-4858-A037-194481D7D906}"/>
-    <pc:docChg chg="undo custSel addSld modSld">
-      <pc:chgData name="Nancy Li" userId="afc5209a-cf39-48d8-a57f-08cc8b772ec9" providerId="ADAL" clId="{90D147C7-6DF3-4858-A037-194481D7D906}" dt="2023-03-19T01:15:14.201" v="78" actId="1076"/>
+    <pc:docChg chg="undo custSel addSld modSld sldOrd">
+      <pc:chgData name="Nancy Li" userId="afc5209a-cf39-48d8-a57f-08cc8b772ec9" providerId="ADAL" clId="{90D147C7-6DF3-4858-A037-194481D7D906}" dt="2023-03-19T02:36:24.852" v="466" actId="20577"/>
       <pc:docMkLst>
         <pc:docMk/>
       </pc:docMkLst>
@@ -909,7 +915,7 @@
         </pc:picChg>
       </pc:sldChg>
       <pc:sldChg chg="addSp delSp modSp mod">
-        <pc:chgData name="Nancy Li" userId="afc5209a-cf39-48d8-a57f-08cc8b772ec9" providerId="ADAL" clId="{90D147C7-6DF3-4858-A037-194481D7D906}" dt="2023-03-19T01:14:01.875" v="65" actId="1076"/>
+        <pc:chgData name="Nancy Li" userId="afc5209a-cf39-48d8-a57f-08cc8b772ec9" providerId="ADAL" clId="{90D147C7-6DF3-4858-A037-194481D7D906}" dt="2023-03-19T01:50:35.323" v="184" actId="122"/>
         <pc:sldMkLst>
           <pc:docMk/>
           <pc:sldMk cId="2895557782" sldId="275"/>
@@ -947,7 +953,7 @@
           </ac:spMkLst>
         </pc:spChg>
         <pc:graphicFrameChg chg="add mod">
-          <ac:chgData name="Nancy Li" userId="afc5209a-cf39-48d8-a57f-08cc8b772ec9" providerId="ADAL" clId="{90D147C7-6DF3-4858-A037-194481D7D906}" dt="2023-03-19T01:13:22.573" v="59" actId="1076"/>
+          <ac:chgData name="Nancy Li" userId="afc5209a-cf39-48d8-a57f-08cc8b772ec9" providerId="ADAL" clId="{90D147C7-6DF3-4858-A037-194481D7D906}" dt="2023-03-19T01:50:35.323" v="184" actId="122"/>
           <ac:graphicFrameMkLst>
             <pc:docMk/>
             <pc:sldMk cId="2895557782" sldId="275"/>
@@ -955,7 +961,7 @@
           </ac:graphicFrameMkLst>
         </pc:graphicFrameChg>
         <pc:picChg chg="mod">
-          <ac:chgData name="Nancy Li" userId="afc5209a-cf39-48d8-a57f-08cc8b772ec9" providerId="ADAL" clId="{90D147C7-6DF3-4858-A037-194481D7D906}" dt="2023-03-19T01:13:50.331" v="63" actId="14100"/>
+          <ac:chgData name="Nancy Li" userId="afc5209a-cf39-48d8-a57f-08cc8b772ec9" providerId="ADAL" clId="{90D147C7-6DF3-4858-A037-194481D7D906}" dt="2023-03-19T01:18:32.847" v="88" actId="14100"/>
           <ac:picMkLst>
             <pc:docMk/>
             <pc:sldMk cId="2895557782" sldId="275"/>
@@ -963,7 +969,7 @@
           </ac:picMkLst>
         </pc:picChg>
         <pc:picChg chg="mod">
-          <ac:chgData name="Nancy Li" userId="afc5209a-cf39-48d8-a57f-08cc8b772ec9" providerId="ADAL" clId="{90D147C7-6DF3-4858-A037-194481D7D906}" dt="2023-03-19T01:13:53.523" v="64" actId="14100"/>
+          <ac:chgData name="Nancy Li" userId="afc5209a-cf39-48d8-a57f-08cc8b772ec9" providerId="ADAL" clId="{90D147C7-6DF3-4858-A037-194481D7D906}" dt="2023-03-19T01:18:30.344" v="87" actId="14100"/>
           <ac:picMkLst>
             <pc:docMk/>
             <pc:sldMk cId="2895557782" sldId="275"/>
@@ -972,7 +978,7 @@
         </pc:picChg>
       </pc:sldChg>
       <pc:sldChg chg="addSp delSp modSp mod modNotesTx">
-        <pc:chgData name="Nancy Li" userId="afc5209a-cf39-48d8-a57f-08cc8b772ec9" providerId="ADAL" clId="{90D147C7-6DF3-4858-A037-194481D7D906}" dt="2023-03-19T01:10:54.533" v="25"/>
+        <pc:chgData name="Nancy Li" userId="afc5209a-cf39-48d8-a57f-08cc8b772ec9" providerId="ADAL" clId="{90D147C7-6DF3-4858-A037-194481D7D906}" dt="2023-03-19T02:24:10.730" v="402" actId="20577"/>
         <pc:sldMkLst>
           <pc:docMk/>
           <pc:sldMk cId="2672017147" sldId="276"/>
@@ -1019,7 +1025,7 @@
         </pc:picChg>
       </pc:sldChg>
       <pc:sldChg chg="addSp delSp modSp new mod modNotesTx">
-        <pc:chgData name="Nancy Li" userId="afc5209a-cf39-48d8-a57f-08cc8b772ec9" providerId="ADAL" clId="{90D147C7-6DF3-4858-A037-194481D7D906}" dt="2023-03-19T01:14:34.870" v="66"/>
+        <pc:chgData name="Nancy Li" userId="afc5209a-cf39-48d8-a57f-08cc8b772ec9" providerId="ADAL" clId="{90D147C7-6DF3-4858-A037-194481D7D906}" dt="2023-03-19T02:25:37.285" v="410" actId="1076"/>
         <pc:sldMkLst>
           <pc:docMk/>
           <pc:sldMk cId="3495813387" sldId="277"/>
@@ -1073,7 +1079,15 @@
           </ac:spMkLst>
         </pc:spChg>
         <pc:graphicFrameChg chg="add mod">
-          <ac:chgData name="Nancy Li" userId="afc5209a-cf39-48d8-a57f-08cc8b772ec9" providerId="ADAL" clId="{90D147C7-6DF3-4858-A037-194481D7D906}" dt="2023-03-19T01:12:42.212" v="51" actId="20577"/>
+          <ac:chgData name="Nancy Li" userId="afc5209a-cf39-48d8-a57f-08cc8b772ec9" providerId="ADAL" clId="{90D147C7-6DF3-4858-A037-194481D7D906}" dt="2023-03-19T02:25:27.560" v="409"/>
+          <ac:graphicFrameMkLst>
+            <pc:docMk/>
+            <pc:sldMk cId="3495813387" sldId="277"/>
+            <ac:graphicFrameMk id="2" creationId="{848BB702-D114-4336-73B7-B09815911921}"/>
+          </ac:graphicFrameMkLst>
+        </pc:graphicFrameChg>
+        <pc:graphicFrameChg chg="add del mod">
+          <ac:chgData name="Nancy Li" userId="afc5209a-cf39-48d8-a57f-08cc8b772ec9" providerId="ADAL" clId="{90D147C7-6DF3-4858-A037-194481D7D906}" dt="2023-03-19T02:25:26.985" v="408" actId="21"/>
           <ac:graphicFrameMkLst>
             <pc:docMk/>
             <pc:sldMk cId="3495813387" sldId="277"/>
@@ -1081,7 +1095,7 @@
           </ac:graphicFrameMkLst>
         </pc:graphicFrameChg>
         <pc:picChg chg="add mod modCrop">
-          <ac:chgData name="Nancy Li" userId="afc5209a-cf39-48d8-a57f-08cc8b772ec9" providerId="ADAL" clId="{90D147C7-6DF3-4858-A037-194481D7D906}" dt="2023-03-19T01:12:57.907" v="54" actId="1076"/>
+          <ac:chgData name="Nancy Li" userId="afc5209a-cf39-48d8-a57f-08cc8b772ec9" providerId="ADAL" clId="{90D147C7-6DF3-4858-A037-194481D7D906}" dt="2023-03-19T02:25:37.285" v="410" actId="1076"/>
           <ac:picMkLst>
             <pc:docMk/>
             <pc:sldMk cId="3495813387" sldId="277"/>
@@ -1144,6 +1158,304 @@
           </ac:picMkLst>
         </pc:picChg>
       </pc:sldChg>
+      <pc:sldChg chg="addSp delSp modSp new mod modNotesTx">
+        <pc:chgData name="Nancy Li" userId="afc5209a-cf39-48d8-a57f-08cc8b772ec9" providerId="ADAL" clId="{90D147C7-6DF3-4858-A037-194481D7D906}" dt="2023-03-19T02:15:55.587" v="315" actId="1076"/>
+        <pc:sldMkLst>
+          <pc:docMk/>
+          <pc:sldMk cId="1136555235" sldId="279"/>
+        </pc:sldMkLst>
+        <pc:spChg chg="del">
+          <ac:chgData name="Nancy Li" userId="afc5209a-cf39-48d8-a57f-08cc8b772ec9" providerId="ADAL" clId="{90D147C7-6DF3-4858-A037-194481D7D906}" dt="2023-03-19T01:24:55.229" v="92" actId="478"/>
+          <ac:spMkLst>
+            <pc:docMk/>
+            <pc:sldMk cId="1136555235" sldId="279"/>
+            <ac:spMk id="2" creationId="{1DDD62FF-D45D-F59B-B6CE-66DA04A24201}"/>
+          </ac:spMkLst>
+        </pc:spChg>
+        <pc:spChg chg="del">
+          <ac:chgData name="Nancy Li" userId="afc5209a-cf39-48d8-a57f-08cc8b772ec9" providerId="ADAL" clId="{90D147C7-6DF3-4858-A037-194481D7D906}" dt="2023-03-19T01:24:54.219" v="91" actId="478"/>
+          <ac:spMkLst>
+            <pc:docMk/>
+            <pc:sldMk cId="1136555235" sldId="279"/>
+            <ac:spMk id="3" creationId="{D9684EB2-F7F0-56AC-8440-8F22F9AB7C62}"/>
+          </ac:spMkLst>
+        </pc:spChg>
+        <pc:spChg chg="del mod">
+          <ac:chgData name="Nancy Li" userId="afc5209a-cf39-48d8-a57f-08cc8b772ec9" providerId="ADAL" clId="{90D147C7-6DF3-4858-A037-194481D7D906}" dt="2023-03-19T01:25:11.671" v="95" actId="478"/>
+          <ac:spMkLst>
+            <pc:docMk/>
+            <pc:sldMk cId="1136555235" sldId="279"/>
+            <ac:spMk id="4" creationId="{C2A0FC30-DCED-587C-EC2B-3F11DAAE9E26}"/>
+          </ac:spMkLst>
+        </pc:spChg>
+        <pc:spChg chg="del">
+          <ac:chgData name="Nancy Li" userId="afc5209a-cf39-48d8-a57f-08cc8b772ec9" providerId="ADAL" clId="{90D147C7-6DF3-4858-A037-194481D7D906}" dt="2023-03-19T01:24:53.149" v="90" actId="478"/>
+          <ac:spMkLst>
+            <pc:docMk/>
+            <pc:sldMk cId="1136555235" sldId="279"/>
+            <ac:spMk id="7" creationId="{C6F38ADA-56EA-ED48-747A-CEC4A997270C}"/>
+          </ac:spMkLst>
+        </pc:spChg>
+        <pc:spChg chg="add del mod">
+          <ac:chgData name="Nancy Li" userId="afc5209a-cf39-48d8-a57f-08cc8b772ec9" providerId="ADAL" clId="{90D147C7-6DF3-4858-A037-194481D7D906}" dt="2023-03-19T01:25:19.563" v="97" actId="478"/>
+          <ac:spMkLst>
+            <pc:docMk/>
+            <pc:sldMk cId="1136555235" sldId="279"/>
+            <ac:spMk id="9" creationId="{525A700A-B27B-485F-369F-F14B1686E92A}"/>
+          </ac:spMkLst>
+        </pc:spChg>
+        <pc:spChg chg="add del mod">
+          <ac:chgData name="Nancy Li" userId="afc5209a-cf39-48d8-a57f-08cc8b772ec9" providerId="ADAL" clId="{90D147C7-6DF3-4858-A037-194481D7D906}" dt="2023-03-19T01:25:20.521" v="98" actId="478"/>
+          <ac:spMkLst>
+            <pc:docMk/>
+            <pc:sldMk cId="1136555235" sldId="279"/>
+            <ac:spMk id="10" creationId="{B95F06A4-1A5A-6C87-DDB3-A10336A55E19}"/>
+          </ac:spMkLst>
+        </pc:spChg>
+        <pc:spChg chg="add mod">
+          <ac:chgData name="Nancy Li" userId="afc5209a-cf39-48d8-a57f-08cc8b772ec9" providerId="ADAL" clId="{90D147C7-6DF3-4858-A037-194481D7D906}" dt="2023-03-19T01:25:32.192" v="104"/>
+          <ac:spMkLst>
+            <pc:docMk/>
+            <pc:sldMk cId="1136555235" sldId="279"/>
+            <ac:spMk id="11" creationId="{D5172EF1-C4D0-9CC7-4CAF-A5A26F24C5E1}"/>
+          </ac:spMkLst>
+        </pc:spChg>
+        <pc:picChg chg="add del mod">
+          <ac:chgData name="Nancy Li" userId="afc5209a-cf39-48d8-a57f-08cc8b772ec9" providerId="ADAL" clId="{90D147C7-6DF3-4858-A037-194481D7D906}" dt="2023-03-19T02:15:45.543" v="308" actId="478"/>
+          <ac:picMkLst>
+            <pc:docMk/>
+            <pc:sldMk cId="1136555235" sldId="279"/>
+            <ac:picMk id="12" creationId="{A6E23068-F0FB-0B47-B779-38AB87947BC9}"/>
+          </ac:picMkLst>
+        </pc:picChg>
+        <pc:picChg chg="add mod">
+          <ac:chgData name="Nancy Li" userId="afc5209a-cf39-48d8-a57f-08cc8b772ec9" providerId="ADAL" clId="{90D147C7-6DF3-4858-A037-194481D7D906}" dt="2023-03-19T02:15:55.587" v="315" actId="1076"/>
+          <ac:picMkLst>
+            <pc:docMk/>
+            <pc:sldMk cId="1136555235" sldId="279"/>
+            <ac:picMk id="14" creationId="{C5BC2C51-5139-5936-2E85-6B02A0FF6BB0}"/>
+          </ac:picMkLst>
+        </pc:picChg>
+      </pc:sldChg>
+      <pc:sldChg chg="addSp delSp modSp add mod modNotesTx">
+        <pc:chgData name="Nancy Li" userId="afc5209a-cf39-48d8-a57f-08cc8b772ec9" providerId="ADAL" clId="{90D147C7-6DF3-4858-A037-194481D7D906}" dt="2023-03-19T02:36:24.852" v="466" actId="20577"/>
+        <pc:sldMkLst>
+          <pc:docMk/>
+          <pc:sldMk cId="689937238" sldId="280"/>
+        </pc:sldMkLst>
+        <pc:spChg chg="add del mod">
+          <ac:chgData name="Nancy Li" userId="afc5209a-cf39-48d8-a57f-08cc8b772ec9" providerId="ADAL" clId="{90D147C7-6DF3-4858-A037-194481D7D906}" dt="2023-03-19T01:27:27.135" v="121" actId="12084"/>
+          <ac:spMkLst>
+            <pc:docMk/>
+            <pc:sldMk cId="689937238" sldId="280"/>
+            <ac:spMk id="3" creationId="{317E29F8-059E-E80B-17E5-03C4A7E6C976}"/>
+          </ac:spMkLst>
+        </pc:spChg>
+        <pc:graphicFrameChg chg="add mod">
+          <ac:chgData name="Nancy Li" userId="afc5209a-cf39-48d8-a57f-08cc8b772ec9" providerId="ADAL" clId="{90D147C7-6DF3-4858-A037-194481D7D906}" dt="2023-03-19T01:28:21.056" v="157" actId="1076"/>
+          <ac:graphicFrameMkLst>
+            <pc:docMk/>
+            <pc:sldMk cId="689937238" sldId="280"/>
+            <ac:graphicFrameMk id="4" creationId="{1B69891E-9833-1ABD-4B39-CA73C1CF5F57}"/>
+          </ac:graphicFrameMkLst>
+        </pc:graphicFrameChg>
+        <pc:picChg chg="add mod">
+          <ac:chgData name="Nancy Li" userId="afc5209a-cf39-48d8-a57f-08cc8b772ec9" providerId="ADAL" clId="{90D147C7-6DF3-4858-A037-194481D7D906}" dt="2023-03-19T01:28:17.719" v="156" actId="1076"/>
+          <ac:picMkLst>
+            <pc:docMk/>
+            <pc:sldMk cId="689937238" sldId="280"/>
+            <ac:picMk id="2" creationId="{96E3E0F8-4450-163D-6DCD-6AD581E58370}"/>
+          </ac:picMkLst>
+        </pc:picChg>
+        <pc:picChg chg="del">
+          <ac:chgData name="Nancy Li" userId="afc5209a-cf39-48d8-a57f-08cc8b772ec9" providerId="ADAL" clId="{90D147C7-6DF3-4858-A037-194481D7D906}" dt="2023-03-19T01:26:54.522" v="111" actId="478"/>
+          <ac:picMkLst>
+            <pc:docMk/>
+            <pc:sldMk cId="689937238" sldId="280"/>
+            <ac:picMk id="12" creationId="{A6E23068-F0FB-0B47-B779-38AB87947BC9}"/>
+          </ac:picMkLst>
+        </pc:picChg>
+      </pc:sldChg>
+      <pc:sldChg chg="new">
+        <pc:chgData name="Nancy Li" userId="afc5209a-cf39-48d8-a57f-08cc8b772ec9" providerId="ADAL" clId="{90D147C7-6DF3-4858-A037-194481D7D906}" dt="2023-03-19T01:28:29.779" v="158" actId="680"/>
+        <pc:sldMkLst>
+          <pc:docMk/>
+          <pc:sldMk cId="3394186981" sldId="281"/>
+        </pc:sldMkLst>
+      </pc:sldChg>
+      <pc:sldChg chg="addSp delSp modSp add mod ord modNotesTx">
+        <pc:chgData name="Nancy Li" userId="afc5209a-cf39-48d8-a57f-08cc8b772ec9" providerId="ADAL" clId="{90D147C7-6DF3-4858-A037-194481D7D906}" dt="2023-03-19T01:49:38.843" v="176" actId="1076"/>
+        <pc:sldMkLst>
+          <pc:docMk/>
+          <pc:sldMk cId="3198148765" sldId="282"/>
+        </pc:sldMkLst>
+        <pc:picChg chg="add mod">
+          <ac:chgData name="Nancy Li" userId="afc5209a-cf39-48d8-a57f-08cc8b772ec9" providerId="ADAL" clId="{90D147C7-6DF3-4858-A037-194481D7D906}" dt="2023-03-19T01:49:38.843" v="176" actId="1076"/>
+          <ac:picMkLst>
+            <pc:docMk/>
+            <pc:sldMk cId="3198148765" sldId="282"/>
+            <ac:picMk id="3" creationId="{DBC79B2D-5501-A4A5-344A-402E7833692B}"/>
+          </ac:picMkLst>
+        </pc:picChg>
+        <pc:picChg chg="del">
+          <ac:chgData name="Nancy Li" userId="afc5209a-cf39-48d8-a57f-08cc8b772ec9" providerId="ADAL" clId="{90D147C7-6DF3-4858-A037-194481D7D906}" dt="2023-03-19T01:38:57.880" v="163" actId="478"/>
+          <ac:picMkLst>
+            <pc:docMk/>
+            <pc:sldMk cId="3198148765" sldId="282"/>
+            <ac:picMk id="12" creationId="{A6E23068-F0FB-0B47-B779-38AB87947BC9}"/>
+          </ac:picMkLst>
+        </pc:picChg>
+      </pc:sldChg>
+      <pc:sldChg chg="delSp modSp add mod ord">
+        <pc:chgData name="Nancy Li" userId="afc5209a-cf39-48d8-a57f-08cc8b772ec9" providerId="ADAL" clId="{90D147C7-6DF3-4858-A037-194481D7D906}" dt="2023-03-19T01:50:07.958" v="183" actId="20577"/>
+        <pc:sldMkLst>
+          <pc:docMk/>
+          <pc:sldMk cId="286972125" sldId="283"/>
+        </pc:sldMkLst>
+        <pc:spChg chg="mod">
+          <ac:chgData name="Nancy Li" userId="afc5209a-cf39-48d8-a57f-08cc8b772ec9" providerId="ADAL" clId="{90D147C7-6DF3-4858-A037-194481D7D906}" dt="2023-03-19T01:50:07.958" v="183" actId="20577"/>
+          <ac:spMkLst>
+            <pc:docMk/>
+            <pc:sldMk cId="286972125" sldId="283"/>
+            <ac:spMk id="11" creationId="{D5172EF1-C4D0-9CC7-4CAF-A5A26F24C5E1}"/>
+          </ac:spMkLst>
+        </pc:spChg>
+        <pc:picChg chg="del">
+          <ac:chgData name="Nancy Li" userId="afc5209a-cf39-48d8-a57f-08cc8b772ec9" providerId="ADAL" clId="{90D147C7-6DF3-4858-A037-194481D7D906}" dt="2023-03-19T01:49:51.594" v="180" actId="478"/>
+          <ac:picMkLst>
+            <pc:docMk/>
+            <pc:sldMk cId="286972125" sldId="283"/>
+            <ac:picMk id="12" creationId="{A6E23068-F0FB-0B47-B779-38AB87947BC9}"/>
+          </ac:picMkLst>
+        </pc:picChg>
+      </pc:sldChg>
+      <pc:sldChg chg="addSp delSp modSp add mod ord modNotesTx">
+        <pc:chgData name="Nancy Li" userId="afc5209a-cf39-48d8-a57f-08cc8b772ec9" providerId="ADAL" clId="{90D147C7-6DF3-4858-A037-194481D7D906}" dt="2023-03-19T02:33:54.503" v="465" actId="20577"/>
+        <pc:sldMkLst>
+          <pc:docMk/>
+          <pc:sldMk cId="3425278781" sldId="284"/>
+        </pc:sldMkLst>
+        <pc:spChg chg="add del mod">
+          <ac:chgData name="Nancy Li" userId="afc5209a-cf39-48d8-a57f-08cc8b772ec9" providerId="ADAL" clId="{90D147C7-6DF3-4858-A037-194481D7D906}" dt="2023-03-19T02:09:25.813" v="259" actId="12084"/>
+          <ac:spMkLst>
+            <pc:docMk/>
+            <pc:sldMk cId="3425278781" sldId="284"/>
+            <ac:spMk id="7" creationId="{E90B381F-922F-720B-E78E-4541EB86CB24}"/>
+          </ac:spMkLst>
+        </pc:spChg>
+        <pc:spChg chg="mod">
+          <ac:chgData name="Nancy Li" userId="afc5209a-cf39-48d8-a57f-08cc8b772ec9" providerId="ADAL" clId="{90D147C7-6DF3-4858-A037-194481D7D906}" dt="2023-03-19T02:08:36.745" v="257" actId="18245"/>
+          <ac:spMkLst>
+            <pc:docMk/>
+            <pc:sldMk cId="3425278781" sldId="284"/>
+            <ac:spMk id="12" creationId="{0021F59A-9F66-C18B-EBF6-903B6BB585D6}"/>
+          </ac:spMkLst>
+        </pc:spChg>
+        <pc:spChg chg="mod">
+          <ac:chgData name="Nancy Li" userId="afc5209a-cf39-48d8-a57f-08cc8b772ec9" providerId="ADAL" clId="{90D147C7-6DF3-4858-A037-194481D7D906}" dt="2023-03-19T02:08:36.745" v="257" actId="18245"/>
+          <ac:spMkLst>
+            <pc:docMk/>
+            <pc:sldMk cId="3425278781" sldId="284"/>
+            <ac:spMk id="13" creationId="{9834E4E8-D3FC-1A0F-BFC6-DD42B0AE9E3D}"/>
+          </ac:spMkLst>
+        </pc:spChg>
+        <pc:spChg chg="mod">
+          <ac:chgData name="Nancy Li" userId="afc5209a-cf39-48d8-a57f-08cc8b772ec9" providerId="ADAL" clId="{90D147C7-6DF3-4858-A037-194481D7D906}" dt="2023-03-19T02:08:36.745" v="257" actId="18245"/>
+          <ac:spMkLst>
+            <pc:docMk/>
+            <pc:sldMk cId="3425278781" sldId="284"/>
+            <ac:spMk id="14" creationId="{D5DFC740-BE76-FC6D-BD1E-5CFD1433CE8D}"/>
+          </ac:spMkLst>
+        </pc:spChg>
+        <pc:spChg chg="mod">
+          <ac:chgData name="Nancy Li" userId="afc5209a-cf39-48d8-a57f-08cc8b772ec9" providerId="ADAL" clId="{90D147C7-6DF3-4858-A037-194481D7D906}" dt="2023-03-19T02:08:36.745" v="257" actId="18245"/>
+          <ac:spMkLst>
+            <pc:docMk/>
+            <pc:sldMk cId="3425278781" sldId="284"/>
+            <ac:spMk id="15" creationId="{5CD6A410-2DAE-1304-9DB5-B1FCC5E50DB3}"/>
+          </ac:spMkLst>
+        </pc:spChg>
+        <pc:spChg chg="mod">
+          <ac:chgData name="Nancy Li" userId="afc5209a-cf39-48d8-a57f-08cc8b772ec9" providerId="ADAL" clId="{90D147C7-6DF3-4858-A037-194481D7D906}" dt="2023-03-19T02:08:36.745" v="257" actId="18245"/>
+          <ac:spMkLst>
+            <pc:docMk/>
+            <pc:sldMk cId="3425278781" sldId="284"/>
+            <ac:spMk id="16" creationId="{366AE2CC-E4F4-0A0B-3320-4B77ECE180D8}"/>
+          </ac:spMkLst>
+        </pc:spChg>
+        <pc:spChg chg="mod">
+          <ac:chgData name="Nancy Li" userId="afc5209a-cf39-48d8-a57f-08cc8b772ec9" providerId="ADAL" clId="{90D147C7-6DF3-4858-A037-194481D7D906}" dt="2023-03-19T02:08:34.334" v="256" actId="18245"/>
+          <ac:spMkLst>
+            <pc:docMk/>
+            <pc:sldMk cId="3425278781" sldId="284"/>
+            <ac:spMk id="17" creationId="{F54C2248-F5A5-894C-416F-2B9AC9190D1B}"/>
+          </ac:spMkLst>
+        </pc:spChg>
+        <pc:grpChg chg="mod">
+          <ac:chgData name="Nancy Li" userId="afc5209a-cf39-48d8-a57f-08cc8b772ec9" providerId="ADAL" clId="{90D147C7-6DF3-4858-A037-194481D7D906}" dt="2023-03-19T02:08:36.745" v="257" actId="18245"/>
+          <ac:grpSpMkLst>
+            <pc:docMk/>
+            <pc:sldMk cId="3425278781" sldId="284"/>
+            <ac:grpSpMk id="10" creationId="{4A1BEA8D-A754-8E03-03EE-75E4DE0C6694}"/>
+          </ac:grpSpMkLst>
+        </pc:grpChg>
+        <pc:graphicFrameChg chg="add del mod">
+          <ac:chgData name="Nancy Li" userId="afc5209a-cf39-48d8-a57f-08cc8b772ec9" providerId="ADAL" clId="{90D147C7-6DF3-4858-A037-194481D7D906}" dt="2023-03-19T02:07:10.120" v="233" actId="11529"/>
+          <ac:graphicFrameMkLst>
+            <pc:docMk/>
+            <pc:sldMk cId="3425278781" sldId="284"/>
+            <ac:graphicFrameMk id="2" creationId="{E0E1E0E4-A650-8610-68AB-02D5CC393275}"/>
+          </ac:graphicFrameMkLst>
+        </pc:graphicFrameChg>
+        <pc:graphicFrameChg chg="add del modGraphic">
+          <ac:chgData name="Nancy Li" userId="afc5209a-cf39-48d8-a57f-08cc8b772ec9" providerId="ADAL" clId="{90D147C7-6DF3-4858-A037-194481D7D906}" dt="2023-03-19T02:06:45.917" v="229" actId="1032"/>
+          <ac:graphicFrameMkLst>
+            <pc:docMk/>
+            <pc:sldMk cId="3425278781" sldId="284"/>
+            <ac:graphicFrameMk id="4" creationId="{AA825756-1417-6A7E-E6DA-12BEA775984D}"/>
+          </ac:graphicFrameMkLst>
+        </pc:graphicFrameChg>
+        <pc:graphicFrameChg chg="add del mod">
+          <ac:chgData name="Nancy Li" userId="afc5209a-cf39-48d8-a57f-08cc8b772ec9" providerId="ADAL" clId="{90D147C7-6DF3-4858-A037-194481D7D906}" dt="2023-03-19T02:08:07.124" v="244" actId="12084"/>
+          <ac:graphicFrameMkLst>
+            <pc:docMk/>
+            <pc:sldMk cId="3425278781" sldId="284"/>
+            <ac:graphicFrameMk id="8" creationId="{D2C4911F-E432-5120-B7AD-4AA98E92B7E3}"/>
+          </ac:graphicFrameMkLst>
+        </pc:graphicFrameChg>
+        <pc:graphicFrameChg chg="add del mod">
+          <ac:chgData name="Nancy Li" userId="afc5209a-cf39-48d8-a57f-08cc8b772ec9" providerId="ADAL" clId="{90D147C7-6DF3-4858-A037-194481D7D906}" dt="2023-03-19T02:08:38.567" v="258" actId="12084"/>
+          <ac:graphicFrameMkLst>
+            <pc:docMk/>
+            <pc:sldMk cId="3425278781" sldId="284"/>
+            <ac:graphicFrameMk id="9" creationId="{F3D90301-1356-1DC2-DDCA-C60DBBB712EB}"/>
+          </ac:graphicFrameMkLst>
+        </pc:graphicFrameChg>
+        <pc:graphicFrameChg chg="add mod">
+          <ac:chgData name="Nancy Li" userId="afc5209a-cf39-48d8-a57f-08cc8b772ec9" providerId="ADAL" clId="{90D147C7-6DF3-4858-A037-194481D7D906}" dt="2023-03-19T02:12:33.212" v="305" actId="20577"/>
+          <ac:graphicFrameMkLst>
+            <pc:docMk/>
+            <pc:sldMk cId="3425278781" sldId="284"/>
+            <ac:graphicFrameMk id="18" creationId="{5DFA94E4-0170-5A1C-79D4-4501D29480E1}"/>
+          </ac:graphicFrameMkLst>
+        </pc:graphicFrameChg>
+        <pc:graphicFrameChg chg="add del mod">
+          <ac:chgData name="Nancy Li" userId="afc5209a-cf39-48d8-a57f-08cc8b772ec9" providerId="ADAL" clId="{90D147C7-6DF3-4858-A037-194481D7D906}" dt="2023-03-19T02:10:18.291" v="269"/>
+          <ac:graphicFrameMkLst>
+            <pc:docMk/>
+            <pc:sldMk cId="3425278781" sldId="284"/>
+            <ac:graphicFrameMk id="19" creationId="{F8F1AF3F-EA68-55EB-2255-A8B7D80B16E1}"/>
+          </ac:graphicFrameMkLst>
+        </pc:graphicFrameChg>
+        <pc:picChg chg="del">
+          <ac:chgData name="Nancy Li" userId="afc5209a-cf39-48d8-a57f-08cc8b772ec9" providerId="ADAL" clId="{90D147C7-6DF3-4858-A037-194481D7D906}" dt="2023-03-19T02:03:27.420" v="187" actId="478"/>
+          <ac:picMkLst>
+            <pc:docMk/>
+            <pc:sldMk cId="3425278781" sldId="284"/>
+            <ac:picMk id="3" creationId="{DBC79B2D-5501-A4A5-344A-402E7833692B}"/>
+          </ac:picMkLst>
+        </pc:picChg>
+      </pc:sldChg>
     </pc:docChg>
   </pc:docChgLst>
 </pc:chgInfo>
@@ -2644,6 +2956,1500 @@
 </file>
 
 <file path=ppt/diagrams/colors3.xml><?xml version="1.0" encoding="utf-8"?>
+<dgm:colorsDef xmlns:dgm="http://schemas.openxmlformats.org/drawingml/2006/diagram" xmlns:a="http://schemas.openxmlformats.org/drawingml/2006/main" uniqueId="urn:microsoft.com/office/officeart/2005/8/colors/accent1_2">
+  <dgm:title val=""/>
+  <dgm:desc val=""/>
+  <dgm:catLst>
+    <dgm:cat type="accent1" pri="11200"/>
+  </dgm:catLst>
+  <dgm:styleLbl name="node0">
+    <dgm:fillClrLst meth="repeat">
+      <a:schemeClr val="accent1"/>
+    </dgm:fillClrLst>
+    <dgm:linClrLst meth="repeat">
+      <a:schemeClr val="lt1"/>
+    </dgm:linClrLst>
+    <dgm:effectClrLst/>
+    <dgm:txLinClrLst/>
+    <dgm:txFillClrLst/>
+    <dgm:txEffectClrLst/>
+  </dgm:styleLbl>
+  <dgm:styleLbl name="alignNode1">
+    <dgm:fillClrLst meth="repeat">
+      <a:schemeClr val="accent1"/>
+    </dgm:fillClrLst>
+    <dgm:linClrLst meth="repeat">
+      <a:schemeClr val="accent1"/>
+    </dgm:linClrLst>
+    <dgm:effectClrLst/>
+    <dgm:txLinClrLst/>
+    <dgm:txFillClrLst/>
+    <dgm:txEffectClrLst/>
+  </dgm:styleLbl>
+  <dgm:styleLbl name="node1">
+    <dgm:fillClrLst meth="repeat">
+      <a:schemeClr val="accent1"/>
+    </dgm:fillClrLst>
+    <dgm:linClrLst meth="repeat">
+      <a:schemeClr val="lt1"/>
+    </dgm:linClrLst>
+    <dgm:effectClrLst/>
+    <dgm:txLinClrLst/>
+    <dgm:txFillClrLst/>
+    <dgm:txEffectClrLst/>
+  </dgm:styleLbl>
+  <dgm:styleLbl name="lnNode1">
+    <dgm:fillClrLst meth="repeat">
+      <a:schemeClr val="accent1"/>
+    </dgm:fillClrLst>
+    <dgm:linClrLst meth="repeat">
+      <a:schemeClr val="lt1"/>
+    </dgm:linClrLst>
+    <dgm:effectClrLst/>
+    <dgm:txLinClrLst/>
+    <dgm:txFillClrLst/>
+    <dgm:txEffectClrLst/>
+  </dgm:styleLbl>
+  <dgm:styleLbl name="vennNode1">
+    <dgm:fillClrLst meth="repeat">
+      <a:schemeClr val="accent1">
+        <a:alpha val="50000"/>
+      </a:schemeClr>
+    </dgm:fillClrLst>
+    <dgm:linClrLst meth="repeat">
+      <a:schemeClr val="lt1"/>
+    </dgm:linClrLst>
+    <dgm:effectClrLst/>
+    <dgm:txLinClrLst/>
+    <dgm:txFillClrLst/>
+    <dgm:txEffectClrLst/>
+  </dgm:styleLbl>
+  <dgm:styleLbl name="node2">
+    <dgm:fillClrLst meth="repeat">
+      <a:schemeClr val="accent1"/>
+    </dgm:fillClrLst>
+    <dgm:linClrLst meth="repeat">
+      <a:schemeClr val="lt1"/>
+    </dgm:linClrLst>
+    <dgm:effectClrLst/>
+    <dgm:txLinClrLst/>
+    <dgm:txFillClrLst/>
+    <dgm:txEffectClrLst/>
+  </dgm:styleLbl>
+  <dgm:styleLbl name="node3">
+    <dgm:fillClrLst meth="repeat">
+      <a:schemeClr val="accent1"/>
+    </dgm:fillClrLst>
+    <dgm:linClrLst meth="repeat">
+      <a:schemeClr val="lt1"/>
+    </dgm:linClrLst>
+    <dgm:effectClrLst/>
+    <dgm:txLinClrLst/>
+    <dgm:txFillClrLst/>
+    <dgm:txEffectClrLst/>
+  </dgm:styleLbl>
+  <dgm:styleLbl name="node4">
+    <dgm:fillClrLst meth="repeat">
+      <a:schemeClr val="accent1"/>
+    </dgm:fillClrLst>
+    <dgm:linClrLst meth="repeat">
+      <a:schemeClr val="lt1"/>
+    </dgm:linClrLst>
+    <dgm:effectClrLst/>
+    <dgm:txLinClrLst/>
+    <dgm:txFillClrLst/>
+    <dgm:txEffectClrLst/>
+  </dgm:styleLbl>
+  <dgm:styleLbl name="fgImgPlace1">
+    <dgm:fillClrLst meth="repeat">
+      <a:schemeClr val="accent1">
+        <a:tint val="50000"/>
+      </a:schemeClr>
+    </dgm:fillClrLst>
+    <dgm:linClrLst meth="repeat">
+      <a:schemeClr val="lt1"/>
+    </dgm:linClrLst>
+    <dgm:effectClrLst/>
+    <dgm:txLinClrLst/>
+    <dgm:txFillClrLst meth="repeat">
+      <a:schemeClr val="lt1"/>
+    </dgm:txFillClrLst>
+    <dgm:txEffectClrLst/>
+  </dgm:styleLbl>
+  <dgm:styleLbl name="alignImgPlace1">
+    <dgm:fillClrLst meth="repeat">
+      <a:schemeClr val="accent1">
+        <a:tint val="50000"/>
+      </a:schemeClr>
+    </dgm:fillClrLst>
+    <dgm:linClrLst meth="repeat">
+      <a:schemeClr val="lt1"/>
+    </dgm:linClrLst>
+    <dgm:effectClrLst/>
+    <dgm:txLinClrLst/>
+    <dgm:txFillClrLst meth="repeat">
+      <a:schemeClr val="lt1"/>
+    </dgm:txFillClrLst>
+    <dgm:txEffectClrLst/>
+  </dgm:styleLbl>
+  <dgm:styleLbl name="bgImgPlace1">
+    <dgm:fillClrLst meth="repeat">
+      <a:schemeClr val="accent1">
+        <a:tint val="50000"/>
+      </a:schemeClr>
+    </dgm:fillClrLst>
+    <dgm:linClrLst meth="repeat">
+      <a:schemeClr val="lt1"/>
+    </dgm:linClrLst>
+    <dgm:effectClrLst/>
+    <dgm:txLinClrLst/>
+    <dgm:txFillClrLst meth="repeat">
+      <a:schemeClr val="lt1"/>
+    </dgm:txFillClrLst>
+    <dgm:txEffectClrLst/>
+  </dgm:styleLbl>
+  <dgm:styleLbl name="sibTrans2D1">
+    <dgm:fillClrLst meth="repeat">
+      <a:schemeClr val="accent1">
+        <a:tint val="60000"/>
+      </a:schemeClr>
+    </dgm:fillClrLst>
+    <dgm:linClrLst meth="repeat">
+      <a:schemeClr val="accent1">
+        <a:tint val="60000"/>
+      </a:schemeClr>
+    </dgm:linClrLst>
+    <dgm:effectClrLst/>
+    <dgm:txLinClrLst/>
+    <dgm:txFillClrLst/>
+    <dgm:txEffectClrLst/>
+  </dgm:styleLbl>
+  <dgm:styleLbl name="fgSibTrans2D1">
+    <dgm:fillClrLst meth="repeat">
+      <a:schemeClr val="accent1">
+        <a:tint val="60000"/>
+      </a:schemeClr>
+    </dgm:fillClrLst>
+    <dgm:linClrLst meth="repeat">
+      <a:schemeClr val="accent1">
+        <a:tint val="60000"/>
+      </a:schemeClr>
+    </dgm:linClrLst>
+    <dgm:effectClrLst/>
+    <dgm:txLinClrLst/>
+    <dgm:txFillClrLst/>
+    <dgm:txEffectClrLst/>
+  </dgm:styleLbl>
+  <dgm:styleLbl name="bgSibTrans2D1">
+    <dgm:fillClrLst meth="repeat">
+      <a:schemeClr val="accent1">
+        <a:tint val="60000"/>
+      </a:schemeClr>
+    </dgm:fillClrLst>
+    <dgm:linClrLst meth="repeat">
+      <a:schemeClr val="accent1">
+        <a:tint val="60000"/>
+      </a:schemeClr>
+    </dgm:linClrLst>
+    <dgm:effectClrLst/>
+    <dgm:txLinClrLst/>
+    <dgm:txFillClrLst/>
+    <dgm:txEffectClrLst/>
+  </dgm:styleLbl>
+  <dgm:styleLbl name="sibTrans1D1">
+    <dgm:fillClrLst meth="repeat">
+      <a:schemeClr val="accent1"/>
+    </dgm:fillClrLst>
+    <dgm:linClrLst meth="repeat">
+      <a:schemeClr val="accent1"/>
+    </dgm:linClrLst>
+    <dgm:effectClrLst/>
+    <dgm:txLinClrLst/>
+    <dgm:txFillClrLst meth="repeat">
+      <a:schemeClr val="tx1"/>
+    </dgm:txFillClrLst>
+    <dgm:txEffectClrLst/>
+  </dgm:styleLbl>
+  <dgm:styleLbl name="callout">
+    <dgm:fillClrLst meth="repeat">
+      <a:schemeClr val="accent1"/>
+    </dgm:fillClrLst>
+    <dgm:linClrLst meth="repeat">
+      <a:schemeClr val="accent1">
+        <a:tint val="50000"/>
+      </a:schemeClr>
+    </dgm:linClrLst>
+    <dgm:effectClrLst/>
+    <dgm:txLinClrLst/>
+    <dgm:txFillClrLst meth="repeat">
+      <a:schemeClr val="tx1"/>
+    </dgm:txFillClrLst>
+    <dgm:txEffectClrLst/>
+  </dgm:styleLbl>
+  <dgm:styleLbl name="asst0">
+    <dgm:fillClrLst meth="repeat">
+      <a:schemeClr val="accent1"/>
+    </dgm:fillClrLst>
+    <dgm:linClrLst meth="repeat">
+      <a:schemeClr val="lt1"/>
+    </dgm:linClrLst>
+    <dgm:effectClrLst/>
+    <dgm:txLinClrLst/>
+    <dgm:txFillClrLst/>
+    <dgm:txEffectClrLst/>
+  </dgm:styleLbl>
+  <dgm:styleLbl name="asst1">
+    <dgm:fillClrLst meth="repeat">
+      <a:schemeClr val="accent1"/>
+    </dgm:fillClrLst>
+    <dgm:linClrLst meth="repeat">
+      <a:schemeClr val="lt1"/>
+    </dgm:linClrLst>
+    <dgm:effectClrLst/>
+    <dgm:txLinClrLst/>
+    <dgm:txFillClrLst/>
+    <dgm:txEffectClrLst/>
+  </dgm:styleLbl>
+  <dgm:styleLbl name="asst2">
+    <dgm:fillClrLst meth="repeat">
+      <a:schemeClr val="accent1"/>
+    </dgm:fillClrLst>
+    <dgm:linClrLst meth="repeat">
+      <a:schemeClr val="lt1"/>
+    </dgm:linClrLst>
+    <dgm:effectClrLst/>
+    <dgm:txLinClrLst/>
+    <dgm:txFillClrLst/>
+    <dgm:txEffectClrLst/>
+  </dgm:styleLbl>
+  <dgm:styleLbl name="asst3">
+    <dgm:fillClrLst meth="repeat">
+      <a:schemeClr val="accent1"/>
+    </dgm:fillClrLst>
+    <dgm:linClrLst meth="repeat">
+      <a:schemeClr val="lt1"/>
+    </dgm:linClrLst>
+    <dgm:effectClrLst/>
+    <dgm:txLinClrLst/>
+    <dgm:txFillClrLst/>
+    <dgm:txEffectClrLst/>
+  </dgm:styleLbl>
+  <dgm:styleLbl name="asst4">
+    <dgm:fillClrLst meth="repeat">
+      <a:schemeClr val="accent1"/>
+    </dgm:fillClrLst>
+    <dgm:linClrLst meth="repeat">
+      <a:schemeClr val="lt1"/>
+    </dgm:linClrLst>
+    <dgm:effectClrLst/>
+    <dgm:txLinClrLst/>
+    <dgm:txFillClrLst/>
+    <dgm:txEffectClrLst/>
+  </dgm:styleLbl>
+  <dgm:styleLbl name="parChTrans2D1">
+    <dgm:fillClrLst meth="repeat">
+      <a:schemeClr val="accent1">
+        <a:tint val="60000"/>
+      </a:schemeClr>
+    </dgm:fillClrLst>
+    <dgm:linClrLst meth="repeat">
+      <a:schemeClr val="accent1">
+        <a:tint val="60000"/>
+      </a:schemeClr>
+    </dgm:linClrLst>
+    <dgm:effectClrLst/>
+    <dgm:txLinClrLst/>
+    <dgm:txFillClrLst meth="repeat">
+      <a:schemeClr val="lt1"/>
+    </dgm:txFillClrLst>
+    <dgm:txEffectClrLst/>
+  </dgm:styleLbl>
+  <dgm:styleLbl name="parChTrans2D2">
+    <dgm:fillClrLst meth="repeat">
+      <a:schemeClr val="accent1"/>
+    </dgm:fillClrLst>
+    <dgm:linClrLst meth="repeat">
+      <a:schemeClr val="accent1"/>
+    </dgm:linClrLst>
+    <dgm:effectClrLst/>
+    <dgm:txLinClrLst/>
+    <dgm:txFillClrLst meth="repeat">
+      <a:schemeClr val="lt1"/>
+    </dgm:txFillClrLst>
+    <dgm:txEffectClrLst/>
+  </dgm:styleLbl>
+  <dgm:styleLbl name="parChTrans2D3">
+    <dgm:fillClrLst meth="repeat">
+      <a:schemeClr val="accent1"/>
+    </dgm:fillClrLst>
+    <dgm:linClrLst meth="repeat">
+      <a:schemeClr val="accent1"/>
+    </dgm:linClrLst>
+    <dgm:effectClrLst/>
+    <dgm:txLinClrLst/>
+    <dgm:txFillClrLst meth="repeat">
+      <a:schemeClr val="lt1"/>
+    </dgm:txFillClrLst>
+    <dgm:txEffectClrLst/>
+  </dgm:styleLbl>
+  <dgm:styleLbl name="parChTrans2D4">
+    <dgm:fillClrLst meth="repeat">
+      <a:schemeClr val="accent1"/>
+    </dgm:fillClrLst>
+    <dgm:linClrLst meth="repeat">
+      <a:schemeClr val="accent1"/>
+    </dgm:linClrLst>
+    <dgm:effectClrLst/>
+    <dgm:txLinClrLst/>
+    <dgm:txFillClrLst meth="repeat">
+      <a:schemeClr val="lt1"/>
+    </dgm:txFillClrLst>
+    <dgm:txEffectClrLst/>
+  </dgm:styleLbl>
+  <dgm:styleLbl name="parChTrans1D1">
+    <dgm:fillClrLst meth="repeat">
+      <a:schemeClr val="accent1"/>
+    </dgm:fillClrLst>
+    <dgm:linClrLst meth="repeat">
+      <a:schemeClr val="accent1">
+        <a:shade val="60000"/>
+      </a:schemeClr>
+    </dgm:linClrLst>
+    <dgm:effectClrLst/>
+    <dgm:txLinClrLst/>
+    <dgm:txFillClrLst meth="repeat">
+      <a:schemeClr val="tx1"/>
+    </dgm:txFillClrLst>
+    <dgm:txEffectClrLst/>
+  </dgm:styleLbl>
+  <dgm:styleLbl name="parChTrans1D2">
+    <dgm:fillClrLst meth="repeat">
+      <a:schemeClr val="accent1"/>
+    </dgm:fillClrLst>
+    <dgm:linClrLst meth="repeat">
+      <a:schemeClr val="accent1">
+        <a:shade val="60000"/>
+      </a:schemeClr>
+    </dgm:linClrLst>
+    <dgm:effectClrLst/>
+    <dgm:txLinClrLst/>
+    <dgm:txFillClrLst meth="repeat">
+      <a:schemeClr val="tx1"/>
+    </dgm:txFillClrLst>
+    <dgm:txEffectClrLst/>
+  </dgm:styleLbl>
+  <dgm:styleLbl name="parChTrans1D3">
+    <dgm:fillClrLst meth="repeat">
+      <a:schemeClr val="accent1"/>
+    </dgm:fillClrLst>
+    <dgm:linClrLst meth="repeat">
+      <a:schemeClr val="accent1">
+        <a:shade val="80000"/>
+      </a:schemeClr>
+    </dgm:linClrLst>
+    <dgm:effectClrLst/>
+    <dgm:txLinClrLst/>
+    <dgm:txFillClrLst meth="repeat">
+      <a:schemeClr val="tx1"/>
+    </dgm:txFillClrLst>
+    <dgm:txEffectClrLst/>
+  </dgm:styleLbl>
+  <dgm:styleLbl name="parChTrans1D4">
+    <dgm:fillClrLst meth="repeat">
+      <a:schemeClr val="accent1"/>
+    </dgm:fillClrLst>
+    <dgm:linClrLst meth="repeat">
+      <a:schemeClr val="accent1">
+        <a:shade val="80000"/>
+      </a:schemeClr>
+    </dgm:linClrLst>
+    <dgm:effectClrLst/>
+    <dgm:txLinClrLst/>
+    <dgm:txFillClrLst meth="repeat">
+      <a:schemeClr val="tx1"/>
+    </dgm:txFillClrLst>
+    <dgm:txEffectClrLst/>
+  </dgm:styleLbl>
+  <dgm:styleLbl name="fgAcc1">
+    <dgm:fillClrLst meth="repeat">
+      <a:schemeClr val="lt1">
+        <a:alpha val="90000"/>
+      </a:schemeClr>
+    </dgm:fillClrLst>
+    <dgm:linClrLst meth="repeat">
+      <a:schemeClr val="accent1"/>
+    </dgm:linClrLst>
+    <dgm:effectClrLst/>
+    <dgm:txLinClrLst/>
+    <dgm:txFillClrLst meth="repeat">
+      <a:schemeClr val="dk1"/>
+    </dgm:txFillClrLst>
+    <dgm:txEffectClrLst/>
+  </dgm:styleLbl>
+  <dgm:styleLbl name="conFgAcc1">
+    <dgm:fillClrLst meth="repeat">
+      <a:schemeClr val="lt1">
+        <a:alpha val="90000"/>
+      </a:schemeClr>
+    </dgm:fillClrLst>
+    <dgm:linClrLst meth="repeat">
+      <a:schemeClr val="accent1"/>
+    </dgm:linClrLst>
+    <dgm:effectClrLst/>
+    <dgm:txLinClrLst/>
+    <dgm:txFillClrLst meth="repeat">
+      <a:schemeClr val="dk1"/>
+    </dgm:txFillClrLst>
+    <dgm:txEffectClrLst/>
+  </dgm:styleLbl>
+  <dgm:styleLbl name="alignAcc1">
+    <dgm:fillClrLst meth="repeat">
+      <a:schemeClr val="lt1">
+        <a:alpha val="90000"/>
+      </a:schemeClr>
+    </dgm:fillClrLst>
+    <dgm:linClrLst meth="repeat">
+      <a:schemeClr val="accent1"/>
+    </dgm:linClrLst>
+    <dgm:effectClrLst/>
+    <dgm:txLinClrLst/>
+    <dgm:txFillClrLst meth="repeat">
+      <a:schemeClr val="dk1"/>
+    </dgm:txFillClrLst>
+    <dgm:txEffectClrLst/>
+  </dgm:styleLbl>
+  <dgm:styleLbl name="trAlignAcc1">
+    <dgm:fillClrLst meth="repeat">
+      <a:schemeClr val="lt1">
+        <a:alpha val="40000"/>
+      </a:schemeClr>
+    </dgm:fillClrLst>
+    <dgm:linClrLst meth="repeat">
+      <a:schemeClr val="accent1"/>
+    </dgm:linClrLst>
+    <dgm:effectClrLst/>
+    <dgm:txLinClrLst/>
+    <dgm:txFillClrLst meth="repeat">
+      <a:schemeClr val="dk1"/>
+    </dgm:txFillClrLst>
+    <dgm:txEffectClrLst/>
+  </dgm:styleLbl>
+  <dgm:styleLbl name="bgAcc1">
+    <dgm:fillClrLst meth="repeat">
+      <a:schemeClr val="lt1">
+        <a:alpha val="90000"/>
+      </a:schemeClr>
+    </dgm:fillClrLst>
+    <dgm:linClrLst meth="repeat">
+      <a:schemeClr val="accent1"/>
+    </dgm:linClrLst>
+    <dgm:effectClrLst/>
+    <dgm:txLinClrLst/>
+    <dgm:txFillClrLst meth="repeat">
+      <a:schemeClr val="dk1"/>
+    </dgm:txFillClrLst>
+    <dgm:txEffectClrLst/>
+  </dgm:styleLbl>
+  <dgm:styleLbl name="solidFgAcc1">
+    <dgm:fillClrLst meth="repeat">
+      <a:schemeClr val="lt1"/>
+    </dgm:fillClrLst>
+    <dgm:linClrLst meth="repeat">
+      <a:schemeClr val="accent1"/>
+    </dgm:linClrLst>
+    <dgm:effectClrLst/>
+    <dgm:txLinClrLst/>
+    <dgm:txFillClrLst meth="repeat">
+      <a:schemeClr val="dk1"/>
+    </dgm:txFillClrLst>
+    <dgm:txEffectClrLst/>
+  </dgm:styleLbl>
+  <dgm:styleLbl name="solidAlignAcc1">
+    <dgm:fillClrLst meth="repeat">
+      <a:schemeClr val="lt1"/>
+    </dgm:fillClrLst>
+    <dgm:linClrLst meth="repeat">
+      <a:schemeClr val="accent1"/>
+    </dgm:linClrLst>
+    <dgm:effectClrLst/>
+    <dgm:txLinClrLst/>
+    <dgm:txFillClrLst meth="repeat">
+      <a:schemeClr val="dk1"/>
+    </dgm:txFillClrLst>
+    <dgm:txEffectClrLst/>
+  </dgm:styleLbl>
+  <dgm:styleLbl name="solidBgAcc1">
+    <dgm:fillClrLst meth="repeat">
+      <a:schemeClr val="lt1"/>
+    </dgm:fillClrLst>
+    <dgm:linClrLst meth="repeat">
+      <a:schemeClr val="accent1"/>
+    </dgm:linClrLst>
+    <dgm:effectClrLst/>
+    <dgm:txLinClrLst/>
+    <dgm:txFillClrLst meth="repeat">
+      <a:schemeClr val="dk1"/>
+    </dgm:txFillClrLst>
+    <dgm:txEffectClrLst/>
+  </dgm:styleLbl>
+  <dgm:styleLbl name="fgAccFollowNode1">
+    <dgm:fillClrLst meth="repeat">
+      <a:schemeClr val="accent1">
+        <a:alpha val="90000"/>
+        <a:tint val="40000"/>
+      </a:schemeClr>
+    </dgm:fillClrLst>
+    <dgm:linClrLst meth="repeat">
+      <a:schemeClr val="accent1">
+        <a:alpha val="90000"/>
+        <a:tint val="40000"/>
+      </a:schemeClr>
+    </dgm:linClrLst>
+    <dgm:effectClrLst/>
+    <dgm:txLinClrLst/>
+    <dgm:txFillClrLst meth="repeat">
+      <a:schemeClr val="dk1"/>
+    </dgm:txFillClrLst>
+    <dgm:txEffectClrLst/>
+  </dgm:styleLbl>
+  <dgm:styleLbl name="alignAccFollowNode1">
+    <dgm:fillClrLst meth="repeat">
+      <a:schemeClr val="accent1">
+        <a:alpha val="90000"/>
+        <a:tint val="40000"/>
+      </a:schemeClr>
+    </dgm:fillClrLst>
+    <dgm:linClrLst meth="repeat">
+      <a:schemeClr val="accent1">
+        <a:alpha val="90000"/>
+        <a:tint val="40000"/>
+      </a:schemeClr>
+    </dgm:linClrLst>
+    <dgm:effectClrLst/>
+    <dgm:txLinClrLst/>
+    <dgm:txFillClrLst meth="repeat">
+      <a:schemeClr val="dk1"/>
+    </dgm:txFillClrLst>
+    <dgm:txEffectClrLst/>
+  </dgm:styleLbl>
+  <dgm:styleLbl name="bgAccFollowNode1">
+    <dgm:fillClrLst meth="repeat">
+      <a:schemeClr val="accent1">
+        <a:alpha val="90000"/>
+        <a:tint val="40000"/>
+      </a:schemeClr>
+    </dgm:fillClrLst>
+    <dgm:linClrLst meth="repeat">
+      <a:schemeClr val="accent1">
+        <a:alpha val="90000"/>
+        <a:tint val="40000"/>
+      </a:schemeClr>
+    </dgm:linClrLst>
+    <dgm:effectClrLst/>
+    <dgm:txLinClrLst/>
+    <dgm:txFillClrLst meth="repeat">
+      <a:schemeClr val="dk1"/>
+    </dgm:txFillClrLst>
+    <dgm:txEffectClrLst/>
+  </dgm:styleLbl>
+  <dgm:styleLbl name="fgAcc0">
+    <dgm:fillClrLst meth="repeat">
+      <a:schemeClr val="lt1">
+        <a:alpha val="90000"/>
+      </a:schemeClr>
+    </dgm:fillClrLst>
+    <dgm:linClrLst meth="repeat">
+      <a:schemeClr val="accent1"/>
+    </dgm:linClrLst>
+    <dgm:effectClrLst/>
+    <dgm:txLinClrLst/>
+    <dgm:txFillClrLst meth="repeat">
+      <a:schemeClr val="dk1"/>
+    </dgm:txFillClrLst>
+    <dgm:txEffectClrLst/>
+  </dgm:styleLbl>
+  <dgm:styleLbl name="fgAcc2">
+    <dgm:fillClrLst meth="repeat">
+      <a:schemeClr val="lt1">
+        <a:alpha val="90000"/>
+      </a:schemeClr>
+    </dgm:fillClrLst>
+    <dgm:linClrLst meth="repeat">
+      <a:schemeClr val="accent1"/>
+    </dgm:linClrLst>
+    <dgm:effectClrLst/>
+    <dgm:txLinClrLst/>
+    <dgm:txFillClrLst meth="repeat">
+      <a:schemeClr val="dk1"/>
+    </dgm:txFillClrLst>
+    <dgm:txEffectClrLst/>
+  </dgm:styleLbl>
+  <dgm:styleLbl name="fgAcc3">
+    <dgm:fillClrLst meth="repeat">
+      <a:schemeClr val="lt1">
+        <a:alpha val="90000"/>
+      </a:schemeClr>
+    </dgm:fillClrLst>
+    <dgm:linClrLst meth="repeat">
+      <a:schemeClr val="accent1"/>
+    </dgm:linClrLst>
+    <dgm:effectClrLst/>
+    <dgm:txLinClrLst/>
+    <dgm:txFillClrLst meth="repeat">
+      <a:schemeClr val="dk1"/>
+    </dgm:txFillClrLst>
+    <dgm:txEffectClrLst/>
+  </dgm:styleLbl>
+  <dgm:styleLbl name="fgAcc4">
+    <dgm:fillClrLst meth="repeat">
+      <a:schemeClr val="lt1">
+        <a:alpha val="90000"/>
+      </a:schemeClr>
+    </dgm:fillClrLst>
+    <dgm:linClrLst meth="repeat">
+      <a:schemeClr val="accent1"/>
+    </dgm:linClrLst>
+    <dgm:effectClrLst/>
+    <dgm:txLinClrLst/>
+    <dgm:txFillClrLst meth="repeat">
+      <a:schemeClr val="dk1"/>
+    </dgm:txFillClrLst>
+    <dgm:txEffectClrLst/>
+  </dgm:styleLbl>
+  <dgm:styleLbl name="bgShp">
+    <dgm:fillClrLst meth="repeat">
+      <a:schemeClr val="accent1">
+        <a:tint val="40000"/>
+      </a:schemeClr>
+    </dgm:fillClrLst>
+    <dgm:linClrLst meth="repeat">
+      <a:schemeClr val="accent1"/>
+    </dgm:linClrLst>
+    <dgm:effectClrLst/>
+    <dgm:txLinClrLst/>
+    <dgm:txFillClrLst meth="repeat">
+      <a:schemeClr val="dk1"/>
+    </dgm:txFillClrLst>
+    <dgm:txEffectClrLst/>
+  </dgm:styleLbl>
+  <dgm:styleLbl name="dkBgShp">
+    <dgm:fillClrLst meth="repeat">
+      <a:schemeClr val="accent1">
+        <a:shade val="80000"/>
+      </a:schemeClr>
+    </dgm:fillClrLst>
+    <dgm:linClrLst meth="repeat">
+      <a:schemeClr val="accent1"/>
+    </dgm:linClrLst>
+    <dgm:effectClrLst/>
+    <dgm:txLinClrLst/>
+    <dgm:txFillClrLst meth="repeat">
+      <a:schemeClr val="lt1"/>
+    </dgm:txFillClrLst>
+    <dgm:txEffectClrLst/>
+  </dgm:styleLbl>
+  <dgm:styleLbl name="trBgShp">
+    <dgm:fillClrLst meth="repeat">
+      <a:schemeClr val="accent1">
+        <a:tint val="50000"/>
+        <a:alpha val="40000"/>
+      </a:schemeClr>
+    </dgm:fillClrLst>
+    <dgm:linClrLst meth="repeat">
+      <a:schemeClr val="accent1"/>
+    </dgm:linClrLst>
+    <dgm:effectClrLst/>
+    <dgm:txLinClrLst/>
+    <dgm:txFillClrLst meth="repeat">
+      <a:schemeClr val="lt1"/>
+    </dgm:txFillClrLst>
+    <dgm:txEffectClrLst/>
+  </dgm:styleLbl>
+  <dgm:styleLbl name="fgShp">
+    <dgm:fillClrLst meth="repeat">
+      <a:schemeClr val="accent1">
+        <a:tint val="60000"/>
+      </a:schemeClr>
+    </dgm:fillClrLst>
+    <dgm:linClrLst meth="repeat">
+      <a:schemeClr val="lt1"/>
+    </dgm:linClrLst>
+    <dgm:effectClrLst/>
+    <dgm:txLinClrLst/>
+    <dgm:txFillClrLst meth="repeat">
+      <a:schemeClr val="dk1"/>
+    </dgm:txFillClrLst>
+    <dgm:txEffectClrLst/>
+  </dgm:styleLbl>
+  <dgm:styleLbl name="revTx">
+    <dgm:fillClrLst meth="repeat">
+      <a:schemeClr val="lt1">
+        <a:alpha val="0"/>
+      </a:schemeClr>
+    </dgm:fillClrLst>
+    <dgm:linClrLst meth="repeat">
+      <a:schemeClr val="dk1">
+        <a:alpha val="0"/>
+      </a:schemeClr>
+    </dgm:linClrLst>
+    <dgm:effectClrLst/>
+    <dgm:txLinClrLst/>
+    <dgm:txFillClrLst meth="repeat">
+      <a:schemeClr val="tx1"/>
+    </dgm:txFillClrLst>
+    <dgm:txEffectClrLst/>
+  </dgm:styleLbl>
+</dgm:colorsDef>
+</file>
+
+<file path=ppt/diagrams/colors4.xml><?xml version="1.0" encoding="utf-8"?>
+<dgm:colorsDef xmlns:dgm="http://schemas.openxmlformats.org/drawingml/2006/diagram" xmlns:a="http://schemas.openxmlformats.org/drawingml/2006/main" uniqueId="urn:microsoft.com/office/officeart/2005/8/colors/accent1_2">
+  <dgm:title val=""/>
+  <dgm:desc val=""/>
+  <dgm:catLst>
+    <dgm:cat type="accent1" pri="11200"/>
+  </dgm:catLst>
+  <dgm:styleLbl name="node0">
+    <dgm:fillClrLst meth="repeat">
+      <a:schemeClr val="accent1"/>
+    </dgm:fillClrLst>
+    <dgm:linClrLst meth="repeat">
+      <a:schemeClr val="lt1"/>
+    </dgm:linClrLst>
+    <dgm:effectClrLst/>
+    <dgm:txLinClrLst/>
+    <dgm:txFillClrLst/>
+    <dgm:txEffectClrLst/>
+  </dgm:styleLbl>
+  <dgm:styleLbl name="alignNode1">
+    <dgm:fillClrLst meth="repeat">
+      <a:schemeClr val="accent1"/>
+    </dgm:fillClrLst>
+    <dgm:linClrLst meth="repeat">
+      <a:schemeClr val="accent1"/>
+    </dgm:linClrLst>
+    <dgm:effectClrLst/>
+    <dgm:txLinClrLst/>
+    <dgm:txFillClrLst/>
+    <dgm:txEffectClrLst/>
+  </dgm:styleLbl>
+  <dgm:styleLbl name="node1">
+    <dgm:fillClrLst meth="repeat">
+      <a:schemeClr val="accent1"/>
+    </dgm:fillClrLst>
+    <dgm:linClrLst meth="repeat">
+      <a:schemeClr val="lt1"/>
+    </dgm:linClrLst>
+    <dgm:effectClrLst/>
+    <dgm:txLinClrLst/>
+    <dgm:txFillClrLst/>
+    <dgm:txEffectClrLst/>
+  </dgm:styleLbl>
+  <dgm:styleLbl name="lnNode1">
+    <dgm:fillClrLst meth="repeat">
+      <a:schemeClr val="accent1"/>
+    </dgm:fillClrLst>
+    <dgm:linClrLst meth="repeat">
+      <a:schemeClr val="lt1"/>
+    </dgm:linClrLst>
+    <dgm:effectClrLst/>
+    <dgm:txLinClrLst/>
+    <dgm:txFillClrLst/>
+    <dgm:txEffectClrLst/>
+  </dgm:styleLbl>
+  <dgm:styleLbl name="vennNode1">
+    <dgm:fillClrLst meth="repeat">
+      <a:schemeClr val="accent1">
+        <a:alpha val="50000"/>
+      </a:schemeClr>
+    </dgm:fillClrLst>
+    <dgm:linClrLst meth="repeat">
+      <a:schemeClr val="lt1"/>
+    </dgm:linClrLst>
+    <dgm:effectClrLst/>
+    <dgm:txLinClrLst/>
+    <dgm:txFillClrLst/>
+    <dgm:txEffectClrLst/>
+  </dgm:styleLbl>
+  <dgm:styleLbl name="node2">
+    <dgm:fillClrLst meth="repeat">
+      <a:schemeClr val="accent1"/>
+    </dgm:fillClrLst>
+    <dgm:linClrLst meth="repeat">
+      <a:schemeClr val="lt1"/>
+    </dgm:linClrLst>
+    <dgm:effectClrLst/>
+    <dgm:txLinClrLst/>
+    <dgm:txFillClrLst/>
+    <dgm:txEffectClrLst/>
+  </dgm:styleLbl>
+  <dgm:styleLbl name="node3">
+    <dgm:fillClrLst meth="repeat">
+      <a:schemeClr val="accent1"/>
+    </dgm:fillClrLst>
+    <dgm:linClrLst meth="repeat">
+      <a:schemeClr val="lt1"/>
+    </dgm:linClrLst>
+    <dgm:effectClrLst/>
+    <dgm:txLinClrLst/>
+    <dgm:txFillClrLst/>
+    <dgm:txEffectClrLst/>
+  </dgm:styleLbl>
+  <dgm:styleLbl name="node4">
+    <dgm:fillClrLst meth="repeat">
+      <a:schemeClr val="accent1"/>
+    </dgm:fillClrLst>
+    <dgm:linClrLst meth="repeat">
+      <a:schemeClr val="lt1"/>
+    </dgm:linClrLst>
+    <dgm:effectClrLst/>
+    <dgm:txLinClrLst/>
+    <dgm:txFillClrLst/>
+    <dgm:txEffectClrLst/>
+  </dgm:styleLbl>
+  <dgm:styleLbl name="fgImgPlace1">
+    <dgm:fillClrLst meth="repeat">
+      <a:schemeClr val="accent1">
+        <a:tint val="50000"/>
+      </a:schemeClr>
+    </dgm:fillClrLst>
+    <dgm:linClrLst meth="repeat">
+      <a:schemeClr val="lt1"/>
+    </dgm:linClrLst>
+    <dgm:effectClrLst/>
+    <dgm:txLinClrLst/>
+    <dgm:txFillClrLst meth="repeat">
+      <a:schemeClr val="lt1"/>
+    </dgm:txFillClrLst>
+    <dgm:txEffectClrLst/>
+  </dgm:styleLbl>
+  <dgm:styleLbl name="alignImgPlace1">
+    <dgm:fillClrLst meth="repeat">
+      <a:schemeClr val="accent1">
+        <a:tint val="50000"/>
+      </a:schemeClr>
+    </dgm:fillClrLst>
+    <dgm:linClrLst meth="repeat">
+      <a:schemeClr val="lt1"/>
+    </dgm:linClrLst>
+    <dgm:effectClrLst/>
+    <dgm:txLinClrLst/>
+    <dgm:txFillClrLst meth="repeat">
+      <a:schemeClr val="lt1"/>
+    </dgm:txFillClrLst>
+    <dgm:txEffectClrLst/>
+  </dgm:styleLbl>
+  <dgm:styleLbl name="bgImgPlace1">
+    <dgm:fillClrLst meth="repeat">
+      <a:schemeClr val="accent1">
+        <a:tint val="50000"/>
+      </a:schemeClr>
+    </dgm:fillClrLst>
+    <dgm:linClrLst meth="repeat">
+      <a:schemeClr val="lt1"/>
+    </dgm:linClrLst>
+    <dgm:effectClrLst/>
+    <dgm:txLinClrLst/>
+    <dgm:txFillClrLst meth="repeat">
+      <a:schemeClr val="lt1"/>
+    </dgm:txFillClrLst>
+    <dgm:txEffectClrLst/>
+  </dgm:styleLbl>
+  <dgm:styleLbl name="sibTrans2D1">
+    <dgm:fillClrLst meth="repeat">
+      <a:schemeClr val="accent1">
+        <a:tint val="60000"/>
+      </a:schemeClr>
+    </dgm:fillClrLst>
+    <dgm:linClrLst meth="repeat">
+      <a:schemeClr val="accent1">
+        <a:tint val="60000"/>
+      </a:schemeClr>
+    </dgm:linClrLst>
+    <dgm:effectClrLst/>
+    <dgm:txLinClrLst/>
+    <dgm:txFillClrLst/>
+    <dgm:txEffectClrLst/>
+  </dgm:styleLbl>
+  <dgm:styleLbl name="fgSibTrans2D1">
+    <dgm:fillClrLst meth="repeat">
+      <a:schemeClr val="accent1">
+        <a:tint val="60000"/>
+      </a:schemeClr>
+    </dgm:fillClrLst>
+    <dgm:linClrLst meth="repeat">
+      <a:schemeClr val="accent1">
+        <a:tint val="60000"/>
+      </a:schemeClr>
+    </dgm:linClrLst>
+    <dgm:effectClrLst/>
+    <dgm:txLinClrLst/>
+    <dgm:txFillClrLst/>
+    <dgm:txEffectClrLst/>
+  </dgm:styleLbl>
+  <dgm:styleLbl name="bgSibTrans2D1">
+    <dgm:fillClrLst meth="repeat">
+      <a:schemeClr val="accent1">
+        <a:tint val="60000"/>
+      </a:schemeClr>
+    </dgm:fillClrLst>
+    <dgm:linClrLst meth="repeat">
+      <a:schemeClr val="accent1">
+        <a:tint val="60000"/>
+      </a:schemeClr>
+    </dgm:linClrLst>
+    <dgm:effectClrLst/>
+    <dgm:txLinClrLst/>
+    <dgm:txFillClrLst/>
+    <dgm:txEffectClrLst/>
+  </dgm:styleLbl>
+  <dgm:styleLbl name="sibTrans1D1">
+    <dgm:fillClrLst meth="repeat">
+      <a:schemeClr val="accent1"/>
+    </dgm:fillClrLst>
+    <dgm:linClrLst meth="repeat">
+      <a:schemeClr val="accent1"/>
+    </dgm:linClrLst>
+    <dgm:effectClrLst/>
+    <dgm:txLinClrLst/>
+    <dgm:txFillClrLst meth="repeat">
+      <a:schemeClr val="tx1"/>
+    </dgm:txFillClrLst>
+    <dgm:txEffectClrLst/>
+  </dgm:styleLbl>
+  <dgm:styleLbl name="callout">
+    <dgm:fillClrLst meth="repeat">
+      <a:schemeClr val="accent1"/>
+    </dgm:fillClrLst>
+    <dgm:linClrLst meth="repeat">
+      <a:schemeClr val="accent1">
+        <a:tint val="50000"/>
+      </a:schemeClr>
+    </dgm:linClrLst>
+    <dgm:effectClrLst/>
+    <dgm:txLinClrLst/>
+    <dgm:txFillClrLst meth="repeat">
+      <a:schemeClr val="tx1"/>
+    </dgm:txFillClrLst>
+    <dgm:txEffectClrLst/>
+  </dgm:styleLbl>
+  <dgm:styleLbl name="asst0">
+    <dgm:fillClrLst meth="repeat">
+      <a:schemeClr val="accent1"/>
+    </dgm:fillClrLst>
+    <dgm:linClrLst meth="repeat">
+      <a:schemeClr val="lt1"/>
+    </dgm:linClrLst>
+    <dgm:effectClrLst/>
+    <dgm:txLinClrLst/>
+    <dgm:txFillClrLst/>
+    <dgm:txEffectClrLst/>
+  </dgm:styleLbl>
+  <dgm:styleLbl name="asst1">
+    <dgm:fillClrLst meth="repeat">
+      <a:schemeClr val="accent1"/>
+    </dgm:fillClrLst>
+    <dgm:linClrLst meth="repeat">
+      <a:schemeClr val="lt1"/>
+    </dgm:linClrLst>
+    <dgm:effectClrLst/>
+    <dgm:txLinClrLst/>
+    <dgm:txFillClrLst/>
+    <dgm:txEffectClrLst/>
+  </dgm:styleLbl>
+  <dgm:styleLbl name="asst2">
+    <dgm:fillClrLst meth="repeat">
+      <a:schemeClr val="accent1"/>
+    </dgm:fillClrLst>
+    <dgm:linClrLst meth="repeat">
+      <a:schemeClr val="lt1"/>
+    </dgm:linClrLst>
+    <dgm:effectClrLst/>
+    <dgm:txLinClrLst/>
+    <dgm:txFillClrLst/>
+    <dgm:txEffectClrLst/>
+  </dgm:styleLbl>
+  <dgm:styleLbl name="asst3">
+    <dgm:fillClrLst meth="repeat">
+      <a:schemeClr val="accent1"/>
+    </dgm:fillClrLst>
+    <dgm:linClrLst meth="repeat">
+      <a:schemeClr val="lt1"/>
+    </dgm:linClrLst>
+    <dgm:effectClrLst/>
+    <dgm:txLinClrLst/>
+    <dgm:txFillClrLst/>
+    <dgm:txEffectClrLst/>
+  </dgm:styleLbl>
+  <dgm:styleLbl name="asst4">
+    <dgm:fillClrLst meth="repeat">
+      <a:schemeClr val="accent1"/>
+    </dgm:fillClrLst>
+    <dgm:linClrLst meth="repeat">
+      <a:schemeClr val="lt1"/>
+    </dgm:linClrLst>
+    <dgm:effectClrLst/>
+    <dgm:txLinClrLst/>
+    <dgm:txFillClrLst/>
+    <dgm:txEffectClrLst/>
+  </dgm:styleLbl>
+  <dgm:styleLbl name="parChTrans2D1">
+    <dgm:fillClrLst meth="repeat">
+      <a:schemeClr val="accent1">
+        <a:tint val="60000"/>
+      </a:schemeClr>
+    </dgm:fillClrLst>
+    <dgm:linClrLst meth="repeat">
+      <a:schemeClr val="accent1">
+        <a:tint val="60000"/>
+      </a:schemeClr>
+    </dgm:linClrLst>
+    <dgm:effectClrLst/>
+    <dgm:txLinClrLst/>
+    <dgm:txFillClrLst meth="repeat">
+      <a:schemeClr val="lt1"/>
+    </dgm:txFillClrLst>
+    <dgm:txEffectClrLst/>
+  </dgm:styleLbl>
+  <dgm:styleLbl name="parChTrans2D2">
+    <dgm:fillClrLst meth="repeat">
+      <a:schemeClr val="accent1"/>
+    </dgm:fillClrLst>
+    <dgm:linClrLst meth="repeat">
+      <a:schemeClr val="accent1"/>
+    </dgm:linClrLst>
+    <dgm:effectClrLst/>
+    <dgm:txLinClrLst/>
+    <dgm:txFillClrLst meth="repeat">
+      <a:schemeClr val="lt1"/>
+    </dgm:txFillClrLst>
+    <dgm:txEffectClrLst/>
+  </dgm:styleLbl>
+  <dgm:styleLbl name="parChTrans2D3">
+    <dgm:fillClrLst meth="repeat">
+      <a:schemeClr val="accent1"/>
+    </dgm:fillClrLst>
+    <dgm:linClrLst meth="repeat">
+      <a:schemeClr val="accent1"/>
+    </dgm:linClrLst>
+    <dgm:effectClrLst/>
+    <dgm:txLinClrLst/>
+    <dgm:txFillClrLst meth="repeat">
+      <a:schemeClr val="lt1"/>
+    </dgm:txFillClrLst>
+    <dgm:txEffectClrLst/>
+  </dgm:styleLbl>
+  <dgm:styleLbl name="parChTrans2D4">
+    <dgm:fillClrLst meth="repeat">
+      <a:schemeClr val="accent1"/>
+    </dgm:fillClrLst>
+    <dgm:linClrLst meth="repeat">
+      <a:schemeClr val="accent1"/>
+    </dgm:linClrLst>
+    <dgm:effectClrLst/>
+    <dgm:txLinClrLst/>
+    <dgm:txFillClrLst meth="repeat">
+      <a:schemeClr val="lt1"/>
+    </dgm:txFillClrLst>
+    <dgm:txEffectClrLst/>
+  </dgm:styleLbl>
+  <dgm:styleLbl name="parChTrans1D1">
+    <dgm:fillClrLst meth="repeat">
+      <a:schemeClr val="accent1"/>
+    </dgm:fillClrLst>
+    <dgm:linClrLst meth="repeat">
+      <a:schemeClr val="accent1">
+        <a:shade val="60000"/>
+      </a:schemeClr>
+    </dgm:linClrLst>
+    <dgm:effectClrLst/>
+    <dgm:txLinClrLst/>
+    <dgm:txFillClrLst meth="repeat">
+      <a:schemeClr val="tx1"/>
+    </dgm:txFillClrLst>
+    <dgm:txEffectClrLst/>
+  </dgm:styleLbl>
+  <dgm:styleLbl name="parChTrans1D2">
+    <dgm:fillClrLst meth="repeat">
+      <a:schemeClr val="accent1"/>
+    </dgm:fillClrLst>
+    <dgm:linClrLst meth="repeat">
+      <a:schemeClr val="accent1">
+        <a:shade val="60000"/>
+      </a:schemeClr>
+    </dgm:linClrLst>
+    <dgm:effectClrLst/>
+    <dgm:txLinClrLst/>
+    <dgm:txFillClrLst meth="repeat">
+      <a:schemeClr val="tx1"/>
+    </dgm:txFillClrLst>
+    <dgm:txEffectClrLst/>
+  </dgm:styleLbl>
+  <dgm:styleLbl name="parChTrans1D3">
+    <dgm:fillClrLst meth="repeat">
+      <a:schemeClr val="accent1"/>
+    </dgm:fillClrLst>
+    <dgm:linClrLst meth="repeat">
+      <a:schemeClr val="accent1">
+        <a:shade val="80000"/>
+      </a:schemeClr>
+    </dgm:linClrLst>
+    <dgm:effectClrLst/>
+    <dgm:txLinClrLst/>
+    <dgm:txFillClrLst meth="repeat">
+      <a:schemeClr val="tx1"/>
+    </dgm:txFillClrLst>
+    <dgm:txEffectClrLst/>
+  </dgm:styleLbl>
+  <dgm:styleLbl name="parChTrans1D4">
+    <dgm:fillClrLst meth="repeat">
+      <a:schemeClr val="accent1"/>
+    </dgm:fillClrLst>
+    <dgm:linClrLst meth="repeat">
+      <a:schemeClr val="accent1">
+        <a:shade val="80000"/>
+      </a:schemeClr>
+    </dgm:linClrLst>
+    <dgm:effectClrLst/>
+    <dgm:txLinClrLst/>
+    <dgm:txFillClrLst meth="repeat">
+      <a:schemeClr val="tx1"/>
+    </dgm:txFillClrLst>
+    <dgm:txEffectClrLst/>
+  </dgm:styleLbl>
+  <dgm:styleLbl name="fgAcc1">
+    <dgm:fillClrLst meth="repeat">
+      <a:schemeClr val="lt1">
+        <a:alpha val="90000"/>
+      </a:schemeClr>
+    </dgm:fillClrLst>
+    <dgm:linClrLst meth="repeat">
+      <a:schemeClr val="accent1"/>
+    </dgm:linClrLst>
+    <dgm:effectClrLst/>
+    <dgm:txLinClrLst/>
+    <dgm:txFillClrLst meth="repeat">
+      <a:schemeClr val="dk1"/>
+    </dgm:txFillClrLst>
+    <dgm:txEffectClrLst/>
+  </dgm:styleLbl>
+  <dgm:styleLbl name="conFgAcc1">
+    <dgm:fillClrLst meth="repeat">
+      <a:schemeClr val="lt1">
+        <a:alpha val="90000"/>
+      </a:schemeClr>
+    </dgm:fillClrLst>
+    <dgm:linClrLst meth="repeat">
+      <a:schemeClr val="accent1"/>
+    </dgm:linClrLst>
+    <dgm:effectClrLst/>
+    <dgm:txLinClrLst/>
+    <dgm:txFillClrLst meth="repeat">
+      <a:schemeClr val="dk1"/>
+    </dgm:txFillClrLst>
+    <dgm:txEffectClrLst/>
+  </dgm:styleLbl>
+  <dgm:styleLbl name="alignAcc1">
+    <dgm:fillClrLst meth="repeat">
+      <a:schemeClr val="lt1">
+        <a:alpha val="90000"/>
+      </a:schemeClr>
+    </dgm:fillClrLst>
+    <dgm:linClrLst meth="repeat">
+      <a:schemeClr val="accent1"/>
+    </dgm:linClrLst>
+    <dgm:effectClrLst/>
+    <dgm:txLinClrLst/>
+    <dgm:txFillClrLst meth="repeat">
+      <a:schemeClr val="dk1"/>
+    </dgm:txFillClrLst>
+    <dgm:txEffectClrLst/>
+  </dgm:styleLbl>
+  <dgm:styleLbl name="trAlignAcc1">
+    <dgm:fillClrLst meth="repeat">
+      <a:schemeClr val="lt1">
+        <a:alpha val="40000"/>
+      </a:schemeClr>
+    </dgm:fillClrLst>
+    <dgm:linClrLst meth="repeat">
+      <a:schemeClr val="accent1"/>
+    </dgm:linClrLst>
+    <dgm:effectClrLst/>
+    <dgm:txLinClrLst/>
+    <dgm:txFillClrLst meth="repeat">
+      <a:schemeClr val="dk1"/>
+    </dgm:txFillClrLst>
+    <dgm:txEffectClrLst/>
+  </dgm:styleLbl>
+  <dgm:styleLbl name="bgAcc1">
+    <dgm:fillClrLst meth="repeat">
+      <a:schemeClr val="lt1">
+        <a:alpha val="90000"/>
+      </a:schemeClr>
+    </dgm:fillClrLst>
+    <dgm:linClrLst meth="repeat">
+      <a:schemeClr val="accent1"/>
+    </dgm:linClrLst>
+    <dgm:effectClrLst/>
+    <dgm:txLinClrLst/>
+    <dgm:txFillClrLst meth="repeat">
+      <a:schemeClr val="dk1"/>
+    </dgm:txFillClrLst>
+    <dgm:txEffectClrLst/>
+  </dgm:styleLbl>
+  <dgm:styleLbl name="solidFgAcc1">
+    <dgm:fillClrLst meth="repeat">
+      <a:schemeClr val="lt1"/>
+    </dgm:fillClrLst>
+    <dgm:linClrLst meth="repeat">
+      <a:schemeClr val="accent1"/>
+    </dgm:linClrLst>
+    <dgm:effectClrLst/>
+    <dgm:txLinClrLst/>
+    <dgm:txFillClrLst meth="repeat">
+      <a:schemeClr val="dk1"/>
+    </dgm:txFillClrLst>
+    <dgm:txEffectClrLst/>
+  </dgm:styleLbl>
+  <dgm:styleLbl name="solidAlignAcc1">
+    <dgm:fillClrLst meth="repeat">
+      <a:schemeClr val="lt1"/>
+    </dgm:fillClrLst>
+    <dgm:linClrLst meth="repeat">
+      <a:schemeClr val="accent1"/>
+    </dgm:linClrLst>
+    <dgm:effectClrLst/>
+    <dgm:txLinClrLst/>
+    <dgm:txFillClrLst meth="repeat">
+      <a:schemeClr val="dk1"/>
+    </dgm:txFillClrLst>
+    <dgm:txEffectClrLst/>
+  </dgm:styleLbl>
+  <dgm:styleLbl name="solidBgAcc1">
+    <dgm:fillClrLst meth="repeat">
+      <a:schemeClr val="lt1"/>
+    </dgm:fillClrLst>
+    <dgm:linClrLst meth="repeat">
+      <a:schemeClr val="accent1"/>
+    </dgm:linClrLst>
+    <dgm:effectClrLst/>
+    <dgm:txLinClrLst/>
+    <dgm:txFillClrLst meth="repeat">
+      <a:schemeClr val="dk1"/>
+    </dgm:txFillClrLst>
+    <dgm:txEffectClrLst/>
+  </dgm:styleLbl>
+  <dgm:styleLbl name="fgAccFollowNode1">
+    <dgm:fillClrLst meth="repeat">
+      <a:schemeClr val="accent1">
+        <a:alpha val="90000"/>
+        <a:tint val="40000"/>
+      </a:schemeClr>
+    </dgm:fillClrLst>
+    <dgm:linClrLst meth="repeat">
+      <a:schemeClr val="accent1">
+        <a:alpha val="90000"/>
+        <a:tint val="40000"/>
+      </a:schemeClr>
+    </dgm:linClrLst>
+    <dgm:effectClrLst/>
+    <dgm:txLinClrLst/>
+    <dgm:txFillClrLst meth="repeat">
+      <a:schemeClr val="dk1"/>
+    </dgm:txFillClrLst>
+    <dgm:txEffectClrLst/>
+  </dgm:styleLbl>
+  <dgm:styleLbl name="alignAccFollowNode1">
+    <dgm:fillClrLst meth="repeat">
+      <a:schemeClr val="accent1">
+        <a:alpha val="90000"/>
+        <a:tint val="40000"/>
+      </a:schemeClr>
+    </dgm:fillClrLst>
+    <dgm:linClrLst meth="repeat">
+      <a:schemeClr val="accent1">
+        <a:alpha val="90000"/>
+        <a:tint val="40000"/>
+      </a:schemeClr>
+    </dgm:linClrLst>
+    <dgm:effectClrLst/>
+    <dgm:txLinClrLst/>
+    <dgm:txFillClrLst meth="repeat">
+      <a:schemeClr val="dk1"/>
+    </dgm:txFillClrLst>
+    <dgm:txEffectClrLst/>
+  </dgm:styleLbl>
+  <dgm:styleLbl name="bgAccFollowNode1">
+    <dgm:fillClrLst meth="repeat">
+      <a:schemeClr val="accent1">
+        <a:alpha val="90000"/>
+        <a:tint val="40000"/>
+      </a:schemeClr>
+    </dgm:fillClrLst>
+    <dgm:linClrLst meth="repeat">
+      <a:schemeClr val="accent1">
+        <a:alpha val="90000"/>
+        <a:tint val="40000"/>
+      </a:schemeClr>
+    </dgm:linClrLst>
+    <dgm:effectClrLst/>
+    <dgm:txLinClrLst/>
+    <dgm:txFillClrLst meth="repeat">
+      <a:schemeClr val="dk1"/>
+    </dgm:txFillClrLst>
+    <dgm:txEffectClrLst/>
+  </dgm:styleLbl>
+  <dgm:styleLbl name="fgAcc0">
+    <dgm:fillClrLst meth="repeat">
+      <a:schemeClr val="lt1">
+        <a:alpha val="90000"/>
+      </a:schemeClr>
+    </dgm:fillClrLst>
+    <dgm:linClrLst meth="repeat">
+      <a:schemeClr val="accent1"/>
+    </dgm:linClrLst>
+    <dgm:effectClrLst/>
+    <dgm:txLinClrLst/>
+    <dgm:txFillClrLst meth="repeat">
+      <a:schemeClr val="dk1"/>
+    </dgm:txFillClrLst>
+    <dgm:txEffectClrLst/>
+  </dgm:styleLbl>
+  <dgm:styleLbl name="fgAcc2">
+    <dgm:fillClrLst meth="repeat">
+      <a:schemeClr val="lt1">
+        <a:alpha val="90000"/>
+      </a:schemeClr>
+    </dgm:fillClrLst>
+    <dgm:linClrLst meth="repeat">
+      <a:schemeClr val="accent1"/>
+    </dgm:linClrLst>
+    <dgm:effectClrLst/>
+    <dgm:txLinClrLst/>
+    <dgm:txFillClrLst meth="repeat">
+      <a:schemeClr val="dk1"/>
+    </dgm:txFillClrLst>
+    <dgm:txEffectClrLst/>
+  </dgm:styleLbl>
+  <dgm:styleLbl name="fgAcc3">
+    <dgm:fillClrLst meth="repeat">
+      <a:schemeClr val="lt1">
+        <a:alpha val="90000"/>
+      </a:schemeClr>
+    </dgm:fillClrLst>
+    <dgm:linClrLst meth="repeat">
+      <a:schemeClr val="accent1"/>
+    </dgm:linClrLst>
+    <dgm:effectClrLst/>
+    <dgm:txLinClrLst/>
+    <dgm:txFillClrLst meth="repeat">
+      <a:schemeClr val="dk1"/>
+    </dgm:txFillClrLst>
+    <dgm:txEffectClrLst/>
+  </dgm:styleLbl>
+  <dgm:styleLbl name="fgAcc4">
+    <dgm:fillClrLst meth="repeat">
+      <a:schemeClr val="lt1">
+        <a:alpha val="90000"/>
+      </a:schemeClr>
+    </dgm:fillClrLst>
+    <dgm:linClrLst meth="repeat">
+      <a:schemeClr val="accent1"/>
+    </dgm:linClrLst>
+    <dgm:effectClrLst/>
+    <dgm:txLinClrLst/>
+    <dgm:txFillClrLst meth="repeat">
+      <a:schemeClr val="dk1"/>
+    </dgm:txFillClrLst>
+    <dgm:txEffectClrLst/>
+  </dgm:styleLbl>
+  <dgm:styleLbl name="bgShp">
+    <dgm:fillClrLst meth="repeat">
+      <a:schemeClr val="accent1">
+        <a:tint val="40000"/>
+      </a:schemeClr>
+    </dgm:fillClrLst>
+    <dgm:linClrLst meth="repeat">
+      <a:schemeClr val="accent1"/>
+    </dgm:linClrLst>
+    <dgm:effectClrLst/>
+    <dgm:txLinClrLst/>
+    <dgm:txFillClrLst meth="repeat">
+      <a:schemeClr val="dk1"/>
+    </dgm:txFillClrLst>
+    <dgm:txEffectClrLst/>
+  </dgm:styleLbl>
+  <dgm:styleLbl name="dkBgShp">
+    <dgm:fillClrLst meth="repeat">
+      <a:schemeClr val="accent1">
+        <a:shade val="80000"/>
+      </a:schemeClr>
+    </dgm:fillClrLst>
+    <dgm:linClrLst meth="repeat">
+      <a:schemeClr val="accent1"/>
+    </dgm:linClrLst>
+    <dgm:effectClrLst/>
+    <dgm:txLinClrLst/>
+    <dgm:txFillClrLst meth="repeat">
+      <a:schemeClr val="lt1"/>
+    </dgm:txFillClrLst>
+    <dgm:txEffectClrLst/>
+  </dgm:styleLbl>
+  <dgm:styleLbl name="trBgShp">
+    <dgm:fillClrLst meth="repeat">
+      <a:schemeClr val="accent1">
+        <a:tint val="50000"/>
+        <a:alpha val="40000"/>
+      </a:schemeClr>
+    </dgm:fillClrLst>
+    <dgm:linClrLst meth="repeat">
+      <a:schemeClr val="accent1"/>
+    </dgm:linClrLst>
+    <dgm:effectClrLst/>
+    <dgm:txLinClrLst/>
+    <dgm:txFillClrLst meth="repeat">
+      <a:schemeClr val="lt1"/>
+    </dgm:txFillClrLst>
+    <dgm:txEffectClrLst/>
+  </dgm:styleLbl>
+  <dgm:styleLbl name="fgShp">
+    <dgm:fillClrLst meth="repeat">
+      <a:schemeClr val="accent1">
+        <a:tint val="60000"/>
+      </a:schemeClr>
+    </dgm:fillClrLst>
+    <dgm:linClrLst meth="repeat">
+      <a:schemeClr val="lt1"/>
+    </dgm:linClrLst>
+    <dgm:effectClrLst/>
+    <dgm:txLinClrLst/>
+    <dgm:txFillClrLst meth="repeat">
+      <a:schemeClr val="dk1"/>
+    </dgm:txFillClrLst>
+    <dgm:txEffectClrLst/>
+  </dgm:styleLbl>
+  <dgm:styleLbl name="revTx">
+    <dgm:fillClrLst meth="repeat">
+      <a:schemeClr val="lt1">
+        <a:alpha val="0"/>
+      </a:schemeClr>
+    </dgm:fillClrLst>
+    <dgm:linClrLst meth="repeat">
+      <a:schemeClr val="dk1">
+        <a:alpha val="0"/>
+      </a:schemeClr>
+    </dgm:linClrLst>
+    <dgm:effectClrLst/>
+    <dgm:txLinClrLst/>
+    <dgm:txFillClrLst meth="repeat">
+      <a:schemeClr val="tx1"/>
+    </dgm:txFillClrLst>
+    <dgm:txEffectClrLst/>
+  </dgm:styleLbl>
+</dgm:colorsDef>
+</file>
+
+<file path=ppt/diagrams/colors5.xml><?xml version="1.0" encoding="utf-8"?>
 <dgm:colorsDef xmlns:dgm="http://schemas.openxmlformats.org/drawingml/2006/diagram" xmlns:a="http://schemas.openxmlformats.org/drawingml/2006/main" uniqueId="urn:microsoft.com/office/officeart/2005/8/colors/accent1_2">
   <dgm:title val=""/>
   <dgm:desc val=""/>
@@ -3619,8 +5425,9 @@
         <a:bodyPr/>
         <a:lstStyle/>
         <a:p>
+          <a:pPr algn="ctr"/>
           <a:r>
-            <a:rPr lang="en-US"/>
+            <a:rPr lang="en-US" dirty="0"/>
             <a:t>Target (Client Interface)</a:t>
           </a:r>
         </a:p>
@@ -3633,6 +5440,7 @@
         <a:bodyPr/>
         <a:lstStyle/>
         <a:p>
+          <a:pPr algn="ctr"/>
           <a:endParaRPr lang="en-US"/>
         </a:p>
       </dgm:t>
@@ -3644,6 +5452,7 @@
         <a:bodyPr/>
         <a:lstStyle/>
         <a:p>
+          <a:pPr algn="ctr"/>
           <a:endParaRPr lang="en-US"/>
         </a:p>
       </dgm:t>
@@ -3655,6 +5464,7 @@
         <a:bodyPr/>
         <a:lstStyle/>
         <a:p>
+          <a:pPr algn="ctr"/>
           <a:r>
             <a:rPr lang="en-US"/>
             <a:t>Adaptee (Service) </a:t>
@@ -3669,6 +5479,7 @@
         <a:bodyPr/>
         <a:lstStyle/>
         <a:p>
+          <a:pPr algn="ctr"/>
           <a:endParaRPr lang="en-US"/>
         </a:p>
       </dgm:t>
@@ -3680,6 +5491,7 @@
         <a:bodyPr/>
         <a:lstStyle/>
         <a:p>
+          <a:pPr algn="ctr"/>
           <a:endParaRPr lang="en-US"/>
         </a:p>
       </dgm:t>
@@ -3691,6 +5503,7 @@
         <a:bodyPr/>
         <a:lstStyle/>
         <a:p>
+          <a:pPr algn="ctr"/>
           <a:r>
             <a:rPr lang="en-US"/>
             <a:t>Adapter</a:t>
@@ -3705,6 +5518,7 @@
         <a:bodyPr/>
         <a:lstStyle/>
         <a:p>
+          <a:pPr algn="ctr"/>
           <a:endParaRPr lang="en-US"/>
         </a:p>
       </dgm:t>
@@ -3716,6 +5530,7 @@
         <a:bodyPr/>
         <a:lstStyle/>
         <a:p>
+          <a:pPr algn="ctr"/>
           <a:endParaRPr lang="en-US"/>
         </a:p>
       </dgm:t>
@@ -3730,7 +5545,7 @@
       <dgm:spPr/>
     </dgm:pt>
     <dgm:pt modelId="{03B1707B-F4E3-46AF-B9E4-CE78029B70D7}" type="pres">
-      <dgm:prSet presAssocID="{90EAC4B6-FAEE-424D-ADB0-367548C9D944}" presName="parentText" presStyleLbl="node1" presStyleIdx="0" presStyleCnt="3">
+      <dgm:prSet presAssocID="{90EAC4B6-FAEE-424D-ADB0-367548C9D944}" presName="parentText" presStyleLbl="node1" presStyleIdx="0" presStyleCnt="3" custLinFactX="6575" custLinFactY="-18686" custLinFactNeighborX="100000" custLinFactNeighborY="-100000">
         <dgm:presLayoutVars>
           <dgm:chMax val="0"/>
           <dgm:bulletEnabled val="1"/>
@@ -3803,42 +5618,6 @@
         </a:p>
       </dgm:t>
     </dgm:pt>
-    <dgm:pt modelId="{1C67EB16-EA02-43AB-8CE8-CEC3D229BBA5}">
-      <dgm:prSet/>
-      <dgm:spPr/>
-      <dgm:t>
-        <a:bodyPr/>
-        <a:lstStyle/>
-        <a:p>
-          <a:r>
-            <a:rPr lang="en-US" dirty="0"/>
-            <a:t>Facade</a:t>
-          </a:r>
-        </a:p>
-      </dgm:t>
-    </dgm:pt>
-    <dgm:pt modelId="{5F16F1C2-2EC2-495F-8B8B-80478C6E345C}" type="parTrans" cxnId="{1ABE8740-518E-4F0E-ACD1-8F2EB21811E5}">
-      <dgm:prSet/>
-      <dgm:spPr/>
-      <dgm:t>
-        <a:bodyPr/>
-        <a:lstStyle/>
-        <a:p>
-          <a:endParaRPr lang="en-US"/>
-        </a:p>
-      </dgm:t>
-    </dgm:pt>
-    <dgm:pt modelId="{74C53260-5F90-44AE-8526-3F0772DA889B}" type="sibTrans" cxnId="{1ABE8740-518E-4F0E-ACD1-8F2EB21811E5}">
-      <dgm:prSet/>
-      <dgm:spPr/>
-      <dgm:t>
-        <a:bodyPr/>
-        <a:lstStyle/>
-        <a:p>
-          <a:endParaRPr lang="en-US"/>
-        </a:p>
-      </dgm:t>
-    </dgm:pt>
     <dgm:pt modelId="{EA9B4AE1-E1E9-4472-ACB8-9CB11B586288}">
       <dgm:prSet/>
       <dgm:spPr/>
@@ -3865,6 +5644,43 @@
       </dgm:t>
     </dgm:pt>
     <dgm:pt modelId="{E3C29D4C-4720-4EA7-A2B0-BA3E68528A4E}" type="sibTrans" cxnId="{B7ADDDDF-C3AB-43CC-BB35-57914F3C5A52}">
+      <dgm:prSet/>
+      <dgm:spPr/>
+      <dgm:t>
+        <a:bodyPr/>
+        <a:lstStyle/>
+        <a:p>
+          <a:endParaRPr lang="en-US"/>
+        </a:p>
+      </dgm:t>
+    </dgm:pt>
+    <dgm:pt modelId="{1C67EB16-EA02-43AB-8CE8-CEC3D229BBA5}">
+      <dgm:prSet/>
+      <dgm:spPr/>
+      <dgm:t>
+        <a:bodyPr/>
+        <a:lstStyle/>
+        <a:p>
+          <a:pPr algn="ctr"/>
+          <a:r>
+            <a:rPr lang="en-US" dirty="0"/>
+            <a:t>Facade</a:t>
+          </a:r>
+        </a:p>
+      </dgm:t>
+    </dgm:pt>
+    <dgm:pt modelId="{74C53260-5F90-44AE-8526-3F0772DA889B}" type="sibTrans" cxnId="{1ABE8740-518E-4F0E-ACD1-8F2EB21811E5}">
+      <dgm:prSet/>
+      <dgm:spPr/>
+      <dgm:t>
+        <a:bodyPr/>
+        <a:lstStyle/>
+        <a:p>
+          <a:endParaRPr lang="en-US"/>
+        </a:p>
+      </dgm:t>
+    </dgm:pt>
+    <dgm:pt modelId="{5F16F1C2-2EC2-495F-8B8B-80478C6E345C}" type="parTrans" cxnId="{1ABE8740-518E-4F0E-ACD1-8F2EB21811E5}">
       <dgm:prSet/>
       <dgm:spPr/>
       <dgm:t>
@@ -3916,6 +5732,551 @@
     <dgm:cxn modelId="{FE0F77D8-2FA5-4F7D-AA60-FE361F2CC379}" type="presParOf" srcId="{1DEA383A-9A38-41E9-8C71-E6AE4DE2A568}" destId="{9C7B1197-804F-4EC6-AF28-3EAF890A1086}" srcOrd="0" destOrd="0" presId="urn:microsoft.com/office/officeart/2005/8/layout/vList2"/>
     <dgm:cxn modelId="{C8767A9C-1C5F-47BA-A56C-52FF8D6FF4ED}" type="presParOf" srcId="{1DEA383A-9A38-41E9-8C71-E6AE4DE2A568}" destId="{69FAA13E-8832-4EB1-8949-16301EE9CC0F}" srcOrd="1" destOrd="0" presId="urn:microsoft.com/office/officeart/2005/8/layout/vList2"/>
     <dgm:cxn modelId="{9A889EEB-8011-4D2E-AAA3-D1021A3A784B}" type="presParOf" srcId="{1DEA383A-9A38-41E9-8C71-E6AE4DE2A568}" destId="{EEC37688-3E94-4F0E-9090-A468194DFFC5}" srcOrd="2" destOrd="0" presId="urn:microsoft.com/office/officeart/2005/8/layout/vList2"/>
+  </dgm:cxnLst>
+  <dgm:bg/>
+  <dgm:whole/>
+  <dgm:extLst>
+    <a:ext uri="http://schemas.microsoft.com/office/drawing/2008/diagram">
+      <dsp:dataModelExt xmlns:dsp="http://schemas.microsoft.com/office/drawing/2008/diagram" relId="rId8" minVer="http://schemas.openxmlformats.org/drawingml/2006/diagram"/>
+    </a:ext>
+  </dgm:extLst>
+</dgm:dataModel>
+</file>
+
+<file path=ppt/diagrams/data4.xml><?xml version="1.0" encoding="utf-8"?>
+<dgm:dataModel xmlns:dgm="http://schemas.openxmlformats.org/drawingml/2006/diagram" xmlns:a="http://schemas.openxmlformats.org/drawingml/2006/main">
+  <dgm:ptLst>
+    <dgm:pt modelId="{EFB63718-3195-4BCB-9870-00611CB8BF47}" type="doc">
+      <dgm:prSet loTypeId="urn:microsoft.com/office/officeart/2005/8/layout/vList2" loCatId="list" qsTypeId="urn:microsoft.com/office/officeart/2005/8/quickstyle/simple1" qsCatId="simple" csTypeId="urn:microsoft.com/office/officeart/2005/8/colors/accent1_2" csCatId="accent1" phldr="1"/>
+      <dgm:spPr/>
+      <dgm:t>
+        <a:bodyPr/>
+        <a:lstStyle/>
+        <a:p>
+          <a:endParaRPr lang="en-US"/>
+        </a:p>
+      </dgm:t>
+    </dgm:pt>
+    <dgm:pt modelId="{C9B974D0-1785-4B7D-B521-2351ED2E4A43}">
+      <dgm:prSet/>
+      <dgm:spPr/>
+      <dgm:t>
+        <a:bodyPr/>
+        <a:lstStyle/>
+        <a:p>
+          <a:r>
+            <a:rPr lang="en-US" dirty="0"/>
+            <a:t>Subject (Service Interface)</a:t>
+          </a:r>
+        </a:p>
+      </dgm:t>
+    </dgm:pt>
+    <dgm:pt modelId="{13DFCFB6-5D7E-4484-B216-8FCA021D0ECE}" type="parTrans" cxnId="{9F9C2566-DF7E-40CC-A80D-75365E99E9B6}">
+      <dgm:prSet/>
+      <dgm:spPr/>
+      <dgm:t>
+        <a:bodyPr/>
+        <a:lstStyle/>
+        <a:p>
+          <a:endParaRPr lang="en-US"/>
+        </a:p>
+      </dgm:t>
+    </dgm:pt>
+    <dgm:pt modelId="{99BD6313-7DBC-40AD-98BC-DAE0F1DE5DA0}" type="sibTrans" cxnId="{9F9C2566-DF7E-40CC-A80D-75365E99E9B6}">
+      <dgm:prSet/>
+      <dgm:spPr/>
+      <dgm:t>
+        <a:bodyPr/>
+        <a:lstStyle/>
+        <a:p>
+          <a:endParaRPr lang="en-US"/>
+        </a:p>
+      </dgm:t>
+    </dgm:pt>
+    <dgm:pt modelId="{1E6ED846-4987-4A34-977C-002F3AC44A01}">
+      <dgm:prSet/>
+      <dgm:spPr/>
+      <dgm:t>
+        <a:bodyPr/>
+        <a:lstStyle/>
+        <a:p>
+          <a:r>
+            <a:rPr lang="en-US" dirty="0"/>
+            <a:t>Real Subject (Service)</a:t>
+          </a:r>
+        </a:p>
+      </dgm:t>
+    </dgm:pt>
+    <dgm:pt modelId="{EC5A4781-DDC7-4B38-804A-E794C2B8A264}" type="parTrans" cxnId="{FF011371-F808-432B-9449-A56BC8E62E87}">
+      <dgm:prSet/>
+      <dgm:spPr/>
+      <dgm:t>
+        <a:bodyPr/>
+        <a:lstStyle/>
+        <a:p>
+          <a:endParaRPr lang="en-US"/>
+        </a:p>
+      </dgm:t>
+    </dgm:pt>
+    <dgm:pt modelId="{7885E428-5B22-4EA9-97B6-0616A926B911}" type="sibTrans" cxnId="{FF011371-F808-432B-9449-A56BC8E62E87}">
+      <dgm:prSet/>
+      <dgm:spPr/>
+      <dgm:t>
+        <a:bodyPr/>
+        <a:lstStyle/>
+        <a:p>
+          <a:endParaRPr lang="en-US"/>
+        </a:p>
+      </dgm:t>
+    </dgm:pt>
+    <dgm:pt modelId="{779595D7-228B-400E-8D80-8D065A48772D}">
+      <dgm:prSet/>
+      <dgm:spPr/>
+      <dgm:t>
+        <a:bodyPr/>
+        <a:lstStyle/>
+        <a:p>
+          <a:r>
+            <a:rPr lang="en-US"/>
+            <a:t>Proxy</a:t>
+          </a:r>
+        </a:p>
+      </dgm:t>
+    </dgm:pt>
+    <dgm:pt modelId="{E117FFF0-0392-4A77-AB53-F20B1859E74C}" type="parTrans" cxnId="{5008B24C-8887-4C0A-8CFA-EEDE5CE2B179}">
+      <dgm:prSet/>
+      <dgm:spPr/>
+      <dgm:t>
+        <a:bodyPr/>
+        <a:lstStyle/>
+        <a:p>
+          <a:endParaRPr lang="en-US"/>
+        </a:p>
+      </dgm:t>
+    </dgm:pt>
+    <dgm:pt modelId="{BD7F0406-6424-4D22-90AC-5619FC96AA5B}" type="sibTrans" cxnId="{5008B24C-8887-4C0A-8CFA-EEDE5CE2B179}">
+      <dgm:prSet/>
+      <dgm:spPr/>
+      <dgm:t>
+        <a:bodyPr/>
+        <a:lstStyle/>
+        <a:p>
+          <a:endParaRPr lang="en-US"/>
+        </a:p>
+      </dgm:t>
+    </dgm:pt>
+    <dgm:pt modelId="{AFCE1EAF-927C-4404-A393-2A3AB1CF5A39}" type="pres">
+      <dgm:prSet presAssocID="{EFB63718-3195-4BCB-9870-00611CB8BF47}" presName="linear" presStyleCnt="0">
+        <dgm:presLayoutVars>
+          <dgm:animLvl val="lvl"/>
+          <dgm:resizeHandles val="exact"/>
+        </dgm:presLayoutVars>
+      </dgm:prSet>
+      <dgm:spPr/>
+    </dgm:pt>
+    <dgm:pt modelId="{55B263EA-DE0A-4126-9911-42A6AAFBC753}" type="pres">
+      <dgm:prSet presAssocID="{C9B974D0-1785-4B7D-B521-2351ED2E4A43}" presName="parentText" presStyleLbl="node1" presStyleIdx="0" presStyleCnt="3">
+        <dgm:presLayoutVars>
+          <dgm:chMax val="0"/>
+          <dgm:bulletEnabled val="1"/>
+        </dgm:presLayoutVars>
+      </dgm:prSet>
+      <dgm:spPr/>
+    </dgm:pt>
+    <dgm:pt modelId="{19F840F8-D351-4273-9A7C-2FBD24DF0BF1}" type="pres">
+      <dgm:prSet presAssocID="{99BD6313-7DBC-40AD-98BC-DAE0F1DE5DA0}" presName="spacer" presStyleCnt="0"/>
+      <dgm:spPr/>
+    </dgm:pt>
+    <dgm:pt modelId="{B67F3848-F68C-45B2-B472-844B6EA551DD}" type="pres">
+      <dgm:prSet presAssocID="{1E6ED846-4987-4A34-977C-002F3AC44A01}" presName="parentText" presStyleLbl="node1" presStyleIdx="1" presStyleCnt="3">
+        <dgm:presLayoutVars>
+          <dgm:chMax val="0"/>
+          <dgm:bulletEnabled val="1"/>
+        </dgm:presLayoutVars>
+      </dgm:prSet>
+      <dgm:spPr/>
+    </dgm:pt>
+    <dgm:pt modelId="{7F7F39BF-9B4C-4066-ABBF-4C0F7F537C92}" type="pres">
+      <dgm:prSet presAssocID="{7885E428-5B22-4EA9-97B6-0616A926B911}" presName="spacer" presStyleCnt="0"/>
+      <dgm:spPr/>
+    </dgm:pt>
+    <dgm:pt modelId="{29D5E425-DE6E-47D3-905C-0157CC358D58}" type="pres">
+      <dgm:prSet presAssocID="{779595D7-228B-400E-8D80-8D065A48772D}" presName="parentText" presStyleLbl="node1" presStyleIdx="2" presStyleCnt="3">
+        <dgm:presLayoutVars>
+          <dgm:chMax val="0"/>
+          <dgm:bulletEnabled val="1"/>
+        </dgm:presLayoutVars>
+      </dgm:prSet>
+      <dgm:spPr/>
+    </dgm:pt>
+  </dgm:ptLst>
+  <dgm:cxnLst>
+    <dgm:cxn modelId="{01D14D07-0376-48F3-B481-1AABA59C2381}" type="presOf" srcId="{1E6ED846-4987-4A34-977C-002F3AC44A01}" destId="{B67F3848-F68C-45B2-B472-844B6EA551DD}" srcOrd="0" destOrd="0" presId="urn:microsoft.com/office/officeart/2005/8/layout/vList2"/>
+    <dgm:cxn modelId="{9F9C2566-DF7E-40CC-A80D-75365E99E9B6}" srcId="{EFB63718-3195-4BCB-9870-00611CB8BF47}" destId="{C9B974D0-1785-4B7D-B521-2351ED2E4A43}" srcOrd="0" destOrd="0" parTransId="{13DFCFB6-5D7E-4484-B216-8FCA021D0ECE}" sibTransId="{99BD6313-7DBC-40AD-98BC-DAE0F1DE5DA0}"/>
+    <dgm:cxn modelId="{5008B24C-8887-4C0A-8CFA-EEDE5CE2B179}" srcId="{EFB63718-3195-4BCB-9870-00611CB8BF47}" destId="{779595D7-228B-400E-8D80-8D065A48772D}" srcOrd="2" destOrd="0" parTransId="{E117FFF0-0392-4A77-AB53-F20B1859E74C}" sibTransId="{BD7F0406-6424-4D22-90AC-5619FC96AA5B}"/>
+    <dgm:cxn modelId="{68C9ED4D-8B00-4576-A6FF-271D59CEAFF8}" type="presOf" srcId="{C9B974D0-1785-4B7D-B521-2351ED2E4A43}" destId="{55B263EA-DE0A-4126-9911-42A6AAFBC753}" srcOrd="0" destOrd="0" presId="urn:microsoft.com/office/officeart/2005/8/layout/vList2"/>
+    <dgm:cxn modelId="{FF011371-F808-432B-9449-A56BC8E62E87}" srcId="{EFB63718-3195-4BCB-9870-00611CB8BF47}" destId="{1E6ED846-4987-4A34-977C-002F3AC44A01}" srcOrd="1" destOrd="0" parTransId="{EC5A4781-DDC7-4B38-804A-E794C2B8A264}" sibTransId="{7885E428-5B22-4EA9-97B6-0616A926B911}"/>
+    <dgm:cxn modelId="{1FD1BF77-D5CF-4A13-BF95-55518412D042}" type="presOf" srcId="{EFB63718-3195-4BCB-9870-00611CB8BF47}" destId="{AFCE1EAF-927C-4404-A393-2A3AB1CF5A39}" srcOrd="0" destOrd="0" presId="urn:microsoft.com/office/officeart/2005/8/layout/vList2"/>
+    <dgm:cxn modelId="{F440138B-B588-45DE-8EDE-3398B0794F8A}" type="presOf" srcId="{779595D7-228B-400E-8D80-8D065A48772D}" destId="{29D5E425-DE6E-47D3-905C-0157CC358D58}" srcOrd="0" destOrd="0" presId="urn:microsoft.com/office/officeart/2005/8/layout/vList2"/>
+    <dgm:cxn modelId="{A3B72DAA-2635-42C3-A711-248FFA94C127}" type="presParOf" srcId="{AFCE1EAF-927C-4404-A393-2A3AB1CF5A39}" destId="{55B263EA-DE0A-4126-9911-42A6AAFBC753}" srcOrd="0" destOrd="0" presId="urn:microsoft.com/office/officeart/2005/8/layout/vList2"/>
+    <dgm:cxn modelId="{1BF546D1-1BF0-4FAB-9120-0ECC6BF89EBB}" type="presParOf" srcId="{AFCE1EAF-927C-4404-A393-2A3AB1CF5A39}" destId="{19F840F8-D351-4273-9A7C-2FBD24DF0BF1}" srcOrd="1" destOrd="0" presId="urn:microsoft.com/office/officeart/2005/8/layout/vList2"/>
+    <dgm:cxn modelId="{9B963AD9-D364-4AD6-8D86-55BA0AB5AA7B}" type="presParOf" srcId="{AFCE1EAF-927C-4404-A393-2A3AB1CF5A39}" destId="{B67F3848-F68C-45B2-B472-844B6EA551DD}" srcOrd="2" destOrd="0" presId="urn:microsoft.com/office/officeart/2005/8/layout/vList2"/>
+    <dgm:cxn modelId="{B86B7BB4-AB60-4021-A0A0-D1EEFF0D3E3E}" type="presParOf" srcId="{AFCE1EAF-927C-4404-A393-2A3AB1CF5A39}" destId="{7F7F39BF-9B4C-4066-ABBF-4C0F7F537C92}" srcOrd="3" destOrd="0" presId="urn:microsoft.com/office/officeart/2005/8/layout/vList2"/>
+    <dgm:cxn modelId="{2ECE3B08-591B-4BE0-9FB8-C53FCCAEE345}" type="presParOf" srcId="{AFCE1EAF-927C-4404-A393-2A3AB1CF5A39}" destId="{29D5E425-DE6E-47D3-905C-0157CC358D58}" srcOrd="4" destOrd="0" presId="urn:microsoft.com/office/officeart/2005/8/layout/vList2"/>
+  </dgm:cxnLst>
+  <dgm:bg/>
+  <dgm:whole/>
+  <dgm:extLst>
+    <a:ext uri="http://schemas.microsoft.com/office/drawing/2008/diagram">
+      <dsp:dataModelExt xmlns:dsp="http://schemas.microsoft.com/office/drawing/2008/diagram" relId="rId8" minVer="http://schemas.openxmlformats.org/drawingml/2006/diagram"/>
+    </a:ext>
+  </dgm:extLst>
+</dgm:dataModel>
+</file>
+
+<file path=ppt/diagrams/data5.xml><?xml version="1.0" encoding="utf-8"?>
+<dgm:dataModel xmlns:dgm="http://schemas.openxmlformats.org/drawingml/2006/diagram" xmlns:a="http://schemas.openxmlformats.org/drawingml/2006/main">
+  <dgm:ptLst>
+    <dgm:pt modelId="{2F922605-F25D-458B-895B-C61F7598E6F1}" type="doc">
+      <dgm:prSet loTypeId="urn:microsoft.com/office/officeart/2008/layout/VerticalCurvedList" loCatId="list" qsTypeId="urn:microsoft.com/office/officeart/2005/8/quickstyle/simple1" qsCatId="simple" csTypeId="urn:microsoft.com/office/officeart/2005/8/colors/accent1_2" csCatId="accent1" phldr="1"/>
+      <dgm:spPr/>
+      <dgm:t>
+        <a:bodyPr/>
+        <a:lstStyle/>
+        <a:p>
+          <a:endParaRPr lang="en-US"/>
+        </a:p>
+      </dgm:t>
+    </dgm:pt>
+    <dgm:pt modelId="{37292FCA-689E-4A59-B8F6-AA1E2B0B33D5}">
+      <dgm:prSet/>
+      <dgm:spPr/>
+      <dgm:t>
+        <a:bodyPr/>
+        <a:lstStyle/>
+        <a:p>
+          <a:r>
+            <a:rPr lang="en-US" dirty="0"/>
+            <a:t>Protection Proxy - Access control</a:t>
+          </a:r>
+        </a:p>
+      </dgm:t>
+    </dgm:pt>
+    <dgm:pt modelId="{F3EE2D19-E10D-4272-8851-D5DB6E7C8A2F}" type="parTrans" cxnId="{D4879A67-4099-487F-9FE1-7E4457F0EFB5}">
+      <dgm:prSet/>
+      <dgm:spPr/>
+      <dgm:t>
+        <a:bodyPr/>
+        <a:lstStyle/>
+        <a:p>
+          <a:endParaRPr lang="en-US"/>
+        </a:p>
+      </dgm:t>
+    </dgm:pt>
+    <dgm:pt modelId="{7A693F11-6EF0-4408-A0DA-1194155DFB72}" type="sibTrans" cxnId="{D4879A67-4099-487F-9FE1-7E4457F0EFB5}">
+      <dgm:prSet/>
+      <dgm:spPr/>
+      <dgm:t>
+        <a:bodyPr/>
+        <a:lstStyle/>
+        <a:p>
+          <a:endParaRPr lang="en-US"/>
+        </a:p>
+      </dgm:t>
+    </dgm:pt>
+    <dgm:pt modelId="{4D38EA0C-E6FF-49F5-BA86-C1F3221DBB21}">
+      <dgm:prSet/>
+      <dgm:spPr/>
+      <dgm:t>
+        <a:bodyPr/>
+        <a:lstStyle/>
+        <a:p>
+          <a:r>
+            <a:rPr lang="en-US" dirty="0"/>
+            <a:t>Remote Proxy - Local execution of a remote service</a:t>
+          </a:r>
+        </a:p>
+      </dgm:t>
+    </dgm:pt>
+    <dgm:pt modelId="{431B997E-3107-4201-A095-D34839AEF8C4}" type="parTrans" cxnId="{0A7BA236-0F65-4BE3-8DA4-EF8AAA45FC86}">
+      <dgm:prSet/>
+      <dgm:spPr/>
+      <dgm:t>
+        <a:bodyPr/>
+        <a:lstStyle/>
+        <a:p>
+          <a:endParaRPr lang="en-US"/>
+        </a:p>
+      </dgm:t>
+    </dgm:pt>
+    <dgm:pt modelId="{4CD407B6-D8DD-46D5-BDA6-3EFC4466E0CD}" type="sibTrans" cxnId="{0A7BA236-0F65-4BE3-8DA4-EF8AAA45FC86}">
+      <dgm:prSet/>
+      <dgm:spPr/>
+      <dgm:t>
+        <a:bodyPr/>
+        <a:lstStyle/>
+        <a:p>
+          <a:endParaRPr lang="en-US"/>
+        </a:p>
+      </dgm:t>
+    </dgm:pt>
+    <dgm:pt modelId="{F7403A9F-5EBF-4B56-B0CC-A8A2937CB813}">
+      <dgm:prSet/>
+      <dgm:spPr/>
+      <dgm:t>
+        <a:bodyPr/>
+        <a:lstStyle/>
+        <a:p>
+          <a:r>
+            <a:rPr lang="en-US" dirty="0"/>
+            <a:t>logging Proxy - Logging requests</a:t>
+          </a:r>
+        </a:p>
+      </dgm:t>
+    </dgm:pt>
+    <dgm:pt modelId="{3182A63F-C5C9-4ACA-BA55-355D596BC2BD}" type="parTrans" cxnId="{20C3A8FE-49C3-46DF-8F0B-3B36BFECD170}">
+      <dgm:prSet/>
+      <dgm:spPr/>
+      <dgm:t>
+        <a:bodyPr/>
+        <a:lstStyle/>
+        <a:p>
+          <a:endParaRPr lang="en-US"/>
+        </a:p>
+      </dgm:t>
+    </dgm:pt>
+    <dgm:pt modelId="{7DE0F648-BF57-4F18-8D4D-B84B0CB590F5}" type="sibTrans" cxnId="{20C3A8FE-49C3-46DF-8F0B-3B36BFECD170}">
+      <dgm:prSet/>
+      <dgm:spPr/>
+      <dgm:t>
+        <a:bodyPr/>
+        <a:lstStyle/>
+        <a:p>
+          <a:endParaRPr lang="en-US"/>
+        </a:p>
+      </dgm:t>
+    </dgm:pt>
+    <dgm:pt modelId="{D2068E91-3F9A-4A5F-BDE1-5A934D3BE3A6}">
+      <dgm:prSet/>
+      <dgm:spPr/>
+      <dgm:t>
+        <a:bodyPr/>
+        <a:lstStyle/>
+        <a:p>
+          <a:r>
+            <a:rPr lang="en-US" dirty="0"/>
+            <a:t>Caching Proxy - Caching request results</a:t>
+          </a:r>
+        </a:p>
+      </dgm:t>
+    </dgm:pt>
+    <dgm:pt modelId="{14F9C897-FF0B-4D11-902B-C45BF7C7A118}" type="parTrans" cxnId="{A9B41D26-5F05-4B29-96A6-C42AD512AAE7}">
+      <dgm:prSet/>
+      <dgm:spPr/>
+      <dgm:t>
+        <a:bodyPr/>
+        <a:lstStyle/>
+        <a:p>
+          <a:endParaRPr lang="en-US"/>
+        </a:p>
+      </dgm:t>
+    </dgm:pt>
+    <dgm:pt modelId="{E465C4F8-92D3-4742-9B07-5CA092EDD47C}" type="sibTrans" cxnId="{A9B41D26-5F05-4B29-96A6-C42AD512AAE7}">
+      <dgm:prSet/>
+      <dgm:spPr/>
+      <dgm:t>
+        <a:bodyPr/>
+        <a:lstStyle/>
+        <a:p>
+          <a:endParaRPr lang="en-US"/>
+        </a:p>
+      </dgm:t>
+    </dgm:pt>
+    <dgm:pt modelId="{F0F077E3-B171-4EF0-AF41-C9674284E65A}">
+      <dgm:prSet/>
+      <dgm:spPr/>
+      <dgm:t>
+        <a:bodyPr/>
+        <a:lstStyle/>
+        <a:p>
+          <a:r>
+            <a:rPr lang="en-US"/>
+            <a:t>……</a:t>
+          </a:r>
+        </a:p>
+      </dgm:t>
+    </dgm:pt>
+    <dgm:pt modelId="{1D976331-D32F-4CAB-8081-41556FFD1E1A}" type="parTrans" cxnId="{54591329-FDC5-4452-8E3F-344ABE059ABF}">
+      <dgm:prSet/>
+      <dgm:spPr/>
+      <dgm:t>
+        <a:bodyPr/>
+        <a:lstStyle/>
+        <a:p>
+          <a:endParaRPr lang="en-US"/>
+        </a:p>
+      </dgm:t>
+    </dgm:pt>
+    <dgm:pt modelId="{FD4AB929-CD6A-4ECB-9C55-419754FA6C39}" type="sibTrans" cxnId="{54591329-FDC5-4452-8E3F-344ABE059ABF}">
+      <dgm:prSet/>
+      <dgm:spPr/>
+      <dgm:t>
+        <a:bodyPr/>
+        <a:lstStyle/>
+        <a:p>
+          <a:endParaRPr lang="en-US"/>
+        </a:p>
+      </dgm:t>
+    </dgm:pt>
+    <dgm:pt modelId="{4599A7CD-9019-4A0C-BC44-6E001468F38D}" type="pres">
+      <dgm:prSet presAssocID="{2F922605-F25D-458B-895B-C61F7598E6F1}" presName="Name0" presStyleCnt="0">
+        <dgm:presLayoutVars>
+          <dgm:chMax val="7"/>
+          <dgm:chPref val="7"/>
+          <dgm:dir/>
+        </dgm:presLayoutVars>
+      </dgm:prSet>
+      <dgm:spPr/>
+    </dgm:pt>
+    <dgm:pt modelId="{BA89888B-AEEA-42C6-AB0F-95A882FAA87C}" type="pres">
+      <dgm:prSet presAssocID="{2F922605-F25D-458B-895B-C61F7598E6F1}" presName="Name1" presStyleCnt="0"/>
+      <dgm:spPr/>
+    </dgm:pt>
+    <dgm:pt modelId="{3ADFFBB9-DCD2-47FD-87C0-05CB4459249F}" type="pres">
+      <dgm:prSet presAssocID="{2F922605-F25D-458B-895B-C61F7598E6F1}" presName="cycle" presStyleCnt="0"/>
+      <dgm:spPr/>
+    </dgm:pt>
+    <dgm:pt modelId="{FB40E310-F056-4AF6-B563-2BA4E8C9DA9F}" type="pres">
+      <dgm:prSet presAssocID="{2F922605-F25D-458B-895B-C61F7598E6F1}" presName="srcNode" presStyleLbl="node1" presStyleIdx="0" presStyleCnt="5"/>
+      <dgm:spPr/>
+    </dgm:pt>
+    <dgm:pt modelId="{9E8AFFC8-A631-4137-8BA9-3FD803D90F28}" type="pres">
+      <dgm:prSet presAssocID="{2F922605-F25D-458B-895B-C61F7598E6F1}" presName="conn" presStyleLbl="parChTrans1D2" presStyleIdx="0" presStyleCnt="1"/>
+      <dgm:spPr/>
+    </dgm:pt>
+    <dgm:pt modelId="{D43B626B-7CE0-4C29-93B9-8F409B97B088}" type="pres">
+      <dgm:prSet presAssocID="{2F922605-F25D-458B-895B-C61F7598E6F1}" presName="extraNode" presStyleLbl="node1" presStyleIdx="0" presStyleCnt="5"/>
+      <dgm:spPr/>
+    </dgm:pt>
+    <dgm:pt modelId="{D04A4BF7-018F-42AA-9B92-F97255067A1E}" type="pres">
+      <dgm:prSet presAssocID="{2F922605-F25D-458B-895B-C61F7598E6F1}" presName="dstNode" presStyleLbl="node1" presStyleIdx="0" presStyleCnt="5"/>
+      <dgm:spPr/>
+    </dgm:pt>
+    <dgm:pt modelId="{B456B143-1FF0-4B69-A67D-290DAF17F1B8}" type="pres">
+      <dgm:prSet presAssocID="{37292FCA-689E-4A59-B8F6-AA1E2B0B33D5}" presName="text_1" presStyleLbl="node1" presStyleIdx="0" presStyleCnt="5">
+        <dgm:presLayoutVars>
+          <dgm:bulletEnabled val="1"/>
+        </dgm:presLayoutVars>
+      </dgm:prSet>
+      <dgm:spPr/>
+    </dgm:pt>
+    <dgm:pt modelId="{AB580F56-A159-4709-91A4-C09BD2BF52EC}" type="pres">
+      <dgm:prSet presAssocID="{37292FCA-689E-4A59-B8F6-AA1E2B0B33D5}" presName="accent_1" presStyleCnt="0"/>
+      <dgm:spPr/>
+    </dgm:pt>
+    <dgm:pt modelId="{F92343CC-4094-4BE5-8D09-1AF1FDCAAE4F}" type="pres">
+      <dgm:prSet presAssocID="{37292FCA-689E-4A59-B8F6-AA1E2B0B33D5}" presName="accentRepeatNode" presStyleLbl="solidFgAcc1" presStyleIdx="0" presStyleCnt="5"/>
+      <dgm:spPr/>
+    </dgm:pt>
+    <dgm:pt modelId="{A007BEBF-E3A9-438F-BE0B-25D298A45F7F}" type="pres">
+      <dgm:prSet presAssocID="{4D38EA0C-E6FF-49F5-BA86-C1F3221DBB21}" presName="text_2" presStyleLbl="node1" presStyleIdx="1" presStyleCnt="5">
+        <dgm:presLayoutVars>
+          <dgm:bulletEnabled val="1"/>
+        </dgm:presLayoutVars>
+      </dgm:prSet>
+      <dgm:spPr/>
+    </dgm:pt>
+    <dgm:pt modelId="{C728F28D-3B23-4238-927C-AE61511E1F2A}" type="pres">
+      <dgm:prSet presAssocID="{4D38EA0C-E6FF-49F5-BA86-C1F3221DBB21}" presName="accent_2" presStyleCnt="0"/>
+      <dgm:spPr/>
+    </dgm:pt>
+    <dgm:pt modelId="{AD2A597C-271F-445E-A8C3-E2AE83F5B6E9}" type="pres">
+      <dgm:prSet presAssocID="{4D38EA0C-E6FF-49F5-BA86-C1F3221DBB21}" presName="accentRepeatNode" presStyleLbl="solidFgAcc1" presStyleIdx="1" presStyleCnt="5"/>
+      <dgm:spPr/>
+    </dgm:pt>
+    <dgm:pt modelId="{C23F06D1-609C-41D9-8D95-2604836E5EED}" type="pres">
+      <dgm:prSet presAssocID="{F7403A9F-5EBF-4B56-B0CC-A8A2937CB813}" presName="text_3" presStyleLbl="node1" presStyleIdx="2" presStyleCnt="5">
+        <dgm:presLayoutVars>
+          <dgm:bulletEnabled val="1"/>
+        </dgm:presLayoutVars>
+      </dgm:prSet>
+      <dgm:spPr/>
+    </dgm:pt>
+    <dgm:pt modelId="{5E5F8C05-F013-4E76-9F22-793A27A18809}" type="pres">
+      <dgm:prSet presAssocID="{F7403A9F-5EBF-4B56-B0CC-A8A2937CB813}" presName="accent_3" presStyleCnt="0"/>
+      <dgm:spPr/>
+    </dgm:pt>
+    <dgm:pt modelId="{300B770F-1911-4A3D-A4F2-4955DFEBDA3C}" type="pres">
+      <dgm:prSet presAssocID="{F7403A9F-5EBF-4B56-B0CC-A8A2937CB813}" presName="accentRepeatNode" presStyleLbl="solidFgAcc1" presStyleIdx="2" presStyleCnt="5"/>
+      <dgm:spPr/>
+    </dgm:pt>
+    <dgm:pt modelId="{FC8DD0E6-58CE-4F48-923F-A2D1132535DA}" type="pres">
+      <dgm:prSet presAssocID="{D2068E91-3F9A-4A5F-BDE1-5A934D3BE3A6}" presName="text_4" presStyleLbl="node1" presStyleIdx="3" presStyleCnt="5">
+        <dgm:presLayoutVars>
+          <dgm:bulletEnabled val="1"/>
+        </dgm:presLayoutVars>
+      </dgm:prSet>
+      <dgm:spPr/>
+    </dgm:pt>
+    <dgm:pt modelId="{79759E5E-D417-4B3A-83A0-E20338E3AE3A}" type="pres">
+      <dgm:prSet presAssocID="{D2068E91-3F9A-4A5F-BDE1-5A934D3BE3A6}" presName="accent_4" presStyleCnt="0"/>
+      <dgm:spPr/>
+    </dgm:pt>
+    <dgm:pt modelId="{57018B54-6BBD-4031-BC3D-AB2F83CFDDA6}" type="pres">
+      <dgm:prSet presAssocID="{D2068E91-3F9A-4A5F-BDE1-5A934D3BE3A6}" presName="accentRepeatNode" presStyleLbl="solidFgAcc1" presStyleIdx="3" presStyleCnt="5"/>
+      <dgm:spPr/>
+    </dgm:pt>
+    <dgm:pt modelId="{E9DECE18-C3DD-45B3-919D-DE7AEF57E924}" type="pres">
+      <dgm:prSet presAssocID="{F0F077E3-B171-4EF0-AF41-C9674284E65A}" presName="text_5" presStyleLbl="node1" presStyleIdx="4" presStyleCnt="5">
+        <dgm:presLayoutVars>
+          <dgm:bulletEnabled val="1"/>
+        </dgm:presLayoutVars>
+      </dgm:prSet>
+      <dgm:spPr/>
+    </dgm:pt>
+    <dgm:pt modelId="{B0EF777B-3FF8-43D3-AFCF-855400F73782}" type="pres">
+      <dgm:prSet presAssocID="{F0F077E3-B171-4EF0-AF41-C9674284E65A}" presName="accent_5" presStyleCnt="0"/>
+      <dgm:spPr/>
+    </dgm:pt>
+    <dgm:pt modelId="{C8E7AB76-AD9A-4130-895D-F21D15EBD304}" type="pres">
+      <dgm:prSet presAssocID="{F0F077E3-B171-4EF0-AF41-C9674284E65A}" presName="accentRepeatNode" presStyleLbl="solidFgAcc1" presStyleIdx="4" presStyleCnt="5"/>
+      <dgm:spPr/>
+    </dgm:pt>
+  </dgm:ptLst>
+  <dgm:cxnLst>
+    <dgm:cxn modelId="{67F81505-61C3-4601-8D32-681E84A76E49}" type="presOf" srcId="{D2068E91-3F9A-4A5F-BDE1-5A934D3BE3A6}" destId="{FC8DD0E6-58CE-4F48-923F-A2D1132535DA}" srcOrd="0" destOrd="0" presId="urn:microsoft.com/office/officeart/2008/layout/VerticalCurvedList"/>
+    <dgm:cxn modelId="{A9B41D26-5F05-4B29-96A6-C42AD512AAE7}" srcId="{2F922605-F25D-458B-895B-C61F7598E6F1}" destId="{D2068E91-3F9A-4A5F-BDE1-5A934D3BE3A6}" srcOrd="3" destOrd="0" parTransId="{14F9C897-FF0B-4D11-902B-C45BF7C7A118}" sibTransId="{E465C4F8-92D3-4742-9B07-5CA092EDD47C}"/>
+    <dgm:cxn modelId="{54591329-FDC5-4452-8E3F-344ABE059ABF}" srcId="{2F922605-F25D-458B-895B-C61F7598E6F1}" destId="{F0F077E3-B171-4EF0-AF41-C9674284E65A}" srcOrd="4" destOrd="0" parTransId="{1D976331-D32F-4CAB-8081-41556FFD1E1A}" sibTransId="{FD4AB929-CD6A-4ECB-9C55-419754FA6C39}"/>
+    <dgm:cxn modelId="{0A7BA236-0F65-4BE3-8DA4-EF8AAA45FC86}" srcId="{2F922605-F25D-458B-895B-C61F7598E6F1}" destId="{4D38EA0C-E6FF-49F5-BA86-C1F3221DBB21}" srcOrd="1" destOrd="0" parTransId="{431B997E-3107-4201-A095-D34839AEF8C4}" sibTransId="{4CD407B6-D8DD-46D5-BDA6-3EFC4466E0CD}"/>
+    <dgm:cxn modelId="{D4879A67-4099-487F-9FE1-7E4457F0EFB5}" srcId="{2F922605-F25D-458B-895B-C61F7598E6F1}" destId="{37292FCA-689E-4A59-B8F6-AA1E2B0B33D5}" srcOrd="0" destOrd="0" parTransId="{F3EE2D19-E10D-4272-8851-D5DB6E7C8A2F}" sibTransId="{7A693F11-6EF0-4408-A0DA-1194155DFB72}"/>
+    <dgm:cxn modelId="{15BEC87B-46CE-45B4-80E2-EC5FF69D7D7F}" type="presOf" srcId="{F0F077E3-B171-4EF0-AF41-C9674284E65A}" destId="{E9DECE18-C3DD-45B3-919D-DE7AEF57E924}" srcOrd="0" destOrd="0" presId="urn:microsoft.com/office/officeart/2008/layout/VerticalCurvedList"/>
+    <dgm:cxn modelId="{085102AB-1641-4B1D-B635-9191B5C6AFB1}" type="presOf" srcId="{2F922605-F25D-458B-895B-C61F7598E6F1}" destId="{4599A7CD-9019-4A0C-BC44-6E001468F38D}" srcOrd="0" destOrd="0" presId="urn:microsoft.com/office/officeart/2008/layout/VerticalCurvedList"/>
+    <dgm:cxn modelId="{63A642B1-BA88-4FC3-9412-F7683D3FF89D}" type="presOf" srcId="{4D38EA0C-E6FF-49F5-BA86-C1F3221DBB21}" destId="{A007BEBF-E3A9-438F-BE0B-25D298A45F7F}" srcOrd="0" destOrd="0" presId="urn:microsoft.com/office/officeart/2008/layout/VerticalCurvedList"/>
+    <dgm:cxn modelId="{10FB04BA-1B0C-42DD-9EA8-4228E93725B8}" type="presOf" srcId="{37292FCA-689E-4A59-B8F6-AA1E2B0B33D5}" destId="{B456B143-1FF0-4B69-A67D-290DAF17F1B8}" srcOrd="0" destOrd="0" presId="urn:microsoft.com/office/officeart/2008/layout/VerticalCurvedList"/>
+    <dgm:cxn modelId="{79A407C6-009C-4D35-A054-76292CB2B7A6}" type="presOf" srcId="{F7403A9F-5EBF-4B56-B0CC-A8A2937CB813}" destId="{C23F06D1-609C-41D9-8D95-2604836E5EED}" srcOrd="0" destOrd="0" presId="urn:microsoft.com/office/officeart/2008/layout/VerticalCurvedList"/>
+    <dgm:cxn modelId="{233580D0-1419-4C88-881F-E598890C6ADB}" type="presOf" srcId="{7A693F11-6EF0-4408-A0DA-1194155DFB72}" destId="{9E8AFFC8-A631-4137-8BA9-3FD803D90F28}" srcOrd="0" destOrd="0" presId="urn:microsoft.com/office/officeart/2008/layout/VerticalCurvedList"/>
+    <dgm:cxn modelId="{20C3A8FE-49C3-46DF-8F0B-3B36BFECD170}" srcId="{2F922605-F25D-458B-895B-C61F7598E6F1}" destId="{F7403A9F-5EBF-4B56-B0CC-A8A2937CB813}" srcOrd="2" destOrd="0" parTransId="{3182A63F-C5C9-4ACA-BA55-355D596BC2BD}" sibTransId="{7DE0F648-BF57-4F18-8D4D-B84B0CB590F5}"/>
+    <dgm:cxn modelId="{E604F44B-B4BB-49BF-B8FF-1D602E54F873}" type="presParOf" srcId="{4599A7CD-9019-4A0C-BC44-6E001468F38D}" destId="{BA89888B-AEEA-42C6-AB0F-95A882FAA87C}" srcOrd="0" destOrd="0" presId="urn:microsoft.com/office/officeart/2008/layout/VerticalCurvedList"/>
+    <dgm:cxn modelId="{3E854027-5B71-4932-9D9B-09D02E8B0BBA}" type="presParOf" srcId="{BA89888B-AEEA-42C6-AB0F-95A882FAA87C}" destId="{3ADFFBB9-DCD2-47FD-87C0-05CB4459249F}" srcOrd="0" destOrd="0" presId="urn:microsoft.com/office/officeart/2008/layout/VerticalCurvedList"/>
+    <dgm:cxn modelId="{DEB8449A-884B-4D2E-AAF7-11E0CB744038}" type="presParOf" srcId="{3ADFFBB9-DCD2-47FD-87C0-05CB4459249F}" destId="{FB40E310-F056-4AF6-B563-2BA4E8C9DA9F}" srcOrd="0" destOrd="0" presId="urn:microsoft.com/office/officeart/2008/layout/VerticalCurvedList"/>
+    <dgm:cxn modelId="{6099D1F1-1A24-4B20-8AE1-77A718F63D4D}" type="presParOf" srcId="{3ADFFBB9-DCD2-47FD-87C0-05CB4459249F}" destId="{9E8AFFC8-A631-4137-8BA9-3FD803D90F28}" srcOrd="1" destOrd="0" presId="urn:microsoft.com/office/officeart/2008/layout/VerticalCurvedList"/>
+    <dgm:cxn modelId="{2B375F6B-D36B-44CB-A71C-AE57049CD48E}" type="presParOf" srcId="{3ADFFBB9-DCD2-47FD-87C0-05CB4459249F}" destId="{D43B626B-7CE0-4C29-93B9-8F409B97B088}" srcOrd="2" destOrd="0" presId="urn:microsoft.com/office/officeart/2008/layout/VerticalCurvedList"/>
+    <dgm:cxn modelId="{8D63F77A-6792-436A-A3FC-547CA375411F}" type="presParOf" srcId="{3ADFFBB9-DCD2-47FD-87C0-05CB4459249F}" destId="{D04A4BF7-018F-42AA-9B92-F97255067A1E}" srcOrd="3" destOrd="0" presId="urn:microsoft.com/office/officeart/2008/layout/VerticalCurvedList"/>
+    <dgm:cxn modelId="{0D90A2AA-DA7C-4237-A577-3C690A3AA842}" type="presParOf" srcId="{BA89888B-AEEA-42C6-AB0F-95A882FAA87C}" destId="{B456B143-1FF0-4B69-A67D-290DAF17F1B8}" srcOrd="1" destOrd="0" presId="urn:microsoft.com/office/officeart/2008/layout/VerticalCurvedList"/>
+    <dgm:cxn modelId="{10E498E4-9F44-48C4-9FBD-79367ADAE1F7}" type="presParOf" srcId="{BA89888B-AEEA-42C6-AB0F-95A882FAA87C}" destId="{AB580F56-A159-4709-91A4-C09BD2BF52EC}" srcOrd="2" destOrd="0" presId="urn:microsoft.com/office/officeart/2008/layout/VerticalCurvedList"/>
+    <dgm:cxn modelId="{B4DAC504-95FD-46E8-AB0B-327BA380D11E}" type="presParOf" srcId="{AB580F56-A159-4709-91A4-C09BD2BF52EC}" destId="{F92343CC-4094-4BE5-8D09-1AF1FDCAAE4F}" srcOrd="0" destOrd="0" presId="urn:microsoft.com/office/officeart/2008/layout/VerticalCurvedList"/>
+    <dgm:cxn modelId="{6168287D-9B4A-47D7-A5DC-8CA32320BC85}" type="presParOf" srcId="{BA89888B-AEEA-42C6-AB0F-95A882FAA87C}" destId="{A007BEBF-E3A9-438F-BE0B-25D298A45F7F}" srcOrd="3" destOrd="0" presId="urn:microsoft.com/office/officeart/2008/layout/VerticalCurvedList"/>
+    <dgm:cxn modelId="{BB553280-D64B-40E1-A468-0DD8B2872D9F}" type="presParOf" srcId="{BA89888B-AEEA-42C6-AB0F-95A882FAA87C}" destId="{C728F28D-3B23-4238-927C-AE61511E1F2A}" srcOrd="4" destOrd="0" presId="urn:microsoft.com/office/officeart/2008/layout/VerticalCurvedList"/>
+    <dgm:cxn modelId="{71AF242A-A1A5-4B47-87EC-DF1A47829CAE}" type="presParOf" srcId="{C728F28D-3B23-4238-927C-AE61511E1F2A}" destId="{AD2A597C-271F-445E-A8C3-E2AE83F5B6E9}" srcOrd="0" destOrd="0" presId="urn:microsoft.com/office/officeart/2008/layout/VerticalCurvedList"/>
+    <dgm:cxn modelId="{6852D7AE-3C2C-496A-BBCC-D68CE1EE1C7E}" type="presParOf" srcId="{BA89888B-AEEA-42C6-AB0F-95A882FAA87C}" destId="{C23F06D1-609C-41D9-8D95-2604836E5EED}" srcOrd="5" destOrd="0" presId="urn:microsoft.com/office/officeart/2008/layout/VerticalCurvedList"/>
+    <dgm:cxn modelId="{39433740-9231-456C-96D2-4D0F7A31F05C}" type="presParOf" srcId="{BA89888B-AEEA-42C6-AB0F-95A882FAA87C}" destId="{5E5F8C05-F013-4E76-9F22-793A27A18809}" srcOrd="6" destOrd="0" presId="urn:microsoft.com/office/officeart/2008/layout/VerticalCurvedList"/>
+    <dgm:cxn modelId="{6A00919A-CF49-4C08-B5D9-57D664449F56}" type="presParOf" srcId="{5E5F8C05-F013-4E76-9F22-793A27A18809}" destId="{300B770F-1911-4A3D-A4F2-4955DFEBDA3C}" srcOrd="0" destOrd="0" presId="urn:microsoft.com/office/officeart/2008/layout/VerticalCurvedList"/>
+    <dgm:cxn modelId="{EA23D273-839A-4115-9F7F-C255D5BA6246}" type="presParOf" srcId="{BA89888B-AEEA-42C6-AB0F-95A882FAA87C}" destId="{FC8DD0E6-58CE-4F48-923F-A2D1132535DA}" srcOrd="7" destOrd="0" presId="urn:microsoft.com/office/officeart/2008/layout/VerticalCurvedList"/>
+    <dgm:cxn modelId="{F8E440CC-DEB9-44C0-9D6A-663F89AFE996}" type="presParOf" srcId="{BA89888B-AEEA-42C6-AB0F-95A882FAA87C}" destId="{79759E5E-D417-4B3A-83A0-E20338E3AE3A}" srcOrd="8" destOrd="0" presId="urn:microsoft.com/office/officeart/2008/layout/VerticalCurvedList"/>
+    <dgm:cxn modelId="{3A0F5C7F-2502-4FFD-AB34-2DD9AAAFD8B0}" type="presParOf" srcId="{79759E5E-D417-4B3A-83A0-E20338E3AE3A}" destId="{57018B54-6BBD-4031-BC3D-AB2F83CFDDA6}" srcOrd="0" destOrd="0" presId="urn:microsoft.com/office/officeart/2008/layout/VerticalCurvedList"/>
+    <dgm:cxn modelId="{1F6C9237-78A7-48CA-97A7-DAACD6566436}" type="presParOf" srcId="{BA89888B-AEEA-42C6-AB0F-95A882FAA87C}" destId="{E9DECE18-C3DD-45B3-919D-DE7AEF57E924}" srcOrd="9" destOrd="0" presId="urn:microsoft.com/office/officeart/2008/layout/VerticalCurvedList"/>
+    <dgm:cxn modelId="{A4D216AA-7150-414C-8071-81B263D38B37}" type="presParOf" srcId="{BA89888B-AEEA-42C6-AB0F-95A882FAA87C}" destId="{B0EF777B-3FF8-43D3-AFCF-855400F73782}" srcOrd="10" destOrd="0" presId="urn:microsoft.com/office/officeart/2008/layout/VerticalCurvedList"/>
+    <dgm:cxn modelId="{81568657-2EC4-4B84-9F6B-2B058C398827}" type="presParOf" srcId="{B0EF777B-3FF8-43D3-AFCF-855400F73782}" destId="{C8E7AB76-AD9A-4130-895D-F21D15EBD304}" srcOrd="0" destOrd="0" presId="urn:microsoft.com/office/officeart/2008/layout/VerticalCurvedList"/>
   </dgm:cxnLst>
   <dgm:bg/>
   <dgm:whole/>
@@ -4179,8 +6540,8 @@
       </dsp:nvSpPr>
       <dsp:spPr>
         <a:xfrm>
-          <a:off x="0" y="6679"/>
-          <a:ext cx="8064896" cy="849420"/>
+          <a:off x="0" y="0"/>
+          <a:ext cx="5405250" cy="849420"/>
         </a:xfrm>
         <a:prstGeom prst="roundRect">
           <a:avLst/>
@@ -4226,7 +6587,7 @@
         </a:bodyPr>
         <a:lstStyle/>
         <a:p>
-          <a:pPr marL="0" lvl="0" indent="0" algn="l" defTabSz="1466850">
+          <a:pPr marL="0" lvl="0" indent="0" algn="ctr" defTabSz="1466850">
             <a:lnSpc>
               <a:spcPct val="90000"/>
             </a:lnSpc>
@@ -4239,14 +6600,14 @@
             <a:buNone/>
           </a:pPr>
           <a:r>
-            <a:rPr lang="en-US" sz="3300" kern="1200"/>
+            <a:rPr lang="en-US" sz="3300" kern="1200" dirty="0"/>
             <a:t>Target (Client Interface)</a:t>
           </a:r>
         </a:p>
       </dsp:txBody>
       <dsp:txXfrm>
-        <a:off x="41465" y="48144"/>
-        <a:ext cx="7981966" cy="766490"/>
+        <a:off x="41465" y="41465"/>
+        <a:ext cx="5322320" cy="766490"/>
       </dsp:txXfrm>
     </dsp:sp>
     <dsp:sp modelId="{7EB96007-84AC-49D4-AA27-A12E1F11C083}">
@@ -4257,7 +6618,7 @@
       <dsp:spPr>
         <a:xfrm>
           <a:off x="0" y="951140"/>
-          <a:ext cx="8064896" cy="849420"/>
+          <a:ext cx="5405250" cy="849420"/>
         </a:xfrm>
         <a:prstGeom prst="roundRect">
           <a:avLst/>
@@ -4303,7 +6664,7 @@
         </a:bodyPr>
         <a:lstStyle/>
         <a:p>
-          <a:pPr marL="0" lvl="0" indent="0" algn="l" defTabSz="1466850">
+          <a:pPr marL="0" lvl="0" indent="0" algn="ctr" defTabSz="1466850">
             <a:lnSpc>
               <a:spcPct val="90000"/>
             </a:lnSpc>
@@ -4323,7 +6684,7 @@
       </dsp:txBody>
       <dsp:txXfrm>
         <a:off x="41465" y="992605"/>
-        <a:ext cx="7981966" cy="766490"/>
+        <a:ext cx="5322320" cy="766490"/>
       </dsp:txXfrm>
     </dsp:sp>
     <dsp:sp modelId="{F8A1933A-B491-4214-BEAB-8FBF738DEE40}">
@@ -4334,7 +6695,7 @@
       <dsp:spPr>
         <a:xfrm>
           <a:off x="0" y="1895600"/>
-          <a:ext cx="8064896" cy="849420"/>
+          <a:ext cx="5405250" cy="849420"/>
         </a:xfrm>
         <a:prstGeom prst="roundRect">
           <a:avLst/>
@@ -4380,7 +6741,7 @@
         </a:bodyPr>
         <a:lstStyle/>
         <a:p>
-          <a:pPr marL="0" lvl="0" indent="0" algn="l" defTabSz="1466850">
+          <a:pPr marL="0" lvl="0" indent="0" algn="ctr" defTabSz="1466850">
             <a:lnSpc>
               <a:spcPct val="90000"/>
             </a:lnSpc>
@@ -4400,7 +6761,7 @@
       </dsp:txBody>
       <dsp:txXfrm>
         <a:off x="41465" y="1937065"/>
-        <a:ext cx="7981966" cy="766490"/>
+        <a:ext cx="5322320" cy="766490"/>
       </dsp:txXfrm>
     </dsp:sp>
   </dsp:spTree>
@@ -4469,7 +6830,7 @@
         </a:bodyPr>
         <a:lstStyle/>
         <a:p>
-          <a:pPr marL="0" lvl="0" indent="0" algn="l" defTabSz="2622550">
+          <a:pPr marL="0" lvl="0" indent="0" algn="ctr" defTabSz="2622550">
             <a:lnSpc>
               <a:spcPct val="90000"/>
             </a:lnSpc>
@@ -4568,6 +6929,926 @@
         <a:off x="74135" y="1840857"/>
         <a:ext cx="4624167" cy="1370389"/>
       </dsp:txXfrm>
+    </dsp:sp>
+  </dsp:spTree>
+</dsp:drawing>
+</file>
+
+<file path=ppt/diagrams/drawing4.xml><?xml version="1.0" encoding="utf-8"?>
+<dsp:drawing xmlns:dgm="http://schemas.openxmlformats.org/drawingml/2006/diagram" xmlns:dsp="http://schemas.microsoft.com/office/drawing/2008/diagram" xmlns:a="http://schemas.openxmlformats.org/drawingml/2006/main">
+  <dsp:spTree>
+    <dsp:nvGrpSpPr>
+      <dsp:cNvPr id="0" name=""/>
+      <dsp:cNvGrpSpPr/>
+    </dsp:nvGrpSpPr>
+    <dsp:grpSpPr/>
+    <dsp:sp modelId="{55B263EA-DE0A-4126-9911-42A6AAFBC753}">
+      <dsp:nvSpPr>
+        <dsp:cNvPr id="0" name=""/>
+        <dsp:cNvSpPr/>
+      </dsp:nvSpPr>
+      <dsp:spPr>
+        <a:xfrm>
+          <a:off x="0" y="845215"/>
+          <a:ext cx="6408712" cy="978120"/>
+        </a:xfrm>
+        <a:prstGeom prst="roundRect">
+          <a:avLst/>
+        </a:prstGeom>
+        <a:solidFill>
+          <a:schemeClr val="accent1">
+            <a:hueOff val="0"/>
+            <a:satOff val="0"/>
+            <a:lumOff val="0"/>
+            <a:alphaOff val="0"/>
+          </a:schemeClr>
+        </a:solidFill>
+        <a:ln w="25400" cap="flat" cmpd="sng" algn="ctr">
+          <a:solidFill>
+            <a:schemeClr val="lt1">
+              <a:hueOff val="0"/>
+              <a:satOff val="0"/>
+              <a:lumOff val="0"/>
+              <a:alphaOff val="0"/>
+            </a:schemeClr>
+          </a:solidFill>
+          <a:prstDash val="solid"/>
+        </a:ln>
+        <a:effectLst/>
+      </dsp:spPr>
+      <dsp:style>
+        <a:lnRef idx="2">
+          <a:scrgbClr r="0" g="0" b="0"/>
+        </a:lnRef>
+        <a:fillRef idx="1">
+          <a:scrgbClr r="0" g="0" b="0"/>
+        </a:fillRef>
+        <a:effectRef idx="0">
+          <a:scrgbClr r="0" g="0" b="0"/>
+        </a:effectRef>
+        <a:fontRef idx="minor">
+          <a:schemeClr val="lt1"/>
+        </a:fontRef>
+      </dsp:style>
+      <dsp:txBody>
+        <a:bodyPr spcFirstLastPara="0" vert="horz" wrap="square" lIns="144780" tIns="144780" rIns="144780" bIns="144780" numCol="1" spcCol="1270" anchor="ctr" anchorCtr="0">
+          <a:noAutofit/>
+        </a:bodyPr>
+        <a:lstStyle/>
+        <a:p>
+          <a:pPr marL="0" lvl="0" indent="0" algn="l" defTabSz="1689100">
+            <a:lnSpc>
+              <a:spcPct val="90000"/>
+            </a:lnSpc>
+            <a:spcBef>
+              <a:spcPct val="0"/>
+            </a:spcBef>
+            <a:spcAft>
+              <a:spcPct val="35000"/>
+            </a:spcAft>
+            <a:buNone/>
+          </a:pPr>
+          <a:r>
+            <a:rPr lang="en-US" sz="3800" kern="1200" dirty="0"/>
+            <a:t>Subject (Service Interface)</a:t>
+          </a:r>
+        </a:p>
+      </dsp:txBody>
+      <dsp:txXfrm>
+        <a:off x="47748" y="892963"/>
+        <a:ext cx="6313216" cy="882624"/>
+      </dsp:txXfrm>
+    </dsp:sp>
+    <dsp:sp modelId="{B67F3848-F68C-45B2-B472-844B6EA551DD}">
+      <dsp:nvSpPr>
+        <dsp:cNvPr id="0" name=""/>
+        <dsp:cNvSpPr/>
+      </dsp:nvSpPr>
+      <dsp:spPr>
+        <a:xfrm>
+          <a:off x="0" y="1932775"/>
+          <a:ext cx="6408712" cy="978120"/>
+        </a:xfrm>
+        <a:prstGeom prst="roundRect">
+          <a:avLst/>
+        </a:prstGeom>
+        <a:solidFill>
+          <a:schemeClr val="accent1">
+            <a:hueOff val="0"/>
+            <a:satOff val="0"/>
+            <a:lumOff val="0"/>
+            <a:alphaOff val="0"/>
+          </a:schemeClr>
+        </a:solidFill>
+        <a:ln w="25400" cap="flat" cmpd="sng" algn="ctr">
+          <a:solidFill>
+            <a:schemeClr val="lt1">
+              <a:hueOff val="0"/>
+              <a:satOff val="0"/>
+              <a:lumOff val="0"/>
+              <a:alphaOff val="0"/>
+            </a:schemeClr>
+          </a:solidFill>
+          <a:prstDash val="solid"/>
+        </a:ln>
+        <a:effectLst/>
+      </dsp:spPr>
+      <dsp:style>
+        <a:lnRef idx="2">
+          <a:scrgbClr r="0" g="0" b="0"/>
+        </a:lnRef>
+        <a:fillRef idx="1">
+          <a:scrgbClr r="0" g="0" b="0"/>
+        </a:fillRef>
+        <a:effectRef idx="0">
+          <a:scrgbClr r="0" g="0" b="0"/>
+        </a:effectRef>
+        <a:fontRef idx="minor">
+          <a:schemeClr val="lt1"/>
+        </a:fontRef>
+      </dsp:style>
+      <dsp:txBody>
+        <a:bodyPr spcFirstLastPara="0" vert="horz" wrap="square" lIns="144780" tIns="144780" rIns="144780" bIns="144780" numCol="1" spcCol="1270" anchor="ctr" anchorCtr="0">
+          <a:noAutofit/>
+        </a:bodyPr>
+        <a:lstStyle/>
+        <a:p>
+          <a:pPr marL="0" lvl="0" indent="0" algn="l" defTabSz="1689100">
+            <a:lnSpc>
+              <a:spcPct val="90000"/>
+            </a:lnSpc>
+            <a:spcBef>
+              <a:spcPct val="0"/>
+            </a:spcBef>
+            <a:spcAft>
+              <a:spcPct val="35000"/>
+            </a:spcAft>
+            <a:buNone/>
+          </a:pPr>
+          <a:r>
+            <a:rPr lang="en-US" sz="3800" kern="1200" dirty="0"/>
+            <a:t>Real Subject (Service)</a:t>
+          </a:r>
+        </a:p>
+      </dsp:txBody>
+      <dsp:txXfrm>
+        <a:off x="47748" y="1980523"/>
+        <a:ext cx="6313216" cy="882624"/>
+      </dsp:txXfrm>
+    </dsp:sp>
+    <dsp:sp modelId="{29D5E425-DE6E-47D3-905C-0157CC358D58}">
+      <dsp:nvSpPr>
+        <dsp:cNvPr id="0" name=""/>
+        <dsp:cNvSpPr/>
+      </dsp:nvSpPr>
+      <dsp:spPr>
+        <a:xfrm>
+          <a:off x="0" y="3020335"/>
+          <a:ext cx="6408712" cy="978120"/>
+        </a:xfrm>
+        <a:prstGeom prst="roundRect">
+          <a:avLst/>
+        </a:prstGeom>
+        <a:solidFill>
+          <a:schemeClr val="accent1">
+            <a:hueOff val="0"/>
+            <a:satOff val="0"/>
+            <a:lumOff val="0"/>
+            <a:alphaOff val="0"/>
+          </a:schemeClr>
+        </a:solidFill>
+        <a:ln w="25400" cap="flat" cmpd="sng" algn="ctr">
+          <a:solidFill>
+            <a:schemeClr val="lt1">
+              <a:hueOff val="0"/>
+              <a:satOff val="0"/>
+              <a:lumOff val="0"/>
+              <a:alphaOff val="0"/>
+            </a:schemeClr>
+          </a:solidFill>
+          <a:prstDash val="solid"/>
+        </a:ln>
+        <a:effectLst/>
+      </dsp:spPr>
+      <dsp:style>
+        <a:lnRef idx="2">
+          <a:scrgbClr r="0" g="0" b="0"/>
+        </a:lnRef>
+        <a:fillRef idx="1">
+          <a:scrgbClr r="0" g="0" b="0"/>
+        </a:fillRef>
+        <a:effectRef idx="0">
+          <a:scrgbClr r="0" g="0" b="0"/>
+        </a:effectRef>
+        <a:fontRef idx="minor">
+          <a:schemeClr val="lt1"/>
+        </a:fontRef>
+      </dsp:style>
+      <dsp:txBody>
+        <a:bodyPr spcFirstLastPara="0" vert="horz" wrap="square" lIns="144780" tIns="144780" rIns="144780" bIns="144780" numCol="1" spcCol="1270" anchor="ctr" anchorCtr="0">
+          <a:noAutofit/>
+        </a:bodyPr>
+        <a:lstStyle/>
+        <a:p>
+          <a:pPr marL="0" lvl="0" indent="0" algn="l" defTabSz="1689100">
+            <a:lnSpc>
+              <a:spcPct val="90000"/>
+            </a:lnSpc>
+            <a:spcBef>
+              <a:spcPct val="0"/>
+            </a:spcBef>
+            <a:spcAft>
+              <a:spcPct val="35000"/>
+            </a:spcAft>
+            <a:buNone/>
+          </a:pPr>
+          <a:r>
+            <a:rPr lang="en-US" sz="3800" kern="1200"/>
+            <a:t>Proxy</a:t>
+          </a:r>
+        </a:p>
+      </dsp:txBody>
+      <dsp:txXfrm>
+        <a:off x="47748" y="3068083"/>
+        <a:ext cx="6313216" cy="882624"/>
+      </dsp:txXfrm>
+    </dsp:sp>
+  </dsp:spTree>
+</dsp:drawing>
+</file>
+
+<file path=ppt/diagrams/drawing5.xml><?xml version="1.0" encoding="utf-8"?>
+<dsp:drawing xmlns:dgm="http://schemas.openxmlformats.org/drawingml/2006/diagram" xmlns:dsp="http://schemas.microsoft.com/office/drawing/2008/diagram" xmlns:a="http://schemas.openxmlformats.org/drawingml/2006/main">
+  <dsp:spTree>
+    <dsp:nvGrpSpPr>
+      <dsp:cNvPr id="0" name=""/>
+      <dsp:cNvGrpSpPr/>
+    </dsp:nvGrpSpPr>
+    <dsp:grpSpPr/>
+    <dsp:sp modelId="{9E8AFFC8-A631-4137-8BA9-3FD803D90F28}">
+      <dsp:nvSpPr>
+        <dsp:cNvPr id="0" name=""/>
+        <dsp:cNvSpPr/>
+      </dsp:nvSpPr>
+      <dsp:spPr>
+        <a:xfrm>
+          <a:off x="-8143254" y="-1243937"/>
+          <a:ext cx="9688675" cy="9688675"/>
+        </a:xfrm>
+        <a:prstGeom prst="blockArc">
+          <a:avLst>
+            <a:gd name="adj1" fmla="val 18900000"/>
+            <a:gd name="adj2" fmla="val 2700000"/>
+            <a:gd name="adj3" fmla="val 223"/>
+          </a:avLst>
+        </a:prstGeom>
+        <a:noFill/>
+        <a:ln w="25400" cap="flat" cmpd="sng" algn="ctr">
+          <a:solidFill>
+            <a:schemeClr val="accent1">
+              <a:shade val="60000"/>
+              <a:hueOff val="0"/>
+              <a:satOff val="0"/>
+              <a:lumOff val="0"/>
+              <a:alphaOff val="0"/>
+            </a:schemeClr>
+          </a:solidFill>
+          <a:prstDash val="solid"/>
+        </a:ln>
+        <a:effectLst/>
+      </dsp:spPr>
+      <dsp:style>
+        <a:lnRef idx="2">
+          <a:scrgbClr r="0" g="0" b="0"/>
+        </a:lnRef>
+        <a:fillRef idx="0">
+          <a:scrgbClr r="0" g="0" b="0"/>
+        </a:fillRef>
+        <a:effectRef idx="0">
+          <a:scrgbClr r="0" g="0" b="0"/>
+        </a:effectRef>
+        <a:fontRef idx="minor"/>
+      </dsp:style>
+    </dsp:sp>
+    <dsp:sp modelId="{B456B143-1FF0-4B69-A67D-290DAF17F1B8}">
+      <dsp:nvSpPr>
+        <dsp:cNvPr id="0" name=""/>
+        <dsp:cNvSpPr/>
+      </dsp:nvSpPr>
+      <dsp:spPr>
+        <a:xfrm>
+          <a:off x="674397" y="449905"/>
+          <a:ext cx="16862833" cy="900388"/>
+        </a:xfrm>
+        <a:prstGeom prst="rect">
+          <a:avLst/>
+        </a:prstGeom>
+        <a:solidFill>
+          <a:schemeClr val="accent1">
+            <a:hueOff val="0"/>
+            <a:satOff val="0"/>
+            <a:lumOff val="0"/>
+            <a:alphaOff val="0"/>
+          </a:schemeClr>
+        </a:solidFill>
+        <a:ln w="25400" cap="flat" cmpd="sng" algn="ctr">
+          <a:solidFill>
+            <a:schemeClr val="lt1">
+              <a:hueOff val="0"/>
+              <a:satOff val="0"/>
+              <a:lumOff val="0"/>
+              <a:alphaOff val="0"/>
+            </a:schemeClr>
+          </a:solidFill>
+          <a:prstDash val="solid"/>
+        </a:ln>
+        <a:effectLst/>
+      </dsp:spPr>
+      <dsp:style>
+        <a:lnRef idx="2">
+          <a:scrgbClr r="0" g="0" b="0"/>
+        </a:lnRef>
+        <a:fillRef idx="1">
+          <a:scrgbClr r="0" g="0" b="0"/>
+        </a:fillRef>
+        <a:effectRef idx="0">
+          <a:scrgbClr r="0" g="0" b="0"/>
+        </a:effectRef>
+        <a:fontRef idx="minor">
+          <a:schemeClr val="lt1"/>
+        </a:fontRef>
+      </dsp:style>
+      <dsp:txBody>
+        <a:bodyPr spcFirstLastPara="0" vert="horz" wrap="square" lIns="714683" tIns="111760" rIns="111760" bIns="111760" numCol="1" spcCol="1270" anchor="ctr" anchorCtr="0">
+          <a:noAutofit/>
+        </a:bodyPr>
+        <a:lstStyle/>
+        <a:p>
+          <a:pPr marL="0" lvl="0" indent="0" algn="l" defTabSz="1955800">
+            <a:lnSpc>
+              <a:spcPct val="90000"/>
+            </a:lnSpc>
+            <a:spcBef>
+              <a:spcPct val="0"/>
+            </a:spcBef>
+            <a:spcAft>
+              <a:spcPct val="35000"/>
+            </a:spcAft>
+            <a:buNone/>
+          </a:pPr>
+          <a:r>
+            <a:rPr lang="en-US" sz="4400" kern="1200" dirty="0"/>
+            <a:t>Protection Proxy - Access control</a:t>
+          </a:r>
+        </a:p>
+      </dsp:txBody>
+      <dsp:txXfrm>
+        <a:off x="674397" y="449905"/>
+        <a:ext cx="16862833" cy="900388"/>
+      </dsp:txXfrm>
+    </dsp:sp>
+    <dsp:sp modelId="{F92343CC-4094-4BE5-8D09-1AF1FDCAAE4F}">
+      <dsp:nvSpPr>
+        <dsp:cNvPr id="0" name=""/>
+        <dsp:cNvSpPr/>
+      </dsp:nvSpPr>
+      <dsp:spPr>
+        <a:xfrm>
+          <a:off x="111655" y="337357"/>
+          <a:ext cx="1125485" cy="1125485"/>
+        </a:xfrm>
+        <a:prstGeom prst="ellipse">
+          <a:avLst/>
+        </a:prstGeom>
+        <a:solidFill>
+          <a:schemeClr val="lt1">
+            <a:hueOff val="0"/>
+            <a:satOff val="0"/>
+            <a:lumOff val="0"/>
+            <a:alphaOff val="0"/>
+          </a:schemeClr>
+        </a:solidFill>
+        <a:ln w="25400" cap="flat" cmpd="sng" algn="ctr">
+          <a:solidFill>
+            <a:schemeClr val="accent1">
+              <a:hueOff val="0"/>
+              <a:satOff val="0"/>
+              <a:lumOff val="0"/>
+              <a:alphaOff val="0"/>
+            </a:schemeClr>
+          </a:solidFill>
+          <a:prstDash val="solid"/>
+        </a:ln>
+        <a:effectLst/>
+      </dsp:spPr>
+      <dsp:style>
+        <a:lnRef idx="2">
+          <a:scrgbClr r="0" g="0" b="0"/>
+        </a:lnRef>
+        <a:fillRef idx="1">
+          <a:scrgbClr r="0" g="0" b="0"/>
+        </a:fillRef>
+        <a:effectRef idx="0">
+          <a:scrgbClr r="0" g="0" b="0"/>
+        </a:effectRef>
+        <a:fontRef idx="minor"/>
+      </dsp:style>
+    </dsp:sp>
+    <dsp:sp modelId="{A007BEBF-E3A9-438F-BE0B-25D298A45F7F}">
+      <dsp:nvSpPr>
+        <dsp:cNvPr id="0" name=""/>
+        <dsp:cNvSpPr/>
+      </dsp:nvSpPr>
+      <dsp:spPr>
+        <a:xfrm>
+          <a:off x="1319589" y="1800055"/>
+          <a:ext cx="16217641" cy="900388"/>
+        </a:xfrm>
+        <a:prstGeom prst="rect">
+          <a:avLst/>
+        </a:prstGeom>
+        <a:solidFill>
+          <a:schemeClr val="accent1">
+            <a:hueOff val="0"/>
+            <a:satOff val="0"/>
+            <a:lumOff val="0"/>
+            <a:alphaOff val="0"/>
+          </a:schemeClr>
+        </a:solidFill>
+        <a:ln w="25400" cap="flat" cmpd="sng" algn="ctr">
+          <a:solidFill>
+            <a:schemeClr val="lt1">
+              <a:hueOff val="0"/>
+              <a:satOff val="0"/>
+              <a:lumOff val="0"/>
+              <a:alphaOff val="0"/>
+            </a:schemeClr>
+          </a:solidFill>
+          <a:prstDash val="solid"/>
+        </a:ln>
+        <a:effectLst/>
+      </dsp:spPr>
+      <dsp:style>
+        <a:lnRef idx="2">
+          <a:scrgbClr r="0" g="0" b="0"/>
+        </a:lnRef>
+        <a:fillRef idx="1">
+          <a:scrgbClr r="0" g="0" b="0"/>
+        </a:fillRef>
+        <a:effectRef idx="0">
+          <a:scrgbClr r="0" g="0" b="0"/>
+        </a:effectRef>
+        <a:fontRef idx="minor">
+          <a:schemeClr val="lt1"/>
+        </a:fontRef>
+      </dsp:style>
+      <dsp:txBody>
+        <a:bodyPr spcFirstLastPara="0" vert="horz" wrap="square" lIns="714683" tIns="111760" rIns="111760" bIns="111760" numCol="1" spcCol="1270" anchor="ctr" anchorCtr="0">
+          <a:noAutofit/>
+        </a:bodyPr>
+        <a:lstStyle/>
+        <a:p>
+          <a:pPr marL="0" lvl="0" indent="0" algn="l" defTabSz="1955800">
+            <a:lnSpc>
+              <a:spcPct val="90000"/>
+            </a:lnSpc>
+            <a:spcBef>
+              <a:spcPct val="0"/>
+            </a:spcBef>
+            <a:spcAft>
+              <a:spcPct val="35000"/>
+            </a:spcAft>
+            <a:buNone/>
+          </a:pPr>
+          <a:r>
+            <a:rPr lang="en-US" sz="4400" kern="1200" dirty="0"/>
+            <a:t>Remote Proxy - Local execution of a remote service</a:t>
+          </a:r>
+        </a:p>
+      </dsp:txBody>
+      <dsp:txXfrm>
+        <a:off x="1319589" y="1800055"/>
+        <a:ext cx="16217641" cy="900388"/>
+      </dsp:txXfrm>
+    </dsp:sp>
+    <dsp:sp modelId="{AD2A597C-271F-445E-A8C3-E2AE83F5B6E9}">
+      <dsp:nvSpPr>
+        <dsp:cNvPr id="0" name=""/>
+        <dsp:cNvSpPr/>
+      </dsp:nvSpPr>
+      <dsp:spPr>
+        <a:xfrm>
+          <a:off x="756846" y="1687507"/>
+          <a:ext cx="1125485" cy="1125485"/>
+        </a:xfrm>
+        <a:prstGeom prst="ellipse">
+          <a:avLst/>
+        </a:prstGeom>
+        <a:solidFill>
+          <a:schemeClr val="lt1">
+            <a:hueOff val="0"/>
+            <a:satOff val="0"/>
+            <a:lumOff val="0"/>
+            <a:alphaOff val="0"/>
+          </a:schemeClr>
+        </a:solidFill>
+        <a:ln w="25400" cap="flat" cmpd="sng" algn="ctr">
+          <a:solidFill>
+            <a:schemeClr val="accent1">
+              <a:hueOff val="0"/>
+              <a:satOff val="0"/>
+              <a:lumOff val="0"/>
+              <a:alphaOff val="0"/>
+            </a:schemeClr>
+          </a:solidFill>
+          <a:prstDash val="solid"/>
+        </a:ln>
+        <a:effectLst/>
+      </dsp:spPr>
+      <dsp:style>
+        <a:lnRef idx="2">
+          <a:scrgbClr r="0" g="0" b="0"/>
+        </a:lnRef>
+        <a:fillRef idx="1">
+          <a:scrgbClr r="0" g="0" b="0"/>
+        </a:fillRef>
+        <a:effectRef idx="0">
+          <a:scrgbClr r="0" g="0" b="0"/>
+        </a:effectRef>
+        <a:fontRef idx="minor"/>
+      </dsp:style>
+    </dsp:sp>
+    <dsp:sp modelId="{C23F06D1-609C-41D9-8D95-2604836E5EED}">
+      <dsp:nvSpPr>
+        <dsp:cNvPr id="0" name=""/>
+        <dsp:cNvSpPr/>
+      </dsp:nvSpPr>
+      <dsp:spPr>
+        <a:xfrm>
+          <a:off x="1517611" y="3150205"/>
+          <a:ext cx="16019619" cy="900388"/>
+        </a:xfrm>
+        <a:prstGeom prst="rect">
+          <a:avLst/>
+        </a:prstGeom>
+        <a:solidFill>
+          <a:schemeClr val="accent1">
+            <a:hueOff val="0"/>
+            <a:satOff val="0"/>
+            <a:lumOff val="0"/>
+            <a:alphaOff val="0"/>
+          </a:schemeClr>
+        </a:solidFill>
+        <a:ln w="25400" cap="flat" cmpd="sng" algn="ctr">
+          <a:solidFill>
+            <a:schemeClr val="lt1">
+              <a:hueOff val="0"/>
+              <a:satOff val="0"/>
+              <a:lumOff val="0"/>
+              <a:alphaOff val="0"/>
+            </a:schemeClr>
+          </a:solidFill>
+          <a:prstDash val="solid"/>
+        </a:ln>
+        <a:effectLst/>
+      </dsp:spPr>
+      <dsp:style>
+        <a:lnRef idx="2">
+          <a:scrgbClr r="0" g="0" b="0"/>
+        </a:lnRef>
+        <a:fillRef idx="1">
+          <a:scrgbClr r="0" g="0" b="0"/>
+        </a:fillRef>
+        <a:effectRef idx="0">
+          <a:scrgbClr r="0" g="0" b="0"/>
+        </a:effectRef>
+        <a:fontRef idx="minor">
+          <a:schemeClr val="lt1"/>
+        </a:fontRef>
+      </dsp:style>
+      <dsp:txBody>
+        <a:bodyPr spcFirstLastPara="0" vert="horz" wrap="square" lIns="714683" tIns="111760" rIns="111760" bIns="111760" numCol="1" spcCol="1270" anchor="ctr" anchorCtr="0">
+          <a:noAutofit/>
+        </a:bodyPr>
+        <a:lstStyle/>
+        <a:p>
+          <a:pPr marL="0" lvl="0" indent="0" algn="l" defTabSz="1955800">
+            <a:lnSpc>
+              <a:spcPct val="90000"/>
+            </a:lnSpc>
+            <a:spcBef>
+              <a:spcPct val="0"/>
+            </a:spcBef>
+            <a:spcAft>
+              <a:spcPct val="35000"/>
+            </a:spcAft>
+            <a:buNone/>
+          </a:pPr>
+          <a:r>
+            <a:rPr lang="en-US" sz="4400" kern="1200" dirty="0"/>
+            <a:t>logging Proxy - Logging requests</a:t>
+          </a:r>
+        </a:p>
+      </dsp:txBody>
+      <dsp:txXfrm>
+        <a:off x="1517611" y="3150205"/>
+        <a:ext cx="16019619" cy="900388"/>
+      </dsp:txXfrm>
+    </dsp:sp>
+    <dsp:sp modelId="{300B770F-1911-4A3D-A4F2-4955DFEBDA3C}">
+      <dsp:nvSpPr>
+        <dsp:cNvPr id="0" name=""/>
+        <dsp:cNvSpPr/>
+      </dsp:nvSpPr>
+      <dsp:spPr>
+        <a:xfrm>
+          <a:off x="954868" y="3037657"/>
+          <a:ext cx="1125485" cy="1125485"/>
+        </a:xfrm>
+        <a:prstGeom prst="ellipse">
+          <a:avLst/>
+        </a:prstGeom>
+        <a:solidFill>
+          <a:schemeClr val="lt1">
+            <a:hueOff val="0"/>
+            <a:satOff val="0"/>
+            <a:lumOff val="0"/>
+            <a:alphaOff val="0"/>
+          </a:schemeClr>
+        </a:solidFill>
+        <a:ln w="25400" cap="flat" cmpd="sng" algn="ctr">
+          <a:solidFill>
+            <a:schemeClr val="accent1">
+              <a:hueOff val="0"/>
+              <a:satOff val="0"/>
+              <a:lumOff val="0"/>
+              <a:alphaOff val="0"/>
+            </a:schemeClr>
+          </a:solidFill>
+          <a:prstDash val="solid"/>
+        </a:ln>
+        <a:effectLst/>
+      </dsp:spPr>
+      <dsp:style>
+        <a:lnRef idx="2">
+          <a:scrgbClr r="0" g="0" b="0"/>
+        </a:lnRef>
+        <a:fillRef idx="1">
+          <a:scrgbClr r="0" g="0" b="0"/>
+        </a:fillRef>
+        <a:effectRef idx="0">
+          <a:scrgbClr r="0" g="0" b="0"/>
+        </a:effectRef>
+        <a:fontRef idx="minor"/>
+      </dsp:style>
+    </dsp:sp>
+    <dsp:sp modelId="{FC8DD0E6-58CE-4F48-923F-A2D1132535DA}">
+      <dsp:nvSpPr>
+        <dsp:cNvPr id="0" name=""/>
+        <dsp:cNvSpPr/>
+      </dsp:nvSpPr>
+      <dsp:spPr>
+        <a:xfrm>
+          <a:off x="1319589" y="4500355"/>
+          <a:ext cx="16217641" cy="900388"/>
+        </a:xfrm>
+        <a:prstGeom prst="rect">
+          <a:avLst/>
+        </a:prstGeom>
+        <a:solidFill>
+          <a:schemeClr val="accent1">
+            <a:hueOff val="0"/>
+            <a:satOff val="0"/>
+            <a:lumOff val="0"/>
+            <a:alphaOff val="0"/>
+          </a:schemeClr>
+        </a:solidFill>
+        <a:ln w="25400" cap="flat" cmpd="sng" algn="ctr">
+          <a:solidFill>
+            <a:schemeClr val="lt1">
+              <a:hueOff val="0"/>
+              <a:satOff val="0"/>
+              <a:lumOff val="0"/>
+              <a:alphaOff val="0"/>
+            </a:schemeClr>
+          </a:solidFill>
+          <a:prstDash val="solid"/>
+        </a:ln>
+        <a:effectLst/>
+      </dsp:spPr>
+      <dsp:style>
+        <a:lnRef idx="2">
+          <a:scrgbClr r="0" g="0" b="0"/>
+        </a:lnRef>
+        <a:fillRef idx="1">
+          <a:scrgbClr r="0" g="0" b="0"/>
+        </a:fillRef>
+        <a:effectRef idx="0">
+          <a:scrgbClr r="0" g="0" b="0"/>
+        </a:effectRef>
+        <a:fontRef idx="minor">
+          <a:schemeClr val="lt1"/>
+        </a:fontRef>
+      </dsp:style>
+      <dsp:txBody>
+        <a:bodyPr spcFirstLastPara="0" vert="horz" wrap="square" lIns="714683" tIns="111760" rIns="111760" bIns="111760" numCol="1" spcCol="1270" anchor="ctr" anchorCtr="0">
+          <a:noAutofit/>
+        </a:bodyPr>
+        <a:lstStyle/>
+        <a:p>
+          <a:pPr marL="0" lvl="0" indent="0" algn="l" defTabSz="1955800">
+            <a:lnSpc>
+              <a:spcPct val="90000"/>
+            </a:lnSpc>
+            <a:spcBef>
+              <a:spcPct val="0"/>
+            </a:spcBef>
+            <a:spcAft>
+              <a:spcPct val="35000"/>
+            </a:spcAft>
+            <a:buNone/>
+          </a:pPr>
+          <a:r>
+            <a:rPr lang="en-US" sz="4400" kern="1200" dirty="0"/>
+            <a:t>Caching Proxy - Caching request results</a:t>
+          </a:r>
+        </a:p>
+      </dsp:txBody>
+      <dsp:txXfrm>
+        <a:off x="1319589" y="4500355"/>
+        <a:ext cx="16217641" cy="900388"/>
+      </dsp:txXfrm>
+    </dsp:sp>
+    <dsp:sp modelId="{57018B54-6BBD-4031-BC3D-AB2F83CFDDA6}">
+      <dsp:nvSpPr>
+        <dsp:cNvPr id="0" name=""/>
+        <dsp:cNvSpPr/>
+      </dsp:nvSpPr>
+      <dsp:spPr>
+        <a:xfrm>
+          <a:off x="756846" y="4387807"/>
+          <a:ext cx="1125485" cy="1125485"/>
+        </a:xfrm>
+        <a:prstGeom prst="ellipse">
+          <a:avLst/>
+        </a:prstGeom>
+        <a:solidFill>
+          <a:schemeClr val="lt1">
+            <a:hueOff val="0"/>
+            <a:satOff val="0"/>
+            <a:lumOff val="0"/>
+            <a:alphaOff val="0"/>
+          </a:schemeClr>
+        </a:solidFill>
+        <a:ln w="25400" cap="flat" cmpd="sng" algn="ctr">
+          <a:solidFill>
+            <a:schemeClr val="accent1">
+              <a:hueOff val="0"/>
+              <a:satOff val="0"/>
+              <a:lumOff val="0"/>
+              <a:alphaOff val="0"/>
+            </a:schemeClr>
+          </a:solidFill>
+          <a:prstDash val="solid"/>
+        </a:ln>
+        <a:effectLst/>
+      </dsp:spPr>
+      <dsp:style>
+        <a:lnRef idx="2">
+          <a:scrgbClr r="0" g="0" b="0"/>
+        </a:lnRef>
+        <a:fillRef idx="1">
+          <a:scrgbClr r="0" g="0" b="0"/>
+        </a:fillRef>
+        <a:effectRef idx="0">
+          <a:scrgbClr r="0" g="0" b="0"/>
+        </a:effectRef>
+        <a:fontRef idx="minor"/>
+      </dsp:style>
+    </dsp:sp>
+    <dsp:sp modelId="{E9DECE18-C3DD-45B3-919D-DE7AEF57E924}">
+      <dsp:nvSpPr>
+        <dsp:cNvPr id="0" name=""/>
+        <dsp:cNvSpPr/>
+      </dsp:nvSpPr>
+      <dsp:spPr>
+        <a:xfrm>
+          <a:off x="674397" y="5850505"/>
+          <a:ext cx="16862833" cy="900388"/>
+        </a:xfrm>
+        <a:prstGeom prst="rect">
+          <a:avLst/>
+        </a:prstGeom>
+        <a:solidFill>
+          <a:schemeClr val="accent1">
+            <a:hueOff val="0"/>
+            <a:satOff val="0"/>
+            <a:lumOff val="0"/>
+            <a:alphaOff val="0"/>
+          </a:schemeClr>
+        </a:solidFill>
+        <a:ln w="25400" cap="flat" cmpd="sng" algn="ctr">
+          <a:solidFill>
+            <a:schemeClr val="lt1">
+              <a:hueOff val="0"/>
+              <a:satOff val="0"/>
+              <a:lumOff val="0"/>
+              <a:alphaOff val="0"/>
+            </a:schemeClr>
+          </a:solidFill>
+          <a:prstDash val="solid"/>
+        </a:ln>
+        <a:effectLst/>
+      </dsp:spPr>
+      <dsp:style>
+        <a:lnRef idx="2">
+          <a:scrgbClr r="0" g="0" b="0"/>
+        </a:lnRef>
+        <a:fillRef idx="1">
+          <a:scrgbClr r="0" g="0" b="0"/>
+        </a:fillRef>
+        <a:effectRef idx="0">
+          <a:scrgbClr r="0" g="0" b="0"/>
+        </a:effectRef>
+        <a:fontRef idx="minor">
+          <a:schemeClr val="lt1"/>
+        </a:fontRef>
+      </dsp:style>
+      <dsp:txBody>
+        <a:bodyPr spcFirstLastPara="0" vert="horz" wrap="square" lIns="714683" tIns="111760" rIns="111760" bIns="111760" numCol="1" spcCol="1270" anchor="ctr" anchorCtr="0">
+          <a:noAutofit/>
+        </a:bodyPr>
+        <a:lstStyle/>
+        <a:p>
+          <a:pPr marL="0" lvl="0" indent="0" algn="l" defTabSz="1955800">
+            <a:lnSpc>
+              <a:spcPct val="90000"/>
+            </a:lnSpc>
+            <a:spcBef>
+              <a:spcPct val="0"/>
+            </a:spcBef>
+            <a:spcAft>
+              <a:spcPct val="35000"/>
+            </a:spcAft>
+            <a:buNone/>
+          </a:pPr>
+          <a:r>
+            <a:rPr lang="en-US" sz="4400" kern="1200"/>
+            <a:t>……</a:t>
+          </a:r>
+        </a:p>
+      </dsp:txBody>
+      <dsp:txXfrm>
+        <a:off x="674397" y="5850505"/>
+        <a:ext cx="16862833" cy="900388"/>
+      </dsp:txXfrm>
+    </dsp:sp>
+    <dsp:sp modelId="{C8E7AB76-AD9A-4130-895D-F21D15EBD304}">
+      <dsp:nvSpPr>
+        <dsp:cNvPr id="0" name=""/>
+        <dsp:cNvSpPr/>
+      </dsp:nvSpPr>
+      <dsp:spPr>
+        <a:xfrm>
+          <a:off x="111655" y="5737957"/>
+          <a:ext cx="1125485" cy="1125485"/>
+        </a:xfrm>
+        <a:prstGeom prst="ellipse">
+          <a:avLst/>
+        </a:prstGeom>
+        <a:solidFill>
+          <a:schemeClr val="lt1">
+            <a:hueOff val="0"/>
+            <a:satOff val="0"/>
+            <a:lumOff val="0"/>
+            <a:alphaOff val="0"/>
+          </a:schemeClr>
+        </a:solidFill>
+        <a:ln w="25400" cap="flat" cmpd="sng" algn="ctr">
+          <a:solidFill>
+            <a:schemeClr val="accent1">
+              <a:hueOff val="0"/>
+              <a:satOff val="0"/>
+              <a:lumOff val="0"/>
+              <a:alphaOff val="0"/>
+            </a:schemeClr>
+          </a:solidFill>
+          <a:prstDash val="solid"/>
+        </a:ln>
+        <a:effectLst/>
+      </dsp:spPr>
+      <dsp:style>
+        <a:lnRef idx="2">
+          <a:scrgbClr r="0" g="0" b="0"/>
+        </a:lnRef>
+        <a:fillRef idx="1">
+          <a:scrgbClr r="0" g="0" b="0"/>
+        </a:fillRef>
+        <a:effectRef idx="0">
+          <a:scrgbClr r="0" g="0" b="0"/>
+        </a:effectRef>
+        <a:fontRef idx="minor"/>
+      </dsp:style>
     </dsp:sp>
   </dsp:spTree>
 </dsp:drawing>
@@ -6212,6 +9493,1451 @@
 </dgm:layoutDef>
 </file>
 
+<file path=ppt/diagrams/layout4.xml><?xml version="1.0" encoding="utf-8"?>
+<dgm:layoutDef xmlns:dgm="http://schemas.openxmlformats.org/drawingml/2006/diagram" xmlns:a="http://schemas.openxmlformats.org/drawingml/2006/main" uniqueId="urn:microsoft.com/office/officeart/2005/8/layout/vList2">
+  <dgm:title val=""/>
+  <dgm:desc val=""/>
+  <dgm:catLst>
+    <dgm:cat type="list" pri="3000"/>
+    <dgm:cat type="convert" pri="1000"/>
+  </dgm:catLst>
+  <dgm:sampData>
+    <dgm:dataModel>
+      <dgm:ptLst>
+        <dgm:pt modelId="0" type="doc"/>
+        <dgm:pt modelId="1">
+          <dgm:prSet phldr="1"/>
+        </dgm:pt>
+        <dgm:pt modelId="11">
+          <dgm:prSet phldr="1"/>
+        </dgm:pt>
+        <dgm:pt modelId="2">
+          <dgm:prSet phldr="1"/>
+        </dgm:pt>
+        <dgm:pt modelId="21">
+          <dgm:prSet phldr="1"/>
+        </dgm:pt>
+      </dgm:ptLst>
+      <dgm:cxnLst>
+        <dgm:cxn modelId="4" srcId="0" destId="1" srcOrd="0" destOrd="0"/>
+        <dgm:cxn modelId="5" srcId="0" destId="2" srcOrd="1" destOrd="0"/>
+        <dgm:cxn modelId="12" srcId="1" destId="11" srcOrd="0" destOrd="0"/>
+        <dgm:cxn modelId="23" srcId="2" destId="21" srcOrd="0" destOrd="0"/>
+      </dgm:cxnLst>
+      <dgm:bg/>
+      <dgm:whole/>
+    </dgm:dataModel>
+  </dgm:sampData>
+  <dgm:styleData>
+    <dgm:dataModel>
+      <dgm:ptLst>
+        <dgm:pt modelId="0" type="doc"/>
+        <dgm:pt modelId="1"/>
+        <dgm:pt modelId="2"/>
+      </dgm:ptLst>
+      <dgm:cxnLst>
+        <dgm:cxn modelId="3" srcId="0" destId="1" srcOrd="0" destOrd="0"/>
+        <dgm:cxn modelId="4" srcId="0" destId="2" srcOrd="1" destOrd="0"/>
+      </dgm:cxnLst>
+      <dgm:bg/>
+      <dgm:whole/>
+    </dgm:dataModel>
+  </dgm:styleData>
+  <dgm:clrData>
+    <dgm:dataModel>
+      <dgm:ptLst>
+        <dgm:pt modelId="0" type="doc"/>
+        <dgm:pt modelId="1"/>
+        <dgm:pt modelId="2"/>
+        <dgm:pt modelId="3"/>
+        <dgm:pt modelId="4"/>
+      </dgm:ptLst>
+      <dgm:cxnLst>
+        <dgm:cxn modelId="5" srcId="0" destId="1" srcOrd="0" destOrd="0"/>
+        <dgm:cxn modelId="6" srcId="0" destId="2" srcOrd="1" destOrd="0"/>
+        <dgm:cxn modelId="7" srcId="0" destId="3" srcOrd="2" destOrd="0"/>
+        <dgm:cxn modelId="8" srcId="0" destId="4" srcOrd="3" destOrd="0"/>
+      </dgm:cxnLst>
+      <dgm:bg/>
+      <dgm:whole/>
+    </dgm:dataModel>
+  </dgm:clrData>
+  <dgm:layoutNode name="linear">
+    <dgm:varLst>
+      <dgm:animLvl val="lvl"/>
+      <dgm:resizeHandles val="exact"/>
+    </dgm:varLst>
+    <dgm:alg type="lin">
+      <dgm:param type="linDir" val="fromT"/>
+      <dgm:param type="vertAlign" val="mid"/>
+    </dgm:alg>
+    <dgm:shape xmlns:r="http://schemas.openxmlformats.org/officeDocument/2006/relationships" r:blip="">
+      <dgm:adjLst/>
+    </dgm:shape>
+    <dgm:presOf/>
+    <dgm:constrLst>
+      <dgm:constr type="w" for="ch" forName="parentText" refType="w"/>
+      <dgm:constr type="h" for="ch" forName="parentText" refType="primFontSz" refFor="ch" refForName="parentText" fact="0.52"/>
+      <dgm:constr type="w" for="ch" forName="childText" refType="w"/>
+      <dgm:constr type="h" for="ch" forName="childText" refType="primFontSz" refFor="ch" refForName="parentText" fact="0.46"/>
+      <dgm:constr type="h" for="ch" forName="parentText" op="equ"/>
+      <dgm:constr type="primFontSz" for="ch" forName="parentText" op="equ" val="65"/>
+      <dgm:constr type="primFontSz" for="ch" forName="childText" refType="primFontSz" refFor="ch" refForName="parentText" op="equ"/>
+      <dgm:constr type="h" for="ch" forName="spacer" refType="primFontSz" refFor="ch" refForName="parentText" fact="0.08"/>
+    </dgm:constrLst>
+    <dgm:ruleLst>
+      <dgm:rule type="primFontSz" for="ch" forName="parentText" val="5" fact="NaN" max="NaN"/>
+    </dgm:ruleLst>
+    <dgm:forEach name="Name0" axis="ch" ptType="node">
+      <dgm:layoutNode name="parentText" styleLbl="node1">
+        <dgm:varLst>
+          <dgm:chMax val="0"/>
+          <dgm:bulletEnabled val="1"/>
+        </dgm:varLst>
+        <dgm:alg type="tx">
+          <dgm:param type="parTxLTRAlign" val="l"/>
+          <dgm:param type="parTxRTLAlign" val="r"/>
+        </dgm:alg>
+        <dgm:shape xmlns:r="http://schemas.openxmlformats.org/officeDocument/2006/relationships" type="roundRect" r:blip="">
+          <dgm:adjLst/>
+        </dgm:shape>
+        <dgm:presOf axis="self"/>
+        <dgm:constrLst>
+          <dgm:constr type="tMarg" refType="primFontSz" fact="0.3"/>
+          <dgm:constr type="bMarg" refType="primFontSz" fact="0.3"/>
+          <dgm:constr type="lMarg" refType="primFontSz" fact="0.3"/>
+          <dgm:constr type="rMarg" refType="primFontSz" fact="0.3"/>
+        </dgm:constrLst>
+        <dgm:ruleLst>
+          <dgm:rule type="h" val="INF" fact="NaN" max="NaN"/>
+        </dgm:ruleLst>
+      </dgm:layoutNode>
+      <dgm:choose name="Name1">
+        <dgm:if name="Name2" axis="ch" ptType="node" func="cnt" op="gte" val="1">
+          <dgm:layoutNode name="childText" styleLbl="revTx">
+            <dgm:varLst>
+              <dgm:bulletEnabled val="1"/>
+            </dgm:varLst>
+            <dgm:alg type="tx">
+              <dgm:param type="stBulletLvl" val="1"/>
+              <dgm:param type="lnSpAfChP" val="20"/>
+            </dgm:alg>
+            <dgm:shape xmlns:r="http://schemas.openxmlformats.org/officeDocument/2006/relationships" type="rect" r:blip="">
+              <dgm:adjLst/>
+            </dgm:shape>
+            <dgm:presOf axis="des" ptType="node"/>
+            <dgm:constrLst>
+              <dgm:constr type="tMarg" refType="primFontSz" fact="0.1"/>
+              <dgm:constr type="bMarg" refType="primFontSz" fact="0.1"/>
+              <dgm:constr type="lMarg" refType="w" fact="0.09"/>
+            </dgm:constrLst>
+            <dgm:ruleLst>
+              <dgm:rule type="h" val="INF" fact="NaN" max="NaN"/>
+            </dgm:ruleLst>
+          </dgm:layoutNode>
+        </dgm:if>
+        <dgm:else name="Name3">
+          <dgm:choose name="Name4">
+            <dgm:if name="Name5" axis="par ch" ptType="doc node" func="cnt" op="gte" val="2">
+              <dgm:forEach name="Name6" axis="followSib" ptType="sibTrans" cnt="1">
+                <dgm:layoutNode name="spacer">
+                  <dgm:alg type="sp"/>
+                  <dgm:shape xmlns:r="http://schemas.openxmlformats.org/officeDocument/2006/relationships" r:blip="">
+                    <dgm:adjLst/>
+                  </dgm:shape>
+                  <dgm:presOf/>
+                  <dgm:constrLst/>
+                  <dgm:ruleLst/>
+                </dgm:layoutNode>
+              </dgm:forEach>
+            </dgm:if>
+            <dgm:else name="Name7"/>
+          </dgm:choose>
+        </dgm:else>
+      </dgm:choose>
+    </dgm:forEach>
+  </dgm:layoutNode>
+</dgm:layoutDef>
+</file>
+
+<file path=ppt/diagrams/layout5.xml><?xml version="1.0" encoding="utf-8"?>
+<dgm:layoutDef xmlns:dgm="http://schemas.openxmlformats.org/drawingml/2006/diagram" xmlns:a="http://schemas.openxmlformats.org/drawingml/2006/main" uniqueId="urn:microsoft.com/office/officeart/2008/layout/VerticalCurvedList">
+  <dgm:title val=""/>
+  <dgm:desc val=""/>
+  <dgm:catLst>
+    <dgm:cat type="list" pri="20000"/>
+  </dgm:catLst>
+  <dgm:sampData>
+    <dgm:dataModel>
+      <dgm:ptLst>
+        <dgm:pt modelId="0" type="doc"/>
+        <dgm:pt modelId="1">
+          <dgm:prSet phldr="1"/>
+        </dgm:pt>
+        <dgm:pt modelId="2">
+          <dgm:prSet phldr="1"/>
+        </dgm:pt>
+        <dgm:pt modelId="3">
+          <dgm:prSet phldr="1"/>
+        </dgm:pt>
+      </dgm:ptLst>
+      <dgm:cxnLst>
+        <dgm:cxn modelId="4" srcId="0" destId="1" srcOrd="0" destOrd="0"/>
+        <dgm:cxn modelId="5" srcId="0" destId="2" srcOrd="1" destOrd="0"/>
+        <dgm:cxn modelId="6" srcId="0" destId="3" srcOrd="2" destOrd="0"/>
+      </dgm:cxnLst>
+      <dgm:bg/>
+      <dgm:whole/>
+    </dgm:dataModel>
+  </dgm:sampData>
+  <dgm:styleData>
+    <dgm:dataModel>
+      <dgm:ptLst>
+        <dgm:pt modelId="0" type="doc"/>
+        <dgm:pt modelId="1">
+          <dgm:prSet phldr="1"/>
+        </dgm:pt>
+        <dgm:pt modelId="2">
+          <dgm:prSet phldr="1"/>
+        </dgm:pt>
+      </dgm:ptLst>
+      <dgm:cxnLst>
+        <dgm:cxn modelId="3" srcId="0" destId="1" srcOrd="0" destOrd="0"/>
+        <dgm:cxn modelId="4" srcId="0" destId="2" srcOrd="1" destOrd="0"/>
+      </dgm:cxnLst>
+      <dgm:bg/>
+      <dgm:whole/>
+    </dgm:dataModel>
+  </dgm:styleData>
+  <dgm:clrData>
+    <dgm:dataModel>
+      <dgm:ptLst>
+        <dgm:pt modelId="0" type="doc"/>
+        <dgm:pt modelId="1">
+          <dgm:prSet phldr="1"/>
+        </dgm:pt>
+        <dgm:pt modelId="2">
+          <dgm:prSet phldr="1"/>
+        </dgm:pt>
+        <dgm:pt modelId="3">
+          <dgm:prSet phldr="1"/>
+        </dgm:pt>
+        <dgm:pt modelId="4">
+          <dgm:prSet phldr="1"/>
+        </dgm:pt>
+      </dgm:ptLst>
+      <dgm:cxnLst>
+        <dgm:cxn modelId="5" srcId="0" destId="1" srcOrd="0" destOrd="0"/>
+        <dgm:cxn modelId="6" srcId="0" destId="2" srcOrd="1" destOrd="0"/>
+        <dgm:cxn modelId="7" srcId="0" destId="3" srcOrd="2" destOrd="0"/>
+        <dgm:cxn modelId="8" srcId="0" destId="4" srcOrd="3" destOrd="0"/>
+      </dgm:cxnLst>
+      <dgm:bg/>
+      <dgm:whole/>
+    </dgm:dataModel>
+  </dgm:clrData>
+  <dgm:layoutNode name="Name0">
+    <dgm:varLst>
+      <dgm:chMax val="7"/>
+      <dgm:chPref val="7"/>
+      <dgm:dir/>
+    </dgm:varLst>
+    <dgm:alg type="composite"/>
+    <dgm:shape xmlns:r="http://schemas.openxmlformats.org/officeDocument/2006/relationships" r:blip="">
+      <dgm:adjLst/>
+    </dgm:shape>
+    <dgm:constrLst>
+      <dgm:constr type="w" for="ch" refType="h" refFor="ch" op="gte" fact="0.8"/>
+    </dgm:constrLst>
+    <dgm:layoutNode name="Name1">
+      <dgm:alg type="composite"/>
+      <dgm:shape xmlns:r="http://schemas.openxmlformats.org/officeDocument/2006/relationships" r:blip="">
+        <dgm:adjLst/>
+      </dgm:shape>
+      <dgm:choose name="Name2">
+        <dgm:if name="Name3" func="var" arg="dir" op="equ" val="norm">
+          <dgm:choose name="Name4">
+            <dgm:if name="Name5" axis="ch" ptType="node" func="cnt" op="equ" val="1">
+              <dgm:constrLst>
+                <dgm:constr type="h" for="ch" forName="cycle" refType="h"/>
+                <dgm:constr type="w" for="ch" forName="cycle" refType="h" refFor="ch" refForName="cycle" fact="0.26"/>
+                <dgm:constr type="l" for="ch" forName="cycle"/>
+                <dgm:constr type="ctrY" for="ch" forName="cycle" refType="h" fact="0.5"/>
+                <dgm:constr type="diam" for="ch" forName="cycle" refType="h" fact="1.344"/>
+                <dgm:constr type="h" for="ch" forName="accent_1" refType="h" fact="0.625"/>
+                <dgm:constr type="w" for="ch" forName="accent_1" refType="h" refFor="ch" refForName="accent_1" op="equ"/>
+                <dgm:constr type="ctrY" for="ch" forName="accent_1" refType="h" fact="0.5"/>
+                <dgm:constr type="ctrX" for="ch" forName="accent_1" refType="h" fact="0.2253"/>
+                <dgm:constr type="l" for="ch" forName="text_1" refType="ctrX" refFor="ch" refForName="accent_1"/>
+                <dgm:constr type="r" for="ch" forName="text_1" refType="w"/>
+                <dgm:constr type="w" for="ch" forName="text_1" refType="h" refFor="ch" refForName="text_1" op="gte"/>
+                <dgm:constr type="h" for="ch" forName="text_1" refType="h" refFor="ch" refForName="accent_1" fact="0.8"/>
+                <dgm:constr type="ctrY" for="ch" forName="text_1" refType="ctrY" refFor="ch" refForName="accent_1"/>
+                <dgm:constr type="lMarg" for="ch" forName="text_1" refType="w" refFor="ch" refForName="accent_1" fact="1.8"/>
+                <dgm:constr type="primFontSz" for="ch" ptType="node" op="equ" val="65"/>
+              </dgm:constrLst>
+            </dgm:if>
+            <dgm:if name="Name6" axis="ch" ptType="node" func="cnt" op="equ" val="2">
+              <dgm:constrLst>
+                <dgm:constr type="h" for="ch" forName="cycle" refType="h"/>
+                <dgm:constr type="w" for="ch" forName="cycle" refType="h" refFor="ch" refForName="cycle" fact="0.26"/>
+                <dgm:constr type="l" for="ch" forName="cycle"/>
+                <dgm:constr type="ctrY" for="ch" forName="cycle" refType="h" fact="0.5"/>
+                <dgm:constr type="diam" for="ch" forName="cycle" refType="h" fact="1.344"/>
+                <dgm:constr type="h" for="ch" forName="accent_1" refType="h" fact="0.3571"/>
+                <dgm:constr type="w" for="ch" forName="accent_1" refType="h" refFor="ch" refForName="accent_1" op="equ"/>
+                <dgm:constr type="ctrY" for="ch" forName="accent_1" refType="h" fact="0.2857"/>
+                <dgm:constr type="ctrX" for="ch" forName="accent_1" refType="h" fact="0.1891"/>
+                <dgm:constr type="l" for="ch" forName="text_1" refType="ctrX" refFor="ch" refForName="accent_1"/>
+                <dgm:constr type="r" for="ch" forName="text_1" refType="w"/>
+                <dgm:constr type="w" for="ch" forName="text_1" refType="h" refFor="ch" refForName="text_1" op="gte"/>
+                <dgm:constr type="h" for="ch" forName="text_1" refType="h" refFor="ch" refForName="accent_1" fact="0.8"/>
+                <dgm:constr type="ctrY" for="ch" forName="text_1" refType="ctrY" refFor="ch" refForName="accent_1"/>
+                <dgm:constr type="lMarg" for="ch" forName="text_1" refType="w" refFor="ch" refForName="accent_1" fact="1.8"/>
+                <dgm:constr type="h" for="ch" forName="accent_2" refType="h" fact="0.3571"/>
+                <dgm:constr type="w" for="ch" forName="accent_2" refType="h" refFor="ch" refForName="accent_2" op="equ"/>
+                <dgm:constr type="ctrY" for="ch" forName="accent_2" refType="h" fact="0.7143"/>
+                <dgm:constr type="ctrX" for="ch" forName="accent_2" refType="h" fact="0.1891"/>
+                <dgm:constr type="l" for="ch" forName="text_2" refType="ctrX" refFor="ch" refForName="accent_2"/>
+                <dgm:constr type="r" for="ch" forName="text_2" refType="w"/>
+                <dgm:constr type="w" for="ch" forName="text_2" refType="h" refFor="ch" refForName="text_2" op="gte"/>
+                <dgm:constr type="h" for="ch" forName="text_2" refType="h" refFor="ch" refForName="accent_2" fact="0.8"/>
+                <dgm:constr type="ctrY" for="ch" forName="text_2" refType="ctrY" refFor="ch" refForName="accent_2"/>
+                <dgm:constr type="lMarg" for="ch" forName="text_2" refType="w" refFor="ch" refForName="accent_2" fact="1.8"/>
+                <dgm:constr type="primFontSz" for="ch" ptType="node" op="equ" val="65"/>
+              </dgm:constrLst>
+            </dgm:if>
+            <dgm:if name="Name7" axis="ch" ptType="node" func="cnt" op="equ" val="3">
+              <dgm:constrLst>
+                <dgm:constr type="h" for="ch" forName="cycle" refType="h"/>
+                <dgm:constr type="w" for="ch" forName="cycle" refType="h" refFor="ch" refForName="cycle" fact="0.26"/>
+                <dgm:constr type="l" for="ch" forName="cycle"/>
+                <dgm:constr type="ctrY" for="ch" forName="cycle" refType="h" fact="0.5"/>
+                <dgm:constr type="diam" for="ch" forName="cycle" refType="h" fact="1.344"/>
+                <dgm:constr type="h" for="ch" forName="accent_1" refType="h" fact="0.25"/>
+                <dgm:constr type="w" for="ch" forName="accent_1" refType="h" refFor="ch" refForName="accent_1" op="equ"/>
+                <dgm:constr type="ctrY" for="ch" forName="accent_1" refType="h" fact="0.2"/>
+                <dgm:constr type="ctrX" for="ch" forName="accent_1" refType="h" fact="0.1526"/>
+                <dgm:constr type="l" for="ch" forName="text_1" refType="ctrX" refFor="ch" refForName="accent_1"/>
+                <dgm:constr type="r" for="ch" forName="text_1" refType="w"/>
+                <dgm:constr type="w" for="ch" forName="text_1" refType="h" refFor="ch" refForName="text_1" op="gte"/>
+                <dgm:constr type="h" for="ch" forName="text_1" refType="h" refFor="ch" refForName="accent_1" fact="0.8"/>
+                <dgm:constr type="ctrY" for="ch" forName="text_1" refType="ctrY" refFor="ch" refForName="accent_1"/>
+                <dgm:constr type="lMarg" for="ch" forName="text_1" refType="w" refFor="ch" refForName="accent_1" fact="1.8"/>
+                <dgm:constr type="h" for="ch" forName="accent_2" refType="h" fact="0.25"/>
+                <dgm:constr type="w" for="ch" forName="accent_2" refType="h" refFor="ch" refForName="accent_2" op="equ"/>
+                <dgm:constr type="ctrY" for="ch" forName="accent_2" refType="h" fact="0.5"/>
+                <dgm:constr type="ctrX" for="ch" forName="accent_2" refType="h" fact="0.2253"/>
+                <dgm:constr type="l" for="ch" forName="text_2" refType="ctrX" refFor="ch" refForName="accent_2"/>
+                <dgm:constr type="r" for="ch" forName="text_2" refType="w"/>
+                <dgm:constr type="w" for="ch" forName="text_2" refType="h" refFor="ch" refForName="text_2" op="gte"/>
+                <dgm:constr type="h" for="ch" forName="text_2" refType="h" refFor="ch" refForName="accent_2" fact="0.8"/>
+                <dgm:constr type="ctrY" for="ch" forName="text_2" refType="ctrY" refFor="ch" refForName="accent_2"/>
+                <dgm:constr type="lMarg" for="ch" forName="text_2" refType="w" refFor="ch" refForName="accent_2" fact="1.8"/>
+                <dgm:constr type="h" for="ch" forName="accent_3" refType="h" fact="0.25"/>
+                <dgm:constr type="w" for="ch" forName="accent_3" refType="h" refFor="ch" refForName="accent_3" op="equ"/>
+                <dgm:constr type="ctrY" for="ch" forName="accent_3" refType="h" fact="0.8"/>
+                <dgm:constr type="ctrX" for="ch" forName="accent_3" refType="h" fact="0.1526"/>
+                <dgm:constr type="l" for="ch" forName="text_3" refType="ctrX" refFor="ch" refForName="accent_3"/>
+                <dgm:constr type="r" for="ch" forName="text_3" refType="w"/>
+                <dgm:constr type="w" for="ch" forName="text_3" refType="h" refFor="ch" refForName="text_3" op="gte"/>
+                <dgm:constr type="h" for="ch" forName="text_3" refType="h" refFor="ch" refForName="accent_3" fact="0.8"/>
+                <dgm:constr type="ctrY" for="ch" forName="text_3" refType="ctrY" refFor="ch" refForName="accent_3"/>
+                <dgm:constr type="lMarg" for="ch" forName="text_3" refType="w" refFor="ch" refForName="accent_3" fact="1.8"/>
+                <dgm:constr type="primFontSz" for="ch" ptType="node" op="equ" val="65"/>
+              </dgm:constrLst>
+            </dgm:if>
+            <dgm:if name="Name8" axis="ch" ptType="node" func="cnt" op="equ" val="4">
+              <dgm:constrLst>
+                <dgm:constr type="h" for="ch" forName="cycle" refType="h"/>
+                <dgm:constr type="w" for="ch" forName="cycle" refType="h" refFor="ch" refForName="cycle" fact="0.26"/>
+                <dgm:constr type="l" for="ch" forName="cycle"/>
+                <dgm:constr type="ctrY" for="ch" forName="cycle" refType="h" fact="0.5"/>
+                <dgm:constr type="diam" for="ch" forName="cycle" refType="h" fact="1.344"/>
+                <dgm:constr type="h" for="ch" forName="accent_1" refType="h" fact="0.1923"/>
+                <dgm:constr type="w" for="ch" forName="accent_1" refType="h" refFor="ch" refForName="accent_1" op="equ"/>
+                <dgm:constr type="ctrY" for="ch" forName="accent_1" refType="h" fact="0.1538"/>
+                <dgm:constr type="ctrX" for="ch" forName="accent_1" refType="h" fact="0.1268"/>
+                <dgm:constr type="l" for="ch" forName="text_1" refType="ctrX" refFor="ch" refForName="accent_1"/>
+                <dgm:constr type="r" for="ch" forName="text_1" refType="w"/>
+                <dgm:constr type="w" for="ch" forName="text_1" refType="h" refFor="ch" refForName="text_1" op="gte"/>
+                <dgm:constr type="h" for="ch" forName="text_1" refType="h" refFor="ch" refForName="accent_1" fact="0.8"/>
+                <dgm:constr type="ctrY" for="ch" forName="text_1" refType="ctrY" refFor="ch" refForName="accent_1"/>
+                <dgm:constr type="lMarg" for="ch" forName="text_1" refType="w" refFor="ch" refForName="accent_1" fact="1.8"/>
+                <dgm:constr type="h" for="ch" forName="accent_2" refType="h" fact="0.1923"/>
+                <dgm:constr type="w" for="ch" forName="accent_2" refType="h" refFor="ch" refForName="accent_2" op="equ"/>
+                <dgm:constr type="ctrY" for="ch" forName="accent_2" refType="h" fact="0.3846"/>
+                <dgm:constr type="ctrX" for="ch" forName="accent_2" refType="h" fact="0.215"/>
+                <dgm:constr type="l" for="ch" forName="text_2" refType="ctrX" refFor="ch" refForName="accent_2"/>
+                <dgm:constr type="r" for="ch" forName="text_2" refType="w"/>
+                <dgm:constr type="w" for="ch" forName="text_2" refType="h" refFor="ch" refForName="text_2" op="gte"/>
+                <dgm:constr type="h" for="ch" forName="text_2" refType="h" refFor="ch" refForName="accent_2" fact="0.8"/>
+                <dgm:constr type="ctrY" for="ch" forName="text_2" refType="ctrY" refFor="ch" refForName="accent_2"/>
+                <dgm:constr type="lMarg" for="ch" forName="text_2" refType="w" refFor="ch" refForName="accent_2" fact="1.8"/>
+                <dgm:constr type="h" for="ch" forName="accent_3" refType="h" fact="0.1923"/>
+                <dgm:constr type="w" for="ch" forName="accent_3" refType="h" refFor="ch" refForName="accent_3" op="equ"/>
+                <dgm:constr type="ctrY" for="ch" forName="accent_3" refType="h" fact="0.6154"/>
+                <dgm:constr type="ctrX" for="ch" forName="accent_3" refType="h" fact="0.215"/>
+                <dgm:constr type="l" for="ch" forName="text_3" refType="ctrX" refFor="ch" refForName="accent_3"/>
+                <dgm:constr type="r" for="ch" forName="text_3" refType="w"/>
+                <dgm:constr type="w" for="ch" forName="text_3" refType="h" refFor="ch" refForName="text_3" op="gte"/>
+                <dgm:constr type="h" for="ch" forName="text_3" refType="h" refFor="ch" refForName="accent_3" fact="0.8"/>
+                <dgm:constr type="ctrY" for="ch" forName="text_3" refType="ctrY" refFor="ch" refForName="accent_3"/>
+                <dgm:constr type="lMarg" for="ch" forName="text_3" refType="w" refFor="ch" refForName="accent_3" fact="1.8"/>
+                <dgm:constr type="h" for="ch" forName="accent_4" refType="h" fact="0.1923"/>
+                <dgm:constr type="w" for="ch" forName="accent_4" refType="h" refFor="ch" refForName="accent_4" op="equ"/>
+                <dgm:constr type="ctrY" for="ch" forName="accent_4" refType="h" fact="0.8462"/>
+                <dgm:constr type="ctrX" for="ch" forName="accent_4" refType="h" fact="0.1268"/>
+                <dgm:constr type="l" for="ch" forName="text_4" refType="ctrX" refFor="ch" refForName="accent_4"/>
+                <dgm:constr type="r" for="ch" forName="text_4" refType="w"/>
+                <dgm:constr type="w" for="ch" forName="text_4" refType="h" refFor="ch" refForName="text_4" op="gte"/>
+                <dgm:constr type="h" for="ch" forName="text_4" refType="h" refFor="ch" refForName="accent_4" fact="0.8"/>
+                <dgm:constr type="ctrY" for="ch" forName="text_4" refType="ctrY" refFor="ch" refForName="accent_4"/>
+                <dgm:constr type="lMarg" for="ch" forName="text_4" refType="w" refFor="ch" refForName="accent_4" fact="1.8"/>
+                <dgm:constr type="primFontSz" for="ch" ptType="node" op="equ" val="65"/>
+              </dgm:constrLst>
+            </dgm:if>
+            <dgm:if name="Name9" axis="ch" ptType="node" func="cnt" op="equ" val="5">
+              <dgm:constrLst>
+                <dgm:constr type="h" for="ch" forName="cycle" refType="h"/>
+                <dgm:constr type="w" for="ch" forName="cycle" refType="h" refFor="ch" refForName="cycle" fact="0.26"/>
+                <dgm:constr type="l" for="ch" forName="cycle"/>
+                <dgm:constr type="ctrY" for="ch" forName="cycle" refType="h" fact="0.5"/>
+                <dgm:constr type="diam" for="ch" forName="cycle" refType="h" fact="1.344"/>
+                <dgm:constr type="h" for="ch" forName="accent_1" refType="h" fact="0.1563"/>
+                <dgm:constr type="w" for="ch" forName="accent_1" refType="h" refFor="ch" refForName="accent_1" op="equ"/>
+                <dgm:constr type="ctrY" for="ch" forName="accent_1" refType="h" fact="0.125"/>
+                <dgm:constr type="ctrX" for="ch" forName="accent_1" refType="h" fact="0.1082"/>
+                <dgm:constr type="l" for="ch" forName="text_1" refType="ctrX" refFor="ch" refForName="accent_1"/>
+                <dgm:constr type="r" for="ch" forName="text_1" refType="w"/>
+                <dgm:constr type="w" for="ch" forName="text_1" refType="h" refFor="ch" refForName="text_1" op="gte"/>
+                <dgm:constr type="h" for="ch" forName="text_1" refType="h" refFor="ch" refForName="accent_1" fact="0.8"/>
+                <dgm:constr type="ctrY" for="ch" forName="text_1" refType="ctrY" refFor="ch" refForName="accent_1"/>
+                <dgm:constr type="lMarg" for="ch" forName="text_1" refType="w" refFor="ch" refForName="accent_1" fact="1.8"/>
+                <dgm:constr type="h" for="ch" forName="accent_2" refType="h" fact="0.1563"/>
+                <dgm:constr type="w" for="ch" forName="accent_2" refType="h" refFor="ch" refForName="accent_2" op="equ"/>
+                <dgm:constr type="ctrY" for="ch" forName="accent_2" refType="h" fact="0.3125"/>
+                <dgm:constr type="ctrX" for="ch" forName="accent_2" refType="h" fact="0.1978"/>
+                <dgm:constr type="l" for="ch" forName="text_2" refType="ctrX" refFor="ch" refForName="accent_2"/>
+                <dgm:constr type="r" for="ch" forName="text_2" refType="w"/>
+                <dgm:constr type="w" for="ch" forName="text_2" refType="h" refFor="ch" refForName="text_2" op="gte"/>
+                <dgm:constr type="h" for="ch" forName="text_2" refType="h" refFor="ch" refForName="accent_2" fact="0.8"/>
+                <dgm:constr type="ctrY" for="ch" forName="text_2" refType="ctrY" refFor="ch" refForName="accent_2"/>
+                <dgm:constr type="lMarg" for="ch" forName="text_2" refType="w" refFor="ch" refForName="accent_2" fact="1.8"/>
+                <dgm:constr type="h" for="ch" forName="accent_3" refType="h" fact="0.1563"/>
+                <dgm:constr type="w" for="ch" forName="accent_3" refType="h" refFor="ch" refForName="accent_3" op="equ"/>
+                <dgm:constr type="ctrY" for="ch" forName="accent_3" refType="h" fact="0.5"/>
+                <dgm:constr type="ctrX" for="ch" forName="accent_3" refType="h" fact="0.2253"/>
+                <dgm:constr type="l" for="ch" forName="text_3" refType="ctrX" refFor="ch" refForName="accent_3"/>
+                <dgm:constr type="r" for="ch" forName="text_3" refType="w"/>
+                <dgm:constr type="w" for="ch" forName="text_3" refType="h" refFor="ch" refForName="text_3" op="gte"/>
+                <dgm:constr type="h" for="ch" forName="text_3" refType="h" refFor="ch" refForName="accent_3" fact="0.8"/>
+                <dgm:constr type="ctrY" for="ch" forName="text_3" refType="ctrY" refFor="ch" refForName="accent_3"/>
+                <dgm:constr type="lMarg" for="ch" forName="text_3" refType="w" refFor="ch" refForName="accent_3" fact="1.8"/>
+                <dgm:constr type="h" for="ch" forName="accent_4" refType="h" fact="0.1563"/>
+                <dgm:constr type="w" for="ch" forName="accent_4" refType="h" refFor="ch" refForName="accent_4" op="equ"/>
+                <dgm:constr type="ctrY" for="ch" forName="accent_4" refType="h" fact="0.6875"/>
+                <dgm:constr type="ctrX" for="ch" forName="accent_4" refType="h" fact="0.1978"/>
+                <dgm:constr type="l" for="ch" forName="text_4" refType="ctrX" refFor="ch" refForName="accent_4"/>
+                <dgm:constr type="r" for="ch" forName="text_4" refType="w"/>
+                <dgm:constr type="w" for="ch" forName="text_4" refType="h" refFor="ch" refForName="text_4" op="gte"/>
+                <dgm:constr type="h" for="ch" forName="text_4" refType="h" refFor="ch" refForName="accent_4" fact="0.8"/>
+                <dgm:constr type="ctrY" for="ch" forName="text_4" refType="ctrY" refFor="ch" refForName="accent_4"/>
+                <dgm:constr type="lMarg" for="ch" forName="text_4" refType="w" refFor="ch" refForName="accent_4" fact="1.8"/>
+                <dgm:constr type="h" for="ch" forName="accent_5" refType="h" fact="0.1563"/>
+                <dgm:constr type="w" for="ch" forName="accent_5" refType="h" refFor="ch" refForName="accent_5" op="equ"/>
+                <dgm:constr type="ctrY" for="ch" forName="accent_5" refType="h" fact="0.875"/>
+                <dgm:constr type="ctrX" for="ch" forName="accent_5" refType="h" fact="0.1082"/>
+                <dgm:constr type="l" for="ch" forName="text_5" refType="ctrX" refFor="ch" refForName="accent_5"/>
+                <dgm:constr type="r" for="ch" forName="text_5" refType="w"/>
+                <dgm:constr type="w" for="ch" forName="text_5" refType="h" refFor="ch" refForName="text_5" op="gte"/>
+                <dgm:constr type="h" for="ch" forName="text_5" refType="h" refFor="ch" refForName="accent_5" fact="0.8"/>
+                <dgm:constr type="ctrY" for="ch" forName="text_5" refType="ctrY" refFor="ch" refForName="accent_5"/>
+                <dgm:constr type="lMarg" for="ch" forName="text_5" refType="w" refFor="ch" refForName="accent_5" fact="1.8"/>
+                <dgm:constr type="primFontSz" for="ch" ptType="node" op="equ" val="65"/>
+              </dgm:constrLst>
+            </dgm:if>
+            <dgm:if name="Name10" axis="ch" ptType="node" func="cnt" op="equ" val="6">
+              <dgm:constrLst>
+                <dgm:constr type="h" for="ch" forName="cycle" refType="h"/>
+                <dgm:constr type="w" for="ch" forName="cycle" refType="h" refFor="ch" refForName="cycle" fact="0.26"/>
+                <dgm:constr type="l" for="ch" forName="cycle"/>
+                <dgm:constr type="ctrY" for="ch" forName="cycle" refType="h" fact="0.5"/>
+                <dgm:constr type="diam" for="ch" forName="cycle" refType="h" fact="1.344"/>
+                <dgm:constr type="h" for="ch" forName="accent_1" refType="h" fact="0.1316"/>
+                <dgm:constr type="w" for="ch" forName="accent_1" refType="h" refFor="ch" refForName="accent_1" op="equ"/>
+                <dgm:constr type="ctrY" for="ch" forName="accent_1" refType="h" fact="0.1053"/>
+                <dgm:constr type="ctrX" for="ch" forName="accent_1" refType="h" fact="0.0943"/>
+                <dgm:constr type="l" for="ch" forName="text_1" refType="ctrX" refFor="ch" refForName="accent_1"/>
+                <dgm:constr type="r" for="ch" forName="text_1" refType="w"/>
+                <dgm:constr type="w" for="ch" forName="text_1" refType="h" refFor="ch" refForName="text_1" op="gte"/>
+                <dgm:constr type="h" for="ch" forName="text_1" refType="h" refFor="ch" refForName="accent_1" fact="0.8"/>
+                <dgm:constr type="ctrY" for="ch" forName="text_1" refType="ctrY" refFor="ch" refForName="accent_1"/>
+                <dgm:constr type="lMarg" for="ch" forName="text_1" refType="w" refFor="ch" refForName="accent_1" fact="1.8"/>
+                <dgm:constr type="h" for="ch" forName="accent_2" refType="h" fact="0.1316"/>
+                <dgm:constr type="w" for="ch" forName="accent_2" refType="h" refFor="ch" refForName="accent_2" op="equ"/>
+                <dgm:constr type="ctrY" for="ch" forName="accent_2" refType="h" fact="0.2632"/>
+                <dgm:constr type="ctrX" for="ch" forName="accent_2" refType="h" fact="0.1809"/>
+                <dgm:constr type="l" for="ch" forName="text_2" refType="ctrX" refFor="ch" refForName="accent_2"/>
+                <dgm:constr type="r" for="ch" forName="text_2" refType="w"/>
+                <dgm:constr type="w" for="ch" forName="text_2" refType="h" refFor="ch" refForName="text_2" op="gte"/>
+                <dgm:constr type="h" for="ch" forName="text_2" refType="h" refFor="ch" refForName="accent_2" fact="0.8"/>
+                <dgm:constr type="ctrY" for="ch" forName="text_2" refType="ctrY" refFor="ch" refForName="accent_2"/>
+                <dgm:constr type="lMarg" for="ch" forName="text_2" refType="w" refFor="ch" refForName="accent_2" fact="1.8"/>
+                <dgm:constr type="h" for="ch" forName="accent_3" refType="h" fact="0.1316"/>
+                <dgm:constr type="w" for="ch" forName="accent_3" refType="h" refFor="ch" refForName="accent_3" op="equ"/>
+                <dgm:constr type="ctrY" for="ch" forName="accent_3" refType="h" fact="0.4211"/>
+                <dgm:constr type="ctrX" for="ch" forName="accent_3" refType="h" fact="0.2205"/>
+                <dgm:constr type="l" for="ch" forName="text_3" refType="ctrX" refFor="ch" refForName="accent_3"/>
+                <dgm:constr type="r" for="ch" forName="text_3" refType="w"/>
+                <dgm:constr type="w" for="ch" forName="text_3" refType="h" refFor="ch" refForName="text_3" op="gte"/>
+                <dgm:constr type="h" for="ch" forName="text_3" refType="h" refFor="ch" refForName="accent_3" fact="0.8"/>
+                <dgm:constr type="ctrY" for="ch" forName="text_3" refType="ctrY" refFor="ch" refForName="accent_3"/>
+                <dgm:constr type="lMarg" for="ch" forName="text_3" refType="w" refFor="ch" refForName="accent_3" fact="1.8"/>
+                <dgm:constr type="h" for="ch" forName="accent_4" refType="h" fact="0.1316"/>
+                <dgm:constr type="w" for="ch" forName="accent_4" refType="h" refFor="ch" refForName="accent_4" op="equ"/>
+                <dgm:constr type="ctrY" for="ch" forName="accent_4" refType="h" fact="0.5789"/>
+                <dgm:constr type="ctrX" for="ch" forName="accent_4" refType="h" fact="0.2205"/>
+                <dgm:constr type="l" for="ch" forName="text_4" refType="ctrX" refFor="ch" refForName="accent_4"/>
+                <dgm:constr type="r" for="ch" forName="text_4" refType="w"/>
+                <dgm:constr type="w" for="ch" forName="text_4" refType="h" refFor="ch" refForName="text_4" op="gte"/>
+                <dgm:constr type="h" for="ch" forName="text_4" refType="h" refFor="ch" refForName="accent_4" fact="0.8"/>
+                <dgm:constr type="ctrY" for="ch" forName="text_4" refType="ctrY" refFor="ch" refForName="accent_4"/>
+                <dgm:constr type="lMarg" for="ch" forName="text_4" refType="w" refFor="ch" refForName="accent_4" fact="1.8"/>
+                <dgm:constr type="h" for="ch" forName="accent_5" refType="h" fact="0.1316"/>
+                <dgm:constr type="w" for="ch" forName="accent_5" refType="h" refFor="ch" refForName="accent_5" op="equ"/>
+                <dgm:constr type="ctrY" for="ch" forName="accent_5" refType="h" fact="0.7368"/>
+                <dgm:constr type="ctrX" for="ch" forName="accent_5" refType="h" fact="0.1809"/>
+                <dgm:constr type="l" for="ch" forName="text_5" refType="ctrX" refFor="ch" refForName="accent_5"/>
+                <dgm:constr type="r" for="ch" forName="text_5" refType="w"/>
+                <dgm:constr type="w" for="ch" forName="text_5" refType="h" refFor="ch" refForName="text_5" op="gte"/>
+                <dgm:constr type="h" for="ch" forName="text_5" refType="h" refFor="ch" refForName="accent_5" fact="0.8"/>
+                <dgm:constr type="ctrY" for="ch" forName="text_5" refType="ctrY" refFor="ch" refForName="accent_5"/>
+                <dgm:constr type="lMarg" for="ch" forName="text_5" refType="w" refFor="ch" refForName="accent_5" fact="1.8"/>
+                <dgm:constr type="h" for="ch" forName="accent_6" refType="h" fact="0.1316"/>
+                <dgm:constr type="w" for="ch" forName="accent_6" refType="h" refFor="ch" refForName="accent_6" op="equ"/>
+                <dgm:constr type="ctrY" for="ch" forName="accent_6" refType="h" fact="0.8947"/>
+                <dgm:constr type="ctrX" for="ch" forName="accent_6" refType="h" fact="0.0943"/>
+                <dgm:constr type="l" for="ch" forName="text_6" refType="ctrX" refFor="ch" refForName="accent_6"/>
+                <dgm:constr type="r" for="ch" forName="text_6" refType="w"/>
+                <dgm:constr type="w" for="ch" forName="text_6" refType="h" refFor="ch" refForName="text_6" op="gte"/>
+                <dgm:constr type="h" for="ch" forName="text_6" refType="h" refFor="ch" refForName="accent_6" fact="0.8"/>
+                <dgm:constr type="ctrY" for="ch" forName="text_6" refType="ctrY" refFor="ch" refForName="accent_6"/>
+                <dgm:constr type="lMarg" for="ch" forName="text_6" refType="w" refFor="ch" refForName="accent_6" fact="1.8"/>
+                <dgm:constr type="primFontSz" for="ch" ptType="node" op="equ" val="65"/>
+              </dgm:constrLst>
+            </dgm:if>
+            <dgm:else name="Name11">
+              <dgm:constrLst>
+                <dgm:constr type="h" for="ch" forName="cycle" refType="h"/>
+                <dgm:constr type="w" for="ch" forName="cycle" refType="h" refFor="ch" refForName="cycle" fact="0.26"/>
+                <dgm:constr type="l" for="ch" forName="cycle"/>
+                <dgm:constr type="ctrY" for="ch" forName="cycle" refType="h" fact="0.5"/>
+                <dgm:constr type="diam" for="ch" forName="cycle" refType="h" fact="1.344"/>
+                <dgm:constr type="h" for="ch" forName="accent_1" refType="h" fact="0.1136"/>
+                <dgm:constr type="w" for="ch" forName="accent_1" refType="h" refFor="ch" refForName="accent_1" op="equ"/>
+                <dgm:constr type="ctrY" for="ch" forName="accent_1" refType="h" fact="0.0909"/>
+                <dgm:constr type="ctrX" for="ch" forName="accent_1" refType="h" fact="0.0835"/>
+                <dgm:constr type="l" for="ch" forName="text_1" refType="ctrX" refFor="ch" refForName="accent_1"/>
+                <dgm:constr type="r" for="ch" forName="text_1" refType="w"/>
+                <dgm:constr type="w" for="ch" forName="text_1" refType="h" refFor="ch" refForName="text_1" op="gte"/>
+                <dgm:constr type="h" for="ch" forName="text_1" refType="h" refFor="ch" refForName="accent_1" fact="0.8"/>
+                <dgm:constr type="ctrY" for="ch" forName="text_1" refType="ctrY" refFor="ch" refForName="accent_1"/>
+                <dgm:constr type="lMarg" for="ch" forName="text_1" refType="w" refFor="ch" refForName="accent_1" fact="1.8"/>
+                <dgm:constr type="h" for="ch" forName="accent_2" refType="h" fact="0.1136"/>
+                <dgm:constr type="w" for="ch" forName="accent_2" refType="h" refFor="ch" refForName="accent_2" op="equ"/>
+                <dgm:constr type="ctrY" for="ch" forName="accent_2" refType="h" fact="0.2273"/>
+                <dgm:constr type="ctrX" for="ch" forName="accent_2" refType="h" fact="0.1658"/>
+                <dgm:constr type="l" for="ch" forName="text_2" refType="ctrX" refFor="ch" refForName="accent_2"/>
+                <dgm:constr type="r" for="ch" forName="text_2" refType="w"/>
+                <dgm:constr type="w" for="ch" forName="text_2" refType="h" refFor="ch" refForName="text_2" op="gte"/>
+                <dgm:constr type="h" for="ch" forName="text_2" refType="h" refFor="ch" refForName="accent_2" fact="0.8"/>
+                <dgm:constr type="ctrY" for="ch" forName="text_2" refType="ctrY" refFor="ch" refForName="accent_2"/>
+                <dgm:constr type="lMarg" for="ch" forName="text_2" refType="w" refFor="ch" refForName="accent_2" fact="1.8"/>
+                <dgm:constr type="h" for="ch" forName="accent_3" refType="h" fact="0.1136"/>
+                <dgm:constr type="w" for="ch" forName="accent_3" refType="h" refFor="ch" refForName="accent_3" op="equ"/>
+                <dgm:constr type="ctrY" for="ch" forName="accent_3" refType="h" fact="0.3636"/>
+                <dgm:constr type="ctrX" for="ch" forName="accent_3" refType="h" fact="0.2109"/>
+                <dgm:constr type="l" for="ch" forName="text_3" refType="ctrX" refFor="ch" refForName="accent_3"/>
+                <dgm:constr type="r" for="ch" forName="text_3" refType="w"/>
+                <dgm:constr type="w" for="ch" forName="text_3" refType="h" refFor="ch" refForName="text_3" op="gte"/>
+                <dgm:constr type="h" for="ch" forName="text_3" refType="h" refFor="ch" refForName="accent_3" fact="0.8"/>
+                <dgm:constr type="ctrY" for="ch" forName="text_3" refType="ctrY" refFor="ch" refForName="accent_3"/>
+                <dgm:constr type="lMarg" for="ch" forName="text_3" refType="w" refFor="ch" refForName="accent_3" fact="1.8"/>
+                <dgm:constr type="h" for="ch" forName="accent_4" refType="h" fact="0.1136"/>
+                <dgm:constr type="w" for="ch" forName="accent_4" refType="h" refFor="ch" refForName="accent_4" op="equ"/>
+                <dgm:constr type="ctrY" for="ch" forName="accent_4" refType="h" fact="0.5"/>
+                <dgm:constr type="ctrX" for="ch" forName="accent_4" refType="h" fact="0.2253"/>
+                <dgm:constr type="l" for="ch" forName="text_4" refType="ctrX" refFor="ch" refForName="accent_4"/>
+                <dgm:constr type="r" for="ch" forName="text_4" refType="w"/>
+                <dgm:constr type="w" for="ch" forName="text_4" refType="h" refFor="ch" refForName="text_4" op="gte"/>
+                <dgm:constr type="h" for="ch" forName="text_4" refType="h" refFor="ch" refForName="accent_4" fact="0.8"/>
+                <dgm:constr type="ctrY" for="ch" forName="text_4" refType="ctrY" refFor="ch" refForName="accent_4"/>
+                <dgm:constr type="lMarg" for="ch" forName="text_4" refType="w" refFor="ch" refForName="accent_4" fact="1.8"/>
+                <dgm:constr type="h" for="ch" forName="accent_5" refType="h" fact="0.1136"/>
+                <dgm:constr type="w" for="ch" forName="accent_5" refType="h" refFor="ch" refForName="accent_5" op="equ"/>
+                <dgm:constr type="ctrY" for="ch" forName="accent_5" refType="h" fact="0.6364"/>
+                <dgm:constr type="ctrX" for="ch" forName="accent_5" refType="h" fact="0.2109"/>
+                <dgm:constr type="l" for="ch" forName="text_5" refType="ctrX" refFor="ch" refForName="accent_5"/>
+                <dgm:constr type="r" for="ch" forName="text_5" refType="w"/>
+                <dgm:constr type="w" for="ch" forName="text_5" refType="h" refFor="ch" refForName="text_5" op="gte"/>
+                <dgm:constr type="h" for="ch" forName="text_5" refType="h" refFor="ch" refForName="accent_5" fact="0.8"/>
+                <dgm:constr type="ctrY" for="ch" forName="text_5" refType="ctrY" refFor="ch" refForName="accent_5"/>
+                <dgm:constr type="lMarg" for="ch" forName="text_5" refType="w" refFor="ch" refForName="accent_5" fact="1.8"/>
+                <dgm:constr type="h" for="ch" forName="accent_6" refType="h" fact="0.1136"/>
+                <dgm:constr type="w" for="ch" forName="accent_6" refType="h" refFor="ch" refForName="accent_6" op="equ"/>
+                <dgm:constr type="ctrY" for="ch" forName="accent_6" refType="h" fact="0.7727"/>
+                <dgm:constr type="ctrX" for="ch" forName="accent_6" refType="h" fact="0.1658"/>
+                <dgm:constr type="l" for="ch" forName="text_6" refType="ctrX" refFor="ch" refForName="accent_6"/>
+                <dgm:constr type="r" for="ch" forName="text_6" refType="w"/>
+                <dgm:constr type="w" for="ch" forName="text_6" refType="h" refFor="ch" refForName="text_6" op="gte"/>
+                <dgm:constr type="h" for="ch" forName="text_6" refType="h" refFor="ch" refForName="accent_6" fact="0.8"/>
+                <dgm:constr type="ctrY" for="ch" forName="text_6" refType="ctrY" refFor="ch" refForName="accent_6"/>
+                <dgm:constr type="lMarg" for="ch" forName="text_6" refType="w" refFor="ch" refForName="accent_6" fact="1.8"/>
+                <dgm:constr type="h" for="ch" forName="accent_7" refType="h" fact="0.1136"/>
+                <dgm:constr type="w" for="ch" forName="accent_7" refType="h" refFor="ch" refForName="accent_7" op="equ"/>
+                <dgm:constr type="ctrY" for="ch" forName="accent_7" refType="h" fact="0.9091"/>
+                <dgm:constr type="ctrX" for="ch" forName="accent_7" refType="h" fact="0.0835"/>
+                <dgm:constr type="l" for="ch" forName="text_7" refType="ctrX" refFor="ch" refForName="accent_7"/>
+                <dgm:constr type="r" for="ch" forName="text_7" refType="w"/>
+                <dgm:constr type="w" for="ch" forName="text_7" refType="h" refFor="ch" refForName="text_7" op="gte"/>
+                <dgm:constr type="h" for="ch" forName="text_7" refType="h" refFor="ch" refForName="accent_7" fact="0.8"/>
+                <dgm:constr type="ctrY" for="ch" forName="text_7" refType="ctrY" refFor="ch" refForName="accent_7"/>
+                <dgm:constr type="lMarg" for="ch" forName="text_7" refType="w" refFor="ch" refForName="accent_7" fact="1.8"/>
+                <dgm:constr type="primFontSz" for="ch" ptType="node" op="equ" val="65"/>
+              </dgm:constrLst>
+            </dgm:else>
+          </dgm:choose>
+        </dgm:if>
+        <dgm:else name="Name12">
+          <dgm:choose name="Name13">
+            <dgm:if name="Name14" axis="ch" ptType="node" func="cnt" op="equ" val="1">
+              <dgm:constrLst>
+                <dgm:constr type="h" for="ch" forName="cycle" refType="h"/>
+                <dgm:constr type="w" for="ch" forName="cycle" refType="h" refFor="ch" refForName="cycle" fact="0.26"/>
+                <dgm:constr type="r" for="ch" forName="cycle" refType="w"/>
+                <dgm:constr type="ctrY" for="ch" forName="cycle" refType="h" fact="0.5"/>
+                <dgm:constr type="diam" for="ch" forName="cycle" refType="h" fact="1.344"/>
+                <dgm:constr type="h" for="ch" forName="accent_1" refType="h" fact="0.625"/>
+                <dgm:constr type="w" for="ch" forName="accent_1" refType="h" refFor="ch" refForName="accent_1" op="equ"/>
+                <dgm:constr type="ctrY" for="ch" forName="accent_1" refType="h" fact="0.5"/>
+                <dgm:constr type="ctrX" for="ch" forName="accent_1" refType="w"/>
+                <dgm:constr type="ctrXOff" for="ch" forName="accent_1" refType="h" fact="-0.2253"/>
+                <dgm:constr type="r" for="ch" forName="text_1" refType="ctrX" refFor="ch" refForName="accent_1"/>
+                <dgm:constr type="rOff" for="ch" forName="text_1" refType="ctrXOff" refFor="ch" refForName="accent_1"/>
+                <dgm:constr type="l" for="ch" forName="text_1"/>
+                <dgm:constr type="w" for="ch" forName="text_1" refType="h" refFor="ch" refForName="text_1" op="gte"/>
+                <dgm:constr type="h" for="ch" forName="text_1" refType="h" refFor="ch" refForName="accent_1" fact="0.8"/>
+                <dgm:constr type="ctrY" for="ch" forName="text_1" refType="ctrY" refFor="ch" refForName="accent_1"/>
+                <dgm:constr type="rMarg" for="ch" forName="text_1" refType="w" refFor="ch" refForName="accent_1" fact="1.8"/>
+                <dgm:constr type="primFontSz" for="ch" ptType="node" op="equ" val="65"/>
+              </dgm:constrLst>
+            </dgm:if>
+            <dgm:if name="Name15" axis="ch" ptType="node" func="cnt" op="equ" val="2">
+              <dgm:constrLst>
+                <dgm:constr type="h" for="ch" forName="cycle" refType="h"/>
+                <dgm:constr type="w" for="ch" forName="cycle" refType="h" refFor="ch" refForName="cycle" fact="0.26"/>
+                <dgm:constr type="r" for="ch" forName="cycle" refType="w"/>
+                <dgm:constr type="ctrY" for="ch" forName="cycle" refType="h" fact="0.5"/>
+                <dgm:constr type="diam" for="ch" forName="cycle" refType="h" fact="1.344"/>
+                <dgm:constr type="h" for="ch" forName="accent_1" refType="h" fact="0.3571"/>
+                <dgm:constr type="w" for="ch" forName="accent_1" refType="h" refFor="ch" refForName="accent_1" op="equ"/>
+                <dgm:constr type="ctrY" for="ch" forName="accent_1" refType="h" fact="0.2857"/>
+                <dgm:constr type="ctrX" for="ch" forName="accent_1" refType="w"/>
+                <dgm:constr type="ctrXOff" for="ch" forName="accent_1" refType="h" fact="-0.1891"/>
+                <dgm:constr type="r" for="ch" forName="text_1" refType="ctrX" refFor="ch" refForName="accent_1"/>
+                <dgm:constr type="rOff" for="ch" forName="text_1" refType="ctrXOff" refFor="ch" refForName="accent_1"/>
+                <dgm:constr type="l" for="ch" forName="text_1"/>
+                <dgm:constr type="w" for="ch" forName="text_1" refType="h" refFor="ch" refForName="text_1" op="gte"/>
+                <dgm:constr type="h" for="ch" forName="text_1" refType="h" refFor="ch" refForName="accent_1" fact="0.8"/>
+                <dgm:constr type="ctrY" for="ch" forName="text_1" refType="ctrY" refFor="ch" refForName="accent_1"/>
+                <dgm:constr type="rMarg" for="ch" forName="text_1" refType="w" refFor="ch" refForName="accent_1" fact="1.8"/>
+                <dgm:constr type="h" for="ch" forName="accent_2" refType="h" fact="0.3571"/>
+                <dgm:constr type="w" for="ch" forName="accent_2" refType="h" refFor="ch" refForName="accent_2" op="equ"/>
+                <dgm:constr type="ctrY" for="ch" forName="accent_2" refType="h" fact="0.7143"/>
+                <dgm:constr type="ctrX" for="ch" forName="accent_2" refType="w"/>
+                <dgm:constr type="ctrXOff" for="ch" forName="accent_2" refType="h" fact="-0.1891"/>
+                <dgm:constr type="r" for="ch" forName="text_2" refType="ctrX" refFor="ch" refForName="accent_2"/>
+                <dgm:constr type="rOff" for="ch" forName="text_2" refType="ctrXOff" refFor="ch" refForName="accent_2"/>
+                <dgm:constr type="l" for="ch" forName="text_2"/>
+                <dgm:constr type="w" for="ch" forName="text_2" refType="h" refFor="ch" refForName="text_2" op="gte"/>
+                <dgm:constr type="h" for="ch" forName="text_2" refType="h" refFor="ch" refForName="accent_2" fact="0.8"/>
+                <dgm:constr type="ctrY" for="ch" forName="text_2" refType="ctrY" refFor="ch" refForName="accent_2"/>
+                <dgm:constr type="rMarg" for="ch" forName="text_2" refType="w" refFor="ch" refForName="accent_2" fact="1.8"/>
+                <dgm:constr type="primFontSz" for="ch" ptType="node" op="equ" val="65"/>
+              </dgm:constrLst>
+            </dgm:if>
+            <dgm:if name="Name16" axis="ch" ptType="node" func="cnt" op="equ" val="3">
+              <dgm:constrLst>
+                <dgm:constr type="h" for="ch" forName="cycle" refType="h"/>
+                <dgm:constr type="w" for="ch" forName="cycle" refType="h" refFor="ch" refForName="cycle" fact="0.26"/>
+                <dgm:constr type="r" for="ch" forName="cycle" refType="w"/>
+                <dgm:constr type="ctrY" for="ch" forName="cycle" refType="h" fact="0.5"/>
+                <dgm:constr type="diam" for="ch" forName="cycle" refType="h" fact="1.344"/>
+                <dgm:constr type="h" for="ch" forName="accent_1" refType="h" fact="0.25"/>
+                <dgm:constr type="w" for="ch" forName="accent_1" refType="h" refFor="ch" refForName="accent_1" op="equ"/>
+                <dgm:constr type="ctrY" for="ch" forName="accent_1" refType="h" fact="0.2"/>
+                <dgm:constr type="ctrX" for="ch" forName="accent_1" refType="w"/>
+                <dgm:constr type="ctrXOff" for="ch" forName="accent_1" refType="h" fact="-0.1526"/>
+                <dgm:constr type="r" for="ch" forName="text_1" refType="ctrX" refFor="ch" refForName="accent_1"/>
+                <dgm:constr type="rOff" for="ch" forName="text_1" refType="ctrXOff" refFor="ch" refForName="accent_1"/>
+                <dgm:constr type="l" for="ch" forName="text_1"/>
+                <dgm:constr type="w" for="ch" forName="text_1" refType="h" refFor="ch" refForName="text_1" op="gte"/>
+                <dgm:constr type="h" for="ch" forName="text_1" refType="h" refFor="ch" refForName="accent_1" fact="0.8"/>
+                <dgm:constr type="ctrY" for="ch" forName="text_1" refType="ctrY" refFor="ch" refForName="accent_1"/>
+                <dgm:constr type="rMarg" for="ch" forName="text_1" refType="w" refFor="ch" refForName="accent_1" fact="1.8"/>
+                <dgm:constr type="h" for="ch" forName="accent_2" refType="h" fact="0.25"/>
+                <dgm:constr type="w" for="ch" forName="accent_2" refType="h" refFor="ch" refForName="accent_2" op="equ"/>
+                <dgm:constr type="ctrY" for="ch" forName="accent_2" refType="h" fact="0.5"/>
+                <dgm:constr type="ctrX" for="ch" forName="accent_2" refType="w"/>
+                <dgm:constr type="ctrXOff" for="ch" forName="accent_2" refType="h" fact="-0.2253"/>
+                <dgm:constr type="r" for="ch" forName="text_2" refType="ctrX" refFor="ch" refForName="accent_2"/>
+                <dgm:constr type="rOff" for="ch" forName="text_2" refType="ctrXOff" refFor="ch" refForName="accent_2"/>
+                <dgm:constr type="l" for="ch" forName="text_2"/>
+                <dgm:constr type="w" for="ch" forName="text_2" refType="h" refFor="ch" refForName="text_2" op="gte"/>
+                <dgm:constr type="h" for="ch" forName="text_2" refType="h" refFor="ch" refForName="accent_2" fact="0.8"/>
+                <dgm:constr type="ctrY" for="ch" forName="text_2" refType="ctrY" refFor="ch" refForName="accent_2"/>
+                <dgm:constr type="rMarg" for="ch" forName="text_2" refType="w" refFor="ch" refForName="accent_2" fact="1.8"/>
+                <dgm:constr type="h" for="ch" forName="accent_3" refType="h" fact="0.25"/>
+                <dgm:constr type="w" for="ch" forName="accent_3" refType="h" refFor="ch" refForName="accent_3" op="equ"/>
+                <dgm:constr type="ctrY" for="ch" forName="accent_3" refType="h" fact="0.8"/>
+                <dgm:constr type="ctrX" for="ch" forName="accent_3" refType="w"/>
+                <dgm:constr type="ctrXOff" for="ch" forName="accent_3" refType="h" fact="-0.1526"/>
+                <dgm:constr type="r" for="ch" forName="text_3" refType="ctrX" refFor="ch" refForName="accent_3"/>
+                <dgm:constr type="rOff" for="ch" forName="text_3" refType="ctrXOff" refFor="ch" refForName="accent_3"/>
+                <dgm:constr type="l" for="ch" forName="text_3"/>
+                <dgm:constr type="w" for="ch" forName="text_3" refType="h" refFor="ch" refForName="text_3" op="gte"/>
+                <dgm:constr type="h" for="ch" forName="text_3" refType="h" refFor="ch" refForName="accent_3" fact="0.8"/>
+                <dgm:constr type="ctrY" for="ch" forName="text_3" refType="ctrY" refFor="ch" refForName="accent_3"/>
+                <dgm:constr type="rMarg" for="ch" forName="text_3" refType="w" refFor="ch" refForName="accent_3" fact="1.8"/>
+                <dgm:constr type="primFontSz" for="ch" ptType="node" op="equ" val="65"/>
+              </dgm:constrLst>
+            </dgm:if>
+            <dgm:if name="Name17" axis="ch" ptType="node" func="cnt" op="equ" val="4">
+              <dgm:constrLst>
+                <dgm:constr type="h" for="ch" forName="cycle" refType="h"/>
+                <dgm:constr type="w" for="ch" forName="cycle" refType="h" refFor="ch" refForName="cycle" fact="0.26"/>
+                <dgm:constr type="r" for="ch" forName="cycle" refType="w"/>
+                <dgm:constr type="ctrY" for="ch" forName="cycle" refType="h" fact="0.5"/>
+                <dgm:constr type="diam" for="ch" forName="cycle" refType="h" fact="1.344"/>
+                <dgm:constr type="h" for="ch" forName="accent_1" refType="h" fact="0.1923"/>
+                <dgm:constr type="w" for="ch" forName="accent_1" refType="h" refFor="ch" refForName="accent_1" op="equ"/>
+                <dgm:constr type="ctrY" for="ch" forName="accent_1" refType="h" fact="0.1538"/>
+                <dgm:constr type="ctrX" for="ch" forName="accent_1" refType="w"/>
+                <dgm:constr type="ctrXOff" for="ch" forName="accent_1" refType="h" fact="-0.1268"/>
+                <dgm:constr type="r" for="ch" forName="text_1" refType="ctrX" refFor="ch" refForName="accent_1"/>
+                <dgm:constr type="rOff" for="ch" forName="text_1" refType="ctrXOff" refFor="ch" refForName="accent_1"/>
+                <dgm:constr type="l" for="ch" forName="text_1"/>
+                <dgm:constr type="w" for="ch" forName="text_1" refType="h" refFor="ch" refForName="text_1" op="gte"/>
+                <dgm:constr type="h" for="ch" forName="text_1" refType="h" refFor="ch" refForName="accent_1" fact="0.8"/>
+                <dgm:constr type="ctrY" for="ch" forName="text_1" refType="ctrY" refFor="ch" refForName="accent_1"/>
+                <dgm:constr type="rMarg" for="ch" forName="text_1" refType="w" refFor="ch" refForName="accent_1" fact="1.8"/>
+                <dgm:constr type="h" for="ch" forName="accent_2" refType="h" fact="0.1923"/>
+                <dgm:constr type="w" for="ch" forName="accent_2" refType="h" refFor="ch" refForName="accent_2" op="equ"/>
+                <dgm:constr type="ctrY" for="ch" forName="accent_2" refType="h" fact="0.3846"/>
+                <dgm:constr type="ctrX" for="ch" forName="accent_2" refType="w"/>
+                <dgm:constr type="ctrXOff" for="ch" forName="accent_2" refType="h" fact="-0.215"/>
+                <dgm:constr type="r" for="ch" forName="text_2" refType="ctrX" refFor="ch" refForName="accent_2"/>
+                <dgm:constr type="rOff" for="ch" forName="text_2" refType="ctrXOff" refFor="ch" refForName="accent_2"/>
+                <dgm:constr type="l" for="ch" forName="text_2"/>
+                <dgm:constr type="w" for="ch" forName="text_2" refType="h" refFor="ch" refForName="text_2" op="gte"/>
+                <dgm:constr type="h" for="ch" forName="text_2" refType="h" refFor="ch" refForName="accent_2" fact="0.8"/>
+                <dgm:constr type="ctrY" for="ch" forName="text_2" refType="ctrY" refFor="ch" refForName="accent_2"/>
+                <dgm:constr type="rMarg" for="ch" forName="text_2" refType="w" refFor="ch" refForName="accent_2" fact="1.8"/>
+                <dgm:constr type="h" for="ch" forName="accent_3" refType="h" fact="0.1923"/>
+                <dgm:constr type="w" for="ch" forName="accent_3" refType="h" refFor="ch" refForName="accent_3" op="equ"/>
+                <dgm:constr type="ctrY" for="ch" forName="accent_3" refType="h" fact="0.6154"/>
+                <dgm:constr type="ctrX" for="ch" forName="accent_3" refType="w"/>
+                <dgm:constr type="ctrXOff" for="ch" forName="accent_3" refType="h" fact="-0.215"/>
+                <dgm:constr type="r" for="ch" forName="text_3" refType="ctrX" refFor="ch" refForName="accent_3"/>
+                <dgm:constr type="rOff" for="ch" forName="text_3" refType="ctrXOff" refFor="ch" refForName="accent_3"/>
+                <dgm:constr type="l" for="ch" forName="text_3"/>
+                <dgm:constr type="w" for="ch" forName="text_3" refType="h" refFor="ch" refForName="text_3" op="gte"/>
+                <dgm:constr type="h" for="ch" forName="text_3" refType="h" refFor="ch" refForName="accent_3" fact="0.8"/>
+                <dgm:constr type="ctrY" for="ch" forName="text_3" refType="ctrY" refFor="ch" refForName="accent_3"/>
+                <dgm:constr type="rMarg" for="ch" forName="text_3" refType="w" refFor="ch" refForName="accent_3" fact="1.8"/>
+                <dgm:constr type="h" for="ch" forName="accent_4" refType="h" fact="0.1923"/>
+                <dgm:constr type="w" for="ch" forName="accent_4" refType="h" refFor="ch" refForName="accent_4" op="equ"/>
+                <dgm:constr type="ctrY" for="ch" forName="accent_4" refType="h" fact="0.8462"/>
+                <dgm:constr type="ctrX" for="ch" forName="accent_4" refType="w"/>
+                <dgm:constr type="ctrXOff" for="ch" forName="accent_4" refType="h" fact="-0.1268"/>
+                <dgm:constr type="r" for="ch" forName="text_4" refType="ctrX" refFor="ch" refForName="accent_4"/>
+                <dgm:constr type="rOff" for="ch" forName="text_4" refType="ctrXOff" refFor="ch" refForName="accent_4"/>
+                <dgm:constr type="l" for="ch" forName="text_4"/>
+                <dgm:constr type="w" for="ch" forName="text_4" refType="h" refFor="ch" refForName="text_4" op="gte"/>
+                <dgm:constr type="h" for="ch" forName="text_4" refType="h" refFor="ch" refForName="accent_4" fact="0.8"/>
+                <dgm:constr type="ctrY" for="ch" forName="text_4" refType="ctrY" refFor="ch" refForName="accent_4"/>
+                <dgm:constr type="rMarg" for="ch" forName="text_4" refType="w" refFor="ch" refForName="accent_4" fact="1.8"/>
+                <dgm:constr type="primFontSz" for="ch" ptType="node" op="equ" val="65"/>
+              </dgm:constrLst>
+            </dgm:if>
+            <dgm:if name="Name18" axis="ch" ptType="node" func="cnt" op="equ" val="5">
+              <dgm:constrLst>
+                <dgm:constr type="h" for="ch" forName="cycle" refType="h"/>
+                <dgm:constr type="w" for="ch" forName="cycle" refType="h" refFor="ch" refForName="cycle" fact="0.26"/>
+                <dgm:constr type="r" for="ch" forName="cycle" refType="w"/>
+                <dgm:constr type="ctrY" for="ch" forName="cycle" refType="h" fact="0.5"/>
+                <dgm:constr type="diam" for="ch" forName="cycle" refType="h" fact="1.344"/>
+                <dgm:constr type="h" for="ch" forName="accent_1" refType="h" fact="0.1563"/>
+                <dgm:constr type="w" for="ch" forName="accent_1" refType="h" refFor="ch" refForName="accent_1" op="equ"/>
+                <dgm:constr type="ctrY" for="ch" forName="accent_1" refType="h" fact="0.125"/>
+                <dgm:constr type="ctrX" for="ch" forName="accent_1" refType="w"/>
+                <dgm:constr type="ctrXOff" for="ch" forName="accent_1" refType="h" fact="-0.1082"/>
+                <dgm:constr type="r" for="ch" forName="text_1" refType="ctrX" refFor="ch" refForName="accent_1"/>
+                <dgm:constr type="rOff" for="ch" forName="text_1" refType="ctrXOff" refFor="ch" refForName="accent_1"/>
+                <dgm:constr type="l" for="ch" forName="text_1"/>
+                <dgm:constr type="w" for="ch" forName="text_1" refType="h" refFor="ch" refForName="text_1" op="gte"/>
+                <dgm:constr type="h" for="ch" forName="text_1" refType="h" refFor="ch" refForName="accent_1" fact="0.8"/>
+                <dgm:constr type="ctrY" for="ch" forName="text_1" refType="ctrY" refFor="ch" refForName="accent_1"/>
+                <dgm:constr type="rMarg" for="ch" forName="text_1" refType="w" refFor="ch" refForName="accent_1" fact="1.8"/>
+                <dgm:constr type="h" for="ch" forName="accent_2" refType="h" fact="0.1563"/>
+                <dgm:constr type="w" for="ch" forName="accent_2" refType="h" refFor="ch" refForName="accent_2" op="equ"/>
+                <dgm:constr type="ctrY" for="ch" forName="accent_2" refType="h" fact="0.3125"/>
+                <dgm:constr type="ctrX" for="ch" forName="accent_2" refType="w"/>
+                <dgm:constr type="ctrXOff" for="ch" forName="accent_2" refType="h" fact="-0.1978"/>
+                <dgm:constr type="r" for="ch" forName="text_2" refType="ctrX" refFor="ch" refForName="accent_2"/>
+                <dgm:constr type="rOff" for="ch" forName="text_2" refType="ctrXOff" refFor="ch" refForName="accent_2"/>
+                <dgm:constr type="l" for="ch" forName="text_2"/>
+                <dgm:constr type="w" for="ch" forName="text_2" refType="h" refFor="ch" refForName="text_2" op="gte"/>
+                <dgm:constr type="h" for="ch" forName="text_2" refType="h" refFor="ch" refForName="accent_2" fact="0.8"/>
+                <dgm:constr type="ctrY" for="ch" forName="text_2" refType="ctrY" refFor="ch" refForName="accent_2"/>
+                <dgm:constr type="rMarg" for="ch" forName="text_2" refType="w" refFor="ch" refForName="accent_2" fact="1.8"/>
+                <dgm:constr type="h" for="ch" forName="accent_3" refType="h" fact="0.1563"/>
+                <dgm:constr type="w" for="ch" forName="accent_3" refType="h" refFor="ch" refForName="accent_3" op="equ"/>
+                <dgm:constr type="ctrY" for="ch" forName="accent_3" refType="h" fact="0.5"/>
+                <dgm:constr type="ctrX" for="ch" forName="accent_3" refType="w"/>
+                <dgm:constr type="ctrXOff" for="ch" forName="accent_3" refType="h" fact="-0.2253"/>
+                <dgm:constr type="r" for="ch" forName="text_3" refType="ctrX" refFor="ch" refForName="accent_3"/>
+                <dgm:constr type="rOff" for="ch" forName="text_3" refType="ctrXOff" refFor="ch" refForName="accent_3"/>
+                <dgm:constr type="l" for="ch" forName="text_3"/>
+                <dgm:constr type="w" for="ch" forName="text_3" refType="h" refFor="ch" refForName="text_3" op="gte"/>
+                <dgm:constr type="h" for="ch" forName="text_3" refType="h" refFor="ch" refForName="accent_3" fact="0.8"/>
+                <dgm:constr type="ctrY" for="ch" forName="text_3" refType="ctrY" refFor="ch" refForName="accent_3"/>
+                <dgm:constr type="rMarg" for="ch" forName="text_3" refType="w" refFor="ch" refForName="accent_3" fact="1.8"/>
+                <dgm:constr type="h" for="ch" forName="accent_4" refType="h" fact="0.1563"/>
+                <dgm:constr type="w" for="ch" forName="accent_4" refType="h" refFor="ch" refForName="accent_4" op="equ"/>
+                <dgm:constr type="ctrY" for="ch" forName="accent_4" refType="h" fact="0.6875"/>
+                <dgm:constr type="ctrX" for="ch" forName="accent_4" refType="w"/>
+                <dgm:constr type="ctrXOff" for="ch" forName="accent_4" refType="h" fact="-0.1978"/>
+                <dgm:constr type="r" for="ch" forName="text_4" refType="ctrX" refFor="ch" refForName="accent_4"/>
+                <dgm:constr type="rOff" for="ch" forName="text_4" refType="ctrXOff" refFor="ch" refForName="accent_4"/>
+                <dgm:constr type="l" for="ch" forName="text_4"/>
+                <dgm:constr type="w" for="ch" forName="text_4" refType="h" refFor="ch" refForName="text_4" op="gte"/>
+                <dgm:constr type="h" for="ch" forName="text_4" refType="h" refFor="ch" refForName="accent_4" fact="0.8"/>
+                <dgm:constr type="ctrY" for="ch" forName="text_4" refType="ctrY" refFor="ch" refForName="accent_4"/>
+                <dgm:constr type="rMarg" for="ch" forName="text_4" refType="w" refFor="ch" refForName="accent_4" fact="1.8"/>
+                <dgm:constr type="h" for="ch" forName="accent_5" refType="h" fact="0.1563"/>
+                <dgm:constr type="w" for="ch" forName="accent_5" refType="h" refFor="ch" refForName="accent_5" op="equ"/>
+                <dgm:constr type="ctrY" for="ch" forName="accent_5" refType="h" fact="0.875"/>
+                <dgm:constr type="ctrX" for="ch" forName="accent_5" refType="w"/>
+                <dgm:constr type="ctrXOff" for="ch" forName="accent_5" refType="h" fact="-0.1082"/>
+                <dgm:constr type="r" for="ch" forName="text_5" refType="ctrX" refFor="ch" refForName="accent_5"/>
+                <dgm:constr type="rOff" for="ch" forName="text_5" refType="ctrXOff" refFor="ch" refForName="accent_5"/>
+                <dgm:constr type="l" for="ch" forName="text_5"/>
+                <dgm:constr type="w" for="ch" forName="text_5" refType="h" refFor="ch" refForName="text_5" op="gte"/>
+                <dgm:constr type="h" for="ch" forName="text_5" refType="h" refFor="ch" refForName="accent_5" fact="0.8"/>
+                <dgm:constr type="ctrY" for="ch" forName="text_5" refType="ctrY" refFor="ch" refForName="accent_5"/>
+                <dgm:constr type="rMarg" for="ch" forName="text_5" refType="w" refFor="ch" refForName="accent_5" fact="1.8"/>
+                <dgm:constr type="primFontSz" for="ch" ptType="node" op="equ" val="65"/>
+              </dgm:constrLst>
+            </dgm:if>
+            <dgm:if name="Name19" axis="ch" ptType="node" func="cnt" op="equ" val="6">
+              <dgm:constrLst>
+                <dgm:constr type="h" for="ch" forName="cycle" refType="h"/>
+                <dgm:constr type="w" for="ch" forName="cycle" refType="h" refFor="ch" refForName="cycle" fact="0.26"/>
+                <dgm:constr type="r" for="ch" forName="cycle" refType="w"/>
+                <dgm:constr type="ctrY" for="ch" forName="cycle" refType="h" fact="0.5"/>
+                <dgm:constr type="diam" for="ch" forName="cycle" refType="h" fact="1.344"/>
+                <dgm:constr type="h" for="ch" forName="accent_1" refType="h" fact="0.1316"/>
+                <dgm:constr type="w" for="ch" forName="accent_1" refType="h" refFor="ch" refForName="accent_1" op="equ"/>
+                <dgm:constr type="ctrY" for="ch" forName="accent_1" refType="h" fact="0.1053"/>
+                <dgm:constr type="ctrX" for="ch" forName="accent_1" refType="w"/>
+                <dgm:constr type="ctrXOff" for="ch" forName="accent_1" refType="h" fact="-0.0943"/>
+                <dgm:constr type="r" for="ch" forName="text_1" refType="ctrX" refFor="ch" refForName="accent_1"/>
+                <dgm:constr type="rOff" for="ch" forName="text_1" refType="ctrXOff" refFor="ch" refForName="accent_1"/>
+                <dgm:constr type="l" for="ch" forName="text_1"/>
+                <dgm:constr type="w" for="ch" forName="text_1" refType="h" refFor="ch" refForName="text_1" op="gte"/>
+                <dgm:constr type="h" for="ch" forName="text_1" refType="h" refFor="ch" refForName="accent_1" fact="0.8"/>
+                <dgm:constr type="ctrY" for="ch" forName="text_1" refType="ctrY" refFor="ch" refForName="accent_1"/>
+                <dgm:constr type="rMarg" for="ch" forName="text_1" refType="w" refFor="ch" refForName="accent_1" fact="1.8"/>
+                <dgm:constr type="h" for="ch" forName="accent_2" refType="h" fact="0.1316"/>
+                <dgm:constr type="w" for="ch" forName="accent_2" refType="h" refFor="ch" refForName="accent_2" op="equ"/>
+                <dgm:constr type="ctrY" for="ch" forName="accent_2" refType="h" fact="0.2632"/>
+                <dgm:constr type="ctrX" for="ch" forName="accent_2" refType="w"/>
+                <dgm:constr type="ctrXOff" for="ch" forName="accent_2" refType="h" fact="-0.1809"/>
+                <dgm:constr type="r" for="ch" forName="text_2" refType="ctrX" refFor="ch" refForName="accent_2"/>
+                <dgm:constr type="rOff" for="ch" forName="text_2" refType="ctrXOff" refFor="ch" refForName="accent_2"/>
+                <dgm:constr type="l" for="ch" forName="text_2"/>
+                <dgm:constr type="w" for="ch" forName="text_2" refType="h" refFor="ch" refForName="text_2" op="gte"/>
+                <dgm:constr type="h" for="ch" forName="text_2" refType="h" refFor="ch" refForName="accent_2" fact="0.8"/>
+                <dgm:constr type="ctrY" for="ch" forName="text_2" refType="ctrY" refFor="ch" refForName="accent_2"/>
+                <dgm:constr type="rMarg" for="ch" forName="text_2" refType="w" refFor="ch" refForName="accent_2" fact="1.8"/>
+                <dgm:constr type="h" for="ch" forName="accent_3" refType="h" fact="0.1316"/>
+                <dgm:constr type="w" for="ch" forName="accent_3" refType="h" refFor="ch" refForName="accent_3" op="equ"/>
+                <dgm:constr type="ctrY" for="ch" forName="accent_3" refType="h" fact="0.4211"/>
+                <dgm:constr type="ctrX" for="ch" forName="accent_3" refType="w"/>
+                <dgm:constr type="ctrXOff" for="ch" forName="accent_3" refType="h" fact="-0.2205"/>
+                <dgm:constr type="r" for="ch" forName="text_3" refType="ctrX" refFor="ch" refForName="accent_3"/>
+                <dgm:constr type="rOff" for="ch" forName="text_3" refType="ctrXOff" refFor="ch" refForName="accent_3"/>
+                <dgm:constr type="l" for="ch" forName="text_3"/>
+                <dgm:constr type="w" for="ch" forName="text_3" refType="h" refFor="ch" refForName="text_3" op="gte"/>
+                <dgm:constr type="h" for="ch" forName="text_3" refType="h" refFor="ch" refForName="accent_3" fact="0.8"/>
+                <dgm:constr type="ctrY" for="ch" forName="text_3" refType="ctrY" refFor="ch" refForName="accent_3"/>
+                <dgm:constr type="rMarg" for="ch" forName="text_3" refType="w" refFor="ch" refForName="accent_3" fact="1.8"/>
+                <dgm:constr type="h" for="ch" forName="accent_4" refType="h" fact="0.1316"/>
+                <dgm:constr type="w" for="ch" forName="accent_4" refType="h" refFor="ch" refForName="accent_4" op="equ"/>
+                <dgm:constr type="ctrY" for="ch" forName="accent_4" refType="h" fact="0.5789"/>
+                <dgm:constr type="ctrX" for="ch" forName="accent_4" refType="w"/>
+                <dgm:constr type="ctrXOff" for="ch" forName="accent_4" refType="h" fact="-0.2205"/>
+                <dgm:constr type="r" for="ch" forName="text_4" refType="ctrX" refFor="ch" refForName="accent_4"/>
+                <dgm:constr type="rOff" for="ch" forName="text_4" refType="ctrXOff" refFor="ch" refForName="accent_4"/>
+                <dgm:constr type="l" for="ch" forName="text_4"/>
+                <dgm:constr type="w" for="ch" forName="text_4" refType="h" refFor="ch" refForName="text_4" op="gte"/>
+                <dgm:constr type="h" for="ch" forName="text_4" refType="h" refFor="ch" refForName="accent_4" fact="0.8"/>
+                <dgm:constr type="ctrY" for="ch" forName="text_4" refType="ctrY" refFor="ch" refForName="accent_4"/>
+                <dgm:constr type="rMarg" for="ch" forName="text_4" refType="w" refFor="ch" refForName="accent_4" fact="1.8"/>
+                <dgm:constr type="h" for="ch" forName="accent_5" refType="h" fact="0.1316"/>
+                <dgm:constr type="w" for="ch" forName="accent_5" refType="h" refFor="ch" refForName="accent_5" op="equ"/>
+                <dgm:constr type="ctrY" for="ch" forName="accent_5" refType="h" fact="0.7368"/>
+                <dgm:constr type="ctrX" for="ch" forName="accent_5" refType="w"/>
+                <dgm:constr type="ctrXOff" for="ch" forName="accent_5" refType="h" fact="-0.1809"/>
+                <dgm:constr type="r" for="ch" forName="text_5" refType="ctrX" refFor="ch" refForName="accent_5"/>
+                <dgm:constr type="rOff" for="ch" forName="text_5" refType="ctrXOff" refFor="ch" refForName="accent_5"/>
+                <dgm:constr type="l" for="ch" forName="text_5"/>
+                <dgm:constr type="w" for="ch" forName="text_5" refType="h" refFor="ch" refForName="text_5" op="gte"/>
+                <dgm:constr type="h" for="ch" forName="text_5" refType="h" refFor="ch" refForName="accent_5" fact="0.8"/>
+                <dgm:constr type="ctrY" for="ch" forName="text_5" refType="ctrY" refFor="ch" refForName="accent_5"/>
+                <dgm:constr type="rMarg" for="ch" forName="text_5" refType="w" refFor="ch" refForName="accent_5" fact="1.8"/>
+                <dgm:constr type="h" for="ch" forName="accent_6" refType="h" fact="0.1316"/>
+                <dgm:constr type="w" for="ch" forName="accent_6" refType="h" refFor="ch" refForName="accent_6" op="equ"/>
+                <dgm:constr type="ctrY" for="ch" forName="accent_6" refType="h" fact="0.8947"/>
+                <dgm:constr type="ctrX" for="ch" forName="accent_6" refType="w"/>
+                <dgm:constr type="ctrXOff" for="ch" forName="accent_6" refType="h" fact="-0.0943"/>
+                <dgm:constr type="r" for="ch" forName="text_6" refType="ctrX" refFor="ch" refForName="accent_6"/>
+                <dgm:constr type="rOff" for="ch" forName="text_6" refType="ctrXOff" refFor="ch" refForName="accent_6"/>
+                <dgm:constr type="l" for="ch" forName="text_6"/>
+                <dgm:constr type="w" for="ch" forName="text_6" refType="h" refFor="ch" refForName="text_6" op="gte"/>
+                <dgm:constr type="h" for="ch" forName="text_6" refType="h" refFor="ch" refForName="accent_6" fact="0.8"/>
+                <dgm:constr type="ctrY" for="ch" forName="text_6" refType="ctrY" refFor="ch" refForName="accent_6"/>
+                <dgm:constr type="rMarg" for="ch" forName="text_6" refType="w" refFor="ch" refForName="accent_6" fact="1.8"/>
+                <dgm:constr type="primFontSz" for="ch" ptType="node" op="equ" val="65"/>
+              </dgm:constrLst>
+            </dgm:if>
+            <dgm:else name="Name20">
+              <dgm:constrLst>
+                <dgm:constr type="h" for="ch" forName="cycle" refType="h"/>
+                <dgm:constr type="w" for="ch" forName="cycle" refType="h" refFor="ch" refForName="cycle" fact="0.26"/>
+                <dgm:constr type="r" for="ch" forName="cycle" refType="w"/>
+                <dgm:constr type="ctrY" for="ch" forName="cycle" refType="h" fact="0.5"/>
+                <dgm:constr type="diam" for="ch" forName="cycle" refType="h" fact="1.344"/>
+                <dgm:constr type="h" for="ch" forName="accent_1" refType="h" fact="0.1136"/>
+                <dgm:constr type="w" for="ch" forName="accent_1" refType="h" refFor="ch" refForName="accent_1" op="equ"/>
+                <dgm:constr type="ctrY" for="ch" forName="accent_1" refType="h" fact="0.0909"/>
+                <dgm:constr type="ctrX" for="ch" forName="accent_1" refType="w"/>
+                <dgm:constr type="ctrXOff" for="ch" forName="accent_1" refType="h" fact="-0.0835"/>
+                <dgm:constr type="r" for="ch" forName="text_1" refType="ctrX" refFor="ch" refForName="accent_1"/>
+                <dgm:constr type="rOff" for="ch" forName="text_1" refType="ctrXOff" refFor="ch" refForName="accent_1"/>
+                <dgm:constr type="l" for="ch" forName="text_1"/>
+                <dgm:constr type="w" for="ch" forName="text_1" refType="h" refFor="ch" refForName="text_1" op="gte"/>
+                <dgm:constr type="h" for="ch" forName="text_1" refType="h" refFor="ch" refForName="accent_1" fact="0.8"/>
+                <dgm:constr type="ctrY" for="ch" forName="text_1" refType="ctrY" refFor="ch" refForName="accent_1"/>
+                <dgm:constr type="rMarg" for="ch" forName="text_1" refType="w" refFor="ch" refForName="accent_1" fact="1.8"/>
+                <dgm:constr type="h" for="ch" forName="accent_2" refType="h" fact="0.1136"/>
+                <dgm:constr type="w" for="ch" forName="accent_2" refType="h" refFor="ch" refForName="accent_2" op="equ"/>
+                <dgm:constr type="ctrY" for="ch" forName="accent_2" refType="h" fact="0.2273"/>
+                <dgm:constr type="ctrX" for="ch" forName="accent_2" refType="w"/>
+                <dgm:constr type="ctrXOff" for="ch" forName="accent_2" refType="h" fact="-0.1658"/>
+                <dgm:constr type="r" for="ch" forName="text_2" refType="ctrX" refFor="ch" refForName="accent_2"/>
+                <dgm:constr type="rOff" for="ch" forName="text_2" refType="ctrXOff" refFor="ch" refForName="accent_2"/>
+                <dgm:constr type="l" for="ch" forName="text_2"/>
+                <dgm:constr type="w" for="ch" forName="text_2" refType="h" refFor="ch" refForName="text_2" op="gte"/>
+                <dgm:constr type="h" for="ch" forName="text_2" refType="h" refFor="ch" refForName="accent_2" fact="0.8"/>
+                <dgm:constr type="ctrY" for="ch" forName="text_2" refType="ctrY" refFor="ch" refForName="accent_2"/>
+                <dgm:constr type="rMarg" for="ch" forName="text_2" refType="w" refFor="ch" refForName="accent_2" fact="1.8"/>
+                <dgm:constr type="h" for="ch" forName="accent_3" refType="h" fact="0.1136"/>
+                <dgm:constr type="w" for="ch" forName="accent_3" refType="h" refFor="ch" refForName="accent_3" op="equ"/>
+                <dgm:constr type="ctrY" for="ch" forName="accent_3" refType="h" fact="0.3636"/>
+                <dgm:constr type="ctrX" for="ch" forName="accent_3" refType="w"/>
+                <dgm:constr type="ctrXOff" for="ch" forName="accent_3" refType="h" fact="-0.2109"/>
+                <dgm:constr type="r" for="ch" forName="text_3" refType="ctrX" refFor="ch" refForName="accent_3"/>
+                <dgm:constr type="rOff" for="ch" forName="text_3" refType="ctrXOff" refFor="ch" refForName="accent_3"/>
+                <dgm:constr type="l" for="ch" forName="text_3"/>
+                <dgm:constr type="w" for="ch" forName="text_3" refType="h" refFor="ch" refForName="text_3" op="gte"/>
+                <dgm:constr type="h" for="ch" forName="text_3" refType="h" refFor="ch" refForName="accent_3" fact="0.8"/>
+                <dgm:constr type="ctrY" for="ch" forName="text_3" refType="ctrY" refFor="ch" refForName="accent_3"/>
+                <dgm:constr type="rMarg" for="ch" forName="text_3" refType="w" refFor="ch" refForName="accent_3" fact="1.8"/>
+                <dgm:constr type="h" for="ch" forName="accent_4" refType="h" fact="0.1136"/>
+                <dgm:constr type="w" for="ch" forName="accent_4" refType="h" refFor="ch" refForName="accent_4" op="equ"/>
+                <dgm:constr type="ctrY" for="ch" forName="accent_4" refType="h" fact="0.5"/>
+                <dgm:constr type="ctrX" for="ch" forName="accent_4" refType="w"/>
+                <dgm:constr type="ctrXOff" for="ch" forName="accent_4" refType="h" fact="-0.2253"/>
+                <dgm:constr type="r" for="ch" forName="text_4" refType="ctrX" refFor="ch" refForName="accent_4"/>
+                <dgm:constr type="rOff" for="ch" forName="text_4" refType="ctrXOff" refFor="ch" refForName="accent_4"/>
+                <dgm:constr type="l" for="ch" forName="text_4"/>
+                <dgm:constr type="w" for="ch" forName="text_4" refType="h" refFor="ch" refForName="text_4" op="gte"/>
+                <dgm:constr type="h" for="ch" forName="text_4" refType="h" refFor="ch" refForName="accent_4" fact="0.8"/>
+                <dgm:constr type="ctrY" for="ch" forName="text_4" refType="ctrY" refFor="ch" refForName="accent_4"/>
+                <dgm:constr type="rMarg" for="ch" forName="text_4" refType="w" refFor="ch" refForName="accent_4" fact="1.8"/>
+                <dgm:constr type="h" for="ch" forName="accent_5" refType="h" fact="0.1136"/>
+                <dgm:constr type="w" for="ch" forName="accent_5" refType="h" refFor="ch" refForName="accent_5" op="equ"/>
+                <dgm:constr type="ctrY" for="ch" forName="accent_5" refType="h" fact="0.6364"/>
+                <dgm:constr type="ctrX" for="ch" forName="accent_5" refType="w"/>
+                <dgm:constr type="ctrXOff" for="ch" forName="accent_5" refType="h" fact="-0.2109"/>
+                <dgm:constr type="r" for="ch" forName="text_5" refType="ctrX" refFor="ch" refForName="accent_5"/>
+                <dgm:constr type="rOff" for="ch" forName="text_5" refType="ctrXOff" refFor="ch" refForName="accent_5"/>
+                <dgm:constr type="l" for="ch" forName="text_5"/>
+                <dgm:constr type="w" for="ch" forName="text_5" refType="h" refFor="ch" refForName="text_5" op="gte"/>
+                <dgm:constr type="h" for="ch" forName="text_5" refType="h" refFor="ch" refForName="accent_5" fact="0.8"/>
+                <dgm:constr type="ctrY" for="ch" forName="text_5" refType="ctrY" refFor="ch" refForName="accent_5"/>
+                <dgm:constr type="rMarg" for="ch" forName="text_5" refType="w" refFor="ch" refForName="accent_5" fact="1.8"/>
+                <dgm:constr type="h" for="ch" forName="accent_6" refType="h" fact="0.1136"/>
+                <dgm:constr type="w" for="ch" forName="accent_6" refType="h" refFor="ch" refForName="accent_6" op="equ"/>
+                <dgm:constr type="ctrY" for="ch" forName="accent_6" refType="h" fact="0.7727"/>
+                <dgm:constr type="ctrX" for="ch" forName="accent_6" refType="w"/>
+                <dgm:constr type="ctrXOff" for="ch" forName="accent_6" refType="h" fact="-0.1658"/>
+                <dgm:constr type="r" for="ch" forName="text_6" refType="ctrX" refFor="ch" refForName="accent_6"/>
+                <dgm:constr type="rOff" for="ch" forName="text_6" refType="ctrXOff" refFor="ch" refForName="accent_6"/>
+                <dgm:constr type="l" for="ch" forName="text_6"/>
+                <dgm:constr type="w" for="ch" forName="text_6" refType="h" refFor="ch" refForName="text_6" op="gte"/>
+                <dgm:constr type="h" for="ch" forName="text_6" refType="h" refFor="ch" refForName="accent_6" fact="0.8"/>
+                <dgm:constr type="ctrY" for="ch" forName="text_6" refType="ctrY" refFor="ch" refForName="accent_6"/>
+                <dgm:constr type="rMarg" for="ch" forName="text_6" refType="w" refFor="ch" refForName="accent_6" fact="1.8"/>
+                <dgm:constr type="h" for="ch" forName="accent_7" refType="h" fact="0.1136"/>
+                <dgm:constr type="w" for="ch" forName="accent_7" refType="h" refFor="ch" refForName="accent_7" op="equ"/>
+                <dgm:constr type="ctrY" for="ch" forName="accent_7" refType="h" fact="0.9091"/>
+                <dgm:constr type="ctrX" for="ch" forName="accent_7" refType="w"/>
+                <dgm:constr type="ctrXOff" for="ch" forName="accent_7" refType="h" fact="-0.0835"/>
+                <dgm:constr type="r" for="ch" forName="text_7" refType="ctrX" refFor="ch" refForName="accent_7"/>
+                <dgm:constr type="rOff" for="ch" forName="text_7" refType="ctrXOff" refFor="ch" refForName="accent_7"/>
+                <dgm:constr type="l" for="ch" forName="text_7"/>
+                <dgm:constr type="w" for="ch" forName="text_7" refType="h" refFor="ch" refForName="text_7" op="gte"/>
+                <dgm:constr type="h" for="ch" forName="text_7" refType="h" refFor="ch" refForName="accent_7" fact="0.8"/>
+                <dgm:constr type="ctrY" for="ch" forName="text_7" refType="ctrY" refFor="ch" refForName="accent_7"/>
+                <dgm:constr type="rMarg" for="ch" forName="text_7" refType="w" refFor="ch" refForName="accent_7" fact="1.8"/>
+                <dgm:constr type="primFontSz" for="ch" ptType="node" op="equ" val="65"/>
+              </dgm:constrLst>
+            </dgm:else>
+          </dgm:choose>
+        </dgm:else>
+      </dgm:choose>
+      <dgm:layoutNode name="cycle">
+        <dgm:choose name="Name21">
+          <dgm:if name="Name22" func="var" arg="dir" op="equ" val="norm">
+            <dgm:alg type="cycle">
+              <dgm:param type="stAng" val="45"/>
+              <dgm:param type="spanAng" val="90"/>
+            </dgm:alg>
+          </dgm:if>
+          <dgm:else name="Name23">
+            <dgm:alg type="cycle">
+              <dgm:param type="stAng" val="225"/>
+              <dgm:param type="spanAng" val="90"/>
+            </dgm:alg>
+          </dgm:else>
+        </dgm:choose>
+        <dgm:shape xmlns:r="http://schemas.openxmlformats.org/officeDocument/2006/relationships" r:blip="">
+          <dgm:adjLst/>
+        </dgm:shape>
+        <dgm:presOf/>
+        <dgm:constrLst>
+          <dgm:constr type="w" for="ch" val="1"/>
+          <dgm:constr type="h" for="ch" val="1"/>
+          <dgm:constr type="diam" for="ch" forName="conn" refType="diam"/>
+        </dgm:constrLst>
+        <dgm:layoutNode name="srcNode">
+          <dgm:alg type="sp"/>
+          <dgm:shape xmlns:r="http://schemas.openxmlformats.org/officeDocument/2006/relationships" type="rect" r:blip="" hideGeom="1">
+            <dgm:adjLst/>
+          </dgm:shape>
+          <dgm:presOf/>
+        </dgm:layoutNode>
+        <dgm:layoutNode name="conn" styleLbl="parChTrans1D2">
+          <dgm:alg type="conn">
+            <dgm:param type="connRout" val="curve"/>
+            <dgm:param type="srcNode" val="srcNode"/>
+            <dgm:param type="dstNode" val="dstNode"/>
+            <dgm:param type="begPts" val="ctr"/>
+            <dgm:param type="endPts" val="ctr"/>
+            <dgm:param type="endSty" val="noArr"/>
+          </dgm:alg>
+          <dgm:shape xmlns:r="http://schemas.openxmlformats.org/officeDocument/2006/relationships" type="conn" r:blip="">
+            <dgm:adjLst/>
+          </dgm:shape>
+          <dgm:presOf axis="desOrSelf" ptType="sibTrans" hideLastTrans="0" st="0" cnt="1"/>
+          <dgm:constrLst>
+            <dgm:constr type="begPad"/>
+            <dgm:constr type="endPad"/>
+          </dgm:constrLst>
+        </dgm:layoutNode>
+        <dgm:layoutNode name="extraNode">
+          <dgm:alg type="sp"/>
+          <dgm:shape xmlns:r="http://schemas.openxmlformats.org/officeDocument/2006/relationships" type="rect" r:blip="" hideGeom="1">
+            <dgm:adjLst/>
+          </dgm:shape>
+          <dgm:presOf/>
+        </dgm:layoutNode>
+        <dgm:layoutNode name="dstNode">
+          <dgm:alg type="sp"/>
+          <dgm:shape xmlns:r="http://schemas.openxmlformats.org/officeDocument/2006/relationships" type="rect" r:blip="" hideGeom="1">
+            <dgm:adjLst/>
+          </dgm:shape>
+          <dgm:presOf/>
+        </dgm:layoutNode>
+      </dgm:layoutNode>
+      <dgm:forEach name="wrapper" axis="self" ptType="parTrans">
+        <dgm:forEach name="wrapper2" axis="self" ptType="sibTrans" st="2">
+          <dgm:forEach name="accentRepeat" axis="self">
+            <dgm:layoutNode name="accentRepeatNode" styleLbl="solidFgAcc1">
+              <dgm:alg type="sp"/>
+              <dgm:shape xmlns:r="http://schemas.openxmlformats.org/officeDocument/2006/relationships" type="ellipse" r:blip="">
+                <dgm:adjLst/>
+              </dgm:shape>
+              <dgm:presOf/>
+            </dgm:layoutNode>
+          </dgm:forEach>
+        </dgm:forEach>
+      </dgm:forEach>
+      <dgm:forEach name="Name24" axis="ch" ptType="node" cnt="1">
+        <dgm:layoutNode name="text_1" styleLbl="node1">
+          <dgm:varLst>
+            <dgm:bulletEnabled val="1"/>
+          </dgm:varLst>
+          <dgm:choose name="Name25">
+            <dgm:if name="Name26" func="var" arg="dir" op="equ" val="norm">
+              <dgm:alg type="tx">
+                <dgm:param type="parTxLTRAlign" val="l"/>
+                <dgm:param type="shpTxLTRAlignCh" val="l"/>
+                <dgm:param type="parTxRTLAlign" val="l"/>
+                <dgm:param type="shpTxRTLAlignCh" val="l"/>
+              </dgm:alg>
+            </dgm:if>
+            <dgm:else name="Name27">
+              <dgm:alg type="tx">
+                <dgm:param type="parTxLTRAlign" val="r"/>
+                <dgm:param type="shpTxLTRAlignCh" val="r"/>
+                <dgm:param type="parTxRTLAlign" val="r"/>
+                <dgm:param type="shpTxRTLAlignCh" val="r"/>
+              </dgm:alg>
+            </dgm:else>
+          </dgm:choose>
+          <dgm:shape xmlns:r="http://schemas.openxmlformats.org/officeDocument/2006/relationships" type="rect" r:blip="">
+            <dgm:adjLst/>
+          </dgm:shape>
+          <dgm:presOf axis="desOrSelf" ptType="node"/>
+          <dgm:constrLst>
+            <dgm:constr type="primFontSz" val="65"/>
+            <dgm:constr type="lMarg" refType="primFontSz" fact="0.2"/>
+            <dgm:constr type="rMarg" refType="primFontSz" fact="0.2"/>
+            <dgm:constr type="tMarg" refType="primFontSz" fact="0.2"/>
+            <dgm:constr type="bMarg" refType="primFontSz" fact="0.2"/>
+          </dgm:constrLst>
+          <dgm:ruleLst>
+            <dgm:rule type="primFontSz" val="5" fact="NaN" max="NaN"/>
+          </dgm:ruleLst>
+        </dgm:layoutNode>
+        <dgm:layoutNode name="accent_1">
+          <dgm:alg type="sp"/>
+          <dgm:shape xmlns:r="http://schemas.openxmlformats.org/officeDocument/2006/relationships" r:blip="">
+            <dgm:adjLst/>
+          </dgm:shape>
+          <dgm:presOf/>
+          <dgm:constrLst/>
+          <dgm:forEach name="Name28" ref="accentRepeat"/>
+        </dgm:layoutNode>
+      </dgm:forEach>
+      <dgm:forEach name="Name29" axis="ch" ptType="node" st="2" cnt="1">
+        <dgm:layoutNode name="text_2" styleLbl="node1">
+          <dgm:varLst>
+            <dgm:bulletEnabled val="1"/>
+          </dgm:varLst>
+          <dgm:choose name="Name30">
+            <dgm:if name="Name31" func="var" arg="dir" op="equ" val="norm">
+              <dgm:alg type="tx">
+                <dgm:param type="parTxLTRAlign" val="l"/>
+                <dgm:param type="shpTxLTRAlignCh" val="l"/>
+                <dgm:param type="parTxRTLAlign" val="l"/>
+                <dgm:param type="shpTxRTLAlignCh" val="l"/>
+              </dgm:alg>
+            </dgm:if>
+            <dgm:else name="Name32">
+              <dgm:alg type="tx">
+                <dgm:param type="parTxLTRAlign" val="r"/>
+                <dgm:param type="shpTxLTRAlignCh" val="r"/>
+                <dgm:param type="parTxRTLAlign" val="r"/>
+                <dgm:param type="shpTxRTLAlignCh" val="r"/>
+              </dgm:alg>
+            </dgm:else>
+          </dgm:choose>
+          <dgm:shape xmlns:r="http://schemas.openxmlformats.org/officeDocument/2006/relationships" type="rect" r:blip="">
+            <dgm:adjLst/>
+          </dgm:shape>
+          <dgm:presOf axis="desOrSelf" ptType="node"/>
+          <dgm:constrLst>
+            <dgm:constr type="primFontSz" val="65"/>
+            <dgm:constr type="lMarg" refType="primFontSz" fact="0.2"/>
+            <dgm:constr type="rMarg" refType="primFontSz" fact="0.2"/>
+            <dgm:constr type="tMarg" refType="primFontSz" fact="0.2"/>
+            <dgm:constr type="bMarg" refType="primFontSz" fact="0.2"/>
+          </dgm:constrLst>
+          <dgm:ruleLst>
+            <dgm:rule type="primFontSz" val="5" fact="NaN" max="NaN"/>
+          </dgm:ruleLst>
+        </dgm:layoutNode>
+        <dgm:layoutNode name="accent_2">
+          <dgm:alg type="sp"/>
+          <dgm:shape xmlns:r="http://schemas.openxmlformats.org/officeDocument/2006/relationships" r:blip="">
+            <dgm:adjLst/>
+          </dgm:shape>
+          <dgm:presOf/>
+          <dgm:constrLst/>
+          <dgm:forEach name="Name33" ref="accentRepeat"/>
+        </dgm:layoutNode>
+      </dgm:forEach>
+      <dgm:forEach name="Name34" axis="ch" ptType="node" st="3" cnt="1">
+        <dgm:layoutNode name="text_3" styleLbl="node1">
+          <dgm:varLst>
+            <dgm:bulletEnabled val="1"/>
+          </dgm:varLst>
+          <dgm:choose name="Name35">
+            <dgm:if name="Name36" func="var" arg="dir" op="equ" val="norm">
+              <dgm:alg type="tx">
+                <dgm:param type="parTxLTRAlign" val="l"/>
+                <dgm:param type="shpTxLTRAlignCh" val="l"/>
+                <dgm:param type="parTxRTLAlign" val="l"/>
+                <dgm:param type="shpTxRTLAlignCh" val="l"/>
+              </dgm:alg>
+            </dgm:if>
+            <dgm:else name="Name37">
+              <dgm:alg type="tx">
+                <dgm:param type="parTxLTRAlign" val="r"/>
+                <dgm:param type="shpTxLTRAlignCh" val="r"/>
+                <dgm:param type="parTxRTLAlign" val="r"/>
+                <dgm:param type="shpTxRTLAlignCh" val="r"/>
+              </dgm:alg>
+            </dgm:else>
+          </dgm:choose>
+          <dgm:shape xmlns:r="http://schemas.openxmlformats.org/officeDocument/2006/relationships" type="rect" r:blip="">
+            <dgm:adjLst/>
+          </dgm:shape>
+          <dgm:presOf axis="desOrSelf" ptType="node"/>
+          <dgm:constrLst>
+            <dgm:constr type="primFontSz" val="65"/>
+            <dgm:constr type="lMarg" refType="primFontSz" fact="0.2"/>
+            <dgm:constr type="rMarg" refType="primFontSz" fact="0.2"/>
+            <dgm:constr type="tMarg" refType="primFontSz" fact="0.2"/>
+            <dgm:constr type="bMarg" refType="primFontSz" fact="0.2"/>
+          </dgm:constrLst>
+          <dgm:ruleLst>
+            <dgm:rule type="primFontSz" val="5" fact="NaN" max="NaN"/>
+          </dgm:ruleLst>
+        </dgm:layoutNode>
+        <dgm:layoutNode name="accent_3">
+          <dgm:alg type="sp"/>
+          <dgm:shape xmlns:r="http://schemas.openxmlformats.org/officeDocument/2006/relationships" r:blip="">
+            <dgm:adjLst/>
+          </dgm:shape>
+          <dgm:presOf/>
+          <dgm:constrLst/>
+          <dgm:forEach name="Name38" ref="accentRepeat"/>
+        </dgm:layoutNode>
+      </dgm:forEach>
+      <dgm:forEach name="Name39" axis="ch" ptType="node" st="4" cnt="1">
+        <dgm:layoutNode name="text_4" styleLbl="node1">
+          <dgm:varLst>
+            <dgm:bulletEnabled val="1"/>
+          </dgm:varLst>
+          <dgm:choose name="Name40">
+            <dgm:if name="Name41" func="var" arg="dir" op="equ" val="norm">
+              <dgm:alg type="tx">
+                <dgm:param type="parTxLTRAlign" val="l"/>
+                <dgm:param type="shpTxLTRAlignCh" val="l"/>
+                <dgm:param type="parTxRTLAlign" val="l"/>
+                <dgm:param type="shpTxRTLAlignCh" val="l"/>
+              </dgm:alg>
+            </dgm:if>
+            <dgm:else name="Name42">
+              <dgm:alg type="tx">
+                <dgm:param type="parTxLTRAlign" val="r"/>
+                <dgm:param type="shpTxLTRAlignCh" val="r"/>
+                <dgm:param type="parTxRTLAlign" val="r"/>
+                <dgm:param type="shpTxRTLAlignCh" val="r"/>
+              </dgm:alg>
+            </dgm:else>
+          </dgm:choose>
+          <dgm:shape xmlns:r="http://schemas.openxmlformats.org/officeDocument/2006/relationships" type="rect" r:blip="">
+            <dgm:adjLst/>
+          </dgm:shape>
+          <dgm:presOf axis="desOrSelf" ptType="node"/>
+          <dgm:constrLst>
+            <dgm:constr type="primFontSz" val="65"/>
+            <dgm:constr type="lMarg" refType="primFontSz" fact="0.2"/>
+            <dgm:constr type="rMarg" refType="primFontSz" fact="0.2"/>
+            <dgm:constr type="tMarg" refType="primFontSz" fact="0.2"/>
+            <dgm:constr type="bMarg" refType="primFontSz" fact="0.2"/>
+          </dgm:constrLst>
+          <dgm:ruleLst>
+            <dgm:rule type="primFontSz" val="5" fact="NaN" max="NaN"/>
+          </dgm:ruleLst>
+        </dgm:layoutNode>
+        <dgm:layoutNode name="accent_4">
+          <dgm:alg type="sp"/>
+          <dgm:shape xmlns:r="http://schemas.openxmlformats.org/officeDocument/2006/relationships" r:blip="">
+            <dgm:adjLst/>
+          </dgm:shape>
+          <dgm:presOf/>
+          <dgm:constrLst/>
+          <dgm:forEach name="Name43" ref="accentRepeat"/>
+        </dgm:layoutNode>
+      </dgm:forEach>
+      <dgm:forEach name="Name44" axis="ch" ptType="node" st="5" cnt="1">
+        <dgm:layoutNode name="text_5" styleLbl="node1">
+          <dgm:varLst>
+            <dgm:bulletEnabled val="1"/>
+          </dgm:varLst>
+          <dgm:choose name="Name45">
+            <dgm:if name="Name46" func="var" arg="dir" op="equ" val="norm">
+              <dgm:alg type="tx">
+                <dgm:param type="parTxLTRAlign" val="l"/>
+                <dgm:param type="shpTxLTRAlignCh" val="l"/>
+                <dgm:param type="parTxRTLAlign" val="l"/>
+                <dgm:param type="shpTxRTLAlignCh" val="l"/>
+              </dgm:alg>
+            </dgm:if>
+            <dgm:else name="Name47">
+              <dgm:alg type="tx">
+                <dgm:param type="parTxLTRAlign" val="r"/>
+                <dgm:param type="shpTxLTRAlignCh" val="r"/>
+                <dgm:param type="parTxRTLAlign" val="r"/>
+                <dgm:param type="shpTxRTLAlignCh" val="r"/>
+              </dgm:alg>
+            </dgm:else>
+          </dgm:choose>
+          <dgm:shape xmlns:r="http://schemas.openxmlformats.org/officeDocument/2006/relationships" type="rect" r:blip="">
+            <dgm:adjLst/>
+          </dgm:shape>
+          <dgm:presOf axis="desOrSelf" ptType="node"/>
+          <dgm:constrLst>
+            <dgm:constr type="primFontSz" val="65"/>
+            <dgm:constr type="lMarg" refType="primFontSz" fact="0.2"/>
+            <dgm:constr type="rMarg" refType="primFontSz" fact="0.2"/>
+            <dgm:constr type="tMarg" refType="primFontSz" fact="0.2"/>
+            <dgm:constr type="bMarg" refType="primFontSz" fact="0.2"/>
+          </dgm:constrLst>
+          <dgm:ruleLst>
+            <dgm:rule type="primFontSz" val="5" fact="NaN" max="NaN"/>
+          </dgm:ruleLst>
+        </dgm:layoutNode>
+        <dgm:layoutNode name="accent_5">
+          <dgm:alg type="sp"/>
+          <dgm:shape xmlns:r="http://schemas.openxmlformats.org/officeDocument/2006/relationships" r:blip="">
+            <dgm:adjLst/>
+          </dgm:shape>
+          <dgm:presOf/>
+          <dgm:constrLst/>
+          <dgm:forEach name="Name48" ref="accentRepeat"/>
+        </dgm:layoutNode>
+      </dgm:forEach>
+      <dgm:forEach name="Name49" axis="ch" ptType="node" st="6" cnt="1">
+        <dgm:layoutNode name="text_6" styleLbl="node1">
+          <dgm:varLst>
+            <dgm:bulletEnabled val="1"/>
+          </dgm:varLst>
+          <dgm:choose name="Name50">
+            <dgm:if name="Name51" func="var" arg="dir" op="equ" val="norm">
+              <dgm:alg type="tx">
+                <dgm:param type="parTxLTRAlign" val="l"/>
+                <dgm:param type="shpTxLTRAlignCh" val="l"/>
+                <dgm:param type="parTxRTLAlign" val="l"/>
+                <dgm:param type="shpTxRTLAlignCh" val="l"/>
+              </dgm:alg>
+            </dgm:if>
+            <dgm:else name="Name52">
+              <dgm:alg type="tx">
+                <dgm:param type="parTxLTRAlign" val="r"/>
+                <dgm:param type="shpTxLTRAlignCh" val="r"/>
+                <dgm:param type="parTxRTLAlign" val="r"/>
+                <dgm:param type="shpTxRTLAlignCh" val="r"/>
+              </dgm:alg>
+            </dgm:else>
+          </dgm:choose>
+          <dgm:shape xmlns:r="http://schemas.openxmlformats.org/officeDocument/2006/relationships" type="rect" r:blip="">
+            <dgm:adjLst/>
+          </dgm:shape>
+          <dgm:presOf axis="desOrSelf" ptType="node"/>
+          <dgm:constrLst>
+            <dgm:constr type="primFontSz" val="65"/>
+            <dgm:constr type="lMarg" refType="primFontSz" fact="0.2"/>
+            <dgm:constr type="rMarg" refType="primFontSz" fact="0.2"/>
+            <dgm:constr type="tMarg" refType="primFontSz" fact="0.2"/>
+            <dgm:constr type="bMarg" refType="primFontSz" fact="0.2"/>
+          </dgm:constrLst>
+          <dgm:ruleLst>
+            <dgm:rule type="primFontSz" val="5" fact="NaN" max="NaN"/>
+          </dgm:ruleLst>
+        </dgm:layoutNode>
+        <dgm:layoutNode name="accent_6">
+          <dgm:alg type="sp"/>
+          <dgm:shape xmlns:r="http://schemas.openxmlformats.org/officeDocument/2006/relationships" r:blip="">
+            <dgm:adjLst/>
+          </dgm:shape>
+          <dgm:presOf/>
+          <dgm:constrLst/>
+          <dgm:forEach name="Name53" ref="accentRepeat"/>
+        </dgm:layoutNode>
+      </dgm:forEach>
+      <dgm:forEach name="Name54" axis="ch" ptType="node" st="7" cnt="1">
+        <dgm:layoutNode name="text_7" styleLbl="node1">
+          <dgm:varLst>
+            <dgm:bulletEnabled val="1"/>
+          </dgm:varLst>
+          <dgm:choose name="Name55">
+            <dgm:if name="Name56" func="var" arg="dir" op="equ" val="norm">
+              <dgm:alg type="tx">
+                <dgm:param type="parTxLTRAlign" val="l"/>
+                <dgm:param type="shpTxLTRAlignCh" val="l"/>
+                <dgm:param type="parTxRTLAlign" val="l"/>
+                <dgm:param type="shpTxRTLAlignCh" val="l"/>
+              </dgm:alg>
+            </dgm:if>
+            <dgm:else name="Name57">
+              <dgm:alg type="tx">
+                <dgm:param type="parTxLTRAlign" val="r"/>
+                <dgm:param type="shpTxLTRAlignCh" val="r"/>
+                <dgm:param type="parTxRTLAlign" val="r"/>
+                <dgm:param type="shpTxRTLAlignCh" val="r"/>
+              </dgm:alg>
+            </dgm:else>
+          </dgm:choose>
+          <dgm:shape xmlns:r="http://schemas.openxmlformats.org/officeDocument/2006/relationships" type="rect" r:blip="">
+            <dgm:adjLst/>
+          </dgm:shape>
+          <dgm:presOf axis="desOrSelf" ptType="node"/>
+          <dgm:constrLst>
+            <dgm:constr type="primFontSz" val="65"/>
+            <dgm:constr type="lMarg" refType="primFontSz" fact="0.2"/>
+            <dgm:constr type="rMarg" refType="primFontSz" fact="0.2"/>
+            <dgm:constr type="tMarg" refType="primFontSz" fact="0.2"/>
+            <dgm:constr type="bMarg" refType="primFontSz" fact="0.2"/>
+          </dgm:constrLst>
+          <dgm:ruleLst>
+            <dgm:rule type="primFontSz" val="5" fact="NaN" max="NaN"/>
+          </dgm:ruleLst>
+        </dgm:layoutNode>
+        <dgm:layoutNode name="accent_7">
+          <dgm:alg type="sp"/>
+          <dgm:shape xmlns:r="http://schemas.openxmlformats.org/officeDocument/2006/relationships" r:blip="">
+            <dgm:adjLst/>
+          </dgm:shape>
+          <dgm:presOf/>
+          <dgm:constrLst/>
+          <dgm:forEach name="Name58" ref="accentRepeat"/>
+        </dgm:layoutNode>
+      </dgm:forEach>
+    </dgm:layoutNode>
+  </dgm:layoutNode>
+</dgm:layoutDef>
+</file>
+
 <file path=ppt/diagrams/quickStyle1.xml><?xml version="1.0" encoding="utf-8"?>
 <dgm:styleDef xmlns:dgm="http://schemas.openxmlformats.org/drawingml/2006/diagram" xmlns:a="http://schemas.openxmlformats.org/drawingml/2006/main" uniqueId="urn:microsoft.com/office/officeart/2005/8/quickstyle/simple1">
   <dgm:title val=""/>
@@ -8281,6 +13007,2074 @@
 </file>
 
 <file path=ppt/diagrams/quickStyle3.xml><?xml version="1.0" encoding="utf-8"?>
+<dgm:styleDef xmlns:dgm="http://schemas.openxmlformats.org/drawingml/2006/diagram" xmlns:a="http://schemas.openxmlformats.org/drawingml/2006/main" uniqueId="urn:microsoft.com/office/officeart/2005/8/quickstyle/simple1">
+  <dgm:title val=""/>
+  <dgm:desc val=""/>
+  <dgm:catLst>
+    <dgm:cat type="simple" pri="10100"/>
+  </dgm:catLst>
+  <dgm:scene3d>
+    <a:camera prst="orthographicFront"/>
+    <a:lightRig rig="threePt" dir="t"/>
+  </dgm:scene3d>
+  <dgm:styleLbl name="node0">
+    <dgm:scene3d>
+      <a:camera prst="orthographicFront"/>
+      <a:lightRig rig="threePt" dir="t"/>
+    </dgm:scene3d>
+    <dgm:sp3d/>
+    <dgm:txPr/>
+    <dgm:style>
+      <a:lnRef idx="2">
+        <a:scrgbClr r="0" g="0" b="0"/>
+      </a:lnRef>
+      <a:fillRef idx="1">
+        <a:scrgbClr r="0" g="0" b="0"/>
+      </a:fillRef>
+      <a:effectRef idx="0">
+        <a:scrgbClr r="0" g="0" b="0"/>
+      </a:effectRef>
+      <a:fontRef idx="minor">
+        <a:schemeClr val="lt1"/>
+      </a:fontRef>
+    </dgm:style>
+  </dgm:styleLbl>
+  <dgm:styleLbl name="lnNode1">
+    <dgm:scene3d>
+      <a:camera prst="orthographicFront"/>
+      <a:lightRig rig="threePt" dir="t"/>
+    </dgm:scene3d>
+    <dgm:sp3d/>
+    <dgm:txPr/>
+    <dgm:style>
+      <a:lnRef idx="2">
+        <a:scrgbClr r="0" g="0" b="0"/>
+      </a:lnRef>
+      <a:fillRef idx="1">
+        <a:scrgbClr r="0" g="0" b="0"/>
+      </a:fillRef>
+      <a:effectRef idx="0">
+        <a:scrgbClr r="0" g="0" b="0"/>
+      </a:effectRef>
+      <a:fontRef idx="minor">
+        <a:schemeClr val="lt1"/>
+      </a:fontRef>
+    </dgm:style>
+  </dgm:styleLbl>
+  <dgm:styleLbl name="vennNode1">
+    <dgm:scene3d>
+      <a:camera prst="orthographicFront"/>
+      <a:lightRig rig="threePt" dir="t"/>
+    </dgm:scene3d>
+    <dgm:sp3d/>
+    <dgm:txPr/>
+    <dgm:style>
+      <a:lnRef idx="2">
+        <a:scrgbClr r="0" g="0" b="0"/>
+      </a:lnRef>
+      <a:fillRef idx="1">
+        <a:scrgbClr r="0" g="0" b="0"/>
+      </a:fillRef>
+      <a:effectRef idx="0">
+        <a:scrgbClr r="0" g="0" b="0"/>
+      </a:effectRef>
+      <a:fontRef idx="minor">
+        <a:schemeClr val="tx1"/>
+      </a:fontRef>
+    </dgm:style>
+  </dgm:styleLbl>
+  <dgm:styleLbl name="alignNode1">
+    <dgm:scene3d>
+      <a:camera prst="orthographicFront"/>
+      <a:lightRig rig="threePt" dir="t"/>
+    </dgm:scene3d>
+    <dgm:sp3d/>
+    <dgm:txPr/>
+    <dgm:style>
+      <a:lnRef idx="2">
+        <a:scrgbClr r="0" g="0" b="0"/>
+      </a:lnRef>
+      <a:fillRef idx="1">
+        <a:scrgbClr r="0" g="0" b="0"/>
+      </a:fillRef>
+      <a:effectRef idx="0">
+        <a:scrgbClr r="0" g="0" b="0"/>
+      </a:effectRef>
+      <a:fontRef idx="minor">
+        <a:schemeClr val="lt1"/>
+      </a:fontRef>
+    </dgm:style>
+  </dgm:styleLbl>
+  <dgm:styleLbl name="node1">
+    <dgm:scene3d>
+      <a:camera prst="orthographicFront"/>
+      <a:lightRig rig="threePt" dir="t"/>
+    </dgm:scene3d>
+    <dgm:sp3d/>
+    <dgm:txPr/>
+    <dgm:style>
+      <a:lnRef idx="2">
+        <a:scrgbClr r="0" g="0" b="0"/>
+      </a:lnRef>
+      <a:fillRef idx="1">
+        <a:scrgbClr r="0" g="0" b="0"/>
+      </a:fillRef>
+      <a:effectRef idx="0">
+        <a:scrgbClr r="0" g="0" b="0"/>
+      </a:effectRef>
+      <a:fontRef idx="minor">
+        <a:schemeClr val="lt1"/>
+      </a:fontRef>
+    </dgm:style>
+  </dgm:styleLbl>
+  <dgm:styleLbl name="node2">
+    <dgm:scene3d>
+      <a:camera prst="orthographicFront"/>
+      <a:lightRig rig="threePt" dir="t"/>
+    </dgm:scene3d>
+    <dgm:sp3d/>
+    <dgm:txPr/>
+    <dgm:style>
+      <a:lnRef idx="2">
+        <a:scrgbClr r="0" g="0" b="0"/>
+      </a:lnRef>
+      <a:fillRef idx="1">
+        <a:scrgbClr r="0" g="0" b="0"/>
+      </a:fillRef>
+      <a:effectRef idx="0">
+        <a:scrgbClr r="0" g="0" b="0"/>
+      </a:effectRef>
+      <a:fontRef idx="minor">
+        <a:schemeClr val="lt1"/>
+      </a:fontRef>
+    </dgm:style>
+  </dgm:styleLbl>
+  <dgm:styleLbl name="node3">
+    <dgm:scene3d>
+      <a:camera prst="orthographicFront"/>
+      <a:lightRig rig="threePt" dir="t"/>
+    </dgm:scene3d>
+    <dgm:sp3d/>
+    <dgm:txPr/>
+    <dgm:style>
+      <a:lnRef idx="2">
+        <a:scrgbClr r="0" g="0" b="0"/>
+      </a:lnRef>
+      <a:fillRef idx="1">
+        <a:scrgbClr r="0" g="0" b="0"/>
+      </a:fillRef>
+      <a:effectRef idx="0">
+        <a:scrgbClr r="0" g="0" b="0"/>
+      </a:effectRef>
+      <a:fontRef idx="minor">
+        <a:schemeClr val="lt1"/>
+      </a:fontRef>
+    </dgm:style>
+  </dgm:styleLbl>
+  <dgm:styleLbl name="node4">
+    <dgm:scene3d>
+      <a:camera prst="orthographicFront"/>
+      <a:lightRig rig="threePt" dir="t"/>
+    </dgm:scene3d>
+    <dgm:sp3d/>
+    <dgm:txPr/>
+    <dgm:style>
+      <a:lnRef idx="2">
+        <a:scrgbClr r="0" g="0" b="0"/>
+      </a:lnRef>
+      <a:fillRef idx="1">
+        <a:scrgbClr r="0" g="0" b="0"/>
+      </a:fillRef>
+      <a:effectRef idx="0">
+        <a:scrgbClr r="0" g="0" b="0"/>
+      </a:effectRef>
+      <a:fontRef idx="minor">
+        <a:schemeClr val="lt1"/>
+      </a:fontRef>
+    </dgm:style>
+  </dgm:styleLbl>
+  <dgm:styleLbl name="fgImgPlace1">
+    <dgm:scene3d>
+      <a:camera prst="orthographicFront"/>
+      <a:lightRig rig="threePt" dir="t"/>
+    </dgm:scene3d>
+    <dgm:sp3d/>
+    <dgm:txPr/>
+    <dgm:style>
+      <a:lnRef idx="2">
+        <a:scrgbClr r="0" g="0" b="0"/>
+      </a:lnRef>
+      <a:fillRef idx="1">
+        <a:scrgbClr r="0" g="0" b="0"/>
+      </a:fillRef>
+      <a:effectRef idx="0">
+        <a:scrgbClr r="0" g="0" b="0"/>
+      </a:effectRef>
+      <a:fontRef idx="minor"/>
+    </dgm:style>
+  </dgm:styleLbl>
+  <dgm:styleLbl name="alignImgPlace1">
+    <dgm:scene3d>
+      <a:camera prst="orthographicFront"/>
+      <a:lightRig rig="threePt" dir="t"/>
+    </dgm:scene3d>
+    <dgm:sp3d/>
+    <dgm:txPr/>
+    <dgm:style>
+      <a:lnRef idx="2">
+        <a:scrgbClr r="0" g="0" b="0"/>
+      </a:lnRef>
+      <a:fillRef idx="1">
+        <a:scrgbClr r="0" g="0" b="0"/>
+      </a:fillRef>
+      <a:effectRef idx="0">
+        <a:scrgbClr r="0" g="0" b="0"/>
+      </a:effectRef>
+      <a:fontRef idx="minor"/>
+    </dgm:style>
+  </dgm:styleLbl>
+  <dgm:styleLbl name="bgImgPlace1">
+    <dgm:scene3d>
+      <a:camera prst="orthographicFront"/>
+      <a:lightRig rig="threePt" dir="t"/>
+    </dgm:scene3d>
+    <dgm:sp3d/>
+    <dgm:txPr/>
+    <dgm:style>
+      <a:lnRef idx="2">
+        <a:scrgbClr r="0" g="0" b="0"/>
+      </a:lnRef>
+      <a:fillRef idx="1">
+        <a:scrgbClr r="0" g="0" b="0"/>
+      </a:fillRef>
+      <a:effectRef idx="0">
+        <a:scrgbClr r="0" g="0" b="0"/>
+      </a:effectRef>
+      <a:fontRef idx="minor"/>
+    </dgm:style>
+  </dgm:styleLbl>
+  <dgm:styleLbl name="sibTrans2D1">
+    <dgm:scene3d>
+      <a:camera prst="orthographicFront"/>
+      <a:lightRig rig="threePt" dir="t"/>
+    </dgm:scene3d>
+    <dgm:sp3d/>
+    <dgm:txPr/>
+    <dgm:style>
+      <a:lnRef idx="0">
+        <a:scrgbClr r="0" g="0" b="0"/>
+      </a:lnRef>
+      <a:fillRef idx="1">
+        <a:scrgbClr r="0" g="0" b="0"/>
+      </a:fillRef>
+      <a:effectRef idx="0">
+        <a:scrgbClr r="0" g="0" b="0"/>
+      </a:effectRef>
+      <a:fontRef idx="minor">
+        <a:schemeClr val="lt1"/>
+      </a:fontRef>
+    </dgm:style>
+  </dgm:styleLbl>
+  <dgm:styleLbl name="fgSibTrans2D1">
+    <dgm:scene3d>
+      <a:camera prst="orthographicFront"/>
+      <a:lightRig rig="threePt" dir="t"/>
+    </dgm:scene3d>
+    <dgm:sp3d/>
+    <dgm:txPr/>
+    <dgm:style>
+      <a:lnRef idx="0">
+        <a:scrgbClr r="0" g="0" b="0"/>
+      </a:lnRef>
+      <a:fillRef idx="1">
+        <a:scrgbClr r="0" g="0" b="0"/>
+      </a:fillRef>
+      <a:effectRef idx="0">
+        <a:scrgbClr r="0" g="0" b="0"/>
+      </a:effectRef>
+      <a:fontRef idx="minor">
+        <a:schemeClr val="lt1"/>
+      </a:fontRef>
+    </dgm:style>
+  </dgm:styleLbl>
+  <dgm:styleLbl name="bgSibTrans2D1">
+    <dgm:scene3d>
+      <a:camera prst="orthographicFront"/>
+      <a:lightRig rig="threePt" dir="t"/>
+    </dgm:scene3d>
+    <dgm:sp3d/>
+    <dgm:txPr/>
+    <dgm:style>
+      <a:lnRef idx="0">
+        <a:scrgbClr r="0" g="0" b="0"/>
+      </a:lnRef>
+      <a:fillRef idx="1">
+        <a:scrgbClr r="0" g="0" b="0"/>
+      </a:fillRef>
+      <a:effectRef idx="0">
+        <a:scrgbClr r="0" g="0" b="0"/>
+      </a:effectRef>
+      <a:fontRef idx="minor">
+        <a:schemeClr val="lt1"/>
+      </a:fontRef>
+    </dgm:style>
+  </dgm:styleLbl>
+  <dgm:styleLbl name="sibTrans1D1">
+    <dgm:scene3d>
+      <a:camera prst="orthographicFront"/>
+      <a:lightRig rig="threePt" dir="t"/>
+    </dgm:scene3d>
+    <dgm:sp3d/>
+    <dgm:txPr/>
+    <dgm:style>
+      <a:lnRef idx="1">
+        <a:scrgbClr r="0" g="0" b="0"/>
+      </a:lnRef>
+      <a:fillRef idx="0">
+        <a:scrgbClr r="0" g="0" b="0"/>
+      </a:fillRef>
+      <a:effectRef idx="0">
+        <a:scrgbClr r="0" g="0" b="0"/>
+      </a:effectRef>
+      <a:fontRef idx="minor"/>
+    </dgm:style>
+  </dgm:styleLbl>
+  <dgm:styleLbl name="callout">
+    <dgm:scene3d>
+      <a:camera prst="orthographicFront"/>
+      <a:lightRig rig="threePt" dir="t"/>
+    </dgm:scene3d>
+    <dgm:sp3d/>
+    <dgm:txPr/>
+    <dgm:style>
+      <a:lnRef idx="2">
+        <a:scrgbClr r="0" g="0" b="0"/>
+      </a:lnRef>
+      <a:fillRef idx="1">
+        <a:scrgbClr r="0" g="0" b="0"/>
+      </a:fillRef>
+      <a:effectRef idx="0">
+        <a:scrgbClr r="0" g="0" b="0"/>
+      </a:effectRef>
+      <a:fontRef idx="minor"/>
+    </dgm:style>
+  </dgm:styleLbl>
+  <dgm:styleLbl name="asst0">
+    <dgm:scene3d>
+      <a:camera prst="orthographicFront"/>
+      <a:lightRig rig="threePt" dir="t"/>
+    </dgm:scene3d>
+    <dgm:sp3d/>
+    <dgm:txPr/>
+    <dgm:style>
+      <a:lnRef idx="2">
+        <a:scrgbClr r="0" g="0" b="0"/>
+      </a:lnRef>
+      <a:fillRef idx="1">
+        <a:scrgbClr r="0" g="0" b="0"/>
+      </a:fillRef>
+      <a:effectRef idx="0">
+        <a:scrgbClr r="0" g="0" b="0"/>
+      </a:effectRef>
+      <a:fontRef idx="minor">
+        <a:schemeClr val="lt1"/>
+      </a:fontRef>
+    </dgm:style>
+  </dgm:styleLbl>
+  <dgm:styleLbl name="asst1">
+    <dgm:scene3d>
+      <a:camera prst="orthographicFront"/>
+      <a:lightRig rig="threePt" dir="t"/>
+    </dgm:scene3d>
+    <dgm:sp3d/>
+    <dgm:txPr/>
+    <dgm:style>
+      <a:lnRef idx="2">
+        <a:scrgbClr r="0" g="0" b="0"/>
+      </a:lnRef>
+      <a:fillRef idx="1">
+        <a:scrgbClr r="0" g="0" b="0"/>
+      </a:fillRef>
+      <a:effectRef idx="0">
+        <a:scrgbClr r="0" g="0" b="0"/>
+      </a:effectRef>
+      <a:fontRef idx="minor">
+        <a:schemeClr val="lt1"/>
+      </a:fontRef>
+    </dgm:style>
+  </dgm:styleLbl>
+  <dgm:styleLbl name="asst2">
+    <dgm:scene3d>
+      <a:camera prst="orthographicFront"/>
+      <a:lightRig rig="threePt" dir="t"/>
+    </dgm:scene3d>
+    <dgm:sp3d/>
+    <dgm:txPr/>
+    <dgm:style>
+      <a:lnRef idx="2">
+        <a:scrgbClr r="0" g="0" b="0"/>
+      </a:lnRef>
+      <a:fillRef idx="1">
+        <a:scrgbClr r="0" g="0" b="0"/>
+      </a:fillRef>
+      <a:effectRef idx="0">
+        <a:scrgbClr r="0" g="0" b="0"/>
+      </a:effectRef>
+      <a:fontRef idx="minor">
+        <a:schemeClr val="lt1"/>
+      </a:fontRef>
+    </dgm:style>
+  </dgm:styleLbl>
+  <dgm:styleLbl name="asst3">
+    <dgm:scene3d>
+      <a:camera prst="orthographicFront"/>
+      <a:lightRig rig="threePt" dir="t"/>
+    </dgm:scene3d>
+    <dgm:sp3d/>
+    <dgm:txPr/>
+    <dgm:style>
+      <a:lnRef idx="2">
+        <a:scrgbClr r="0" g="0" b="0"/>
+      </a:lnRef>
+      <a:fillRef idx="1">
+        <a:scrgbClr r="0" g="0" b="0"/>
+      </a:fillRef>
+      <a:effectRef idx="0">
+        <a:scrgbClr r="0" g="0" b="0"/>
+      </a:effectRef>
+      <a:fontRef idx="minor">
+        <a:schemeClr val="lt1"/>
+      </a:fontRef>
+    </dgm:style>
+  </dgm:styleLbl>
+  <dgm:styleLbl name="asst4">
+    <dgm:scene3d>
+      <a:camera prst="orthographicFront"/>
+      <a:lightRig rig="threePt" dir="t"/>
+    </dgm:scene3d>
+    <dgm:sp3d/>
+    <dgm:txPr/>
+    <dgm:style>
+      <a:lnRef idx="2">
+        <a:scrgbClr r="0" g="0" b="0"/>
+      </a:lnRef>
+      <a:fillRef idx="1">
+        <a:scrgbClr r="0" g="0" b="0"/>
+      </a:fillRef>
+      <a:effectRef idx="0">
+        <a:scrgbClr r="0" g="0" b="0"/>
+      </a:effectRef>
+      <a:fontRef idx="minor">
+        <a:schemeClr val="lt1"/>
+      </a:fontRef>
+    </dgm:style>
+  </dgm:styleLbl>
+  <dgm:styleLbl name="parChTrans2D1">
+    <dgm:scene3d>
+      <a:camera prst="orthographicFront"/>
+      <a:lightRig rig="threePt" dir="t"/>
+    </dgm:scene3d>
+    <dgm:sp3d/>
+    <dgm:txPr/>
+    <dgm:style>
+      <a:lnRef idx="2">
+        <a:scrgbClr r="0" g="0" b="0"/>
+      </a:lnRef>
+      <a:fillRef idx="1">
+        <a:scrgbClr r="0" g="0" b="0"/>
+      </a:fillRef>
+      <a:effectRef idx="0">
+        <a:scrgbClr r="0" g="0" b="0"/>
+      </a:effectRef>
+      <a:fontRef idx="minor">
+        <a:schemeClr val="lt1"/>
+      </a:fontRef>
+    </dgm:style>
+  </dgm:styleLbl>
+  <dgm:styleLbl name="parChTrans2D2">
+    <dgm:scene3d>
+      <a:camera prst="orthographicFront"/>
+      <a:lightRig rig="threePt" dir="t"/>
+    </dgm:scene3d>
+    <dgm:sp3d/>
+    <dgm:txPr/>
+    <dgm:style>
+      <a:lnRef idx="2">
+        <a:scrgbClr r="0" g="0" b="0"/>
+      </a:lnRef>
+      <a:fillRef idx="1">
+        <a:scrgbClr r="0" g="0" b="0"/>
+      </a:fillRef>
+      <a:effectRef idx="0">
+        <a:scrgbClr r="0" g="0" b="0"/>
+      </a:effectRef>
+      <a:fontRef idx="minor">
+        <a:schemeClr val="lt1"/>
+      </a:fontRef>
+    </dgm:style>
+  </dgm:styleLbl>
+  <dgm:styleLbl name="parChTrans2D3">
+    <dgm:scene3d>
+      <a:camera prst="orthographicFront"/>
+      <a:lightRig rig="threePt" dir="t"/>
+    </dgm:scene3d>
+    <dgm:sp3d/>
+    <dgm:txPr/>
+    <dgm:style>
+      <a:lnRef idx="2">
+        <a:scrgbClr r="0" g="0" b="0"/>
+      </a:lnRef>
+      <a:fillRef idx="1">
+        <a:scrgbClr r="0" g="0" b="0"/>
+      </a:fillRef>
+      <a:effectRef idx="0">
+        <a:scrgbClr r="0" g="0" b="0"/>
+      </a:effectRef>
+      <a:fontRef idx="minor">
+        <a:schemeClr val="lt1"/>
+      </a:fontRef>
+    </dgm:style>
+  </dgm:styleLbl>
+  <dgm:styleLbl name="parChTrans2D4">
+    <dgm:scene3d>
+      <a:camera prst="orthographicFront"/>
+      <a:lightRig rig="threePt" dir="t"/>
+    </dgm:scene3d>
+    <dgm:sp3d/>
+    <dgm:txPr/>
+    <dgm:style>
+      <a:lnRef idx="2">
+        <a:scrgbClr r="0" g="0" b="0"/>
+      </a:lnRef>
+      <a:fillRef idx="1">
+        <a:scrgbClr r="0" g="0" b="0"/>
+      </a:fillRef>
+      <a:effectRef idx="0">
+        <a:scrgbClr r="0" g="0" b="0"/>
+      </a:effectRef>
+      <a:fontRef idx="minor">
+        <a:schemeClr val="lt1"/>
+      </a:fontRef>
+    </dgm:style>
+  </dgm:styleLbl>
+  <dgm:styleLbl name="parChTrans1D1">
+    <dgm:scene3d>
+      <a:camera prst="orthographicFront"/>
+      <a:lightRig rig="threePt" dir="t"/>
+    </dgm:scene3d>
+    <dgm:sp3d/>
+    <dgm:txPr/>
+    <dgm:style>
+      <a:lnRef idx="2">
+        <a:scrgbClr r="0" g="0" b="0"/>
+      </a:lnRef>
+      <a:fillRef idx="0">
+        <a:scrgbClr r="0" g="0" b="0"/>
+      </a:fillRef>
+      <a:effectRef idx="0">
+        <a:scrgbClr r="0" g="0" b="0"/>
+      </a:effectRef>
+      <a:fontRef idx="minor"/>
+    </dgm:style>
+  </dgm:styleLbl>
+  <dgm:styleLbl name="parChTrans1D2">
+    <dgm:scene3d>
+      <a:camera prst="orthographicFront"/>
+      <a:lightRig rig="threePt" dir="t"/>
+    </dgm:scene3d>
+    <dgm:sp3d/>
+    <dgm:txPr/>
+    <dgm:style>
+      <a:lnRef idx="2">
+        <a:scrgbClr r="0" g="0" b="0"/>
+      </a:lnRef>
+      <a:fillRef idx="0">
+        <a:scrgbClr r="0" g="0" b="0"/>
+      </a:fillRef>
+      <a:effectRef idx="0">
+        <a:scrgbClr r="0" g="0" b="0"/>
+      </a:effectRef>
+      <a:fontRef idx="minor"/>
+    </dgm:style>
+  </dgm:styleLbl>
+  <dgm:styleLbl name="parChTrans1D3">
+    <dgm:scene3d>
+      <a:camera prst="orthographicFront"/>
+      <a:lightRig rig="threePt" dir="t"/>
+    </dgm:scene3d>
+    <dgm:sp3d/>
+    <dgm:txPr/>
+    <dgm:style>
+      <a:lnRef idx="2">
+        <a:scrgbClr r="0" g="0" b="0"/>
+      </a:lnRef>
+      <a:fillRef idx="0">
+        <a:scrgbClr r="0" g="0" b="0"/>
+      </a:fillRef>
+      <a:effectRef idx="0">
+        <a:scrgbClr r="0" g="0" b="0"/>
+      </a:effectRef>
+      <a:fontRef idx="minor"/>
+    </dgm:style>
+  </dgm:styleLbl>
+  <dgm:styleLbl name="parChTrans1D4">
+    <dgm:scene3d>
+      <a:camera prst="orthographicFront"/>
+      <a:lightRig rig="threePt" dir="t"/>
+    </dgm:scene3d>
+    <dgm:sp3d/>
+    <dgm:txPr/>
+    <dgm:style>
+      <a:lnRef idx="2">
+        <a:scrgbClr r="0" g="0" b="0"/>
+      </a:lnRef>
+      <a:fillRef idx="0">
+        <a:scrgbClr r="0" g="0" b="0"/>
+      </a:fillRef>
+      <a:effectRef idx="0">
+        <a:scrgbClr r="0" g="0" b="0"/>
+      </a:effectRef>
+      <a:fontRef idx="minor"/>
+    </dgm:style>
+  </dgm:styleLbl>
+  <dgm:styleLbl name="fgAcc1">
+    <dgm:scene3d>
+      <a:camera prst="orthographicFront"/>
+      <a:lightRig rig="threePt" dir="t"/>
+    </dgm:scene3d>
+    <dgm:sp3d/>
+    <dgm:txPr/>
+    <dgm:style>
+      <a:lnRef idx="2">
+        <a:scrgbClr r="0" g="0" b="0"/>
+      </a:lnRef>
+      <a:fillRef idx="1">
+        <a:scrgbClr r="0" g="0" b="0"/>
+      </a:fillRef>
+      <a:effectRef idx="0">
+        <a:scrgbClr r="0" g="0" b="0"/>
+      </a:effectRef>
+      <a:fontRef idx="minor"/>
+    </dgm:style>
+  </dgm:styleLbl>
+  <dgm:styleLbl name="conFgAcc1">
+    <dgm:scene3d>
+      <a:camera prst="orthographicFront"/>
+      <a:lightRig rig="threePt" dir="t"/>
+    </dgm:scene3d>
+    <dgm:sp3d/>
+    <dgm:txPr/>
+    <dgm:style>
+      <a:lnRef idx="2">
+        <a:scrgbClr r="0" g="0" b="0"/>
+      </a:lnRef>
+      <a:fillRef idx="1">
+        <a:scrgbClr r="0" g="0" b="0"/>
+      </a:fillRef>
+      <a:effectRef idx="0">
+        <a:scrgbClr r="0" g="0" b="0"/>
+      </a:effectRef>
+      <a:fontRef idx="minor"/>
+    </dgm:style>
+  </dgm:styleLbl>
+  <dgm:styleLbl name="alignAcc1">
+    <dgm:scene3d>
+      <a:camera prst="orthographicFront"/>
+      <a:lightRig rig="threePt" dir="t"/>
+    </dgm:scene3d>
+    <dgm:sp3d/>
+    <dgm:txPr/>
+    <dgm:style>
+      <a:lnRef idx="2">
+        <a:scrgbClr r="0" g="0" b="0"/>
+      </a:lnRef>
+      <a:fillRef idx="1">
+        <a:scrgbClr r="0" g="0" b="0"/>
+      </a:fillRef>
+      <a:effectRef idx="0">
+        <a:scrgbClr r="0" g="0" b="0"/>
+      </a:effectRef>
+      <a:fontRef idx="minor"/>
+    </dgm:style>
+  </dgm:styleLbl>
+  <dgm:styleLbl name="trAlignAcc1">
+    <dgm:scene3d>
+      <a:camera prst="orthographicFront"/>
+      <a:lightRig rig="threePt" dir="t"/>
+    </dgm:scene3d>
+    <dgm:sp3d/>
+    <dgm:txPr/>
+    <dgm:style>
+      <a:lnRef idx="1">
+        <a:scrgbClr r="0" g="0" b="0"/>
+      </a:lnRef>
+      <a:fillRef idx="1">
+        <a:scrgbClr r="0" g="0" b="0"/>
+      </a:fillRef>
+      <a:effectRef idx="0">
+        <a:scrgbClr r="0" g="0" b="0"/>
+      </a:effectRef>
+      <a:fontRef idx="minor"/>
+    </dgm:style>
+  </dgm:styleLbl>
+  <dgm:styleLbl name="bgAcc1">
+    <dgm:scene3d>
+      <a:camera prst="orthographicFront"/>
+      <a:lightRig rig="threePt" dir="t"/>
+    </dgm:scene3d>
+    <dgm:sp3d/>
+    <dgm:txPr/>
+    <dgm:style>
+      <a:lnRef idx="2">
+        <a:scrgbClr r="0" g="0" b="0"/>
+      </a:lnRef>
+      <a:fillRef idx="1">
+        <a:scrgbClr r="0" g="0" b="0"/>
+      </a:fillRef>
+      <a:effectRef idx="0">
+        <a:scrgbClr r="0" g="0" b="0"/>
+      </a:effectRef>
+      <a:fontRef idx="minor"/>
+    </dgm:style>
+  </dgm:styleLbl>
+  <dgm:styleLbl name="solidFgAcc1">
+    <dgm:scene3d>
+      <a:camera prst="orthographicFront"/>
+      <a:lightRig rig="threePt" dir="t"/>
+    </dgm:scene3d>
+    <dgm:sp3d/>
+    <dgm:txPr/>
+    <dgm:style>
+      <a:lnRef idx="2">
+        <a:scrgbClr r="0" g="0" b="0"/>
+      </a:lnRef>
+      <a:fillRef idx="1">
+        <a:scrgbClr r="0" g="0" b="0"/>
+      </a:fillRef>
+      <a:effectRef idx="0">
+        <a:scrgbClr r="0" g="0" b="0"/>
+      </a:effectRef>
+      <a:fontRef idx="minor"/>
+    </dgm:style>
+  </dgm:styleLbl>
+  <dgm:styleLbl name="solidAlignAcc1">
+    <dgm:scene3d>
+      <a:camera prst="orthographicFront"/>
+      <a:lightRig rig="threePt" dir="t"/>
+    </dgm:scene3d>
+    <dgm:sp3d/>
+    <dgm:txPr/>
+    <dgm:style>
+      <a:lnRef idx="2">
+        <a:scrgbClr r="0" g="0" b="0"/>
+      </a:lnRef>
+      <a:fillRef idx="1">
+        <a:scrgbClr r="0" g="0" b="0"/>
+      </a:fillRef>
+      <a:effectRef idx="0">
+        <a:scrgbClr r="0" g="0" b="0"/>
+      </a:effectRef>
+      <a:fontRef idx="minor"/>
+    </dgm:style>
+  </dgm:styleLbl>
+  <dgm:styleLbl name="solidBgAcc1">
+    <dgm:scene3d>
+      <a:camera prst="orthographicFront"/>
+      <a:lightRig rig="threePt" dir="t"/>
+    </dgm:scene3d>
+    <dgm:sp3d/>
+    <dgm:txPr/>
+    <dgm:style>
+      <a:lnRef idx="2">
+        <a:scrgbClr r="0" g="0" b="0"/>
+      </a:lnRef>
+      <a:fillRef idx="1">
+        <a:scrgbClr r="0" g="0" b="0"/>
+      </a:fillRef>
+      <a:effectRef idx="0">
+        <a:scrgbClr r="0" g="0" b="0"/>
+      </a:effectRef>
+      <a:fontRef idx="minor"/>
+    </dgm:style>
+  </dgm:styleLbl>
+  <dgm:styleLbl name="fgAccFollowNode1">
+    <dgm:scene3d>
+      <a:camera prst="orthographicFront"/>
+      <a:lightRig rig="threePt" dir="t"/>
+    </dgm:scene3d>
+    <dgm:sp3d/>
+    <dgm:txPr/>
+    <dgm:style>
+      <a:lnRef idx="2">
+        <a:scrgbClr r="0" g="0" b="0"/>
+      </a:lnRef>
+      <a:fillRef idx="1">
+        <a:scrgbClr r="0" g="0" b="0"/>
+      </a:fillRef>
+      <a:effectRef idx="0">
+        <a:scrgbClr r="0" g="0" b="0"/>
+      </a:effectRef>
+      <a:fontRef idx="minor"/>
+    </dgm:style>
+  </dgm:styleLbl>
+  <dgm:styleLbl name="alignAccFollowNode1">
+    <dgm:scene3d>
+      <a:camera prst="orthographicFront"/>
+      <a:lightRig rig="threePt" dir="t"/>
+    </dgm:scene3d>
+    <dgm:sp3d/>
+    <dgm:txPr/>
+    <dgm:style>
+      <a:lnRef idx="2">
+        <a:scrgbClr r="0" g="0" b="0"/>
+      </a:lnRef>
+      <a:fillRef idx="1">
+        <a:scrgbClr r="0" g="0" b="0"/>
+      </a:fillRef>
+      <a:effectRef idx="0">
+        <a:scrgbClr r="0" g="0" b="0"/>
+      </a:effectRef>
+      <a:fontRef idx="minor"/>
+    </dgm:style>
+  </dgm:styleLbl>
+  <dgm:styleLbl name="bgAccFollowNode1">
+    <dgm:scene3d>
+      <a:camera prst="orthographicFront"/>
+      <a:lightRig rig="threePt" dir="t"/>
+    </dgm:scene3d>
+    <dgm:sp3d/>
+    <dgm:txPr/>
+    <dgm:style>
+      <a:lnRef idx="2">
+        <a:scrgbClr r="0" g="0" b="0"/>
+      </a:lnRef>
+      <a:fillRef idx="1">
+        <a:scrgbClr r="0" g="0" b="0"/>
+      </a:fillRef>
+      <a:effectRef idx="0">
+        <a:scrgbClr r="0" g="0" b="0"/>
+      </a:effectRef>
+      <a:fontRef idx="minor"/>
+    </dgm:style>
+  </dgm:styleLbl>
+  <dgm:styleLbl name="fgAcc0">
+    <dgm:scene3d>
+      <a:camera prst="orthographicFront"/>
+      <a:lightRig rig="threePt" dir="t"/>
+    </dgm:scene3d>
+    <dgm:sp3d/>
+    <dgm:txPr/>
+    <dgm:style>
+      <a:lnRef idx="2">
+        <a:scrgbClr r="0" g="0" b="0"/>
+      </a:lnRef>
+      <a:fillRef idx="1">
+        <a:scrgbClr r="0" g="0" b="0"/>
+      </a:fillRef>
+      <a:effectRef idx="0">
+        <a:scrgbClr r="0" g="0" b="0"/>
+      </a:effectRef>
+      <a:fontRef idx="minor"/>
+    </dgm:style>
+  </dgm:styleLbl>
+  <dgm:styleLbl name="fgAcc2">
+    <dgm:scene3d>
+      <a:camera prst="orthographicFront"/>
+      <a:lightRig rig="threePt" dir="t"/>
+    </dgm:scene3d>
+    <dgm:sp3d/>
+    <dgm:txPr/>
+    <dgm:style>
+      <a:lnRef idx="2">
+        <a:scrgbClr r="0" g="0" b="0"/>
+      </a:lnRef>
+      <a:fillRef idx="1">
+        <a:scrgbClr r="0" g="0" b="0"/>
+      </a:fillRef>
+      <a:effectRef idx="0">
+        <a:scrgbClr r="0" g="0" b="0"/>
+      </a:effectRef>
+      <a:fontRef idx="minor"/>
+    </dgm:style>
+  </dgm:styleLbl>
+  <dgm:styleLbl name="fgAcc3">
+    <dgm:scene3d>
+      <a:camera prst="orthographicFront"/>
+      <a:lightRig rig="threePt" dir="t"/>
+    </dgm:scene3d>
+    <dgm:sp3d/>
+    <dgm:txPr/>
+    <dgm:style>
+      <a:lnRef idx="2">
+        <a:scrgbClr r="0" g="0" b="0"/>
+      </a:lnRef>
+      <a:fillRef idx="1">
+        <a:scrgbClr r="0" g="0" b="0"/>
+      </a:fillRef>
+      <a:effectRef idx="0">
+        <a:scrgbClr r="0" g="0" b="0"/>
+      </a:effectRef>
+      <a:fontRef idx="minor"/>
+    </dgm:style>
+  </dgm:styleLbl>
+  <dgm:styleLbl name="fgAcc4">
+    <dgm:scene3d>
+      <a:camera prst="orthographicFront"/>
+      <a:lightRig rig="threePt" dir="t"/>
+    </dgm:scene3d>
+    <dgm:sp3d/>
+    <dgm:txPr/>
+    <dgm:style>
+      <a:lnRef idx="2">
+        <a:scrgbClr r="0" g="0" b="0"/>
+      </a:lnRef>
+      <a:fillRef idx="1">
+        <a:scrgbClr r="0" g="0" b="0"/>
+      </a:fillRef>
+      <a:effectRef idx="0">
+        <a:scrgbClr r="0" g="0" b="0"/>
+      </a:effectRef>
+      <a:fontRef idx="minor"/>
+    </dgm:style>
+  </dgm:styleLbl>
+  <dgm:styleLbl name="bgShp">
+    <dgm:scene3d>
+      <a:camera prst="orthographicFront"/>
+      <a:lightRig rig="threePt" dir="t"/>
+    </dgm:scene3d>
+    <dgm:sp3d/>
+    <dgm:txPr/>
+    <dgm:style>
+      <a:lnRef idx="0">
+        <a:scrgbClr r="0" g="0" b="0"/>
+      </a:lnRef>
+      <a:fillRef idx="1">
+        <a:scrgbClr r="0" g="0" b="0"/>
+      </a:fillRef>
+      <a:effectRef idx="0">
+        <a:scrgbClr r="0" g="0" b="0"/>
+      </a:effectRef>
+      <a:fontRef idx="minor"/>
+    </dgm:style>
+  </dgm:styleLbl>
+  <dgm:styleLbl name="dkBgShp">
+    <dgm:scene3d>
+      <a:camera prst="orthographicFront"/>
+      <a:lightRig rig="threePt" dir="t"/>
+    </dgm:scene3d>
+    <dgm:sp3d/>
+    <dgm:txPr/>
+    <dgm:style>
+      <a:lnRef idx="0">
+        <a:scrgbClr r="0" g="0" b="0"/>
+      </a:lnRef>
+      <a:fillRef idx="1">
+        <a:scrgbClr r="0" g="0" b="0"/>
+      </a:fillRef>
+      <a:effectRef idx="0">
+        <a:scrgbClr r="0" g="0" b="0"/>
+      </a:effectRef>
+      <a:fontRef idx="minor"/>
+    </dgm:style>
+  </dgm:styleLbl>
+  <dgm:styleLbl name="trBgShp">
+    <dgm:scene3d>
+      <a:camera prst="orthographicFront"/>
+      <a:lightRig rig="threePt" dir="t"/>
+    </dgm:scene3d>
+    <dgm:sp3d/>
+    <dgm:txPr/>
+    <dgm:style>
+      <a:lnRef idx="0">
+        <a:scrgbClr r="0" g="0" b="0"/>
+      </a:lnRef>
+      <a:fillRef idx="1">
+        <a:scrgbClr r="0" g="0" b="0"/>
+      </a:fillRef>
+      <a:effectRef idx="0">
+        <a:scrgbClr r="0" g="0" b="0"/>
+      </a:effectRef>
+      <a:fontRef idx="minor"/>
+    </dgm:style>
+  </dgm:styleLbl>
+  <dgm:styleLbl name="fgShp">
+    <dgm:scene3d>
+      <a:camera prst="orthographicFront"/>
+      <a:lightRig rig="threePt" dir="t"/>
+    </dgm:scene3d>
+    <dgm:sp3d/>
+    <dgm:txPr/>
+    <dgm:style>
+      <a:lnRef idx="2">
+        <a:scrgbClr r="0" g="0" b="0"/>
+      </a:lnRef>
+      <a:fillRef idx="1">
+        <a:scrgbClr r="0" g="0" b="0"/>
+      </a:fillRef>
+      <a:effectRef idx="0">
+        <a:scrgbClr r="0" g="0" b="0"/>
+      </a:effectRef>
+      <a:fontRef idx="minor"/>
+    </dgm:style>
+  </dgm:styleLbl>
+  <dgm:styleLbl name="revTx">
+    <dgm:scene3d>
+      <a:camera prst="orthographicFront"/>
+      <a:lightRig rig="threePt" dir="t"/>
+    </dgm:scene3d>
+    <dgm:sp3d/>
+    <dgm:txPr/>
+    <dgm:style>
+      <a:lnRef idx="0">
+        <a:scrgbClr r="0" g="0" b="0"/>
+      </a:lnRef>
+      <a:fillRef idx="0">
+        <a:scrgbClr r="0" g="0" b="0"/>
+      </a:fillRef>
+      <a:effectRef idx="0">
+        <a:scrgbClr r="0" g="0" b="0"/>
+      </a:effectRef>
+      <a:fontRef idx="minor"/>
+    </dgm:style>
+  </dgm:styleLbl>
+</dgm:styleDef>
+</file>
+
+<file path=ppt/diagrams/quickStyle4.xml><?xml version="1.0" encoding="utf-8"?>
+<dgm:styleDef xmlns:dgm="http://schemas.openxmlformats.org/drawingml/2006/diagram" xmlns:a="http://schemas.openxmlformats.org/drawingml/2006/main" uniqueId="urn:microsoft.com/office/officeart/2005/8/quickstyle/simple1">
+  <dgm:title val=""/>
+  <dgm:desc val=""/>
+  <dgm:catLst>
+    <dgm:cat type="simple" pri="10100"/>
+  </dgm:catLst>
+  <dgm:scene3d>
+    <a:camera prst="orthographicFront"/>
+    <a:lightRig rig="threePt" dir="t"/>
+  </dgm:scene3d>
+  <dgm:styleLbl name="node0">
+    <dgm:scene3d>
+      <a:camera prst="orthographicFront"/>
+      <a:lightRig rig="threePt" dir="t"/>
+    </dgm:scene3d>
+    <dgm:sp3d/>
+    <dgm:txPr/>
+    <dgm:style>
+      <a:lnRef idx="2">
+        <a:scrgbClr r="0" g="0" b="0"/>
+      </a:lnRef>
+      <a:fillRef idx="1">
+        <a:scrgbClr r="0" g="0" b="0"/>
+      </a:fillRef>
+      <a:effectRef idx="0">
+        <a:scrgbClr r="0" g="0" b="0"/>
+      </a:effectRef>
+      <a:fontRef idx="minor">
+        <a:schemeClr val="lt1"/>
+      </a:fontRef>
+    </dgm:style>
+  </dgm:styleLbl>
+  <dgm:styleLbl name="lnNode1">
+    <dgm:scene3d>
+      <a:camera prst="orthographicFront"/>
+      <a:lightRig rig="threePt" dir="t"/>
+    </dgm:scene3d>
+    <dgm:sp3d/>
+    <dgm:txPr/>
+    <dgm:style>
+      <a:lnRef idx="2">
+        <a:scrgbClr r="0" g="0" b="0"/>
+      </a:lnRef>
+      <a:fillRef idx="1">
+        <a:scrgbClr r="0" g="0" b="0"/>
+      </a:fillRef>
+      <a:effectRef idx="0">
+        <a:scrgbClr r="0" g="0" b="0"/>
+      </a:effectRef>
+      <a:fontRef idx="minor">
+        <a:schemeClr val="lt1"/>
+      </a:fontRef>
+    </dgm:style>
+  </dgm:styleLbl>
+  <dgm:styleLbl name="vennNode1">
+    <dgm:scene3d>
+      <a:camera prst="orthographicFront"/>
+      <a:lightRig rig="threePt" dir="t"/>
+    </dgm:scene3d>
+    <dgm:sp3d/>
+    <dgm:txPr/>
+    <dgm:style>
+      <a:lnRef idx="2">
+        <a:scrgbClr r="0" g="0" b="0"/>
+      </a:lnRef>
+      <a:fillRef idx="1">
+        <a:scrgbClr r="0" g="0" b="0"/>
+      </a:fillRef>
+      <a:effectRef idx="0">
+        <a:scrgbClr r="0" g="0" b="0"/>
+      </a:effectRef>
+      <a:fontRef idx="minor">
+        <a:schemeClr val="tx1"/>
+      </a:fontRef>
+    </dgm:style>
+  </dgm:styleLbl>
+  <dgm:styleLbl name="alignNode1">
+    <dgm:scene3d>
+      <a:camera prst="orthographicFront"/>
+      <a:lightRig rig="threePt" dir="t"/>
+    </dgm:scene3d>
+    <dgm:sp3d/>
+    <dgm:txPr/>
+    <dgm:style>
+      <a:lnRef idx="2">
+        <a:scrgbClr r="0" g="0" b="0"/>
+      </a:lnRef>
+      <a:fillRef idx="1">
+        <a:scrgbClr r="0" g="0" b="0"/>
+      </a:fillRef>
+      <a:effectRef idx="0">
+        <a:scrgbClr r="0" g="0" b="0"/>
+      </a:effectRef>
+      <a:fontRef idx="minor">
+        <a:schemeClr val="lt1"/>
+      </a:fontRef>
+    </dgm:style>
+  </dgm:styleLbl>
+  <dgm:styleLbl name="node1">
+    <dgm:scene3d>
+      <a:camera prst="orthographicFront"/>
+      <a:lightRig rig="threePt" dir="t"/>
+    </dgm:scene3d>
+    <dgm:sp3d/>
+    <dgm:txPr/>
+    <dgm:style>
+      <a:lnRef idx="2">
+        <a:scrgbClr r="0" g="0" b="0"/>
+      </a:lnRef>
+      <a:fillRef idx="1">
+        <a:scrgbClr r="0" g="0" b="0"/>
+      </a:fillRef>
+      <a:effectRef idx="0">
+        <a:scrgbClr r="0" g="0" b="0"/>
+      </a:effectRef>
+      <a:fontRef idx="minor">
+        <a:schemeClr val="lt1"/>
+      </a:fontRef>
+    </dgm:style>
+  </dgm:styleLbl>
+  <dgm:styleLbl name="node2">
+    <dgm:scene3d>
+      <a:camera prst="orthographicFront"/>
+      <a:lightRig rig="threePt" dir="t"/>
+    </dgm:scene3d>
+    <dgm:sp3d/>
+    <dgm:txPr/>
+    <dgm:style>
+      <a:lnRef idx="2">
+        <a:scrgbClr r="0" g="0" b="0"/>
+      </a:lnRef>
+      <a:fillRef idx="1">
+        <a:scrgbClr r="0" g="0" b="0"/>
+      </a:fillRef>
+      <a:effectRef idx="0">
+        <a:scrgbClr r="0" g="0" b="0"/>
+      </a:effectRef>
+      <a:fontRef idx="minor">
+        <a:schemeClr val="lt1"/>
+      </a:fontRef>
+    </dgm:style>
+  </dgm:styleLbl>
+  <dgm:styleLbl name="node3">
+    <dgm:scene3d>
+      <a:camera prst="orthographicFront"/>
+      <a:lightRig rig="threePt" dir="t"/>
+    </dgm:scene3d>
+    <dgm:sp3d/>
+    <dgm:txPr/>
+    <dgm:style>
+      <a:lnRef idx="2">
+        <a:scrgbClr r="0" g="0" b="0"/>
+      </a:lnRef>
+      <a:fillRef idx="1">
+        <a:scrgbClr r="0" g="0" b="0"/>
+      </a:fillRef>
+      <a:effectRef idx="0">
+        <a:scrgbClr r="0" g="0" b="0"/>
+      </a:effectRef>
+      <a:fontRef idx="minor">
+        <a:schemeClr val="lt1"/>
+      </a:fontRef>
+    </dgm:style>
+  </dgm:styleLbl>
+  <dgm:styleLbl name="node4">
+    <dgm:scene3d>
+      <a:camera prst="orthographicFront"/>
+      <a:lightRig rig="threePt" dir="t"/>
+    </dgm:scene3d>
+    <dgm:sp3d/>
+    <dgm:txPr/>
+    <dgm:style>
+      <a:lnRef idx="2">
+        <a:scrgbClr r="0" g="0" b="0"/>
+      </a:lnRef>
+      <a:fillRef idx="1">
+        <a:scrgbClr r="0" g="0" b="0"/>
+      </a:fillRef>
+      <a:effectRef idx="0">
+        <a:scrgbClr r="0" g="0" b="0"/>
+      </a:effectRef>
+      <a:fontRef idx="minor">
+        <a:schemeClr val="lt1"/>
+      </a:fontRef>
+    </dgm:style>
+  </dgm:styleLbl>
+  <dgm:styleLbl name="fgImgPlace1">
+    <dgm:scene3d>
+      <a:camera prst="orthographicFront"/>
+      <a:lightRig rig="threePt" dir="t"/>
+    </dgm:scene3d>
+    <dgm:sp3d/>
+    <dgm:txPr/>
+    <dgm:style>
+      <a:lnRef idx="2">
+        <a:scrgbClr r="0" g="0" b="0"/>
+      </a:lnRef>
+      <a:fillRef idx="1">
+        <a:scrgbClr r="0" g="0" b="0"/>
+      </a:fillRef>
+      <a:effectRef idx="0">
+        <a:scrgbClr r="0" g="0" b="0"/>
+      </a:effectRef>
+      <a:fontRef idx="minor"/>
+    </dgm:style>
+  </dgm:styleLbl>
+  <dgm:styleLbl name="alignImgPlace1">
+    <dgm:scene3d>
+      <a:camera prst="orthographicFront"/>
+      <a:lightRig rig="threePt" dir="t"/>
+    </dgm:scene3d>
+    <dgm:sp3d/>
+    <dgm:txPr/>
+    <dgm:style>
+      <a:lnRef idx="2">
+        <a:scrgbClr r="0" g="0" b="0"/>
+      </a:lnRef>
+      <a:fillRef idx="1">
+        <a:scrgbClr r="0" g="0" b="0"/>
+      </a:fillRef>
+      <a:effectRef idx="0">
+        <a:scrgbClr r="0" g="0" b="0"/>
+      </a:effectRef>
+      <a:fontRef idx="minor"/>
+    </dgm:style>
+  </dgm:styleLbl>
+  <dgm:styleLbl name="bgImgPlace1">
+    <dgm:scene3d>
+      <a:camera prst="orthographicFront"/>
+      <a:lightRig rig="threePt" dir="t"/>
+    </dgm:scene3d>
+    <dgm:sp3d/>
+    <dgm:txPr/>
+    <dgm:style>
+      <a:lnRef idx="2">
+        <a:scrgbClr r="0" g="0" b="0"/>
+      </a:lnRef>
+      <a:fillRef idx="1">
+        <a:scrgbClr r="0" g="0" b="0"/>
+      </a:fillRef>
+      <a:effectRef idx="0">
+        <a:scrgbClr r="0" g="0" b="0"/>
+      </a:effectRef>
+      <a:fontRef idx="minor"/>
+    </dgm:style>
+  </dgm:styleLbl>
+  <dgm:styleLbl name="sibTrans2D1">
+    <dgm:scene3d>
+      <a:camera prst="orthographicFront"/>
+      <a:lightRig rig="threePt" dir="t"/>
+    </dgm:scene3d>
+    <dgm:sp3d/>
+    <dgm:txPr/>
+    <dgm:style>
+      <a:lnRef idx="0">
+        <a:scrgbClr r="0" g="0" b="0"/>
+      </a:lnRef>
+      <a:fillRef idx="1">
+        <a:scrgbClr r="0" g="0" b="0"/>
+      </a:fillRef>
+      <a:effectRef idx="0">
+        <a:scrgbClr r="0" g="0" b="0"/>
+      </a:effectRef>
+      <a:fontRef idx="minor">
+        <a:schemeClr val="lt1"/>
+      </a:fontRef>
+    </dgm:style>
+  </dgm:styleLbl>
+  <dgm:styleLbl name="fgSibTrans2D1">
+    <dgm:scene3d>
+      <a:camera prst="orthographicFront"/>
+      <a:lightRig rig="threePt" dir="t"/>
+    </dgm:scene3d>
+    <dgm:sp3d/>
+    <dgm:txPr/>
+    <dgm:style>
+      <a:lnRef idx="0">
+        <a:scrgbClr r="0" g="0" b="0"/>
+      </a:lnRef>
+      <a:fillRef idx="1">
+        <a:scrgbClr r="0" g="0" b="0"/>
+      </a:fillRef>
+      <a:effectRef idx="0">
+        <a:scrgbClr r="0" g="0" b="0"/>
+      </a:effectRef>
+      <a:fontRef idx="minor">
+        <a:schemeClr val="lt1"/>
+      </a:fontRef>
+    </dgm:style>
+  </dgm:styleLbl>
+  <dgm:styleLbl name="bgSibTrans2D1">
+    <dgm:scene3d>
+      <a:camera prst="orthographicFront"/>
+      <a:lightRig rig="threePt" dir="t"/>
+    </dgm:scene3d>
+    <dgm:sp3d/>
+    <dgm:txPr/>
+    <dgm:style>
+      <a:lnRef idx="0">
+        <a:scrgbClr r="0" g="0" b="0"/>
+      </a:lnRef>
+      <a:fillRef idx="1">
+        <a:scrgbClr r="0" g="0" b="0"/>
+      </a:fillRef>
+      <a:effectRef idx="0">
+        <a:scrgbClr r="0" g="0" b="0"/>
+      </a:effectRef>
+      <a:fontRef idx="minor">
+        <a:schemeClr val="lt1"/>
+      </a:fontRef>
+    </dgm:style>
+  </dgm:styleLbl>
+  <dgm:styleLbl name="sibTrans1D1">
+    <dgm:scene3d>
+      <a:camera prst="orthographicFront"/>
+      <a:lightRig rig="threePt" dir="t"/>
+    </dgm:scene3d>
+    <dgm:sp3d/>
+    <dgm:txPr/>
+    <dgm:style>
+      <a:lnRef idx="1">
+        <a:scrgbClr r="0" g="0" b="0"/>
+      </a:lnRef>
+      <a:fillRef idx="0">
+        <a:scrgbClr r="0" g="0" b="0"/>
+      </a:fillRef>
+      <a:effectRef idx="0">
+        <a:scrgbClr r="0" g="0" b="0"/>
+      </a:effectRef>
+      <a:fontRef idx="minor"/>
+    </dgm:style>
+  </dgm:styleLbl>
+  <dgm:styleLbl name="callout">
+    <dgm:scene3d>
+      <a:camera prst="orthographicFront"/>
+      <a:lightRig rig="threePt" dir="t"/>
+    </dgm:scene3d>
+    <dgm:sp3d/>
+    <dgm:txPr/>
+    <dgm:style>
+      <a:lnRef idx="2">
+        <a:scrgbClr r="0" g="0" b="0"/>
+      </a:lnRef>
+      <a:fillRef idx="1">
+        <a:scrgbClr r="0" g="0" b="0"/>
+      </a:fillRef>
+      <a:effectRef idx="0">
+        <a:scrgbClr r="0" g="0" b="0"/>
+      </a:effectRef>
+      <a:fontRef idx="minor"/>
+    </dgm:style>
+  </dgm:styleLbl>
+  <dgm:styleLbl name="asst0">
+    <dgm:scene3d>
+      <a:camera prst="orthographicFront"/>
+      <a:lightRig rig="threePt" dir="t"/>
+    </dgm:scene3d>
+    <dgm:sp3d/>
+    <dgm:txPr/>
+    <dgm:style>
+      <a:lnRef idx="2">
+        <a:scrgbClr r="0" g="0" b="0"/>
+      </a:lnRef>
+      <a:fillRef idx="1">
+        <a:scrgbClr r="0" g="0" b="0"/>
+      </a:fillRef>
+      <a:effectRef idx="0">
+        <a:scrgbClr r="0" g="0" b="0"/>
+      </a:effectRef>
+      <a:fontRef idx="minor">
+        <a:schemeClr val="lt1"/>
+      </a:fontRef>
+    </dgm:style>
+  </dgm:styleLbl>
+  <dgm:styleLbl name="asst1">
+    <dgm:scene3d>
+      <a:camera prst="orthographicFront"/>
+      <a:lightRig rig="threePt" dir="t"/>
+    </dgm:scene3d>
+    <dgm:sp3d/>
+    <dgm:txPr/>
+    <dgm:style>
+      <a:lnRef idx="2">
+        <a:scrgbClr r="0" g="0" b="0"/>
+      </a:lnRef>
+      <a:fillRef idx="1">
+        <a:scrgbClr r="0" g="0" b="0"/>
+      </a:fillRef>
+      <a:effectRef idx="0">
+        <a:scrgbClr r="0" g="0" b="0"/>
+      </a:effectRef>
+      <a:fontRef idx="minor">
+        <a:schemeClr val="lt1"/>
+      </a:fontRef>
+    </dgm:style>
+  </dgm:styleLbl>
+  <dgm:styleLbl name="asst2">
+    <dgm:scene3d>
+      <a:camera prst="orthographicFront"/>
+      <a:lightRig rig="threePt" dir="t"/>
+    </dgm:scene3d>
+    <dgm:sp3d/>
+    <dgm:txPr/>
+    <dgm:style>
+      <a:lnRef idx="2">
+        <a:scrgbClr r="0" g="0" b="0"/>
+      </a:lnRef>
+      <a:fillRef idx="1">
+        <a:scrgbClr r="0" g="0" b="0"/>
+      </a:fillRef>
+      <a:effectRef idx="0">
+        <a:scrgbClr r="0" g="0" b="0"/>
+      </a:effectRef>
+      <a:fontRef idx="minor">
+        <a:schemeClr val="lt1"/>
+      </a:fontRef>
+    </dgm:style>
+  </dgm:styleLbl>
+  <dgm:styleLbl name="asst3">
+    <dgm:scene3d>
+      <a:camera prst="orthographicFront"/>
+      <a:lightRig rig="threePt" dir="t"/>
+    </dgm:scene3d>
+    <dgm:sp3d/>
+    <dgm:txPr/>
+    <dgm:style>
+      <a:lnRef idx="2">
+        <a:scrgbClr r="0" g="0" b="0"/>
+      </a:lnRef>
+      <a:fillRef idx="1">
+        <a:scrgbClr r="0" g="0" b="0"/>
+      </a:fillRef>
+      <a:effectRef idx="0">
+        <a:scrgbClr r="0" g="0" b="0"/>
+      </a:effectRef>
+      <a:fontRef idx="minor">
+        <a:schemeClr val="lt1"/>
+      </a:fontRef>
+    </dgm:style>
+  </dgm:styleLbl>
+  <dgm:styleLbl name="asst4">
+    <dgm:scene3d>
+      <a:camera prst="orthographicFront"/>
+      <a:lightRig rig="threePt" dir="t"/>
+    </dgm:scene3d>
+    <dgm:sp3d/>
+    <dgm:txPr/>
+    <dgm:style>
+      <a:lnRef idx="2">
+        <a:scrgbClr r="0" g="0" b="0"/>
+      </a:lnRef>
+      <a:fillRef idx="1">
+        <a:scrgbClr r="0" g="0" b="0"/>
+      </a:fillRef>
+      <a:effectRef idx="0">
+        <a:scrgbClr r="0" g="0" b="0"/>
+      </a:effectRef>
+      <a:fontRef idx="minor">
+        <a:schemeClr val="lt1"/>
+      </a:fontRef>
+    </dgm:style>
+  </dgm:styleLbl>
+  <dgm:styleLbl name="parChTrans2D1">
+    <dgm:scene3d>
+      <a:camera prst="orthographicFront"/>
+      <a:lightRig rig="threePt" dir="t"/>
+    </dgm:scene3d>
+    <dgm:sp3d/>
+    <dgm:txPr/>
+    <dgm:style>
+      <a:lnRef idx="2">
+        <a:scrgbClr r="0" g="0" b="0"/>
+      </a:lnRef>
+      <a:fillRef idx="1">
+        <a:scrgbClr r="0" g="0" b="0"/>
+      </a:fillRef>
+      <a:effectRef idx="0">
+        <a:scrgbClr r="0" g="0" b="0"/>
+      </a:effectRef>
+      <a:fontRef idx="minor">
+        <a:schemeClr val="lt1"/>
+      </a:fontRef>
+    </dgm:style>
+  </dgm:styleLbl>
+  <dgm:styleLbl name="parChTrans2D2">
+    <dgm:scene3d>
+      <a:camera prst="orthographicFront"/>
+      <a:lightRig rig="threePt" dir="t"/>
+    </dgm:scene3d>
+    <dgm:sp3d/>
+    <dgm:txPr/>
+    <dgm:style>
+      <a:lnRef idx="2">
+        <a:scrgbClr r="0" g="0" b="0"/>
+      </a:lnRef>
+      <a:fillRef idx="1">
+        <a:scrgbClr r="0" g="0" b="0"/>
+      </a:fillRef>
+      <a:effectRef idx="0">
+        <a:scrgbClr r="0" g="0" b="0"/>
+      </a:effectRef>
+      <a:fontRef idx="minor">
+        <a:schemeClr val="lt1"/>
+      </a:fontRef>
+    </dgm:style>
+  </dgm:styleLbl>
+  <dgm:styleLbl name="parChTrans2D3">
+    <dgm:scene3d>
+      <a:camera prst="orthographicFront"/>
+      <a:lightRig rig="threePt" dir="t"/>
+    </dgm:scene3d>
+    <dgm:sp3d/>
+    <dgm:txPr/>
+    <dgm:style>
+      <a:lnRef idx="2">
+        <a:scrgbClr r="0" g="0" b="0"/>
+      </a:lnRef>
+      <a:fillRef idx="1">
+        <a:scrgbClr r="0" g="0" b="0"/>
+      </a:fillRef>
+      <a:effectRef idx="0">
+        <a:scrgbClr r="0" g="0" b="0"/>
+      </a:effectRef>
+      <a:fontRef idx="minor">
+        <a:schemeClr val="lt1"/>
+      </a:fontRef>
+    </dgm:style>
+  </dgm:styleLbl>
+  <dgm:styleLbl name="parChTrans2D4">
+    <dgm:scene3d>
+      <a:camera prst="orthographicFront"/>
+      <a:lightRig rig="threePt" dir="t"/>
+    </dgm:scene3d>
+    <dgm:sp3d/>
+    <dgm:txPr/>
+    <dgm:style>
+      <a:lnRef idx="2">
+        <a:scrgbClr r="0" g="0" b="0"/>
+      </a:lnRef>
+      <a:fillRef idx="1">
+        <a:scrgbClr r="0" g="0" b="0"/>
+      </a:fillRef>
+      <a:effectRef idx="0">
+        <a:scrgbClr r="0" g="0" b="0"/>
+      </a:effectRef>
+      <a:fontRef idx="minor">
+        <a:schemeClr val="lt1"/>
+      </a:fontRef>
+    </dgm:style>
+  </dgm:styleLbl>
+  <dgm:styleLbl name="parChTrans1D1">
+    <dgm:scene3d>
+      <a:camera prst="orthographicFront"/>
+      <a:lightRig rig="threePt" dir="t"/>
+    </dgm:scene3d>
+    <dgm:sp3d/>
+    <dgm:txPr/>
+    <dgm:style>
+      <a:lnRef idx="2">
+        <a:scrgbClr r="0" g="0" b="0"/>
+      </a:lnRef>
+      <a:fillRef idx="0">
+        <a:scrgbClr r="0" g="0" b="0"/>
+      </a:fillRef>
+      <a:effectRef idx="0">
+        <a:scrgbClr r="0" g="0" b="0"/>
+      </a:effectRef>
+      <a:fontRef idx="minor"/>
+    </dgm:style>
+  </dgm:styleLbl>
+  <dgm:styleLbl name="parChTrans1D2">
+    <dgm:scene3d>
+      <a:camera prst="orthographicFront"/>
+      <a:lightRig rig="threePt" dir="t"/>
+    </dgm:scene3d>
+    <dgm:sp3d/>
+    <dgm:txPr/>
+    <dgm:style>
+      <a:lnRef idx="2">
+        <a:scrgbClr r="0" g="0" b="0"/>
+      </a:lnRef>
+      <a:fillRef idx="0">
+        <a:scrgbClr r="0" g="0" b="0"/>
+      </a:fillRef>
+      <a:effectRef idx="0">
+        <a:scrgbClr r="0" g="0" b="0"/>
+      </a:effectRef>
+      <a:fontRef idx="minor"/>
+    </dgm:style>
+  </dgm:styleLbl>
+  <dgm:styleLbl name="parChTrans1D3">
+    <dgm:scene3d>
+      <a:camera prst="orthographicFront"/>
+      <a:lightRig rig="threePt" dir="t"/>
+    </dgm:scene3d>
+    <dgm:sp3d/>
+    <dgm:txPr/>
+    <dgm:style>
+      <a:lnRef idx="2">
+        <a:scrgbClr r="0" g="0" b="0"/>
+      </a:lnRef>
+      <a:fillRef idx="0">
+        <a:scrgbClr r="0" g="0" b="0"/>
+      </a:fillRef>
+      <a:effectRef idx="0">
+        <a:scrgbClr r="0" g="0" b="0"/>
+      </a:effectRef>
+      <a:fontRef idx="minor"/>
+    </dgm:style>
+  </dgm:styleLbl>
+  <dgm:styleLbl name="parChTrans1D4">
+    <dgm:scene3d>
+      <a:camera prst="orthographicFront"/>
+      <a:lightRig rig="threePt" dir="t"/>
+    </dgm:scene3d>
+    <dgm:sp3d/>
+    <dgm:txPr/>
+    <dgm:style>
+      <a:lnRef idx="2">
+        <a:scrgbClr r="0" g="0" b="0"/>
+      </a:lnRef>
+      <a:fillRef idx="0">
+        <a:scrgbClr r="0" g="0" b="0"/>
+      </a:fillRef>
+      <a:effectRef idx="0">
+        <a:scrgbClr r="0" g="0" b="0"/>
+      </a:effectRef>
+      <a:fontRef idx="minor"/>
+    </dgm:style>
+  </dgm:styleLbl>
+  <dgm:styleLbl name="fgAcc1">
+    <dgm:scene3d>
+      <a:camera prst="orthographicFront"/>
+      <a:lightRig rig="threePt" dir="t"/>
+    </dgm:scene3d>
+    <dgm:sp3d/>
+    <dgm:txPr/>
+    <dgm:style>
+      <a:lnRef idx="2">
+        <a:scrgbClr r="0" g="0" b="0"/>
+      </a:lnRef>
+      <a:fillRef idx="1">
+        <a:scrgbClr r="0" g="0" b="0"/>
+      </a:fillRef>
+      <a:effectRef idx="0">
+        <a:scrgbClr r="0" g="0" b="0"/>
+      </a:effectRef>
+      <a:fontRef idx="minor"/>
+    </dgm:style>
+  </dgm:styleLbl>
+  <dgm:styleLbl name="conFgAcc1">
+    <dgm:scene3d>
+      <a:camera prst="orthographicFront"/>
+      <a:lightRig rig="threePt" dir="t"/>
+    </dgm:scene3d>
+    <dgm:sp3d/>
+    <dgm:txPr/>
+    <dgm:style>
+      <a:lnRef idx="2">
+        <a:scrgbClr r="0" g="0" b="0"/>
+      </a:lnRef>
+      <a:fillRef idx="1">
+        <a:scrgbClr r="0" g="0" b="0"/>
+      </a:fillRef>
+      <a:effectRef idx="0">
+        <a:scrgbClr r="0" g="0" b="0"/>
+      </a:effectRef>
+      <a:fontRef idx="minor"/>
+    </dgm:style>
+  </dgm:styleLbl>
+  <dgm:styleLbl name="alignAcc1">
+    <dgm:scene3d>
+      <a:camera prst="orthographicFront"/>
+      <a:lightRig rig="threePt" dir="t"/>
+    </dgm:scene3d>
+    <dgm:sp3d/>
+    <dgm:txPr/>
+    <dgm:style>
+      <a:lnRef idx="2">
+        <a:scrgbClr r="0" g="0" b="0"/>
+      </a:lnRef>
+      <a:fillRef idx="1">
+        <a:scrgbClr r="0" g="0" b="0"/>
+      </a:fillRef>
+      <a:effectRef idx="0">
+        <a:scrgbClr r="0" g="0" b="0"/>
+      </a:effectRef>
+      <a:fontRef idx="minor"/>
+    </dgm:style>
+  </dgm:styleLbl>
+  <dgm:styleLbl name="trAlignAcc1">
+    <dgm:scene3d>
+      <a:camera prst="orthographicFront"/>
+      <a:lightRig rig="threePt" dir="t"/>
+    </dgm:scene3d>
+    <dgm:sp3d/>
+    <dgm:txPr/>
+    <dgm:style>
+      <a:lnRef idx="1">
+        <a:scrgbClr r="0" g="0" b="0"/>
+      </a:lnRef>
+      <a:fillRef idx="1">
+        <a:scrgbClr r="0" g="0" b="0"/>
+      </a:fillRef>
+      <a:effectRef idx="0">
+        <a:scrgbClr r="0" g="0" b="0"/>
+      </a:effectRef>
+      <a:fontRef idx="minor"/>
+    </dgm:style>
+  </dgm:styleLbl>
+  <dgm:styleLbl name="bgAcc1">
+    <dgm:scene3d>
+      <a:camera prst="orthographicFront"/>
+      <a:lightRig rig="threePt" dir="t"/>
+    </dgm:scene3d>
+    <dgm:sp3d/>
+    <dgm:txPr/>
+    <dgm:style>
+      <a:lnRef idx="2">
+        <a:scrgbClr r="0" g="0" b="0"/>
+      </a:lnRef>
+      <a:fillRef idx="1">
+        <a:scrgbClr r="0" g="0" b="0"/>
+      </a:fillRef>
+      <a:effectRef idx="0">
+        <a:scrgbClr r="0" g="0" b="0"/>
+      </a:effectRef>
+      <a:fontRef idx="minor"/>
+    </dgm:style>
+  </dgm:styleLbl>
+  <dgm:styleLbl name="solidFgAcc1">
+    <dgm:scene3d>
+      <a:camera prst="orthographicFront"/>
+      <a:lightRig rig="threePt" dir="t"/>
+    </dgm:scene3d>
+    <dgm:sp3d/>
+    <dgm:txPr/>
+    <dgm:style>
+      <a:lnRef idx="2">
+        <a:scrgbClr r="0" g="0" b="0"/>
+      </a:lnRef>
+      <a:fillRef idx="1">
+        <a:scrgbClr r="0" g="0" b="0"/>
+      </a:fillRef>
+      <a:effectRef idx="0">
+        <a:scrgbClr r="0" g="0" b="0"/>
+      </a:effectRef>
+      <a:fontRef idx="minor"/>
+    </dgm:style>
+  </dgm:styleLbl>
+  <dgm:styleLbl name="solidAlignAcc1">
+    <dgm:scene3d>
+      <a:camera prst="orthographicFront"/>
+      <a:lightRig rig="threePt" dir="t"/>
+    </dgm:scene3d>
+    <dgm:sp3d/>
+    <dgm:txPr/>
+    <dgm:style>
+      <a:lnRef idx="2">
+        <a:scrgbClr r="0" g="0" b="0"/>
+      </a:lnRef>
+      <a:fillRef idx="1">
+        <a:scrgbClr r="0" g="0" b="0"/>
+      </a:fillRef>
+      <a:effectRef idx="0">
+        <a:scrgbClr r="0" g="0" b="0"/>
+      </a:effectRef>
+      <a:fontRef idx="minor"/>
+    </dgm:style>
+  </dgm:styleLbl>
+  <dgm:styleLbl name="solidBgAcc1">
+    <dgm:scene3d>
+      <a:camera prst="orthographicFront"/>
+      <a:lightRig rig="threePt" dir="t"/>
+    </dgm:scene3d>
+    <dgm:sp3d/>
+    <dgm:txPr/>
+    <dgm:style>
+      <a:lnRef idx="2">
+        <a:scrgbClr r="0" g="0" b="0"/>
+      </a:lnRef>
+      <a:fillRef idx="1">
+        <a:scrgbClr r="0" g="0" b="0"/>
+      </a:fillRef>
+      <a:effectRef idx="0">
+        <a:scrgbClr r="0" g="0" b="0"/>
+      </a:effectRef>
+      <a:fontRef idx="minor"/>
+    </dgm:style>
+  </dgm:styleLbl>
+  <dgm:styleLbl name="fgAccFollowNode1">
+    <dgm:scene3d>
+      <a:camera prst="orthographicFront"/>
+      <a:lightRig rig="threePt" dir="t"/>
+    </dgm:scene3d>
+    <dgm:sp3d/>
+    <dgm:txPr/>
+    <dgm:style>
+      <a:lnRef idx="2">
+        <a:scrgbClr r="0" g="0" b="0"/>
+      </a:lnRef>
+      <a:fillRef idx="1">
+        <a:scrgbClr r="0" g="0" b="0"/>
+      </a:fillRef>
+      <a:effectRef idx="0">
+        <a:scrgbClr r="0" g="0" b="0"/>
+      </a:effectRef>
+      <a:fontRef idx="minor"/>
+    </dgm:style>
+  </dgm:styleLbl>
+  <dgm:styleLbl name="alignAccFollowNode1">
+    <dgm:scene3d>
+      <a:camera prst="orthographicFront"/>
+      <a:lightRig rig="threePt" dir="t"/>
+    </dgm:scene3d>
+    <dgm:sp3d/>
+    <dgm:txPr/>
+    <dgm:style>
+      <a:lnRef idx="2">
+        <a:scrgbClr r="0" g="0" b="0"/>
+      </a:lnRef>
+      <a:fillRef idx="1">
+        <a:scrgbClr r="0" g="0" b="0"/>
+      </a:fillRef>
+      <a:effectRef idx="0">
+        <a:scrgbClr r="0" g="0" b="0"/>
+      </a:effectRef>
+      <a:fontRef idx="minor"/>
+    </dgm:style>
+  </dgm:styleLbl>
+  <dgm:styleLbl name="bgAccFollowNode1">
+    <dgm:scene3d>
+      <a:camera prst="orthographicFront"/>
+      <a:lightRig rig="threePt" dir="t"/>
+    </dgm:scene3d>
+    <dgm:sp3d/>
+    <dgm:txPr/>
+    <dgm:style>
+      <a:lnRef idx="2">
+        <a:scrgbClr r="0" g="0" b="0"/>
+      </a:lnRef>
+      <a:fillRef idx="1">
+        <a:scrgbClr r="0" g="0" b="0"/>
+      </a:fillRef>
+      <a:effectRef idx="0">
+        <a:scrgbClr r="0" g="0" b="0"/>
+      </a:effectRef>
+      <a:fontRef idx="minor"/>
+    </dgm:style>
+  </dgm:styleLbl>
+  <dgm:styleLbl name="fgAcc0">
+    <dgm:scene3d>
+      <a:camera prst="orthographicFront"/>
+      <a:lightRig rig="threePt" dir="t"/>
+    </dgm:scene3d>
+    <dgm:sp3d/>
+    <dgm:txPr/>
+    <dgm:style>
+      <a:lnRef idx="2">
+        <a:scrgbClr r="0" g="0" b="0"/>
+      </a:lnRef>
+      <a:fillRef idx="1">
+        <a:scrgbClr r="0" g="0" b="0"/>
+      </a:fillRef>
+      <a:effectRef idx="0">
+        <a:scrgbClr r="0" g="0" b="0"/>
+      </a:effectRef>
+      <a:fontRef idx="minor"/>
+    </dgm:style>
+  </dgm:styleLbl>
+  <dgm:styleLbl name="fgAcc2">
+    <dgm:scene3d>
+      <a:camera prst="orthographicFront"/>
+      <a:lightRig rig="threePt" dir="t"/>
+    </dgm:scene3d>
+    <dgm:sp3d/>
+    <dgm:txPr/>
+    <dgm:style>
+      <a:lnRef idx="2">
+        <a:scrgbClr r="0" g="0" b="0"/>
+      </a:lnRef>
+      <a:fillRef idx="1">
+        <a:scrgbClr r="0" g="0" b="0"/>
+      </a:fillRef>
+      <a:effectRef idx="0">
+        <a:scrgbClr r="0" g="0" b="0"/>
+      </a:effectRef>
+      <a:fontRef idx="minor"/>
+    </dgm:style>
+  </dgm:styleLbl>
+  <dgm:styleLbl name="fgAcc3">
+    <dgm:scene3d>
+      <a:camera prst="orthographicFront"/>
+      <a:lightRig rig="threePt" dir="t"/>
+    </dgm:scene3d>
+    <dgm:sp3d/>
+    <dgm:txPr/>
+    <dgm:style>
+      <a:lnRef idx="2">
+        <a:scrgbClr r="0" g="0" b="0"/>
+      </a:lnRef>
+      <a:fillRef idx="1">
+        <a:scrgbClr r="0" g="0" b="0"/>
+      </a:fillRef>
+      <a:effectRef idx="0">
+        <a:scrgbClr r="0" g="0" b="0"/>
+      </a:effectRef>
+      <a:fontRef idx="minor"/>
+    </dgm:style>
+  </dgm:styleLbl>
+  <dgm:styleLbl name="fgAcc4">
+    <dgm:scene3d>
+      <a:camera prst="orthographicFront"/>
+      <a:lightRig rig="threePt" dir="t"/>
+    </dgm:scene3d>
+    <dgm:sp3d/>
+    <dgm:txPr/>
+    <dgm:style>
+      <a:lnRef idx="2">
+        <a:scrgbClr r="0" g="0" b="0"/>
+      </a:lnRef>
+      <a:fillRef idx="1">
+        <a:scrgbClr r="0" g="0" b="0"/>
+      </a:fillRef>
+      <a:effectRef idx="0">
+        <a:scrgbClr r="0" g="0" b="0"/>
+      </a:effectRef>
+      <a:fontRef idx="minor"/>
+    </dgm:style>
+  </dgm:styleLbl>
+  <dgm:styleLbl name="bgShp">
+    <dgm:scene3d>
+      <a:camera prst="orthographicFront"/>
+      <a:lightRig rig="threePt" dir="t"/>
+    </dgm:scene3d>
+    <dgm:sp3d/>
+    <dgm:txPr/>
+    <dgm:style>
+      <a:lnRef idx="0">
+        <a:scrgbClr r="0" g="0" b="0"/>
+      </a:lnRef>
+      <a:fillRef idx="1">
+        <a:scrgbClr r="0" g="0" b="0"/>
+      </a:fillRef>
+      <a:effectRef idx="0">
+        <a:scrgbClr r="0" g="0" b="0"/>
+      </a:effectRef>
+      <a:fontRef idx="minor"/>
+    </dgm:style>
+  </dgm:styleLbl>
+  <dgm:styleLbl name="dkBgShp">
+    <dgm:scene3d>
+      <a:camera prst="orthographicFront"/>
+      <a:lightRig rig="threePt" dir="t"/>
+    </dgm:scene3d>
+    <dgm:sp3d/>
+    <dgm:txPr/>
+    <dgm:style>
+      <a:lnRef idx="0">
+        <a:scrgbClr r="0" g="0" b="0"/>
+      </a:lnRef>
+      <a:fillRef idx="1">
+        <a:scrgbClr r="0" g="0" b="0"/>
+      </a:fillRef>
+      <a:effectRef idx="0">
+        <a:scrgbClr r="0" g="0" b="0"/>
+      </a:effectRef>
+      <a:fontRef idx="minor"/>
+    </dgm:style>
+  </dgm:styleLbl>
+  <dgm:styleLbl name="trBgShp">
+    <dgm:scene3d>
+      <a:camera prst="orthographicFront"/>
+      <a:lightRig rig="threePt" dir="t"/>
+    </dgm:scene3d>
+    <dgm:sp3d/>
+    <dgm:txPr/>
+    <dgm:style>
+      <a:lnRef idx="0">
+        <a:scrgbClr r="0" g="0" b="0"/>
+      </a:lnRef>
+      <a:fillRef idx="1">
+        <a:scrgbClr r="0" g="0" b="0"/>
+      </a:fillRef>
+      <a:effectRef idx="0">
+        <a:scrgbClr r="0" g="0" b="0"/>
+      </a:effectRef>
+      <a:fontRef idx="minor"/>
+    </dgm:style>
+  </dgm:styleLbl>
+  <dgm:styleLbl name="fgShp">
+    <dgm:scene3d>
+      <a:camera prst="orthographicFront"/>
+      <a:lightRig rig="threePt" dir="t"/>
+    </dgm:scene3d>
+    <dgm:sp3d/>
+    <dgm:txPr/>
+    <dgm:style>
+      <a:lnRef idx="2">
+        <a:scrgbClr r="0" g="0" b="0"/>
+      </a:lnRef>
+      <a:fillRef idx="1">
+        <a:scrgbClr r="0" g="0" b="0"/>
+      </a:fillRef>
+      <a:effectRef idx="0">
+        <a:scrgbClr r="0" g="0" b="0"/>
+      </a:effectRef>
+      <a:fontRef idx="minor"/>
+    </dgm:style>
+  </dgm:styleLbl>
+  <dgm:styleLbl name="revTx">
+    <dgm:scene3d>
+      <a:camera prst="orthographicFront"/>
+      <a:lightRig rig="threePt" dir="t"/>
+    </dgm:scene3d>
+    <dgm:sp3d/>
+    <dgm:txPr/>
+    <dgm:style>
+      <a:lnRef idx="0">
+        <a:scrgbClr r="0" g="0" b="0"/>
+      </a:lnRef>
+      <a:fillRef idx="0">
+        <a:scrgbClr r="0" g="0" b="0"/>
+      </a:fillRef>
+      <a:effectRef idx="0">
+        <a:scrgbClr r="0" g="0" b="0"/>
+      </a:effectRef>
+      <a:fontRef idx="minor"/>
+    </dgm:style>
+  </dgm:styleLbl>
+</dgm:styleDef>
+</file>
+
+<file path=ppt/diagrams/quickStyle5.xml><?xml version="1.0" encoding="utf-8"?>
 <dgm:styleDef xmlns:dgm="http://schemas.openxmlformats.org/drawingml/2006/diagram" xmlns:a="http://schemas.openxmlformats.org/drawingml/2006/main" uniqueId="urn:microsoft.com/office/officeart/2005/8/quickstyle/simple1">
   <dgm:title val=""/>
   <dgm:desc val=""/>
@@ -9928,6 +16722,698 @@
     <p:extLst>
       <p:ext uri="{BB962C8B-B14F-4D97-AF65-F5344CB8AC3E}">
         <p14:creationId xmlns:p14="http://schemas.microsoft.com/office/powerpoint/2010/main" val="1623511989"/>
+      </p:ext>
+    </p:extLst>
+  </p:cSld>
+  <p:clrMapOvr>
+    <a:masterClrMapping/>
+  </p:clrMapOvr>
+</p:notes>
+</file>
+
+<file path=ppt/notesSlides/notesSlide10.xml><?xml version="1.0" encoding="utf-8"?>
+<p:notes xmlns:a="http://schemas.openxmlformats.org/drawingml/2006/main" xmlns:r="http://schemas.openxmlformats.org/officeDocument/2006/relationships" xmlns:p="http://schemas.openxmlformats.org/presentationml/2006/main">
+  <p:cSld>
+    <p:spTree>
+      <p:nvGrpSpPr>
+        <p:cNvPr id="1" name=""/>
+        <p:cNvGrpSpPr/>
+        <p:nvPr/>
+      </p:nvGrpSpPr>
+      <p:grpSpPr>
+        <a:xfrm>
+          <a:off x="0" y="0"/>
+          <a:ext cx="0" cy="0"/>
+          <a:chOff x="0" y="0"/>
+          <a:chExt cx="0" cy="0"/>
+        </a:xfrm>
+      </p:grpSpPr>
+      <p:sp>
+        <p:nvSpPr>
+          <p:cNvPr id="2" name="Slide Image Placeholder 1"/>
+          <p:cNvSpPr>
+            <a:spLocks noGrp="1" noRot="1" noChangeAspect="1"/>
+          </p:cNvSpPr>
+          <p:nvPr>
+            <p:ph type="sldImg"/>
+          </p:nvPr>
+        </p:nvSpPr>
+        <p:spPr/>
+      </p:sp>
+      <p:sp>
+        <p:nvSpPr>
+          <p:cNvPr id="3" name="Notes Placeholder 2"/>
+          <p:cNvSpPr>
+            <a:spLocks noGrp="1"/>
+          </p:cNvSpPr>
+          <p:nvPr>
+            <p:ph type="body" idx="1"/>
+          </p:nvPr>
+        </p:nvSpPr>
+        <p:spPr/>
+        <p:txBody>
+          <a:bodyPr/>
+          <a:lstStyle/>
+          <a:p>
+            <a:r>
+              <a:rPr lang="en-US" dirty="0"/>
+              <a:t>The </a:t>
+            </a:r>
+            <a:r>
+              <a:rPr lang="en-US" b="1" dirty="0"/>
+              <a:t>Service Interface</a:t>
+            </a:r>
+            <a:r>
+              <a:rPr lang="en-US" dirty="0"/>
+              <a:t> declares the interface of the Service. The proxy must follow this interface to be able to disguise itself as a service object.</a:t>
+            </a:r>
+          </a:p>
+          <a:p>
+            <a:endParaRPr lang="en-US" dirty="0"/>
+          </a:p>
+          <a:p>
+            <a:r>
+              <a:rPr lang="en-US" dirty="0"/>
+              <a:t>The </a:t>
+            </a:r>
+            <a:r>
+              <a:rPr lang="en-US" b="1" dirty="0"/>
+              <a:t>Service</a:t>
+            </a:r>
+            <a:r>
+              <a:rPr lang="en-US" dirty="0"/>
+              <a:t> is a class that provides some useful business logic.</a:t>
+            </a:r>
+          </a:p>
+          <a:p>
+            <a:endParaRPr lang="en-US" dirty="0"/>
+          </a:p>
+          <a:p>
+            <a:r>
+              <a:rPr lang="en-US" dirty="0"/>
+              <a:t>The </a:t>
+            </a:r>
+            <a:r>
+              <a:rPr lang="en-US" b="1" dirty="0"/>
+              <a:t>Proxy</a:t>
+            </a:r>
+            <a:r>
+              <a:rPr lang="en-US" dirty="0"/>
+              <a:t> class has a reference field that points to a service object. </a:t>
+            </a:r>
+          </a:p>
+          <a:p>
+            <a:r>
+              <a:rPr lang="en-US" dirty="0"/>
+              <a:t>After the proxy finishes its processing (e.g., lazy initialization, logging, access control, caching, etc.), it passes the request to the service object.</a:t>
+            </a:r>
+          </a:p>
+          <a:p>
+            <a:r>
+              <a:rPr lang="en-US" dirty="0"/>
+              <a:t>Usually</a:t>
+            </a:r>
+            <a:r>
+              <a:rPr lang="en-US"/>
+              <a:t>, proxy </a:t>
+            </a:r>
+            <a:r>
+              <a:rPr lang="en-US" dirty="0"/>
+              <a:t>manage the full lifecycle of their service objects.</a:t>
+            </a:r>
+          </a:p>
+          <a:p>
+            <a:endParaRPr lang="en-US" dirty="0"/>
+          </a:p>
+        </p:txBody>
+      </p:sp>
+      <p:sp>
+        <p:nvSpPr>
+          <p:cNvPr id="4" name="Slide Number Placeholder 3"/>
+          <p:cNvSpPr>
+            <a:spLocks noGrp="1"/>
+          </p:cNvSpPr>
+          <p:nvPr>
+            <p:ph type="sldNum" sz="quarter" idx="5"/>
+          </p:nvPr>
+        </p:nvSpPr>
+        <p:spPr/>
+        <p:txBody>
+          <a:bodyPr/>
+          <a:lstStyle/>
+          <a:p>
+            <a:fld id="{01420855-62A1-43EF-8815-D1313CE67D77}" type="slidenum">
+              <a:rPr lang="en-AU" smtClean="0"/>
+              <a:t>10</a:t>
+            </a:fld>
+            <a:endParaRPr lang="en-AU"/>
+          </a:p>
+        </p:txBody>
+      </p:sp>
+    </p:spTree>
+    <p:extLst>
+      <p:ext uri="{BB962C8B-B14F-4D97-AF65-F5344CB8AC3E}">
+        <p14:creationId xmlns:p14="http://schemas.microsoft.com/office/powerpoint/2010/main" val="1249071455"/>
+      </p:ext>
+    </p:extLst>
+  </p:cSld>
+  <p:clrMapOvr>
+    <a:masterClrMapping/>
+  </p:clrMapOvr>
+</p:notes>
+</file>
+
+<file path=ppt/notesSlides/notesSlide11.xml><?xml version="1.0" encoding="utf-8"?>
+<p:notes xmlns:a="http://schemas.openxmlformats.org/drawingml/2006/main" xmlns:r="http://schemas.openxmlformats.org/officeDocument/2006/relationships" xmlns:p="http://schemas.openxmlformats.org/presentationml/2006/main">
+  <p:cSld>
+    <p:spTree>
+      <p:nvGrpSpPr>
+        <p:cNvPr id="1" name=""/>
+        <p:cNvGrpSpPr/>
+        <p:nvPr/>
+      </p:nvGrpSpPr>
+      <p:grpSpPr>
+        <a:xfrm>
+          <a:off x="0" y="0"/>
+          <a:ext cx="0" cy="0"/>
+          <a:chOff x="0" y="0"/>
+          <a:chExt cx="0" cy="0"/>
+        </a:xfrm>
+      </p:grpSpPr>
+      <p:sp>
+        <p:nvSpPr>
+          <p:cNvPr id="2" name="Slide Image Placeholder 1"/>
+          <p:cNvSpPr>
+            <a:spLocks noGrp="1" noRot="1" noChangeAspect="1"/>
+          </p:cNvSpPr>
+          <p:nvPr>
+            <p:ph type="sldImg"/>
+          </p:nvPr>
+        </p:nvSpPr>
+        <p:spPr/>
+      </p:sp>
+      <p:sp>
+        <p:nvSpPr>
+          <p:cNvPr id="3" name="Notes Placeholder 2"/>
+          <p:cNvSpPr>
+            <a:spLocks noGrp="1"/>
+          </p:cNvSpPr>
+          <p:nvPr>
+            <p:ph type="body" idx="1"/>
+          </p:nvPr>
+        </p:nvSpPr>
+        <p:spPr/>
+        <p:txBody>
+          <a:bodyPr/>
+          <a:lstStyle/>
+          <a:p>
+            <a:pPr marL="0" marR="0" lvl="0" indent="0" algn="l" defTabSz="2438339" rtl="0" eaLnBrk="1" fontAlgn="auto" latinLnBrk="0" hangingPunct="1">
+              <a:lnSpc>
+                <a:spcPct val="100000"/>
+              </a:lnSpc>
+              <a:spcBef>
+                <a:spcPts val="0"/>
+              </a:spcBef>
+              <a:spcAft>
+                <a:spcPts val="0"/>
+              </a:spcAft>
+              <a:buClrTx/>
+              <a:buSzTx/>
+              <a:buFontTx/>
+              <a:buNone/>
+              <a:tabLst/>
+              <a:defRPr/>
+            </a:pPr>
+            <a:r>
+              <a:rPr lang="en-US" b="1" dirty="0"/>
+              <a:t>There are four commonly used scenarios for the proxy </a:t>
+            </a:r>
+            <a:r>
+              <a:rPr lang="en-US" b="1" dirty="0" err="1"/>
+              <a:t>parttern</a:t>
+            </a:r>
+            <a:r>
+              <a:rPr lang="en-US" b="1" dirty="0"/>
+              <a:t>:</a:t>
+            </a:r>
+          </a:p>
+          <a:p>
+            <a:pPr marL="0" marR="0" lvl="0" indent="0" algn="l" defTabSz="2438339" rtl="0" eaLnBrk="1" fontAlgn="auto" latinLnBrk="0" hangingPunct="1">
+              <a:lnSpc>
+                <a:spcPct val="100000"/>
+              </a:lnSpc>
+              <a:spcBef>
+                <a:spcPts val="0"/>
+              </a:spcBef>
+              <a:spcAft>
+                <a:spcPts val="0"/>
+              </a:spcAft>
+              <a:buClrTx/>
+              <a:buSzTx/>
+              <a:buFontTx/>
+              <a:buNone/>
+              <a:tabLst/>
+              <a:defRPr/>
+            </a:pPr>
+            <a:endParaRPr lang="en-US" dirty="0"/>
+          </a:p>
+          <a:p>
+            <a:pPr marL="0" marR="0" lvl="0" indent="0" algn="l" defTabSz="2438339" rtl="0" eaLnBrk="1" fontAlgn="auto" latinLnBrk="0" hangingPunct="1">
+              <a:lnSpc>
+                <a:spcPct val="100000"/>
+              </a:lnSpc>
+              <a:spcBef>
+                <a:spcPts val="0"/>
+              </a:spcBef>
+              <a:spcAft>
+                <a:spcPts val="0"/>
+              </a:spcAft>
+              <a:buClrTx/>
+              <a:buSzTx/>
+              <a:buFontTx/>
+              <a:buNone/>
+              <a:tabLst/>
+              <a:defRPr/>
+            </a:pPr>
+            <a:r>
+              <a:rPr lang="en-US" dirty="0"/>
+              <a:t>Protection Proxy, can </a:t>
+            </a:r>
+            <a:r>
+              <a:rPr lang="en-US" b="0" i="0" dirty="0">
+                <a:solidFill>
+                  <a:srgbClr val="444444"/>
+                </a:solidFill>
+                <a:effectLst/>
+                <a:latin typeface="PT Sans" panose="020B0503020203020204" pitchFamily="34" charset="0"/>
+              </a:rPr>
+              <a:t>pass the request to the service object </a:t>
+            </a:r>
+            <a:r>
+              <a:rPr lang="en-US" b="0" i="0" dirty="0">
+                <a:solidFill>
+                  <a:srgbClr val="333333"/>
+                </a:solidFill>
+                <a:effectLst/>
+                <a:latin typeface="Arial" panose="020B0604020202020204" pitchFamily="34" charset="0"/>
+              </a:rPr>
+              <a:t>under certain </a:t>
+            </a:r>
+            <a:r>
+              <a:rPr lang="en-US" b="0" i="0" dirty="0">
+                <a:solidFill>
+                  <a:srgbClr val="FFFFFF"/>
+                </a:solidFill>
+                <a:effectLst/>
+                <a:latin typeface="Arial" panose="020B0604020202020204" pitchFamily="34" charset="0"/>
+              </a:rPr>
+              <a:t>conditions</a:t>
+            </a:r>
+            <a:r>
+              <a:rPr lang="en-US" b="0" i="0" dirty="0">
+                <a:solidFill>
+                  <a:srgbClr val="444444"/>
+                </a:solidFill>
+                <a:effectLst/>
+                <a:latin typeface="PT Sans" panose="020B0503020203020204" pitchFamily="34" charset="0"/>
+              </a:rPr>
+              <a:t>.</a:t>
+            </a:r>
+          </a:p>
+          <a:p>
+            <a:endParaRPr lang="en-US" b="0" i="0" dirty="0">
+              <a:solidFill>
+                <a:srgbClr val="444444"/>
+              </a:solidFill>
+              <a:effectLst/>
+              <a:latin typeface="PT Sans" panose="020B0503020203020204" pitchFamily="34" charset="0"/>
+            </a:endParaRPr>
+          </a:p>
+          <a:p>
+            <a:pPr marL="0" marR="0" lvl="0" indent="0" algn="l" defTabSz="2438339" rtl="0" eaLnBrk="1" fontAlgn="auto" latinLnBrk="0" hangingPunct="1">
+              <a:lnSpc>
+                <a:spcPct val="100000"/>
+              </a:lnSpc>
+              <a:spcBef>
+                <a:spcPts val="0"/>
+              </a:spcBef>
+              <a:spcAft>
+                <a:spcPts val="0"/>
+              </a:spcAft>
+              <a:buClrTx/>
+              <a:buSzTx/>
+              <a:buFontTx/>
+              <a:buNone/>
+              <a:tabLst/>
+              <a:defRPr/>
+            </a:pPr>
+            <a:r>
+              <a:rPr lang="en-US" dirty="0"/>
+              <a:t>Remote Proxy, can </a:t>
+            </a:r>
+            <a:r>
+              <a:rPr lang="en-US" b="0" i="0" dirty="0">
+                <a:solidFill>
+                  <a:srgbClr val="444444"/>
+                </a:solidFill>
+                <a:effectLst/>
+                <a:latin typeface="PT Sans" panose="020B0503020203020204" pitchFamily="34" charset="0"/>
+              </a:rPr>
+              <a:t>pass the client request over the network, handling all of the details of working with the network.</a:t>
+            </a:r>
+          </a:p>
+          <a:p>
+            <a:pPr marL="0" marR="0" lvl="0" indent="0" algn="l" defTabSz="2438339" rtl="0" eaLnBrk="1" fontAlgn="auto" latinLnBrk="0" hangingPunct="1">
+              <a:lnSpc>
+                <a:spcPct val="100000"/>
+              </a:lnSpc>
+              <a:spcBef>
+                <a:spcPts val="0"/>
+              </a:spcBef>
+              <a:spcAft>
+                <a:spcPts val="0"/>
+              </a:spcAft>
+              <a:buClrTx/>
+              <a:buSzTx/>
+              <a:buFontTx/>
+              <a:buNone/>
+              <a:tabLst/>
+              <a:defRPr/>
+            </a:pPr>
+            <a:endParaRPr lang="en-US" b="0" i="0" dirty="0">
+              <a:solidFill>
+                <a:srgbClr val="444444"/>
+              </a:solidFill>
+              <a:effectLst/>
+              <a:latin typeface="PT Sans" panose="020B0503020203020204" pitchFamily="34" charset="0"/>
+            </a:endParaRPr>
+          </a:p>
+          <a:p>
+            <a:pPr marL="0" marR="0" lvl="0" indent="0" algn="l" defTabSz="2438339" rtl="0" eaLnBrk="1" fontAlgn="auto" latinLnBrk="0" hangingPunct="1">
+              <a:lnSpc>
+                <a:spcPct val="100000"/>
+              </a:lnSpc>
+              <a:spcBef>
+                <a:spcPts val="0"/>
+              </a:spcBef>
+              <a:spcAft>
+                <a:spcPts val="0"/>
+              </a:spcAft>
+              <a:buClrTx/>
+              <a:buSzTx/>
+              <a:buFontTx/>
+              <a:buNone/>
+              <a:tabLst/>
+              <a:defRPr/>
+            </a:pPr>
+            <a:r>
+              <a:rPr lang="en-US" dirty="0"/>
+              <a:t>Logging Proxy, </a:t>
+            </a:r>
+            <a:r>
+              <a:rPr lang="en-US" b="0" i="0" dirty="0">
+                <a:solidFill>
+                  <a:srgbClr val="444444"/>
+                </a:solidFill>
+                <a:effectLst/>
+                <a:latin typeface="PT Sans" panose="020B0503020203020204" pitchFamily="34" charset="0"/>
+              </a:rPr>
+              <a:t>can log each request before passing it to the service.</a:t>
+            </a:r>
+          </a:p>
+          <a:p>
+            <a:pPr marL="0" marR="0" lvl="0" indent="0" algn="l" defTabSz="2438339" rtl="0" eaLnBrk="1" fontAlgn="auto" latinLnBrk="0" hangingPunct="1">
+              <a:lnSpc>
+                <a:spcPct val="100000"/>
+              </a:lnSpc>
+              <a:spcBef>
+                <a:spcPts val="0"/>
+              </a:spcBef>
+              <a:spcAft>
+                <a:spcPts val="0"/>
+              </a:spcAft>
+              <a:buClrTx/>
+              <a:buSzTx/>
+              <a:buFontTx/>
+              <a:buNone/>
+              <a:tabLst/>
+              <a:defRPr/>
+            </a:pPr>
+            <a:endParaRPr lang="en-US" b="0" i="0" dirty="0">
+              <a:solidFill>
+                <a:srgbClr val="444444"/>
+              </a:solidFill>
+              <a:effectLst/>
+              <a:latin typeface="PT Sans" panose="020B0503020203020204" pitchFamily="34" charset="0"/>
+            </a:endParaRPr>
+          </a:p>
+          <a:p>
+            <a:pPr marL="0" marR="0" lvl="0" indent="0" algn="l" defTabSz="2438339" rtl="0" eaLnBrk="1" fontAlgn="auto" latinLnBrk="0" hangingPunct="1">
+              <a:lnSpc>
+                <a:spcPct val="100000"/>
+              </a:lnSpc>
+              <a:spcBef>
+                <a:spcPts val="0"/>
+              </a:spcBef>
+              <a:spcAft>
+                <a:spcPts val="0"/>
+              </a:spcAft>
+              <a:buClrTx/>
+              <a:buSzTx/>
+              <a:buFontTx/>
+              <a:buNone/>
+              <a:tabLst/>
+              <a:defRPr/>
+            </a:pPr>
+            <a:r>
+              <a:rPr lang="en-US" dirty="0"/>
+              <a:t>Caching Proxy, </a:t>
+            </a:r>
+            <a:r>
+              <a:rPr lang="en-US" b="0" i="0" dirty="0">
+                <a:solidFill>
+                  <a:srgbClr val="444444"/>
+                </a:solidFill>
+                <a:effectLst/>
+                <a:latin typeface="PT Sans" panose="020B0503020203020204" pitchFamily="34" charset="0"/>
+              </a:rPr>
+              <a:t>can implement caching for recurring requests that always return the same results. The proxy may use the parameters of requests as the cache keys.</a:t>
+            </a:r>
+            <a:endParaRPr lang="en-US" dirty="0"/>
+          </a:p>
+        </p:txBody>
+      </p:sp>
+      <p:sp>
+        <p:nvSpPr>
+          <p:cNvPr id="4" name="Slide Number Placeholder 3"/>
+          <p:cNvSpPr>
+            <a:spLocks noGrp="1"/>
+          </p:cNvSpPr>
+          <p:nvPr>
+            <p:ph type="sldNum" sz="quarter" idx="5"/>
+          </p:nvPr>
+        </p:nvSpPr>
+        <p:spPr/>
+        <p:txBody>
+          <a:bodyPr/>
+          <a:lstStyle/>
+          <a:p>
+            <a:fld id="{01420855-62A1-43EF-8815-D1313CE67D77}" type="slidenum">
+              <a:rPr lang="en-AU" smtClean="0"/>
+              <a:t>11</a:t>
+            </a:fld>
+            <a:endParaRPr lang="en-AU"/>
+          </a:p>
+        </p:txBody>
+      </p:sp>
+    </p:spTree>
+    <p:extLst>
+      <p:ext uri="{BB962C8B-B14F-4D97-AF65-F5344CB8AC3E}">
+        <p14:creationId xmlns:p14="http://schemas.microsoft.com/office/powerpoint/2010/main" val="1200826517"/>
+      </p:ext>
+    </p:extLst>
+  </p:cSld>
+  <p:clrMapOvr>
+    <a:masterClrMapping/>
+  </p:clrMapOvr>
+</p:notes>
+</file>
+
+<file path=ppt/notesSlides/notesSlide12.xml><?xml version="1.0" encoding="utf-8"?>
+<p:notes xmlns:a="http://schemas.openxmlformats.org/drawingml/2006/main" xmlns:r="http://schemas.openxmlformats.org/officeDocument/2006/relationships" xmlns:p="http://schemas.openxmlformats.org/presentationml/2006/main">
+  <p:cSld>
+    <p:spTree>
+      <p:nvGrpSpPr>
+        <p:cNvPr id="1" name=""/>
+        <p:cNvGrpSpPr/>
+        <p:nvPr/>
+      </p:nvGrpSpPr>
+      <p:grpSpPr>
+        <a:xfrm>
+          <a:off x="0" y="0"/>
+          <a:ext cx="0" cy="0"/>
+          <a:chOff x="0" y="0"/>
+          <a:chExt cx="0" cy="0"/>
+        </a:xfrm>
+      </p:grpSpPr>
+      <p:sp>
+        <p:nvSpPr>
+          <p:cNvPr id="2" name="Slide Image Placeholder 1"/>
+          <p:cNvSpPr>
+            <a:spLocks noGrp="1" noRot="1" noChangeAspect="1"/>
+          </p:cNvSpPr>
+          <p:nvPr>
+            <p:ph type="sldImg"/>
+          </p:nvPr>
+        </p:nvSpPr>
+        <p:spPr/>
+      </p:sp>
+      <p:sp>
+        <p:nvSpPr>
+          <p:cNvPr id="3" name="Notes Placeholder 2"/>
+          <p:cNvSpPr>
+            <a:spLocks noGrp="1"/>
+          </p:cNvSpPr>
+          <p:nvPr>
+            <p:ph type="body" idx="1"/>
+          </p:nvPr>
+        </p:nvSpPr>
+        <p:spPr/>
+        <p:txBody>
+          <a:bodyPr/>
+          <a:lstStyle/>
+          <a:p>
+            <a:endParaRPr lang="en-US" dirty="0"/>
+          </a:p>
+        </p:txBody>
+      </p:sp>
+      <p:sp>
+        <p:nvSpPr>
+          <p:cNvPr id="4" name="Slide Number Placeholder 3"/>
+          <p:cNvSpPr>
+            <a:spLocks noGrp="1"/>
+          </p:cNvSpPr>
+          <p:nvPr>
+            <p:ph type="sldNum" sz="quarter" idx="5"/>
+          </p:nvPr>
+        </p:nvSpPr>
+        <p:spPr/>
+        <p:txBody>
+          <a:bodyPr/>
+          <a:lstStyle/>
+          <a:p>
+            <a:fld id="{01420855-62A1-43EF-8815-D1313CE67D77}" type="slidenum">
+              <a:rPr lang="en-AU" smtClean="0"/>
+              <a:t>12</a:t>
+            </a:fld>
+            <a:endParaRPr lang="en-AU"/>
+          </a:p>
+        </p:txBody>
+      </p:sp>
+    </p:spTree>
+    <p:extLst>
+      <p:ext uri="{BB962C8B-B14F-4D97-AF65-F5344CB8AC3E}">
+        <p14:creationId xmlns:p14="http://schemas.microsoft.com/office/powerpoint/2010/main" val="367076234"/>
+      </p:ext>
+    </p:extLst>
+  </p:cSld>
+  <p:clrMapOvr>
+    <a:masterClrMapping/>
+  </p:clrMapOvr>
+</p:notes>
+</file>
+
+<file path=ppt/notesSlides/notesSlide13.xml><?xml version="1.0" encoding="utf-8"?>
+<p:notes xmlns:a="http://schemas.openxmlformats.org/drawingml/2006/main" xmlns:r="http://schemas.openxmlformats.org/officeDocument/2006/relationships" xmlns:p="http://schemas.openxmlformats.org/presentationml/2006/main">
+  <p:cSld>
+    <p:spTree>
+      <p:nvGrpSpPr>
+        <p:cNvPr id="1" name=""/>
+        <p:cNvGrpSpPr/>
+        <p:nvPr/>
+      </p:nvGrpSpPr>
+      <p:grpSpPr>
+        <a:xfrm>
+          <a:off x="0" y="0"/>
+          <a:ext cx="0" cy="0"/>
+          <a:chOff x="0" y="0"/>
+          <a:chExt cx="0" cy="0"/>
+        </a:xfrm>
+      </p:grpSpPr>
+      <p:sp>
+        <p:nvSpPr>
+          <p:cNvPr id="2" name="Slide Image Placeholder 1"/>
+          <p:cNvSpPr>
+            <a:spLocks noGrp="1" noRot="1" noChangeAspect="1"/>
+          </p:cNvSpPr>
+          <p:nvPr>
+            <p:ph type="sldImg"/>
+          </p:nvPr>
+        </p:nvSpPr>
+        <p:spPr/>
+      </p:sp>
+      <p:sp>
+        <p:nvSpPr>
+          <p:cNvPr id="3" name="Notes Placeholder 2"/>
+          <p:cNvSpPr>
+            <a:spLocks noGrp="1"/>
+          </p:cNvSpPr>
+          <p:nvPr>
+            <p:ph type="body" idx="1"/>
+          </p:nvPr>
+        </p:nvSpPr>
+        <p:spPr/>
+        <p:txBody>
+          <a:bodyPr/>
+          <a:lstStyle/>
+          <a:p>
+            <a:r>
+              <a:rPr lang="en-US" b="1" dirty="0"/>
+              <a:t>Proxy</a:t>
+            </a:r>
+            <a:r>
+              <a:rPr lang="en-US" dirty="0"/>
+              <a:t> lets you provide a substitute or placeholder for another object. </a:t>
+            </a:r>
+          </a:p>
+          <a:p>
+            <a:r>
+              <a:rPr lang="en-US" dirty="0"/>
+              <a:t>A proxy controls access to the original object, allowing you to perform something either before or after the request gets through to the original object.</a:t>
+            </a:r>
+          </a:p>
+          <a:p>
+            <a:endParaRPr lang="en-US" dirty="0"/>
+          </a:p>
+        </p:txBody>
+      </p:sp>
+      <p:sp>
+        <p:nvSpPr>
+          <p:cNvPr id="4" name="Slide Number Placeholder 3"/>
+          <p:cNvSpPr>
+            <a:spLocks noGrp="1"/>
+          </p:cNvSpPr>
+          <p:nvPr>
+            <p:ph type="sldNum" sz="quarter" idx="5"/>
+          </p:nvPr>
+        </p:nvSpPr>
+        <p:spPr/>
+        <p:txBody>
+          <a:bodyPr/>
+          <a:lstStyle/>
+          <a:p>
+            <a:fld id="{01420855-62A1-43EF-8815-D1313CE67D77}" type="slidenum">
+              <a:rPr lang="en-AU" smtClean="0"/>
+              <a:t>13</a:t>
+            </a:fld>
+            <a:endParaRPr lang="en-AU"/>
+          </a:p>
+        </p:txBody>
+      </p:sp>
+    </p:spTree>
+    <p:extLst>
+      <p:ext uri="{BB962C8B-B14F-4D97-AF65-F5344CB8AC3E}">
+        <p14:creationId xmlns:p14="http://schemas.microsoft.com/office/powerpoint/2010/main" val="3113469569"/>
       </p:ext>
     </p:extLst>
   </p:cSld>
@@ -10948,13 +18434,13 @@
           <a:p>
             <a:r>
               <a:rPr lang="en-US" dirty="0"/>
-              <a:t>Usually, you’d need to initialize all those objects, keep track of dependencies, execute methods in the correct order, and so on.</a:t>
+              <a:t>Usually, you’d need to initialize all these objects, keep track of dependencies, execute methods in the correct order, and so on.</a:t>
             </a:r>
           </a:p>
           <a:p>
             <a:r>
               <a:rPr lang="en-US" dirty="0"/>
-              <a:t>As a result, the business logic of your classes would become tightly coupled to the implementation details of 3rd-party classes, making it hard to maintain.</a:t>
+              <a:t>As a result, the business logic of your classes would become tightly coupled to the implementation details of these objects, making it hard to maintain.</a:t>
             </a:r>
           </a:p>
           <a:p>
@@ -11293,6 +18779,106 @@
     <p:extLst>
       <p:ext uri="{BB962C8B-B14F-4D97-AF65-F5344CB8AC3E}">
         <p14:creationId xmlns:p14="http://schemas.microsoft.com/office/powerpoint/2010/main" val="4235469888"/>
+      </p:ext>
+    </p:extLst>
+  </p:cSld>
+  <p:clrMapOvr>
+    <a:masterClrMapping/>
+  </p:clrMapOvr>
+</p:notes>
+</file>
+
+<file path=ppt/notesSlides/notesSlide9.xml><?xml version="1.0" encoding="utf-8"?>
+<p:notes xmlns:a="http://schemas.openxmlformats.org/drawingml/2006/main" xmlns:r="http://schemas.openxmlformats.org/officeDocument/2006/relationships" xmlns:p="http://schemas.openxmlformats.org/presentationml/2006/main">
+  <p:cSld>
+    <p:spTree>
+      <p:nvGrpSpPr>
+        <p:cNvPr id="1" name=""/>
+        <p:cNvGrpSpPr/>
+        <p:nvPr/>
+      </p:nvGrpSpPr>
+      <p:grpSpPr>
+        <a:xfrm>
+          <a:off x="0" y="0"/>
+          <a:ext cx="0" cy="0"/>
+          <a:chOff x="0" y="0"/>
+          <a:chExt cx="0" cy="0"/>
+        </a:xfrm>
+      </p:grpSpPr>
+      <p:sp>
+        <p:nvSpPr>
+          <p:cNvPr id="2" name="Slide Image Placeholder 1"/>
+          <p:cNvSpPr>
+            <a:spLocks noGrp="1" noRot="1" noChangeAspect="1"/>
+          </p:cNvSpPr>
+          <p:nvPr>
+            <p:ph type="sldImg"/>
+          </p:nvPr>
+        </p:nvSpPr>
+        <p:spPr/>
+      </p:sp>
+      <p:sp>
+        <p:nvSpPr>
+          <p:cNvPr id="3" name="Notes Placeholder 2"/>
+          <p:cNvSpPr>
+            <a:spLocks noGrp="1"/>
+          </p:cNvSpPr>
+          <p:nvPr>
+            <p:ph type="body" idx="1"/>
+          </p:nvPr>
+        </p:nvSpPr>
+        <p:spPr/>
+        <p:txBody>
+          <a:bodyPr/>
+          <a:lstStyle/>
+          <a:p>
+            <a:r>
+              <a:rPr lang="en-US" b="1" dirty="0"/>
+              <a:t>Proxy</a:t>
+            </a:r>
+            <a:r>
+              <a:rPr lang="en-US" dirty="0"/>
+              <a:t> lets you provide a substitute or placeholder for another object. </a:t>
+            </a:r>
+          </a:p>
+          <a:p>
+            <a:r>
+              <a:rPr lang="en-US" dirty="0"/>
+              <a:t>A proxy controls access to the original object, allowing you to perform something either before or after the request gets through to the original object.</a:t>
+            </a:r>
+          </a:p>
+          <a:p>
+            <a:endParaRPr lang="en-US" dirty="0"/>
+          </a:p>
+        </p:txBody>
+      </p:sp>
+      <p:sp>
+        <p:nvSpPr>
+          <p:cNvPr id="4" name="Slide Number Placeholder 3"/>
+          <p:cNvSpPr>
+            <a:spLocks noGrp="1"/>
+          </p:cNvSpPr>
+          <p:nvPr>
+            <p:ph type="sldNum" sz="quarter" idx="5"/>
+          </p:nvPr>
+        </p:nvSpPr>
+        <p:spPr/>
+        <p:txBody>
+          <a:bodyPr/>
+          <a:lstStyle/>
+          <a:p>
+            <a:fld id="{01420855-62A1-43EF-8815-D1313CE67D77}" type="slidenum">
+              <a:rPr lang="en-AU" smtClean="0"/>
+              <a:t>9</a:t>
+            </a:fld>
+            <a:endParaRPr lang="en-AU"/>
+          </a:p>
+        </p:txBody>
+      </p:sp>
+    </p:spTree>
+    <p:extLst>
+      <p:ext uri="{BB962C8B-B14F-4D97-AF65-F5344CB8AC3E}">
+        <p14:creationId xmlns:p14="http://schemas.microsoft.com/office/powerpoint/2010/main" val="1196635679"/>
       </p:ext>
     </p:extLst>
   </p:cSld>
@@ -14261,6 +21847,1009 @@
 </p:sld>
 </file>
 
+<file path=ppt/slides/slide10.xml><?xml version="1.0" encoding="utf-8"?>
+<p:sld xmlns:a="http://schemas.openxmlformats.org/drawingml/2006/main" xmlns:r="http://schemas.openxmlformats.org/officeDocument/2006/relationships" xmlns:p="http://schemas.openxmlformats.org/presentationml/2006/main">
+  <p:cSld>
+    <p:spTree>
+      <p:nvGrpSpPr>
+        <p:cNvPr id="1" name=""/>
+        <p:cNvGrpSpPr/>
+        <p:nvPr/>
+      </p:nvGrpSpPr>
+      <p:grpSpPr>
+        <a:xfrm>
+          <a:off x="0" y="0"/>
+          <a:ext cx="0" cy="0"/>
+          <a:chOff x="0" y="0"/>
+          <a:chExt cx="0" cy="0"/>
+        </a:xfrm>
+      </p:grpSpPr>
+      <p:sp>
+        <p:nvSpPr>
+          <p:cNvPr id="5" name="Footer Placeholder 4">
+            <a:extLst>
+              <a:ext uri="{FF2B5EF4-FFF2-40B4-BE49-F238E27FC236}">
+                <a16:creationId xmlns:a16="http://schemas.microsoft.com/office/drawing/2014/main" id="{D2D93A42-AC09-BE16-53BA-5F3DF3DB5EE7}"/>
+              </a:ext>
+            </a:extLst>
+          </p:cNvPr>
+          <p:cNvSpPr>
+            <a:spLocks noGrp="1"/>
+          </p:cNvSpPr>
+          <p:nvPr>
+            <p:ph type="ftr" sz="quarter" idx="3"/>
+          </p:nvPr>
+        </p:nvSpPr>
+        <p:spPr/>
+        <p:txBody>
+          <a:bodyPr/>
+          <a:lstStyle/>
+          <a:p>
+            <a:r>
+              <a:rPr lang="en-AU"/>
+              <a:t>© 2020 CargoWise</a:t>
+            </a:r>
+            <a:endParaRPr lang="en-AU" dirty="0"/>
+          </a:p>
+        </p:txBody>
+      </p:sp>
+      <p:sp>
+        <p:nvSpPr>
+          <p:cNvPr id="6" name="Slide Number Placeholder 5">
+            <a:extLst>
+              <a:ext uri="{FF2B5EF4-FFF2-40B4-BE49-F238E27FC236}">
+                <a16:creationId xmlns:a16="http://schemas.microsoft.com/office/drawing/2014/main" id="{CD4B6C8B-7974-95C4-6BDD-8CD3355B20EE}"/>
+              </a:ext>
+            </a:extLst>
+          </p:cNvPr>
+          <p:cNvSpPr>
+            <a:spLocks noGrp="1"/>
+          </p:cNvSpPr>
+          <p:nvPr>
+            <p:ph type="sldNum" sz="quarter" idx="4"/>
+          </p:nvPr>
+        </p:nvSpPr>
+        <p:spPr/>
+        <p:txBody>
+          <a:bodyPr/>
+          <a:lstStyle/>
+          <a:p>
+            <a:fld id="{67E7CB4E-0848-4774-9F85-B38117CB1B54}" type="slidenum">
+              <a:rPr lang="en-AU" smtClean="0"/>
+              <a:pPr/>
+              <a:t>10</a:t>
+            </a:fld>
+            <a:endParaRPr lang="en-AU" dirty="0"/>
+          </a:p>
+        </p:txBody>
+      </p:sp>
+      <p:sp>
+        <p:nvSpPr>
+          <p:cNvPr id="11" name="Title 3">
+            <a:extLst>
+              <a:ext uri="{FF2B5EF4-FFF2-40B4-BE49-F238E27FC236}">
+                <a16:creationId xmlns:a16="http://schemas.microsoft.com/office/drawing/2014/main" id="{D5172EF1-C4D0-9CC7-4CAF-A5A26F24C5E1}"/>
+              </a:ext>
+            </a:extLst>
+          </p:cNvPr>
+          <p:cNvSpPr>
+            <a:spLocks noGrp="1"/>
+          </p:cNvSpPr>
+          <p:nvPr>
+            <p:ph type="title"/>
+          </p:nvPr>
+        </p:nvSpPr>
+        <p:spPr>
+          <a:xfrm>
+            <a:off x="1080000" y="1125271"/>
+            <a:ext cx="22201232" cy="701456"/>
+          </a:xfrm>
+        </p:spPr>
+        <p:txBody>
+          <a:bodyPr/>
+          <a:lstStyle/>
+          <a:p>
+            <a:r>
+              <a:rPr lang="en-US" b="1" dirty="0"/>
+              <a:t>3. P</a:t>
+            </a:r>
+            <a:r>
+              <a:rPr lang="en-US" altLang="zh-CN" b="1" dirty="0"/>
+              <a:t>roxy</a:t>
+            </a:r>
+            <a:endParaRPr lang="en-US" dirty="0"/>
+          </a:p>
+        </p:txBody>
+      </p:sp>
+      <p:pic>
+        <p:nvPicPr>
+          <p:cNvPr id="2" name="Content Placeholder 4" descr="Diagram&#10;&#10;Description automatically generated">
+            <a:extLst>
+              <a:ext uri="{FF2B5EF4-FFF2-40B4-BE49-F238E27FC236}">
+                <a16:creationId xmlns:a16="http://schemas.microsoft.com/office/drawing/2014/main" id="{96E3E0F8-4450-163D-6DCD-6AD581E58370}"/>
+              </a:ext>
+            </a:extLst>
+          </p:cNvPr>
+          <p:cNvPicPr>
+            <a:picLocks noChangeAspect="1"/>
+          </p:cNvPicPr>
+          <p:nvPr/>
+        </p:nvPicPr>
+        <p:blipFill>
+          <a:blip r:embed="rId3">
+            <a:extLst>
+              <a:ext uri="{28A0092B-C50C-407E-A947-70E740481C1C}">
+                <a14:useLocalDpi xmlns:a14="http://schemas.microsoft.com/office/drawing/2010/main" val="0"/>
+              </a:ext>
+            </a:extLst>
+          </a:blip>
+          <a:stretch>
+            <a:fillRect/>
+          </a:stretch>
+        </p:blipFill>
+        <p:spPr>
+          <a:xfrm>
+            <a:off x="11183888" y="1475999"/>
+            <a:ext cx="10521797" cy="10521797"/>
+          </a:xfrm>
+          <a:prstGeom prst="rect">
+            <a:avLst/>
+          </a:prstGeom>
+        </p:spPr>
+      </p:pic>
+      <p:graphicFrame>
+        <p:nvGraphicFramePr>
+          <p:cNvPr id="4" name="Diagram 3">
+            <a:extLst>
+              <a:ext uri="{FF2B5EF4-FFF2-40B4-BE49-F238E27FC236}">
+                <a16:creationId xmlns:a16="http://schemas.microsoft.com/office/drawing/2014/main" id="{1B69891E-9833-1ABD-4B39-CA73C1CF5F57}"/>
+              </a:ext>
+            </a:extLst>
+          </p:cNvPr>
+          <p:cNvGraphicFramePr/>
+          <p:nvPr>
+            <p:extLst>
+              <p:ext uri="{D42A27DB-BD31-4B8C-83A1-F6EECF244321}">
+                <p14:modId xmlns:p14="http://schemas.microsoft.com/office/powerpoint/2010/main" val="1589868578"/>
+              </p:ext>
+            </p:extLst>
+          </p:nvPr>
+        </p:nvGraphicFramePr>
+        <p:xfrm>
+          <a:off x="2946463" y="4490426"/>
+          <a:ext cx="6408712" cy="4843670"/>
+        </p:xfrm>
+        <a:graphic>
+          <a:graphicData uri="http://schemas.openxmlformats.org/drawingml/2006/diagram">
+            <dgm:relIds xmlns:dgm="http://schemas.openxmlformats.org/drawingml/2006/diagram" xmlns:r="http://schemas.openxmlformats.org/officeDocument/2006/relationships" r:dm="rId4" r:lo="rId5" r:qs="rId6" r:cs="rId7"/>
+          </a:graphicData>
+        </a:graphic>
+      </p:graphicFrame>
+    </p:spTree>
+    <p:extLst>
+      <p:ext uri="{BB962C8B-B14F-4D97-AF65-F5344CB8AC3E}">
+        <p14:creationId xmlns:p14="http://schemas.microsoft.com/office/powerpoint/2010/main" val="689937238"/>
+      </p:ext>
+    </p:extLst>
+  </p:cSld>
+  <p:clrMapOvr>
+    <a:masterClrMapping/>
+  </p:clrMapOvr>
+</p:sld>
+</file>
+
+<file path=ppt/slides/slide11.xml><?xml version="1.0" encoding="utf-8"?>
+<p:sld xmlns:a="http://schemas.openxmlformats.org/drawingml/2006/main" xmlns:r="http://schemas.openxmlformats.org/officeDocument/2006/relationships" xmlns:p="http://schemas.openxmlformats.org/presentationml/2006/main">
+  <p:cSld>
+    <p:spTree>
+      <p:nvGrpSpPr>
+        <p:cNvPr id="1" name=""/>
+        <p:cNvGrpSpPr/>
+        <p:nvPr/>
+      </p:nvGrpSpPr>
+      <p:grpSpPr>
+        <a:xfrm>
+          <a:off x="0" y="0"/>
+          <a:ext cx="0" cy="0"/>
+          <a:chOff x="0" y="0"/>
+          <a:chExt cx="0" cy="0"/>
+        </a:xfrm>
+      </p:grpSpPr>
+      <p:sp>
+        <p:nvSpPr>
+          <p:cNvPr id="5" name="Footer Placeholder 4">
+            <a:extLst>
+              <a:ext uri="{FF2B5EF4-FFF2-40B4-BE49-F238E27FC236}">
+                <a16:creationId xmlns:a16="http://schemas.microsoft.com/office/drawing/2014/main" id="{D2D93A42-AC09-BE16-53BA-5F3DF3DB5EE7}"/>
+              </a:ext>
+            </a:extLst>
+          </p:cNvPr>
+          <p:cNvSpPr>
+            <a:spLocks noGrp="1"/>
+          </p:cNvSpPr>
+          <p:nvPr>
+            <p:ph type="ftr" sz="quarter" idx="3"/>
+          </p:nvPr>
+        </p:nvSpPr>
+        <p:spPr/>
+        <p:txBody>
+          <a:bodyPr/>
+          <a:lstStyle/>
+          <a:p>
+            <a:r>
+              <a:rPr lang="en-AU"/>
+              <a:t>© 2020 CargoWise</a:t>
+            </a:r>
+            <a:endParaRPr lang="en-AU" dirty="0"/>
+          </a:p>
+        </p:txBody>
+      </p:sp>
+      <p:sp>
+        <p:nvSpPr>
+          <p:cNvPr id="6" name="Slide Number Placeholder 5">
+            <a:extLst>
+              <a:ext uri="{FF2B5EF4-FFF2-40B4-BE49-F238E27FC236}">
+                <a16:creationId xmlns:a16="http://schemas.microsoft.com/office/drawing/2014/main" id="{CD4B6C8B-7974-95C4-6BDD-8CD3355B20EE}"/>
+              </a:ext>
+            </a:extLst>
+          </p:cNvPr>
+          <p:cNvSpPr>
+            <a:spLocks noGrp="1"/>
+          </p:cNvSpPr>
+          <p:nvPr>
+            <p:ph type="sldNum" sz="quarter" idx="4"/>
+          </p:nvPr>
+        </p:nvSpPr>
+        <p:spPr/>
+        <p:txBody>
+          <a:bodyPr/>
+          <a:lstStyle/>
+          <a:p>
+            <a:fld id="{67E7CB4E-0848-4774-9F85-B38117CB1B54}" type="slidenum">
+              <a:rPr lang="en-AU" smtClean="0"/>
+              <a:pPr/>
+              <a:t>11</a:t>
+            </a:fld>
+            <a:endParaRPr lang="en-AU" dirty="0"/>
+          </a:p>
+        </p:txBody>
+      </p:sp>
+      <p:sp>
+        <p:nvSpPr>
+          <p:cNvPr id="11" name="Title 3">
+            <a:extLst>
+              <a:ext uri="{FF2B5EF4-FFF2-40B4-BE49-F238E27FC236}">
+                <a16:creationId xmlns:a16="http://schemas.microsoft.com/office/drawing/2014/main" id="{D5172EF1-C4D0-9CC7-4CAF-A5A26F24C5E1}"/>
+              </a:ext>
+            </a:extLst>
+          </p:cNvPr>
+          <p:cNvSpPr>
+            <a:spLocks noGrp="1"/>
+          </p:cNvSpPr>
+          <p:nvPr>
+            <p:ph type="title"/>
+          </p:nvPr>
+        </p:nvSpPr>
+        <p:spPr>
+          <a:xfrm>
+            <a:off x="1080000" y="1125271"/>
+            <a:ext cx="22201232" cy="701456"/>
+          </a:xfrm>
+        </p:spPr>
+        <p:txBody>
+          <a:bodyPr/>
+          <a:lstStyle/>
+          <a:p>
+            <a:r>
+              <a:rPr lang="en-US" b="1" dirty="0"/>
+              <a:t>3. P</a:t>
+            </a:r>
+            <a:r>
+              <a:rPr lang="en-US" altLang="zh-CN" b="1" dirty="0"/>
+              <a:t>roxy</a:t>
+            </a:r>
+            <a:endParaRPr lang="en-US" dirty="0"/>
+          </a:p>
+        </p:txBody>
+      </p:sp>
+      <p:graphicFrame>
+        <p:nvGraphicFramePr>
+          <p:cNvPr id="18" name="Diagram 17">
+            <a:extLst>
+              <a:ext uri="{FF2B5EF4-FFF2-40B4-BE49-F238E27FC236}">
+                <a16:creationId xmlns:a16="http://schemas.microsoft.com/office/drawing/2014/main" id="{5DFA94E4-0170-5A1C-79D4-4501D29480E1}"/>
+              </a:ext>
+            </a:extLst>
+          </p:cNvPr>
+          <p:cNvGraphicFramePr/>
+          <p:nvPr>
+            <p:extLst>
+              <p:ext uri="{D42A27DB-BD31-4B8C-83A1-F6EECF244321}">
+                <p14:modId xmlns:p14="http://schemas.microsoft.com/office/powerpoint/2010/main" val="4085596150"/>
+              </p:ext>
+            </p:extLst>
+          </p:nvPr>
+        </p:nvGraphicFramePr>
+        <p:xfrm>
+          <a:off x="3359636" y="3401616"/>
+          <a:ext cx="17641960" cy="7200800"/>
+        </p:xfrm>
+        <a:graphic>
+          <a:graphicData uri="http://schemas.openxmlformats.org/drawingml/2006/diagram">
+            <dgm:relIds xmlns:dgm="http://schemas.openxmlformats.org/drawingml/2006/diagram" xmlns:r="http://schemas.openxmlformats.org/officeDocument/2006/relationships" r:dm="rId3" r:lo="rId4" r:qs="rId5" r:cs="rId6"/>
+          </a:graphicData>
+        </a:graphic>
+      </p:graphicFrame>
+    </p:spTree>
+    <p:extLst>
+      <p:ext uri="{BB962C8B-B14F-4D97-AF65-F5344CB8AC3E}">
+        <p14:creationId xmlns:p14="http://schemas.microsoft.com/office/powerpoint/2010/main" val="3425278781"/>
+      </p:ext>
+    </p:extLst>
+  </p:cSld>
+  <p:clrMapOvr>
+    <a:masterClrMapping/>
+  </p:clrMapOvr>
+</p:sld>
+</file>
+
+<file path=ppt/slides/slide12.xml><?xml version="1.0" encoding="utf-8"?>
+<p:sld xmlns:a="http://schemas.openxmlformats.org/drawingml/2006/main" xmlns:r="http://schemas.openxmlformats.org/officeDocument/2006/relationships" xmlns:p="http://schemas.openxmlformats.org/presentationml/2006/main">
+  <p:cSld>
+    <p:spTree>
+      <p:nvGrpSpPr>
+        <p:cNvPr id="1" name=""/>
+        <p:cNvGrpSpPr/>
+        <p:nvPr/>
+      </p:nvGrpSpPr>
+      <p:grpSpPr>
+        <a:xfrm>
+          <a:off x="0" y="0"/>
+          <a:ext cx="0" cy="0"/>
+          <a:chOff x="0" y="0"/>
+          <a:chExt cx="0" cy="0"/>
+        </a:xfrm>
+      </p:grpSpPr>
+      <p:sp>
+        <p:nvSpPr>
+          <p:cNvPr id="5" name="Footer Placeholder 4">
+            <a:extLst>
+              <a:ext uri="{FF2B5EF4-FFF2-40B4-BE49-F238E27FC236}">
+                <a16:creationId xmlns:a16="http://schemas.microsoft.com/office/drawing/2014/main" id="{D2D93A42-AC09-BE16-53BA-5F3DF3DB5EE7}"/>
+              </a:ext>
+            </a:extLst>
+          </p:cNvPr>
+          <p:cNvSpPr>
+            <a:spLocks noGrp="1"/>
+          </p:cNvSpPr>
+          <p:nvPr>
+            <p:ph type="ftr" sz="quarter" idx="3"/>
+          </p:nvPr>
+        </p:nvSpPr>
+        <p:spPr/>
+        <p:txBody>
+          <a:bodyPr/>
+          <a:lstStyle/>
+          <a:p>
+            <a:r>
+              <a:rPr lang="en-AU"/>
+              <a:t>© 2020 CargoWise</a:t>
+            </a:r>
+            <a:endParaRPr lang="en-AU" dirty="0"/>
+          </a:p>
+        </p:txBody>
+      </p:sp>
+      <p:sp>
+        <p:nvSpPr>
+          <p:cNvPr id="6" name="Slide Number Placeholder 5">
+            <a:extLst>
+              <a:ext uri="{FF2B5EF4-FFF2-40B4-BE49-F238E27FC236}">
+                <a16:creationId xmlns:a16="http://schemas.microsoft.com/office/drawing/2014/main" id="{CD4B6C8B-7974-95C4-6BDD-8CD3355B20EE}"/>
+              </a:ext>
+            </a:extLst>
+          </p:cNvPr>
+          <p:cNvSpPr>
+            <a:spLocks noGrp="1"/>
+          </p:cNvSpPr>
+          <p:nvPr>
+            <p:ph type="sldNum" sz="quarter" idx="4"/>
+          </p:nvPr>
+        </p:nvSpPr>
+        <p:spPr/>
+        <p:txBody>
+          <a:bodyPr/>
+          <a:lstStyle/>
+          <a:p>
+            <a:fld id="{67E7CB4E-0848-4774-9F85-B38117CB1B54}" type="slidenum">
+              <a:rPr lang="en-AU" smtClean="0"/>
+              <a:pPr/>
+              <a:t>12</a:t>
+            </a:fld>
+            <a:endParaRPr lang="en-AU" dirty="0"/>
+          </a:p>
+        </p:txBody>
+      </p:sp>
+      <p:sp>
+        <p:nvSpPr>
+          <p:cNvPr id="11" name="Title 3">
+            <a:extLst>
+              <a:ext uri="{FF2B5EF4-FFF2-40B4-BE49-F238E27FC236}">
+                <a16:creationId xmlns:a16="http://schemas.microsoft.com/office/drawing/2014/main" id="{D5172EF1-C4D0-9CC7-4CAF-A5A26F24C5E1}"/>
+              </a:ext>
+            </a:extLst>
+          </p:cNvPr>
+          <p:cNvSpPr>
+            <a:spLocks noGrp="1"/>
+          </p:cNvSpPr>
+          <p:nvPr>
+            <p:ph type="title"/>
+          </p:nvPr>
+        </p:nvSpPr>
+        <p:spPr>
+          <a:xfrm>
+            <a:off x="1080000" y="1125271"/>
+            <a:ext cx="22201232" cy="701456"/>
+          </a:xfrm>
+        </p:spPr>
+        <p:txBody>
+          <a:bodyPr/>
+          <a:lstStyle/>
+          <a:p>
+            <a:r>
+              <a:rPr lang="en-US" b="1" dirty="0"/>
+              <a:t>3. P</a:t>
+            </a:r>
+            <a:r>
+              <a:rPr lang="en-US" altLang="zh-CN" b="1" dirty="0"/>
+              <a:t>roxy</a:t>
+            </a:r>
+            <a:endParaRPr lang="en-US" dirty="0"/>
+          </a:p>
+        </p:txBody>
+      </p:sp>
+      <p:pic>
+        <p:nvPicPr>
+          <p:cNvPr id="3" name="Picture 2">
+            <a:extLst>
+              <a:ext uri="{FF2B5EF4-FFF2-40B4-BE49-F238E27FC236}">
+                <a16:creationId xmlns:a16="http://schemas.microsoft.com/office/drawing/2014/main" id="{DBC79B2D-5501-A4A5-344A-402E7833692B}"/>
+              </a:ext>
+            </a:extLst>
+          </p:cNvPr>
+          <p:cNvPicPr>
+            <a:picLocks noChangeAspect="1"/>
+          </p:cNvPicPr>
+          <p:nvPr/>
+        </p:nvPicPr>
+        <p:blipFill>
+          <a:blip r:embed="rId3"/>
+          <a:stretch>
+            <a:fillRect/>
+          </a:stretch>
+        </p:blipFill>
+        <p:spPr>
+          <a:xfrm>
+            <a:off x="2614936" y="2537520"/>
+            <a:ext cx="18506056" cy="9073254"/>
+          </a:xfrm>
+          <a:prstGeom prst="rect">
+            <a:avLst/>
+          </a:prstGeom>
+        </p:spPr>
+      </p:pic>
+    </p:spTree>
+    <p:extLst>
+      <p:ext uri="{BB962C8B-B14F-4D97-AF65-F5344CB8AC3E}">
+        <p14:creationId xmlns:p14="http://schemas.microsoft.com/office/powerpoint/2010/main" val="3198148765"/>
+      </p:ext>
+    </p:extLst>
+  </p:cSld>
+  <p:clrMapOvr>
+    <a:masterClrMapping/>
+  </p:clrMapOvr>
+</p:sld>
+</file>
+
+<file path=ppt/slides/slide13.xml><?xml version="1.0" encoding="utf-8"?>
+<p:sld xmlns:a="http://schemas.openxmlformats.org/drawingml/2006/main" xmlns:r="http://schemas.openxmlformats.org/officeDocument/2006/relationships" xmlns:p="http://schemas.openxmlformats.org/presentationml/2006/main">
+  <p:cSld>
+    <p:spTree>
+      <p:nvGrpSpPr>
+        <p:cNvPr id="1" name=""/>
+        <p:cNvGrpSpPr/>
+        <p:nvPr/>
+      </p:nvGrpSpPr>
+      <p:grpSpPr>
+        <a:xfrm>
+          <a:off x="0" y="0"/>
+          <a:ext cx="0" cy="0"/>
+          <a:chOff x="0" y="0"/>
+          <a:chExt cx="0" cy="0"/>
+        </a:xfrm>
+      </p:grpSpPr>
+      <p:sp>
+        <p:nvSpPr>
+          <p:cNvPr id="5" name="Footer Placeholder 4">
+            <a:extLst>
+              <a:ext uri="{FF2B5EF4-FFF2-40B4-BE49-F238E27FC236}">
+                <a16:creationId xmlns:a16="http://schemas.microsoft.com/office/drawing/2014/main" id="{D2D93A42-AC09-BE16-53BA-5F3DF3DB5EE7}"/>
+              </a:ext>
+            </a:extLst>
+          </p:cNvPr>
+          <p:cNvSpPr>
+            <a:spLocks noGrp="1"/>
+          </p:cNvSpPr>
+          <p:nvPr>
+            <p:ph type="ftr" sz="quarter" idx="3"/>
+          </p:nvPr>
+        </p:nvSpPr>
+        <p:spPr/>
+        <p:txBody>
+          <a:bodyPr/>
+          <a:lstStyle/>
+          <a:p>
+            <a:r>
+              <a:rPr lang="en-AU"/>
+              <a:t>© 2020 CargoWise</a:t>
+            </a:r>
+            <a:endParaRPr lang="en-AU" dirty="0"/>
+          </a:p>
+        </p:txBody>
+      </p:sp>
+      <p:sp>
+        <p:nvSpPr>
+          <p:cNvPr id="6" name="Slide Number Placeholder 5">
+            <a:extLst>
+              <a:ext uri="{FF2B5EF4-FFF2-40B4-BE49-F238E27FC236}">
+                <a16:creationId xmlns:a16="http://schemas.microsoft.com/office/drawing/2014/main" id="{CD4B6C8B-7974-95C4-6BDD-8CD3355B20EE}"/>
+              </a:ext>
+            </a:extLst>
+          </p:cNvPr>
+          <p:cNvSpPr>
+            <a:spLocks noGrp="1"/>
+          </p:cNvSpPr>
+          <p:nvPr>
+            <p:ph type="sldNum" sz="quarter" idx="4"/>
+          </p:nvPr>
+        </p:nvSpPr>
+        <p:spPr/>
+        <p:txBody>
+          <a:bodyPr/>
+          <a:lstStyle/>
+          <a:p>
+            <a:fld id="{67E7CB4E-0848-4774-9F85-B38117CB1B54}" type="slidenum">
+              <a:rPr lang="en-AU" smtClean="0"/>
+              <a:pPr/>
+              <a:t>13</a:t>
+            </a:fld>
+            <a:endParaRPr lang="en-AU" dirty="0"/>
+          </a:p>
+        </p:txBody>
+      </p:sp>
+      <p:sp>
+        <p:nvSpPr>
+          <p:cNvPr id="11" name="Title 3">
+            <a:extLst>
+              <a:ext uri="{FF2B5EF4-FFF2-40B4-BE49-F238E27FC236}">
+                <a16:creationId xmlns:a16="http://schemas.microsoft.com/office/drawing/2014/main" id="{D5172EF1-C4D0-9CC7-4CAF-A5A26F24C5E1}"/>
+              </a:ext>
+            </a:extLst>
+          </p:cNvPr>
+          <p:cNvSpPr>
+            <a:spLocks noGrp="1"/>
+          </p:cNvSpPr>
+          <p:nvPr>
+            <p:ph type="title"/>
+          </p:nvPr>
+        </p:nvSpPr>
+        <p:spPr>
+          <a:xfrm>
+            <a:off x="1080000" y="1125271"/>
+            <a:ext cx="22201232" cy="701456"/>
+          </a:xfrm>
+        </p:spPr>
+        <p:txBody>
+          <a:bodyPr/>
+          <a:lstStyle/>
+          <a:p>
+            <a:r>
+              <a:rPr lang="en-US" b="1" dirty="0"/>
+              <a:t>4. Bridge</a:t>
+            </a:r>
+            <a:endParaRPr lang="en-US" dirty="0"/>
+          </a:p>
+        </p:txBody>
+      </p:sp>
+    </p:spTree>
+    <p:extLst>
+      <p:ext uri="{BB962C8B-B14F-4D97-AF65-F5344CB8AC3E}">
+        <p14:creationId xmlns:p14="http://schemas.microsoft.com/office/powerpoint/2010/main" val="286972125"/>
+      </p:ext>
+    </p:extLst>
+  </p:cSld>
+  <p:clrMapOvr>
+    <a:masterClrMapping/>
+  </p:clrMapOvr>
+</p:sld>
+</file>
+
+<file path=ppt/slides/slide14.xml><?xml version="1.0" encoding="utf-8"?>
+<p:sld xmlns:a="http://schemas.openxmlformats.org/drawingml/2006/main" xmlns:r="http://schemas.openxmlformats.org/officeDocument/2006/relationships" xmlns:p="http://schemas.openxmlformats.org/presentationml/2006/main">
+  <p:cSld>
+    <p:spTree>
+      <p:nvGrpSpPr>
+        <p:cNvPr id="1" name=""/>
+        <p:cNvGrpSpPr/>
+        <p:nvPr/>
+      </p:nvGrpSpPr>
+      <p:grpSpPr>
+        <a:xfrm>
+          <a:off x="0" y="0"/>
+          <a:ext cx="0" cy="0"/>
+          <a:chOff x="0" y="0"/>
+          <a:chExt cx="0" cy="0"/>
+        </a:xfrm>
+      </p:grpSpPr>
+      <p:sp>
+        <p:nvSpPr>
+          <p:cNvPr id="2" name="Content Placeholder 1">
+            <a:extLst>
+              <a:ext uri="{FF2B5EF4-FFF2-40B4-BE49-F238E27FC236}">
+                <a16:creationId xmlns:a16="http://schemas.microsoft.com/office/drawing/2014/main" id="{70A240BD-C58F-DFDB-E361-927CB0058F7A}"/>
+              </a:ext>
+            </a:extLst>
+          </p:cNvPr>
+          <p:cNvSpPr>
+            <a:spLocks noGrp="1"/>
+          </p:cNvSpPr>
+          <p:nvPr>
+            <p:ph sz="half" idx="15"/>
+          </p:nvPr>
+        </p:nvSpPr>
+        <p:spPr/>
+        <p:txBody>
+          <a:bodyPr/>
+          <a:lstStyle/>
+          <a:p>
+            <a:endParaRPr lang="en-US"/>
+          </a:p>
+        </p:txBody>
+      </p:sp>
+      <p:sp>
+        <p:nvSpPr>
+          <p:cNvPr id="3" name="Content Placeholder 2">
+            <a:extLst>
+              <a:ext uri="{FF2B5EF4-FFF2-40B4-BE49-F238E27FC236}">
+                <a16:creationId xmlns:a16="http://schemas.microsoft.com/office/drawing/2014/main" id="{86DCF0E6-7CC4-E58A-4D9E-94B3A65478DC}"/>
+              </a:ext>
+            </a:extLst>
+          </p:cNvPr>
+          <p:cNvSpPr>
+            <a:spLocks noGrp="1"/>
+          </p:cNvSpPr>
+          <p:nvPr>
+            <p:ph sz="half" idx="16"/>
+          </p:nvPr>
+        </p:nvSpPr>
+        <p:spPr/>
+        <p:txBody>
+          <a:bodyPr/>
+          <a:lstStyle/>
+          <a:p>
+            <a:endParaRPr lang="en-US"/>
+          </a:p>
+        </p:txBody>
+      </p:sp>
+      <p:sp>
+        <p:nvSpPr>
+          <p:cNvPr id="4" name="Title 3">
+            <a:extLst>
+              <a:ext uri="{FF2B5EF4-FFF2-40B4-BE49-F238E27FC236}">
+                <a16:creationId xmlns:a16="http://schemas.microsoft.com/office/drawing/2014/main" id="{E3960559-95A0-6CA3-41DD-BDD7EC92B481}"/>
+              </a:ext>
+            </a:extLst>
+          </p:cNvPr>
+          <p:cNvSpPr>
+            <a:spLocks noGrp="1"/>
+          </p:cNvSpPr>
+          <p:nvPr>
+            <p:ph type="title"/>
+          </p:nvPr>
+        </p:nvSpPr>
+        <p:spPr/>
+        <p:txBody>
+          <a:bodyPr/>
+          <a:lstStyle/>
+          <a:p>
+            <a:endParaRPr lang="en-US"/>
+          </a:p>
+        </p:txBody>
+      </p:sp>
+      <p:sp>
+        <p:nvSpPr>
+          <p:cNvPr id="5" name="Footer Placeholder 4">
+            <a:extLst>
+              <a:ext uri="{FF2B5EF4-FFF2-40B4-BE49-F238E27FC236}">
+                <a16:creationId xmlns:a16="http://schemas.microsoft.com/office/drawing/2014/main" id="{5F1F19CC-D237-EE02-C07D-144B434CB521}"/>
+              </a:ext>
+            </a:extLst>
+          </p:cNvPr>
+          <p:cNvSpPr>
+            <a:spLocks noGrp="1"/>
+          </p:cNvSpPr>
+          <p:nvPr>
+            <p:ph type="ftr" sz="quarter" idx="3"/>
+          </p:nvPr>
+        </p:nvSpPr>
+        <p:spPr/>
+        <p:txBody>
+          <a:bodyPr/>
+          <a:lstStyle/>
+          <a:p>
+            <a:r>
+              <a:rPr lang="en-AU"/>
+              <a:t>© 2020 CargoWise</a:t>
+            </a:r>
+            <a:endParaRPr lang="en-AU" dirty="0"/>
+          </a:p>
+        </p:txBody>
+      </p:sp>
+      <p:sp>
+        <p:nvSpPr>
+          <p:cNvPr id="6" name="Slide Number Placeholder 5">
+            <a:extLst>
+              <a:ext uri="{FF2B5EF4-FFF2-40B4-BE49-F238E27FC236}">
+                <a16:creationId xmlns:a16="http://schemas.microsoft.com/office/drawing/2014/main" id="{868DD05F-3A65-624C-9DB6-993672DBE7A1}"/>
+              </a:ext>
+            </a:extLst>
+          </p:cNvPr>
+          <p:cNvSpPr>
+            <a:spLocks noGrp="1"/>
+          </p:cNvSpPr>
+          <p:nvPr>
+            <p:ph type="sldNum" sz="quarter" idx="4"/>
+          </p:nvPr>
+        </p:nvSpPr>
+        <p:spPr/>
+        <p:txBody>
+          <a:bodyPr/>
+          <a:lstStyle/>
+          <a:p>
+            <a:fld id="{67E7CB4E-0848-4774-9F85-B38117CB1B54}" type="slidenum">
+              <a:rPr lang="en-AU" smtClean="0"/>
+              <a:pPr/>
+              <a:t>14</a:t>
+            </a:fld>
+            <a:endParaRPr lang="en-AU" dirty="0"/>
+          </a:p>
+        </p:txBody>
+      </p:sp>
+      <p:sp>
+        <p:nvSpPr>
+          <p:cNvPr id="7" name="Text Placeholder 6">
+            <a:extLst>
+              <a:ext uri="{FF2B5EF4-FFF2-40B4-BE49-F238E27FC236}">
+                <a16:creationId xmlns:a16="http://schemas.microsoft.com/office/drawing/2014/main" id="{05C3779A-AE24-01C0-C690-8E96F518EC83}"/>
+              </a:ext>
+            </a:extLst>
+          </p:cNvPr>
+          <p:cNvSpPr>
+            <a:spLocks noGrp="1"/>
+          </p:cNvSpPr>
+          <p:nvPr>
+            <p:ph type="body" sz="quarter" idx="13"/>
+          </p:nvPr>
+        </p:nvSpPr>
+        <p:spPr/>
+        <p:txBody>
+          <a:bodyPr/>
+          <a:lstStyle/>
+          <a:p>
+            <a:endParaRPr lang="en-US"/>
+          </a:p>
+        </p:txBody>
+      </p:sp>
+    </p:spTree>
+    <p:extLst>
+      <p:ext uri="{BB962C8B-B14F-4D97-AF65-F5344CB8AC3E}">
+        <p14:creationId xmlns:p14="http://schemas.microsoft.com/office/powerpoint/2010/main" val="3394186981"/>
+      </p:ext>
+    </p:extLst>
+  </p:cSld>
+  <p:clrMapOvr>
+    <a:masterClrMapping/>
+  </p:clrMapOvr>
+</p:sld>
+</file>
+
+<file path=ppt/slides/slide15.xml><?xml version="1.0" encoding="utf-8"?>
+<p:sld xmlns:a="http://schemas.openxmlformats.org/drawingml/2006/main" xmlns:r="http://schemas.openxmlformats.org/officeDocument/2006/relationships" xmlns:p="http://schemas.openxmlformats.org/presentationml/2006/main">
+  <p:cSld>
+    <p:spTree>
+      <p:nvGrpSpPr>
+        <p:cNvPr id="1" name=""/>
+        <p:cNvGrpSpPr/>
+        <p:nvPr/>
+      </p:nvGrpSpPr>
+      <p:grpSpPr>
+        <a:xfrm>
+          <a:off x="0" y="0"/>
+          <a:ext cx="0" cy="0"/>
+          <a:chOff x="0" y="0"/>
+          <a:chExt cx="0" cy="0"/>
+        </a:xfrm>
+      </p:grpSpPr>
+      <p:sp>
+        <p:nvSpPr>
+          <p:cNvPr id="11" name="Content Placeholder 10">
+            <a:extLst>
+              <a:ext uri="{FF2B5EF4-FFF2-40B4-BE49-F238E27FC236}">
+                <a16:creationId xmlns:a16="http://schemas.microsoft.com/office/drawing/2014/main" id="{B4FC8108-2EFA-47A7-B644-5E5786E2FD7D}"/>
+              </a:ext>
+            </a:extLst>
+          </p:cNvPr>
+          <p:cNvSpPr>
+            <a:spLocks noGrp="1"/>
+          </p:cNvSpPr>
+          <p:nvPr>
+            <p:ph idx="1"/>
+          </p:nvPr>
+        </p:nvSpPr>
+        <p:spPr/>
+        <p:txBody>
+          <a:bodyPr/>
+          <a:lstStyle/>
+          <a:p>
+            <a:endParaRPr lang="en-US" dirty="0"/>
+          </a:p>
+        </p:txBody>
+      </p:sp>
+      <p:sp>
+        <p:nvSpPr>
+          <p:cNvPr id="10" name="Title 9">
+            <a:extLst>
+              <a:ext uri="{FF2B5EF4-FFF2-40B4-BE49-F238E27FC236}">
+                <a16:creationId xmlns:a16="http://schemas.microsoft.com/office/drawing/2014/main" id="{89A55923-A041-4025-BAC3-248BAD42DD6D}"/>
+              </a:ext>
+            </a:extLst>
+          </p:cNvPr>
+          <p:cNvSpPr>
+            <a:spLocks noGrp="1"/>
+          </p:cNvSpPr>
+          <p:nvPr>
+            <p:ph type="title"/>
+          </p:nvPr>
+        </p:nvSpPr>
+        <p:spPr/>
+        <p:txBody>
+          <a:bodyPr/>
+          <a:lstStyle/>
+          <a:p>
+            <a:endParaRPr lang="en-US" dirty="0"/>
+          </a:p>
+        </p:txBody>
+      </p:sp>
+      <p:sp>
+        <p:nvSpPr>
+          <p:cNvPr id="13" name="Content Placeholder 12">
+            <a:extLst>
+              <a:ext uri="{FF2B5EF4-FFF2-40B4-BE49-F238E27FC236}">
+                <a16:creationId xmlns:a16="http://schemas.microsoft.com/office/drawing/2014/main" id="{5687FA31-A4C6-49FE-97F6-E033BB98EDCE}"/>
+              </a:ext>
+            </a:extLst>
+          </p:cNvPr>
+          <p:cNvSpPr>
+            <a:spLocks noGrp="1"/>
+          </p:cNvSpPr>
+          <p:nvPr>
+            <p:ph sz="quarter" idx="15"/>
+          </p:nvPr>
+        </p:nvSpPr>
+        <p:spPr/>
+        <p:txBody>
+          <a:bodyPr/>
+          <a:lstStyle/>
+          <a:p>
+            <a:endParaRPr lang="en-US"/>
+          </a:p>
+        </p:txBody>
+      </p:sp>
+      <p:sp>
+        <p:nvSpPr>
+          <p:cNvPr id="2" name="Footer Placeholder 1">
+            <a:extLst>
+              <a:ext uri="{FF2B5EF4-FFF2-40B4-BE49-F238E27FC236}">
+                <a16:creationId xmlns:a16="http://schemas.microsoft.com/office/drawing/2014/main" id="{A078EA89-E9FF-4D7E-9836-9B57F76F7CC0}"/>
+              </a:ext>
+            </a:extLst>
+          </p:cNvPr>
+          <p:cNvSpPr>
+            <a:spLocks noGrp="1"/>
+          </p:cNvSpPr>
+          <p:nvPr>
+            <p:ph type="ftr" sz="quarter" idx="3"/>
+          </p:nvPr>
+        </p:nvSpPr>
+        <p:spPr/>
+        <p:txBody>
+          <a:bodyPr/>
+          <a:lstStyle/>
+          <a:p>
+            <a:r>
+              <a:rPr lang="en-AU" dirty="0"/>
+              <a:t>© 2023 CargoWise</a:t>
+            </a:r>
+          </a:p>
+        </p:txBody>
+      </p:sp>
+      <p:sp>
+        <p:nvSpPr>
+          <p:cNvPr id="3" name="Slide Number Placeholder 2">
+            <a:extLst>
+              <a:ext uri="{FF2B5EF4-FFF2-40B4-BE49-F238E27FC236}">
+                <a16:creationId xmlns:a16="http://schemas.microsoft.com/office/drawing/2014/main" id="{C2D48919-875B-4574-B245-4E246981CBC8}"/>
+              </a:ext>
+            </a:extLst>
+          </p:cNvPr>
+          <p:cNvSpPr>
+            <a:spLocks noGrp="1"/>
+          </p:cNvSpPr>
+          <p:nvPr>
+            <p:ph type="sldNum" sz="quarter" idx="4"/>
+          </p:nvPr>
+        </p:nvSpPr>
+        <p:spPr/>
+        <p:txBody>
+          <a:bodyPr/>
+          <a:lstStyle/>
+          <a:p>
+            <a:fld id="{67E7CB4E-0848-4774-9F85-B38117CB1B54}" type="slidenum">
+              <a:rPr lang="en-AU" smtClean="0"/>
+              <a:pPr/>
+              <a:t>15</a:t>
+            </a:fld>
+            <a:endParaRPr lang="en-AU"/>
+          </a:p>
+        </p:txBody>
+      </p:sp>
+      <p:sp>
+        <p:nvSpPr>
+          <p:cNvPr id="12" name="Text Placeholder 11">
+            <a:extLst>
+              <a:ext uri="{FF2B5EF4-FFF2-40B4-BE49-F238E27FC236}">
+                <a16:creationId xmlns:a16="http://schemas.microsoft.com/office/drawing/2014/main" id="{892436DA-58A9-419A-A8AC-6097CE509E1F}"/>
+              </a:ext>
+            </a:extLst>
+          </p:cNvPr>
+          <p:cNvSpPr>
+            <a:spLocks noGrp="1"/>
+          </p:cNvSpPr>
+          <p:nvPr>
+            <p:ph type="body" sz="quarter" idx="13"/>
+          </p:nvPr>
+        </p:nvSpPr>
+        <p:spPr/>
+        <p:txBody>
+          <a:bodyPr/>
+          <a:lstStyle/>
+          <a:p>
+            <a:endParaRPr lang="en-US" dirty="0"/>
+          </a:p>
+        </p:txBody>
+      </p:sp>
+    </p:spTree>
+    <p:extLst>
+      <p:ext uri="{BB962C8B-B14F-4D97-AF65-F5344CB8AC3E}">
+        <p14:creationId xmlns:p14="http://schemas.microsoft.com/office/powerpoint/2010/main" val="3845220615"/>
+      </p:ext>
+    </p:extLst>
+  </p:cSld>
+  <p:clrMapOvr>
+    <a:masterClrMapping/>
+  </p:clrMapOvr>
+</p:sld>
+</file>
+
 <file path=ppt/slides/slide2.xml><?xml version="1.0" encoding="utf-8"?>
 <p:sld xmlns:a="http://schemas.openxmlformats.org/drawingml/2006/main" xmlns:r="http://schemas.openxmlformats.org/officeDocument/2006/relationships" xmlns:p="http://schemas.openxmlformats.org/presentationml/2006/main">
   <p:cSld>
@@ -14752,7 +23341,7 @@
         <p:spPr>
           <a:xfrm>
             <a:off x="1079500" y="4841776"/>
-            <a:ext cx="10838657" cy="6840760"/>
+            <a:ext cx="11112500" cy="6840760"/>
           </a:xfrm>
           <a:prstGeom prst="rect">
             <a:avLst/>
@@ -14803,8 +23392,8 @@
         </p:blipFill>
         <p:spPr>
           <a:xfrm>
-            <a:off x="12745244" y="4841776"/>
-            <a:ext cx="10477500" cy="6840760"/>
+            <a:off x="12745243" y="4841776"/>
+            <a:ext cx="10838657" cy="6840760"/>
           </a:xfrm>
           <a:prstGeom prst="rect">
             <a:avLst/>
@@ -14934,14 +23523,14 @@
           <p:nvPr>
             <p:extLst>
               <p:ext uri="{D42A27DB-BD31-4B8C-83A1-F6EECF244321}">
-                <p14:modId xmlns:p14="http://schemas.microsoft.com/office/powerpoint/2010/main" val="4230995491"/>
+                <p14:modId xmlns:p14="http://schemas.microsoft.com/office/powerpoint/2010/main" val="2003902912"/>
               </p:ext>
             </p:extLst>
           </p:nvPr>
         </p:nvGraphicFramePr>
         <p:xfrm>
-          <a:off x="7722854" y="1494243"/>
-          <a:ext cx="8064896" cy="2751700"/>
+          <a:off x="9383688" y="1601416"/>
+          <a:ext cx="5405250" cy="2751700"/>
         </p:xfrm>
         <a:graphic>
           <a:graphicData uri="http://schemas.openxmlformats.org/drawingml/2006/diagram">
@@ -15344,34 +23933,6 @@
           </a:p>
         </p:txBody>
       </p:sp>
-      <p:graphicFrame>
-        <p:nvGraphicFramePr>
-          <p:cNvPr id="11" name="Diagram 10">
-            <a:extLst>
-              <a:ext uri="{FF2B5EF4-FFF2-40B4-BE49-F238E27FC236}">
-                <a16:creationId xmlns:a16="http://schemas.microsoft.com/office/drawing/2014/main" id="{640EA9B6-5A62-5219-FE7B-484F50127C7D}"/>
-              </a:ext>
-            </a:extLst>
-          </p:cNvPr>
-          <p:cNvGraphicFramePr/>
-          <p:nvPr>
-            <p:extLst>
-              <p:ext uri="{D42A27DB-BD31-4B8C-83A1-F6EECF244321}">
-                <p14:modId xmlns:p14="http://schemas.microsoft.com/office/powerpoint/2010/main" val="3954447447"/>
-              </p:ext>
-            </p:extLst>
-          </p:nvPr>
-        </p:nvGraphicFramePr>
-        <p:xfrm>
-          <a:off x="1232681" y="4193704"/>
-          <a:ext cx="4772437" cy="3363524"/>
-        </p:xfrm>
-        <a:graphic>
-          <a:graphicData uri="http://schemas.openxmlformats.org/drawingml/2006/diagram">
-            <dgm:relIds xmlns:dgm="http://schemas.openxmlformats.org/drawingml/2006/diagram" xmlns:r="http://schemas.openxmlformats.org/officeDocument/2006/relationships" r:dm="rId3" r:lo="rId4" r:qs="rId5" r:cs="rId6"/>
-          </a:graphicData>
-        </a:graphic>
-      </p:graphicFrame>
       <p:pic>
         <p:nvPicPr>
           <p:cNvPr id="9" name="Picture 8">
@@ -15387,13 +23948,13 @@
           <p:nvPr/>
         </p:nvPicPr>
         <p:blipFill rotWithShape="1">
-          <a:blip r:embed="rId8"/>
+          <a:blip r:embed="rId3"/>
           <a:srcRect r="3872"/>
           <a:stretch/>
         </p:blipFill>
         <p:spPr>
           <a:xfrm>
-            <a:off x="8015536" y="3689648"/>
+            <a:off x="2254896" y="4481736"/>
             <a:ext cx="15985776" cy="6062772"/>
           </a:xfrm>
           <a:prstGeom prst="rect">
@@ -15435,6 +23996,34 @@
           </a:p>
         </p:txBody>
       </p:sp>
+      <p:graphicFrame>
+        <p:nvGraphicFramePr>
+          <p:cNvPr id="2" name="Diagram 1">
+            <a:extLst>
+              <a:ext uri="{FF2B5EF4-FFF2-40B4-BE49-F238E27FC236}">
+                <a16:creationId xmlns:a16="http://schemas.microsoft.com/office/drawing/2014/main" id="{848BB702-D114-4336-73B7-B09815911921}"/>
+              </a:ext>
+            </a:extLst>
+          </p:cNvPr>
+          <p:cNvGraphicFramePr/>
+          <p:nvPr>
+            <p:extLst>
+              <p:ext uri="{D42A27DB-BD31-4B8C-83A1-F6EECF244321}">
+                <p14:modId xmlns:p14="http://schemas.microsoft.com/office/powerpoint/2010/main" val="1463961786"/>
+              </p:ext>
+            </p:extLst>
+          </p:nvPr>
+        </p:nvGraphicFramePr>
+        <p:xfrm>
+          <a:off x="16440472" y="2043622"/>
+          <a:ext cx="4772437" cy="3363524"/>
+        </p:xfrm>
+        <a:graphic>
+          <a:graphicData uri="http://schemas.openxmlformats.org/drawingml/2006/diagram">
+            <dgm:relIds xmlns:dgm="http://schemas.openxmlformats.org/drawingml/2006/diagram" xmlns:r="http://schemas.openxmlformats.org/officeDocument/2006/relationships" r:dm="rId4" r:lo="rId5" r:qs="rId6" r:cs="rId7"/>
+          </a:graphicData>
+        </a:graphic>
+      </p:graphicFrame>
     </p:spTree>
     <p:extLst>
       <p:ext uri="{BB962C8B-B14F-4D97-AF65-F5344CB8AC3E}">
@@ -15620,85 +24209,10 @@
       </p:grpSpPr>
       <p:sp>
         <p:nvSpPr>
-          <p:cNvPr id="11" name="Content Placeholder 10">
+          <p:cNvPr id="5" name="Footer Placeholder 4">
             <a:extLst>
               <a:ext uri="{FF2B5EF4-FFF2-40B4-BE49-F238E27FC236}">
-                <a16:creationId xmlns:a16="http://schemas.microsoft.com/office/drawing/2014/main" id="{B4FC8108-2EFA-47A7-B644-5E5786E2FD7D}"/>
-              </a:ext>
-            </a:extLst>
-          </p:cNvPr>
-          <p:cNvSpPr>
-            <a:spLocks noGrp="1"/>
-          </p:cNvSpPr>
-          <p:nvPr>
-            <p:ph idx="1"/>
-          </p:nvPr>
-        </p:nvSpPr>
-        <p:spPr/>
-        <p:txBody>
-          <a:bodyPr/>
-          <a:lstStyle/>
-          <a:p>
-            <a:endParaRPr lang="en-US" dirty="0"/>
-          </a:p>
-        </p:txBody>
-      </p:sp>
-      <p:sp>
-        <p:nvSpPr>
-          <p:cNvPr id="10" name="Title 9">
-            <a:extLst>
-              <a:ext uri="{FF2B5EF4-FFF2-40B4-BE49-F238E27FC236}">
-                <a16:creationId xmlns:a16="http://schemas.microsoft.com/office/drawing/2014/main" id="{89A55923-A041-4025-BAC3-248BAD42DD6D}"/>
-              </a:ext>
-            </a:extLst>
-          </p:cNvPr>
-          <p:cNvSpPr>
-            <a:spLocks noGrp="1"/>
-          </p:cNvSpPr>
-          <p:nvPr>
-            <p:ph type="title"/>
-          </p:nvPr>
-        </p:nvSpPr>
-        <p:spPr/>
-        <p:txBody>
-          <a:bodyPr/>
-          <a:lstStyle/>
-          <a:p>
-            <a:endParaRPr lang="en-US" dirty="0"/>
-          </a:p>
-        </p:txBody>
-      </p:sp>
-      <p:sp>
-        <p:nvSpPr>
-          <p:cNvPr id="13" name="Content Placeholder 12">
-            <a:extLst>
-              <a:ext uri="{FF2B5EF4-FFF2-40B4-BE49-F238E27FC236}">
-                <a16:creationId xmlns:a16="http://schemas.microsoft.com/office/drawing/2014/main" id="{5687FA31-A4C6-49FE-97F6-E033BB98EDCE}"/>
-              </a:ext>
-            </a:extLst>
-          </p:cNvPr>
-          <p:cNvSpPr>
-            <a:spLocks noGrp="1"/>
-          </p:cNvSpPr>
-          <p:nvPr>
-            <p:ph sz="quarter" idx="15"/>
-          </p:nvPr>
-        </p:nvSpPr>
-        <p:spPr/>
-        <p:txBody>
-          <a:bodyPr/>
-          <a:lstStyle/>
-          <a:p>
-            <a:endParaRPr lang="en-US"/>
-          </a:p>
-        </p:txBody>
-      </p:sp>
-      <p:sp>
-        <p:nvSpPr>
-          <p:cNvPr id="2" name="Footer Placeholder 1">
-            <a:extLst>
-              <a:ext uri="{FF2B5EF4-FFF2-40B4-BE49-F238E27FC236}">
-                <a16:creationId xmlns:a16="http://schemas.microsoft.com/office/drawing/2014/main" id="{A078EA89-E9FF-4D7E-9836-9B57F76F7CC0}"/>
+                <a16:creationId xmlns:a16="http://schemas.microsoft.com/office/drawing/2014/main" id="{D2D93A42-AC09-BE16-53BA-5F3DF3DB5EE7}"/>
               </a:ext>
             </a:extLst>
           </p:cNvPr>
@@ -15715,18 +24229,19 @@
           <a:lstStyle/>
           <a:p>
             <a:r>
-              <a:rPr lang="en-AU" dirty="0"/>
-              <a:t>© 2023 CargoWise</a:t>
+              <a:rPr lang="en-AU"/>
+              <a:t>© 2020 CargoWise</a:t>
             </a:r>
+            <a:endParaRPr lang="en-AU" dirty="0"/>
           </a:p>
         </p:txBody>
       </p:sp>
       <p:sp>
         <p:nvSpPr>
-          <p:cNvPr id="3" name="Slide Number Placeholder 2">
+          <p:cNvPr id="6" name="Slide Number Placeholder 5">
             <a:extLst>
               <a:ext uri="{FF2B5EF4-FFF2-40B4-BE49-F238E27FC236}">
-                <a16:creationId xmlns:a16="http://schemas.microsoft.com/office/drawing/2014/main" id="{C2D48919-875B-4574-B245-4E246981CBC8}"/>
+                <a16:creationId xmlns:a16="http://schemas.microsoft.com/office/drawing/2014/main" id="{CD4B6C8B-7974-95C4-6BDD-8CD3355B20EE}"/>
               </a:ext>
             </a:extLst>
           </p:cNvPr>
@@ -15747,16 +24262,16 @@
               <a:pPr/>
               <a:t>9</a:t>
             </a:fld>
-            <a:endParaRPr lang="en-AU"/>
+            <a:endParaRPr lang="en-AU" dirty="0"/>
           </a:p>
         </p:txBody>
       </p:sp>
       <p:sp>
         <p:nvSpPr>
-          <p:cNvPr id="12" name="Text Placeholder 11">
+          <p:cNvPr id="11" name="Title 3">
             <a:extLst>
               <a:ext uri="{FF2B5EF4-FFF2-40B4-BE49-F238E27FC236}">
-                <a16:creationId xmlns:a16="http://schemas.microsoft.com/office/drawing/2014/main" id="{892436DA-58A9-419A-A8AC-6097CE509E1F}"/>
+                <a16:creationId xmlns:a16="http://schemas.microsoft.com/office/drawing/2014/main" id="{D5172EF1-C4D0-9CC7-4CAF-A5A26F24C5E1}"/>
               </a:ext>
             </a:extLst>
           </p:cNvPr>
@@ -15764,22 +24279,71 @@
             <a:spLocks noGrp="1"/>
           </p:cNvSpPr>
           <p:nvPr>
-            <p:ph type="body" sz="quarter" idx="13"/>
+            <p:ph type="title"/>
           </p:nvPr>
         </p:nvSpPr>
-        <p:spPr/>
+        <p:spPr>
+          <a:xfrm>
+            <a:off x="1080000" y="1125271"/>
+            <a:ext cx="22201232" cy="701456"/>
+          </a:xfrm>
+        </p:spPr>
         <p:txBody>
           <a:bodyPr/>
           <a:lstStyle/>
           <a:p>
+            <a:r>
+              <a:rPr lang="en-US" b="1" dirty="0"/>
+              <a:t>3. P</a:t>
+            </a:r>
+            <a:r>
+              <a:rPr lang="en-US" altLang="zh-CN" b="1" dirty="0"/>
+              <a:t>roxy</a:t>
+            </a:r>
             <a:endParaRPr lang="en-US" dirty="0"/>
           </a:p>
         </p:txBody>
       </p:sp>
+      <p:pic>
+        <p:nvPicPr>
+          <p:cNvPr id="14" name="Picture 13" descr="Graphical user interface&#10;&#10;Description automatically generated with medium confidence">
+            <a:extLst>
+              <a:ext uri="{FF2B5EF4-FFF2-40B4-BE49-F238E27FC236}">
+                <a16:creationId xmlns:a16="http://schemas.microsoft.com/office/drawing/2014/main" id="{C5BC2C51-5139-5936-2E85-6B02A0FF6BB0}"/>
+              </a:ext>
+            </a:extLst>
+          </p:cNvPr>
+          <p:cNvPicPr>
+            <a:picLocks noChangeAspect="1"/>
+          </p:cNvPicPr>
+          <p:nvPr/>
+        </p:nvPicPr>
+        <p:blipFill>
+          <a:blip r:embed="rId3">
+            <a:extLst>
+              <a:ext uri="{28A0092B-C50C-407E-A947-70E740481C1C}">
+                <a14:useLocalDpi xmlns:a14="http://schemas.microsoft.com/office/drawing/2010/main" val="0"/>
+              </a:ext>
+            </a:extLst>
+          </a:blip>
+          <a:stretch>
+            <a:fillRect/>
+          </a:stretch>
+        </p:blipFill>
+        <p:spPr>
+          <a:xfrm>
+            <a:off x="5351240" y="2609528"/>
+            <a:ext cx="11190044" cy="7992888"/>
+          </a:xfrm>
+          <a:prstGeom prst="rect">
+            <a:avLst/>
+          </a:prstGeom>
+        </p:spPr>
+      </p:pic>
     </p:spTree>
     <p:extLst>
       <p:ext uri="{BB962C8B-B14F-4D97-AF65-F5344CB8AC3E}">
-        <p14:creationId xmlns:p14="http://schemas.microsoft.com/office/powerpoint/2010/main" val="3845220615"/>
+        <p14:creationId xmlns:p14="http://schemas.microsoft.com/office/powerpoint/2010/main" val="1136555235"/>
       </p:ext>
     </p:extLst>
   </p:cSld>
@@ -16600,6 +25164,40 @@
 </file>
 
 <file path=customXml/item1.xml><?xml version="1.0" encoding="utf-8"?>
+<p:properties xmlns:p="http://schemas.microsoft.com/office/2006/metadata/properties" xmlns:xsi="http://www.w3.org/2001/XMLSchema-instance" xmlns:pc="http://schemas.microsoft.com/office/infopath/2007/PartnerControls">
+  <documentManagement>
+    <m31bf1e07b944e52adeba921bc267c6f xmlns="5b887053-13c9-4ef0-8e1a-18d371f97b0f">
+      <Terms xmlns="http://schemas.microsoft.com/office/infopath/2007/PartnerControls">
+        <TermInfo xmlns="http://schemas.microsoft.com/office/infopath/2007/PartnerControls">
+          <TermName xmlns="http://schemas.microsoft.com/office/infopath/2007/PartnerControls">Template</TermName>
+          <TermId xmlns="http://schemas.microsoft.com/office/infopath/2007/PartnerControls">4cb20c5d-8684-4c01-8767-8f31339dae89</TermId>
+        </TermInfo>
+      </Terms>
+    </m31bf1e07b944e52adeba921bc267c6f>
+    <b0c2500a83b44d29aa19c43daa01cbea xmlns="5b887053-13c9-4ef0-8e1a-18d371f97b0f">
+      <Terms xmlns="http://schemas.microsoft.com/office/infopath/2007/PartnerControls">
+        <TermInfo xmlns="http://schemas.microsoft.com/office/infopath/2007/PartnerControls">
+          <TermName xmlns="http://schemas.microsoft.com/office/infopath/2007/PartnerControls">External Presentation Templates</TermName>
+          <TermId xmlns="http://schemas.microsoft.com/office/infopath/2007/PartnerControls">caad3a6e-0773-4fd4-8a19-b76678610a1f</TermId>
+        </TermInfo>
+      </Terms>
+    </b0c2500a83b44d29aa19c43daa01cbea>
+    <TaxCatchAll xmlns="5b887053-13c9-4ef0-8e1a-18d371f97b0f">
+      <Value>529</Value>
+      <Value>535</Value>
+    </TaxCatchAll>
+    <SharedWithUsers xmlns="5b887053-13c9-4ef0-8e1a-18d371f97b0f">
+      <UserInfo>
+        <DisplayName/>
+        <AccountId xsi:nil="true"/>
+        <AccountType/>
+      </UserInfo>
+    </SharedWithUsers>
+  </documentManagement>
+</p:properties>
+</file>
+
+<file path=customXml/item2.xml><?xml version="1.0" encoding="utf-8"?>
 <ct:contentTypeSchema xmlns:ct="http://schemas.microsoft.com/office/2006/metadata/contentType" xmlns:ma="http://schemas.microsoft.com/office/2006/metadata/properties/metaAttributes" ct:_="" ma:_="" ma:contentTypeName="Document" ma:contentTypeID="0x010100EEBA5D7D688A8D40BC8134A23630083E" ma:contentTypeVersion="17" ma:contentTypeDescription="Create a new document." ma:contentTypeScope="" ma:versionID="6c9f025c4a6d5a921d1240212dd2136e">
   <xsd:schema xmlns:xsd="http://www.w3.org/2001/XMLSchema" xmlns:xs="http://www.w3.org/2001/XMLSchema" xmlns:p="http://schemas.microsoft.com/office/2006/metadata/properties" xmlns:ns2="5b887053-13c9-4ef0-8e1a-18d371f97b0f" xmlns:ns3="0cb0f8a9-a4a1-4c3c-bc15-be6ee1e258a4" targetNamespace="http://schemas.microsoft.com/office/2006/metadata/properties" ma:root="true" ma:fieldsID="76276428416178d444d5a49df65bd1b6" ns2:_="" ns3:_="">
     <xsd:import namespace="5b887053-13c9-4ef0-8e1a-18d371f97b0f"/>
@@ -16832,40 +25430,6 @@
 </ct:contentTypeSchema>
 </file>
 
-<file path=customXml/item2.xml><?xml version="1.0" encoding="utf-8"?>
-<p:properties xmlns:p="http://schemas.microsoft.com/office/2006/metadata/properties" xmlns:xsi="http://www.w3.org/2001/XMLSchema-instance" xmlns:pc="http://schemas.microsoft.com/office/infopath/2007/PartnerControls">
-  <documentManagement>
-    <m31bf1e07b944e52adeba921bc267c6f xmlns="5b887053-13c9-4ef0-8e1a-18d371f97b0f">
-      <Terms xmlns="http://schemas.microsoft.com/office/infopath/2007/PartnerControls">
-        <TermInfo xmlns="http://schemas.microsoft.com/office/infopath/2007/PartnerControls">
-          <TermName xmlns="http://schemas.microsoft.com/office/infopath/2007/PartnerControls">Template</TermName>
-          <TermId xmlns="http://schemas.microsoft.com/office/infopath/2007/PartnerControls">4cb20c5d-8684-4c01-8767-8f31339dae89</TermId>
-        </TermInfo>
-      </Terms>
-    </m31bf1e07b944e52adeba921bc267c6f>
-    <b0c2500a83b44d29aa19c43daa01cbea xmlns="5b887053-13c9-4ef0-8e1a-18d371f97b0f">
-      <Terms xmlns="http://schemas.microsoft.com/office/infopath/2007/PartnerControls">
-        <TermInfo xmlns="http://schemas.microsoft.com/office/infopath/2007/PartnerControls">
-          <TermName xmlns="http://schemas.microsoft.com/office/infopath/2007/PartnerControls">External Presentation Templates</TermName>
-          <TermId xmlns="http://schemas.microsoft.com/office/infopath/2007/PartnerControls">caad3a6e-0773-4fd4-8a19-b76678610a1f</TermId>
-        </TermInfo>
-      </Terms>
-    </b0c2500a83b44d29aa19c43daa01cbea>
-    <TaxCatchAll xmlns="5b887053-13c9-4ef0-8e1a-18d371f97b0f">
-      <Value>529</Value>
-      <Value>535</Value>
-    </TaxCatchAll>
-    <SharedWithUsers xmlns="5b887053-13c9-4ef0-8e1a-18d371f97b0f">
-      <UserInfo>
-        <DisplayName/>
-        <AccountId xsi:nil="true"/>
-        <AccountType/>
-      </UserInfo>
-    </SharedWithUsers>
-  </documentManagement>
-</p:properties>
-</file>
-
 <file path=customXml/item3.xml><?xml version="1.0" encoding="utf-8"?>
 <?mso-contentType ?>
 <FormTemplates xmlns="http://schemas.microsoft.com/sharepoint/v3/contenttype/forms">
@@ -16876,6 +25440,23 @@
 </file>
 
 <file path=customXml/itemProps1.xml><?xml version="1.0" encoding="utf-8"?>
+<ds:datastoreItem xmlns:ds="http://schemas.openxmlformats.org/officeDocument/2006/customXml" ds:itemID="{FDC47B46-8518-488D-ACE5-55099526A1A9}">
+  <ds:schemaRefs>
+    <ds:schemaRef ds:uri="http://schemas.microsoft.com/office/2006/metadata/properties"/>
+    <ds:schemaRef ds:uri="http://purl.org/dc/terms/"/>
+    <ds:schemaRef ds:uri="http://schemas.microsoft.com/office/2006/documentManagement/types"/>
+    <ds:schemaRef ds:uri="http://schemas.microsoft.com/office/infopath/2007/PartnerControls"/>
+    <ds:schemaRef ds:uri="http://purl.org/dc/elements/1.1/"/>
+    <ds:schemaRef ds:uri="http://www.w3.org/XML/1998/namespace"/>
+    <ds:schemaRef ds:uri="0cb0f8a9-a4a1-4c3c-bc15-be6ee1e258a4"/>
+    <ds:schemaRef ds:uri="http://schemas.openxmlformats.org/package/2006/metadata/core-properties"/>
+    <ds:schemaRef ds:uri="5b887053-13c9-4ef0-8e1a-18d371f97b0f"/>
+    <ds:schemaRef ds:uri="http://purl.org/dc/dcmitype/"/>
+  </ds:schemaRefs>
+</ds:datastoreItem>
+</file>
+
+<file path=customXml/itemProps2.xml><?xml version="1.0" encoding="utf-8"?>
 <ds:datastoreItem xmlns:ds="http://schemas.openxmlformats.org/officeDocument/2006/customXml" ds:itemID="{3ACBF87C-9E24-4F0A-85E5-D0AA1A6E191C}">
   <ds:schemaRefs>
     <ds:schemaRef ds:uri="http://schemas.microsoft.com/office/2006/metadata/contentType"/>
@@ -16894,23 +25475,6 @@
 </ds:datastoreItem>
 </file>
 
-<file path=customXml/itemProps2.xml><?xml version="1.0" encoding="utf-8"?>
-<ds:datastoreItem xmlns:ds="http://schemas.openxmlformats.org/officeDocument/2006/customXml" ds:itemID="{FDC47B46-8518-488D-ACE5-55099526A1A9}">
-  <ds:schemaRefs>
-    <ds:schemaRef ds:uri="http://schemas.microsoft.com/office/2006/metadata/properties"/>
-    <ds:schemaRef ds:uri="http://purl.org/dc/terms/"/>
-    <ds:schemaRef ds:uri="http://schemas.microsoft.com/office/2006/documentManagement/types"/>
-    <ds:schemaRef ds:uri="http://schemas.microsoft.com/office/infopath/2007/PartnerControls"/>
-    <ds:schemaRef ds:uri="http://purl.org/dc/elements/1.1/"/>
-    <ds:schemaRef ds:uri="http://www.w3.org/XML/1998/namespace"/>
-    <ds:schemaRef ds:uri="0cb0f8a9-a4a1-4c3c-bc15-be6ee1e258a4"/>
-    <ds:schemaRef ds:uri="http://schemas.openxmlformats.org/package/2006/metadata/core-properties"/>
-    <ds:schemaRef ds:uri="5b887053-13c9-4ef0-8e1a-18d371f97b0f"/>
-    <ds:schemaRef ds:uri="http://purl.org/dc/dcmitype/"/>
-  </ds:schemaRefs>
-</ds:datastoreItem>
-</file>
-
 <file path=customXml/itemProps3.xml><?xml version="1.0" encoding="utf-8"?>
 <ds:datastoreItem xmlns:ds="http://schemas.openxmlformats.org/officeDocument/2006/customXml" ds:itemID="{D703E6E5-489B-4004-B595-51B1421CF944}">
   <ds:schemaRefs>

--- a/DesignPatterns/Structural Design Patterns/Structural Design Patterns - WTG.pptx
+++ b/DesignPatterns/Structural Design Patterns/Structural Design Patterns - WTG.pptx
@@ -5,10 +5,10 @@
     <p:sldMasterId id="2147483648" r:id="rId4"/>
   </p:sldMasterIdLst>
   <p:notesMasterIdLst>
-    <p:notesMasterId r:id="rId20"/>
+    <p:notesMasterId r:id="rId21"/>
   </p:notesMasterIdLst>
   <p:handoutMasterIdLst>
-    <p:handoutMasterId r:id="rId21"/>
+    <p:handoutMasterId r:id="rId22"/>
   </p:handoutMasterIdLst>
   <p:sldIdLst>
     <p:sldId id="264" r:id="rId5"/>
@@ -20,12 +20,13 @@
     <p:sldId id="277" r:id="rId11"/>
     <p:sldId id="278" r:id="rId12"/>
     <p:sldId id="279" r:id="rId13"/>
-    <p:sldId id="280" r:id="rId14"/>
-    <p:sldId id="284" r:id="rId15"/>
+    <p:sldId id="284" r:id="rId14"/>
+    <p:sldId id="280" r:id="rId15"/>
     <p:sldId id="282" r:id="rId16"/>
-    <p:sldId id="283" r:id="rId17"/>
-    <p:sldId id="281" r:id="rId18"/>
-    <p:sldId id="271" r:id="rId19"/>
+    <p:sldId id="286" r:id="rId17"/>
+    <p:sldId id="283" r:id="rId18"/>
+    <p:sldId id="285" r:id="rId19"/>
+    <p:sldId id="271" r:id="rId20"/>
   </p:sldIdLst>
   <p:sldSz cx="24384000" cy="13716000"/>
   <p:notesSz cx="6858000" cy="9144000"/>
@@ -150,7 +151,7 @@
 <p1510:revInfo xmlns:a="http://schemas.openxmlformats.org/drawingml/2006/main" xmlns:r="http://schemas.openxmlformats.org/officeDocument/2006/relationships" xmlns:p1510="http://schemas.microsoft.com/office/powerpoint/2015/10/main">
   <p1510:revLst>
     <p1510:client id="{037A9CA3-FDD3-4549-A1D4-BD9B1626C030}" v="76" dt="2023-03-19T01:03:48.412"/>
-    <p1510:client id="{90D147C7-6DF3-4858-A037-194481D7D906}" v="178" dt="2023-03-19T02:25:27.560"/>
+    <p1510:client id="{90D147C7-6DF3-4858-A037-194481D7D906}" v="244" dt="2023-03-19T03:56:16.512"/>
   </p1510:revLst>
 </p1510:revInfo>
 </file>
@@ -830,8 +831,8 @@
   </pc:docChgLst>
   <pc:docChgLst>
     <pc:chgData name="Nancy Li" userId="afc5209a-cf39-48d8-a57f-08cc8b772ec9" providerId="ADAL" clId="{90D147C7-6DF3-4858-A037-194481D7D906}"/>
-    <pc:docChg chg="undo custSel addSld modSld sldOrd">
-      <pc:chgData name="Nancy Li" userId="afc5209a-cf39-48d8-a57f-08cc8b772ec9" providerId="ADAL" clId="{90D147C7-6DF3-4858-A037-194481D7D906}" dt="2023-03-19T02:36:24.852" v="466" actId="20577"/>
+    <pc:docChg chg="undo custSel addSld delSld modSld sldOrd">
+      <pc:chgData name="Nancy Li" userId="afc5209a-cf39-48d8-a57f-08cc8b772ec9" providerId="ADAL" clId="{90D147C7-6DF3-4858-A037-194481D7D906}" dt="2023-03-19T03:56:16.511" v="1038" actId="14233"/>
       <pc:docMkLst>
         <pc:docMk/>
       </pc:docMkLst>
@@ -1276,8 +1277,8 @@
           </ac:picMkLst>
         </pc:picChg>
       </pc:sldChg>
-      <pc:sldChg chg="new">
-        <pc:chgData name="Nancy Li" userId="afc5209a-cf39-48d8-a57f-08cc8b772ec9" providerId="ADAL" clId="{90D147C7-6DF3-4858-A037-194481D7D906}" dt="2023-03-19T01:28:29.779" v="158" actId="680"/>
+      <pc:sldChg chg="new del">
+        <pc:chgData name="Nancy Li" userId="afc5209a-cf39-48d8-a57f-08cc8b772ec9" providerId="ADAL" clId="{90D147C7-6DF3-4858-A037-194481D7D906}" dt="2023-03-19T02:42:16.957" v="468" actId="47"/>
         <pc:sldMkLst>
           <pc:docMk/>
           <pc:sldMk cId="3394186981" sldId="281"/>
@@ -1306,12 +1307,20 @@
           </ac:picMkLst>
         </pc:picChg>
       </pc:sldChg>
-      <pc:sldChg chg="delSp modSp add mod ord">
-        <pc:chgData name="Nancy Li" userId="afc5209a-cf39-48d8-a57f-08cc8b772ec9" providerId="ADAL" clId="{90D147C7-6DF3-4858-A037-194481D7D906}" dt="2023-03-19T01:50:07.958" v="183" actId="20577"/>
+      <pc:sldChg chg="addSp delSp modSp add mod ord modNotesTx">
+        <pc:chgData name="Nancy Li" userId="afc5209a-cf39-48d8-a57f-08cc8b772ec9" providerId="ADAL" clId="{90D147C7-6DF3-4858-A037-194481D7D906}" dt="2023-03-19T03:50:23.142" v="1029"/>
         <pc:sldMkLst>
           <pc:docMk/>
           <pc:sldMk cId="286972125" sldId="283"/>
         </pc:sldMkLst>
+        <pc:spChg chg="add del mod">
+          <ac:chgData name="Nancy Li" userId="afc5209a-cf39-48d8-a57f-08cc8b772ec9" providerId="ADAL" clId="{90D147C7-6DF3-4858-A037-194481D7D906}" dt="2023-03-19T03:32:17.225" v="710" actId="478"/>
+          <ac:spMkLst>
+            <pc:docMk/>
+            <pc:sldMk cId="286972125" sldId="283"/>
+            <ac:spMk id="3" creationId="{13C0A270-7095-9D32-A97F-D91623B5CDD0}"/>
+          </ac:spMkLst>
+        </pc:spChg>
         <pc:spChg chg="mod">
           <ac:chgData name="Nancy Li" userId="afc5209a-cf39-48d8-a57f-08cc8b772ec9" providerId="ADAL" clId="{90D147C7-6DF3-4858-A037-194481D7D906}" dt="2023-03-19T01:50:07.958" v="183" actId="20577"/>
           <ac:spMkLst>
@@ -1320,6 +1329,38 @@
             <ac:spMk id="11" creationId="{D5172EF1-C4D0-9CC7-4CAF-A5A26F24C5E1}"/>
           </ac:spMkLst>
         </pc:spChg>
+        <pc:picChg chg="add del mod">
+          <ac:chgData name="Nancy Li" userId="afc5209a-cf39-48d8-a57f-08cc8b772ec9" providerId="ADAL" clId="{90D147C7-6DF3-4858-A037-194481D7D906}" dt="2023-03-19T02:50:52.104" v="495" actId="478"/>
+          <ac:picMkLst>
+            <pc:docMk/>
+            <pc:sldMk cId="286972125" sldId="283"/>
+            <ac:picMk id="2" creationId="{580E3BB5-3A1B-DA1D-2DCA-36031F74E31C}"/>
+          </ac:picMkLst>
+        </pc:picChg>
+        <pc:picChg chg="add mod">
+          <ac:chgData name="Nancy Li" userId="afc5209a-cf39-48d8-a57f-08cc8b772ec9" providerId="ADAL" clId="{90D147C7-6DF3-4858-A037-194481D7D906}" dt="2023-03-19T03:32:40.796" v="721" actId="1076"/>
+          <ac:picMkLst>
+            <pc:docMk/>
+            <pc:sldMk cId="286972125" sldId="283"/>
+            <ac:picMk id="4" creationId="{AAFF5A00-1C1B-2480-07D2-1736C1F0D6FF}"/>
+          </ac:picMkLst>
+        </pc:picChg>
+        <pc:picChg chg="add mod">
+          <ac:chgData name="Nancy Li" userId="afc5209a-cf39-48d8-a57f-08cc8b772ec9" providerId="ADAL" clId="{90D147C7-6DF3-4858-A037-194481D7D906}" dt="2023-03-19T03:32:28.758" v="716" actId="1076"/>
+          <ac:picMkLst>
+            <pc:docMk/>
+            <pc:sldMk cId="286972125" sldId="283"/>
+            <ac:picMk id="7" creationId="{A6DFFC45-BB94-1FF0-CF8E-F6F457FA16AE}"/>
+          </ac:picMkLst>
+        </pc:picChg>
+        <pc:picChg chg="add mod">
+          <ac:chgData name="Nancy Li" userId="afc5209a-cf39-48d8-a57f-08cc8b772ec9" providerId="ADAL" clId="{90D147C7-6DF3-4858-A037-194481D7D906}" dt="2023-03-19T03:32:42.007" v="722" actId="1076"/>
+          <ac:picMkLst>
+            <pc:docMk/>
+            <pc:sldMk cId="286972125" sldId="283"/>
+            <ac:picMk id="8" creationId="{D2C186B0-7981-B47E-F301-CFB59B4A304F}"/>
+          </ac:picMkLst>
+        </pc:picChg>
         <pc:picChg chg="del">
           <ac:chgData name="Nancy Li" userId="afc5209a-cf39-48d8-a57f-08cc8b772ec9" providerId="ADAL" clId="{90D147C7-6DF3-4858-A037-194481D7D906}" dt="2023-03-19T01:49:51.594" v="180" actId="478"/>
           <ac:picMkLst>
@@ -1328,9 +1369,25 @@
             <ac:picMk id="12" creationId="{A6E23068-F0FB-0B47-B779-38AB87947BC9}"/>
           </ac:picMkLst>
         </pc:picChg>
+        <pc:picChg chg="add del mod">
+          <ac:chgData name="Nancy Li" userId="afc5209a-cf39-48d8-a57f-08cc8b772ec9" providerId="ADAL" clId="{90D147C7-6DF3-4858-A037-194481D7D906}" dt="2023-03-19T03:32:15.812" v="708" actId="478"/>
+          <ac:picMkLst>
+            <pc:docMk/>
+            <pc:sldMk cId="286972125" sldId="283"/>
+            <ac:picMk id="1026" creationId="{A3D27CEE-9D5E-651D-D6E7-AF602EC23751}"/>
+          </ac:picMkLst>
+        </pc:picChg>
+        <pc:picChg chg="add del mod">
+          <ac:chgData name="Nancy Li" userId="afc5209a-cf39-48d8-a57f-08cc8b772ec9" providerId="ADAL" clId="{90D147C7-6DF3-4858-A037-194481D7D906}" dt="2023-03-19T03:32:16.381" v="709" actId="478"/>
+          <ac:picMkLst>
+            <pc:docMk/>
+            <pc:sldMk cId="286972125" sldId="283"/>
+            <ac:picMk id="1028" creationId="{4E1934DB-1D92-7743-4DB7-F93E7C1D429B}"/>
+          </ac:picMkLst>
+        </pc:picChg>
       </pc:sldChg>
       <pc:sldChg chg="addSp delSp modSp add mod ord modNotesTx">
-        <pc:chgData name="Nancy Li" userId="afc5209a-cf39-48d8-a57f-08cc8b772ec9" providerId="ADAL" clId="{90D147C7-6DF3-4858-A037-194481D7D906}" dt="2023-03-19T02:33:54.503" v="465" actId="20577"/>
+        <pc:chgData name="Nancy Li" userId="afc5209a-cf39-48d8-a57f-08cc8b772ec9" providerId="ADAL" clId="{90D147C7-6DF3-4858-A037-194481D7D906}" dt="2023-03-19T02:49:13.793" v="494"/>
         <pc:sldMkLst>
           <pc:docMk/>
           <pc:sldMk cId="3425278781" sldId="284"/>
@@ -1432,7 +1489,7 @@
           </ac:graphicFrameMkLst>
         </pc:graphicFrameChg>
         <pc:graphicFrameChg chg="add mod">
-          <ac:chgData name="Nancy Li" userId="afc5209a-cf39-48d8-a57f-08cc8b772ec9" providerId="ADAL" clId="{90D147C7-6DF3-4858-A037-194481D7D906}" dt="2023-03-19T02:12:33.212" v="305" actId="20577"/>
+          <ac:chgData name="Nancy Li" userId="afc5209a-cf39-48d8-a57f-08cc8b772ec9" providerId="ADAL" clId="{90D147C7-6DF3-4858-A037-194481D7D906}" dt="2023-03-19T02:49:10.045" v="492" actId="20577"/>
           <ac:graphicFrameMkLst>
             <pc:docMk/>
             <pc:sldMk cId="3425278781" sldId="284"/>
@@ -1456,6 +1513,140 @@
           </ac:picMkLst>
         </pc:picChg>
       </pc:sldChg>
+      <pc:sldChg chg="addSp delSp modSp add mod modNotesTx">
+        <pc:chgData name="Nancy Li" userId="afc5209a-cf39-48d8-a57f-08cc8b772ec9" providerId="ADAL" clId="{90D147C7-6DF3-4858-A037-194481D7D906}" dt="2023-03-19T03:56:16.511" v="1038" actId="14233"/>
+        <pc:sldMkLst>
+          <pc:docMk/>
+          <pc:sldMk cId="4219639883" sldId="285"/>
+        </pc:sldMkLst>
+        <pc:spChg chg="add del mod">
+          <ac:chgData name="Nancy Li" userId="afc5209a-cf39-48d8-a57f-08cc8b772ec9" providerId="ADAL" clId="{90D147C7-6DF3-4858-A037-194481D7D906}" dt="2023-03-19T02:44:08.846" v="484" actId="12084"/>
+          <ac:spMkLst>
+            <pc:docMk/>
+            <pc:sldMk cId="4219639883" sldId="285"/>
+            <ac:spMk id="3" creationId="{1FA8434F-99E3-CC8A-5BDA-5529094F9822}"/>
+          </ac:spMkLst>
+        </pc:spChg>
+        <pc:graphicFrameChg chg="add mod">
+          <ac:chgData name="Nancy Li" userId="afc5209a-cf39-48d8-a57f-08cc8b772ec9" providerId="ADAL" clId="{90D147C7-6DF3-4858-A037-194481D7D906}" dt="2023-03-19T03:56:16.511" v="1038" actId="14233"/>
+          <ac:graphicFrameMkLst>
+            <pc:docMk/>
+            <pc:sldMk cId="4219639883" sldId="285"/>
+            <ac:graphicFrameMk id="4" creationId="{951866A2-79F5-817E-BC3A-F7AB25B79578}"/>
+          </ac:graphicFrameMkLst>
+        </pc:graphicFrameChg>
+        <pc:picChg chg="add mod">
+          <ac:chgData name="Nancy Li" userId="afc5209a-cf39-48d8-a57f-08cc8b772ec9" providerId="ADAL" clId="{90D147C7-6DF3-4858-A037-194481D7D906}" dt="2023-03-19T03:55:51.827" v="1031" actId="1076"/>
+          <ac:picMkLst>
+            <pc:docMk/>
+            <pc:sldMk cId="4219639883" sldId="285"/>
+            <ac:picMk id="2" creationId="{DB36D411-54D6-A96F-FCD0-315A1053F21A}"/>
+          </ac:picMkLst>
+        </pc:picChg>
+      </pc:sldChg>
+      <pc:sldChg chg="addSp delSp modSp new mod modNotesTx">
+        <pc:chgData name="Nancy Li" userId="afc5209a-cf39-48d8-a57f-08cc8b772ec9" providerId="ADAL" clId="{90D147C7-6DF3-4858-A037-194481D7D906}" dt="2023-03-19T03:49:04.153" v="1019" actId="6549"/>
+        <pc:sldMkLst>
+          <pc:docMk/>
+          <pc:sldMk cId="708375864" sldId="286"/>
+        </pc:sldMkLst>
+        <pc:spChg chg="del">
+          <ac:chgData name="Nancy Li" userId="afc5209a-cf39-48d8-a57f-08cc8b772ec9" providerId="ADAL" clId="{90D147C7-6DF3-4858-A037-194481D7D906}" dt="2023-03-19T03:05:10.609" v="590" actId="478"/>
+          <ac:spMkLst>
+            <pc:docMk/>
+            <pc:sldMk cId="708375864" sldId="286"/>
+            <ac:spMk id="2" creationId="{C8B859AF-E239-855F-F8DF-921983D0BB24}"/>
+          </ac:spMkLst>
+        </pc:spChg>
+        <pc:spChg chg="del">
+          <ac:chgData name="Nancy Li" userId="afc5209a-cf39-48d8-a57f-08cc8b772ec9" providerId="ADAL" clId="{90D147C7-6DF3-4858-A037-194481D7D906}" dt="2023-03-19T03:05:09.559" v="589" actId="478"/>
+          <ac:spMkLst>
+            <pc:docMk/>
+            <pc:sldMk cId="708375864" sldId="286"/>
+            <ac:spMk id="3" creationId="{06C43EB7-0349-831B-4F51-0B19101BE7FF}"/>
+          </ac:spMkLst>
+        </pc:spChg>
+        <pc:spChg chg="del">
+          <ac:chgData name="Nancy Li" userId="afc5209a-cf39-48d8-a57f-08cc8b772ec9" providerId="ADAL" clId="{90D147C7-6DF3-4858-A037-194481D7D906}" dt="2023-03-19T03:05:18.070" v="592" actId="478"/>
+          <ac:spMkLst>
+            <pc:docMk/>
+            <pc:sldMk cId="708375864" sldId="286"/>
+            <ac:spMk id="4" creationId="{050B7D46-552E-81FC-3859-1F9B47B57A77}"/>
+          </ac:spMkLst>
+        </pc:spChg>
+        <pc:spChg chg="del">
+          <ac:chgData name="Nancy Li" userId="afc5209a-cf39-48d8-a57f-08cc8b772ec9" providerId="ADAL" clId="{90D147C7-6DF3-4858-A037-194481D7D906}" dt="2023-03-19T03:05:12.280" v="591" actId="478"/>
+          <ac:spMkLst>
+            <pc:docMk/>
+            <pc:sldMk cId="708375864" sldId="286"/>
+            <ac:spMk id="7" creationId="{B35B40D2-A3DC-AF30-F956-1C1E56EB86BB}"/>
+          </ac:spMkLst>
+        </pc:spChg>
+        <pc:spChg chg="add mod">
+          <ac:chgData name="Nancy Li" userId="afc5209a-cf39-48d8-a57f-08cc8b772ec9" providerId="ADAL" clId="{90D147C7-6DF3-4858-A037-194481D7D906}" dt="2023-03-19T03:05:18.970" v="593"/>
+          <ac:spMkLst>
+            <pc:docMk/>
+            <pc:sldMk cId="708375864" sldId="286"/>
+            <ac:spMk id="8" creationId="{146C2833-79FA-691E-BD4E-BFF4BF638F05}"/>
+          </ac:spMkLst>
+        </pc:spChg>
+        <pc:spChg chg="add mod">
+          <ac:chgData name="Nancy Li" userId="afc5209a-cf39-48d8-a57f-08cc8b772ec9" providerId="ADAL" clId="{90D147C7-6DF3-4858-A037-194481D7D906}" dt="2023-03-19T03:32:48.878" v="749" actId="1036"/>
+          <ac:spMkLst>
+            <pc:docMk/>
+            <pc:sldMk cId="708375864" sldId="286"/>
+            <ac:spMk id="19" creationId="{DBB9A04E-2332-3473-2C60-EE9F323B541B}"/>
+          </ac:spMkLst>
+        </pc:spChg>
+        <pc:picChg chg="add del mod modCrop">
+          <ac:chgData name="Nancy Li" userId="afc5209a-cf39-48d8-a57f-08cc8b772ec9" providerId="ADAL" clId="{90D147C7-6DF3-4858-A037-194481D7D906}" dt="2023-03-19T03:15:56.573" v="625" actId="22"/>
+          <ac:picMkLst>
+            <pc:docMk/>
+            <pc:sldMk cId="708375864" sldId="286"/>
+            <ac:picMk id="10" creationId="{BE3864F2-A127-AA6A-BBC7-9BA4221517E1}"/>
+          </ac:picMkLst>
+        </pc:picChg>
+        <pc:picChg chg="add del mod">
+          <ac:chgData name="Nancy Li" userId="afc5209a-cf39-48d8-a57f-08cc8b772ec9" providerId="ADAL" clId="{90D147C7-6DF3-4858-A037-194481D7D906}" dt="2023-03-19T03:32:20.093" v="711" actId="21"/>
+          <ac:picMkLst>
+            <pc:docMk/>
+            <pc:sldMk cId="708375864" sldId="286"/>
+            <ac:picMk id="12" creationId="{9D9ECA42-51BF-0ED9-6EB8-5BA6D961394C}"/>
+          </ac:picMkLst>
+        </pc:picChg>
+        <pc:picChg chg="add mod">
+          <ac:chgData name="Nancy Li" userId="afc5209a-cf39-48d8-a57f-08cc8b772ec9" providerId="ADAL" clId="{90D147C7-6DF3-4858-A037-194481D7D906}" dt="2023-03-19T03:32:48.878" v="749" actId="1036"/>
+          <ac:picMkLst>
+            <pc:docMk/>
+            <pc:sldMk cId="708375864" sldId="286"/>
+            <ac:picMk id="14" creationId="{0D13FB2A-8828-5C52-4BE0-90AD2510F9EB}"/>
+          </ac:picMkLst>
+        </pc:picChg>
+        <pc:picChg chg="add mod">
+          <ac:chgData name="Nancy Li" userId="afc5209a-cf39-48d8-a57f-08cc8b772ec9" providerId="ADAL" clId="{90D147C7-6DF3-4858-A037-194481D7D906}" dt="2023-03-19T03:32:48.878" v="749" actId="1036"/>
+          <ac:picMkLst>
+            <pc:docMk/>
+            <pc:sldMk cId="708375864" sldId="286"/>
+            <ac:picMk id="16" creationId="{B47F0F96-81F5-1EB0-0995-81438F3DF8A0}"/>
+          </ac:picMkLst>
+        </pc:picChg>
+        <pc:picChg chg="add mod">
+          <ac:chgData name="Nancy Li" userId="afc5209a-cf39-48d8-a57f-08cc8b772ec9" providerId="ADAL" clId="{90D147C7-6DF3-4858-A037-194481D7D906}" dt="2023-03-19T03:32:48.878" v="749" actId="1036"/>
+          <ac:picMkLst>
+            <pc:docMk/>
+            <pc:sldMk cId="708375864" sldId="286"/>
+            <ac:picMk id="18" creationId="{4ACF9627-28E5-A27D-4980-8094449C8B9F}"/>
+          </ac:picMkLst>
+        </pc:picChg>
+        <pc:picChg chg="add del mod">
+          <ac:chgData name="Nancy Li" userId="afc5209a-cf39-48d8-a57f-08cc8b772ec9" providerId="ADAL" clId="{90D147C7-6DF3-4858-A037-194481D7D906}" dt="2023-03-19T03:27:29.517" v="627" actId="478"/>
+          <ac:picMkLst>
+            <pc:docMk/>
+            <pc:sldMk cId="708375864" sldId="286"/>
+            <ac:picMk id="2050" creationId="{F013806E-775D-4ECF-D546-EF6FCA75C607}"/>
+          </ac:picMkLst>
+        </pc:picChg>
+      </pc:sldChg>
     </pc:docChg>
   </pc:docChgLst>
 </pc:chgInfo>
@@ -4450,6 +4641,753 @@
 </file>
 
 <file path=ppt/diagrams/colors5.xml><?xml version="1.0" encoding="utf-8"?>
+<dgm:colorsDef xmlns:dgm="http://schemas.openxmlformats.org/drawingml/2006/diagram" xmlns:a="http://schemas.openxmlformats.org/drawingml/2006/main" uniqueId="urn:microsoft.com/office/officeart/2005/8/colors/accent1_2">
+  <dgm:title val=""/>
+  <dgm:desc val=""/>
+  <dgm:catLst>
+    <dgm:cat type="accent1" pri="11200"/>
+  </dgm:catLst>
+  <dgm:styleLbl name="node0">
+    <dgm:fillClrLst meth="repeat">
+      <a:schemeClr val="accent1"/>
+    </dgm:fillClrLst>
+    <dgm:linClrLst meth="repeat">
+      <a:schemeClr val="lt1"/>
+    </dgm:linClrLst>
+    <dgm:effectClrLst/>
+    <dgm:txLinClrLst/>
+    <dgm:txFillClrLst/>
+    <dgm:txEffectClrLst/>
+  </dgm:styleLbl>
+  <dgm:styleLbl name="alignNode1">
+    <dgm:fillClrLst meth="repeat">
+      <a:schemeClr val="accent1"/>
+    </dgm:fillClrLst>
+    <dgm:linClrLst meth="repeat">
+      <a:schemeClr val="accent1"/>
+    </dgm:linClrLst>
+    <dgm:effectClrLst/>
+    <dgm:txLinClrLst/>
+    <dgm:txFillClrLst/>
+    <dgm:txEffectClrLst/>
+  </dgm:styleLbl>
+  <dgm:styleLbl name="node1">
+    <dgm:fillClrLst meth="repeat">
+      <a:schemeClr val="accent1"/>
+    </dgm:fillClrLst>
+    <dgm:linClrLst meth="repeat">
+      <a:schemeClr val="lt1"/>
+    </dgm:linClrLst>
+    <dgm:effectClrLst/>
+    <dgm:txLinClrLst/>
+    <dgm:txFillClrLst/>
+    <dgm:txEffectClrLst/>
+  </dgm:styleLbl>
+  <dgm:styleLbl name="lnNode1">
+    <dgm:fillClrLst meth="repeat">
+      <a:schemeClr val="accent1"/>
+    </dgm:fillClrLst>
+    <dgm:linClrLst meth="repeat">
+      <a:schemeClr val="lt1"/>
+    </dgm:linClrLst>
+    <dgm:effectClrLst/>
+    <dgm:txLinClrLst/>
+    <dgm:txFillClrLst/>
+    <dgm:txEffectClrLst/>
+  </dgm:styleLbl>
+  <dgm:styleLbl name="vennNode1">
+    <dgm:fillClrLst meth="repeat">
+      <a:schemeClr val="accent1">
+        <a:alpha val="50000"/>
+      </a:schemeClr>
+    </dgm:fillClrLst>
+    <dgm:linClrLst meth="repeat">
+      <a:schemeClr val="lt1"/>
+    </dgm:linClrLst>
+    <dgm:effectClrLst/>
+    <dgm:txLinClrLst/>
+    <dgm:txFillClrLst/>
+    <dgm:txEffectClrLst/>
+  </dgm:styleLbl>
+  <dgm:styleLbl name="node2">
+    <dgm:fillClrLst meth="repeat">
+      <a:schemeClr val="accent1"/>
+    </dgm:fillClrLst>
+    <dgm:linClrLst meth="repeat">
+      <a:schemeClr val="lt1"/>
+    </dgm:linClrLst>
+    <dgm:effectClrLst/>
+    <dgm:txLinClrLst/>
+    <dgm:txFillClrLst/>
+    <dgm:txEffectClrLst/>
+  </dgm:styleLbl>
+  <dgm:styleLbl name="node3">
+    <dgm:fillClrLst meth="repeat">
+      <a:schemeClr val="accent1"/>
+    </dgm:fillClrLst>
+    <dgm:linClrLst meth="repeat">
+      <a:schemeClr val="lt1"/>
+    </dgm:linClrLst>
+    <dgm:effectClrLst/>
+    <dgm:txLinClrLst/>
+    <dgm:txFillClrLst/>
+    <dgm:txEffectClrLst/>
+  </dgm:styleLbl>
+  <dgm:styleLbl name="node4">
+    <dgm:fillClrLst meth="repeat">
+      <a:schemeClr val="accent1"/>
+    </dgm:fillClrLst>
+    <dgm:linClrLst meth="repeat">
+      <a:schemeClr val="lt1"/>
+    </dgm:linClrLst>
+    <dgm:effectClrLst/>
+    <dgm:txLinClrLst/>
+    <dgm:txFillClrLst/>
+    <dgm:txEffectClrLst/>
+  </dgm:styleLbl>
+  <dgm:styleLbl name="fgImgPlace1">
+    <dgm:fillClrLst meth="repeat">
+      <a:schemeClr val="accent1">
+        <a:tint val="50000"/>
+      </a:schemeClr>
+    </dgm:fillClrLst>
+    <dgm:linClrLst meth="repeat">
+      <a:schemeClr val="lt1"/>
+    </dgm:linClrLst>
+    <dgm:effectClrLst/>
+    <dgm:txLinClrLst/>
+    <dgm:txFillClrLst meth="repeat">
+      <a:schemeClr val="lt1"/>
+    </dgm:txFillClrLst>
+    <dgm:txEffectClrLst/>
+  </dgm:styleLbl>
+  <dgm:styleLbl name="alignImgPlace1">
+    <dgm:fillClrLst meth="repeat">
+      <a:schemeClr val="accent1">
+        <a:tint val="50000"/>
+      </a:schemeClr>
+    </dgm:fillClrLst>
+    <dgm:linClrLst meth="repeat">
+      <a:schemeClr val="lt1"/>
+    </dgm:linClrLst>
+    <dgm:effectClrLst/>
+    <dgm:txLinClrLst/>
+    <dgm:txFillClrLst meth="repeat">
+      <a:schemeClr val="lt1"/>
+    </dgm:txFillClrLst>
+    <dgm:txEffectClrLst/>
+  </dgm:styleLbl>
+  <dgm:styleLbl name="bgImgPlace1">
+    <dgm:fillClrLst meth="repeat">
+      <a:schemeClr val="accent1">
+        <a:tint val="50000"/>
+      </a:schemeClr>
+    </dgm:fillClrLst>
+    <dgm:linClrLst meth="repeat">
+      <a:schemeClr val="lt1"/>
+    </dgm:linClrLst>
+    <dgm:effectClrLst/>
+    <dgm:txLinClrLst/>
+    <dgm:txFillClrLst meth="repeat">
+      <a:schemeClr val="lt1"/>
+    </dgm:txFillClrLst>
+    <dgm:txEffectClrLst/>
+  </dgm:styleLbl>
+  <dgm:styleLbl name="sibTrans2D1">
+    <dgm:fillClrLst meth="repeat">
+      <a:schemeClr val="accent1">
+        <a:tint val="60000"/>
+      </a:schemeClr>
+    </dgm:fillClrLst>
+    <dgm:linClrLst meth="repeat">
+      <a:schemeClr val="accent1">
+        <a:tint val="60000"/>
+      </a:schemeClr>
+    </dgm:linClrLst>
+    <dgm:effectClrLst/>
+    <dgm:txLinClrLst/>
+    <dgm:txFillClrLst/>
+    <dgm:txEffectClrLst/>
+  </dgm:styleLbl>
+  <dgm:styleLbl name="fgSibTrans2D1">
+    <dgm:fillClrLst meth="repeat">
+      <a:schemeClr val="accent1">
+        <a:tint val="60000"/>
+      </a:schemeClr>
+    </dgm:fillClrLst>
+    <dgm:linClrLst meth="repeat">
+      <a:schemeClr val="accent1">
+        <a:tint val="60000"/>
+      </a:schemeClr>
+    </dgm:linClrLst>
+    <dgm:effectClrLst/>
+    <dgm:txLinClrLst/>
+    <dgm:txFillClrLst/>
+    <dgm:txEffectClrLst/>
+  </dgm:styleLbl>
+  <dgm:styleLbl name="bgSibTrans2D1">
+    <dgm:fillClrLst meth="repeat">
+      <a:schemeClr val="accent1">
+        <a:tint val="60000"/>
+      </a:schemeClr>
+    </dgm:fillClrLst>
+    <dgm:linClrLst meth="repeat">
+      <a:schemeClr val="accent1">
+        <a:tint val="60000"/>
+      </a:schemeClr>
+    </dgm:linClrLst>
+    <dgm:effectClrLst/>
+    <dgm:txLinClrLst/>
+    <dgm:txFillClrLst/>
+    <dgm:txEffectClrLst/>
+  </dgm:styleLbl>
+  <dgm:styleLbl name="sibTrans1D1">
+    <dgm:fillClrLst meth="repeat">
+      <a:schemeClr val="accent1"/>
+    </dgm:fillClrLst>
+    <dgm:linClrLst meth="repeat">
+      <a:schemeClr val="accent1"/>
+    </dgm:linClrLst>
+    <dgm:effectClrLst/>
+    <dgm:txLinClrLst/>
+    <dgm:txFillClrLst meth="repeat">
+      <a:schemeClr val="tx1"/>
+    </dgm:txFillClrLst>
+    <dgm:txEffectClrLst/>
+  </dgm:styleLbl>
+  <dgm:styleLbl name="callout">
+    <dgm:fillClrLst meth="repeat">
+      <a:schemeClr val="accent1"/>
+    </dgm:fillClrLst>
+    <dgm:linClrLst meth="repeat">
+      <a:schemeClr val="accent1">
+        <a:tint val="50000"/>
+      </a:schemeClr>
+    </dgm:linClrLst>
+    <dgm:effectClrLst/>
+    <dgm:txLinClrLst/>
+    <dgm:txFillClrLst meth="repeat">
+      <a:schemeClr val="tx1"/>
+    </dgm:txFillClrLst>
+    <dgm:txEffectClrLst/>
+  </dgm:styleLbl>
+  <dgm:styleLbl name="asst0">
+    <dgm:fillClrLst meth="repeat">
+      <a:schemeClr val="accent1"/>
+    </dgm:fillClrLst>
+    <dgm:linClrLst meth="repeat">
+      <a:schemeClr val="lt1"/>
+    </dgm:linClrLst>
+    <dgm:effectClrLst/>
+    <dgm:txLinClrLst/>
+    <dgm:txFillClrLst/>
+    <dgm:txEffectClrLst/>
+  </dgm:styleLbl>
+  <dgm:styleLbl name="asst1">
+    <dgm:fillClrLst meth="repeat">
+      <a:schemeClr val="accent1"/>
+    </dgm:fillClrLst>
+    <dgm:linClrLst meth="repeat">
+      <a:schemeClr val="lt1"/>
+    </dgm:linClrLst>
+    <dgm:effectClrLst/>
+    <dgm:txLinClrLst/>
+    <dgm:txFillClrLst/>
+    <dgm:txEffectClrLst/>
+  </dgm:styleLbl>
+  <dgm:styleLbl name="asst2">
+    <dgm:fillClrLst meth="repeat">
+      <a:schemeClr val="accent1"/>
+    </dgm:fillClrLst>
+    <dgm:linClrLst meth="repeat">
+      <a:schemeClr val="lt1"/>
+    </dgm:linClrLst>
+    <dgm:effectClrLst/>
+    <dgm:txLinClrLst/>
+    <dgm:txFillClrLst/>
+    <dgm:txEffectClrLst/>
+  </dgm:styleLbl>
+  <dgm:styleLbl name="asst3">
+    <dgm:fillClrLst meth="repeat">
+      <a:schemeClr val="accent1"/>
+    </dgm:fillClrLst>
+    <dgm:linClrLst meth="repeat">
+      <a:schemeClr val="lt1"/>
+    </dgm:linClrLst>
+    <dgm:effectClrLst/>
+    <dgm:txLinClrLst/>
+    <dgm:txFillClrLst/>
+    <dgm:txEffectClrLst/>
+  </dgm:styleLbl>
+  <dgm:styleLbl name="asst4">
+    <dgm:fillClrLst meth="repeat">
+      <a:schemeClr val="accent1"/>
+    </dgm:fillClrLst>
+    <dgm:linClrLst meth="repeat">
+      <a:schemeClr val="lt1"/>
+    </dgm:linClrLst>
+    <dgm:effectClrLst/>
+    <dgm:txLinClrLst/>
+    <dgm:txFillClrLst/>
+    <dgm:txEffectClrLst/>
+  </dgm:styleLbl>
+  <dgm:styleLbl name="parChTrans2D1">
+    <dgm:fillClrLst meth="repeat">
+      <a:schemeClr val="accent1">
+        <a:tint val="60000"/>
+      </a:schemeClr>
+    </dgm:fillClrLst>
+    <dgm:linClrLst meth="repeat">
+      <a:schemeClr val="accent1">
+        <a:tint val="60000"/>
+      </a:schemeClr>
+    </dgm:linClrLst>
+    <dgm:effectClrLst/>
+    <dgm:txLinClrLst/>
+    <dgm:txFillClrLst meth="repeat">
+      <a:schemeClr val="lt1"/>
+    </dgm:txFillClrLst>
+    <dgm:txEffectClrLst/>
+  </dgm:styleLbl>
+  <dgm:styleLbl name="parChTrans2D2">
+    <dgm:fillClrLst meth="repeat">
+      <a:schemeClr val="accent1"/>
+    </dgm:fillClrLst>
+    <dgm:linClrLst meth="repeat">
+      <a:schemeClr val="accent1"/>
+    </dgm:linClrLst>
+    <dgm:effectClrLst/>
+    <dgm:txLinClrLst/>
+    <dgm:txFillClrLst meth="repeat">
+      <a:schemeClr val="lt1"/>
+    </dgm:txFillClrLst>
+    <dgm:txEffectClrLst/>
+  </dgm:styleLbl>
+  <dgm:styleLbl name="parChTrans2D3">
+    <dgm:fillClrLst meth="repeat">
+      <a:schemeClr val="accent1"/>
+    </dgm:fillClrLst>
+    <dgm:linClrLst meth="repeat">
+      <a:schemeClr val="accent1"/>
+    </dgm:linClrLst>
+    <dgm:effectClrLst/>
+    <dgm:txLinClrLst/>
+    <dgm:txFillClrLst meth="repeat">
+      <a:schemeClr val="lt1"/>
+    </dgm:txFillClrLst>
+    <dgm:txEffectClrLst/>
+  </dgm:styleLbl>
+  <dgm:styleLbl name="parChTrans2D4">
+    <dgm:fillClrLst meth="repeat">
+      <a:schemeClr val="accent1"/>
+    </dgm:fillClrLst>
+    <dgm:linClrLst meth="repeat">
+      <a:schemeClr val="accent1"/>
+    </dgm:linClrLst>
+    <dgm:effectClrLst/>
+    <dgm:txLinClrLst/>
+    <dgm:txFillClrLst meth="repeat">
+      <a:schemeClr val="lt1"/>
+    </dgm:txFillClrLst>
+    <dgm:txEffectClrLst/>
+  </dgm:styleLbl>
+  <dgm:styleLbl name="parChTrans1D1">
+    <dgm:fillClrLst meth="repeat">
+      <a:schemeClr val="accent1"/>
+    </dgm:fillClrLst>
+    <dgm:linClrLst meth="repeat">
+      <a:schemeClr val="accent1">
+        <a:shade val="60000"/>
+      </a:schemeClr>
+    </dgm:linClrLst>
+    <dgm:effectClrLst/>
+    <dgm:txLinClrLst/>
+    <dgm:txFillClrLst meth="repeat">
+      <a:schemeClr val="tx1"/>
+    </dgm:txFillClrLst>
+    <dgm:txEffectClrLst/>
+  </dgm:styleLbl>
+  <dgm:styleLbl name="parChTrans1D2">
+    <dgm:fillClrLst meth="repeat">
+      <a:schemeClr val="accent1"/>
+    </dgm:fillClrLst>
+    <dgm:linClrLst meth="repeat">
+      <a:schemeClr val="accent1">
+        <a:shade val="60000"/>
+      </a:schemeClr>
+    </dgm:linClrLst>
+    <dgm:effectClrLst/>
+    <dgm:txLinClrLst/>
+    <dgm:txFillClrLst meth="repeat">
+      <a:schemeClr val="tx1"/>
+    </dgm:txFillClrLst>
+    <dgm:txEffectClrLst/>
+  </dgm:styleLbl>
+  <dgm:styleLbl name="parChTrans1D3">
+    <dgm:fillClrLst meth="repeat">
+      <a:schemeClr val="accent1"/>
+    </dgm:fillClrLst>
+    <dgm:linClrLst meth="repeat">
+      <a:schemeClr val="accent1">
+        <a:shade val="80000"/>
+      </a:schemeClr>
+    </dgm:linClrLst>
+    <dgm:effectClrLst/>
+    <dgm:txLinClrLst/>
+    <dgm:txFillClrLst meth="repeat">
+      <a:schemeClr val="tx1"/>
+    </dgm:txFillClrLst>
+    <dgm:txEffectClrLst/>
+  </dgm:styleLbl>
+  <dgm:styleLbl name="parChTrans1D4">
+    <dgm:fillClrLst meth="repeat">
+      <a:schemeClr val="accent1"/>
+    </dgm:fillClrLst>
+    <dgm:linClrLst meth="repeat">
+      <a:schemeClr val="accent1">
+        <a:shade val="80000"/>
+      </a:schemeClr>
+    </dgm:linClrLst>
+    <dgm:effectClrLst/>
+    <dgm:txLinClrLst/>
+    <dgm:txFillClrLst meth="repeat">
+      <a:schemeClr val="tx1"/>
+    </dgm:txFillClrLst>
+    <dgm:txEffectClrLst/>
+  </dgm:styleLbl>
+  <dgm:styleLbl name="fgAcc1">
+    <dgm:fillClrLst meth="repeat">
+      <a:schemeClr val="lt1">
+        <a:alpha val="90000"/>
+      </a:schemeClr>
+    </dgm:fillClrLst>
+    <dgm:linClrLst meth="repeat">
+      <a:schemeClr val="accent1"/>
+    </dgm:linClrLst>
+    <dgm:effectClrLst/>
+    <dgm:txLinClrLst/>
+    <dgm:txFillClrLst meth="repeat">
+      <a:schemeClr val="dk1"/>
+    </dgm:txFillClrLst>
+    <dgm:txEffectClrLst/>
+  </dgm:styleLbl>
+  <dgm:styleLbl name="conFgAcc1">
+    <dgm:fillClrLst meth="repeat">
+      <a:schemeClr val="lt1">
+        <a:alpha val="90000"/>
+      </a:schemeClr>
+    </dgm:fillClrLst>
+    <dgm:linClrLst meth="repeat">
+      <a:schemeClr val="accent1"/>
+    </dgm:linClrLst>
+    <dgm:effectClrLst/>
+    <dgm:txLinClrLst/>
+    <dgm:txFillClrLst meth="repeat">
+      <a:schemeClr val="dk1"/>
+    </dgm:txFillClrLst>
+    <dgm:txEffectClrLst/>
+  </dgm:styleLbl>
+  <dgm:styleLbl name="alignAcc1">
+    <dgm:fillClrLst meth="repeat">
+      <a:schemeClr val="lt1">
+        <a:alpha val="90000"/>
+      </a:schemeClr>
+    </dgm:fillClrLst>
+    <dgm:linClrLst meth="repeat">
+      <a:schemeClr val="accent1"/>
+    </dgm:linClrLst>
+    <dgm:effectClrLst/>
+    <dgm:txLinClrLst/>
+    <dgm:txFillClrLst meth="repeat">
+      <a:schemeClr val="dk1"/>
+    </dgm:txFillClrLst>
+    <dgm:txEffectClrLst/>
+  </dgm:styleLbl>
+  <dgm:styleLbl name="trAlignAcc1">
+    <dgm:fillClrLst meth="repeat">
+      <a:schemeClr val="lt1">
+        <a:alpha val="40000"/>
+      </a:schemeClr>
+    </dgm:fillClrLst>
+    <dgm:linClrLst meth="repeat">
+      <a:schemeClr val="accent1"/>
+    </dgm:linClrLst>
+    <dgm:effectClrLst/>
+    <dgm:txLinClrLst/>
+    <dgm:txFillClrLst meth="repeat">
+      <a:schemeClr val="dk1"/>
+    </dgm:txFillClrLst>
+    <dgm:txEffectClrLst/>
+  </dgm:styleLbl>
+  <dgm:styleLbl name="bgAcc1">
+    <dgm:fillClrLst meth="repeat">
+      <a:schemeClr val="lt1">
+        <a:alpha val="90000"/>
+      </a:schemeClr>
+    </dgm:fillClrLst>
+    <dgm:linClrLst meth="repeat">
+      <a:schemeClr val="accent1"/>
+    </dgm:linClrLst>
+    <dgm:effectClrLst/>
+    <dgm:txLinClrLst/>
+    <dgm:txFillClrLst meth="repeat">
+      <a:schemeClr val="dk1"/>
+    </dgm:txFillClrLst>
+    <dgm:txEffectClrLst/>
+  </dgm:styleLbl>
+  <dgm:styleLbl name="solidFgAcc1">
+    <dgm:fillClrLst meth="repeat">
+      <a:schemeClr val="lt1"/>
+    </dgm:fillClrLst>
+    <dgm:linClrLst meth="repeat">
+      <a:schemeClr val="accent1"/>
+    </dgm:linClrLst>
+    <dgm:effectClrLst/>
+    <dgm:txLinClrLst/>
+    <dgm:txFillClrLst meth="repeat">
+      <a:schemeClr val="dk1"/>
+    </dgm:txFillClrLst>
+    <dgm:txEffectClrLst/>
+  </dgm:styleLbl>
+  <dgm:styleLbl name="solidAlignAcc1">
+    <dgm:fillClrLst meth="repeat">
+      <a:schemeClr val="lt1"/>
+    </dgm:fillClrLst>
+    <dgm:linClrLst meth="repeat">
+      <a:schemeClr val="accent1"/>
+    </dgm:linClrLst>
+    <dgm:effectClrLst/>
+    <dgm:txLinClrLst/>
+    <dgm:txFillClrLst meth="repeat">
+      <a:schemeClr val="dk1"/>
+    </dgm:txFillClrLst>
+    <dgm:txEffectClrLst/>
+  </dgm:styleLbl>
+  <dgm:styleLbl name="solidBgAcc1">
+    <dgm:fillClrLst meth="repeat">
+      <a:schemeClr val="lt1"/>
+    </dgm:fillClrLst>
+    <dgm:linClrLst meth="repeat">
+      <a:schemeClr val="accent1"/>
+    </dgm:linClrLst>
+    <dgm:effectClrLst/>
+    <dgm:txLinClrLst/>
+    <dgm:txFillClrLst meth="repeat">
+      <a:schemeClr val="dk1"/>
+    </dgm:txFillClrLst>
+    <dgm:txEffectClrLst/>
+  </dgm:styleLbl>
+  <dgm:styleLbl name="fgAccFollowNode1">
+    <dgm:fillClrLst meth="repeat">
+      <a:schemeClr val="accent1">
+        <a:alpha val="90000"/>
+        <a:tint val="40000"/>
+      </a:schemeClr>
+    </dgm:fillClrLst>
+    <dgm:linClrLst meth="repeat">
+      <a:schemeClr val="accent1">
+        <a:alpha val="90000"/>
+        <a:tint val="40000"/>
+      </a:schemeClr>
+    </dgm:linClrLst>
+    <dgm:effectClrLst/>
+    <dgm:txLinClrLst/>
+    <dgm:txFillClrLst meth="repeat">
+      <a:schemeClr val="dk1"/>
+    </dgm:txFillClrLst>
+    <dgm:txEffectClrLst/>
+  </dgm:styleLbl>
+  <dgm:styleLbl name="alignAccFollowNode1">
+    <dgm:fillClrLst meth="repeat">
+      <a:schemeClr val="accent1">
+        <a:alpha val="90000"/>
+        <a:tint val="40000"/>
+      </a:schemeClr>
+    </dgm:fillClrLst>
+    <dgm:linClrLst meth="repeat">
+      <a:schemeClr val="accent1">
+        <a:alpha val="90000"/>
+        <a:tint val="40000"/>
+      </a:schemeClr>
+    </dgm:linClrLst>
+    <dgm:effectClrLst/>
+    <dgm:txLinClrLst/>
+    <dgm:txFillClrLst meth="repeat">
+      <a:schemeClr val="dk1"/>
+    </dgm:txFillClrLst>
+    <dgm:txEffectClrLst/>
+  </dgm:styleLbl>
+  <dgm:styleLbl name="bgAccFollowNode1">
+    <dgm:fillClrLst meth="repeat">
+      <a:schemeClr val="accent1">
+        <a:alpha val="90000"/>
+        <a:tint val="40000"/>
+      </a:schemeClr>
+    </dgm:fillClrLst>
+    <dgm:linClrLst meth="repeat">
+      <a:schemeClr val="accent1">
+        <a:alpha val="90000"/>
+        <a:tint val="40000"/>
+      </a:schemeClr>
+    </dgm:linClrLst>
+    <dgm:effectClrLst/>
+    <dgm:txLinClrLst/>
+    <dgm:txFillClrLst meth="repeat">
+      <a:schemeClr val="dk1"/>
+    </dgm:txFillClrLst>
+    <dgm:txEffectClrLst/>
+  </dgm:styleLbl>
+  <dgm:styleLbl name="fgAcc0">
+    <dgm:fillClrLst meth="repeat">
+      <a:schemeClr val="lt1">
+        <a:alpha val="90000"/>
+      </a:schemeClr>
+    </dgm:fillClrLst>
+    <dgm:linClrLst meth="repeat">
+      <a:schemeClr val="accent1"/>
+    </dgm:linClrLst>
+    <dgm:effectClrLst/>
+    <dgm:txLinClrLst/>
+    <dgm:txFillClrLst meth="repeat">
+      <a:schemeClr val="dk1"/>
+    </dgm:txFillClrLst>
+    <dgm:txEffectClrLst/>
+  </dgm:styleLbl>
+  <dgm:styleLbl name="fgAcc2">
+    <dgm:fillClrLst meth="repeat">
+      <a:schemeClr val="lt1">
+        <a:alpha val="90000"/>
+      </a:schemeClr>
+    </dgm:fillClrLst>
+    <dgm:linClrLst meth="repeat">
+      <a:schemeClr val="accent1"/>
+    </dgm:linClrLst>
+    <dgm:effectClrLst/>
+    <dgm:txLinClrLst/>
+    <dgm:txFillClrLst meth="repeat">
+      <a:schemeClr val="dk1"/>
+    </dgm:txFillClrLst>
+    <dgm:txEffectClrLst/>
+  </dgm:styleLbl>
+  <dgm:styleLbl name="fgAcc3">
+    <dgm:fillClrLst meth="repeat">
+      <a:schemeClr val="lt1">
+        <a:alpha val="90000"/>
+      </a:schemeClr>
+    </dgm:fillClrLst>
+    <dgm:linClrLst meth="repeat">
+      <a:schemeClr val="accent1"/>
+    </dgm:linClrLst>
+    <dgm:effectClrLst/>
+    <dgm:txLinClrLst/>
+    <dgm:txFillClrLst meth="repeat">
+      <a:schemeClr val="dk1"/>
+    </dgm:txFillClrLst>
+    <dgm:txEffectClrLst/>
+  </dgm:styleLbl>
+  <dgm:styleLbl name="fgAcc4">
+    <dgm:fillClrLst meth="repeat">
+      <a:schemeClr val="lt1">
+        <a:alpha val="90000"/>
+      </a:schemeClr>
+    </dgm:fillClrLst>
+    <dgm:linClrLst meth="repeat">
+      <a:schemeClr val="accent1"/>
+    </dgm:linClrLst>
+    <dgm:effectClrLst/>
+    <dgm:txLinClrLst/>
+    <dgm:txFillClrLst meth="repeat">
+      <a:schemeClr val="dk1"/>
+    </dgm:txFillClrLst>
+    <dgm:txEffectClrLst/>
+  </dgm:styleLbl>
+  <dgm:styleLbl name="bgShp">
+    <dgm:fillClrLst meth="repeat">
+      <a:schemeClr val="accent1">
+        <a:tint val="40000"/>
+      </a:schemeClr>
+    </dgm:fillClrLst>
+    <dgm:linClrLst meth="repeat">
+      <a:schemeClr val="accent1"/>
+    </dgm:linClrLst>
+    <dgm:effectClrLst/>
+    <dgm:txLinClrLst/>
+    <dgm:txFillClrLst meth="repeat">
+      <a:schemeClr val="dk1"/>
+    </dgm:txFillClrLst>
+    <dgm:txEffectClrLst/>
+  </dgm:styleLbl>
+  <dgm:styleLbl name="dkBgShp">
+    <dgm:fillClrLst meth="repeat">
+      <a:schemeClr val="accent1">
+        <a:shade val="80000"/>
+      </a:schemeClr>
+    </dgm:fillClrLst>
+    <dgm:linClrLst meth="repeat">
+      <a:schemeClr val="accent1"/>
+    </dgm:linClrLst>
+    <dgm:effectClrLst/>
+    <dgm:txLinClrLst/>
+    <dgm:txFillClrLst meth="repeat">
+      <a:schemeClr val="lt1"/>
+    </dgm:txFillClrLst>
+    <dgm:txEffectClrLst/>
+  </dgm:styleLbl>
+  <dgm:styleLbl name="trBgShp">
+    <dgm:fillClrLst meth="repeat">
+      <a:schemeClr val="accent1">
+        <a:tint val="50000"/>
+        <a:alpha val="40000"/>
+      </a:schemeClr>
+    </dgm:fillClrLst>
+    <dgm:linClrLst meth="repeat">
+      <a:schemeClr val="accent1"/>
+    </dgm:linClrLst>
+    <dgm:effectClrLst/>
+    <dgm:txLinClrLst/>
+    <dgm:txFillClrLst meth="repeat">
+      <a:schemeClr val="lt1"/>
+    </dgm:txFillClrLst>
+    <dgm:txEffectClrLst/>
+  </dgm:styleLbl>
+  <dgm:styleLbl name="fgShp">
+    <dgm:fillClrLst meth="repeat">
+      <a:schemeClr val="accent1">
+        <a:tint val="60000"/>
+      </a:schemeClr>
+    </dgm:fillClrLst>
+    <dgm:linClrLst meth="repeat">
+      <a:schemeClr val="lt1"/>
+    </dgm:linClrLst>
+    <dgm:effectClrLst/>
+    <dgm:txLinClrLst/>
+    <dgm:txFillClrLst meth="repeat">
+      <a:schemeClr val="dk1"/>
+    </dgm:txFillClrLst>
+    <dgm:txEffectClrLst/>
+  </dgm:styleLbl>
+  <dgm:styleLbl name="revTx">
+    <dgm:fillClrLst meth="repeat">
+      <a:schemeClr val="lt1">
+        <a:alpha val="0"/>
+      </a:schemeClr>
+    </dgm:fillClrLst>
+    <dgm:linClrLst meth="repeat">
+      <a:schemeClr val="dk1">
+        <a:alpha val="0"/>
+      </a:schemeClr>
+    </dgm:linClrLst>
+    <dgm:effectClrLst/>
+    <dgm:txLinClrLst/>
+    <dgm:txFillClrLst meth="repeat">
+      <a:schemeClr val="tx1"/>
+    </dgm:txFillClrLst>
+    <dgm:txEffectClrLst/>
+  </dgm:styleLbl>
+</dgm:colorsDef>
+</file>
+
+<file path=ppt/diagrams/colors6.xml><?xml version="1.0" encoding="utf-8"?>
 <dgm:colorsDef xmlns:dgm="http://schemas.openxmlformats.org/drawingml/2006/diagram" xmlns:a="http://schemas.openxmlformats.org/drawingml/2006/main" uniqueId="urn:microsoft.com/office/officeart/2005/8/colors/accent1_2">
   <dgm:title val=""/>
   <dgm:desc val=""/>
@@ -5746,197 +6684,6 @@
 <file path=ppt/diagrams/data4.xml><?xml version="1.0" encoding="utf-8"?>
 <dgm:dataModel xmlns:dgm="http://schemas.openxmlformats.org/drawingml/2006/diagram" xmlns:a="http://schemas.openxmlformats.org/drawingml/2006/main">
   <dgm:ptLst>
-    <dgm:pt modelId="{EFB63718-3195-4BCB-9870-00611CB8BF47}" type="doc">
-      <dgm:prSet loTypeId="urn:microsoft.com/office/officeart/2005/8/layout/vList2" loCatId="list" qsTypeId="urn:microsoft.com/office/officeart/2005/8/quickstyle/simple1" qsCatId="simple" csTypeId="urn:microsoft.com/office/officeart/2005/8/colors/accent1_2" csCatId="accent1" phldr="1"/>
-      <dgm:spPr/>
-      <dgm:t>
-        <a:bodyPr/>
-        <a:lstStyle/>
-        <a:p>
-          <a:endParaRPr lang="en-US"/>
-        </a:p>
-      </dgm:t>
-    </dgm:pt>
-    <dgm:pt modelId="{C9B974D0-1785-4B7D-B521-2351ED2E4A43}">
-      <dgm:prSet/>
-      <dgm:spPr/>
-      <dgm:t>
-        <a:bodyPr/>
-        <a:lstStyle/>
-        <a:p>
-          <a:r>
-            <a:rPr lang="en-US" dirty="0"/>
-            <a:t>Subject (Service Interface)</a:t>
-          </a:r>
-        </a:p>
-      </dgm:t>
-    </dgm:pt>
-    <dgm:pt modelId="{13DFCFB6-5D7E-4484-B216-8FCA021D0ECE}" type="parTrans" cxnId="{9F9C2566-DF7E-40CC-A80D-75365E99E9B6}">
-      <dgm:prSet/>
-      <dgm:spPr/>
-      <dgm:t>
-        <a:bodyPr/>
-        <a:lstStyle/>
-        <a:p>
-          <a:endParaRPr lang="en-US"/>
-        </a:p>
-      </dgm:t>
-    </dgm:pt>
-    <dgm:pt modelId="{99BD6313-7DBC-40AD-98BC-DAE0F1DE5DA0}" type="sibTrans" cxnId="{9F9C2566-DF7E-40CC-A80D-75365E99E9B6}">
-      <dgm:prSet/>
-      <dgm:spPr/>
-      <dgm:t>
-        <a:bodyPr/>
-        <a:lstStyle/>
-        <a:p>
-          <a:endParaRPr lang="en-US"/>
-        </a:p>
-      </dgm:t>
-    </dgm:pt>
-    <dgm:pt modelId="{1E6ED846-4987-4A34-977C-002F3AC44A01}">
-      <dgm:prSet/>
-      <dgm:spPr/>
-      <dgm:t>
-        <a:bodyPr/>
-        <a:lstStyle/>
-        <a:p>
-          <a:r>
-            <a:rPr lang="en-US" dirty="0"/>
-            <a:t>Real Subject (Service)</a:t>
-          </a:r>
-        </a:p>
-      </dgm:t>
-    </dgm:pt>
-    <dgm:pt modelId="{EC5A4781-DDC7-4B38-804A-E794C2B8A264}" type="parTrans" cxnId="{FF011371-F808-432B-9449-A56BC8E62E87}">
-      <dgm:prSet/>
-      <dgm:spPr/>
-      <dgm:t>
-        <a:bodyPr/>
-        <a:lstStyle/>
-        <a:p>
-          <a:endParaRPr lang="en-US"/>
-        </a:p>
-      </dgm:t>
-    </dgm:pt>
-    <dgm:pt modelId="{7885E428-5B22-4EA9-97B6-0616A926B911}" type="sibTrans" cxnId="{FF011371-F808-432B-9449-A56BC8E62E87}">
-      <dgm:prSet/>
-      <dgm:spPr/>
-      <dgm:t>
-        <a:bodyPr/>
-        <a:lstStyle/>
-        <a:p>
-          <a:endParaRPr lang="en-US"/>
-        </a:p>
-      </dgm:t>
-    </dgm:pt>
-    <dgm:pt modelId="{779595D7-228B-400E-8D80-8D065A48772D}">
-      <dgm:prSet/>
-      <dgm:spPr/>
-      <dgm:t>
-        <a:bodyPr/>
-        <a:lstStyle/>
-        <a:p>
-          <a:r>
-            <a:rPr lang="en-US"/>
-            <a:t>Proxy</a:t>
-          </a:r>
-        </a:p>
-      </dgm:t>
-    </dgm:pt>
-    <dgm:pt modelId="{E117FFF0-0392-4A77-AB53-F20B1859E74C}" type="parTrans" cxnId="{5008B24C-8887-4C0A-8CFA-EEDE5CE2B179}">
-      <dgm:prSet/>
-      <dgm:spPr/>
-      <dgm:t>
-        <a:bodyPr/>
-        <a:lstStyle/>
-        <a:p>
-          <a:endParaRPr lang="en-US"/>
-        </a:p>
-      </dgm:t>
-    </dgm:pt>
-    <dgm:pt modelId="{BD7F0406-6424-4D22-90AC-5619FC96AA5B}" type="sibTrans" cxnId="{5008B24C-8887-4C0A-8CFA-EEDE5CE2B179}">
-      <dgm:prSet/>
-      <dgm:spPr/>
-      <dgm:t>
-        <a:bodyPr/>
-        <a:lstStyle/>
-        <a:p>
-          <a:endParaRPr lang="en-US"/>
-        </a:p>
-      </dgm:t>
-    </dgm:pt>
-    <dgm:pt modelId="{AFCE1EAF-927C-4404-A393-2A3AB1CF5A39}" type="pres">
-      <dgm:prSet presAssocID="{EFB63718-3195-4BCB-9870-00611CB8BF47}" presName="linear" presStyleCnt="0">
-        <dgm:presLayoutVars>
-          <dgm:animLvl val="lvl"/>
-          <dgm:resizeHandles val="exact"/>
-        </dgm:presLayoutVars>
-      </dgm:prSet>
-      <dgm:spPr/>
-    </dgm:pt>
-    <dgm:pt modelId="{55B263EA-DE0A-4126-9911-42A6AAFBC753}" type="pres">
-      <dgm:prSet presAssocID="{C9B974D0-1785-4B7D-B521-2351ED2E4A43}" presName="parentText" presStyleLbl="node1" presStyleIdx="0" presStyleCnt="3">
-        <dgm:presLayoutVars>
-          <dgm:chMax val="0"/>
-          <dgm:bulletEnabled val="1"/>
-        </dgm:presLayoutVars>
-      </dgm:prSet>
-      <dgm:spPr/>
-    </dgm:pt>
-    <dgm:pt modelId="{19F840F8-D351-4273-9A7C-2FBD24DF0BF1}" type="pres">
-      <dgm:prSet presAssocID="{99BD6313-7DBC-40AD-98BC-DAE0F1DE5DA0}" presName="spacer" presStyleCnt="0"/>
-      <dgm:spPr/>
-    </dgm:pt>
-    <dgm:pt modelId="{B67F3848-F68C-45B2-B472-844B6EA551DD}" type="pres">
-      <dgm:prSet presAssocID="{1E6ED846-4987-4A34-977C-002F3AC44A01}" presName="parentText" presStyleLbl="node1" presStyleIdx="1" presStyleCnt="3">
-        <dgm:presLayoutVars>
-          <dgm:chMax val="0"/>
-          <dgm:bulletEnabled val="1"/>
-        </dgm:presLayoutVars>
-      </dgm:prSet>
-      <dgm:spPr/>
-    </dgm:pt>
-    <dgm:pt modelId="{7F7F39BF-9B4C-4066-ABBF-4C0F7F537C92}" type="pres">
-      <dgm:prSet presAssocID="{7885E428-5B22-4EA9-97B6-0616A926B911}" presName="spacer" presStyleCnt="0"/>
-      <dgm:spPr/>
-    </dgm:pt>
-    <dgm:pt modelId="{29D5E425-DE6E-47D3-905C-0157CC358D58}" type="pres">
-      <dgm:prSet presAssocID="{779595D7-228B-400E-8D80-8D065A48772D}" presName="parentText" presStyleLbl="node1" presStyleIdx="2" presStyleCnt="3">
-        <dgm:presLayoutVars>
-          <dgm:chMax val="0"/>
-          <dgm:bulletEnabled val="1"/>
-        </dgm:presLayoutVars>
-      </dgm:prSet>
-      <dgm:spPr/>
-    </dgm:pt>
-  </dgm:ptLst>
-  <dgm:cxnLst>
-    <dgm:cxn modelId="{01D14D07-0376-48F3-B481-1AABA59C2381}" type="presOf" srcId="{1E6ED846-4987-4A34-977C-002F3AC44A01}" destId="{B67F3848-F68C-45B2-B472-844B6EA551DD}" srcOrd="0" destOrd="0" presId="urn:microsoft.com/office/officeart/2005/8/layout/vList2"/>
-    <dgm:cxn modelId="{9F9C2566-DF7E-40CC-A80D-75365E99E9B6}" srcId="{EFB63718-3195-4BCB-9870-00611CB8BF47}" destId="{C9B974D0-1785-4B7D-B521-2351ED2E4A43}" srcOrd="0" destOrd="0" parTransId="{13DFCFB6-5D7E-4484-B216-8FCA021D0ECE}" sibTransId="{99BD6313-7DBC-40AD-98BC-DAE0F1DE5DA0}"/>
-    <dgm:cxn modelId="{5008B24C-8887-4C0A-8CFA-EEDE5CE2B179}" srcId="{EFB63718-3195-4BCB-9870-00611CB8BF47}" destId="{779595D7-228B-400E-8D80-8D065A48772D}" srcOrd="2" destOrd="0" parTransId="{E117FFF0-0392-4A77-AB53-F20B1859E74C}" sibTransId="{BD7F0406-6424-4D22-90AC-5619FC96AA5B}"/>
-    <dgm:cxn modelId="{68C9ED4D-8B00-4576-A6FF-271D59CEAFF8}" type="presOf" srcId="{C9B974D0-1785-4B7D-B521-2351ED2E4A43}" destId="{55B263EA-DE0A-4126-9911-42A6AAFBC753}" srcOrd="0" destOrd="0" presId="urn:microsoft.com/office/officeart/2005/8/layout/vList2"/>
-    <dgm:cxn modelId="{FF011371-F808-432B-9449-A56BC8E62E87}" srcId="{EFB63718-3195-4BCB-9870-00611CB8BF47}" destId="{1E6ED846-4987-4A34-977C-002F3AC44A01}" srcOrd="1" destOrd="0" parTransId="{EC5A4781-DDC7-4B38-804A-E794C2B8A264}" sibTransId="{7885E428-5B22-4EA9-97B6-0616A926B911}"/>
-    <dgm:cxn modelId="{1FD1BF77-D5CF-4A13-BF95-55518412D042}" type="presOf" srcId="{EFB63718-3195-4BCB-9870-00611CB8BF47}" destId="{AFCE1EAF-927C-4404-A393-2A3AB1CF5A39}" srcOrd="0" destOrd="0" presId="urn:microsoft.com/office/officeart/2005/8/layout/vList2"/>
-    <dgm:cxn modelId="{F440138B-B588-45DE-8EDE-3398B0794F8A}" type="presOf" srcId="{779595D7-228B-400E-8D80-8D065A48772D}" destId="{29D5E425-DE6E-47D3-905C-0157CC358D58}" srcOrd="0" destOrd="0" presId="urn:microsoft.com/office/officeart/2005/8/layout/vList2"/>
-    <dgm:cxn modelId="{A3B72DAA-2635-42C3-A711-248FFA94C127}" type="presParOf" srcId="{AFCE1EAF-927C-4404-A393-2A3AB1CF5A39}" destId="{55B263EA-DE0A-4126-9911-42A6AAFBC753}" srcOrd="0" destOrd="0" presId="urn:microsoft.com/office/officeart/2005/8/layout/vList2"/>
-    <dgm:cxn modelId="{1BF546D1-1BF0-4FAB-9120-0ECC6BF89EBB}" type="presParOf" srcId="{AFCE1EAF-927C-4404-A393-2A3AB1CF5A39}" destId="{19F840F8-D351-4273-9A7C-2FBD24DF0BF1}" srcOrd="1" destOrd="0" presId="urn:microsoft.com/office/officeart/2005/8/layout/vList2"/>
-    <dgm:cxn modelId="{9B963AD9-D364-4AD6-8D86-55BA0AB5AA7B}" type="presParOf" srcId="{AFCE1EAF-927C-4404-A393-2A3AB1CF5A39}" destId="{B67F3848-F68C-45B2-B472-844B6EA551DD}" srcOrd="2" destOrd="0" presId="urn:microsoft.com/office/officeart/2005/8/layout/vList2"/>
-    <dgm:cxn modelId="{B86B7BB4-AB60-4021-A0A0-D1EEFF0D3E3E}" type="presParOf" srcId="{AFCE1EAF-927C-4404-A393-2A3AB1CF5A39}" destId="{7F7F39BF-9B4C-4066-ABBF-4C0F7F537C92}" srcOrd="3" destOrd="0" presId="urn:microsoft.com/office/officeart/2005/8/layout/vList2"/>
-    <dgm:cxn modelId="{2ECE3B08-591B-4BE0-9FB8-C53FCCAEE345}" type="presParOf" srcId="{AFCE1EAF-927C-4404-A393-2A3AB1CF5A39}" destId="{29D5E425-DE6E-47D3-905C-0157CC358D58}" srcOrd="4" destOrd="0" presId="urn:microsoft.com/office/officeart/2005/8/layout/vList2"/>
-  </dgm:cxnLst>
-  <dgm:bg/>
-  <dgm:whole/>
-  <dgm:extLst>
-    <a:ext uri="http://schemas.microsoft.com/office/drawing/2008/diagram">
-      <dsp:dataModelExt xmlns:dsp="http://schemas.microsoft.com/office/drawing/2008/diagram" relId="rId8" minVer="http://schemas.openxmlformats.org/drawingml/2006/diagram"/>
-    </a:ext>
-  </dgm:extLst>
-</dgm:dataModel>
-</file>
-
-<file path=ppt/diagrams/data5.xml><?xml version="1.0" encoding="utf-8"?>
-<dgm:dataModel xmlns:dgm="http://schemas.openxmlformats.org/drawingml/2006/diagram" xmlns:a="http://schemas.openxmlformats.org/drawingml/2006/main">
-  <dgm:ptLst>
     <dgm:pt modelId="{2F922605-F25D-458B-895B-C61F7598E6F1}" type="doc">
       <dgm:prSet loTypeId="urn:microsoft.com/office/officeart/2008/layout/VerticalCurvedList" loCatId="list" qsTypeId="urn:microsoft.com/office/officeart/2005/8/quickstyle/simple1" qsCatId="simple" csTypeId="urn:microsoft.com/office/officeart/2005/8/colors/accent1_2" csCatId="accent1" phldr="1"/>
       <dgm:spPr/>
@@ -6029,7 +6776,7 @@
         <a:p>
           <a:r>
             <a:rPr lang="en-US" dirty="0"/>
-            <a:t>logging Proxy - Logging requests</a:t>
+            <a:t>Logging Proxy - Logging requests</a:t>
           </a:r>
         </a:p>
       </dgm:t>
@@ -6283,6 +7030,483 @@
   <dgm:extLst>
     <a:ext uri="http://schemas.microsoft.com/office/drawing/2008/diagram">
       <dsp:dataModelExt xmlns:dsp="http://schemas.microsoft.com/office/drawing/2008/diagram" relId="rId7" minVer="http://schemas.openxmlformats.org/drawingml/2006/diagram"/>
+    </a:ext>
+  </dgm:extLst>
+</dgm:dataModel>
+</file>
+
+<file path=ppt/diagrams/data5.xml><?xml version="1.0" encoding="utf-8"?>
+<dgm:dataModel xmlns:dgm="http://schemas.openxmlformats.org/drawingml/2006/diagram" xmlns:a="http://schemas.openxmlformats.org/drawingml/2006/main">
+  <dgm:ptLst>
+    <dgm:pt modelId="{EFB63718-3195-4BCB-9870-00611CB8BF47}" type="doc">
+      <dgm:prSet loTypeId="urn:microsoft.com/office/officeart/2005/8/layout/vList2" loCatId="list" qsTypeId="urn:microsoft.com/office/officeart/2005/8/quickstyle/simple1" qsCatId="simple" csTypeId="urn:microsoft.com/office/officeart/2005/8/colors/accent1_2" csCatId="accent1" phldr="1"/>
+      <dgm:spPr/>
+      <dgm:t>
+        <a:bodyPr/>
+        <a:lstStyle/>
+        <a:p>
+          <a:endParaRPr lang="en-US"/>
+        </a:p>
+      </dgm:t>
+    </dgm:pt>
+    <dgm:pt modelId="{C9B974D0-1785-4B7D-B521-2351ED2E4A43}">
+      <dgm:prSet/>
+      <dgm:spPr/>
+      <dgm:t>
+        <a:bodyPr/>
+        <a:lstStyle/>
+        <a:p>
+          <a:r>
+            <a:rPr lang="en-US" dirty="0"/>
+            <a:t>Subject (Service Interface)</a:t>
+          </a:r>
+        </a:p>
+      </dgm:t>
+    </dgm:pt>
+    <dgm:pt modelId="{13DFCFB6-5D7E-4484-B216-8FCA021D0ECE}" type="parTrans" cxnId="{9F9C2566-DF7E-40CC-A80D-75365E99E9B6}">
+      <dgm:prSet/>
+      <dgm:spPr/>
+      <dgm:t>
+        <a:bodyPr/>
+        <a:lstStyle/>
+        <a:p>
+          <a:endParaRPr lang="en-US"/>
+        </a:p>
+      </dgm:t>
+    </dgm:pt>
+    <dgm:pt modelId="{99BD6313-7DBC-40AD-98BC-DAE0F1DE5DA0}" type="sibTrans" cxnId="{9F9C2566-DF7E-40CC-A80D-75365E99E9B6}">
+      <dgm:prSet/>
+      <dgm:spPr/>
+      <dgm:t>
+        <a:bodyPr/>
+        <a:lstStyle/>
+        <a:p>
+          <a:endParaRPr lang="en-US"/>
+        </a:p>
+      </dgm:t>
+    </dgm:pt>
+    <dgm:pt modelId="{1E6ED846-4987-4A34-977C-002F3AC44A01}">
+      <dgm:prSet/>
+      <dgm:spPr/>
+      <dgm:t>
+        <a:bodyPr/>
+        <a:lstStyle/>
+        <a:p>
+          <a:r>
+            <a:rPr lang="en-US" dirty="0"/>
+            <a:t>Real Subject (Service)</a:t>
+          </a:r>
+        </a:p>
+      </dgm:t>
+    </dgm:pt>
+    <dgm:pt modelId="{EC5A4781-DDC7-4B38-804A-E794C2B8A264}" type="parTrans" cxnId="{FF011371-F808-432B-9449-A56BC8E62E87}">
+      <dgm:prSet/>
+      <dgm:spPr/>
+      <dgm:t>
+        <a:bodyPr/>
+        <a:lstStyle/>
+        <a:p>
+          <a:endParaRPr lang="en-US"/>
+        </a:p>
+      </dgm:t>
+    </dgm:pt>
+    <dgm:pt modelId="{7885E428-5B22-4EA9-97B6-0616A926B911}" type="sibTrans" cxnId="{FF011371-F808-432B-9449-A56BC8E62E87}">
+      <dgm:prSet/>
+      <dgm:spPr/>
+      <dgm:t>
+        <a:bodyPr/>
+        <a:lstStyle/>
+        <a:p>
+          <a:endParaRPr lang="en-US"/>
+        </a:p>
+      </dgm:t>
+    </dgm:pt>
+    <dgm:pt modelId="{779595D7-228B-400E-8D80-8D065A48772D}">
+      <dgm:prSet/>
+      <dgm:spPr/>
+      <dgm:t>
+        <a:bodyPr/>
+        <a:lstStyle/>
+        <a:p>
+          <a:r>
+            <a:rPr lang="en-US"/>
+            <a:t>Proxy</a:t>
+          </a:r>
+        </a:p>
+      </dgm:t>
+    </dgm:pt>
+    <dgm:pt modelId="{E117FFF0-0392-4A77-AB53-F20B1859E74C}" type="parTrans" cxnId="{5008B24C-8887-4C0A-8CFA-EEDE5CE2B179}">
+      <dgm:prSet/>
+      <dgm:spPr/>
+      <dgm:t>
+        <a:bodyPr/>
+        <a:lstStyle/>
+        <a:p>
+          <a:endParaRPr lang="en-US"/>
+        </a:p>
+      </dgm:t>
+    </dgm:pt>
+    <dgm:pt modelId="{BD7F0406-6424-4D22-90AC-5619FC96AA5B}" type="sibTrans" cxnId="{5008B24C-8887-4C0A-8CFA-EEDE5CE2B179}">
+      <dgm:prSet/>
+      <dgm:spPr/>
+      <dgm:t>
+        <a:bodyPr/>
+        <a:lstStyle/>
+        <a:p>
+          <a:endParaRPr lang="en-US"/>
+        </a:p>
+      </dgm:t>
+    </dgm:pt>
+    <dgm:pt modelId="{AFCE1EAF-927C-4404-A393-2A3AB1CF5A39}" type="pres">
+      <dgm:prSet presAssocID="{EFB63718-3195-4BCB-9870-00611CB8BF47}" presName="linear" presStyleCnt="0">
+        <dgm:presLayoutVars>
+          <dgm:animLvl val="lvl"/>
+          <dgm:resizeHandles val="exact"/>
+        </dgm:presLayoutVars>
+      </dgm:prSet>
+      <dgm:spPr/>
+    </dgm:pt>
+    <dgm:pt modelId="{55B263EA-DE0A-4126-9911-42A6AAFBC753}" type="pres">
+      <dgm:prSet presAssocID="{C9B974D0-1785-4B7D-B521-2351ED2E4A43}" presName="parentText" presStyleLbl="node1" presStyleIdx="0" presStyleCnt="3">
+        <dgm:presLayoutVars>
+          <dgm:chMax val="0"/>
+          <dgm:bulletEnabled val="1"/>
+        </dgm:presLayoutVars>
+      </dgm:prSet>
+      <dgm:spPr/>
+    </dgm:pt>
+    <dgm:pt modelId="{19F840F8-D351-4273-9A7C-2FBD24DF0BF1}" type="pres">
+      <dgm:prSet presAssocID="{99BD6313-7DBC-40AD-98BC-DAE0F1DE5DA0}" presName="spacer" presStyleCnt="0"/>
+      <dgm:spPr/>
+    </dgm:pt>
+    <dgm:pt modelId="{B67F3848-F68C-45B2-B472-844B6EA551DD}" type="pres">
+      <dgm:prSet presAssocID="{1E6ED846-4987-4A34-977C-002F3AC44A01}" presName="parentText" presStyleLbl="node1" presStyleIdx="1" presStyleCnt="3">
+        <dgm:presLayoutVars>
+          <dgm:chMax val="0"/>
+          <dgm:bulletEnabled val="1"/>
+        </dgm:presLayoutVars>
+      </dgm:prSet>
+      <dgm:spPr/>
+    </dgm:pt>
+    <dgm:pt modelId="{7F7F39BF-9B4C-4066-ABBF-4C0F7F537C92}" type="pres">
+      <dgm:prSet presAssocID="{7885E428-5B22-4EA9-97B6-0616A926B911}" presName="spacer" presStyleCnt="0"/>
+      <dgm:spPr/>
+    </dgm:pt>
+    <dgm:pt modelId="{29D5E425-DE6E-47D3-905C-0157CC358D58}" type="pres">
+      <dgm:prSet presAssocID="{779595D7-228B-400E-8D80-8D065A48772D}" presName="parentText" presStyleLbl="node1" presStyleIdx="2" presStyleCnt="3">
+        <dgm:presLayoutVars>
+          <dgm:chMax val="0"/>
+          <dgm:bulletEnabled val="1"/>
+        </dgm:presLayoutVars>
+      </dgm:prSet>
+      <dgm:spPr/>
+    </dgm:pt>
+  </dgm:ptLst>
+  <dgm:cxnLst>
+    <dgm:cxn modelId="{01D14D07-0376-48F3-B481-1AABA59C2381}" type="presOf" srcId="{1E6ED846-4987-4A34-977C-002F3AC44A01}" destId="{B67F3848-F68C-45B2-B472-844B6EA551DD}" srcOrd="0" destOrd="0" presId="urn:microsoft.com/office/officeart/2005/8/layout/vList2"/>
+    <dgm:cxn modelId="{9F9C2566-DF7E-40CC-A80D-75365E99E9B6}" srcId="{EFB63718-3195-4BCB-9870-00611CB8BF47}" destId="{C9B974D0-1785-4B7D-B521-2351ED2E4A43}" srcOrd="0" destOrd="0" parTransId="{13DFCFB6-5D7E-4484-B216-8FCA021D0ECE}" sibTransId="{99BD6313-7DBC-40AD-98BC-DAE0F1DE5DA0}"/>
+    <dgm:cxn modelId="{5008B24C-8887-4C0A-8CFA-EEDE5CE2B179}" srcId="{EFB63718-3195-4BCB-9870-00611CB8BF47}" destId="{779595D7-228B-400E-8D80-8D065A48772D}" srcOrd="2" destOrd="0" parTransId="{E117FFF0-0392-4A77-AB53-F20B1859E74C}" sibTransId="{BD7F0406-6424-4D22-90AC-5619FC96AA5B}"/>
+    <dgm:cxn modelId="{68C9ED4D-8B00-4576-A6FF-271D59CEAFF8}" type="presOf" srcId="{C9B974D0-1785-4B7D-B521-2351ED2E4A43}" destId="{55B263EA-DE0A-4126-9911-42A6AAFBC753}" srcOrd="0" destOrd="0" presId="urn:microsoft.com/office/officeart/2005/8/layout/vList2"/>
+    <dgm:cxn modelId="{FF011371-F808-432B-9449-A56BC8E62E87}" srcId="{EFB63718-3195-4BCB-9870-00611CB8BF47}" destId="{1E6ED846-4987-4A34-977C-002F3AC44A01}" srcOrd="1" destOrd="0" parTransId="{EC5A4781-DDC7-4B38-804A-E794C2B8A264}" sibTransId="{7885E428-5B22-4EA9-97B6-0616A926B911}"/>
+    <dgm:cxn modelId="{1FD1BF77-D5CF-4A13-BF95-55518412D042}" type="presOf" srcId="{EFB63718-3195-4BCB-9870-00611CB8BF47}" destId="{AFCE1EAF-927C-4404-A393-2A3AB1CF5A39}" srcOrd="0" destOrd="0" presId="urn:microsoft.com/office/officeart/2005/8/layout/vList2"/>
+    <dgm:cxn modelId="{F440138B-B588-45DE-8EDE-3398B0794F8A}" type="presOf" srcId="{779595D7-228B-400E-8D80-8D065A48772D}" destId="{29D5E425-DE6E-47D3-905C-0157CC358D58}" srcOrd="0" destOrd="0" presId="urn:microsoft.com/office/officeart/2005/8/layout/vList2"/>
+    <dgm:cxn modelId="{A3B72DAA-2635-42C3-A711-248FFA94C127}" type="presParOf" srcId="{AFCE1EAF-927C-4404-A393-2A3AB1CF5A39}" destId="{55B263EA-DE0A-4126-9911-42A6AAFBC753}" srcOrd="0" destOrd="0" presId="urn:microsoft.com/office/officeart/2005/8/layout/vList2"/>
+    <dgm:cxn modelId="{1BF546D1-1BF0-4FAB-9120-0ECC6BF89EBB}" type="presParOf" srcId="{AFCE1EAF-927C-4404-A393-2A3AB1CF5A39}" destId="{19F840F8-D351-4273-9A7C-2FBD24DF0BF1}" srcOrd="1" destOrd="0" presId="urn:microsoft.com/office/officeart/2005/8/layout/vList2"/>
+    <dgm:cxn modelId="{9B963AD9-D364-4AD6-8D86-55BA0AB5AA7B}" type="presParOf" srcId="{AFCE1EAF-927C-4404-A393-2A3AB1CF5A39}" destId="{B67F3848-F68C-45B2-B472-844B6EA551DD}" srcOrd="2" destOrd="0" presId="urn:microsoft.com/office/officeart/2005/8/layout/vList2"/>
+    <dgm:cxn modelId="{B86B7BB4-AB60-4021-A0A0-D1EEFF0D3E3E}" type="presParOf" srcId="{AFCE1EAF-927C-4404-A393-2A3AB1CF5A39}" destId="{7F7F39BF-9B4C-4066-ABBF-4C0F7F537C92}" srcOrd="3" destOrd="0" presId="urn:microsoft.com/office/officeart/2005/8/layout/vList2"/>
+    <dgm:cxn modelId="{2ECE3B08-591B-4BE0-9FB8-C53FCCAEE345}" type="presParOf" srcId="{AFCE1EAF-927C-4404-A393-2A3AB1CF5A39}" destId="{29D5E425-DE6E-47D3-905C-0157CC358D58}" srcOrd="4" destOrd="0" presId="urn:microsoft.com/office/officeart/2005/8/layout/vList2"/>
+  </dgm:cxnLst>
+  <dgm:bg/>
+  <dgm:whole/>
+  <dgm:extLst>
+    <a:ext uri="http://schemas.microsoft.com/office/drawing/2008/diagram">
+      <dsp:dataModelExt xmlns:dsp="http://schemas.microsoft.com/office/drawing/2008/diagram" relId="rId8" minVer="http://schemas.openxmlformats.org/drawingml/2006/diagram"/>
+    </a:ext>
+  </dgm:extLst>
+</dgm:dataModel>
+</file>
+
+<file path=ppt/diagrams/data6.xml><?xml version="1.0" encoding="utf-8"?>
+<dgm:dataModel xmlns:dgm="http://schemas.openxmlformats.org/drawingml/2006/diagram" xmlns:a="http://schemas.openxmlformats.org/drawingml/2006/main">
+  <dgm:ptLst>
+    <dgm:pt modelId="{BAAED582-254E-4D28-BCDD-E68B76D62481}" type="doc">
+      <dgm:prSet loTypeId="urn:microsoft.com/office/officeart/2005/8/layout/vList2" loCatId="list" qsTypeId="urn:microsoft.com/office/officeart/2005/8/quickstyle/simple1" qsCatId="simple" csTypeId="urn:microsoft.com/office/officeart/2005/8/colors/accent1_2" csCatId="accent1" phldr="1"/>
+      <dgm:spPr/>
+      <dgm:t>
+        <a:bodyPr/>
+        <a:lstStyle/>
+        <a:p>
+          <a:endParaRPr lang="en-US"/>
+        </a:p>
+      </dgm:t>
+    </dgm:pt>
+    <dgm:pt modelId="{8434C828-A953-4C3A-BDCE-7F0DA58EA6E9}">
+      <dgm:prSet/>
+      <dgm:spPr/>
+      <dgm:t>
+        <a:bodyPr/>
+        <a:lstStyle/>
+        <a:p>
+          <a:r>
+            <a:rPr lang="en-US" dirty="0"/>
+            <a:t>Abstraction</a:t>
+          </a:r>
+        </a:p>
+      </dgm:t>
+    </dgm:pt>
+    <dgm:pt modelId="{34BCEC71-B222-416E-A054-7E418A256510}" type="parTrans" cxnId="{EB923C8E-D304-4897-944F-D5E3085F8913}">
+      <dgm:prSet/>
+      <dgm:spPr/>
+      <dgm:t>
+        <a:bodyPr/>
+        <a:lstStyle/>
+        <a:p>
+          <a:endParaRPr lang="en-US"/>
+        </a:p>
+      </dgm:t>
+    </dgm:pt>
+    <dgm:pt modelId="{892BE00E-4E5B-491F-8F9F-5ED463760AB0}" type="sibTrans" cxnId="{EB923C8E-D304-4897-944F-D5E3085F8913}">
+      <dgm:prSet/>
+      <dgm:spPr/>
+      <dgm:t>
+        <a:bodyPr/>
+        <a:lstStyle/>
+        <a:p>
+          <a:endParaRPr lang="en-US"/>
+        </a:p>
+      </dgm:t>
+    </dgm:pt>
+    <dgm:pt modelId="{CC0187ED-941B-48C4-98D5-FEA848F7DEF1}">
+      <dgm:prSet/>
+      <dgm:spPr/>
+      <dgm:t>
+        <a:bodyPr/>
+        <a:lstStyle/>
+        <a:p>
+          <a:r>
+            <a:rPr lang="en-US" dirty="0"/>
+            <a:t>Refined Abstraction</a:t>
+          </a:r>
+        </a:p>
+      </dgm:t>
+    </dgm:pt>
+    <dgm:pt modelId="{F647B4FE-36DA-4613-A545-6099B2E6E7E0}" type="parTrans" cxnId="{21ED4B33-93F5-43E9-BE89-14142CDF145D}">
+      <dgm:prSet/>
+      <dgm:spPr/>
+      <dgm:t>
+        <a:bodyPr/>
+        <a:lstStyle/>
+        <a:p>
+          <a:endParaRPr lang="en-US"/>
+        </a:p>
+      </dgm:t>
+    </dgm:pt>
+    <dgm:pt modelId="{B3DBE333-F5E6-4D30-A205-2E5CE5250CB6}" type="sibTrans" cxnId="{21ED4B33-93F5-43E9-BE89-14142CDF145D}">
+      <dgm:prSet/>
+      <dgm:spPr/>
+      <dgm:t>
+        <a:bodyPr/>
+        <a:lstStyle/>
+        <a:p>
+          <a:endParaRPr lang="en-US"/>
+        </a:p>
+      </dgm:t>
+    </dgm:pt>
+    <dgm:pt modelId="{FAE5F765-5193-4398-8E62-D0F9535DF494}">
+      <dgm:prSet/>
+      <dgm:spPr/>
+      <dgm:t>
+        <a:bodyPr/>
+        <a:lstStyle/>
+        <a:p>
+          <a:r>
+            <a:rPr lang="en-US" dirty="0"/>
+            <a:t>Implementation</a:t>
+          </a:r>
+        </a:p>
+      </dgm:t>
+    </dgm:pt>
+    <dgm:pt modelId="{1869D766-4468-4616-A142-97981ED937D0}" type="parTrans" cxnId="{B9F1EBFA-55EF-48C3-BE99-878CF121E87A}">
+      <dgm:prSet/>
+      <dgm:spPr/>
+      <dgm:t>
+        <a:bodyPr/>
+        <a:lstStyle/>
+        <a:p>
+          <a:endParaRPr lang="en-US"/>
+        </a:p>
+      </dgm:t>
+    </dgm:pt>
+    <dgm:pt modelId="{2DFCD4A7-29FE-4F82-88EF-6FD2A0C126DF}" type="sibTrans" cxnId="{B9F1EBFA-55EF-48C3-BE99-878CF121E87A}">
+      <dgm:prSet/>
+      <dgm:spPr/>
+      <dgm:t>
+        <a:bodyPr/>
+        <a:lstStyle/>
+        <a:p>
+          <a:endParaRPr lang="en-US"/>
+        </a:p>
+      </dgm:t>
+    </dgm:pt>
+    <dgm:pt modelId="{0C3D4CDE-7C05-4152-95AD-B0CD39CDD77D}">
+      <dgm:prSet/>
+      <dgm:spPr/>
+      <dgm:t>
+        <a:bodyPr/>
+        <a:lstStyle/>
+        <a:p>
+          <a:r>
+            <a:rPr lang="en-US"/>
+            <a:t>Concrete Implementations</a:t>
+          </a:r>
+        </a:p>
+      </dgm:t>
+    </dgm:pt>
+    <dgm:pt modelId="{D33E7F4E-715B-4DBF-9EF9-88E3F425F2C7}" type="parTrans" cxnId="{E244FDEE-B217-4483-9172-9AC88CA002F1}">
+      <dgm:prSet/>
+      <dgm:spPr/>
+      <dgm:t>
+        <a:bodyPr/>
+        <a:lstStyle/>
+        <a:p>
+          <a:endParaRPr lang="en-US"/>
+        </a:p>
+      </dgm:t>
+    </dgm:pt>
+    <dgm:pt modelId="{EA6FA30B-7204-4186-A25D-E5D94ECB91E7}" type="sibTrans" cxnId="{E244FDEE-B217-4483-9172-9AC88CA002F1}">
+      <dgm:prSet/>
+      <dgm:spPr/>
+      <dgm:t>
+        <a:bodyPr/>
+        <a:lstStyle/>
+        <a:p>
+          <a:endParaRPr lang="en-US"/>
+        </a:p>
+      </dgm:t>
+    </dgm:pt>
+    <dgm:pt modelId="{E514FF47-4FEF-4E78-B80F-AA5729552A0A}">
+      <dgm:prSet/>
+      <dgm:spPr/>
+      <dgm:t>
+        <a:bodyPr/>
+        <a:lstStyle/>
+        <a:p>
+          <a:r>
+            <a:rPr lang="en-US" dirty="0"/>
+            <a:t>Color</a:t>
+          </a:r>
+        </a:p>
+      </dgm:t>
+    </dgm:pt>
+    <dgm:pt modelId="{18561F94-E8D5-4A8C-90F2-F207B8905B2D}" type="parTrans" cxnId="{B3F6F685-171B-4E45-8FFC-C29D165ECE2F}">
+      <dgm:prSet/>
+      <dgm:spPr/>
+      <dgm:t>
+        <a:bodyPr/>
+        <a:lstStyle/>
+        <a:p>
+          <a:endParaRPr lang="en-US"/>
+        </a:p>
+      </dgm:t>
+    </dgm:pt>
+    <dgm:pt modelId="{D841AF66-78A8-4C2A-A54A-F8ACB225CA4B}" type="sibTrans" cxnId="{B3F6F685-171B-4E45-8FFC-C29D165ECE2F}">
+      <dgm:prSet/>
+      <dgm:spPr/>
+      <dgm:t>
+        <a:bodyPr/>
+        <a:lstStyle/>
+        <a:p>
+          <a:endParaRPr lang="en-US"/>
+        </a:p>
+      </dgm:t>
+    </dgm:pt>
+    <dgm:pt modelId="{E7FF920E-FA84-4CB0-AF09-FA8D393C798A}" type="pres">
+      <dgm:prSet presAssocID="{BAAED582-254E-4D28-BCDD-E68B76D62481}" presName="linear" presStyleCnt="0">
+        <dgm:presLayoutVars>
+          <dgm:animLvl val="lvl"/>
+          <dgm:resizeHandles val="exact"/>
+        </dgm:presLayoutVars>
+      </dgm:prSet>
+      <dgm:spPr/>
+    </dgm:pt>
+    <dgm:pt modelId="{EAB94C4A-C00A-4412-85F3-E84774509165}" type="pres">
+      <dgm:prSet presAssocID="{8434C828-A953-4C3A-BDCE-7F0DA58EA6E9}" presName="parentText" presStyleLbl="node1" presStyleIdx="0" presStyleCnt="4">
+        <dgm:presLayoutVars>
+          <dgm:chMax val="0"/>
+          <dgm:bulletEnabled val="1"/>
+        </dgm:presLayoutVars>
+      </dgm:prSet>
+      <dgm:spPr/>
+    </dgm:pt>
+    <dgm:pt modelId="{48745888-7948-40C2-A607-D335F731BA69}" type="pres">
+      <dgm:prSet presAssocID="{892BE00E-4E5B-491F-8F9F-5ED463760AB0}" presName="spacer" presStyleCnt="0"/>
+      <dgm:spPr/>
+    </dgm:pt>
+    <dgm:pt modelId="{4E21AB82-4D0A-4E55-9EB6-9299776D3780}" type="pres">
+      <dgm:prSet presAssocID="{CC0187ED-941B-48C4-98D5-FEA848F7DEF1}" presName="parentText" presStyleLbl="node1" presStyleIdx="1" presStyleCnt="4">
+        <dgm:presLayoutVars>
+          <dgm:chMax val="0"/>
+          <dgm:bulletEnabled val="1"/>
+        </dgm:presLayoutVars>
+      </dgm:prSet>
+      <dgm:spPr/>
+    </dgm:pt>
+    <dgm:pt modelId="{4390743E-BEAE-4734-9213-B257655EFA00}" type="pres">
+      <dgm:prSet presAssocID="{B3DBE333-F5E6-4D30-A205-2E5CE5250CB6}" presName="spacer" presStyleCnt="0"/>
+      <dgm:spPr/>
+    </dgm:pt>
+    <dgm:pt modelId="{D79AC7BD-F34D-444C-B7FE-36EBD70CDE5F}" type="pres">
+      <dgm:prSet presAssocID="{FAE5F765-5193-4398-8E62-D0F9535DF494}" presName="parentText" presStyleLbl="node1" presStyleIdx="2" presStyleCnt="4">
+        <dgm:presLayoutVars>
+          <dgm:chMax val="0"/>
+          <dgm:bulletEnabled val="1"/>
+        </dgm:presLayoutVars>
+      </dgm:prSet>
+      <dgm:spPr/>
+    </dgm:pt>
+    <dgm:pt modelId="{D03B2792-FDCE-4152-97FB-FABD6E110A22}" type="pres">
+      <dgm:prSet presAssocID="{FAE5F765-5193-4398-8E62-D0F9535DF494}" presName="childText" presStyleLbl="revTx" presStyleIdx="0" presStyleCnt="1">
+        <dgm:presLayoutVars>
+          <dgm:bulletEnabled val="1"/>
+        </dgm:presLayoutVars>
+      </dgm:prSet>
+      <dgm:spPr/>
+    </dgm:pt>
+    <dgm:pt modelId="{8D63BF87-A2D6-400D-9C78-7A6153009430}" type="pres">
+      <dgm:prSet presAssocID="{0C3D4CDE-7C05-4152-95AD-B0CD39CDD77D}" presName="parentText" presStyleLbl="node1" presStyleIdx="3" presStyleCnt="4">
+        <dgm:presLayoutVars>
+          <dgm:chMax val="0"/>
+          <dgm:bulletEnabled val="1"/>
+        </dgm:presLayoutVars>
+      </dgm:prSet>
+      <dgm:spPr/>
+    </dgm:pt>
+  </dgm:ptLst>
+  <dgm:cxnLst>
+    <dgm:cxn modelId="{FD85E904-DE32-4A2F-9232-F79B2142E3DC}" type="presOf" srcId="{BAAED582-254E-4D28-BCDD-E68B76D62481}" destId="{E7FF920E-FA84-4CB0-AF09-FA8D393C798A}" srcOrd="0" destOrd="0" presId="urn:microsoft.com/office/officeart/2005/8/layout/vList2"/>
+    <dgm:cxn modelId="{21ED4B33-93F5-43E9-BE89-14142CDF145D}" srcId="{BAAED582-254E-4D28-BCDD-E68B76D62481}" destId="{CC0187ED-941B-48C4-98D5-FEA848F7DEF1}" srcOrd="1" destOrd="0" parTransId="{F647B4FE-36DA-4613-A545-6099B2E6E7E0}" sibTransId="{B3DBE333-F5E6-4D30-A205-2E5CE5250CB6}"/>
+    <dgm:cxn modelId="{491C6E47-4D13-4916-9B69-9566B635E859}" type="presOf" srcId="{CC0187ED-941B-48C4-98D5-FEA848F7DEF1}" destId="{4E21AB82-4D0A-4E55-9EB6-9299776D3780}" srcOrd="0" destOrd="0" presId="urn:microsoft.com/office/officeart/2005/8/layout/vList2"/>
+    <dgm:cxn modelId="{C5A41051-051A-4340-AD2A-65EA17D22311}" type="presOf" srcId="{E514FF47-4FEF-4E78-B80F-AA5729552A0A}" destId="{D03B2792-FDCE-4152-97FB-FABD6E110A22}" srcOrd="0" destOrd="0" presId="urn:microsoft.com/office/officeart/2005/8/layout/vList2"/>
+    <dgm:cxn modelId="{B3F6F685-171B-4E45-8FFC-C29D165ECE2F}" srcId="{FAE5F765-5193-4398-8E62-D0F9535DF494}" destId="{E514FF47-4FEF-4E78-B80F-AA5729552A0A}" srcOrd="0" destOrd="0" parTransId="{18561F94-E8D5-4A8C-90F2-F207B8905B2D}" sibTransId="{D841AF66-78A8-4C2A-A54A-F8ACB225CA4B}"/>
+    <dgm:cxn modelId="{EB923C8E-D304-4897-944F-D5E3085F8913}" srcId="{BAAED582-254E-4D28-BCDD-E68B76D62481}" destId="{8434C828-A953-4C3A-BDCE-7F0DA58EA6E9}" srcOrd="0" destOrd="0" parTransId="{34BCEC71-B222-416E-A054-7E418A256510}" sibTransId="{892BE00E-4E5B-491F-8F9F-5ED463760AB0}"/>
+    <dgm:cxn modelId="{0A93C6A6-3A2A-489B-A085-A83B0BD08A3E}" type="presOf" srcId="{0C3D4CDE-7C05-4152-95AD-B0CD39CDD77D}" destId="{8D63BF87-A2D6-400D-9C78-7A6153009430}" srcOrd="0" destOrd="0" presId="urn:microsoft.com/office/officeart/2005/8/layout/vList2"/>
+    <dgm:cxn modelId="{C62D59AC-1E0F-4C6C-8D43-67B6B7887A95}" type="presOf" srcId="{8434C828-A953-4C3A-BDCE-7F0DA58EA6E9}" destId="{EAB94C4A-C00A-4412-85F3-E84774509165}" srcOrd="0" destOrd="0" presId="urn:microsoft.com/office/officeart/2005/8/layout/vList2"/>
+    <dgm:cxn modelId="{AD8E77E1-1708-4525-B6E5-B87DA9157571}" type="presOf" srcId="{FAE5F765-5193-4398-8E62-D0F9535DF494}" destId="{D79AC7BD-F34D-444C-B7FE-36EBD70CDE5F}" srcOrd="0" destOrd="0" presId="urn:microsoft.com/office/officeart/2005/8/layout/vList2"/>
+    <dgm:cxn modelId="{E244FDEE-B217-4483-9172-9AC88CA002F1}" srcId="{BAAED582-254E-4D28-BCDD-E68B76D62481}" destId="{0C3D4CDE-7C05-4152-95AD-B0CD39CDD77D}" srcOrd="3" destOrd="0" parTransId="{D33E7F4E-715B-4DBF-9EF9-88E3F425F2C7}" sibTransId="{EA6FA30B-7204-4186-A25D-E5D94ECB91E7}"/>
+    <dgm:cxn modelId="{B9F1EBFA-55EF-48C3-BE99-878CF121E87A}" srcId="{BAAED582-254E-4D28-BCDD-E68B76D62481}" destId="{FAE5F765-5193-4398-8E62-D0F9535DF494}" srcOrd="2" destOrd="0" parTransId="{1869D766-4468-4616-A142-97981ED937D0}" sibTransId="{2DFCD4A7-29FE-4F82-88EF-6FD2A0C126DF}"/>
+    <dgm:cxn modelId="{86226FF9-C418-4D60-8790-17CB074ABF86}" type="presParOf" srcId="{E7FF920E-FA84-4CB0-AF09-FA8D393C798A}" destId="{EAB94C4A-C00A-4412-85F3-E84774509165}" srcOrd="0" destOrd="0" presId="urn:microsoft.com/office/officeart/2005/8/layout/vList2"/>
+    <dgm:cxn modelId="{573207FF-63DC-4CBB-A084-07AD2ADFCE42}" type="presParOf" srcId="{E7FF920E-FA84-4CB0-AF09-FA8D393C798A}" destId="{48745888-7948-40C2-A607-D335F731BA69}" srcOrd="1" destOrd="0" presId="urn:microsoft.com/office/officeart/2005/8/layout/vList2"/>
+    <dgm:cxn modelId="{6F1B381F-7D33-40D2-A390-B15A936D1B27}" type="presParOf" srcId="{E7FF920E-FA84-4CB0-AF09-FA8D393C798A}" destId="{4E21AB82-4D0A-4E55-9EB6-9299776D3780}" srcOrd="2" destOrd="0" presId="urn:microsoft.com/office/officeart/2005/8/layout/vList2"/>
+    <dgm:cxn modelId="{97EE0117-AF85-4487-B31D-9CDDA0553064}" type="presParOf" srcId="{E7FF920E-FA84-4CB0-AF09-FA8D393C798A}" destId="{4390743E-BEAE-4734-9213-B257655EFA00}" srcOrd="3" destOrd="0" presId="urn:microsoft.com/office/officeart/2005/8/layout/vList2"/>
+    <dgm:cxn modelId="{249E1425-D74A-4AA9-9143-F13B7CB26DC0}" type="presParOf" srcId="{E7FF920E-FA84-4CB0-AF09-FA8D393C798A}" destId="{D79AC7BD-F34D-444C-B7FE-36EBD70CDE5F}" srcOrd="4" destOrd="0" presId="urn:microsoft.com/office/officeart/2005/8/layout/vList2"/>
+    <dgm:cxn modelId="{EC0C6F89-837E-47A8-8255-D84ADE139F8E}" type="presParOf" srcId="{E7FF920E-FA84-4CB0-AF09-FA8D393C798A}" destId="{D03B2792-FDCE-4152-97FB-FABD6E110A22}" srcOrd="5" destOrd="0" presId="urn:microsoft.com/office/officeart/2005/8/layout/vList2"/>
+    <dgm:cxn modelId="{58C15A15-CB2C-4302-9171-FD3C28130B18}" type="presParOf" srcId="{E7FF920E-FA84-4CB0-AF09-FA8D393C798A}" destId="{8D63BF87-A2D6-400D-9C78-7A6153009430}" srcOrd="6" destOrd="0" presId="urn:microsoft.com/office/officeart/2005/8/layout/vList2"/>
+  </dgm:cxnLst>
+  <dgm:bg/>
+  <dgm:whole/>
+  <dgm:extLst>
+    <a:ext uri="http://schemas.microsoft.com/office/drawing/2008/diagram">
+      <dsp:dataModelExt xmlns:dsp="http://schemas.microsoft.com/office/drawing/2008/diagram" relId="rId8" minVer="http://schemas.openxmlformats.org/drawingml/2006/diagram"/>
     </a:ext>
   </dgm:extLst>
 </dgm:dataModel>
@@ -6942,249 +8166,6 @@
       <dsp:cNvGrpSpPr/>
     </dsp:nvGrpSpPr>
     <dsp:grpSpPr/>
-    <dsp:sp modelId="{55B263EA-DE0A-4126-9911-42A6AAFBC753}">
-      <dsp:nvSpPr>
-        <dsp:cNvPr id="0" name=""/>
-        <dsp:cNvSpPr/>
-      </dsp:nvSpPr>
-      <dsp:spPr>
-        <a:xfrm>
-          <a:off x="0" y="845215"/>
-          <a:ext cx="6408712" cy="978120"/>
-        </a:xfrm>
-        <a:prstGeom prst="roundRect">
-          <a:avLst/>
-        </a:prstGeom>
-        <a:solidFill>
-          <a:schemeClr val="accent1">
-            <a:hueOff val="0"/>
-            <a:satOff val="0"/>
-            <a:lumOff val="0"/>
-            <a:alphaOff val="0"/>
-          </a:schemeClr>
-        </a:solidFill>
-        <a:ln w="25400" cap="flat" cmpd="sng" algn="ctr">
-          <a:solidFill>
-            <a:schemeClr val="lt1">
-              <a:hueOff val="0"/>
-              <a:satOff val="0"/>
-              <a:lumOff val="0"/>
-              <a:alphaOff val="0"/>
-            </a:schemeClr>
-          </a:solidFill>
-          <a:prstDash val="solid"/>
-        </a:ln>
-        <a:effectLst/>
-      </dsp:spPr>
-      <dsp:style>
-        <a:lnRef idx="2">
-          <a:scrgbClr r="0" g="0" b="0"/>
-        </a:lnRef>
-        <a:fillRef idx="1">
-          <a:scrgbClr r="0" g="0" b="0"/>
-        </a:fillRef>
-        <a:effectRef idx="0">
-          <a:scrgbClr r="0" g="0" b="0"/>
-        </a:effectRef>
-        <a:fontRef idx="minor">
-          <a:schemeClr val="lt1"/>
-        </a:fontRef>
-      </dsp:style>
-      <dsp:txBody>
-        <a:bodyPr spcFirstLastPara="0" vert="horz" wrap="square" lIns="144780" tIns="144780" rIns="144780" bIns="144780" numCol="1" spcCol="1270" anchor="ctr" anchorCtr="0">
-          <a:noAutofit/>
-        </a:bodyPr>
-        <a:lstStyle/>
-        <a:p>
-          <a:pPr marL="0" lvl="0" indent="0" algn="l" defTabSz="1689100">
-            <a:lnSpc>
-              <a:spcPct val="90000"/>
-            </a:lnSpc>
-            <a:spcBef>
-              <a:spcPct val="0"/>
-            </a:spcBef>
-            <a:spcAft>
-              <a:spcPct val="35000"/>
-            </a:spcAft>
-            <a:buNone/>
-          </a:pPr>
-          <a:r>
-            <a:rPr lang="en-US" sz="3800" kern="1200" dirty="0"/>
-            <a:t>Subject (Service Interface)</a:t>
-          </a:r>
-        </a:p>
-      </dsp:txBody>
-      <dsp:txXfrm>
-        <a:off x="47748" y="892963"/>
-        <a:ext cx="6313216" cy="882624"/>
-      </dsp:txXfrm>
-    </dsp:sp>
-    <dsp:sp modelId="{B67F3848-F68C-45B2-B472-844B6EA551DD}">
-      <dsp:nvSpPr>
-        <dsp:cNvPr id="0" name=""/>
-        <dsp:cNvSpPr/>
-      </dsp:nvSpPr>
-      <dsp:spPr>
-        <a:xfrm>
-          <a:off x="0" y="1932775"/>
-          <a:ext cx="6408712" cy="978120"/>
-        </a:xfrm>
-        <a:prstGeom prst="roundRect">
-          <a:avLst/>
-        </a:prstGeom>
-        <a:solidFill>
-          <a:schemeClr val="accent1">
-            <a:hueOff val="0"/>
-            <a:satOff val="0"/>
-            <a:lumOff val="0"/>
-            <a:alphaOff val="0"/>
-          </a:schemeClr>
-        </a:solidFill>
-        <a:ln w="25400" cap="flat" cmpd="sng" algn="ctr">
-          <a:solidFill>
-            <a:schemeClr val="lt1">
-              <a:hueOff val="0"/>
-              <a:satOff val="0"/>
-              <a:lumOff val="0"/>
-              <a:alphaOff val="0"/>
-            </a:schemeClr>
-          </a:solidFill>
-          <a:prstDash val="solid"/>
-        </a:ln>
-        <a:effectLst/>
-      </dsp:spPr>
-      <dsp:style>
-        <a:lnRef idx="2">
-          <a:scrgbClr r="0" g="0" b="0"/>
-        </a:lnRef>
-        <a:fillRef idx="1">
-          <a:scrgbClr r="0" g="0" b="0"/>
-        </a:fillRef>
-        <a:effectRef idx="0">
-          <a:scrgbClr r="0" g="0" b="0"/>
-        </a:effectRef>
-        <a:fontRef idx="minor">
-          <a:schemeClr val="lt1"/>
-        </a:fontRef>
-      </dsp:style>
-      <dsp:txBody>
-        <a:bodyPr spcFirstLastPara="0" vert="horz" wrap="square" lIns="144780" tIns="144780" rIns="144780" bIns="144780" numCol="1" spcCol="1270" anchor="ctr" anchorCtr="0">
-          <a:noAutofit/>
-        </a:bodyPr>
-        <a:lstStyle/>
-        <a:p>
-          <a:pPr marL="0" lvl="0" indent="0" algn="l" defTabSz="1689100">
-            <a:lnSpc>
-              <a:spcPct val="90000"/>
-            </a:lnSpc>
-            <a:spcBef>
-              <a:spcPct val="0"/>
-            </a:spcBef>
-            <a:spcAft>
-              <a:spcPct val="35000"/>
-            </a:spcAft>
-            <a:buNone/>
-          </a:pPr>
-          <a:r>
-            <a:rPr lang="en-US" sz="3800" kern="1200" dirty="0"/>
-            <a:t>Real Subject (Service)</a:t>
-          </a:r>
-        </a:p>
-      </dsp:txBody>
-      <dsp:txXfrm>
-        <a:off x="47748" y="1980523"/>
-        <a:ext cx="6313216" cy="882624"/>
-      </dsp:txXfrm>
-    </dsp:sp>
-    <dsp:sp modelId="{29D5E425-DE6E-47D3-905C-0157CC358D58}">
-      <dsp:nvSpPr>
-        <dsp:cNvPr id="0" name=""/>
-        <dsp:cNvSpPr/>
-      </dsp:nvSpPr>
-      <dsp:spPr>
-        <a:xfrm>
-          <a:off x="0" y="3020335"/>
-          <a:ext cx="6408712" cy="978120"/>
-        </a:xfrm>
-        <a:prstGeom prst="roundRect">
-          <a:avLst/>
-        </a:prstGeom>
-        <a:solidFill>
-          <a:schemeClr val="accent1">
-            <a:hueOff val="0"/>
-            <a:satOff val="0"/>
-            <a:lumOff val="0"/>
-            <a:alphaOff val="0"/>
-          </a:schemeClr>
-        </a:solidFill>
-        <a:ln w="25400" cap="flat" cmpd="sng" algn="ctr">
-          <a:solidFill>
-            <a:schemeClr val="lt1">
-              <a:hueOff val="0"/>
-              <a:satOff val="0"/>
-              <a:lumOff val="0"/>
-              <a:alphaOff val="0"/>
-            </a:schemeClr>
-          </a:solidFill>
-          <a:prstDash val="solid"/>
-        </a:ln>
-        <a:effectLst/>
-      </dsp:spPr>
-      <dsp:style>
-        <a:lnRef idx="2">
-          <a:scrgbClr r="0" g="0" b="0"/>
-        </a:lnRef>
-        <a:fillRef idx="1">
-          <a:scrgbClr r="0" g="0" b="0"/>
-        </a:fillRef>
-        <a:effectRef idx="0">
-          <a:scrgbClr r="0" g="0" b="0"/>
-        </a:effectRef>
-        <a:fontRef idx="minor">
-          <a:schemeClr val="lt1"/>
-        </a:fontRef>
-      </dsp:style>
-      <dsp:txBody>
-        <a:bodyPr spcFirstLastPara="0" vert="horz" wrap="square" lIns="144780" tIns="144780" rIns="144780" bIns="144780" numCol="1" spcCol="1270" anchor="ctr" anchorCtr="0">
-          <a:noAutofit/>
-        </a:bodyPr>
-        <a:lstStyle/>
-        <a:p>
-          <a:pPr marL="0" lvl="0" indent="0" algn="l" defTabSz="1689100">
-            <a:lnSpc>
-              <a:spcPct val="90000"/>
-            </a:lnSpc>
-            <a:spcBef>
-              <a:spcPct val="0"/>
-            </a:spcBef>
-            <a:spcAft>
-              <a:spcPct val="35000"/>
-            </a:spcAft>
-            <a:buNone/>
-          </a:pPr>
-          <a:r>
-            <a:rPr lang="en-US" sz="3800" kern="1200"/>
-            <a:t>Proxy</a:t>
-          </a:r>
-        </a:p>
-      </dsp:txBody>
-      <dsp:txXfrm>
-        <a:off x="47748" y="3068083"/>
-        <a:ext cx="6313216" cy="882624"/>
-      </dsp:txXfrm>
-    </dsp:sp>
-  </dsp:spTree>
-</dsp:drawing>
-</file>
-
-<file path=ppt/diagrams/drawing5.xml><?xml version="1.0" encoding="utf-8"?>
-<dsp:drawing xmlns:dgm="http://schemas.openxmlformats.org/drawingml/2006/diagram" xmlns:dsp="http://schemas.microsoft.com/office/drawing/2008/diagram" xmlns:a="http://schemas.openxmlformats.org/drawingml/2006/main">
-  <dsp:spTree>
-    <dsp:nvGrpSpPr>
-      <dsp:cNvPr id="0" name=""/>
-      <dsp:cNvGrpSpPr/>
-    </dsp:nvGrpSpPr>
-    <dsp:grpSpPr/>
     <dsp:sp modelId="{9E8AFFC8-A631-4137-8BA9-3FD803D90F28}">
       <dsp:nvSpPr>
         <dsp:cNvPr id="0" name=""/>
@@ -7546,7 +8527,7 @@
           </a:pPr>
           <a:r>
             <a:rPr lang="en-US" sz="4400" kern="1200" dirty="0"/>
-            <a:t>logging Proxy - Logging requests</a:t>
+            <a:t>Logging Proxy - Logging requests</a:t>
           </a:r>
         </a:p>
       </dsp:txBody>
@@ -7849,6 +8830,629 @@
         </a:effectRef>
         <a:fontRef idx="minor"/>
       </dsp:style>
+    </dsp:sp>
+  </dsp:spTree>
+</dsp:drawing>
+</file>
+
+<file path=ppt/diagrams/drawing5.xml><?xml version="1.0" encoding="utf-8"?>
+<dsp:drawing xmlns:dgm="http://schemas.openxmlformats.org/drawingml/2006/diagram" xmlns:dsp="http://schemas.microsoft.com/office/drawing/2008/diagram" xmlns:a="http://schemas.openxmlformats.org/drawingml/2006/main">
+  <dsp:spTree>
+    <dsp:nvGrpSpPr>
+      <dsp:cNvPr id="0" name=""/>
+      <dsp:cNvGrpSpPr/>
+    </dsp:nvGrpSpPr>
+    <dsp:grpSpPr/>
+    <dsp:sp modelId="{55B263EA-DE0A-4126-9911-42A6AAFBC753}">
+      <dsp:nvSpPr>
+        <dsp:cNvPr id="0" name=""/>
+        <dsp:cNvSpPr/>
+      </dsp:nvSpPr>
+      <dsp:spPr>
+        <a:xfrm>
+          <a:off x="0" y="845215"/>
+          <a:ext cx="6408712" cy="978120"/>
+        </a:xfrm>
+        <a:prstGeom prst="roundRect">
+          <a:avLst/>
+        </a:prstGeom>
+        <a:solidFill>
+          <a:schemeClr val="accent1">
+            <a:hueOff val="0"/>
+            <a:satOff val="0"/>
+            <a:lumOff val="0"/>
+            <a:alphaOff val="0"/>
+          </a:schemeClr>
+        </a:solidFill>
+        <a:ln w="25400" cap="flat" cmpd="sng" algn="ctr">
+          <a:solidFill>
+            <a:schemeClr val="lt1">
+              <a:hueOff val="0"/>
+              <a:satOff val="0"/>
+              <a:lumOff val="0"/>
+              <a:alphaOff val="0"/>
+            </a:schemeClr>
+          </a:solidFill>
+          <a:prstDash val="solid"/>
+        </a:ln>
+        <a:effectLst/>
+      </dsp:spPr>
+      <dsp:style>
+        <a:lnRef idx="2">
+          <a:scrgbClr r="0" g="0" b="0"/>
+        </a:lnRef>
+        <a:fillRef idx="1">
+          <a:scrgbClr r="0" g="0" b="0"/>
+        </a:fillRef>
+        <a:effectRef idx="0">
+          <a:scrgbClr r="0" g="0" b="0"/>
+        </a:effectRef>
+        <a:fontRef idx="minor">
+          <a:schemeClr val="lt1"/>
+        </a:fontRef>
+      </dsp:style>
+      <dsp:txBody>
+        <a:bodyPr spcFirstLastPara="0" vert="horz" wrap="square" lIns="144780" tIns="144780" rIns="144780" bIns="144780" numCol="1" spcCol="1270" anchor="ctr" anchorCtr="0">
+          <a:noAutofit/>
+        </a:bodyPr>
+        <a:lstStyle/>
+        <a:p>
+          <a:pPr marL="0" lvl="0" indent="0" algn="l" defTabSz="1689100">
+            <a:lnSpc>
+              <a:spcPct val="90000"/>
+            </a:lnSpc>
+            <a:spcBef>
+              <a:spcPct val="0"/>
+            </a:spcBef>
+            <a:spcAft>
+              <a:spcPct val="35000"/>
+            </a:spcAft>
+            <a:buNone/>
+          </a:pPr>
+          <a:r>
+            <a:rPr lang="en-US" sz="3800" kern="1200" dirty="0"/>
+            <a:t>Subject (Service Interface)</a:t>
+          </a:r>
+        </a:p>
+      </dsp:txBody>
+      <dsp:txXfrm>
+        <a:off x="47748" y="892963"/>
+        <a:ext cx="6313216" cy="882624"/>
+      </dsp:txXfrm>
+    </dsp:sp>
+    <dsp:sp modelId="{B67F3848-F68C-45B2-B472-844B6EA551DD}">
+      <dsp:nvSpPr>
+        <dsp:cNvPr id="0" name=""/>
+        <dsp:cNvSpPr/>
+      </dsp:nvSpPr>
+      <dsp:spPr>
+        <a:xfrm>
+          <a:off x="0" y="1932775"/>
+          <a:ext cx="6408712" cy="978120"/>
+        </a:xfrm>
+        <a:prstGeom prst="roundRect">
+          <a:avLst/>
+        </a:prstGeom>
+        <a:solidFill>
+          <a:schemeClr val="accent1">
+            <a:hueOff val="0"/>
+            <a:satOff val="0"/>
+            <a:lumOff val="0"/>
+            <a:alphaOff val="0"/>
+          </a:schemeClr>
+        </a:solidFill>
+        <a:ln w="25400" cap="flat" cmpd="sng" algn="ctr">
+          <a:solidFill>
+            <a:schemeClr val="lt1">
+              <a:hueOff val="0"/>
+              <a:satOff val="0"/>
+              <a:lumOff val="0"/>
+              <a:alphaOff val="0"/>
+            </a:schemeClr>
+          </a:solidFill>
+          <a:prstDash val="solid"/>
+        </a:ln>
+        <a:effectLst/>
+      </dsp:spPr>
+      <dsp:style>
+        <a:lnRef idx="2">
+          <a:scrgbClr r="0" g="0" b="0"/>
+        </a:lnRef>
+        <a:fillRef idx="1">
+          <a:scrgbClr r="0" g="0" b="0"/>
+        </a:fillRef>
+        <a:effectRef idx="0">
+          <a:scrgbClr r="0" g="0" b="0"/>
+        </a:effectRef>
+        <a:fontRef idx="minor">
+          <a:schemeClr val="lt1"/>
+        </a:fontRef>
+      </dsp:style>
+      <dsp:txBody>
+        <a:bodyPr spcFirstLastPara="0" vert="horz" wrap="square" lIns="144780" tIns="144780" rIns="144780" bIns="144780" numCol="1" spcCol="1270" anchor="ctr" anchorCtr="0">
+          <a:noAutofit/>
+        </a:bodyPr>
+        <a:lstStyle/>
+        <a:p>
+          <a:pPr marL="0" lvl="0" indent="0" algn="l" defTabSz="1689100">
+            <a:lnSpc>
+              <a:spcPct val="90000"/>
+            </a:lnSpc>
+            <a:spcBef>
+              <a:spcPct val="0"/>
+            </a:spcBef>
+            <a:spcAft>
+              <a:spcPct val="35000"/>
+            </a:spcAft>
+            <a:buNone/>
+          </a:pPr>
+          <a:r>
+            <a:rPr lang="en-US" sz="3800" kern="1200" dirty="0"/>
+            <a:t>Real Subject (Service)</a:t>
+          </a:r>
+        </a:p>
+      </dsp:txBody>
+      <dsp:txXfrm>
+        <a:off x="47748" y="1980523"/>
+        <a:ext cx="6313216" cy="882624"/>
+      </dsp:txXfrm>
+    </dsp:sp>
+    <dsp:sp modelId="{29D5E425-DE6E-47D3-905C-0157CC358D58}">
+      <dsp:nvSpPr>
+        <dsp:cNvPr id="0" name=""/>
+        <dsp:cNvSpPr/>
+      </dsp:nvSpPr>
+      <dsp:spPr>
+        <a:xfrm>
+          <a:off x="0" y="3020335"/>
+          <a:ext cx="6408712" cy="978120"/>
+        </a:xfrm>
+        <a:prstGeom prst="roundRect">
+          <a:avLst/>
+        </a:prstGeom>
+        <a:solidFill>
+          <a:schemeClr val="accent1">
+            <a:hueOff val="0"/>
+            <a:satOff val="0"/>
+            <a:lumOff val="0"/>
+            <a:alphaOff val="0"/>
+          </a:schemeClr>
+        </a:solidFill>
+        <a:ln w="25400" cap="flat" cmpd="sng" algn="ctr">
+          <a:solidFill>
+            <a:schemeClr val="lt1">
+              <a:hueOff val="0"/>
+              <a:satOff val="0"/>
+              <a:lumOff val="0"/>
+              <a:alphaOff val="0"/>
+            </a:schemeClr>
+          </a:solidFill>
+          <a:prstDash val="solid"/>
+        </a:ln>
+        <a:effectLst/>
+      </dsp:spPr>
+      <dsp:style>
+        <a:lnRef idx="2">
+          <a:scrgbClr r="0" g="0" b="0"/>
+        </a:lnRef>
+        <a:fillRef idx="1">
+          <a:scrgbClr r="0" g="0" b="0"/>
+        </a:fillRef>
+        <a:effectRef idx="0">
+          <a:scrgbClr r="0" g="0" b="0"/>
+        </a:effectRef>
+        <a:fontRef idx="minor">
+          <a:schemeClr val="lt1"/>
+        </a:fontRef>
+      </dsp:style>
+      <dsp:txBody>
+        <a:bodyPr spcFirstLastPara="0" vert="horz" wrap="square" lIns="144780" tIns="144780" rIns="144780" bIns="144780" numCol="1" spcCol="1270" anchor="ctr" anchorCtr="0">
+          <a:noAutofit/>
+        </a:bodyPr>
+        <a:lstStyle/>
+        <a:p>
+          <a:pPr marL="0" lvl="0" indent="0" algn="l" defTabSz="1689100">
+            <a:lnSpc>
+              <a:spcPct val="90000"/>
+            </a:lnSpc>
+            <a:spcBef>
+              <a:spcPct val="0"/>
+            </a:spcBef>
+            <a:spcAft>
+              <a:spcPct val="35000"/>
+            </a:spcAft>
+            <a:buNone/>
+          </a:pPr>
+          <a:r>
+            <a:rPr lang="en-US" sz="3800" kern="1200"/>
+            <a:t>Proxy</a:t>
+          </a:r>
+        </a:p>
+      </dsp:txBody>
+      <dsp:txXfrm>
+        <a:off x="47748" y="3068083"/>
+        <a:ext cx="6313216" cy="882624"/>
+      </dsp:txXfrm>
+    </dsp:sp>
+  </dsp:spTree>
+</dsp:drawing>
+</file>
+
+<file path=ppt/diagrams/drawing6.xml><?xml version="1.0" encoding="utf-8"?>
+<dsp:drawing xmlns:dgm="http://schemas.openxmlformats.org/drawingml/2006/diagram" xmlns:dsp="http://schemas.microsoft.com/office/drawing/2008/diagram" xmlns:a="http://schemas.openxmlformats.org/drawingml/2006/main">
+  <dsp:spTree>
+    <dsp:nvGrpSpPr>
+      <dsp:cNvPr id="0" name=""/>
+      <dsp:cNvGrpSpPr/>
+    </dsp:nvGrpSpPr>
+    <dsp:grpSpPr/>
+    <dsp:sp modelId="{EAB94C4A-C00A-4412-85F3-E84774509165}">
+      <dsp:nvSpPr>
+        <dsp:cNvPr id="0" name=""/>
+        <dsp:cNvSpPr/>
+      </dsp:nvSpPr>
+      <dsp:spPr>
+        <a:xfrm>
+          <a:off x="0" y="670651"/>
+          <a:ext cx="6264695" cy="952380"/>
+        </a:xfrm>
+        <a:prstGeom prst="roundRect">
+          <a:avLst/>
+        </a:prstGeom>
+        <a:solidFill>
+          <a:schemeClr val="accent1">
+            <a:hueOff val="0"/>
+            <a:satOff val="0"/>
+            <a:lumOff val="0"/>
+            <a:alphaOff val="0"/>
+          </a:schemeClr>
+        </a:solidFill>
+        <a:ln w="25400" cap="flat" cmpd="sng" algn="ctr">
+          <a:solidFill>
+            <a:schemeClr val="lt1">
+              <a:hueOff val="0"/>
+              <a:satOff val="0"/>
+              <a:lumOff val="0"/>
+              <a:alphaOff val="0"/>
+            </a:schemeClr>
+          </a:solidFill>
+          <a:prstDash val="solid"/>
+        </a:ln>
+        <a:effectLst/>
+      </dsp:spPr>
+      <dsp:style>
+        <a:lnRef idx="2">
+          <a:scrgbClr r="0" g="0" b="0"/>
+        </a:lnRef>
+        <a:fillRef idx="1">
+          <a:scrgbClr r="0" g="0" b="0"/>
+        </a:fillRef>
+        <a:effectRef idx="0">
+          <a:scrgbClr r="0" g="0" b="0"/>
+        </a:effectRef>
+        <a:fontRef idx="minor">
+          <a:schemeClr val="lt1"/>
+        </a:fontRef>
+      </dsp:style>
+      <dsp:txBody>
+        <a:bodyPr spcFirstLastPara="0" vert="horz" wrap="square" lIns="140970" tIns="140970" rIns="140970" bIns="140970" numCol="1" spcCol="1270" anchor="ctr" anchorCtr="0">
+          <a:noAutofit/>
+        </a:bodyPr>
+        <a:lstStyle/>
+        <a:p>
+          <a:pPr marL="0" lvl="0" indent="0" algn="l" defTabSz="1644650">
+            <a:lnSpc>
+              <a:spcPct val="90000"/>
+            </a:lnSpc>
+            <a:spcBef>
+              <a:spcPct val="0"/>
+            </a:spcBef>
+            <a:spcAft>
+              <a:spcPct val="35000"/>
+            </a:spcAft>
+            <a:buNone/>
+          </a:pPr>
+          <a:r>
+            <a:rPr lang="en-US" sz="3700" kern="1200" dirty="0"/>
+            <a:t>Abstraction</a:t>
+          </a:r>
+        </a:p>
+      </dsp:txBody>
+      <dsp:txXfrm>
+        <a:off x="46491" y="717142"/>
+        <a:ext cx="6171713" cy="859398"/>
+      </dsp:txXfrm>
+    </dsp:sp>
+    <dsp:sp modelId="{4E21AB82-4D0A-4E55-9EB6-9299776D3780}">
+      <dsp:nvSpPr>
+        <dsp:cNvPr id="0" name=""/>
+        <dsp:cNvSpPr/>
+      </dsp:nvSpPr>
+      <dsp:spPr>
+        <a:xfrm>
+          <a:off x="0" y="1729592"/>
+          <a:ext cx="6264695" cy="952380"/>
+        </a:xfrm>
+        <a:prstGeom prst="roundRect">
+          <a:avLst/>
+        </a:prstGeom>
+        <a:solidFill>
+          <a:schemeClr val="accent1">
+            <a:hueOff val="0"/>
+            <a:satOff val="0"/>
+            <a:lumOff val="0"/>
+            <a:alphaOff val="0"/>
+          </a:schemeClr>
+        </a:solidFill>
+        <a:ln w="25400" cap="flat" cmpd="sng" algn="ctr">
+          <a:solidFill>
+            <a:schemeClr val="lt1">
+              <a:hueOff val="0"/>
+              <a:satOff val="0"/>
+              <a:lumOff val="0"/>
+              <a:alphaOff val="0"/>
+            </a:schemeClr>
+          </a:solidFill>
+          <a:prstDash val="solid"/>
+        </a:ln>
+        <a:effectLst/>
+      </dsp:spPr>
+      <dsp:style>
+        <a:lnRef idx="2">
+          <a:scrgbClr r="0" g="0" b="0"/>
+        </a:lnRef>
+        <a:fillRef idx="1">
+          <a:scrgbClr r="0" g="0" b="0"/>
+        </a:fillRef>
+        <a:effectRef idx="0">
+          <a:scrgbClr r="0" g="0" b="0"/>
+        </a:effectRef>
+        <a:fontRef idx="minor">
+          <a:schemeClr val="lt1"/>
+        </a:fontRef>
+      </dsp:style>
+      <dsp:txBody>
+        <a:bodyPr spcFirstLastPara="0" vert="horz" wrap="square" lIns="140970" tIns="140970" rIns="140970" bIns="140970" numCol="1" spcCol="1270" anchor="ctr" anchorCtr="0">
+          <a:noAutofit/>
+        </a:bodyPr>
+        <a:lstStyle/>
+        <a:p>
+          <a:pPr marL="0" lvl="0" indent="0" algn="l" defTabSz="1644650">
+            <a:lnSpc>
+              <a:spcPct val="90000"/>
+            </a:lnSpc>
+            <a:spcBef>
+              <a:spcPct val="0"/>
+            </a:spcBef>
+            <a:spcAft>
+              <a:spcPct val="35000"/>
+            </a:spcAft>
+            <a:buNone/>
+          </a:pPr>
+          <a:r>
+            <a:rPr lang="en-US" sz="3700" kern="1200" dirty="0"/>
+            <a:t>Refined Abstraction</a:t>
+          </a:r>
+        </a:p>
+      </dsp:txBody>
+      <dsp:txXfrm>
+        <a:off x="46491" y="1776083"/>
+        <a:ext cx="6171713" cy="859398"/>
+      </dsp:txXfrm>
+    </dsp:sp>
+    <dsp:sp modelId="{D79AC7BD-F34D-444C-B7FE-36EBD70CDE5F}">
+      <dsp:nvSpPr>
+        <dsp:cNvPr id="0" name=""/>
+        <dsp:cNvSpPr/>
+      </dsp:nvSpPr>
+      <dsp:spPr>
+        <a:xfrm>
+          <a:off x="0" y="2788532"/>
+          <a:ext cx="6264695" cy="952380"/>
+        </a:xfrm>
+        <a:prstGeom prst="roundRect">
+          <a:avLst/>
+        </a:prstGeom>
+        <a:solidFill>
+          <a:schemeClr val="accent1">
+            <a:hueOff val="0"/>
+            <a:satOff val="0"/>
+            <a:lumOff val="0"/>
+            <a:alphaOff val="0"/>
+          </a:schemeClr>
+        </a:solidFill>
+        <a:ln w="25400" cap="flat" cmpd="sng" algn="ctr">
+          <a:solidFill>
+            <a:schemeClr val="lt1">
+              <a:hueOff val="0"/>
+              <a:satOff val="0"/>
+              <a:lumOff val="0"/>
+              <a:alphaOff val="0"/>
+            </a:schemeClr>
+          </a:solidFill>
+          <a:prstDash val="solid"/>
+        </a:ln>
+        <a:effectLst/>
+      </dsp:spPr>
+      <dsp:style>
+        <a:lnRef idx="2">
+          <a:scrgbClr r="0" g="0" b="0"/>
+        </a:lnRef>
+        <a:fillRef idx="1">
+          <a:scrgbClr r="0" g="0" b="0"/>
+        </a:fillRef>
+        <a:effectRef idx="0">
+          <a:scrgbClr r="0" g="0" b="0"/>
+        </a:effectRef>
+        <a:fontRef idx="minor">
+          <a:schemeClr val="lt1"/>
+        </a:fontRef>
+      </dsp:style>
+      <dsp:txBody>
+        <a:bodyPr spcFirstLastPara="0" vert="horz" wrap="square" lIns="140970" tIns="140970" rIns="140970" bIns="140970" numCol="1" spcCol="1270" anchor="ctr" anchorCtr="0">
+          <a:noAutofit/>
+        </a:bodyPr>
+        <a:lstStyle/>
+        <a:p>
+          <a:pPr marL="0" lvl="0" indent="0" algn="l" defTabSz="1644650">
+            <a:lnSpc>
+              <a:spcPct val="90000"/>
+            </a:lnSpc>
+            <a:spcBef>
+              <a:spcPct val="0"/>
+            </a:spcBef>
+            <a:spcAft>
+              <a:spcPct val="35000"/>
+            </a:spcAft>
+            <a:buNone/>
+          </a:pPr>
+          <a:r>
+            <a:rPr lang="en-US" sz="3700" kern="1200" dirty="0"/>
+            <a:t>Implementation</a:t>
+          </a:r>
+        </a:p>
+      </dsp:txBody>
+      <dsp:txXfrm>
+        <a:off x="46491" y="2835023"/>
+        <a:ext cx="6171713" cy="859398"/>
+      </dsp:txXfrm>
+    </dsp:sp>
+    <dsp:sp modelId="{D03B2792-FDCE-4152-97FB-FABD6E110A22}">
+      <dsp:nvSpPr>
+        <dsp:cNvPr id="0" name=""/>
+        <dsp:cNvSpPr/>
+      </dsp:nvSpPr>
+      <dsp:spPr>
+        <a:xfrm>
+          <a:off x="0" y="3740912"/>
+          <a:ext cx="6264695" cy="612720"/>
+        </a:xfrm>
+        <a:prstGeom prst="rect">
+          <a:avLst/>
+        </a:prstGeom>
+        <a:noFill/>
+        <a:ln>
+          <a:noFill/>
+        </a:ln>
+        <a:effectLst/>
+      </dsp:spPr>
+      <dsp:style>
+        <a:lnRef idx="0">
+          <a:scrgbClr r="0" g="0" b="0"/>
+        </a:lnRef>
+        <a:fillRef idx="0">
+          <a:scrgbClr r="0" g="0" b="0"/>
+        </a:fillRef>
+        <a:effectRef idx="0">
+          <a:scrgbClr r="0" g="0" b="0"/>
+        </a:effectRef>
+        <a:fontRef idx="minor"/>
+      </dsp:style>
+      <dsp:txBody>
+        <a:bodyPr spcFirstLastPara="0" vert="horz" wrap="square" lIns="198904" tIns="46990" rIns="263144" bIns="46990" numCol="1" spcCol="1270" anchor="t" anchorCtr="0">
+          <a:noAutofit/>
+        </a:bodyPr>
+        <a:lstStyle/>
+        <a:p>
+          <a:pPr marL="285750" lvl="1" indent="-285750" algn="l" defTabSz="1289050">
+            <a:lnSpc>
+              <a:spcPct val="90000"/>
+            </a:lnSpc>
+            <a:spcBef>
+              <a:spcPct val="0"/>
+            </a:spcBef>
+            <a:spcAft>
+              <a:spcPct val="20000"/>
+            </a:spcAft>
+            <a:buChar char="•"/>
+          </a:pPr>
+          <a:r>
+            <a:rPr lang="en-US" sz="2900" kern="1200" dirty="0"/>
+            <a:t>Color</a:t>
+          </a:r>
+        </a:p>
+      </dsp:txBody>
+      <dsp:txXfrm>
+        <a:off x="0" y="3740912"/>
+        <a:ext cx="6264695" cy="612720"/>
+      </dsp:txXfrm>
+    </dsp:sp>
+    <dsp:sp modelId="{8D63BF87-A2D6-400D-9C78-7A6153009430}">
+      <dsp:nvSpPr>
+        <dsp:cNvPr id="0" name=""/>
+        <dsp:cNvSpPr/>
+      </dsp:nvSpPr>
+      <dsp:spPr>
+        <a:xfrm>
+          <a:off x="0" y="4353632"/>
+          <a:ext cx="6264695" cy="952380"/>
+        </a:xfrm>
+        <a:prstGeom prst="roundRect">
+          <a:avLst/>
+        </a:prstGeom>
+        <a:solidFill>
+          <a:schemeClr val="accent1">
+            <a:hueOff val="0"/>
+            <a:satOff val="0"/>
+            <a:lumOff val="0"/>
+            <a:alphaOff val="0"/>
+          </a:schemeClr>
+        </a:solidFill>
+        <a:ln w="25400" cap="flat" cmpd="sng" algn="ctr">
+          <a:solidFill>
+            <a:schemeClr val="lt1">
+              <a:hueOff val="0"/>
+              <a:satOff val="0"/>
+              <a:lumOff val="0"/>
+              <a:alphaOff val="0"/>
+            </a:schemeClr>
+          </a:solidFill>
+          <a:prstDash val="solid"/>
+        </a:ln>
+        <a:effectLst/>
+      </dsp:spPr>
+      <dsp:style>
+        <a:lnRef idx="2">
+          <a:scrgbClr r="0" g="0" b="0"/>
+        </a:lnRef>
+        <a:fillRef idx="1">
+          <a:scrgbClr r="0" g="0" b="0"/>
+        </a:fillRef>
+        <a:effectRef idx="0">
+          <a:scrgbClr r="0" g="0" b="0"/>
+        </a:effectRef>
+        <a:fontRef idx="minor">
+          <a:schemeClr val="lt1"/>
+        </a:fontRef>
+      </dsp:style>
+      <dsp:txBody>
+        <a:bodyPr spcFirstLastPara="0" vert="horz" wrap="square" lIns="140970" tIns="140970" rIns="140970" bIns="140970" numCol="1" spcCol="1270" anchor="ctr" anchorCtr="0">
+          <a:noAutofit/>
+        </a:bodyPr>
+        <a:lstStyle/>
+        <a:p>
+          <a:pPr marL="0" lvl="0" indent="0" algn="l" defTabSz="1644650">
+            <a:lnSpc>
+              <a:spcPct val="90000"/>
+            </a:lnSpc>
+            <a:spcBef>
+              <a:spcPct val="0"/>
+            </a:spcBef>
+            <a:spcAft>
+              <a:spcPct val="35000"/>
+            </a:spcAft>
+            <a:buNone/>
+          </a:pPr>
+          <a:r>
+            <a:rPr lang="en-US" sz="3700" kern="1200"/>
+            <a:t>Concrete Implementations</a:t>
+          </a:r>
+        </a:p>
+      </dsp:txBody>
+      <dsp:txXfrm>
+        <a:off x="46491" y="4400123"/>
+        <a:ext cx="6171713" cy="859398"/>
+      </dsp:txXfrm>
     </dsp:sp>
   </dsp:spTree>
 </dsp:drawing>
@@ -9494,173 +11098,6 @@
 </file>
 
 <file path=ppt/diagrams/layout4.xml><?xml version="1.0" encoding="utf-8"?>
-<dgm:layoutDef xmlns:dgm="http://schemas.openxmlformats.org/drawingml/2006/diagram" xmlns:a="http://schemas.openxmlformats.org/drawingml/2006/main" uniqueId="urn:microsoft.com/office/officeart/2005/8/layout/vList2">
-  <dgm:title val=""/>
-  <dgm:desc val=""/>
-  <dgm:catLst>
-    <dgm:cat type="list" pri="3000"/>
-    <dgm:cat type="convert" pri="1000"/>
-  </dgm:catLst>
-  <dgm:sampData>
-    <dgm:dataModel>
-      <dgm:ptLst>
-        <dgm:pt modelId="0" type="doc"/>
-        <dgm:pt modelId="1">
-          <dgm:prSet phldr="1"/>
-        </dgm:pt>
-        <dgm:pt modelId="11">
-          <dgm:prSet phldr="1"/>
-        </dgm:pt>
-        <dgm:pt modelId="2">
-          <dgm:prSet phldr="1"/>
-        </dgm:pt>
-        <dgm:pt modelId="21">
-          <dgm:prSet phldr="1"/>
-        </dgm:pt>
-      </dgm:ptLst>
-      <dgm:cxnLst>
-        <dgm:cxn modelId="4" srcId="0" destId="1" srcOrd="0" destOrd="0"/>
-        <dgm:cxn modelId="5" srcId="0" destId="2" srcOrd="1" destOrd="0"/>
-        <dgm:cxn modelId="12" srcId="1" destId="11" srcOrd="0" destOrd="0"/>
-        <dgm:cxn modelId="23" srcId="2" destId="21" srcOrd="0" destOrd="0"/>
-      </dgm:cxnLst>
-      <dgm:bg/>
-      <dgm:whole/>
-    </dgm:dataModel>
-  </dgm:sampData>
-  <dgm:styleData>
-    <dgm:dataModel>
-      <dgm:ptLst>
-        <dgm:pt modelId="0" type="doc"/>
-        <dgm:pt modelId="1"/>
-        <dgm:pt modelId="2"/>
-      </dgm:ptLst>
-      <dgm:cxnLst>
-        <dgm:cxn modelId="3" srcId="0" destId="1" srcOrd="0" destOrd="0"/>
-        <dgm:cxn modelId="4" srcId="0" destId="2" srcOrd="1" destOrd="0"/>
-      </dgm:cxnLst>
-      <dgm:bg/>
-      <dgm:whole/>
-    </dgm:dataModel>
-  </dgm:styleData>
-  <dgm:clrData>
-    <dgm:dataModel>
-      <dgm:ptLst>
-        <dgm:pt modelId="0" type="doc"/>
-        <dgm:pt modelId="1"/>
-        <dgm:pt modelId="2"/>
-        <dgm:pt modelId="3"/>
-        <dgm:pt modelId="4"/>
-      </dgm:ptLst>
-      <dgm:cxnLst>
-        <dgm:cxn modelId="5" srcId="0" destId="1" srcOrd="0" destOrd="0"/>
-        <dgm:cxn modelId="6" srcId="0" destId="2" srcOrd="1" destOrd="0"/>
-        <dgm:cxn modelId="7" srcId="0" destId="3" srcOrd="2" destOrd="0"/>
-        <dgm:cxn modelId="8" srcId="0" destId="4" srcOrd="3" destOrd="0"/>
-      </dgm:cxnLst>
-      <dgm:bg/>
-      <dgm:whole/>
-    </dgm:dataModel>
-  </dgm:clrData>
-  <dgm:layoutNode name="linear">
-    <dgm:varLst>
-      <dgm:animLvl val="lvl"/>
-      <dgm:resizeHandles val="exact"/>
-    </dgm:varLst>
-    <dgm:alg type="lin">
-      <dgm:param type="linDir" val="fromT"/>
-      <dgm:param type="vertAlign" val="mid"/>
-    </dgm:alg>
-    <dgm:shape xmlns:r="http://schemas.openxmlformats.org/officeDocument/2006/relationships" r:blip="">
-      <dgm:adjLst/>
-    </dgm:shape>
-    <dgm:presOf/>
-    <dgm:constrLst>
-      <dgm:constr type="w" for="ch" forName="parentText" refType="w"/>
-      <dgm:constr type="h" for="ch" forName="parentText" refType="primFontSz" refFor="ch" refForName="parentText" fact="0.52"/>
-      <dgm:constr type="w" for="ch" forName="childText" refType="w"/>
-      <dgm:constr type="h" for="ch" forName="childText" refType="primFontSz" refFor="ch" refForName="parentText" fact="0.46"/>
-      <dgm:constr type="h" for="ch" forName="parentText" op="equ"/>
-      <dgm:constr type="primFontSz" for="ch" forName="parentText" op="equ" val="65"/>
-      <dgm:constr type="primFontSz" for="ch" forName="childText" refType="primFontSz" refFor="ch" refForName="parentText" op="equ"/>
-      <dgm:constr type="h" for="ch" forName="spacer" refType="primFontSz" refFor="ch" refForName="parentText" fact="0.08"/>
-    </dgm:constrLst>
-    <dgm:ruleLst>
-      <dgm:rule type="primFontSz" for="ch" forName="parentText" val="5" fact="NaN" max="NaN"/>
-    </dgm:ruleLst>
-    <dgm:forEach name="Name0" axis="ch" ptType="node">
-      <dgm:layoutNode name="parentText" styleLbl="node1">
-        <dgm:varLst>
-          <dgm:chMax val="0"/>
-          <dgm:bulletEnabled val="1"/>
-        </dgm:varLst>
-        <dgm:alg type="tx">
-          <dgm:param type="parTxLTRAlign" val="l"/>
-          <dgm:param type="parTxRTLAlign" val="r"/>
-        </dgm:alg>
-        <dgm:shape xmlns:r="http://schemas.openxmlformats.org/officeDocument/2006/relationships" type="roundRect" r:blip="">
-          <dgm:adjLst/>
-        </dgm:shape>
-        <dgm:presOf axis="self"/>
-        <dgm:constrLst>
-          <dgm:constr type="tMarg" refType="primFontSz" fact="0.3"/>
-          <dgm:constr type="bMarg" refType="primFontSz" fact="0.3"/>
-          <dgm:constr type="lMarg" refType="primFontSz" fact="0.3"/>
-          <dgm:constr type="rMarg" refType="primFontSz" fact="0.3"/>
-        </dgm:constrLst>
-        <dgm:ruleLst>
-          <dgm:rule type="h" val="INF" fact="NaN" max="NaN"/>
-        </dgm:ruleLst>
-      </dgm:layoutNode>
-      <dgm:choose name="Name1">
-        <dgm:if name="Name2" axis="ch" ptType="node" func="cnt" op="gte" val="1">
-          <dgm:layoutNode name="childText" styleLbl="revTx">
-            <dgm:varLst>
-              <dgm:bulletEnabled val="1"/>
-            </dgm:varLst>
-            <dgm:alg type="tx">
-              <dgm:param type="stBulletLvl" val="1"/>
-              <dgm:param type="lnSpAfChP" val="20"/>
-            </dgm:alg>
-            <dgm:shape xmlns:r="http://schemas.openxmlformats.org/officeDocument/2006/relationships" type="rect" r:blip="">
-              <dgm:adjLst/>
-            </dgm:shape>
-            <dgm:presOf axis="des" ptType="node"/>
-            <dgm:constrLst>
-              <dgm:constr type="tMarg" refType="primFontSz" fact="0.1"/>
-              <dgm:constr type="bMarg" refType="primFontSz" fact="0.1"/>
-              <dgm:constr type="lMarg" refType="w" fact="0.09"/>
-            </dgm:constrLst>
-            <dgm:ruleLst>
-              <dgm:rule type="h" val="INF" fact="NaN" max="NaN"/>
-            </dgm:ruleLst>
-          </dgm:layoutNode>
-        </dgm:if>
-        <dgm:else name="Name3">
-          <dgm:choose name="Name4">
-            <dgm:if name="Name5" axis="par ch" ptType="doc node" func="cnt" op="gte" val="2">
-              <dgm:forEach name="Name6" axis="followSib" ptType="sibTrans" cnt="1">
-                <dgm:layoutNode name="spacer">
-                  <dgm:alg type="sp"/>
-                  <dgm:shape xmlns:r="http://schemas.openxmlformats.org/officeDocument/2006/relationships" r:blip="">
-                    <dgm:adjLst/>
-                  </dgm:shape>
-                  <dgm:presOf/>
-                  <dgm:constrLst/>
-                  <dgm:ruleLst/>
-                </dgm:layoutNode>
-              </dgm:forEach>
-            </dgm:if>
-            <dgm:else name="Name7"/>
-          </dgm:choose>
-        </dgm:else>
-      </dgm:choose>
-    </dgm:forEach>
-  </dgm:layoutNode>
-</dgm:layoutDef>
-</file>
-
-<file path=ppt/diagrams/layout5.xml><?xml version="1.0" encoding="utf-8"?>
 <dgm:layoutDef xmlns:dgm="http://schemas.openxmlformats.org/drawingml/2006/diagram" xmlns:a="http://schemas.openxmlformats.org/drawingml/2006/main" uniqueId="urn:microsoft.com/office/officeart/2008/layout/VerticalCurvedList">
   <dgm:title val=""/>
   <dgm:desc val=""/>
@@ -10938,6 +12375,340 @@
 </dgm:layoutDef>
 </file>
 
+<file path=ppt/diagrams/layout5.xml><?xml version="1.0" encoding="utf-8"?>
+<dgm:layoutDef xmlns:dgm="http://schemas.openxmlformats.org/drawingml/2006/diagram" xmlns:a="http://schemas.openxmlformats.org/drawingml/2006/main" uniqueId="urn:microsoft.com/office/officeart/2005/8/layout/vList2">
+  <dgm:title val=""/>
+  <dgm:desc val=""/>
+  <dgm:catLst>
+    <dgm:cat type="list" pri="3000"/>
+    <dgm:cat type="convert" pri="1000"/>
+  </dgm:catLst>
+  <dgm:sampData>
+    <dgm:dataModel>
+      <dgm:ptLst>
+        <dgm:pt modelId="0" type="doc"/>
+        <dgm:pt modelId="1">
+          <dgm:prSet phldr="1"/>
+        </dgm:pt>
+        <dgm:pt modelId="11">
+          <dgm:prSet phldr="1"/>
+        </dgm:pt>
+        <dgm:pt modelId="2">
+          <dgm:prSet phldr="1"/>
+        </dgm:pt>
+        <dgm:pt modelId="21">
+          <dgm:prSet phldr="1"/>
+        </dgm:pt>
+      </dgm:ptLst>
+      <dgm:cxnLst>
+        <dgm:cxn modelId="4" srcId="0" destId="1" srcOrd="0" destOrd="0"/>
+        <dgm:cxn modelId="5" srcId="0" destId="2" srcOrd="1" destOrd="0"/>
+        <dgm:cxn modelId="12" srcId="1" destId="11" srcOrd="0" destOrd="0"/>
+        <dgm:cxn modelId="23" srcId="2" destId="21" srcOrd="0" destOrd="0"/>
+      </dgm:cxnLst>
+      <dgm:bg/>
+      <dgm:whole/>
+    </dgm:dataModel>
+  </dgm:sampData>
+  <dgm:styleData>
+    <dgm:dataModel>
+      <dgm:ptLst>
+        <dgm:pt modelId="0" type="doc"/>
+        <dgm:pt modelId="1"/>
+        <dgm:pt modelId="2"/>
+      </dgm:ptLst>
+      <dgm:cxnLst>
+        <dgm:cxn modelId="3" srcId="0" destId="1" srcOrd="0" destOrd="0"/>
+        <dgm:cxn modelId="4" srcId="0" destId="2" srcOrd="1" destOrd="0"/>
+      </dgm:cxnLst>
+      <dgm:bg/>
+      <dgm:whole/>
+    </dgm:dataModel>
+  </dgm:styleData>
+  <dgm:clrData>
+    <dgm:dataModel>
+      <dgm:ptLst>
+        <dgm:pt modelId="0" type="doc"/>
+        <dgm:pt modelId="1"/>
+        <dgm:pt modelId="2"/>
+        <dgm:pt modelId="3"/>
+        <dgm:pt modelId="4"/>
+      </dgm:ptLst>
+      <dgm:cxnLst>
+        <dgm:cxn modelId="5" srcId="0" destId="1" srcOrd="0" destOrd="0"/>
+        <dgm:cxn modelId="6" srcId="0" destId="2" srcOrd="1" destOrd="0"/>
+        <dgm:cxn modelId="7" srcId="0" destId="3" srcOrd="2" destOrd="0"/>
+        <dgm:cxn modelId="8" srcId="0" destId="4" srcOrd="3" destOrd="0"/>
+      </dgm:cxnLst>
+      <dgm:bg/>
+      <dgm:whole/>
+    </dgm:dataModel>
+  </dgm:clrData>
+  <dgm:layoutNode name="linear">
+    <dgm:varLst>
+      <dgm:animLvl val="lvl"/>
+      <dgm:resizeHandles val="exact"/>
+    </dgm:varLst>
+    <dgm:alg type="lin">
+      <dgm:param type="linDir" val="fromT"/>
+      <dgm:param type="vertAlign" val="mid"/>
+    </dgm:alg>
+    <dgm:shape xmlns:r="http://schemas.openxmlformats.org/officeDocument/2006/relationships" r:blip="">
+      <dgm:adjLst/>
+    </dgm:shape>
+    <dgm:presOf/>
+    <dgm:constrLst>
+      <dgm:constr type="w" for="ch" forName="parentText" refType="w"/>
+      <dgm:constr type="h" for="ch" forName="parentText" refType="primFontSz" refFor="ch" refForName="parentText" fact="0.52"/>
+      <dgm:constr type="w" for="ch" forName="childText" refType="w"/>
+      <dgm:constr type="h" for="ch" forName="childText" refType="primFontSz" refFor="ch" refForName="parentText" fact="0.46"/>
+      <dgm:constr type="h" for="ch" forName="parentText" op="equ"/>
+      <dgm:constr type="primFontSz" for="ch" forName="parentText" op="equ" val="65"/>
+      <dgm:constr type="primFontSz" for="ch" forName="childText" refType="primFontSz" refFor="ch" refForName="parentText" op="equ"/>
+      <dgm:constr type="h" for="ch" forName="spacer" refType="primFontSz" refFor="ch" refForName="parentText" fact="0.08"/>
+    </dgm:constrLst>
+    <dgm:ruleLst>
+      <dgm:rule type="primFontSz" for="ch" forName="parentText" val="5" fact="NaN" max="NaN"/>
+    </dgm:ruleLst>
+    <dgm:forEach name="Name0" axis="ch" ptType="node">
+      <dgm:layoutNode name="parentText" styleLbl="node1">
+        <dgm:varLst>
+          <dgm:chMax val="0"/>
+          <dgm:bulletEnabled val="1"/>
+        </dgm:varLst>
+        <dgm:alg type="tx">
+          <dgm:param type="parTxLTRAlign" val="l"/>
+          <dgm:param type="parTxRTLAlign" val="r"/>
+        </dgm:alg>
+        <dgm:shape xmlns:r="http://schemas.openxmlformats.org/officeDocument/2006/relationships" type="roundRect" r:blip="">
+          <dgm:adjLst/>
+        </dgm:shape>
+        <dgm:presOf axis="self"/>
+        <dgm:constrLst>
+          <dgm:constr type="tMarg" refType="primFontSz" fact="0.3"/>
+          <dgm:constr type="bMarg" refType="primFontSz" fact="0.3"/>
+          <dgm:constr type="lMarg" refType="primFontSz" fact="0.3"/>
+          <dgm:constr type="rMarg" refType="primFontSz" fact="0.3"/>
+        </dgm:constrLst>
+        <dgm:ruleLst>
+          <dgm:rule type="h" val="INF" fact="NaN" max="NaN"/>
+        </dgm:ruleLst>
+      </dgm:layoutNode>
+      <dgm:choose name="Name1">
+        <dgm:if name="Name2" axis="ch" ptType="node" func="cnt" op="gte" val="1">
+          <dgm:layoutNode name="childText" styleLbl="revTx">
+            <dgm:varLst>
+              <dgm:bulletEnabled val="1"/>
+            </dgm:varLst>
+            <dgm:alg type="tx">
+              <dgm:param type="stBulletLvl" val="1"/>
+              <dgm:param type="lnSpAfChP" val="20"/>
+            </dgm:alg>
+            <dgm:shape xmlns:r="http://schemas.openxmlformats.org/officeDocument/2006/relationships" type="rect" r:blip="">
+              <dgm:adjLst/>
+            </dgm:shape>
+            <dgm:presOf axis="des" ptType="node"/>
+            <dgm:constrLst>
+              <dgm:constr type="tMarg" refType="primFontSz" fact="0.1"/>
+              <dgm:constr type="bMarg" refType="primFontSz" fact="0.1"/>
+              <dgm:constr type="lMarg" refType="w" fact="0.09"/>
+            </dgm:constrLst>
+            <dgm:ruleLst>
+              <dgm:rule type="h" val="INF" fact="NaN" max="NaN"/>
+            </dgm:ruleLst>
+          </dgm:layoutNode>
+        </dgm:if>
+        <dgm:else name="Name3">
+          <dgm:choose name="Name4">
+            <dgm:if name="Name5" axis="par ch" ptType="doc node" func="cnt" op="gte" val="2">
+              <dgm:forEach name="Name6" axis="followSib" ptType="sibTrans" cnt="1">
+                <dgm:layoutNode name="spacer">
+                  <dgm:alg type="sp"/>
+                  <dgm:shape xmlns:r="http://schemas.openxmlformats.org/officeDocument/2006/relationships" r:blip="">
+                    <dgm:adjLst/>
+                  </dgm:shape>
+                  <dgm:presOf/>
+                  <dgm:constrLst/>
+                  <dgm:ruleLst/>
+                </dgm:layoutNode>
+              </dgm:forEach>
+            </dgm:if>
+            <dgm:else name="Name7"/>
+          </dgm:choose>
+        </dgm:else>
+      </dgm:choose>
+    </dgm:forEach>
+  </dgm:layoutNode>
+</dgm:layoutDef>
+</file>
+
+<file path=ppt/diagrams/layout6.xml><?xml version="1.0" encoding="utf-8"?>
+<dgm:layoutDef xmlns:dgm="http://schemas.openxmlformats.org/drawingml/2006/diagram" xmlns:a="http://schemas.openxmlformats.org/drawingml/2006/main" uniqueId="urn:microsoft.com/office/officeart/2005/8/layout/vList2">
+  <dgm:title val=""/>
+  <dgm:desc val=""/>
+  <dgm:catLst>
+    <dgm:cat type="list" pri="3000"/>
+    <dgm:cat type="convert" pri="1000"/>
+  </dgm:catLst>
+  <dgm:sampData>
+    <dgm:dataModel>
+      <dgm:ptLst>
+        <dgm:pt modelId="0" type="doc"/>
+        <dgm:pt modelId="1">
+          <dgm:prSet phldr="1"/>
+        </dgm:pt>
+        <dgm:pt modelId="11">
+          <dgm:prSet phldr="1"/>
+        </dgm:pt>
+        <dgm:pt modelId="2">
+          <dgm:prSet phldr="1"/>
+        </dgm:pt>
+        <dgm:pt modelId="21">
+          <dgm:prSet phldr="1"/>
+        </dgm:pt>
+      </dgm:ptLst>
+      <dgm:cxnLst>
+        <dgm:cxn modelId="4" srcId="0" destId="1" srcOrd="0" destOrd="0"/>
+        <dgm:cxn modelId="5" srcId="0" destId="2" srcOrd="1" destOrd="0"/>
+        <dgm:cxn modelId="12" srcId="1" destId="11" srcOrd="0" destOrd="0"/>
+        <dgm:cxn modelId="23" srcId="2" destId="21" srcOrd="0" destOrd="0"/>
+      </dgm:cxnLst>
+      <dgm:bg/>
+      <dgm:whole/>
+    </dgm:dataModel>
+  </dgm:sampData>
+  <dgm:styleData>
+    <dgm:dataModel>
+      <dgm:ptLst>
+        <dgm:pt modelId="0" type="doc"/>
+        <dgm:pt modelId="1"/>
+        <dgm:pt modelId="2"/>
+      </dgm:ptLst>
+      <dgm:cxnLst>
+        <dgm:cxn modelId="3" srcId="0" destId="1" srcOrd="0" destOrd="0"/>
+        <dgm:cxn modelId="4" srcId="0" destId="2" srcOrd="1" destOrd="0"/>
+      </dgm:cxnLst>
+      <dgm:bg/>
+      <dgm:whole/>
+    </dgm:dataModel>
+  </dgm:styleData>
+  <dgm:clrData>
+    <dgm:dataModel>
+      <dgm:ptLst>
+        <dgm:pt modelId="0" type="doc"/>
+        <dgm:pt modelId="1"/>
+        <dgm:pt modelId="2"/>
+        <dgm:pt modelId="3"/>
+        <dgm:pt modelId="4"/>
+      </dgm:ptLst>
+      <dgm:cxnLst>
+        <dgm:cxn modelId="5" srcId="0" destId="1" srcOrd="0" destOrd="0"/>
+        <dgm:cxn modelId="6" srcId="0" destId="2" srcOrd="1" destOrd="0"/>
+        <dgm:cxn modelId="7" srcId="0" destId="3" srcOrd="2" destOrd="0"/>
+        <dgm:cxn modelId="8" srcId="0" destId="4" srcOrd="3" destOrd="0"/>
+      </dgm:cxnLst>
+      <dgm:bg/>
+      <dgm:whole/>
+    </dgm:dataModel>
+  </dgm:clrData>
+  <dgm:layoutNode name="linear">
+    <dgm:varLst>
+      <dgm:animLvl val="lvl"/>
+      <dgm:resizeHandles val="exact"/>
+    </dgm:varLst>
+    <dgm:alg type="lin">
+      <dgm:param type="linDir" val="fromT"/>
+      <dgm:param type="vertAlign" val="mid"/>
+    </dgm:alg>
+    <dgm:shape xmlns:r="http://schemas.openxmlformats.org/officeDocument/2006/relationships" r:blip="">
+      <dgm:adjLst/>
+    </dgm:shape>
+    <dgm:presOf/>
+    <dgm:constrLst>
+      <dgm:constr type="w" for="ch" forName="parentText" refType="w"/>
+      <dgm:constr type="h" for="ch" forName="parentText" refType="primFontSz" refFor="ch" refForName="parentText" fact="0.52"/>
+      <dgm:constr type="w" for="ch" forName="childText" refType="w"/>
+      <dgm:constr type="h" for="ch" forName="childText" refType="primFontSz" refFor="ch" refForName="parentText" fact="0.46"/>
+      <dgm:constr type="h" for="ch" forName="parentText" op="equ"/>
+      <dgm:constr type="primFontSz" for="ch" forName="parentText" op="equ" val="65"/>
+      <dgm:constr type="primFontSz" for="ch" forName="childText" refType="primFontSz" refFor="ch" refForName="parentText" op="equ"/>
+      <dgm:constr type="h" for="ch" forName="spacer" refType="primFontSz" refFor="ch" refForName="parentText" fact="0.08"/>
+    </dgm:constrLst>
+    <dgm:ruleLst>
+      <dgm:rule type="primFontSz" for="ch" forName="parentText" val="5" fact="NaN" max="NaN"/>
+    </dgm:ruleLst>
+    <dgm:forEach name="Name0" axis="ch" ptType="node">
+      <dgm:layoutNode name="parentText" styleLbl="node1">
+        <dgm:varLst>
+          <dgm:chMax val="0"/>
+          <dgm:bulletEnabled val="1"/>
+        </dgm:varLst>
+        <dgm:alg type="tx">
+          <dgm:param type="parTxLTRAlign" val="l"/>
+          <dgm:param type="parTxRTLAlign" val="r"/>
+        </dgm:alg>
+        <dgm:shape xmlns:r="http://schemas.openxmlformats.org/officeDocument/2006/relationships" type="roundRect" r:blip="">
+          <dgm:adjLst/>
+        </dgm:shape>
+        <dgm:presOf axis="self"/>
+        <dgm:constrLst>
+          <dgm:constr type="tMarg" refType="primFontSz" fact="0.3"/>
+          <dgm:constr type="bMarg" refType="primFontSz" fact="0.3"/>
+          <dgm:constr type="lMarg" refType="primFontSz" fact="0.3"/>
+          <dgm:constr type="rMarg" refType="primFontSz" fact="0.3"/>
+        </dgm:constrLst>
+        <dgm:ruleLst>
+          <dgm:rule type="h" val="INF" fact="NaN" max="NaN"/>
+        </dgm:ruleLst>
+      </dgm:layoutNode>
+      <dgm:choose name="Name1">
+        <dgm:if name="Name2" axis="ch" ptType="node" func="cnt" op="gte" val="1">
+          <dgm:layoutNode name="childText" styleLbl="revTx">
+            <dgm:varLst>
+              <dgm:bulletEnabled val="1"/>
+            </dgm:varLst>
+            <dgm:alg type="tx">
+              <dgm:param type="stBulletLvl" val="1"/>
+              <dgm:param type="lnSpAfChP" val="20"/>
+            </dgm:alg>
+            <dgm:shape xmlns:r="http://schemas.openxmlformats.org/officeDocument/2006/relationships" type="rect" r:blip="">
+              <dgm:adjLst/>
+            </dgm:shape>
+            <dgm:presOf axis="des" ptType="node"/>
+            <dgm:constrLst>
+              <dgm:constr type="tMarg" refType="primFontSz" fact="0.1"/>
+              <dgm:constr type="bMarg" refType="primFontSz" fact="0.1"/>
+              <dgm:constr type="lMarg" refType="w" fact="0.09"/>
+            </dgm:constrLst>
+            <dgm:ruleLst>
+              <dgm:rule type="h" val="INF" fact="NaN" max="NaN"/>
+            </dgm:ruleLst>
+          </dgm:layoutNode>
+        </dgm:if>
+        <dgm:else name="Name3">
+          <dgm:choose name="Name4">
+            <dgm:if name="Name5" axis="par ch" ptType="doc node" func="cnt" op="gte" val="2">
+              <dgm:forEach name="Name6" axis="followSib" ptType="sibTrans" cnt="1">
+                <dgm:layoutNode name="spacer">
+                  <dgm:alg type="sp"/>
+                  <dgm:shape xmlns:r="http://schemas.openxmlformats.org/officeDocument/2006/relationships" r:blip="">
+                    <dgm:adjLst/>
+                  </dgm:shape>
+                  <dgm:presOf/>
+                  <dgm:constrLst/>
+                  <dgm:ruleLst/>
+                </dgm:layoutNode>
+              </dgm:forEach>
+            </dgm:if>
+            <dgm:else name="Name7"/>
+          </dgm:choose>
+        </dgm:else>
+      </dgm:choose>
+    </dgm:forEach>
+  </dgm:layoutNode>
+</dgm:layoutDef>
+</file>
+
 <file path=ppt/diagrams/quickStyle1.xml><?xml version="1.0" encoding="utf-8"?>
 <dgm:styleDef xmlns:dgm="http://schemas.openxmlformats.org/drawingml/2006/diagram" xmlns:a="http://schemas.openxmlformats.org/drawingml/2006/main" uniqueId="urn:microsoft.com/office/officeart/2005/8/quickstyle/simple1">
   <dgm:title val=""/>
@@ -15075,6 +16846,1040 @@
 </file>
 
 <file path=ppt/diagrams/quickStyle5.xml><?xml version="1.0" encoding="utf-8"?>
+<dgm:styleDef xmlns:dgm="http://schemas.openxmlformats.org/drawingml/2006/diagram" xmlns:a="http://schemas.openxmlformats.org/drawingml/2006/main" uniqueId="urn:microsoft.com/office/officeart/2005/8/quickstyle/simple1">
+  <dgm:title val=""/>
+  <dgm:desc val=""/>
+  <dgm:catLst>
+    <dgm:cat type="simple" pri="10100"/>
+  </dgm:catLst>
+  <dgm:scene3d>
+    <a:camera prst="orthographicFront"/>
+    <a:lightRig rig="threePt" dir="t"/>
+  </dgm:scene3d>
+  <dgm:styleLbl name="node0">
+    <dgm:scene3d>
+      <a:camera prst="orthographicFront"/>
+      <a:lightRig rig="threePt" dir="t"/>
+    </dgm:scene3d>
+    <dgm:sp3d/>
+    <dgm:txPr/>
+    <dgm:style>
+      <a:lnRef idx="2">
+        <a:scrgbClr r="0" g="0" b="0"/>
+      </a:lnRef>
+      <a:fillRef idx="1">
+        <a:scrgbClr r="0" g="0" b="0"/>
+      </a:fillRef>
+      <a:effectRef idx="0">
+        <a:scrgbClr r="0" g="0" b="0"/>
+      </a:effectRef>
+      <a:fontRef idx="minor">
+        <a:schemeClr val="lt1"/>
+      </a:fontRef>
+    </dgm:style>
+  </dgm:styleLbl>
+  <dgm:styleLbl name="lnNode1">
+    <dgm:scene3d>
+      <a:camera prst="orthographicFront"/>
+      <a:lightRig rig="threePt" dir="t"/>
+    </dgm:scene3d>
+    <dgm:sp3d/>
+    <dgm:txPr/>
+    <dgm:style>
+      <a:lnRef idx="2">
+        <a:scrgbClr r="0" g="0" b="0"/>
+      </a:lnRef>
+      <a:fillRef idx="1">
+        <a:scrgbClr r="0" g="0" b="0"/>
+      </a:fillRef>
+      <a:effectRef idx="0">
+        <a:scrgbClr r="0" g="0" b="0"/>
+      </a:effectRef>
+      <a:fontRef idx="minor">
+        <a:schemeClr val="lt1"/>
+      </a:fontRef>
+    </dgm:style>
+  </dgm:styleLbl>
+  <dgm:styleLbl name="vennNode1">
+    <dgm:scene3d>
+      <a:camera prst="orthographicFront"/>
+      <a:lightRig rig="threePt" dir="t"/>
+    </dgm:scene3d>
+    <dgm:sp3d/>
+    <dgm:txPr/>
+    <dgm:style>
+      <a:lnRef idx="2">
+        <a:scrgbClr r="0" g="0" b="0"/>
+      </a:lnRef>
+      <a:fillRef idx="1">
+        <a:scrgbClr r="0" g="0" b="0"/>
+      </a:fillRef>
+      <a:effectRef idx="0">
+        <a:scrgbClr r="0" g="0" b="0"/>
+      </a:effectRef>
+      <a:fontRef idx="minor">
+        <a:schemeClr val="tx1"/>
+      </a:fontRef>
+    </dgm:style>
+  </dgm:styleLbl>
+  <dgm:styleLbl name="alignNode1">
+    <dgm:scene3d>
+      <a:camera prst="orthographicFront"/>
+      <a:lightRig rig="threePt" dir="t"/>
+    </dgm:scene3d>
+    <dgm:sp3d/>
+    <dgm:txPr/>
+    <dgm:style>
+      <a:lnRef idx="2">
+        <a:scrgbClr r="0" g="0" b="0"/>
+      </a:lnRef>
+      <a:fillRef idx="1">
+        <a:scrgbClr r="0" g="0" b="0"/>
+      </a:fillRef>
+      <a:effectRef idx="0">
+        <a:scrgbClr r="0" g="0" b="0"/>
+      </a:effectRef>
+      <a:fontRef idx="minor">
+        <a:schemeClr val="lt1"/>
+      </a:fontRef>
+    </dgm:style>
+  </dgm:styleLbl>
+  <dgm:styleLbl name="node1">
+    <dgm:scene3d>
+      <a:camera prst="orthographicFront"/>
+      <a:lightRig rig="threePt" dir="t"/>
+    </dgm:scene3d>
+    <dgm:sp3d/>
+    <dgm:txPr/>
+    <dgm:style>
+      <a:lnRef idx="2">
+        <a:scrgbClr r="0" g="0" b="0"/>
+      </a:lnRef>
+      <a:fillRef idx="1">
+        <a:scrgbClr r="0" g="0" b="0"/>
+      </a:fillRef>
+      <a:effectRef idx="0">
+        <a:scrgbClr r="0" g="0" b="0"/>
+      </a:effectRef>
+      <a:fontRef idx="minor">
+        <a:schemeClr val="lt1"/>
+      </a:fontRef>
+    </dgm:style>
+  </dgm:styleLbl>
+  <dgm:styleLbl name="node2">
+    <dgm:scene3d>
+      <a:camera prst="orthographicFront"/>
+      <a:lightRig rig="threePt" dir="t"/>
+    </dgm:scene3d>
+    <dgm:sp3d/>
+    <dgm:txPr/>
+    <dgm:style>
+      <a:lnRef idx="2">
+        <a:scrgbClr r="0" g="0" b="0"/>
+      </a:lnRef>
+      <a:fillRef idx="1">
+        <a:scrgbClr r="0" g="0" b="0"/>
+      </a:fillRef>
+      <a:effectRef idx="0">
+        <a:scrgbClr r="0" g="0" b="0"/>
+      </a:effectRef>
+      <a:fontRef idx="minor">
+        <a:schemeClr val="lt1"/>
+      </a:fontRef>
+    </dgm:style>
+  </dgm:styleLbl>
+  <dgm:styleLbl name="node3">
+    <dgm:scene3d>
+      <a:camera prst="orthographicFront"/>
+      <a:lightRig rig="threePt" dir="t"/>
+    </dgm:scene3d>
+    <dgm:sp3d/>
+    <dgm:txPr/>
+    <dgm:style>
+      <a:lnRef idx="2">
+        <a:scrgbClr r="0" g="0" b="0"/>
+      </a:lnRef>
+      <a:fillRef idx="1">
+        <a:scrgbClr r="0" g="0" b="0"/>
+      </a:fillRef>
+      <a:effectRef idx="0">
+        <a:scrgbClr r="0" g="0" b="0"/>
+      </a:effectRef>
+      <a:fontRef idx="minor">
+        <a:schemeClr val="lt1"/>
+      </a:fontRef>
+    </dgm:style>
+  </dgm:styleLbl>
+  <dgm:styleLbl name="node4">
+    <dgm:scene3d>
+      <a:camera prst="orthographicFront"/>
+      <a:lightRig rig="threePt" dir="t"/>
+    </dgm:scene3d>
+    <dgm:sp3d/>
+    <dgm:txPr/>
+    <dgm:style>
+      <a:lnRef idx="2">
+        <a:scrgbClr r="0" g="0" b="0"/>
+      </a:lnRef>
+      <a:fillRef idx="1">
+        <a:scrgbClr r="0" g="0" b="0"/>
+      </a:fillRef>
+      <a:effectRef idx="0">
+        <a:scrgbClr r="0" g="0" b="0"/>
+      </a:effectRef>
+      <a:fontRef idx="minor">
+        <a:schemeClr val="lt1"/>
+      </a:fontRef>
+    </dgm:style>
+  </dgm:styleLbl>
+  <dgm:styleLbl name="fgImgPlace1">
+    <dgm:scene3d>
+      <a:camera prst="orthographicFront"/>
+      <a:lightRig rig="threePt" dir="t"/>
+    </dgm:scene3d>
+    <dgm:sp3d/>
+    <dgm:txPr/>
+    <dgm:style>
+      <a:lnRef idx="2">
+        <a:scrgbClr r="0" g="0" b="0"/>
+      </a:lnRef>
+      <a:fillRef idx="1">
+        <a:scrgbClr r="0" g="0" b="0"/>
+      </a:fillRef>
+      <a:effectRef idx="0">
+        <a:scrgbClr r="0" g="0" b="0"/>
+      </a:effectRef>
+      <a:fontRef idx="minor"/>
+    </dgm:style>
+  </dgm:styleLbl>
+  <dgm:styleLbl name="alignImgPlace1">
+    <dgm:scene3d>
+      <a:camera prst="orthographicFront"/>
+      <a:lightRig rig="threePt" dir="t"/>
+    </dgm:scene3d>
+    <dgm:sp3d/>
+    <dgm:txPr/>
+    <dgm:style>
+      <a:lnRef idx="2">
+        <a:scrgbClr r="0" g="0" b="0"/>
+      </a:lnRef>
+      <a:fillRef idx="1">
+        <a:scrgbClr r="0" g="0" b="0"/>
+      </a:fillRef>
+      <a:effectRef idx="0">
+        <a:scrgbClr r="0" g="0" b="0"/>
+      </a:effectRef>
+      <a:fontRef idx="minor"/>
+    </dgm:style>
+  </dgm:styleLbl>
+  <dgm:styleLbl name="bgImgPlace1">
+    <dgm:scene3d>
+      <a:camera prst="orthographicFront"/>
+      <a:lightRig rig="threePt" dir="t"/>
+    </dgm:scene3d>
+    <dgm:sp3d/>
+    <dgm:txPr/>
+    <dgm:style>
+      <a:lnRef idx="2">
+        <a:scrgbClr r="0" g="0" b="0"/>
+      </a:lnRef>
+      <a:fillRef idx="1">
+        <a:scrgbClr r="0" g="0" b="0"/>
+      </a:fillRef>
+      <a:effectRef idx="0">
+        <a:scrgbClr r="0" g="0" b="0"/>
+      </a:effectRef>
+      <a:fontRef idx="minor"/>
+    </dgm:style>
+  </dgm:styleLbl>
+  <dgm:styleLbl name="sibTrans2D1">
+    <dgm:scene3d>
+      <a:camera prst="orthographicFront"/>
+      <a:lightRig rig="threePt" dir="t"/>
+    </dgm:scene3d>
+    <dgm:sp3d/>
+    <dgm:txPr/>
+    <dgm:style>
+      <a:lnRef idx="0">
+        <a:scrgbClr r="0" g="0" b="0"/>
+      </a:lnRef>
+      <a:fillRef idx="1">
+        <a:scrgbClr r="0" g="0" b="0"/>
+      </a:fillRef>
+      <a:effectRef idx="0">
+        <a:scrgbClr r="0" g="0" b="0"/>
+      </a:effectRef>
+      <a:fontRef idx="minor">
+        <a:schemeClr val="lt1"/>
+      </a:fontRef>
+    </dgm:style>
+  </dgm:styleLbl>
+  <dgm:styleLbl name="fgSibTrans2D1">
+    <dgm:scene3d>
+      <a:camera prst="orthographicFront"/>
+      <a:lightRig rig="threePt" dir="t"/>
+    </dgm:scene3d>
+    <dgm:sp3d/>
+    <dgm:txPr/>
+    <dgm:style>
+      <a:lnRef idx="0">
+        <a:scrgbClr r="0" g="0" b="0"/>
+      </a:lnRef>
+      <a:fillRef idx="1">
+        <a:scrgbClr r="0" g="0" b="0"/>
+      </a:fillRef>
+      <a:effectRef idx="0">
+        <a:scrgbClr r="0" g="0" b="0"/>
+      </a:effectRef>
+      <a:fontRef idx="minor">
+        <a:schemeClr val="lt1"/>
+      </a:fontRef>
+    </dgm:style>
+  </dgm:styleLbl>
+  <dgm:styleLbl name="bgSibTrans2D1">
+    <dgm:scene3d>
+      <a:camera prst="orthographicFront"/>
+      <a:lightRig rig="threePt" dir="t"/>
+    </dgm:scene3d>
+    <dgm:sp3d/>
+    <dgm:txPr/>
+    <dgm:style>
+      <a:lnRef idx="0">
+        <a:scrgbClr r="0" g="0" b="0"/>
+      </a:lnRef>
+      <a:fillRef idx="1">
+        <a:scrgbClr r="0" g="0" b="0"/>
+      </a:fillRef>
+      <a:effectRef idx="0">
+        <a:scrgbClr r="0" g="0" b="0"/>
+      </a:effectRef>
+      <a:fontRef idx="minor">
+        <a:schemeClr val="lt1"/>
+      </a:fontRef>
+    </dgm:style>
+  </dgm:styleLbl>
+  <dgm:styleLbl name="sibTrans1D1">
+    <dgm:scene3d>
+      <a:camera prst="orthographicFront"/>
+      <a:lightRig rig="threePt" dir="t"/>
+    </dgm:scene3d>
+    <dgm:sp3d/>
+    <dgm:txPr/>
+    <dgm:style>
+      <a:lnRef idx="1">
+        <a:scrgbClr r="0" g="0" b="0"/>
+      </a:lnRef>
+      <a:fillRef idx="0">
+        <a:scrgbClr r="0" g="0" b="0"/>
+      </a:fillRef>
+      <a:effectRef idx="0">
+        <a:scrgbClr r="0" g="0" b="0"/>
+      </a:effectRef>
+      <a:fontRef idx="minor"/>
+    </dgm:style>
+  </dgm:styleLbl>
+  <dgm:styleLbl name="callout">
+    <dgm:scene3d>
+      <a:camera prst="orthographicFront"/>
+      <a:lightRig rig="threePt" dir="t"/>
+    </dgm:scene3d>
+    <dgm:sp3d/>
+    <dgm:txPr/>
+    <dgm:style>
+      <a:lnRef idx="2">
+        <a:scrgbClr r="0" g="0" b="0"/>
+      </a:lnRef>
+      <a:fillRef idx="1">
+        <a:scrgbClr r="0" g="0" b="0"/>
+      </a:fillRef>
+      <a:effectRef idx="0">
+        <a:scrgbClr r="0" g="0" b="0"/>
+      </a:effectRef>
+      <a:fontRef idx="minor"/>
+    </dgm:style>
+  </dgm:styleLbl>
+  <dgm:styleLbl name="asst0">
+    <dgm:scene3d>
+      <a:camera prst="orthographicFront"/>
+      <a:lightRig rig="threePt" dir="t"/>
+    </dgm:scene3d>
+    <dgm:sp3d/>
+    <dgm:txPr/>
+    <dgm:style>
+      <a:lnRef idx="2">
+        <a:scrgbClr r="0" g="0" b="0"/>
+      </a:lnRef>
+      <a:fillRef idx="1">
+        <a:scrgbClr r="0" g="0" b="0"/>
+      </a:fillRef>
+      <a:effectRef idx="0">
+        <a:scrgbClr r="0" g="0" b="0"/>
+      </a:effectRef>
+      <a:fontRef idx="minor">
+        <a:schemeClr val="lt1"/>
+      </a:fontRef>
+    </dgm:style>
+  </dgm:styleLbl>
+  <dgm:styleLbl name="asst1">
+    <dgm:scene3d>
+      <a:camera prst="orthographicFront"/>
+      <a:lightRig rig="threePt" dir="t"/>
+    </dgm:scene3d>
+    <dgm:sp3d/>
+    <dgm:txPr/>
+    <dgm:style>
+      <a:lnRef idx="2">
+        <a:scrgbClr r="0" g="0" b="0"/>
+      </a:lnRef>
+      <a:fillRef idx="1">
+        <a:scrgbClr r="0" g="0" b="0"/>
+      </a:fillRef>
+      <a:effectRef idx="0">
+        <a:scrgbClr r="0" g="0" b="0"/>
+      </a:effectRef>
+      <a:fontRef idx="minor">
+        <a:schemeClr val="lt1"/>
+      </a:fontRef>
+    </dgm:style>
+  </dgm:styleLbl>
+  <dgm:styleLbl name="asst2">
+    <dgm:scene3d>
+      <a:camera prst="orthographicFront"/>
+      <a:lightRig rig="threePt" dir="t"/>
+    </dgm:scene3d>
+    <dgm:sp3d/>
+    <dgm:txPr/>
+    <dgm:style>
+      <a:lnRef idx="2">
+        <a:scrgbClr r="0" g="0" b="0"/>
+      </a:lnRef>
+      <a:fillRef idx="1">
+        <a:scrgbClr r="0" g="0" b="0"/>
+      </a:fillRef>
+      <a:effectRef idx="0">
+        <a:scrgbClr r="0" g="0" b="0"/>
+      </a:effectRef>
+      <a:fontRef idx="minor">
+        <a:schemeClr val="lt1"/>
+      </a:fontRef>
+    </dgm:style>
+  </dgm:styleLbl>
+  <dgm:styleLbl name="asst3">
+    <dgm:scene3d>
+      <a:camera prst="orthographicFront"/>
+      <a:lightRig rig="threePt" dir="t"/>
+    </dgm:scene3d>
+    <dgm:sp3d/>
+    <dgm:txPr/>
+    <dgm:style>
+      <a:lnRef idx="2">
+        <a:scrgbClr r="0" g="0" b="0"/>
+      </a:lnRef>
+      <a:fillRef idx="1">
+        <a:scrgbClr r="0" g="0" b="0"/>
+      </a:fillRef>
+      <a:effectRef idx="0">
+        <a:scrgbClr r="0" g="0" b="0"/>
+      </a:effectRef>
+      <a:fontRef idx="minor">
+        <a:schemeClr val="lt1"/>
+      </a:fontRef>
+    </dgm:style>
+  </dgm:styleLbl>
+  <dgm:styleLbl name="asst4">
+    <dgm:scene3d>
+      <a:camera prst="orthographicFront"/>
+      <a:lightRig rig="threePt" dir="t"/>
+    </dgm:scene3d>
+    <dgm:sp3d/>
+    <dgm:txPr/>
+    <dgm:style>
+      <a:lnRef idx="2">
+        <a:scrgbClr r="0" g="0" b="0"/>
+      </a:lnRef>
+      <a:fillRef idx="1">
+        <a:scrgbClr r="0" g="0" b="0"/>
+      </a:fillRef>
+      <a:effectRef idx="0">
+        <a:scrgbClr r="0" g="0" b="0"/>
+      </a:effectRef>
+      <a:fontRef idx="minor">
+        <a:schemeClr val="lt1"/>
+      </a:fontRef>
+    </dgm:style>
+  </dgm:styleLbl>
+  <dgm:styleLbl name="parChTrans2D1">
+    <dgm:scene3d>
+      <a:camera prst="orthographicFront"/>
+      <a:lightRig rig="threePt" dir="t"/>
+    </dgm:scene3d>
+    <dgm:sp3d/>
+    <dgm:txPr/>
+    <dgm:style>
+      <a:lnRef idx="2">
+        <a:scrgbClr r="0" g="0" b="0"/>
+      </a:lnRef>
+      <a:fillRef idx="1">
+        <a:scrgbClr r="0" g="0" b="0"/>
+      </a:fillRef>
+      <a:effectRef idx="0">
+        <a:scrgbClr r="0" g="0" b="0"/>
+      </a:effectRef>
+      <a:fontRef idx="minor">
+        <a:schemeClr val="lt1"/>
+      </a:fontRef>
+    </dgm:style>
+  </dgm:styleLbl>
+  <dgm:styleLbl name="parChTrans2D2">
+    <dgm:scene3d>
+      <a:camera prst="orthographicFront"/>
+      <a:lightRig rig="threePt" dir="t"/>
+    </dgm:scene3d>
+    <dgm:sp3d/>
+    <dgm:txPr/>
+    <dgm:style>
+      <a:lnRef idx="2">
+        <a:scrgbClr r="0" g="0" b="0"/>
+      </a:lnRef>
+      <a:fillRef idx="1">
+        <a:scrgbClr r="0" g="0" b="0"/>
+      </a:fillRef>
+      <a:effectRef idx="0">
+        <a:scrgbClr r="0" g="0" b="0"/>
+      </a:effectRef>
+      <a:fontRef idx="minor">
+        <a:schemeClr val="lt1"/>
+      </a:fontRef>
+    </dgm:style>
+  </dgm:styleLbl>
+  <dgm:styleLbl name="parChTrans2D3">
+    <dgm:scene3d>
+      <a:camera prst="orthographicFront"/>
+      <a:lightRig rig="threePt" dir="t"/>
+    </dgm:scene3d>
+    <dgm:sp3d/>
+    <dgm:txPr/>
+    <dgm:style>
+      <a:lnRef idx="2">
+        <a:scrgbClr r="0" g="0" b="0"/>
+      </a:lnRef>
+      <a:fillRef idx="1">
+        <a:scrgbClr r="0" g="0" b="0"/>
+      </a:fillRef>
+      <a:effectRef idx="0">
+        <a:scrgbClr r="0" g="0" b="0"/>
+      </a:effectRef>
+      <a:fontRef idx="minor">
+        <a:schemeClr val="lt1"/>
+      </a:fontRef>
+    </dgm:style>
+  </dgm:styleLbl>
+  <dgm:styleLbl name="parChTrans2D4">
+    <dgm:scene3d>
+      <a:camera prst="orthographicFront"/>
+      <a:lightRig rig="threePt" dir="t"/>
+    </dgm:scene3d>
+    <dgm:sp3d/>
+    <dgm:txPr/>
+    <dgm:style>
+      <a:lnRef idx="2">
+        <a:scrgbClr r="0" g="0" b="0"/>
+      </a:lnRef>
+      <a:fillRef idx="1">
+        <a:scrgbClr r="0" g="0" b="0"/>
+      </a:fillRef>
+      <a:effectRef idx="0">
+        <a:scrgbClr r="0" g="0" b="0"/>
+      </a:effectRef>
+      <a:fontRef idx="minor">
+        <a:schemeClr val="lt1"/>
+      </a:fontRef>
+    </dgm:style>
+  </dgm:styleLbl>
+  <dgm:styleLbl name="parChTrans1D1">
+    <dgm:scene3d>
+      <a:camera prst="orthographicFront"/>
+      <a:lightRig rig="threePt" dir="t"/>
+    </dgm:scene3d>
+    <dgm:sp3d/>
+    <dgm:txPr/>
+    <dgm:style>
+      <a:lnRef idx="2">
+        <a:scrgbClr r="0" g="0" b="0"/>
+      </a:lnRef>
+      <a:fillRef idx="0">
+        <a:scrgbClr r="0" g="0" b="0"/>
+      </a:fillRef>
+      <a:effectRef idx="0">
+        <a:scrgbClr r="0" g="0" b="0"/>
+      </a:effectRef>
+      <a:fontRef idx="minor"/>
+    </dgm:style>
+  </dgm:styleLbl>
+  <dgm:styleLbl name="parChTrans1D2">
+    <dgm:scene3d>
+      <a:camera prst="orthographicFront"/>
+      <a:lightRig rig="threePt" dir="t"/>
+    </dgm:scene3d>
+    <dgm:sp3d/>
+    <dgm:txPr/>
+    <dgm:style>
+      <a:lnRef idx="2">
+        <a:scrgbClr r="0" g="0" b="0"/>
+      </a:lnRef>
+      <a:fillRef idx="0">
+        <a:scrgbClr r="0" g="0" b="0"/>
+      </a:fillRef>
+      <a:effectRef idx="0">
+        <a:scrgbClr r="0" g="0" b="0"/>
+      </a:effectRef>
+      <a:fontRef idx="minor"/>
+    </dgm:style>
+  </dgm:styleLbl>
+  <dgm:styleLbl name="parChTrans1D3">
+    <dgm:scene3d>
+      <a:camera prst="orthographicFront"/>
+      <a:lightRig rig="threePt" dir="t"/>
+    </dgm:scene3d>
+    <dgm:sp3d/>
+    <dgm:txPr/>
+    <dgm:style>
+      <a:lnRef idx="2">
+        <a:scrgbClr r="0" g="0" b="0"/>
+      </a:lnRef>
+      <a:fillRef idx="0">
+        <a:scrgbClr r="0" g="0" b="0"/>
+      </a:fillRef>
+      <a:effectRef idx="0">
+        <a:scrgbClr r="0" g="0" b="0"/>
+      </a:effectRef>
+      <a:fontRef idx="minor"/>
+    </dgm:style>
+  </dgm:styleLbl>
+  <dgm:styleLbl name="parChTrans1D4">
+    <dgm:scene3d>
+      <a:camera prst="orthographicFront"/>
+      <a:lightRig rig="threePt" dir="t"/>
+    </dgm:scene3d>
+    <dgm:sp3d/>
+    <dgm:txPr/>
+    <dgm:style>
+      <a:lnRef idx="2">
+        <a:scrgbClr r="0" g="0" b="0"/>
+      </a:lnRef>
+      <a:fillRef idx="0">
+        <a:scrgbClr r="0" g="0" b="0"/>
+      </a:fillRef>
+      <a:effectRef idx="0">
+        <a:scrgbClr r="0" g="0" b="0"/>
+      </a:effectRef>
+      <a:fontRef idx="minor"/>
+    </dgm:style>
+  </dgm:styleLbl>
+  <dgm:styleLbl name="fgAcc1">
+    <dgm:scene3d>
+      <a:camera prst="orthographicFront"/>
+      <a:lightRig rig="threePt" dir="t"/>
+    </dgm:scene3d>
+    <dgm:sp3d/>
+    <dgm:txPr/>
+    <dgm:style>
+      <a:lnRef idx="2">
+        <a:scrgbClr r="0" g="0" b="0"/>
+      </a:lnRef>
+      <a:fillRef idx="1">
+        <a:scrgbClr r="0" g="0" b="0"/>
+      </a:fillRef>
+      <a:effectRef idx="0">
+        <a:scrgbClr r="0" g="0" b="0"/>
+      </a:effectRef>
+      <a:fontRef idx="minor"/>
+    </dgm:style>
+  </dgm:styleLbl>
+  <dgm:styleLbl name="conFgAcc1">
+    <dgm:scene3d>
+      <a:camera prst="orthographicFront"/>
+      <a:lightRig rig="threePt" dir="t"/>
+    </dgm:scene3d>
+    <dgm:sp3d/>
+    <dgm:txPr/>
+    <dgm:style>
+      <a:lnRef idx="2">
+        <a:scrgbClr r="0" g="0" b="0"/>
+      </a:lnRef>
+      <a:fillRef idx="1">
+        <a:scrgbClr r="0" g="0" b="0"/>
+      </a:fillRef>
+      <a:effectRef idx="0">
+        <a:scrgbClr r="0" g="0" b="0"/>
+      </a:effectRef>
+      <a:fontRef idx="minor"/>
+    </dgm:style>
+  </dgm:styleLbl>
+  <dgm:styleLbl name="alignAcc1">
+    <dgm:scene3d>
+      <a:camera prst="orthographicFront"/>
+      <a:lightRig rig="threePt" dir="t"/>
+    </dgm:scene3d>
+    <dgm:sp3d/>
+    <dgm:txPr/>
+    <dgm:style>
+      <a:lnRef idx="2">
+        <a:scrgbClr r="0" g="0" b="0"/>
+      </a:lnRef>
+      <a:fillRef idx="1">
+        <a:scrgbClr r="0" g="0" b="0"/>
+      </a:fillRef>
+      <a:effectRef idx="0">
+        <a:scrgbClr r="0" g="0" b="0"/>
+      </a:effectRef>
+      <a:fontRef idx="minor"/>
+    </dgm:style>
+  </dgm:styleLbl>
+  <dgm:styleLbl name="trAlignAcc1">
+    <dgm:scene3d>
+      <a:camera prst="orthographicFront"/>
+      <a:lightRig rig="threePt" dir="t"/>
+    </dgm:scene3d>
+    <dgm:sp3d/>
+    <dgm:txPr/>
+    <dgm:style>
+      <a:lnRef idx="1">
+        <a:scrgbClr r="0" g="0" b="0"/>
+      </a:lnRef>
+      <a:fillRef idx="1">
+        <a:scrgbClr r="0" g="0" b="0"/>
+      </a:fillRef>
+      <a:effectRef idx="0">
+        <a:scrgbClr r="0" g="0" b="0"/>
+      </a:effectRef>
+      <a:fontRef idx="minor"/>
+    </dgm:style>
+  </dgm:styleLbl>
+  <dgm:styleLbl name="bgAcc1">
+    <dgm:scene3d>
+      <a:camera prst="orthographicFront"/>
+      <a:lightRig rig="threePt" dir="t"/>
+    </dgm:scene3d>
+    <dgm:sp3d/>
+    <dgm:txPr/>
+    <dgm:style>
+      <a:lnRef idx="2">
+        <a:scrgbClr r="0" g="0" b="0"/>
+      </a:lnRef>
+      <a:fillRef idx="1">
+        <a:scrgbClr r="0" g="0" b="0"/>
+      </a:fillRef>
+      <a:effectRef idx="0">
+        <a:scrgbClr r="0" g="0" b="0"/>
+      </a:effectRef>
+      <a:fontRef idx="minor"/>
+    </dgm:style>
+  </dgm:styleLbl>
+  <dgm:styleLbl name="solidFgAcc1">
+    <dgm:scene3d>
+      <a:camera prst="orthographicFront"/>
+      <a:lightRig rig="threePt" dir="t"/>
+    </dgm:scene3d>
+    <dgm:sp3d/>
+    <dgm:txPr/>
+    <dgm:style>
+      <a:lnRef idx="2">
+        <a:scrgbClr r="0" g="0" b="0"/>
+      </a:lnRef>
+      <a:fillRef idx="1">
+        <a:scrgbClr r="0" g="0" b="0"/>
+      </a:fillRef>
+      <a:effectRef idx="0">
+        <a:scrgbClr r="0" g="0" b="0"/>
+      </a:effectRef>
+      <a:fontRef idx="minor"/>
+    </dgm:style>
+  </dgm:styleLbl>
+  <dgm:styleLbl name="solidAlignAcc1">
+    <dgm:scene3d>
+      <a:camera prst="orthographicFront"/>
+      <a:lightRig rig="threePt" dir="t"/>
+    </dgm:scene3d>
+    <dgm:sp3d/>
+    <dgm:txPr/>
+    <dgm:style>
+      <a:lnRef idx="2">
+        <a:scrgbClr r="0" g="0" b="0"/>
+      </a:lnRef>
+      <a:fillRef idx="1">
+        <a:scrgbClr r="0" g="0" b="0"/>
+      </a:fillRef>
+      <a:effectRef idx="0">
+        <a:scrgbClr r="0" g="0" b="0"/>
+      </a:effectRef>
+      <a:fontRef idx="minor"/>
+    </dgm:style>
+  </dgm:styleLbl>
+  <dgm:styleLbl name="solidBgAcc1">
+    <dgm:scene3d>
+      <a:camera prst="orthographicFront"/>
+      <a:lightRig rig="threePt" dir="t"/>
+    </dgm:scene3d>
+    <dgm:sp3d/>
+    <dgm:txPr/>
+    <dgm:style>
+      <a:lnRef idx="2">
+        <a:scrgbClr r="0" g="0" b="0"/>
+      </a:lnRef>
+      <a:fillRef idx="1">
+        <a:scrgbClr r="0" g="0" b="0"/>
+      </a:fillRef>
+      <a:effectRef idx="0">
+        <a:scrgbClr r="0" g="0" b="0"/>
+      </a:effectRef>
+      <a:fontRef idx="minor"/>
+    </dgm:style>
+  </dgm:styleLbl>
+  <dgm:styleLbl name="fgAccFollowNode1">
+    <dgm:scene3d>
+      <a:camera prst="orthographicFront"/>
+      <a:lightRig rig="threePt" dir="t"/>
+    </dgm:scene3d>
+    <dgm:sp3d/>
+    <dgm:txPr/>
+    <dgm:style>
+      <a:lnRef idx="2">
+        <a:scrgbClr r="0" g="0" b="0"/>
+      </a:lnRef>
+      <a:fillRef idx="1">
+        <a:scrgbClr r="0" g="0" b="0"/>
+      </a:fillRef>
+      <a:effectRef idx="0">
+        <a:scrgbClr r="0" g="0" b="0"/>
+      </a:effectRef>
+      <a:fontRef idx="minor"/>
+    </dgm:style>
+  </dgm:styleLbl>
+  <dgm:styleLbl name="alignAccFollowNode1">
+    <dgm:scene3d>
+      <a:camera prst="orthographicFront"/>
+      <a:lightRig rig="threePt" dir="t"/>
+    </dgm:scene3d>
+    <dgm:sp3d/>
+    <dgm:txPr/>
+    <dgm:style>
+      <a:lnRef idx="2">
+        <a:scrgbClr r="0" g="0" b="0"/>
+      </a:lnRef>
+      <a:fillRef idx="1">
+        <a:scrgbClr r="0" g="0" b="0"/>
+      </a:fillRef>
+      <a:effectRef idx="0">
+        <a:scrgbClr r="0" g="0" b="0"/>
+      </a:effectRef>
+      <a:fontRef idx="minor"/>
+    </dgm:style>
+  </dgm:styleLbl>
+  <dgm:styleLbl name="bgAccFollowNode1">
+    <dgm:scene3d>
+      <a:camera prst="orthographicFront"/>
+      <a:lightRig rig="threePt" dir="t"/>
+    </dgm:scene3d>
+    <dgm:sp3d/>
+    <dgm:txPr/>
+    <dgm:style>
+      <a:lnRef idx="2">
+        <a:scrgbClr r="0" g="0" b="0"/>
+      </a:lnRef>
+      <a:fillRef idx="1">
+        <a:scrgbClr r="0" g="0" b="0"/>
+      </a:fillRef>
+      <a:effectRef idx="0">
+        <a:scrgbClr r="0" g="0" b="0"/>
+      </a:effectRef>
+      <a:fontRef idx="minor"/>
+    </dgm:style>
+  </dgm:styleLbl>
+  <dgm:styleLbl name="fgAcc0">
+    <dgm:scene3d>
+      <a:camera prst="orthographicFront"/>
+      <a:lightRig rig="threePt" dir="t"/>
+    </dgm:scene3d>
+    <dgm:sp3d/>
+    <dgm:txPr/>
+    <dgm:style>
+      <a:lnRef idx="2">
+        <a:scrgbClr r="0" g="0" b="0"/>
+      </a:lnRef>
+      <a:fillRef idx="1">
+        <a:scrgbClr r="0" g="0" b="0"/>
+      </a:fillRef>
+      <a:effectRef idx="0">
+        <a:scrgbClr r="0" g="0" b="0"/>
+      </a:effectRef>
+      <a:fontRef idx="minor"/>
+    </dgm:style>
+  </dgm:styleLbl>
+  <dgm:styleLbl name="fgAcc2">
+    <dgm:scene3d>
+      <a:camera prst="orthographicFront"/>
+      <a:lightRig rig="threePt" dir="t"/>
+    </dgm:scene3d>
+    <dgm:sp3d/>
+    <dgm:txPr/>
+    <dgm:style>
+      <a:lnRef idx="2">
+        <a:scrgbClr r="0" g="0" b="0"/>
+      </a:lnRef>
+      <a:fillRef idx="1">
+        <a:scrgbClr r="0" g="0" b="0"/>
+      </a:fillRef>
+      <a:effectRef idx="0">
+        <a:scrgbClr r="0" g="0" b="0"/>
+      </a:effectRef>
+      <a:fontRef idx="minor"/>
+    </dgm:style>
+  </dgm:styleLbl>
+  <dgm:styleLbl name="fgAcc3">
+    <dgm:scene3d>
+      <a:camera prst="orthographicFront"/>
+      <a:lightRig rig="threePt" dir="t"/>
+    </dgm:scene3d>
+    <dgm:sp3d/>
+    <dgm:txPr/>
+    <dgm:style>
+      <a:lnRef idx="2">
+        <a:scrgbClr r="0" g="0" b="0"/>
+      </a:lnRef>
+      <a:fillRef idx="1">
+        <a:scrgbClr r="0" g="0" b="0"/>
+      </a:fillRef>
+      <a:effectRef idx="0">
+        <a:scrgbClr r="0" g="0" b="0"/>
+      </a:effectRef>
+      <a:fontRef idx="minor"/>
+    </dgm:style>
+  </dgm:styleLbl>
+  <dgm:styleLbl name="fgAcc4">
+    <dgm:scene3d>
+      <a:camera prst="orthographicFront"/>
+      <a:lightRig rig="threePt" dir="t"/>
+    </dgm:scene3d>
+    <dgm:sp3d/>
+    <dgm:txPr/>
+    <dgm:style>
+      <a:lnRef idx="2">
+        <a:scrgbClr r="0" g="0" b="0"/>
+      </a:lnRef>
+      <a:fillRef idx="1">
+        <a:scrgbClr r="0" g="0" b="0"/>
+      </a:fillRef>
+      <a:effectRef idx="0">
+        <a:scrgbClr r="0" g="0" b="0"/>
+      </a:effectRef>
+      <a:fontRef idx="minor"/>
+    </dgm:style>
+  </dgm:styleLbl>
+  <dgm:styleLbl name="bgShp">
+    <dgm:scene3d>
+      <a:camera prst="orthographicFront"/>
+      <a:lightRig rig="threePt" dir="t"/>
+    </dgm:scene3d>
+    <dgm:sp3d/>
+    <dgm:txPr/>
+    <dgm:style>
+      <a:lnRef idx="0">
+        <a:scrgbClr r="0" g="0" b="0"/>
+      </a:lnRef>
+      <a:fillRef idx="1">
+        <a:scrgbClr r="0" g="0" b="0"/>
+      </a:fillRef>
+      <a:effectRef idx="0">
+        <a:scrgbClr r="0" g="0" b="0"/>
+      </a:effectRef>
+      <a:fontRef idx="minor"/>
+    </dgm:style>
+  </dgm:styleLbl>
+  <dgm:styleLbl name="dkBgShp">
+    <dgm:scene3d>
+      <a:camera prst="orthographicFront"/>
+      <a:lightRig rig="threePt" dir="t"/>
+    </dgm:scene3d>
+    <dgm:sp3d/>
+    <dgm:txPr/>
+    <dgm:style>
+      <a:lnRef idx="0">
+        <a:scrgbClr r="0" g="0" b="0"/>
+      </a:lnRef>
+      <a:fillRef idx="1">
+        <a:scrgbClr r="0" g="0" b="0"/>
+      </a:fillRef>
+      <a:effectRef idx="0">
+        <a:scrgbClr r="0" g="0" b="0"/>
+      </a:effectRef>
+      <a:fontRef idx="minor"/>
+    </dgm:style>
+  </dgm:styleLbl>
+  <dgm:styleLbl name="trBgShp">
+    <dgm:scene3d>
+      <a:camera prst="orthographicFront"/>
+      <a:lightRig rig="threePt" dir="t"/>
+    </dgm:scene3d>
+    <dgm:sp3d/>
+    <dgm:txPr/>
+    <dgm:style>
+      <a:lnRef idx="0">
+        <a:scrgbClr r="0" g="0" b="0"/>
+      </a:lnRef>
+      <a:fillRef idx="1">
+        <a:scrgbClr r="0" g="0" b="0"/>
+      </a:fillRef>
+      <a:effectRef idx="0">
+        <a:scrgbClr r="0" g="0" b="0"/>
+      </a:effectRef>
+      <a:fontRef idx="minor"/>
+    </dgm:style>
+  </dgm:styleLbl>
+  <dgm:styleLbl name="fgShp">
+    <dgm:scene3d>
+      <a:camera prst="orthographicFront"/>
+      <a:lightRig rig="threePt" dir="t"/>
+    </dgm:scene3d>
+    <dgm:sp3d/>
+    <dgm:txPr/>
+    <dgm:style>
+      <a:lnRef idx="2">
+        <a:scrgbClr r="0" g="0" b="0"/>
+      </a:lnRef>
+      <a:fillRef idx="1">
+        <a:scrgbClr r="0" g="0" b="0"/>
+      </a:fillRef>
+      <a:effectRef idx="0">
+        <a:scrgbClr r="0" g="0" b="0"/>
+      </a:effectRef>
+      <a:fontRef idx="minor"/>
+    </dgm:style>
+  </dgm:styleLbl>
+  <dgm:styleLbl name="revTx">
+    <dgm:scene3d>
+      <a:camera prst="orthographicFront"/>
+      <a:lightRig rig="threePt" dir="t"/>
+    </dgm:scene3d>
+    <dgm:sp3d/>
+    <dgm:txPr/>
+    <dgm:style>
+      <a:lnRef idx="0">
+        <a:scrgbClr r="0" g="0" b="0"/>
+      </a:lnRef>
+      <a:fillRef idx="0">
+        <a:scrgbClr r="0" g="0" b="0"/>
+      </a:fillRef>
+      <a:effectRef idx="0">
+        <a:scrgbClr r="0" g="0" b="0"/>
+      </a:effectRef>
+      <a:fontRef idx="minor"/>
+    </dgm:style>
+  </dgm:styleLbl>
+</dgm:styleDef>
+</file>
+
+<file path=ppt/diagrams/quickStyle6.xml><?xml version="1.0" encoding="utf-8"?>
 <dgm:styleDef xmlns:dgm="http://schemas.openxmlformats.org/drawingml/2006/diagram" xmlns:a="http://schemas.openxmlformats.org/drawingml/2006/main" uniqueId="urn:microsoft.com/office/officeart/2005/8/quickstyle/simple1">
   <dgm:title val=""/>
   <dgm:desc val=""/>
@@ -16775,158 +19580,6 @@
           <a:bodyPr/>
           <a:lstStyle/>
           <a:p>
-            <a:r>
-              <a:rPr lang="en-US" dirty="0"/>
-              <a:t>The </a:t>
-            </a:r>
-            <a:r>
-              <a:rPr lang="en-US" b="1" dirty="0"/>
-              <a:t>Service Interface</a:t>
-            </a:r>
-            <a:r>
-              <a:rPr lang="en-US" dirty="0"/>
-              <a:t> declares the interface of the Service. The proxy must follow this interface to be able to disguise itself as a service object.</a:t>
-            </a:r>
-          </a:p>
-          <a:p>
-            <a:endParaRPr lang="en-US" dirty="0"/>
-          </a:p>
-          <a:p>
-            <a:r>
-              <a:rPr lang="en-US" dirty="0"/>
-              <a:t>The </a:t>
-            </a:r>
-            <a:r>
-              <a:rPr lang="en-US" b="1" dirty="0"/>
-              <a:t>Service</a:t>
-            </a:r>
-            <a:r>
-              <a:rPr lang="en-US" dirty="0"/>
-              <a:t> is a class that provides some useful business logic.</a:t>
-            </a:r>
-          </a:p>
-          <a:p>
-            <a:endParaRPr lang="en-US" dirty="0"/>
-          </a:p>
-          <a:p>
-            <a:r>
-              <a:rPr lang="en-US" dirty="0"/>
-              <a:t>The </a:t>
-            </a:r>
-            <a:r>
-              <a:rPr lang="en-US" b="1" dirty="0"/>
-              <a:t>Proxy</a:t>
-            </a:r>
-            <a:r>
-              <a:rPr lang="en-US" dirty="0"/>
-              <a:t> class has a reference field that points to a service object. </a:t>
-            </a:r>
-          </a:p>
-          <a:p>
-            <a:r>
-              <a:rPr lang="en-US" dirty="0"/>
-              <a:t>After the proxy finishes its processing (e.g., lazy initialization, logging, access control, caching, etc.), it passes the request to the service object.</a:t>
-            </a:r>
-          </a:p>
-          <a:p>
-            <a:r>
-              <a:rPr lang="en-US" dirty="0"/>
-              <a:t>Usually</a:t>
-            </a:r>
-            <a:r>
-              <a:rPr lang="en-US"/>
-              <a:t>, proxy </a:t>
-            </a:r>
-            <a:r>
-              <a:rPr lang="en-US" dirty="0"/>
-              <a:t>manage the full lifecycle of their service objects.</a:t>
-            </a:r>
-          </a:p>
-          <a:p>
-            <a:endParaRPr lang="en-US" dirty="0"/>
-          </a:p>
-        </p:txBody>
-      </p:sp>
-      <p:sp>
-        <p:nvSpPr>
-          <p:cNvPr id="4" name="Slide Number Placeholder 3"/>
-          <p:cNvSpPr>
-            <a:spLocks noGrp="1"/>
-          </p:cNvSpPr>
-          <p:nvPr>
-            <p:ph type="sldNum" sz="quarter" idx="5"/>
-          </p:nvPr>
-        </p:nvSpPr>
-        <p:spPr/>
-        <p:txBody>
-          <a:bodyPr/>
-          <a:lstStyle/>
-          <a:p>
-            <a:fld id="{01420855-62A1-43EF-8815-D1313CE67D77}" type="slidenum">
-              <a:rPr lang="en-AU" smtClean="0"/>
-              <a:t>10</a:t>
-            </a:fld>
-            <a:endParaRPr lang="en-AU"/>
-          </a:p>
-        </p:txBody>
-      </p:sp>
-    </p:spTree>
-    <p:extLst>
-      <p:ext uri="{BB962C8B-B14F-4D97-AF65-F5344CB8AC3E}">
-        <p14:creationId xmlns:p14="http://schemas.microsoft.com/office/powerpoint/2010/main" val="1249071455"/>
-      </p:ext>
-    </p:extLst>
-  </p:cSld>
-  <p:clrMapOvr>
-    <a:masterClrMapping/>
-  </p:clrMapOvr>
-</p:notes>
-</file>
-
-<file path=ppt/notesSlides/notesSlide11.xml><?xml version="1.0" encoding="utf-8"?>
-<p:notes xmlns:a="http://schemas.openxmlformats.org/drawingml/2006/main" xmlns:r="http://schemas.openxmlformats.org/officeDocument/2006/relationships" xmlns:p="http://schemas.openxmlformats.org/presentationml/2006/main">
-  <p:cSld>
-    <p:spTree>
-      <p:nvGrpSpPr>
-        <p:cNvPr id="1" name=""/>
-        <p:cNvGrpSpPr/>
-        <p:nvPr/>
-      </p:nvGrpSpPr>
-      <p:grpSpPr>
-        <a:xfrm>
-          <a:off x="0" y="0"/>
-          <a:ext cx="0" cy="0"/>
-          <a:chOff x="0" y="0"/>
-          <a:chExt cx="0" cy="0"/>
-        </a:xfrm>
-      </p:grpSpPr>
-      <p:sp>
-        <p:nvSpPr>
-          <p:cNvPr id="2" name="Slide Image Placeholder 1"/>
-          <p:cNvSpPr>
-            <a:spLocks noGrp="1" noRot="1" noChangeAspect="1"/>
-          </p:cNvSpPr>
-          <p:nvPr>
-            <p:ph type="sldImg"/>
-          </p:nvPr>
-        </p:nvSpPr>
-        <p:spPr/>
-      </p:sp>
-      <p:sp>
-        <p:nvSpPr>
-          <p:cNvPr id="3" name="Notes Placeholder 2"/>
-          <p:cNvSpPr>
-            <a:spLocks noGrp="1"/>
-          </p:cNvSpPr>
-          <p:nvPr>
-            <p:ph type="body" idx="1"/>
-          </p:nvPr>
-        </p:nvSpPr>
-        <p:spPr/>
-        <p:txBody>
-          <a:bodyPr/>
-          <a:lstStyle/>
-          <a:p>
             <a:pPr marL="0" marR="0" lvl="0" indent="0" algn="l" defTabSz="2438339" rtl="0" eaLnBrk="1" fontAlgn="auto" latinLnBrk="0" hangingPunct="1">
               <a:lnSpc>
                 <a:spcPct val="100000"/>
@@ -16946,15 +19599,7 @@
             </a:pPr>
             <a:r>
               <a:rPr lang="en-US" b="1" dirty="0"/>
-              <a:t>There are four commonly used scenarios for the proxy </a:t>
-            </a:r>
-            <a:r>
-              <a:rPr lang="en-US" b="1" dirty="0" err="1"/>
-              <a:t>parttern</a:t>
-            </a:r>
-            <a:r>
-              <a:rPr lang="en-US" b="1" dirty="0"/>
-              <a:t>:</a:t>
+              <a:t>There are four commonly used scenarios for the proxy pattern:</a:t>
             </a:r>
           </a:p>
           <a:p>
@@ -17220,6 +19865,158 @@
           <a:p>
             <a:fld id="{01420855-62A1-43EF-8815-D1313CE67D77}" type="slidenum">
               <a:rPr lang="en-AU" smtClean="0"/>
+              <a:t>10</a:t>
+            </a:fld>
+            <a:endParaRPr lang="en-AU"/>
+          </a:p>
+        </p:txBody>
+      </p:sp>
+    </p:spTree>
+    <p:extLst>
+      <p:ext uri="{BB962C8B-B14F-4D97-AF65-F5344CB8AC3E}">
+        <p14:creationId xmlns:p14="http://schemas.microsoft.com/office/powerpoint/2010/main" val="1200826517"/>
+      </p:ext>
+    </p:extLst>
+  </p:cSld>
+  <p:clrMapOvr>
+    <a:masterClrMapping/>
+  </p:clrMapOvr>
+</p:notes>
+</file>
+
+<file path=ppt/notesSlides/notesSlide11.xml><?xml version="1.0" encoding="utf-8"?>
+<p:notes xmlns:a="http://schemas.openxmlformats.org/drawingml/2006/main" xmlns:r="http://schemas.openxmlformats.org/officeDocument/2006/relationships" xmlns:p="http://schemas.openxmlformats.org/presentationml/2006/main">
+  <p:cSld>
+    <p:spTree>
+      <p:nvGrpSpPr>
+        <p:cNvPr id="1" name=""/>
+        <p:cNvGrpSpPr/>
+        <p:nvPr/>
+      </p:nvGrpSpPr>
+      <p:grpSpPr>
+        <a:xfrm>
+          <a:off x="0" y="0"/>
+          <a:ext cx="0" cy="0"/>
+          <a:chOff x="0" y="0"/>
+          <a:chExt cx="0" cy="0"/>
+        </a:xfrm>
+      </p:grpSpPr>
+      <p:sp>
+        <p:nvSpPr>
+          <p:cNvPr id="2" name="Slide Image Placeholder 1"/>
+          <p:cNvSpPr>
+            <a:spLocks noGrp="1" noRot="1" noChangeAspect="1"/>
+          </p:cNvSpPr>
+          <p:nvPr>
+            <p:ph type="sldImg"/>
+          </p:nvPr>
+        </p:nvSpPr>
+        <p:spPr/>
+      </p:sp>
+      <p:sp>
+        <p:nvSpPr>
+          <p:cNvPr id="3" name="Notes Placeholder 2"/>
+          <p:cNvSpPr>
+            <a:spLocks noGrp="1"/>
+          </p:cNvSpPr>
+          <p:nvPr>
+            <p:ph type="body" idx="1"/>
+          </p:nvPr>
+        </p:nvSpPr>
+        <p:spPr/>
+        <p:txBody>
+          <a:bodyPr/>
+          <a:lstStyle/>
+          <a:p>
+            <a:r>
+              <a:rPr lang="en-US" dirty="0"/>
+              <a:t>The </a:t>
+            </a:r>
+            <a:r>
+              <a:rPr lang="en-US" b="1" dirty="0"/>
+              <a:t>Service Interface</a:t>
+            </a:r>
+            <a:r>
+              <a:rPr lang="en-US" dirty="0"/>
+              <a:t> declares the interface of the Service. The proxy must follow this interface to be able to disguise itself as a service object.</a:t>
+            </a:r>
+          </a:p>
+          <a:p>
+            <a:endParaRPr lang="en-US" dirty="0"/>
+          </a:p>
+          <a:p>
+            <a:r>
+              <a:rPr lang="en-US" dirty="0"/>
+              <a:t>The </a:t>
+            </a:r>
+            <a:r>
+              <a:rPr lang="en-US" b="1" dirty="0"/>
+              <a:t>Service</a:t>
+            </a:r>
+            <a:r>
+              <a:rPr lang="en-US" dirty="0"/>
+              <a:t> is a class that provides some useful business logic.</a:t>
+            </a:r>
+          </a:p>
+          <a:p>
+            <a:endParaRPr lang="en-US" dirty="0"/>
+          </a:p>
+          <a:p>
+            <a:r>
+              <a:rPr lang="en-US" dirty="0"/>
+              <a:t>The </a:t>
+            </a:r>
+            <a:r>
+              <a:rPr lang="en-US" b="1" dirty="0"/>
+              <a:t>Proxy</a:t>
+            </a:r>
+            <a:r>
+              <a:rPr lang="en-US" dirty="0"/>
+              <a:t> class has a reference field that points to a service object. </a:t>
+            </a:r>
+          </a:p>
+          <a:p>
+            <a:r>
+              <a:rPr lang="en-US" dirty="0"/>
+              <a:t>After the proxy finishes its processing (e.g., lazy initialization, logging, access control, caching, etc.), it passes the request to the service object.</a:t>
+            </a:r>
+          </a:p>
+          <a:p>
+            <a:r>
+              <a:rPr lang="en-US" dirty="0"/>
+              <a:t>Usually</a:t>
+            </a:r>
+            <a:r>
+              <a:rPr lang="en-US"/>
+              <a:t>, proxy </a:t>
+            </a:r>
+            <a:r>
+              <a:rPr lang="en-US" dirty="0"/>
+              <a:t>manage the full lifecycle of their service objects.</a:t>
+            </a:r>
+          </a:p>
+          <a:p>
+            <a:endParaRPr lang="en-US" dirty="0"/>
+          </a:p>
+        </p:txBody>
+      </p:sp>
+      <p:sp>
+        <p:nvSpPr>
+          <p:cNvPr id="4" name="Slide Number Placeholder 3"/>
+          <p:cNvSpPr>
+            <a:spLocks noGrp="1"/>
+          </p:cNvSpPr>
+          <p:nvPr>
+            <p:ph type="sldNum" sz="quarter" idx="5"/>
+          </p:nvPr>
+        </p:nvSpPr>
+        <p:spPr/>
+        <p:txBody>
+          <a:bodyPr/>
+          <a:lstStyle/>
+          <a:p>
+            <a:fld id="{01420855-62A1-43EF-8815-D1313CE67D77}" type="slidenum">
+              <a:rPr lang="en-AU" smtClean="0"/>
               <a:t>11</a:t>
             </a:fld>
             <a:endParaRPr lang="en-AU"/>
@@ -17229,7 +20026,7 @@
     </p:spTree>
     <p:extLst>
       <p:ext uri="{BB962C8B-B14F-4D97-AF65-F5344CB8AC3E}">
-        <p14:creationId xmlns:p14="http://schemas.microsoft.com/office/powerpoint/2010/main" val="1200826517"/>
+        <p14:creationId xmlns:p14="http://schemas.microsoft.com/office/powerpoint/2010/main" val="1249071455"/>
       </p:ext>
     </p:extLst>
   </p:cSld>
@@ -17368,22 +20165,125 @@
           <a:lstStyle/>
           <a:p>
             <a:r>
-              <a:rPr lang="en-US" b="1" dirty="0"/>
-              <a:t>Proxy</a:t>
+              <a:rPr lang="en-US" b="0" i="0" dirty="0">
+                <a:solidFill>
+                  <a:srgbClr val="444444"/>
+                </a:solidFill>
+                <a:effectLst/>
+                <a:latin typeface="PT Sans" panose="020B0503020203020204" pitchFamily="34" charset="0"/>
+              </a:rPr>
+              <a:t>Imagine you now have some round and square </a:t>
             </a:r>
             <a:r>
-              <a:rPr lang="en-US" dirty="0"/>
-              <a:t> lets you provide a substitute or placeholder for another object. </a:t>
+              <a:rPr lang="en-US" b="0" i="0" dirty="0">
+                <a:solidFill>
+                  <a:srgbClr val="333333"/>
+                </a:solidFill>
+                <a:effectLst/>
+                <a:latin typeface="Arial" panose="020B0604020202020204" pitchFamily="34" charset="0"/>
+              </a:rPr>
+              <a:t>building blocks</a:t>
+            </a:r>
+            <a:r>
+              <a:rPr lang="en-US" b="0" i="0" dirty="0">
+                <a:solidFill>
+                  <a:srgbClr val="444444"/>
+                </a:solidFill>
+                <a:effectLst/>
+                <a:latin typeface="PT Sans" panose="020B0503020203020204" pitchFamily="34" charset="0"/>
+              </a:rPr>
+              <a:t>, and then you get some paints. </a:t>
             </a:r>
           </a:p>
           <a:p>
             <a:r>
+              <a:rPr lang="en-US" b="0" i="0" dirty="0">
+                <a:solidFill>
+                  <a:srgbClr val="444444"/>
+                </a:solidFill>
+                <a:effectLst/>
+                <a:latin typeface="PT Sans" panose="020B0503020203020204" pitchFamily="34" charset="0"/>
+              </a:rPr>
+              <a:t>You want to change these </a:t>
+            </a:r>
+            <a:r>
+              <a:rPr lang="en-US" b="0" i="0" dirty="0">
+                <a:solidFill>
+                  <a:srgbClr val="333333"/>
+                </a:solidFill>
+                <a:effectLst/>
+                <a:latin typeface="Arial" panose="020B0604020202020204" pitchFamily="34" charset="0"/>
+              </a:rPr>
+              <a:t>building blocks </a:t>
+            </a:r>
+            <a:r>
+              <a:rPr lang="en-US" b="0" i="0" dirty="0">
+                <a:solidFill>
+                  <a:srgbClr val="444444"/>
+                </a:solidFill>
+                <a:effectLst/>
+                <a:latin typeface="PT Sans" panose="020B0503020203020204" pitchFamily="34" charset="0"/>
+              </a:rPr>
+              <a:t>to different colors. T</a:t>
+            </a:r>
+            <a:r>
               <a:rPr lang="en-US" dirty="0"/>
-              <a:t>A proxy controls access to the original object, allowing you to perform something either before or after the request gets through to the original object.</a:t>
+              <a:t>hen you can build a colorful house with these blocks.</a:t>
             </a:r>
           </a:p>
           <a:p>
-            <a:endParaRPr lang="en-US" dirty="0"/>
+            <a:endParaRPr lang="en-US" b="1" dirty="0"/>
+          </a:p>
+          <a:p>
+            <a:r>
+              <a:rPr lang="en-US" b="0" i="0" dirty="0">
+                <a:solidFill>
+                  <a:srgbClr val="444444"/>
+                </a:solidFill>
+                <a:effectLst/>
+                <a:latin typeface="PT Sans" panose="020B0503020203020204" pitchFamily="34" charset="0"/>
+              </a:rPr>
+              <a:t>So how can you build these </a:t>
+            </a:r>
+            <a:r>
+              <a:rPr lang="en-US" dirty="0" err="1"/>
+              <a:t>RedCircle</a:t>
+            </a:r>
+            <a:r>
+              <a:rPr lang="en-US" dirty="0"/>
+              <a:t>, </a:t>
+            </a:r>
+            <a:r>
+              <a:rPr lang="en-US" dirty="0" err="1"/>
+              <a:t>RedSquare</a:t>
+            </a:r>
+            <a:r>
+              <a:rPr lang="en-US" dirty="0"/>
+              <a:t>, </a:t>
+            </a:r>
+            <a:r>
+              <a:rPr lang="en-US" dirty="0" err="1"/>
+              <a:t>BlueCircle</a:t>
+            </a:r>
+            <a:r>
+              <a:rPr lang="en-US" b="0" i="0" dirty="0">
+                <a:solidFill>
+                  <a:srgbClr val="444444"/>
+                </a:solidFill>
+                <a:effectLst/>
+                <a:latin typeface="PT Sans" panose="020B0503020203020204" pitchFamily="34" charset="0"/>
+              </a:rPr>
+              <a:t>, </a:t>
+            </a:r>
+            <a:r>
+              <a:rPr lang="en-US" dirty="0" err="1"/>
+              <a:t>BlueSquare</a:t>
+            </a:r>
+            <a:r>
+              <a:rPr lang="en-US" dirty="0"/>
+              <a:t> in code?</a:t>
+            </a:r>
+            <a:endParaRPr lang="en-US" b="1" dirty="0"/>
           </a:p>
         </p:txBody>
       </p:sp>
@@ -17413,7 +20313,267 @@
     </p:spTree>
     <p:extLst>
       <p:ext uri="{BB962C8B-B14F-4D97-AF65-F5344CB8AC3E}">
+        <p14:creationId xmlns:p14="http://schemas.microsoft.com/office/powerpoint/2010/main" val="2937498478"/>
+      </p:ext>
+    </p:extLst>
+  </p:cSld>
+  <p:clrMapOvr>
+    <a:masterClrMapping/>
+  </p:clrMapOvr>
+</p:notes>
+</file>
+
+<file path=ppt/notesSlides/notesSlide14.xml><?xml version="1.0" encoding="utf-8"?>
+<p:notes xmlns:a="http://schemas.openxmlformats.org/drawingml/2006/main" xmlns:r="http://schemas.openxmlformats.org/officeDocument/2006/relationships" xmlns:p="http://schemas.openxmlformats.org/presentationml/2006/main">
+  <p:cSld>
+    <p:spTree>
+      <p:nvGrpSpPr>
+        <p:cNvPr id="1" name=""/>
+        <p:cNvGrpSpPr/>
+        <p:nvPr/>
+      </p:nvGrpSpPr>
+      <p:grpSpPr>
+        <a:xfrm>
+          <a:off x="0" y="0"/>
+          <a:ext cx="0" cy="0"/>
+          <a:chOff x="0" y="0"/>
+          <a:chExt cx="0" cy="0"/>
+        </a:xfrm>
+      </p:grpSpPr>
+      <p:sp>
+        <p:nvSpPr>
+          <p:cNvPr id="2" name="Slide Image Placeholder 1"/>
+          <p:cNvSpPr>
+            <a:spLocks noGrp="1" noRot="1" noChangeAspect="1"/>
+          </p:cNvSpPr>
+          <p:nvPr>
+            <p:ph type="sldImg"/>
+          </p:nvPr>
+        </p:nvSpPr>
+        <p:spPr/>
+      </p:sp>
+      <p:sp>
+        <p:nvSpPr>
+          <p:cNvPr id="3" name="Notes Placeholder 2"/>
+          <p:cNvSpPr>
+            <a:spLocks noGrp="1"/>
+          </p:cNvSpPr>
+          <p:nvPr>
+            <p:ph type="body" idx="1"/>
+          </p:nvPr>
+        </p:nvSpPr>
+        <p:spPr/>
+        <p:txBody>
+          <a:bodyPr/>
+          <a:lstStyle/>
+          <a:p>
+            <a:r>
+              <a:rPr lang="en-US" b="0" i="0" dirty="0">
+                <a:solidFill>
+                  <a:srgbClr val="000000"/>
+                </a:solidFill>
+                <a:effectLst/>
+                <a:latin typeface="Gilroy"/>
+              </a:rPr>
+              <a:t>In fact, there are two main types of objects we need. </a:t>
+            </a:r>
+          </a:p>
+          <a:p>
+            <a:r>
+              <a:rPr lang="en-US" b="0" i="0" dirty="0">
+                <a:solidFill>
+                  <a:srgbClr val="000000"/>
+                </a:solidFill>
+                <a:effectLst/>
+                <a:latin typeface="Gilroy"/>
+              </a:rPr>
+              <a:t>The first type is shape, </a:t>
+            </a:r>
+          </a:p>
+          <a:p>
+            <a:r>
+              <a:rPr lang="en-US" b="0" i="0" dirty="0">
+                <a:solidFill>
+                  <a:srgbClr val="000000"/>
+                </a:solidFill>
+                <a:effectLst/>
+                <a:latin typeface="Gilroy"/>
+              </a:rPr>
+              <a:t>And the second type is color,</a:t>
+            </a:r>
+          </a:p>
+          <a:p>
+            <a:r>
+              <a:rPr lang="en-US" dirty="0"/>
+              <a:t>Through bridge, we can link different </a:t>
+            </a:r>
+            <a:r>
+              <a:rPr lang="en-US" b="0" i="0" dirty="0">
+                <a:solidFill>
+                  <a:srgbClr val="000000"/>
+                </a:solidFill>
+                <a:effectLst/>
+                <a:latin typeface="Gilroy"/>
+              </a:rPr>
+              <a:t>shapes</a:t>
+            </a:r>
+            <a:r>
+              <a:rPr lang="en-US" dirty="0"/>
+              <a:t> and colors, to get the colored shape we want.</a:t>
+            </a:r>
+          </a:p>
+          <a:p>
+            <a:endParaRPr lang="en-US" b="1" dirty="0"/>
+          </a:p>
+          <a:p>
+            <a:r>
+              <a:rPr lang="en-US" b="1" dirty="0"/>
+              <a:t>Bridge</a:t>
+            </a:r>
+            <a:r>
+              <a:rPr lang="en-US" dirty="0"/>
+              <a:t> lets you split a large </a:t>
+            </a:r>
+            <a:r>
+              <a:rPr lang="en-US" altLang="zh-CN" dirty="0"/>
+              <a:t>amount of </a:t>
+            </a:r>
+            <a:r>
+              <a:rPr lang="en-US" dirty="0"/>
+              <a:t>closely related classes into two separate layers—abstraction and implementation—</a:t>
+            </a:r>
+          </a:p>
+          <a:p>
+            <a:r>
+              <a:rPr lang="en-US" dirty="0"/>
+              <a:t>which can be developed independently of each other.</a:t>
+            </a:r>
+          </a:p>
+          <a:p>
+            <a:endParaRPr lang="en-US" dirty="0"/>
+          </a:p>
+          <a:p>
+            <a:r>
+              <a:rPr lang="en-US" dirty="0"/>
+              <a:t>Different implementations are interchangeable as long as they follow a common interface.</a:t>
+            </a:r>
+          </a:p>
+          <a:p>
+            <a:endParaRPr lang="en-US" b="1" dirty="0"/>
+          </a:p>
+        </p:txBody>
+      </p:sp>
+      <p:sp>
+        <p:nvSpPr>
+          <p:cNvPr id="4" name="Slide Number Placeholder 3"/>
+          <p:cNvSpPr>
+            <a:spLocks noGrp="1"/>
+          </p:cNvSpPr>
+          <p:nvPr>
+            <p:ph type="sldNum" sz="quarter" idx="5"/>
+          </p:nvPr>
+        </p:nvSpPr>
+        <p:spPr/>
+        <p:txBody>
+          <a:bodyPr/>
+          <a:lstStyle/>
+          <a:p>
+            <a:fld id="{01420855-62A1-43EF-8815-D1313CE67D77}" type="slidenum">
+              <a:rPr lang="en-AU" smtClean="0"/>
+              <a:t>14</a:t>
+            </a:fld>
+            <a:endParaRPr lang="en-AU"/>
+          </a:p>
+        </p:txBody>
+      </p:sp>
+    </p:spTree>
+    <p:extLst>
+      <p:ext uri="{BB962C8B-B14F-4D97-AF65-F5344CB8AC3E}">
         <p14:creationId xmlns:p14="http://schemas.microsoft.com/office/powerpoint/2010/main" val="3113469569"/>
+      </p:ext>
+    </p:extLst>
+  </p:cSld>
+  <p:clrMapOvr>
+    <a:masterClrMapping/>
+  </p:clrMapOvr>
+</p:notes>
+</file>
+
+<file path=ppt/notesSlides/notesSlide15.xml><?xml version="1.0" encoding="utf-8"?>
+<p:notes xmlns:a="http://schemas.openxmlformats.org/drawingml/2006/main" xmlns:r="http://schemas.openxmlformats.org/officeDocument/2006/relationships" xmlns:p="http://schemas.openxmlformats.org/presentationml/2006/main">
+  <p:cSld>
+    <p:spTree>
+      <p:nvGrpSpPr>
+        <p:cNvPr id="1" name=""/>
+        <p:cNvGrpSpPr/>
+        <p:nvPr/>
+      </p:nvGrpSpPr>
+      <p:grpSpPr>
+        <a:xfrm>
+          <a:off x="0" y="0"/>
+          <a:ext cx="0" cy="0"/>
+          <a:chOff x="0" y="0"/>
+          <a:chExt cx="0" cy="0"/>
+        </a:xfrm>
+      </p:grpSpPr>
+      <p:sp>
+        <p:nvSpPr>
+          <p:cNvPr id="2" name="Slide Image Placeholder 1"/>
+          <p:cNvSpPr>
+            <a:spLocks noGrp="1" noRot="1" noChangeAspect="1"/>
+          </p:cNvSpPr>
+          <p:nvPr>
+            <p:ph type="sldImg"/>
+          </p:nvPr>
+        </p:nvSpPr>
+        <p:spPr/>
+      </p:sp>
+      <p:sp>
+        <p:nvSpPr>
+          <p:cNvPr id="3" name="Notes Placeholder 2"/>
+          <p:cNvSpPr>
+            <a:spLocks noGrp="1"/>
+          </p:cNvSpPr>
+          <p:nvPr>
+            <p:ph type="body" idx="1"/>
+          </p:nvPr>
+        </p:nvSpPr>
+        <p:spPr/>
+        <p:txBody>
+          <a:bodyPr/>
+          <a:lstStyle/>
+          <a:p>
+            <a:endParaRPr lang="en-US" dirty="0"/>
+          </a:p>
+        </p:txBody>
+      </p:sp>
+      <p:sp>
+        <p:nvSpPr>
+          <p:cNvPr id="4" name="Slide Number Placeholder 3"/>
+          <p:cNvSpPr>
+            <a:spLocks noGrp="1"/>
+          </p:cNvSpPr>
+          <p:nvPr>
+            <p:ph type="sldNum" sz="quarter" idx="5"/>
+          </p:nvPr>
+        </p:nvSpPr>
+        <p:spPr/>
+        <p:txBody>
+          <a:bodyPr/>
+          <a:lstStyle/>
+          <a:p>
+            <a:fld id="{01420855-62A1-43EF-8815-D1313CE67D77}" type="slidenum">
+              <a:rPr lang="en-AU" smtClean="0"/>
+              <a:t>15</a:t>
+            </a:fld>
+            <a:endParaRPr lang="en-AU"/>
+          </a:p>
+        </p:txBody>
+      </p:sp>
+    </p:spTree>
+    <p:extLst>
+      <p:ext uri="{BB962C8B-B14F-4D97-AF65-F5344CB8AC3E}">
+        <p14:creationId xmlns:p14="http://schemas.microsoft.com/office/powerpoint/2010/main" val="3658433649"/>
       </p:ext>
     </p:extLst>
   </p:cSld>
@@ -21961,48 +25121,12 @@
           </a:p>
         </p:txBody>
       </p:sp>
-      <p:pic>
-        <p:nvPicPr>
-          <p:cNvPr id="2" name="Content Placeholder 4" descr="Diagram&#10;&#10;Description automatically generated">
+      <p:graphicFrame>
+        <p:nvGraphicFramePr>
+          <p:cNvPr id="18" name="Diagram 17">
             <a:extLst>
               <a:ext uri="{FF2B5EF4-FFF2-40B4-BE49-F238E27FC236}">
-                <a16:creationId xmlns:a16="http://schemas.microsoft.com/office/drawing/2014/main" id="{96E3E0F8-4450-163D-6DCD-6AD581E58370}"/>
-              </a:ext>
-            </a:extLst>
-          </p:cNvPr>
-          <p:cNvPicPr>
-            <a:picLocks noChangeAspect="1"/>
-          </p:cNvPicPr>
-          <p:nvPr/>
-        </p:nvPicPr>
-        <p:blipFill>
-          <a:blip r:embed="rId3">
-            <a:extLst>
-              <a:ext uri="{28A0092B-C50C-407E-A947-70E740481C1C}">
-                <a14:useLocalDpi xmlns:a14="http://schemas.microsoft.com/office/drawing/2010/main" val="0"/>
-              </a:ext>
-            </a:extLst>
-          </a:blip>
-          <a:stretch>
-            <a:fillRect/>
-          </a:stretch>
-        </p:blipFill>
-        <p:spPr>
-          <a:xfrm>
-            <a:off x="11183888" y="1475999"/>
-            <a:ext cx="10521797" cy="10521797"/>
-          </a:xfrm>
-          <a:prstGeom prst="rect">
-            <a:avLst/>
-          </a:prstGeom>
-        </p:spPr>
-      </p:pic>
-      <p:graphicFrame>
-        <p:nvGraphicFramePr>
-          <p:cNvPr id="4" name="Diagram 3">
-            <a:extLst>
-              <a:ext uri="{FF2B5EF4-FFF2-40B4-BE49-F238E27FC236}">
-                <a16:creationId xmlns:a16="http://schemas.microsoft.com/office/drawing/2014/main" id="{1B69891E-9833-1ABD-4B39-CA73C1CF5F57}"/>
+                <a16:creationId xmlns:a16="http://schemas.microsoft.com/office/drawing/2014/main" id="{5DFA94E4-0170-5A1C-79D4-4501D29480E1}"/>
               </a:ext>
             </a:extLst>
           </p:cNvPr>
@@ -22010,25 +25134,25 @@
           <p:nvPr>
             <p:extLst>
               <p:ext uri="{D42A27DB-BD31-4B8C-83A1-F6EECF244321}">
-                <p14:modId xmlns:p14="http://schemas.microsoft.com/office/powerpoint/2010/main" val="1589868578"/>
+                <p14:modId xmlns:p14="http://schemas.microsoft.com/office/powerpoint/2010/main" val="157303658"/>
               </p:ext>
             </p:extLst>
           </p:nvPr>
         </p:nvGraphicFramePr>
         <p:xfrm>
-          <a:off x="2946463" y="4490426"/>
-          <a:ext cx="6408712" cy="4843670"/>
+          <a:off x="3359636" y="3401616"/>
+          <a:ext cx="17641960" cy="7200800"/>
         </p:xfrm>
         <a:graphic>
           <a:graphicData uri="http://schemas.openxmlformats.org/drawingml/2006/diagram">
-            <dgm:relIds xmlns:dgm="http://schemas.openxmlformats.org/drawingml/2006/diagram" xmlns:r="http://schemas.openxmlformats.org/officeDocument/2006/relationships" r:dm="rId4" r:lo="rId5" r:qs="rId6" r:cs="rId7"/>
+            <dgm:relIds xmlns:dgm="http://schemas.openxmlformats.org/drawingml/2006/diagram" xmlns:r="http://schemas.openxmlformats.org/officeDocument/2006/relationships" r:dm="rId3" r:lo="rId4" r:qs="rId5" r:cs="rId6"/>
           </a:graphicData>
         </a:graphic>
       </p:graphicFrame>
     </p:spTree>
     <p:extLst>
       <p:ext uri="{BB962C8B-B14F-4D97-AF65-F5344CB8AC3E}">
-        <p14:creationId xmlns:p14="http://schemas.microsoft.com/office/powerpoint/2010/main" val="689937238"/>
+        <p14:creationId xmlns:p14="http://schemas.microsoft.com/office/powerpoint/2010/main" val="3425278781"/>
       </p:ext>
     </p:extLst>
   </p:cSld>
@@ -22152,12 +25276,48 @@
           </a:p>
         </p:txBody>
       </p:sp>
+      <p:pic>
+        <p:nvPicPr>
+          <p:cNvPr id="2" name="Content Placeholder 4" descr="Diagram&#10;&#10;Description automatically generated">
+            <a:extLst>
+              <a:ext uri="{FF2B5EF4-FFF2-40B4-BE49-F238E27FC236}">
+                <a16:creationId xmlns:a16="http://schemas.microsoft.com/office/drawing/2014/main" id="{96E3E0F8-4450-163D-6DCD-6AD581E58370}"/>
+              </a:ext>
+            </a:extLst>
+          </p:cNvPr>
+          <p:cNvPicPr>
+            <a:picLocks noChangeAspect="1"/>
+          </p:cNvPicPr>
+          <p:nvPr/>
+        </p:nvPicPr>
+        <p:blipFill>
+          <a:blip r:embed="rId3">
+            <a:extLst>
+              <a:ext uri="{28A0092B-C50C-407E-A947-70E740481C1C}">
+                <a14:useLocalDpi xmlns:a14="http://schemas.microsoft.com/office/drawing/2010/main" val="0"/>
+              </a:ext>
+            </a:extLst>
+          </a:blip>
+          <a:stretch>
+            <a:fillRect/>
+          </a:stretch>
+        </p:blipFill>
+        <p:spPr>
+          <a:xfrm>
+            <a:off x="11183888" y="1475999"/>
+            <a:ext cx="10521797" cy="10521797"/>
+          </a:xfrm>
+          <a:prstGeom prst="rect">
+            <a:avLst/>
+          </a:prstGeom>
+        </p:spPr>
+      </p:pic>
       <p:graphicFrame>
         <p:nvGraphicFramePr>
-          <p:cNvPr id="18" name="Diagram 17">
+          <p:cNvPr id="4" name="Diagram 3">
             <a:extLst>
               <a:ext uri="{FF2B5EF4-FFF2-40B4-BE49-F238E27FC236}">
-                <a16:creationId xmlns:a16="http://schemas.microsoft.com/office/drawing/2014/main" id="{5DFA94E4-0170-5A1C-79D4-4501D29480E1}"/>
+                <a16:creationId xmlns:a16="http://schemas.microsoft.com/office/drawing/2014/main" id="{1B69891E-9833-1ABD-4B39-CA73C1CF5F57}"/>
               </a:ext>
             </a:extLst>
           </p:cNvPr>
@@ -22165,25 +25325,25 @@
           <p:nvPr>
             <p:extLst>
               <p:ext uri="{D42A27DB-BD31-4B8C-83A1-F6EECF244321}">
-                <p14:modId xmlns:p14="http://schemas.microsoft.com/office/powerpoint/2010/main" val="4085596150"/>
+                <p14:modId xmlns:p14="http://schemas.microsoft.com/office/powerpoint/2010/main" val="1589868578"/>
               </p:ext>
             </p:extLst>
           </p:nvPr>
         </p:nvGraphicFramePr>
         <p:xfrm>
-          <a:off x="3359636" y="3401616"/>
-          <a:ext cx="17641960" cy="7200800"/>
+          <a:off x="2946463" y="4490426"/>
+          <a:ext cx="6408712" cy="4843670"/>
         </p:xfrm>
         <a:graphic>
           <a:graphicData uri="http://schemas.openxmlformats.org/drawingml/2006/diagram">
-            <dgm:relIds xmlns:dgm="http://schemas.openxmlformats.org/drawingml/2006/diagram" xmlns:r="http://schemas.openxmlformats.org/officeDocument/2006/relationships" r:dm="rId3" r:lo="rId4" r:qs="rId5" r:cs="rId6"/>
+            <dgm:relIds xmlns:dgm="http://schemas.openxmlformats.org/drawingml/2006/diagram" xmlns:r="http://schemas.openxmlformats.org/officeDocument/2006/relationships" r:dm="rId4" r:lo="rId5" r:qs="rId6" r:cs="rId7"/>
           </a:graphicData>
         </a:graphic>
       </p:graphicFrame>
     </p:spTree>
     <p:extLst>
       <p:ext uri="{BB962C8B-B14F-4D97-AF65-F5344CB8AC3E}">
-        <p14:creationId xmlns:p14="http://schemas.microsoft.com/office/powerpoint/2010/main" val="3425278781"/>
+        <p14:creationId xmlns:p14="http://schemas.microsoft.com/office/powerpoint/2010/main" val="689937238"/>
       </p:ext>
     </p:extLst>
   </p:cSld>
@@ -22372,6 +25532,264 @@
           <p:cNvPr id="5" name="Footer Placeholder 4">
             <a:extLst>
               <a:ext uri="{FF2B5EF4-FFF2-40B4-BE49-F238E27FC236}">
+                <a16:creationId xmlns:a16="http://schemas.microsoft.com/office/drawing/2014/main" id="{78C1D819-1EAA-FA3B-134F-A189BA78C75C}"/>
+              </a:ext>
+            </a:extLst>
+          </p:cNvPr>
+          <p:cNvSpPr>
+            <a:spLocks noGrp="1"/>
+          </p:cNvSpPr>
+          <p:nvPr>
+            <p:ph type="ftr" sz="quarter" idx="3"/>
+          </p:nvPr>
+        </p:nvSpPr>
+        <p:spPr/>
+        <p:txBody>
+          <a:bodyPr/>
+          <a:lstStyle/>
+          <a:p>
+            <a:r>
+              <a:rPr lang="en-AU"/>
+              <a:t>© 2020 CargoWise</a:t>
+            </a:r>
+            <a:endParaRPr lang="en-AU" dirty="0"/>
+          </a:p>
+        </p:txBody>
+      </p:sp>
+      <p:sp>
+        <p:nvSpPr>
+          <p:cNvPr id="6" name="Slide Number Placeholder 5">
+            <a:extLst>
+              <a:ext uri="{FF2B5EF4-FFF2-40B4-BE49-F238E27FC236}">
+                <a16:creationId xmlns:a16="http://schemas.microsoft.com/office/drawing/2014/main" id="{5C8B6AE7-9CEC-A4BB-EC26-DC9D855DB46E}"/>
+              </a:ext>
+            </a:extLst>
+          </p:cNvPr>
+          <p:cNvSpPr>
+            <a:spLocks noGrp="1"/>
+          </p:cNvSpPr>
+          <p:nvPr>
+            <p:ph type="sldNum" sz="quarter" idx="4"/>
+          </p:nvPr>
+        </p:nvSpPr>
+        <p:spPr/>
+        <p:txBody>
+          <a:bodyPr/>
+          <a:lstStyle/>
+          <a:p>
+            <a:fld id="{67E7CB4E-0848-4774-9F85-B38117CB1B54}" type="slidenum">
+              <a:rPr lang="en-AU" smtClean="0"/>
+              <a:pPr/>
+              <a:t>13</a:t>
+            </a:fld>
+            <a:endParaRPr lang="en-AU" dirty="0"/>
+          </a:p>
+        </p:txBody>
+      </p:sp>
+      <p:sp>
+        <p:nvSpPr>
+          <p:cNvPr id="8" name="Title 3">
+            <a:extLst>
+              <a:ext uri="{FF2B5EF4-FFF2-40B4-BE49-F238E27FC236}">
+                <a16:creationId xmlns:a16="http://schemas.microsoft.com/office/drawing/2014/main" id="{146C2833-79FA-691E-BD4E-BFF4BF638F05}"/>
+              </a:ext>
+            </a:extLst>
+          </p:cNvPr>
+          <p:cNvSpPr>
+            <a:spLocks noGrp="1"/>
+          </p:cNvSpPr>
+          <p:nvPr>
+            <p:ph type="title"/>
+          </p:nvPr>
+        </p:nvSpPr>
+        <p:spPr>
+          <a:xfrm>
+            <a:off x="1080000" y="1125271"/>
+            <a:ext cx="22201232" cy="701456"/>
+          </a:xfrm>
+        </p:spPr>
+        <p:txBody>
+          <a:bodyPr/>
+          <a:lstStyle/>
+          <a:p>
+            <a:r>
+              <a:rPr lang="en-US" b="1" dirty="0"/>
+              <a:t>4. Bridge</a:t>
+            </a:r>
+            <a:endParaRPr lang="en-US" dirty="0"/>
+          </a:p>
+        </p:txBody>
+      </p:sp>
+      <p:pic>
+        <p:nvPicPr>
+          <p:cNvPr id="14" name="Picture 13">
+            <a:extLst>
+              <a:ext uri="{FF2B5EF4-FFF2-40B4-BE49-F238E27FC236}">
+                <a16:creationId xmlns:a16="http://schemas.microsoft.com/office/drawing/2014/main" id="{0D13FB2A-8828-5C52-4BE0-90AD2510F9EB}"/>
+              </a:ext>
+            </a:extLst>
+          </p:cNvPr>
+          <p:cNvPicPr>
+            <a:picLocks noChangeAspect="1"/>
+          </p:cNvPicPr>
+          <p:nvPr/>
+        </p:nvPicPr>
+        <p:blipFill>
+          <a:blip r:embed="rId3"/>
+          <a:stretch>
+            <a:fillRect/>
+          </a:stretch>
+        </p:blipFill>
+        <p:spPr>
+          <a:xfrm>
+            <a:off x="1829585" y="4288316"/>
+            <a:ext cx="4937940" cy="2267418"/>
+          </a:xfrm>
+          <a:prstGeom prst="rect">
+            <a:avLst/>
+          </a:prstGeom>
+        </p:spPr>
+      </p:pic>
+      <p:pic>
+        <p:nvPicPr>
+          <p:cNvPr id="16" name="Picture 15">
+            <a:extLst>
+              <a:ext uri="{FF2B5EF4-FFF2-40B4-BE49-F238E27FC236}">
+                <a16:creationId xmlns:a16="http://schemas.microsoft.com/office/drawing/2014/main" id="{B47F0F96-81F5-1EB0-0995-81438F3DF8A0}"/>
+              </a:ext>
+            </a:extLst>
+          </p:cNvPr>
+          <p:cNvPicPr>
+            <a:picLocks noChangeAspect="1"/>
+          </p:cNvPicPr>
+          <p:nvPr/>
+        </p:nvPicPr>
+        <p:blipFill>
+          <a:blip r:embed="rId4"/>
+          <a:stretch>
+            <a:fillRect/>
+          </a:stretch>
+        </p:blipFill>
+        <p:spPr>
+          <a:xfrm>
+            <a:off x="2045129" y="7074024"/>
+            <a:ext cx="3921218" cy="2448272"/>
+          </a:xfrm>
+          <a:prstGeom prst="rect">
+            <a:avLst/>
+          </a:prstGeom>
+        </p:spPr>
+      </p:pic>
+      <p:pic>
+        <p:nvPicPr>
+          <p:cNvPr id="18" name="Picture 17">
+            <a:extLst>
+              <a:ext uri="{FF2B5EF4-FFF2-40B4-BE49-F238E27FC236}">
+                <a16:creationId xmlns:a16="http://schemas.microsoft.com/office/drawing/2014/main" id="{4ACF9627-28E5-A27D-4980-8094449C8B9F}"/>
+              </a:ext>
+            </a:extLst>
+          </p:cNvPr>
+          <p:cNvPicPr>
+            <a:picLocks noChangeAspect="1"/>
+          </p:cNvPicPr>
+          <p:nvPr/>
+        </p:nvPicPr>
+        <p:blipFill>
+          <a:blip r:embed="rId5"/>
+          <a:stretch>
+            <a:fillRect/>
+          </a:stretch>
+        </p:blipFill>
+        <p:spPr>
+          <a:xfrm>
+            <a:off x="8446971" y="5794264"/>
+            <a:ext cx="15553726" cy="2016224"/>
+          </a:xfrm>
+          <a:prstGeom prst="rect">
+            <a:avLst/>
+          </a:prstGeom>
+        </p:spPr>
+      </p:pic>
+      <p:sp>
+        <p:nvSpPr>
+          <p:cNvPr id="19" name="Right Brace 18">
+            <a:extLst>
+              <a:ext uri="{FF2B5EF4-FFF2-40B4-BE49-F238E27FC236}">
+                <a16:creationId xmlns:a16="http://schemas.microsoft.com/office/drawing/2014/main" id="{DBB9A04E-2332-3473-2C60-EE9F323B541B}"/>
+              </a:ext>
+            </a:extLst>
+          </p:cNvPr>
+          <p:cNvSpPr/>
+          <p:nvPr/>
+        </p:nvSpPr>
+        <p:spPr>
+          <a:xfrm>
+            <a:off x="6959176" y="5074184"/>
+            <a:ext cx="1296144" cy="3744416"/>
+          </a:xfrm>
+          <a:prstGeom prst="rightBrace">
+            <a:avLst/>
+          </a:prstGeom>
+          <a:ln/>
+        </p:spPr>
+        <p:style>
+          <a:lnRef idx="3">
+            <a:schemeClr val="dk1"/>
+          </a:lnRef>
+          <a:fillRef idx="0">
+            <a:schemeClr val="dk1"/>
+          </a:fillRef>
+          <a:effectRef idx="2">
+            <a:schemeClr val="dk1"/>
+          </a:effectRef>
+          <a:fontRef idx="minor">
+            <a:schemeClr val="tx1"/>
+          </a:fontRef>
+        </p:style>
+        <p:txBody>
+          <a:bodyPr rtlCol="0" anchor="ctr"/>
+          <a:lstStyle/>
+          <a:p>
+            <a:pPr algn="ctr"/>
+            <a:endParaRPr lang="en-US"/>
+          </a:p>
+        </p:txBody>
+      </p:sp>
+    </p:spTree>
+    <p:extLst>
+      <p:ext uri="{BB962C8B-B14F-4D97-AF65-F5344CB8AC3E}">
+        <p14:creationId xmlns:p14="http://schemas.microsoft.com/office/powerpoint/2010/main" val="708375864"/>
+      </p:ext>
+    </p:extLst>
+  </p:cSld>
+  <p:clrMapOvr>
+    <a:masterClrMapping/>
+  </p:clrMapOvr>
+</p:sld>
+</file>
+
+<file path=ppt/slides/slide14.xml><?xml version="1.0" encoding="utf-8"?>
+<p:sld xmlns:a="http://schemas.openxmlformats.org/drawingml/2006/main" xmlns:r="http://schemas.openxmlformats.org/officeDocument/2006/relationships" xmlns:p="http://schemas.openxmlformats.org/presentationml/2006/main">
+  <p:cSld>
+    <p:spTree>
+      <p:nvGrpSpPr>
+        <p:cNvPr id="1" name=""/>
+        <p:cNvGrpSpPr/>
+        <p:nvPr/>
+      </p:nvGrpSpPr>
+      <p:grpSpPr>
+        <a:xfrm>
+          <a:off x="0" y="0"/>
+          <a:ext cx="0" cy="0"/>
+          <a:chOff x="0" y="0"/>
+          <a:chExt cx="0" cy="0"/>
+        </a:xfrm>
+      </p:grpSpPr>
+      <p:sp>
+        <p:nvSpPr>
+          <p:cNvPr id="5" name="Footer Placeholder 4">
+            <a:extLst>
+              <a:ext uri="{FF2B5EF4-FFF2-40B4-BE49-F238E27FC236}">
                 <a16:creationId xmlns:a16="http://schemas.microsoft.com/office/drawing/2014/main" id="{D2D93A42-AC09-BE16-53BA-5F3DF3DB5EE7}"/>
               </a:ext>
             </a:extLst>
@@ -22420,7 +25838,7 @@
             <a:fld id="{67E7CB4E-0848-4774-9F85-B38117CB1B54}" type="slidenum">
               <a:rPr lang="en-AU" smtClean="0"/>
               <a:pPr/>
-              <a:t>13</a:t>
+              <a:t>14</a:t>
             </a:fld>
             <a:endParaRPr lang="en-AU" dirty="0"/>
           </a:p>
@@ -22460,6 +25878,96 @@
           </a:p>
         </p:txBody>
       </p:sp>
+      <p:pic>
+        <p:nvPicPr>
+          <p:cNvPr id="4" name="Picture 3">
+            <a:extLst>
+              <a:ext uri="{FF2B5EF4-FFF2-40B4-BE49-F238E27FC236}">
+                <a16:creationId xmlns:a16="http://schemas.microsoft.com/office/drawing/2014/main" id="{AAFF5A00-1C1B-2480-07D2-1736C1F0D6FF}"/>
+              </a:ext>
+            </a:extLst>
+          </p:cNvPr>
+          <p:cNvPicPr>
+            <a:picLocks noChangeAspect="1"/>
+          </p:cNvPicPr>
+          <p:nvPr/>
+        </p:nvPicPr>
+        <p:blipFill>
+          <a:blip r:embed="rId3"/>
+          <a:stretch>
+            <a:fillRect/>
+          </a:stretch>
+        </p:blipFill>
+        <p:spPr>
+          <a:xfrm>
+            <a:off x="6143328" y="3940551"/>
+            <a:ext cx="9448800" cy="6905625"/>
+          </a:xfrm>
+          <a:prstGeom prst="rect">
+            <a:avLst/>
+          </a:prstGeom>
+        </p:spPr>
+      </p:pic>
+      <p:pic>
+        <p:nvPicPr>
+          <p:cNvPr id="7" name="Picture 6">
+            <a:extLst>
+              <a:ext uri="{FF2B5EF4-FFF2-40B4-BE49-F238E27FC236}">
+                <a16:creationId xmlns:a16="http://schemas.microsoft.com/office/drawing/2014/main" id="{A6DFFC45-BB94-1FF0-CF8E-F6F457FA16AE}"/>
+              </a:ext>
+            </a:extLst>
+          </p:cNvPr>
+          <p:cNvPicPr>
+            <a:picLocks noChangeAspect="1"/>
+          </p:cNvPicPr>
+          <p:nvPr/>
+        </p:nvPicPr>
+        <p:blipFill>
+          <a:blip r:embed="rId4"/>
+          <a:stretch>
+            <a:fillRect/>
+          </a:stretch>
+        </p:blipFill>
+        <p:spPr>
+          <a:xfrm>
+            <a:off x="1822848" y="2609528"/>
+            <a:ext cx="4937940" cy="2267418"/>
+          </a:xfrm>
+          <a:prstGeom prst="rect">
+            <a:avLst/>
+          </a:prstGeom>
+        </p:spPr>
+      </p:pic>
+      <p:pic>
+        <p:nvPicPr>
+          <p:cNvPr id="8" name="Picture 7">
+            <a:extLst>
+              <a:ext uri="{FF2B5EF4-FFF2-40B4-BE49-F238E27FC236}">
+                <a16:creationId xmlns:a16="http://schemas.microsoft.com/office/drawing/2014/main" id="{D2C186B0-7981-B47E-F301-CFB59B4A304F}"/>
+              </a:ext>
+            </a:extLst>
+          </p:cNvPr>
+          <p:cNvPicPr>
+            <a:picLocks noChangeAspect="1"/>
+          </p:cNvPicPr>
+          <p:nvPr/>
+        </p:nvPicPr>
+        <p:blipFill>
+          <a:blip r:embed="rId5"/>
+          <a:stretch>
+            <a:fillRect/>
+          </a:stretch>
+        </p:blipFill>
+        <p:spPr>
+          <a:xfrm>
+            <a:off x="16080432" y="10484579"/>
+            <a:ext cx="3921218" cy="2448272"/>
+          </a:xfrm>
+          <a:prstGeom prst="rect">
+            <a:avLst/>
+          </a:prstGeom>
+        </p:spPr>
+      </p:pic>
     </p:spTree>
     <p:extLst>
       <p:ext uri="{BB962C8B-B14F-4D97-AF65-F5344CB8AC3E}">
@@ -22473,7 +25981,7 @@
 </p:sld>
 </file>
 
-<file path=ppt/slides/slide14.xml><?xml version="1.0" encoding="utf-8"?>
+<file path=ppt/slides/slide15.xml><?xml version="1.0" encoding="utf-8"?>
 <p:sld xmlns:a="http://schemas.openxmlformats.org/drawingml/2006/main" xmlns:r="http://schemas.openxmlformats.org/officeDocument/2006/relationships" xmlns:p="http://schemas.openxmlformats.org/presentationml/2006/main">
   <p:cSld>
     <p:spTree>
@@ -22492,85 +26000,10 @@
       </p:grpSpPr>
       <p:sp>
         <p:nvSpPr>
-          <p:cNvPr id="2" name="Content Placeholder 1">
-            <a:extLst>
-              <a:ext uri="{FF2B5EF4-FFF2-40B4-BE49-F238E27FC236}">
-                <a16:creationId xmlns:a16="http://schemas.microsoft.com/office/drawing/2014/main" id="{70A240BD-C58F-DFDB-E361-927CB0058F7A}"/>
-              </a:ext>
-            </a:extLst>
-          </p:cNvPr>
-          <p:cNvSpPr>
-            <a:spLocks noGrp="1"/>
-          </p:cNvSpPr>
-          <p:nvPr>
-            <p:ph sz="half" idx="15"/>
-          </p:nvPr>
-        </p:nvSpPr>
-        <p:spPr/>
-        <p:txBody>
-          <a:bodyPr/>
-          <a:lstStyle/>
-          <a:p>
-            <a:endParaRPr lang="en-US"/>
-          </a:p>
-        </p:txBody>
-      </p:sp>
-      <p:sp>
-        <p:nvSpPr>
-          <p:cNvPr id="3" name="Content Placeholder 2">
-            <a:extLst>
-              <a:ext uri="{FF2B5EF4-FFF2-40B4-BE49-F238E27FC236}">
-                <a16:creationId xmlns:a16="http://schemas.microsoft.com/office/drawing/2014/main" id="{86DCF0E6-7CC4-E58A-4D9E-94B3A65478DC}"/>
-              </a:ext>
-            </a:extLst>
-          </p:cNvPr>
-          <p:cNvSpPr>
-            <a:spLocks noGrp="1"/>
-          </p:cNvSpPr>
-          <p:nvPr>
-            <p:ph sz="half" idx="16"/>
-          </p:nvPr>
-        </p:nvSpPr>
-        <p:spPr/>
-        <p:txBody>
-          <a:bodyPr/>
-          <a:lstStyle/>
-          <a:p>
-            <a:endParaRPr lang="en-US"/>
-          </a:p>
-        </p:txBody>
-      </p:sp>
-      <p:sp>
-        <p:nvSpPr>
-          <p:cNvPr id="4" name="Title 3">
-            <a:extLst>
-              <a:ext uri="{FF2B5EF4-FFF2-40B4-BE49-F238E27FC236}">
-                <a16:creationId xmlns:a16="http://schemas.microsoft.com/office/drawing/2014/main" id="{E3960559-95A0-6CA3-41DD-BDD7EC92B481}"/>
-              </a:ext>
-            </a:extLst>
-          </p:cNvPr>
-          <p:cNvSpPr>
-            <a:spLocks noGrp="1"/>
-          </p:cNvSpPr>
-          <p:nvPr>
-            <p:ph type="title"/>
-          </p:nvPr>
-        </p:nvSpPr>
-        <p:spPr/>
-        <p:txBody>
-          <a:bodyPr/>
-          <a:lstStyle/>
-          <a:p>
-            <a:endParaRPr lang="en-US"/>
-          </a:p>
-        </p:txBody>
-      </p:sp>
-      <p:sp>
-        <p:nvSpPr>
           <p:cNvPr id="5" name="Footer Placeholder 4">
             <a:extLst>
               <a:ext uri="{FF2B5EF4-FFF2-40B4-BE49-F238E27FC236}">
-                <a16:creationId xmlns:a16="http://schemas.microsoft.com/office/drawing/2014/main" id="{5F1F19CC-D237-EE02-C07D-144B434CB521}"/>
+                <a16:creationId xmlns:a16="http://schemas.microsoft.com/office/drawing/2014/main" id="{D2D93A42-AC09-BE16-53BA-5F3DF3DB5EE7}"/>
               </a:ext>
             </a:extLst>
           </p:cNvPr>
@@ -22599,7 +26032,7 @@
           <p:cNvPr id="6" name="Slide Number Placeholder 5">
             <a:extLst>
               <a:ext uri="{FF2B5EF4-FFF2-40B4-BE49-F238E27FC236}">
-                <a16:creationId xmlns:a16="http://schemas.microsoft.com/office/drawing/2014/main" id="{868DD05F-3A65-624C-9DB6-993672DBE7A1}"/>
+                <a16:creationId xmlns:a16="http://schemas.microsoft.com/office/drawing/2014/main" id="{CD4B6C8B-7974-95C4-6BDD-8CD3355B20EE}"/>
               </a:ext>
             </a:extLst>
           </p:cNvPr>
@@ -22618,7 +26051,7 @@
             <a:fld id="{67E7CB4E-0848-4774-9F85-B38117CB1B54}" type="slidenum">
               <a:rPr lang="en-AU" smtClean="0"/>
               <a:pPr/>
-              <a:t>14</a:t>
+              <a:t>15</a:t>
             </a:fld>
             <a:endParaRPr lang="en-AU" dirty="0"/>
           </a:p>
@@ -22626,10 +26059,10 @@
       </p:sp>
       <p:sp>
         <p:nvSpPr>
-          <p:cNvPr id="7" name="Text Placeholder 6">
+          <p:cNvPr id="11" name="Title 3">
             <a:extLst>
               <a:ext uri="{FF2B5EF4-FFF2-40B4-BE49-F238E27FC236}">
-                <a16:creationId xmlns:a16="http://schemas.microsoft.com/office/drawing/2014/main" id="{05C3779A-AE24-01C0-C690-8E96F518EC83}"/>
+                <a16:creationId xmlns:a16="http://schemas.microsoft.com/office/drawing/2014/main" id="{D5172EF1-C4D0-9CC7-4CAF-A5A26F24C5E1}"/>
               </a:ext>
             </a:extLst>
           </p:cNvPr>
@@ -22637,22 +26070,109 @@
             <a:spLocks noGrp="1"/>
           </p:cNvSpPr>
           <p:nvPr>
-            <p:ph type="body" sz="quarter" idx="13"/>
+            <p:ph type="title"/>
           </p:nvPr>
         </p:nvSpPr>
-        <p:spPr/>
+        <p:spPr>
+          <a:xfrm>
+            <a:off x="1080000" y="1125271"/>
+            <a:ext cx="22201232" cy="701456"/>
+          </a:xfrm>
+        </p:spPr>
         <p:txBody>
           <a:bodyPr/>
           <a:lstStyle/>
           <a:p>
-            <a:endParaRPr lang="en-US"/>
+            <a:r>
+              <a:rPr lang="en-US" b="1" dirty="0"/>
+              <a:t>4. Bridge</a:t>
+            </a:r>
+            <a:endParaRPr lang="en-US" dirty="0"/>
           </a:p>
         </p:txBody>
       </p:sp>
+      <p:pic>
+        <p:nvPicPr>
+          <p:cNvPr id="2" name="Content Placeholder 4" descr="Diagram&#10;&#10;Description automatically generated">
+            <a:extLst>
+              <a:ext uri="{FF2B5EF4-FFF2-40B4-BE49-F238E27FC236}">
+                <a16:creationId xmlns:a16="http://schemas.microsoft.com/office/drawing/2014/main" id="{DB36D411-54D6-A96F-FCD0-315A1053F21A}"/>
+              </a:ext>
+            </a:extLst>
+          </p:cNvPr>
+          <p:cNvPicPr>
+            <a:picLocks noChangeAspect="1"/>
+          </p:cNvPicPr>
+          <p:nvPr/>
+        </p:nvPicPr>
+        <p:blipFill>
+          <a:blip r:embed="rId3">
+            <a:extLst>
+              <a:ext uri="{28A0092B-C50C-407E-A947-70E740481C1C}">
+                <a14:useLocalDpi xmlns:a14="http://schemas.microsoft.com/office/drawing/2010/main" val="0"/>
+              </a:ext>
+            </a:extLst>
+          </a:blip>
+          <a:stretch>
+            <a:fillRect/>
+          </a:stretch>
+        </p:blipFill>
+        <p:spPr>
+          <a:xfrm>
+            <a:off x="10210218" y="2312628"/>
+            <a:ext cx="13396884" cy="9090743"/>
+          </a:xfrm>
+          <a:prstGeom prst="rect">
+            <a:avLst/>
+          </a:prstGeom>
+          <a:ln w="38100" cap="sq">
+            <a:solidFill>
+              <a:srgbClr val="000000"/>
+            </a:solidFill>
+            <a:prstDash val="solid"/>
+            <a:miter lim="800000"/>
+          </a:ln>
+          <a:effectLst>
+            <a:outerShdw blurRad="50800" dist="38100" dir="2700000" algn="tl" rotWithShape="0">
+              <a:srgbClr val="000000">
+                <a:alpha val="43000"/>
+              </a:srgbClr>
+            </a:outerShdw>
+          </a:effectLst>
+        </p:spPr>
+      </p:pic>
+      <p:graphicFrame>
+        <p:nvGraphicFramePr>
+          <p:cNvPr id="4" name="Diagram 3">
+            <a:extLst>
+              <a:ext uri="{FF2B5EF4-FFF2-40B4-BE49-F238E27FC236}">
+                <a16:creationId xmlns:a16="http://schemas.microsoft.com/office/drawing/2014/main" id="{951866A2-79F5-817E-BC3A-F7AB25B79578}"/>
+              </a:ext>
+            </a:extLst>
+          </p:cNvPr>
+          <p:cNvGraphicFramePr/>
+          <p:nvPr>
+            <p:extLst>
+              <p:ext uri="{D42A27DB-BD31-4B8C-83A1-F6EECF244321}">
+                <p14:modId xmlns:p14="http://schemas.microsoft.com/office/powerpoint/2010/main" val="3691249488"/>
+              </p:ext>
+            </p:extLst>
+          </p:nvPr>
+        </p:nvGraphicFramePr>
+        <p:xfrm>
+          <a:off x="1210646" y="3473624"/>
+          <a:ext cx="6264696" cy="5976664"/>
+        </p:xfrm>
+        <a:graphic>
+          <a:graphicData uri="http://schemas.openxmlformats.org/drawingml/2006/diagram">
+            <dgm:relIds xmlns:dgm="http://schemas.openxmlformats.org/drawingml/2006/diagram" xmlns:r="http://schemas.openxmlformats.org/officeDocument/2006/relationships" r:dm="rId4" r:lo="rId5" r:qs="rId6" r:cs="rId7"/>
+          </a:graphicData>
+        </a:graphic>
+      </p:graphicFrame>
     </p:spTree>
     <p:extLst>
       <p:ext uri="{BB962C8B-B14F-4D97-AF65-F5344CB8AC3E}">
-        <p14:creationId xmlns:p14="http://schemas.microsoft.com/office/powerpoint/2010/main" val="3394186981"/>
+        <p14:creationId xmlns:p14="http://schemas.microsoft.com/office/powerpoint/2010/main" val="4219639883"/>
       </p:ext>
     </p:extLst>
   </p:cSld>
@@ -22662,7 +26182,7 @@
 </p:sld>
 </file>
 
-<file path=ppt/slides/slide15.xml><?xml version="1.0" encoding="utf-8"?>
+<file path=ppt/slides/slide16.xml><?xml version="1.0" encoding="utf-8"?>
 <p:sld xmlns:a="http://schemas.openxmlformats.org/drawingml/2006/main" xmlns:r="http://schemas.openxmlformats.org/officeDocument/2006/relationships" xmlns:p="http://schemas.openxmlformats.org/presentationml/2006/main">
   <p:cSld>
     <p:spTree>
@@ -22806,7 +26326,7 @@
             <a:fld id="{67E7CB4E-0848-4774-9F85-B38117CB1B54}" type="slidenum">
               <a:rPr lang="en-AU" smtClean="0"/>
               <a:pPr/>
-              <a:t>15</a:t>
+              <a:t>16</a:t>
             </a:fld>
             <a:endParaRPr lang="en-AU"/>
           </a:p>
@@ -25164,37 +28684,12 @@
 </file>
 
 <file path=customXml/item1.xml><?xml version="1.0" encoding="utf-8"?>
-<p:properties xmlns:p="http://schemas.microsoft.com/office/2006/metadata/properties" xmlns:xsi="http://www.w3.org/2001/XMLSchema-instance" xmlns:pc="http://schemas.microsoft.com/office/infopath/2007/PartnerControls">
-  <documentManagement>
-    <m31bf1e07b944e52adeba921bc267c6f xmlns="5b887053-13c9-4ef0-8e1a-18d371f97b0f">
-      <Terms xmlns="http://schemas.microsoft.com/office/infopath/2007/PartnerControls">
-        <TermInfo xmlns="http://schemas.microsoft.com/office/infopath/2007/PartnerControls">
-          <TermName xmlns="http://schemas.microsoft.com/office/infopath/2007/PartnerControls">Template</TermName>
-          <TermId xmlns="http://schemas.microsoft.com/office/infopath/2007/PartnerControls">4cb20c5d-8684-4c01-8767-8f31339dae89</TermId>
-        </TermInfo>
-      </Terms>
-    </m31bf1e07b944e52adeba921bc267c6f>
-    <b0c2500a83b44d29aa19c43daa01cbea xmlns="5b887053-13c9-4ef0-8e1a-18d371f97b0f">
-      <Terms xmlns="http://schemas.microsoft.com/office/infopath/2007/PartnerControls">
-        <TermInfo xmlns="http://schemas.microsoft.com/office/infopath/2007/PartnerControls">
-          <TermName xmlns="http://schemas.microsoft.com/office/infopath/2007/PartnerControls">External Presentation Templates</TermName>
-          <TermId xmlns="http://schemas.microsoft.com/office/infopath/2007/PartnerControls">caad3a6e-0773-4fd4-8a19-b76678610a1f</TermId>
-        </TermInfo>
-      </Terms>
-    </b0c2500a83b44d29aa19c43daa01cbea>
-    <TaxCatchAll xmlns="5b887053-13c9-4ef0-8e1a-18d371f97b0f">
-      <Value>529</Value>
-      <Value>535</Value>
-    </TaxCatchAll>
-    <SharedWithUsers xmlns="5b887053-13c9-4ef0-8e1a-18d371f97b0f">
-      <UserInfo>
-        <DisplayName/>
-        <AccountId xsi:nil="true"/>
-        <AccountType/>
-      </UserInfo>
-    </SharedWithUsers>
-  </documentManagement>
-</p:properties>
+<?mso-contentType ?>
+<FormTemplates xmlns="http://schemas.microsoft.com/sharepoint/v3/contenttype/forms">
+  <Display>DocumentLibraryForm</Display>
+  <Edit>DocumentLibraryForm</Edit>
+  <New>DocumentLibraryForm</New>
+</FormTemplates>
 </file>
 
 <file path=customXml/item2.xml><?xml version="1.0" encoding="utf-8"?>
@@ -25431,27 +28926,43 @@
 </file>
 
 <file path=customXml/item3.xml><?xml version="1.0" encoding="utf-8"?>
-<?mso-contentType ?>
-<FormTemplates xmlns="http://schemas.microsoft.com/sharepoint/v3/contenttype/forms">
-  <Display>DocumentLibraryForm</Display>
-  <Edit>DocumentLibraryForm</Edit>
-  <New>DocumentLibraryForm</New>
-</FormTemplates>
+<p:properties xmlns:p="http://schemas.microsoft.com/office/2006/metadata/properties" xmlns:xsi="http://www.w3.org/2001/XMLSchema-instance" xmlns:pc="http://schemas.microsoft.com/office/infopath/2007/PartnerControls">
+  <documentManagement>
+    <m31bf1e07b944e52adeba921bc267c6f xmlns="5b887053-13c9-4ef0-8e1a-18d371f97b0f">
+      <Terms xmlns="http://schemas.microsoft.com/office/infopath/2007/PartnerControls">
+        <TermInfo xmlns="http://schemas.microsoft.com/office/infopath/2007/PartnerControls">
+          <TermName xmlns="http://schemas.microsoft.com/office/infopath/2007/PartnerControls">Template</TermName>
+          <TermId xmlns="http://schemas.microsoft.com/office/infopath/2007/PartnerControls">4cb20c5d-8684-4c01-8767-8f31339dae89</TermId>
+        </TermInfo>
+      </Terms>
+    </m31bf1e07b944e52adeba921bc267c6f>
+    <b0c2500a83b44d29aa19c43daa01cbea xmlns="5b887053-13c9-4ef0-8e1a-18d371f97b0f">
+      <Terms xmlns="http://schemas.microsoft.com/office/infopath/2007/PartnerControls">
+        <TermInfo xmlns="http://schemas.microsoft.com/office/infopath/2007/PartnerControls">
+          <TermName xmlns="http://schemas.microsoft.com/office/infopath/2007/PartnerControls">External Presentation Templates</TermName>
+          <TermId xmlns="http://schemas.microsoft.com/office/infopath/2007/PartnerControls">caad3a6e-0773-4fd4-8a19-b76678610a1f</TermId>
+        </TermInfo>
+      </Terms>
+    </b0c2500a83b44d29aa19c43daa01cbea>
+    <TaxCatchAll xmlns="5b887053-13c9-4ef0-8e1a-18d371f97b0f">
+      <Value>529</Value>
+      <Value>535</Value>
+    </TaxCatchAll>
+    <SharedWithUsers xmlns="5b887053-13c9-4ef0-8e1a-18d371f97b0f">
+      <UserInfo>
+        <DisplayName/>
+        <AccountId xsi:nil="true"/>
+        <AccountType/>
+      </UserInfo>
+    </SharedWithUsers>
+  </documentManagement>
+</p:properties>
 </file>
 
 <file path=customXml/itemProps1.xml><?xml version="1.0" encoding="utf-8"?>
-<ds:datastoreItem xmlns:ds="http://schemas.openxmlformats.org/officeDocument/2006/customXml" ds:itemID="{FDC47B46-8518-488D-ACE5-55099526A1A9}">
+<ds:datastoreItem xmlns:ds="http://schemas.openxmlformats.org/officeDocument/2006/customXml" ds:itemID="{D703E6E5-489B-4004-B595-51B1421CF944}">
   <ds:schemaRefs>
-    <ds:schemaRef ds:uri="http://schemas.microsoft.com/office/2006/metadata/properties"/>
-    <ds:schemaRef ds:uri="http://purl.org/dc/terms/"/>
-    <ds:schemaRef ds:uri="http://schemas.microsoft.com/office/2006/documentManagement/types"/>
-    <ds:schemaRef ds:uri="http://schemas.microsoft.com/office/infopath/2007/PartnerControls"/>
-    <ds:schemaRef ds:uri="http://purl.org/dc/elements/1.1/"/>
-    <ds:schemaRef ds:uri="http://www.w3.org/XML/1998/namespace"/>
-    <ds:schemaRef ds:uri="0cb0f8a9-a4a1-4c3c-bc15-be6ee1e258a4"/>
-    <ds:schemaRef ds:uri="http://schemas.openxmlformats.org/package/2006/metadata/core-properties"/>
-    <ds:schemaRef ds:uri="5b887053-13c9-4ef0-8e1a-18d371f97b0f"/>
-    <ds:schemaRef ds:uri="http://purl.org/dc/dcmitype/"/>
+    <ds:schemaRef ds:uri="http://schemas.microsoft.com/sharepoint/v3/contenttype/forms"/>
   </ds:schemaRefs>
 </ds:datastoreItem>
 </file>
@@ -25476,9 +28987,18 @@
 </file>
 
 <file path=customXml/itemProps3.xml><?xml version="1.0" encoding="utf-8"?>
-<ds:datastoreItem xmlns:ds="http://schemas.openxmlformats.org/officeDocument/2006/customXml" ds:itemID="{D703E6E5-489B-4004-B595-51B1421CF944}">
+<ds:datastoreItem xmlns:ds="http://schemas.openxmlformats.org/officeDocument/2006/customXml" ds:itemID="{FDC47B46-8518-488D-ACE5-55099526A1A9}">
   <ds:schemaRefs>
-    <ds:schemaRef ds:uri="http://schemas.microsoft.com/sharepoint/v3/contenttype/forms"/>
+    <ds:schemaRef ds:uri="http://schemas.microsoft.com/office/2006/metadata/properties"/>
+    <ds:schemaRef ds:uri="http://purl.org/dc/terms/"/>
+    <ds:schemaRef ds:uri="http://schemas.microsoft.com/office/2006/documentManagement/types"/>
+    <ds:schemaRef ds:uri="http://schemas.microsoft.com/office/infopath/2007/PartnerControls"/>
+    <ds:schemaRef ds:uri="http://purl.org/dc/elements/1.1/"/>
+    <ds:schemaRef ds:uri="http://www.w3.org/XML/1998/namespace"/>
+    <ds:schemaRef ds:uri="0cb0f8a9-a4a1-4c3c-bc15-be6ee1e258a4"/>
+    <ds:schemaRef ds:uri="http://schemas.openxmlformats.org/package/2006/metadata/core-properties"/>
+    <ds:schemaRef ds:uri="5b887053-13c9-4ef0-8e1a-18d371f97b0f"/>
+    <ds:schemaRef ds:uri="http://purl.org/dc/dcmitype/"/>
   </ds:schemaRefs>
 </ds:datastoreItem>
 </file>
--- a/DesignPatterns/Structural Design Patterns/Structural Design Patterns - WTG.pptx
+++ b/DesignPatterns/Structural Design Patterns/Structural Design Patterns - WTG.pptx
@@ -5,10 +5,10 @@
     <p:sldMasterId id="2147483648" r:id="rId4"/>
   </p:sldMasterIdLst>
   <p:notesMasterIdLst>
-    <p:notesMasterId r:id="rId21"/>
+    <p:notesMasterId r:id="rId25"/>
   </p:notesMasterIdLst>
   <p:handoutMasterIdLst>
-    <p:handoutMasterId r:id="rId22"/>
+    <p:handoutMasterId r:id="rId26"/>
   </p:handoutMasterIdLst>
   <p:sldIdLst>
     <p:sldId id="264" r:id="rId5"/>
@@ -26,7 +26,11 @@
     <p:sldId id="286" r:id="rId17"/>
     <p:sldId id="283" r:id="rId18"/>
     <p:sldId id="285" r:id="rId19"/>
-    <p:sldId id="271" r:id="rId20"/>
+    <p:sldId id="291" r:id="rId20"/>
+    <p:sldId id="287" r:id="rId21"/>
+    <p:sldId id="288" r:id="rId22"/>
+    <p:sldId id="290" r:id="rId23"/>
+    <p:sldId id="271" r:id="rId24"/>
   </p:sldIdLst>
   <p:sldSz cx="24384000" cy="13716000"/>
   <p:notesSz cx="6858000" cy="9144000"/>
@@ -151,7 +155,7 @@
 <p1510:revInfo xmlns:a="http://schemas.openxmlformats.org/drawingml/2006/main" xmlns:r="http://schemas.openxmlformats.org/officeDocument/2006/relationships" xmlns:p1510="http://schemas.microsoft.com/office/powerpoint/2015/10/main">
   <p1510:revLst>
     <p1510:client id="{037A9CA3-FDD3-4549-A1D4-BD9B1626C030}" v="76" dt="2023-03-19T01:03:48.412"/>
-    <p1510:client id="{90D147C7-6DF3-4858-A037-194481D7D906}" v="244" dt="2023-03-19T03:56:16.512"/>
+    <p1510:client id="{90D147C7-6DF3-4858-A037-194481D7D906}" v="392" dt="2023-03-19T06:04:26.628"/>
   </p1510:revLst>
 </p1510:revInfo>
 </file>
@@ -832,7 +836,7 @@
   <pc:docChgLst>
     <pc:chgData name="Nancy Li" userId="afc5209a-cf39-48d8-a57f-08cc8b772ec9" providerId="ADAL" clId="{90D147C7-6DF3-4858-A037-194481D7D906}"/>
     <pc:docChg chg="undo custSel addSld delSld modSld sldOrd">
-      <pc:chgData name="Nancy Li" userId="afc5209a-cf39-48d8-a57f-08cc8b772ec9" providerId="ADAL" clId="{90D147C7-6DF3-4858-A037-194481D7D906}" dt="2023-03-19T03:56:16.511" v="1038" actId="14233"/>
+      <pc:chgData name="Nancy Li" userId="afc5209a-cf39-48d8-a57f-08cc8b772ec9" providerId="ADAL" clId="{90D147C7-6DF3-4858-A037-194481D7D906}" dt="2023-03-19T06:04:29.815" v="1335" actId="20577"/>
       <pc:docMkLst>
         <pc:docMk/>
       </pc:docMkLst>
@@ -979,7 +983,7 @@
         </pc:picChg>
       </pc:sldChg>
       <pc:sldChg chg="addSp delSp modSp mod modNotesTx">
-        <pc:chgData name="Nancy Li" userId="afc5209a-cf39-48d8-a57f-08cc8b772ec9" providerId="ADAL" clId="{90D147C7-6DF3-4858-A037-194481D7D906}" dt="2023-03-19T02:24:10.730" v="402" actId="20577"/>
+        <pc:chgData name="Nancy Li" userId="afc5209a-cf39-48d8-a57f-08cc8b772ec9" providerId="ADAL" clId="{90D147C7-6DF3-4858-A037-194481D7D906}" dt="2023-03-19T05:28:48.220" v="1243" actId="20577"/>
         <pc:sldMkLst>
           <pc:docMk/>
           <pc:sldMk cId="2672017147" sldId="276"/>
@@ -1008,6 +1012,14 @@
             <ac:spMk id="4" creationId="{9B3B5248-60EC-C858-6B0A-A905DD92C91A}"/>
           </ac:spMkLst>
         </pc:spChg>
+        <pc:spChg chg="mod">
+          <ac:chgData name="Nancy Li" userId="afc5209a-cf39-48d8-a57f-08cc8b772ec9" providerId="ADAL" clId="{90D147C7-6DF3-4858-A037-194481D7D906}" dt="2023-03-19T05:28:48.220" v="1243" actId="20577"/>
+          <ac:spMkLst>
+            <pc:docMk/>
+            <pc:sldMk cId="2672017147" sldId="276"/>
+            <ac:spMk id="5" creationId="{F826E605-21CC-2A16-6E44-1DAEED471485}"/>
+          </ac:spMkLst>
+        </pc:spChg>
         <pc:spChg chg="del">
           <ac:chgData name="Nancy Li" userId="afc5209a-cf39-48d8-a57f-08cc8b772ec9" providerId="ADAL" clId="{90D147C7-6DF3-4858-A037-194481D7D906}" dt="2023-03-19T01:10:34.962" v="21" actId="478"/>
           <ac:spMkLst>
@@ -1026,7 +1038,7 @@
         </pc:picChg>
       </pc:sldChg>
       <pc:sldChg chg="addSp delSp modSp new mod modNotesTx">
-        <pc:chgData name="Nancy Li" userId="afc5209a-cf39-48d8-a57f-08cc8b772ec9" providerId="ADAL" clId="{90D147C7-6DF3-4858-A037-194481D7D906}" dt="2023-03-19T02:25:37.285" v="410" actId="1076"/>
+        <pc:chgData name="Nancy Li" userId="afc5209a-cf39-48d8-a57f-08cc8b772ec9" providerId="ADAL" clId="{90D147C7-6DF3-4858-A037-194481D7D906}" dt="2023-03-19T05:28:41.636" v="1241" actId="20577"/>
         <pc:sldMkLst>
           <pc:docMk/>
           <pc:sldMk cId="3495813387" sldId="277"/>
@@ -1053,6 +1065,14 @@
             <pc:docMk/>
             <pc:sldMk cId="3495813387" sldId="277"/>
             <ac:spMk id="4" creationId="{5F95D3E1-526F-849B-D8B3-C74CDD6A38C0}"/>
+          </ac:spMkLst>
+        </pc:spChg>
+        <pc:spChg chg="mod">
+          <ac:chgData name="Nancy Li" userId="afc5209a-cf39-48d8-a57f-08cc8b772ec9" providerId="ADAL" clId="{90D147C7-6DF3-4858-A037-194481D7D906}" dt="2023-03-19T05:28:41.636" v="1241" actId="20577"/>
+          <ac:spMkLst>
+            <pc:docMk/>
+            <pc:sldMk cId="3495813387" sldId="277"/>
+            <ac:spMk id="5" creationId="{FB25E7BA-6CEF-CB5C-A4F2-E65A4ADD4C55}"/>
           </ac:spMkLst>
         </pc:spChg>
         <pc:spChg chg="del">
@@ -1104,8 +1124,8 @@
           </ac:picMkLst>
         </pc:picChg>
       </pc:sldChg>
-      <pc:sldChg chg="addSp delSp modSp new mod modNotesTx">
-        <pc:chgData name="Nancy Li" userId="afc5209a-cf39-48d8-a57f-08cc8b772ec9" providerId="ADAL" clId="{90D147C7-6DF3-4858-A037-194481D7D906}" dt="2023-03-19T01:15:14.201" v="78" actId="1076"/>
+      <pc:sldChg chg="addSp delSp modSp new mod ord modNotesTx">
+        <pc:chgData name="Nancy Li" userId="afc5209a-cf39-48d8-a57f-08cc8b772ec9" providerId="ADAL" clId="{90D147C7-6DF3-4858-A037-194481D7D906}" dt="2023-03-19T05:32:19.460" v="1245"/>
         <pc:sldMkLst>
           <pc:docMk/>
           <pc:sldMk cId="2067632723" sldId="278"/>
@@ -1134,6 +1154,14 @@
             <ac:spMk id="4" creationId="{E2C8A0BF-2B1C-EDEF-418C-3D54D33EB5F4}"/>
           </ac:spMkLst>
         </pc:spChg>
+        <pc:spChg chg="mod">
+          <ac:chgData name="Nancy Li" userId="afc5209a-cf39-48d8-a57f-08cc8b772ec9" providerId="ADAL" clId="{90D147C7-6DF3-4858-A037-194481D7D906}" dt="2023-03-19T05:28:36.186" v="1239" actId="20577"/>
+          <ac:spMkLst>
+            <pc:docMk/>
+            <pc:sldMk cId="2067632723" sldId="278"/>
+            <ac:spMk id="5" creationId="{40EDA1DE-3240-2AA3-9B3C-6120103F4000}"/>
+          </ac:spMkLst>
+        </pc:spChg>
         <pc:spChg chg="del">
           <ac:chgData name="Nancy Li" userId="afc5209a-cf39-48d8-a57f-08cc8b772ec9" providerId="ADAL" clId="{90D147C7-6DF3-4858-A037-194481D7D906}" dt="2023-03-19T01:14:50.168" v="71" actId="478"/>
           <ac:spMkLst>
@@ -1160,7 +1188,7 @@
         </pc:picChg>
       </pc:sldChg>
       <pc:sldChg chg="addSp delSp modSp new mod modNotesTx">
-        <pc:chgData name="Nancy Li" userId="afc5209a-cf39-48d8-a57f-08cc8b772ec9" providerId="ADAL" clId="{90D147C7-6DF3-4858-A037-194481D7D906}" dt="2023-03-19T02:15:55.587" v="315" actId="1076"/>
+        <pc:chgData name="Nancy Li" userId="afc5209a-cf39-48d8-a57f-08cc8b772ec9" providerId="ADAL" clId="{90D147C7-6DF3-4858-A037-194481D7D906}" dt="2023-03-19T05:28:30.394" v="1237" actId="20577"/>
         <pc:sldMkLst>
           <pc:docMk/>
           <pc:sldMk cId="1136555235" sldId="279"/>
@@ -1187,6 +1215,14 @@
             <pc:docMk/>
             <pc:sldMk cId="1136555235" sldId="279"/>
             <ac:spMk id="4" creationId="{C2A0FC30-DCED-587C-EC2B-3F11DAAE9E26}"/>
+          </ac:spMkLst>
+        </pc:spChg>
+        <pc:spChg chg="mod">
+          <ac:chgData name="Nancy Li" userId="afc5209a-cf39-48d8-a57f-08cc8b772ec9" providerId="ADAL" clId="{90D147C7-6DF3-4858-A037-194481D7D906}" dt="2023-03-19T05:28:30.394" v="1237" actId="20577"/>
+          <ac:spMkLst>
+            <pc:docMk/>
+            <pc:sldMk cId="1136555235" sldId="279"/>
+            <ac:spMk id="5" creationId="{D2D93A42-AC09-BE16-53BA-5F3DF3DB5EE7}"/>
           </ac:spMkLst>
         </pc:spChg>
         <pc:spChg chg="del">
@@ -1239,7 +1275,7 @@
         </pc:picChg>
       </pc:sldChg>
       <pc:sldChg chg="addSp delSp modSp add mod modNotesTx">
-        <pc:chgData name="Nancy Li" userId="afc5209a-cf39-48d8-a57f-08cc8b772ec9" providerId="ADAL" clId="{90D147C7-6DF3-4858-A037-194481D7D906}" dt="2023-03-19T02:36:24.852" v="466" actId="20577"/>
+        <pc:chgData name="Nancy Li" userId="afc5209a-cf39-48d8-a57f-08cc8b772ec9" providerId="ADAL" clId="{90D147C7-6DF3-4858-A037-194481D7D906}" dt="2023-03-19T05:28:18.435" v="1233" actId="20577"/>
         <pc:sldMkLst>
           <pc:docMk/>
           <pc:sldMk cId="689937238" sldId="280"/>
@@ -1250,6 +1286,14 @@
             <pc:docMk/>
             <pc:sldMk cId="689937238" sldId="280"/>
             <ac:spMk id="3" creationId="{317E29F8-059E-E80B-17E5-03C4A7E6C976}"/>
+          </ac:spMkLst>
+        </pc:spChg>
+        <pc:spChg chg="mod">
+          <ac:chgData name="Nancy Li" userId="afc5209a-cf39-48d8-a57f-08cc8b772ec9" providerId="ADAL" clId="{90D147C7-6DF3-4858-A037-194481D7D906}" dt="2023-03-19T05:28:18.435" v="1233" actId="20577"/>
+          <ac:spMkLst>
+            <pc:docMk/>
+            <pc:sldMk cId="689937238" sldId="280"/>
+            <ac:spMk id="5" creationId="{D2D93A42-AC09-BE16-53BA-5F3DF3DB5EE7}"/>
           </ac:spMkLst>
         </pc:spChg>
         <pc:graphicFrameChg chg="add mod">
@@ -1285,11 +1329,19 @@
         </pc:sldMkLst>
       </pc:sldChg>
       <pc:sldChg chg="addSp delSp modSp add mod ord modNotesTx">
-        <pc:chgData name="Nancy Li" userId="afc5209a-cf39-48d8-a57f-08cc8b772ec9" providerId="ADAL" clId="{90D147C7-6DF3-4858-A037-194481D7D906}" dt="2023-03-19T01:49:38.843" v="176" actId="1076"/>
+        <pc:chgData name="Nancy Li" userId="afc5209a-cf39-48d8-a57f-08cc8b772ec9" providerId="ADAL" clId="{90D147C7-6DF3-4858-A037-194481D7D906}" dt="2023-03-19T05:28:10.987" v="1229" actId="20577"/>
         <pc:sldMkLst>
           <pc:docMk/>
           <pc:sldMk cId="3198148765" sldId="282"/>
         </pc:sldMkLst>
+        <pc:spChg chg="mod">
+          <ac:chgData name="Nancy Li" userId="afc5209a-cf39-48d8-a57f-08cc8b772ec9" providerId="ADAL" clId="{90D147C7-6DF3-4858-A037-194481D7D906}" dt="2023-03-19T05:28:10.987" v="1229" actId="20577"/>
+          <ac:spMkLst>
+            <pc:docMk/>
+            <pc:sldMk cId="3198148765" sldId="282"/>
+            <ac:spMk id="5" creationId="{D2D93A42-AC09-BE16-53BA-5F3DF3DB5EE7}"/>
+          </ac:spMkLst>
+        </pc:spChg>
         <pc:picChg chg="add mod">
           <ac:chgData name="Nancy Li" userId="afc5209a-cf39-48d8-a57f-08cc8b772ec9" providerId="ADAL" clId="{90D147C7-6DF3-4858-A037-194481D7D906}" dt="2023-03-19T01:49:38.843" v="176" actId="1076"/>
           <ac:picMkLst>
@@ -1308,7 +1360,7 @@
         </pc:picChg>
       </pc:sldChg>
       <pc:sldChg chg="addSp delSp modSp add mod ord modNotesTx">
-        <pc:chgData name="Nancy Li" userId="afc5209a-cf39-48d8-a57f-08cc8b772ec9" providerId="ADAL" clId="{90D147C7-6DF3-4858-A037-194481D7D906}" dt="2023-03-19T03:50:23.142" v="1029"/>
+        <pc:chgData name="Nancy Li" userId="afc5209a-cf39-48d8-a57f-08cc8b772ec9" providerId="ADAL" clId="{90D147C7-6DF3-4858-A037-194481D7D906}" dt="2023-03-19T05:27:54.707" v="1225" actId="20577"/>
         <pc:sldMkLst>
           <pc:docMk/>
           <pc:sldMk cId="286972125" sldId="283"/>
@@ -1319,6 +1371,14 @@
             <pc:docMk/>
             <pc:sldMk cId="286972125" sldId="283"/>
             <ac:spMk id="3" creationId="{13C0A270-7095-9D32-A97F-D91623B5CDD0}"/>
+          </ac:spMkLst>
+        </pc:spChg>
+        <pc:spChg chg="mod">
+          <ac:chgData name="Nancy Li" userId="afc5209a-cf39-48d8-a57f-08cc8b772ec9" providerId="ADAL" clId="{90D147C7-6DF3-4858-A037-194481D7D906}" dt="2023-03-19T05:27:54.707" v="1225" actId="20577"/>
+          <ac:spMkLst>
+            <pc:docMk/>
+            <pc:sldMk cId="286972125" sldId="283"/>
+            <ac:spMk id="5" creationId="{D2D93A42-AC09-BE16-53BA-5F3DF3DB5EE7}"/>
           </ac:spMkLst>
         </pc:spChg>
         <pc:spChg chg="mod">
@@ -1387,11 +1447,19 @@
         </pc:picChg>
       </pc:sldChg>
       <pc:sldChg chg="addSp delSp modSp add mod ord modNotesTx">
-        <pc:chgData name="Nancy Li" userId="afc5209a-cf39-48d8-a57f-08cc8b772ec9" providerId="ADAL" clId="{90D147C7-6DF3-4858-A037-194481D7D906}" dt="2023-03-19T02:49:13.793" v="494"/>
+        <pc:chgData name="Nancy Li" userId="afc5209a-cf39-48d8-a57f-08cc8b772ec9" providerId="ADAL" clId="{90D147C7-6DF3-4858-A037-194481D7D906}" dt="2023-03-19T05:28:23.670" v="1235" actId="20577"/>
         <pc:sldMkLst>
           <pc:docMk/>
           <pc:sldMk cId="3425278781" sldId="284"/>
         </pc:sldMkLst>
+        <pc:spChg chg="mod">
+          <ac:chgData name="Nancy Li" userId="afc5209a-cf39-48d8-a57f-08cc8b772ec9" providerId="ADAL" clId="{90D147C7-6DF3-4858-A037-194481D7D906}" dt="2023-03-19T05:28:23.670" v="1235" actId="20577"/>
+          <ac:spMkLst>
+            <pc:docMk/>
+            <pc:sldMk cId="3425278781" sldId="284"/>
+            <ac:spMk id="5" creationId="{D2D93A42-AC09-BE16-53BA-5F3DF3DB5EE7}"/>
+          </ac:spMkLst>
+        </pc:spChg>
         <pc:spChg chg="add del mod">
           <ac:chgData name="Nancy Li" userId="afc5209a-cf39-48d8-a57f-08cc8b772ec9" providerId="ADAL" clId="{90D147C7-6DF3-4858-A037-194481D7D906}" dt="2023-03-19T02:09:25.813" v="259" actId="12084"/>
           <ac:spMkLst>
@@ -1514,7 +1582,7 @@
         </pc:picChg>
       </pc:sldChg>
       <pc:sldChg chg="addSp delSp modSp add mod modNotesTx">
-        <pc:chgData name="Nancy Li" userId="afc5209a-cf39-48d8-a57f-08cc8b772ec9" providerId="ADAL" clId="{90D147C7-6DF3-4858-A037-194481D7D906}" dt="2023-03-19T03:56:16.511" v="1038" actId="14233"/>
+        <pc:chgData name="Nancy Li" userId="afc5209a-cf39-48d8-a57f-08cc8b772ec9" providerId="ADAL" clId="{90D147C7-6DF3-4858-A037-194481D7D906}" dt="2023-03-19T05:39:26.302" v="1259" actId="1076"/>
         <pc:sldMkLst>
           <pc:docMk/>
           <pc:sldMk cId="4219639883" sldId="285"/>
@@ -1527,8 +1595,16 @@
             <ac:spMk id="3" creationId="{1FA8434F-99E3-CC8A-5BDA-5529094F9822}"/>
           </ac:spMkLst>
         </pc:spChg>
+        <pc:spChg chg="mod">
+          <ac:chgData name="Nancy Li" userId="afc5209a-cf39-48d8-a57f-08cc8b772ec9" providerId="ADAL" clId="{90D147C7-6DF3-4858-A037-194481D7D906}" dt="2023-03-19T05:27:50.386" v="1223" actId="20577"/>
+          <ac:spMkLst>
+            <pc:docMk/>
+            <pc:sldMk cId="4219639883" sldId="285"/>
+            <ac:spMk id="5" creationId="{D2D93A42-AC09-BE16-53BA-5F3DF3DB5EE7}"/>
+          </ac:spMkLst>
+        </pc:spChg>
         <pc:graphicFrameChg chg="add mod">
-          <ac:chgData name="Nancy Li" userId="afc5209a-cf39-48d8-a57f-08cc8b772ec9" providerId="ADAL" clId="{90D147C7-6DF3-4858-A037-194481D7D906}" dt="2023-03-19T03:56:16.511" v="1038" actId="14233"/>
+          <ac:chgData name="Nancy Li" userId="afc5209a-cf39-48d8-a57f-08cc8b772ec9" providerId="ADAL" clId="{90D147C7-6DF3-4858-A037-194481D7D906}" dt="2023-03-19T04:02:40.246" v="1076" actId="1076"/>
           <ac:graphicFrameMkLst>
             <pc:docMk/>
             <pc:sldMk cId="4219639883" sldId="285"/>
@@ -1536,7 +1612,7 @@
           </ac:graphicFrameMkLst>
         </pc:graphicFrameChg>
         <pc:picChg chg="add mod">
-          <ac:chgData name="Nancy Li" userId="afc5209a-cf39-48d8-a57f-08cc8b772ec9" providerId="ADAL" clId="{90D147C7-6DF3-4858-A037-194481D7D906}" dt="2023-03-19T03:55:51.827" v="1031" actId="1076"/>
+          <ac:chgData name="Nancy Li" userId="afc5209a-cf39-48d8-a57f-08cc8b772ec9" providerId="ADAL" clId="{90D147C7-6DF3-4858-A037-194481D7D906}" dt="2023-03-19T05:39:26.302" v="1259" actId="1076"/>
           <ac:picMkLst>
             <pc:docMk/>
             <pc:sldMk cId="4219639883" sldId="285"/>
@@ -1545,7 +1621,7 @@
         </pc:picChg>
       </pc:sldChg>
       <pc:sldChg chg="addSp delSp modSp new mod modNotesTx">
-        <pc:chgData name="Nancy Li" userId="afc5209a-cf39-48d8-a57f-08cc8b772ec9" providerId="ADAL" clId="{90D147C7-6DF3-4858-A037-194481D7D906}" dt="2023-03-19T03:49:04.153" v="1019" actId="6549"/>
+        <pc:chgData name="Nancy Li" userId="afc5209a-cf39-48d8-a57f-08cc8b772ec9" providerId="ADAL" clId="{90D147C7-6DF3-4858-A037-194481D7D906}" dt="2023-03-19T05:28:05.408" v="1227" actId="20577"/>
         <pc:sldMkLst>
           <pc:docMk/>
           <pc:sldMk cId="708375864" sldId="286"/>
@@ -1572,6 +1648,14 @@
             <pc:docMk/>
             <pc:sldMk cId="708375864" sldId="286"/>
             <ac:spMk id="4" creationId="{050B7D46-552E-81FC-3859-1F9B47B57A77}"/>
+          </ac:spMkLst>
+        </pc:spChg>
+        <pc:spChg chg="mod">
+          <ac:chgData name="Nancy Li" userId="afc5209a-cf39-48d8-a57f-08cc8b772ec9" providerId="ADAL" clId="{90D147C7-6DF3-4858-A037-194481D7D906}" dt="2023-03-19T05:28:05.408" v="1227" actId="20577"/>
+          <ac:spMkLst>
+            <pc:docMk/>
+            <pc:sldMk cId="708375864" sldId="286"/>
+            <ac:spMk id="5" creationId="{78C1D819-1EAA-FA3B-134F-A189BA78C75C}"/>
           </ac:spMkLst>
         </pc:spChg>
         <pc:spChg chg="del">
@@ -1647,6 +1731,280 @@
           </ac:picMkLst>
         </pc:picChg>
       </pc:sldChg>
+      <pc:sldChg chg="addSp delSp modSp new mod modNotesTx">
+        <pc:chgData name="Nancy Li" userId="afc5209a-cf39-48d8-a57f-08cc8b772ec9" providerId="ADAL" clId="{90D147C7-6DF3-4858-A037-194481D7D906}" dt="2023-03-19T05:58:56.278" v="1315" actId="20577"/>
+        <pc:sldMkLst>
+          <pc:docMk/>
+          <pc:sldMk cId="2982183561" sldId="287"/>
+        </pc:sldMkLst>
+        <pc:spChg chg="del">
+          <ac:chgData name="Nancy Li" userId="afc5209a-cf39-48d8-a57f-08cc8b772ec9" providerId="ADAL" clId="{90D147C7-6DF3-4858-A037-194481D7D906}" dt="2023-03-19T04:04:20.306" v="1081" actId="478"/>
+          <ac:spMkLst>
+            <pc:docMk/>
+            <pc:sldMk cId="2982183561" sldId="287"/>
+            <ac:spMk id="2" creationId="{6494E68D-F05F-82D9-28E7-C24124C72876}"/>
+          </ac:spMkLst>
+        </pc:spChg>
+        <pc:spChg chg="del">
+          <ac:chgData name="Nancy Li" userId="afc5209a-cf39-48d8-a57f-08cc8b772ec9" providerId="ADAL" clId="{90D147C7-6DF3-4858-A037-194481D7D906}" dt="2023-03-19T04:04:19.035" v="1080" actId="478"/>
+          <ac:spMkLst>
+            <pc:docMk/>
+            <pc:sldMk cId="2982183561" sldId="287"/>
+            <ac:spMk id="3" creationId="{C6C7A5C9-2C96-F6C1-07B5-3854D4BBF6A3}"/>
+          </ac:spMkLst>
+        </pc:spChg>
+        <pc:spChg chg="mod">
+          <ac:chgData name="Nancy Li" userId="afc5209a-cf39-48d8-a57f-08cc8b772ec9" providerId="ADAL" clId="{90D147C7-6DF3-4858-A037-194481D7D906}" dt="2023-03-19T04:04:37.297" v="1085" actId="20577"/>
+          <ac:spMkLst>
+            <pc:docMk/>
+            <pc:sldMk cId="2982183561" sldId="287"/>
+            <ac:spMk id="4" creationId="{370E3050-E260-4443-A9F3-74D872962D1B}"/>
+          </ac:spMkLst>
+        </pc:spChg>
+        <pc:spChg chg="mod">
+          <ac:chgData name="Nancy Li" userId="afc5209a-cf39-48d8-a57f-08cc8b772ec9" providerId="ADAL" clId="{90D147C7-6DF3-4858-A037-194481D7D906}" dt="2023-03-19T05:27:46.204" v="1221" actId="20577"/>
+          <ac:spMkLst>
+            <pc:docMk/>
+            <pc:sldMk cId="2982183561" sldId="287"/>
+            <ac:spMk id="5" creationId="{3461CDDC-106E-C60E-7693-3F055B66718A}"/>
+          </ac:spMkLst>
+        </pc:spChg>
+        <pc:spChg chg="del">
+          <ac:chgData name="Nancy Li" userId="afc5209a-cf39-48d8-a57f-08cc8b772ec9" providerId="ADAL" clId="{90D147C7-6DF3-4858-A037-194481D7D906}" dt="2023-03-19T04:04:18.004" v="1079" actId="478"/>
+          <ac:spMkLst>
+            <pc:docMk/>
+            <pc:sldMk cId="2982183561" sldId="287"/>
+            <ac:spMk id="7" creationId="{A1C6ED49-A529-83F7-70EF-58FE42185A15}"/>
+          </ac:spMkLst>
+        </pc:spChg>
+        <pc:picChg chg="add del mod">
+          <ac:chgData name="Nancy Li" userId="afc5209a-cf39-48d8-a57f-08cc8b772ec9" providerId="ADAL" clId="{90D147C7-6DF3-4858-A037-194481D7D906}" dt="2023-03-19T04:07:22.970" v="1109" actId="478"/>
+          <ac:picMkLst>
+            <pc:docMk/>
+            <pc:sldMk cId="2982183561" sldId="287"/>
+            <ac:picMk id="8" creationId="{4BF5E74D-6AD9-DF3A-7750-05270028BCA7}"/>
+          </ac:picMkLst>
+        </pc:picChg>
+        <pc:picChg chg="add mod">
+          <ac:chgData name="Nancy Li" userId="afc5209a-cf39-48d8-a57f-08cc8b772ec9" providerId="ADAL" clId="{90D147C7-6DF3-4858-A037-194481D7D906}" dt="2023-03-19T04:07:56.528" v="1127" actId="1076"/>
+          <ac:picMkLst>
+            <pc:docMk/>
+            <pc:sldMk cId="2982183561" sldId="287"/>
+            <ac:picMk id="9" creationId="{84C759BF-2FC5-57CC-8DA7-7EFA7C21572F}"/>
+          </ac:picMkLst>
+        </pc:picChg>
+        <pc:picChg chg="add mod">
+          <ac:chgData name="Nancy Li" userId="afc5209a-cf39-48d8-a57f-08cc8b772ec9" providerId="ADAL" clId="{90D147C7-6DF3-4858-A037-194481D7D906}" dt="2023-03-19T04:07:55.504" v="1126" actId="1076"/>
+          <ac:picMkLst>
+            <pc:docMk/>
+            <pc:sldMk cId="2982183561" sldId="287"/>
+            <ac:picMk id="1026" creationId="{0813743F-05A1-C6DD-FAF2-99FDBEA217A9}"/>
+          </ac:picMkLst>
+        </pc:picChg>
+      </pc:sldChg>
+      <pc:sldChg chg="addSp delSp modSp new mod modNotesTx">
+        <pc:chgData name="Nancy Li" userId="afc5209a-cf39-48d8-a57f-08cc8b772ec9" providerId="ADAL" clId="{90D147C7-6DF3-4858-A037-194481D7D906}" dt="2023-03-19T06:04:29.815" v="1335" actId="20577"/>
+        <pc:sldMkLst>
+          <pc:docMk/>
+          <pc:sldMk cId="3686350167" sldId="288"/>
+        </pc:sldMkLst>
+        <pc:spChg chg="del">
+          <ac:chgData name="Nancy Li" userId="afc5209a-cf39-48d8-a57f-08cc8b772ec9" providerId="ADAL" clId="{90D147C7-6DF3-4858-A037-194481D7D906}" dt="2023-03-19T04:05:32.074" v="1090"/>
+          <ac:spMkLst>
+            <pc:docMk/>
+            <pc:sldMk cId="3686350167" sldId="288"/>
+            <ac:spMk id="2" creationId="{48B72E6C-FB98-3F73-2BB0-35FB1CC21818}"/>
+          </ac:spMkLst>
+        </pc:spChg>
+        <pc:spChg chg="del">
+          <ac:chgData name="Nancy Li" userId="afc5209a-cf39-48d8-a57f-08cc8b772ec9" providerId="ADAL" clId="{90D147C7-6DF3-4858-A037-194481D7D906}" dt="2023-03-19T04:05:44.283" v="1091"/>
+          <ac:spMkLst>
+            <pc:docMk/>
+            <pc:sldMk cId="3686350167" sldId="288"/>
+            <ac:spMk id="3" creationId="{6678B621-CBE0-2884-35B2-2F89A366C88A}"/>
+          </ac:spMkLst>
+        </pc:spChg>
+        <pc:spChg chg="mod">
+          <ac:chgData name="Nancy Li" userId="afc5209a-cf39-48d8-a57f-08cc8b772ec9" providerId="ADAL" clId="{90D147C7-6DF3-4858-A037-194481D7D906}" dt="2023-03-19T04:06:49.796" v="1106"/>
+          <ac:spMkLst>
+            <pc:docMk/>
+            <pc:sldMk cId="3686350167" sldId="288"/>
+            <ac:spMk id="4" creationId="{C7619AC8-6616-2C9C-5624-75508337CF09}"/>
+          </ac:spMkLst>
+        </pc:spChg>
+        <pc:spChg chg="mod">
+          <ac:chgData name="Nancy Li" userId="afc5209a-cf39-48d8-a57f-08cc8b772ec9" providerId="ADAL" clId="{90D147C7-6DF3-4858-A037-194481D7D906}" dt="2023-03-19T05:27:37.146" v="1219" actId="20577"/>
+          <ac:spMkLst>
+            <pc:docMk/>
+            <pc:sldMk cId="3686350167" sldId="288"/>
+            <ac:spMk id="5" creationId="{BDB6E519-0A50-1687-920A-CE9D1ECA4A7A}"/>
+          </ac:spMkLst>
+        </pc:spChg>
+        <pc:spChg chg="del">
+          <ac:chgData name="Nancy Li" userId="afc5209a-cf39-48d8-a57f-08cc8b772ec9" providerId="ADAL" clId="{90D147C7-6DF3-4858-A037-194481D7D906}" dt="2023-03-19T04:06:44.244" v="1105" actId="478"/>
+          <ac:spMkLst>
+            <pc:docMk/>
+            <pc:sldMk cId="3686350167" sldId="288"/>
+            <ac:spMk id="7" creationId="{435BC60B-93E2-1304-444C-0D632F9BA095}"/>
+          </ac:spMkLst>
+        </pc:spChg>
+        <pc:spChg chg="add del mod">
+          <ac:chgData name="Nancy Li" userId="afc5209a-cf39-48d8-a57f-08cc8b772ec9" providerId="ADAL" clId="{90D147C7-6DF3-4858-A037-194481D7D906}" dt="2023-03-19T04:06:01.256" v="1092" actId="12084"/>
+          <ac:spMkLst>
+            <pc:docMk/>
+            <pc:sldMk cId="3686350167" sldId="288"/>
+            <ac:spMk id="9" creationId="{0C20A868-026C-FE99-1E70-DD85E48A348E}"/>
+          </ac:spMkLst>
+        </pc:spChg>
+        <pc:graphicFrameChg chg="add mod">
+          <ac:chgData name="Nancy Li" userId="afc5209a-cf39-48d8-a57f-08cc8b772ec9" providerId="ADAL" clId="{90D147C7-6DF3-4858-A037-194481D7D906}" dt="2023-03-19T04:06:40.109" v="1104" actId="1076"/>
+          <ac:graphicFrameMkLst>
+            <pc:docMk/>
+            <pc:sldMk cId="3686350167" sldId="288"/>
+            <ac:graphicFrameMk id="10" creationId="{2D6A7995-4A96-07BC-2E65-97DF114AF545}"/>
+          </ac:graphicFrameMkLst>
+        </pc:graphicFrameChg>
+        <pc:picChg chg="add mod">
+          <ac:chgData name="Nancy Li" userId="afc5209a-cf39-48d8-a57f-08cc8b772ec9" providerId="ADAL" clId="{90D147C7-6DF3-4858-A037-194481D7D906}" dt="2023-03-19T04:06:33.892" v="1102" actId="1076"/>
+          <ac:picMkLst>
+            <pc:docMk/>
+            <pc:sldMk cId="3686350167" sldId="288"/>
+            <ac:picMk id="8" creationId="{CECA5ECB-8081-17D6-9339-2E63490EA26E}"/>
+          </ac:picMkLst>
+        </pc:picChg>
+      </pc:sldChg>
+      <pc:sldChg chg="new del">
+        <pc:chgData name="Nancy Li" userId="afc5209a-cf39-48d8-a57f-08cc8b772ec9" providerId="ADAL" clId="{90D147C7-6DF3-4858-A037-194481D7D906}" dt="2023-03-19T04:08:20.988" v="1131" actId="47"/>
+        <pc:sldMkLst>
+          <pc:docMk/>
+          <pc:sldMk cId="287140367" sldId="289"/>
+        </pc:sldMkLst>
+      </pc:sldChg>
+      <pc:sldChg chg="addSp delSp modSp add mod modTransition setBg modClrScheme delDesignElem chgLayout">
+        <pc:chgData name="Nancy Li" userId="afc5209a-cf39-48d8-a57f-08cc8b772ec9" providerId="ADAL" clId="{90D147C7-6DF3-4858-A037-194481D7D906}" dt="2023-03-19T05:56:26.444" v="1311" actId="108"/>
+        <pc:sldMkLst>
+          <pc:docMk/>
+          <pc:sldMk cId="291393146" sldId="290"/>
+        </pc:sldMkLst>
+        <pc:spChg chg="mod">
+          <ac:chgData name="Nancy Li" userId="afc5209a-cf39-48d8-a57f-08cc8b772ec9" providerId="ADAL" clId="{90D147C7-6DF3-4858-A037-194481D7D906}" dt="2023-03-19T05:56:26.444" v="1311" actId="108"/>
+          <ac:spMkLst>
+            <pc:docMk/>
+            <pc:sldMk cId="291393146" sldId="290"/>
+            <ac:spMk id="6" creationId="{3FB7BDD9-9B0E-E59D-891E-50C1F28334AE}"/>
+          </ac:spMkLst>
+        </pc:spChg>
+        <pc:spChg chg="add del mod">
+          <ac:chgData name="Nancy Li" userId="afc5209a-cf39-48d8-a57f-08cc8b772ec9" providerId="ADAL" clId="{90D147C7-6DF3-4858-A037-194481D7D906}" dt="2023-03-19T04:12:43.523" v="1200" actId="478"/>
+          <ac:spMkLst>
+            <pc:docMk/>
+            <pc:sldMk cId="291393146" sldId="290"/>
+            <ac:spMk id="11" creationId="{0D24C0BF-6356-32F7-4873-0A16E6E03016}"/>
+          </ac:spMkLst>
+        </pc:spChg>
+        <pc:spChg chg="add mod">
+          <ac:chgData name="Nancy Li" userId="afc5209a-cf39-48d8-a57f-08cc8b772ec9" providerId="ADAL" clId="{90D147C7-6DF3-4858-A037-194481D7D906}" dt="2023-03-19T05:27:33.686" v="1217" actId="20577"/>
+          <ac:spMkLst>
+            <pc:docMk/>
+            <pc:sldMk cId="291393146" sldId="290"/>
+            <ac:spMk id="13" creationId="{3ECFF561-806D-930C-FF5C-2DB328C2407B}"/>
+          </ac:spMkLst>
+        </pc:spChg>
+        <pc:spChg chg="add mod">
+          <ac:chgData name="Nancy Li" userId="afc5209a-cf39-48d8-a57f-08cc8b772ec9" providerId="ADAL" clId="{90D147C7-6DF3-4858-A037-194481D7D906}" dt="2023-03-19T04:12:34.755" v="1198" actId="26606"/>
+          <ac:spMkLst>
+            <pc:docMk/>
+            <pc:sldMk cId="291393146" sldId="290"/>
+            <ac:spMk id="15" creationId="{7DA3C72D-E3B7-AFD2-2367-1B8758B57B30}"/>
+          </ac:spMkLst>
+        </pc:spChg>
+        <pc:spChg chg="add del mod">
+          <ac:chgData name="Nancy Li" userId="afc5209a-cf39-48d8-a57f-08cc8b772ec9" providerId="ADAL" clId="{90D147C7-6DF3-4858-A037-194481D7D906}" dt="2023-03-19T04:12:37.916" v="1199" actId="478"/>
+          <ac:spMkLst>
+            <pc:docMk/>
+            <pc:sldMk cId="291393146" sldId="290"/>
+            <ac:spMk id="17" creationId="{60A809AE-E43F-53B8-2FFE-8EAB694C03AA}"/>
+          </ac:spMkLst>
+        </pc:spChg>
+        <pc:spChg chg="del">
+          <ac:chgData name="Nancy Li" userId="afc5209a-cf39-48d8-a57f-08cc8b772ec9" providerId="ADAL" clId="{90D147C7-6DF3-4858-A037-194481D7D906}" dt="2023-03-19T04:08:15.833" v="1130"/>
+          <ac:spMkLst>
+            <pc:docMk/>
+            <pc:sldMk cId="291393146" sldId="290"/>
+            <ac:spMk id="27" creationId="{9DBC8166-481C-4473-95F5-9A5B9073B7F1}"/>
+          </ac:spMkLst>
+        </pc:spChg>
+        <pc:spChg chg="del">
+          <ac:chgData name="Nancy Li" userId="afc5209a-cf39-48d8-a57f-08cc8b772ec9" providerId="ADAL" clId="{90D147C7-6DF3-4858-A037-194481D7D906}" dt="2023-03-19T04:08:15.833" v="1130"/>
+          <ac:spMkLst>
+            <pc:docMk/>
+            <pc:sldMk cId="291393146" sldId="290"/>
+            <ac:spMk id="29" creationId="{A5A5CE6E-90AF-4D43-A014-1F9EC83EB93D}"/>
+          </ac:spMkLst>
+        </pc:spChg>
+        <pc:graphicFrameChg chg="mod modGraphic">
+          <ac:chgData name="Nancy Li" userId="afc5209a-cf39-48d8-a57f-08cc8b772ec9" providerId="ADAL" clId="{90D147C7-6DF3-4858-A037-194481D7D906}" dt="2023-03-19T05:55:56.513" v="1305" actId="20577"/>
+          <ac:graphicFrameMkLst>
+            <pc:docMk/>
+            <pc:sldMk cId="291393146" sldId="290"/>
+            <ac:graphicFrameMk id="4" creationId="{F24AEBD7-4394-A74A-64EE-2AE4E6086DB6}"/>
+          </ac:graphicFrameMkLst>
+        </pc:graphicFrameChg>
+      </pc:sldChg>
+      <pc:sldChg chg="add del">
+        <pc:chgData name="Nancy Li" userId="afc5209a-cf39-48d8-a57f-08cc8b772ec9" providerId="ADAL" clId="{90D147C7-6DF3-4858-A037-194481D7D906}" dt="2023-03-19T04:08:04.970" v="1128" actId="47"/>
+        <pc:sldMkLst>
+          <pc:docMk/>
+          <pc:sldMk cId="757141201" sldId="290"/>
+        </pc:sldMkLst>
+      </pc:sldChg>
+      <pc:sldChg chg="addSp delSp modSp new mod">
+        <pc:chgData name="Nancy Li" userId="afc5209a-cf39-48d8-a57f-08cc8b772ec9" providerId="ADAL" clId="{90D147C7-6DF3-4858-A037-194481D7D906}" dt="2023-03-19T05:38:35.024" v="1255" actId="478"/>
+        <pc:sldMkLst>
+          <pc:docMk/>
+          <pc:sldMk cId="1579779379" sldId="291"/>
+        </pc:sldMkLst>
+        <pc:spChg chg="del">
+          <ac:chgData name="Nancy Li" userId="afc5209a-cf39-48d8-a57f-08cc8b772ec9" providerId="ADAL" clId="{90D147C7-6DF3-4858-A037-194481D7D906}" dt="2023-03-19T05:38:14.013" v="1248" actId="478"/>
+          <ac:spMkLst>
+            <pc:docMk/>
+            <pc:sldMk cId="1579779379" sldId="291"/>
+            <ac:spMk id="2" creationId="{865E6FC0-4126-389D-8A9A-5F567455030A}"/>
+          </ac:spMkLst>
+        </pc:spChg>
+        <pc:spChg chg="del">
+          <ac:chgData name="Nancy Li" userId="afc5209a-cf39-48d8-a57f-08cc8b772ec9" providerId="ADAL" clId="{90D147C7-6DF3-4858-A037-194481D7D906}" dt="2023-03-19T05:38:12.370" v="1247" actId="478"/>
+          <ac:spMkLst>
+            <pc:docMk/>
+            <pc:sldMk cId="1579779379" sldId="291"/>
+            <ac:spMk id="3" creationId="{90950FD5-F0D0-2A5A-6368-0059B8560077}"/>
+          </ac:spMkLst>
+        </pc:spChg>
+        <pc:spChg chg="mod">
+          <ac:chgData name="Nancy Li" userId="afc5209a-cf39-48d8-a57f-08cc8b772ec9" providerId="ADAL" clId="{90D147C7-6DF3-4858-A037-194481D7D906}" dt="2023-03-19T05:38:31.389" v="1254"/>
+          <ac:spMkLst>
+            <pc:docMk/>
+            <pc:sldMk cId="1579779379" sldId="291"/>
+            <ac:spMk id="4" creationId="{FA4067E9-7A06-28F7-7A87-A21C210C94BD}"/>
+          </ac:spMkLst>
+        </pc:spChg>
+        <pc:spChg chg="del">
+          <ac:chgData name="Nancy Li" userId="afc5209a-cf39-48d8-a57f-08cc8b772ec9" providerId="ADAL" clId="{90D147C7-6DF3-4858-A037-194481D7D906}" dt="2023-03-19T05:38:35.024" v="1255" actId="478"/>
+          <ac:spMkLst>
+            <pc:docMk/>
+            <pc:sldMk cId="1579779379" sldId="291"/>
+            <ac:spMk id="7" creationId="{987A996D-3A29-30C0-E339-7B687D443E29}"/>
+          </ac:spMkLst>
+        </pc:spChg>
+        <pc:picChg chg="add mod">
+          <ac:chgData name="Nancy Li" userId="afc5209a-cf39-48d8-a57f-08cc8b772ec9" providerId="ADAL" clId="{90D147C7-6DF3-4858-A037-194481D7D906}" dt="2023-03-19T05:38:24.006" v="1253" actId="1076"/>
+          <ac:picMkLst>
+            <pc:docMk/>
+            <pc:sldMk cId="1579779379" sldId="291"/>
+            <ac:picMk id="9" creationId="{A9BF213F-C18B-FF9D-7C2B-F41CBFC9C66C}"/>
+          </ac:picMkLst>
+        </pc:picChg>
+      </pc:sldChg>
     </pc:docChg>
   </pc:docChgLst>
 </pc:chgInfo>
@@ -6100,6 +6458,1500 @@
   <dgm:styleLbl name="fgShp">
     <dgm:fillClrLst meth="repeat">
       <a:schemeClr val="accent1">
+        <a:tint val="60000"/>
+      </a:schemeClr>
+    </dgm:fillClrLst>
+    <dgm:linClrLst meth="repeat">
+      <a:schemeClr val="lt1"/>
+    </dgm:linClrLst>
+    <dgm:effectClrLst/>
+    <dgm:txLinClrLst/>
+    <dgm:txFillClrLst meth="repeat">
+      <a:schemeClr val="dk1"/>
+    </dgm:txFillClrLst>
+    <dgm:txEffectClrLst/>
+  </dgm:styleLbl>
+  <dgm:styleLbl name="revTx">
+    <dgm:fillClrLst meth="repeat">
+      <a:schemeClr val="lt1">
+        <a:alpha val="0"/>
+      </a:schemeClr>
+    </dgm:fillClrLst>
+    <dgm:linClrLst meth="repeat">
+      <a:schemeClr val="dk1">
+        <a:alpha val="0"/>
+      </a:schemeClr>
+    </dgm:linClrLst>
+    <dgm:effectClrLst/>
+    <dgm:txLinClrLst/>
+    <dgm:txFillClrLst meth="repeat">
+      <a:schemeClr val="tx1"/>
+    </dgm:txFillClrLst>
+    <dgm:txEffectClrLst/>
+  </dgm:styleLbl>
+</dgm:colorsDef>
+</file>
+
+<file path=ppt/diagrams/colors7.xml><?xml version="1.0" encoding="utf-8"?>
+<dgm:colorsDef xmlns:dgm="http://schemas.openxmlformats.org/drawingml/2006/diagram" xmlns:a="http://schemas.openxmlformats.org/drawingml/2006/main" uniqueId="urn:microsoft.com/office/officeart/2005/8/colors/accent1_2">
+  <dgm:title val=""/>
+  <dgm:desc val=""/>
+  <dgm:catLst>
+    <dgm:cat type="accent1" pri="11200"/>
+  </dgm:catLst>
+  <dgm:styleLbl name="node0">
+    <dgm:fillClrLst meth="repeat">
+      <a:schemeClr val="accent1"/>
+    </dgm:fillClrLst>
+    <dgm:linClrLst meth="repeat">
+      <a:schemeClr val="lt1"/>
+    </dgm:linClrLst>
+    <dgm:effectClrLst/>
+    <dgm:txLinClrLst/>
+    <dgm:txFillClrLst/>
+    <dgm:txEffectClrLst/>
+  </dgm:styleLbl>
+  <dgm:styleLbl name="alignNode1">
+    <dgm:fillClrLst meth="repeat">
+      <a:schemeClr val="accent1"/>
+    </dgm:fillClrLst>
+    <dgm:linClrLst meth="repeat">
+      <a:schemeClr val="accent1"/>
+    </dgm:linClrLst>
+    <dgm:effectClrLst/>
+    <dgm:txLinClrLst/>
+    <dgm:txFillClrLst/>
+    <dgm:txEffectClrLst/>
+  </dgm:styleLbl>
+  <dgm:styleLbl name="node1">
+    <dgm:fillClrLst meth="repeat">
+      <a:schemeClr val="accent1"/>
+    </dgm:fillClrLst>
+    <dgm:linClrLst meth="repeat">
+      <a:schemeClr val="lt1"/>
+    </dgm:linClrLst>
+    <dgm:effectClrLst/>
+    <dgm:txLinClrLst/>
+    <dgm:txFillClrLst/>
+    <dgm:txEffectClrLst/>
+  </dgm:styleLbl>
+  <dgm:styleLbl name="lnNode1">
+    <dgm:fillClrLst meth="repeat">
+      <a:schemeClr val="accent1"/>
+    </dgm:fillClrLst>
+    <dgm:linClrLst meth="repeat">
+      <a:schemeClr val="lt1"/>
+    </dgm:linClrLst>
+    <dgm:effectClrLst/>
+    <dgm:txLinClrLst/>
+    <dgm:txFillClrLst/>
+    <dgm:txEffectClrLst/>
+  </dgm:styleLbl>
+  <dgm:styleLbl name="vennNode1">
+    <dgm:fillClrLst meth="repeat">
+      <a:schemeClr val="accent1">
+        <a:alpha val="50000"/>
+      </a:schemeClr>
+    </dgm:fillClrLst>
+    <dgm:linClrLst meth="repeat">
+      <a:schemeClr val="lt1"/>
+    </dgm:linClrLst>
+    <dgm:effectClrLst/>
+    <dgm:txLinClrLst/>
+    <dgm:txFillClrLst/>
+    <dgm:txEffectClrLst/>
+  </dgm:styleLbl>
+  <dgm:styleLbl name="node2">
+    <dgm:fillClrLst meth="repeat">
+      <a:schemeClr val="accent1"/>
+    </dgm:fillClrLst>
+    <dgm:linClrLst meth="repeat">
+      <a:schemeClr val="lt1"/>
+    </dgm:linClrLst>
+    <dgm:effectClrLst/>
+    <dgm:txLinClrLst/>
+    <dgm:txFillClrLst/>
+    <dgm:txEffectClrLst/>
+  </dgm:styleLbl>
+  <dgm:styleLbl name="node3">
+    <dgm:fillClrLst meth="repeat">
+      <a:schemeClr val="accent1"/>
+    </dgm:fillClrLst>
+    <dgm:linClrLst meth="repeat">
+      <a:schemeClr val="lt1"/>
+    </dgm:linClrLst>
+    <dgm:effectClrLst/>
+    <dgm:txLinClrLst/>
+    <dgm:txFillClrLst/>
+    <dgm:txEffectClrLst/>
+  </dgm:styleLbl>
+  <dgm:styleLbl name="node4">
+    <dgm:fillClrLst meth="repeat">
+      <a:schemeClr val="accent1"/>
+    </dgm:fillClrLst>
+    <dgm:linClrLst meth="repeat">
+      <a:schemeClr val="lt1"/>
+    </dgm:linClrLst>
+    <dgm:effectClrLst/>
+    <dgm:txLinClrLst/>
+    <dgm:txFillClrLst/>
+    <dgm:txEffectClrLst/>
+  </dgm:styleLbl>
+  <dgm:styleLbl name="fgImgPlace1">
+    <dgm:fillClrLst meth="repeat">
+      <a:schemeClr val="accent1">
+        <a:tint val="50000"/>
+      </a:schemeClr>
+    </dgm:fillClrLst>
+    <dgm:linClrLst meth="repeat">
+      <a:schemeClr val="lt1"/>
+    </dgm:linClrLst>
+    <dgm:effectClrLst/>
+    <dgm:txLinClrLst/>
+    <dgm:txFillClrLst meth="repeat">
+      <a:schemeClr val="lt1"/>
+    </dgm:txFillClrLst>
+    <dgm:txEffectClrLst/>
+  </dgm:styleLbl>
+  <dgm:styleLbl name="alignImgPlace1">
+    <dgm:fillClrLst meth="repeat">
+      <a:schemeClr val="accent1">
+        <a:tint val="50000"/>
+      </a:schemeClr>
+    </dgm:fillClrLst>
+    <dgm:linClrLst meth="repeat">
+      <a:schemeClr val="lt1"/>
+    </dgm:linClrLst>
+    <dgm:effectClrLst/>
+    <dgm:txLinClrLst/>
+    <dgm:txFillClrLst meth="repeat">
+      <a:schemeClr val="lt1"/>
+    </dgm:txFillClrLst>
+    <dgm:txEffectClrLst/>
+  </dgm:styleLbl>
+  <dgm:styleLbl name="bgImgPlace1">
+    <dgm:fillClrLst meth="repeat">
+      <a:schemeClr val="accent1">
+        <a:tint val="50000"/>
+      </a:schemeClr>
+    </dgm:fillClrLst>
+    <dgm:linClrLst meth="repeat">
+      <a:schemeClr val="lt1"/>
+    </dgm:linClrLst>
+    <dgm:effectClrLst/>
+    <dgm:txLinClrLst/>
+    <dgm:txFillClrLst meth="repeat">
+      <a:schemeClr val="lt1"/>
+    </dgm:txFillClrLst>
+    <dgm:txEffectClrLst/>
+  </dgm:styleLbl>
+  <dgm:styleLbl name="sibTrans2D1">
+    <dgm:fillClrLst meth="repeat">
+      <a:schemeClr val="accent1">
+        <a:tint val="60000"/>
+      </a:schemeClr>
+    </dgm:fillClrLst>
+    <dgm:linClrLst meth="repeat">
+      <a:schemeClr val="accent1">
+        <a:tint val="60000"/>
+      </a:schemeClr>
+    </dgm:linClrLst>
+    <dgm:effectClrLst/>
+    <dgm:txLinClrLst/>
+    <dgm:txFillClrLst/>
+    <dgm:txEffectClrLst/>
+  </dgm:styleLbl>
+  <dgm:styleLbl name="fgSibTrans2D1">
+    <dgm:fillClrLst meth="repeat">
+      <a:schemeClr val="accent1">
+        <a:tint val="60000"/>
+      </a:schemeClr>
+    </dgm:fillClrLst>
+    <dgm:linClrLst meth="repeat">
+      <a:schemeClr val="accent1">
+        <a:tint val="60000"/>
+      </a:schemeClr>
+    </dgm:linClrLst>
+    <dgm:effectClrLst/>
+    <dgm:txLinClrLst/>
+    <dgm:txFillClrLst/>
+    <dgm:txEffectClrLst/>
+  </dgm:styleLbl>
+  <dgm:styleLbl name="bgSibTrans2D1">
+    <dgm:fillClrLst meth="repeat">
+      <a:schemeClr val="accent1">
+        <a:tint val="60000"/>
+      </a:schemeClr>
+    </dgm:fillClrLst>
+    <dgm:linClrLst meth="repeat">
+      <a:schemeClr val="accent1">
+        <a:tint val="60000"/>
+      </a:schemeClr>
+    </dgm:linClrLst>
+    <dgm:effectClrLst/>
+    <dgm:txLinClrLst/>
+    <dgm:txFillClrLst/>
+    <dgm:txEffectClrLst/>
+  </dgm:styleLbl>
+  <dgm:styleLbl name="sibTrans1D1">
+    <dgm:fillClrLst meth="repeat">
+      <a:schemeClr val="accent1"/>
+    </dgm:fillClrLst>
+    <dgm:linClrLst meth="repeat">
+      <a:schemeClr val="accent1"/>
+    </dgm:linClrLst>
+    <dgm:effectClrLst/>
+    <dgm:txLinClrLst/>
+    <dgm:txFillClrLst meth="repeat">
+      <a:schemeClr val="tx1"/>
+    </dgm:txFillClrLst>
+    <dgm:txEffectClrLst/>
+  </dgm:styleLbl>
+  <dgm:styleLbl name="callout">
+    <dgm:fillClrLst meth="repeat">
+      <a:schemeClr val="accent1"/>
+    </dgm:fillClrLst>
+    <dgm:linClrLst meth="repeat">
+      <a:schemeClr val="accent1">
+        <a:tint val="50000"/>
+      </a:schemeClr>
+    </dgm:linClrLst>
+    <dgm:effectClrLst/>
+    <dgm:txLinClrLst/>
+    <dgm:txFillClrLst meth="repeat">
+      <a:schemeClr val="tx1"/>
+    </dgm:txFillClrLst>
+    <dgm:txEffectClrLst/>
+  </dgm:styleLbl>
+  <dgm:styleLbl name="asst0">
+    <dgm:fillClrLst meth="repeat">
+      <a:schemeClr val="accent1"/>
+    </dgm:fillClrLst>
+    <dgm:linClrLst meth="repeat">
+      <a:schemeClr val="lt1"/>
+    </dgm:linClrLst>
+    <dgm:effectClrLst/>
+    <dgm:txLinClrLst/>
+    <dgm:txFillClrLst/>
+    <dgm:txEffectClrLst/>
+  </dgm:styleLbl>
+  <dgm:styleLbl name="asst1">
+    <dgm:fillClrLst meth="repeat">
+      <a:schemeClr val="accent1"/>
+    </dgm:fillClrLst>
+    <dgm:linClrLst meth="repeat">
+      <a:schemeClr val="lt1"/>
+    </dgm:linClrLst>
+    <dgm:effectClrLst/>
+    <dgm:txLinClrLst/>
+    <dgm:txFillClrLst/>
+    <dgm:txEffectClrLst/>
+  </dgm:styleLbl>
+  <dgm:styleLbl name="asst2">
+    <dgm:fillClrLst meth="repeat">
+      <a:schemeClr val="accent1"/>
+    </dgm:fillClrLst>
+    <dgm:linClrLst meth="repeat">
+      <a:schemeClr val="lt1"/>
+    </dgm:linClrLst>
+    <dgm:effectClrLst/>
+    <dgm:txLinClrLst/>
+    <dgm:txFillClrLst/>
+    <dgm:txEffectClrLst/>
+  </dgm:styleLbl>
+  <dgm:styleLbl name="asst3">
+    <dgm:fillClrLst meth="repeat">
+      <a:schemeClr val="accent1"/>
+    </dgm:fillClrLst>
+    <dgm:linClrLst meth="repeat">
+      <a:schemeClr val="lt1"/>
+    </dgm:linClrLst>
+    <dgm:effectClrLst/>
+    <dgm:txLinClrLst/>
+    <dgm:txFillClrLst/>
+    <dgm:txEffectClrLst/>
+  </dgm:styleLbl>
+  <dgm:styleLbl name="asst4">
+    <dgm:fillClrLst meth="repeat">
+      <a:schemeClr val="accent1"/>
+    </dgm:fillClrLst>
+    <dgm:linClrLst meth="repeat">
+      <a:schemeClr val="lt1"/>
+    </dgm:linClrLst>
+    <dgm:effectClrLst/>
+    <dgm:txLinClrLst/>
+    <dgm:txFillClrLst/>
+    <dgm:txEffectClrLst/>
+  </dgm:styleLbl>
+  <dgm:styleLbl name="parChTrans2D1">
+    <dgm:fillClrLst meth="repeat">
+      <a:schemeClr val="accent1">
+        <a:tint val="60000"/>
+      </a:schemeClr>
+    </dgm:fillClrLst>
+    <dgm:linClrLst meth="repeat">
+      <a:schemeClr val="accent1">
+        <a:tint val="60000"/>
+      </a:schemeClr>
+    </dgm:linClrLst>
+    <dgm:effectClrLst/>
+    <dgm:txLinClrLst/>
+    <dgm:txFillClrLst meth="repeat">
+      <a:schemeClr val="lt1"/>
+    </dgm:txFillClrLst>
+    <dgm:txEffectClrLst/>
+  </dgm:styleLbl>
+  <dgm:styleLbl name="parChTrans2D2">
+    <dgm:fillClrLst meth="repeat">
+      <a:schemeClr val="accent1"/>
+    </dgm:fillClrLst>
+    <dgm:linClrLst meth="repeat">
+      <a:schemeClr val="accent1"/>
+    </dgm:linClrLst>
+    <dgm:effectClrLst/>
+    <dgm:txLinClrLst/>
+    <dgm:txFillClrLst meth="repeat">
+      <a:schemeClr val="lt1"/>
+    </dgm:txFillClrLst>
+    <dgm:txEffectClrLst/>
+  </dgm:styleLbl>
+  <dgm:styleLbl name="parChTrans2D3">
+    <dgm:fillClrLst meth="repeat">
+      <a:schemeClr val="accent1"/>
+    </dgm:fillClrLst>
+    <dgm:linClrLst meth="repeat">
+      <a:schemeClr val="accent1"/>
+    </dgm:linClrLst>
+    <dgm:effectClrLst/>
+    <dgm:txLinClrLst/>
+    <dgm:txFillClrLst meth="repeat">
+      <a:schemeClr val="lt1"/>
+    </dgm:txFillClrLst>
+    <dgm:txEffectClrLst/>
+  </dgm:styleLbl>
+  <dgm:styleLbl name="parChTrans2D4">
+    <dgm:fillClrLst meth="repeat">
+      <a:schemeClr val="accent1"/>
+    </dgm:fillClrLst>
+    <dgm:linClrLst meth="repeat">
+      <a:schemeClr val="accent1"/>
+    </dgm:linClrLst>
+    <dgm:effectClrLst/>
+    <dgm:txLinClrLst/>
+    <dgm:txFillClrLst meth="repeat">
+      <a:schemeClr val="lt1"/>
+    </dgm:txFillClrLst>
+    <dgm:txEffectClrLst/>
+  </dgm:styleLbl>
+  <dgm:styleLbl name="parChTrans1D1">
+    <dgm:fillClrLst meth="repeat">
+      <a:schemeClr val="accent1"/>
+    </dgm:fillClrLst>
+    <dgm:linClrLst meth="repeat">
+      <a:schemeClr val="accent1">
+        <a:shade val="60000"/>
+      </a:schemeClr>
+    </dgm:linClrLst>
+    <dgm:effectClrLst/>
+    <dgm:txLinClrLst/>
+    <dgm:txFillClrLst meth="repeat">
+      <a:schemeClr val="tx1"/>
+    </dgm:txFillClrLst>
+    <dgm:txEffectClrLst/>
+  </dgm:styleLbl>
+  <dgm:styleLbl name="parChTrans1D2">
+    <dgm:fillClrLst meth="repeat">
+      <a:schemeClr val="accent1"/>
+    </dgm:fillClrLst>
+    <dgm:linClrLst meth="repeat">
+      <a:schemeClr val="accent1">
+        <a:shade val="60000"/>
+      </a:schemeClr>
+    </dgm:linClrLst>
+    <dgm:effectClrLst/>
+    <dgm:txLinClrLst/>
+    <dgm:txFillClrLst meth="repeat">
+      <a:schemeClr val="tx1"/>
+    </dgm:txFillClrLst>
+    <dgm:txEffectClrLst/>
+  </dgm:styleLbl>
+  <dgm:styleLbl name="parChTrans1D3">
+    <dgm:fillClrLst meth="repeat">
+      <a:schemeClr val="accent1"/>
+    </dgm:fillClrLst>
+    <dgm:linClrLst meth="repeat">
+      <a:schemeClr val="accent1">
+        <a:shade val="80000"/>
+      </a:schemeClr>
+    </dgm:linClrLst>
+    <dgm:effectClrLst/>
+    <dgm:txLinClrLst/>
+    <dgm:txFillClrLst meth="repeat">
+      <a:schemeClr val="tx1"/>
+    </dgm:txFillClrLst>
+    <dgm:txEffectClrLst/>
+  </dgm:styleLbl>
+  <dgm:styleLbl name="parChTrans1D4">
+    <dgm:fillClrLst meth="repeat">
+      <a:schemeClr val="accent1"/>
+    </dgm:fillClrLst>
+    <dgm:linClrLst meth="repeat">
+      <a:schemeClr val="accent1">
+        <a:shade val="80000"/>
+      </a:schemeClr>
+    </dgm:linClrLst>
+    <dgm:effectClrLst/>
+    <dgm:txLinClrLst/>
+    <dgm:txFillClrLst meth="repeat">
+      <a:schemeClr val="tx1"/>
+    </dgm:txFillClrLst>
+    <dgm:txEffectClrLst/>
+  </dgm:styleLbl>
+  <dgm:styleLbl name="fgAcc1">
+    <dgm:fillClrLst meth="repeat">
+      <a:schemeClr val="lt1">
+        <a:alpha val="90000"/>
+      </a:schemeClr>
+    </dgm:fillClrLst>
+    <dgm:linClrLst meth="repeat">
+      <a:schemeClr val="accent1"/>
+    </dgm:linClrLst>
+    <dgm:effectClrLst/>
+    <dgm:txLinClrLst/>
+    <dgm:txFillClrLst meth="repeat">
+      <a:schemeClr val="dk1"/>
+    </dgm:txFillClrLst>
+    <dgm:txEffectClrLst/>
+  </dgm:styleLbl>
+  <dgm:styleLbl name="conFgAcc1">
+    <dgm:fillClrLst meth="repeat">
+      <a:schemeClr val="lt1">
+        <a:alpha val="90000"/>
+      </a:schemeClr>
+    </dgm:fillClrLst>
+    <dgm:linClrLst meth="repeat">
+      <a:schemeClr val="accent1"/>
+    </dgm:linClrLst>
+    <dgm:effectClrLst/>
+    <dgm:txLinClrLst/>
+    <dgm:txFillClrLst meth="repeat">
+      <a:schemeClr val="dk1"/>
+    </dgm:txFillClrLst>
+    <dgm:txEffectClrLst/>
+  </dgm:styleLbl>
+  <dgm:styleLbl name="alignAcc1">
+    <dgm:fillClrLst meth="repeat">
+      <a:schemeClr val="lt1">
+        <a:alpha val="90000"/>
+      </a:schemeClr>
+    </dgm:fillClrLst>
+    <dgm:linClrLst meth="repeat">
+      <a:schemeClr val="accent1"/>
+    </dgm:linClrLst>
+    <dgm:effectClrLst/>
+    <dgm:txLinClrLst/>
+    <dgm:txFillClrLst meth="repeat">
+      <a:schemeClr val="dk1"/>
+    </dgm:txFillClrLst>
+    <dgm:txEffectClrLst/>
+  </dgm:styleLbl>
+  <dgm:styleLbl name="trAlignAcc1">
+    <dgm:fillClrLst meth="repeat">
+      <a:schemeClr val="lt1">
+        <a:alpha val="40000"/>
+      </a:schemeClr>
+    </dgm:fillClrLst>
+    <dgm:linClrLst meth="repeat">
+      <a:schemeClr val="accent1"/>
+    </dgm:linClrLst>
+    <dgm:effectClrLst/>
+    <dgm:txLinClrLst/>
+    <dgm:txFillClrLst meth="repeat">
+      <a:schemeClr val="dk1"/>
+    </dgm:txFillClrLst>
+    <dgm:txEffectClrLst/>
+  </dgm:styleLbl>
+  <dgm:styleLbl name="bgAcc1">
+    <dgm:fillClrLst meth="repeat">
+      <a:schemeClr val="lt1">
+        <a:alpha val="90000"/>
+      </a:schemeClr>
+    </dgm:fillClrLst>
+    <dgm:linClrLst meth="repeat">
+      <a:schemeClr val="accent1"/>
+    </dgm:linClrLst>
+    <dgm:effectClrLst/>
+    <dgm:txLinClrLst/>
+    <dgm:txFillClrLst meth="repeat">
+      <a:schemeClr val="dk1"/>
+    </dgm:txFillClrLst>
+    <dgm:txEffectClrLst/>
+  </dgm:styleLbl>
+  <dgm:styleLbl name="solidFgAcc1">
+    <dgm:fillClrLst meth="repeat">
+      <a:schemeClr val="lt1"/>
+    </dgm:fillClrLst>
+    <dgm:linClrLst meth="repeat">
+      <a:schemeClr val="accent1"/>
+    </dgm:linClrLst>
+    <dgm:effectClrLst/>
+    <dgm:txLinClrLst/>
+    <dgm:txFillClrLst meth="repeat">
+      <a:schemeClr val="dk1"/>
+    </dgm:txFillClrLst>
+    <dgm:txEffectClrLst/>
+  </dgm:styleLbl>
+  <dgm:styleLbl name="solidAlignAcc1">
+    <dgm:fillClrLst meth="repeat">
+      <a:schemeClr val="lt1"/>
+    </dgm:fillClrLst>
+    <dgm:linClrLst meth="repeat">
+      <a:schemeClr val="accent1"/>
+    </dgm:linClrLst>
+    <dgm:effectClrLst/>
+    <dgm:txLinClrLst/>
+    <dgm:txFillClrLst meth="repeat">
+      <a:schemeClr val="dk1"/>
+    </dgm:txFillClrLst>
+    <dgm:txEffectClrLst/>
+  </dgm:styleLbl>
+  <dgm:styleLbl name="solidBgAcc1">
+    <dgm:fillClrLst meth="repeat">
+      <a:schemeClr val="lt1"/>
+    </dgm:fillClrLst>
+    <dgm:linClrLst meth="repeat">
+      <a:schemeClr val="accent1"/>
+    </dgm:linClrLst>
+    <dgm:effectClrLst/>
+    <dgm:txLinClrLst/>
+    <dgm:txFillClrLst meth="repeat">
+      <a:schemeClr val="dk1"/>
+    </dgm:txFillClrLst>
+    <dgm:txEffectClrLst/>
+  </dgm:styleLbl>
+  <dgm:styleLbl name="fgAccFollowNode1">
+    <dgm:fillClrLst meth="repeat">
+      <a:schemeClr val="accent1">
+        <a:alpha val="90000"/>
+        <a:tint val="40000"/>
+      </a:schemeClr>
+    </dgm:fillClrLst>
+    <dgm:linClrLst meth="repeat">
+      <a:schemeClr val="accent1">
+        <a:alpha val="90000"/>
+        <a:tint val="40000"/>
+      </a:schemeClr>
+    </dgm:linClrLst>
+    <dgm:effectClrLst/>
+    <dgm:txLinClrLst/>
+    <dgm:txFillClrLst meth="repeat">
+      <a:schemeClr val="dk1"/>
+    </dgm:txFillClrLst>
+    <dgm:txEffectClrLst/>
+  </dgm:styleLbl>
+  <dgm:styleLbl name="alignAccFollowNode1">
+    <dgm:fillClrLst meth="repeat">
+      <a:schemeClr val="accent1">
+        <a:alpha val="90000"/>
+        <a:tint val="40000"/>
+      </a:schemeClr>
+    </dgm:fillClrLst>
+    <dgm:linClrLst meth="repeat">
+      <a:schemeClr val="accent1">
+        <a:alpha val="90000"/>
+        <a:tint val="40000"/>
+      </a:schemeClr>
+    </dgm:linClrLst>
+    <dgm:effectClrLst/>
+    <dgm:txLinClrLst/>
+    <dgm:txFillClrLst meth="repeat">
+      <a:schemeClr val="dk1"/>
+    </dgm:txFillClrLst>
+    <dgm:txEffectClrLst/>
+  </dgm:styleLbl>
+  <dgm:styleLbl name="bgAccFollowNode1">
+    <dgm:fillClrLst meth="repeat">
+      <a:schemeClr val="accent1">
+        <a:alpha val="90000"/>
+        <a:tint val="40000"/>
+      </a:schemeClr>
+    </dgm:fillClrLst>
+    <dgm:linClrLst meth="repeat">
+      <a:schemeClr val="accent1">
+        <a:alpha val="90000"/>
+        <a:tint val="40000"/>
+      </a:schemeClr>
+    </dgm:linClrLst>
+    <dgm:effectClrLst/>
+    <dgm:txLinClrLst/>
+    <dgm:txFillClrLst meth="repeat">
+      <a:schemeClr val="dk1"/>
+    </dgm:txFillClrLst>
+    <dgm:txEffectClrLst/>
+  </dgm:styleLbl>
+  <dgm:styleLbl name="fgAcc0">
+    <dgm:fillClrLst meth="repeat">
+      <a:schemeClr val="lt1">
+        <a:alpha val="90000"/>
+      </a:schemeClr>
+    </dgm:fillClrLst>
+    <dgm:linClrLst meth="repeat">
+      <a:schemeClr val="accent1"/>
+    </dgm:linClrLst>
+    <dgm:effectClrLst/>
+    <dgm:txLinClrLst/>
+    <dgm:txFillClrLst meth="repeat">
+      <a:schemeClr val="dk1"/>
+    </dgm:txFillClrLst>
+    <dgm:txEffectClrLst/>
+  </dgm:styleLbl>
+  <dgm:styleLbl name="fgAcc2">
+    <dgm:fillClrLst meth="repeat">
+      <a:schemeClr val="lt1">
+        <a:alpha val="90000"/>
+      </a:schemeClr>
+    </dgm:fillClrLst>
+    <dgm:linClrLst meth="repeat">
+      <a:schemeClr val="accent1"/>
+    </dgm:linClrLst>
+    <dgm:effectClrLst/>
+    <dgm:txLinClrLst/>
+    <dgm:txFillClrLst meth="repeat">
+      <a:schemeClr val="dk1"/>
+    </dgm:txFillClrLst>
+    <dgm:txEffectClrLst/>
+  </dgm:styleLbl>
+  <dgm:styleLbl name="fgAcc3">
+    <dgm:fillClrLst meth="repeat">
+      <a:schemeClr val="lt1">
+        <a:alpha val="90000"/>
+      </a:schemeClr>
+    </dgm:fillClrLst>
+    <dgm:linClrLst meth="repeat">
+      <a:schemeClr val="accent1"/>
+    </dgm:linClrLst>
+    <dgm:effectClrLst/>
+    <dgm:txLinClrLst/>
+    <dgm:txFillClrLst meth="repeat">
+      <a:schemeClr val="dk1"/>
+    </dgm:txFillClrLst>
+    <dgm:txEffectClrLst/>
+  </dgm:styleLbl>
+  <dgm:styleLbl name="fgAcc4">
+    <dgm:fillClrLst meth="repeat">
+      <a:schemeClr val="lt1">
+        <a:alpha val="90000"/>
+      </a:schemeClr>
+    </dgm:fillClrLst>
+    <dgm:linClrLst meth="repeat">
+      <a:schemeClr val="accent1"/>
+    </dgm:linClrLst>
+    <dgm:effectClrLst/>
+    <dgm:txLinClrLst/>
+    <dgm:txFillClrLst meth="repeat">
+      <a:schemeClr val="dk1"/>
+    </dgm:txFillClrLst>
+    <dgm:txEffectClrLst/>
+  </dgm:styleLbl>
+  <dgm:styleLbl name="bgShp">
+    <dgm:fillClrLst meth="repeat">
+      <a:schemeClr val="accent1">
+        <a:tint val="40000"/>
+      </a:schemeClr>
+    </dgm:fillClrLst>
+    <dgm:linClrLst meth="repeat">
+      <a:schemeClr val="accent1"/>
+    </dgm:linClrLst>
+    <dgm:effectClrLst/>
+    <dgm:txLinClrLst/>
+    <dgm:txFillClrLst meth="repeat">
+      <a:schemeClr val="dk1"/>
+    </dgm:txFillClrLst>
+    <dgm:txEffectClrLst/>
+  </dgm:styleLbl>
+  <dgm:styleLbl name="dkBgShp">
+    <dgm:fillClrLst meth="repeat">
+      <a:schemeClr val="accent1">
+        <a:shade val="80000"/>
+      </a:schemeClr>
+    </dgm:fillClrLst>
+    <dgm:linClrLst meth="repeat">
+      <a:schemeClr val="accent1"/>
+    </dgm:linClrLst>
+    <dgm:effectClrLst/>
+    <dgm:txLinClrLst/>
+    <dgm:txFillClrLst meth="repeat">
+      <a:schemeClr val="lt1"/>
+    </dgm:txFillClrLst>
+    <dgm:txEffectClrLst/>
+  </dgm:styleLbl>
+  <dgm:styleLbl name="trBgShp">
+    <dgm:fillClrLst meth="repeat">
+      <a:schemeClr val="accent1">
+        <a:tint val="50000"/>
+        <a:alpha val="40000"/>
+      </a:schemeClr>
+    </dgm:fillClrLst>
+    <dgm:linClrLst meth="repeat">
+      <a:schemeClr val="accent1"/>
+    </dgm:linClrLst>
+    <dgm:effectClrLst/>
+    <dgm:txLinClrLst/>
+    <dgm:txFillClrLst meth="repeat">
+      <a:schemeClr val="lt1"/>
+    </dgm:txFillClrLst>
+    <dgm:txEffectClrLst/>
+  </dgm:styleLbl>
+  <dgm:styleLbl name="fgShp">
+    <dgm:fillClrLst meth="repeat">
+      <a:schemeClr val="accent1">
+        <a:tint val="60000"/>
+      </a:schemeClr>
+    </dgm:fillClrLst>
+    <dgm:linClrLst meth="repeat">
+      <a:schemeClr val="lt1"/>
+    </dgm:linClrLst>
+    <dgm:effectClrLst/>
+    <dgm:txLinClrLst/>
+    <dgm:txFillClrLst meth="repeat">
+      <a:schemeClr val="dk1"/>
+    </dgm:txFillClrLst>
+    <dgm:txEffectClrLst/>
+  </dgm:styleLbl>
+  <dgm:styleLbl name="revTx">
+    <dgm:fillClrLst meth="repeat">
+      <a:schemeClr val="lt1">
+        <a:alpha val="0"/>
+      </a:schemeClr>
+    </dgm:fillClrLst>
+    <dgm:linClrLst meth="repeat">
+      <a:schemeClr val="dk1">
+        <a:alpha val="0"/>
+      </a:schemeClr>
+    </dgm:linClrLst>
+    <dgm:effectClrLst/>
+    <dgm:txLinClrLst/>
+    <dgm:txFillClrLst meth="repeat">
+      <a:schemeClr val="tx1"/>
+    </dgm:txFillClrLst>
+    <dgm:txEffectClrLst/>
+  </dgm:styleLbl>
+</dgm:colorsDef>
+</file>
+
+<file path=ppt/diagrams/colors8.xml><?xml version="1.0" encoding="utf-8"?>
+<dgm:colorsDef xmlns:dgm="http://schemas.openxmlformats.org/drawingml/2006/diagram" xmlns:a="http://schemas.openxmlformats.org/drawingml/2006/main" uniqueId="urn:microsoft.com/office/officeart/2005/8/colors/accent2_2">
+  <dgm:title val=""/>
+  <dgm:desc val=""/>
+  <dgm:catLst>
+    <dgm:cat type="accent2" pri="11200"/>
+  </dgm:catLst>
+  <dgm:styleLbl name="node0">
+    <dgm:fillClrLst meth="repeat">
+      <a:schemeClr val="accent2"/>
+    </dgm:fillClrLst>
+    <dgm:linClrLst meth="repeat">
+      <a:schemeClr val="lt1"/>
+    </dgm:linClrLst>
+    <dgm:effectClrLst/>
+    <dgm:txLinClrLst/>
+    <dgm:txFillClrLst/>
+    <dgm:txEffectClrLst/>
+  </dgm:styleLbl>
+  <dgm:styleLbl name="node1">
+    <dgm:fillClrLst meth="repeat">
+      <a:schemeClr val="accent2"/>
+    </dgm:fillClrLst>
+    <dgm:linClrLst meth="repeat">
+      <a:schemeClr val="lt1"/>
+    </dgm:linClrLst>
+    <dgm:effectClrLst/>
+    <dgm:txLinClrLst/>
+    <dgm:txFillClrLst/>
+    <dgm:txEffectClrLst/>
+  </dgm:styleLbl>
+  <dgm:styleLbl name="alignNode1">
+    <dgm:fillClrLst meth="repeat">
+      <a:schemeClr val="accent2"/>
+    </dgm:fillClrLst>
+    <dgm:linClrLst meth="repeat">
+      <a:schemeClr val="accent2"/>
+    </dgm:linClrLst>
+    <dgm:effectClrLst/>
+    <dgm:txLinClrLst/>
+    <dgm:txFillClrLst/>
+    <dgm:txEffectClrLst/>
+  </dgm:styleLbl>
+  <dgm:styleLbl name="lnNode1">
+    <dgm:fillClrLst meth="repeat">
+      <a:schemeClr val="accent2"/>
+    </dgm:fillClrLst>
+    <dgm:linClrLst meth="repeat">
+      <a:schemeClr val="lt1"/>
+    </dgm:linClrLst>
+    <dgm:effectClrLst/>
+    <dgm:txLinClrLst/>
+    <dgm:txFillClrLst/>
+    <dgm:txEffectClrLst/>
+  </dgm:styleLbl>
+  <dgm:styleLbl name="vennNode1">
+    <dgm:fillClrLst meth="repeat">
+      <a:schemeClr val="accent2">
+        <a:alpha val="50000"/>
+      </a:schemeClr>
+    </dgm:fillClrLst>
+    <dgm:linClrLst meth="repeat">
+      <a:schemeClr val="lt1"/>
+    </dgm:linClrLst>
+    <dgm:effectClrLst/>
+    <dgm:txLinClrLst/>
+    <dgm:txFillClrLst/>
+    <dgm:txEffectClrLst/>
+  </dgm:styleLbl>
+  <dgm:styleLbl name="node2">
+    <dgm:fillClrLst meth="repeat">
+      <a:schemeClr val="accent2"/>
+    </dgm:fillClrLst>
+    <dgm:linClrLst meth="repeat">
+      <a:schemeClr val="lt1"/>
+    </dgm:linClrLst>
+    <dgm:effectClrLst/>
+    <dgm:txLinClrLst/>
+    <dgm:txFillClrLst/>
+    <dgm:txEffectClrLst/>
+  </dgm:styleLbl>
+  <dgm:styleLbl name="node3">
+    <dgm:fillClrLst meth="repeat">
+      <a:schemeClr val="accent2"/>
+    </dgm:fillClrLst>
+    <dgm:linClrLst meth="repeat">
+      <a:schemeClr val="lt1"/>
+    </dgm:linClrLst>
+    <dgm:effectClrLst/>
+    <dgm:txLinClrLst/>
+    <dgm:txFillClrLst/>
+    <dgm:txEffectClrLst/>
+  </dgm:styleLbl>
+  <dgm:styleLbl name="node4">
+    <dgm:fillClrLst meth="repeat">
+      <a:schemeClr val="accent2"/>
+    </dgm:fillClrLst>
+    <dgm:linClrLst meth="repeat">
+      <a:schemeClr val="lt1"/>
+    </dgm:linClrLst>
+    <dgm:effectClrLst/>
+    <dgm:txLinClrLst/>
+    <dgm:txFillClrLst/>
+    <dgm:txEffectClrLst/>
+  </dgm:styleLbl>
+  <dgm:styleLbl name="fgImgPlace1">
+    <dgm:fillClrLst meth="repeat">
+      <a:schemeClr val="accent2">
+        <a:tint val="50000"/>
+      </a:schemeClr>
+    </dgm:fillClrLst>
+    <dgm:linClrLst meth="repeat">
+      <a:schemeClr val="lt1"/>
+    </dgm:linClrLst>
+    <dgm:effectClrLst/>
+    <dgm:txLinClrLst/>
+    <dgm:txFillClrLst meth="repeat">
+      <a:schemeClr val="lt1"/>
+    </dgm:txFillClrLst>
+    <dgm:txEffectClrLst/>
+  </dgm:styleLbl>
+  <dgm:styleLbl name="alignImgPlace1">
+    <dgm:fillClrLst meth="repeat">
+      <a:schemeClr val="accent2">
+        <a:tint val="50000"/>
+      </a:schemeClr>
+    </dgm:fillClrLst>
+    <dgm:linClrLst meth="repeat">
+      <a:schemeClr val="lt1"/>
+    </dgm:linClrLst>
+    <dgm:effectClrLst/>
+    <dgm:txLinClrLst/>
+    <dgm:txFillClrLst meth="repeat">
+      <a:schemeClr val="lt1"/>
+    </dgm:txFillClrLst>
+    <dgm:txEffectClrLst/>
+  </dgm:styleLbl>
+  <dgm:styleLbl name="bgImgPlace1">
+    <dgm:fillClrLst meth="repeat">
+      <a:schemeClr val="accent2">
+        <a:tint val="50000"/>
+      </a:schemeClr>
+    </dgm:fillClrLst>
+    <dgm:linClrLst meth="repeat">
+      <a:schemeClr val="lt1"/>
+    </dgm:linClrLst>
+    <dgm:effectClrLst/>
+    <dgm:txLinClrLst/>
+    <dgm:txFillClrLst meth="repeat">
+      <a:schemeClr val="lt1"/>
+    </dgm:txFillClrLst>
+    <dgm:txEffectClrLst/>
+  </dgm:styleLbl>
+  <dgm:styleLbl name="sibTrans2D1">
+    <dgm:fillClrLst meth="repeat">
+      <a:schemeClr val="accent2">
+        <a:tint val="60000"/>
+      </a:schemeClr>
+    </dgm:fillClrLst>
+    <dgm:linClrLst meth="repeat">
+      <a:schemeClr val="accent2">
+        <a:tint val="60000"/>
+      </a:schemeClr>
+    </dgm:linClrLst>
+    <dgm:effectClrLst/>
+    <dgm:txLinClrLst/>
+    <dgm:txFillClrLst/>
+    <dgm:txEffectClrLst/>
+  </dgm:styleLbl>
+  <dgm:styleLbl name="fgSibTrans2D1">
+    <dgm:fillClrLst meth="repeat">
+      <a:schemeClr val="accent2">
+        <a:tint val="60000"/>
+      </a:schemeClr>
+    </dgm:fillClrLst>
+    <dgm:linClrLst meth="repeat">
+      <a:schemeClr val="accent2">
+        <a:tint val="60000"/>
+      </a:schemeClr>
+    </dgm:linClrLst>
+    <dgm:effectClrLst/>
+    <dgm:txLinClrLst/>
+    <dgm:txFillClrLst/>
+    <dgm:txEffectClrLst/>
+  </dgm:styleLbl>
+  <dgm:styleLbl name="bgSibTrans2D1">
+    <dgm:fillClrLst meth="repeat">
+      <a:schemeClr val="accent2">
+        <a:tint val="60000"/>
+      </a:schemeClr>
+    </dgm:fillClrLst>
+    <dgm:linClrLst meth="repeat">
+      <a:schemeClr val="accent2">
+        <a:tint val="60000"/>
+      </a:schemeClr>
+    </dgm:linClrLst>
+    <dgm:effectClrLst/>
+    <dgm:txLinClrLst/>
+    <dgm:txFillClrLst/>
+    <dgm:txEffectClrLst/>
+  </dgm:styleLbl>
+  <dgm:styleLbl name="sibTrans1D1">
+    <dgm:fillClrLst meth="repeat">
+      <a:schemeClr val="accent2"/>
+    </dgm:fillClrLst>
+    <dgm:linClrLst meth="repeat">
+      <a:schemeClr val="accent2"/>
+    </dgm:linClrLst>
+    <dgm:effectClrLst/>
+    <dgm:txLinClrLst/>
+    <dgm:txFillClrLst meth="repeat">
+      <a:schemeClr val="tx1"/>
+    </dgm:txFillClrLst>
+    <dgm:txEffectClrLst/>
+  </dgm:styleLbl>
+  <dgm:styleLbl name="callout">
+    <dgm:fillClrLst meth="repeat">
+      <a:schemeClr val="accent2"/>
+    </dgm:fillClrLst>
+    <dgm:linClrLst meth="repeat">
+      <a:schemeClr val="accent2">
+        <a:tint val="50000"/>
+      </a:schemeClr>
+    </dgm:linClrLst>
+    <dgm:effectClrLst/>
+    <dgm:txLinClrLst/>
+    <dgm:txFillClrLst meth="repeat">
+      <a:schemeClr val="tx1"/>
+    </dgm:txFillClrLst>
+    <dgm:txEffectClrLst/>
+  </dgm:styleLbl>
+  <dgm:styleLbl name="asst0">
+    <dgm:fillClrLst meth="repeat">
+      <a:schemeClr val="accent2"/>
+    </dgm:fillClrLst>
+    <dgm:linClrLst meth="repeat">
+      <a:schemeClr val="lt1"/>
+    </dgm:linClrLst>
+    <dgm:effectClrLst/>
+    <dgm:txLinClrLst/>
+    <dgm:txFillClrLst/>
+    <dgm:txEffectClrLst/>
+  </dgm:styleLbl>
+  <dgm:styleLbl name="asst1">
+    <dgm:fillClrLst meth="repeat">
+      <a:schemeClr val="accent2"/>
+    </dgm:fillClrLst>
+    <dgm:linClrLst meth="repeat">
+      <a:schemeClr val="lt1"/>
+    </dgm:linClrLst>
+    <dgm:effectClrLst/>
+    <dgm:txLinClrLst/>
+    <dgm:txFillClrLst/>
+    <dgm:txEffectClrLst/>
+  </dgm:styleLbl>
+  <dgm:styleLbl name="asst2">
+    <dgm:fillClrLst meth="repeat">
+      <a:schemeClr val="accent2"/>
+    </dgm:fillClrLst>
+    <dgm:linClrLst meth="repeat">
+      <a:schemeClr val="lt1"/>
+    </dgm:linClrLst>
+    <dgm:effectClrLst/>
+    <dgm:txLinClrLst/>
+    <dgm:txFillClrLst/>
+    <dgm:txEffectClrLst/>
+  </dgm:styleLbl>
+  <dgm:styleLbl name="asst3">
+    <dgm:fillClrLst meth="repeat">
+      <a:schemeClr val="accent2"/>
+    </dgm:fillClrLst>
+    <dgm:linClrLst meth="repeat">
+      <a:schemeClr val="lt1"/>
+    </dgm:linClrLst>
+    <dgm:effectClrLst/>
+    <dgm:txLinClrLst/>
+    <dgm:txFillClrLst/>
+    <dgm:txEffectClrLst/>
+  </dgm:styleLbl>
+  <dgm:styleLbl name="asst4">
+    <dgm:fillClrLst meth="repeat">
+      <a:schemeClr val="accent2"/>
+    </dgm:fillClrLst>
+    <dgm:linClrLst meth="repeat">
+      <a:schemeClr val="lt1"/>
+    </dgm:linClrLst>
+    <dgm:effectClrLst/>
+    <dgm:txLinClrLst/>
+    <dgm:txFillClrLst/>
+    <dgm:txEffectClrLst/>
+  </dgm:styleLbl>
+  <dgm:styleLbl name="parChTrans2D1">
+    <dgm:fillClrLst meth="repeat">
+      <a:schemeClr val="accent2">
+        <a:tint val="60000"/>
+      </a:schemeClr>
+    </dgm:fillClrLst>
+    <dgm:linClrLst meth="repeat">
+      <a:schemeClr val="accent2">
+        <a:tint val="60000"/>
+      </a:schemeClr>
+    </dgm:linClrLst>
+    <dgm:effectClrLst/>
+    <dgm:txLinClrLst/>
+    <dgm:txFillClrLst meth="repeat">
+      <a:schemeClr val="lt1"/>
+    </dgm:txFillClrLst>
+    <dgm:txEffectClrLst/>
+  </dgm:styleLbl>
+  <dgm:styleLbl name="parChTrans2D2">
+    <dgm:fillClrLst meth="repeat">
+      <a:schemeClr val="accent2"/>
+    </dgm:fillClrLst>
+    <dgm:linClrLst meth="repeat">
+      <a:schemeClr val="accent2"/>
+    </dgm:linClrLst>
+    <dgm:effectClrLst/>
+    <dgm:txLinClrLst/>
+    <dgm:txFillClrLst meth="repeat">
+      <a:schemeClr val="lt1"/>
+    </dgm:txFillClrLst>
+    <dgm:txEffectClrLst/>
+  </dgm:styleLbl>
+  <dgm:styleLbl name="parChTrans2D3">
+    <dgm:fillClrLst meth="repeat">
+      <a:schemeClr val="accent2"/>
+    </dgm:fillClrLst>
+    <dgm:linClrLst meth="repeat">
+      <a:schemeClr val="accent2"/>
+    </dgm:linClrLst>
+    <dgm:effectClrLst/>
+    <dgm:txLinClrLst/>
+    <dgm:txFillClrLst meth="repeat">
+      <a:schemeClr val="lt1"/>
+    </dgm:txFillClrLst>
+    <dgm:txEffectClrLst/>
+  </dgm:styleLbl>
+  <dgm:styleLbl name="parChTrans2D4">
+    <dgm:fillClrLst meth="repeat">
+      <a:schemeClr val="accent2"/>
+    </dgm:fillClrLst>
+    <dgm:linClrLst meth="repeat">
+      <a:schemeClr val="accent2"/>
+    </dgm:linClrLst>
+    <dgm:effectClrLst/>
+    <dgm:txLinClrLst/>
+    <dgm:txFillClrLst meth="repeat">
+      <a:schemeClr val="lt1"/>
+    </dgm:txFillClrLst>
+    <dgm:txEffectClrLst/>
+  </dgm:styleLbl>
+  <dgm:styleLbl name="parChTrans1D1">
+    <dgm:fillClrLst meth="repeat">
+      <a:schemeClr val="accent2"/>
+    </dgm:fillClrLst>
+    <dgm:linClrLst meth="repeat">
+      <a:schemeClr val="accent2">
+        <a:shade val="60000"/>
+      </a:schemeClr>
+    </dgm:linClrLst>
+    <dgm:effectClrLst/>
+    <dgm:txLinClrLst/>
+    <dgm:txFillClrLst meth="repeat">
+      <a:schemeClr val="tx1"/>
+    </dgm:txFillClrLst>
+    <dgm:txEffectClrLst/>
+  </dgm:styleLbl>
+  <dgm:styleLbl name="parChTrans1D2">
+    <dgm:fillClrLst meth="repeat">
+      <a:schemeClr val="accent2"/>
+    </dgm:fillClrLst>
+    <dgm:linClrLst meth="repeat">
+      <a:schemeClr val="accent2">
+        <a:shade val="60000"/>
+      </a:schemeClr>
+    </dgm:linClrLst>
+    <dgm:effectClrLst/>
+    <dgm:txLinClrLst/>
+    <dgm:txFillClrLst meth="repeat">
+      <a:schemeClr val="tx1"/>
+    </dgm:txFillClrLst>
+    <dgm:txEffectClrLst/>
+  </dgm:styleLbl>
+  <dgm:styleLbl name="parChTrans1D3">
+    <dgm:fillClrLst meth="repeat">
+      <a:schemeClr val="accent2"/>
+    </dgm:fillClrLst>
+    <dgm:linClrLst meth="repeat">
+      <a:schemeClr val="accent2">
+        <a:shade val="80000"/>
+      </a:schemeClr>
+    </dgm:linClrLst>
+    <dgm:effectClrLst/>
+    <dgm:txLinClrLst/>
+    <dgm:txFillClrLst meth="repeat">
+      <a:schemeClr val="tx1"/>
+    </dgm:txFillClrLst>
+    <dgm:txEffectClrLst/>
+  </dgm:styleLbl>
+  <dgm:styleLbl name="parChTrans1D4">
+    <dgm:fillClrLst meth="repeat">
+      <a:schemeClr val="accent2"/>
+    </dgm:fillClrLst>
+    <dgm:linClrLst meth="repeat">
+      <a:schemeClr val="accent2">
+        <a:shade val="80000"/>
+      </a:schemeClr>
+    </dgm:linClrLst>
+    <dgm:effectClrLst/>
+    <dgm:txLinClrLst/>
+    <dgm:txFillClrLst meth="repeat">
+      <a:schemeClr val="tx1"/>
+    </dgm:txFillClrLst>
+    <dgm:txEffectClrLst/>
+  </dgm:styleLbl>
+  <dgm:styleLbl name="fgAcc1">
+    <dgm:fillClrLst meth="repeat">
+      <a:schemeClr val="lt1">
+        <a:alpha val="90000"/>
+      </a:schemeClr>
+    </dgm:fillClrLst>
+    <dgm:linClrLst meth="repeat">
+      <a:schemeClr val="accent2"/>
+    </dgm:linClrLst>
+    <dgm:effectClrLst/>
+    <dgm:txLinClrLst/>
+    <dgm:txFillClrLst meth="repeat">
+      <a:schemeClr val="dk1"/>
+    </dgm:txFillClrLst>
+    <dgm:txEffectClrLst/>
+  </dgm:styleLbl>
+  <dgm:styleLbl name="conFgAcc1">
+    <dgm:fillClrLst meth="repeat">
+      <a:schemeClr val="lt1">
+        <a:alpha val="90000"/>
+      </a:schemeClr>
+    </dgm:fillClrLst>
+    <dgm:linClrLst meth="repeat">
+      <a:schemeClr val="accent2"/>
+    </dgm:linClrLst>
+    <dgm:effectClrLst/>
+    <dgm:txLinClrLst/>
+    <dgm:txFillClrLst meth="repeat">
+      <a:schemeClr val="dk1"/>
+    </dgm:txFillClrLst>
+    <dgm:txEffectClrLst/>
+  </dgm:styleLbl>
+  <dgm:styleLbl name="alignAcc1">
+    <dgm:fillClrLst meth="repeat">
+      <a:schemeClr val="lt1">
+        <a:alpha val="90000"/>
+      </a:schemeClr>
+    </dgm:fillClrLst>
+    <dgm:linClrLst meth="repeat">
+      <a:schemeClr val="accent2"/>
+    </dgm:linClrLst>
+    <dgm:effectClrLst/>
+    <dgm:txLinClrLst/>
+    <dgm:txFillClrLst meth="repeat">
+      <a:schemeClr val="dk1"/>
+    </dgm:txFillClrLst>
+    <dgm:txEffectClrLst/>
+  </dgm:styleLbl>
+  <dgm:styleLbl name="trAlignAcc1">
+    <dgm:fillClrLst meth="repeat">
+      <a:schemeClr val="lt1">
+        <a:alpha val="40000"/>
+      </a:schemeClr>
+    </dgm:fillClrLst>
+    <dgm:linClrLst meth="repeat">
+      <a:schemeClr val="accent2"/>
+    </dgm:linClrLst>
+    <dgm:effectClrLst/>
+    <dgm:txLinClrLst/>
+    <dgm:txFillClrLst meth="repeat">
+      <a:schemeClr val="dk1"/>
+    </dgm:txFillClrLst>
+    <dgm:txEffectClrLst/>
+  </dgm:styleLbl>
+  <dgm:styleLbl name="bgAcc1">
+    <dgm:fillClrLst meth="repeat">
+      <a:schemeClr val="lt1">
+        <a:alpha val="90000"/>
+      </a:schemeClr>
+    </dgm:fillClrLst>
+    <dgm:linClrLst meth="repeat">
+      <a:schemeClr val="accent2"/>
+    </dgm:linClrLst>
+    <dgm:effectClrLst/>
+    <dgm:txLinClrLst/>
+    <dgm:txFillClrLst meth="repeat">
+      <a:schemeClr val="dk1"/>
+    </dgm:txFillClrLst>
+    <dgm:txEffectClrLst/>
+  </dgm:styleLbl>
+  <dgm:styleLbl name="solidFgAcc1">
+    <dgm:fillClrLst meth="repeat">
+      <a:schemeClr val="lt1"/>
+    </dgm:fillClrLst>
+    <dgm:linClrLst meth="repeat">
+      <a:schemeClr val="accent2"/>
+    </dgm:linClrLst>
+    <dgm:effectClrLst/>
+    <dgm:txLinClrLst/>
+    <dgm:txFillClrLst meth="repeat">
+      <a:schemeClr val="dk1"/>
+    </dgm:txFillClrLst>
+    <dgm:txEffectClrLst/>
+  </dgm:styleLbl>
+  <dgm:styleLbl name="solidAlignAcc1">
+    <dgm:fillClrLst meth="repeat">
+      <a:schemeClr val="lt1"/>
+    </dgm:fillClrLst>
+    <dgm:linClrLst meth="repeat">
+      <a:schemeClr val="accent2"/>
+    </dgm:linClrLst>
+    <dgm:effectClrLst/>
+    <dgm:txLinClrLst/>
+    <dgm:txFillClrLst meth="repeat">
+      <a:schemeClr val="dk1"/>
+    </dgm:txFillClrLst>
+    <dgm:txEffectClrLst/>
+  </dgm:styleLbl>
+  <dgm:styleLbl name="solidBgAcc1">
+    <dgm:fillClrLst meth="repeat">
+      <a:schemeClr val="lt1"/>
+    </dgm:fillClrLst>
+    <dgm:linClrLst meth="repeat">
+      <a:schemeClr val="accent2"/>
+    </dgm:linClrLst>
+    <dgm:effectClrLst/>
+    <dgm:txLinClrLst/>
+    <dgm:txFillClrLst meth="repeat">
+      <a:schemeClr val="dk1"/>
+    </dgm:txFillClrLst>
+    <dgm:txEffectClrLst/>
+  </dgm:styleLbl>
+  <dgm:styleLbl name="fgAccFollowNode1">
+    <dgm:fillClrLst meth="repeat">
+      <a:schemeClr val="accent2">
+        <a:alpha val="90000"/>
+        <a:tint val="40000"/>
+      </a:schemeClr>
+    </dgm:fillClrLst>
+    <dgm:linClrLst meth="repeat">
+      <a:schemeClr val="accent2">
+        <a:alpha val="90000"/>
+        <a:tint val="40000"/>
+      </a:schemeClr>
+    </dgm:linClrLst>
+    <dgm:effectClrLst/>
+    <dgm:txLinClrLst/>
+    <dgm:txFillClrLst meth="repeat">
+      <a:schemeClr val="dk1"/>
+    </dgm:txFillClrLst>
+    <dgm:txEffectClrLst/>
+  </dgm:styleLbl>
+  <dgm:styleLbl name="alignAccFollowNode1">
+    <dgm:fillClrLst meth="repeat">
+      <a:schemeClr val="accent2">
+        <a:alpha val="90000"/>
+        <a:tint val="40000"/>
+      </a:schemeClr>
+    </dgm:fillClrLst>
+    <dgm:linClrLst meth="repeat">
+      <a:schemeClr val="accent2">
+        <a:alpha val="90000"/>
+        <a:tint val="40000"/>
+      </a:schemeClr>
+    </dgm:linClrLst>
+    <dgm:effectClrLst/>
+    <dgm:txLinClrLst/>
+    <dgm:txFillClrLst meth="repeat">
+      <a:schemeClr val="dk1"/>
+    </dgm:txFillClrLst>
+    <dgm:txEffectClrLst/>
+  </dgm:styleLbl>
+  <dgm:styleLbl name="bgAccFollowNode1">
+    <dgm:fillClrLst meth="repeat">
+      <a:schemeClr val="accent2">
+        <a:alpha val="90000"/>
+        <a:tint val="40000"/>
+      </a:schemeClr>
+    </dgm:fillClrLst>
+    <dgm:linClrLst meth="repeat">
+      <a:schemeClr val="accent2">
+        <a:alpha val="90000"/>
+        <a:tint val="40000"/>
+      </a:schemeClr>
+    </dgm:linClrLst>
+    <dgm:effectClrLst/>
+    <dgm:txLinClrLst/>
+    <dgm:txFillClrLst meth="repeat">
+      <a:schemeClr val="dk1"/>
+    </dgm:txFillClrLst>
+    <dgm:txEffectClrLst/>
+  </dgm:styleLbl>
+  <dgm:styleLbl name="fgAcc0">
+    <dgm:fillClrLst meth="repeat">
+      <a:schemeClr val="lt1">
+        <a:alpha val="90000"/>
+      </a:schemeClr>
+    </dgm:fillClrLst>
+    <dgm:linClrLst meth="repeat">
+      <a:schemeClr val="accent2"/>
+    </dgm:linClrLst>
+    <dgm:effectClrLst/>
+    <dgm:txLinClrLst/>
+    <dgm:txFillClrLst meth="repeat">
+      <a:schemeClr val="dk1"/>
+    </dgm:txFillClrLst>
+    <dgm:txEffectClrLst/>
+  </dgm:styleLbl>
+  <dgm:styleLbl name="fgAcc2">
+    <dgm:fillClrLst meth="repeat">
+      <a:schemeClr val="lt1">
+        <a:alpha val="90000"/>
+      </a:schemeClr>
+    </dgm:fillClrLst>
+    <dgm:linClrLst meth="repeat">
+      <a:schemeClr val="accent2"/>
+    </dgm:linClrLst>
+    <dgm:effectClrLst/>
+    <dgm:txLinClrLst/>
+    <dgm:txFillClrLst meth="repeat">
+      <a:schemeClr val="dk1"/>
+    </dgm:txFillClrLst>
+    <dgm:txEffectClrLst/>
+  </dgm:styleLbl>
+  <dgm:styleLbl name="fgAcc3">
+    <dgm:fillClrLst meth="repeat">
+      <a:schemeClr val="lt1">
+        <a:alpha val="90000"/>
+      </a:schemeClr>
+    </dgm:fillClrLst>
+    <dgm:linClrLst meth="repeat">
+      <a:schemeClr val="accent2"/>
+    </dgm:linClrLst>
+    <dgm:effectClrLst/>
+    <dgm:txLinClrLst/>
+    <dgm:txFillClrLst meth="repeat">
+      <a:schemeClr val="dk1"/>
+    </dgm:txFillClrLst>
+    <dgm:txEffectClrLst/>
+  </dgm:styleLbl>
+  <dgm:styleLbl name="fgAcc4">
+    <dgm:fillClrLst meth="repeat">
+      <a:schemeClr val="lt1">
+        <a:alpha val="90000"/>
+      </a:schemeClr>
+    </dgm:fillClrLst>
+    <dgm:linClrLst meth="repeat">
+      <a:schemeClr val="accent2"/>
+    </dgm:linClrLst>
+    <dgm:effectClrLst/>
+    <dgm:txLinClrLst/>
+    <dgm:txFillClrLst meth="repeat">
+      <a:schemeClr val="dk1"/>
+    </dgm:txFillClrLst>
+    <dgm:txEffectClrLst/>
+  </dgm:styleLbl>
+  <dgm:styleLbl name="bgShp">
+    <dgm:fillClrLst meth="repeat">
+      <a:schemeClr val="accent2">
+        <a:tint val="40000"/>
+      </a:schemeClr>
+    </dgm:fillClrLst>
+    <dgm:linClrLst meth="repeat">
+      <a:schemeClr val="accent2"/>
+    </dgm:linClrLst>
+    <dgm:effectClrLst/>
+    <dgm:txLinClrLst/>
+    <dgm:txFillClrLst meth="repeat">
+      <a:schemeClr val="dk1"/>
+    </dgm:txFillClrLst>
+    <dgm:txEffectClrLst/>
+  </dgm:styleLbl>
+  <dgm:styleLbl name="dkBgShp">
+    <dgm:fillClrLst meth="repeat">
+      <a:schemeClr val="accent2">
+        <a:shade val="80000"/>
+      </a:schemeClr>
+    </dgm:fillClrLst>
+    <dgm:linClrLst meth="repeat">
+      <a:schemeClr val="accent2"/>
+    </dgm:linClrLst>
+    <dgm:effectClrLst/>
+    <dgm:txLinClrLst/>
+    <dgm:txFillClrLst meth="repeat">
+      <a:schemeClr val="lt1"/>
+    </dgm:txFillClrLst>
+    <dgm:txEffectClrLst/>
+  </dgm:styleLbl>
+  <dgm:styleLbl name="trBgShp">
+    <dgm:fillClrLst meth="repeat">
+      <a:schemeClr val="accent2">
+        <a:tint val="50000"/>
+        <a:alpha val="40000"/>
+      </a:schemeClr>
+    </dgm:fillClrLst>
+    <dgm:linClrLst meth="repeat">
+      <a:schemeClr val="accent2"/>
+    </dgm:linClrLst>
+    <dgm:effectClrLst/>
+    <dgm:txLinClrLst/>
+    <dgm:txFillClrLst meth="repeat">
+      <a:schemeClr val="lt1"/>
+    </dgm:txFillClrLst>
+    <dgm:txEffectClrLst/>
+  </dgm:styleLbl>
+  <dgm:styleLbl name="fgShp">
+    <dgm:fillClrLst meth="repeat">
+      <a:schemeClr val="accent2">
         <a:tint val="60000"/>
       </a:schemeClr>
     </dgm:fillClrLst>
@@ -7356,7 +9208,7 @@
         <a:lstStyle/>
         <a:p>
           <a:r>
-            <a:rPr lang="en-US"/>
+            <a:rPr lang="en-US" dirty="0"/>
             <a:t>Concrete Implementations</a:t>
           </a:r>
         </a:p>
@@ -7420,6 +9272,268 @@
         </a:p>
       </dgm:t>
     </dgm:pt>
+    <dgm:pt modelId="{13B6E317-37FF-4940-806E-9236516FEC0A}">
+      <dgm:prSet/>
+      <dgm:spPr/>
+      <dgm:t>
+        <a:bodyPr/>
+        <a:lstStyle/>
+        <a:p>
+          <a:r>
+            <a:rPr lang="en-US" dirty="0"/>
+            <a:t>Red</a:t>
+          </a:r>
+        </a:p>
+      </dgm:t>
+    </dgm:pt>
+    <dgm:pt modelId="{3834723F-41F8-43A0-A928-BF22772E3EC1}" type="parTrans" cxnId="{419B3229-F4DB-455E-8B0A-BA39A67BA8CD}">
+      <dgm:prSet/>
+      <dgm:spPr/>
+      <dgm:t>
+        <a:bodyPr/>
+        <a:lstStyle/>
+        <a:p>
+          <a:endParaRPr lang="en-US"/>
+        </a:p>
+      </dgm:t>
+    </dgm:pt>
+    <dgm:pt modelId="{169F8D2F-01BE-42E2-B5F6-1B0C4228ED9B}" type="sibTrans" cxnId="{419B3229-F4DB-455E-8B0A-BA39A67BA8CD}">
+      <dgm:prSet/>
+      <dgm:spPr/>
+      <dgm:t>
+        <a:bodyPr/>
+        <a:lstStyle/>
+        <a:p>
+          <a:endParaRPr lang="en-US"/>
+        </a:p>
+      </dgm:t>
+    </dgm:pt>
+    <dgm:pt modelId="{1D991BD2-6346-483E-AE2F-2E98BE641FE6}">
+      <dgm:prSet/>
+      <dgm:spPr/>
+      <dgm:t>
+        <a:bodyPr/>
+        <a:lstStyle/>
+        <a:p>
+          <a:r>
+            <a:rPr lang="en-US" dirty="0"/>
+            <a:t>B</a:t>
+          </a:r>
+          <a:r>
+            <a:rPr lang="en-US" altLang="zh-CN" dirty="0"/>
+            <a:t>lue</a:t>
+          </a:r>
+          <a:endParaRPr lang="en-US" dirty="0"/>
+        </a:p>
+      </dgm:t>
+    </dgm:pt>
+    <dgm:pt modelId="{55265000-250C-4FBD-8330-F310E5829365}" type="parTrans" cxnId="{69909222-3076-4B32-A86A-120506D7B678}">
+      <dgm:prSet/>
+      <dgm:spPr/>
+      <dgm:t>
+        <a:bodyPr/>
+        <a:lstStyle/>
+        <a:p>
+          <a:endParaRPr lang="en-US"/>
+        </a:p>
+      </dgm:t>
+    </dgm:pt>
+    <dgm:pt modelId="{D94D3268-F67A-4B76-A5F7-E777CBFC7D0D}" type="sibTrans" cxnId="{69909222-3076-4B32-A86A-120506D7B678}">
+      <dgm:prSet/>
+      <dgm:spPr/>
+      <dgm:t>
+        <a:bodyPr/>
+        <a:lstStyle/>
+        <a:p>
+          <a:endParaRPr lang="en-US"/>
+        </a:p>
+      </dgm:t>
+    </dgm:pt>
+    <dgm:pt modelId="{DABF732B-8507-4DBC-AF05-CA615EF41140}">
+      <dgm:prSet/>
+      <dgm:spPr/>
+      <dgm:t>
+        <a:bodyPr/>
+        <a:lstStyle/>
+        <a:p>
+          <a:r>
+            <a:rPr lang="en-US" dirty="0"/>
+            <a:t>W</a:t>
+          </a:r>
+          <a:r>
+            <a:rPr lang="en-US" altLang="zh-CN" dirty="0"/>
+            <a:t>hite</a:t>
+          </a:r>
+          <a:endParaRPr lang="en-US" dirty="0"/>
+        </a:p>
+      </dgm:t>
+    </dgm:pt>
+    <dgm:pt modelId="{2D71EA43-F9BE-4202-ABF2-42E2D08E7FD7}" type="parTrans" cxnId="{6F4E3471-1B24-481C-90BE-A9F473254511}">
+      <dgm:prSet/>
+      <dgm:spPr/>
+      <dgm:t>
+        <a:bodyPr/>
+        <a:lstStyle/>
+        <a:p>
+          <a:endParaRPr lang="en-US"/>
+        </a:p>
+      </dgm:t>
+    </dgm:pt>
+    <dgm:pt modelId="{79B07733-6BAC-4610-9347-81A736965A80}" type="sibTrans" cxnId="{6F4E3471-1B24-481C-90BE-A9F473254511}">
+      <dgm:prSet/>
+      <dgm:spPr/>
+      <dgm:t>
+        <a:bodyPr/>
+        <a:lstStyle/>
+        <a:p>
+          <a:endParaRPr lang="en-US"/>
+        </a:p>
+      </dgm:t>
+    </dgm:pt>
+    <dgm:pt modelId="{155E6B2B-4D87-4E7C-8515-2C7B1022F7EF}">
+      <dgm:prSet/>
+      <dgm:spPr/>
+      <dgm:t>
+        <a:bodyPr/>
+        <a:lstStyle/>
+        <a:p>
+          <a:r>
+            <a:rPr lang="en-US" dirty="0"/>
+            <a:t>Shape</a:t>
+          </a:r>
+        </a:p>
+      </dgm:t>
+    </dgm:pt>
+    <dgm:pt modelId="{BC234AE2-4BFE-4BCA-9A9A-1BA1B434FA70}" type="parTrans" cxnId="{DA5CE2BB-5EBC-41D4-9C0A-208A75255A44}">
+      <dgm:prSet/>
+      <dgm:spPr/>
+      <dgm:t>
+        <a:bodyPr/>
+        <a:lstStyle/>
+        <a:p>
+          <a:endParaRPr lang="en-US"/>
+        </a:p>
+      </dgm:t>
+    </dgm:pt>
+    <dgm:pt modelId="{8CA69DB9-28F1-4420-8C84-5496F18162D5}" type="sibTrans" cxnId="{DA5CE2BB-5EBC-41D4-9C0A-208A75255A44}">
+      <dgm:prSet/>
+      <dgm:spPr/>
+      <dgm:t>
+        <a:bodyPr/>
+        <a:lstStyle/>
+        <a:p>
+          <a:endParaRPr lang="en-US"/>
+        </a:p>
+      </dgm:t>
+    </dgm:pt>
+    <dgm:pt modelId="{71EB3FC4-4963-45A2-B7F3-DE2D378D0712}">
+      <dgm:prSet/>
+      <dgm:spPr/>
+      <dgm:t>
+        <a:bodyPr/>
+        <a:lstStyle/>
+        <a:p>
+          <a:r>
+            <a:rPr lang="en-US" dirty="0"/>
+            <a:t>Circle</a:t>
+          </a:r>
+        </a:p>
+      </dgm:t>
+    </dgm:pt>
+    <dgm:pt modelId="{DEB218E9-A99B-4E34-BFBB-2ECC0F4BC8DC}" type="parTrans" cxnId="{F4202394-DF8F-499C-8970-EC208860C7F4}">
+      <dgm:prSet/>
+      <dgm:spPr/>
+      <dgm:t>
+        <a:bodyPr/>
+        <a:lstStyle/>
+        <a:p>
+          <a:endParaRPr lang="en-US"/>
+        </a:p>
+      </dgm:t>
+    </dgm:pt>
+    <dgm:pt modelId="{CE869F4C-7DAB-440A-A7F8-CAA4CA610305}" type="sibTrans" cxnId="{F4202394-DF8F-499C-8970-EC208860C7F4}">
+      <dgm:prSet/>
+      <dgm:spPr/>
+      <dgm:t>
+        <a:bodyPr/>
+        <a:lstStyle/>
+        <a:p>
+          <a:endParaRPr lang="en-US"/>
+        </a:p>
+      </dgm:t>
+    </dgm:pt>
+    <dgm:pt modelId="{3CB490F6-74D2-4E69-96A5-21BF380590B8}">
+      <dgm:prSet/>
+      <dgm:spPr/>
+      <dgm:t>
+        <a:bodyPr/>
+        <a:lstStyle/>
+        <a:p>
+          <a:r>
+            <a:rPr lang="en-US" dirty="0"/>
+            <a:t>Rectangle</a:t>
+          </a:r>
+        </a:p>
+      </dgm:t>
+    </dgm:pt>
+    <dgm:pt modelId="{927E6DBB-9983-4B00-B8E2-741F27A0197C}" type="parTrans" cxnId="{F5EC1579-E21B-42E7-B747-CA44AEF0BE20}">
+      <dgm:prSet/>
+      <dgm:spPr/>
+      <dgm:t>
+        <a:bodyPr/>
+        <a:lstStyle/>
+        <a:p>
+          <a:endParaRPr lang="en-US"/>
+        </a:p>
+      </dgm:t>
+    </dgm:pt>
+    <dgm:pt modelId="{F360568E-B692-4E2C-AEDC-6E400E4113B5}" type="sibTrans" cxnId="{F5EC1579-E21B-42E7-B747-CA44AEF0BE20}">
+      <dgm:prSet/>
+      <dgm:spPr/>
+      <dgm:t>
+        <a:bodyPr/>
+        <a:lstStyle/>
+        <a:p>
+          <a:endParaRPr lang="en-US"/>
+        </a:p>
+      </dgm:t>
+    </dgm:pt>
+    <dgm:pt modelId="{DF411C55-5940-4487-B28F-69127D3926BB}">
+      <dgm:prSet/>
+      <dgm:spPr/>
+      <dgm:t>
+        <a:bodyPr/>
+        <a:lstStyle/>
+        <a:p>
+          <a:r>
+            <a:rPr lang="en-US" dirty="0"/>
+            <a:t>Square</a:t>
+          </a:r>
+        </a:p>
+      </dgm:t>
+    </dgm:pt>
+    <dgm:pt modelId="{2994FA00-0AF1-4AE9-AD97-EB3F3E75E2E1}" type="parTrans" cxnId="{6C17DFC2-9FE2-443F-82D1-067C0C8B22C5}">
+      <dgm:prSet/>
+      <dgm:spPr/>
+      <dgm:t>
+        <a:bodyPr/>
+        <a:lstStyle/>
+        <a:p>
+          <a:endParaRPr lang="en-US"/>
+        </a:p>
+      </dgm:t>
+    </dgm:pt>
+    <dgm:pt modelId="{F8FB7F8F-FAC9-426E-BF60-7EE6DB1EE7D8}" type="sibTrans" cxnId="{6C17DFC2-9FE2-443F-82D1-067C0C8B22C5}">
+      <dgm:prSet/>
+      <dgm:spPr/>
+      <dgm:t>
+        <a:bodyPr/>
+        <a:lstStyle/>
+        <a:p>
+          <a:endParaRPr lang="en-US"/>
+        </a:p>
+      </dgm:t>
+    </dgm:pt>
     <dgm:pt modelId="{E7FF920E-FA84-4CB0-AF09-FA8D393C798A}" type="pres">
       <dgm:prSet presAssocID="{BAAED582-254E-4D28-BCDD-E68B76D62481}" presName="linear" presStyleCnt="0">
         <dgm:presLayoutVars>
@@ -7438,8 +9552,12 @@
       </dgm:prSet>
       <dgm:spPr/>
     </dgm:pt>
-    <dgm:pt modelId="{48745888-7948-40C2-A607-D335F731BA69}" type="pres">
-      <dgm:prSet presAssocID="{892BE00E-4E5B-491F-8F9F-5ED463760AB0}" presName="spacer" presStyleCnt="0"/>
+    <dgm:pt modelId="{21889C29-BA30-4F88-9040-D12A0BEBEFD3}" type="pres">
+      <dgm:prSet presAssocID="{8434C828-A953-4C3A-BDCE-7F0DA58EA6E9}" presName="childText" presStyleLbl="revTx" presStyleIdx="0" presStyleCnt="4">
+        <dgm:presLayoutVars>
+          <dgm:bulletEnabled val="1"/>
+        </dgm:presLayoutVars>
+      </dgm:prSet>
       <dgm:spPr/>
     </dgm:pt>
     <dgm:pt modelId="{4E21AB82-4D0A-4E55-9EB6-9299776D3780}" type="pres">
@@ -7451,8 +9569,12 @@
       </dgm:prSet>
       <dgm:spPr/>
     </dgm:pt>
-    <dgm:pt modelId="{4390743E-BEAE-4734-9213-B257655EFA00}" type="pres">
-      <dgm:prSet presAssocID="{B3DBE333-F5E6-4D30-A205-2E5CE5250CB6}" presName="spacer" presStyleCnt="0"/>
+    <dgm:pt modelId="{D85B2FB9-4435-452F-81C4-E92C1C3ECB55}" type="pres">
+      <dgm:prSet presAssocID="{CC0187ED-941B-48C4-98D5-FEA848F7DEF1}" presName="childText" presStyleLbl="revTx" presStyleIdx="1" presStyleCnt="4">
+        <dgm:presLayoutVars>
+          <dgm:bulletEnabled val="1"/>
+        </dgm:presLayoutVars>
+      </dgm:prSet>
       <dgm:spPr/>
     </dgm:pt>
     <dgm:pt modelId="{D79AC7BD-F34D-444C-B7FE-36EBD70CDE5F}" type="pres">
@@ -7465,7 +9587,7 @@
       <dgm:spPr/>
     </dgm:pt>
     <dgm:pt modelId="{D03B2792-FDCE-4152-97FB-FABD6E110A22}" type="pres">
-      <dgm:prSet presAssocID="{FAE5F765-5193-4398-8E62-D0F9535DF494}" presName="childText" presStyleLbl="revTx" presStyleIdx="0" presStyleCnt="1">
+      <dgm:prSet presAssocID="{FAE5F765-5193-4398-8E62-D0F9535DF494}" presName="childText" presStyleLbl="revTx" presStyleIdx="2" presStyleCnt="4">
         <dgm:presLayoutVars>
           <dgm:bulletEnabled val="1"/>
         </dgm:presLayoutVars>
@@ -7481,32 +9603,755 @@
       </dgm:prSet>
       <dgm:spPr/>
     </dgm:pt>
+    <dgm:pt modelId="{30FBC198-984C-4600-AB95-ADE0B3185846}" type="pres">
+      <dgm:prSet presAssocID="{0C3D4CDE-7C05-4152-95AD-B0CD39CDD77D}" presName="childText" presStyleLbl="revTx" presStyleIdx="3" presStyleCnt="4">
+        <dgm:presLayoutVars>
+          <dgm:bulletEnabled val="1"/>
+        </dgm:presLayoutVars>
+      </dgm:prSet>
+      <dgm:spPr/>
+    </dgm:pt>
   </dgm:ptLst>
   <dgm:cxnLst>
     <dgm:cxn modelId="{FD85E904-DE32-4A2F-9232-F79B2142E3DC}" type="presOf" srcId="{BAAED582-254E-4D28-BCDD-E68B76D62481}" destId="{E7FF920E-FA84-4CB0-AF09-FA8D393C798A}" srcOrd="0" destOrd="0" presId="urn:microsoft.com/office/officeart/2005/8/layout/vList2"/>
+    <dgm:cxn modelId="{69909222-3076-4B32-A86A-120506D7B678}" srcId="{0C3D4CDE-7C05-4152-95AD-B0CD39CDD77D}" destId="{1D991BD2-6346-483E-AE2F-2E98BE641FE6}" srcOrd="1" destOrd="0" parTransId="{55265000-250C-4FBD-8330-F310E5829365}" sibTransId="{D94D3268-F67A-4B76-A5F7-E777CBFC7D0D}"/>
+    <dgm:cxn modelId="{419B3229-F4DB-455E-8B0A-BA39A67BA8CD}" srcId="{0C3D4CDE-7C05-4152-95AD-B0CD39CDD77D}" destId="{13B6E317-37FF-4940-806E-9236516FEC0A}" srcOrd="0" destOrd="0" parTransId="{3834723F-41F8-43A0-A928-BF22772E3EC1}" sibTransId="{169F8D2F-01BE-42E2-B5F6-1B0C4228ED9B}"/>
     <dgm:cxn modelId="{21ED4B33-93F5-43E9-BE89-14142CDF145D}" srcId="{BAAED582-254E-4D28-BCDD-E68B76D62481}" destId="{CC0187ED-941B-48C4-98D5-FEA848F7DEF1}" srcOrd="1" destOrd="0" parTransId="{F647B4FE-36DA-4613-A545-6099B2E6E7E0}" sibTransId="{B3DBE333-F5E6-4D30-A205-2E5CE5250CB6}"/>
+    <dgm:cxn modelId="{5F0CAF36-3AF2-4630-BCF0-C46CDDBAAA3C}" type="presOf" srcId="{13B6E317-37FF-4940-806E-9236516FEC0A}" destId="{30FBC198-984C-4600-AB95-ADE0B3185846}" srcOrd="0" destOrd="0" presId="urn:microsoft.com/office/officeart/2005/8/layout/vList2"/>
+    <dgm:cxn modelId="{6D72673F-6795-4AFF-8EE7-CAC81E216769}" type="presOf" srcId="{DF411C55-5940-4487-B28F-69127D3926BB}" destId="{D85B2FB9-4435-452F-81C4-E92C1C3ECB55}" srcOrd="0" destOrd="1" presId="urn:microsoft.com/office/officeart/2005/8/layout/vList2"/>
+    <dgm:cxn modelId="{CA93FE5E-BBB8-4D17-9846-013C874957EF}" type="presOf" srcId="{3CB490F6-74D2-4E69-96A5-21BF380590B8}" destId="{D85B2FB9-4435-452F-81C4-E92C1C3ECB55}" srcOrd="0" destOrd="2" presId="urn:microsoft.com/office/officeart/2005/8/layout/vList2"/>
     <dgm:cxn modelId="{491C6E47-4D13-4916-9B69-9566B635E859}" type="presOf" srcId="{CC0187ED-941B-48C4-98D5-FEA848F7DEF1}" destId="{4E21AB82-4D0A-4E55-9EB6-9299776D3780}" srcOrd="0" destOrd="0" presId="urn:microsoft.com/office/officeart/2005/8/layout/vList2"/>
     <dgm:cxn modelId="{C5A41051-051A-4340-AD2A-65EA17D22311}" type="presOf" srcId="{E514FF47-4FEF-4E78-B80F-AA5729552A0A}" destId="{D03B2792-FDCE-4152-97FB-FABD6E110A22}" srcOrd="0" destOrd="0" presId="urn:microsoft.com/office/officeart/2005/8/layout/vList2"/>
+    <dgm:cxn modelId="{6F4E3471-1B24-481C-90BE-A9F473254511}" srcId="{0C3D4CDE-7C05-4152-95AD-B0CD39CDD77D}" destId="{DABF732B-8507-4DBC-AF05-CA615EF41140}" srcOrd="2" destOrd="0" parTransId="{2D71EA43-F9BE-4202-ABF2-42E2D08E7FD7}" sibTransId="{79B07733-6BAC-4610-9347-81A736965A80}"/>
+    <dgm:cxn modelId="{F5EC1579-E21B-42E7-B747-CA44AEF0BE20}" srcId="{CC0187ED-941B-48C4-98D5-FEA848F7DEF1}" destId="{3CB490F6-74D2-4E69-96A5-21BF380590B8}" srcOrd="2" destOrd="0" parTransId="{927E6DBB-9983-4B00-B8E2-741F27A0197C}" sibTransId="{F360568E-B692-4E2C-AEDC-6E400E4113B5}"/>
     <dgm:cxn modelId="{B3F6F685-171B-4E45-8FFC-C29D165ECE2F}" srcId="{FAE5F765-5193-4398-8E62-D0F9535DF494}" destId="{E514FF47-4FEF-4E78-B80F-AA5729552A0A}" srcOrd="0" destOrd="0" parTransId="{18561F94-E8D5-4A8C-90F2-F207B8905B2D}" sibTransId="{D841AF66-78A8-4C2A-A54A-F8ACB225CA4B}"/>
     <dgm:cxn modelId="{EB923C8E-D304-4897-944F-D5E3085F8913}" srcId="{BAAED582-254E-4D28-BCDD-E68B76D62481}" destId="{8434C828-A953-4C3A-BDCE-7F0DA58EA6E9}" srcOrd="0" destOrd="0" parTransId="{34BCEC71-B222-416E-A054-7E418A256510}" sibTransId="{892BE00E-4E5B-491F-8F9F-5ED463760AB0}"/>
+    <dgm:cxn modelId="{F4202394-DF8F-499C-8970-EC208860C7F4}" srcId="{CC0187ED-941B-48C4-98D5-FEA848F7DEF1}" destId="{71EB3FC4-4963-45A2-B7F3-DE2D378D0712}" srcOrd="0" destOrd="0" parTransId="{DEB218E9-A99B-4E34-BFBB-2ECC0F4BC8DC}" sibTransId="{CE869F4C-7DAB-440A-A7F8-CAA4CA610305}"/>
     <dgm:cxn modelId="{0A93C6A6-3A2A-489B-A085-A83B0BD08A3E}" type="presOf" srcId="{0C3D4CDE-7C05-4152-95AD-B0CD39CDD77D}" destId="{8D63BF87-A2D6-400D-9C78-7A6153009430}" srcOrd="0" destOrd="0" presId="urn:microsoft.com/office/officeart/2005/8/layout/vList2"/>
     <dgm:cxn modelId="{C62D59AC-1E0F-4C6C-8D43-67B6B7887A95}" type="presOf" srcId="{8434C828-A953-4C3A-BDCE-7F0DA58EA6E9}" destId="{EAB94C4A-C00A-4412-85F3-E84774509165}" srcOrd="0" destOrd="0" presId="urn:microsoft.com/office/officeart/2005/8/layout/vList2"/>
+    <dgm:cxn modelId="{FBF9B9BA-3EED-4A67-B2C2-0D303E5ED4EF}" type="presOf" srcId="{DABF732B-8507-4DBC-AF05-CA615EF41140}" destId="{30FBC198-984C-4600-AB95-ADE0B3185846}" srcOrd="0" destOrd="2" presId="urn:microsoft.com/office/officeart/2005/8/layout/vList2"/>
+    <dgm:cxn modelId="{DA5CE2BB-5EBC-41D4-9C0A-208A75255A44}" srcId="{8434C828-A953-4C3A-BDCE-7F0DA58EA6E9}" destId="{155E6B2B-4D87-4E7C-8515-2C7B1022F7EF}" srcOrd="0" destOrd="0" parTransId="{BC234AE2-4BFE-4BCA-9A9A-1BA1B434FA70}" sibTransId="{8CA69DB9-28F1-4420-8C84-5496F18162D5}"/>
+    <dgm:cxn modelId="{06961DBD-AA7D-4F87-A844-35A1C15F46DC}" type="presOf" srcId="{155E6B2B-4D87-4E7C-8515-2C7B1022F7EF}" destId="{21889C29-BA30-4F88-9040-D12A0BEBEFD3}" srcOrd="0" destOrd="0" presId="urn:microsoft.com/office/officeart/2005/8/layout/vList2"/>
+    <dgm:cxn modelId="{6C17DFC2-9FE2-443F-82D1-067C0C8B22C5}" srcId="{CC0187ED-941B-48C4-98D5-FEA848F7DEF1}" destId="{DF411C55-5940-4487-B28F-69127D3926BB}" srcOrd="1" destOrd="0" parTransId="{2994FA00-0AF1-4AE9-AD97-EB3F3E75E2E1}" sibTransId="{F8FB7F8F-FAC9-426E-BF60-7EE6DB1EE7D8}"/>
     <dgm:cxn modelId="{AD8E77E1-1708-4525-B6E5-B87DA9157571}" type="presOf" srcId="{FAE5F765-5193-4398-8E62-D0F9535DF494}" destId="{D79AC7BD-F34D-444C-B7FE-36EBD70CDE5F}" srcOrd="0" destOrd="0" presId="urn:microsoft.com/office/officeart/2005/8/layout/vList2"/>
+    <dgm:cxn modelId="{DBDC88E2-3F7C-4778-AF8B-7EF00A219539}" type="presOf" srcId="{71EB3FC4-4963-45A2-B7F3-DE2D378D0712}" destId="{D85B2FB9-4435-452F-81C4-E92C1C3ECB55}" srcOrd="0" destOrd="0" presId="urn:microsoft.com/office/officeart/2005/8/layout/vList2"/>
+    <dgm:cxn modelId="{5E652FE3-DC78-443E-839E-1D732E12FECF}" type="presOf" srcId="{1D991BD2-6346-483E-AE2F-2E98BE641FE6}" destId="{30FBC198-984C-4600-AB95-ADE0B3185846}" srcOrd="0" destOrd="1" presId="urn:microsoft.com/office/officeart/2005/8/layout/vList2"/>
     <dgm:cxn modelId="{E244FDEE-B217-4483-9172-9AC88CA002F1}" srcId="{BAAED582-254E-4D28-BCDD-E68B76D62481}" destId="{0C3D4CDE-7C05-4152-95AD-B0CD39CDD77D}" srcOrd="3" destOrd="0" parTransId="{D33E7F4E-715B-4DBF-9EF9-88E3F425F2C7}" sibTransId="{EA6FA30B-7204-4186-A25D-E5D94ECB91E7}"/>
     <dgm:cxn modelId="{B9F1EBFA-55EF-48C3-BE99-878CF121E87A}" srcId="{BAAED582-254E-4D28-BCDD-E68B76D62481}" destId="{FAE5F765-5193-4398-8E62-D0F9535DF494}" srcOrd="2" destOrd="0" parTransId="{1869D766-4468-4616-A142-97981ED937D0}" sibTransId="{2DFCD4A7-29FE-4F82-88EF-6FD2A0C126DF}"/>
     <dgm:cxn modelId="{86226FF9-C418-4D60-8790-17CB074ABF86}" type="presParOf" srcId="{E7FF920E-FA84-4CB0-AF09-FA8D393C798A}" destId="{EAB94C4A-C00A-4412-85F3-E84774509165}" srcOrd="0" destOrd="0" presId="urn:microsoft.com/office/officeart/2005/8/layout/vList2"/>
-    <dgm:cxn modelId="{573207FF-63DC-4CBB-A084-07AD2ADFCE42}" type="presParOf" srcId="{E7FF920E-FA84-4CB0-AF09-FA8D393C798A}" destId="{48745888-7948-40C2-A607-D335F731BA69}" srcOrd="1" destOrd="0" presId="urn:microsoft.com/office/officeart/2005/8/layout/vList2"/>
+    <dgm:cxn modelId="{4CAF5940-65B5-4511-B258-4EC7BDFEF52E}" type="presParOf" srcId="{E7FF920E-FA84-4CB0-AF09-FA8D393C798A}" destId="{21889C29-BA30-4F88-9040-D12A0BEBEFD3}" srcOrd="1" destOrd="0" presId="urn:microsoft.com/office/officeart/2005/8/layout/vList2"/>
     <dgm:cxn modelId="{6F1B381F-7D33-40D2-A390-B15A936D1B27}" type="presParOf" srcId="{E7FF920E-FA84-4CB0-AF09-FA8D393C798A}" destId="{4E21AB82-4D0A-4E55-9EB6-9299776D3780}" srcOrd="2" destOrd="0" presId="urn:microsoft.com/office/officeart/2005/8/layout/vList2"/>
-    <dgm:cxn modelId="{97EE0117-AF85-4487-B31D-9CDDA0553064}" type="presParOf" srcId="{E7FF920E-FA84-4CB0-AF09-FA8D393C798A}" destId="{4390743E-BEAE-4734-9213-B257655EFA00}" srcOrd="3" destOrd="0" presId="urn:microsoft.com/office/officeart/2005/8/layout/vList2"/>
+    <dgm:cxn modelId="{7774A9E9-8059-4627-91CD-A8DB70748F3C}" type="presParOf" srcId="{E7FF920E-FA84-4CB0-AF09-FA8D393C798A}" destId="{D85B2FB9-4435-452F-81C4-E92C1C3ECB55}" srcOrd="3" destOrd="0" presId="urn:microsoft.com/office/officeart/2005/8/layout/vList2"/>
     <dgm:cxn modelId="{249E1425-D74A-4AA9-9143-F13B7CB26DC0}" type="presParOf" srcId="{E7FF920E-FA84-4CB0-AF09-FA8D393C798A}" destId="{D79AC7BD-F34D-444C-B7FE-36EBD70CDE5F}" srcOrd="4" destOrd="0" presId="urn:microsoft.com/office/officeart/2005/8/layout/vList2"/>
     <dgm:cxn modelId="{EC0C6F89-837E-47A8-8255-D84ADE139F8E}" type="presParOf" srcId="{E7FF920E-FA84-4CB0-AF09-FA8D393C798A}" destId="{D03B2792-FDCE-4152-97FB-FABD6E110A22}" srcOrd="5" destOrd="0" presId="urn:microsoft.com/office/officeart/2005/8/layout/vList2"/>
     <dgm:cxn modelId="{58C15A15-CB2C-4302-9171-FD3C28130B18}" type="presParOf" srcId="{E7FF920E-FA84-4CB0-AF09-FA8D393C798A}" destId="{8D63BF87-A2D6-400D-9C78-7A6153009430}" srcOrd="6" destOrd="0" presId="urn:microsoft.com/office/officeart/2005/8/layout/vList2"/>
+    <dgm:cxn modelId="{E3AA549C-AABE-4F72-B752-24966B984524}" type="presParOf" srcId="{E7FF920E-FA84-4CB0-AF09-FA8D393C798A}" destId="{30FBC198-984C-4600-AB95-ADE0B3185846}" srcOrd="7" destOrd="0" presId="urn:microsoft.com/office/officeart/2005/8/layout/vList2"/>
   </dgm:cxnLst>
   <dgm:bg/>
   <dgm:whole/>
   <dgm:extLst>
     <a:ext uri="http://schemas.microsoft.com/office/drawing/2008/diagram">
       <dsp:dataModelExt xmlns:dsp="http://schemas.microsoft.com/office/drawing/2008/diagram" relId="rId8" minVer="http://schemas.openxmlformats.org/drawingml/2006/diagram"/>
+    </a:ext>
+  </dgm:extLst>
+</dgm:dataModel>
+</file>
+
+<file path=ppt/diagrams/data7.xml><?xml version="1.0" encoding="utf-8"?>
+<dgm:dataModel xmlns:dgm="http://schemas.openxmlformats.org/drawingml/2006/diagram" xmlns:a="http://schemas.openxmlformats.org/drawingml/2006/main">
+  <dgm:ptLst>
+    <dgm:pt modelId="{94C0D0AB-4B71-4C9F-8799-98FDDF1A32D2}" type="doc">
+      <dgm:prSet loTypeId="urn:microsoft.com/office/officeart/2005/8/layout/vList2" loCatId="list" qsTypeId="urn:microsoft.com/office/officeart/2005/8/quickstyle/simple1" qsCatId="simple" csTypeId="urn:microsoft.com/office/officeart/2005/8/colors/accent1_2" csCatId="accent1" phldr="1"/>
+      <dgm:spPr/>
+      <dgm:t>
+        <a:bodyPr/>
+        <a:lstStyle/>
+        <a:p>
+          <a:endParaRPr lang="en-US"/>
+        </a:p>
+      </dgm:t>
+    </dgm:pt>
+    <dgm:pt modelId="{46BC3C4A-E643-45F2-A71F-E5D98929AB71}">
+      <dgm:prSet/>
+      <dgm:spPr/>
+      <dgm:t>
+        <a:bodyPr/>
+        <a:lstStyle/>
+        <a:p>
+          <a:r>
+            <a:rPr lang="en-US" b="0" baseline="0" dirty="0"/>
+            <a:t>Component</a:t>
+          </a:r>
+          <a:endParaRPr lang="en-US" dirty="0"/>
+        </a:p>
+      </dgm:t>
+    </dgm:pt>
+    <dgm:pt modelId="{D661E446-D472-4C8D-99BB-EC99F737587D}" type="parTrans" cxnId="{C15A531A-D2D6-4B9D-9570-44B879D5FA0D}">
+      <dgm:prSet/>
+      <dgm:spPr/>
+      <dgm:t>
+        <a:bodyPr/>
+        <a:lstStyle/>
+        <a:p>
+          <a:endParaRPr lang="en-US"/>
+        </a:p>
+      </dgm:t>
+    </dgm:pt>
+    <dgm:pt modelId="{1768FDE2-8792-4D46-9250-230B4176E346}" type="sibTrans" cxnId="{C15A531A-D2D6-4B9D-9570-44B879D5FA0D}">
+      <dgm:prSet/>
+      <dgm:spPr/>
+      <dgm:t>
+        <a:bodyPr/>
+        <a:lstStyle/>
+        <a:p>
+          <a:endParaRPr lang="en-US"/>
+        </a:p>
+      </dgm:t>
+    </dgm:pt>
+    <dgm:pt modelId="{E6B9850C-ACE8-441F-B15F-121E499AD2E4}">
+      <dgm:prSet/>
+      <dgm:spPr/>
+      <dgm:t>
+        <a:bodyPr/>
+        <a:lstStyle/>
+        <a:p>
+          <a:r>
+            <a:rPr lang="en-US" b="0" baseline="0" dirty="0"/>
+            <a:t>Concrete Component</a:t>
+          </a:r>
+          <a:endParaRPr lang="en-US" dirty="0"/>
+        </a:p>
+      </dgm:t>
+    </dgm:pt>
+    <dgm:pt modelId="{FE9F525E-A43D-47AA-82DD-5B8E7956F2E5}" type="parTrans" cxnId="{E7C0BEAF-A07C-413F-89C1-8FAC743263A0}">
+      <dgm:prSet/>
+      <dgm:spPr/>
+      <dgm:t>
+        <a:bodyPr/>
+        <a:lstStyle/>
+        <a:p>
+          <a:endParaRPr lang="en-US"/>
+        </a:p>
+      </dgm:t>
+    </dgm:pt>
+    <dgm:pt modelId="{4A294103-7636-4CA4-A7B1-753685280C61}" type="sibTrans" cxnId="{E7C0BEAF-A07C-413F-89C1-8FAC743263A0}">
+      <dgm:prSet/>
+      <dgm:spPr/>
+      <dgm:t>
+        <a:bodyPr/>
+        <a:lstStyle/>
+        <a:p>
+          <a:endParaRPr lang="en-US"/>
+        </a:p>
+      </dgm:t>
+    </dgm:pt>
+    <dgm:pt modelId="{5A6FB389-3D2F-45F0-9CA2-741A44D340F3}">
+      <dgm:prSet/>
+      <dgm:spPr/>
+      <dgm:t>
+        <a:bodyPr/>
+        <a:lstStyle/>
+        <a:p>
+          <a:r>
+            <a:rPr lang="en-US" b="0" baseline="0" dirty="0"/>
+            <a:t>Base</a:t>
+          </a:r>
+          <a:r>
+            <a:rPr lang="en-US" b="1" baseline="0" dirty="0"/>
+            <a:t> </a:t>
+          </a:r>
+          <a:r>
+            <a:rPr lang="en-US" b="0" baseline="0" dirty="0"/>
+            <a:t>Decorator</a:t>
+          </a:r>
+          <a:endParaRPr lang="en-US" dirty="0"/>
+        </a:p>
+      </dgm:t>
+    </dgm:pt>
+    <dgm:pt modelId="{E6AD3733-C31B-42E4-BC34-1F1CA6E775AE}" type="parTrans" cxnId="{A5871B23-69C7-4F70-A910-9AB6E7AE3A9D}">
+      <dgm:prSet/>
+      <dgm:spPr/>
+      <dgm:t>
+        <a:bodyPr/>
+        <a:lstStyle/>
+        <a:p>
+          <a:endParaRPr lang="en-US"/>
+        </a:p>
+      </dgm:t>
+    </dgm:pt>
+    <dgm:pt modelId="{346C1ED5-4717-4386-B5DB-42C9B7A29387}" type="sibTrans" cxnId="{A5871B23-69C7-4F70-A910-9AB6E7AE3A9D}">
+      <dgm:prSet/>
+      <dgm:spPr/>
+      <dgm:t>
+        <a:bodyPr/>
+        <a:lstStyle/>
+        <a:p>
+          <a:endParaRPr lang="en-US"/>
+        </a:p>
+      </dgm:t>
+    </dgm:pt>
+    <dgm:pt modelId="{3C38BFF3-1E8E-4FEE-B417-D1757F4651D1}">
+      <dgm:prSet/>
+      <dgm:spPr/>
+      <dgm:t>
+        <a:bodyPr/>
+        <a:lstStyle/>
+        <a:p>
+          <a:r>
+            <a:rPr lang="en-US" b="0" baseline="0" dirty="0"/>
+            <a:t>Concrete Decorator</a:t>
+          </a:r>
+          <a:endParaRPr lang="en-US" dirty="0"/>
+        </a:p>
+      </dgm:t>
+    </dgm:pt>
+    <dgm:pt modelId="{57C33231-1005-4AD5-8E27-55A851289FA8}" type="parTrans" cxnId="{115274F8-E3A4-45B3-BC44-4569F918B4F1}">
+      <dgm:prSet/>
+      <dgm:spPr/>
+      <dgm:t>
+        <a:bodyPr/>
+        <a:lstStyle/>
+        <a:p>
+          <a:endParaRPr lang="en-US"/>
+        </a:p>
+      </dgm:t>
+    </dgm:pt>
+    <dgm:pt modelId="{39D34B5B-8892-4145-82D3-1507A2B6CD72}" type="sibTrans" cxnId="{115274F8-E3A4-45B3-BC44-4569F918B4F1}">
+      <dgm:prSet/>
+      <dgm:spPr/>
+      <dgm:t>
+        <a:bodyPr/>
+        <a:lstStyle/>
+        <a:p>
+          <a:endParaRPr lang="en-US"/>
+        </a:p>
+      </dgm:t>
+    </dgm:pt>
+    <dgm:pt modelId="{1E6D0D4C-C492-4CFF-A4FC-75E666F4735C}" type="pres">
+      <dgm:prSet presAssocID="{94C0D0AB-4B71-4C9F-8799-98FDDF1A32D2}" presName="linear" presStyleCnt="0">
+        <dgm:presLayoutVars>
+          <dgm:animLvl val="lvl"/>
+          <dgm:resizeHandles val="exact"/>
+        </dgm:presLayoutVars>
+      </dgm:prSet>
+      <dgm:spPr/>
+    </dgm:pt>
+    <dgm:pt modelId="{41FB9A52-AFDB-4E53-A538-2C26F3566FF5}" type="pres">
+      <dgm:prSet presAssocID="{46BC3C4A-E643-45F2-A71F-E5D98929AB71}" presName="parentText" presStyleLbl="node1" presStyleIdx="0" presStyleCnt="4">
+        <dgm:presLayoutVars>
+          <dgm:chMax val="0"/>
+          <dgm:bulletEnabled val="1"/>
+        </dgm:presLayoutVars>
+      </dgm:prSet>
+      <dgm:spPr/>
+    </dgm:pt>
+    <dgm:pt modelId="{7D6ADACA-B9F5-42B6-BFFE-E5553A9193E1}" type="pres">
+      <dgm:prSet presAssocID="{1768FDE2-8792-4D46-9250-230B4176E346}" presName="spacer" presStyleCnt="0"/>
+      <dgm:spPr/>
+    </dgm:pt>
+    <dgm:pt modelId="{0DD67760-D4CF-4DA8-89B3-4C5BC9661B25}" type="pres">
+      <dgm:prSet presAssocID="{E6B9850C-ACE8-441F-B15F-121E499AD2E4}" presName="parentText" presStyleLbl="node1" presStyleIdx="1" presStyleCnt="4">
+        <dgm:presLayoutVars>
+          <dgm:chMax val="0"/>
+          <dgm:bulletEnabled val="1"/>
+        </dgm:presLayoutVars>
+      </dgm:prSet>
+      <dgm:spPr/>
+    </dgm:pt>
+    <dgm:pt modelId="{52E1C5D8-917B-4177-A415-582A30BAC9E6}" type="pres">
+      <dgm:prSet presAssocID="{4A294103-7636-4CA4-A7B1-753685280C61}" presName="spacer" presStyleCnt="0"/>
+      <dgm:spPr/>
+    </dgm:pt>
+    <dgm:pt modelId="{BE1782D1-99DA-46DA-ADCB-88F7B6A3DF66}" type="pres">
+      <dgm:prSet presAssocID="{5A6FB389-3D2F-45F0-9CA2-741A44D340F3}" presName="parentText" presStyleLbl="node1" presStyleIdx="2" presStyleCnt="4">
+        <dgm:presLayoutVars>
+          <dgm:chMax val="0"/>
+          <dgm:bulletEnabled val="1"/>
+        </dgm:presLayoutVars>
+      </dgm:prSet>
+      <dgm:spPr/>
+    </dgm:pt>
+    <dgm:pt modelId="{D755F5FC-9406-4D00-B8EC-CB90257293F0}" type="pres">
+      <dgm:prSet presAssocID="{346C1ED5-4717-4386-B5DB-42C9B7A29387}" presName="spacer" presStyleCnt="0"/>
+      <dgm:spPr/>
+    </dgm:pt>
+    <dgm:pt modelId="{ACCDB37E-2D82-4A07-9147-5F8005D78DF0}" type="pres">
+      <dgm:prSet presAssocID="{3C38BFF3-1E8E-4FEE-B417-D1757F4651D1}" presName="parentText" presStyleLbl="node1" presStyleIdx="3" presStyleCnt="4">
+        <dgm:presLayoutVars>
+          <dgm:chMax val="0"/>
+          <dgm:bulletEnabled val="1"/>
+        </dgm:presLayoutVars>
+      </dgm:prSet>
+      <dgm:spPr/>
+    </dgm:pt>
+  </dgm:ptLst>
+  <dgm:cxnLst>
+    <dgm:cxn modelId="{C15A531A-D2D6-4B9D-9570-44B879D5FA0D}" srcId="{94C0D0AB-4B71-4C9F-8799-98FDDF1A32D2}" destId="{46BC3C4A-E643-45F2-A71F-E5D98929AB71}" srcOrd="0" destOrd="0" parTransId="{D661E446-D472-4C8D-99BB-EC99F737587D}" sibTransId="{1768FDE2-8792-4D46-9250-230B4176E346}"/>
+    <dgm:cxn modelId="{A5871B23-69C7-4F70-A910-9AB6E7AE3A9D}" srcId="{94C0D0AB-4B71-4C9F-8799-98FDDF1A32D2}" destId="{5A6FB389-3D2F-45F0-9CA2-741A44D340F3}" srcOrd="2" destOrd="0" parTransId="{E6AD3733-C31B-42E4-BC34-1F1CA6E775AE}" sibTransId="{346C1ED5-4717-4386-B5DB-42C9B7A29387}"/>
+    <dgm:cxn modelId="{71096F60-6147-4713-8545-452A916EE501}" type="presOf" srcId="{46BC3C4A-E643-45F2-A71F-E5D98929AB71}" destId="{41FB9A52-AFDB-4E53-A538-2C26F3566FF5}" srcOrd="0" destOrd="0" presId="urn:microsoft.com/office/officeart/2005/8/layout/vList2"/>
+    <dgm:cxn modelId="{C60392AF-543A-4EE9-9E2E-68B52018E739}" type="presOf" srcId="{3C38BFF3-1E8E-4FEE-B417-D1757F4651D1}" destId="{ACCDB37E-2D82-4A07-9147-5F8005D78DF0}" srcOrd="0" destOrd="0" presId="urn:microsoft.com/office/officeart/2005/8/layout/vList2"/>
+    <dgm:cxn modelId="{E7C0BEAF-A07C-413F-89C1-8FAC743263A0}" srcId="{94C0D0AB-4B71-4C9F-8799-98FDDF1A32D2}" destId="{E6B9850C-ACE8-441F-B15F-121E499AD2E4}" srcOrd="1" destOrd="0" parTransId="{FE9F525E-A43D-47AA-82DD-5B8E7956F2E5}" sibTransId="{4A294103-7636-4CA4-A7B1-753685280C61}"/>
+    <dgm:cxn modelId="{52E2BEC1-AA57-4A03-AD32-05B29F1D09B2}" type="presOf" srcId="{5A6FB389-3D2F-45F0-9CA2-741A44D340F3}" destId="{BE1782D1-99DA-46DA-ADCB-88F7B6A3DF66}" srcOrd="0" destOrd="0" presId="urn:microsoft.com/office/officeart/2005/8/layout/vList2"/>
+    <dgm:cxn modelId="{A9766CED-827D-4D4F-8C3A-6C753A1585DD}" type="presOf" srcId="{E6B9850C-ACE8-441F-B15F-121E499AD2E4}" destId="{0DD67760-D4CF-4DA8-89B3-4C5BC9661B25}" srcOrd="0" destOrd="0" presId="urn:microsoft.com/office/officeart/2005/8/layout/vList2"/>
+    <dgm:cxn modelId="{0423D9F1-5864-42DC-9282-AE3730F2BF24}" type="presOf" srcId="{94C0D0AB-4B71-4C9F-8799-98FDDF1A32D2}" destId="{1E6D0D4C-C492-4CFF-A4FC-75E666F4735C}" srcOrd="0" destOrd="0" presId="urn:microsoft.com/office/officeart/2005/8/layout/vList2"/>
+    <dgm:cxn modelId="{115274F8-E3A4-45B3-BC44-4569F918B4F1}" srcId="{94C0D0AB-4B71-4C9F-8799-98FDDF1A32D2}" destId="{3C38BFF3-1E8E-4FEE-B417-D1757F4651D1}" srcOrd="3" destOrd="0" parTransId="{57C33231-1005-4AD5-8E27-55A851289FA8}" sibTransId="{39D34B5B-8892-4145-82D3-1507A2B6CD72}"/>
+    <dgm:cxn modelId="{05737D84-8263-4C16-BE7D-32394E42A8EB}" type="presParOf" srcId="{1E6D0D4C-C492-4CFF-A4FC-75E666F4735C}" destId="{41FB9A52-AFDB-4E53-A538-2C26F3566FF5}" srcOrd="0" destOrd="0" presId="urn:microsoft.com/office/officeart/2005/8/layout/vList2"/>
+    <dgm:cxn modelId="{871EE656-0246-4EBC-9BAD-545CCDC6ADF9}" type="presParOf" srcId="{1E6D0D4C-C492-4CFF-A4FC-75E666F4735C}" destId="{7D6ADACA-B9F5-42B6-BFFE-E5553A9193E1}" srcOrd="1" destOrd="0" presId="urn:microsoft.com/office/officeart/2005/8/layout/vList2"/>
+    <dgm:cxn modelId="{7D12E1F8-808B-482A-B8BD-2E09A6D7E811}" type="presParOf" srcId="{1E6D0D4C-C492-4CFF-A4FC-75E666F4735C}" destId="{0DD67760-D4CF-4DA8-89B3-4C5BC9661B25}" srcOrd="2" destOrd="0" presId="urn:microsoft.com/office/officeart/2005/8/layout/vList2"/>
+    <dgm:cxn modelId="{C512445E-F1FC-423B-B3FB-E7F397CC1E60}" type="presParOf" srcId="{1E6D0D4C-C492-4CFF-A4FC-75E666F4735C}" destId="{52E1C5D8-917B-4177-A415-582A30BAC9E6}" srcOrd="3" destOrd="0" presId="urn:microsoft.com/office/officeart/2005/8/layout/vList2"/>
+    <dgm:cxn modelId="{B5B51F36-0111-4A9E-A032-AEBFE323D7C0}" type="presParOf" srcId="{1E6D0D4C-C492-4CFF-A4FC-75E666F4735C}" destId="{BE1782D1-99DA-46DA-ADCB-88F7B6A3DF66}" srcOrd="4" destOrd="0" presId="urn:microsoft.com/office/officeart/2005/8/layout/vList2"/>
+    <dgm:cxn modelId="{A9BA73C8-8471-4E8D-943A-834197740545}" type="presParOf" srcId="{1E6D0D4C-C492-4CFF-A4FC-75E666F4735C}" destId="{D755F5FC-9406-4D00-B8EC-CB90257293F0}" srcOrd="5" destOrd="0" presId="urn:microsoft.com/office/officeart/2005/8/layout/vList2"/>
+    <dgm:cxn modelId="{B020188C-B632-4458-9171-979F82C3E348}" type="presParOf" srcId="{1E6D0D4C-C492-4CFF-A4FC-75E666F4735C}" destId="{ACCDB37E-2D82-4A07-9147-5F8005D78DF0}" srcOrd="6" destOrd="0" presId="urn:microsoft.com/office/officeart/2005/8/layout/vList2"/>
+  </dgm:cxnLst>
+  <dgm:bg/>
+  <dgm:whole/>
+  <dgm:extLst>
+    <a:ext uri="http://schemas.microsoft.com/office/drawing/2008/diagram">
+      <dsp:dataModelExt xmlns:dsp="http://schemas.microsoft.com/office/drawing/2008/diagram" relId="rId8" minVer="http://schemas.openxmlformats.org/drawingml/2006/diagram"/>
+    </a:ext>
+  </dgm:extLst>
+</dgm:dataModel>
+</file>
+
+<file path=ppt/diagrams/data8.xml><?xml version="1.0" encoding="utf-8"?>
+<dgm:dataModel xmlns:dgm="http://schemas.openxmlformats.org/drawingml/2006/diagram" xmlns:a="http://schemas.openxmlformats.org/drawingml/2006/main">
+  <dgm:ptLst>
+    <dgm:pt modelId="{4F1464C0-5555-46C1-B349-12A1B850E025}" type="doc">
+      <dgm:prSet loTypeId="urn:microsoft.com/office/officeart/2005/8/layout/vList2" loCatId="list" qsTypeId="urn:microsoft.com/office/officeart/2005/8/quickstyle/simple5" qsCatId="simple" csTypeId="urn:microsoft.com/office/officeart/2005/8/colors/accent2_2" csCatId="accent2" phldr="1"/>
+      <dgm:spPr/>
+      <dgm:t>
+        <a:bodyPr/>
+        <a:lstStyle/>
+        <a:p>
+          <a:endParaRPr lang="en-US"/>
+        </a:p>
+      </dgm:t>
+    </dgm:pt>
+    <dgm:pt modelId="{8D048769-2582-4C51-BB23-7FE6C6C34521}">
+      <dgm:prSet phldrT="[Text]"/>
+      <dgm:spPr>
+        <a:solidFill>
+          <a:schemeClr val="accent2"/>
+        </a:solidFill>
+      </dgm:spPr>
+      <dgm:t>
+        <a:bodyPr spcFirstLastPara="0" vert="horz" wrap="square" lIns="160020" tIns="160020" rIns="160020" bIns="160020" numCol="1" spcCol="1270" anchor="ctr" anchorCtr="0"/>
+        <a:lstStyle/>
+        <a:p>
+          <a:pPr marL="0" lvl="0" indent="0" defTabSz="1866900">
+            <a:spcBef>
+              <a:spcPct val="0"/>
+            </a:spcBef>
+            <a:spcAft>
+              <a:spcPct val="35000"/>
+            </a:spcAft>
+            <a:buNone/>
+          </a:pPr>
+          <a:r>
+            <a:rPr lang="en-US" b="1" kern="1200">
+              <a:latin typeface="Calibri" panose="020F0502020204030204"/>
+              <a:ea typeface="+mn-ea"/>
+              <a:cs typeface="+mn-cs"/>
+            </a:rPr>
+            <a:t>1. Adapter</a:t>
+          </a:r>
+        </a:p>
+      </dgm:t>
+    </dgm:pt>
+    <dgm:pt modelId="{B6B50586-70DB-4C26-A4E4-8D083B41C837}" type="parTrans" cxnId="{53AFBAEC-C423-4CEF-A196-8ECE4F9B77BE}">
+      <dgm:prSet/>
+      <dgm:spPr/>
+      <dgm:t>
+        <a:bodyPr/>
+        <a:lstStyle/>
+        <a:p>
+          <a:pPr algn="ctr"/>
+          <a:endParaRPr lang="en-US"/>
+        </a:p>
+      </dgm:t>
+    </dgm:pt>
+    <dgm:pt modelId="{1B6EFED7-245A-4B0B-8B0B-5A0165E7F1E4}" type="sibTrans" cxnId="{53AFBAEC-C423-4CEF-A196-8ECE4F9B77BE}">
+      <dgm:prSet phldrT="1"/>
+      <dgm:spPr/>
+      <dgm:t>
+        <a:bodyPr/>
+        <a:lstStyle/>
+        <a:p>
+          <a:endParaRPr lang="en-US"/>
+        </a:p>
+      </dgm:t>
+    </dgm:pt>
+    <dgm:pt modelId="{B38DF871-BF03-42BE-A6DE-423B8F0CAE8A}">
+      <dgm:prSet phldrT="[Text]"/>
+      <dgm:spPr>
+        <a:solidFill>
+          <a:schemeClr val="accent2"/>
+        </a:solidFill>
+      </dgm:spPr>
+      <dgm:t>
+        <a:bodyPr spcFirstLastPara="0" vert="horz" wrap="square" lIns="160020" tIns="160020" rIns="160020" bIns="160020" numCol="1" spcCol="1270" anchor="ctr" anchorCtr="0"/>
+        <a:lstStyle/>
+        <a:p>
+          <a:pPr marL="0" lvl="0" indent="0" defTabSz="1866900">
+            <a:spcBef>
+              <a:spcPct val="0"/>
+            </a:spcBef>
+            <a:spcAft>
+              <a:spcPct val="35000"/>
+            </a:spcAft>
+            <a:buNone/>
+          </a:pPr>
+          <a:r>
+            <a:rPr lang="en-US" b="1" kern="1200">
+              <a:latin typeface="Calibri" panose="020F0502020204030204"/>
+              <a:ea typeface="+mn-ea"/>
+              <a:cs typeface="+mn-cs"/>
+            </a:rPr>
+            <a:t>2. Facade</a:t>
+          </a:r>
+        </a:p>
+      </dgm:t>
+    </dgm:pt>
+    <dgm:pt modelId="{FCFADF0E-5A0F-4A1D-B0DB-4A38DE392393}" type="parTrans" cxnId="{1483C4EB-6822-415C-ACFA-7B40F34FDBAE}">
+      <dgm:prSet/>
+      <dgm:spPr/>
+      <dgm:t>
+        <a:bodyPr/>
+        <a:lstStyle/>
+        <a:p>
+          <a:pPr algn="ctr"/>
+          <a:endParaRPr lang="en-US"/>
+        </a:p>
+      </dgm:t>
+    </dgm:pt>
+    <dgm:pt modelId="{B7A4B878-068D-4932-8426-FA84F59CCBAA}" type="sibTrans" cxnId="{1483C4EB-6822-415C-ACFA-7B40F34FDBAE}">
+      <dgm:prSet phldrT="2"/>
+      <dgm:spPr/>
+      <dgm:t>
+        <a:bodyPr/>
+        <a:lstStyle/>
+        <a:p>
+          <a:endParaRPr lang="en-US"/>
+        </a:p>
+      </dgm:t>
+    </dgm:pt>
+    <dgm:pt modelId="{DCB66039-66F6-4844-984A-D67A23A4C399}">
+      <dgm:prSet phldrT="[Text]"/>
+      <dgm:spPr>
+        <a:solidFill>
+          <a:schemeClr val="accent2"/>
+        </a:solidFill>
+      </dgm:spPr>
+      <dgm:t>
+        <a:bodyPr spcFirstLastPara="0" vert="horz" wrap="square" lIns="160020" tIns="160020" rIns="160020" bIns="160020" numCol="1" spcCol="1270" anchor="ctr" anchorCtr="0"/>
+        <a:lstStyle/>
+        <a:p>
+          <a:pPr marL="0" lvl="0" indent="0" defTabSz="1866900">
+            <a:spcBef>
+              <a:spcPct val="0"/>
+            </a:spcBef>
+            <a:spcAft>
+              <a:spcPct val="35000"/>
+            </a:spcAft>
+            <a:buNone/>
+          </a:pPr>
+          <a:r>
+            <a:rPr lang="en-US" b="1" kern="1200">
+              <a:latin typeface="Calibri" panose="020F0502020204030204"/>
+              <a:ea typeface="+mn-ea"/>
+              <a:cs typeface="+mn-cs"/>
+            </a:rPr>
+            <a:t>3. Proxy</a:t>
+          </a:r>
+        </a:p>
+      </dgm:t>
+    </dgm:pt>
+    <dgm:pt modelId="{E3558DB9-EE0C-438A-A0EA-A41DD0232F8B}" type="parTrans" cxnId="{D23E6C06-1BCB-474D-A6F6-505555A3FC8A}">
+      <dgm:prSet/>
+      <dgm:spPr/>
+      <dgm:t>
+        <a:bodyPr/>
+        <a:lstStyle/>
+        <a:p>
+          <a:pPr algn="ctr"/>
+          <a:endParaRPr lang="en-US"/>
+        </a:p>
+      </dgm:t>
+    </dgm:pt>
+    <dgm:pt modelId="{1E88FBAF-4CDA-49AB-AF33-1AB99A8B3247}" type="sibTrans" cxnId="{D23E6C06-1BCB-474D-A6F6-505555A3FC8A}">
+      <dgm:prSet phldrT="3"/>
+      <dgm:spPr/>
+      <dgm:t>
+        <a:bodyPr/>
+        <a:lstStyle/>
+        <a:p>
+          <a:endParaRPr lang="en-US"/>
+        </a:p>
+      </dgm:t>
+    </dgm:pt>
+    <dgm:pt modelId="{7E3CA76B-D35C-49E6-930C-263CE18447A6}">
+      <dgm:prSet phldrT="[Text]"/>
+      <dgm:spPr>
+        <a:solidFill>
+          <a:schemeClr val="accent2"/>
+        </a:solidFill>
+        <a:ln>
+          <a:solidFill>
+            <a:schemeClr val="accent2"/>
+          </a:solidFill>
+        </a:ln>
+      </dgm:spPr>
+      <dgm:t>
+        <a:bodyPr spcFirstLastPara="0" vert="horz" wrap="square" lIns="160020" tIns="160020" rIns="160020" bIns="160020" numCol="1" spcCol="1270" anchor="ctr" anchorCtr="0"/>
+        <a:lstStyle/>
+        <a:p>
+          <a:pPr marL="0" lvl="0" indent="0" defTabSz="1866900">
+            <a:spcBef>
+              <a:spcPct val="0"/>
+            </a:spcBef>
+            <a:spcAft>
+              <a:spcPct val="35000"/>
+            </a:spcAft>
+            <a:buNone/>
+          </a:pPr>
+          <a:r>
+            <a:rPr lang="en-US" b="1" kern="1200" dirty="0">
+              <a:latin typeface="Calibri" panose="020F0502020204030204"/>
+              <a:ea typeface="+mn-ea"/>
+              <a:cs typeface="+mn-cs"/>
+            </a:rPr>
+            <a:t>4. Bridge</a:t>
+          </a:r>
+        </a:p>
+      </dgm:t>
+    </dgm:pt>
+    <dgm:pt modelId="{097E95C2-4BBD-45D5-B874-763A5296A30D}" type="parTrans" cxnId="{82655136-7CC6-4843-8C0A-5C6C710E31C5}">
+      <dgm:prSet/>
+      <dgm:spPr/>
+      <dgm:t>
+        <a:bodyPr/>
+        <a:lstStyle/>
+        <a:p>
+          <a:pPr algn="ctr"/>
+          <a:endParaRPr lang="en-US"/>
+        </a:p>
+      </dgm:t>
+    </dgm:pt>
+    <dgm:pt modelId="{DF9294E0-F934-4DCA-A100-ECE6FCF9678A}" type="sibTrans" cxnId="{82655136-7CC6-4843-8C0A-5C6C710E31C5}">
+      <dgm:prSet phldrT="4"/>
+      <dgm:spPr/>
+      <dgm:t>
+        <a:bodyPr/>
+        <a:lstStyle/>
+        <a:p>
+          <a:endParaRPr lang="en-US"/>
+        </a:p>
+      </dgm:t>
+    </dgm:pt>
+    <dgm:pt modelId="{4AD0C0E5-24A7-42F3-9788-886072CF7C93}">
+      <dgm:prSet phldrT="[Text]"/>
+      <dgm:spPr>
+        <a:solidFill>
+          <a:schemeClr val="accent2"/>
+        </a:solidFill>
+      </dgm:spPr>
+      <dgm:t>
+        <a:bodyPr/>
+        <a:lstStyle/>
+        <a:p>
+          <a:r>
+            <a:rPr lang="en-US" b="1" kern="1200" dirty="0">
+              <a:latin typeface="Calibri" panose="020F0502020204030204"/>
+              <a:ea typeface="+mn-ea"/>
+              <a:cs typeface="+mn-cs"/>
+            </a:rPr>
+            <a:t>…….</a:t>
+          </a:r>
+        </a:p>
+      </dgm:t>
+    </dgm:pt>
+    <dgm:pt modelId="{18D3FE54-2616-4F89-8076-07E651A9985C}" type="sibTrans" cxnId="{FAAD0E05-7717-4C22-8ABD-B9919E187CC3}">
+      <dgm:prSet/>
+      <dgm:spPr/>
+      <dgm:t>
+        <a:bodyPr/>
+        <a:lstStyle/>
+        <a:p>
+          <a:endParaRPr lang="en-US"/>
+        </a:p>
+      </dgm:t>
+    </dgm:pt>
+    <dgm:pt modelId="{27036287-C6D1-406D-9412-1BEB7E80A95E}" type="parTrans" cxnId="{FAAD0E05-7717-4C22-8ABD-B9919E187CC3}">
+      <dgm:prSet/>
+      <dgm:spPr/>
+      <dgm:t>
+        <a:bodyPr/>
+        <a:lstStyle/>
+        <a:p>
+          <a:endParaRPr lang="en-US"/>
+        </a:p>
+      </dgm:t>
+    </dgm:pt>
+    <dgm:pt modelId="{9218D03D-89DA-4411-9A54-E2C1F087F84C}">
+      <dgm:prSet phldrT="[Text]"/>
+      <dgm:spPr>
+        <a:solidFill>
+          <a:schemeClr val="accent2"/>
+        </a:solidFill>
+      </dgm:spPr>
+      <dgm:t>
+        <a:bodyPr/>
+        <a:lstStyle/>
+        <a:p>
+          <a:r>
+            <a:rPr lang="en-US" b="1" kern="1200">
+              <a:latin typeface="Calibri" panose="020F0502020204030204"/>
+              <a:ea typeface="+mn-ea"/>
+              <a:cs typeface="+mn-cs"/>
+            </a:rPr>
+            <a:t>5. Decorator</a:t>
+          </a:r>
+        </a:p>
+      </dgm:t>
+    </dgm:pt>
+    <dgm:pt modelId="{3926964E-CD2B-4B28-AAA1-9C173DDEB74B}" type="sibTrans" cxnId="{FEB127F8-266A-4A80-87CD-D8E0B3D79D26}">
+      <dgm:prSet phldrT="5"/>
+      <dgm:spPr/>
+      <dgm:t>
+        <a:bodyPr/>
+        <a:lstStyle/>
+        <a:p>
+          <a:endParaRPr lang="en-US"/>
+        </a:p>
+      </dgm:t>
+    </dgm:pt>
+    <dgm:pt modelId="{1A230E96-2FD9-440A-9712-7F81C2228EBB}" type="parTrans" cxnId="{FEB127F8-266A-4A80-87CD-D8E0B3D79D26}">
+      <dgm:prSet/>
+      <dgm:spPr/>
+      <dgm:t>
+        <a:bodyPr/>
+        <a:lstStyle/>
+        <a:p>
+          <a:pPr algn="ctr"/>
+          <a:endParaRPr lang="en-US"/>
+        </a:p>
+      </dgm:t>
+    </dgm:pt>
+    <dgm:pt modelId="{044DF406-C43A-4F99-A131-BDFFE1DF098A}" type="pres">
+      <dgm:prSet presAssocID="{4F1464C0-5555-46C1-B349-12A1B850E025}" presName="linear" presStyleCnt="0">
+        <dgm:presLayoutVars>
+          <dgm:animLvl val="lvl"/>
+          <dgm:resizeHandles val="exact"/>
+        </dgm:presLayoutVars>
+      </dgm:prSet>
+      <dgm:spPr/>
+    </dgm:pt>
+    <dgm:pt modelId="{65F72784-DE3C-43D8-B801-D83AEBF01195}" type="pres">
+      <dgm:prSet presAssocID="{8D048769-2582-4C51-BB23-7FE6C6C34521}" presName="parentText" presStyleLbl="node1" presStyleIdx="0" presStyleCnt="6">
+        <dgm:presLayoutVars>
+          <dgm:chMax val="0"/>
+          <dgm:bulletEnabled val="1"/>
+        </dgm:presLayoutVars>
+      </dgm:prSet>
+      <dgm:spPr/>
+    </dgm:pt>
+    <dgm:pt modelId="{57D3B043-5613-4B9E-957B-70ECF54D6E2D}" type="pres">
+      <dgm:prSet presAssocID="{1B6EFED7-245A-4B0B-8B0B-5A0165E7F1E4}" presName="spacer" presStyleCnt="0"/>
+      <dgm:spPr/>
+    </dgm:pt>
+    <dgm:pt modelId="{1E22013E-274E-4BA3-BB0A-9FCF956E4D9F}" type="pres">
+      <dgm:prSet presAssocID="{B38DF871-BF03-42BE-A6DE-423B8F0CAE8A}" presName="parentText" presStyleLbl="node1" presStyleIdx="1" presStyleCnt="6">
+        <dgm:presLayoutVars>
+          <dgm:chMax val="0"/>
+          <dgm:bulletEnabled val="1"/>
+        </dgm:presLayoutVars>
+      </dgm:prSet>
+      <dgm:spPr/>
+    </dgm:pt>
+    <dgm:pt modelId="{FEAD7628-C6C0-4971-9C92-040DE3EEB001}" type="pres">
+      <dgm:prSet presAssocID="{B7A4B878-068D-4932-8426-FA84F59CCBAA}" presName="spacer" presStyleCnt="0"/>
+      <dgm:spPr/>
+    </dgm:pt>
+    <dgm:pt modelId="{FD8ED29C-7C5D-4022-B25B-B07273DEFA4D}" type="pres">
+      <dgm:prSet presAssocID="{DCB66039-66F6-4844-984A-D67A23A4C399}" presName="parentText" presStyleLbl="node1" presStyleIdx="2" presStyleCnt="6">
+        <dgm:presLayoutVars>
+          <dgm:chMax val="0"/>
+          <dgm:bulletEnabled val="1"/>
+        </dgm:presLayoutVars>
+      </dgm:prSet>
+      <dgm:spPr/>
+    </dgm:pt>
+    <dgm:pt modelId="{7F0D9525-26C6-498F-922F-326A862609B0}" type="pres">
+      <dgm:prSet presAssocID="{1E88FBAF-4CDA-49AB-AF33-1AB99A8B3247}" presName="spacer" presStyleCnt="0"/>
+      <dgm:spPr/>
+    </dgm:pt>
+    <dgm:pt modelId="{BF4AB7A7-D4DE-42A1-BDF6-55FDBAAA3618}" type="pres">
+      <dgm:prSet presAssocID="{7E3CA76B-D35C-49E6-930C-263CE18447A6}" presName="parentText" presStyleLbl="node1" presStyleIdx="3" presStyleCnt="6">
+        <dgm:presLayoutVars>
+          <dgm:chMax val="0"/>
+          <dgm:bulletEnabled val="1"/>
+        </dgm:presLayoutVars>
+      </dgm:prSet>
+      <dgm:spPr/>
+    </dgm:pt>
+    <dgm:pt modelId="{2A5CED6C-74CC-44BB-870D-F4233A780F3D}" type="pres">
+      <dgm:prSet presAssocID="{DF9294E0-F934-4DCA-A100-ECE6FCF9678A}" presName="spacer" presStyleCnt="0"/>
+      <dgm:spPr/>
+    </dgm:pt>
+    <dgm:pt modelId="{B185354D-7EE5-461F-A756-8C8130BA7DC7}" type="pres">
+      <dgm:prSet presAssocID="{9218D03D-89DA-4411-9A54-E2C1F087F84C}" presName="parentText" presStyleLbl="node1" presStyleIdx="4" presStyleCnt="6">
+        <dgm:presLayoutVars>
+          <dgm:chMax val="0"/>
+          <dgm:bulletEnabled val="1"/>
+        </dgm:presLayoutVars>
+      </dgm:prSet>
+      <dgm:spPr/>
+    </dgm:pt>
+    <dgm:pt modelId="{5054087C-04D5-468D-839B-C580B2EA976E}" type="pres">
+      <dgm:prSet presAssocID="{3926964E-CD2B-4B28-AAA1-9C173DDEB74B}" presName="spacer" presStyleCnt="0"/>
+      <dgm:spPr/>
+    </dgm:pt>
+    <dgm:pt modelId="{C22E8708-7144-497C-938B-E843A7A0FE06}" type="pres">
+      <dgm:prSet presAssocID="{4AD0C0E5-24A7-42F3-9788-886072CF7C93}" presName="parentText" presStyleLbl="node1" presStyleIdx="5" presStyleCnt="6">
+        <dgm:presLayoutVars>
+          <dgm:chMax val="0"/>
+          <dgm:bulletEnabled val="1"/>
+        </dgm:presLayoutVars>
+      </dgm:prSet>
+      <dgm:spPr/>
+    </dgm:pt>
+  </dgm:ptLst>
+  <dgm:cxnLst>
+    <dgm:cxn modelId="{FAAD0E05-7717-4C22-8ABD-B9919E187CC3}" srcId="{4F1464C0-5555-46C1-B349-12A1B850E025}" destId="{4AD0C0E5-24A7-42F3-9788-886072CF7C93}" srcOrd="5" destOrd="0" parTransId="{27036287-C6D1-406D-9412-1BEB7E80A95E}" sibTransId="{18D3FE54-2616-4F89-8076-07E651A9985C}"/>
+    <dgm:cxn modelId="{D23E6C06-1BCB-474D-A6F6-505555A3FC8A}" srcId="{4F1464C0-5555-46C1-B349-12A1B850E025}" destId="{DCB66039-66F6-4844-984A-D67A23A4C399}" srcOrd="2" destOrd="0" parTransId="{E3558DB9-EE0C-438A-A0EA-A41DD0232F8B}" sibTransId="{1E88FBAF-4CDA-49AB-AF33-1AB99A8B3247}"/>
+    <dgm:cxn modelId="{82655136-7CC6-4843-8C0A-5C6C710E31C5}" srcId="{4F1464C0-5555-46C1-B349-12A1B850E025}" destId="{7E3CA76B-D35C-49E6-930C-263CE18447A6}" srcOrd="3" destOrd="0" parTransId="{097E95C2-4BBD-45D5-B874-763A5296A30D}" sibTransId="{DF9294E0-F934-4DCA-A100-ECE6FCF9678A}"/>
+    <dgm:cxn modelId="{14ED4B4C-BE07-42EF-B3D7-7E5FF3A60AB3}" type="presOf" srcId="{7E3CA76B-D35C-49E6-930C-263CE18447A6}" destId="{BF4AB7A7-D4DE-42A1-BDF6-55FDBAAA3618}" srcOrd="0" destOrd="0" presId="urn:microsoft.com/office/officeart/2005/8/layout/vList2"/>
+    <dgm:cxn modelId="{2671A56E-1ECB-4BE9-AD26-E8F6A791D9E6}" type="presOf" srcId="{8D048769-2582-4C51-BB23-7FE6C6C34521}" destId="{65F72784-DE3C-43D8-B801-D83AEBF01195}" srcOrd="0" destOrd="0" presId="urn:microsoft.com/office/officeart/2005/8/layout/vList2"/>
+    <dgm:cxn modelId="{A3C16078-6648-483C-BF42-637A97012E4D}" type="presOf" srcId="{4AD0C0E5-24A7-42F3-9788-886072CF7C93}" destId="{C22E8708-7144-497C-938B-E843A7A0FE06}" srcOrd="0" destOrd="0" presId="urn:microsoft.com/office/officeart/2005/8/layout/vList2"/>
+    <dgm:cxn modelId="{FF962B7B-99EA-4126-ABAA-8509055F7E4E}" type="presOf" srcId="{B38DF871-BF03-42BE-A6DE-423B8F0CAE8A}" destId="{1E22013E-274E-4BA3-BB0A-9FCF956E4D9F}" srcOrd="0" destOrd="0" presId="urn:microsoft.com/office/officeart/2005/8/layout/vList2"/>
+    <dgm:cxn modelId="{DB81CBB2-B74D-41D0-AB78-7D075ACBD50D}" type="presOf" srcId="{DCB66039-66F6-4844-984A-D67A23A4C399}" destId="{FD8ED29C-7C5D-4022-B25B-B07273DEFA4D}" srcOrd="0" destOrd="0" presId="urn:microsoft.com/office/officeart/2005/8/layout/vList2"/>
+    <dgm:cxn modelId="{72E428D7-A78B-4EF9-9646-43FAA583FDF0}" type="presOf" srcId="{9218D03D-89DA-4411-9A54-E2C1F087F84C}" destId="{B185354D-7EE5-461F-A756-8C8130BA7DC7}" srcOrd="0" destOrd="0" presId="urn:microsoft.com/office/officeart/2005/8/layout/vList2"/>
+    <dgm:cxn modelId="{1483C4EB-6822-415C-ACFA-7B40F34FDBAE}" srcId="{4F1464C0-5555-46C1-B349-12A1B850E025}" destId="{B38DF871-BF03-42BE-A6DE-423B8F0CAE8A}" srcOrd="1" destOrd="0" parTransId="{FCFADF0E-5A0F-4A1D-B0DB-4A38DE392393}" sibTransId="{B7A4B878-068D-4932-8426-FA84F59CCBAA}"/>
+    <dgm:cxn modelId="{53AFBAEC-C423-4CEF-A196-8ECE4F9B77BE}" srcId="{4F1464C0-5555-46C1-B349-12A1B850E025}" destId="{8D048769-2582-4C51-BB23-7FE6C6C34521}" srcOrd="0" destOrd="0" parTransId="{B6B50586-70DB-4C26-A4E4-8D083B41C837}" sibTransId="{1B6EFED7-245A-4B0B-8B0B-5A0165E7F1E4}"/>
+    <dgm:cxn modelId="{FEB127F8-266A-4A80-87CD-D8E0B3D79D26}" srcId="{4F1464C0-5555-46C1-B349-12A1B850E025}" destId="{9218D03D-89DA-4411-9A54-E2C1F087F84C}" srcOrd="4" destOrd="0" parTransId="{1A230E96-2FD9-440A-9712-7F81C2228EBB}" sibTransId="{3926964E-CD2B-4B28-AAA1-9C173DDEB74B}"/>
+    <dgm:cxn modelId="{76C50DFC-76F7-46DF-9CD7-96E0AB42711F}" type="presOf" srcId="{4F1464C0-5555-46C1-B349-12A1B850E025}" destId="{044DF406-C43A-4F99-A131-BDFFE1DF098A}" srcOrd="0" destOrd="0" presId="urn:microsoft.com/office/officeart/2005/8/layout/vList2"/>
+    <dgm:cxn modelId="{53521B9F-36D6-49EF-B41B-79ABC7944614}" type="presParOf" srcId="{044DF406-C43A-4F99-A131-BDFFE1DF098A}" destId="{65F72784-DE3C-43D8-B801-D83AEBF01195}" srcOrd="0" destOrd="0" presId="urn:microsoft.com/office/officeart/2005/8/layout/vList2"/>
+    <dgm:cxn modelId="{F8D60A7D-4B2D-4CC5-AD70-83B508898D01}" type="presParOf" srcId="{044DF406-C43A-4F99-A131-BDFFE1DF098A}" destId="{57D3B043-5613-4B9E-957B-70ECF54D6E2D}" srcOrd="1" destOrd="0" presId="urn:microsoft.com/office/officeart/2005/8/layout/vList2"/>
+    <dgm:cxn modelId="{AE87858E-3F57-4976-869E-252B034627E9}" type="presParOf" srcId="{044DF406-C43A-4F99-A131-BDFFE1DF098A}" destId="{1E22013E-274E-4BA3-BB0A-9FCF956E4D9F}" srcOrd="2" destOrd="0" presId="urn:microsoft.com/office/officeart/2005/8/layout/vList2"/>
+    <dgm:cxn modelId="{A2F1E6CB-0D20-4102-96B1-F44452F6D79F}" type="presParOf" srcId="{044DF406-C43A-4F99-A131-BDFFE1DF098A}" destId="{FEAD7628-C6C0-4971-9C92-040DE3EEB001}" srcOrd="3" destOrd="0" presId="urn:microsoft.com/office/officeart/2005/8/layout/vList2"/>
+    <dgm:cxn modelId="{F6278F62-E934-4B83-820D-78B716753D0C}" type="presParOf" srcId="{044DF406-C43A-4F99-A131-BDFFE1DF098A}" destId="{FD8ED29C-7C5D-4022-B25B-B07273DEFA4D}" srcOrd="4" destOrd="0" presId="urn:microsoft.com/office/officeart/2005/8/layout/vList2"/>
+    <dgm:cxn modelId="{63B82EBA-A798-4798-A8FC-BD430B7B6112}" type="presParOf" srcId="{044DF406-C43A-4F99-A131-BDFFE1DF098A}" destId="{7F0D9525-26C6-498F-922F-326A862609B0}" srcOrd="5" destOrd="0" presId="urn:microsoft.com/office/officeart/2005/8/layout/vList2"/>
+    <dgm:cxn modelId="{4DAFD9BB-E3A4-432B-B837-23DCFA273541}" type="presParOf" srcId="{044DF406-C43A-4F99-A131-BDFFE1DF098A}" destId="{BF4AB7A7-D4DE-42A1-BDF6-55FDBAAA3618}" srcOrd="6" destOrd="0" presId="urn:microsoft.com/office/officeart/2005/8/layout/vList2"/>
+    <dgm:cxn modelId="{D6E29F24-28EA-4CE8-9D71-527EBC859FE3}" type="presParOf" srcId="{044DF406-C43A-4F99-A131-BDFFE1DF098A}" destId="{2A5CED6C-74CC-44BB-870D-F4233A780F3D}" srcOrd="7" destOrd="0" presId="urn:microsoft.com/office/officeart/2005/8/layout/vList2"/>
+    <dgm:cxn modelId="{088659A2-7535-4A22-AB57-84874CABFADA}" type="presParOf" srcId="{044DF406-C43A-4F99-A131-BDFFE1DF098A}" destId="{B185354D-7EE5-461F-A756-8C8130BA7DC7}" srcOrd="8" destOrd="0" presId="urn:microsoft.com/office/officeart/2005/8/layout/vList2"/>
+    <dgm:cxn modelId="{91F39EE0-618A-496C-B476-CDC793C77F2A}" type="presParOf" srcId="{044DF406-C43A-4F99-A131-BDFFE1DF098A}" destId="{5054087C-04D5-468D-839B-C580B2EA976E}" srcOrd="9" destOrd="0" presId="urn:microsoft.com/office/officeart/2005/8/layout/vList2"/>
+    <dgm:cxn modelId="{64D4BA02-BDFB-4C19-B8F0-1130625F7A79}" type="presParOf" srcId="{044DF406-C43A-4F99-A131-BDFFE1DF098A}" destId="{C22E8708-7144-497C-938B-E843A7A0FE06}" srcOrd="10" destOrd="0" presId="urn:microsoft.com/office/officeart/2005/8/layout/vList2"/>
+  </dgm:cxnLst>
+  <dgm:bg/>
+  <dgm:whole/>
+  <dgm:extLst>
+    <a:ext uri="http://schemas.microsoft.com/office/drawing/2008/diagram">
+      <dsp:dataModelExt xmlns:dsp="http://schemas.microsoft.com/office/drawing/2008/diagram" relId="rId7" minVer="http://schemas.openxmlformats.org/drawingml/2006/diagram"/>
     </a:ext>
   </dgm:extLst>
 </dgm:dataModel>
@@ -9093,8 +11938,8 @@
       </dsp:nvSpPr>
       <dsp:spPr>
         <a:xfrm>
-          <a:off x="0" y="670651"/>
-          <a:ext cx="6264695" cy="952380"/>
+          <a:off x="0" y="115981"/>
+          <a:ext cx="6264695" cy="669240"/>
         </a:xfrm>
         <a:prstGeom prst="roundRect">
           <a:avLst/>
@@ -9135,12 +11980,12 @@
         </a:fontRef>
       </dsp:style>
       <dsp:txBody>
-        <a:bodyPr spcFirstLastPara="0" vert="horz" wrap="square" lIns="140970" tIns="140970" rIns="140970" bIns="140970" numCol="1" spcCol="1270" anchor="ctr" anchorCtr="0">
+        <a:bodyPr spcFirstLastPara="0" vert="horz" wrap="square" lIns="99060" tIns="99060" rIns="99060" bIns="99060" numCol="1" spcCol="1270" anchor="ctr" anchorCtr="0">
           <a:noAutofit/>
         </a:bodyPr>
         <a:lstStyle/>
         <a:p>
-          <a:pPr marL="0" lvl="0" indent="0" algn="l" defTabSz="1644650">
+          <a:pPr marL="0" lvl="0" indent="0" algn="l" defTabSz="1155700">
             <a:lnSpc>
               <a:spcPct val="90000"/>
             </a:lnSpc>
@@ -9153,14 +11998,74 @@
             <a:buNone/>
           </a:pPr>
           <a:r>
-            <a:rPr lang="en-US" sz="3700" kern="1200" dirty="0"/>
+            <a:rPr lang="en-US" sz="2600" kern="1200" dirty="0"/>
             <a:t>Abstraction</a:t>
           </a:r>
         </a:p>
       </dsp:txBody>
       <dsp:txXfrm>
-        <a:off x="46491" y="717142"/>
-        <a:ext cx="6171713" cy="859398"/>
+        <a:off x="32670" y="148651"/>
+        <a:ext cx="6199355" cy="603900"/>
+      </dsp:txXfrm>
+    </dsp:sp>
+    <dsp:sp modelId="{21889C29-BA30-4F88-9040-D12A0BEBEFD3}">
+      <dsp:nvSpPr>
+        <dsp:cNvPr id="0" name=""/>
+        <dsp:cNvSpPr/>
+      </dsp:nvSpPr>
+      <dsp:spPr>
+        <a:xfrm>
+          <a:off x="0" y="785221"/>
+          <a:ext cx="6264695" cy="430560"/>
+        </a:xfrm>
+        <a:prstGeom prst="rect">
+          <a:avLst/>
+        </a:prstGeom>
+        <a:noFill/>
+        <a:ln>
+          <a:noFill/>
+        </a:ln>
+        <a:effectLst/>
+      </dsp:spPr>
+      <dsp:style>
+        <a:lnRef idx="0">
+          <a:scrgbClr r="0" g="0" b="0"/>
+        </a:lnRef>
+        <a:fillRef idx="0">
+          <a:scrgbClr r="0" g="0" b="0"/>
+        </a:fillRef>
+        <a:effectRef idx="0">
+          <a:scrgbClr r="0" g="0" b="0"/>
+        </a:effectRef>
+        <a:fontRef idx="minor"/>
+      </dsp:style>
+      <dsp:txBody>
+        <a:bodyPr spcFirstLastPara="0" vert="horz" wrap="square" lIns="198904" tIns="33020" rIns="184912" bIns="33020" numCol="1" spcCol="1270" anchor="t" anchorCtr="0">
+          <a:noAutofit/>
+        </a:bodyPr>
+        <a:lstStyle/>
+        <a:p>
+          <a:pPr marL="228600" lvl="1" indent="-228600" algn="l" defTabSz="889000">
+            <a:lnSpc>
+              <a:spcPct val="90000"/>
+            </a:lnSpc>
+            <a:spcBef>
+              <a:spcPct val="0"/>
+            </a:spcBef>
+            <a:spcAft>
+              <a:spcPct val="20000"/>
+            </a:spcAft>
+            <a:buChar char="•"/>
+          </a:pPr>
+          <a:r>
+            <a:rPr lang="en-US" sz="2000" kern="1200" dirty="0"/>
+            <a:t>Shape</a:t>
+          </a:r>
+        </a:p>
+      </dsp:txBody>
+      <dsp:txXfrm>
+        <a:off x="0" y="785221"/>
+        <a:ext cx="6264695" cy="430560"/>
       </dsp:txXfrm>
     </dsp:sp>
     <dsp:sp modelId="{4E21AB82-4D0A-4E55-9EB6-9299776D3780}">
@@ -9170,8 +12075,8 @@
       </dsp:nvSpPr>
       <dsp:spPr>
         <a:xfrm>
-          <a:off x="0" y="1729592"/>
-          <a:ext cx="6264695" cy="952380"/>
+          <a:off x="0" y="1215781"/>
+          <a:ext cx="6264695" cy="669240"/>
         </a:xfrm>
         <a:prstGeom prst="roundRect">
           <a:avLst/>
@@ -9212,12 +12117,12 @@
         </a:fontRef>
       </dsp:style>
       <dsp:txBody>
-        <a:bodyPr spcFirstLastPara="0" vert="horz" wrap="square" lIns="140970" tIns="140970" rIns="140970" bIns="140970" numCol="1" spcCol="1270" anchor="ctr" anchorCtr="0">
+        <a:bodyPr spcFirstLastPara="0" vert="horz" wrap="square" lIns="99060" tIns="99060" rIns="99060" bIns="99060" numCol="1" spcCol="1270" anchor="ctr" anchorCtr="0">
           <a:noAutofit/>
         </a:bodyPr>
         <a:lstStyle/>
         <a:p>
-          <a:pPr marL="0" lvl="0" indent="0" algn="l" defTabSz="1644650">
+          <a:pPr marL="0" lvl="0" indent="0" algn="l" defTabSz="1155700">
             <a:lnSpc>
               <a:spcPct val="90000"/>
             </a:lnSpc>
@@ -9230,14 +12135,110 @@
             <a:buNone/>
           </a:pPr>
           <a:r>
-            <a:rPr lang="en-US" sz="3700" kern="1200" dirty="0"/>
+            <a:rPr lang="en-US" sz="2600" kern="1200" dirty="0"/>
             <a:t>Refined Abstraction</a:t>
           </a:r>
         </a:p>
       </dsp:txBody>
       <dsp:txXfrm>
-        <a:off x="46491" y="1776083"/>
-        <a:ext cx="6171713" cy="859398"/>
+        <a:off x="32670" y="1248451"/>
+        <a:ext cx="6199355" cy="603900"/>
+      </dsp:txXfrm>
+    </dsp:sp>
+    <dsp:sp modelId="{D85B2FB9-4435-452F-81C4-E92C1C3ECB55}">
+      <dsp:nvSpPr>
+        <dsp:cNvPr id="0" name=""/>
+        <dsp:cNvSpPr/>
+      </dsp:nvSpPr>
+      <dsp:spPr>
+        <a:xfrm>
+          <a:off x="0" y="1885022"/>
+          <a:ext cx="6264695" cy="1103310"/>
+        </a:xfrm>
+        <a:prstGeom prst="rect">
+          <a:avLst/>
+        </a:prstGeom>
+        <a:noFill/>
+        <a:ln>
+          <a:noFill/>
+        </a:ln>
+        <a:effectLst/>
+      </dsp:spPr>
+      <dsp:style>
+        <a:lnRef idx="0">
+          <a:scrgbClr r="0" g="0" b="0"/>
+        </a:lnRef>
+        <a:fillRef idx="0">
+          <a:scrgbClr r="0" g="0" b="0"/>
+        </a:fillRef>
+        <a:effectRef idx="0">
+          <a:scrgbClr r="0" g="0" b="0"/>
+        </a:effectRef>
+        <a:fontRef idx="minor"/>
+      </dsp:style>
+      <dsp:txBody>
+        <a:bodyPr spcFirstLastPara="0" vert="horz" wrap="square" lIns="198904" tIns="33020" rIns="184912" bIns="33020" numCol="1" spcCol="1270" anchor="t" anchorCtr="0">
+          <a:noAutofit/>
+        </a:bodyPr>
+        <a:lstStyle/>
+        <a:p>
+          <a:pPr marL="228600" lvl="1" indent="-228600" algn="l" defTabSz="889000">
+            <a:lnSpc>
+              <a:spcPct val="90000"/>
+            </a:lnSpc>
+            <a:spcBef>
+              <a:spcPct val="0"/>
+            </a:spcBef>
+            <a:spcAft>
+              <a:spcPct val="20000"/>
+            </a:spcAft>
+            <a:buChar char="•"/>
+          </a:pPr>
+          <a:r>
+            <a:rPr lang="en-US" sz="2000" kern="1200" dirty="0"/>
+            <a:t>Circle</a:t>
+          </a:r>
+        </a:p>
+        <a:p>
+          <a:pPr marL="228600" lvl="1" indent="-228600" algn="l" defTabSz="889000">
+            <a:lnSpc>
+              <a:spcPct val="90000"/>
+            </a:lnSpc>
+            <a:spcBef>
+              <a:spcPct val="0"/>
+            </a:spcBef>
+            <a:spcAft>
+              <a:spcPct val="20000"/>
+            </a:spcAft>
+            <a:buChar char="•"/>
+          </a:pPr>
+          <a:r>
+            <a:rPr lang="en-US" sz="2000" kern="1200" dirty="0"/>
+            <a:t>Square</a:t>
+          </a:r>
+        </a:p>
+        <a:p>
+          <a:pPr marL="228600" lvl="1" indent="-228600" algn="l" defTabSz="889000">
+            <a:lnSpc>
+              <a:spcPct val="90000"/>
+            </a:lnSpc>
+            <a:spcBef>
+              <a:spcPct val="0"/>
+            </a:spcBef>
+            <a:spcAft>
+              <a:spcPct val="20000"/>
+            </a:spcAft>
+            <a:buChar char="•"/>
+          </a:pPr>
+          <a:r>
+            <a:rPr lang="en-US" sz="2000" kern="1200" dirty="0"/>
+            <a:t>Rectangle</a:t>
+          </a:r>
+        </a:p>
+      </dsp:txBody>
+      <dsp:txXfrm>
+        <a:off x="0" y="1885022"/>
+        <a:ext cx="6264695" cy="1103310"/>
       </dsp:txXfrm>
     </dsp:sp>
     <dsp:sp modelId="{D79AC7BD-F34D-444C-B7FE-36EBD70CDE5F}">
@@ -9247,8 +12248,8 @@
       </dsp:nvSpPr>
       <dsp:spPr>
         <a:xfrm>
-          <a:off x="0" y="2788532"/>
-          <a:ext cx="6264695" cy="952380"/>
+          <a:off x="0" y="2988332"/>
+          <a:ext cx="6264695" cy="669240"/>
         </a:xfrm>
         <a:prstGeom prst="roundRect">
           <a:avLst/>
@@ -9289,12 +12290,12 @@
         </a:fontRef>
       </dsp:style>
       <dsp:txBody>
-        <a:bodyPr spcFirstLastPara="0" vert="horz" wrap="square" lIns="140970" tIns="140970" rIns="140970" bIns="140970" numCol="1" spcCol="1270" anchor="ctr" anchorCtr="0">
+        <a:bodyPr spcFirstLastPara="0" vert="horz" wrap="square" lIns="99060" tIns="99060" rIns="99060" bIns="99060" numCol="1" spcCol="1270" anchor="ctr" anchorCtr="0">
           <a:noAutofit/>
         </a:bodyPr>
         <a:lstStyle/>
         <a:p>
-          <a:pPr marL="0" lvl="0" indent="0" algn="l" defTabSz="1644650">
+          <a:pPr marL="0" lvl="0" indent="0" algn="l" defTabSz="1155700">
             <a:lnSpc>
               <a:spcPct val="90000"/>
             </a:lnSpc>
@@ -9307,14 +12308,14 @@
             <a:buNone/>
           </a:pPr>
           <a:r>
-            <a:rPr lang="en-US" sz="3700" kern="1200" dirty="0"/>
+            <a:rPr lang="en-US" sz="2600" kern="1200" dirty="0"/>
             <a:t>Implementation</a:t>
           </a:r>
         </a:p>
       </dsp:txBody>
       <dsp:txXfrm>
-        <a:off x="46491" y="2835023"/>
-        <a:ext cx="6171713" cy="859398"/>
+        <a:off x="32670" y="3021002"/>
+        <a:ext cx="6199355" cy="603900"/>
       </dsp:txXfrm>
     </dsp:sp>
     <dsp:sp modelId="{D03B2792-FDCE-4152-97FB-FABD6E110A22}">
@@ -9324,8 +12325,8 @@
       </dsp:nvSpPr>
       <dsp:spPr>
         <a:xfrm>
-          <a:off x="0" y="3740912"/>
-          <a:ext cx="6264695" cy="612720"/>
+          <a:off x="0" y="3657572"/>
+          <a:ext cx="6264695" cy="430560"/>
         </a:xfrm>
         <a:prstGeom prst="rect">
           <a:avLst/>
@@ -9349,12 +12350,12 @@
         <a:fontRef idx="minor"/>
       </dsp:style>
       <dsp:txBody>
-        <a:bodyPr spcFirstLastPara="0" vert="horz" wrap="square" lIns="198904" tIns="46990" rIns="263144" bIns="46990" numCol="1" spcCol="1270" anchor="t" anchorCtr="0">
+        <a:bodyPr spcFirstLastPara="0" vert="horz" wrap="square" lIns="198904" tIns="33020" rIns="184912" bIns="33020" numCol="1" spcCol="1270" anchor="t" anchorCtr="0">
           <a:noAutofit/>
         </a:bodyPr>
         <a:lstStyle/>
         <a:p>
-          <a:pPr marL="285750" lvl="1" indent="-285750" algn="l" defTabSz="1289050">
+          <a:pPr marL="228600" lvl="1" indent="-228600" algn="l" defTabSz="889000">
             <a:lnSpc>
               <a:spcPct val="90000"/>
             </a:lnSpc>
@@ -9367,14 +12368,14 @@
             <a:buChar char="•"/>
           </a:pPr>
           <a:r>
-            <a:rPr lang="en-US" sz="2900" kern="1200" dirty="0"/>
+            <a:rPr lang="en-US" sz="2000" kern="1200" dirty="0"/>
             <a:t>Color</a:t>
           </a:r>
         </a:p>
       </dsp:txBody>
       <dsp:txXfrm>
-        <a:off x="0" y="3740912"/>
-        <a:ext cx="6264695" cy="612720"/>
+        <a:off x="0" y="3657572"/>
+        <a:ext cx="6264695" cy="430560"/>
       </dsp:txXfrm>
     </dsp:sp>
     <dsp:sp modelId="{8D63BF87-A2D6-400D-9C78-7A6153009430}">
@@ -9384,8 +12385,8 @@
       </dsp:nvSpPr>
       <dsp:spPr>
         <a:xfrm>
-          <a:off x="0" y="4353632"/>
-          <a:ext cx="6264695" cy="952380"/>
+          <a:off x="0" y="4088132"/>
+          <a:ext cx="6264695" cy="669240"/>
         </a:xfrm>
         <a:prstGeom prst="roundRect">
           <a:avLst/>
@@ -9426,12 +12427,12 @@
         </a:fontRef>
       </dsp:style>
       <dsp:txBody>
-        <a:bodyPr spcFirstLastPara="0" vert="horz" wrap="square" lIns="140970" tIns="140970" rIns="140970" bIns="140970" numCol="1" spcCol="1270" anchor="ctr" anchorCtr="0">
+        <a:bodyPr spcFirstLastPara="0" vert="horz" wrap="square" lIns="99060" tIns="99060" rIns="99060" bIns="99060" numCol="1" spcCol="1270" anchor="ctr" anchorCtr="0">
           <a:noAutofit/>
         </a:bodyPr>
         <a:lstStyle/>
         <a:p>
-          <a:pPr marL="0" lvl="0" indent="0" algn="l" defTabSz="1644650">
+          <a:pPr marL="0" lvl="0" indent="0" algn="l" defTabSz="1155700">
             <a:lnSpc>
               <a:spcPct val="90000"/>
             </a:lnSpc>
@@ -9444,14 +12445,976 @@
             <a:buNone/>
           </a:pPr>
           <a:r>
-            <a:rPr lang="en-US" sz="3700" kern="1200"/>
+            <a:rPr lang="en-US" sz="2600" kern="1200" dirty="0"/>
             <a:t>Concrete Implementations</a:t>
           </a:r>
         </a:p>
       </dsp:txBody>
       <dsp:txXfrm>
-        <a:off x="46491" y="4400123"/>
-        <a:ext cx="6171713" cy="859398"/>
+        <a:off x="32670" y="4120802"/>
+        <a:ext cx="6199355" cy="603900"/>
+      </dsp:txXfrm>
+    </dsp:sp>
+    <dsp:sp modelId="{30FBC198-984C-4600-AB95-ADE0B3185846}">
+      <dsp:nvSpPr>
+        <dsp:cNvPr id="0" name=""/>
+        <dsp:cNvSpPr/>
+      </dsp:nvSpPr>
+      <dsp:spPr>
+        <a:xfrm>
+          <a:off x="0" y="4757372"/>
+          <a:ext cx="6264695" cy="1103310"/>
+        </a:xfrm>
+        <a:prstGeom prst="rect">
+          <a:avLst/>
+        </a:prstGeom>
+        <a:noFill/>
+        <a:ln>
+          <a:noFill/>
+        </a:ln>
+        <a:effectLst/>
+      </dsp:spPr>
+      <dsp:style>
+        <a:lnRef idx="0">
+          <a:scrgbClr r="0" g="0" b="0"/>
+        </a:lnRef>
+        <a:fillRef idx="0">
+          <a:scrgbClr r="0" g="0" b="0"/>
+        </a:fillRef>
+        <a:effectRef idx="0">
+          <a:scrgbClr r="0" g="0" b="0"/>
+        </a:effectRef>
+        <a:fontRef idx="minor"/>
+      </dsp:style>
+      <dsp:txBody>
+        <a:bodyPr spcFirstLastPara="0" vert="horz" wrap="square" lIns="198904" tIns="33020" rIns="184912" bIns="33020" numCol="1" spcCol="1270" anchor="t" anchorCtr="0">
+          <a:noAutofit/>
+        </a:bodyPr>
+        <a:lstStyle/>
+        <a:p>
+          <a:pPr marL="228600" lvl="1" indent="-228600" algn="l" defTabSz="889000">
+            <a:lnSpc>
+              <a:spcPct val="90000"/>
+            </a:lnSpc>
+            <a:spcBef>
+              <a:spcPct val="0"/>
+            </a:spcBef>
+            <a:spcAft>
+              <a:spcPct val="20000"/>
+            </a:spcAft>
+            <a:buChar char="•"/>
+          </a:pPr>
+          <a:r>
+            <a:rPr lang="en-US" sz="2000" kern="1200" dirty="0"/>
+            <a:t>Red</a:t>
+          </a:r>
+        </a:p>
+        <a:p>
+          <a:pPr marL="228600" lvl="1" indent="-228600" algn="l" defTabSz="889000">
+            <a:lnSpc>
+              <a:spcPct val="90000"/>
+            </a:lnSpc>
+            <a:spcBef>
+              <a:spcPct val="0"/>
+            </a:spcBef>
+            <a:spcAft>
+              <a:spcPct val="20000"/>
+            </a:spcAft>
+            <a:buChar char="•"/>
+          </a:pPr>
+          <a:r>
+            <a:rPr lang="en-US" sz="2000" kern="1200" dirty="0"/>
+            <a:t>B</a:t>
+          </a:r>
+          <a:r>
+            <a:rPr lang="en-US" altLang="zh-CN" sz="2000" kern="1200" dirty="0"/>
+            <a:t>lue</a:t>
+          </a:r>
+          <a:endParaRPr lang="en-US" sz="2000" kern="1200" dirty="0"/>
+        </a:p>
+        <a:p>
+          <a:pPr marL="228600" lvl="1" indent="-228600" algn="l" defTabSz="889000">
+            <a:lnSpc>
+              <a:spcPct val="90000"/>
+            </a:lnSpc>
+            <a:spcBef>
+              <a:spcPct val="0"/>
+            </a:spcBef>
+            <a:spcAft>
+              <a:spcPct val="20000"/>
+            </a:spcAft>
+            <a:buChar char="•"/>
+          </a:pPr>
+          <a:r>
+            <a:rPr lang="en-US" sz="2000" kern="1200" dirty="0"/>
+            <a:t>W</a:t>
+          </a:r>
+          <a:r>
+            <a:rPr lang="en-US" altLang="zh-CN" sz="2000" kern="1200" dirty="0"/>
+            <a:t>hite</a:t>
+          </a:r>
+          <a:endParaRPr lang="en-US" sz="2000" kern="1200" dirty="0"/>
+        </a:p>
+      </dsp:txBody>
+      <dsp:txXfrm>
+        <a:off x="0" y="4757372"/>
+        <a:ext cx="6264695" cy="1103310"/>
+      </dsp:txXfrm>
+    </dsp:sp>
+  </dsp:spTree>
+</dsp:drawing>
+</file>
+
+<file path=ppt/diagrams/drawing7.xml><?xml version="1.0" encoding="utf-8"?>
+<dsp:drawing xmlns:dgm="http://schemas.openxmlformats.org/drawingml/2006/diagram" xmlns:dsp="http://schemas.microsoft.com/office/drawing/2008/diagram" xmlns:a="http://schemas.openxmlformats.org/drawingml/2006/main">
+  <dsp:spTree>
+    <dsp:nvGrpSpPr>
+      <dsp:cNvPr id="0" name=""/>
+      <dsp:cNvGrpSpPr/>
+    </dsp:nvGrpSpPr>
+    <dsp:grpSpPr/>
+    <dsp:sp modelId="{41FB9A52-AFDB-4E53-A538-2C26F3566FF5}">
+      <dsp:nvSpPr>
+        <dsp:cNvPr id="0" name=""/>
+        <dsp:cNvSpPr/>
+      </dsp:nvSpPr>
+      <dsp:spPr>
+        <a:xfrm>
+          <a:off x="0" y="1806"/>
+          <a:ext cx="7393563" cy="1261259"/>
+        </a:xfrm>
+        <a:prstGeom prst="roundRect">
+          <a:avLst/>
+        </a:prstGeom>
+        <a:solidFill>
+          <a:schemeClr val="accent1">
+            <a:hueOff val="0"/>
+            <a:satOff val="0"/>
+            <a:lumOff val="0"/>
+            <a:alphaOff val="0"/>
+          </a:schemeClr>
+        </a:solidFill>
+        <a:ln w="25400" cap="flat" cmpd="sng" algn="ctr">
+          <a:solidFill>
+            <a:schemeClr val="lt1">
+              <a:hueOff val="0"/>
+              <a:satOff val="0"/>
+              <a:lumOff val="0"/>
+              <a:alphaOff val="0"/>
+            </a:schemeClr>
+          </a:solidFill>
+          <a:prstDash val="solid"/>
+        </a:ln>
+        <a:effectLst/>
+      </dsp:spPr>
+      <dsp:style>
+        <a:lnRef idx="2">
+          <a:scrgbClr r="0" g="0" b="0"/>
+        </a:lnRef>
+        <a:fillRef idx="1">
+          <a:scrgbClr r="0" g="0" b="0"/>
+        </a:fillRef>
+        <a:effectRef idx="0">
+          <a:scrgbClr r="0" g="0" b="0"/>
+        </a:effectRef>
+        <a:fontRef idx="minor">
+          <a:schemeClr val="lt1"/>
+        </a:fontRef>
+      </dsp:style>
+      <dsp:txBody>
+        <a:bodyPr spcFirstLastPara="0" vert="horz" wrap="square" lIns="186690" tIns="186690" rIns="186690" bIns="186690" numCol="1" spcCol="1270" anchor="ctr" anchorCtr="0">
+          <a:noAutofit/>
+        </a:bodyPr>
+        <a:lstStyle/>
+        <a:p>
+          <a:pPr marL="0" lvl="0" indent="0" algn="l" defTabSz="2178050">
+            <a:lnSpc>
+              <a:spcPct val="90000"/>
+            </a:lnSpc>
+            <a:spcBef>
+              <a:spcPct val="0"/>
+            </a:spcBef>
+            <a:spcAft>
+              <a:spcPct val="35000"/>
+            </a:spcAft>
+            <a:buNone/>
+          </a:pPr>
+          <a:r>
+            <a:rPr lang="en-US" sz="4900" b="0" kern="1200" baseline="0" dirty="0"/>
+            <a:t>Component</a:t>
+          </a:r>
+          <a:endParaRPr lang="en-US" sz="4900" kern="1200" dirty="0"/>
+        </a:p>
+      </dsp:txBody>
+      <dsp:txXfrm>
+        <a:off x="61570" y="63376"/>
+        <a:ext cx="7270423" cy="1138119"/>
+      </dsp:txXfrm>
+    </dsp:sp>
+    <dsp:sp modelId="{0DD67760-D4CF-4DA8-89B3-4C5BC9661B25}">
+      <dsp:nvSpPr>
+        <dsp:cNvPr id="0" name=""/>
+        <dsp:cNvSpPr/>
+      </dsp:nvSpPr>
+      <dsp:spPr>
+        <a:xfrm>
+          <a:off x="0" y="1404186"/>
+          <a:ext cx="7393563" cy="1261259"/>
+        </a:xfrm>
+        <a:prstGeom prst="roundRect">
+          <a:avLst/>
+        </a:prstGeom>
+        <a:solidFill>
+          <a:schemeClr val="accent1">
+            <a:hueOff val="0"/>
+            <a:satOff val="0"/>
+            <a:lumOff val="0"/>
+            <a:alphaOff val="0"/>
+          </a:schemeClr>
+        </a:solidFill>
+        <a:ln w="25400" cap="flat" cmpd="sng" algn="ctr">
+          <a:solidFill>
+            <a:schemeClr val="lt1">
+              <a:hueOff val="0"/>
+              <a:satOff val="0"/>
+              <a:lumOff val="0"/>
+              <a:alphaOff val="0"/>
+            </a:schemeClr>
+          </a:solidFill>
+          <a:prstDash val="solid"/>
+        </a:ln>
+        <a:effectLst/>
+      </dsp:spPr>
+      <dsp:style>
+        <a:lnRef idx="2">
+          <a:scrgbClr r="0" g="0" b="0"/>
+        </a:lnRef>
+        <a:fillRef idx="1">
+          <a:scrgbClr r="0" g="0" b="0"/>
+        </a:fillRef>
+        <a:effectRef idx="0">
+          <a:scrgbClr r="0" g="0" b="0"/>
+        </a:effectRef>
+        <a:fontRef idx="minor">
+          <a:schemeClr val="lt1"/>
+        </a:fontRef>
+      </dsp:style>
+      <dsp:txBody>
+        <a:bodyPr spcFirstLastPara="0" vert="horz" wrap="square" lIns="186690" tIns="186690" rIns="186690" bIns="186690" numCol="1" spcCol="1270" anchor="ctr" anchorCtr="0">
+          <a:noAutofit/>
+        </a:bodyPr>
+        <a:lstStyle/>
+        <a:p>
+          <a:pPr marL="0" lvl="0" indent="0" algn="l" defTabSz="2178050">
+            <a:lnSpc>
+              <a:spcPct val="90000"/>
+            </a:lnSpc>
+            <a:spcBef>
+              <a:spcPct val="0"/>
+            </a:spcBef>
+            <a:spcAft>
+              <a:spcPct val="35000"/>
+            </a:spcAft>
+            <a:buNone/>
+          </a:pPr>
+          <a:r>
+            <a:rPr lang="en-US" sz="4900" b="0" kern="1200" baseline="0" dirty="0"/>
+            <a:t>Concrete Component</a:t>
+          </a:r>
+          <a:endParaRPr lang="en-US" sz="4900" kern="1200" dirty="0"/>
+        </a:p>
+      </dsp:txBody>
+      <dsp:txXfrm>
+        <a:off x="61570" y="1465756"/>
+        <a:ext cx="7270423" cy="1138119"/>
+      </dsp:txXfrm>
+    </dsp:sp>
+    <dsp:sp modelId="{BE1782D1-99DA-46DA-ADCB-88F7B6A3DF66}">
+      <dsp:nvSpPr>
+        <dsp:cNvPr id="0" name=""/>
+        <dsp:cNvSpPr/>
+      </dsp:nvSpPr>
+      <dsp:spPr>
+        <a:xfrm>
+          <a:off x="0" y="2806566"/>
+          <a:ext cx="7393563" cy="1261259"/>
+        </a:xfrm>
+        <a:prstGeom prst="roundRect">
+          <a:avLst/>
+        </a:prstGeom>
+        <a:solidFill>
+          <a:schemeClr val="accent1">
+            <a:hueOff val="0"/>
+            <a:satOff val="0"/>
+            <a:lumOff val="0"/>
+            <a:alphaOff val="0"/>
+          </a:schemeClr>
+        </a:solidFill>
+        <a:ln w="25400" cap="flat" cmpd="sng" algn="ctr">
+          <a:solidFill>
+            <a:schemeClr val="lt1">
+              <a:hueOff val="0"/>
+              <a:satOff val="0"/>
+              <a:lumOff val="0"/>
+              <a:alphaOff val="0"/>
+            </a:schemeClr>
+          </a:solidFill>
+          <a:prstDash val="solid"/>
+        </a:ln>
+        <a:effectLst/>
+      </dsp:spPr>
+      <dsp:style>
+        <a:lnRef idx="2">
+          <a:scrgbClr r="0" g="0" b="0"/>
+        </a:lnRef>
+        <a:fillRef idx="1">
+          <a:scrgbClr r="0" g="0" b="0"/>
+        </a:fillRef>
+        <a:effectRef idx="0">
+          <a:scrgbClr r="0" g="0" b="0"/>
+        </a:effectRef>
+        <a:fontRef idx="minor">
+          <a:schemeClr val="lt1"/>
+        </a:fontRef>
+      </dsp:style>
+      <dsp:txBody>
+        <a:bodyPr spcFirstLastPara="0" vert="horz" wrap="square" lIns="186690" tIns="186690" rIns="186690" bIns="186690" numCol="1" spcCol="1270" anchor="ctr" anchorCtr="0">
+          <a:noAutofit/>
+        </a:bodyPr>
+        <a:lstStyle/>
+        <a:p>
+          <a:pPr marL="0" lvl="0" indent="0" algn="l" defTabSz="2178050">
+            <a:lnSpc>
+              <a:spcPct val="90000"/>
+            </a:lnSpc>
+            <a:spcBef>
+              <a:spcPct val="0"/>
+            </a:spcBef>
+            <a:spcAft>
+              <a:spcPct val="35000"/>
+            </a:spcAft>
+            <a:buNone/>
+          </a:pPr>
+          <a:r>
+            <a:rPr lang="en-US" sz="4900" b="0" kern="1200" baseline="0" dirty="0"/>
+            <a:t>Base</a:t>
+          </a:r>
+          <a:r>
+            <a:rPr lang="en-US" sz="4900" b="1" kern="1200" baseline="0" dirty="0"/>
+            <a:t> </a:t>
+          </a:r>
+          <a:r>
+            <a:rPr lang="en-US" sz="4900" b="0" kern="1200" baseline="0" dirty="0"/>
+            <a:t>Decorator</a:t>
+          </a:r>
+          <a:endParaRPr lang="en-US" sz="4900" kern="1200" dirty="0"/>
+        </a:p>
+      </dsp:txBody>
+      <dsp:txXfrm>
+        <a:off x="61570" y="2868136"/>
+        <a:ext cx="7270423" cy="1138119"/>
+      </dsp:txXfrm>
+    </dsp:sp>
+    <dsp:sp modelId="{ACCDB37E-2D82-4A07-9147-5F8005D78DF0}">
+      <dsp:nvSpPr>
+        <dsp:cNvPr id="0" name=""/>
+        <dsp:cNvSpPr/>
+      </dsp:nvSpPr>
+      <dsp:spPr>
+        <a:xfrm>
+          <a:off x="0" y="4208946"/>
+          <a:ext cx="7393563" cy="1261259"/>
+        </a:xfrm>
+        <a:prstGeom prst="roundRect">
+          <a:avLst/>
+        </a:prstGeom>
+        <a:solidFill>
+          <a:schemeClr val="accent1">
+            <a:hueOff val="0"/>
+            <a:satOff val="0"/>
+            <a:lumOff val="0"/>
+            <a:alphaOff val="0"/>
+          </a:schemeClr>
+        </a:solidFill>
+        <a:ln w="25400" cap="flat" cmpd="sng" algn="ctr">
+          <a:solidFill>
+            <a:schemeClr val="lt1">
+              <a:hueOff val="0"/>
+              <a:satOff val="0"/>
+              <a:lumOff val="0"/>
+              <a:alphaOff val="0"/>
+            </a:schemeClr>
+          </a:solidFill>
+          <a:prstDash val="solid"/>
+        </a:ln>
+        <a:effectLst/>
+      </dsp:spPr>
+      <dsp:style>
+        <a:lnRef idx="2">
+          <a:scrgbClr r="0" g="0" b="0"/>
+        </a:lnRef>
+        <a:fillRef idx="1">
+          <a:scrgbClr r="0" g="0" b="0"/>
+        </a:fillRef>
+        <a:effectRef idx="0">
+          <a:scrgbClr r="0" g="0" b="0"/>
+        </a:effectRef>
+        <a:fontRef idx="minor">
+          <a:schemeClr val="lt1"/>
+        </a:fontRef>
+      </dsp:style>
+      <dsp:txBody>
+        <a:bodyPr spcFirstLastPara="0" vert="horz" wrap="square" lIns="186690" tIns="186690" rIns="186690" bIns="186690" numCol="1" spcCol="1270" anchor="ctr" anchorCtr="0">
+          <a:noAutofit/>
+        </a:bodyPr>
+        <a:lstStyle/>
+        <a:p>
+          <a:pPr marL="0" lvl="0" indent="0" algn="l" defTabSz="2178050">
+            <a:lnSpc>
+              <a:spcPct val="90000"/>
+            </a:lnSpc>
+            <a:spcBef>
+              <a:spcPct val="0"/>
+            </a:spcBef>
+            <a:spcAft>
+              <a:spcPct val="35000"/>
+            </a:spcAft>
+            <a:buNone/>
+          </a:pPr>
+          <a:r>
+            <a:rPr lang="en-US" sz="4900" b="0" kern="1200" baseline="0" dirty="0"/>
+            <a:t>Concrete Decorator</a:t>
+          </a:r>
+          <a:endParaRPr lang="en-US" sz="4900" kern="1200" dirty="0"/>
+        </a:p>
+      </dsp:txBody>
+      <dsp:txXfrm>
+        <a:off x="61570" y="4270516"/>
+        <a:ext cx="7270423" cy="1138119"/>
+      </dsp:txXfrm>
+    </dsp:sp>
+  </dsp:spTree>
+</dsp:drawing>
+</file>
+
+<file path=ppt/diagrams/drawing8.xml><?xml version="1.0" encoding="utf-8"?>
+<dsp:drawing xmlns:dgm="http://schemas.openxmlformats.org/drawingml/2006/diagram" xmlns:dsp="http://schemas.microsoft.com/office/drawing/2008/diagram" xmlns:a="http://schemas.openxmlformats.org/drawingml/2006/main">
+  <dsp:spTree>
+    <dsp:nvGrpSpPr>
+      <dsp:cNvPr id="0" name=""/>
+      <dsp:cNvGrpSpPr/>
+    </dsp:nvGrpSpPr>
+    <dsp:grpSpPr/>
+    <dsp:sp modelId="{65F72784-DE3C-43D8-B801-D83AEBF01195}">
+      <dsp:nvSpPr>
+        <dsp:cNvPr id="0" name=""/>
+        <dsp:cNvSpPr/>
+      </dsp:nvSpPr>
+      <dsp:spPr>
+        <a:xfrm>
+          <a:off x="0" y="44222"/>
+          <a:ext cx="10628550" cy="1187805"/>
+        </a:xfrm>
+        <a:prstGeom prst="roundRect">
+          <a:avLst/>
+        </a:prstGeom>
+        <a:solidFill>
+          <a:schemeClr val="accent2"/>
+        </a:solidFill>
+        <a:ln>
+          <a:noFill/>
+        </a:ln>
+        <a:effectLst>
+          <a:outerShdw blurRad="40000" dist="23000" dir="5400000" rotWithShape="0">
+            <a:srgbClr val="000000">
+              <a:alpha val="35000"/>
+            </a:srgbClr>
+          </a:outerShdw>
+        </a:effectLst>
+        <a:scene3d>
+          <a:camera prst="orthographicFront">
+            <a:rot lat="0" lon="0" rev="0"/>
+          </a:camera>
+          <a:lightRig rig="threePt" dir="t">
+            <a:rot lat="0" lon="0" rev="1200000"/>
+          </a:lightRig>
+        </a:scene3d>
+        <a:sp3d>
+          <a:bevelT w="63500" h="25400"/>
+        </a:sp3d>
+      </dsp:spPr>
+      <dsp:style>
+        <a:lnRef idx="0">
+          <a:scrgbClr r="0" g="0" b="0"/>
+        </a:lnRef>
+        <a:fillRef idx="3">
+          <a:scrgbClr r="0" g="0" b="0"/>
+        </a:fillRef>
+        <a:effectRef idx="3">
+          <a:scrgbClr r="0" g="0" b="0"/>
+        </a:effectRef>
+        <a:fontRef idx="minor">
+          <a:schemeClr val="lt1"/>
+        </a:fontRef>
+      </dsp:style>
+      <dsp:txBody>
+        <a:bodyPr spcFirstLastPara="0" vert="horz" wrap="square" lIns="160020" tIns="160020" rIns="160020" bIns="160020" numCol="1" spcCol="1270" anchor="ctr" anchorCtr="0">
+          <a:noAutofit/>
+        </a:bodyPr>
+        <a:lstStyle/>
+        <a:p>
+          <a:pPr marL="0" lvl="0" indent="0" algn="l" defTabSz="1866900">
+            <a:lnSpc>
+              <a:spcPct val="90000"/>
+            </a:lnSpc>
+            <a:spcBef>
+              <a:spcPct val="0"/>
+            </a:spcBef>
+            <a:spcAft>
+              <a:spcPct val="35000"/>
+            </a:spcAft>
+            <a:buNone/>
+          </a:pPr>
+          <a:r>
+            <a:rPr lang="en-US" sz="4900" b="1" kern="1200">
+              <a:latin typeface="Calibri" panose="020F0502020204030204"/>
+              <a:ea typeface="+mn-ea"/>
+              <a:cs typeface="+mn-cs"/>
+            </a:rPr>
+            <a:t>1. Adapter</a:t>
+          </a:r>
+        </a:p>
+      </dsp:txBody>
+      <dsp:txXfrm>
+        <a:off x="57984" y="102206"/>
+        <a:ext cx="10512582" cy="1071837"/>
+      </dsp:txXfrm>
+    </dsp:sp>
+    <dsp:sp modelId="{1E22013E-274E-4BA3-BB0A-9FCF956E4D9F}">
+      <dsp:nvSpPr>
+        <dsp:cNvPr id="0" name=""/>
+        <dsp:cNvSpPr/>
+      </dsp:nvSpPr>
+      <dsp:spPr>
+        <a:xfrm>
+          <a:off x="0" y="1373148"/>
+          <a:ext cx="10628550" cy="1187805"/>
+        </a:xfrm>
+        <a:prstGeom prst="roundRect">
+          <a:avLst/>
+        </a:prstGeom>
+        <a:solidFill>
+          <a:schemeClr val="accent2"/>
+        </a:solidFill>
+        <a:ln>
+          <a:noFill/>
+        </a:ln>
+        <a:effectLst>
+          <a:outerShdw blurRad="40000" dist="23000" dir="5400000" rotWithShape="0">
+            <a:srgbClr val="000000">
+              <a:alpha val="35000"/>
+            </a:srgbClr>
+          </a:outerShdw>
+        </a:effectLst>
+        <a:scene3d>
+          <a:camera prst="orthographicFront">
+            <a:rot lat="0" lon="0" rev="0"/>
+          </a:camera>
+          <a:lightRig rig="threePt" dir="t">
+            <a:rot lat="0" lon="0" rev="1200000"/>
+          </a:lightRig>
+        </a:scene3d>
+        <a:sp3d>
+          <a:bevelT w="63500" h="25400"/>
+        </a:sp3d>
+      </dsp:spPr>
+      <dsp:style>
+        <a:lnRef idx="0">
+          <a:scrgbClr r="0" g="0" b="0"/>
+        </a:lnRef>
+        <a:fillRef idx="3">
+          <a:scrgbClr r="0" g="0" b="0"/>
+        </a:fillRef>
+        <a:effectRef idx="3">
+          <a:scrgbClr r="0" g="0" b="0"/>
+        </a:effectRef>
+        <a:fontRef idx="minor">
+          <a:schemeClr val="lt1"/>
+        </a:fontRef>
+      </dsp:style>
+      <dsp:txBody>
+        <a:bodyPr spcFirstLastPara="0" vert="horz" wrap="square" lIns="160020" tIns="160020" rIns="160020" bIns="160020" numCol="1" spcCol="1270" anchor="ctr" anchorCtr="0">
+          <a:noAutofit/>
+        </a:bodyPr>
+        <a:lstStyle/>
+        <a:p>
+          <a:pPr marL="0" lvl="0" indent="0" algn="l" defTabSz="1866900">
+            <a:lnSpc>
+              <a:spcPct val="90000"/>
+            </a:lnSpc>
+            <a:spcBef>
+              <a:spcPct val="0"/>
+            </a:spcBef>
+            <a:spcAft>
+              <a:spcPct val="35000"/>
+            </a:spcAft>
+            <a:buNone/>
+          </a:pPr>
+          <a:r>
+            <a:rPr lang="en-US" sz="4900" b="1" kern="1200">
+              <a:latin typeface="Calibri" panose="020F0502020204030204"/>
+              <a:ea typeface="+mn-ea"/>
+              <a:cs typeface="+mn-cs"/>
+            </a:rPr>
+            <a:t>2. Facade</a:t>
+          </a:r>
+        </a:p>
+      </dsp:txBody>
+      <dsp:txXfrm>
+        <a:off x="57984" y="1431132"/>
+        <a:ext cx="10512582" cy="1071837"/>
+      </dsp:txXfrm>
+    </dsp:sp>
+    <dsp:sp modelId="{FD8ED29C-7C5D-4022-B25B-B07273DEFA4D}">
+      <dsp:nvSpPr>
+        <dsp:cNvPr id="0" name=""/>
+        <dsp:cNvSpPr/>
+      </dsp:nvSpPr>
+      <dsp:spPr>
+        <a:xfrm>
+          <a:off x="0" y="2702074"/>
+          <a:ext cx="10628550" cy="1187805"/>
+        </a:xfrm>
+        <a:prstGeom prst="roundRect">
+          <a:avLst/>
+        </a:prstGeom>
+        <a:solidFill>
+          <a:schemeClr val="accent2"/>
+        </a:solidFill>
+        <a:ln>
+          <a:noFill/>
+        </a:ln>
+        <a:effectLst>
+          <a:outerShdw blurRad="40000" dist="23000" dir="5400000" rotWithShape="0">
+            <a:srgbClr val="000000">
+              <a:alpha val="35000"/>
+            </a:srgbClr>
+          </a:outerShdw>
+        </a:effectLst>
+        <a:scene3d>
+          <a:camera prst="orthographicFront">
+            <a:rot lat="0" lon="0" rev="0"/>
+          </a:camera>
+          <a:lightRig rig="threePt" dir="t">
+            <a:rot lat="0" lon="0" rev="1200000"/>
+          </a:lightRig>
+        </a:scene3d>
+        <a:sp3d>
+          <a:bevelT w="63500" h="25400"/>
+        </a:sp3d>
+      </dsp:spPr>
+      <dsp:style>
+        <a:lnRef idx="0">
+          <a:scrgbClr r="0" g="0" b="0"/>
+        </a:lnRef>
+        <a:fillRef idx="3">
+          <a:scrgbClr r="0" g="0" b="0"/>
+        </a:fillRef>
+        <a:effectRef idx="3">
+          <a:scrgbClr r="0" g="0" b="0"/>
+        </a:effectRef>
+        <a:fontRef idx="minor">
+          <a:schemeClr val="lt1"/>
+        </a:fontRef>
+      </dsp:style>
+      <dsp:txBody>
+        <a:bodyPr spcFirstLastPara="0" vert="horz" wrap="square" lIns="160020" tIns="160020" rIns="160020" bIns="160020" numCol="1" spcCol="1270" anchor="ctr" anchorCtr="0">
+          <a:noAutofit/>
+        </a:bodyPr>
+        <a:lstStyle/>
+        <a:p>
+          <a:pPr marL="0" lvl="0" indent="0" algn="l" defTabSz="1866900">
+            <a:lnSpc>
+              <a:spcPct val="90000"/>
+            </a:lnSpc>
+            <a:spcBef>
+              <a:spcPct val="0"/>
+            </a:spcBef>
+            <a:spcAft>
+              <a:spcPct val="35000"/>
+            </a:spcAft>
+            <a:buNone/>
+          </a:pPr>
+          <a:r>
+            <a:rPr lang="en-US" sz="4900" b="1" kern="1200">
+              <a:latin typeface="Calibri" panose="020F0502020204030204"/>
+              <a:ea typeface="+mn-ea"/>
+              <a:cs typeface="+mn-cs"/>
+            </a:rPr>
+            <a:t>3. Proxy</a:t>
+          </a:r>
+        </a:p>
+      </dsp:txBody>
+      <dsp:txXfrm>
+        <a:off x="57984" y="2760058"/>
+        <a:ext cx="10512582" cy="1071837"/>
+      </dsp:txXfrm>
+    </dsp:sp>
+    <dsp:sp modelId="{BF4AB7A7-D4DE-42A1-BDF6-55FDBAAA3618}">
+      <dsp:nvSpPr>
+        <dsp:cNvPr id="0" name=""/>
+        <dsp:cNvSpPr/>
+      </dsp:nvSpPr>
+      <dsp:spPr>
+        <a:xfrm>
+          <a:off x="0" y="4031000"/>
+          <a:ext cx="10628550" cy="1187805"/>
+        </a:xfrm>
+        <a:prstGeom prst="roundRect">
+          <a:avLst/>
+        </a:prstGeom>
+        <a:solidFill>
+          <a:schemeClr val="accent2"/>
+        </a:solidFill>
+        <a:ln>
+          <a:solidFill>
+            <a:schemeClr val="accent2"/>
+          </a:solidFill>
+        </a:ln>
+        <a:effectLst>
+          <a:outerShdw blurRad="40000" dist="23000" dir="5400000" rotWithShape="0">
+            <a:srgbClr val="000000">
+              <a:alpha val="35000"/>
+            </a:srgbClr>
+          </a:outerShdw>
+        </a:effectLst>
+        <a:scene3d>
+          <a:camera prst="orthographicFront">
+            <a:rot lat="0" lon="0" rev="0"/>
+          </a:camera>
+          <a:lightRig rig="threePt" dir="t">
+            <a:rot lat="0" lon="0" rev="1200000"/>
+          </a:lightRig>
+        </a:scene3d>
+        <a:sp3d>
+          <a:bevelT w="63500" h="25400"/>
+        </a:sp3d>
+      </dsp:spPr>
+      <dsp:style>
+        <a:lnRef idx="0">
+          <a:scrgbClr r="0" g="0" b="0"/>
+        </a:lnRef>
+        <a:fillRef idx="3">
+          <a:scrgbClr r="0" g="0" b="0"/>
+        </a:fillRef>
+        <a:effectRef idx="3">
+          <a:scrgbClr r="0" g="0" b="0"/>
+        </a:effectRef>
+        <a:fontRef idx="minor">
+          <a:schemeClr val="lt1"/>
+        </a:fontRef>
+      </dsp:style>
+      <dsp:txBody>
+        <a:bodyPr spcFirstLastPara="0" vert="horz" wrap="square" lIns="160020" tIns="160020" rIns="160020" bIns="160020" numCol="1" spcCol="1270" anchor="ctr" anchorCtr="0">
+          <a:noAutofit/>
+        </a:bodyPr>
+        <a:lstStyle/>
+        <a:p>
+          <a:pPr marL="0" lvl="0" indent="0" algn="l" defTabSz="1866900">
+            <a:lnSpc>
+              <a:spcPct val="90000"/>
+            </a:lnSpc>
+            <a:spcBef>
+              <a:spcPct val="0"/>
+            </a:spcBef>
+            <a:spcAft>
+              <a:spcPct val="35000"/>
+            </a:spcAft>
+            <a:buNone/>
+          </a:pPr>
+          <a:r>
+            <a:rPr lang="en-US" sz="4900" b="1" kern="1200" dirty="0">
+              <a:latin typeface="Calibri" panose="020F0502020204030204"/>
+              <a:ea typeface="+mn-ea"/>
+              <a:cs typeface="+mn-cs"/>
+            </a:rPr>
+            <a:t>4. Bridge</a:t>
+          </a:r>
+        </a:p>
+      </dsp:txBody>
+      <dsp:txXfrm>
+        <a:off x="57984" y="4088984"/>
+        <a:ext cx="10512582" cy="1071837"/>
+      </dsp:txXfrm>
+    </dsp:sp>
+    <dsp:sp modelId="{B185354D-7EE5-461F-A756-8C8130BA7DC7}">
+      <dsp:nvSpPr>
+        <dsp:cNvPr id="0" name=""/>
+        <dsp:cNvSpPr/>
+      </dsp:nvSpPr>
+      <dsp:spPr>
+        <a:xfrm>
+          <a:off x="0" y="5359925"/>
+          <a:ext cx="10628550" cy="1187805"/>
+        </a:xfrm>
+        <a:prstGeom prst="roundRect">
+          <a:avLst/>
+        </a:prstGeom>
+        <a:solidFill>
+          <a:schemeClr val="accent2"/>
+        </a:solidFill>
+        <a:ln>
+          <a:noFill/>
+        </a:ln>
+        <a:effectLst>
+          <a:outerShdw blurRad="40000" dist="23000" dir="5400000" rotWithShape="0">
+            <a:srgbClr val="000000">
+              <a:alpha val="35000"/>
+            </a:srgbClr>
+          </a:outerShdw>
+        </a:effectLst>
+        <a:scene3d>
+          <a:camera prst="orthographicFront">
+            <a:rot lat="0" lon="0" rev="0"/>
+          </a:camera>
+          <a:lightRig rig="threePt" dir="t">
+            <a:rot lat="0" lon="0" rev="1200000"/>
+          </a:lightRig>
+        </a:scene3d>
+        <a:sp3d>
+          <a:bevelT w="63500" h="25400"/>
+        </a:sp3d>
+      </dsp:spPr>
+      <dsp:style>
+        <a:lnRef idx="0">
+          <a:scrgbClr r="0" g="0" b="0"/>
+        </a:lnRef>
+        <a:fillRef idx="3">
+          <a:scrgbClr r="0" g="0" b="0"/>
+        </a:fillRef>
+        <a:effectRef idx="3">
+          <a:scrgbClr r="0" g="0" b="0"/>
+        </a:effectRef>
+        <a:fontRef idx="minor">
+          <a:schemeClr val="lt1"/>
+        </a:fontRef>
+      </dsp:style>
+      <dsp:txBody>
+        <a:bodyPr spcFirstLastPara="0" vert="horz" wrap="square" lIns="186690" tIns="186690" rIns="186690" bIns="186690" numCol="1" spcCol="1270" anchor="ctr" anchorCtr="0">
+          <a:noAutofit/>
+        </a:bodyPr>
+        <a:lstStyle/>
+        <a:p>
+          <a:pPr marL="0" lvl="0" indent="0" algn="l" defTabSz="2178050">
+            <a:lnSpc>
+              <a:spcPct val="90000"/>
+            </a:lnSpc>
+            <a:spcBef>
+              <a:spcPct val="0"/>
+            </a:spcBef>
+            <a:spcAft>
+              <a:spcPct val="35000"/>
+            </a:spcAft>
+            <a:buNone/>
+          </a:pPr>
+          <a:r>
+            <a:rPr lang="en-US" sz="4900" b="1" kern="1200">
+              <a:latin typeface="Calibri" panose="020F0502020204030204"/>
+              <a:ea typeface="+mn-ea"/>
+              <a:cs typeface="+mn-cs"/>
+            </a:rPr>
+            <a:t>5. Decorator</a:t>
+          </a:r>
+        </a:p>
+      </dsp:txBody>
+      <dsp:txXfrm>
+        <a:off x="57984" y="5417909"/>
+        <a:ext cx="10512582" cy="1071837"/>
+      </dsp:txXfrm>
+    </dsp:sp>
+    <dsp:sp modelId="{C22E8708-7144-497C-938B-E843A7A0FE06}">
+      <dsp:nvSpPr>
+        <dsp:cNvPr id="0" name=""/>
+        <dsp:cNvSpPr/>
+      </dsp:nvSpPr>
+      <dsp:spPr>
+        <a:xfrm>
+          <a:off x="0" y="6688851"/>
+          <a:ext cx="10628550" cy="1187805"/>
+        </a:xfrm>
+        <a:prstGeom prst="roundRect">
+          <a:avLst/>
+        </a:prstGeom>
+        <a:solidFill>
+          <a:schemeClr val="accent2"/>
+        </a:solidFill>
+        <a:ln>
+          <a:noFill/>
+        </a:ln>
+        <a:effectLst>
+          <a:outerShdw blurRad="40000" dist="23000" dir="5400000" rotWithShape="0">
+            <a:srgbClr val="000000">
+              <a:alpha val="35000"/>
+            </a:srgbClr>
+          </a:outerShdw>
+        </a:effectLst>
+        <a:scene3d>
+          <a:camera prst="orthographicFront">
+            <a:rot lat="0" lon="0" rev="0"/>
+          </a:camera>
+          <a:lightRig rig="threePt" dir="t">
+            <a:rot lat="0" lon="0" rev="1200000"/>
+          </a:lightRig>
+        </a:scene3d>
+        <a:sp3d>
+          <a:bevelT w="63500" h="25400"/>
+        </a:sp3d>
+      </dsp:spPr>
+      <dsp:style>
+        <a:lnRef idx="0">
+          <a:scrgbClr r="0" g="0" b="0"/>
+        </a:lnRef>
+        <a:fillRef idx="3">
+          <a:scrgbClr r="0" g="0" b="0"/>
+        </a:fillRef>
+        <a:effectRef idx="3">
+          <a:scrgbClr r="0" g="0" b="0"/>
+        </a:effectRef>
+        <a:fontRef idx="minor">
+          <a:schemeClr val="lt1"/>
+        </a:fontRef>
+      </dsp:style>
+      <dsp:txBody>
+        <a:bodyPr spcFirstLastPara="0" vert="horz" wrap="square" lIns="186690" tIns="186690" rIns="186690" bIns="186690" numCol="1" spcCol="1270" anchor="ctr" anchorCtr="0">
+          <a:noAutofit/>
+        </a:bodyPr>
+        <a:lstStyle/>
+        <a:p>
+          <a:pPr marL="0" lvl="0" indent="0" algn="l" defTabSz="2178050">
+            <a:lnSpc>
+              <a:spcPct val="90000"/>
+            </a:lnSpc>
+            <a:spcBef>
+              <a:spcPct val="0"/>
+            </a:spcBef>
+            <a:spcAft>
+              <a:spcPct val="35000"/>
+            </a:spcAft>
+            <a:buNone/>
+          </a:pPr>
+          <a:r>
+            <a:rPr lang="en-US" sz="4900" b="1" kern="1200" dirty="0">
+              <a:latin typeface="Calibri" panose="020F0502020204030204"/>
+              <a:ea typeface="+mn-ea"/>
+              <a:cs typeface="+mn-cs"/>
+            </a:rPr>
+            <a:t>…….</a:t>
+          </a:r>
+        </a:p>
+      </dsp:txBody>
+      <dsp:txXfrm>
+        <a:off x="57984" y="6746835"/>
+        <a:ext cx="10512582" cy="1071837"/>
       </dsp:txXfrm>
     </dsp:sp>
   </dsp:spTree>
@@ -12709,6 +16672,340 @@
 </dgm:layoutDef>
 </file>
 
+<file path=ppt/diagrams/layout7.xml><?xml version="1.0" encoding="utf-8"?>
+<dgm:layoutDef xmlns:dgm="http://schemas.openxmlformats.org/drawingml/2006/diagram" xmlns:a="http://schemas.openxmlformats.org/drawingml/2006/main" uniqueId="urn:microsoft.com/office/officeart/2005/8/layout/vList2">
+  <dgm:title val=""/>
+  <dgm:desc val=""/>
+  <dgm:catLst>
+    <dgm:cat type="list" pri="3000"/>
+    <dgm:cat type="convert" pri="1000"/>
+  </dgm:catLst>
+  <dgm:sampData>
+    <dgm:dataModel>
+      <dgm:ptLst>
+        <dgm:pt modelId="0" type="doc"/>
+        <dgm:pt modelId="1">
+          <dgm:prSet phldr="1"/>
+        </dgm:pt>
+        <dgm:pt modelId="11">
+          <dgm:prSet phldr="1"/>
+        </dgm:pt>
+        <dgm:pt modelId="2">
+          <dgm:prSet phldr="1"/>
+        </dgm:pt>
+        <dgm:pt modelId="21">
+          <dgm:prSet phldr="1"/>
+        </dgm:pt>
+      </dgm:ptLst>
+      <dgm:cxnLst>
+        <dgm:cxn modelId="4" srcId="0" destId="1" srcOrd="0" destOrd="0"/>
+        <dgm:cxn modelId="5" srcId="0" destId="2" srcOrd="1" destOrd="0"/>
+        <dgm:cxn modelId="12" srcId="1" destId="11" srcOrd="0" destOrd="0"/>
+        <dgm:cxn modelId="23" srcId="2" destId="21" srcOrd="0" destOrd="0"/>
+      </dgm:cxnLst>
+      <dgm:bg/>
+      <dgm:whole/>
+    </dgm:dataModel>
+  </dgm:sampData>
+  <dgm:styleData>
+    <dgm:dataModel>
+      <dgm:ptLst>
+        <dgm:pt modelId="0" type="doc"/>
+        <dgm:pt modelId="1"/>
+        <dgm:pt modelId="2"/>
+      </dgm:ptLst>
+      <dgm:cxnLst>
+        <dgm:cxn modelId="3" srcId="0" destId="1" srcOrd="0" destOrd="0"/>
+        <dgm:cxn modelId="4" srcId="0" destId="2" srcOrd="1" destOrd="0"/>
+      </dgm:cxnLst>
+      <dgm:bg/>
+      <dgm:whole/>
+    </dgm:dataModel>
+  </dgm:styleData>
+  <dgm:clrData>
+    <dgm:dataModel>
+      <dgm:ptLst>
+        <dgm:pt modelId="0" type="doc"/>
+        <dgm:pt modelId="1"/>
+        <dgm:pt modelId="2"/>
+        <dgm:pt modelId="3"/>
+        <dgm:pt modelId="4"/>
+      </dgm:ptLst>
+      <dgm:cxnLst>
+        <dgm:cxn modelId="5" srcId="0" destId="1" srcOrd="0" destOrd="0"/>
+        <dgm:cxn modelId="6" srcId="0" destId="2" srcOrd="1" destOrd="0"/>
+        <dgm:cxn modelId="7" srcId="0" destId="3" srcOrd="2" destOrd="0"/>
+        <dgm:cxn modelId="8" srcId="0" destId="4" srcOrd="3" destOrd="0"/>
+      </dgm:cxnLst>
+      <dgm:bg/>
+      <dgm:whole/>
+    </dgm:dataModel>
+  </dgm:clrData>
+  <dgm:layoutNode name="linear">
+    <dgm:varLst>
+      <dgm:animLvl val="lvl"/>
+      <dgm:resizeHandles val="exact"/>
+    </dgm:varLst>
+    <dgm:alg type="lin">
+      <dgm:param type="linDir" val="fromT"/>
+      <dgm:param type="vertAlign" val="mid"/>
+    </dgm:alg>
+    <dgm:shape xmlns:r="http://schemas.openxmlformats.org/officeDocument/2006/relationships" r:blip="">
+      <dgm:adjLst/>
+    </dgm:shape>
+    <dgm:presOf/>
+    <dgm:constrLst>
+      <dgm:constr type="w" for="ch" forName="parentText" refType="w"/>
+      <dgm:constr type="h" for="ch" forName="parentText" refType="primFontSz" refFor="ch" refForName="parentText" fact="0.52"/>
+      <dgm:constr type="w" for="ch" forName="childText" refType="w"/>
+      <dgm:constr type="h" for="ch" forName="childText" refType="primFontSz" refFor="ch" refForName="parentText" fact="0.46"/>
+      <dgm:constr type="h" for="ch" forName="parentText" op="equ"/>
+      <dgm:constr type="primFontSz" for="ch" forName="parentText" op="equ" val="65"/>
+      <dgm:constr type="primFontSz" for="ch" forName="childText" refType="primFontSz" refFor="ch" refForName="parentText" op="equ"/>
+      <dgm:constr type="h" for="ch" forName="spacer" refType="primFontSz" refFor="ch" refForName="parentText" fact="0.08"/>
+    </dgm:constrLst>
+    <dgm:ruleLst>
+      <dgm:rule type="primFontSz" for="ch" forName="parentText" val="5" fact="NaN" max="NaN"/>
+    </dgm:ruleLst>
+    <dgm:forEach name="Name0" axis="ch" ptType="node">
+      <dgm:layoutNode name="parentText" styleLbl="node1">
+        <dgm:varLst>
+          <dgm:chMax val="0"/>
+          <dgm:bulletEnabled val="1"/>
+        </dgm:varLst>
+        <dgm:alg type="tx">
+          <dgm:param type="parTxLTRAlign" val="l"/>
+          <dgm:param type="parTxRTLAlign" val="r"/>
+        </dgm:alg>
+        <dgm:shape xmlns:r="http://schemas.openxmlformats.org/officeDocument/2006/relationships" type="roundRect" r:blip="">
+          <dgm:adjLst/>
+        </dgm:shape>
+        <dgm:presOf axis="self"/>
+        <dgm:constrLst>
+          <dgm:constr type="tMarg" refType="primFontSz" fact="0.3"/>
+          <dgm:constr type="bMarg" refType="primFontSz" fact="0.3"/>
+          <dgm:constr type="lMarg" refType="primFontSz" fact="0.3"/>
+          <dgm:constr type="rMarg" refType="primFontSz" fact="0.3"/>
+        </dgm:constrLst>
+        <dgm:ruleLst>
+          <dgm:rule type="h" val="INF" fact="NaN" max="NaN"/>
+        </dgm:ruleLst>
+      </dgm:layoutNode>
+      <dgm:choose name="Name1">
+        <dgm:if name="Name2" axis="ch" ptType="node" func="cnt" op="gte" val="1">
+          <dgm:layoutNode name="childText" styleLbl="revTx">
+            <dgm:varLst>
+              <dgm:bulletEnabled val="1"/>
+            </dgm:varLst>
+            <dgm:alg type="tx">
+              <dgm:param type="stBulletLvl" val="1"/>
+              <dgm:param type="lnSpAfChP" val="20"/>
+            </dgm:alg>
+            <dgm:shape xmlns:r="http://schemas.openxmlformats.org/officeDocument/2006/relationships" type="rect" r:blip="">
+              <dgm:adjLst/>
+            </dgm:shape>
+            <dgm:presOf axis="des" ptType="node"/>
+            <dgm:constrLst>
+              <dgm:constr type="tMarg" refType="primFontSz" fact="0.1"/>
+              <dgm:constr type="bMarg" refType="primFontSz" fact="0.1"/>
+              <dgm:constr type="lMarg" refType="w" fact="0.09"/>
+            </dgm:constrLst>
+            <dgm:ruleLst>
+              <dgm:rule type="h" val="INF" fact="NaN" max="NaN"/>
+            </dgm:ruleLst>
+          </dgm:layoutNode>
+        </dgm:if>
+        <dgm:else name="Name3">
+          <dgm:choose name="Name4">
+            <dgm:if name="Name5" axis="par ch" ptType="doc node" func="cnt" op="gte" val="2">
+              <dgm:forEach name="Name6" axis="followSib" ptType="sibTrans" cnt="1">
+                <dgm:layoutNode name="spacer">
+                  <dgm:alg type="sp"/>
+                  <dgm:shape xmlns:r="http://schemas.openxmlformats.org/officeDocument/2006/relationships" r:blip="">
+                    <dgm:adjLst/>
+                  </dgm:shape>
+                  <dgm:presOf/>
+                  <dgm:constrLst/>
+                  <dgm:ruleLst/>
+                </dgm:layoutNode>
+              </dgm:forEach>
+            </dgm:if>
+            <dgm:else name="Name7"/>
+          </dgm:choose>
+        </dgm:else>
+      </dgm:choose>
+    </dgm:forEach>
+  </dgm:layoutNode>
+</dgm:layoutDef>
+</file>
+
+<file path=ppt/diagrams/layout8.xml><?xml version="1.0" encoding="utf-8"?>
+<dgm:layoutDef xmlns:dgm="http://schemas.openxmlformats.org/drawingml/2006/diagram" xmlns:a="http://schemas.openxmlformats.org/drawingml/2006/main" uniqueId="urn:microsoft.com/office/officeart/2005/8/layout/vList2">
+  <dgm:title val=""/>
+  <dgm:desc val=""/>
+  <dgm:catLst>
+    <dgm:cat type="list" pri="3000"/>
+    <dgm:cat type="convert" pri="1000"/>
+  </dgm:catLst>
+  <dgm:sampData>
+    <dgm:dataModel>
+      <dgm:ptLst>
+        <dgm:pt modelId="0" type="doc"/>
+        <dgm:pt modelId="1">
+          <dgm:prSet phldr="1"/>
+        </dgm:pt>
+        <dgm:pt modelId="11">
+          <dgm:prSet phldr="1"/>
+        </dgm:pt>
+        <dgm:pt modelId="2">
+          <dgm:prSet phldr="1"/>
+        </dgm:pt>
+        <dgm:pt modelId="21">
+          <dgm:prSet phldr="1"/>
+        </dgm:pt>
+      </dgm:ptLst>
+      <dgm:cxnLst>
+        <dgm:cxn modelId="4" srcId="0" destId="1" srcOrd="0" destOrd="0"/>
+        <dgm:cxn modelId="5" srcId="0" destId="2" srcOrd="1" destOrd="0"/>
+        <dgm:cxn modelId="12" srcId="1" destId="11" srcOrd="0" destOrd="0"/>
+        <dgm:cxn modelId="23" srcId="2" destId="21" srcOrd="0" destOrd="0"/>
+      </dgm:cxnLst>
+      <dgm:bg/>
+      <dgm:whole/>
+    </dgm:dataModel>
+  </dgm:sampData>
+  <dgm:styleData>
+    <dgm:dataModel>
+      <dgm:ptLst>
+        <dgm:pt modelId="0" type="doc"/>
+        <dgm:pt modelId="1"/>
+        <dgm:pt modelId="2"/>
+      </dgm:ptLst>
+      <dgm:cxnLst>
+        <dgm:cxn modelId="3" srcId="0" destId="1" srcOrd="0" destOrd="0"/>
+        <dgm:cxn modelId="4" srcId="0" destId="2" srcOrd="1" destOrd="0"/>
+      </dgm:cxnLst>
+      <dgm:bg/>
+      <dgm:whole/>
+    </dgm:dataModel>
+  </dgm:styleData>
+  <dgm:clrData>
+    <dgm:dataModel>
+      <dgm:ptLst>
+        <dgm:pt modelId="0" type="doc"/>
+        <dgm:pt modelId="1"/>
+        <dgm:pt modelId="2"/>
+        <dgm:pt modelId="3"/>
+        <dgm:pt modelId="4"/>
+      </dgm:ptLst>
+      <dgm:cxnLst>
+        <dgm:cxn modelId="5" srcId="0" destId="1" srcOrd="0" destOrd="0"/>
+        <dgm:cxn modelId="6" srcId="0" destId="2" srcOrd="1" destOrd="0"/>
+        <dgm:cxn modelId="7" srcId="0" destId="3" srcOrd="2" destOrd="0"/>
+        <dgm:cxn modelId="8" srcId="0" destId="4" srcOrd="3" destOrd="0"/>
+      </dgm:cxnLst>
+      <dgm:bg/>
+      <dgm:whole/>
+    </dgm:dataModel>
+  </dgm:clrData>
+  <dgm:layoutNode name="linear">
+    <dgm:varLst>
+      <dgm:animLvl val="lvl"/>
+      <dgm:resizeHandles val="exact"/>
+    </dgm:varLst>
+    <dgm:alg type="lin">
+      <dgm:param type="linDir" val="fromT"/>
+      <dgm:param type="vertAlign" val="mid"/>
+    </dgm:alg>
+    <dgm:shape xmlns:r="http://schemas.openxmlformats.org/officeDocument/2006/relationships" r:blip="">
+      <dgm:adjLst/>
+    </dgm:shape>
+    <dgm:presOf/>
+    <dgm:constrLst>
+      <dgm:constr type="w" for="ch" forName="parentText" refType="w"/>
+      <dgm:constr type="h" for="ch" forName="parentText" refType="primFontSz" refFor="ch" refForName="parentText" fact="0.52"/>
+      <dgm:constr type="w" for="ch" forName="childText" refType="w"/>
+      <dgm:constr type="h" for="ch" forName="childText" refType="primFontSz" refFor="ch" refForName="parentText" fact="0.46"/>
+      <dgm:constr type="h" for="ch" forName="parentText" op="equ"/>
+      <dgm:constr type="primFontSz" for="ch" forName="parentText" op="equ" val="65"/>
+      <dgm:constr type="primFontSz" for="ch" forName="childText" refType="primFontSz" refFor="ch" refForName="parentText" op="equ"/>
+      <dgm:constr type="h" for="ch" forName="spacer" refType="primFontSz" refFor="ch" refForName="parentText" fact="0.08"/>
+    </dgm:constrLst>
+    <dgm:ruleLst>
+      <dgm:rule type="primFontSz" for="ch" forName="parentText" val="5" fact="NaN" max="NaN"/>
+    </dgm:ruleLst>
+    <dgm:forEach name="Name0" axis="ch" ptType="node">
+      <dgm:layoutNode name="parentText" styleLbl="node1">
+        <dgm:varLst>
+          <dgm:chMax val="0"/>
+          <dgm:bulletEnabled val="1"/>
+        </dgm:varLst>
+        <dgm:alg type="tx">
+          <dgm:param type="parTxLTRAlign" val="l"/>
+          <dgm:param type="parTxRTLAlign" val="r"/>
+        </dgm:alg>
+        <dgm:shape xmlns:r="http://schemas.openxmlformats.org/officeDocument/2006/relationships" type="roundRect" r:blip="">
+          <dgm:adjLst/>
+        </dgm:shape>
+        <dgm:presOf axis="self"/>
+        <dgm:constrLst>
+          <dgm:constr type="tMarg" refType="primFontSz" fact="0.3"/>
+          <dgm:constr type="bMarg" refType="primFontSz" fact="0.3"/>
+          <dgm:constr type="lMarg" refType="primFontSz" fact="0.3"/>
+          <dgm:constr type="rMarg" refType="primFontSz" fact="0.3"/>
+        </dgm:constrLst>
+        <dgm:ruleLst>
+          <dgm:rule type="h" val="INF" fact="NaN" max="NaN"/>
+        </dgm:ruleLst>
+      </dgm:layoutNode>
+      <dgm:choose name="Name1">
+        <dgm:if name="Name2" axis="ch" ptType="node" func="cnt" op="gte" val="1">
+          <dgm:layoutNode name="childText" styleLbl="revTx">
+            <dgm:varLst>
+              <dgm:bulletEnabled val="1"/>
+            </dgm:varLst>
+            <dgm:alg type="tx">
+              <dgm:param type="stBulletLvl" val="1"/>
+              <dgm:param type="lnSpAfChP" val="20"/>
+            </dgm:alg>
+            <dgm:shape xmlns:r="http://schemas.openxmlformats.org/officeDocument/2006/relationships" type="rect" r:blip="">
+              <dgm:adjLst/>
+            </dgm:shape>
+            <dgm:presOf axis="des" ptType="node"/>
+            <dgm:constrLst>
+              <dgm:constr type="tMarg" refType="primFontSz" fact="0.1"/>
+              <dgm:constr type="bMarg" refType="primFontSz" fact="0.1"/>
+              <dgm:constr type="lMarg" refType="w" fact="0.09"/>
+            </dgm:constrLst>
+            <dgm:ruleLst>
+              <dgm:rule type="h" val="INF" fact="NaN" max="NaN"/>
+            </dgm:ruleLst>
+          </dgm:layoutNode>
+        </dgm:if>
+        <dgm:else name="Name3">
+          <dgm:choose name="Name4">
+            <dgm:if name="Name5" axis="par ch" ptType="doc node" func="cnt" op="gte" val="2">
+              <dgm:forEach name="Name6" axis="followSib" ptType="sibTrans" cnt="1">
+                <dgm:layoutNode name="spacer">
+                  <dgm:alg type="sp"/>
+                  <dgm:shape xmlns:r="http://schemas.openxmlformats.org/officeDocument/2006/relationships" r:blip="">
+                    <dgm:adjLst/>
+                  </dgm:shape>
+                  <dgm:presOf/>
+                  <dgm:constrLst/>
+                  <dgm:ruleLst/>
+                </dgm:layoutNode>
+              </dgm:forEach>
+            </dgm:if>
+            <dgm:else name="Name7"/>
+          </dgm:choose>
+        </dgm:else>
+      </dgm:choose>
+    </dgm:forEach>
+  </dgm:layoutNode>
+</dgm:layoutDef>
+</file>
+
 <file path=ppt/diagrams/quickStyle1.xml><?xml version="1.0" encoding="utf-8"?>
 <dgm:styleDef xmlns:dgm="http://schemas.openxmlformats.org/drawingml/2006/diagram" xmlns:a="http://schemas.openxmlformats.org/drawingml/2006/main" uniqueId="urn:microsoft.com/office/officeart/2005/8/quickstyle/simple1">
   <dgm:title val=""/>
@@ -18885,6 +23182,2074 @@
         <a:scrgbClr r="0" g="0" b="0"/>
       </a:fillRef>
       <a:effectRef idx="0">
+        <a:scrgbClr r="0" g="0" b="0"/>
+      </a:effectRef>
+      <a:fontRef idx="minor"/>
+    </dgm:style>
+  </dgm:styleLbl>
+  <dgm:styleLbl name="revTx">
+    <dgm:scene3d>
+      <a:camera prst="orthographicFront"/>
+      <a:lightRig rig="threePt" dir="t"/>
+    </dgm:scene3d>
+    <dgm:sp3d/>
+    <dgm:txPr/>
+    <dgm:style>
+      <a:lnRef idx="0">
+        <a:scrgbClr r="0" g="0" b="0"/>
+      </a:lnRef>
+      <a:fillRef idx="0">
+        <a:scrgbClr r="0" g="0" b="0"/>
+      </a:fillRef>
+      <a:effectRef idx="0">
+        <a:scrgbClr r="0" g="0" b="0"/>
+      </a:effectRef>
+      <a:fontRef idx="minor"/>
+    </dgm:style>
+  </dgm:styleLbl>
+</dgm:styleDef>
+</file>
+
+<file path=ppt/diagrams/quickStyle7.xml><?xml version="1.0" encoding="utf-8"?>
+<dgm:styleDef xmlns:dgm="http://schemas.openxmlformats.org/drawingml/2006/diagram" xmlns:a="http://schemas.openxmlformats.org/drawingml/2006/main" uniqueId="urn:microsoft.com/office/officeart/2005/8/quickstyle/simple1">
+  <dgm:title val=""/>
+  <dgm:desc val=""/>
+  <dgm:catLst>
+    <dgm:cat type="simple" pri="10100"/>
+  </dgm:catLst>
+  <dgm:scene3d>
+    <a:camera prst="orthographicFront"/>
+    <a:lightRig rig="threePt" dir="t"/>
+  </dgm:scene3d>
+  <dgm:styleLbl name="node0">
+    <dgm:scene3d>
+      <a:camera prst="orthographicFront"/>
+      <a:lightRig rig="threePt" dir="t"/>
+    </dgm:scene3d>
+    <dgm:sp3d/>
+    <dgm:txPr/>
+    <dgm:style>
+      <a:lnRef idx="2">
+        <a:scrgbClr r="0" g="0" b="0"/>
+      </a:lnRef>
+      <a:fillRef idx="1">
+        <a:scrgbClr r="0" g="0" b="0"/>
+      </a:fillRef>
+      <a:effectRef idx="0">
+        <a:scrgbClr r="0" g="0" b="0"/>
+      </a:effectRef>
+      <a:fontRef idx="minor">
+        <a:schemeClr val="lt1"/>
+      </a:fontRef>
+    </dgm:style>
+  </dgm:styleLbl>
+  <dgm:styleLbl name="lnNode1">
+    <dgm:scene3d>
+      <a:camera prst="orthographicFront"/>
+      <a:lightRig rig="threePt" dir="t"/>
+    </dgm:scene3d>
+    <dgm:sp3d/>
+    <dgm:txPr/>
+    <dgm:style>
+      <a:lnRef idx="2">
+        <a:scrgbClr r="0" g="0" b="0"/>
+      </a:lnRef>
+      <a:fillRef idx="1">
+        <a:scrgbClr r="0" g="0" b="0"/>
+      </a:fillRef>
+      <a:effectRef idx="0">
+        <a:scrgbClr r="0" g="0" b="0"/>
+      </a:effectRef>
+      <a:fontRef idx="minor">
+        <a:schemeClr val="lt1"/>
+      </a:fontRef>
+    </dgm:style>
+  </dgm:styleLbl>
+  <dgm:styleLbl name="vennNode1">
+    <dgm:scene3d>
+      <a:camera prst="orthographicFront"/>
+      <a:lightRig rig="threePt" dir="t"/>
+    </dgm:scene3d>
+    <dgm:sp3d/>
+    <dgm:txPr/>
+    <dgm:style>
+      <a:lnRef idx="2">
+        <a:scrgbClr r="0" g="0" b="0"/>
+      </a:lnRef>
+      <a:fillRef idx="1">
+        <a:scrgbClr r="0" g="0" b="0"/>
+      </a:fillRef>
+      <a:effectRef idx="0">
+        <a:scrgbClr r="0" g="0" b="0"/>
+      </a:effectRef>
+      <a:fontRef idx="minor">
+        <a:schemeClr val="tx1"/>
+      </a:fontRef>
+    </dgm:style>
+  </dgm:styleLbl>
+  <dgm:styleLbl name="alignNode1">
+    <dgm:scene3d>
+      <a:camera prst="orthographicFront"/>
+      <a:lightRig rig="threePt" dir="t"/>
+    </dgm:scene3d>
+    <dgm:sp3d/>
+    <dgm:txPr/>
+    <dgm:style>
+      <a:lnRef idx="2">
+        <a:scrgbClr r="0" g="0" b="0"/>
+      </a:lnRef>
+      <a:fillRef idx="1">
+        <a:scrgbClr r="0" g="0" b="0"/>
+      </a:fillRef>
+      <a:effectRef idx="0">
+        <a:scrgbClr r="0" g="0" b="0"/>
+      </a:effectRef>
+      <a:fontRef idx="minor">
+        <a:schemeClr val="lt1"/>
+      </a:fontRef>
+    </dgm:style>
+  </dgm:styleLbl>
+  <dgm:styleLbl name="node1">
+    <dgm:scene3d>
+      <a:camera prst="orthographicFront"/>
+      <a:lightRig rig="threePt" dir="t"/>
+    </dgm:scene3d>
+    <dgm:sp3d/>
+    <dgm:txPr/>
+    <dgm:style>
+      <a:lnRef idx="2">
+        <a:scrgbClr r="0" g="0" b="0"/>
+      </a:lnRef>
+      <a:fillRef idx="1">
+        <a:scrgbClr r="0" g="0" b="0"/>
+      </a:fillRef>
+      <a:effectRef idx="0">
+        <a:scrgbClr r="0" g="0" b="0"/>
+      </a:effectRef>
+      <a:fontRef idx="minor">
+        <a:schemeClr val="lt1"/>
+      </a:fontRef>
+    </dgm:style>
+  </dgm:styleLbl>
+  <dgm:styleLbl name="node2">
+    <dgm:scene3d>
+      <a:camera prst="orthographicFront"/>
+      <a:lightRig rig="threePt" dir="t"/>
+    </dgm:scene3d>
+    <dgm:sp3d/>
+    <dgm:txPr/>
+    <dgm:style>
+      <a:lnRef idx="2">
+        <a:scrgbClr r="0" g="0" b="0"/>
+      </a:lnRef>
+      <a:fillRef idx="1">
+        <a:scrgbClr r="0" g="0" b="0"/>
+      </a:fillRef>
+      <a:effectRef idx="0">
+        <a:scrgbClr r="0" g="0" b="0"/>
+      </a:effectRef>
+      <a:fontRef idx="minor">
+        <a:schemeClr val="lt1"/>
+      </a:fontRef>
+    </dgm:style>
+  </dgm:styleLbl>
+  <dgm:styleLbl name="node3">
+    <dgm:scene3d>
+      <a:camera prst="orthographicFront"/>
+      <a:lightRig rig="threePt" dir="t"/>
+    </dgm:scene3d>
+    <dgm:sp3d/>
+    <dgm:txPr/>
+    <dgm:style>
+      <a:lnRef idx="2">
+        <a:scrgbClr r="0" g="0" b="0"/>
+      </a:lnRef>
+      <a:fillRef idx="1">
+        <a:scrgbClr r="0" g="0" b="0"/>
+      </a:fillRef>
+      <a:effectRef idx="0">
+        <a:scrgbClr r="0" g="0" b="0"/>
+      </a:effectRef>
+      <a:fontRef idx="minor">
+        <a:schemeClr val="lt1"/>
+      </a:fontRef>
+    </dgm:style>
+  </dgm:styleLbl>
+  <dgm:styleLbl name="node4">
+    <dgm:scene3d>
+      <a:camera prst="orthographicFront"/>
+      <a:lightRig rig="threePt" dir="t"/>
+    </dgm:scene3d>
+    <dgm:sp3d/>
+    <dgm:txPr/>
+    <dgm:style>
+      <a:lnRef idx="2">
+        <a:scrgbClr r="0" g="0" b="0"/>
+      </a:lnRef>
+      <a:fillRef idx="1">
+        <a:scrgbClr r="0" g="0" b="0"/>
+      </a:fillRef>
+      <a:effectRef idx="0">
+        <a:scrgbClr r="0" g="0" b="0"/>
+      </a:effectRef>
+      <a:fontRef idx="minor">
+        <a:schemeClr val="lt1"/>
+      </a:fontRef>
+    </dgm:style>
+  </dgm:styleLbl>
+  <dgm:styleLbl name="fgImgPlace1">
+    <dgm:scene3d>
+      <a:camera prst="orthographicFront"/>
+      <a:lightRig rig="threePt" dir="t"/>
+    </dgm:scene3d>
+    <dgm:sp3d/>
+    <dgm:txPr/>
+    <dgm:style>
+      <a:lnRef idx="2">
+        <a:scrgbClr r="0" g="0" b="0"/>
+      </a:lnRef>
+      <a:fillRef idx="1">
+        <a:scrgbClr r="0" g="0" b="0"/>
+      </a:fillRef>
+      <a:effectRef idx="0">
+        <a:scrgbClr r="0" g="0" b="0"/>
+      </a:effectRef>
+      <a:fontRef idx="minor"/>
+    </dgm:style>
+  </dgm:styleLbl>
+  <dgm:styleLbl name="alignImgPlace1">
+    <dgm:scene3d>
+      <a:camera prst="orthographicFront"/>
+      <a:lightRig rig="threePt" dir="t"/>
+    </dgm:scene3d>
+    <dgm:sp3d/>
+    <dgm:txPr/>
+    <dgm:style>
+      <a:lnRef idx="2">
+        <a:scrgbClr r="0" g="0" b="0"/>
+      </a:lnRef>
+      <a:fillRef idx="1">
+        <a:scrgbClr r="0" g="0" b="0"/>
+      </a:fillRef>
+      <a:effectRef idx="0">
+        <a:scrgbClr r="0" g="0" b="0"/>
+      </a:effectRef>
+      <a:fontRef idx="minor"/>
+    </dgm:style>
+  </dgm:styleLbl>
+  <dgm:styleLbl name="bgImgPlace1">
+    <dgm:scene3d>
+      <a:camera prst="orthographicFront"/>
+      <a:lightRig rig="threePt" dir="t"/>
+    </dgm:scene3d>
+    <dgm:sp3d/>
+    <dgm:txPr/>
+    <dgm:style>
+      <a:lnRef idx="2">
+        <a:scrgbClr r="0" g="0" b="0"/>
+      </a:lnRef>
+      <a:fillRef idx="1">
+        <a:scrgbClr r="0" g="0" b="0"/>
+      </a:fillRef>
+      <a:effectRef idx="0">
+        <a:scrgbClr r="0" g="0" b="0"/>
+      </a:effectRef>
+      <a:fontRef idx="minor"/>
+    </dgm:style>
+  </dgm:styleLbl>
+  <dgm:styleLbl name="sibTrans2D1">
+    <dgm:scene3d>
+      <a:camera prst="orthographicFront"/>
+      <a:lightRig rig="threePt" dir="t"/>
+    </dgm:scene3d>
+    <dgm:sp3d/>
+    <dgm:txPr/>
+    <dgm:style>
+      <a:lnRef idx="0">
+        <a:scrgbClr r="0" g="0" b="0"/>
+      </a:lnRef>
+      <a:fillRef idx="1">
+        <a:scrgbClr r="0" g="0" b="0"/>
+      </a:fillRef>
+      <a:effectRef idx="0">
+        <a:scrgbClr r="0" g="0" b="0"/>
+      </a:effectRef>
+      <a:fontRef idx="minor">
+        <a:schemeClr val="lt1"/>
+      </a:fontRef>
+    </dgm:style>
+  </dgm:styleLbl>
+  <dgm:styleLbl name="fgSibTrans2D1">
+    <dgm:scene3d>
+      <a:camera prst="orthographicFront"/>
+      <a:lightRig rig="threePt" dir="t"/>
+    </dgm:scene3d>
+    <dgm:sp3d/>
+    <dgm:txPr/>
+    <dgm:style>
+      <a:lnRef idx="0">
+        <a:scrgbClr r="0" g="0" b="0"/>
+      </a:lnRef>
+      <a:fillRef idx="1">
+        <a:scrgbClr r="0" g="0" b="0"/>
+      </a:fillRef>
+      <a:effectRef idx="0">
+        <a:scrgbClr r="0" g="0" b="0"/>
+      </a:effectRef>
+      <a:fontRef idx="minor">
+        <a:schemeClr val="lt1"/>
+      </a:fontRef>
+    </dgm:style>
+  </dgm:styleLbl>
+  <dgm:styleLbl name="bgSibTrans2D1">
+    <dgm:scene3d>
+      <a:camera prst="orthographicFront"/>
+      <a:lightRig rig="threePt" dir="t"/>
+    </dgm:scene3d>
+    <dgm:sp3d/>
+    <dgm:txPr/>
+    <dgm:style>
+      <a:lnRef idx="0">
+        <a:scrgbClr r="0" g="0" b="0"/>
+      </a:lnRef>
+      <a:fillRef idx="1">
+        <a:scrgbClr r="0" g="0" b="0"/>
+      </a:fillRef>
+      <a:effectRef idx="0">
+        <a:scrgbClr r="0" g="0" b="0"/>
+      </a:effectRef>
+      <a:fontRef idx="minor">
+        <a:schemeClr val="lt1"/>
+      </a:fontRef>
+    </dgm:style>
+  </dgm:styleLbl>
+  <dgm:styleLbl name="sibTrans1D1">
+    <dgm:scene3d>
+      <a:camera prst="orthographicFront"/>
+      <a:lightRig rig="threePt" dir="t"/>
+    </dgm:scene3d>
+    <dgm:sp3d/>
+    <dgm:txPr/>
+    <dgm:style>
+      <a:lnRef idx="1">
+        <a:scrgbClr r="0" g="0" b="0"/>
+      </a:lnRef>
+      <a:fillRef idx="0">
+        <a:scrgbClr r="0" g="0" b="0"/>
+      </a:fillRef>
+      <a:effectRef idx="0">
+        <a:scrgbClr r="0" g="0" b="0"/>
+      </a:effectRef>
+      <a:fontRef idx="minor"/>
+    </dgm:style>
+  </dgm:styleLbl>
+  <dgm:styleLbl name="callout">
+    <dgm:scene3d>
+      <a:camera prst="orthographicFront"/>
+      <a:lightRig rig="threePt" dir="t"/>
+    </dgm:scene3d>
+    <dgm:sp3d/>
+    <dgm:txPr/>
+    <dgm:style>
+      <a:lnRef idx="2">
+        <a:scrgbClr r="0" g="0" b="0"/>
+      </a:lnRef>
+      <a:fillRef idx="1">
+        <a:scrgbClr r="0" g="0" b="0"/>
+      </a:fillRef>
+      <a:effectRef idx="0">
+        <a:scrgbClr r="0" g="0" b="0"/>
+      </a:effectRef>
+      <a:fontRef idx="minor"/>
+    </dgm:style>
+  </dgm:styleLbl>
+  <dgm:styleLbl name="asst0">
+    <dgm:scene3d>
+      <a:camera prst="orthographicFront"/>
+      <a:lightRig rig="threePt" dir="t"/>
+    </dgm:scene3d>
+    <dgm:sp3d/>
+    <dgm:txPr/>
+    <dgm:style>
+      <a:lnRef idx="2">
+        <a:scrgbClr r="0" g="0" b="0"/>
+      </a:lnRef>
+      <a:fillRef idx="1">
+        <a:scrgbClr r="0" g="0" b="0"/>
+      </a:fillRef>
+      <a:effectRef idx="0">
+        <a:scrgbClr r="0" g="0" b="0"/>
+      </a:effectRef>
+      <a:fontRef idx="minor">
+        <a:schemeClr val="lt1"/>
+      </a:fontRef>
+    </dgm:style>
+  </dgm:styleLbl>
+  <dgm:styleLbl name="asst1">
+    <dgm:scene3d>
+      <a:camera prst="orthographicFront"/>
+      <a:lightRig rig="threePt" dir="t"/>
+    </dgm:scene3d>
+    <dgm:sp3d/>
+    <dgm:txPr/>
+    <dgm:style>
+      <a:lnRef idx="2">
+        <a:scrgbClr r="0" g="0" b="0"/>
+      </a:lnRef>
+      <a:fillRef idx="1">
+        <a:scrgbClr r="0" g="0" b="0"/>
+      </a:fillRef>
+      <a:effectRef idx="0">
+        <a:scrgbClr r="0" g="0" b="0"/>
+      </a:effectRef>
+      <a:fontRef idx="minor">
+        <a:schemeClr val="lt1"/>
+      </a:fontRef>
+    </dgm:style>
+  </dgm:styleLbl>
+  <dgm:styleLbl name="asst2">
+    <dgm:scene3d>
+      <a:camera prst="orthographicFront"/>
+      <a:lightRig rig="threePt" dir="t"/>
+    </dgm:scene3d>
+    <dgm:sp3d/>
+    <dgm:txPr/>
+    <dgm:style>
+      <a:lnRef idx="2">
+        <a:scrgbClr r="0" g="0" b="0"/>
+      </a:lnRef>
+      <a:fillRef idx="1">
+        <a:scrgbClr r="0" g="0" b="0"/>
+      </a:fillRef>
+      <a:effectRef idx="0">
+        <a:scrgbClr r="0" g="0" b="0"/>
+      </a:effectRef>
+      <a:fontRef idx="minor">
+        <a:schemeClr val="lt1"/>
+      </a:fontRef>
+    </dgm:style>
+  </dgm:styleLbl>
+  <dgm:styleLbl name="asst3">
+    <dgm:scene3d>
+      <a:camera prst="orthographicFront"/>
+      <a:lightRig rig="threePt" dir="t"/>
+    </dgm:scene3d>
+    <dgm:sp3d/>
+    <dgm:txPr/>
+    <dgm:style>
+      <a:lnRef idx="2">
+        <a:scrgbClr r="0" g="0" b="0"/>
+      </a:lnRef>
+      <a:fillRef idx="1">
+        <a:scrgbClr r="0" g="0" b="0"/>
+      </a:fillRef>
+      <a:effectRef idx="0">
+        <a:scrgbClr r="0" g="0" b="0"/>
+      </a:effectRef>
+      <a:fontRef idx="minor">
+        <a:schemeClr val="lt1"/>
+      </a:fontRef>
+    </dgm:style>
+  </dgm:styleLbl>
+  <dgm:styleLbl name="asst4">
+    <dgm:scene3d>
+      <a:camera prst="orthographicFront"/>
+      <a:lightRig rig="threePt" dir="t"/>
+    </dgm:scene3d>
+    <dgm:sp3d/>
+    <dgm:txPr/>
+    <dgm:style>
+      <a:lnRef idx="2">
+        <a:scrgbClr r="0" g="0" b="0"/>
+      </a:lnRef>
+      <a:fillRef idx="1">
+        <a:scrgbClr r="0" g="0" b="0"/>
+      </a:fillRef>
+      <a:effectRef idx="0">
+        <a:scrgbClr r="0" g="0" b="0"/>
+      </a:effectRef>
+      <a:fontRef idx="minor">
+        <a:schemeClr val="lt1"/>
+      </a:fontRef>
+    </dgm:style>
+  </dgm:styleLbl>
+  <dgm:styleLbl name="parChTrans2D1">
+    <dgm:scene3d>
+      <a:camera prst="orthographicFront"/>
+      <a:lightRig rig="threePt" dir="t"/>
+    </dgm:scene3d>
+    <dgm:sp3d/>
+    <dgm:txPr/>
+    <dgm:style>
+      <a:lnRef idx="2">
+        <a:scrgbClr r="0" g="0" b="0"/>
+      </a:lnRef>
+      <a:fillRef idx="1">
+        <a:scrgbClr r="0" g="0" b="0"/>
+      </a:fillRef>
+      <a:effectRef idx="0">
+        <a:scrgbClr r="0" g="0" b="0"/>
+      </a:effectRef>
+      <a:fontRef idx="minor">
+        <a:schemeClr val="lt1"/>
+      </a:fontRef>
+    </dgm:style>
+  </dgm:styleLbl>
+  <dgm:styleLbl name="parChTrans2D2">
+    <dgm:scene3d>
+      <a:camera prst="orthographicFront"/>
+      <a:lightRig rig="threePt" dir="t"/>
+    </dgm:scene3d>
+    <dgm:sp3d/>
+    <dgm:txPr/>
+    <dgm:style>
+      <a:lnRef idx="2">
+        <a:scrgbClr r="0" g="0" b="0"/>
+      </a:lnRef>
+      <a:fillRef idx="1">
+        <a:scrgbClr r="0" g="0" b="0"/>
+      </a:fillRef>
+      <a:effectRef idx="0">
+        <a:scrgbClr r="0" g="0" b="0"/>
+      </a:effectRef>
+      <a:fontRef idx="minor">
+        <a:schemeClr val="lt1"/>
+      </a:fontRef>
+    </dgm:style>
+  </dgm:styleLbl>
+  <dgm:styleLbl name="parChTrans2D3">
+    <dgm:scene3d>
+      <a:camera prst="orthographicFront"/>
+      <a:lightRig rig="threePt" dir="t"/>
+    </dgm:scene3d>
+    <dgm:sp3d/>
+    <dgm:txPr/>
+    <dgm:style>
+      <a:lnRef idx="2">
+        <a:scrgbClr r="0" g="0" b="0"/>
+      </a:lnRef>
+      <a:fillRef idx="1">
+        <a:scrgbClr r="0" g="0" b="0"/>
+      </a:fillRef>
+      <a:effectRef idx="0">
+        <a:scrgbClr r="0" g="0" b="0"/>
+      </a:effectRef>
+      <a:fontRef idx="minor">
+        <a:schemeClr val="lt1"/>
+      </a:fontRef>
+    </dgm:style>
+  </dgm:styleLbl>
+  <dgm:styleLbl name="parChTrans2D4">
+    <dgm:scene3d>
+      <a:camera prst="orthographicFront"/>
+      <a:lightRig rig="threePt" dir="t"/>
+    </dgm:scene3d>
+    <dgm:sp3d/>
+    <dgm:txPr/>
+    <dgm:style>
+      <a:lnRef idx="2">
+        <a:scrgbClr r="0" g="0" b="0"/>
+      </a:lnRef>
+      <a:fillRef idx="1">
+        <a:scrgbClr r="0" g="0" b="0"/>
+      </a:fillRef>
+      <a:effectRef idx="0">
+        <a:scrgbClr r="0" g="0" b="0"/>
+      </a:effectRef>
+      <a:fontRef idx="minor">
+        <a:schemeClr val="lt1"/>
+      </a:fontRef>
+    </dgm:style>
+  </dgm:styleLbl>
+  <dgm:styleLbl name="parChTrans1D1">
+    <dgm:scene3d>
+      <a:camera prst="orthographicFront"/>
+      <a:lightRig rig="threePt" dir="t"/>
+    </dgm:scene3d>
+    <dgm:sp3d/>
+    <dgm:txPr/>
+    <dgm:style>
+      <a:lnRef idx="2">
+        <a:scrgbClr r="0" g="0" b="0"/>
+      </a:lnRef>
+      <a:fillRef idx="0">
+        <a:scrgbClr r="0" g="0" b="0"/>
+      </a:fillRef>
+      <a:effectRef idx="0">
+        <a:scrgbClr r="0" g="0" b="0"/>
+      </a:effectRef>
+      <a:fontRef idx="minor"/>
+    </dgm:style>
+  </dgm:styleLbl>
+  <dgm:styleLbl name="parChTrans1D2">
+    <dgm:scene3d>
+      <a:camera prst="orthographicFront"/>
+      <a:lightRig rig="threePt" dir="t"/>
+    </dgm:scene3d>
+    <dgm:sp3d/>
+    <dgm:txPr/>
+    <dgm:style>
+      <a:lnRef idx="2">
+        <a:scrgbClr r="0" g="0" b="0"/>
+      </a:lnRef>
+      <a:fillRef idx="0">
+        <a:scrgbClr r="0" g="0" b="0"/>
+      </a:fillRef>
+      <a:effectRef idx="0">
+        <a:scrgbClr r="0" g="0" b="0"/>
+      </a:effectRef>
+      <a:fontRef idx="minor"/>
+    </dgm:style>
+  </dgm:styleLbl>
+  <dgm:styleLbl name="parChTrans1D3">
+    <dgm:scene3d>
+      <a:camera prst="orthographicFront"/>
+      <a:lightRig rig="threePt" dir="t"/>
+    </dgm:scene3d>
+    <dgm:sp3d/>
+    <dgm:txPr/>
+    <dgm:style>
+      <a:lnRef idx="2">
+        <a:scrgbClr r="0" g="0" b="0"/>
+      </a:lnRef>
+      <a:fillRef idx="0">
+        <a:scrgbClr r="0" g="0" b="0"/>
+      </a:fillRef>
+      <a:effectRef idx="0">
+        <a:scrgbClr r="0" g="0" b="0"/>
+      </a:effectRef>
+      <a:fontRef idx="minor"/>
+    </dgm:style>
+  </dgm:styleLbl>
+  <dgm:styleLbl name="parChTrans1D4">
+    <dgm:scene3d>
+      <a:camera prst="orthographicFront"/>
+      <a:lightRig rig="threePt" dir="t"/>
+    </dgm:scene3d>
+    <dgm:sp3d/>
+    <dgm:txPr/>
+    <dgm:style>
+      <a:lnRef idx="2">
+        <a:scrgbClr r="0" g="0" b="0"/>
+      </a:lnRef>
+      <a:fillRef idx="0">
+        <a:scrgbClr r="0" g="0" b="0"/>
+      </a:fillRef>
+      <a:effectRef idx="0">
+        <a:scrgbClr r="0" g="0" b="0"/>
+      </a:effectRef>
+      <a:fontRef idx="minor"/>
+    </dgm:style>
+  </dgm:styleLbl>
+  <dgm:styleLbl name="fgAcc1">
+    <dgm:scene3d>
+      <a:camera prst="orthographicFront"/>
+      <a:lightRig rig="threePt" dir="t"/>
+    </dgm:scene3d>
+    <dgm:sp3d/>
+    <dgm:txPr/>
+    <dgm:style>
+      <a:lnRef idx="2">
+        <a:scrgbClr r="0" g="0" b="0"/>
+      </a:lnRef>
+      <a:fillRef idx="1">
+        <a:scrgbClr r="0" g="0" b="0"/>
+      </a:fillRef>
+      <a:effectRef idx="0">
+        <a:scrgbClr r="0" g="0" b="0"/>
+      </a:effectRef>
+      <a:fontRef idx="minor"/>
+    </dgm:style>
+  </dgm:styleLbl>
+  <dgm:styleLbl name="conFgAcc1">
+    <dgm:scene3d>
+      <a:camera prst="orthographicFront"/>
+      <a:lightRig rig="threePt" dir="t"/>
+    </dgm:scene3d>
+    <dgm:sp3d/>
+    <dgm:txPr/>
+    <dgm:style>
+      <a:lnRef idx="2">
+        <a:scrgbClr r="0" g="0" b="0"/>
+      </a:lnRef>
+      <a:fillRef idx="1">
+        <a:scrgbClr r="0" g="0" b="0"/>
+      </a:fillRef>
+      <a:effectRef idx="0">
+        <a:scrgbClr r="0" g="0" b="0"/>
+      </a:effectRef>
+      <a:fontRef idx="minor"/>
+    </dgm:style>
+  </dgm:styleLbl>
+  <dgm:styleLbl name="alignAcc1">
+    <dgm:scene3d>
+      <a:camera prst="orthographicFront"/>
+      <a:lightRig rig="threePt" dir="t"/>
+    </dgm:scene3d>
+    <dgm:sp3d/>
+    <dgm:txPr/>
+    <dgm:style>
+      <a:lnRef idx="2">
+        <a:scrgbClr r="0" g="0" b="0"/>
+      </a:lnRef>
+      <a:fillRef idx="1">
+        <a:scrgbClr r="0" g="0" b="0"/>
+      </a:fillRef>
+      <a:effectRef idx="0">
+        <a:scrgbClr r="0" g="0" b="0"/>
+      </a:effectRef>
+      <a:fontRef idx="minor"/>
+    </dgm:style>
+  </dgm:styleLbl>
+  <dgm:styleLbl name="trAlignAcc1">
+    <dgm:scene3d>
+      <a:camera prst="orthographicFront"/>
+      <a:lightRig rig="threePt" dir="t"/>
+    </dgm:scene3d>
+    <dgm:sp3d/>
+    <dgm:txPr/>
+    <dgm:style>
+      <a:lnRef idx="1">
+        <a:scrgbClr r="0" g="0" b="0"/>
+      </a:lnRef>
+      <a:fillRef idx="1">
+        <a:scrgbClr r="0" g="0" b="0"/>
+      </a:fillRef>
+      <a:effectRef idx="0">
+        <a:scrgbClr r="0" g="0" b="0"/>
+      </a:effectRef>
+      <a:fontRef idx="minor"/>
+    </dgm:style>
+  </dgm:styleLbl>
+  <dgm:styleLbl name="bgAcc1">
+    <dgm:scene3d>
+      <a:camera prst="orthographicFront"/>
+      <a:lightRig rig="threePt" dir="t"/>
+    </dgm:scene3d>
+    <dgm:sp3d/>
+    <dgm:txPr/>
+    <dgm:style>
+      <a:lnRef idx="2">
+        <a:scrgbClr r="0" g="0" b="0"/>
+      </a:lnRef>
+      <a:fillRef idx="1">
+        <a:scrgbClr r="0" g="0" b="0"/>
+      </a:fillRef>
+      <a:effectRef idx="0">
+        <a:scrgbClr r="0" g="0" b="0"/>
+      </a:effectRef>
+      <a:fontRef idx="minor"/>
+    </dgm:style>
+  </dgm:styleLbl>
+  <dgm:styleLbl name="solidFgAcc1">
+    <dgm:scene3d>
+      <a:camera prst="orthographicFront"/>
+      <a:lightRig rig="threePt" dir="t"/>
+    </dgm:scene3d>
+    <dgm:sp3d/>
+    <dgm:txPr/>
+    <dgm:style>
+      <a:lnRef idx="2">
+        <a:scrgbClr r="0" g="0" b="0"/>
+      </a:lnRef>
+      <a:fillRef idx="1">
+        <a:scrgbClr r="0" g="0" b="0"/>
+      </a:fillRef>
+      <a:effectRef idx="0">
+        <a:scrgbClr r="0" g="0" b="0"/>
+      </a:effectRef>
+      <a:fontRef idx="minor"/>
+    </dgm:style>
+  </dgm:styleLbl>
+  <dgm:styleLbl name="solidAlignAcc1">
+    <dgm:scene3d>
+      <a:camera prst="orthographicFront"/>
+      <a:lightRig rig="threePt" dir="t"/>
+    </dgm:scene3d>
+    <dgm:sp3d/>
+    <dgm:txPr/>
+    <dgm:style>
+      <a:lnRef idx="2">
+        <a:scrgbClr r="0" g="0" b="0"/>
+      </a:lnRef>
+      <a:fillRef idx="1">
+        <a:scrgbClr r="0" g="0" b="0"/>
+      </a:fillRef>
+      <a:effectRef idx="0">
+        <a:scrgbClr r="0" g="0" b="0"/>
+      </a:effectRef>
+      <a:fontRef idx="minor"/>
+    </dgm:style>
+  </dgm:styleLbl>
+  <dgm:styleLbl name="solidBgAcc1">
+    <dgm:scene3d>
+      <a:camera prst="orthographicFront"/>
+      <a:lightRig rig="threePt" dir="t"/>
+    </dgm:scene3d>
+    <dgm:sp3d/>
+    <dgm:txPr/>
+    <dgm:style>
+      <a:lnRef idx="2">
+        <a:scrgbClr r="0" g="0" b="0"/>
+      </a:lnRef>
+      <a:fillRef idx="1">
+        <a:scrgbClr r="0" g="0" b="0"/>
+      </a:fillRef>
+      <a:effectRef idx="0">
+        <a:scrgbClr r="0" g="0" b="0"/>
+      </a:effectRef>
+      <a:fontRef idx="minor"/>
+    </dgm:style>
+  </dgm:styleLbl>
+  <dgm:styleLbl name="fgAccFollowNode1">
+    <dgm:scene3d>
+      <a:camera prst="orthographicFront"/>
+      <a:lightRig rig="threePt" dir="t"/>
+    </dgm:scene3d>
+    <dgm:sp3d/>
+    <dgm:txPr/>
+    <dgm:style>
+      <a:lnRef idx="2">
+        <a:scrgbClr r="0" g="0" b="0"/>
+      </a:lnRef>
+      <a:fillRef idx="1">
+        <a:scrgbClr r="0" g="0" b="0"/>
+      </a:fillRef>
+      <a:effectRef idx="0">
+        <a:scrgbClr r="0" g="0" b="0"/>
+      </a:effectRef>
+      <a:fontRef idx="minor"/>
+    </dgm:style>
+  </dgm:styleLbl>
+  <dgm:styleLbl name="alignAccFollowNode1">
+    <dgm:scene3d>
+      <a:camera prst="orthographicFront"/>
+      <a:lightRig rig="threePt" dir="t"/>
+    </dgm:scene3d>
+    <dgm:sp3d/>
+    <dgm:txPr/>
+    <dgm:style>
+      <a:lnRef idx="2">
+        <a:scrgbClr r="0" g="0" b="0"/>
+      </a:lnRef>
+      <a:fillRef idx="1">
+        <a:scrgbClr r="0" g="0" b="0"/>
+      </a:fillRef>
+      <a:effectRef idx="0">
+        <a:scrgbClr r="0" g="0" b="0"/>
+      </a:effectRef>
+      <a:fontRef idx="minor"/>
+    </dgm:style>
+  </dgm:styleLbl>
+  <dgm:styleLbl name="bgAccFollowNode1">
+    <dgm:scene3d>
+      <a:camera prst="orthographicFront"/>
+      <a:lightRig rig="threePt" dir="t"/>
+    </dgm:scene3d>
+    <dgm:sp3d/>
+    <dgm:txPr/>
+    <dgm:style>
+      <a:lnRef idx="2">
+        <a:scrgbClr r="0" g="0" b="0"/>
+      </a:lnRef>
+      <a:fillRef idx="1">
+        <a:scrgbClr r="0" g="0" b="0"/>
+      </a:fillRef>
+      <a:effectRef idx="0">
+        <a:scrgbClr r="0" g="0" b="0"/>
+      </a:effectRef>
+      <a:fontRef idx="minor"/>
+    </dgm:style>
+  </dgm:styleLbl>
+  <dgm:styleLbl name="fgAcc0">
+    <dgm:scene3d>
+      <a:camera prst="orthographicFront"/>
+      <a:lightRig rig="threePt" dir="t"/>
+    </dgm:scene3d>
+    <dgm:sp3d/>
+    <dgm:txPr/>
+    <dgm:style>
+      <a:lnRef idx="2">
+        <a:scrgbClr r="0" g="0" b="0"/>
+      </a:lnRef>
+      <a:fillRef idx="1">
+        <a:scrgbClr r="0" g="0" b="0"/>
+      </a:fillRef>
+      <a:effectRef idx="0">
+        <a:scrgbClr r="0" g="0" b="0"/>
+      </a:effectRef>
+      <a:fontRef idx="minor"/>
+    </dgm:style>
+  </dgm:styleLbl>
+  <dgm:styleLbl name="fgAcc2">
+    <dgm:scene3d>
+      <a:camera prst="orthographicFront"/>
+      <a:lightRig rig="threePt" dir="t"/>
+    </dgm:scene3d>
+    <dgm:sp3d/>
+    <dgm:txPr/>
+    <dgm:style>
+      <a:lnRef idx="2">
+        <a:scrgbClr r="0" g="0" b="0"/>
+      </a:lnRef>
+      <a:fillRef idx="1">
+        <a:scrgbClr r="0" g="0" b="0"/>
+      </a:fillRef>
+      <a:effectRef idx="0">
+        <a:scrgbClr r="0" g="0" b="0"/>
+      </a:effectRef>
+      <a:fontRef idx="minor"/>
+    </dgm:style>
+  </dgm:styleLbl>
+  <dgm:styleLbl name="fgAcc3">
+    <dgm:scene3d>
+      <a:camera prst="orthographicFront"/>
+      <a:lightRig rig="threePt" dir="t"/>
+    </dgm:scene3d>
+    <dgm:sp3d/>
+    <dgm:txPr/>
+    <dgm:style>
+      <a:lnRef idx="2">
+        <a:scrgbClr r="0" g="0" b="0"/>
+      </a:lnRef>
+      <a:fillRef idx="1">
+        <a:scrgbClr r="0" g="0" b="0"/>
+      </a:fillRef>
+      <a:effectRef idx="0">
+        <a:scrgbClr r="0" g="0" b="0"/>
+      </a:effectRef>
+      <a:fontRef idx="minor"/>
+    </dgm:style>
+  </dgm:styleLbl>
+  <dgm:styleLbl name="fgAcc4">
+    <dgm:scene3d>
+      <a:camera prst="orthographicFront"/>
+      <a:lightRig rig="threePt" dir="t"/>
+    </dgm:scene3d>
+    <dgm:sp3d/>
+    <dgm:txPr/>
+    <dgm:style>
+      <a:lnRef idx="2">
+        <a:scrgbClr r="0" g="0" b="0"/>
+      </a:lnRef>
+      <a:fillRef idx="1">
+        <a:scrgbClr r="0" g="0" b="0"/>
+      </a:fillRef>
+      <a:effectRef idx="0">
+        <a:scrgbClr r="0" g="0" b="0"/>
+      </a:effectRef>
+      <a:fontRef idx="minor"/>
+    </dgm:style>
+  </dgm:styleLbl>
+  <dgm:styleLbl name="bgShp">
+    <dgm:scene3d>
+      <a:camera prst="orthographicFront"/>
+      <a:lightRig rig="threePt" dir="t"/>
+    </dgm:scene3d>
+    <dgm:sp3d/>
+    <dgm:txPr/>
+    <dgm:style>
+      <a:lnRef idx="0">
+        <a:scrgbClr r="0" g="0" b="0"/>
+      </a:lnRef>
+      <a:fillRef idx="1">
+        <a:scrgbClr r="0" g="0" b="0"/>
+      </a:fillRef>
+      <a:effectRef idx="0">
+        <a:scrgbClr r="0" g="0" b="0"/>
+      </a:effectRef>
+      <a:fontRef idx="minor"/>
+    </dgm:style>
+  </dgm:styleLbl>
+  <dgm:styleLbl name="dkBgShp">
+    <dgm:scene3d>
+      <a:camera prst="orthographicFront"/>
+      <a:lightRig rig="threePt" dir="t"/>
+    </dgm:scene3d>
+    <dgm:sp3d/>
+    <dgm:txPr/>
+    <dgm:style>
+      <a:lnRef idx="0">
+        <a:scrgbClr r="0" g="0" b="0"/>
+      </a:lnRef>
+      <a:fillRef idx="1">
+        <a:scrgbClr r="0" g="0" b="0"/>
+      </a:fillRef>
+      <a:effectRef idx="0">
+        <a:scrgbClr r="0" g="0" b="0"/>
+      </a:effectRef>
+      <a:fontRef idx="minor"/>
+    </dgm:style>
+  </dgm:styleLbl>
+  <dgm:styleLbl name="trBgShp">
+    <dgm:scene3d>
+      <a:camera prst="orthographicFront"/>
+      <a:lightRig rig="threePt" dir="t"/>
+    </dgm:scene3d>
+    <dgm:sp3d/>
+    <dgm:txPr/>
+    <dgm:style>
+      <a:lnRef idx="0">
+        <a:scrgbClr r="0" g="0" b="0"/>
+      </a:lnRef>
+      <a:fillRef idx="1">
+        <a:scrgbClr r="0" g="0" b="0"/>
+      </a:fillRef>
+      <a:effectRef idx="0">
+        <a:scrgbClr r="0" g="0" b="0"/>
+      </a:effectRef>
+      <a:fontRef idx="minor"/>
+    </dgm:style>
+  </dgm:styleLbl>
+  <dgm:styleLbl name="fgShp">
+    <dgm:scene3d>
+      <a:camera prst="orthographicFront"/>
+      <a:lightRig rig="threePt" dir="t"/>
+    </dgm:scene3d>
+    <dgm:sp3d/>
+    <dgm:txPr/>
+    <dgm:style>
+      <a:lnRef idx="2">
+        <a:scrgbClr r="0" g="0" b="0"/>
+      </a:lnRef>
+      <a:fillRef idx="1">
+        <a:scrgbClr r="0" g="0" b="0"/>
+      </a:fillRef>
+      <a:effectRef idx="0">
+        <a:scrgbClr r="0" g="0" b="0"/>
+      </a:effectRef>
+      <a:fontRef idx="minor"/>
+    </dgm:style>
+  </dgm:styleLbl>
+  <dgm:styleLbl name="revTx">
+    <dgm:scene3d>
+      <a:camera prst="orthographicFront"/>
+      <a:lightRig rig="threePt" dir="t"/>
+    </dgm:scene3d>
+    <dgm:sp3d/>
+    <dgm:txPr/>
+    <dgm:style>
+      <a:lnRef idx="0">
+        <a:scrgbClr r="0" g="0" b="0"/>
+      </a:lnRef>
+      <a:fillRef idx="0">
+        <a:scrgbClr r="0" g="0" b="0"/>
+      </a:fillRef>
+      <a:effectRef idx="0">
+        <a:scrgbClr r="0" g="0" b="0"/>
+      </a:effectRef>
+      <a:fontRef idx="minor"/>
+    </dgm:style>
+  </dgm:styleLbl>
+</dgm:styleDef>
+</file>
+
+<file path=ppt/diagrams/quickStyle8.xml><?xml version="1.0" encoding="utf-8"?>
+<dgm:styleDef xmlns:dgm="http://schemas.openxmlformats.org/drawingml/2006/diagram" xmlns:a="http://schemas.openxmlformats.org/drawingml/2006/main" uniqueId="urn:microsoft.com/office/officeart/2005/8/quickstyle/simple5">
+  <dgm:title val=""/>
+  <dgm:desc val=""/>
+  <dgm:catLst>
+    <dgm:cat type="simple" pri="10500"/>
+  </dgm:catLst>
+  <dgm:scene3d>
+    <a:camera prst="orthographicFront"/>
+    <a:lightRig rig="threePt" dir="t"/>
+  </dgm:scene3d>
+  <dgm:styleLbl name="node0">
+    <dgm:scene3d>
+      <a:camera prst="orthographicFront"/>
+      <a:lightRig rig="threePt" dir="t"/>
+    </dgm:scene3d>
+    <dgm:sp3d/>
+    <dgm:txPr/>
+    <dgm:style>
+      <a:lnRef idx="0">
+        <a:scrgbClr r="0" g="0" b="0"/>
+      </a:lnRef>
+      <a:fillRef idx="3">
+        <a:scrgbClr r="0" g="0" b="0"/>
+      </a:fillRef>
+      <a:effectRef idx="3">
+        <a:scrgbClr r="0" g="0" b="0"/>
+      </a:effectRef>
+      <a:fontRef idx="minor">
+        <a:schemeClr val="lt1"/>
+      </a:fontRef>
+    </dgm:style>
+  </dgm:styleLbl>
+  <dgm:styleLbl name="lnNode1">
+    <dgm:scene3d>
+      <a:camera prst="orthographicFront"/>
+      <a:lightRig rig="threePt" dir="t"/>
+    </dgm:scene3d>
+    <dgm:sp3d/>
+    <dgm:txPr/>
+    <dgm:style>
+      <a:lnRef idx="0">
+        <a:scrgbClr r="0" g="0" b="0"/>
+      </a:lnRef>
+      <a:fillRef idx="3">
+        <a:scrgbClr r="0" g="0" b="0"/>
+      </a:fillRef>
+      <a:effectRef idx="3">
+        <a:scrgbClr r="0" g="0" b="0"/>
+      </a:effectRef>
+      <a:fontRef idx="minor">
+        <a:schemeClr val="lt1"/>
+      </a:fontRef>
+    </dgm:style>
+  </dgm:styleLbl>
+  <dgm:styleLbl name="vennNode1">
+    <dgm:scene3d>
+      <a:camera prst="orthographicFront"/>
+      <a:lightRig rig="threePt" dir="t"/>
+    </dgm:scene3d>
+    <dgm:sp3d/>
+    <dgm:txPr/>
+    <dgm:style>
+      <a:lnRef idx="0">
+        <a:scrgbClr r="0" g="0" b="0"/>
+      </a:lnRef>
+      <a:fillRef idx="3">
+        <a:scrgbClr r="0" g="0" b="0"/>
+      </a:fillRef>
+      <a:effectRef idx="3">
+        <a:scrgbClr r="0" g="0" b="0"/>
+      </a:effectRef>
+      <a:fontRef idx="minor">
+        <a:schemeClr val="tx1"/>
+      </a:fontRef>
+    </dgm:style>
+  </dgm:styleLbl>
+  <dgm:styleLbl name="alignNode1">
+    <dgm:scene3d>
+      <a:camera prst="orthographicFront"/>
+      <a:lightRig rig="threePt" dir="t"/>
+    </dgm:scene3d>
+    <dgm:sp3d/>
+    <dgm:txPr/>
+    <dgm:style>
+      <a:lnRef idx="1">
+        <a:scrgbClr r="0" g="0" b="0"/>
+      </a:lnRef>
+      <a:fillRef idx="3">
+        <a:scrgbClr r="0" g="0" b="0"/>
+      </a:fillRef>
+      <a:effectRef idx="3">
+        <a:scrgbClr r="0" g="0" b="0"/>
+      </a:effectRef>
+      <a:fontRef idx="minor">
+        <a:schemeClr val="lt1"/>
+      </a:fontRef>
+    </dgm:style>
+  </dgm:styleLbl>
+  <dgm:styleLbl name="node1">
+    <dgm:scene3d>
+      <a:camera prst="orthographicFront"/>
+      <a:lightRig rig="threePt" dir="t"/>
+    </dgm:scene3d>
+    <dgm:sp3d/>
+    <dgm:txPr/>
+    <dgm:style>
+      <a:lnRef idx="0">
+        <a:scrgbClr r="0" g="0" b="0"/>
+      </a:lnRef>
+      <a:fillRef idx="3">
+        <a:scrgbClr r="0" g="0" b="0"/>
+      </a:fillRef>
+      <a:effectRef idx="3">
+        <a:scrgbClr r="0" g="0" b="0"/>
+      </a:effectRef>
+      <a:fontRef idx="minor">
+        <a:schemeClr val="lt1"/>
+      </a:fontRef>
+    </dgm:style>
+  </dgm:styleLbl>
+  <dgm:styleLbl name="node2">
+    <dgm:scene3d>
+      <a:camera prst="orthographicFront"/>
+      <a:lightRig rig="threePt" dir="t"/>
+    </dgm:scene3d>
+    <dgm:sp3d/>
+    <dgm:txPr/>
+    <dgm:style>
+      <a:lnRef idx="0">
+        <a:scrgbClr r="0" g="0" b="0"/>
+      </a:lnRef>
+      <a:fillRef idx="3">
+        <a:scrgbClr r="0" g="0" b="0"/>
+      </a:fillRef>
+      <a:effectRef idx="3">
+        <a:scrgbClr r="0" g="0" b="0"/>
+      </a:effectRef>
+      <a:fontRef idx="minor">
+        <a:schemeClr val="lt1"/>
+      </a:fontRef>
+    </dgm:style>
+  </dgm:styleLbl>
+  <dgm:styleLbl name="node3">
+    <dgm:scene3d>
+      <a:camera prst="orthographicFront"/>
+      <a:lightRig rig="threePt" dir="t"/>
+    </dgm:scene3d>
+    <dgm:sp3d/>
+    <dgm:txPr/>
+    <dgm:style>
+      <a:lnRef idx="0">
+        <a:scrgbClr r="0" g="0" b="0"/>
+      </a:lnRef>
+      <a:fillRef idx="3">
+        <a:scrgbClr r="0" g="0" b="0"/>
+      </a:fillRef>
+      <a:effectRef idx="3">
+        <a:scrgbClr r="0" g="0" b="0"/>
+      </a:effectRef>
+      <a:fontRef idx="minor">
+        <a:schemeClr val="lt1"/>
+      </a:fontRef>
+    </dgm:style>
+  </dgm:styleLbl>
+  <dgm:styleLbl name="node4">
+    <dgm:scene3d>
+      <a:camera prst="orthographicFront"/>
+      <a:lightRig rig="threePt" dir="t"/>
+    </dgm:scene3d>
+    <dgm:sp3d/>
+    <dgm:txPr/>
+    <dgm:style>
+      <a:lnRef idx="0">
+        <a:scrgbClr r="0" g="0" b="0"/>
+      </a:lnRef>
+      <a:fillRef idx="3">
+        <a:scrgbClr r="0" g="0" b="0"/>
+      </a:fillRef>
+      <a:effectRef idx="3">
+        <a:scrgbClr r="0" g="0" b="0"/>
+      </a:effectRef>
+      <a:fontRef idx="minor">
+        <a:schemeClr val="lt1"/>
+      </a:fontRef>
+    </dgm:style>
+  </dgm:styleLbl>
+  <dgm:styleLbl name="fgImgPlace1">
+    <dgm:scene3d>
+      <a:camera prst="orthographicFront"/>
+      <a:lightRig rig="threePt" dir="t"/>
+    </dgm:scene3d>
+    <dgm:sp3d/>
+    <dgm:txPr/>
+    <dgm:style>
+      <a:lnRef idx="0">
+        <a:scrgbClr r="0" g="0" b="0"/>
+      </a:lnRef>
+      <a:fillRef idx="1">
+        <a:scrgbClr r="0" g="0" b="0"/>
+      </a:fillRef>
+      <a:effectRef idx="3">
+        <a:scrgbClr r="0" g="0" b="0"/>
+      </a:effectRef>
+      <a:fontRef idx="minor"/>
+    </dgm:style>
+  </dgm:styleLbl>
+  <dgm:styleLbl name="alignImgPlace1">
+    <dgm:scene3d>
+      <a:camera prst="orthographicFront"/>
+      <a:lightRig rig="threePt" dir="t"/>
+    </dgm:scene3d>
+    <dgm:sp3d/>
+    <dgm:txPr/>
+    <dgm:style>
+      <a:lnRef idx="0">
+        <a:scrgbClr r="0" g="0" b="0"/>
+      </a:lnRef>
+      <a:fillRef idx="1">
+        <a:scrgbClr r="0" g="0" b="0"/>
+      </a:fillRef>
+      <a:effectRef idx="3">
+        <a:scrgbClr r="0" g="0" b="0"/>
+      </a:effectRef>
+      <a:fontRef idx="minor"/>
+    </dgm:style>
+  </dgm:styleLbl>
+  <dgm:styleLbl name="bgImgPlace1">
+    <dgm:scene3d>
+      <a:camera prst="orthographicFront"/>
+      <a:lightRig rig="threePt" dir="t"/>
+    </dgm:scene3d>
+    <dgm:sp3d/>
+    <dgm:txPr/>
+    <dgm:style>
+      <a:lnRef idx="0">
+        <a:scrgbClr r="0" g="0" b="0"/>
+      </a:lnRef>
+      <a:fillRef idx="1">
+        <a:scrgbClr r="0" g="0" b="0"/>
+      </a:fillRef>
+      <a:effectRef idx="3">
+        <a:scrgbClr r="0" g="0" b="0"/>
+      </a:effectRef>
+      <a:fontRef idx="minor"/>
+    </dgm:style>
+  </dgm:styleLbl>
+  <dgm:styleLbl name="sibTrans2D1">
+    <dgm:scene3d>
+      <a:camera prst="orthographicFront"/>
+      <a:lightRig rig="threePt" dir="t"/>
+    </dgm:scene3d>
+    <dgm:sp3d/>
+    <dgm:txPr/>
+    <dgm:style>
+      <a:lnRef idx="0">
+        <a:scrgbClr r="0" g="0" b="0"/>
+      </a:lnRef>
+      <a:fillRef idx="3">
+        <a:scrgbClr r="0" g="0" b="0"/>
+      </a:fillRef>
+      <a:effectRef idx="3">
+        <a:scrgbClr r="0" g="0" b="0"/>
+      </a:effectRef>
+      <a:fontRef idx="minor">
+        <a:schemeClr val="lt1"/>
+      </a:fontRef>
+    </dgm:style>
+  </dgm:styleLbl>
+  <dgm:styleLbl name="fgSibTrans2D1">
+    <dgm:scene3d>
+      <a:camera prst="orthographicFront"/>
+      <a:lightRig rig="threePt" dir="t"/>
+    </dgm:scene3d>
+    <dgm:sp3d/>
+    <dgm:txPr/>
+    <dgm:style>
+      <a:lnRef idx="0">
+        <a:scrgbClr r="0" g="0" b="0"/>
+      </a:lnRef>
+      <a:fillRef idx="3">
+        <a:scrgbClr r="0" g="0" b="0"/>
+      </a:fillRef>
+      <a:effectRef idx="3">
+        <a:scrgbClr r="0" g="0" b="0"/>
+      </a:effectRef>
+      <a:fontRef idx="minor">
+        <a:schemeClr val="lt1"/>
+      </a:fontRef>
+    </dgm:style>
+  </dgm:styleLbl>
+  <dgm:styleLbl name="bgSibTrans2D1">
+    <dgm:scene3d>
+      <a:camera prst="orthographicFront"/>
+      <a:lightRig rig="threePt" dir="t"/>
+    </dgm:scene3d>
+    <dgm:sp3d/>
+    <dgm:txPr/>
+    <dgm:style>
+      <a:lnRef idx="0">
+        <a:scrgbClr r="0" g="0" b="0"/>
+      </a:lnRef>
+      <a:fillRef idx="3">
+        <a:scrgbClr r="0" g="0" b="0"/>
+      </a:fillRef>
+      <a:effectRef idx="3">
+        <a:scrgbClr r="0" g="0" b="0"/>
+      </a:effectRef>
+      <a:fontRef idx="minor">
+        <a:schemeClr val="lt1"/>
+      </a:fontRef>
+    </dgm:style>
+  </dgm:styleLbl>
+  <dgm:styleLbl name="sibTrans1D1">
+    <dgm:scene3d>
+      <a:camera prst="orthographicFront"/>
+      <a:lightRig rig="threePt" dir="t"/>
+    </dgm:scene3d>
+    <dgm:sp3d/>
+    <dgm:txPr/>
+    <dgm:style>
+      <a:lnRef idx="1">
+        <a:scrgbClr r="0" g="0" b="0"/>
+      </a:lnRef>
+      <a:fillRef idx="0">
+        <a:scrgbClr r="0" g="0" b="0"/>
+      </a:fillRef>
+      <a:effectRef idx="0">
+        <a:scrgbClr r="0" g="0" b="0"/>
+      </a:effectRef>
+      <a:fontRef idx="minor"/>
+    </dgm:style>
+  </dgm:styleLbl>
+  <dgm:styleLbl name="callout">
+    <dgm:scene3d>
+      <a:camera prst="orthographicFront"/>
+      <a:lightRig rig="threePt" dir="t"/>
+    </dgm:scene3d>
+    <dgm:sp3d/>
+    <dgm:txPr/>
+    <dgm:style>
+      <a:lnRef idx="1">
+        <a:scrgbClr r="0" g="0" b="0"/>
+      </a:lnRef>
+      <a:fillRef idx="0">
+        <a:scrgbClr r="0" g="0" b="0"/>
+      </a:fillRef>
+      <a:effectRef idx="1">
+        <a:scrgbClr r="0" g="0" b="0"/>
+      </a:effectRef>
+      <a:fontRef idx="minor"/>
+    </dgm:style>
+  </dgm:styleLbl>
+  <dgm:styleLbl name="asst0">
+    <dgm:scene3d>
+      <a:camera prst="orthographicFront"/>
+      <a:lightRig rig="threePt" dir="t"/>
+    </dgm:scene3d>
+    <dgm:sp3d/>
+    <dgm:txPr/>
+    <dgm:style>
+      <a:lnRef idx="0">
+        <a:scrgbClr r="0" g="0" b="0"/>
+      </a:lnRef>
+      <a:fillRef idx="3">
+        <a:scrgbClr r="0" g="0" b="0"/>
+      </a:fillRef>
+      <a:effectRef idx="3">
+        <a:scrgbClr r="0" g="0" b="0"/>
+      </a:effectRef>
+      <a:fontRef idx="minor">
+        <a:schemeClr val="lt1"/>
+      </a:fontRef>
+    </dgm:style>
+  </dgm:styleLbl>
+  <dgm:styleLbl name="asst1">
+    <dgm:scene3d>
+      <a:camera prst="orthographicFront"/>
+      <a:lightRig rig="threePt" dir="t"/>
+    </dgm:scene3d>
+    <dgm:sp3d/>
+    <dgm:txPr/>
+    <dgm:style>
+      <a:lnRef idx="0">
+        <a:scrgbClr r="0" g="0" b="0"/>
+      </a:lnRef>
+      <a:fillRef idx="3">
+        <a:scrgbClr r="0" g="0" b="0"/>
+      </a:fillRef>
+      <a:effectRef idx="3">
+        <a:scrgbClr r="0" g="0" b="0"/>
+      </a:effectRef>
+      <a:fontRef idx="minor">
+        <a:schemeClr val="lt1"/>
+      </a:fontRef>
+    </dgm:style>
+  </dgm:styleLbl>
+  <dgm:styleLbl name="asst2">
+    <dgm:scene3d>
+      <a:camera prst="orthographicFront"/>
+      <a:lightRig rig="threePt" dir="t"/>
+    </dgm:scene3d>
+    <dgm:sp3d/>
+    <dgm:txPr/>
+    <dgm:style>
+      <a:lnRef idx="0">
+        <a:scrgbClr r="0" g="0" b="0"/>
+      </a:lnRef>
+      <a:fillRef idx="3">
+        <a:scrgbClr r="0" g="0" b="0"/>
+      </a:fillRef>
+      <a:effectRef idx="3">
+        <a:scrgbClr r="0" g="0" b="0"/>
+      </a:effectRef>
+      <a:fontRef idx="minor">
+        <a:schemeClr val="lt1"/>
+      </a:fontRef>
+    </dgm:style>
+  </dgm:styleLbl>
+  <dgm:styleLbl name="asst3">
+    <dgm:scene3d>
+      <a:camera prst="orthographicFront"/>
+      <a:lightRig rig="threePt" dir="t"/>
+    </dgm:scene3d>
+    <dgm:sp3d/>
+    <dgm:txPr/>
+    <dgm:style>
+      <a:lnRef idx="0">
+        <a:scrgbClr r="0" g="0" b="0"/>
+      </a:lnRef>
+      <a:fillRef idx="3">
+        <a:scrgbClr r="0" g="0" b="0"/>
+      </a:fillRef>
+      <a:effectRef idx="3">
+        <a:scrgbClr r="0" g="0" b="0"/>
+      </a:effectRef>
+      <a:fontRef idx="minor">
+        <a:schemeClr val="lt1"/>
+      </a:fontRef>
+    </dgm:style>
+  </dgm:styleLbl>
+  <dgm:styleLbl name="asst4">
+    <dgm:scene3d>
+      <a:camera prst="orthographicFront"/>
+      <a:lightRig rig="threePt" dir="t"/>
+    </dgm:scene3d>
+    <dgm:sp3d/>
+    <dgm:txPr/>
+    <dgm:style>
+      <a:lnRef idx="0">
+        <a:scrgbClr r="0" g="0" b="0"/>
+      </a:lnRef>
+      <a:fillRef idx="3">
+        <a:scrgbClr r="0" g="0" b="0"/>
+      </a:fillRef>
+      <a:effectRef idx="3">
+        <a:scrgbClr r="0" g="0" b="0"/>
+      </a:effectRef>
+      <a:fontRef idx="minor">
+        <a:schemeClr val="lt1"/>
+      </a:fontRef>
+    </dgm:style>
+  </dgm:styleLbl>
+  <dgm:styleLbl name="parChTrans2D1">
+    <dgm:scene3d>
+      <a:camera prst="orthographicFront"/>
+      <a:lightRig rig="threePt" dir="t"/>
+    </dgm:scene3d>
+    <dgm:sp3d/>
+    <dgm:txPr/>
+    <dgm:style>
+      <a:lnRef idx="0">
+        <a:scrgbClr r="0" g="0" b="0"/>
+      </a:lnRef>
+      <a:fillRef idx="3">
+        <a:scrgbClr r="0" g="0" b="0"/>
+      </a:fillRef>
+      <a:effectRef idx="3">
+        <a:scrgbClr r="0" g="0" b="0"/>
+      </a:effectRef>
+      <a:fontRef idx="minor">
+        <a:schemeClr val="lt1"/>
+      </a:fontRef>
+    </dgm:style>
+  </dgm:styleLbl>
+  <dgm:styleLbl name="parChTrans2D2">
+    <dgm:scene3d>
+      <a:camera prst="orthographicFront"/>
+      <a:lightRig rig="threePt" dir="t"/>
+    </dgm:scene3d>
+    <dgm:sp3d/>
+    <dgm:txPr/>
+    <dgm:style>
+      <a:lnRef idx="0">
+        <a:scrgbClr r="0" g="0" b="0"/>
+      </a:lnRef>
+      <a:fillRef idx="3">
+        <a:scrgbClr r="0" g="0" b="0"/>
+      </a:fillRef>
+      <a:effectRef idx="3">
+        <a:scrgbClr r="0" g="0" b="0"/>
+      </a:effectRef>
+      <a:fontRef idx="minor">
+        <a:schemeClr val="lt1"/>
+      </a:fontRef>
+    </dgm:style>
+  </dgm:styleLbl>
+  <dgm:styleLbl name="parChTrans2D3">
+    <dgm:scene3d>
+      <a:camera prst="orthographicFront"/>
+      <a:lightRig rig="threePt" dir="t"/>
+    </dgm:scene3d>
+    <dgm:sp3d/>
+    <dgm:txPr/>
+    <dgm:style>
+      <a:lnRef idx="0">
+        <a:scrgbClr r="0" g="0" b="0"/>
+      </a:lnRef>
+      <a:fillRef idx="3">
+        <a:scrgbClr r="0" g="0" b="0"/>
+      </a:fillRef>
+      <a:effectRef idx="3">
+        <a:scrgbClr r="0" g="0" b="0"/>
+      </a:effectRef>
+      <a:fontRef idx="minor">
+        <a:schemeClr val="lt1"/>
+      </a:fontRef>
+    </dgm:style>
+  </dgm:styleLbl>
+  <dgm:styleLbl name="parChTrans2D4">
+    <dgm:scene3d>
+      <a:camera prst="orthographicFront"/>
+      <a:lightRig rig="threePt" dir="t"/>
+    </dgm:scene3d>
+    <dgm:sp3d/>
+    <dgm:txPr/>
+    <dgm:style>
+      <a:lnRef idx="0">
+        <a:scrgbClr r="0" g="0" b="0"/>
+      </a:lnRef>
+      <a:fillRef idx="3">
+        <a:scrgbClr r="0" g="0" b="0"/>
+      </a:fillRef>
+      <a:effectRef idx="3">
+        <a:scrgbClr r="0" g="0" b="0"/>
+      </a:effectRef>
+      <a:fontRef idx="minor">
+        <a:schemeClr val="lt1"/>
+      </a:fontRef>
+    </dgm:style>
+  </dgm:styleLbl>
+  <dgm:styleLbl name="parChTrans1D1">
+    <dgm:scene3d>
+      <a:camera prst="orthographicFront"/>
+      <a:lightRig rig="threePt" dir="t"/>
+    </dgm:scene3d>
+    <dgm:sp3d/>
+    <dgm:txPr/>
+    <dgm:style>
+      <a:lnRef idx="2">
+        <a:scrgbClr r="0" g="0" b="0"/>
+      </a:lnRef>
+      <a:fillRef idx="0">
+        <a:scrgbClr r="0" g="0" b="0"/>
+      </a:fillRef>
+      <a:effectRef idx="0">
+        <a:scrgbClr r="0" g="0" b="0"/>
+      </a:effectRef>
+      <a:fontRef idx="minor"/>
+    </dgm:style>
+  </dgm:styleLbl>
+  <dgm:styleLbl name="parChTrans1D2">
+    <dgm:scene3d>
+      <a:camera prst="orthographicFront"/>
+      <a:lightRig rig="threePt" dir="t"/>
+    </dgm:scene3d>
+    <dgm:sp3d/>
+    <dgm:txPr/>
+    <dgm:style>
+      <a:lnRef idx="2">
+        <a:scrgbClr r="0" g="0" b="0"/>
+      </a:lnRef>
+      <a:fillRef idx="0">
+        <a:scrgbClr r="0" g="0" b="0"/>
+      </a:fillRef>
+      <a:effectRef idx="0">
+        <a:scrgbClr r="0" g="0" b="0"/>
+      </a:effectRef>
+      <a:fontRef idx="minor"/>
+    </dgm:style>
+  </dgm:styleLbl>
+  <dgm:styleLbl name="parChTrans1D3">
+    <dgm:scene3d>
+      <a:camera prst="orthographicFront"/>
+      <a:lightRig rig="threePt" dir="t"/>
+    </dgm:scene3d>
+    <dgm:sp3d/>
+    <dgm:txPr/>
+    <dgm:style>
+      <a:lnRef idx="2">
+        <a:scrgbClr r="0" g="0" b="0"/>
+      </a:lnRef>
+      <a:fillRef idx="0">
+        <a:scrgbClr r="0" g="0" b="0"/>
+      </a:fillRef>
+      <a:effectRef idx="0">
+        <a:scrgbClr r="0" g="0" b="0"/>
+      </a:effectRef>
+      <a:fontRef idx="minor"/>
+    </dgm:style>
+  </dgm:styleLbl>
+  <dgm:styleLbl name="parChTrans1D4">
+    <dgm:scene3d>
+      <a:camera prst="orthographicFront"/>
+      <a:lightRig rig="threePt" dir="t"/>
+    </dgm:scene3d>
+    <dgm:sp3d/>
+    <dgm:txPr/>
+    <dgm:style>
+      <a:lnRef idx="2">
+        <a:scrgbClr r="0" g="0" b="0"/>
+      </a:lnRef>
+      <a:fillRef idx="0">
+        <a:scrgbClr r="0" g="0" b="0"/>
+      </a:fillRef>
+      <a:effectRef idx="0">
+        <a:scrgbClr r="0" g="0" b="0"/>
+      </a:effectRef>
+      <a:fontRef idx="minor"/>
+    </dgm:style>
+  </dgm:styleLbl>
+  <dgm:styleLbl name="fgAcc1">
+    <dgm:scene3d>
+      <a:camera prst="orthographicFront"/>
+      <a:lightRig rig="threePt" dir="t"/>
+    </dgm:scene3d>
+    <dgm:sp3d/>
+    <dgm:txPr/>
+    <dgm:style>
+      <a:lnRef idx="1">
+        <a:scrgbClr r="0" g="0" b="0"/>
+      </a:lnRef>
+      <a:fillRef idx="1">
+        <a:scrgbClr r="0" g="0" b="0"/>
+      </a:fillRef>
+      <a:effectRef idx="2">
+        <a:scrgbClr r="0" g="0" b="0"/>
+      </a:effectRef>
+      <a:fontRef idx="minor"/>
+    </dgm:style>
+  </dgm:styleLbl>
+  <dgm:styleLbl name="conFgAcc1">
+    <dgm:scene3d>
+      <a:camera prst="orthographicFront"/>
+      <a:lightRig rig="threePt" dir="t"/>
+    </dgm:scene3d>
+    <dgm:sp3d/>
+    <dgm:txPr/>
+    <dgm:style>
+      <a:lnRef idx="1">
+        <a:scrgbClr r="0" g="0" b="0"/>
+      </a:lnRef>
+      <a:fillRef idx="1">
+        <a:scrgbClr r="0" g="0" b="0"/>
+      </a:fillRef>
+      <a:effectRef idx="2">
+        <a:scrgbClr r="0" g="0" b="0"/>
+      </a:effectRef>
+      <a:fontRef idx="minor"/>
+    </dgm:style>
+  </dgm:styleLbl>
+  <dgm:styleLbl name="alignAcc1">
+    <dgm:scene3d>
+      <a:camera prst="orthographicFront"/>
+      <a:lightRig rig="threePt" dir="t"/>
+    </dgm:scene3d>
+    <dgm:sp3d/>
+    <dgm:txPr/>
+    <dgm:style>
+      <a:lnRef idx="1">
+        <a:scrgbClr r="0" g="0" b="0"/>
+      </a:lnRef>
+      <a:fillRef idx="1">
+        <a:scrgbClr r="0" g="0" b="0"/>
+      </a:fillRef>
+      <a:effectRef idx="2">
+        <a:scrgbClr r="0" g="0" b="0"/>
+      </a:effectRef>
+      <a:fontRef idx="minor"/>
+    </dgm:style>
+  </dgm:styleLbl>
+  <dgm:styleLbl name="trAlignAcc1">
+    <dgm:scene3d>
+      <a:camera prst="orthographicFront"/>
+      <a:lightRig rig="threePt" dir="t"/>
+    </dgm:scene3d>
+    <dgm:sp3d/>
+    <dgm:txPr/>
+    <dgm:style>
+      <a:lnRef idx="1">
+        <a:scrgbClr r="0" g="0" b="0"/>
+      </a:lnRef>
+      <a:fillRef idx="1">
+        <a:scrgbClr r="0" g="0" b="0"/>
+      </a:fillRef>
+      <a:effectRef idx="0">
+        <a:scrgbClr r="0" g="0" b="0"/>
+      </a:effectRef>
+      <a:fontRef idx="minor"/>
+    </dgm:style>
+  </dgm:styleLbl>
+  <dgm:styleLbl name="bgAcc1">
+    <dgm:scene3d>
+      <a:camera prst="orthographicFront"/>
+      <a:lightRig rig="threePt" dir="t"/>
+    </dgm:scene3d>
+    <dgm:sp3d/>
+    <dgm:txPr/>
+    <dgm:style>
+      <a:lnRef idx="1">
+        <a:scrgbClr r="0" g="0" b="0"/>
+      </a:lnRef>
+      <a:fillRef idx="1">
+        <a:scrgbClr r="0" g="0" b="0"/>
+      </a:fillRef>
+      <a:effectRef idx="2">
+        <a:scrgbClr r="0" g="0" b="0"/>
+      </a:effectRef>
+      <a:fontRef idx="minor"/>
+    </dgm:style>
+  </dgm:styleLbl>
+  <dgm:styleLbl name="solidFgAcc1">
+    <dgm:scene3d>
+      <a:camera prst="orthographicFront"/>
+      <a:lightRig rig="threePt" dir="t"/>
+    </dgm:scene3d>
+    <dgm:sp3d/>
+    <dgm:txPr/>
+    <dgm:style>
+      <a:lnRef idx="1">
+        <a:scrgbClr r="0" g="0" b="0"/>
+      </a:lnRef>
+      <a:fillRef idx="1">
+        <a:scrgbClr r="0" g="0" b="0"/>
+      </a:fillRef>
+      <a:effectRef idx="2">
+        <a:scrgbClr r="0" g="0" b="0"/>
+      </a:effectRef>
+      <a:fontRef idx="minor"/>
+    </dgm:style>
+  </dgm:styleLbl>
+  <dgm:styleLbl name="solidAlignAcc1">
+    <dgm:scene3d>
+      <a:camera prst="orthographicFront"/>
+      <a:lightRig rig="threePt" dir="t"/>
+    </dgm:scene3d>
+    <dgm:sp3d/>
+    <dgm:txPr/>
+    <dgm:style>
+      <a:lnRef idx="1">
+        <a:scrgbClr r="0" g="0" b="0"/>
+      </a:lnRef>
+      <a:fillRef idx="1">
+        <a:scrgbClr r="0" g="0" b="0"/>
+      </a:fillRef>
+      <a:effectRef idx="3">
+        <a:scrgbClr r="0" g="0" b="0"/>
+      </a:effectRef>
+      <a:fontRef idx="minor"/>
+    </dgm:style>
+  </dgm:styleLbl>
+  <dgm:styleLbl name="solidBgAcc1">
+    <dgm:scene3d>
+      <a:camera prst="orthographicFront"/>
+      <a:lightRig rig="threePt" dir="t"/>
+    </dgm:scene3d>
+    <dgm:sp3d/>
+    <dgm:txPr/>
+    <dgm:style>
+      <a:lnRef idx="1">
+        <a:scrgbClr r="0" g="0" b="0"/>
+      </a:lnRef>
+      <a:fillRef idx="1">
+        <a:scrgbClr r="0" g="0" b="0"/>
+      </a:fillRef>
+      <a:effectRef idx="3">
+        <a:scrgbClr r="0" g="0" b="0"/>
+      </a:effectRef>
+      <a:fontRef idx="minor"/>
+    </dgm:style>
+  </dgm:styleLbl>
+  <dgm:styleLbl name="fgAccFollowNode1">
+    <dgm:scene3d>
+      <a:camera prst="orthographicFront"/>
+      <a:lightRig rig="threePt" dir="t"/>
+    </dgm:scene3d>
+    <dgm:sp3d/>
+    <dgm:txPr/>
+    <dgm:style>
+      <a:lnRef idx="1">
+        <a:scrgbClr r="0" g="0" b="0"/>
+      </a:lnRef>
+      <a:fillRef idx="1">
+        <a:scrgbClr r="0" g="0" b="0"/>
+      </a:fillRef>
+      <a:effectRef idx="2">
+        <a:scrgbClr r="0" g="0" b="0"/>
+      </a:effectRef>
+      <a:fontRef idx="minor"/>
+    </dgm:style>
+  </dgm:styleLbl>
+  <dgm:styleLbl name="alignAccFollowNode1">
+    <dgm:scene3d>
+      <a:camera prst="orthographicFront"/>
+      <a:lightRig rig="threePt" dir="t"/>
+    </dgm:scene3d>
+    <dgm:sp3d/>
+    <dgm:txPr/>
+    <dgm:style>
+      <a:lnRef idx="1">
+        <a:scrgbClr r="0" g="0" b="0"/>
+      </a:lnRef>
+      <a:fillRef idx="1">
+        <a:scrgbClr r="0" g="0" b="0"/>
+      </a:fillRef>
+      <a:effectRef idx="2">
+        <a:scrgbClr r="0" g="0" b="0"/>
+      </a:effectRef>
+      <a:fontRef idx="minor"/>
+    </dgm:style>
+  </dgm:styleLbl>
+  <dgm:styleLbl name="bgAccFollowNode1">
+    <dgm:scene3d>
+      <a:camera prst="orthographicFront"/>
+      <a:lightRig rig="threePt" dir="t"/>
+    </dgm:scene3d>
+    <dgm:sp3d/>
+    <dgm:txPr/>
+    <dgm:style>
+      <a:lnRef idx="1">
+        <a:scrgbClr r="0" g="0" b="0"/>
+      </a:lnRef>
+      <a:fillRef idx="1">
+        <a:scrgbClr r="0" g="0" b="0"/>
+      </a:fillRef>
+      <a:effectRef idx="2">
+        <a:scrgbClr r="0" g="0" b="0"/>
+      </a:effectRef>
+      <a:fontRef idx="minor"/>
+    </dgm:style>
+  </dgm:styleLbl>
+  <dgm:styleLbl name="fgAcc0">
+    <dgm:scene3d>
+      <a:camera prst="orthographicFront"/>
+      <a:lightRig rig="threePt" dir="t"/>
+    </dgm:scene3d>
+    <dgm:sp3d/>
+    <dgm:txPr/>
+    <dgm:style>
+      <a:lnRef idx="1">
+        <a:scrgbClr r="0" g="0" b="0"/>
+      </a:lnRef>
+      <a:fillRef idx="1">
+        <a:scrgbClr r="0" g="0" b="0"/>
+      </a:fillRef>
+      <a:effectRef idx="2">
+        <a:scrgbClr r="0" g="0" b="0"/>
+      </a:effectRef>
+      <a:fontRef idx="minor"/>
+    </dgm:style>
+  </dgm:styleLbl>
+  <dgm:styleLbl name="fgAcc2">
+    <dgm:scene3d>
+      <a:camera prst="orthographicFront"/>
+      <a:lightRig rig="threePt" dir="t"/>
+    </dgm:scene3d>
+    <dgm:sp3d/>
+    <dgm:txPr/>
+    <dgm:style>
+      <a:lnRef idx="1">
+        <a:scrgbClr r="0" g="0" b="0"/>
+      </a:lnRef>
+      <a:fillRef idx="1">
+        <a:scrgbClr r="0" g="0" b="0"/>
+      </a:fillRef>
+      <a:effectRef idx="2">
+        <a:scrgbClr r="0" g="0" b="0"/>
+      </a:effectRef>
+      <a:fontRef idx="minor"/>
+    </dgm:style>
+  </dgm:styleLbl>
+  <dgm:styleLbl name="fgAcc3">
+    <dgm:scene3d>
+      <a:camera prst="orthographicFront"/>
+      <a:lightRig rig="threePt" dir="t"/>
+    </dgm:scene3d>
+    <dgm:sp3d/>
+    <dgm:txPr/>
+    <dgm:style>
+      <a:lnRef idx="1">
+        <a:scrgbClr r="0" g="0" b="0"/>
+      </a:lnRef>
+      <a:fillRef idx="1">
+        <a:scrgbClr r="0" g="0" b="0"/>
+      </a:fillRef>
+      <a:effectRef idx="2">
+        <a:scrgbClr r="0" g="0" b="0"/>
+      </a:effectRef>
+      <a:fontRef idx="minor"/>
+    </dgm:style>
+  </dgm:styleLbl>
+  <dgm:styleLbl name="fgAcc4">
+    <dgm:scene3d>
+      <a:camera prst="orthographicFront"/>
+      <a:lightRig rig="threePt" dir="t"/>
+    </dgm:scene3d>
+    <dgm:sp3d/>
+    <dgm:txPr/>
+    <dgm:style>
+      <a:lnRef idx="1">
+        <a:scrgbClr r="0" g="0" b="0"/>
+      </a:lnRef>
+      <a:fillRef idx="1">
+        <a:scrgbClr r="0" g="0" b="0"/>
+      </a:fillRef>
+      <a:effectRef idx="2">
+        <a:scrgbClr r="0" g="0" b="0"/>
+      </a:effectRef>
+      <a:fontRef idx="minor"/>
+    </dgm:style>
+  </dgm:styleLbl>
+  <dgm:styleLbl name="bgShp">
+    <dgm:scene3d>
+      <a:camera prst="orthographicFront"/>
+      <a:lightRig rig="threePt" dir="t"/>
+    </dgm:scene3d>
+    <dgm:sp3d/>
+    <dgm:txPr/>
+    <dgm:style>
+      <a:lnRef idx="0">
+        <a:scrgbClr r="0" g="0" b="0"/>
+      </a:lnRef>
+      <a:fillRef idx="1">
+        <a:scrgbClr r="0" g="0" b="0"/>
+      </a:fillRef>
+      <a:effectRef idx="2">
+        <a:scrgbClr r="0" g="0" b="0"/>
+      </a:effectRef>
+      <a:fontRef idx="minor"/>
+    </dgm:style>
+  </dgm:styleLbl>
+  <dgm:styleLbl name="dkBgShp">
+    <dgm:scene3d>
+      <a:camera prst="orthographicFront"/>
+      <a:lightRig rig="threePt" dir="t"/>
+    </dgm:scene3d>
+    <dgm:sp3d/>
+    <dgm:txPr/>
+    <dgm:style>
+      <a:lnRef idx="0">
+        <a:scrgbClr r="0" g="0" b="0"/>
+      </a:lnRef>
+      <a:fillRef idx="1">
+        <a:scrgbClr r="0" g="0" b="0"/>
+      </a:fillRef>
+      <a:effectRef idx="3">
+        <a:scrgbClr r="0" g="0" b="0"/>
+      </a:effectRef>
+      <a:fontRef idx="minor"/>
+    </dgm:style>
+  </dgm:styleLbl>
+  <dgm:styleLbl name="trBgShp">
+    <dgm:scene3d>
+      <a:camera prst="orthographicFront"/>
+      <a:lightRig rig="threePt" dir="t"/>
+    </dgm:scene3d>
+    <dgm:sp3d/>
+    <dgm:txPr/>
+    <dgm:style>
+      <a:lnRef idx="0">
+        <a:scrgbClr r="0" g="0" b="0"/>
+      </a:lnRef>
+      <a:fillRef idx="1">
+        <a:scrgbClr r="0" g="0" b="0"/>
+      </a:fillRef>
+      <a:effectRef idx="0">
+        <a:scrgbClr r="0" g="0" b="0"/>
+      </a:effectRef>
+      <a:fontRef idx="minor"/>
+    </dgm:style>
+  </dgm:styleLbl>
+  <dgm:styleLbl name="fgShp">
+    <dgm:scene3d>
+      <a:camera prst="orthographicFront"/>
+      <a:lightRig rig="threePt" dir="t"/>
+    </dgm:scene3d>
+    <dgm:sp3d/>
+    <dgm:txPr/>
+    <dgm:style>
+      <a:lnRef idx="0">
+        <a:scrgbClr r="0" g="0" b="0"/>
+      </a:lnRef>
+      <a:fillRef idx="3">
+        <a:scrgbClr r="0" g="0" b="0"/>
+      </a:fillRef>
+      <a:effectRef idx="3">
         <a:scrgbClr r="0" g="0" b="0"/>
       </a:effectRef>
       <a:fontRef idx="minor"/>
@@ -20432,7 +26797,15 @@
             </a:r>
             <a:r>
               <a:rPr lang="en-US" dirty="0"/>
-              <a:t> lets you split a large </a:t>
+              <a:t> Pattern</a:t>
+            </a:r>
+            <a:r>
+              <a:rPr lang="en-US" altLang="zh-CN" dirty="0"/>
+              <a:t> </a:t>
+            </a:r>
+            <a:r>
+              <a:rPr lang="en-US" dirty="0"/>
+              <a:t>lets you split a large </a:t>
             </a:r>
             <a:r>
               <a:rPr lang="en-US" altLang="zh-CN" dirty="0"/>
@@ -20574,6 +26947,806 @@
     <p:extLst>
       <p:ext uri="{BB962C8B-B14F-4D97-AF65-F5344CB8AC3E}">
         <p14:creationId xmlns:p14="http://schemas.microsoft.com/office/powerpoint/2010/main" val="3658433649"/>
+      </p:ext>
+    </p:extLst>
+  </p:cSld>
+  <p:clrMapOvr>
+    <a:masterClrMapping/>
+  </p:clrMapOvr>
+</p:notes>
+</file>
+
+<file path=ppt/notesSlides/notesSlide16.xml><?xml version="1.0" encoding="utf-8"?>
+<p:notes xmlns:a="http://schemas.openxmlformats.org/drawingml/2006/main" xmlns:r="http://schemas.openxmlformats.org/officeDocument/2006/relationships" xmlns:p="http://schemas.openxmlformats.org/presentationml/2006/main">
+  <p:cSld>
+    <p:spTree>
+      <p:nvGrpSpPr>
+        <p:cNvPr id="1" name=""/>
+        <p:cNvGrpSpPr/>
+        <p:nvPr/>
+      </p:nvGrpSpPr>
+      <p:grpSpPr>
+        <a:xfrm>
+          <a:off x="0" y="0"/>
+          <a:ext cx="0" cy="0"/>
+          <a:chOff x="0" y="0"/>
+          <a:chExt cx="0" cy="0"/>
+        </a:xfrm>
+      </p:grpSpPr>
+      <p:sp>
+        <p:nvSpPr>
+          <p:cNvPr id="2" name="Slide Image Placeholder 1"/>
+          <p:cNvSpPr>
+            <a:spLocks noGrp="1" noRot="1" noChangeAspect="1"/>
+          </p:cNvSpPr>
+          <p:nvPr>
+            <p:ph type="sldImg"/>
+          </p:nvPr>
+        </p:nvSpPr>
+        <p:spPr/>
+      </p:sp>
+      <p:sp>
+        <p:nvSpPr>
+          <p:cNvPr id="3" name="Notes Placeholder 2"/>
+          <p:cNvSpPr>
+            <a:spLocks noGrp="1"/>
+          </p:cNvSpPr>
+          <p:nvPr>
+            <p:ph type="body" idx="1"/>
+          </p:nvPr>
+        </p:nvSpPr>
+        <p:spPr/>
+        <p:txBody>
+          <a:bodyPr/>
+          <a:lstStyle/>
+          <a:p>
+            <a:endParaRPr lang="en-US" dirty="0"/>
+          </a:p>
+        </p:txBody>
+      </p:sp>
+      <p:sp>
+        <p:nvSpPr>
+          <p:cNvPr id="4" name="Slide Number Placeholder 3"/>
+          <p:cNvSpPr>
+            <a:spLocks noGrp="1"/>
+          </p:cNvSpPr>
+          <p:nvPr>
+            <p:ph type="sldNum" sz="quarter" idx="5"/>
+          </p:nvPr>
+        </p:nvSpPr>
+        <p:spPr/>
+        <p:txBody>
+          <a:bodyPr/>
+          <a:lstStyle/>
+          <a:p>
+            <a:fld id="{01420855-62A1-43EF-8815-D1313CE67D77}" type="slidenum">
+              <a:rPr lang="en-AU" smtClean="0"/>
+              <a:t>16</a:t>
+            </a:fld>
+            <a:endParaRPr lang="en-AU"/>
+          </a:p>
+        </p:txBody>
+      </p:sp>
+    </p:spTree>
+    <p:extLst>
+      <p:ext uri="{BB962C8B-B14F-4D97-AF65-F5344CB8AC3E}">
+        <p14:creationId xmlns:p14="http://schemas.microsoft.com/office/powerpoint/2010/main" val="2475514084"/>
+      </p:ext>
+    </p:extLst>
+  </p:cSld>
+  <p:clrMapOvr>
+    <a:masterClrMapping/>
+  </p:clrMapOvr>
+</p:notes>
+</file>
+
+<file path=ppt/notesSlides/notesSlide17.xml><?xml version="1.0" encoding="utf-8"?>
+<p:notes xmlns:a="http://schemas.openxmlformats.org/drawingml/2006/main" xmlns:r="http://schemas.openxmlformats.org/officeDocument/2006/relationships" xmlns:p="http://schemas.openxmlformats.org/presentationml/2006/main">
+  <p:cSld>
+    <p:spTree>
+      <p:nvGrpSpPr>
+        <p:cNvPr id="1" name=""/>
+        <p:cNvGrpSpPr/>
+        <p:nvPr/>
+      </p:nvGrpSpPr>
+      <p:grpSpPr>
+        <a:xfrm>
+          <a:off x="0" y="0"/>
+          <a:ext cx="0" cy="0"/>
+          <a:chOff x="0" y="0"/>
+          <a:chExt cx="0" cy="0"/>
+        </a:xfrm>
+      </p:grpSpPr>
+      <p:sp>
+        <p:nvSpPr>
+          <p:cNvPr id="2" name="Slide Image Placeholder 1"/>
+          <p:cNvSpPr>
+            <a:spLocks noGrp="1" noRot="1" noChangeAspect="1"/>
+          </p:cNvSpPr>
+          <p:nvPr>
+            <p:ph type="sldImg"/>
+          </p:nvPr>
+        </p:nvSpPr>
+        <p:spPr/>
+      </p:sp>
+      <p:sp>
+        <p:nvSpPr>
+          <p:cNvPr id="3" name="Notes Placeholder 2"/>
+          <p:cNvSpPr>
+            <a:spLocks noGrp="1"/>
+          </p:cNvSpPr>
+          <p:nvPr>
+            <p:ph type="body" idx="1"/>
+          </p:nvPr>
+        </p:nvSpPr>
+        <p:spPr/>
+        <p:txBody>
+          <a:bodyPr/>
+          <a:lstStyle/>
+          <a:p>
+            <a:r>
+              <a:rPr lang="en-US" b="1" dirty="0"/>
+              <a:t>Decorator</a:t>
+            </a:r>
+            <a:r>
+              <a:rPr lang="en-US" dirty="0"/>
+              <a:t> lets you attach new behaviors to objects by placing these objects inside special wrapper objects.</a:t>
+            </a:r>
+          </a:p>
+          <a:p>
+            <a:endParaRPr lang="en-US" dirty="0"/>
+          </a:p>
+          <a:p>
+            <a:r>
+              <a:rPr lang="en-US" b="0" i="0" dirty="0">
+                <a:solidFill>
+                  <a:srgbClr val="2A2B2E"/>
+                </a:solidFill>
+                <a:effectLst/>
+                <a:latin typeface="Gilroy"/>
+              </a:rPr>
+              <a:t>The extensive nesting has earned this approach the nickname "</a:t>
+            </a:r>
+            <a:r>
+              <a:rPr lang="en-US" b="0" i="0" dirty="0">
+                <a:solidFill>
+                  <a:srgbClr val="F03744"/>
+                </a:solidFill>
+                <a:effectLst/>
+                <a:latin typeface="Gilroy"/>
+              </a:rPr>
+              <a:t>Russian</a:t>
+            </a:r>
+            <a:r>
+              <a:rPr lang="en-US" b="0" i="0" dirty="0">
+                <a:solidFill>
+                  <a:srgbClr val="2A2B2E"/>
+                </a:solidFill>
+                <a:effectLst/>
+                <a:latin typeface="Gilroy"/>
+              </a:rPr>
+              <a:t> </a:t>
+            </a:r>
+            <a:r>
+              <a:rPr lang="en-US" b="0" i="0" dirty="0">
+                <a:solidFill>
+                  <a:srgbClr val="F03744"/>
+                </a:solidFill>
+                <a:effectLst/>
+                <a:latin typeface="Gilroy"/>
+              </a:rPr>
+              <a:t>dolls</a:t>
+            </a:r>
+            <a:r>
+              <a:rPr lang="en-US" b="0" i="0" dirty="0">
+                <a:solidFill>
+                  <a:srgbClr val="2A2B2E"/>
+                </a:solidFill>
+                <a:effectLst/>
+                <a:latin typeface="Gilroy"/>
+              </a:rPr>
+              <a:t>.“</a:t>
+            </a:r>
+          </a:p>
+          <a:p>
+            <a:endParaRPr lang="en-US" dirty="0"/>
+          </a:p>
+          <a:p>
+            <a:r>
+              <a:rPr lang="en-US" dirty="0"/>
+              <a:t>Wearing clothes is an</a:t>
+            </a:r>
+            <a:r>
+              <a:rPr lang="en-US" altLang="zh-CN" dirty="0"/>
+              <a:t>other</a:t>
+            </a:r>
+            <a:r>
+              <a:rPr lang="en-US" dirty="0"/>
+              <a:t> example of using decorators. </a:t>
+            </a:r>
+          </a:p>
+          <a:p>
+            <a:r>
+              <a:rPr lang="en-US" dirty="0"/>
+              <a:t>When you’re cold, you wrap yourself in a sweater. </a:t>
+            </a:r>
+          </a:p>
+          <a:p>
+            <a:r>
+              <a:rPr lang="en-US" dirty="0"/>
+              <a:t>If you’re still cold with a sweater, you can wear a jacket on top. </a:t>
+            </a:r>
+          </a:p>
+          <a:p>
+            <a:r>
+              <a:rPr lang="en-US" dirty="0"/>
+              <a:t>If it’s raining, you can put on a raincoat. </a:t>
+            </a:r>
+          </a:p>
+          <a:p>
+            <a:r>
+              <a:rPr lang="en-US" dirty="0"/>
+              <a:t>All these </a:t>
+            </a:r>
+            <a:r>
+              <a:rPr lang="en-US" b="0" i="0" dirty="0">
+                <a:solidFill>
+                  <a:srgbClr val="333333"/>
+                </a:solidFill>
+                <a:effectLst/>
+                <a:latin typeface="Arial" panose="020B0604020202020204" pitchFamily="34" charset="0"/>
+              </a:rPr>
+              <a:t>clothes</a:t>
+            </a:r>
+            <a:r>
+              <a:rPr lang="en-US" dirty="0"/>
+              <a:t> “extend” your basic behavior but aren’t part of you, and you can easily take off any piece of clothing whenever you don’t need it.</a:t>
+            </a:r>
+          </a:p>
+          <a:p>
+            <a:endParaRPr lang="en-US" dirty="0"/>
+          </a:p>
+        </p:txBody>
+      </p:sp>
+      <p:sp>
+        <p:nvSpPr>
+          <p:cNvPr id="4" name="Slide Number Placeholder 3"/>
+          <p:cNvSpPr>
+            <a:spLocks noGrp="1"/>
+          </p:cNvSpPr>
+          <p:nvPr>
+            <p:ph type="sldNum" sz="quarter" idx="5"/>
+          </p:nvPr>
+        </p:nvSpPr>
+        <p:spPr/>
+        <p:txBody>
+          <a:bodyPr/>
+          <a:lstStyle/>
+          <a:p>
+            <a:fld id="{01420855-62A1-43EF-8815-D1313CE67D77}" type="slidenum">
+              <a:rPr lang="en-AU" smtClean="0"/>
+              <a:t>17</a:t>
+            </a:fld>
+            <a:endParaRPr lang="en-AU"/>
+          </a:p>
+        </p:txBody>
+      </p:sp>
+    </p:spTree>
+    <p:extLst>
+      <p:ext uri="{BB962C8B-B14F-4D97-AF65-F5344CB8AC3E}">
+        <p14:creationId xmlns:p14="http://schemas.microsoft.com/office/powerpoint/2010/main" val="2816222176"/>
+      </p:ext>
+    </p:extLst>
+  </p:cSld>
+  <p:clrMapOvr>
+    <a:masterClrMapping/>
+  </p:clrMapOvr>
+</p:notes>
+</file>
+
+<file path=ppt/notesSlides/notesSlide18.xml><?xml version="1.0" encoding="utf-8"?>
+<p:notes xmlns:a="http://schemas.openxmlformats.org/drawingml/2006/main" xmlns:r="http://schemas.openxmlformats.org/officeDocument/2006/relationships" xmlns:p="http://schemas.openxmlformats.org/presentationml/2006/main">
+  <p:cSld>
+    <p:spTree>
+      <p:nvGrpSpPr>
+        <p:cNvPr id="1" name=""/>
+        <p:cNvGrpSpPr/>
+        <p:nvPr/>
+      </p:nvGrpSpPr>
+      <p:grpSpPr>
+        <a:xfrm>
+          <a:off x="0" y="0"/>
+          <a:ext cx="0" cy="0"/>
+          <a:chOff x="0" y="0"/>
+          <a:chExt cx="0" cy="0"/>
+        </a:xfrm>
+      </p:grpSpPr>
+      <p:sp>
+        <p:nvSpPr>
+          <p:cNvPr id="2" name="Slide Image Placeholder 1"/>
+          <p:cNvSpPr>
+            <a:spLocks noGrp="1" noRot="1" noChangeAspect="1"/>
+          </p:cNvSpPr>
+          <p:nvPr>
+            <p:ph type="sldImg"/>
+          </p:nvPr>
+        </p:nvSpPr>
+        <p:spPr/>
+      </p:sp>
+      <p:sp>
+        <p:nvSpPr>
+          <p:cNvPr id="3" name="Notes Placeholder 2"/>
+          <p:cNvSpPr>
+            <a:spLocks noGrp="1"/>
+          </p:cNvSpPr>
+          <p:nvPr>
+            <p:ph type="body" idx="1"/>
+          </p:nvPr>
+        </p:nvSpPr>
+        <p:spPr/>
+        <p:txBody>
+          <a:bodyPr/>
+          <a:lstStyle/>
+          <a:p>
+            <a:pPr marL="0" marR="0" lvl="0" indent="0" algn="l" defTabSz="914400" rtl="0" eaLnBrk="1" fontAlgn="auto" latinLnBrk="0" hangingPunct="1">
+              <a:lnSpc>
+                <a:spcPct val="100000"/>
+              </a:lnSpc>
+              <a:spcBef>
+                <a:spcPts val="0"/>
+              </a:spcBef>
+              <a:spcAft>
+                <a:spcPts val="0"/>
+              </a:spcAft>
+              <a:buClrTx/>
+              <a:buSzTx/>
+              <a:buFontTx/>
+              <a:buNone/>
+              <a:tabLst/>
+              <a:defRPr/>
+            </a:pPr>
+            <a:r>
+              <a:rPr lang="en-US" sz="4400" dirty="0"/>
+              <a:t>The </a:t>
+            </a:r>
+            <a:r>
+              <a:rPr lang="en-US" sz="4400" b="1" dirty="0"/>
+              <a:t>Component</a:t>
+            </a:r>
+            <a:r>
+              <a:rPr lang="en-US" sz="4400" dirty="0"/>
+              <a:t> declares </a:t>
+            </a:r>
+            <a:r>
+              <a:rPr lang="en-US" sz="1800" dirty="0">
+                <a:solidFill>
+                  <a:srgbClr val="008000"/>
+                </a:solidFill>
+                <a:latin typeface="Cascadia Mono" panose="020B0609020000020004" pitchFamily="49" charset="0"/>
+              </a:rPr>
+              <a:t>defines operations that can be altered by decorators.</a:t>
+            </a:r>
+            <a:endParaRPr lang="en-US" sz="4400" dirty="0"/>
+          </a:p>
+          <a:p>
+            <a:pPr marL="0" marR="0" lvl="0" indent="0" algn="l" defTabSz="914400" rtl="0" eaLnBrk="1" fontAlgn="auto" latinLnBrk="0" hangingPunct="1">
+              <a:lnSpc>
+                <a:spcPct val="100000"/>
+              </a:lnSpc>
+              <a:spcBef>
+                <a:spcPts val="0"/>
+              </a:spcBef>
+              <a:spcAft>
+                <a:spcPts val="0"/>
+              </a:spcAft>
+              <a:buClrTx/>
+              <a:buSzTx/>
+              <a:buFontTx/>
+              <a:buNone/>
+              <a:tabLst/>
+              <a:defRPr/>
+            </a:pPr>
+            <a:r>
+              <a:rPr lang="en-US" sz="4400" dirty="0"/>
+              <a:t>I</a:t>
+            </a:r>
+            <a:r>
+              <a:rPr lang="en-US" altLang="zh-CN" sz="4400" dirty="0"/>
+              <a:t>t’s </a:t>
+            </a:r>
+            <a:r>
+              <a:rPr lang="en-US" sz="4400" dirty="0"/>
+              <a:t>the common interface for both wrappers and wrapped objects.</a:t>
+            </a:r>
+          </a:p>
+          <a:p>
+            <a:pPr marL="0" marR="0" lvl="0" indent="0" algn="l" defTabSz="914400" rtl="0" eaLnBrk="1" fontAlgn="auto" latinLnBrk="0" hangingPunct="1">
+              <a:lnSpc>
+                <a:spcPct val="100000"/>
+              </a:lnSpc>
+              <a:spcBef>
+                <a:spcPts val="0"/>
+              </a:spcBef>
+              <a:spcAft>
+                <a:spcPts val="0"/>
+              </a:spcAft>
+              <a:buClrTx/>
+              <a:buSzTx/>
+              <a:buFontTx/>
+              <a:buNone/>
+              <a:tabLst/>
+              <a:defRPr/>
+            </a:pPr>
+            <a:endParaRPr lang="en-US" sz="3200" b="1" dirty="0"/>
+          </a:p>
+          <a:p>
+            <a:pPr marL="0" marR="0" lvl="0" indent="0" algn="l" defTabSz="914400" rtl="0" eaLnBrk="1" fontAlgn="auto" latinLnBrk="0" hangingPunct="1">
+              <a:lnSpc>
+                <a:spcPct val="100000"/>
+              </a:lnSpc>
+              <a:spcBef>
+                <a:spcPts val="0"/>
+              </a:spcBef>
+              <a:spcAft>
+                <a:spcPts val="0"/>
+              </a:spcAft>
+              <a:buClrTx/>
+              <a:buSzTx/>
+              <a:buFontTx/>
+              <a:buNone/>
+              <a:tabLst/>
+              <a:defRPr/>
+            </a:pPr>
+            <a:r>
+              <a:rPr lang="en-US" sz="3200" b="1" dirty="0"/>
+              <a:t>Concrete Component</a:t>
+            </a:r>
+            <a:r>
+              <a:rPr lang="en-US" sz="3200" dirty="0"/>
+              <a:t> is a class of objects being wrapped. </a:t>
+            </a:r>
+            <a:r>
+              <a:rPr lang="en-US" sz="1800" dirty="0"/>
+              <a:t>It defines </a:t>
+            </a:r>
+            <a:r>
+              <a:rPr lang="en-US" sz="1800" dirty="0">
+                <a:solidFill>
+                  <a:srgbClr val="008000"/>
+                </a:solidFill>
+                <a:latin typeface="Cascadia Mono" panose="020B0609020000020004" pitchFamily="49" charset="0"/>
+              </a:rPr>
+              <a:t>default implementations of the operations.</a:t>
+            </a:r>
+            <a:endParaRPr lang="en-US" sz="3200" dirty="0"/>
+          </a:p>
+          <a:p>
+            <a:pPr marL="0" marR="0" lvl="0" indent="0" algn="l" defTabSz="914400" rtl="0" eaLnBrk="1" fontAlgn="auto" latinLnBrk="0" hangingPunct="1">
+              <a:lnSpc>
+                <a:spcPct val="100000"/>
+              </a:lnSpc>
+              <a:spcBef>
+                <a:spcPts val="0"/>
+              </a:spcBef>
+              <a:spcAft>
+                <a:spcPts val="0"/>
+              </a:spcAft>
+              <a:buClrTx/>
+              <a:buSzTx/>
+              <a:buFontTx/>
+              <a:buNone/>
+              <a:tabLst/>
+              <a:defRPr/>
+            </a:pPr>
+            <a:endParaRPr lang="en-US" sz="4400" dirty="0"/>
+          </a:p>
+          <a:p>
+            <a:pPr marL="0" marR="0" lvl="0" indent="0" algn="l" defTabSz="914400" rtl="0" eaLnBrk="1" fontAlgn="auto" latinLnBrk="0" hangingPunct="1">
+              <a:lnSpc>
+                <a:spcPct val="100000"/>
+              </a:lnSpc>
+              <a:spcBef>
+                <a:spcPts val="0"/>
+              </a:spcBef>
+              <a:spcAft>
+                <a:spcPts val="0"/>
+              </a:spcAft>
+              <a:buClrTx/>
+              <a:buSzTx/>
+              <a:buFontTx/>
+              <a:buNone/>
+              <a:tabLst/>
+              <a:defRPr/>
+            </a:pPr>
+            <a:r>
+              <a:rPr lang="en-US" sz="4400" dirty="0"/>
+              <a:t>The </a:t>
+            </a:r>
+            <a:r>
+              <a:rPr lang="en-US" sz="4400" b="1" dirty="0"/>
+              <a:t>Base Decorator</a:t>
+            </a:r>
+            <a:r>
+              <a:rPr lang="en-US" sz="4400" dirty="0"/>
+              <a:t> class has a field for referencing a wrapped object. </a:t>
+            </a:r>
+          </a:p>
+          <a:p>
+            <a:pPr marL="0" marR="0" lvl="0" indent="0" algn="l" defTabSz="914400" rtl="0" eaLnBrk="1" fontAlgn="auto" latinLnBrk="0" hangingPunct="1">
+              <a:lnSpc>
+                <a:spcPct val="100000"/>
+              </a:lnSpc>
+              <a:spcBef>
+                <a:spcPts val="0"/>
+              </a:spcBef>
+              <a:spcAft>
+                <a:spcPts val="0"/>
+              </a:spcAft>
+              <a:buClrTx/>
+              <a:buSzTx/>
+              <a:buFontTx/>
+              <a:buNone/>
+              <a:tabLst/>
+              <a:defRPr/>
+            </a:pPr>
+            <a:r>
+              <a:rPr lang="en-US" sz="4400" dirty="0"/>
+              <a:t>The </a:t>
+            </a:r>
+            <a:r>
+              <a:rPr lang="en-US" sz="4400" b="1" dirty="0"/>
+              <a:t>Base Decorator</a:t>
+            </a:r>
+            <a:r>
+              <a:rPr lang="en-US" sz="4400" dirty="0"/>
+              <a:t> delegates all operations to the wrapped object.</a:t>
+            </a:r>
+          </a:p>
+          <a:p>
+            <a:pPr marL="0" marR="0" lvl="0" indent="0" algn="l" defTabSz="914400" rtl="0" eaLnBrk="1" fontAlgn="auto" latinLnBrk="0" hangingPunct="1">
+              <a:lnSpc>
+                <a:spcPct val="100000"/>
+              </a:lnSpc>
+              <a:spcBef>
+                <a:spcPts val="0"/>
+              </a:spcBef>
+              <a:spcAft>
+                <a:spcPts val="0"/>
+              </a:spcAft>
+              <a:buClrTx/>
+              <a:buSzTx/>
+              <a:buFontTx/>
+              <a:buNone/>
+              <a:tabLst/>
+              <a:defRPr/>
+            </a:pPr>
+            <a:r>
+              <a:rPr lang="en-US" sz="3200"/>
+              <a:t>The field’s type should be declared as the component interface so it can contain both concrete components and decorators. </a:t>
+            </a:r>
+            <a:endParaRPr lang="en-US" sz="3200" dirty="0"/>
+          </a:p>
+          <a:p>
+            <a:pPr marL="0" marR="0" lvl="0" indent="0" algn="l" defTabSz="914400" rtl="0" eaLnBrk="1" fontAlgn="auto" latinLnBrk="0" hangingPunct="1">
+              <a:lnSpc>
+                <a:spcPct val="100000"/>
+              </a:lnSpc>
+              <a:spcBef>
+                <a:spcPts val="0"/>
+              </a:spcBef>
+              <a:spcAft>
+                <a:spcPts val="0"/>
+              </a:spcAft>
+              <a:buClrTx/>
+              <a:buSzTx/>
+              <a:buFontTx/>
+              <a:buNone/>
+              <a:tabLst/>
+              <a:defRPr/>
+            </a:pPr>
+            <a:endParaRPr lang="en-US" sz="3200" dirty="0"/>
+          </a:p>
+          <a:p>
+            <a:pPr marL="0" marR="0" lvl="0" indent="0" algn="l" defTabSz="914400" rtl="0" eaLnBrk="1" fontAlgn="auto" latinLnBrk="0" hangingPunct="1">
+              <a:lnSpc>
+                <a:spcPct val="100000"/>
+              </a:lnSpc>
+              <a:spcBef>
+                <a:spcPts val="0"/>
+              </a:spcBef>
+              <a:spcAft>
+                <a:spcPts val="0"/>
+              </a:spcAft>
+              <a:buClrTx/>
+              <a:buSzTx/>
+              <a:buFontTx/>
+              <a:buNone/>
+              <a:tabLst/>
+              <a:defRPr/>
+            </a:pPr>
+            <a:r>
+              <a:rPr lang="en-US" sz="3200" b="1" dirty="0"/>
+              <a:t>Concrete Decorators</a:t>
+            </a:r>
+            <a:r>
+              <a:rPr lang="en-US" sz="3200" dirty="0"/>
+              <a:t> define extra behaviors that can be added to components dynamically. </a:t>
+            </a:r>
+          </a:p>
+          <a:p>
+            <a:pPr marL="0" marR="0" lvl="0" indent="0" algn="l" defTabSz="914400" rtl="0" eaLnBrk="1" fontAlgn="auto" latinLnBrk="0" hangingPunct="1">
+              <a:lnSpc>
+                <a:spcPct val="100000"/>
+              </a:lnSpc>
+              <a:spcBef>
+                <a:spcPts val="0"/>
+              </a:spcBef>
+              <a:spcAft>
+                <a:spcPts val="0"/>
+              </a:spcAft>
+              <a:buClrTx/>
+              <a:buSzTx/>
+              <a:buFontTx/>
+              <a:buNone/>
+              <a:tabLst/>
+              <a:defRPr/>
+            </a:pPr>
+            <a:r>
+              <a:rPr lang="en-US" sz="3200" b="1" kern="1200" dirty="0">
+                <a:solidFill>
+                  <a:schemeClr val="tx1"/>
+                </a:solidFill>
+                <a:latin typeface="+mn-lt"/>
+                <a:ea typeface="+mn-ea"/>
+                <a:cs typeface="+mn-cs"/>
+              </a:rPr>
+              <a:t>Concrete </a:t>
+            </a:r>
+            <a:r>
+              <a:rPr lang="en-US" sz="3200" b="1" dirty="0"/>
+              <a:t>Decorators</a:t>
+            </a:r>
+            <a:r>
+              <a:rPr lang="en-US" sz="3200" b="1" kern="1200" dirty="0">
+                <a:solidFill>
+                  <a:schemeClr val="tx1"/>
+                </a:solidFill>
+                <a:latin typeface="+mn-lt"/>
+                <a:ea typeface="+mn-ea"/>
+                <a:cs typeface="+mn-cs"/>
+              </a:rPr>
+              <a:t> </a:t>
+            </a:r>
+            <a:r>
+              <a:rPr lang="en-US" sz="3200" dirty="0"/>
+              <a:t>override methods of the base decorator and execute their behavior either before or after calling the parent method.</a:t>
+            </a:r>
+            <a:endParaRPr lang="en-US" sz="2000" dirty="0">
+              <a:solidFill>
+                <a:srgbClr val="000000"/>
+              </a:solidFill>
+              <a:latin typeface="Cascadia Mono" panose="020B0609020000020004" pitchFamily="49" charset="0"/>
+            </a:endParaRPr>
+          </a:p>
+          <a:p>
+            <a:endParaRPr lang="en-US" sz="3200" dirty="0"/>
+          </a:p>
+          <a:p>
+            <a:endParaRPr lang="en-US" dirty="0"/>
+          </a:p>
+        </p:txBody>
+      </p:sp>
+      <p:sp>
+        <p:nvSpPr>
+          <p:cNvPr id="4" name="Slide Number Placeholder 3"/>
+          <p:cNvSpPr>
+            <a:spLocks noGrp="1"/>
+          </p:cNvSpPr>
+          <p:nvPr>
+            <p:ph type="sldNum" sz="quarter" idx="5"/>
+          </p:nvPr>
+        </p:nvSpPr>
+        <p:spPr/>
+        <p:txBody>
+          <a:bodyPr/>
+          <a:lstStyle/>
+          <a:p>
+            <a:fld id="{01420855-62A1-43EF-8815-D1313CE67D77}" type="slidenum">
+              <a:rPr lang="en-AU" smtClean="0"/>
+              <a:t>18</a:t>
+            </a:fld>
+            <a:endParaRPr lang="en-AU"/>
+          </a:p>
+        </p:txBody>
+      </p:sp>
+    </p:spTree>
+    <p:extLst>
+      <p:ext uri="{BB962C8B-B14F-4D97-AF65-F5344CB8AC3E}">
+        <p14:creationId xmlns:p14="http://schemas.microsoft.com/office/powerpoint/2010/main" val="2989530624"/>
+      </p:ext>
+    </p:extLst>
+  </p:cSld>
+  <p:clrMapOvr>
+    <a:masterClrMapping/>
+  </p:clrMapOvr>
+</p:notes>
+</file>
+
+<file path=ppt/notesSlides/notesSlide19.xml><?xml version="1.0" encoding="utf-8"?>
+<p:notes xmlns:a="http://schemas.openxmlformats.org/drawingml/2006/main" xmlns:r="http://schemas.openxmlformats.org/officeDocument/2006/relationships" xmlns:p="http://schemas.openxmlformats.org/presentationml/2006/main">
+  <p:cSld>
+    <p:spTree>
+      <p:nvGrpSpPr>
+        <p:cNvPr id="1" name=""/>
+        <p:cNvGrpSpPr/>
+        <p:nvPr/>
+      </p:nvGrpSpPr>
+      <p:grpSpPr>
+        <a:xfrm>
+          <a:off x="0" y="0"/>
+          <a:ext cx="0" cy="0"/>
+          <a:chOff x="0" y="0"/>
+          <a:chExt cx="0" cy="0"/>
+        </a:xfrm>
+      </p:grpSpPr>
+      <p:sp>
+        <p:nvSpPr>
+          <p:cNvPr id="2" name="Slide Image Placeholder 1"/>
+          <p:cNvSpPr>
+            <a:spLocks noGrp="1" noRot="1" noChangeAspect="1"/>
+          </p:cNvSpPr>
+          <p:nvPr>
+            <p:ph type="sldImg"/>
+          </p:nvPr>
+        </p:nvSpPr>
+        <p:spPr/>
+      </p:sp>
+      <p:sp>
+        <p:nvSpPr>
+          <p:cNvPr id="3" name="Notes Placeholder 2"/>
+          <p:cNvSpPr>
+            <a:spLocks noGrp="1"/>
+          </p:cNvSpPr>
+          <p:nvPr>
+            <p:ph type="body" idx="1"/>
+          </p:nvPr>
+        </p:nvSpPr>
+        <p:spPr/>
+        <p:txBody>
+          <a:bodyPr/>
+          <a:lstStyle/>
+          <a:p>
+            <a:endParaRPr lang="en-US" dirty="0"/>
+          </a:p>
+        </p:txBody>
+      </p:sp>
+      <p:sp>
+        <p:nvSpPr>
+          <p:cNvPr id="4" name="Slide Number Placeholder 3"/>
+          <p:cNvSpPr>
+            <a:spLocks noGrp="1"/>
+          </p:cNvSpPr>
+          <p:nvPr>
+            <p:ph type="sldNum" sz="quarter" idx="5"/>
+          </p:nvPr>
+        </p:nvSpPr>
+        <p:spPr/>
+        <p:txBody>
+          <a:bodyPr/>
+          <a:lstStyle/>
+          <a:p>
+            <a:fld id="{3960260C-8853-4159-8854-5A6834041865}" type="slidenum">
+              <a:rPr lang="en-US" smtClean="0"/>
+              <a:t>19</a:t>
+            </a:fld>
+            <a:endParaRPr lang="en-US"/>
+          </a:p>
+        </p:txBody>
+      </p:sp>
+    </p:spTree>
+    <p:extLst>
+      <p:ext uri="{BB962C8B-B14F-4D97-AF65-F5344CB8AC3E}">
+        <p14:creationId xmlns:p14="http://schemas.microsoft.com/office/powerpoint/2010/main" val="2268168259"/>
       </p:ext>
     </p:extLst>
   </p:cSld>
@@ -24254,6 +31427,204 @@
 </p:sldLayout>
 </file>
 
+<file path=ppt/slideLayouts/slideLayout6.xml><?xml version="1.0" encoding="utf-8"?>
+<p:sldLayout xmlns:a="http://schemas.openxmlformats.org/drawingml/2006/main" xmlns:r="http://schemas.openxmlformats.org/officeDocument/2006/relationships" xmlns:p="http://schemas.openxmlformats.org/presentationml/2006/main" type="obj">
+  <p:cSld name="Title and Content">
+    <p:spTree>
+      <p:nvGrpSpPr>
+        <p:cNvPr id="1" name=""/>
+        <p:cNvGrpSpPr/>
+        <p:nvPr/>
+      </p:nvGrpSpPr>
+      <p:grpSpPr>
+        <a:xfrm>
+          <a:off x="0" y="0"/>
+          <a:ext cx="0" cy="0"/>
+          <a:chOff x="0" y="0"/>
+          <a:chExt cx="0" cy="0"/>
+        </a:xfrm>
+      </p:grpSpPr>
+      <p:sp>
+        <p:nvSpPr>
+          <p:cNvPr id="2" name="Title 1">
+            <a:extLst>
+              <a:ext uri="{FF2B5EF4-FFF2-40B4-BE49-F238E27FC236}">
+                <a16:creationId xmlns:a16="http://schemas.microsoft.com/office/drawing/2014/main" id="{D5849B29-513F-7902-8DA9-7B97F653A6B0}"/>
+              </a:ext>
+            </a:extLst>
+          </p:cNvPr>
+          <p:cNvSpPr>
+            <a:spLocks noGrp="1"/>
+          </p:cNvSpPr>
+          <p:nvPr>
+            <p:ph type="title"/>
+          </p:nvPr>
+        </p:nvSpPr>
+        <p:spPr/>
+        <p:txBody>
+          <a:bodyPr/>
+          <a:lstStyle/>
+          <a:p>
+            <a:r>
+              <a:rPr lang="en-US"/>
+              <a:t>Click to edit Master title style</a:t>
+            </a:r>
+          </a:p>
+        </p:txBody>
+      </p:sp>
+      <p:sp>
+        <p:nvSpPr>
+          <p:cNvPr id="3" name="Content Placeholder 2">
+            <a:extLst>
+              <a:ext uri="{FF2B5EF4-FFF2-40B4-BE49-F238E27FC236}">
+                <a16:creationId xmlns:a16="http://schemas.microsoft.com/office/drawing/2014/main" id="{12E329BE-C780-60A8-3CB2-41ACB40D9E86}"/>
+              </a:ext>
+            </a:extLst>
+          </p:cNvPr>
+          <p:cNvSpPr>
+            <a:spLocks noGrp="1"/>
+          </p:cNvSpPr>
+          <p:nvPr>
+            <p:ph idx="1"/>
+          </p:nvPr>
+        </p:nvSpPr>
+        <p:spPr/>
+        <p:txBody>
+          <a:bodyPr/>
+          <a:lstStyle/>
+          <a:p>
+            <a:pPr lvl="0"/>
+            <a:r>
+              <a:rPr lang="en-US"/>
+              <a:t>Click to edit Master text styles</a:t>
+            </a:r>
+          </a:p>
+          <a:p>
+            <a:pPr lvl="1"/>
+            <a:r>
+              <a:rPr lang="en-US"/>
+              <a:t>Second level</a:t>
+            </a:r>
+          </a:p>
+          <a:p>
+            <a:pPr lvl="2"/>
+            <a:r>
+              <a:rPr lang="en-US"/>
+              <a:t>Third level</a:t>
+            </a:r>
+          </a:p>
+          <a:p>
+            <a:pPr lvl="3"/>
+            <a:r>
+              <a:rPr lang="en-US"/>
+              <a:t>Fourth level</a:t>
+            </a:r>
+          </a:p>
+          <a:p>
+            <a:pPr lvl="4"/>
+            <a:r>
+              <a:rPr lang="en-US"/>
+              <a:t>Fifth level</a:t>
+            </a:r>
+          </a:p>
+        </p:txBody>
+      </p:sp>
+      <p:sp>
+        <p:nvSpPr>
+          <p:cNvPr id="4" name="Date Placeholder 3">
+            <a:extLst>
+              <a:ext uri="{FF2B5EF4-FFF2-40B4-BE49-F238E27FC236}">
+                <a16:creationId xmlns:a16="http://schemas.microsoft.com/office/drawing/2014/main" id="{CAD0B20B-BBC1-7583-F3CB-24C4160C6458}"/>
+              </a:ext>
+            </a:extLst>
+          </p:cNvPr>
+          <p:cNvSpPr>
+            <a:spLocks noGrp="1"/>
+          </p:cNvSpPr>
+          <p:nvPr>
+            <p:ph type="dt" sz="half" idx="10"/>
+          </p:nvPr>
+        </p:nvSpPr>
+        <p:spPr/>
+        <p:txBody>
+          <a:bodyPr/>
+          <a:lstStyle/>
+          <a:p>
+            <a:fld id="{822760BF-B81F-4B4F-BD54-723812BEFC93}" type="datetimeFigureOut">
+              <a:rPr lang="en-US" smtClean="0"/>
+              <a:t>19-Mar-2023</a:t>
+            </a:fld>
+            <a:endParaRPr lang="en-US"/>
+          </a:p>
+        </p:txBody>
+      </p:sp>
+      <p:sp>
+        <p:nvSpPr>
+          <p:cNvPr id="5" name="Footer Placeholder 4">
+            <a:extLst>
+              <a:ext uri="{FF2B5EF4-FFF2-40B4-BE49-F238E27FC236}">
+                <a16:creationId xmlns:a16="http://schemas.microsoft.com/office/drawing/2014/main" id="{2A757857-6019-8A6F-DA40-93B6746E9C4E}"/>
+              </a:ext>
+            </a:extLst>
+          </p:cNvPr>
+          <p:cNvSpPr>
+            <a:spLocks noGrp="1"/>
+          </p:cNvSpPr>
+          <p:nvPr>
+            <p:ph type="ftr" sz="quarter" idx="11"/>
+          </p:nvPr>
+        </p:nvSpPr>
+        <p:spPr/>
+        <p:txBody>
+          <a:bodyPr/>
+          <a:lstStyle/>
+          <a:p>
+            <a:endParaRPr lang="en-US"/>
+          </a:p>
+        </p:txBody>
+      </p:sp>
+      <p:sp>
+        <p:nvSpPr>
+          <p:cNvPr id="6" name="Slide Number Placeholder 5">
+            <a:extLst>
+              <a:ext uri="{FF2B5EF4-FFF2-40B4-BE49-F238E27FC236}">
+                <a16:creationId xmlns:a16="http://schemas.microsoft.com/office/drawing/2014/main" id="{00E44A17-9378-FCC0-5D5B-08A5C3666E0D}"/>
+              </a:ext>
+            </a:extLst>
+          </p:cNvPr>
+          <p:cNvSpPr>
+            <a:spLocks noGrp="1"/>
+          </p:cNvSpPr>
+          <p:nvPr>
+            <p:ph type="sldNum" sz="quarter" idx="12"/>
+          </p:nvPr>
+        </p:nvSpPr>
+        <p:spPr/>
+        <p:txBody>
+          <a:bodyPr/>
+          <a:lstStyle/>
+          <a:p>
+            <a:fld id="{71DC34FD-07AB-43C3-B030-C9D5E96175AD}" type="slidenum">
+              <a:rPr lang="en-US" smtClean="0"/>
+              <a:t>‹#›</a:t>
+            </a:fld>
+            <a:endParaRPr lang="en-US"/>
+          </a:p>
+        </p:txBody>
+      </p:sp>
+    </p:spTree>
+    <p:extLst>
+      <p:ext uri="{BB962C8B-B14F-4D97-AF65-F5344CB8AC3E}">
+        <p14:creationId xmlns:p14="http://schemas.microsoft.com/office/powerpoint/2010/main" val="1218242265"/>
+      </p:ext>
+    </p:extLst>
+  </p:cSld>
+  <p:clrMapOvr>
+    <a:masterClrMapping/>
+  </p:clrMapOvr>
+</p:sldLayout>
+</file>
+
 <file path=ppt/slideMasters/slideMaster1.xml><?xml version="1.0" encoding="utf-8"?>
 <p:sldMaster xmlns:a="http://schemas.openxmlformats.org/drawingml/2006/main" xmlns:r="http://schemas.openxmlformats.org/officeDocument/2006/relationships" xmlns:p="http://schemas.openxmlformats.org/presentationml/2006/main">
   <p:cSld>
@@ -24291,13 +31662,13 @@
           <p:nvPr userDrawn="1"/>
         </p:nvPicPr>
         <p:blipFill rotWithShape="1">
-          <a:blip r:embed="rId7" cstate="print">
+          <a:blip r:embed="rId8" cstate="print">
             <a:extLst>
               <a:ext uri="{28A0092B-C50C-407E-A947-70E740481C1C}">
                 <a14:useLocalDpi xmlns:a14="http://schemas.microsoft.com/office/drawing/2010/main" val="0"/>
               </a:ext>
               <a:ext uri="{96DAC541-7B7A-43D3-8B79-37D633B846F1}">
-                <asvg:svgBlip xmlns:asvg="http://schemas.microsoft.com/office/drawing/2016/SVG/main" r:embed="rId8"/>
+                <asvg:svgBlip xmlns:asvg="http://schemas.microsoft.com/office/drawing/2016/SVG/main" r:embed="rId9"/>
               </a:ext>
             </a:extLst>
           </a:blip>
@@ -24520,6 +31891,7 @@
     <p:sldLayoutId id="2147483657" r:id="rId3"/>
     <p:sldLayoutId id="2147483669" r:id="rId4"/>
     <p:sldLayoutId id="2147483658" r:id="rId5"/>
+    <p:sldLayoutId id="2147483697" r:id="rId6"/>
   </p:sldLayoutIdLst>
   <p:hf hdr="0" dt="0"/>
   <p:txStyles>
@@ -25046,8 +32418,12 @@
           <a:lstStyle/>
           <a:p>
             <a:r>
-              <a:rPr lang="en-AU"/>
-              <a:t>© 2020 CargoWise</a:t>
+              <a:rPr lang="en-AU" dirty="0"/>
+              <a:t>© 2023 </a:t>
+            </a:r>
+            <a:r>
+              <a:rPr lang="en-AU" dirty="0" err="1"/>
+              <a:t>CargoWise</a:t>
             </a:r>
             <a:endParaRPr lang="en-AU" dirty="0"/>
           </a:p>
@@ -25201,8 +32577,12 @@
           <a:lstStyle/>
           <a:p>
             <a:r>
-              <a:rPr lang="en-AU"/>
-              <a:t>© 2020 CargoWise</a:t>
+              <a:rPr lang="en-AU" dirty="0"/>
+              <a:t>© 2023 </a:t>
+            </a:r>
+            <a:r>
+              <a:rPr lang="en-AU" dirty="0" err="1"/>
+              <a:t>CargoWise</a:t>
             </a:r>
             <a:endParaRPr lang="en-AU" dirty="0"/>
           </a:p>
@@ -25392,8 +32772,12 @@
           <a:lstStyle/>
           <a:p>
             <a:r>
-              <a:rPr lang="en-AU"/>
-              <a:t>© 2020 CargoWise</a:t>
+              <a:rPr lang="en-AU" dirty="0"/>
+              <a:t>© 2023 </a:t>
+            </a:r>
+            <a:r>
+              <a:rPr lang="en-AU" dirty="0" err="1"/>
+              <a:t>CargoWise</a:t>
             </a:r>
             <a:endParaRPr lang="en-AU" dirty="0"/>
           </a:p>
@@ -25549,8 +32933,12 @@
           <a:lstStyle/>
           <a:p>
             <a:r>
-              <a:rPr lang="en-AU"/>
-              <a:t>© 2020 CargoWise</a:t>
+              <a:rPr lang="en-AU" dirty="0"/>
+              <a:t>© 2023 </a:t>
+            </a:r>
+            <a:r>
+              <a:rPr lang="en-AU" dirty="0" err="1"/>
+              <a:t>CargoWise</a:t>
             </a:r>
             <a:endParaRPr lang="en-AU" dirty="0"/>
           </a:p>
@@ -25807,8 +33195,12 @@
           <a:lstStyle/>
           <a:p>
             <a:r>
-              <a:rPr lang="en-AU"/>
-              <a:t>© 2020 CargoWise</a:t>
+              <a:rPr lang="en-AU" dirty="0"/>
+              <a:t>© 2023 </a:t>
+            </a:r>
+            <a:r>
+              <a:rPr lang="en-AU" dirty="0" err="1"/>
+              <a:t>CargoWise</a:t>
             </a:r>
             <a:endParaRPr lang="en-AU" dirty="0"/>
           </a:p>
@@ -26020,8 +33412,12 @@
           <a:lstStyle/>
           <a:p>
             <a:r>
-              <a:rPr lang="en-AU"/>
-              <a:t>© 2020 CargoWise</a:t>
+              <a:rPr lang="en-AU" dirty="0"/>
+              <a:t>© 2023 </a:t>
+            </a:r>
+            <a:r>
+              <a:rPr lang="en-AU" dirty="0" err="1"/>
+              <a:t>CargoWise</a:t>
             </a:r>
             <a:endParaRPr lang="en-AU" dirty="0"/>
           </a:p>
@@ -26119,8 +33515,8 @@
         </p:blipFill>
         <p:spPr>
           <a:xfrm>
-            <a:off x="10210218" y="2312628"/>
-            <a:ext cx="13396884" cy="9090743"/>
+            <a:off x="10319794" y="1961456"/>
+            <a:ext cx="12097344" cy="8208912"/>
           </a:xfrm>
           <a:prstGeom prst="rect">
             <a:avLst/>
@@ -26154,13 +33550,13 @@
           <p:nvPr>
             <p:extLst>
               <p:ext uri="{D42A27DB-BD31-4B8C-83A1-F6EECF244321}">
-                <p14:modId xmlns:p14="http://schemas.microsoft.com/office/powerpoint/2010/main" val="3691249488"/>
+                <p14:modId xmlns:p14="http://schemas.microsoft.com/office/powerpoint/2010/main" val="2241243687"/>
               </p:ext>
             </p:extLst>
           </p:nvPr>
         </p:nvGraphicFramePr>
         <p:xfrm>
-          <a:off x="1210646" y="3473624"/>
+          <a:off x="1750840" y="3761656"/>
           <a:ext cx="6264696" cy="5976664"/>
         </p:xfrm>
         <a:graphic>
@@ -26201,35 +33597,10 @@
       </p:grpSpPr>
       <p:sp>
         <p:nvSpPr>
-          <p:cNvPr id="11" name="Content Placeholder 10">
+          <p:cNvPr id="4" name="Title 3">
             <a:extLst>
               <a:ext uri="{FF2B5EF4-FFF2-40B4-BE49-F238E27FC236}">
-                <a16:creationId xmlns:a16="http://schemas.microsoft.com/office/drawing/2014/main" id="{B4FC8108-2EFA-47A7-B644-5E5786E2FD7D}"/>
-              </a:ext>
-            </a:extLst>
-          </p:cNvPr>
-          <p:cNvSpPr>
-            <a:spLocks noGrp="1"/>
-          </p:cNvSpPr>
-          <p:nvPr>
-            <p:ph idx="1"/>
-          </p:nvPr>
-        </p:nvSpPr>
-        <p:spPr/>
-        <p:txBody>
-          <a:bodyPr/>
-          <a:lstStyle/>
-          <a:p>
-            <a:endParaRPr lang="en-US" dirty="0"/>
-          </a:p>
-        </p:txBody>
-      </p:sp>
-      <p:sp>
-        <p:nvSpPr>
-          <p:cNvPr id="10" name="Title 9">
-            <a:extLst>
-              <a:ext uri="{FF2B5EF4-FFF2-40B4-BE49-F238E27FC236}">
-                <a16:creationId xmlns:a16="http://schemas.microsoft.com/office/drawing/2014/main" id="{89A55923-A041-4025-BAC3-248BAD42DD6D}"/>
+                <a16:creationId xmlns:a16="http://schemas.microsoft.com/office/drawing/2014/main" id="{FA4067E9-7A06-28F7-7A87-A21C210C94BD}"/>
               </a:ext>
             </a:extLst>
           </p:cNvPr>
@@ -26245,41 +33616,20 @@
           <a:bodyPr/>
           <a:lstStyle/>
           <a:p>
+            <a:r>
+              <a:rPr lang="en-US" b="1" dirty="0"/>
+              <a:t>4. Bridge</a:t>
+            </a:r>
             <a:endParaRPr lang="en-US" dirty="0"/>
           </a:p>
         </p:txBody>
       </p:sp>
       <p:sp>
         <p:nvSpPr>
-          <p:cNvPr id="13" name="Content Placeholder 12">
+          <p:cNvPr id="5" name="Footer Placeholder 4">
             <a:extLst>
               <a:ext uri="{FF2B5EF4-FFF2-40B4-BE49-F238E27FC236}">
-                <a16:creationId xmlns:a16="http://schemas.microsoft.com/office/drawing/2014/main" id="{5687FA31-A4C6-49FE-97F6-E033BB98EDCE}"/>
-              </a:ext>
-            </a:extLst>
-          </p:cNvPr>
-          <p:cNvSpPr>
-            <a:spLocks noGrp="1"/>
-          </p:cNvSpPr>
-          <p:nvPr>
-            <p:ph sz="quarter" idx="15"/>
-          </p:nvPr>
-        </p:nvSpPr>
-        <p:spPr/>
-        <p:txBody>
-          <a:bodyPr/>
-          <a:lstStyle/>
-          <a:p>
-            <a:endParaRPr lang="en-US"/>
-          </a:p>
-        </p:txBody>
-      </p:sp>
-      <p:sp>
-        <p:nvSpPr>
-          <p:cNvPr id="2" name="Footer Placeholder 1">
-            <a:extLst>
-              <a:ext uri="{FF2B5EF4-FFF2-40B4-BE49-F238E27FC236}">
-                <a16:creationId xmlns:a16="http://schemas.microsoft.com/office/drawing/2014/main" id="{A078EA89-E9FF-4D7E-9836-9B57F76F7CC0}"/>
+                <a16:creationId xmlns:a16="http://schemas.microsoft.com/office/drawing/2014/main" id="{D25129B1-3D38-FA55-8708-6B6EE8B6049F}"/>
               </a:ext>
             </a:extLst>
           </p:cNvPr>
@@ -26296,18 +33646,19 @@
           <a:lstStyle/>
           <a:p>
             <a:r>
-              <a:rPr lang="en-AU" dirty="0"/>
-              <a:t>© 2023 CargoWise</a:t>
+              <a:rPr lang="en-AU"/>
+              <a:t>© 2020 CargoWise</a:t>
             </a:r>
+            <a:endParaRPr lang="en-AU" dirty="0"/>
           </a:p>
         </p:txBody>
       </p:sp>
       <p:sp>
         <p:nvSpPr>
-          <p:cNvPr id="3" name="Slide Number Placeholder 2">
+          <p:cNvPr id="6" name="Slide Number Placeholder 5">
             <a:extLst>
               <a:ext uri="{FF2B5EF4-FFF2-40B4-BE49-F238E27FC236}">
-                <a16:creationId xmlns:a16="http://schemas.microsoft.com/office/drawing/2014/main" id="{C2D48919-875B-4574-B245-4E246981CBC8}"/>
+                <a16:creationId xmlns:a16="http://schemas.microsoft.com/office/drawing/2014/main" id="{7A7A2E19-EED6-DF1F-B8A9-77E88F13BE2B}"/>
               </a:ext>
             </a:extLst>
           </p:cNvPr>
@@ -26328,16 +33679,76 @@
               <a:pPr/>
               <a:t>16</a:t>
             </a:fld>
-            <a:endParaRPr lang="en-AU"/>
+            <a:endParaRPr lang="en-AU" dirty="0"/>
           </a:p>
         </p:txBody>
       </p:sp>
+      <p:pic>
+        <p:nvPicPr>
+          <p:cNvPr id="9" name="Picture 8">
+            <a:extLst>
+              <a:ext uri="{FF2B5EF4-FFF2-40B4-BE49-F238E27FC236}">
+                <a16:creationId xmlns:a16="http://schemas.microsoft.com/office/drawing/2014/main" id="{A9BF213F-C18B-FF9D-7C2B-F41CBFC9C66C}"/>
+              </a:ext>
+            </a:extLst>
+          </p:cNvPr>
+          <p:cNvPicPr>
+            <a:picLocks noChangeAspect="1"/>
+          </p:cNvPicPr>
+          <p:nvPr/>
+        </p:nvPicPr>
+        <p:blipFill>
+          <a:blip r:embed="rId3"/>
+          <a:stretch>
+            <a:fillRect/>
+          </a:stretch>
+        </p:blipFill>
+        <p:spPr>
+          <a:xfrm>
+            <a:off x="1678832" y="3473624"/>
+            <a:ext cx="19020499" cy="6552728"/>
+          </a:xfrm>
+          <a:prstGeom prst="rect">
+            <a:avLst/>
+          </a:prstGeom>
+        </p:spPr>
+      </p:pic>
+    </p:spTree>
+    <p:extLst>
+      <p:ext uri="{BB962C8B-B14F-4D97-AF65-F5344CB8AC3E}">
+        <p14:creationId xmlns:p14="http://schemas.microsoft.com/office/powerpoint/2010/main" val="1579779379"/>
+      </p:ext>
+    </p:extLst>
+  </p:cSld>
+  <p:clrMapOvr>
+    <a:masterClrMapping/>
+  </p:clrMapOvr>
+</p:sld>
+</file>
+
+<file path=ppt/slides/slide17.xml><?xml version="1.0" encoding="utf-8"?>
+<p:sld xmlns:a="http://schemas.openxmlformats.org/drawingml/2006/main" xmlns:r="http://schemas.openxmlformats.org/officeDocument/2006/relationships" xmlns:p="http://schemas.openxmlformats.org/presentationml/2006/main">
+  <p:cSld>
+    <p:spTree>
+      <p:nvGrpSpPr>
+        <p:cNvPr id="1" name=""/>
+        <p:cNvGrpSpPr/>
+        <p:nvPr/>
+      </p:nvGrpSpPr>
+      <p:grpSpPr>
+        <a:xfrm>
+          <a:off x="0" y="0"/>
+          <a:ext cx="0" cy="0"/>
+          <a:chOff x="0" y="0"/>
+          <a:chExt cx="0" cy="0"/>
+        </a:xfrm>
+      </p:grpSpPr>
       <p:sp>
         <p:nvSpPr>
-          <p:cNvPr id="12" name="Text Placeholder 11">
+          <p:cNvPr id="4" name="Title 3">
             <a:extLst>
               <a:ext uri="{FF2B5EF4-FFF2-40B4-BE49-F238E27FC236}">
-                <a16:creationId xmlns:a16="http://schemas.microsoft.com/office/drawing/2014/main" id="{892436DA-58A9-419A-A8AC-6097CE509E1F}"/>
+                <a16:creationId xmlns:a16="http://schemas.microsoft.com/office/drawing/2014/main" id="{370E3050-E260-4443-A9F3-74D872962D1B}"/>
               </a:ext>
             </a:extLst>
           </p:cNvPr>
@@ -26345,7 +33756,7 @@
             <a:spLocks noGrp="1"/>
           </p:cNvSpPr>
           <p:nvPr>
-            <p:ph type="body" sz="quarter" idx="13"/>
+            <p:ph type="title"/>
           </p:nvPr>
         </p:nvSpPr>
         <p:spPr/>
@@ -26353,14 +33764,623 @@
           <a:bodyPr/>
           <a:lstStyle/>
           <a:p>
+            <a:r>
+              <a:rPr lang="en-US" b="1" dirty="0"/>
+              <a:t>5. Decorator</a:t>
+            </a:r>
             <a:endParaRPr lang="en-US" dirty="0"/>
           </a:p>
         </p:txBody>
       </p:sp>
+      <p:sp>
+        <p:nvSpPr>
+          <p:cNvPr id="5" name="Footer Placeholder 4">
+            <a:extLst>
+              <a:ext uri="{FF2B5EF4-FFF2-40B4-BE49-F238E27FC236}">
+                <a16:creationId xmlns:a16="http://schemas.microsoft.com/office/drawing/2014/main" id="{3461CDDC-106E-C60E-7693-3F055B66718A}"/>
+              </a:ext>
+            </a:extLst>
+          </p:cNvPr>
+          <p:cNvSpPr>
+            <a:spLocks noGrp="1"/>
+          </p:cNvSpPr>
+          <p:nvPr>
+            <p:ph type="ftr" sz="quarter" idx="3"/>
+          </p:nvPr>
+        </p:nvSpPr>
+        <p:spPr/>
+        <p:txBody>
+          <a:bodyPr/>
+          <a:lstStyle/>
+          <a:p>
+            <a:r>
+              <a:rPr lang="en-AU" dirty="0"/>
+              <a:t>© 2023 </a:t>
+            </a:r>
+            <a:r>
+              <a:rPr lang="en-AU" dirty="0" err="1"/>
+              <a:t>CargoWise</a:t>
+            </a:r>
+            <a:endParaRPr lang="en-AU" dirty="0"/>
+          </a:p>
+        </p:txBody>
+      </p:sp>
+      <p:sp>
+        <p:nvSpPr>
+          <p:cNvPr id="6" name="Slide Number Placeholder 5">
+            <a:extLst>
+              <a:ext uri="{FF2B5EF4-FFF2-40B4-BE49-F238E27FC236}">
+                <a16:creationId xmlns:a16="http://schemas.microsoft.com/office/drawing/2014/main" id="{EF9334A6-9CA5-8AD9-75A1-EAA63D1BABBA}"/>
+              </a:ext>
+            </a:extLst>
+          </p:cNvPr>
+          <p:cNvSpPr>
+            <a:spLocks noGrp="1"/>
+          </p:cNvSpPr>
+          <p:nvPr>
+            <p:ph type="sldNum" sz="quarter" idx="4"/>
+          </p:nvPr>
+        </p:nvSpPr>
+        <p:spPr/>
+        <p:txBody>
+          <a:bodyPr/>
+          <a:lstStyle/>
+          <a:p>
+            <a:fld id="{67E7CB4E-0848-4774-9F85-B38117CB1B54}" type="slidenum">
+              <a:rPr lang="en-AU" smtClean="0"/>
+              <a:pPr/>
+              <a:t>17</a:t>
+            </a:fld>
+            <a:endParaRPr lang="en-AU" dirty="0"/>
+          </a:p>
+        </p:txBody>
+      </p:sp>
+      <p:pic>
+        <p:nvPicPr>
+          <p:cNvPr id="1026" name="Picture 2" descr="Decorator design pattern">
+            <a:extLst>
+              <a:ext uri="{FF2B5EF4-FFF2-40B4-BE49-F238E27FC236}">
+                <a16:creationId xmlns:a16="http://schemas.microsoft.com/office/drawing/2014/main" id="{0813743F-05A1-C6DD-FAF2-99FDBEA217A9}"/>
+              </a:ext>
+            </a:extLst>
+          </p:cNvPr>
+          <p:cNvPicPr>
+            <a:picLocks noChangeAspect="1" noChangeArrowheads="1"/>
+          </p:cNvPicPr>
+          <p:nvPr/>
+        </p:nvPicPr>
+        <p:blipFill>
+          <a:blip r:embed="rId3">
+            <a:extLst>
+              <a:ext uri="{28A0092B-C50C-407E-A947-70E740481C1C}">
+                <a14:useLocalDpi xmlns:a14="http://schemas.microsoft.com/office/drawing/2010/main" val="0"/>
+              </a:ext>
+            </a:extLst>
+          </a:blip>
+          <a:srcRect/>
+          <a:stretch>
+            <a:fillRect/>
+          </a:stretch>
+        </p:blipFill>
+        <p:spPr bwMode="auto">
+          <a:xfrm>
+            <a:off x="2038872" y="3473624"/>
+            <a:ext cx="9505056" cy="5940660"/>
+          </a:xfrm>
+          <a:prstGeom prst="rect">
+            <a:avLst/>
+          </a:prstGeom>
+          <a:ln w="38100" cap="sq">
+            <a:solidFill>
+              <a:srgbClr val="000000"/>
+            </a:solidFill>
+            <a:prstDash val="solid"/>
+            <a:miter lim="800000"/>
+          </a:ln>
+          <a:effectLst>
+            <a:outerShdw blurRad="50800" dist="38100" dir="2700000" algn="tl" rotWithShape="0">
+              <a:srgbClr val="000000">
+                <a:alpha val="43000"/>
+              </a:srgbClr>
+            </a:outerShdw>
+          </a:effectLst>
+          <a:extLst>
+            <a:ext uri="{909E8E84-426E-40DD-AFC4-6F175D3DCCD1}">
+              <a14:hiddenFill xmlns:a14="http://schemas.microsoft.com/office/drawing/2010/main">
+                <a:solidFill>
+                  <a:srgbClr val="FFFFFF"/>
+                </a:solidFill>
+              </a14:hiddenFill>
+            </a:ext>
+          </a:extLst>
+        </p:spPr>
+      </p:pic>
+      <p:pic>
+        <p:nvPicPr>
+          <p:cNvPr id="9" name="Content Placeholder 8" descr="A picture containing text&#10;&#10;Description automatically generated">
+            <a:extLst>
+              <a:ext uri="{FF2B5EF4-FFF2-40B4-BE49-F238E27FC236}">
+                <a16:creationId xmlns:a16="http://schemas.microsoft.com/office/drawing/2014/main" id="{84C759BF-2FC5-57CC-8DA7-7EFA7C21572F}"/>
+              </a:ext>
+            </a:extLst>
+          </p:cNvPr>
+          <p:cNvPicPr>
+            <a:picLocks noChangeAspect="1"/>
+          </p:cNvPicPr>
+          <p:nvPr/>
+        </p:nvPicPr>
+        <p:blipFill>
+          <a:blip r:embed="rId4">
+            <a:extLst>
+              <a:ext uri="{28A0092B-C50C-407E-A947-70E740481C1C}">
+                <a14:useLocalDpi xmlns:a14="http://schemas.microsoft.com/office/drawing/2010/main" val="0"/>
+              </a:ext>
+            </a:extLst>
+          </a:blip>
+          <a:stretch>
+            <a:fillRect/>
+          </a:stretch>
+        </p:blipFill>
+        <p:spPr>
+          <a:xfrm>
+            <a:off x="12768064" y="3891966"/>
+            <a:ext cx="10207952" cy="5103976"/>
+          </a:xfrm>
+          <a:prstGeom prst="rect">
+            <a:avLst/>
+          </a:prstGeom>
+        </p:spPr>
+      </p:pic>
     </p:spTree>
     <p:extLst>
       <p:ext uri="{BB962C8B-B14F-4D97-AF65-F5344CB8AC3E}">
-        <p14:creationId xmlns:p14="http://schemas.microsoft.com/office/powerpoint/2010/main" val="3845220615"/>
+        <p14:creationId xmlns:p14="http://schemas.microsoft.com/office/powerpoint/2010/main" val="2982183561"/>
+      </p:ext>
+    </p:extLst>
+  </p:cSld>
+  <p:clrMapOvr>
+    <a:masterClrMapping/>
+  </p:clrMapOvr>
+</p:sld>
+</file>
+
+<file path=ppt/slides/slide18.xml><?xml version="1.0" encoding="utf-8"?>
+<p:sld xmlns:a="http://schemas.openxmlformats.org/drawingml/2006/main" xmlns:r="http://schemas.openxmlformats.org/officeDocument/2006/relationships" xmlns:p="http://schemas.openxmlformats.org/presentationml/2006/main">
+  <p:cSld>
+    <p:spTree>
+      <p:nvGrpSpPr>
+        <p:cNvPr id="1" name=""/>
+        <p:cNvGrpSpPr/>
+        <p:nvPr/>
+      </p:nvGrpSpPr>
+      <p:grpSpPr>
+        <a:xfrm>
+          <a:off x="0" y="0"/>
+          <a:ext cx="0" cy="0"/>
+          <a:chOff x="0" y="0"/>
+          <a:chExt cx="0" cy="0"/>
+        </a:xfrm>
+      </p:grpSpPr>
+      <p:sp>
+        <p:nvSpPr>
+          <p:cNvPr id="4" name="Title 3">
+            <a:extLst>
+              <a:ext uri="{FF2B5EF4-FFF2-40B4-BE49-F238E27FC236}">
+                <a16:creationId xmlns:a16="http://schemas.microsoft.com/office/drawing/2014/main" id="{C7619AC8-6616-2C9C-5624-75508337CF09}"/>
+              </a:ext>
+            </a:extLst>
+          </p:cNvPr>
+          <p:cNvSpPr>
+            <a:spLocks noGrp="1"/>
+          </p:cNvSpPr>
+          <p:nvPr>
+            <p:ph type="title"/>
+          </p:nvPr>
+        </p:nvSpPr>
+        <p:spPr/>
+        <p:txBody>
+          <a:bodyPr/>
+          <a:lstStyle/>
+          <a:p>
+            <a:r>
+              <a:rPr lang="en-US" b="1" dirty="0"/>
+              <a:t>5. Decorator</a:t>
+            </a:r>
+            <a:endParaRPr lang="en-US" dirty="0"/>
+          </a:p>
+        </p:txBody>
+      </p:sp>
+      <p:sp>
+        <p:nvSpPr>
+          <p:cNvPr id="5" name="Footer Placeholder 4">
+            <a:extLst>
+              <a:ext uri="{FF2B5EF4-FFF2-40B4-BE49-F238E27FC236}">
+                <a16:creationId xmlns:a16="http://schemas.microsoft.com/office/drawing/2014/main" id="{BDB6E519-0A50-1687-920A-CE9D1ECA4A7A}"/>
+              </a:ext>
+            </a:extLst>
+          </p:cNvPr>
+          <p:cNvSpPr>
+            <a:spLocks noGrp="1"/>
+          </p:cNvSpPr>
+          <p:nvPr>
+            <p:ph type="ftr" sz="quarter" idx="3"/>
+          </p:nvPr>
+        </p:nvSpPr>
+        <p:spPr/>
+        <p:txBody>
+          <a:bodyPr/>
+          <a:lstStyle/>
+          <a:p>
+            <a:r>
+              <a:rPr lang="en-AU" dirty="0"/>
+              <a:t>© 2023 </a:t>
+            </a:r>
+            <a:r>
+              <a:rPr lang="en-AU" dirty="0" err="1"/>
+              <a:t>CargoWise</a:t>
+            </a:r>
+            <a:endParaRPr lang="en-AU" dirty="0"/>
+          </a:p>
+        </p:txBody>
+      </p:sp>
+      <p:sp>
+        <p:nvSpPr>
+          <p:cNvPr id="6" name="Slide Number Placeholder 5">
+            <a:extLst>
+              <a:ext uri="{FF2B5EF4-FFF2-40B4-BE49-F238E27FC236}">
+                <a16:creationId xmlns:a16="http://schemas.microsoft.com/office/drawing/2014/main" id="{ACD9619F-4B02-0D22-10E5-A57B839335DA}"/>
+              </a:ext>
+            </a:extLst>
+          </p:cNvPr>
+          <p:cNvSpPr>
+            <a:spLocks noGrp="1"/>
+          </p:cNvSpPr>
+          <p:nvPr>
+            <p:ph type="sldNum" sz="quarter" idx="4"/>
+          </p:nvPr>
+        </p:nvSpPr>
+        <p:spPr/>
+        <p:txBody>
+          <a:bodyPr/>
+          <a:lstStyle/>
+          <a:p>
+            <a:fld id="{67E7CB4E-0848-4774-9F85-B38117CB1B54}" type="slidenum">
+              <a:rPr lang="en-AU" smtClean="0"/>
+              <a:pPr/>
+              <a:t>18</a:t>
+            </a:fld>
+            <a:endParaRPr lang="en-AU" dirty="0"/>
+          </a:p>
+        </p:txBody>
+      </p:sp>
+      <p:pic>
+        <p:nvPicPr>
+          <p:cNvPr id="8" name="Content Placeholder 4" descr="Diagram, text&#10;&#10;Description automatically generated">
+            <a:extLst>
+              <a:ext uri="{FF2B5EF4-FFF2-40B4-BE49-F238E27FC236}">
+                <a16:creationId xmlns:a16="http://schemas.microsoft.com/office/drawing/2014/main" id="{CECA5ECB-8081-17D6-9339-2E63490EA26E}"/>
+              </a:ext>
+            </a:extLst>
+          </p:cNvPr>
+          <p:cNvPicPr>
+            <a:picLocks noGrp="1" noChangeAspect="1"/>
+          </p:cNvPicPr>
+          <p:nvPr>
+            <p:ph sz="half" idx="15"/>
+          </p:nvPr>
+        </p:nvPicPr>
+        <p:blipFill>
+          <a:blip r:embed="rId3">
+            <a:extLst>
+              <a:ext uri="{28A0092B-C50C-407E-A947-70E740481C1C}">
+                <a14:useLocalDpi xmlns:a14="http://schemas.microsoft.com/office/drawing/2010/main" val="0"/>
+              </a:ext>
+            </a:extLst>
+          </a:blip>
+          <a:stretch>
+            <a:fillRect/>
+          </a:stretch>
+        </p:blipFill>
+        <p:spPr>
+          <a:xfrm>
+            <a:off x="13128104" y="3329608"/>
+            <a:ext cx="7560840" cy="8190910"/>
+          </a:xfrm>
+          <a:prstGeom prst="rect">
+            <a:avLst/>
+          </a:prstGeom>
+          <a:ln w="38100" cap="sq">
+            <a:solidFill>
+              <a:srgbClr val="000000"/>
+            </a:solidFill>
+            <a:prstDash val="solid"/>
+            <a:miter lim="800000"/>
+          </a:ln>
+          <a:effectLst>
+            <a:outerShdw blurRad="50800" dist="38100" dir="2700000" algn="tl" rotWithShape="0">
+              <a:srgbClr val="000000">
+                <a:alpha val="43000"/>
+              </a:srgbClr>
+            </a:outerShdw>
+          </a:effectLst>
+        </p:spPr>
+      </p:pic>
+      <p:graphicFrame>
+        <p:nvGraphicFramePr>
+          <p:cNvPr id="10" name="Content Placeholder 9">
+            <a:extLst>
+              <a:ext uri="{FF2B5EF4-FFF2-40B4-BE49-F238E27FC236}">
+                <a16:creationId xmlns:a16="http://schemas.microsoft.com/office/drawing/2014/main" id="{2D6A7995-4A96-07BC-2E65-97DF114AF545}"/>
+              </a:ext>
+            </a:extLst>
+          </p:cNvPr>
+          <p:cNvGraphicFramePr>
+            <a:graphicFrameLocks noGrp="1"/>
+          </p:cNvGraphicFramePr>
+          <p:nvPr>
+            <p:ph sz="half" idx="16"/>
+            <p:extLst>
+              <p:ext uri="{D42A27DB-BD31-4B8C-83A1-F6EECF244321}">
+                <p14:modId xmlns:p14="http://schemas.microsoft.com/office/powerpoint/2010/main" val="1226303188"/>
+              </p:ext>
+            </p:extLst>
+          </p:nvPr>
+        </p:nvGraphicFramePr>
+        <p:xfrm>
+          <a:off x="2830960" y="4625752"/>
+          <a:ext cx="7393563" cy="5472013"/>
+        </p:xfrm>
+        <a:graphic>
+          <a:graphicData uri="http://schemas.openxmlformats.org/drawingml/2006/diagram">
+            <dgm:relIds xmlns:dgm="http://schemas.openxmlformats.org/drawingml/2006/diagram" xmlns:r="http://schemas.openxmlformats.org/officeDocument/2006/relationships" r:dm="rId4" r:lo="rId5" r:qs="rId6" r:cs="rId7"/>
+          </a:graphicData>
+        </a:graphic>
+      </p:graphicFrame>
+    </p:spTree>
+    <p:extLst>
+      <p:ext uri="{BB962C8B-B14F-4D97-AF65-F5344CB8AC3E}">
+        <p14:creationId xmlns:p14="http://schemas.microsoft.com/office/powerpoint/2010/main" val="3686350167"/>
+      </p:ext>
+    </p:extLst>
+  </p:cSld>
+  <p:clrMapOvr>
+    <a:masterClrMapping/>
+  </p:clrMapOvr>
+</p:sld>
+</file>
+
+<file path=ppt/slides/slide19.xml><?xml version="1.0" encoding="utf-8"?>
+<p:sld xmlns:a="http://schemas.openxmlformats.org/drawingml/2006/main" xmlns:r="http://schemas.openxmlformats.org/officeDocument/2006/relationships" xmlns:p="http://schemas.openxmlformats.org/presentationml/2006/main">
+  <p:cSld>
+    <p:spTree>
+      <p:nvGrpSpPr>
+        <p:cNvPr id="1" name=""/>
+        <p:cNvGrpSpPr/>
+        <p:nvPr/>
+      </p:nvGrpSpPr>
+      <p:grpSpPr>
+        <a:xfrm>
+          <a:off x="0" y="0"/>
+          <a:ext cx="0" cy="0"/>
+          <a:chOff x="0" y="0"/>
+          <a:chExt cx="0" cy="0"/>
+        </a:xfrm>
+      </p:grpSpPr>
+      <p:sp>
+        <p:nvSpPr>
+          <p:cNvPr id="6" name="TextBox 5">
+            <a:extLst>
+              <a:ext uri="{FF2B5EF4-FFF2-40B4-BE49-F238E27FC236}">
+                <a16:creationId xmlns:a16="http://schemas.microsoft.com/office/drawing/2014/main" id="{3FB7BDD9-9B0E-E59D-891E-50C1F28334AE}"/>
+              </a:ext>
+            </a:extLst>
+          </p:cNvPr>
+          <p:cNvSpPr txBox="1"/>
+          <p:nvPr/>
+        </p:nvSpPr>
+        <p:spPr>
+          <a:xfrm>
+            <a:off x="1080000" y="1125271"/>
+            <a:ext cx="22201232" cy="701456"/>
+          </a:xfrm>
+          <a:prstGeom prst="rect">
+            <a:avLst/>
+          </a:prstGeom>
+        </p:spPr>
+        <p:txBody>
+          <a:bodyPr vert="horz" lIns="0" tIns="0" rIns="0" bIns="0" rtlCol="0" anchor="t">
+            <a:normAutofit lnSpcReduction="10000"/>
+          </a:bodyPr>
+          <a:lstStyle/>
+          <a:p>
+            <a:pPr defTabSz="2438430">
+              <a:lnSpc>
+                <a:spcPct val="85000"/>
+              </a:lnSpc>
+              <a:spcBef>
+                <a:spcPct val="0"/>
+              </a:spcBef>
+              <a:spcAft>
+                <a:spcPts val="1200"/>
+              </a:spcAft>
+            </a:pPr>
+            <a:r>
+              <a:rPr lang="en-US" sz="5400" b="1" spc="-50" dirty="0">
+                <a:solidFill>
+                  <a:schemeClr val="accent2"/>
+                </a:solidFill>
+                <a:latin typeface="+mj-lt"/>
+                <a:ea typeface="+mj-ea"/>
+                <a:cs typeface="+mj-cs"/>
+              </a:rPr>
+              <a:t>Structural</a:t>
+            </a:r>
+            <a:r>
+              <a:rPr lang="en-US" sz="5000" spc="-50" dirty="0">
+                <a:solidFill>
+                  <a:schemeClr val="accent2"/>
+                </a:solidFill>
+                <a:latin typeface="+mj-lt"/>
+                <a:ea typeface="+mj-ea"/>
+                <a:cs typeface="+mj-cs"/>
+              </a:rPr>
+              <a:t> </a:t>
+            </a:r>
+            <a:r>
+              <a:rPr lang="en-US" sz="5400" b="1" spc="-50" dirty="0">
+                <a:solidFill>
+                  <a:schemeClr val="accent2"/>
+                </a:solidFill>
+                <a:latin typeface="+mj-lt"/>
+                <a:ea typeface="+mj-ea"/>
+                <a:cs typeface="+mj-cs"/>
+              </a:rPr>
+              <a:t>Design</a:t>
+            </a:r>
+            <a:r>
+              <a:rPr lang="en-US" sz="5000" spc="-50" dirty="0">
+                <a:solidFill>
+                  <a:schemeClr val="accent2"/>
+                </a:solidFill>
+                <a:latin typeface="+mj-lt"/>
+                <a:ea typeface="+mj-ea"/>
+                <a:cs typeface="+mj-cs"/>
+              </a:rPr>
+              <a:t> </a:t>
+            </a:r>
+            <a:r>
+              <a:rPr lang="en-US" sz="5400" b="1" spc="-50" dirty="0">
+                <a:solidFill>
+                  <a:schemeClr val="accent2"/>
+                </a:solidFill>
+                <a:latin typeface="+mj-lt"/>
+                <a:ea typeface="+mj-ea"/>
+                <a:cs typeface="+mj-cs"/>
+              </a:rPr>
+              <a:t>Patterns</a:t>
+            </a:r>
+          </a:p>
+        </p:txBody>
+      </p:sp>
+      <p:sp>
+        <p:nvSpPr>
+          <p:cNvPr id="13" name="Footer Placeholder 4">
+            <a:extLst>
+              <a:ext uri="{FF2B5EF4-FFF2-40B4-BE49-F238E27FC236}">
+                <a16:creationId xmlns:a16="http://schemas.microsoft.com/office/drawing/2014/main" id="{3ECFF561-806D-930C-FF5C-2DB328C2407B}"/>
+              </a:ext>
+            </a:extLst>
+          </p:cNvPr>
+          <p:cNvSpPr>
+            <a:spLocks noGrp="1"/>
+          </p:cNvSpPr>
+          <p:nvPr>
+            <p:ph type="ftr" sz="quarter" idx="3"/>
+          </p:nvPr>
+        </p:nvSpPr>
+        <p:spPr>
+          <a:xfrm>
+            <a:off x="1535016" y="12960000"/>
+            <a:ext cx="2016024" cy="180000"/>
+          </a:xfrm>
+        </p:spPr>
+        <p:txBody>
+          <a:bodyPr/>
+          <a:lstStyle/>
+          <a:p>
+            <a:pPr>
+              <a:spcAft>
+                <a:spcPts val="600"/>
+              </a:spcAft>
+            </a:pPr>
+            <a:r>
+              <a:rPr lang="en-AU" dirty="0"/>
+              <a:t>© 2023 </a:t>
+            </a:r>
+            <a:r>
+              <a:rPr lang="en-AU" dirty="0" err="1"/>
+              <a:t>CargoWise</a:t>
+            </a:r>
+            <a:endParaRPr lang="en-AU" dirty="0"/>
+          </a:p>
+        </p:txBody>
+      </p:sp>
+      <p:sp>
+        <p:nvSpPr>
+          <p:cNvPr id="15" name="Slide Number Placeholder 5">
+            <a:extLst>
+              <a:ext uri="{FF2B5EF4-FFF2-40B4-BE49-F238E27FC236}">
+                <a16:creationId xmlns:a16="http://schemas.microsoft.com/office/drawing/2014/main" id="{7DA3C72D-E3B7-AFD2-2367-1B8758B57B30}"/>
+              </a:ext>
+            </a:extLst>
+          </p:cNvPr>
+          <p:cNvSpPr>
+            <a:spLocks noGrp="1"/>
+          </p:cNvSpPr>
+          <p:nvPr>
+            <p:ph type="sldNum" sz="quarter" idx="4"/>
+          </p:nvPr>
+        </p:nvSpPr>
+        <p:spPr>
+          <a:xfrm>
+            <a:off x="1080000" y="12960000"/>
+            <a:ext cx="310800" cy="180000"/>
+          </a:xfrm>
+        </p:spPr>
+        <p:txBody>
+          <a:bodyPr/>
+          <a:lstStyle/>
+          <a:p>
+            <a:pPr>
+              <a:spcAft>
+                <a:spcPts val="600"/>
+              </a:spcAft>
+            </a:pPr>
+            <a:fld id="{67E7CB4E-0848-4774-9F85-B38117CB1B54}" type="slidenum">
+              <a:rPr lang="en-AU" smtClean="0"/>
+              <a:pPr>
+                <a:spcAft>
+                  <a:spcPts val="600"/>
+                </a:spcAft>
+              </a:pPr>
+              <a:t>19</a:t>
+            </a:fld>
+            <a:endParaRPr lang="en-AU"/>
+          </a:p>
+        </p:txBody>
+      </p:sp>
+      <p:graphicFrame>
+        <p:nvGraphicFramePr>
+          <p:cNvPr id="4" name="Diagram 3">
+            <a:extLst>
+              <a:ext uri="{FF2B5EF4-FFF2-40B4-BE49-F238E27FC236}">
+                <a16:creationId xmlns:a16="http://schemas.microsoft.com/office/drawing/2014/main" id="{F24AEBD7-4394-A74A-64EE-2AE4E6086DB6}"/>
+              </a:ext>
+            </a:extLst>
+          </p:cNvPr>
+          <p:cNvGraphicFramePr/>
+          <p:nvPr>
+            <p:extLst>
+              <p:ext uri="{D42A27DB-BD31-4B8C-83A1-F6EECF244321}">
+                <p14:modId xmlns:p14="http://schemas.microsoft.com/office/powerpoint/2010/main" val="3730843891"/>
+              </p:ext>
+            </p:extLst>
+          </p:nvPr>
+        </p:nvGraphicFramePr>
+        <p:xfrm>
+          <a:off x="6575376" y="2897560"/>
+          <a:ext cx="10628550" cy="7920880"/>
+        </p:xfrm>
+        <a:graphic>
+          <a:graphicData uri="http://schemas.openxmlformats.org/drawingml/2006/diagram">
+            <dgm:relIds xmlns:dgm="http://schemas.openxmlformats.org/drawingml/2006/diagram" xmlns:r="http://schemas.openxmlformats.org/officeDocument/2006/relationships" r:dm="rId3" r:lo="rId4" r:qs="rId5" r:cs="rId6"/>
+          </a:graphicData>
+        </a:graphic>
+      </p:graphicFrame>
+    </p:spTree>
+    <p:extLst>
+      <p:ext uri="{BB962C8B-B14F-4D97-AF65-F5344CB8AC3E}">
+        <p14:creationId xmlns:p14="http://schemas.microsoft.com/office/powerpoint/2010/main" val="291393146"/>
       </p:ext>
     </p:extLst>
   </p:cSld>
@@ -26520,6 +34540,194 @@
     <p:extLst>
       <p:ext uri="{BB962C8B-B14F-4D97-AF65-F5344CB8AC3E}">
         <p14:creationId xmlns:p14="http://schemas.microsoft.com/office/powerpoint/2010/main" val="3391782854"/>
+      </p:ext>
+    </p:extLst>
+  </p:cSld>
+  <p:clrMapOvr>
+    <a:masterClrMapping/>
+  </p:clrMapOvr>
+</p:sld>
+</file>
+
+<file path=ppt/slides/slide20.xml><?xml version="1.0" encoding="utf-8"?>
+<p:sld xmlns:a="http://schemas.openxmlformats.org/drawingml/2006/main" xmlns:r="http://schemas.openxmlformats.org/officeDocument/2006/relationships" xmlns:p="http://schemas.openxmlformats.org/presentationml/2006/main">
+  <p:cSld>
+    <p:spTree>
+      <p:nvGrpSpPr>
+        <p:cNvPr id="1" name=""/>
+        <p:cNvGrpSpPr/>
+        <p:nvPr/>
+      </p:nvGrpSpPr>
+      <p:grpSpPr>
+        <a:xfrm>
+          <a:off x="0" y="0"/>
+          <a:ext cx="0" cy="0"/>
+          <a:chOff x="0" y="0"/>
+          <a:chExt cx="0" cy="0"/>
+        </a:xfrm>
+      </p:grpSpPr>
+      <p:sp>
+        <p:nvSpPr>
+          <p:cNvPr id="11" name="Content Placeholder 10">
+            <a:extLst>
+              <a:ext uri="{FF2B5EF4-FFF2-40B4-BE49-F238E27FC236}">
+                <a16:creationId xmlns:a16="http://schemas.microsoft.com/office/drawing/2014/main" id="{B4FC8108-2EFA-47A7-B644-5E5786E2FD7D}"/>
+              </a:ext>
+            </a:extLst>
+          </p:cNvPr>
+          <p:cNvSpPr>
+            <a:spLocks noGrp="1"/>
+          </p:cNvSpPr>
+          <p:nvPr>
+            <p:ph idx="1"/>
+          </p:nvPr>
+        </p:nvSpPr>
+        <p:spPr/>
+        <p:txBody>
+          <a:bodyPr/>
+          <a:lstStyle/>
+          <a:p>
+            <a:endParaRPr lang="en-US" dirty="0"/>
+          </a:p>
+        </p:txBody>
+      </p:sp>
+      <p:sp>
+        <p:nvSpPr>
+          <p:cNvPr id="10" name="Title 9">
+            <a:extLst>
+              <a:ext uri="{FF2B5EF4-FFF2-40B4-BE49-F238E27FC236}">
+                <a16:creationId xmlns:a16="http://schemas.microsoft.com/office/drawing/2014/main" id="{89A55923-A041-4025-BAC3-248BAD42DD6D}"/>
+              </a:ext>
+            </a:extLst>
+          </p:cNvPr>
+          <p:cNvSpPr>
+            <a:spLocks noGrp="1"/>
+          </p:cNvSpPr>
+          <p:nvPr>
+            <p:ph type="title"/>
+          </p:nvPr>
+        </p:nvSpPr>
+        <p:spPr/>
+        <p:txBody>
+          <a:bodyPr/>
+          <a:lstStyle/>
+          <a:p>
+            <a:endParaRPr lang="en-US" dirty="0"/>
+          </a:p>
+        </p:txBody>
+      </p:sp>
+      <p:sp>
+        <p:nvSpPr>
+          <p:cNvPr id="13" name="Content Placeholder 12">
+            <a:extLst>
+              <a:ext uri="{FF2B5EF4-FFF2-40B4-BE49-F238E27FC236}">
+                <a16:creationId xmlns:a16="http://schemas.microsoft.com/office/drawing/2014/main" id="{5687FA31-A4C6-49FE-97F6-E033BB98EDCE}"/>
+              </a:ext>
+            </a:extLst>
+          </p:cNvPr>
+          <p:cNvSpPr>
+            <a:spLocks noGrp="1"/>
+          </p:cNvSpPr>
+          <p:nvPr>
+            <p:ph sz="quarter" idx="15"/>
+          </p:nvPr>
+        </p:nvSpPr>
+        <p:spPr/>
+        <p:txBody>
+          <a:bodyPr/>
+          <a:lstStyle/>
+          <a:p>
+            <a:endParaRPr lang="en-US"/>
+          </a:p>
+        </p:txBody>
+      </p:sp>
+      <p:sp>
+        <p:nvSpPr>
+          <p:cNvPr id="2" name="Footer Placeholder 1">
+            <a:extLst>
+              <a:ext uri="{FF2B5EF4-FFF2-40B4-BE49-F238E27FC236}">
+                <a16:creationId xmlns:a16="http://schemas.microsoft.com/office/drawing/2014/main" id="{A078EA89-E9FF-4D7E-9836-9B57F76F7CC0}"/>
+              </a:ext>
+            </a:extLst>
+          </p:cNvPr>
+          <p:cNvSpPr>
+            <a:spLocks noGrp="1"/>
+          </p:cNvSpPr>
+          <p:nvPr>
+            <p:ph type="ftr" sz="quarter" idx="3"/>
+          </p:nvPr>
+        </p:nvSpPr>
+        <p:spPr/>
+        <p:txBody>
+          <a:bodyPr/>
+          <a:lstStyle/>
+          <a:p>
+            <a:r>
+              <a:rPr lang="en-AU" dirty="0"/>
+              <a:t>© 2023 CargoWise</a:t>
+            </a:r>
+          </a:p>
+        </p:txBody>
+      </p:sp>
+      <p:sp>
+        <p:nvSpPr>
+          <p:cNvPr id="3" name="Slide Number Placeholder 2">
+            <a:extLst>
+              <a:ext uri="{FF2B5EF4-FFF2-40B4-BE49-F238E27FC236}">
+                <a16:creationId xmlns:a16="http://schemas.microsoft.com/office/drawing/2014/main" id="{C2D48919-875B-4574-B245-4E246981CBC8}"/>
+              </a:ext>
+            </a:extLst>
+          </p:cNvPr>
+          <p:cNvSpPr>
+            <a:spLocks noGrp="1"/>
+          </p:cNvSpPr>
+          <p:nvPr>
+            <p:ph type="sldNum" sz="quarter" idx="4"/>
+          </p:nvPr>
+        </p:nvSpPr>
+        <p:spPr/>
+        <p:txBody>
+          <a:bodyPr/>
+          <a:lstStyle/>
+          <a:p>
+            <a:fld id="{67E7CB4E-0848-4774-9F85-B38117CB1B54}" type="slidenum">
+              <a:rPr lang="en-AU" smtClean="0"/>
+              <a:pPr/>
+              <a:t>20</a:t>
+            </a:fld>
+            <a:endParaRPr lang="en-AU"/>
+          </a:p>
+        </p:txBody>
+      </p:sp>
+      <p:sp>
+        <p:nvSpPr>
+          <p:cNvPr id="12" name="Text Placeholder 11">
+            <a:extLst>
+              <a:ext uri="{FF2B5EF4-FFF2-40B4-BE49-F238E27FC236}">
+                <a16:creationId xmlns:a16="http://schemas.microsoft.com/office/drawing/2014/main" id="{892436DA-58A9-419A-A8AC-6097CE509E1F}"/>
+              </a:ext>
+            </a:extLst>
+          </p:cNvPr>
+          <p:cNvSpPr>
+            <a:spLocks noGrp="1"/>
+          </p:cNvSpPr>
+          <p:nvPr>
+            <p:ph type="body" sz="quarter" idx="13"/>
+          </p:nvPr>
+        </p:nvSpPr>
+        <p:spPr/>
+        <p:txBody>
+          <a:bodyPr/>
+          <a:lstStyle/>
+          <a:p>
+            <a:endParaRPr lang="en-US" dirty="0"/>
+          </a:p>
+        </p:txBody>
+      </p:sp>
+    </p:spTree>
+    <p:extLst>
+      <p:ext uri="{BB962C8B-B14F-4D97-AF65-F5344CB8AC3E}">
+        <p14:creationId xmlns:p14="http://schemas.microsoft.com/office/powerpoint/2010/main" val="3845220615"/>
       </p:ext>
     </p:extLst>
   </p:cSld>
@@ -27291,8 +35499,12 @@
           <a:lstStyle/>
           <a:p>
             <a:r>
-              <a:rPr lang="en-AU"/>
-              <a:t>© 2020 CargoWise</a:t>
+              <a:rPr lang="en-AU" dirty="0"/>
+              <a:t>© 2023 </a:t>
+            </a:r>
+            <a:r>
+              <a:rPr lang="en-AU" dirty="0" err="1"/>
+              <a:t>CargoWise</a:t>
             </a:r>
             <a:endParaRPr lang="en-AU" dirty="0"/>
           </a:p>
@@ -27416,8 +35628,12 @@
           <a:lstStyle/>
           <a:p>
             <a:r>
-              <a:rPr lang="en-AU"/>
-              <a:t>© 2020 CargoWise</a:t>
+              <a:rPr lang="en-AU" dirty="0"/>
+              <a:t>© 2023 </a:t>
+            </a:r>
+            <a:r>
+              <a:rPr lang="en-AU" dirty="0" err="1"/>
+              <a:t>CargoWise</a:t>
             </a:r>
             <a:endParaRPr lang="en-AU" dirty="0"/>
           </a:p>
@@ -27596,8 +35812,12 @@
           <a:lstStyle/>
           <a:p>
             <a:r>
-              <a:rPr lang="en-AU"/>
-              <a:t>© 2020 CargoWise</a:t>
+              <a:rPr lang="en-AU" dirty="0"/>
+              <a:t>© 2023 </a:t>
+            </a:r>
+            <a:r>
+              <a:rPr lang="en-AU" dirty="0" err="1"/>
+              <a:t>CargoWise</a:t>
             </a:r>
             <a:endParaRPr lang="en-AU" dirty="0"/>
           </a:p>
@@ -27749,8 +35969,12 @@
           <a:lstStyle/>
           <a:p>
             <a:r>
-              <a:rPr lang="en-AU"/>
-              <a:t>© 2020 CargoWise</a:t>
+              <a:rPr lang="en-AU" dirty="0"/>
+              <a:t>© 2023 </a:t>
+            </a:r>
+            <a:r>
+              <a:rPr lang="en-AU" dirty="0" err="1"/>
+              <a:t>CargoWise</a:t>
             </a:r>
             <a:endParaRPr lang="en-AU" dirty="0"/>
           </a:p>
@@ -28684,15 +36908,6 @@
 </file>
 
 <file path=customXml/item1.xml><?xml version="1.0" encoding="utf-8"?>
-<?mso-contentType ?>
-<FormTemplates xmlns="http://schemas.microsoft.com/sharepoint/v3/contenttype/forms">
-  <Display>DocumentLibraryForm</Display>
-  <Edit>DocumentLibraryForm</Edit>
-  <New>DocumentLibraryForm</New>
-</FormTemplates>
-</file>
-
-<file path=customXml/item2.xml><?xml version="1.0" encoding="utf-8"?>
 <ct:contentTypeSchema xmlns:ct="http://schemas.microsoft.com/office/2006/metadata/contentType" xmlns:ma="http://schemas.microsoft.com/office/2006/metadata/properties/metaAttributes" ct:_="" ma:_="" ma:contentTypeName="Document" ma:contentTypeID="0x010100EEBA5D7D688A8D40BC8134A23630083E" ma:contentTypeVersion="17" ma:contentTypeDescription="Create a new document." ma:contentTypeScope="" ma:versionID="6c9f025c4a6d5a921d1240212dd2136e">
   <xsd:schema xmlns:xsd="http://www.w3.org/2001/XMLSchema" xmlns:xs="http://www.w3.org/2001/XMLSchema" xmlns:p="http://schemas.microsoft.com/office/2006/metadata/properties" xmlns:ns2="5b887053-13c9-4ef0-8e1a-18d371f97b0f" xmlns:ns3="0cb0f8a9-a4a1-4c3c-bc15-be6ee1e258a4" targetNamespace="http://schemas.microsoft.com/office/2006/metadata/properties" ma:root="true" ma:fieldsID="76276428416178d444d5a49df65bd1b6" ns2:_="" ns3:_="">
     <xsd:import namespace="5b887053-13c9-4ef0-8e1a-18d371f97b0f"/>
@@ -28925,6 +37140,15 @@
 </ct:contentTypeSchema>
 </file>
 
+<file path=customXml/item2.xml><?xml version="1.0" encoding="utf-8"?>
+<?mso-contentType ?>
+<FormTemplates xmlns="http://schemas.microsoft.com/sharepoint/v3/contenttype/forms">
+  <Display>DocumentLibraryForm</Display>
+  <Edit>DocumentLibraryForm</Edit>
+  <New>DocumentLibraryForm</New>
+</FormTemplates>
+</file>
+
 <file path=customXml/item3.xml><?xml version="1.0" encoding="utf-8"?>
 <p:properties xmlns:p="http://schemas.microsoft.com/office/2006/metadata/properties" xmlns:xsi="http://www.w3.org/2001/XMLSchema-instance" xmlns:pc="http://schemas.microsoft.com/office/infopath/2007/PartnerControls">
   <documentManagement>
@@ -28960,14 +37184,6 @@
 </file>
 
 <file path=customXml/itemProps1.xml><?xml version="1.0" encoding="utf-8"?>
-<ds:datastoreItem xmlns:ds="http://schemas.openxmlformats.org/officeDocument/2006/customXml" ds:itemID="{D703E6E5-489B-4004-B595-51B1421CF944}">
-  <ds:schemaRefs>
-    <ds:schemaRef ds:uri="http://schemas.microsoft.com/sharepoint/v3/contenttype/forms"/>
-  </ds:schemaRefs>
-</ds:datastoreItem>
-</file>
-
-<file path=customXml/itemProps2.xml><?xml version="1.0" encoding="utf-8"?>
 <ds:datastoreItem xmlns:ds="http://schemas.openxmlformats.org/officeDocument/2006/customXml" ds:itemID="{3ACBF87C-9E24-4F0A-85E5-D0AA1A6E191C}">
   <ds:schemaRefs>
     <ds:schemaRef ds:uri="http://schemas.microsoft.com/office/2006/metadata/contentType"/>
@@ -28982,6 +37198,14 @@
     <ds:schemaRef ds:uri="http://purl.org/dc/elements/1.1/"/>
     <ds:schemaRef ds:uri="http://purl.org/dc/terms/"/>
     <ds:schemaRef ds:uri="http://schemas.microsoft.com/internal/obd"/>
+  </ds:schemaRefs>
+</ds:datastoreItem>
+</file>
+
+<file path=customXml/itemProps2.xml><?xml version="1.0" encoding="utf-8"?>
+<ds:datastoreItem xmlns:ds="http://schemas.openxmlformats.org/officeDocument/2006/customXml" ds:itemID="{D703E6E5-489B-4004-B595-51B1421CF944}">
+  <ds:schemaRefs>
+    <ds:schemaRef ds:uri="http://schemas.microsoft.com/sharepoint/v3/contenttype/forms"/>
   </ds:schemaRefs>
 </ds:datastoreItem>
 </file>

--- a/DesignPatterns/Structural Design Patterns/Structural Design Patterns - WTG.pptx
+++ b/DesignPatterns/Structural Design Patterns/Structural Design Patterns - WTG.pptx
@@ -5,10 +5,10 @@
     <p:sldMasterId id="2147483648" r:id="rId4"/>
   </p:sldMasterIdLst>
   <p:notesMasterIdLst>
-    <p:notesMasterId r:id="rId25"/>
+    <p:notesMasterId r:id="rId27"/>
   </p:notesMasterIdLst>
   <p:handoutMasterIdLst>
-    <p:handoutMasterId r:id="rId26"/>
+    <p:handoutMasterId r:id="rId28"/>
   </p:handoutMasterIdLst>
   <p:sldIdLst>
     <p:sldId id="264" r:id="rId5"/>
@@ -29,8 +29,10 @@
     <p:sldId id="291" r:id="rId20"/>
     <p:sldId id="287" r:id="rId21"/>
     <p:sldId id="288" r:id="rId22"/>
-    <p:sldId id="290" r:id="rId23"/>
-    <p:sldId id="271" r:id="rId24"/>
+    <p:sldId id="305" r:id="rId23"/>
+    <p:sldId id="290" r:id="rId24"/>
+    <p:sldId id="303" r:id="rId25"/>
+    <p:sldId id="304" r:id="rId26"/>
   </p:sldIdLst>
   <p:sldSz cx="24384000" cy="13716000"/>
   <p:notesSz cx="6858000" cy="9144000"/>
@@ -155,7 +157,7 @@
 <p1510:revInfo xmlns:a="http://schemas.openxmlformats.org/drawingml/2006/main" xmlns:r="http://schemas.openxmlformats.org/officeDocument/2006/relationships" xmlns:p1510="http://schemas.microsoft.com/office/powerpoint/2015/10/main">
   <p1510:revLst>
     <p1510:client id="{037A9CA3-FDD3-4549-A1D4-BD9B1626C030}" v="76" dt="2023-03-19T01:03:48.412"/>
-    <p1510:client id="{90D147C7-6DF3-4858-A037-194481D7D906}" v="392" dt="2023-03-19T06:04:26.628"/>
+    <p1510:client id="{90D147C7-6DF3-4858-A037-194481D7D906}" v="407" dt="2023-03-19T07:55:50.401"/>
   </p1510:revLst>
 </p1510:revInfo>
 </file>
@@ -836,10 +838,17 @@
   <pc:docChgLst>
     <pc:chgData name="Nancy Li" userId="afc5209a-cf39-48d8-a57f-08cc8b772ec9" providerId="ADAL" clId="{90D147C7-6DF3-4858-A037-194481D7D906}"/>
     <pc:docChg chg="undo custSel addSld delSld modSld sldOrd">
-      <pc:chgData name="Nancy Li" userId="afc5209a-cf39-48d8-a57f-08cc8b772ec9" providerId="ADAL" clId="{90D147C7-6DF3-4858-A037-194481D7D906}" dt="2023-03-19T06:04:29.815" v="1335" actId="20577"/>
+      <pc:chgData name="Nancy Li" userId="afc5209a-cf39-48d8-a57f-08cc8b772ec9" providerId="ADAL" clId="{90D147C7-6DF3-4858-A037-194481D7D906}" dt="2023-03-19T07:55:50.401" v="1873" actId="20577"/>
       <pc:docMkLst>
         <pc:docMk/>
       </pc:docMkLst>
+      <pc:sldChg chg="modNotesTx">
+        <pc:chgData name="Nancy Li" userId="afc5209a-cf39-48d8-a57f-08cc8b772ec9" providerId="ADAL" clId="{90D147C7-6DF3-4858-A037-194481D7D906}" dt="2023-03-19T07:26:36.287" v="1828" actId="20577"/>
+        <pc:sldMkLst>
+          <pc:docMk/>
+          <pc:sldMk cId="3391782854" sldId="269"/>
+        </pc:sldMkLst>
+      </pc:sldChg>
       <pc:sldChg chg="addSp delSp modSp mod modClrScheme chgLayout">
         <pc:chgData name="Nancy Li" userId="afc5209a-cf39-48d8-a57f-08cc8b772ec9" providerId="ADAL" clId="{90D147C7-6DF3-4858-A037-194481D7D906}" dt="2023-03-19T01:10:24.066" v="18"/>
         <pc:sldMkLst>
@@ -919,8 +928,15 @@
           </ac:picMkLst>
         </pc:picChg>
       </pc:sldChg>
-      <pc:sldChg chg="addSp delSp modSp mod">
-        <pc:chgData name="Nancy Li" userId="afc5209a-cf39-48d8-a57f-08cc8b772ec9" providerId="ADAL" clId="{90D147C7-6DF3-4858-A037-194481D7D906}" dt="2023-03-19T01:50:35.323" v="184" actId="122"/>
+      <pc:sldChg chg="add del">
+        <pc:chgData name="Nancy Li" userId="afc5209a-cf39-48d8-a57f-08cc8b772ec9" providerId="ADAL" clId="{90D147C7-6DF3-4858-A037-194481D7D906}" dt="2023-03-19T07:13:33.035" v="1766" actId="47"/>
+        <pc:sldMkLst>
+          <pc:docMk/>
+          <pc:sldMk cId="3845220615" sldId="271"/>
+        </pc:sldMkLst>
+      </pc:sldChg>
+      <pc:sldChg chg="addSp delSp modSp mod modNotesTx">
+        <pc:chgData name="Nancy Li" userId="afc5209a-cf39-48d8-a57f-08cc8b772ec9" providerId="ADAL" clId="{90D147C7-6DF3-4858-A037-194481D7D906}" dt="2023-03-19T07:31:57.745" v="1836" actId="20577"/>
         <pc:sldMkLst>
           <pc:docMk/>
           <pc:sldMk cId="2895557782" sldId="275"/>
@@ -958,7 +974,7 @@
           </ac:spMkLst>
         </pc:spChg>
         <pc:graphicFrameChg chg="add mod">
-          <ac:chgData name="Nancy Li" userId="afc5209a-cf39-48d8-a57f-08cc8b772ec9" providerId="ADAL" clId="{90D147C7-6DF3-4858-A037-194481D7D906}" dt="2023-03-19T01:50:35.323" v="184" actId="122"/>
+          <ac:chgData name="Nancy Li" userId="afc5209a-cf39-48d8-a57f-08cc8b772ec9" providerId="ADAL" clId="{90D147C7-6DF3-4858-A037-194481D7D906}" dt="2023-03-19T06:17:18.973" v="1337" actId="120"/>
           <ac:graphicFrameMkLst>
             <pc:docMk/>
             <pc:sldMk cId="2895557782" sldId="275"/>
@@ -1125,7 +1141,7 @@
         </pc:picChg>
       </pc:sldChg>
       <pc:sldChg chg="addSp delSp modSp new mod ord modNotesTx">
-        <pc:chgData name="Nancy Li" userId="afc5209a-cf39-48d8-a57f-08cc8b772ec9" providerId="ADAL" clId="{90D147C7-6DF3-4858-A037-194481D7D906}" dt="2023-03-19T05:32:19.460" v="1245"/>
+        <pc:chgData name="Nancy Li" userId="afc5209a-cf39-48d8-a57f-08cc8b772ec9" providerId="ADAL" clId="{90D147C7-6DF3-4858-A037-194481D7D906}" dt="2023-03-19T07:37:15.573" v="1842" actId="20577"/>
         <pc:sldMkLst>
           <pc:docMk/>
           <pc:sldMk cId="2067632723" sldId="278"/>
@@ -1188,7 +1204,7 @@
         </pc:picChg>
       </pc:sldChg>
       <pc:sldChg chg="addSp delSp modSp new mod modNotesTx">
-        <pc:chgData name="Nancy Li" userId="afc5209a-cf39-48d8-a57f-08cc8b772ec9" providerId="ADAL" clId="{90D147C7-6DF3-4858-A037-194481D7D906}" dt="2023-03-19T05:28:30.394" v="1237" actId="20577"/>
+        <pc:chgData name="Nancy Li" userId="afc5209a-cf39-48d8-a57f-08cc8b772ec9" providerId="ADAL" clId="{90D147C7-6DF3-4858-A037-194481D7D906}" dt="2023-03-19T07:38:23.467" v="1848" actId="20577"/>
         <pc:sldMkLst>
           <pc:docMk/>
           <pc:sldMk cId="1136555235" sldId="279"/>
@@ -1275,7 +1291,7 @@
         </pc:picChg>
       </pc:sldChg>
       <pc:sldChg chg="addSp delSp modSp add mod modNotesTx">
-        <pc:chgData name="Nancy Li" userId="afc5209a-cf39-48d8-a57f-08cc8b772ec9" providerId="ADAL" clId="{90D147C7-6DF3-4858-A037-194481D7D906}" dt="2023-03-19T05:28:18.435" v="1233" actId="20577"/>
+        <pc:chgData name="Nancy Li" userId="afc5209a-cf39-48d8-a57f-08cc8b772ec9" providerId="ADAL" clId="{90D147C7-6DF3-4858-A037-194481D7D906}" dt="2023-03-19T07:42:40.119" v="1854" actId="20577"/>
         <pc:sldMkLst>
           <pc:docMk/>
           <pc:sldMk cId="689937238" sldId="280"/>
@@ -1329,7 +1345,7 @@
         </pc:sldMkLst>
       </pc:sldChg>
       <pc:sldChg chg="addSp delSp modSp add mod ord modNotesTx">
-        <pc:chgData name="Nancy Li" userId="afc5209a-cf39-48d8-a57f-08cc8b772ec9" providerId="ADAL" clId="{90D147C7-6DF3-4858-A037-194481D7D906}" dt="2023-03-19T05:28:10.987" v="1229" actId="20577"/>
+        <pc:chgData name="Nancy Li" userId="afc5209a-cf39-48d8-a57f-08cc8b772ec9" providerId="ADAL" clId="{90D147C7-6DF3-4858-A037-194481D7D906}" dt="2023-03-19T06:55:37.773" v="1742" actId="20577"/>
         <pc:sldMkLst>
           <pc:docMk/>
           <pc:sldMk cId="3198148765" sldId="282"/>
@@ -1360,7 +1376,7 @@
         </pc:picChg>
       </pc:sldChg>
       <pc:sldChg chg="addSp delSp modSp add mod ord modNotesTx">
-        <pc:chgData name="Nancy Li" userId="afc5209a-cf39-48d8-a57f-08cc8b772ec9" providerId="ADAL" clId="{90D147C7-6DF3-4858-A037-194481D7D906}" dt="2023-03-19T05:27:54.707" v="1225" actId="20577"/>
+        <pc:chgData name="Nancy Li" userId="afc5209a-cf39-48d8-a57f-08cc8b772ec9" providerId="ADAL" clId="{90D147C7-6DF3-4858-A037-194481D7D906}" dt="2023-03-19T07:45:55.960" v="1860" actId="20577"/>
         <pc:sldMkLst>
           <pc:docMk/>
           <pc:sldMk cId="286972125" sldId="283"/>
@@ -1447,7 +1463,7 @@
         </pc:picChg>
       </pc:sldChg>
       <pc:sldChg chg="addSp delSp modSp add mod ord modNotesTx">
-        <pc:chgData name="Nancy Li" userId="afc5209a-cf39-48d8-a57f-08cc8b772ec9" providerId="ADAL" clId="{90D147C7-6DF3-4858-A037-194481D7D906}" dt="2023-03-19T05:28:23.670" v="1235" actId="20577"/>
+        <pc:chgData name="Nancy Li" userId="afc5209a-cf39-48d8-a57f-08cc8b772ec9" providerId="ADAL" clId="{90D147C7-6DF3-4858-A037-194481D7D906}" dt="2023-03-19T07:40:25.058" v="1852"/>
         <pc:sldMkLst>
           <pc:docMk/>
           <pc:sldMk cId="3425278781" sldId="284"/>
@@ -1582,7 +1598,7 @@
         </pc:picChg>
       </pc:sldChg>
       <pc:sldChg chg="addSp delSp modSp add mod modNotesTx">
-        <pc:chgData name="Nancy Li" userId="afc5209a-cf39-48d8-a57f-08cc8b772ec9" providerId="ADAL" clId="{90D147C7-6DF3-4858-A037-194481D7D906}" dt="2023-03-19T05:39:26.302" v="1259" actId="1076"/>
+        <pc:chgData name="Nancy Li" userId="afc5209a-cf39-48d8-a57f-08cc8b772ec9" providerId="ADAL" clId="{90D147C7-6DF3-4858-A037-194481D7D906}" dt="2023-03-19T07:50:07.852" v="1869" actId="20577"/>
         <pc:sldMkLst>
           <pc:docMk/>
           <pc:sldMk cId="4219639883" sldId="285"/>
@@ -1621,7 +1637,7 @@
         </pc:picChg>
       </pc:sldChg>
       <pc:sldChg chg="addSp delSp modSp new mod modNotesTx">
-        <pc:chgData name="Nancy Li" userId="afc5209a-cf39-48d8-a57f-08cc8b772ec9" providerId="ADAL" clId="{90D147C7-6DF3-4858-A037-194481D7D906}" dt="2023-03-19T05:28:05.408" v="1227" actId="20577"/>
+        <pc:chgData name="Nancy Li" userId="afc5209a-cf39-48d8-a57f-08cc8b772ec9" providerId="ADAL" clId="{90D147C7-6DF3-4858-A037-194481D7D906}" dt="2023-03-19T07:45:06.524" v="1857"/>
         <pc:sldMkLst>
           <pc:docMk/>
           <pc:sldMk cId="708375864" sldId="286"/>
@@ -1732,7 +1748,7 @@
         </pc:picChg>
       </pc:sldChg>
       <pc:sldChg chg="addSp delSp modSp new mod modNotesTx">
-        <pc:chgData name="Nancy Li" userId="afc5209a-cf39-48d8-a57f-08cc8b772ec9" providerId="ADAL" clId="{90D147C7-6DF3-4858-A037-194481D7D906}" dt="2023-03-19T05:58:56.278" v="1315" actId="20577"/>
+        <pc:chgData name="Nancy Li" userId="afc5209a-cf39-48d8-a57f-08cc8b772ec9" providerId="ADAL" clId="{90D147C7-6DF3-4858-A037-194481D7D906}" dt="2023-03-19T07:55:50.401" v="1873" actId="20577"/>
         <pc:sldMkLst>
           <pc:docMk/>
           <pc:sldMk cId="2982183561" sldId="287"/>
@@ -1880,8 +1896,8 @@
           <pc:sldMk cId="287140367" sldId="289"/>
         </pc:sldMkLst>
       </pc:sldChg>
-      <pc:sldChg chg="addSp delSp modSp add mod modTransition setBg modClrScheme delDesignElem chgLayout">
-        <pc:chgData name="Nancy Li" userId="afc5209a-cf39-48d8-a57f-08cc8b772ec9" providerId="ADAL" clId="{90D147C7-6DF3-4858-A037-194481D7D906}" dt="2023-03-19T05:56:26.444" v="1311" actId="108"/>
+      <pc:sldChg chg="addSp delSp modSp add mod modTransition setBg modClrScheme delDesignElem chgLayout modNotesTx">
+        <pc:chgData name="Nancy Li" userId="afc5209a-cf39-48d8-a57f-08cc8b772ec9" providerId="ADAL" clId="{90D147C7-6DF3-4858-A037-194481D7D906}" dt="2023-03-19T07:18:34.226" v="1806" actId="20577"/>
         <pc:sldMkLst>
           <pc:docMk/>
           <pc:sldMk cId="291393146" sldId="290"/>
@@ -2002,6 +2018,75 @@
             <pc:docMk/>
             <pc:sldMk cId="1579779379" sldId="291"/>
             <ac:picMk id="9" creationId="{A9BF213F-C18B-FF9D-7C2B-F41CBFC9C66C}"/>
+          </ac:picMkLst>
+        </pc:picChg>
+      </pc:sldChg>
+      <pc:sldChg chg="add">
+        <pc:chgData name="Nancy Li" userId="afc5209a-cf39-48d8-a57f-08cc8b772ec9" providerId="ADAL" clId="{90D147C7-6DF3-4858-A037-194481D7D906}" dt="2023-03-19T07:13:15.982" v="1762"/>
+        <pc:sldMkLst>
+          <pc:docMk/>
+          <pc:sldMk cId="4119860341" sldId="303"/>
+        </pc:sldMkLst>
+      </pc:sldChg>
+      <pc:sldChg chg="add ord">
+        <pc:chgData name="Nancy Li" userId="afc5209a-cf39-48d8-a57f-08cc8b772ec9" providerId="ADAL" clId="{90D147C7-6DF3-4858-A037-194481D7D906}" dt="2023-03-19T07:13:35.873" v="1768"/>
+        <pc:sldMkLst>
+          <pc:docMk/>
+          <pc:sldMk cId="1537924355" sldId="304"/>
+        </pc:sldMkLst>
+      </pc:sldChg>
+      <pc:sldChg chg="addSp delSp modSp new mod">
+        <pc:chgData name="Nancy Li" userId="afc5209a-cf39-48d8-a57f-08cc8b772ec9" providerId="ADAL" clId="{90D147C7-6DF3-4858-A037-194481D7D906}" dt="2023-03-19T07:24:44.577" v="1824" actId="1076"/>
+        <pc:sldMkLst>
+          <pc:docMk/>
+          <pc:sldMk cId="4106383840" sldId="305"/>
+        </pc:sldMkLst>
+        <pc:spChg chg="del">
+          <ac:chgData name="Nancy Li" userId="afc5209a-cf39-48d8-a57f-08cc8b772ec9" providerId="ADAL" clId="{90D147C7-6DF3-4858-A037-194481D7D906}" dt="2023-03-19T07:20:43.240" v="1809" actId="478"/>
+          <ac:spMkLst>
+            <pc:docMk/>
+            <pc:sldMk cId="4106383840" sldId="305"/>
+            <ac:spMk id="2" creationId="{0A598BB6-650B-A729-9DE9-C417C3EC9AAD}"/>
+          </ac:spMkLst>
+        </pc:spChg>
+        <pc:spChg chg="del">
+          <ac:chgData name="Nancy Li" userId="afc5209a-cf39-48d8-a57f-08cc8b772ec9" providerId="ADAL" clId="{90D147C7-6DF3-4858-A037-194481D7D906}" dt="2023-03-19T07:20:41.948" v="1808" actId="478"/>
+          <ac:spMkLst>
+            <pc:docMk/>
+            <pc:sldMk cId="4106383840" sldId="305"/>
+            <ac:spMk id="3" creationId="{146B2BDD-9A27-6A37-6FEF-B70D65753BD2}"/>
+          </ac:spMkLst>
+        </pc:spChg>
+        <pc:spChg chg="mod">
+          <ac:chgData name="Nancy Li" userId="afc5209a-cf39-48d8-a57f-08cc8b772ec9" providerId="ADAL" clId="{90D147C7-6DF3-4858-A037-194481D7D906}" dt="2023-03-19T07:20:49.280" v="1811"/>
+          <ac:spMkLst>
+            <pc:docMk/>
+            <pc:sldMk cId="4106383840" sldId="305"/>
+            <ac:spMk id="4" creationId="{78051BCC-075C-B9B4-7A01-CC4726D18895}"/>
+          </ac:spMkLst>
+        </pc:spChg>
+        <pc:spChg chg="del">
+          <ac:chgData name="Nancy Li" userId="afc5209a-cf39-48d8-a57f-08cc8b772ec9" providerId="ADAL" clId="{90D147C7-6DF3-4858-A037-194481D7D906}" dt="2023-03-19T07:20:44.776" v="1810" actId="478"/>
+          <ac:spMkLst>
+            <pc:docMk/>
+            <pc:sldMk cId="4106383840" sldId="305"/>
+            <ac:spMk id="7" creationId="{C6350A87-80EA-665D-4758-CBDF88DC9DD5}"/>
+          </ac:spMkLst>
+        </pc:spChg>
+        <pc:picChg chg="add del mod">
+          <ac:chgData name="Nancy Li" userId="afc5209a-cf39-48d8-a57f-08cc8b772ec9" providerId="ADAL" clId="{90D147C7-6DF3-4858-A037-194481D7D906}" dt="2023-03-19T07:24:37.808" v="1818" actId="478"/>
+          <ac:picMkLst>
+            <pc:docMk/>
+            <pc:sldMk cId="4106383840" sldId="305"/>
+            <ac:picMk id="9" creationId="{2BF3F248-DCC9-68C3-5F40-1AF3728A1CEB}"/>
+          </ac:picMkLst>
+        </pc:picChg>
+        <pc:picChg chg="add mod">
+          <ac:chgData name="Nancy Li" userId="afc5209a-cf39-48d8-a57f-08cc8b772ec9" providerId="ADAL" clId="{90D147C7-6DF3-4858-A037-194481D7D906}" dt="2023-03-19T07:24:44.577" v="1824" actId="1076"/>
+          <ac:picMkLst>
+            <pc:docMk/>
+            <pc:sldMk cId="4106383840" sldId="305"/>
+            <ac:picMk id="11" creationId="{63188CB9-4498-4B3D-E0CE-513AA9D0B090}"/>
           </ac:picMkLst>
         </pc:picChg>
       </pc:sldChg>
@@ -8215,7 +8300,7 @@
         <a:bodyPr/>
         <a:lstStyle/>
         <a:p>
-          <a:pPr algn="ctr"/>
+          <a:pPr algn="l"/>
           <a:r>
             <a:rPr lang="en-US" dirty="0"/>
             <a:t>Target (Client Interface)</a:t>
@@ -8230,7 +8315,7 @@
         <a:bodyPr/>
         <a:lstStyle/>
         <a:p>
-          <a:pPr algn="ctr"/>
+          <a:pPr algn="l"/>
           <a:endParaRPr lang="en-US"/>
         </a:p>
       </dgm:t>
@@ -8242,7 +8327,7 @@
         <a:bodyPr/>
         <a:lstStyle/>
         <a:p>
-          <a:pPr algn="ctr"/>
+          <a:pPr algn="l"/>
           <a:endParaRPr lang="en-US"/>
         </a:p>
       </dgm:t>
@@ -8254,7 +8339,7 @@
         <a:bodyPr/>
         <a:lstStyle/>
         <a:p>
-          <a:pPr algn="ctr"/>
+          <a:pPr algn="l"/>
           <a:r>
             <a:rPr lang="en-US"/>
             <a:t>Adaptee (Service) </a:t>
@@ -8269,7 +8354,7 @@
         <a:bodyPr/>
         <a:lstStyle/>
         <a:p>
-          <a:pPr algn="ctr"/>
+          <a:pPr algn="l"/>
           <a:endParaRPr lang="en-US"/>
         </a:p>
       </dgm:t>
@@ -8281,7 +8366,7 @@
         <a:bodyPr/>
         <a:lstStyle/>
         <a:p>
-          <a:pPr algn="ctr"/>
+          <a:pPr algn="l"/>
           <a:endParaRPr lang="en-US"/>
         </a:p>
       </dgm:t>
@@ -8293,7 +8378,7 @@
         <a:bodyPr/>
         <a:lstStyle/>
         <a:p>
-          <a:pPr algn="ctr"/>
+          <a:pPr algn="l"/>
           <a:r>
             <a:rPr lang="en-US"/>
             <a:t>Adapter</a:t>
@@ -8308,7 +8393,7 @@
         <a:bodyPr/>
         <a:lstStyle/>
         <a:p>
-          <a:pPr algn="ctr"/>
+          <a:pPr algn="l"/>
           <a:endParaRPr lang="en-US"/>
         </a:p>
       </dgm:t>
@@ -8320,7 +8405,7 @@
         <a:bodyPr/>
         <a:lstStyle/>
         <a:p>
-          <a:pPr algn="ctr"/>
+          <a:pPr algn="l"/>
           <a:endParaRPr lang="en-US"/>
         </a:p>
       </dgm:t>
@@ -10656,7 +10741,7 @@
         </a:bodyPr>
         <a:lstStyle/>
         <a:p>
-          <a:pPr marL="0" lvl="0" indent="0" algn="ctr" defTabSz="1466850">
+          <a:pPr marL="0" lvl="0" indent="0" algn="l" defTabSz="1466850">
             <a:lnSpc>
               <a:spcPct val="90000"/>
             </a:lnSpc>
@@ -10733,7 +10818,7 @@
         </a:bodyPr>
         <a:lstStyle/>
         <a:p>
-          <a:pPr marL="0" lvl="0" indent="0" algn="ctr" defTabSz="1466850">
+          <a:pPr marL="0" lvl="0" indent="0" algn="l" defTabSz="1466850">
             <a:lnSpc>
               <a:spcPct val="90000"/>
             </a:lnSpc>
@@ -10810,7 +10895,7 @@
         </a:bodyPr>
         <a:lstStyle/>
         <a:p>
-          <a:pPr marL="0" lvl="0" indent="0" algn="ctr" defTabSz="1466850">
+          <a:pPr marL="0" lvl="0" indent="0" algn="l" defTabSz="1466850">
             <a:lnSpc>
               <a:spcPct val="90000"/>
             </a:lnSpc>
@@ -26007,7 +26092,7 @@
             </a:pPr>
             <a:r>
               <a:rPr lang="en-US" dirty="0"/>
-              <a:t>Protection Proxy, can </a:t>
+              <a:t>Protection Proxy, it can </a:t>
             </a:r>
             <a:r>
               <a:rPr lang="en-US" b="0" i="0" dirty="0">
@@ -26079,7 +26164,7 @@
             </a:pPr>
             <a:r>
               <a:rPr lang="en-US" dirty="0"/>
-              <a:t>Remote Proxy, can </a:t>
+              <a:t>Remote Proxy, it can </a:t>
             </a:r>
             <a:r>
               <a:rPr lang="en-US" b="0" i="0" dirty="0">
@@ -26089,7 +26174,7 @@
                 <a:effectLst/>
                 <a:latin typeface="PT Sans" panose="020B0503020203020204" pitchFamily="34" charset="0"/>
               </a:rPr>
-              <a:t>pass the client request over the network, handling all of the details of working with the network.</a:t>
+              <a:t>pass the request over the network, handling all of the details of working with the network.</a:t>
             </a:r>
           </a:p>
           <a:p>
@@ -26138,7 +26223,7 @@
             </a:pPr>
             <a:r>
               <a:rPr lang="en-US" dirty="0"/>
-              <a:t>Logging Proxy, </a:t>
+              <a:t>Logging Proxy, it </a:t>
             </a:r>
             <a:r>
               <a:rPr lang="en-US" b="0" i="0" dirty="0">
@@ -26197,7 +26282,7 @@
             </a:pPr>
             <a:r>
               <a:rPr lang="en-US" dirty="0"/>
-              <a:t>Caching Proxy, </a:t>
+              <a:t>Caching Proxy, it </a:t>
             </a:r>
             <a:r>
               <a:rPr lang="en-US" b="0" i="0" dirty="0">
@@ -26303,7 +26388,7 @@
             </a:r>
             <a:r>
               <a:rPr lang="en-US" dirty="0"/>
-              <a:t> declares the interface of the Service. The proxy must follow this interface to be able to disguise itself as a service object.</a:t>
+              <a:t> declares the interface of the Service. //The proxy must follow this interface to be able to disguise itself as a service object.</a:t>
             </a:r>
           </a:p>
           <a:p>
@@ -26349,15 +26434,7 @@
           <a:p>
             <a:r>
               <a:rPr lang="en-US" dirty="0"/>
-              <a:t>Usually</a:t>
-            </a:r>
-            <a:r>
-              <a:rPr lang="en-US"/>
-              <a:t>, proxy </a:t>
-            </a:r>
-            <a:r>
-              <a:rPr lang="en-US" dirty="0"/>
-              <a:t>manage the full lifecycle of their service objects.</a:t>
+              <a:t>Usually, proxy manage the full lifecycle of the service object.</a:t>
             </a:r>
           </a:p>
           <a:p>
@@ -26447,6 +26524,15 @@
           <a:p>
             <a:endParaRPr lang="en-US" dirty="0"/>
           </a:p>
+          <a:p>
+            <a:endParaRPr lang="en-US" dirty="0"/>
+          </a:p>
+          <a:p>
+            <a:r>
+              <a:rPr lang="en-US" dirty="0"/>
+              <a:t>Since you may have other operation after receiving result.</a:t>
+            </a:r>
+          </a:p>
         </p:txBody>
       </p:sp>
       <p:sp>
@@ -26537,7 +26623,7 @@
                 <a:effectLst/>
                 <a:latin typeface="PT Sans" panose="020B0503020203020204" pitchFamily="34" charset="0"/>
               </a:rPr>
-              <a:t>Imagine you now have some round and square </a:t>
+              <a:t>Imagine you now have some </a:t>
             </a:r>
             <a:r>
               <a:rPr lang="en-US" b="0" i="0" dirty="0">
@@ -26547,7 +26633,17 @@
                 <a:effectLst/>
                 <a:latin typeface="Arial" panose="020B0604020202020204" pitchFamily="34" charset="0"/>
               </a:rPr>
-              <a:t>building blocks</a:t>
+              <a:t>building blocks </a:t>
+            </a:r>
+            <a:r>
+              <a:rPr lang="en-US" b="0" i="0" dirty="0">
+                <a:solidFill>
+                  <a:srgbClr val="000000"/>
+                </a:solidFill>
+                <a:effectLst/>
+                <a:latin typeface="Gilroy"/>
+              </a:rPr>
+              <a:t>of different shapes</a:t>
             </a:r>
             <a:r>
               <a:rPr lang="en-US" b="0" i="0" dirty="0">
@@ -26813,7 +26909,7 @@
             </a:r>
             <a:r>
               <a:rPr lang="en-US" dirty="0"/>
-              <a:t>closely related classes into two separate layers—abstraction and implementation—</a:t>
+              <a:t>closely related classes into two separate layers //—abstraction and implementation—</a:t>
             </a:r>
           </a:p>
           <a:p>
@@ -26828,7 +26924,7 @@
           <a:p>
             <a:r>
               <a:rPr lang="en-US" dirty="0"/>
-              <a:t>Different implementations are interchangeable as long as they follow a common interface.</a:t>
+              <a:t>//Different implementations are interchangeable as long as they follow a common interface.</a:t>
             </a:r>
           </a:p>
           <a:p>
@@ -26915,6 +27011,442 @@
         <p:txBody>
           <a:bodyPr/>
           <a:lstStyle/>
+          <a:p>
+            <a:pPr lvl="0"/>
+            <a:r>
+              <a:rPr lang="en-US" b="0" i="0" dirty="0">
+                <a:solidFill>
+                  <a:srgbClr val="444444"/>
+                </a:solidFill>
+                <a:effectLst/>
+                <a:latin typeface="PT Sans" panose="020B0503020203020204" pitchFamily="34" charset="0"/>
+              </a:rPr>
+              <a:t>The </a:t>
+            </a:r>
+            <a:r>
+              <a:rPr lang="en-US" dirty="0"/>
+              <a:t>Abstraction</a:t>
+            </a:r>
+            <a:r>
+              <a:rPr lang="en-US" b="0" i="0" dirty="0">
+                <a:solidFill>
+                  <a:srgbClr val="444444"/>
+                </a:solidFill>
+                <a:effectLst/>
+                <a:latin typeface="PT Sans" panose="020B0503020203020204" pitchFamily="34" charset="0"/>
+              </a:rPr>
+              <a:t> class has a reference field that points to </a:t>
+            </a:r>
+            <a:r>
+              <a:rPr lang="en-US" dirty="0"/>
+              <a:t>Implementation.</a:t>
+            </a:r>
+          </a:p>
+          <a:p>
+            <a:pPr lvl="0"/>
+            <a:endParaRPr lang="en-US" b="0" i="0" dirty="0">
+              <a:solidFill>
+                <a:srgbClr val="444444"/>
+              </a:solidFill>
+              <a:effectLst/>
+              <a:latin typeface="PT Sans" panose="020B0503020203020204" pitchFamily="34" charset="0"/>
+            </a:endParaRPr>
+          </a:p>
+          <a:p>
+            <a:pPr marL="0" marR="0" lvl="0" indent="0" algn="l" defTabSz="2438339" rtl="0" eaLnBrk="1" fontAlgn="auto" latinLnBrk="0" hangingPunct="1">
+              <a:lnSpc>
+                <a:spcPct val="100000"/>
+              </a:lnSpc>
+              <a:spcBef>
+                <a:spcPts val="0"/>
+              </a:spcBef>
+              <a:spcAft>
+                <a:spcPts val="0"/>
+              </a:spcAft>
+              <a:buClrTx/>
+              <a:buSzTx/>
+              <a:buFont typeface="+mj-lt"/>
+              <a:buNone/>
+              <a:tabLst/>
+              <a:defRPr/>
+            </a:pPr>
+            <a:r>
+              <a:rPr lang="en-US" b="0" i="0" dirty="0">
+                <a:solidFill>
+                  <a:srgbClr val="444444"/>
+                </a:solidFill>
+                <a:effectLst/>
+                <a:latin typeface="PT Sans" panose="020B0503020203020204" pitchFamily="34" charset="0"/>
+              </a:rPr>
+              <a:t>The </a:t>
+            </a:r>
+            <a:r>
+              <a:rPr lang="en-US" b="1" i="0" dirty="0">
+                <a:solidFill>
+                  <a:srgbClr val="444444"/>
+                </a:solidFill>
+                <a:effectLst/>
+                <a:latin typeface="PT Sans" panose="020B0503020203020204" pitchFamily="34" charset="0"/>
+              </a:rPr>
+              <a:t>Abstraction</a:t>
+            </a:r>
+            <a:r>
+              <a:rPr lang="en-US" b="0" i="0" dirty="0">
+                <a:solidFill>
+                  <a:srgbClr val="444444"/>
+                </a:solidFill>
+                <a:effectLst/>
+                <a:latin typeface="PT Sans" panose="020B0503020203020204" pitchFamily="34" charset="0"/>
+              </a:rPr>
+              <a:t> provides high-level control logic. It relies on the implementation object to do the actual low-level work.</a:t>
+            </a:r>
+          </a:p>
+          <a:p>
+            <a:pPr algn="l">
+              <a:buFont typeface="+mj-lt"/>
+              <a:buNone/>
+            </a:pPr>
+            <a:endParaRPr lang="en-US" b="0" i="0" dirty="0">
+              <a:solidFill>
+                <a:srgbClr val="444444"/>
+              </a:solidFill>
+              <a:effectLst/>
+              <a:latin typeface="PT Sans" panose="020B0503020203020204" pitchFamily="34" charset="0"/>
+            </a:endParaRPr>
+          </a:p>
+          <a:p>
+            <a:pPr algn="l">
+              <a:buFont typeface="+mj-lt"/>
+              <a:buNone/>
+            </a:pPr>
+            <a:r>
+              <a:rPr lang="en-US" b="0" i="0" dirty="0">
+                <a:solidFill>
+                  <a:srgbClr val="444444"/>
+                </a:solidFill>
+                <a:effectLst/>
+                <a:latin typeface="PT Sans" panose="020B0503020203020204" pitchFamily="34" charset="0"/>
+              </a:rPr>
+              <a:t>The </a:t>
+            </a:r>
+            <a:r>
+              <a:rPr lang="en-US" b="1" i="0" dirty="0">
+                <a:solidFill>
+                  <a:srgbClr val="444444"/>
+                </a:solidFill>
+                <a:effectLst/>
+                <a:latin typeface="PT Sans" panose="020B0503020203020204" pitchFamily="34" charset="0"/>
+              </a:rPr>
+              <a:t>Implementation</a:t>
+            </a:r>
+            <a:r>
+              <a:rPr lang="en-US" b="0" i="0" dirty="0">
+                <a:solidFill>
+                  <a:srgbClr val="444444"/>
+                </a:solidFill>
+                <a:effectLst/>
+                <a:latin typeface="PT Sans" panose="020B0503020203020204" pitchFamily="34" charset="0"/>
+              </a:rPr>
+              <a:t> declares the interface that’s common for all concrete implementations. </a:t>
+            </a:r>
+          </a:p>
+          <a:p>
+            <a:pPr algn="l">
+              <a:buFont typeface="+mj-lt"/>
+              <a:buNone/>
+            </a:pPr>
+            <a:r>
+              <a:rPr lang="en-US" b="0" i="0" dirty="0">
+                <a:solidFill>
+                  <a:srgbClr val="444444"/>
+                </a:solidFill>
+                <a:effectLst/>
+                <a:latin typeface="PT Sans" panose="020B0503020203020204" pitchFamily="34" charset="0"/>
+              </a:rPr>
+              <a:t>An abstraction can only communicate with an implementation object via methods that are declared here.</a:t>
+            </a:r>
+          </a:p>
+          <a:p>
+            <a:pPr algn="l">
+              <a:buFont typeface="+mj-lt"/>
+              <a:buNone/>
+            </a:pPr>
+            <a:r>
+              <a:rPr lang="en-US" b="0" i="0" dirty="0">
+                <a:solidFill>
+                  <a:srgbClr val="444444"/>
+                </a:solidFill>
+                <a:effectLst/>
+                <a:latin typeface="PT Sans" panose="020B0503020203020204" pitchFamily="34" charset="0"/>
+              </a:rPr>
+              <a:t>The abstraction may list the same methods as the implementation, but usually the abstraction declares some complex behaviors that rely on a wide variety of primitive operations declared by the implementation.</a:t>
+            </a:r>
+          </a:p>
+          <a:p>
+            <a:pPr marL="0" marR="0" lvl="0" indent="0" algn="l" defTabSz="2438339" rtl="0" eaLnBrk="1" fontAlgn="auto" latinLnBrk="0" hangingPunct="1">
+              <a:lnSpc>
+                <a:spcPct val="100000"/>
+              </a:lnSpc>
+              <a:spcBef>
+                <a:spcPts val="0"/>
+              </a:spcBef>
+              <a:spcAft>
+                <a:spcPts val="0"/>
+              </a:spcAft>
+              <a:buClrTx/>
+              <a:buSzTx/>
+              <a:buFontTx/>
+              <a:buNone/>
+              <a:tabLst/>
+              <a:defRPr/>
+            </a:pPr>
+            <a:endParaRPr lang="en-US" b="0" i="0" dirty="0">
+              <a:solidFill>
+                <a:srgbClr val="444444"/>
+              </a:solidFill>
+              <a:effectLst/>
+              <a:latin typeface="PT Sans" panose="020B0503020203020204" pitchFamily="34" charset="0"/>
+            </a:endParaRPr>
+          </a:p>
+          <a:p>
+            <a:pPr marL="0" marR="0" lvl="0" indent="0" algn="l" defTabSz="2438339" rtl="0" eaLnBrk="1" fontAlgn="auto" latinLnBrk="0" hangingPunct="1">
+              <a:lnSpc>
+                <a:spcPct val="100000"/>
+              </a:lnSpc>
+              <a:spcBef>
+                <a:spcPts val="0"/>
+              </a:spcBef>
+              <a:spcAft>
+                <a:spcPts val="0"/>
+              </a:spcAft>
+              <a:buClrTx/>
+              <a:buSzTx/>
+              <a:buFontTx/>
+              <a:buNone/>
+              <a:tabLst/>
+              <a:defRPr/>
+            </a:pPr>
+            <a:r>
+              <a:rPr lang="fr-FR" b="1" i="0" dirty="0" err="1">
+                <a:solidFill>
+                  <a:srgbClr val="444444"/>
+                </a:solidFill>
+                <a:effectLst/>
+                <a:latin typeface="PT Sans" panose="020B0503020203020204" pitchFamily="34" charset="0"/>
+              </a:rPr>
+              <a:t>Concrete</a:t>
+            </a:r>
+            <a:r>
+              <a:rPr lang="fr-FR" b="1" i="0" dirty="0">
+                <a:solidFill>
+                  <a:srgbClr val="444444"/>
+                </a:solidFill>
+                <a:effectLst/>
+                <a:latin typeface="PT Sans" panose="020B0503020203020204" pitchFamily="34" charset="0"/>
+              </a:rPr>
+              <a:t> </a:t>
+            </a:r>
+            <a:r>
+              <a:rPr lang="fr-FR" b="1" i="0" dirty="0" err="1">
+                <a:solidFill>
+                  <a:srgbClr val="444444"/>
+                </a:solidFill>
+                <a:effectLst/>
+                <a:latin typeface="PT Sans" panose="020B0503020203020204" pitchFamily="34" charset="0"/>
+              </a:rPr>
+              <a:t>Implementations</a:t>
+            </a:r>
+            <a:r>
+              <a:rPr lang="fr-FR" b="0" i="0" dirty="0">
+                <a:solidFill>
+                  <a:srgbClr val="444444"/>
+                </a:solidFill>
+                <a:effectLst/>
+                <a:latin typeface="PT Sans" panose="020B0503020203020204" pitchFamily="34" charset="0"/>
+              </a:rPr>
+              <a:t> </a:t>
+            </a:r>
+            <a:r>
+              <a:rPr lang="fr-FR" b="0" i="0" dirty="0" err="1">
+                <a:solidFill>
+                  <a:srgbClr val="444444"/>
+                </a:solidFill>
+                <a:effectLst/>
+                <a:latin typeface="PT Sans" panose="020B0503020203020204" pitchFamily="34" charset="0"/>
+              </a:rPr>
+              <a:t>contain</a:t>
+            </a:r>
+            <a:r>
+              <a:rPr lang="fr-FR" b="0" i="0" dirty="0">
+                <a:solidFill>
+                  <a:srgbClr val="444444"/>
+                </a:solidFill>
+                <a:effectLst/>
+                <a:latin typeface="PT Sans" panose="020B0503020203020204" pitchFamily="34" charset="0"/>
+              </a:rPr>
+              <a:t> platform-</a:t>
+            </a:r>
+            <a:r>
+              <a:rPr lang="fr-FR" b="0" i="0" dirty="0" err="1">
+                <a:solidFill>
+                  <a:srgbClr val="444444"/>
+                </a:solidFill>
+                <a:effectLst/>
+                <a:latin typeface="PT Sans" panose="020B0503020203020204" pitchFamily="34" charset="0"/>
+              </a:rPr>
+              <a:t>specific</a:t>
+            </a:r>
+            <a:r>
+              <a:rPr lang="fr-FR" b="0" i="0" dirty="0">
+                <a:solidFill>
+                  <a:srgbClr val="444444"/>
+                </a:solidFill>
+                <a:effectLst/>
+                <a:latin typeface="PT Sans" panose="020B0503020203020204" pitchFamily="34" charset="0"/>
+              </a:rPr>
+              <a:t> code.</a:t>
+            </a:r>
+          </a:p>
+          <a:p>
+            <a:pPr marL="0" marR="0" lvl="0" indent="0" algn="l" defTabSz="2438339" rtl="0" eaLnBrk="1" fontAlgn="auto" latinLnBrk="0" hangingPunct="1">
+              <a:lnSpc>
+                <a:spcPct val="100000"/>
+              </a:lnSpc>
+              <a:spcBef>
+                <a:spcPts val="0"/>
+              </a:spcBef>
+              <a:spcAft>
+                <a:spcPts val="0"/>
+              </a:spcAft>
+              <a:buClrTx/>
+              <a:buSzTx/>
+              <a:buFontTx/>
+              <a:buNone/>
+              <a:tabLst/>
+              <a:defRPr/>
+            </a:pPr>
+            <a:endParaRPr lang="en-US" b="0" i="0" dirty="0">
+              <a:solidFill>
+                <a:srgbClr val="444444"/>
+              </a:solidFill>
+              <a:effectLst/>
+              <a:latin typeface="PT Sans" panose="020B0503020203020204" pitchFamily="34" charset="0"/>
+            </a:endParaRPr>
+          </a:p>
+          <a:p>
+            <a:pPr marL="0" marR="0" lvl="0" indent="0" algn="l" defTabSz="2438339" rtl="0" eaLnBrk="1" fontAlgn="auto" latinLnBrk="0" hangingPunct="1">
+              <a:lnSpc>
+                <a:spcPct val="100000"/>
+              </a:lnSpc>
+              <a:spcBef>
+                <a:spcPts val="0"/>
+              </a:spcBef>
+              <a:spcAft>
+                <a:spcPts val="0"/>
+              </a:spcAft>
+              <a:buClrTx/>
+              <a:buSzTx/>
+              <a:buFontTx/>
+              <a:buNone/>
+              <a:tabLst/>
+              <a:defRPr/>
+            </a:pPr>
+            <a:r>
+              <a:rPr lang="en-US" b="1" i="0" dirty="0">
+                <a:solidFill>
+                  <a:srgbClr val="444444"/>
+                </a:solidFill>
+                <a:effectLst/>
+                <a:latin typeface="PT Sans" panose="020B0503020203020204" pitchFamily="34" charset="0"/>
+              </a:rPr>
+              <a:t>Refined Abstractions</a:t>
+            </a:r>
+            <a:r>
+              <a:rPr lang="en-US" b="0" i="0" dirty="0">
+                <a:solidFill>
+                  <a:srgbClr val="444444"/>
+                </a:solidFill>
+                <a:effectLst/>
+                <a:latin typeface="PT Sans" panose="020B0503020203020204" pitchFamily="34" charset="0"/>
+              </a:rPr>
+              <a:t> provide variants of control logic. Like their parent, they work with different implementations via the general implementation interface.</a:t>
+            </a:r>
+          </a:p>
+          <a:p>
+            <a:pPr marL="0" marR="0" lvl="0" indent="0" algn="l" defTabSz="2438339" rtl="0" eaLnBrk="1" fontAlgn="auto" latinLnBrk="0" hangingPunct="1">
+              <a:lnSpc>
+                <a:spcPct val="100000"/>
+              </a:lnSpc>
+              <a:spcBef>
+                <a:spcPts val="0"/>
+              </a:spcBef>
+              <a:spcAft>
+                <a:spcPts val="0"/>
+              </a:spcAft>
+              <a:buClrTx/>
+              <a:buSzTx/>
+              <a:buFontTx/>
+              <a:buNone/>
+              <a:tabLst/>
+              <a:defRPr/>
+            </a:pPr>
+            <a:endParaRPr lang="en-US" b="0" i="0" dirty="0">
+              <a:solidFill>
+                <a:srgbClr val="444444"/>
+              </a:solidFill>
+              <a:effectLst/>
+              <a:latin typeface="PT Sans" panose="020B0503020203020204" pitchFamily="34" charset="0"/>
+            </a:endParaRPr>
+          </a:p>
+          <a:p>
+            <a:pPr marL="0" marR="0" lvl="0" indent="0" algn="l" defTabSz="2438339" rtl="0" eaLnBrk="1" fontAlgn="auto" latinLnBrk="0" hangingPunct="1">
+              <a:lnSpc>
+                <a:spcPct val="100000"/>
+              </a:lnSpc>
+              <a:spcBef>
+                <a:spcPts val="0"/>
+              </a:spcBef>
+              <a:spcAft>
+                <a:spcPts val="0"/>
+              </a:spcAft>
+              <a:buClrTx/>
+              <a:buSzTx/>
+              <a:buFontTx/>
+              <a:buNone/>
+              <a:tabLst/>
+              <a:defRPr/>
+            </a:pPr>
+            <a:r>
+              <a:rPr lang="en-US" b="0" i="0" dirty="0">
+                <a:solidFill>
+                  <a:srgbClr val="444444"/>
+                </a:solidFill>
+                <a:effectLst/>
+                <a:latin typeface="PT Sans" panose="020B0503020203020204" pitchFamily="34" charset="0"/>
+              </a:rPr>
+              <a:t>Usually, the </a:t>
+            </a:r>
+            <a:r>
+              <a:rPr lang="en-US" b="1" i="0" dirty="0">
+                <a:solidFill>
+                  <a:srgbClr val="444444"/>
+                </a:solidFill>
+                <a:effectLst/>
+                <a:latin typeface="PT Sans" panose="020B0503020203020204" pitchFamily="34" charset="0"/>
+              </a:rPr>
+              <a:t>Client</a:t>
+            </a:r>
+            <a:r>
+              <a:rPr lang="en-US" b="0" i="0" dirty="0">
+                <a:solidFill>
+                  <a:srgbClr val="444444"/>
+                </a:solidFill>
+                <a:effectLst/>
+                <a:latin typeface="PT Sans" panose="020B0503020203020204" pitchFamily="34" charset="0"/>
+              </a:rPr>
+              <a:t> is only interested in working with the abstraction. However, it’s the client’s job to link the abstraction object with one of the implementation objects.</a:t>
+            </a:r>
+          </a:p>
           <a:p>
             <a:endParaRPr lang="en-US" dirty="0"/>
           </a:p>
@@ -27105,7 +27637,37 @@
                 <a:effectLst/>
                 <a:latin typeface="Gilroy"/>
               </a:rPr>
-              <a:t>The extensive nesting has earned this approach the nickname "</a:t>
+              <a:t>The nesting(</a:t>
+            </a:r>
+            <a:r>
+              <a:rPr lang="zh-CN" altLang="en-US" b="0" i="0">
+                <a:solidFill>
+                  <a:srgbClr val="2A2B2E"/>
+                </a:solidFill>
+                <a:effectLst/>
+                <a:latin typeface="Gilroy"/>
+              </a:rPr>
+              <a:t>套入</a:t>
+            </a:r>
+            <a:r>
+              <a:rPr lang="en-US" b="0" i="0">
+                <a:solidFill>
+                  <a:srgbClr val="2A2B2E"/>
+                </a:solidFill>
+                <a:effectLst/>
+                <a:latin typeface="Gilroy"/>
+              </a:rPr>
+              <a:t>) </a:t>
+            </a:r>
+            <a:r>
+              <a:rPr lang="en-US" b="0" i="0" dirty="0">
+                <a:solidFill>
+                  <a:srgbClr val="2A2B2E"/>
+                </a:solidFill>
+                <a:effectLst/>
+                <a:latin typeface="Gilroy"/>
+              </a:rPr>
+              <a:t>has earned this approach the nickname "</a:t>
             </a:r>
             <a:r>
               <a:rPr lang="en-US" b="0" i="0" dirty="0">
@@ -27521,10 +28083,9 @@
               <a:defRPr/>
             </a:pPr>
             <a:r>
-              <a:rPr lang="en-US" sz="3200"/>
+              <a:rPr lang="en-US" sz="3200" dirty="0"/>
               <a:t>The field’s type should be declared as the component interface so it can contain both concrete components and decorators. </a:t>
             </a:r>
-            <a:endParaRPr lang="en-US" sz="3200" dirty="0"/>
           </a:p>
           <a:p>
             <a:pPr marL="0" marR="0" lvl="0" indent="0" algn="l" defTabSz="914400" rtl="0" eaLnBrk="1" fontAlgn="auto" latinLnBrk="0" hangingPunct="1">
@@ -27716,7 +28277,128 @@
           <a:bodyPr/>
           <a:lstStyle/>
           <a:p>
+            <a:r>
+              <a:rPr lang="en-US" dirty="0"/>
+              <a:t>These are the five design patterns I'm going to explain today.</a:t>
+            </a:r>
+          </a:p>
+          <a:p>
+            <a:r>
+              <a:rPr lang="en-US" dirty="0"/>
+              <a:t>I hope it can be helpful to everyone.</a:t>
+            </a:r>
+          </a:p>
+          <a:p>
             <a:endParaRPr lang="en-US" dirty="0"/>
+          </a:p>
+          <a:p>
+            <a:pPr marL="0" marR="0" lvl="0" indent="0" algn="l" defTabSz="2438339" rtl="0" eaLnBrk="1" fontAlgn="auto" latinLnBrk="0" hangingPunct="1">
+              <a:lnSpc>
+                <a:spcPct val="100000"/>
+              </a:lnSpc>
+              <a:spcBef>
+                <a:spcPts val="0"/>
+              </a:spcBef>
+              <a:spcAft>
+                <a:spcPts val="0"/>
+              </a:spcAft>
+              <a:buClrTx/>
+              <a:buSzTx/>
+              <a:buFontTx/>
+              <a:buNone/>
+              <a:tabLst/>
+              <a:defRPr/>
+            </a:pPr>
+            <a:r>
+              <a:rPr lang="en-US" b="1" dirty="0"/>
+              <a:t>Adapter </a:t>
+            </a:r>
+            <a:r>
+              <a:rPr lang="en-US" dirty="0"/>
+              <a:t>allows objects with incompatible interfaces to collaborate.</a:t>
+            </a:r>
+          </a:p>
+          <a:p>
+            <a:pPr marL="0" marR="0" lvl="0" indent="0" algn="l" defTabSz="2438339" rtl="0" eaLnBrk="1" fontAlgn="auto" latinLnBrk="0" hangingPunct="1">
+              <a:lnSpc>
+                <a:spcPct val="100000"/>
+              </a:lnSpc>
+              <a:spcBef>
+                <a:spcPts val="0"/>
+              </a:spcBef>
+              <a:spcAft>
+                <a:spcPts val="0"/>
+              </a:spcAft>
+              <a:buClrTx/>
+              <a:buSzTx/>
+              <a:buFontTx/>
+              <a:buNone/>
+              <a:tabLst/>
+              <a:defRPr/>
+            </a:pPr>
+            <a:r>
+              <a:rPr lang="en-US" b="1" dirty="0"/>
+              <a:t>Facade</a:t>
+            </a:r>
+            <a:r>
+              <a:rPr lang="en-US" dirty="0"/>
+              <a:t> provides convenient access to a particular part of the subsystem’s functionality. </a:t>
+            </a:r>
+          </a:p>
+          <a:p>
+            <a:pPr marL="0" marR="0" lvl="0" indent="0" algn="l" defTabSz="2438339" rtl="0" eaLnBrk="1" fontAlgn="auto" latinLnBrk="0" hangingPunct="1">
+              <a:lnSpc>
+                <a:spcPct val="100000"/>
+              </a:lnSpc>
+              <a:spcBef>
+                <a:spcPts val="0"/>
+              </a:spcBef>
+              <a:spcAft>
+                <a:spcPts val="0"/>
+              </a:spcAft>
+              <a:buClrTx/>
+              <a:buSzTx/>
+              <a:buFontTx/>
+              <a:buNone/>
+              <a:tabLst/>
+              <a:defRPr/>
+            </a:pPr>
+            <a:r>
+              <a:rPr lang="en-US" b="1" dirty="0"/>
+              <a:t>Proxy</a:t>
+            </a:r>
+            <a:r>
+              <a:rPr lang="en-US" dirty="0"/>
+              <a:t> lets you provide a substitute or placeholder for another object. </a:t>
+            </a:r>
+          </a:p>
+          <a:p>
+            <a:r>
+              <a:rPr lang="en-US" b="1" dirty="0"/>
+              <a:t>Bridge</a:t>
+            </a:r>
+            <a:r>
+              <a:rPr lang="en-US" dirty="0"/>
+              <a:t> lets you split a large </a:t>
+            </a:r>
+            <a:r>
+              <a:rPr lang="en-US" altLang="zh-CN" dirty="0"/>
+              <a:t>amount of </a:t>
+            </a:r>
+            <a:r>
+              <a:rPr lang="en-US" dirty="0"/>
+              <a:t>closely related classes into two separate layers, which can be developed independently of each other.</a:t>
+            </a:r>
+          </a:p>
+          <a:p>
+            <a:r>
+              <a:rPr lang="en-US" sz="6600" b="1" dirty="0"/>
+              <a:t>Decorator</a:t>
+            </a:r>
+            <a:r>
+              <a:rPr lang="en-US" sz="6600" dirty="0"/>
+              <a:t> lets you attach new behaviors to objects by placing these objects inside special wrapper objects.</a:t>
+            </a:r>
           </a:p>
         </p:txBody>
       </p:sp>
@@ -27737,7 +28419,7 @@
           <a:p>
             <a:fld id="{3960260C-8853-4159-8854-5A6834041865}" type="slidenum">
               <a:rPr lang="en-US" smtClean="0"/>
-              <a:t>19</a:t>
+              <a:t>20</a:t>
             </a:fld>
             <a:endParaRPr lang="en-US"/>
           </a:p>
@@ -27830,7 +28512,19 @@
                 <a:effectLst/>
                 <a:latin typeface="PT Sans" panose="020B0503020203020204" pitchFamily="34" charset="0"/>
               </a:rPr>
-              <a:t>When a solution gets repeated over and over in various projects, someone eventually puts a name to it and describes the solution in detail. That’s basically how a pattern gets discovered.</a:t>
+              <a:t>When a solution gets repeated over and over in various projects, someone eventually puts a name to it and describes the solution in detail. </a:t>
+            </a:r>
+          </a:p>
+          <a:p>
+            <a:r>
+              <a:rPr lang="en-US" b="0" i="0" dirty="0">
+                <a:solidFill>
+                  <a:srgbClr val="444444"/>
+                </a:solidFill>
+                <a:effectLst/>
+                <a:latin typeface="PT Sans" panose="020B0503020203020204" pitchFamily="34" charset="0"/>
+              </a:rPr>
+              <a:t>That’s basically how a pattern gets discovered.</a:t>
             </a:r>
             <a:endParaRPr lang="en-US" b="0" i="0" dirty="0">
               <a:solidFill>
@@ -28039,7 +28733,7 @@
                 <a:effectLst/>
                 <a:latin typeface="PT Sans" panose="020B0503020203020204" pitchFamily="34" charset="0"/>
               </a:rPr>
-              <a:t>Creational patterns</a:t>
+              <a:t>//Creational patterns</a:t>
             </a:r>
             <a:r>
               <a:rPr lang="en-US" b="0" i="0" dirty="0">
@@ -28065,7 +28759,7 @@
                 <a:effectLst/>
                 <a:latin typeface="PT Sans" panose="020B0503020203020204" pitchFamily="34" charset="0"/>
               </a:rPr>
-              <a:t>Behavioral patterns</a:t>
+              <a:t>//Behavioral patterns</a:t>
             </a:r>
             <a:r>
               <a:rPr lang="en-US" b="0" i="0" dirty="0">
@@ -28113,6 +28807,90 @@
     <p:extLst>
       <p:ext uri="{BB962C8B-B14F-4D97-AF65-F5344CB8AC3E}">
         <p14:creationId xmlns:p14="http://schemas.microsoft.com/office/powerpoint/2010/main" val="1963614690"/>
+      </p:ext>
+    </p:extLst>
+  </p:cSld>
+  <p:clrMapOvr>
+    <a:masterClrMapping/>
+  </p:clrMapOvr>
+</p:notes>
+</file>
+
+<file path=ppt/notesSlides/notesSlide20.xml><?xml version="1.0" encoding="utf-8"?>
+<p:notes xmlns:a="http://schemas.openxmlformats.org/drawingml/2006/main" xmlns:r="http://schemas.openxmlformats.org/officeDocument/2006/relationships" xmlns:p="http://schemas.openxmlformats.org/presentationml/2006/main">
+  <p:cSld>
+    <p:spTree>
+      <p:nvGrpSpPr>
+        <p:cNvPr id="1" name=""/>
+        <p:cNvGrpSpPr/>
+        <p:nvPr/>
+      </p:nvGrpSpPr>
+      <p:grpSpPr>
+        <a:xfrm>
+          <a:off x="0" y="0"/>
+          <a:ext cx="0" cy="0"/>
+          <a:chOff x="0" y="0"/>
+          <a:chExt cx="0" cy="0"/>
+        </a:xfrm>
+      </p:grpSpPr>
+      <p:sp>
+        <p:nvSpPr>
+          <p:cNvPr id="2" name="Slide Image Placeholder 1"/>
+          <p:cNvSpPr>
+            <a:spLocks noGrp="1" noRot="1" noChangeAspect="1"/>
+          </p:cNvSpPr>
+          <p:nvPr>
+            <p:ph type="sldImg"/>
+          </p:nvPr>
+        </p:nvSpPr>
+        <p:spPr/>
+      </p:sp>
+      <p:sp>
+        <p:nvSpPr>
+          <p:cNvPr id="3" name="Notes Placeholder 2"/>
+          <p:cNvSpPr>
+            <a:spLocks noGrp="1"/>
+          </p:cNvSpPr>
+          <p:nvPr>
+            <p:ph type="body" idx="1"/>
+          </p:nvPr>
+        </p:nvSpPr>
+        <p:spPr/>
+        <p:txBody>
+          <a:bodyPr/>
+          <a:lstStyle/>
+          <a:p>
+            <a:endParaRPr lang="en-AU" dirty="0"/>
+          </a:p>
+        </p:txBody>
+      </p:sp>
+      <p:sp>
+        <p:nvSpPr>
+          <p:cNvPr id="4" name="Slide Number Placeholder 3"/>
+          <p:cNvSpPr>
+            <a:spLocks noGrp="1"/>
+          </p:cNvSpPr>
+          <p:nvPr>
+            <p:ph type="sldNum" sz="quarter" idx="10"/>
+          </p:nvPr>
+        </p:nvSpPr>
+        <p:spPr/>
+        <p:txBody>
+          <a:bodyPr/>
+          <a:lstStyle/>
+          <a:p>
+            <a:fld id="{01420855-62A1-43EF-8815-D1313CE67D77}" type="slidenum">
+              <a:rPr lang="en-AU" smtClean="0"/>
+              <a:t>22</a:t>
+            </a:fld>
+            <a:endParaRPr lang="en-AU" dirty="0"/>
+          </a:p>
+        </p:txBody>
+      </p:sp>
+    </p:spTree>
+    <p:extLst>
+      <p:ext uri="{BB962C8B-B14F-4D97-AF65-F5344CB8AC3E}">
+        <p14:creationId xmlns:p14="http://schemas.microsoft.com/office/powerpoint/2010/main" val="1690349428"/>
       </p:ext>
     </p:extLst>
   </p:cSld>
@@ -28415,6 +29193,92 @@
             </a:pPr>
             <a:r>
               <a:rPr lang="en-US" dirty="0"/>
+              <a:t>This is the complete implementation of this pattern. There are three different roles.</a:t>
+            </a:r>
+          </a:p>
+          <a:p>
+            <a:pPr marL="0" marR="0" lvl="0" indent="0" algn="l" defTabSz="914400" rtl="0" eaLnBrk="1" fontAlgn="auto" latinLnBrk="0" hangingPunct="1">
+              <a:lnSpc>
+                <a:spcPct val="100000"/>
+              </a:lnSpc>
+              <a:spcBef>
+                <a:spcPts val="0"/>
+              </a:spcBef>
+              <a:spcAft>
+                <a:spcPts val="0"/>
+              </a:spcAft>
+              <a:buClrTx/>
+              <a:buSzTx/>
+              <a:buFontTx/>
+              <a:buNone/>
+              <a:tabLst/>
+              <a:defRPr/>
+            </a:pPr>
+            <a:endParaRPr lang="en-US" dirty="0"/>
+          </a:p>
+          <a:p>
+            <a:pPr marL="0" marR="0" lvl="0" indent="0" algn="l" defTabSz="914400" rtl="0" eaLnBrk="1" fontAlgn="auto" latinLnBrk="0" hangingPunct="1">
+              <a:lnSpc>
+                <a:spcPct val="100000"/>
+              </a:lnSpc>
+              <a:spcBef>
+                <a:spcPts val="0"/>
+              </a:spcBef>
+              <a:spcAft>
+                <a:spcPts val="0"/>
+              </a:spcAft>
+              <a:buClrTx/>
+              <a:buSzTx/>
+              <a:buFontTx/>
+              <a:buNone/>
+              <a:tabLst/>
+              <a:defRPr/>
+            </a:pPr>
+            <a:r>
+              <a:rPr lang="en-US" dirty="0"/>
+              <a:t>Target is also called Client Interface.</a:t>
+            </a:r>
+          </a:p>
+          <a:p>
+            <a:pPr marL="0" marR="0" lvl="0" indent="0" algn="l" defTabSz="914400" rtl="0" eaLnBrk="1" fontAlgn="auto" latinLnBrk="0" hangingPunct="1">
+              <a:lnSpc>
+                <a:spcPct val="100000"/>
+              </a:lnSpc>
+              <a:spcBef>
+                <a:spcPts val="0"/>
+              </a:spcBef>
+              <a:spcAft>
+                <a:spcPts val="0"/>
+              </a:spcAft>
+              <a:buClrTx/>
+              <a:buSzTx/>
+              <a:buFontTx/>
+              <a:buNone/>
+              <a:tabLst/>
+              <a:defRPr/>
+            </a:pPr>
+            <a:endParaRPr lang="en-US" dirty="0"/>
+          </a:p>
+          <a:p>
+            <a:pPr marL="0" marR="0" lvl="0" indent="0" algn="l" defTabSz="914400" rtl="0" eaLnBrk="1" fontAlgn="auto" latinLnBrk="0" hangingPunct="1">
+              <a:lnSpc>
+                <a:spcPct val="100000"/>
+              </a:lnSpc>
+              <a:spcBef>
+                <a:spcPts val="0"/>
+              </a:spcBef>
+              <a:spcAft>
+                <a:spcPts val="0"/>
+              </a:spcAft>
+              <a:buClrTx/>
+              <a:buSzTx/>
+              <a:buFontTx/>
+              <a:buNone/>
+              <a:tabLst/>
+              <a:defRPr/>
+            </a:pPr>
+            <a:r>
+              <a:rPr lang="en-US" dirty="0"/>
               <a:t>Depending on the implementation, it can also be divided into </a:t>
             </a:r>
             <a:r>
@@ -28455,18 +29319,116 @@
             <a:endParaRPr lang="en-US" dirty="0"/>
           </a:p>
           <a:p>
+            <a:pPr marL="0" marR="0" lvl="0" indent="0" algn="l" defTabSz="914400" rtl="0" eaLnBrk="1" fontAlgn="auto" latinLnBrk="0" hangingPunct="1">
+              <a:lnSpc>
+                <a:spcPct val="100000"/>
+              </a:lnSpc>
+              <a:spcBef>
+                <a:spcPts val="0"/>
+              </a:spcBef>
+              <a:spcAft>
+                <a:spcPts val="0"/>
+              </a:spcAft>
+              <a:buClrTx/>
+              <a:buSzTx/>
+              <a:buFontTx/>
+              <a:buNone/>
+              <a:tabLst/>
+              <a:defRPr/>
+            </a:pPr>
             <a:r>
               <a:rPr lang="en-US" dirty="0"/>
-              <a:t>The </a:t>
-            </a:r>
-            <a:r>
-              <a:rPr lang="en-US" b="1" dirty="0"/>
-              <a:t>Client Interface</a:t>
+              <a:t>We call the adapter in the </a:t>
+            </a:r>
+            <a:r>
+              <a:rPr lang="en-US" altLang="zh-CN" dirty="0"/>
+              <a:t>first picture </a:t>
             </a:r>
             <a:r>
               <a:rPr lang="en-US" dirty="0"/>
-              <a:t> describes a protocol that other classes must follow to be able to collaborate with the client code.</a:t>
-            </a:r>
+              <a:t>O</a:t>
+            </a:r>
+            <a:r>
+              <a:rPr lang="en-US" altLang="zh-CN" dirty="0"/>
+              <a:t>bject</a:t>
+            </a:r>
+            <a:r>
+              <a:rPr lang="en-US" dirty="0"/>
+              <a:t> Adapter</a:t>
+            </a:r>
+            <a:r>
+              <a:rPr lang="zh-CN" altLang="en-US" dirty="0"/>
+              <a:t>，</a:t>
+            </a:r>
+            <a:r>
+              <a:rPr lang="en-US" altLang="zh-CN" dirty="0"/>
+              <a:t>that’s because it holds </a:t>
+            </a:r>
+            <a:r>
+              <a:rPr lang="en-US" dirty="0"/>
+              <a:t>object : </a:t>
+            </a:r>
+            <a:r>
+              <a:rPr lang="en-US" dirty="0" err="1"/>
+              <a:t>Adaptee</a:t>
+            </a:r>
+            <a:endParaRPr lang="en-US" dirty="0"/>
+          </a:p>
+          <a:p>
+            <a:pPr marL="0" marR="0" lvl="0" indent="0" algn="l" defTabSz="914400" rtl="0" eaLnBrk="1" fontAlgn="auto" latinLnBrk="0" hangingPunct="1">
+              <a:lnSpc>
+                <a:spcPct val="100000"/>
+              </a:lnSpc>
+              <a:spcBef>
+                <a:spcPts val="0"/>
+              </a:spcBef>
+              <a:spcAft>
+                <a:spcPts val="0"/>
+              </a:spcAft>
+              <a:buClrTx/>
+              <a:buSzTx/>
+              <a:buFontTx/>
+              <a:buNone/>
+              <a:tabLst/>
+              <a:defRPr/>
+            </a:pPr>
+            <a:r>
+              <a:rPr lang="en-US" dirty="0"/>
+              <a:t>We call the adapter in the </a:t>
+            </a:r>
+            <a:r>
+              <a:rPr lang="en-US" altLang="zh-CN" dirty="0"/>
+              <a:t>second picture </a:t>
+            </a:r>
+            <a:r>
+              <a:rPr lang="en-US" dirty="0"/>
+              <a:t>Class Adapter</a:t>
+            </a:r>
+            <a:r>
+              <a:rPr lang="zh-CN" altLang="en-US" dirty="0"/>
+              <a:t>，</a:t>
+            </a:r>
+            <a:r>
+              <a:rPr lang="en-US" altLang="zh-CN" dirty="0"/>
+              <a:t>that’s because it </a:t>
+            </a:r>
+            <a:r>
+              <a:rPr lang="en-US" dirty="0"/>
+              <a:t>inherits</a:t>
+            </a:r>
+            <a:r>
+              <a:rPr lang="en-US" altLang="zh-CN" dirty="0"/>
+              <a:t> </a:t>
+            </a:r>
+            <a:r>
+              <a:rPr lang="en-US" dirty="0"/>
+              <a:t>object : </a:t>
+            </a:r>
+            <a:r>
+              <a:rPr lang="en-US" dirty="0" err="1"/>
+              <a:t>Adaptee</a:t>
+            </a:r>
+            <a:endParaRPr lang="en-US" altLang="zh-CN" dirty="0"/>
           </a:p>
           <a:p>
             <a:endParaRPr lang="en-US" dirty="0"/>
@@ -28474,15 +29436,21 @@
           <a:p>
             <a:r>
               <a:rPr lang="en-US" dirty="0"/>
-              <a:t>The </a:t>
+              <a:t>//The </a:t>
             </a:r>
             <a:r>
               <a:rPr lang="en-US" b="1" dirty="0"/>
-              <a:t>Service</a:t>
+              <a:t>Adapter</a:t>
             </a:r>
             <a:r>
               <a:rPr lang="en-US" dirty="0"/>
-              <a:t> is some useful class (usually 3rd-party or legacy). The client can’t use this class directly because it has an incompatible interface.</a:t>
+              <a:t> is a class that’s able to work with both the client and the service: it implements the client interface, while wrapping the service object. </a:t>
+            </a:r>
+          </a:p>
+          <a:p>
+            <a:r>
+              <a:rPr lang="en-US" dirty="0"/>
+              <a:t>//The adapter receives calls from the client via the adapter interface and translates them into calls to the wrapped service object in a format it can understand.</a:t>
             </a:r>
           </a:p>
           <a:p>
@@ -28491,21 +29459,32 @@
           <a:p>
             <a:r>
               <a:rPr lang="en-US" dirty="0"/>
-              <a:t>The </a:t>
+              <a:t>//The </a:t>
             </a:r>
             <a:r>
               <a:rPr lang="en-US" b="1" dirty="0"/>
-              <a:t>Adapter</a:t>
+              <a:t>Client Interface</a:t>
             </a:r>
             <a:r>
               <a:rPr lang="en-US" dirty="0"/>
-              <a:t> is a class that’s able to work with both the client and the service: it implements the client interface, while wrapping the service object. </a:t>
+              <a:t> describes a protocol that other classes must follow to be able to collaborate with the client code.</a:t>
             </a:r>
           </a:p>
           <a:p>
+            <a:endParaRPr lang="en-US" dirty="0"/>
+          </a:p>
+          <a:p>
             <a:r>
               <a:rPr lang="en-US" dirty="0"/>
-              <a:t>The adapter receives calls from the client via the adapter interface and translates them into calls to the wrapped service object in a format it can understand.</a:t>
+              <a:t>//The </a:t>
+            </a:r>
+            <a:r>
+              <a:rPr lang="en-US" b="1" dirty="0"/>
+              <a:t>Service</a:t>
+            </a:r>
+            <a:r>
+              <a:rPr lang="en-US" dirty="0"/>
+              <a:t> is some useful class (usually 3rd-party or legacy). The client can’t use this class directly because it has an incompatible interface.</a:t>
             </a:r>
           </a:p>
           <a:p>
@@ -29029,24 +30008,15 @@
           <a:p>
             <a:r>
               <a:rPr lang="en-US" dirty="0"/>
-              <a:t>Since t</a:t>
+              <a:t>The </a:t>
             </a:r>
             <a:r>
               <a:rPr lang="en-US" altLang="zh-CN" dirty="0"/>
-              <a:t>he client code won’t get into </a:t>
+              <a:t>client code won’t get into </a:t>
             </a:r>
             <a:r>
               <a:rPr lang="en-US" dirty="0"/>
               <a:t>complex logic of one or several subsystems.</a:t>
-            </a:r>
-          </a:p>
-          <a:p>
-            <a:endParaRPr lang="en-US" dirty="0"/>
-          </a:p>
-          <a:p>
-            <a:r>
-              <a:rPr lang="en-US" dirty="0"/>
-              <a:t>However, the Facade delegates the requests to subsystem.</a:t>
             </a:r>
           </a:p>
           <a:p>
@@ -29061,7 +30031,7 @@
                 <a:effectLst/>
                 <a:latin typeface="PT Sans" panose="020B0503020203020204" pitchFamily="34" charset="0"/>
               </a:rPr>
-              <a:t>Subsystems often get more complex over time. The configuration it requires grows ever larger.</a:t>
+              <a:t>In the actual project, Subsystems often get more complex over time. The configuration it requires grows ever larger.</a:t>
             </a:r>
           </a:p>
           <a:p>
@@ -29073,8 +30043,42 @@
                 <a:effectLst/>
                 <a:latin typeface="PT Sans" panose="020B0503020203020204" pitchFamily="34" charset="0"/>
               </a:rPr>
-              <a:t>The Facade attempts to fix this problem by providing a shortcut to the most-used features of the subsystem which fit most client requirements.</a:t>
-            </a:r>
+              <a:t>The Facade attempts to fix this problem by providing a shortcut to the most-used features of the subsystem //which fit most client requirements.</a:t>
+            </a:r>
+          </a:p>
+          <a:p>
+            <a:endParaRPr lang="en-US" b="0" i="0" dirty="0">
+              <a:solidFill>
+                <a:srgbClr val="444444"/>
+              </a:solidFill>
+              <a:effectLst/>
+              <a:latin typeface="PT Sans" panose="020B0503020203020204" pitchFamily="34" charset="0"/>
+            </a:endParaRPr>
+          </a:p>
+          <a:p>
+            <a:pPr marL="0" marR="0" lvl="0" indent="0" algn="l" defTabSz="2438339" rtl="0" eaLnBrk="1" fontAlgn="auto" latinLnBrk="0" hangingPunct="1">
+              <a:lnSpc>
+                <a:spcPct val="100000"/>
+              </a:lnSpc>
+              <a:spcBef>
+                <a:spcPts val="0"/>
+              </a:spcBef>
+              <a:spcAft>
+                <a:spcPts val="0"/>
+              </a:spcAft>
+              <a:buClrTx/>
+              <a:buSzTx/>
+              <a:buFontTx/>
+              <a:buNone/>
+              <a:tabLst/>
+              <a:defRPr/>
+            </a:pPr>
+            <a:r>
+              <a:rPr lang="en-US" dirty="0"/>
+              <a:t>However, the Facade delegates the requests to subsystem.</a:t>
+            </a:r>
+          </a:p>
+          <a:p>
             <a:endParaRPr lang="en-US" dirty="0"/>
           </a:p>
           <a:p>
@@ -29171,13 +30175,59 @@
             </a:r>
             <a:r>
               <a:rPr lang="en-US" dirty="0"/>
-              <a:t> lets you provide a substitute or placeholder for another object. </a:t>
+              <a:t> lets you provide a substitute(</a:t>
+            </a:r>
+            <a:r>
+              <a:rPr lang="zh-CN" altLang="en-US" b="0" i="0" dirty="0">
+                <a:solidFill>
+                  <a:srgbClr val="101214"/>
+                </a:solidFill>
+                <a:effectLst/>
+                <a:latin typeface="Gilroy"/>
+              </a:rPr>
+              <a:t>替代品</a:t>
+            </a:r>
+            <a:r>
+              <a:rPr lang="en-US" dirty="0"/>
+              <a:t>) or placeholder for another object. </a:t>
             </a:r>
           </a:p>
           <a:p>
+            <a:endParaRPr lang="en-US" dirty="0"/>
+          </a:p>
+          <a:p>
             <a:r>
               <a:rPr lang="en-US" dirty="0"/>
-              <a:t>A proxy controls access to the original object, allowing you to perform something either before or after the request gets through to the original object.</a:t>
+              <a:t>The box on the left refers to Client code</a:t>
+            </a:r>
+          </a:p>
+          <a:p>
+            <a:r>
+              <a:rPr lang="en-US" dirty="0"/>
+              <a:t>The box on the right, you can think of it as the original object we want to use.</a:t>
+            </a:r>
+          </a:p>
+          <a:p>
+            <a:r>
+              <a:rPr lang="en-US" dirty="0"/>
+              <a:t>The </a:t>
+            </a:r>
+            <a:r>
+              <a:rPr lang="en-US" b="1" dirty="0"/>
+              <a:t>Proxy </a:t>
+            </a:r>
+            <a:r>
+              <a:rPr lang="en-US" b="0" dirty="0"/>
+              <a:t>is the red part in this picture.</a:t>
+            </a:r>
+          </a:p>
+          <a:p>
+            <a:endParaRPr lang="en-US" dirty="0"/>
+          </a:p>
+          <a:p>
+            <a:r>
+              <a:rPr lang="en-US" dirty="0"/>
+              <a:t>It controls access to the original object, allowing you to perform something either before or after the request gets through to the original object.</a:t>
             </a:r>
           </a:p>
           <a:p>
@@ -34168,106 +35218,39 @@
       </p:grpSpPr>
       <p:sp>
         <p:nvSpPr>
-          <p:cNvPr id="6" name="TextBox 5">
+          <p:cNvPr id="4" name="Title 3">
             <a:extLst>
               <a:ext uri="{FF2B5EF4-FFF2-40B4-BE49-F238E27FC236}">
-                <a16:creationId xmlns:a16="http://schemas.microsoft.com/office/drawing/2014/main" id="{3FB7BDD9-9B0E-E59D-891E-50C1F28334AE}"/>
+                <a16:creationId xmlns:a16="http://schemas.microsoft.com/office/drawing/2014/main" id="{78051BCC-075C-B9B4-7A01-CC4726D18895}"/>
               </a:ext>
             </a:extLst>
           </p:cNvPr>
-          <p:cNvSpPr txBox="1"/>
-          <p:nvPr/>
+          <p:cNvSpPr>
+            <a:spLocks noGrp="1"/>
+          </p:cNvSpPr>
+          <p:nvPr>
+            <p:ph type="title"/>
+          </p:nvPr>
         </p:nvSpPr>
-        <p:spPr>
-          <a:xfrm>
-            <a:off x="1080000" y="1125271"/>
-            <a:ext cx="22201232" cy="701456"/>
-          </a:xfrm>
-          <a:prstGeom prst="rect">
-            <a:avLst/>
-          </a:prstGeom>
-        </p:spPr>
+        <p:spPr/>
         <p:txBody>
-          <a:bodyPr vert="horz" lIns="0" tIns="0" rIns="0" bIns="0" rtlCol="0" anchor="t">
-            <a:normAutofit lnSpcReduction="10000"/>
-          </a:bodyPr>
+          <a:bodyPr/>
           <a:lstStyle/>
           <a:p>
-            <a:pPr defTabSz="2438430">
-              <a:lnSpc>
-                <a:spcPct val="85000"/>
-              </a:lnSpc>
-              <a:spcBef>
-                <a:spcPct val="0"/>
-              </a:spcBef>
-              <a:spcAft>
-                <a:spcPts val="1200"/>
-              </a:spcAft>
-            </a:pPr>
-            <a:r>
-              <a:rPr lang="en-US" sz="5400" b="1" spc="-50" dirty="0">
-                <a:solidFill>
-                  <a:schemeClr val="accent2"/>
-                </a:solidFill>
-                <a:latin typeface="+mj-lt"/>
-                <a:ea typeface="+mj-ea"/>
-                <a:cs typeface="+mj-cs"/>
-              </a:rPr>
-              <a:t>Structural</a:t>
-            </a:r>
-            <a:r>
-              <a:rPr lang="en-US" sz="5000" spc="-50" dirty="0">
-                <a:solidFill>
-                  <a:schemeClr val="accent2"/>
-                </a:solidFill>
-                <a:latin typeface="+mj-lt"/>
-                <a:ea typeface="+mj-ea"/>
-                <a:cs typeface="+mj-cs"/>
-              </a:rPr>
-              <a:t> </a:t>
-            </a:r>
-            <a:r>
-              <a:rPr lang="en-US" sz="5400" b="1" spc="-50" dirty="0">
-                <a:solidFill>
-                  <a:schemeClr val="accent2"/>
-                </a:solidFill>
-                <a:latin typeface="+mj-lt"/>
-                <a:ea typeface="+mj-ea"/>
-                <a:cs typeface="+mj-cs"/>
-              </a:rPr>
-              <a:t>Design</a:t>
-            </a:r>
-            <a:r>
-              <a:rPr lang="en-US" sz="5000" spc="-50" dirty="0">
-                <a:solidFill>
-                  <a:schemeClr val="accent2"/>
-                </a:solidFill>
-                <a:latin typeface="+mj-lt"/>
-                <a:ea typeface="+mj-ea"/>
-                <a:cs typeface="+mj-cs"/>
-              </a:rPr>
-              <a:t> </a:t>
-            </a:r>
-            <a:r>
-              <a:rPr lang="en-US" sz="5400" b="1" spc="-50" dirty="0">
-                <a:solidFill>
-                  <a:schemeClr val="accent2"/>
-                </a:solidFill>
-                <a:latin typeface="+mj-lt"/>
-                <a:ea typeface="+mj-ea"/>
-                <a:cs typeface="+mj-cs"/>
-              </a:rPr>
-              <a:t>Patterns</a:t>
-            </a:r>
+            <a:r>
+              <a:rPr lang="en-US" b="1" dirty="0"/>
+              <a:t>5. Decorator</a:t>
+            </a:r>
+            <a:endParaRPr lang="en-US" dirty="0"/>
           </a:p>
         </p:txBody>
       </p:sp>
       <p:sp>
         <p:nvSpPr>
-          <p:cNvPr id="13" name="Footer Placeholder 4">
+          <p:cNvPr id="5" name="Footer Placeholder 4">
             <a:extLst>
               <a:ext uri="{FF2B5EF4-FFF2-40B4-BE49-F238E27FC236}">
-                <a16:creationId xmlns:a16="http://schemas.microsoft.com/office/drawing/2014/main" id="{3ECFF561-806D-930C-FF5C-2DB328C2407B}"/>
+                <a16:creationId xmlns:a16="http://schemas.microsoft.com/office/drawing/2014/main" id="{29AB56C4-2108-4593-FDA9-19F95128D418}"/>
               </a:ext>
             </a:extLst>
           </p:cNvPr>
@@ -34278,28 +35261,14 @@
             <p:ph type="ftr" sz="quarter" idx="3"/>
           </p:nvPr>
         </p:nvSpPr>
-        <p:spPr>
-          <a:xfrm>
-            <a:off x="1535016" y="12960000"/>
-            <a:ext cx="2016024" cy="180000"/>
-          </a:xfrm>
-        </p:spPr>
+        <p:spPr/>
         <p:txBody>
           <a:bodyPr/>
           <a:lstStyle/>
           <a:p>
-            <a:pPr>
-              <a:spcAft>
-                <a:spcPts val="600"/>
-              </a:spcAft>
-            </a:pPr>
-            <a:r>
-              <a:rPr lang="en-AU" dirty="0"/>
-              <a:t>© 2023 </a:t>
-            </a:r>
-            <a:r>
-              <a:rPr lang="en-AU" dirty="0" err="1"/>
-              <a:t>CargoWise</a:t>
+            <a:r>
+              <a:rPr lang="en-AU"/>
+              <a:t>© 2020 CargoWise</a:t>
             </a:r>
             <a:endParaRPr lang="en-AU" dirty="0"/>
           </a:p>
@@ -34307,10 +35276,10 @@
       </p:sp>
       <p:sp>
         <p:nvSpPr>
-          <p:cNvPr id="15" name="Slide Number Placeholder 5">
+          <p:cNvPr id="6" name="Slide Number Placeholder 5">
             <a:extLst>
               <a:ext uri="{FF2B5EF4-FFF2-40B4-BE49-F238E27FC236}">
-                <a16:creationId xmlns:a16="http://schemas.microsoft.com/office/drawing/2014/main" id="{7DA3C72D-E3B7-AFD2-2367-1B8758B57B30}"/>
+                <a16:creationId xmlns:a16="http://schemas.microsoft.com/office/drawing/2014/main" id="{428631F3-08A2-FFB5-C2DB-2531B1C31F6E}"/>
               </a:ext>
             </a:extLst>
           </p:cNvPr>
@@ -34321,66 +35290,54 @@
             <p:ph type="sldNum" sz="quarter" idx="4"/>
           </p:nvPr>
         </p:nvSpPr>
-        <p:spPr>
-          <a:xfrm>
-            <a:off x="1080000" y="12960000"/>
-            <a:ext cx="310800" cy="180000"/>
-          </a:xfrm>
-        </p:spPr>
+        <p:spPr/>
         <p:txBody>
           <a:bodyPr/>
           <a:lstStyle/>
           <a:p>
-            <a:pPr>
-              <a:spcAft>
-                <a:spcPts val="600"/>
-              </a:spcAft>
-            </a:pPr>
             <a:fld id="{67E7CB4E-0848-4774-9F85-B38117CB1B54}" type="slidenum">
               <a:rPr lang="en-AU" smtClean="0"/>
-              <a:pPr>
-                <a:spcAft>
-                  <a:spcPts val="600"/>
-                </a:spcAft>
-              </a:pPr>
+              <a:pPr/>
               <a:t>19</a:t>
             </a:fld>
-            <a:endParaRPr lang="en-AU"/>
+            <a:endParaRPr lang="en-AU" dirty="0"/>
           </a:p>
         </p:txBody>
       </p:sp>
-      <p:graphicFrame>
-        <p:nvGraphicFramePr>
-          <p:cNvPr id="4" name="Diagram 3">
+      <p:pic>
+        <p:nvPicPr>
+          <p:cNvPr id="11" name="Picture 10">
             <a:extLst>
               <a:ext uri="{FF2B5EF4-FFF2-40B4-BE49-F238E27FC236}">
-                <a16:creationId xmlns:a16="http://schemas.microsoft.com/office/drawing/2014/main" id="{F24AEBD7-4394-A74A-64EE-2AE4E6086DB6}"/>
+                <a16:creationId xmlns:a16="http://schemas.microsoft.com/office/drawing/2014/main" id="{63188CB9-4498-4B3D-E0CE-513AA9D0B090}"/>
               </a:ext>
             </a:extLst>
           </p:cNvPr>
-          <p:cNvGraphicFramePr/>
-          <p:nvPr>
-            <p:extLst>
-              <p:ext uri="{D42A27DB-BD31-4B8C-83A1-F6EECF244321}">
-                <p14:modId xmlns:p14="http://schemas.microsoft.com/office/powerpoint/2010/main" val="3730843891"/>
-              </p:ext>
-            </p:extLst>
-          </p:nvPr>
-        </p:nvGraphicFramePr>
-        <p:xfrm>
-          <a:off x="6575376" y="2897560"/>
-          <a:ext cx="10628550" cy="7920880"/>
-        </p:xfrm>
-        <a:graphic>
-          <a:graphicData uri="http://schemas.openxmlformats.org/drawingml/2006/diagram">
-            <dgm:relIds xmlns:dgm="http://schemas.openxmlformats.org/drawingml/2006/diagram" xmlns:r="http://schemas.openxmlformats.org/officeDocument/2006/relationships" r:dm="rId3" r:lo="rId4" r:qs="rId5" r:cs="rId6"/>
-          </a:graphicData>
-        </a:graphic>
-      </p:graphicFrame>
+          <p:cNvPicPr>
+            <a:picLocks noChangeAspect="1"/>
+          </p:cNvPicPr>
+          <p:nvPr/>
+        </p:nvPicPr>
+        <p:blipFill>
+          <a:blip r:embed="rId2"/>
+          <a:stretch>
+            <a:fillRect/>
+          </a:stretch>
+        </p:blipFill>
+        <p:spPr>
+          <a:xfrm>
+            <a:off x="2470920" y="2765393"/>
+            <a:ext cx="18473376" cy="8237975"/>
+          </a:xfrm>
+          <a:prstGeom prst="rect">
+            <a:avLst/>
+          </a:prstGeom>
+        </p:spPr>
+      </p:pic>
     </p:spTree>
     <p:extLst>
       <p:ext uri="{BB962C8B-B14F-4D97-AF65-F5344CB8AC3E}">
-        <p14:creationId xmlns:p14="http://schemas.microsoft.com/office/powerpoint/2010/main" val="291393146"/>
+        <p14:creationId xmlns:p14="http://schemas.microsoft.com/office/powerpoint/2010/main" val="4106383840"/>
       </p:ext>
     </p:extLst>
   </p:cSld>
@@ -34568,10 +35525,106 @@
       </p:grpSpPr>
       <p:sp>
         <p:nvSpPr>
-          <p:cNvPr id="11" name="Content Placeholder 10">
+          <p:cNvPr id="6" name="TextBox 5">
             <a:extLst>
               <a:ext uri="{FF2B5EF4-FFF2-40B4-BE49-F238E27FC236}">
-                <a16:creationId xmlns:a16="http://schemas.microsoft.com/office/drawing/2014/main" id="{B4FC8108-2EFA-47A7-B644-5E5786E2FD7D}"/>
+                <a16:creationId xmlns:a16="http://schemas.microsoft.com/office/drawing/2014/main" id="{3FB7BDD9-9B0E-E59D-891E-50C1F28334AE}"/>
+              </a:ext>
+            </a:extLst>
+          </p:cNvPr>
+          <p:cNvSpPr txBox="1"/>
+          <p:nvPr/>
+        </p:nvSpPr>
+        <p:spPr>
+          <a:xfrm>
+            <a:off x="1080000" y="1125271"/>
+            <a:ext cx="22201232" cy="701456"/>
+          </a:xfrm>
+          <a:prstGeom prst="rect">
+            <a:avLst/>
+          </a:prstGeom>
+        </p:spPr>
+        <p:txBody>
+          <a:bodyPr vert="horz" lIns="0" tIns="0" rIns="0" bIns="0" rtlCol="0" anchor="t">
+            <a:normAutofit lnSpcReduction="10000"/>
+          </a:bodyPr>
+          <a:lstStyle/>
+          <a:p>
+            <a:pPr defTabSz="2438430">
+              <a:lnSpc>
+                <a:spcPct val="85000"/>
+              </a:lnSpc>
+              <a:spcBef>
+                <a:spcPct val="0"/>
+              </a:spcBef>
+              <a:spcAft>
+                <a:spcPts val="1200"/>
+              </a:spcAft>
+            </a:pPr>
+            <a:r>
+              <a:rPr lang="en-US" sz="5400" b="1" spc="-50" dirty="0">
+                <a:solidFill>
+                  <a:schemeClr val="accent2"/>
+                </a:solidFill>
+                <a:latin typeface="+mj-lt"/>
+                <a:ea typeface="+mj-ea"/>
+                <a:cs typeface="+mj-cs"/>
+              </a:rPr>
+              <a:t>Structural</a:t>
+            </a:r>
+            <a:r>
+              <a:rPr lang="en-US" sz="5000" spc="-50" dirty="0">
+                <a:solidFill>
+                  <a:schemeClr val="accent2"/>
+                </a:solidFill>
+                <a:latin typeface="+mj-lt"/>
+                <a:ea typeface="+mj-ea"/>
+                <a:cs typeface="+mj-cs"/>
+              </a:rPr>
+              <a:t> </a:t>
+            </a:r>
+            <a:r>
+              <a:rPr lang="en-US" sz="5400" b="1" spc="-50" dirty="0">
+                <a:solidFill>
+                  <a:schemeClr val="accent2"/>
+                </a:solidFill>
+                <a:latin typeface="+mj-lt"/>
+                <a:ea typeface="+mj-ea"/>
+                <a:cs typeface="+mj-cs"/>
+              </a:rPr>
+              <a:t>Design</a:t>
+            </a:r>
+            <a:r>
+              <a:rPr lang="en-US" sz="5000" spc="-50" dirty="0">
+                <a:solidFill>
+                  <a:schemeClr val="accent2"/>
+                </a:solidFill>
+                <a:latin typeface="+mj-lt"/>
+                <a:ea typeface="+mj-ea"/>
+                <a:cs typeface="+mj-cs"/>
+              </a:rPr>
+              <a:t> </a:t>
+            </a:r>
+            <a:r>
+              <a:rPr lang="en-US" sz="5400" b="1" spc="-50" dirty="0">
+                <a:solidFill>
+                  <a:schemeClr val="accent2"/>
+                </a:solidFill>
+                <a:latin typeface="+mj-lt"/>
+                <a:ea typeface="+mj-ea"/>
+                <a:cs typeface="+mj-cs"/>
+              </a:rPr>
+              <a:t>Patterns</a:t>
+            </a:r>
+          </a:p>
+        </p:txBody>
+      </p:sp>
+      <p:sp>
+        <p:nvSpPr>
+          <p:cNvPr id="13" name="Footer Placeholder 4">
+            <a:extLst>
+              <a:ext uri="{FF2B5EF4-FFF2-40B4-BE49-F238E27FC236}">
+                <a16:creationId xmlns:a16="http://schemas.microsoft.com/office/drawing/2014/main" id="{3ECFF561-806D-930C-FF5C-2DB328C2407B}"/>
               </a:ext>
             </a:extLst>
           </p:cNvPr>
@@ -34579,7 +35632,152 @@
             <a:spLocks noGrp="1"/>
           </p:cNvSpPr>
           <p:nvPr>
-            <p:ph idx="1"/>
+            <p:ph type="ftr" sz="quarter" idx="3"/>
+          </p:nvPr>
+        </p:nvSpPr>
+        <p:spPr>
+          <a:xfrm>
+            <a:off x="1535016" y="12960000"/>
+            <a:ext cx="2016024" cy="180000"/>
+          </a:xfrm>
+        </p:spPr>
+        <p:txBody>
+          <a:bodyPr/>
+          <a:lstStyle/>
+          <a:p>
+            <a:pPr>
+              <a:spcAft>
+                <a:spcPts val="600"/>
+              </a:spcAft>
+            </a:pPr>
+            <a:r>
+              <a:rPr lang="en-AU" dirty="0"/>
+              <a:t>© 2023 </a:t>
+            </a:r>
+            <a:r>
+              <a:rPr lang="en-AU" dirty="0" err="1"/>
+              <a:t>CargoWise</a:t>
+            </a:r>
+            <a:endParaRPr lang="en-AU" dirty="0"/>
+          </a:p>
+        </p:txBody>
+      </p:sp>
+      <p:sp>
+        <p:nvSpPr>
+          <p:cNvPr id="15" name="Slide Number Placeholder 5">
+            <a:extLst>
+              <a:ext uri="{FF2B5EF4-FFF2-40B4-BE49-F238E27FC236}">
+                <a16:creationId xmlns:a16="http://schemas.microsoft.com/office/drawing/2014/main" id="{7DA3C72D-E3B7-AFD2-2367-1B8758B57B30}"/>
+              </a:ext>
+            </a:extLst>
+          </p:cNvPr>
+          <p:cNvSpPr>
+            <a:spLocks noGrp="1"/>
+          </p:cNvSpPr>
+          <p:nvPr>
+            <p:ph type="sldNum" sz="quarter" idx="4"/>
+          </p:nvPr>
+        </p:nvSpPr>
+        <p:spPr>
+          <a:xfrm>
+            <a:off x="1080000" y="12960000"/>
+            <a:ext cx="310800" cy="180000"/>
+          </a:xfrm>
+        </p:spPr>
+        <p:txBody>
+          <a:bodyPr/>
+          <a:lstStyle/>
+          <a:p>
+            <a:pPr>
+              <a:spcAft>
+                <a:spcPts val="600"/>
+              </a:spcAft>
+            </a:pPr>
+            <a:fld id="{67E7CB4E-0848-4774-9F85-B38117CB1B54}" type="slidenum">
+              <a:rPr lang="en-AU" smtClean="0"/>
+              <a:pPr>
+                <a:spcAft>
+                  <a:spcPts val="600"/>
+                </a:spcAft>
+              </a:pPr>
+              <a:t>20</a:t>
+            </a:fld>
+            <a:endParaRPr lang="en-AU"/>
+          </a:p>
+        </p:txBody>
+      </p:sp>
+      <p:graphicFrame>
+        <p:nvGraphicFramePr>
+          <p:cNvPr id="4" name="Diagram 3">
+            <a:extLst>
+              <a:ext uri="{FF2B5EF4-FFF2-40B4-BE49-F238E27FC236}">
+                <a16:creationId xmlns:a16="http://schemas.microsoft.com/office/drawing/2014/main" id="{F24AEBD7-4394-A74A-64EE-2AE4E6086DB6}"/>
+              </a:ext>
+            </a:extLst>
+          </p:cNvPr>
+          <p:cNvGraphicFramePr/>
+          <p:nvPr>
+            <p:extLst>
+              <p:ext uri="{D42A27DB-BD31-4B8C-83A1-F6EECF244321}">
+                <p14:modId xmlns:p14="http://schemas.microsoft.com/office/powerpoint/2010/main" val="3730843891"/>
+              </p:ext>
+            </p:extLst>
+          </p:nvPr>
+        </p:nvGraphicFramePr>
+        <p:xfrm>
+          <a:off x="6575376" y="2897560"/>
+          <a:ext cx="10628550" cy="7920880"/>
+        </p:xfrm>
+        <a:graphic>
+          <a:graphicData uri="http://schemas.openxmlformats.org/drawingml/2006/diagram">
+            <dgm:relIds xmlns:dgm="http://schemas.openxmlformats.org/drawingml/2006/diagram" xmlns:r="http://schemas.openxmlformats.org/officeDocument/2006/relationships" r:dm="rId3" r:lo="rId4" r:qs="rId5" r:cs="rId6"/>
+          </a:graphicData>
+        </a:graphic>
+      </p:graphicFrame>
+    </p:spTree>
+    <p:extLst>
+      <p:ext uri="{BB962C8B-B14F-4D97-AF65-F5344CB8AC3E}">
+        <p14:creationId xmlns:p14="http://schemas.microsoft.com/office/powerpoint/2010/main" val="291393146"/>
+      </p:ext>
+    </p:extLst>
+  </p:cSld>
+  <p:clrMapOvr>
+    <a:masterClrMapping/>
+  </p:clrMapOvr>
+</p:sld>
+</file>
+
+<file path=ppt/slides/slide21.xml><?xml version="1.0" encoding="utf-8"?>
+<p:sld xmlns:a="http://schemas.openxmlformats.org/drawingml/2006/main" xmlns:r="http://schemas.openxmlformats.org/officeDocument/2006/relationships" xmlns:p="http://schemas.openxmlformats.org/presentationml/2006/main">
+  <p:cSld>
+    <p:spTree>
+      <p:nvGrpSpPr>
+        <p:cNvPr id="1" name=""/>
+        <p:cNvGrpSpPr/>
+        <p:nvPr/>
+      </p:nvGrpSpPr>
+      <p:grpSpPr>
+        <a:xfrm>
+          <a:off x="0" y="0"/>
+          <a:ext cx="0" cy="0"/>
+          <a:chOff x="0" y="0"/>
+          <a:chExt cx="0" cy="0"/>
+        </a:xfrm>
+      </p:grpSpPr>
+      <p:sp>
+        <p:nvSpPr>
+          <p:cNvPr id="2" name="Text Placeholder 1">
+            <a:extLst>
+              <a:ext uri="{FF2B5EF4-FFF2-40B4-BE49-F238E27FC236}">
+                <a16:creationId xmlns:a16="http://schemas.microsoft.com/office/drawing/2014/main" id="{E0704F2D-9BCC-45BD-AB45-8AB3A276AA48}"/>
+              </a:ext>
+            </a:extLst>
+          </p:cNvPr>
+          <p:cNvSpPr>
+            <a:spLocks noGrp="1"/>
+          </p:cNvSpPr>
+          <p:nvPr>
+            <p:ph type="body" sz="quarter" idx="14"/>
           </p:nvPr>
         </p:nvSpPr>
         <p:spPr/>
@@ -34587,66 +35785,19 @@
           <a:bodyPr/>
           <a:lstStyle/>
           <a:p>
-            <a:endParaRPr lang="en-US" dirty="0"/>
+            <a:r>
+              <a:rPr lang="en-AU" dirty="0"/>
+              <a:t>Q&amp;A</a:t>
+            </a:r>
           </a:p>
         </p:txBody>
       </p:sp>
       <p:sp>
         <p:nvSpPr>
-          <p:cNvPr id="10" name="Title 9">
+          <p:cNvPr id="4" name="Footer Placeholder 3">
             <a:extLst>
               <a:ext uri="{FF2B5EF4-FFF2-40B4-BE49-F238E27FC236}">
-                <a16:creationId xmlns:a16="http://schemas.microsoft.com/office/drawing/2014/main" id="{89A55923-A041-4025-BAC3-248BAD42DD6D}"/>
-              </a:ext>
-            </a:extLst>
-          </p:cNvPr>
-          <p:cNvSpPr>
-            <a:spLocks noGrp="1"/>
-          </p:cNvSpPr>
-          <p:nvPr>
-            <p:ph type="title"/>
-          </p:nvPr>
-        </p:nvSpPr>
-        <p:spPr/>
-        <p:txBody>
-          <a:bodyPr/>
-          <a:lstStyle/>
-          <a:p>
-            <a:endParaRPr lang="en-US" dirty="0"/>
-          </a:p>
-        </p:txBody>
-      </p:sp>
-      <p:sp>
-        <p:nvSpPr>
-          <p:cNvPr id="13" name="Content Placeholder 12">
-            <a:extLst>
-              <a:ext uri="{FF2B5EF4-FFF2-40B4-BE49-F238E27FC236}">
-                <a16:creationId xmlns:a16="http://schemas.microsoft.com/office/drawing/2014/main" id="{5687FA31-A4C6-49FE-97F6-E033BB98EDCE}"/>
-              </a:ext>
-            </a:extLst>
-          </p:cNvPr>
-          <p:cNvSpPr>
-            <a:spLocks noGrp="1"/>
-          </p:cNvSpPr>
-          <p:nvPr>
-            <p:ph sz="quarter" idx="15"/>
-          </p:nvPr>
-        </p:nvSpPr>
-        <p:spPr/>
-        <p:txBody>
-          <a:bodyPr/>
-          <a:lstStyle/>
-          <a:p>
-            <a:endParaRPr lang="en-US"/>
-          </a:p>
-        </p:txBody>
-      </p:sp>
-      <p:sp>
-        <p:nvSpPr>
-          <p:cNvPr id="2" name="Footer Placeholder 1">
-            <a:extLst>
-              <a:ext uri="{FF2B5EF4-FFF2-40B4-BE49-F238E27FC236}">
-                <a16:creationId xmlns:a16="http://schemas.microsoft.com/office/drawing/2014/main" id="{A078EA89-E9FF-4D7E-9836-9B57F76F7CC0}"/>
+                <a16:creationId xmlns:a16="http://schemas.microsoft.com/office/drawing/2014/main" id="{702BB244-0143-46E9-AB0D-33C6D0BE5A90}"/>
               </a:ext>
             </a:extLst>
           </p:cNvPr>
@@ -34663,18 +35814,49 @@
           <a:lstStyle/>
           <a:p>
             <a:r>
-              <a:rPr lang="en-AU" dirty="0"/>
-              <a:t>© 2023 CargoWise</a:t>
-            </a:r>
+              <a:rPr lang="en-AU"/>
+              <a:t>© 2020 CargoWise</a:t>
+            </a:r>
+            <a:endParaRPr lang="en-AU" dirty="0"/>
           </a:p>
         </p:txBody>
       </p:sp>
+    </p:spTree>
+    <p:extLst>
+      <p:ext uri="{BB962C8B-B14F-4D97-AF65-F5344CB8AC3E}">
+        <p14:creationId xmlns:p14="http://schemas.microsoft.com/office/powerpoint/2010/main" val="4119860341"/>
+      </p:ext>
+    </p:extLst>
+  </p:cSld>
+  <p:clrMapOvr>
+    <a:masterClrMapping/>
+  </p:clrMapOvr>
+</p:sld>
+</file>
+
+<file path=ppt/slides/slide22.xml><?xml version="1.0" encoding="utf-8"?>
+<p:sld xmlns:a="http://schemas.openxmlformats.org/drawingml/2006/main" xmlns:r="http://schemas.openxmlformats.org/officeDocument/2006/relationships" xmlns:p="http://schemas.openxmlformats.org/presentationml/2006/main">
+  <p:cSld>
+    <p:spTree>
+      <p:nvGrpSpPr>
+        <p:cNvPr id="1" name=""/>
+        <p:cNvGrpSpPr/>
+        <p:nvPr/>
+      </p:nvGrpSpPr>
+      <p:grpSpPr>
+        <a:xfrm>
+          <a:off x="0" y="0"/>
+          <a:ext cx="0" cy="0"/>
+          <a:chOff x="0" y="0"/>
+          <a:chExt cx="0" cy="0"/>
+        </a:xfrm>
+      </p:grpSpPr>
       <p:sp>
         <p:nvSpPr>
-          <p:cNvPr id="3" name="Slide Number Placeholder 2">
+          <p:cNvPr id="30" name="Footer Placeholder 29">
             <a:extLst>
               <a:ext uri="{FF2B5EF4-FFF2-40B4-BE49-F238E27FC236}">
-                <a16:creationId xmlns:a16="http://schemas.microsoft.com/office/drawing/2014/main" id="{C2D48919-875B-4574-B245-4E246981CBC8}"/>
+                <a16:creationId xmlns:a16="http://schemas.microsoft.com/office/drawing/2014/main" id="{62D608DF-2C21-42F8-B47A-E608979F4842}"/>
               </a:ext>
             </a:extLst>
           </p:cNvPr>
@@ -34682,7 +35864,7 @@
             <a:spLocks noGrp="1"/>
           </p:cNvSpPr>
           <p:nvPr>
-            <p:ph type="sldNum" sz="quarter" idx="4"/>
+            <p:ph type="ftr" sz="quarter" idx="3"/>
           </p:nvPr>
         </p:nvSpPr>
         <p:spPr/>
@@ -34690,29 +35872,21 @@
           <a:bodyPr/>
           <a:lstStyle/>
           <a:p>
-            <a:fld id="{67E7CB4E-0848-4774-9F85-B38117CB1B54}" type="slidenum">
-              <a:rPr lang="en-AU" smtClean="0"/>
-              <a:pPr/>
-              <a:t>20</a:t>
-            </a:fld>
-            <a:endParaRPr lang="en-AU"/>
+            <a:r>
+              <a:rPr lang="en-AU" dirty="0"/>
+              <a:t>© 2021 CargoWise</a:t>
+            </a:r>
           </a:p>
         </p:txBody>
       </p:sp>
       <p:sp>
         <p:nvSpPr>
-          <p:cNvPr id="12" name="Text Placeholder 11">
-            <a:extLst>
-              <a:ext uri="{FF2B5EF4-FFF2-40B4-BE49-F238E27FC236}">
-                <a16:creationId xmlns:a16="http://schemas.microsoft.com/office/drawing/2014/main" id="{892436DA-58A9-419A-A8AC-6097CE509E1F}"/>
-              </a:ext>
-            </a:extLst>
-          </p:cNvPr>
+          <p:cNvPr id="4" name="Text Placeholder 3"/>
           <p:cNvSpPr>
             <a:spLocks noGrp="1"/>
           </p:cNvSpPr>
           <p:nvPr>
-            <p:ph type="body" sz="quarter" idx="13"/>
+            <p:ph type="body" sz="quarter" idx="10"/>
           </p:nvPr>
         </p:nvSpPr>
         <p:spPr/>
@@ -34720,14 +35894,213 @@
           <a:bodyPr/>
           <a:lstStyle/>
           <a:p>
-            <a:endParaRPr lang="en-US" dirty="0"/>
+            <a:r>
+              <a:rPr lang="en-AU" dirty="0"/>
+              <a:t>Empowering and enabling the logistics industry globally.</a:t>
+            </a:r>
+          </a:p>
+        </p:txBody>
+      </p:sp>
+      <p:sp>
+        <p:nvSpPr>
+          <p:cNvPr id="5" name="Text Placeholder 1">
+            <a:extLst>
+              <a:ext uri="{FF2B5EF4-FFF2-40B4-BE49-F238E27FC236}">
+                <a16:creationId xmlns:a16="http://schemas.microsoft.com/office/drawing/2014/main" id="{D4B988F3-58D3-40E6-87BB-85DAF8116B68}"/>
+              </a:ext>
+            </a:extLst>
+          </p:cNvPr>
+          <p:cNvSpPr txBox="1">
+            <a:spLocks/>
+          </p:cNvSpPr>
+          <p:nvPr/>
+        </p:nvSpPr>
+        <p:spPr>
+          <a:xfrm>
+            <a:off x="1080000" y="6137920"/>
+            <a:ext cx="19032880" cy="2520280"/>
+          </a:xfrm>
+          <a:prstGeom prst="rect">
+            <a:avLst/>
+          </a:prstGeom>
+        </p:spPr>
+        <p:txBody>
+          <a:bodyPr vert="horz" lIns="0" tIns="0" rIns="0" bIns="0" rtlCol="0" anchor="b">
+            <a:normAutofit/>
+          </a:bodyPr>
+          <a:lstStyle>
+            <a:lvl1pPr marL="0" indent="0" algn="l" defTabSz="2438430" rtl="0" eaLnBrk="1" latinLnBrk="0" hangingPunct="1">
+              <a:spcBef>
+                <a:spcPts val="0"/>
+              </a:spcBef>
+              <a:spcAft>
+                <a:spcPts val="992"/>
+              </a:spcAft>
+              <a:buFont typeface="Arial" panose="020B0604020202020204" pitchFamily="34" charset="0"/>
+              <a:buNone/>
+              <a:defRPr sz="8000" b="0" kern="1200" spc="-50" baseline="0">
+                <a:solidFill>
+                  <a:schemeClr val="bg1"/>
+                </a:solidFill>
+                <a:latin typeface="+mn-lt"/>
+                <a:ea typeface="+mn-ea"/>
+                <a:cs typeface="+mn-cs"/>
+              </a:defRPr>
+            </a:lvl1pPr>
+            <a:lvl2pPr marL="0" indent="0" algn="l" defTabSz="2438430" rtl="0" eaLnBrk="1" latinLnBrk="0" hangingPunct="1">
+              <a:spcBef>
+                <a:spcPts val="600"/>
+              </a:spcBef>
+              <a:spcAft>
+                <a:spcPts val="600"/>
+              </a:spcAft>
+              <a:buFont typeface="Arial" panose="020B0604020202020204" pitchFamily="34" charset="0"/>
+              <a:buNone/>
+              <a:defRPr sz="3200" kern="1200" spc="-50" baseline="0">
+                <a:solidFill>
+                  <a:schemeClr val="bg1"/>
+                </a:solidFill>
+                <a:latin typeface="+mn-lt"/>
+                <a:ea typeface="+mn-ea"/>
+                <a:cs typeface="+mn-cs"/>
+              </a:defRPr>
+            </a:lvl2pPr>
+            <a:lvl3pPr marL="0" indent="0" algn="l" defTabSz="2438430" rtl="0" eaLnBrk="1" latinLnBrk="0" hangingPunct="1">
+              <a:spcBef>
+                <a:spcPts val="300"/>
+              </a:spcBef>
+              <a:spcAft>
+                <a:spcPts val="600"/>
+              </a:spcAft>
+              <a:buClr>
+                <a:schemeClr val="tx2"/>
+              </a:buClr>
+              <a:buFont typeface="Arial" panose="020B0604020202020204" pitchFamily="34" charset="0"/>
+              <a:buNone/>
+              <a:defRPr sz="2400" kern="1200" spc="-50" baseline="0">
+                <a:solidFill>
+                  <a:schemeClr val="bg1"/>
+                </a:solidFill>
+                <a:latin typeface="+mn-lt"/>
+                <a:ea typeface="+mn-ea"/>
+                <a:cs typeface="+mn-cs"/>
+              </a:defRPr>
+            </a:lvl3pPr>
+            <a:lvl4pPr marL="378000" indent="0" algn="l" defTabSz="2438430" rtl="0" eaLnBrk="1" latinLnBrk="0" hangingPunct="1">
+              <a:spcBef>
+                <a:spcPts val="300"/>
+              </a:spcBef>
+              <a:spcAft>
+                <a:spcPts val="600"/>
+              </a:spcAft>
+              <a:buClr>
+                <a:schemeClr val="tx2"/>
+              </a:buClr>
+              <a:buFont typeface="Arial" panose="020B0604020202020204" pitchFamily="34" charset="0"/>
+              <a:buNone/>
+              <a:defRPr sz="2400" kern="1200" spc="-50" baseline="0">
+                <a:solidFill>
+                  <a:schemeClr val="bg1"/>
+                </a:solidFill>
+                <a:latin typeface="+mn-lt"/>
+                <a:ea typeface="+mn-ea"/>
+                <a:cs typeface="+mn-cs"/>
+              </a:defRPr>
+            </a:lvl4pPr>
+            <a:lvl5pPr marL="1443586" indent="-482606" algn="l" defTabSz="2438430" rtl="0" eaLnBrk="1" latinLnBrk="0" hangingPunct="1">
+              <a:spcBef>
+                <a:spcPts val="300"/>
+              </a:spcBef>
+              <a:spcAft>
+                <a:spcPts val="600"/>
+              </a:spcAft>
+              <a:buClr>
+                <a:schemeClr val="tx2"/>
+              </a:buClr>
+              <a:buFont typeface="Arial" panose="020B0604020202020204" pitchFamily="34" charset="0"/>
+              <a:buChar char="‒"/>
+              <a:defRPr sz="2400" kern="1200" spc="-50" baseline="0">
+                <a:solidFill>
+                  <a:schemeClr val="tx2"/>
+                </a:solidFill>
+                <a:latin typeface="+mn-lt"/>
+                <a:ea typeface="+mn-ea"/>
+                <a:cs typeface="+mn-cs"/>
+              </a:defRPr>
+            </a:lvl5pPr>
+            <a:lvl6pPr marL="6705684" indent="-609608" algn="l" defTabSz="2438430" rtl="0" eaLnBrk="1" latinLnBrk="0" hangingPunct="1">
+              <a:spcBef>
+                <a:spcPct val="20000"/>
+              </a:spcBef>
+              <a:buFont typeface="Arial" panose="020B0604020202020204" pitchFamily="34" charset="0"/>
+              <a:buChar char="•"/>
+              <a:defRPr sz="5333" kern="1200">
+                <a:solidFill>
+                  <a:schemeClr val="tx1"/>
+                </a:solidFill>
+                <a:latin typeface="+mn-lt"/>
+                <a:ea typeface="+mn-ea"/>
+                <a:cs typeface="+mn-cs"/>
+              </a:defRPr>
+            </a:lvl6pPr>
+            <a:lvl7pPr marL="7924899" indent="-609608" algn="l" defTabSz="2438430" rtl="0" eaLnBrk="1" latinLnBrk="0" hangingPunct="1">
+              <a:spcBef>
+                <a:spcPct val="20000"/>
+              </a:spcBef>
+              <a:buFont typeface="Arial" panose="020B0604020202020204" pitchFamily="34" charset="0"/>
+              <a:buChar char="•"/>
+              <a:defRPr sz="5333" kern="1200">
+                <a:solidFill>
+                  <a:schemeClr val="tx1"/>
+                </a:solidFill>
+                <a:latin typeface="+mn-lt"/>
+                <a:ea typeface="+mn-ea"/>
+                <a:cs typeface="+mn-cs"/>
+              </a:defRPr>
+            </a:lvl7pPr>
+            <a:lvl8pPr marL="9144114" indent="-609608" algn="l" defTabSz="2438430" rtl="0" eaLnBrk="1" latinLnBrk="0" hangingPunct="1">
+              <a:spcBef>
+                <a:spcPct val="20000"/>
+              </a:spcBef>
+              <a:buFont typeface="Arial" panose="020B0604020202020204" pitchFamily="34" charset="0"/>
+              <a:buChar char="•"/>
+              <a:defRPr sz="5333" kern="1200">
+                <a:solidFill>
+                  <a:schemeClr val="tx1"/>
+                </a:solidFill>
+                <a:latin typeface="+mn-lt"/>
+                <a:ea typeface="+mn-ea"/>
+                <a:cs typeface="+mn-cs"/>
+              </a:defRPr>
+            </a:lvl8pPr>
+            <a:lvl9pPr marL="10363330" indent="-609608" algn="l" defTabSz="2438430" rtl="0" eaLnBrk="1" latinLnBrk="0" hangingPunct="1">
+              <a:spcBef>
+                <a:spcPct val="20000"/>
+              </a:spcBef>
+              <a:buFont typeface="Arial" panose="020B0604020202020204" pitchFamily="34" charset="0"/>
+              <a:buChar char="•"/>
+              <a:defRPr sz="5333" kern="1200">
+                <a:solidFill>
+                  <a:schemeClr val="tx1"/>
+                </a:solidFill>
+                <a:latin typeface="+mn-lt"/>
+                <a:ea typeface="+mn-ea"/>
+                <a:cs typeface="+mn-cs"/>
+              </a:defRPr>
+            </a:lvl9pPr>
+          </a:lstStyle>
+          <a:p>
+            <a:r>
+              <a:rPr lang="en-AU" dirty="0"/>
+              <a:t>Thank You!</a:t>
+            </a:r>
           </a:p>
         </p:txBody>
       </p:sp>
     </p:spTree>
     <p:extLst>
       <p:ext uri="{BB962C8B-B14F-4D97-AF65-F5344CB8AC3E}">
-        <p14:creationId xmlns:p14="http://schemas.microsoft.com/office/powerpoint/2010/main" val="3845220615"/>
+        <p14:creationId xmlns:p14="http://schemas.microsoft.com/office/powerpoint/2010/main" val="1537924355"/>
       </p:ext>
     </p:extLst>
   </p:cSld>
@@ -35251,7 +36624,7 @@
           <p:nvPr>
             <p:extLst>
               <p:ext uri="{D42A27DB-BD31-4B8C-83A1-F6EECF244321}">
-                <p14:modId xmlns:p14="http://schemas.microsoft.com/office/powerpoint/2010/main" val="2003902912"/>
+                <p14:modId xmlns:p14="http://schemas.microsoft.com/office/powerpoint/2010/main" val="2006612011"/>
               </p:ext>
             </p:extLst>
           </p:nvPr>
@@ -36908,6 +38281,49 @@
 </file>
 
 <file path=customXml/item1.xml><?xml version="1.0" encoding="utf-8"?>
+<p:properties xmlns:p="http://schemas.microsoft.com/office/2006/metadata/properties" xmlns:xsi="http://www.w3.org/2001/XMLSchema-instance" xmlns:pc="http://schemas.microsoft.com/office/infopath/2007/PartnerControls">
+  <documentManagement>
+    <m31bf1e07b944e52adeba921bc267c6f xmlns="5b887053-13c9-4ef0-8e1a-18d371f97b0f">
+      <Terms xmlns="http://schemas.microsoft.com/office/infopath/2007/PartnerControls">
+        <TermInfo xmlns="http://schemas.microsoft.com/office/infopath/2007/PartnerControls">
+          <TermName xmlns="http://schemas.microsoft.com/office/infopath/2007/PartnerControls">Template</TermName>
+          <TermId xmlns="http://schemas.microsoft.com/office/infopath/2007/PartnerControls">4cb20c5d-8684-4c01-8767-8f31339dae89</TermId>
+        </TermInfo>
+      </Terms>
+    </m31bf1e07b944e52adeba921bc267c6f>
+    <b0c2500a83b44d29aa19c43daa01cbea xmlns="5b887053-13c9-4ef0-8e1a-18d371f97b0f">
+      <Terms xmlns="http://schemas.microsoft.com/office/infopath/2007/PartnerControls">
+        <TermInfo xmlns="http://schemas.microsoft.com/office/infopath/2007/PartnerControls">
+          <TermName xmlns="http://schemas.microsoft.com/office/infopath/2007/PartnerControls">External Presentation Templates</TermName>
+          <TermId xmlns="http://schemas.microsoft.com/office/infopath/2007/PartnerControls">caad3a6e-0773-4fd4-8a19-b76678610a1f</TermId>
+        </TermInfo>
+      </Terms>
+    </b0c2500a83b44d29aa19c43daa01cbea>
+    <TaxCatchAll xmlns="5b887053-13c9-4ef0-8e1a-18d371f97b0f">
+      <Value>529</Value>
+      <Value>535</Value>
+    </TaxCatchAll>
+    <SharedWithUsers xmlns="5b887053-13c9-4ef0-8e1a-18d371f97b0f">
+      <UserInfo>
+        <DisplayName/>
+        <AccountId xsi:nil="true"/>
+        <AccountType/>
+      </UserInfo>
+    </SharedWithUsers>
+  </documentManagement>
+</p:properties>
+</file>
+
+<file path=customXml/item2.xml><?xml version="1.0" encoding="utf-8"?>
+<?mso-contentType ?>
+<FormTemplates xmlns="http://schemas.microsoft.com/sharepoint/v3/contenttype/forms">
+  <Display>DocumentLibraryForm</Display>
+  <Edit>DocumentLibraryForm</Edit>
+  <New>DocumentLibraryForm</New>
+</FormTemplates>
+</file>
+
+<file path=customXml/item3.xml><?xml version="1.0" encoding="utf-8"?>
 <ct:contentTypeSchema xmlns:ct="http://schemas.microsoft.com/office/2006/metadata/contentType" xmlns:ma="http://schemas.microsoft.com/office/2006/metadata/properties/metaAttributes" ct:_="" ma:_="" ma:contentTypeName="Document" ma:contentTypeID="0x010100EEBA5D7D688A8D40BC8134A23630083E" ma:contentTypeVersion="17" ma:contentTypeDescription="Create a new document." ma:contentTypeScope="" ma:versionID="6c9f025c4a6d5a921d1240212dd2136e">
   <xsd:schema xmlns:xsd="http://www.w3.org/2001/XMLSchema" xmlns:xs="http://www.w3.org/2001/XMLSchema" xmlns:p="http://schemas.microsoft.com/office/2006/metadata/properties" xmlns:ns2="5b887053-13c9-4ef0-8e1a-18d371f97b0f" xmlns:ns3="0cb0f8a9-a4a1-4c3c-bc15-be6ee1e258a4" targetNamespace="http://schemas.microsoft.com/office/2006/metadata/properties" ma:root="true" ma:fieldsID="76276428416178d444d5a49df65bd1b6" ns2:_="" ns3:_="">
     <xsd:import namespace="5b887053-13c9-4ef0-8e1a-18d371f97b0f"/>
@@ -37140,50 +38556,32 @@
 </ct:contentTypeSchema>
 </file>
 
-<file path=customXml/item2.xml><?xml version="1.0" encoding="utf-8"?>
-<?mso-contentType ?>
-<FormTemplates xmlns="http://schemas.microsoft.com/sharepoint/v3/contenttype/forms">
-  <Display>DocumentLibraryForm</Display>
-  <Edit>DocumentLibraryForm</Edit>
-  <New>DocumentLibraryForm</New>
-</FormTemplates>
+<file path=customXml/itemProps1.xml><?xml version="1.0" encoding="utf-8"?>
+<ds:datastoreItem xmlns:ds="http://schemas.openxmlformats.org/officeDocument/2006/customXml" ds:itemID="{FDC47B46-8518-488D-ACE5-55099526A1A9}">
+  <ds:schemaRefs>
+    <ds:schemaRef ds:uri="http://schemas.microsoft.com/office/2006/metadata/properties"/>
+    <ds:schemaRef ds:uri="http://purl.org/dc/terms/"/>
+    <ds:schemaRef ds:uri="http://schemas.microsoft.com/office/2006/documentManagement/types"/>
+    <ds:schemaRef ds:uri="http://schemas.microsoft.com/office/infopath/2007/PartnerControls"/>
+    <ds:schemaRef ds:uri="http://purl.org/dc/elements/1.1/"/>
+    <ds:schemaRef ds:uri="http://www.w3.org/XML/1998/namespace"/>
+    <ds:schemaRef ds:uri="0cb0f8a9-a4a1-4c3c-bc15-be6ee1e258a4"/>
+    <ds:schemaRef ds:uri="http://schemas.openxmlformats.org/package/2006/metadata/core-properties"/>
+    <ds:schemaRef ds:uri="5b887053-13c9-4ef0-8e1a-18d371f97b0f"/>
+    <ds:schemaRef ds:uri="http://purl.org/dc/dcmitype/"/>
+  </ds:schemaRefs>
+</ds:datastoreItem>
 </file>
 
-<file path=customXml/item3.xml><?xml version="1.0" encoding="utf-8"?>
-<p:properties xmlns:p="http://schemas.microsoft.com/office/2006/metadata/properties" xmlns:xsi="http://www.w3.org/2001/XMLSchema-instance" xmlns:pc="http://schemas.microsoft.com/office/infopath/2007/PartnerControls">
-  <documentManagement>
-    <m31bf1e07b944e52adeba921bc267c6f xmlns="5b887053-13c9-4ef0-8e1a-18d371f97b0f">
-      <Terms xmlns="http://schemas.microsoft.com/office/infopath/2007/PartnerControls">
-        <TermInfo xmlns="http://schemas.microsoft.com/office/infopath/2007/PartnerControls">
-          <TermName xmlns="http://schemas.microsoft.com/office/infopath/2007/PartnerControls">Template</TermName>
-          <TermId xmlns="http://schemas.microsoft.com/office/infopath/2007/PartnerControls">4cb20c5d-8684-4c01-8767-8f31339dae89</TermId>
-        </TermInfo>
-      </Terms>
-    </m31bf1e07b944e52adeba921bc267c6f>
-    <b0c2500a83b44d29aa19c43daa01cbea xmlns="5b887053-13c9-4ef0-8e1a-18d371f97b0f">
-      <Terms xmlns="http://schemas.microsoft.com/office/infopath/2007/PartnerControls">
-        <TermInfo xmlns="http://schemas.microsoft.com/office/infopath/2007/PartnerControls">
-          <TermName xmlns="http://schemas.microsoft.com/office/infopath/2007/PartnerControls">External Presentation Templates</TermName>
-          <TermId xmlns="http://schemas.microsoft.com/office/infopath/2007/PartnerControls">caad3a6e-0773-4fd4-8a19-b76678610a1f</TermId>
-        </TermInfo>
-      </Terms>
-    </b0c2500a83b44d29aa19c43daa01cbea>
-    <TaxCatchAll xmlns="5b887053-13c9-4ef0-8e1a-18d371f97b0f">
-      <Value>529</Value>
-      <Value>535</Value>
-    </TaxCatchAll>
-    <SharedWithUsers xmlns="5b887053-13c9-4ef0-8e1a-18d371f97b0f">
-      <UserInfo>
-        <DisplayName/>
-        <AccountId xsi:nil="true"/>
-        <AccountType/>
-      </UserInfo>
-    </SharedWithUsers>
-  </documentManagement>
-</p:properties>
+<file path=customXml/itemProps2.xml><?xml version="1.0" encoding="utf-8"?>
+<ds:datastoreItem xmlns:ds="http://schemas.openxmlformats.org/officeDocument/2006/customXml" ds:itemID="{D703E6E5-489B-4004-B595-51B1421CF944}">
+  <ds:schemaRefs>
+    <ds:schemaRef ds:uri="http://schemas.microsoft.com/sharepoint/v3/contenttype/forms"/>
+  </ds:schemaRefs>
+</ds:datastoreItem>
 </file>
 
-<file path=customXml/itemProps1.xml><?xml version="1.0" encoding="utf-8"?>
+<file path=customXml/itemProps3.xml><?xml version="1.0" encoding="utf-8"?>
 <ds:datastoreItem xmlns:ds="http://schemas.openxmlformats.org/officeDocument/2006/customXml" ds:itemID="{3ACBF87C-9E24-4F0A-85E5-D0AA1A6E191C}">
   <ds:schemaRefs>
     <ds:schemaRef ds:uri="http://schemas.microsoft.com/office/2006/metadata/contentType"/>
@@ -37200,29 +38598,4 @@
     <ds:schemaRef ds:uri="http://schemas.microsoft.com/internal/obd"/>
   </ds:schemaRefs>
 </ds:datastoreItem>
-</file>
-
-<file path=customXml/itemProps2.xml><?xml version="1.0" encoding="utf-8"?>
-<ds:datastoreItem xmlns:ds="http://schemas.openxmlformats.org/officeDocument/2006/customXml" ds:itemID="{D703E6E5-489B-4004-B595-51B1421CF944}">
-  <ds:schemaRefs>
-    <ds:schemaRef ds:uri="http://schemas.microsoft.com/sharepoint/v3/contenttype/forms"/>
-  </ds:schemaRefs>
-</ds:datastoreItem>
-</file>
-
-<file path=customXml/itemProps3.xml><?xml version="1.0" encoding="utf-8"?>
-<ds:datastoreItem xmlns:ds="http://schemas.openxmlformats.org/officeDocument/2006/customXml" ds:itemID="{FDC47B46-8518-488D-ACE5-55099526A1A9}">
-  <ds:schemaRefs>
-    <ds:schemaRef ds:uri="http://schemas.microsoft.com/office/2006/metadata/properties"/>
-    <ds:schemaRef ds:uri="http://purl.org/dc/terms/"/>
-    <ds:schemaRef ds:uri="http://schemas.microsoft.com/office/2006/documentManagement/types"/>
-    <ds:schemaRef ds:uri="http://schemas.microsoft.com/office/infopath/2007/PartnerControls"/>
-    <ds:schemaRef ds:uri="http://purl.org/dc/elements/1.1/"/>
-    <ds:schemaRef ds:uri="http://www.w3.org/XML/1998/namespace"/>
-    <ds:schemaRef ds:uri="0cb0f8a9-a4a1-4c3c-bc15-be6ee1e258a4"/>
-    <ds:schemaRef ds:uri="http://schemas.openxmlformats.org/package/2006/metadata/core-properties"/>
-    <ds:schemaRef ds:uri="5b887053-13c9-4ef0-8e1a-18d371f97b0f"/>
-    <ds:schemaRef ds:uri="http://purl.org/dc/dcmitype/"/>
-  </ds:schemaRefs>
-</ds:datastoreItem>
 </file>
--- a/DesignPatterns/Structural Design Patterns/Structural Design Patterns - WTG.pptx
+++ b/DesignPatterns/Structural Design Patterns/Structural Design Patterns - WTG.pptx
@@ -156,8 +156,7 @@
 <file path=ppt/revisionInfo.xml><?xml version="1.0" encoding="utf-8"?>
 <p1510:revInfo xmlns:a="http://schemas.openxmlformats.org/drawingml/2006/main" xmlns:r="http://schemas.openxmlformats.org/officeDocument/2006/relationships" xmlns:p1510="http://schemas.microsoft.com/office/powerpoint/2015/10/main">
   <p1510:revLst>
-    <p1510:client id="{037A9CA3-FDD3-4549-A1D4-BD9B1626C030}" v="76" dt="2023-03-19T01:03:48.412"/>
-    <p1510:client id="{90D147C7-6DF3-4858-A037-194481D7D906}" v="407" dt="2023-03-19T07:55:50.401"/>
+    <p1510:client id="{90D147C7-6DF3-4858-A037-194481D7D906}" v="408" dt="2023-03-20T04:17:35.528"/>
   </p1510:revLst>
 </p1510:revInfo>
 </file>
@@ -838,7 +837,7 @@
   <pc:docChgLst>
     <pc:chgData name="Nancy Li" userId="afc5209a-cf39-48d8-a57f-08cc8b772ec9" providerId="ADAL" clId="{90D147C7-6DF3-4858-A037-194481D7D906}"/>
     <pc:docChg chg="undo custSel addSld delSld modSld sldOrd">
-      <pc:chgData name="Nancy Li" userId="afc5209a-cf39-48d8-a57f-08cc8b772ec9" providerId="ADAL" clId="{90D147C7-6DF3-4858-A037-194481D7D906}" dt="2023-03-19T07:55:50.401" v="1873" actId="20577"/>
+      <pc:chgData name="Nancy Li" userId="afc5209a-cf39-48d8-a57f-08cc8b772ec9" providerId="ADAL" clId="{90D147C7-6DF3-4858-A037-194481D7D906}" dt="2023-03-20T05:01:34.337" v="1933" actId="1076"/>
       <pc:docMkLst>
         <pc:docMk/>
       </pc:docMkLst>
@@ -933,6 +932,13 @@
         <pc:sldMkLst>
           <pc:docMk/>
           <pc:sldMk cId="3845220615" sldId="271"/>
+        </pc:sldMkLst>
+      </pc:sldChg>
+      <pc:sldChg chg="modNotesTx">
+        <pc:chgData name="Nancy Li" userId="afc5209a-cf39-48d8-a57f-08cc8b772ec9" providerId="ADAL" clId="{90D147C7-6DF3-4858-A037-194481D7D906}" dt="2023-03-20T04:18:44.585" v="1912" actId="20577"/>
+        <pc:sldMkLst>
+          <pc:docMk/>
+          <pc:sldMk cId="2650344970" sldId="272"/>
         </pc:sldMkLst>
       </pc:sldChg>
       <pc:sldChg chg="addSp delSp modSp mod modNotesTx">
@@ -1897,7 +1903,7 @@
         </pc:sldMkLst>
       </pc:sldChg>
       <pc:sldChg chg="addSp delSp modSp add mod modTransition setBg modClrScheme delDesignElem chgLayout modNotesTx">
-        <pc:chgData name="Nancy Li" userId="afc5209a-cf39-48d8-a57f-08cc8b772ec9" providerId="ADAL" clId="{90D147C7-6DF3-4858-A037-194481D7D906}" dt="2023-03-19T07:18:34.226" v="1806" actId="20577"/>
+        <pc:chgData name="Nancy Li" userId="afc5209a-cf39-48d8-a57f-08cc8b772ec9" providerId="ADAL" clId="{90D147C7-6DF3-4858-A037-194481D7D906}" dt="2023-03-20T04:50:05.402" v="1916" actId="20577"/>
         <pc:sldMkLst>
           <pc:docMk/>
           <pc:sldMk cId="291393146" sldId="290"/>
@@ -1974,8 +1980,8 @@
           <pc:sldMk cId="757141201" sldId="290"/>
         </pc:sldMkLst>
       </pc:sldChg>
-      <pc:sldChg chg="addSp delSp modSp new mod">
-        <pc:chgData name="Nancy Li" userId="afc5209a-cf39-48d8-a57f-08cc8b772ec9" providerId="ADAL" clId="{90D147C7-6DF3-4858-A037-194481D7D906}" dt="2023-03-19T05:38:35.024" v="1255" actId="478"/>
+      <pc:sldChg chg="addSp delSp modSp new mod modNotesTx">
+        <pc:chgData name="Nancy Li" userId="afc5209a-cf39-48d8-a57f-08cc8b772ec9" providerId="ADAL" clId="{90D147C7-6DF3-4858-A037-194481D7D906}" dt="2023-03-20T05:01:34.337" v="1933" actId="1076"/>
         <pc:sldMkLst>
           <pc:docMk/>
           <pc:sldMk cId="1579779379" sldId="291"/>
@@ -2013,7 +2019,15 @@
           </ac:spMkLst>
         </pc:spChg>
         <pc:picChg chg="add mod">
-          <ac:chgData name="Nancy Li" userId="afc5209a-cf39-48d8-a57f-08cc8b772ec9" providerId="ADAL" clId="{90D147C7-6DF3-4858-A037-194481D7D906}" dt="2023-03-19T05:38:24.006" v="1253" actId="1076"/>
+          <ac:chgData name="Nancy Li" userId="afc5209a-cf39-48d8-a57f-08cc8b772ec9" providerId="ADAL" clId="{90D147C7-6DF3-4858-A037-194481D7D906}" dt="2023-03-20T05:01:34.337" v="1933" actId="1076"/>
+          <ac:picMkLst>
+            <pc:docMk/>
+            <pc:sldMk cId="1579779379" sldId="291"/>
+            <ac:picMk id="3" creationId="{C70B68BA-0A78-98EB-F6DE-F764CF370950}"/>
+          </ac:picMkLst>
+        </pc:picChg>
+        <pc:picChg chg="add del mod">
+          <ac:chgData name="Nancy Li" userId="afc5209a-cf39-48d8-a57f-08cc8b772ec9" providerId="ADAL" clId="{90D147C7-6DF3-4858-A037-194481D7D906}" dt="2023-03-20T05:01:29.597" v="1929" actId="478"/>
           <ac:picMkLst>
             <pc:docMk/>
             <pc:sldMk cId="1579779379" sldId="291"/>
@@ -25457,7 +25471,7 @@
           <a:p>
             <a:fld id="{E8CEC373-A826-4098-8F48-885ABC80A766}" type="datetimeFigureOut">
               <a:rPr lang="en-US" smtClean="0"/>
-              <a:t>19-Mar-2023</a:t>
+              <a:t>20-Mar-2023</a:t>
             </a:fld>
             <a:endParaRPr lang="en-US"/>
           </a:p>
@@ -25634,7 +25648,7 @@
           <a:p>
             <a:fld id="{0AEB8794-329A-4824-BA43-DD9279C18EEC}" type="datetimeFigureOut">
               <a:rPr lang="en-AU" smtClean="0"/>
-              <a:t>19/03/2023</a:t>
+              <a:t>20/03/2023</a:t>
             </a:fld>
             <a:endParaRPr lang="en-AU"/>
           </a:p>
@@ -27532,7 +27546,25 @@
           <a:bodyPr/>
           <a:lstStyle/>
           <a:p>
+            <a:endParaRPr lang="en-US" b="0" i="0" dirty="0">
+              <a:effectLst/>
+              <a:latin typeface="-apple-system"/>
+            </a:endParaRPr>
+          </a:p>
+          <a:p>
+            <a:r>
+              <a:rPr lang="en-US" dirty="0"/>
+              <a:t>The scope of use is limited.</a:t>
+            </a:r>
+          </a:p>
+          <a:p>
             <a:endParaRPr lang="en-US" dirty="0"/>
+          </a:p>
+          <a:p>
+            <a:r>
+              <a:rPr lang="en-US" dirty="0"/>
+              <a:t>The bridge mode requires the correct identification of two independently changing dimensions in the system, so its scope of use has certain limitations</a:t>
+            </a:r>
           </a:p>
         </p:txBody>
       </p:sp>
@@ -28277,9 +28309,75 @@
           <a:bodyPr/>
           <a:lstStyle/>
           <a:p>
+            <a:pPr defTabSz="2438430">
+              <a:lnSpc>
+                <a:spcPct val="85000"/>
+              </a:lnSpc>
+              <a:spcBef>
+                <a:spcPct val="0"/>
+              </a:spcBef>
+              <a:spcAft>
+                <a:spcPts val="1200"/>
+              </a:spcAft>
+            </a:pPr>
             <a:r>
               <a:rPr lang="en-US" dirty="0"/>
-              <a:t>These are the five design patterns I'm going to explain today.</a:t>
+              <a:t>These are the five </a:t>
+            </a:r>
+            <a:r>
+              <a:rPr lang="en-US" sz="3200" b="1" spc="-50" dirty="0">
+                <a:solidFill>
+                  <a:schemeClr val="accent2"/>
+                </a:solidFill>
+                <a:latin typeface="+mj-lt"/>
+                <a:ea typeface="+mj-ea"/>
+                <a:cs typeface="+mj-cs"/>
+              </a:rPr>
+              <a:t>Structural</a:t>
+            </a:r>
+            <a:r>
+              <a:rPr lang="en-US" sz="3200" spc="-50" dirty="0">
+                <a:solidFill>
+                  <a:schemeClr val="accent2"/>
+                </a:solidFill>
+                <a:latin typeface="+mj-lt"/>
+                <a:ea typeface="+mj-ea"/>
+                <a:cs typeface="+mj-cs"/>
+              </a:rPr>
+              <a:t> </a:t>
+            </a:r>
+            <a:r>
+              <a:rPr lang="en-US" sz="3200" b="1" spc="-50" dirty="0">
+                <a:solidFill>
+                  <a:schemeClr val="accent2"/>
+                </a:solidFill>
+                <a:latin typeface="+mj-lt"/>
+                <a:ea typeface="+mj-ea"/>
+                <a:cs typeface="+mj-cs"/>
+              </a:rPr>
+              <a:t>Design</a:t>
+            </a:r>
+            <a:r>
+              <a:rPr lang="en-US" sz="3200" spc="-50" dirty="0">
+                <a:solidFill>
+                  <a:schemeClr val="accent2"/>
+                </a:solidFill>
+                <a:latin typeface="+mj-lt"/>
+                <a:ea typeface="+mj-ea"/>
+                <a:cs typeface="+mj-cs"/>
+              </a:rPr>
+              <a:t> </a:t>
+            </a:r>
+            <a:r>
+              <a:rPr lang="en-US" sz="3200" b="1" spc="-50" dirty="0">
+                <a:solidFill>
+                  <a:schemeClr val="accent2"/>
+                </a:solidFill>
+                <a:latin typeface="+mj-lt"/>
+                <a:ea typeface="+mj-ea"/>
+                <a:cs typeface="+mj-cs"/>
+              </a:rPr>
+              <a:t>Patterns.</a:t>
             </a:r>
           </a:p>
           <a:p>
@@ -29610,6 +29708,36 @@
             </a:r>
           </a:p>
           <a:p>
+            <a:pPr algn="l" rtl="0"/>
+            <a:endParaRPr lang="en-US" b="0" i="0" dirty="0">
+              <a:effectLst/>
+              <a:latin typeface="Arial" panose="020B0604020202020204" pitchFamily="34" charset="0"/>
+            </a:endParaRPr>
+          </a:p>
+          <a:p>
+            <a:pPr algn="l" rtl="0"/>
+            <a:r>
+              <a:rPr lang="en-US" b="0" i="0" dirty="0">
+                <a:solidFill>
+                  <a:srgbClr val="333333"/>
+                </a:solidFill>
+                <a:effectLst/>
+                <a:latin typeface="Arial" panose="020B0604020202020204" pitchFamily="34" charset="0"/>
+              </a:rPr>
+              <a:t>In a production environment, any changes are dangerous and may break existing behavior.</a:t>
+            </a:r>
+          </a:p>
+          <a:p>
+            <a:pPr algn="l" rtl="0"/>
+            <a:endParaRPr lang="en-US" b="0" i="0" dirty="0">
+              <a:solidFill>
+                <a:srgbClr val="333333"/>
+              </a:solidFill>
+              <a:effectLst/>
+              <a:latin typeface="Arial" panose="020B0604020202020204" pitchFamily="34" charset="0"/>
+            </a:endParaRPr>
+          </a:p>
+          <a:p>
             <a:r>
               <a:rPr lang="en-US" b="0" i="0" dirty="0">
                 <a:solidFill>
@@ -29618,7 +29746,7 @@
                 <a:effectLst/>
                 <a:latin typeface="Gilroy"/>
               </a:rPr>
-              <a:t>That is, such an entity can allow its behavior to be extended without modifying its source code. </a:t>
+              <a:t>//That is, such an entity can allow its behavior to be extended without modifying its source code. </a:t>
             </a:r>
           </a:p>
           <a:p>
@@ -32602,7 +32730,7 @@
           <a:p>
             <a:fld id="{822760BF-B81F-4B4F-BD54-723812BEFC93}" type="datetimeFigureOut">
               <a:rPr lang="en-US" smtClean="0"/>
-              <a:t>19-Mar-2023</a:t>
+              <a:t>20-Mar-2023</a:t>
             </a:fld>
             <a:endParaRPr lang="en-US"/>
           </a:p>
@@ -34735,10 +34863,10 @@
       </p:sp>
       <p:pic>
         <p:nvPicPr>
-          <p:cNvPr id="9" name="Picture 8">
+          <p:cNvPr id="3" name="Picture 2">
             <a:extLst>
               <a:ext uri="{FF2B5EF4-FFF2-40B4-BE49-F238E27FC236}">
-                <a16:creationId xmlns:a16="http://schemas.microsoft.com/office/drawing/2014/main" id="{A9BF213F-C18B-FF9D-7C2B-F41CBFC9C66C}"/>
+                <a16:creationId xmlns:a16="http://schemas.microsoft.com/office/drawing/2014/main" id="{C70B68BA-0A78-98EB-F6DE-F764CF370950}"/>
               </a:ext>
             </a:extLst>
           </p:cNvPr>
@@ -34755,8 +34883,8 @@
         </p:blipFill>
         <p:spPr>
           <a:xfrm>
-            <a:off x="1678832" y="3473624"/>
-            <a:ext cx="19020499" cy="6552728"/>
+            <a:off x="2110880" y="2645552"/>
+            <a:ext cx="19647593" cy="7920880"/>
           </a:xfrm>
           <a:prstGeom prst="rect">
             <a:avLst/>
@@ -38281,6 +38409,15 @@
 </file>
 
 <file path=customXml/item1.xml><?xml version="1.0" encoding="utf-8"?>
+<?mso-contentType ?>
+<FormTemplates xmlns="http://schemas.microsoft.com/sharepoint/v3/contenttype/forms">
+  <Display>DocumentLibraryForm</Display>
+  <Edit>DocumentLibraryForm</Edit>
+  <New>DocumentLibraryForm</New>
+</FormTemplates>
+</file>
+
+<file path=customXml/item2.xml><?xml version="1.0" encoding="utf-8"?>
 <p:properties xmlns:p="http://schemas.microsoft.com/office/2006/metadata/properties" xmlns:xsi="http://www.w3.org/2001/XMLSchema-instance" xmlns:pc="http://schemas.microsoft.com/office/infopath/2007/PartnerControls">
   <documentManagement>
     <m31bf1e07b944e52adeba921bc267c6f xmlns="5b887053-13c9-4ef0-8e1a-18d371f97b0f">
@@ -38312,15 +38449,6 @@
     </SharedWithUsers>
   </documentManagement>
 </p:properties>
-</file>
-
-<file path=customXml/item2.xml><?xml version="1.0" encoding="utf-8"?>
-<?mso-contentType ?>
-<FormTemplates xmlns="http://schemas.microsoft.com/sharepoint/v3/contenttype/forms">
-  <Display>DocumentLibraryForm</Display>
-  <Edit>DocumentLibraryForm</Edit>
-  <New>DocumentLibraryForm</New>
-</FormTemplates>
 </file>
 
 <file path=customXml/item3.xml><?xml version="1.0" encoding="utf-8"?>
@@ -38557,6 +38685,14 @@
 </file>
 
 <file path=customXml/itemProps1.xml><?xml version="1.0" encoding="utf-8"?>
+<ds:datastoreItem xmlns:ds="http://schemas.openxmlformats.org/officeDocument/2006/customXml" ds:itemID="{D703E6E5-489B-4004-B595-51B1421CF944}">
+  <ds:schemaRefs>
+    <ds:schemaRef ds:uri="http://schemas.microsoft.com/sharepoint/v3/contenttype/forms"/>
+  </ds:schemaRefs>
+</ds:datastoreItem>
+</file>
+
+<file path=customXml/itemProps2.xml><?xml version="1.0" encoding="utf-8"?>
 <ds:datastoreItem xmlns:ds="http://schemas.openxmlformats.org/officeDocument/2006/customXml" ds:itemID="{FDC47B46-8518-488D-ACE5-55099526A1A9}">
   <ds:schemaRefs>
     <ds:schemaRef ds:uri="http://schemas.microsoft.com/office/2006/metadata/properties"/>
@@ -38569,14 +38705,6 @@
     <ds:schemaRef ds:uri="http://schemas.openxmlformats.org/package/2006/metadata/core-properties"/>
     <ds:schemaRef ds:uri="5b887053-13c9-4ef0-8e1a-18d371f97b0f"/>
     <ds:schemaRef ds:uri="http://purl.org/dc/dcmitype/"/>
-  </ds:schemaRefs>
-</ds:datastoreItem>
-</file>
-
-<file path=customXml/itemProps2.xml><?xml version="1.0" encoding="utf-8"?>
-<ds:datastoreItem xmlns:ds="http://schemas.openxmlformats.org/officeDocument/2006/customXml" ds:itemID="{D703E6E5-489B-4004-B595-51B1421CF944}">
-  <ds:schemaRefs>
-    <ds:schemaRef ds:uri="http://schemas.microsoft.com/sharepoint/v3/contenttype/forms"/>
   </ds:schemaRefs>
 </ds:datastoreItem>
 </file>

--- a/DesignPatterns/Structural Design Patterns/Structural Design Patterns - WTG.pptx
+++ b/DesignPatterns/Structural Design Patterns/Structural Design Patterns - WTG.pptx
@@ -156,7 +156,7 @@
 <file path=ppt/revisionInfo.xml><?xml version="1.0" encoding="utf-8"?>
 <p1510:revInfo xmlns:a="http://schemas.openxmlformats.org/drawingml/2006/main" xmlns:r="http://schemas.openxmlformats.org/officeDocument/2006/relationships" xmlns:p1510="http://schemas.microsoft.com/office/powerpoint/2015/10/main">
   <p1510:revLst>
-    <p1510:client id="{90D147C7-6DF3-4858-A037-194481D7D906}" v="408" dt="2023-03-20T04:17:35.528"/>
+    <p1510:client id="{90D147C7-6DF3-4858-A037-194481D7D906}" v="413" dt="2023-03-20T05:49:55.777"/>
   </p1510:revLst>
 </p1510:revInfo>
 </file>
@@ -837,7 +837,7 @@
   <pc:docChgLst>
     <pc:chgData name="Nancy Li" userId="afc5209a-cf39-48d8-a57f-08cc8b772ec9" providerId="ADAL" clId="{90D147C7-6DF3-4858-A037-194481D7D906}"/>
     <pc:docChg chg="undo custSel addSld delSld modSld sldOrd">
-      <pc:chgData name="Nancy Li" userId="afc5209a-cf39-48d8-a57f-08cc8b772ec9" providerId="ADAL" clId="{90D147C7-6DF3-4858-A037-194481D7D906}" dt="2023-03-20T05:01:34.337" v="1933" actId="1076"/>
+      <pc:chgData name="Nancy Li" userId="afc5209a-cf39-48d8-a57f-08cc8b772ec9" providerId="ADAL" clId="{90D147C7-6DF3-4858-A037-194481D7D906}" dt="2023-03-20T05:50:02.391" v="1978" actId="20577"/>
       <pc:docMkLst>
         <pc:docMk/>
       </pc:docMkLst>
@@ -1382,7 +1382,7 @@
         </pc:picChg>
       </pc:sldChg>
       <pc:sldChg chg="addSp delSp modSp add mod ord modNotesTx">
-        <pc:chgData name="Nancy Li" userId="afc5209a-cf39-48d8-a57f-08cc8b772ec9" providerId="ADAL" clId="{90D147C7-6DF3-4858-A037-194481D7D906}" dt="2023-03-19T07:45:55.960" v="1860" actId="20577"/>
+        <pc:chgData name="Nancy Li" userId="afc5209a-cf39-48d8-a57f-08cc8b772ec9" providerId="ADAL" clId="{90D147C7-6DF3-4858-A037-194481D7D906}" dt="2023-03-20T05:50:02.391" v="1978" actId="20577"/>
         <pc:sldMkLst>
           <pc:docMk/>
           <pc:sldMk cId="286972125" sldId="283"/>
@@ -1903,7 +1903,7 @@
         </pc:sldMkLst>
       </pc:sldChg>
       <pc:sldChg chg="addSp delSp modSp add mod modTransition setBg modClrScheme delDesignElem chgLayout modNotesTx">
-        <pc:chgData name="Nancy Li" userId="afc5209a-cf39-48d8-a57f-08cc8b772ec9" providerId="ADAL" clId="{90D147C7-6DF3-4858-A037-194481D7D906}" dt="2023-03-20T04:50:05.402" v="1916" actId="20577"/>
+        <pc:chgData name="Nancy Li" userId="afc5209a-cf39-48d8-a57f-08cc8b772ec9" providerId="ADAL" clId="{90D147C7-6DF3-4858-A037-194481D7D906}" dt="2023-03-20T05:10:13.105" v="1935" actId="20577"/>
         <pc:sldMkLst>
           <pc:docMk/>
           <pc:sldMk cId="291393146" sldId="290"/>
@@ -1981,7 +1981,7 @@
         </pc:sldMkLst>
       </pc:sldChg>
       <pc:sldChg chg="addSp delSp modSp new mod modNotesTx">
-        <pc:chgData name="Nancy Li" userId="afc5209a-cf39-48d8-a57f-08cc8b772ec9" providerId="ADAL" clId="{90D147C7-6DF3-4858-A037-194481D7D906}" dt="2023-03-20T05:01:34.337" v="1933" actId="1076"/>
+        <pc:chgData name="Nancy Li" userId="afc5209a-cf39-48d8-a57f-08cc8b772ec9" providerId="ADAL" clId="{90D147C7-6DF3-4858-A037-194481D7D906}" dt="2023-03-20T05:42:06.227" v="1955" actId="6549"/>
         <pc:sldMkLst>
           <pc:docMk/>
           <pc:sldMk cId="1579779379" sldId="291"/>
@@ -2035,19 +2035,35 @@
           </ac:picMkLst>
         </pc:picChg>
       </pc:sldChg>
-      <pc:sldChg chg="add">
-        <pc:chgData name="Nancy Li" userId="afc5209a-cf39-48d8-a57f-08cc8b772ec9" providerId="ADAL" clId="{90D147C7-6DF3-4858-A037-194481D7D906}" dt="2023-03-19T07:13:15.982" v="1762"/>
+      <pc:sldChg chg="modSp add mod">
+        <pc:chgData name="Nancy Li" userId="afc5209a-cf39-48d8-a57f-08cc8b772ec9" providerId="ADAL" clId="{90D147C7-6DF3-4858-A037-194481D7D906}" dt="2023-03-20T05:11:14.675" v="1937" actId="20577"/>
         <pc:sldMkLst>
           <pc:docMk/>
           <pc:sldMk cId="4119860341" sldId="303"/>
         </pc:sldMkLst>
+        <pc:spChg chg="mod">
+          <ac:chgData name="Nancy Li" userId="afc5209a-cf39-48d8-a57f-08cc8b772ec9" providerId="ADAL" clId="{90D147C7-6DF3-4858-A037-194481D7D906}" dt="2023-03-20T05:11:14.675" v="1937" actId="20577"/>
+          <ac:spMkLst>
+            <pc:docMk/>
+            <pc:sldMk cId="4119860341" sldId="303"/>
+            <ac:spMk id="4" creationId="{702BB244-0143-46E9-AB0D-33C6D0BE5A90}"/>
+          </ac:spMkLst>
+        </pc:spChg>
       </pc:sldChg>
-      <pc:sldChg chg="add ord">
-        <pc:chgData name="Nancy Li" userId="afc5209a-cf39-48d8-a57f-08cc8b772ec9" providerId="ADAL" clId="{90D147C7-6DF3-4858-A037-194481D7D906}" dt="2023-03-19T07:13:35.873" v="1768"/>
+      <pc:sldChg chg="modSp add mod ord">
+        <pc:chgData name="Nancy Li" userId="afc5209a-cf39-48d8-a57f-08cc8b772ec9" providerId="ADAL" clId="{90D147C7-6DF3-4858-A037-194481D7D906}" dt="2023-03-20T05:11:18.719" v="1939" actId="20577"/>
         <pc:sldMkLst>
           <pc:docMk/>
           <pc:sldMk cId="1537924355" sldId="304"/>
         </pc:sldMkLst>
+        <pc:spChg chg="mod">
+          <ac:chgData name="Nancy Li" userId="afc5209a-cf39-48d8-a57f-08cc8b772ec9" providerId="ADAL" clId="{90D147C7-6DF3-4858-A037-194481D7D906}" dt="2023-03-20T05:11:18.719" v="1939" actId="20577"/>
+          <ac:spMkLst>
+            <pc:docMk/>
+            <pc:sldMk cId="1537924355" sldId="304"/>
+            <ac:spMk id="30" creationId="{62D608DF-2C21-42F8-B47A-E608979F4842}"/>
+          </ac:spMkLst>
+        </pc:spChg>
       </pc:sldChg>
       <pc:sldChg chg="addSp delSp modSp new mod">
         <pc:chgData name="Nancy Li" userId="afc5209a-cf39-48d8-a57f-08cc8b772ec9" providerId="ADAL" clId="{90D147C7-6DF3-4858-A037-194481D7D906}" dt="2023-03-19T07:24:44.577" v="1824" actId="1076"/>
@@ -10303,7 +10319,7 @@
         <a:lstStyle/>
         <a:p>
           <a:r>
-            <a:rPr lang="en-US" b="1" kern="1200">
+            <a:rPr lang="en-US" b="1" kern="1200" dirty="0">
               <a:latin typeface="Calibri" panose="020F0502020204030204"/>
               <a:ea typeface="+mn-ea"/>
               <a:cs typeface="+mn-cs"/>
@@ -13417,7 +13433,7 @@
             <a:buNone/>
           </a:pPr>
           <a:r>
-            <a:rPr lang="en-US" sz="4900" b="1" kern="1200">
+            <a:rPr lang="en-US" sz="4900" b="1" kern="1200" dirty="0">
               <a:latin typeface="Calibri" panose="020F0502020204030204"/>
               <a:ea typeface="+mn-ea"/>
               <a:cs typeface="+mn-cs"/>
@@ -26845,6 +26861,115 @@
             <a:r>
               <a:rPr lang="en-US" b="0" i="0" dirty="0">
                 <a:solidFill>
+                  <a:srgbClr val="444444"/>
+                </a:solidFill>
+                <a:effectLst/>
+                <a:latin typeface="PT Sans" panose="020B0503020203020204" pitchFamily="34" charset="0"/>
+              </a:rPr>
+              <a:t>It is required to correctly identify two independently changing </a:t>
+            </a:r>
+            <a:r>
+              <a:rPr lang="en-US" altLang="zh-CN" b="0" i="0" dirty="0">
+                <a:solidFill>
+                  <a:srgbClr val="444444"/>
+                </a:solidFill>
+                <a:effectLst/>
+                <a:latin typeface="PT Sans" panose="020B0503020203020204" pitchFamily="34" charset="0"/>
+              </a:rPr>
+              <a:t>parts</a:t>
+            </a:r>
+            <a:r>
+              <a:rPr lang="en-US" b="0" i="0" dirty="0">
+                <a:solidFill>
+                  <a:srgbClr val="444444"/>
+                </a:solidFill>
+                <a:effectLst/>
+                <a:latin typeface="PT Sans" panose="020B0503020203020204" pitchFamily="34" charset="0"/>
+              </a:rPr>
+              <a:t> in the system.</a:t>
+            </a:r>
+          </a:p>
+          <a:p>
+            <a:endParaRPr lang="en-US" b="0" i="0" dirty="0">
+              <a:solidFill>
+                <a:srgbClr val="444444"/>
+              </a:solidFill>
+              <a:effectLst/>
+              <a:latin typeface="PT Sans" panose="020B0503020203020204" pitchFamily="34" charset="0"/>
+            </a:endParaRPr>
+          </a:p>
+          <a:p>
+            <a:r>
+              <a:rPr lang="en-US" b="0" i="0" dirty="0">
+                <a:solidFill>
+                  <a:srgbClr val="444444"/>
+                </a:solidFill>
+                <a:effectLst/>
+                <a:latin typeface="PT Sans" panose="020B0503020203020204" pitchFamily="34" charset="0"/>
+              </a:rPr>
+              <a:t>In</a:t>
+            </a:r>
+            <a:r>
+              <a:rPr lang="zh-CN" altLang="en-US" b="0" i="0" dirty="0">
+                <a:solidFill>
+                  <a:srgbClr val="444444"/>
+                </a:solidFill>
+                <a:effectLst/>
+                <a:latin typeface="PT Sans" panose="020B0503020203020204" pitchFamily="34" charset="0"/>
+              </a:rPr>
+              <a:t> </a:t>
+            </a:r>
+            <a:r>
+              <a:rPr lang="en-US" altLang="zh-CN" b="0" i="0">
+                <a:solidFill>
+                  <a:srgbClr val="444444"/>
+                </a:solidFill>
+                <a:effectLst/>
+                <a:latin typeface="PT Sans" panose="020B0503020203020204" pitchFamily="34" charset="0"/>
+              </a:rPr>
+              <a:t>our</a:t>
+            </a:r>
+            <a:r>
+              <a:rPr lang="zh-CN" altLang="en-US" b="0" i="0">
+                <a:solidFill>
+                  <a:srgbClr val="444444"/>
+                </a:solidFill>
+                <a:effectLst/>
+                <a:latin typeface="PT Sans" panose="020B0503020203020204" pitchFamily="34" charset="0"/>
+              </a:rPr>
+              <a:t> </a:t>
+            </a:r>
+            <a:r>
+              <a:rPr lang="en-US" altLang="zh-CN" b="0" i="0">
+                <a:solidFill>
+                  <a:srgbClr val="444444"/>
+                </a:solidFill>
+                <a:effectLst/>
+                <a:latin typeface="PT Sans" panose="020B0503020203020204" pitchFamily="34" charset="0"/>
+              </a:rPr>
+              <a:t>example,</a:t>
+            </a:r>
+            <a:endParaRPr lang="en-US" b="0" i="0" dirty="0">
+              <a:solidFill>
+                <a:srgbClr val="444444"/>
+              </a:solidFill>
+              <a:effectLst/>
+              <a:latin typeface="PT Sans" panose="020B0503020203020204" pitchFamily="34" charset="0"/>
+            </a:endParaRPr>
+          </a:p>
+          <a:p>
+            <a:endParaRPr lang="en-US" b="0" i="0" dirty="0">
+              <a:solidFill>
+                <a:srgbClr val="000000"/>
+              </a:solidFill>
+              <a:effectLst/>
+              <a:latin typeface="Gilroy"/>
+            </a:endParaRPr>
+          </a:p>
+          <a:p>
+            <a:r>
+              <a:rPr lang="en-US" b="0" i="0" dirty="0">
+                <a:solidFill>
                   <a:srgbClr val="000000"/>
                 </a:solidFill>
                 <a:effectLst/>
@@ -27565,6 +27690,82 @@
               <a:rPr lang="en-US" dirty="0"/>
               <a:t>The bridge mode requires the correct identification of two independently changing dimensions in the system, so its scope of use has certain limitations</a:t>
             </a:r>
+          </a:p>
+          <a:p>
+            <a:endParaRPr lang="en-US" dirty="0"/>
+          </a:p>
+          <a:p>
+            <a:r>
+              <a:rPr lang="en-US" b="0" i="0" dirty="0">
+                <a:solidFill>
+                  <a:srgbClr val="2A2B2E"/>
+                </a:solidFill>
+                <a:effectLst/>
+                <a:latin typeface="Gilroy"/>
+              </a:rPr>
+              <a:t>The </a:t>
+            </a:r>
+            <a:r>
+              <a:rPr lang="en-US" b="0" i="0" dirty="0">
+                <a:solidFill>
+                  <a:srgbClr val="F03744"/>
+                </a:solidFill>
+                <a:effectLst/>
+                <a:latin typeface="Gilroy"/>
+              </a:rPr>
+              <a:t>Single</a:t>
+            </a:r>
+            <a:r>
+              <a:rPr lang="en-US" b="0" i="0" dirty="0">
+                <a:solidFill>
+                  <a:srgbClr val="2A2B2E"/>
+                </a:solidFill>
+                <a:effectLst/>
+                <a:latin typeface="Gilroy"/>
+              </a:rPr>
+              <a:t> </a:t>
+            </a:r>
+            <a:r>
+              <a:rPr lang="en-US" b="0" i="0" dirty="0">
+                <a:solidFill>
+                  <a:srgbClr val="F03744"/>
+                </a:solidFill>
+                <a:effectLst/>
+                <a:latin typeface="Gilroy"/>
+              </a:rPr>
+              <a:t>Responsibility</a:t>
+            </a:r>
+            <a:r>
+              <a:rPr lang="en-US" b="0" i="0" dirty="0">
+                <a:solidFill>
+                  <a:srgbClr val="2A2B2E"/>
+                </a:solidFill>
+                <a:effectLst/>
+                <a:latin typeface="Gilroy"/>
+              </a:rPr>
+              <a:t> </a:t>
+            </a:r>
+            <a:r>
+              <a:rPr lang="en-US" b="0" i="0" dirty="0">
+                <a:solidFill>
+                  <a:srgbClr val="F03744"/>
+                </a:solidFill>
+                <a:effectLst/>
+                <a:latin typeface="Gilroy"/>
+              </a:rPr>
+              <a:t>Principle</a:t>
+            </a:r>
+            <a:r>
+              <a:rPr lang="en-US" b="0" i="0" dirty="0">
+                <a:solidFill>
+                  <a:srgbClr val="2A2B2E"/>
+                </a:solidFill>
+                <a:effectLst/>
+                <a:latin typeface="Gilroy"/>
+              </a:rPr>
+              <a:t>: a class should have only one reason to change.</a:t>
+            </a:r>
+            <a:endParaRPr lang="en-US" dirty="0"/>
           </a:p>
         </p:txBody>
       </p:sp>
@@ -28440,7 +28641,17 @@
             </a:r>
             <a:r>
               <a:rPr lang="en-US" dirty="0"/>
-              <a:t> provides convenient access to a particular part of the subsystem’s functionality. </a:t>
+              <a:t> </a:t>
+            </a:r>
+            <a:r>
+              <a:rPr lang="en-US" b="0" i="0" dirty="0">
+                <a:solidFill>
+                  <a:srgbClr val="444444"/>
+                </a:solidFill>
+                <a:effectLst/>
+                <a:latin typeface="PT Sans" panose="020B0503020203020204" pitchFamily="34" charset="0"/>
+              </a:rPr>
+              <a:t>provides a simplified interface to a library, a framework, or any other complex set of classes.</a:t>
             </a:r>
           </a:p>
           <a:p>
@@ -35942,8 +36153,12 @@
           <a:lstStyle/>
           <a:p>
             <a:r>
-              <a:rPr lang="en-AU"/>
-              <a:t>© 2020 CargoWise</a:t>
+              <a:rPr lang="en-AU" dirty="0"/>
+              <a:t>© 2023 </a:t>
+            </a:r>
+            <a:r>
+              <a:rPr lang="en-AU" dirty="0" err="1"/>
+              <a:t>CargoWise</a:t>
             </a:r>
             <a:endParaRPr lang="en-AU" dirty="0"/>
           </a:p>
@@ -36002,7 +36217,7 @@
           <a:p>
             <a:r>
               <a:rPr lang="en-AU" dirty="0"/>
-              <a:t>© 2021 CargoWise</a:t>
+              <a:t>© 2023 CargoWise</a:t>
             </a:r>
           </a:p>
         </p:txBody>
@@ -38409,15 +38624,6 @@
 </file>
 
 <file path=customXml/item1.xml><?xml version="1.0" encoding="utf-8"?>
-<?mso-contentType ?>
-<FormTemplates xmlns="http://schemas.microsoft.com/sharepoint/v3/contenttype/forms">
-  <Display>DocumentLibraryForm</Display>
-  <Edit>DocumentLibraryForm</Edit>
-  <New>DocumentLibraryForm</New>
-</FormTemplates>
-</file>
-
-<file path=customXml/item2.xml><?xml version="1.0" encoding="utf-8"?>
 <p:properties xmlns:p="http://schemas.microsoft.com/office/2006/metadata/properties" xmlns:xsi="http://www.w3.org/2001/XMLSchema-instance" xmlns:pc="http://schemas.microsoft.com/office/infopath/2007/PartnerControls">
   <documentManagement>
     <m31bf1e07b944e52adeba921bc267c6f xmlns="5b887053-13c9-4ef0-8e1a-18d371f97b0f">
@@ -38449,6 +38655,15 @@
     </SharedWithUsers>
   </documentManagement>
 </p:properties>
+</file>
+
+<file path=customXml/item2.xml><?xml version="1.0" encoding="utf-8"?>
+<?mso-contentType ?>
+<FormTemplates xmlns="http://schemas.microsoft.com/sharepoint/v3/contenttype/forms">
+  <Display>DocumentLibraryForm</Display>
+  <Edit>DocumentLibraryForm</Edit>
+  <New>DocumentLibraryForm</New>
+</FormTemplates>
 </file>
 
 <file path=customXml/item3.xml><?xml version="1.0" encoding="utf-8"?>
@@ -38685,14 +38900,6 @@
 </file>
 
 <file path=customXml/itemProps1.xml><?xml version="1.0" encoding="utf-8"?>
-<ds:datastoreItem xmlns:ds="http://schemas.openxmlformats.org/officeDocument/2006/customXml" ds:itemID="{D703E6E5-489B-4004-B595-51B1421CF944}">
-  <ds:schemaRefs>
-    <ds:schemaRef ds:uri="http://schemas.microsoft.com/sharepoint/v3/contenttype/forms"/>
-  </ds:schemaRefs>
-</ds:datastoreItem>
-</file>
-
-<file path=customXml/itemProps2.xml><?xml version="1.0" encoding="utf-8"?>
 <ds:datastoreItem xmlns:ds="http://schemas.openxmlformats.org/officeDocument/2006/customXml" ds:itemID="{FDC47B46-8518-488D-ACE5-55099526A1A9}">
   <ds:schemaRefs>
     <ds:schemaRef ds:uri="http://schemas.microsoft.com/office/2006/metadata/properties"/>
@@ -38705,6 +38912,14 @@
     <ds:schemaRef ds:uri="http://schemas.openxmlformats.org/package/2006/metadata/core-properties"/>
     <ds:schemaRef ds:uri="5b887053-13c9-4ef0-8e1a-18d371f97b0f"/>
     <ds:schemaRef ds:uri="http://purl.org/dc/dcmitype/"/>
+  </ds:schemaRefs>
+</ds:datastoreItem>
+</file>
+
+<file path=customXml/itemProps2.xml><?xml version="1.0" encoding="utf-8"?>
+<ds:datastoreItem xmlns:ds="http://schemas.openxmlformats.org/officeDocument/2006/customXml" ds:itemID="{D703E6E5-489B-4004-B595-51B1421CF944}">
+  <ds:schemaRefs>
+    <ds:schemaRef ds:uri="http://schemas.microsoft.com/sharepoint/v3/contenttype/forms"/>
   </ds:schemaRefs>
 </ds:datastoreItem>
 </file>
